--- a/03_Rapport/Rapport_Projet.pptx
+++ b/03_Rapport/Rapport_Projet.pptx
@@ -5,7 +5,7 @@
     <p:sldMasterId id="2147483648" r:id="rId1"/>
   </p:sldMasterIdLst>
   <p:notesMasterIdLst>
-    <p:notesMasterId r:id="rId21"/>
+    <p:notesMasterId r:id="rId24"/>
   </p:notesMasterIdLst>
   <p:sldIdLst>
     <p:sldId id="256" r:id="rId2"/>
@@ -15,18 +15,21 @@
     <p:sldId id="270" r:id="rId6"/>
     <p:sldId id="271" r:id="rId7"/>
     <p:sldId id="272" r:id="rId8"/>
-    <p:sldId id="273" r:id="rId9"/>
-    <p:sldId id="275" r:id="rId10"/>
-    <p:sldId id="268" r:id="rId11"/>
-    <p:sldId id="267" r:id="rId12"/>
-    <p:sldId id="257" r:id="rId13"/>
-    <p:sldId id="258" r:id="rId14"/>
-    <p:sldId id="259" r:id="rId15"/>
-    <p:sldId id="266" r:id="rId16"/>
-    <p:sldId id="260" r:id="rId17"/>
-    <p:sldId id="261" r:id="rId18"/>
-    <p:sldId id="263" r:id="rId19"/>
-    <p:sldId id="264" r:id="rId20"/>
+    <p:sldId id="276" r:id="rId9"/>
+    <p:sldId id="277" r:id="rId10"/>
+    <p:sldId id="278" r:id="rId11"/>
+    <p:sldId id="273" r:id="rId12"/>
+    <p:sldId id="275" r:id="rId13"/>
+    <p:sldId id="268" r:id="rId14"/>
+    <p:sldId id="267" r:id="rId15"/>
+    <p:sldId id="257" r:id="rId16"/>
+    <p:sldId id="258" r:id="rId17"/>
+    <p:sldId id="259" r:id="rId18"/>
+    <p:sldId id="266" r:id="rId19"/>
+    <p:sldId id="260" r:id="rId20"/>
+    <p:sldId id="261" r:id="rId21"/>
+    <p:sldId id="263" r:id="rId22"/>
+    <p:sldId id="264" r:id="rId23"/>
   </p:sldIdLst>
   <p:sldSz cx="12192000" cy="6858000"/>
   <p:notesSz cx="6858000" cy="9144000"/>
@@ -142,7 +145,7 @@
 <file path=ppt/revisionInfo.xml><?xml version="1.0" encoding="utf-8"?>
 <p1510:revInfo xmlns:a="http://schemas.openxmlformats.org/drawingml/2006/main" xmlns:r="http://schemas.openxmlformats.org/officeDocument/2006/relationships" xmlns:p1510="http://schemas.microsoft.com/office/powerpoint/2015/10/main">
   <p1510:revLst>
-    <p1510:client id="{1404D58C-429C-4D75-B5B2-E1C9B8E0DC36}" v="1021" dt="2025-03-16T15:23:46.245"/>
+    <p1510:client id="{1404D58C-429C-4D75-B5B2-E1C9B8E0DC36}" v="2385" dt="2025-03-16T18:25:29.250"/>
   </p1510:revLst>
 </p1510:revInfo>
 </file>
@@ -1379,18 +1382,18 @@
   <pc:docChgLst>
     <pc:chgData name="François GLEYZON" userId="a2d04f23f7faf3ef" providerId="LiveId" clId="{1404D58C-429C-4D75-B5B2-E1C9B8E0DC36}"/>
     <pc:docChg chg="undo redo custSel addSld modSld sldOrd">
-      <pc:chgData name="François GLEYZON" userId="a2d04f23f7faf3ef" providerId="LiveId" clId="{1404D58C-429C-4D75-B5B2-E1C9B8E0DC36}" dt="2025-03-16T15:25:15.576" v="3276" actId="113"/>
+      <pc:chgData name="François GLEYZON" userId="a2d04f23f7faf3ef" providerId="LiveId" clId="{1404D58C-429C-4D75-B5B2-E1C9B8E0DC36}" dt="2025-03-16T18:28:40.057" v="7126" actId="113"/>
       <pc:docMkLst>
         <pc:docMk/>
       </pc:docMkLst>
       <pc:sldChg chg="addSp delSp modSp mod">
-        <pc:chgData name="François GLEYZON" userId="a2d04f23f7faf3ef" providerId="LiveId" clId="{1404D58C-429C-4D75-B5B2-E1C9B8E0DC36}" dt="2025-03-16T14:36:30.969" v="1516"/>
+        <pc:chgData name="François GLEYZON" userId="a2d04f23f7faf3ef" providerId="LiveId" clId="{1404D58C-429C-4D75-B5B2-E1C9B8E0DC36}" dt="2025-03-16T18:23:34.728" v="6917" actId="13926"/>
         <pc:sldMkLst>
           <pc:docMk/>
           <pc:sldMk cId="2801290844" sldId="256"/>
         </pc:sldMkLst>
         <pc:spChg chg="mod">
-          <ac:chgData name="François GLEYZON" userId="a2d04f23f7faf3ef" providerId="LiveId" clId="{1404D58C-429C-4D75-B5B2-E1C9B8E0DC36}" dt="2025-03-16T14:15:46.533" v="5" actId="20577"/>
+          <ac:chgData name="François GLEYZON" userId="a2d04f23f7faf3ef" providerId="LiveId" clId="{1404D58C-429C-4D75-B5B2-E1C9B8E0DC36}" dt="2025-03-16T18:23:34.728" v="6917" actId="13926"/>
           <ac:spMkLst>
             <pc:docMk/>
             <pc:sldMk cId="2801290844" sldId="256"/>
@@ -1438,7 +1441,7 @@
         </pc:spChg>
       </pc:sldChg>
       <pc:sldChg chg="addSp delSp modSp mod">
-        <pc:chgData name="François GLEYZON" userId="a2d04f23f7faf3ef" providerId="LiveId" clId="{1404D58C-429C-4D75-B5B2-E1C9B8E0DC36}" dt="2025-03-16T14:37:08.843" v="1548" actId="1038"/>
+        <pc:chgData name="François GLEYZON" userId="a2d04f23f7faf3ef" providerId="LiveId" clId="{1404D58C-429C-4D75-B5B2-E1C9B8E0DC36}" dt="2025-03-16T18:23:45.777" v="6935" actId="20577"/>
         <pc:sldMkLst>
           <pc:docMk/>
           <pc:sldMk cId="1966793551" sldId="265"/>
@@ -1572,7 +1575,7 @@
           </ac:spMkLst>
         </pc:spChg>
         <pc:spChg chg="add mod">
-          <ac:chgData name="François GLEYZON" userId="a2d04f23f7faf3ef" providerId="LiveId" clId="{1404D58C-429C-4D75-B5B2-E1C9B8E0DC36}" dt="2025-03-16T14:34:52.563" v="1189" actId="1076"/>
+          <ac:chgData name="François GLEYZON" userId="a2d04f23f7faf3ef" providerId="LiveId" clId="{1404D58C-429C-4D75-B5B2-E1C9B8E0DC36}" dt="2025-03-16T18:23:45.777" v="6935" actId="20577"/>
           <ac:spMkLst>
             <pc:docMk/>
             <pc:sldMk cId="1966793551" sldId="265"/>
@@ -1699,7 +1702,7 @@
         </pc:spChg>
       </pc:sldChg>
       <pc:sldChg chg="addSp modSp add mod">
-        <pc:chgData name="François GLEYZON" userId="a2d04f23f7faf3ef" providerId="LiveId" clId="{1404D58C-429C-4D75-B5B2-E1C9B8E0DC36}" dt="2025-03-16T15:25:15.576" v="3276" actId="113"/>
+        <pc:chgData name="François GLEYZON" userId="a2d04f23f7faf3ef" providerId="LiveId" clId="{1404D58C-429C-4D75-B5B2-E1C9B8E0DC36}" dt="2025-03-16T18:28:40.057" v="7126" actId="113"/>
         <pc:sldMkLst>
           <pc:docMk/>
           <pc:sldMk cId="2830059827" sldId="269"/>
@@ -1761,7 +1764,7 @@
           </ac:spMkLst>
         </pc:spChg>
         <pc:spChg chg="add mod">
-          <ac:chgData name="François GLEYZON" userId="a2d04f23f7faf3ef" providerId="LiveId" clId="{1404D58C-429C-4D75-B5B2-E1C9B8E0DC36}" dt="2025-03-16T15:14:50.336" v="2789" actId="14100"/>
+          <ac:chgData name="François GLEYZON" userId="a2d04f23f7faf3ef" providerId="LiveId" clId="{1404D58C-429C-4D75-B5B2-E1C9B8E0DC36}" dt="2025-03-16T18:28:40.057" v="7126" actId="113"/>
           <ac:spMkLst>
             <pc:docMk/>
             <pc:sldMk cId="2830059827" sldId="269"/>
@@ -1871,8 +1874,8 @@
           </ac:spMkLst>
         </pc:spChg>
       </pc:sldChg>
-      <pc:sldChg chg="addSp modSp add mod">
-        <pc:chgData name="François GLEYZON" userId="a2d04f23f7faf3ef" providerId="LiveId" clId="{1404D58C-429C-4D75-B5B2-E1C9B8E0DC36}" dt="2025-03-16T14:36:41.923" v="1522"/>
+      <pc:sldChg chg="addSp delSp modSp add mod">
+        <pc:chgData name="François GLEYZON" userId="a2d04f23f7faf3ef" providerId="LiveId" clId="{1404D58C-429C-4D75-B5B2-E1C9B8E0DC36}" dt="2025-03-16T18:21:18.427" v="6846" actId="1038"/>
         <pc:sldMkLst>
           <pc:docMk/>
           <pc:sldMk cId="1767245589" sldId="272"/>
@@ -1885,6 +1888,22 @@
             <ac:spMk id="2" creationId="{281E66B3-EC50-1DB7-5246-A0A1D85B27B2}"/>
           </ac:spMkLst>
         </pc:spChg>
+        <pc:spChg chg="add mod">
+          <ac:chgData name="François GLEYZON" userId="a2d04f23f7faf3ef" providerId="LiveId" clId="{1404D58C-429C-4D75-B5B2-E1C9B8E0DC36}" dt="2025-03-16T17:38:31.338" v="3598" actId="113"/>
+          <ac:spMkLst>
+            <pc:docMk/>
+            <pc:sldMk cId="1767245589" sldId="272"/>
+            <ac:spMk id="5" creationId="{E13FB8D1-D18F-47C7-D1B2-4705A4773972}"/>
+          </ac:spMkLst>
+        </pc:spChg>
+        <pc:spChg chg="add mod">
+          <ac:chgData name="François GLEYZON" userId="a2d04f23f7faf3ef" providerId="LiveId" clId="{1404D58C-429C-4D75-B5B2-E1C9B8E0DC36}" dt="2025-03-16T17:43:23.848" v="3944" actId="20577"/>
+          <ac:spMkLst>
+            <pc:docMk/>
+            <pc:sldMk cId="1767245589" sldId="272"/>
+            <ac:spMk id="6" creationId="{9D3F7280-79FE-6679-FD09-21759D67BD31}"/>
+          </ac:spMkLst>
+        </pc:spChg>
         <pc:spChg chg="mod">
           <ac:chgData name="François GLEYZON" userId="a2d04f23f7faf3ef" providerId="LiveId" clId="{1404D58C-429C-4D75-B5B2-E1C9B8E0DC36}" dt="2025-03-16T14:18:01.236" v="108" actId="20577"/>
           <ac:spMkLst>
@@ -1893,6 +1912,190 @@
             <ac:spMk id="9" creationId="{D60C7752-751C-B280-204E-C5F5E4B10805}"/>
           </ac:spMkLst>
         </pc:spChg>
+        <pc:spChg chg="add mod">
+          <ac:chgData name="François GLEYZON" userId="a2d04f23f7faf3ef" providerId="LiveId" clId="{1404D58C-429C-4D75-B5B2-E1C9B8E0DC36}" dt="2025-03-16T18:02:10.159" v="6248" actId="1076"/>
+          <ac:spMkLst>
+            <pc:docMk/>
+            <pc:sldMk cId="1767245589" sldId="272"/>
+            <ac:spMk id="10" creationId="{FB7FDD76-3978-200B-32AC-62FEBBC52D44}"/>
+          </ac:spMkLst>
+        </pc:spChg>
+        <pc:spChg chg="add mod">
+          <ac:chgData name="François GLEYZON" userId="a2d04f23f7faf3ef" providerId="LiveId" clId="{1404D58C-429C-4D75-B5B2-E1C9B8E0DC36}" dt="2025-03-16T18:02:15.543" v="6249" actId="465"/>
+          <ac:spMkLst>
+            <pc:docMk/>
+            <pc:sldMk cId="1767245589" sldId="272"/>
+            <ac:spMk id="11" creationId="{1A607B03-1BC0-C771-595F-432338076A8B}"/>
+          </ac:spMkLst>
+        </pc:spChg>
+        <pc:spChg chg="add mod">
+          <ac:chgData name="François GLEYZON" userId="a2d04f23f7faf3ef" providerId="LiveId" clId="{1404D58C-429C-4D75-B5B2-E1C9B8E0DC36}" dt="2025-03-16T18:02:10.159" v="6248" actId="1076"/>
+          <ac:spMkLst>
+            <pc:docMk/>
+            <pc:sldMk cId="1767245589" sldId="272"/>
+            <ac:spMk id="12" creationId="{EEF1FBAD-7C20-C706-E6A5-B20EBC80F0F6}"/>
+          </ac:spMkLst>
+        </pc:spChg>
+        <pc:spChg chg="add mod">
+          <ac:chgData name="François GLEYZON" userId="a2d04f23f7faf3ef" providerId="LiveId" clId="{1404D58C-429C-4D75-B5B2-E1C9B8E0DC36}" dt="2025-03-16T18:09:11.697" v="6453" actId="1076"/>
+          <ac:spMkLst>
+            <pc:docMk/>
+            <pc:sldMk cId="1767245589" sldId="272"/>
+            <ac:spMk id="41" creationId="{DFB335B7-5A67-A708-9BF0-15568CAD7AA8}"/>
+          </ac:spMkLst>
+        </pc:spChg>
+        <pc:spChg chg="add mod">
+          <ac:chgData name="François GLEYZON" userId="a2d04f23f7faf3ef" providerId="LiveId" clId="{1404D58C-429C-4D75-B5B2-E1C9B8E0DC36}" dt="2025-03-16T18:21:18.427" v="6846" actId="1038"/>
+          <ac:spMkLst>
+            <pc:docMk/>
+            <pc:sldMk cId="1767245589" sldId="272"/>
+            <ac:spMk id="42" creationId="{2585DC19-B449-1015-A282-9C33F7EDCA40}"/>
+          </ac:spMkLst>
+        </pc:spChg>
+        <pc:picChg chg="add mod">
+          <ac:chgData name="François GLEYZON" userId="a2d04f23f7faf3ef" providerId="LiveId" clId="{1404D58C-429C-4D75-B5B2-E1C9B8E0DC36}" dt="2025-03-16T17:38:33.760" v="3599" actId="1076"/>
+          <ac:picMkLst>
+            <pc:docMk/>
+            <pc:sldMk cId="1767245589" sldId="272"/>
+            <ac:picMk id="4" creationId="{53ED0A81-57CD-C16F-8A9A-2BCDAA3F406E}"/>
+          </ac:picMkLst>
+        </pc:picChg>
+        <pc:picChg chg="add mod">
+          <ac:chgData name="François GLEYZON" userId="a2d04f23f7faf3ef" providerId="LiveId" clId="{1404D58C-429C-4D75-B5B2-E1C9B8E0DC36}" dt="2025-03-16T18:02:22.290" v="6250" actId="1076"/>
+          <ac:picMkLst>
+            <pc:docMk/>
+            <pc:sldMk cId="1767245589" sldId="272"/>
+            <ac:picMk id="8" creationId="{8A31FEA3-15F3-A5B2-8631-79D870FD9189}"/>
+          </ac:picMkLst>
+        </pc:picChg>
+        <pc:picChg chg="add del mod">
+          <ac:chgData name="François GLEYZON" userId="a2d04f23f7faf3ef" providerId="LiveId" clId="{1404D58C-429C-4D75-B5B2-E1C9B8E0DC36}" dt="2025-03-16T18:06:40.277" v="6267" actId="478"/>
+          <ac:picMkLst>
+            <pc:docMk/>
+            <pc:sldMk cId="1767245589" sldId="272"/>
+            <ac:picMk id="24" creationId="{E8F8FD81-0308-9087-FF01-47CD210BD73C}"/>
+          </ac:picMkLst>
+        </pc:picChg>
+        <pc:picChg chg="add mod">
+          <ac:chgData name="François GLEYZON" userId="a2d04f23f7faf3ef" providerId="LiveId" clId="{1404D58C-429C-4D75-B5B2-E1C9B8E0DC36}" dt="2025-03-16T18:06:56.413" v="6270" actId="1076"/>
+          <ac:picMkLst>
+            <pc:docMk/>
+            <pc:sldMk cId="1767245589" sldId="272"/>
+            <ac:picMk id="25" creationId="{33ED872E-179F-A9C0-F2A5-3AD41FFB9EF1}"/>
+          </ac:picMkLst>
+        </pc:picChg>
+        <pc:cxnChg chg="add mod">
+          <ac:chgData name="François GLEYZON" userId="a2d04f23f7faf3ef" providerId="LiveId" clId="{1404D58C-429C-4D75-B5B2-E1C9B8E0DC36}" dt="2025-03-16T18:02:32.678" v="6253" actId="14100"/>
+          <ac:cxnSpMkLst>
+            <pc:docMk/>
+            <pc:sldMk cId="1767245589" sldId="272"/>
+            <ac:cxnSpMk id="13" creationId="{D49B9546-9E06-3F1B-67AE-CDE54685608B}"/>
+          </ac:cxnSpMkLst>
+        </pc:cxnChg>
+        <pc:cxnChg chg="add mod">
+          <ac:chgData name="François GLEYZON" userId="a2d04f23f7faf3ef" providerId="LiveId" clId="{1404D58C-429C-4D75-B5B2-E1C9B8E0DC36}" dt="2025-03-16T18:02:38.187" v="6256" actId="14100"/>
+          <ac:cxnSpMkLst>
+            <pc:docMk/>
+            <pc:sldMk cId="1767245589" sldId="272"/>
+            <ac:cxnSpMk id="16" creationId="{80972539-C73D-4278-5BF7-104942B2DDC7}"/>
+          </ac:cxnSpMkLst>
+        </pc:cxnChg>
+        <pc:cxnChg chg="add del mod">
+          <ac:chgData name="François GLEYZON" userId="a2d04f23f7faf3ef" providerId="LiveId" clId="{1404D58C-429C-4D75-B5B2-E1C9B8E0DC36}" dt="2025-03-16T18:02:47.257" v="6260" actId="478"/>
+          <ac:cxnSpMkLst>
+            <pc:docMk/>
+            <pc:sldMk cId="1767245589" sldId="272"/>
+            <ac:cxnSpMk id="19" creationId="{2CC7EAF6-7084-579C-A809-A8C6AD9E4D59}"/>
+          </ac:cxnSpMkLst>
+        </pc:cxnChg>
+        <pc:cxnChg chg="add mod">
+          <ac:chgData name="François GLEYZON" userId="a2d04f23f7faf3ef" providerId="LiveId" clId="{1404D58C-429C-4D75-B5B2-E1C9B8E0DC36}" dt="2025-03-16T18:02:56.302" v="6263" actId="1076"/>
+          <ac:cxnSpMkLst>
+            <pc:docMk/>
+            <pc:sldMk cId="1767245589" sldId="272"/>
+            <ac:cxnSpMk id="22" creationId="{5F64B1CF-78E3-E145-2A94-E4E959096099}"/>
+          </ac:cxnSpMkLst>
+        </pc:cxnChg>
+        <pc:cxnChg chg="add mod">
+          <ac:chgData name="François GLEYZON" userId="a2d04f23f7faf3ef" providerId="LiveId" clId="{1404D58C-429C-4D75-B5B2-E1C9B8E0DC36}" dt="2025-03-16T18:07:23.828" v="6276" actId="1076"/>
+          <ac:cxnSpMkLst>
+            <pc:docMk/>
+            <pc:sldMk cId="1767245589" sldId="272"/>
+            <ac:cxnSpMk id="26" creationId="{24747122-5B36-739F-9F5D-A25E30C5894E}"/>
+          </ac:cxnSpMkLst>
+        </pc:cxnChg>
+        <pc:cxnChg chg="add mod">
+          <ac:chgData name="François GLEYZON" userId="a2d04f23f7faf3ef" providerId="LiveId" clId="{1404D58C-429C-4D75-B5B2-E1C9B8E0DC36}" dt="2025-03-16T18:08:12.757" v="6293" actId="1076"/>
+          <ac:cxnSpMkLst>
+            <pc:docMk/>
+            <pc:sldMk cId="1767245589" sldId="272"/>
+            <ac:cxnSpMk id="29" creationId="{ED3FFF44-1763-2C72-B7EF-4BAA1E20308F}"/>
+          </ac:cxnSpMkLst>
+        </pc:cxnChg>
+        <pc:cxnChg chg="add mod">
+          <ac:chgData name="François GLEYZON" userId="a2d04f23f7faf3ef" providerId="LiveId" clId="{1404D58C-429C-4D75-B5B2-E1C9B8E0DC36}" dt="2025-03-16T18:08:12.757" v="6293" actId="1076"/>
+          <ac:cxnSpMkLst>
+            <pc:docMk/>
+            <pc:sldMk cId="1767245589" sldId="272"/>
+            <ac:cxnSpMk id="30" creationId="{ED17C5F0-368F-E284-A61A-C3045C6891D1}"/>
+          </ac:cxnSpMkLst>
+        </pc:cxnChg>
+        <pc:cxnChg chg="add mod">
+          <ac:chgData name="François GLEYZON" userId="a2d04f23f7faf3ef" providerId="LiveId" clId="{1404D58C-429C-4D75-B5B2-E1C9B8E0DC36}" dt="2025-03-16T18:08:12.757" v="6293" actId="1076"/>
+          <ac:cxnSpMkLst>
+            <pc:docMk/>
+            <pc:sldMk cId="1767245589" sldId="272"/>
+            <ac:cxnSpMk id="32" creationId="{EBF41D9D-82DF-C3F4-5E79-9F90515FE944}"/>
+          </ac:cxnSpMkLst>
+        </pc:cxnChg>
+        <pc:cxnChg chg="add mod">
+          <ac:chgData name="François GLEYZON" userId="a2d04f23f7faf3ef" providerId="LiveId" clId="{1404D58C-429C-4D75-B5B2-E1C9B8E0DC36}" dt="2025-03-16T18:08:12.757" v="6293" actId="1076"/>
+          <ac:cxnSpMkLst>
+            <pc:docMk/>
+            <pc:sldMk cId="1767245589" sldId="272"/>
+            <ac:cxnSpMk id="33" creationId="{485B08DD-0A2D-7F00-A27D-0359CCD8796F}"/>
+          </ac:cxnSpMkLst>
+        </pc:cxnChg>
+        <pc:cxnChg chg="add mod">
+          <ac:chgData name="François GLEYZON" userId="a2d04f23f7faf3ef" providerId="LiveId" clId="{1404D58C-429C-4D75-B5B2-E1C9B8E0DC36}" dt="2025-03-16T18:08:12.757" v="6293" actId="1076"/>
+          <ac:cxnSpMkLst>
+            <pc:docMk/>
+            <pc:sldMk cId="1767245589" sldId="272"/>
+            <ac:cxnSpMk id="34" creationId="{0B4B6C7C-6463-E2E8-72B3-5CFE5A079E3B}"/>
+          </ac:cxnSpMkLst>
+        </pc:cxnChg>
+        <pc:cxnChg chg="add mod">
+          <ac:chgData name="François GLEYZON" userId="a2d04f23f7faf3ef" providerId="LiveId" clId="{1404D58C-429C-4D75-B5B2-E1C9B8E0DC36}" dt="2025-03-16T18:08:12.757" v="6293" actId="1076"/>
+          <ac:cxnSpMkLst>
+            <pc:docMk/>
+            <pc:sldMk cId="1767245589" sldId="272"/>
+            <ac:cxnSpMk id="35" creationId="{03D955B2-F219-8CB6-1E53-3AA6415D6650}"/>
+          </ac:cxnSpMkLst>
+        </pc:cxnChg>
+        <pc:cxnChg chg="add mod">
+          <ac:chgData name="François GLEYZON" userId="a2d04f23f7faf3ef" providerId="LiveId" clId="{1404D58C-429C-4D75-B5B2-E1C9B8E0DC36}" dt="2025-03-16T18:08:12.757" v="6293" actId="1076"/>
+          <ac:cxnSpMkLst>
+            <pc:docMk/>
+            <pc:sldMk cId="1767245589" sldId="272"/>
+            <ac:cxnSpMk id="37" creationId="{16D7FD71-B1AD-0F14-A6E2-E849307A4B3A}"/>
+          </ac:cxnSpMkLst>
+        </pc:cxnChg>
+        <pc:cxnChg chg="add mod">
+          <ac:chgData name="François GLEYZON" userId="a2d04f23f7faf3ef" providerId="LiveId" clId="{1404D58C-429C-4D75-B5B2-E1C9B8E0DC36}" dt="2025-03-16T18:08:12.757" v="6293" actId="1076"/>
+          <ac:cxnSpMkLst>
+            <pc:docMk/>
+            <pc:sldMk cId="1767245589" sldId="272"/>
+            <ac:cxnSpMk id="38" creationId="{8618A658-E824-26F7-2526-3280361FFBE8}"/>
+          </ac:cxnSpMkLst>
+        </pc:cxnChg>
+        <pc:cxnChg chg="add mod">
+          <ac:chgData name="François GLEYZON" userId="a2d04f23f7faf3ef" providerId="LiveId" clId="{1404D58C-429C-4D75-B5B2-E1C9B8E0DC36}" dt="2025-03-16T18:08:12.757" v="6293" actId="1076"/>
+          <ac:cxnSpMkLst>
+            <pc:docMk/>
+            <pc:sldMk cId="1767245589" sldId="272"/>
+            <ac:cxnSpMk id="40" creationId="{CC554D35-7624-2528-FD55-5AD0D0D02370}"/>
+          </ac:cxnSpMkLst>
+        </pc:cxnChg>
       </pc:sldChg>
       <pc:sldChg chg="addSp modSp add mod">
         <pc:chgData name="François GLEYZON" userId="a2d04f23f7faf3ef" providerId="LiveId" clId="{1404D58C-429C-4D75-B5B2-E1C9B8E0DC36}" dt="2025-03-16T14:36:45.214" v="1523"/>
@@ -1918,11 +2121,19 @@
         </pc:spChg>
       </pc:sldChg>
       <pc:sldChg chg="addSp delSp modSp add mod">
-        <pc:chgData name="François GLEYZON" userId="a2d04f23f7faf3ef" providerId="LiveId" clId="{1404D58C-429C-4D75-B5B2-E1C9B8E0DC36}" dt="2025-03-16T14:41:39.123" v="2068" actId="20577"/>
+        <pc:chgData name="François GLEYZON" userId="a2d04f23f7faf3ef" providerId="LiveId" clId="{1404D58C-429C-4D75-B5B2-E1C9B8E0DC36}" dt="2025-03-16T18:23:52.809" v="6936" actId="113"/>
         <pc:sldMkLst>
           <pc:docMk/>
           <pc:sldMk cId="1403034857" sldId="274"/>
         </pc:sldMkLst>
+        <pc:spChg chg="add mod">
+          <ac:chgData name="François GLEYZON" userId="a2d04f23f7faf3ef" providerId="LiveId" clId="{1404D58C-429C-4D75-B5B2-E1C9B8E0DC36}" dt="2025-03-16T17:42:43.868" v="3939" actId="20577"/>
+          <ac:spMkLst>
+            <pc:docMk/>
+            <pc:sldMk cId="1403034857" sldId="274"/>
+            <ac:spMk id="2" creationId="{250421EB-6552-6AB6-6F25-DA6377842E5D}"/>
+          </ac:spMkLst>
+        </pc:spChg>
         <pc:spChg chg="add">
           <ac:chgData name="François GLEYZON" userId="a2d04f23f7faf3ef" providerId="LiveId" clId="{1404D58C-429C-4D75-B5B2-E1C9B8E0DC36}" dt="2025-03-16T14:33:58.872" v="1135"/>
           <ac:spMkLst>
@@ -1988,7 +2199,7 @@
           </ac:spMkLst>
         </pc:spChg>
         <pc:spChg chg="add mod">
-          <ac:chgData name="François GLEYZON" userId="a2d04f23f7faf3ef" providerId="LiveId" clId="{1404D58C-429C-4D75-B5B2-E1C9B8E0DC36}" dt="2025-03-16T14:40:57.675" v="2052" actId="14100"/>
+          <ac:chgData name="François GLEYZON" userId="a2d04f23f7faf3ef" providerId="LiveId" clId="{1404D58C-429C-4D75-B5B2-E1C9B8E0DC36}" dt="2025-03-16T18:23:52.809" v="6936" actId="113"/>
           <ac:spMkLst>
             <pc:docMk/>
             <pc:sldMk cId="1403034857" sldId="274"/>
@@ -2075,6 +2286,14 @@
             <ac:picMk id="22" creationId="{38C1AC40-6C55-4B99-1CD7-916B372CC101}"/>
           </ac:picMkLst>
         </pc:picChg>
+        <pc:picChg chg="add mod">
+          <ac:chgData name="François GLEYZON" userId="a2d04f23f7faf3ef" providerId="LiveId" clId="{1404D58C-429C-4D75-B5B2-E1C9B8E0DC36}" dt="2025-03-16T17:43:16.898" v="3942" actId="1076"/>
+          <ac:picMkLst>
+            <pc:docMk/>
+            <pc:sldMk cId="1403034857" sldId="274"/>
+            <ac:picMk id="1026" creationId="{C8CA877A-7DDE-FEB7-24D0-9EE0DFAC3ACC}"/>
+          </ac:picMkLst>
+        </pc:picChg>
         <pc:picChg chg="add del mod">
           <ac:chgData name="François GLEYZON" userId="a2d04f23f7faf3ef" providerId="LiveId" clId="{1404D58C-429C-4D75-B5B2-E1C9B8E0DC36}" dt="2025-03-16T14:40:41.773" v="2018" actId="478"/>
           <ac:picMkLst>
@@ -2085,7 +2304,7 @@
         </pc:picChg>
       </pc:sldChg>
       <pc:sldChg chg="addSp delSp modSp add mod">
-        <pc:chgData name="François GLEYZON" userId="a2d04f23f7faf3ef" providerId="LiveId" clId="{1404D58C-429C-4D75-B5B2-E1C9B8E0DC36}" dt="2025-03-16T15:24:49.185" v="3275"/>
+        <pc:chgData name="François GLEYZON" userId="a2d04f23f7faf3ef" providerId="LiveId" clId="{1404D58C-429C-4D75-B5B2-E1C9B8E0DC36}" dt="2025-03-16T18:27:24.448" v="7125" actId="114"/>
         <pc:sldMkLst>
           <pc:docMk/>
           <pc:sldMk cId="3135963873" sldId="275"/>
@@ -2099,7 +2318,7 @@
           </ac:spMkLst>
         </pc:spChg>
         <pc:spChg chg="add mod">
-          <ac:chgData name="François GLEYZON" userId="a2d04f23f7faf3ef" providerId="LiveId" clId="{1404D58C-429C-4D75-B5B2-E1C9B8E0DC36}" dt="2025-03-16T15:24:49.185" v="3275"/>
+          <ac:chgData name="François GLEYZON" userId="a2d04f23f7faf3ef" providerId="LiveId" clId="{1404D58C-429C-4D75-B5B2-E1C9B8E0DC36}" dt="2025-03-16T18:27:24.448" v="7125" actId="114"/>
           <ac:spMkLst>
             <pc:docMk/>
             <pc:sldMk cId="3135963873" sldId="275"/>
@@ -2114,6 +2333,195 @@
             <ac:spMk id="9" creationId="{A1BFB0DE-CCDE-5E15-B93D-0C46D50CF46E}"/>
           </ac:spMkLst>
         </pc:spChg>
+      </pc:sldChg>
+      <pc:sldChg chg="addSp delSp modSp add mod">
+        <pc:chgData name="François GLEYZON" userId="a2d04f23f7faf3ef" providerId="LiveId" clId="{1404D58C-429C-4D75-B5B2-E1C9B8E0DC36}" dt="2025-03-16T18:25:24.592" v="6981" actId="114"/>
+        <pc:sldMkLst>
+          <pc:docMk/>
+          <pc:sldMk cId="312469821" sldId="276"/>
+        </pc:sldMkLst>
+        <pc:spChg chg="mod">
+          <ac:chgData name="François GLEYZON" userId="a2d04f23f7faf3ef" providerId="LiveId" clId="{1404D58C-429C-4D75-B5B2-E1C9B8E0DC36}" dt="2025-03-16T17:45:37.898" v="4201" actId="33524"/>
+          <ac:spMkLst>
+            <pc:docMk/>
+            <pc:sldMk cId="312469821" sldId="276"/>
+            <ac:spMk id="5" creationId="{D2931CAA-5B1D-3DB8-5405-0EBED6E73DDA}"/>
+          </ac:spMkLst>
+        </pc:spChg>
+        <pc:spChg chg="del">
+          <ac:chgData name="François GLEYZON" userId="a2d04f23f7faf3ef" providerId="LiveId" clId="{1404D58C-429C-4D75-B5B2-E1C9B8E0DC36}" dt="2025-03-16T17:45:05.452" v="4066" actId="478"/>
+          <ac:spMkLst>
+            <pc:docMk/>
+            <pc:sldMk cId="312469821" sldId="276"/>
+            <ac:spMk id="6" creationId="{140E8935-F8CF-CDB2-33FE-926BA27955AE}"/>
+          </ac:spMkLst>
+        </pc:spChg>
+        <pc:spChg chg="add mod">
+          <ac:chgData name="François GLEYZON" userId="a2d04f23f7faf3ef" providerId="LiveId" clId="{1404D58C-429C-4D75-B5B2-E1C9B8E0DC36}" dt="2025-03-16T17:58:26.908" v="5884" actId="13926"/>
+          <ac:spMkLst>
+            <pc:docMk/>
+            <pc:sldMk cId="312469821" sldId="276"/>
+            <ac:spMk id="8" creationId="{A3FB3464-F9D7-F388-8CA4-20C652C808AB}"/>
+          </ac:spMkLst>
+        </pc:spChg>
+        <pc:spChg chg="add mod">
+          <ac:chgData name="François GLEYZON" userId="a2d04f23f7faf3ef" providerId="LiveId" clId="{1404D58C-429C-4D75-B5B2-E1C9B8E0DC36}" dt="2025-03-16T18:24:53.792" v="6937" actId="1076"/>
+          <ac:spMkLst>
+            <pc:docMk/>
+            <pc:sldMk cId="312469821" sldId="276"/>
+            <ac:spMk id="10" creationId="{3787056C-9D45-21F4-6CDE-BB39E364A145}"/>
+          </ac:spMkLst>
+        </pc:spChg>
+        <pc:spChg chg="add mod">
+          <ac:chgData name="François GLEYZON" userId="a2d04f23f7faf3ef" providerId="LiveId" clId="{1404D58C-429C-4D75-B5B2-E1C9B8E0DC36}" dt="2025-03-16T18:25:24.592" v="6981" actId="114"/>
+          <ac:spMkLst>
+            <pc:docMk/>
+            <pc:sldMk cId="312469821" sldId="276"/>
+            <ac:spMk id="11" creationId="{9D58840C-50FD-E58B-670F-C4615DAF690D}"/>
+          </ac:spMkLst>
+        </pc:spChg>
+        <pc:picChg chg="del">
+          <ac:chgData name="François GLEYZON" userId="a2d04f23f7faf3ef" providerId="LiveId" clId="{1404D58C-429C-4D75-B5B2-E1C9B8E0DC36}" dt="2025-03-16T17:44:29.973" v="3946" actId="478"/>
+          <ac:picMkLst>
+            <pc:docMk/>
+            <pc:sldMk cId="312469821" sldId="276"/>
+            <ac:picMk id="4" creationId="{323538AA-59EF-B1E9-2783-CEB000A0DEB5}"/>
+          </ac:picMkLst>
+        </pc:picChg>
+        <pc:picChg chg="add mod">
+          <ac:chgData name="François GLEYZON" userId="a2d04f23f7faf3ef" providerId="LiveId" clId="{1404D58C-429C-4D75-B5B2-E1C9B8E0DC36}" dt="2025-03-16T17:49:26.117" v="4766" actId="1076"/>
+          <ac:picMkLst>
+            <pc:docMk/>
+            <pc:sldMk cId="312469821" sldId="276"/>
+            <ac:picMk id="7" creationId="{4C33A69A-4ABB-390F-8D1C-5D58AB9AF2C3}"/>
+          </ac:picMkLst>
+        </pc:picChg>
+      </pc:sldChg>
+      <pc:sldChg chg="addSp delSp modSp add mod">
+        <pc:chgData name="François GLEYZON" userId="a2d04f23f7faf3ef" providerId="LiveId" clId="{1404D58C-429C-4D75-B5B2-E1C9B8E0DC36}" dt="2025-03-16T18:25:55.029" v="6991" actId="1076"/>
+        <pc:sldMkLst>
+          <pc:docMk/>
+          <pc:sldMk cId="1989661597" sldId="277"/>
+        </pc:sldMkLst>
+        <pc:spChg chg="add del">
+          <ac:chgData name="François GLEYZON" userId="a2d04f23f7faf3ef" providerId="LiveId" clId="{1404D58C-429C-4D75-B5B2-E1C9B8E0DC36}" dt="2025-03-16T17:57:17.994" v="5740" actId="22"/>
+          <ac:spMkLst>
+            <pc:docMk/>
+            <pc:sldMk cId="1989661597" sldId="277"/>
+            <ac:spMk id="4" creationId="{A162A23D-AF20-D9B4-51FA-5EFA7B379516}"/>
+          </ac:spMkLst>
+        </pc:spChg>
+        <pc:spChg chg="mod">
+          <ac:chgData name="François GLEYZON" userId="a2d04f23f7faf3ef" providerId="LiveId" clId="{1404D58C-429C-4D75-B5B2-E1C9B8E0DC36}" dt="2025-03-16T18:25:42.620" v="6987" actId="6549"/>
+          <ac:spMkLst>
+            <pc:docMk/>
+            <pc:sldMk cId="1989661597" sldId="277"/>
+            <ac:spMk id="5" creationId="{4DAC8AF4-A004-7163-A739-49ECA39B9FEC}"/>
+          </ac:spMkLst>
+        </pc:spChg>
+        <pc:spChg chg="del">
+          <ac:chgData name="François GLEYZON" userId="a2d04f23f7faf3ef" providerId="LiveId" clId="{1404D58C-429C-4D75-B5B2-E1C9B8E0DC36}" dt="2025-03-16T17:52:43.359" v="5189" actId="478"/>
+          <ac:spMkLst>
+            <pc:docMk/>
+            <pc:sldMk cId="1989661597" sldId="277"/>
+            <ac:spMk id="8" creationId="{E26FF0AE-EA9A-8134-87E2-28A6345F7E79}"/>
+          </ac:spMkLst>
+        </pc:spChg>
+        <pc:spChg chg="mod">
+          <ac:chgData name="François GLEYZON" userId="a2d04f23f7faf3ef" providerId="LiveId" clId="{1404D58C-429C-4D75-B5B2-E1C9B8E0DC36}" dt="2025-03-16T18:25:46.907" v="6988" actId="1076"/>
+          <ac:spMkLst>
+            <pc:docMk/>
+            <pc:sldMk cId="1989661597" sldId="277"/>
+            <ac:spMk id="10" creationId="{01A678EA-30F3-62CE-A9F0-10C182D4BBB2}"/>
+          </ac:spMkLst>
+        </pc:spChg>
+        <pc:spChg chg="add mod">
+          <ac:chgData name="François GLEYZON" userId="a2d04f23f7faf3ef" providerId="LiveId" clId="{1404D58C-429C-4D75-B5B2-E1C9B8E0DC36}" dt="2025-03-16T18:25:55.029" v="6991" actId="1076"/>
+          <ac:spMkLst>
+            <pc:docMk/>
+            <pc:sldMk cId="1989661597" sldId="277"/>
+            <ac:spMk id="12" creationId="{AFD64144-DA5F-8B73-6CEA-181D47AD5646}"/>
+          </ac:spMkLst>
+        </pc:spChg>
+        <pc:spChg chg="add mod">
+          <ac:chgData name="François GLEYZON" userId="a2d04f23f7faf3ef" providerId="LiveId" clId="{1404D58C-429C-4D75-B5B2-E1C9B8E0DC36}" dt="2025-03-16T18:25:52.377" v="6990" actId="1076"/>
+          <ac:spMkLst>
+            <pc:docMk/>
+            <pc:sldMk cId="1989661597" sldId="277"/>
+            <ac:spMk id="13" creationId="{C4557F9C-855D-3055-9D46-7013C9868120}"/>
+          </ac:spMkLst>
+        </pc:spChg>
+        <pc:picChg chg="del">
+          <ac:chgData name="François GLEYZON" userId="a2d04f23f7faf3ef" providerId="LiveId" clId="{1404D58C-429C-4D75-B5B2-E1C9B8E0DC36}" dt="2025-03-16T17:52:41.327" v="5188" actId="478"/>
+          <ac:picMkLst>
+            <pc:docMk/>
+            <pc:sldMk cId="1989661597" sldId="277"/>
+            <ac:picMk id="7" creationId="{A0FD37C1-62FE-A803-CBDC-64B8E325AAE1}"/>
+          </ac:picMkLst>
+        </pc:picChg>
+        <pc:picChg chg="add mod">
+          <ac:chgData name="François GLEYZON" userId="a2d04f23f7faf3ef" providerId="LiveId" clId="{1404D58C-429C-4D75-B5B2-E1C9B8E0DC36}" dt="2025-03-16T18:25:48.590" v="6989" actId="1076"/>
+          <ac:picMkLst>
+            <pc:docMk/>
+            <pc:sldMk cId="1989661597" sldId="277"/>
+            <ac:picMk id="11" creationId="{76E36435-5B32-C3F8-CDBC-02E2B5086320}"/>
+          </ac:picMkLst>
+        </pc:picChg>
+      </pc:sldChg>
+      <pc:sldChg chg="addSp delSp modSp add mod">
+        <pc:chgData name="François GLEYZON" userId="a2d04f23f7faf3ef" providerId="LiveId" clId="{1404D58C-429C-4D75-B5B2-E1C9B8E0DC36}" dt="2025-03-16T18:22:57.632" v="6908" actId="13926"/>
+        <pc:sldMkLst>
+          <pc:docMk/>
+          <pc:sldMk cId="3353157011" sldId="278"/>
+        </pc:sldMkLst>
+        <pc:spChg chg="add mod">
+          <ac:chgData name="François GLEYZON" userId="a2d04f23f7faf3ef" providerId="LiveId" clId="{1404D58C-429C-4D75-B5B2-E1C9B8E0DC36}" dt="2025-03-16T18:20:16.267" v="6837" actId="207"/>
+          <ac:spMkLst>
+            <pc:docMk/>
+            <pc:sldMk cId="3353157011" sldId="278"/>
+            <ac:spMk id="3" creationId="{9B7F5462-4ABB-EBA2-0610-D1DC1488F1E8}"/>
+          </ac:spMkLst>
+        </pc:spChg>
+        <pc:spChg chg="add mod">
+          <ac:chgData name="François GLEYZON" userId="a2d04f23f7faf3ef" providerId="LiveId" clId="{1404D58C-429C-4D75-B5B2-E1C9B8E0DC36}" dt="2025-03-16T18:22:57.632" v="6908" actId="13926"/>
+          <ac:spMkLst>
+            <pc:docMk/>
+            <pc:sldMk cId="3353157011" sldId="278"/>
+            <ac:spMk id="4" creationId="{071085C4-0B93-7C4D-668E-440636B813C4}"/>
+          </ac:spMkLst>
+        </pc:spChg>
+        <pc:spChg chg="mod">
+          <ac:chgData name="François GLEYZON" userId="a2d04f23f7faf3ef" providerId="LiveId" clId="{1404D58C-429C-4D75-B5B2-E1C9B8E0DC36}" dt="2025-03-16T18:19:52.927" v="6834" actId="20577"/>
+          <ac:spMkLst>
+            <pc:docMk/>
+            <pc:sldMk cId="3353157011" sldId="278"/>
+            <ac:spMk id="5" creationId="{123C1752-9749-D963-C34A-A3CB069DD9C5}"/>
+          </ac:spMkLst>
+        </pc:spChg>
+        <pc:spChg chg="del">
+          <ac:chgData name="François GLEYZON" userId="a2d04f23f7faf3ef" providerId="LiveId" clId="{1404D58C-429C-4D75-B5B2-E1C9B8E0DC36}" dt="2025-03-16T18:11:16.987" v="6666" actId="478"/>
+          <ac:spMkLst>
+            <pc:docMk/>
+            <pc:sldMk cId="3353157011" sldId="278"/>
+            <ac:spMk id="10" creationId="{CB84F390-C691-AFEE-0149-22FE96C07FE0}"/>
+          </ac:spMkLst>
+        </pc:spChg>
+        <pc:spChg chg="del">
+          <ac:chgData name="François GLEYZON" userId="a2d04f23f7faf3ef" providerId="LiveId" clId="{1404D58C-429C-4D75-B5B2-E1C9B8E0DC36}" dt="2025-03-16T18:11:18.703" v="6668" actId="478"/>
+          <ac:spMkLst>
+            <pc:docMk/>
+            <pc:sldMk cId="3353157011" sldId="278"/>
+            <ac:spMk id="12" creationId="{3EC253B4-C549-CEE4-244F-A9D548248E65}"/>
+          </ac:spMkLst>
+        </pc:spChg>
+        <pc:picChg chg="del">
+          <ac:chgData name="François GLEYZON" userId="a2d04f23f7faf3ef" providerId="LiveId" clId="{1404D58C-429C-4D75-B5B2-E1C9B8E0DC36}" dt="2025-03-16T18:11:17.502" v="6667" actId="478"/>
+          <ac:picMkLst>
+            <pc:docMk/>
+            <pc:sldMk cId="3353157011" sldId="278"/>
+            <ac:picMk id="11" creationId="{BC7F7466-E6BA-EF6C-2DAD-E138733A5FCD}"/>
+          </ac:picMkLst>
+        </pc:picChg>
       </pc:sldChg>
     </pc:docChg>
   </pc:docChgLst>
@@ -2727,7 +3135,7 @@
           <a:p>
             <a:fld id="{6CA8F5A3-1210-481E-B98C-38D1ADA5BAE1}" type="slidenum">
               <a:rPr lang="en-GB" smtClean="0"/>
-              <a:t>18</a:t>
+              <a:t>21</a:t>
             </a:fld>
             <a:endParaRPr lang="en-GB"/>
           </a:p>
@@ -6328,7 +6736,17 @@
                 <a:latin typeface="Times New Roman" panose="02020603050405020304" pitchFamily="18" charset="0"/>
                 <a:cs typeface="Times New Roman" panose="02020603050405020304" pitchFamily="18" charset="0"/>
               </a:rPr>
-              <a:t>Projet</a:t>
+              <a:t>Projet - </a:t>
+            </a:r>
+            <a:r>
+              <a:rPr lang="fr-FR" sz="3200" b="1" noProof="0" dirty="0">
+                <a:highlight>
+                  <a:srgbClr val="FFFF00"/>
+                </a:highlight>
+                <a:latin typeface="Times New Roman" panose="02020603050405020304" pitchFamily="18" charset="0"/>
+                <a:cs typeface="Times New Roman" panose="02020603050405020304" pitchFamily="18" charset="0"/>
+              </a:rPr>
+              <a:t>Titre</a:t>
             </a:r>
           </a:p>
         </p:txBody>
@@ -6594,6 +7012,1634 @@
   <p:cSld>
     <p:spTree>
       <p:nvGrpSpPr>
+        <p:cNvPr id="1" name="">
+          <a:extLst>
+            <a:ext uri="{FF2B5EF4-FFF2-40B4-BE49-F238E27FC236}">
+              <a16:creationId xmlns:a16="http://schemas.microsoft.com/office/drawing/2014/main" id="{2DE84F6A-1E6D-8125-8A60-0ACF8B8585AC}"/>
+            </a:ext>
+          </a:extLst>
+        </p:cNvPr>
+        <p:cNvGrpSpPr/>
+        <p:nvPr/>
+      </p:nvGrpSpPr>
+      <p:grpSpPr>
+        <a:xfrm>
+          <a:off x="0" y="0"/>
+          <a:ext cx="0" cy="0"/>
+          <a:chOff x="0" y="0"/>
+          <a:chExt cx="0" cy="0"/>
+        </a:xfrm>
+      </p:grpSpPr>
+      <p:sp>
+        <p:nvSpPr>
+          <p:cNvPr id="36" name="Rectangle 35">
+            <a:extLst>
+              <a:ext uri="{FF2B5EF4-FFF2-40B4-BE49-F238E27FC236}">
+                <a16:creationId xmlns:a16="http://schemas.microsoft.com/office/drawing/2014/main" id="{8CF9AED9-1C1F-EA6E-2CFF-936726288912}"/>
+              </a:ext>
+            </a:extLst>
+          </p:cNvPr>
+          <p:cNvSpPr/>
+          <p:nvPr/>
+        </p:nvSpPr>
+        <p:spPr>
+          <a:xfrm>
+            <a:off x="1" y="-990"/>
+            <a:ext cx="6096000" cy="501017"/>
+          </a:xfrm>
+          <a:prstGeom prst="rect">
+            <a:avLst/>
+          </a:prstGeom>
+          <a:solidFill>
+            <a:srgbClr val="980000"/>
+          </a:solidFill>
+          <a:ln>
+            <a:noFill/>
+          </a:ln>
+        </p:spPr>
+        <p:style>
+          <a:lnRef idx="2">
+            <a:schemeClr val="accent1">
+              <a:shade val="15000"/>
+            </a:schemeClr>
+          </a:lnRef>
+          <a:fillRef idx="1">
+            <a:schemeClr val="accent1"/>
+          </a:fillRef>
+          <a:effectRef idx="0">
+            <a:schemeClr val="accent1"/>
+          </a:effectRef>
+          <a:fontRef idx="minor">
+            <a:schemeClr val="lt1"/>
+          </a:fontRef>
+        </p:style>
+        <p:txBody>
+          <a:bodyPr rtlCol="0" anchor="ctr"/>
+          <a:lstStyle/>
+          <a:p>
+            <a:pPr algn="ctr"/>
+            <a:endParaRPr lang="fr-FR" noProof="0" dirty="0"/>
+          </a:p>
+        </p:txBody>
+      </p:sp>
+      <p:sp>
+        <p:nvSpPr>
+          <p:cNvPr id="9" name="TextBox 8">
+            <a:extLst>
+              <a:ext uri="{FF2B5EF4-FFF2-40B4-BE49-F238E27FC236}">
+                <a16:creationId xmlns:a16="http://schemas.microsoft.com/office/drawing/2014/main" id="{3BA9DD4F-AFA4-9876-2C25-F163852E3490}"/>
+              </a:ext>
+            </a:extLst>
+          </p:cNvPr>
+          <p:cNvSpPr txBox="1"/>
+          <p:nvPr/>
+        </p:nvSpPr>
+        <p:spPr>
+          <a:xfrm>
+            <a:off x="0" y="-990"/>
+            <a:ext cx="5568381" cy="461665"/>
+          </a:xfrm>
+          <a:prstGeom prst="rect">
+            <a:avLst/>
+          </a:prstGeom>
+          <a:noFill/>
+        </p:spPr>
+        <p:txBody>
+          <a:bodyPr wrap="square" rtlCol="0">
+            <a:spAutoFit/>
+          </a:bodyPr>
+          <a:lstStyle/>
+          <a:p>
+            <a:pPr algn="just"/>
+            <a:r>
+              <a:rPr lang="fr-FR" sz="2400" b="1" noProof="0" dirty="0">
+                <a:solidFill>
+                  <a:schemeClr val="bg1"/>
+                </a:solidFill>
+                <a:latin typeface="Times New Roman" panose="02020603050405020304" pitchFamily="18" charset="0"/>
+                <a:cs typeface="Times New Roman" panose="02020603050405020304" pitchFamily="18" charset="0"/>
+              </a:rPr>
+              <a:t>VERIFICATION DE SOLUTION</a:t>
+            </a:r>
+          </a:p>
+        </p:txBody>
+      </p:sp>
+      <p:sp>
+        <p:nvSpPr>
+          <p:cNvPr id="39" name="Rectangle 38">
+            <a:extLst>
+              <a:ext uri="{FF2B5EF4-FFF2-40B4-BE49-F238E27FC236}">
+                <a16:creationId xmlns:a16="http://schemas.microsoft.com/office/drawing/2014/main" id="{47CCC58D-1701-C768-F035-3D6403159B59}"/>
+              </a:ext>
+            </a:extLst>
+          </p:cNvPr>
+          <p:cNvSpPr/>
+          <p:nvPr/>
+        </p:nvSpPr>
+        <p:spPr>
+          <a:xfrm>
+            <a:off x="6096000" y="0"/>
+            <a:ext cx="6096000" cy="501017"/>
+          </a:xfrm>
+          <a:prstGeom prst="rect">
+            <a:avLst/>
+          </a:prstGeom>
+          <a:solidFill>
+            <a:srgbClr val="D9D9D9"/>
+          </a:solidFill>
+          <a:ln>
+            <a:noFill/>
+          </a:ln>
+        </p:spPr>
+        <p:style>
+          <a:lnRef idx="2">
+            <a:schemeClr val="accent1">
+              <a:shade val="15000"/>
+            </a:schemeClr>
+          </a:lnRef>
+          <a:fillRef idx="1">
+            <a:schemeClr val="accent1"/>
+          </a:fillRef>
+          <a:effectRef idx="0">
+            <a:schemeClr val="accent1"/>
+          </a:effectRef>
+          <a:fontRef idx="minor">
+            <a:schemeClr val="lt1"/>
+          </a:fontRef>
+        </p:style>
+        <p:txBody>
+          <a:bodyPr rtlCol="0" anchor="ctr"/>
+          <a:lstStyle/>
+          <a:p>
+            <a:pPr algn="ctr"/>
+            <a:endParaRPr lang="fr-FR" noProof="0" dirty="0"/>
+          </a:p>
+        </p:txBody>
+      </p:sp>
+      <p:sp>
+        <p:nvSpPr>
+          <p:cNvPr id="2" name="TextBox 1">
+            <a:extLst>
+              <a:ext uri="{FF2B5EF4-FFF2-40B4-BE49-F238E27FC236}">
+                <a16:creationId xmlns:a16="http://schemas.microsoft.com/office/drawing/2014/main" id="{6179ACDC-1204-C118-B7F9-8F86077AFABB}"/>
+              </a:ext>
+            </a:extLst>
+          </p:cNvPr>
+          <p:cNvSpPr txBox="1"/>
+          <p:nvPr/>
+        </p:nvSpPr>
+        <p:spPr>
+          <a:xfrm>
+            <a:off x="11091333" y="6550222"/>
+            <a:ext cx="1100667" cy="307777"/>
+          </a:xfrm>
+          <a:prstGeom prst="rect">
+            <a:avLst/>
+          </a:prstGeom>
+          <a:noFill/>
+        </p:spPr>
+        <p:txBody>
+          <a:bodyPr wrap="square" rtlCol="0">
+            <a:spAutoFit/>
+          </a:bodyPr>
+          <a:lstStyle/>
+          <a:p>
+            <a:pPr algn="r"/>
+            <a:r>
+              <a:rPr lang="fr-FR" sz="1400" noProof="0" dirty="0">
+                <a:latin typeface="Times New Roman" panose="02020603050405020304" pitchFamily="18" charset="0"/>
+                <a:cs typeface="Times New Roman" panose="02020603050405020304" pitchFamily="18" charset="0"/>
+              </a:rPr>
+              <a:t>X/Y</a:t>
+            </a:r>
+          </a:p>
+        </p:txBody>
+      </p:sp>
+      <mc:AlternateContent xmlns:mc="http://schemas.openxmlformats.org/markup-compatibility/2006">
+        <mc:Choice xmlns:a14="http://schemas.microsoft.com/office/drawing/2010/main" Requires="a14">
+          <p:sp>
+            <p:nvSpPr>
+              <p:cNvPr id="5" name="TextBox 4">
+                <a:extLst>
+                  <a:ext uri="{FF2B5EF4-FFF2-40B4-BE49-F238E27FC236}">
+                    <a16:creationId xmlns:a16="http://schemas.microsoft.com/office/drawing/2014/main" id="{123C1752-9749-D963-C34A-A3CB069DD9C5}"/>
+                  </a:ext>
+                </a:extLst>
+              </p:cNvPr>
+              <p:cNvSpPr txBox="1"/>
+              <p:nvPr/>
+            </p:nvSpPr>
+            <p:spPr>
+              <a:xfrm>
+                <a:off x="0" y="627468"/>
+                <a:ext cx="12192000" cy="2379562"/>
+              </a:xfrm>
+              <a:prstGeom prst="rect">
+                <a:avLst/>
+              </a:prstGeom>
+              <a:noFill/>
+            </p:spPr>
+            <p:txBody>
+              <a:bodyPr wrap="square" rtlCol="0">
+                <a:spAutoFit/>
+              </a:bodyPr>
+              <a:lstStyle/>
+              <a:p>
+                <a:pPr algn="just"/>
+                <a:r>
+                  <a:rPr lang="fr-FR" dirty="0">
+                    <a:latin typeface="Times New Roman" panose="02020603050405020304" pitchFamily="18" charset="0"/>
+                    <a:cs typeface="Times New Roman" panose="02020603050405020304" pitchFamily="18" charset="0"/>
+                  </a:rPr>
+                  <a:t>Nous sommes donc dans le cas où : </a:t>
+                </a:r>
+              </a:p>
+              <a:p>
+                <a:pPr algn="just"/>
+                <a14:m>
+                  <m:oMathPara xmlns:m="http://schemas.openxmlformats.org/officeDocument/2006/math">
+                    <m:oMathParaPr>
+                      <m:jc m:val="centerGroup"/>
+                    </m:oMathParaPr>
+                    <m:oMath xmlns:m="http://schemas.openxmlformats.org/officeDocument/2006/math">
+                      <m:d>
+                        <m:dPr>
+                          <m:begChr m:val="|"/>
+                          <m:endChr m:val="|"/>
+                          <m:ctrlPr>
+                            <a:rPr lang="fr-FR" i="1" smtClean="0">
+                              <a:latin typeface="Cambria Math" panose="02040503050406030204" pitchFamily="18" charset="0"/>
+                              <a:cs typeface="Times New Roman" panose="02020603050405020304" pitchFamily="18" charset="0"/>
+                            </a:rPr>
+                          </m:ctrlPr>
+                        </m:dPr>
+                        <m:e>
+                          <m:f>
+                            <m:fPr>
+                              <m:ctrlPr>
+                                <a:rPr lang="fr-FR" i="1" smtClean="0">
+                                  <a:latin typeface="Cambria Math" panose="02040503050406030204" pitchFamily="18" charset="0"/>
+                                  <a:cs typeface="Times New Roman" panose="02020603050405020304" pitchFamily="18" charset="0"/>
+                                </a:rPr>
+                              </m:ctrlPr>
+                            </m:fPr>
+                            <m:num>
+                              <m:acc>
+                                <m:accPr>
+                                  <m:chr m:val="̂"/>
+                                  <m:ctrlPr>
+                                    <a:rPr lang="fr-FR" i="1">
+                                      <a:latin typeface="Cambria Math" panose="02040503050406030204" pitchFamily="18" charset="0"/>
+                                      <a:cs typeface="Times New Roman" panose="02020603050405020304" pitchFamily="18" charset="0"/>
+                                    </a:rPr>
+                                  </m:ctrlPr>
+                                </m:accPr>
+                                <m:e>
+                                  <m:r>
+                                    <a:rPr lang="fr-FR" i="1">
+                                      <a:latin typeface="Cambria Math" panose="02040503050406030204" pitchFamily="18" charset="0"/>
+                                      <a:cs typeface="Times New Roman" panose="02020603050405020304" pitchFamily="18" charset="0"/>
+                                    </a:rPr>
+                                    <m:t>𝑝</m:t>
+                                  </m:r>
+                                </m:e>
+                              </m:acc>
+                              <m:r>
+                                <a:rPr lang="fr-FR" b="0" i="1" smtClean="0">
+                                  <a:latin typeface="Cambria Math" panose="02040503050406030204" pitchFamily="18" charset="0"/>
+                                  <a:cs typeface="Times New Roman" panose="02020603050405020304" pitchFamily="18" charset="0"/>
+                                </a:rPr>
+                                <m:t>−</m:t>
+                              </m:r>
+                              <m:sSub>
+                                <m:sSubPr>
+                                  <m:ctrlPr>
+                                    <a:rPr lang="fr-FR" b="0" i="1" smtClean="0">
+                                      <a:latin typeface="Cambria Math" panose="02040503050406030204" pitchFamily="18" charset="0"/>
+                                      <a:cs typeface="Times New Roman" panose="02020603050405020304" pitchFamily="18" charset="0"/>
+                                    </a:rPr>
+                                  </m:ctrlPr>
+                                </m:sSubPr>
+                                <m:e>
+                                  <m:r>
+                                    <a:rPr lang="fr-FR" b="0" i="1" smtClean="0">
+                                      <a:latin typeface="Cambria Math" panose="02040503050406030204" pitchFamily="18" charset="0"/>
+                                      <a:cs typeface="Times New Roman" panose="02020603050405020304" pitchFamily="18" charset="0"/>
+                                    </a:rPr>
+                                    <m:t>𝑝</m:t>
+                                  </m:r>
+                                </m:e>
+                                <m:sub>
+                                  <m:r>
+                                    <a:rPr lang="fr-FR" b="0" i="1" smtClean="0">
+                                      <a:latin typeface="Cambria Math" panose="02040503050406030204" pitchFamily="18" charset="0"/>
+                                      <a:cs typeface="Times New Roman" panose="02020603050405020304" pitchFamily="18" charset="0"/>
+                                    </a:rPr>
+                                    <m:t>𝑓</m:t>
+                                  </m:r>
+                                </m:sub>
+                              </m:sSub>
+                            </m:num>
+                            <m:den>
+                              <m:sSub>
+                                <m:sSubPr>
+                                  <m:ctrlPr>
+                                    <a:rPr lang="fr-FR" b="0" i="1" smtClean="0">
+                                      <a:latin typeface="Cambria Math" panose="02040503050406030204" pitchFamily="18" charset="0"/>
+                                      <a:cs typeface="Times New Roman" panose="02020603050405020304" pitchFamily="18" charset="0"/>
+                                    </a:rPr>
+                                  </m:ctrlPr>
+                                </m:sSubPr>
+                                <m:e>
+                                  <m:r>
+                                    <a:rPr lang="fr-FR" b="0" i="1" smtClean="0">
+                                      <a:latin typeface="Cambria Math" panose="02040503050406030204" pitchFamily="18" charset="0"/>
+                                      <a:cs typeface="Times New Roman" panose="02020603050405020304" pitchFamily="18" charset="0"/>
+                                    </a:rPr>
+                                    <m:t>𝑝</m:t>
+                                  </m:r>
+                                </m:e>
+                                <m:sub>
+                                  <m:r>
+                                    <a:rPr lang="fr-FR" b="0" i="1" smtClean="0">
+                                      <a:latin typeface="Cambria Math" panose="02040503050406030204" pitchFamily="18" charset="0"/>
+                                      <a:cs typeface="Times New Roman" panose="02020603050405020304" pitchFamily="18" charset="0"/>
+                                    </a:rPr>
+                                    <m:t>𝑓</m:t>
+                                  </m:r>
+                                </m:sub>
+                              </m:sSub>
+                            </m:den>
+                          </m:f>
+                        </m:e>
+                      </m:d>
+                      <m:r>
+                        <a:rPr lang="fr-FR" b="0" i="1" smtClean="0">
+                          <a:latin typeface="Cambria Math" panose="02040503050406030204" pitchFamily="18" charset="0"/>
+                          <a:cs typeface="Times New Roman" panose="02020603050405020304" pitchFamily="18" charset="0"/>
+                        </a:rPr>
+                        <m:t>=25 %&gt;10 %</m:t>
+                      </m:r>
+                    </m:oMath>
+                  </m:oMathPara>
+                </a14:m>
+                <a:endParaRPr lang="fr-FR" dirty="0">
+                  <a:latin typeface="Times New Roman" panose="02020603050405020304" pitchFamily="18" charset="0"/>
+                  <a:cs typeface="Times New Roman" panose="02020603050405020304" pitchFamily="18" charset="0"/>
+                </a:endParaRPr>
+              </a:p>
+              <a:p>
+                <a:pPr algn="just"/>
+                <a:r>
+                  <a:rPr lang="fr-FR" dirty="0">
+                    <a:latin typeface="Times New Roman" panose="02020603050405020304" pitchFamily="18" charset="0"/>
+                    <a:cs typeface="Times New Roman" panose="02020603050405020304" pitchFamily="18" charset="0"/>
+                  </a:rPr>
+                  <a:t>Nous appliquons donc le GCI afin de quantifier l’incertitude que nous avons sur le déplacement maximal. Ainsi, avec </a:t>
+                </a:r>
+                <a14:m>
+                  <m:oMath xmlns:m="http://schemas.openxmlformats.org/officeDocument/2006/math">
+                    <m:sSub>
+                      <m:sSubPr>
+                        <m:ctrlPr>
+                          <a:rPr lang="fr-FR" b="0" i="1" smtClean="0">
+                            <a:latin typeface="Cambria Math" panose="02040503050406030204" pitchFamily="18" charset="0"/>
+                            <a:cs typeface="Times New Roman" panose="02020603050405020304" pitchFamily="18" charset="0"/>
+                          </a:rPr>
+                        </m:ctrlPr>
+                      </m:sSubPr>
+                      <m:e>
+                        <m:r>
+                          <a:rPr lang="fr-FR" b="0" i="1" smtClean="0">
+                            <a:latin typeface="Cambria Math" panose="02040503050406030204" pitchFamily="18" charset="0"/>
+                            <a:cs typeface="Times New Roman" panose="02020603050405020304" pitchFamily="18" charset="0"/>
+                          </a:rPr>
+                          <m:t>𝐹</m:t>
+                        </m:r>
+                      </m:e>
+                      <m:sub>
+                        <m:r>
+                          <a:rPr lang="fr-FR" b="0" i="1" smtClean="0">
+                            <a:latin typeface="Cambria Math" panose="02040503050406030204" pitchFamily="18" charset="0"/>
+                            <a:cs typeface="Times New Roman" panose="02020603050405020304" pitchFamily="18" charset="0"/>
+                          </a:rPr>
+                          <m:t>𝑠</m:t>
+                        </m:r>
+                      </m:sub>
+                    </m:sSub>
+                    <m:r>
+                      <a:rPr lang="fr-FR" b="0" i="1" smtClean="0">
+                        <a:latin typeface="Cambria Math" panose="02040503050406030204" pitchFamily="18" charset="0"/>
+                        <a:cs typeface="Times New Roman" panose="02020603050405020304" pitchFamily="18" charset="0"/>
+                      </a:rPr>
+                      <m:t>=3</m:t>
+                    </m:r>
+                  </m:oMath>
+                </a14:m>
+                <a:r>
+                  <a:rPr lang="fr-FR" dirty="0">
+                    <a:latin typeface="Times New Roman" panose="02020603050405020304" pitchFamily="18" charset="0"/>
+                    <a:cs typeface="Times New Roman" panose="02020603050405020304" pitchFamily="18" charset="0"/>
+                  </a:rPr>
+                  <a:t> et </a:t>
+                </a:r>
+                <a14:m>
+                  <m:oMath xmlns:m="http://schemas.openxmlformats.org/officeDocument/2006/math">
+                    <m:r>
+                      <a:rPr lang="fr-FR" b="0" i="1" smtClean="0">
+                        <a:latin typeface="Cambria Math" panose="02040503050406030204" pitchFamily="18" charset="0"/>
+                        <a:cs typeface="Times New Roman" panose="02020603050405020304" pitchFamily="18" charset="0"/>
+                      </a:rPr>
+                      <m:t>𝑝</m:t>
+                    </m:r>
+                    <m:r>
+                      <a:rPr lang="fr-FR" b="0" i="1" smtClean="0">
+                        <a:latin typeface="Cambria Math" panose="02040503050406030204" pitchFamily="18" charset="0"/>
+                        <a:cs typeface="Times New Roman" panose="02020603050405020304" pitchFamily="18" charset="0"/>
+                      </a:rPr>
+                      <m:t>=</m:t>
+                    </m:r>
+                    <m:acc>
+                      <m:accPr>
+                        <m:chr m:val="̂"/>
+                        <m:ctrlPr>
+                          <a:rPr lang="fr-FR" i="1">
+                            <a:latin typeface="Cambria Math" panose="02040503050406030204" pitchFamily="18" charset="0"/>
+                            <a:cs typeface="Times New Roman" panose="02020603050405020304" pitchFamily="18" charset="0"/>
+                          </a:rPr>
+                        </m:ctrlPr>
+                      </m:accPr>
+                      <m:e>
+                        <m:r>
+                          <a:rPr lang="fr-FR" i="1">
+                            <a:latin typeface="Cambria Math" panose="02040503050406030204" pitchFamily="18" charset="0"/>
+                            <a:cs typeface="Times New Roman" panose="02020603050405020304" pitchFamily="18" charset="0"/>
+                          </a:rPr>
+                          <m:t>𝑝</m:t>
+                        </m:r>
+                      </m:e>
+                    </m:acc>
+                    <m:r>
+                      <a:rPr lang="fr-FR" i="1">
+                        <a:latin typeface="Cambria Math" panose="02040503050406030204" pitchFamily="18" charset="0"/>
+                        <a:cs typeface="Times New Roman" panose="02020603050405020304" pitchFamily="18" charset="0"/>
+                      </a:rPr>
+                      <m:t>=2.50385</m:t>
+                    </m:r>
+                  </m:oMath>
+                </a14:m>
+                <a:r>
+                  <a:rPr lang="fr-FR" dirty="0">
+                    <a:latin typeface="Times New Roman" panose="02020603050405020304" pitchFamily="18" charset="0"/>
+                    <a:cs typeface="Times New Roman" panose="02020603050405020304" pitchFamily="18" charset="0"/>
+                  </a:rPr>
+                  <a:t>, pour le déplacement avec les éléments de taille </a:t>
+                </a:r>
+                <a14:m>
+                  <m:oMath xmlns:m="http://schemas.openxmlformats.org/officeDocument/2006/math">
+                    <m:r>
+                      <a:rPr lang="fr-FR" b="0" i="1" smtClean="0">
+                        <a:latin typeface="Cambria Math" panose="02040503050406030204" pitchFamily="18" charset="0"/>
+                        <a:cs typeface="Times New Roman" panose="02020603050405020304" pitchFamily="18" charset="0"/>
+                      </a:rPr>
+                      <m:t>4</m:t>
+                    </m:r>
+                    <m:r>
+                      <a:rPr lang="fr-FR" b="0" i="1" smtClean="0">
+                        <a:latin typeface="Cambria Math" panose="02040503050406030204" pitchFamily="18" charset="0"/>
+                        <a:cs typeface="Times New Roman" panose="02020603050405020304" pitchFamily="18" charset="0"/>
+                      </a:rPr>
+                      <m:t>𝑒</m:t>
+                    </m:r>
+                    <m:r>
+                      <a:rPr lang="fr-FR" b="0" i="1" smtClean="0">
+                        <a:latin typeface="Cambria Math" panose="02040503050406030204" pitchFamily="18" charset="0"/>
+                        <a:cs typeface="Times New Roman" panose="02020603050405020304" pitchFamily="18" charset="0"/>
+                      </a:rPr>
+                      <m:t>−3</m:t>
+                    </m:r>
+                    <m:r>
+                      <a:rPr lang="fr-FR" b="0" i="1" smtClean="0">
+                        <a:latin typeface="Cambria Math" panose="02040503050406030204" pitchFamily="18" charset="0"/>
+                        <a:cs typeface="Times New Roman" panose="02020603050405020304" pitchFamily="18" charset="0"/>
+                      </a:rPr>
+                      <m:t>𝑚</m:t>
+                    </m:r>
+                  </m:oMath>
+                </a14:m>
+                <a:r>
+                  <a:rPr lang="fr-FR" dirty="0">
+                    <a:latin typeface="Times New Roman" panose="02020603050405020304" pitchFamily="18" charset="0"/>
+                    <a:cs typeface="Times New Roman" panose="02020603050405020304" pitchFamily="18" charset="0"/>
+                  </a:rPr>
+                  <a:t> (</a:t>
+                </a:r>
+                <a14:m>
+                  <m:oMath xmlns:m="http://schemas.openxmlformats.org/officeDocument/2006/math">
+                    <m:sSub>
+                      <m:sSubPr>
+                        <m:ctrlPr>
+                          <a:rPr lang="fr-FR" b="0" i="1" dirty="0" smtClean="0">
+                            <a:latin typeface="Cambria Math" panose="02040503050406030204" pitchFamily="18" charset="0"/>
+                            <a:cs typeface="Times New Roman" panose="02020603050405020304" pitchFamily="18" charset="0"/>
+                          </a:rPr>
+                        </m:ctrlPr>
+                      </m:sSubPr>
+                      <m:e>
+                        <m:r>
+                          <a:rPr lang="fr-FR" b="0" i="1" dirty="0" smtClean="0">
+                            <a:latin typeface="Cambria Math" panose="02040503050406030204" pitchFamily="18" charset="0"/>
+                            <a:cs typeface="Times New Roman" panose="02020603050405020304" pitchFamily="18" charset="0"/>
+                          </a:rPr>
+                          <m:t>𝑓</m:t>
+                        </m:r>
+                      </m:e>
+                      <m:sub>
+                        <m:r>
+                          <a:rPr lang="fr-FR" b="0" i="1" dirty="0" smtClean="0">
+                            <a:latin typeface="Cambria Math" panose="02040503050406030204" pitchFamily="18" charset="0"/>
+                            <a:cs typeface="Times New Roman" panose="02020603050405020304" pitchFamily="18" charset="0"/>
+                          </a:rPr>
+                          <m:t>h</m:t>
+                        </m:r>
+                      </m:sub>
+                    </m:sSub>
+                  </m:oMath>
+                </a14:m>
+                <a:r>
+                  <a:rPr lang="fr-FR" dirty="0">
+                    <a:latin typeface="Times New Roman" panose="02020603050405020304" pitchFamily="18" charset="0"/>
+                    <a:cs typeface="Times New Roman" panose="02020603050405020304" pitchFamily="18" charset="0"/>
+                  </a:rPr>
+                  <a:t>), nous avons : </a:t>
+                </a:r>
+              </a:p>
+              <a:p>
+                <a:pPr algn="just"/>
+                <a:endParaRPr lang="fr-FR" dirty="0">
+                  <a:latin typeface="Times New Roman" panose="02020603050405020304" pitchFamily="18" charset="0"/>
+                  <a:cs typeface="Times New Roman" panose="02020603050405020304" pitchFamily="18" charset="0"/>
+                </a:endParaRPr>
+              </a:p>
+              <a:p>
+                <a:pPr algn="just"/>
+                <a14:m>
+                  <m:oMathPara xmlns:m="http://schemas.openxmlformats.org/officeDocument/2006/math">
+                    <m:oMathParaPr>
+                      <m:jc m:val="centerGroup"/>
+                    </m:oMathParaPr>
+                    <m:oMath xmlns:m="http://schemas.openxmlformats.org/officeDocument/2006/math">
+                      <m:sSub>
+                        <m:sSubPr>
+                          <m:ctrlPr>
+                            <a:rPr lang="fr-FR" b="0" i="1" smtClean="0">
+                              <a:latin typeface="Cambria Math" panose="02040503050406030204" pitchFamily="18" charset="0"/>
+                              <a:cs typeface="Times New Roman" panose="02020603050405020304" pitchFamily="18" charset="0"/>
+                            </a:rPr>
+                          </m:ctrlPr>
+                        </m:sSubPr>
+                        <m:e>
+                          <m:r>
+                            <a:rPr lang="fr-FR" b="0" i="1" smtClean="0">
+                              <a:latin typeface="Cambria Math" panose="02040503050406030204" pitchFamily="18" charset="0"/>
+                              <a:cs typeface="Times New Roman" panose="02020603050405020304" pitchFamily="18" charset="0"/>
+                            </a:rPr>
+                            <m:t>𝑓</m:t>
+                          </m:r>
+                        </m:e>
+                        <m:sub>
+                          <m:r>
+                            <a:rPr lang="fr-FR" b="0" i="1" smtClean="0">
+                              <a:latin typeface="Cambria Math" panose="02040503050406030204" pitchFamily="18" charset="0"/>
+                              <a:cs typeface="Times New Roman" panose="02020603050405020304" pitchFamily="18" charset="0"/>
+                            </a:rPr>
+                            <m:t>𝑛𝑢𝑚</m:t>
+                          </m:r>
+                        </m:sub>
+                      </m:sSub>
+                      <m:r>
+                        <a:rPr lang="fr-FR" i="1">
+                          <a:latin typeface="Cambria Math" panose="02040503050406030204" pitchFamily="18" charset="0"/>
+                          <a:cs typeface="Times New Roman" panose="02020603050405020304" pitchFamily="18" charset="0"/>
+                        </a:rPr>
+                        <m:t>=0.030555</m:t>
+                      </m:r>
+                      <m:r>
+                        <a:rPr lang="fr-FR" b="0" i="1" smtClean="0">
+                          <a:latin typeface="Cambria Math" panose="02040503050406030204" pitchFamily="18" charset="0"/>
+                          <a:cs typeface="Times New Roman" panose="02020603050405020304" pitchFamily="18" charset="0"/>
+                        </a:rPr>
+                        <m:t> </m:t>
+                      </m:r>
+                      <m:r>
+                        <a:rPr lang="fr-FR" b="0" i="1" smtClean="0">
+                          <a:latin typeface="Cambria Math" panose="02040503050406030204" pitchFamily="18" charset="0"/>
+                          <a:ea typeface="Cambria Math" panose="02040503050406030204" pitchFamily="18" charset="0"/>
+                          <a:cs typeface="Times New Roman" panose="02020603050405020304" pitchFamily="18" charset="0"/>
+                        </a:rPr>
+                        <m:t>±2.6856∙</m:t>
+                      </m:r>
+                      <m:sSup>
+                        <m:sSupPr>
+                          <m:ctrlPr>
+                            <a:rPr lang="fr-FR" b="0" i="1" smtClean="0">
+                              <a:latin typeface="Cambria Math" panose="02040503050406030204" pitchFamily="18" charset="0"/>
+                              <a:ea typeface="Cambria Math" panose="02040503050406030204" pitchFamily="18" charset="0"/>
+                              <a:cs typeface="Times New Roman" panose="02020603050405020304" pitchFamily="18" charset="0"/>
+                            </a:rPr>
+                          </m:ctrlPr>
+                        </m:sSupPr>
+                        <m:e>
+                          <m:r>
+                            <a:rPr lang="fr-FR" b="0" i="1" smtClean="0">
+                              <a:latin typeface="Cambria Math" panose="02040503050406030204" pitchFamily="18" charset="0"/>
+                              <a:ea typeface="Cambria Math" panose="02040503050406030204" pitchFamily="18" charset="0"/>
+                              <a:cs typeface="Times New Roman" panose="02020603050405020304" pitchFamily="18" charset="0"/>
+                            </a:rPr>
+                            <m:t>10</m:t>
+                          </m:r>
+                        </m:e>
+                        <m:sup>
+                          <m:r>
+                            <a:rPr lang="fr-FR" b="0" i="1" smtClean="0">
+                              <a:latin typeface="Cambria Math" panose="02040503050406030204" pitchFamily="18" charset="0"/>
+                              <a:ea typeface="Cambria Math" panose="02040503050406030204" pitchFamily="18" charset="0"/>
+                              <a:cs typeface="Times New Roman" panose="02020603050405020304" pitchFamily="18" charset="0"/>
+                            </a:rPr>
+                            <m:t>−4</m:t>
+                          </m:r>
+                        </m:sup>
+                      </m:sSup>
+                      <m:r>
+                        <a:rPr lang="fr-FR" b="0" i="1" smtClean="0">
+                          <a:latin typeface="Cambria Math" panose="02040503050406030204" pitchFamily="18" charset="0"/>
+                          <a:ea typeface="Cambria Math" panose="02040503050406030204" pitchFamily="18" charset="0"/>
+                          <a:cs typeface="Times New Roman" panose="02020603050405020304" pitchFamily="18" charset="0"/>
+                        </a:rPr>
+                        <m:t> </m:t>
+                      </m:r>
+                      <m:r>
+                        <a:rPr lang="fr-FR" b="0" i="1" smtClean="0">
+                          <a:latin typeface="Cambria Math" panose="02040503050406030204" pitchFamily="18" charset="0"/>
+                          <a:ea typeface="Cambria Math" panose="02040503050406030204" pitchFamily="18" charset="0"/>
+                          <a:cs typeface="Times New Roman" panose="02020603050405020304" pitchFamily="18" charset="0"/>
+                        </a:rPr>
+                        <m:t>𝑚</m:t>
+                      </m:r>
+                      <m:r>
+                        <a:rPr lang="fr-FR" b="0" i="1" smtClean="0">
+                          <a:latin typeface="Cambria Math" panose="02040503050406030204" pitchFamily="18" charset="0"/>
+                          <a:ea typeface="Cambria Math" panose="02040503050406030204" pitchFamily="18" charset="0"/>
+                          <a:cs typeface="Times New Roman" panose="02020603050405020304" pitchFamily="18" charset="0"/>
+                        </a:rPr>
+                        <m:t> </m:t>
+                      </m:r>
+                      <m:r>
+                        <a:rPr lang="fr-FR" b="0" smtClean="0">
+                          <a:latin typeface="Cambria Math" panose="02040503050406030204" pitchFamily="18" charset="0"/>
+                          <a:ea typeface="Cambria Math" panose="02040503050406030204" pitchFamily="18" charset="0"/>
+                        </a:rPr>
+                        <m:t>⇒</m:t>
+                      </m:r>
+                      <m:sSub>
+                        <m:sSubPr>
+                          <m:ctrlPr>
+                            <a:rPr lang="fr-FR" i="1">
+                              <a:latin typeface="Cambria Math" panose="02040503050406030204" pitchFamily="18" charset="0"/>
+                              <a:cs typeface="Times New Roman" panose="02020603050405020304" pitchFamily="18" charset="0"/>
+                            </a:rPr>
+                          </m:ctrlPr>
+                        </m:sSubPr>
+                        <m:e>
+                          <m:r>
+                            <a:rPr lang="fr-FR" i="1">
+                              <a:latin typeface="Cambria Math" panose="02040503050406030204" pitchFamily="18" charset="0"/>
+                              <a:cs typeface="Times New Roman" panose="02020603050405020304" pitchFamily="18" charset="0"/>
+                            </a:rPr>
+                            <m:t>𝑓</m:t>
+                          </m:r>
+                        </m:e>
+                        <m:sub>
+                          <m:r>
+                            <a:rPr lang="fr-FR" i="1">
+                              <a:latin typeface="Cambria Math" panose="02040503050406030204" pitchFamily="18" charset="0"/>
+                              <a:cs typeface="Times New Roman" panose="02020603050405020304" pitchFamily="18" charset="0"/>
+                            </a:rPr>
+                            <m:t>𝑛𝑢𝑚</m:t>
+                          </m:r>
+                        </m:sub>
+                      </m:sSub>
+                      <m:r>
+                        <a:rPr lang="fr-FR" i="1">
+                          <a:latin typeface="Cambria Math" panose="02040503050406030204" pitchFamily="18" charset="0"/>
+                          <a:cs typeface="Times New Roman" panose="02020603050405020304" pitchFamily="18" charset="0"/>
+                        </a:rPr>
+                        <m:t>=30</m:t>
+                      </m:r>
+                      <m:r>
+                        <a:rPr lang="fr-FR" b="0" i="1" smtClean="0">
+                          <a:latin typeface="Cambria Math" panose="02040503050406030204" pitchFamily="18" charset="0"/>
+                          <a:cs typeface="Times New Roman" panose="02020603050405020304" pitchFamily="18" charset="0"/>
+                        </a:rPr>
+                        <m:t>.</m:t>
+                      </m:r>
+                      <m:r>
+                        <a:rPr lang="fr-FR" i="1">
+                          <a:latin typeface="Cambria Math" panose="02040503050406030204" pitchFamily="18" charset="0"/>
+                          <a:cs typeface="Times New Roman" panose="02020603050405020304" pitchFamily="18" charset="0"/>
+                        </a:rPr>
+                        <m:t>555</m:t>
+                      </m:r>
+                      <m:r>
+                        <a:rPr lang="fr-FR" i="1">
+                          <a:latin typeface="Cambria Math" panose="02040503050406030204" pitchFamily="18" charset="0"/>
+                          <a:cs typeface="Times New Roman" panose="02020603050405020304" pitchFamily="18" charset="0"/>
+                        </a:rPr>
+                        <m:t> </m:t>
+                      </m:r>
+                      <m:r>
+                        <a:rPr lang="fr-FR" i="1">
+                          <a:latin typeface="Cambria Math" panose="02040503050406030204" pitchFamily="18" charset="0"/>
+                          <a:ea typeface="Cambria Math" panose="02040503050406030204" pitchFamily="18" charset="0"/>
+                          <a:cs typeface="Times New Roman" panose="02020603050405020304" pitchFamily="18" charset="0"/>
+                        </a:rPr>
+                        <m:t>±</m:t>
+                      </m:r>
+                      <m:r>
+                        <a:rPr lang="fr-FR" b="0" i="1" smtClean="0">
+                          <a:latin typeface="Cambria Math" panose="02040503050406030204" pitchFamily="18" charset="0"/>
+                          <a:ea typeface="Cambria Math" panose="02040503050406030204" pitchFamily="18" charset="0"/>
+                          <a:cs typeface="Times New Roman" panose="02020603050405020304" pitchFamily="18" charset="0"/>
+                        </a:rPr>
+                        <m:t>0.2</m:t>
+                      </m:r>
+                      <m:r>
+                        <a:rPr lang="fr-FR" i="1">
+                          <a:latin typeface="Cambria Math" panose="02040503050406030204" pitchFamily="18" charset="0"/>
+                          <a:ea typeface="Cambria Math" panose="02040503050406030204" pitchFamily="18" charset="0"/>
+                          <a:cs typeface="Times New Roman" panose="02020603050405020304" pitchFamily="18" charset="0"/>
+                        </a:rPr>
+                        <m:t>6856</m:t>
+                      </m:r>
+                      <m:r>
+                        <a:rPr lang="fr-FR" b="0" i="1" smtClean="0">
+                          <a:latin typeface="Cambria Math" panose="02040503050406030204" pitchFamily="18" charset="0"/>
+                          <a:ea typeface="Cambria Math" panose="02040503050406030204" pitchFamily="18" charset="0"/>
+                          <a:cs typeface="Times New Roman" panose="02020603050405020304" pitchFamily="18" charset="0"/>
+                        </a:rPr>
+                        <m:t> </m:t>
+                      </m:r>
+                      <m:r>
+                        <a:rPr lang="fr-FR" b="0" i="1" smtClean="0">
+                          <a:latin typeface="Cambria Math" panose="02040503050406030204" pitchFamily="18" charset="0"/>
+                          <a:ea typeface="Cambria Math" panose="02040503050406030204" pitchFamily="18" charset="0"/>
+                          <a:cs typeface="Times New Roman" panose="02020603050405020304" pitchFamily="18" charset="0"/>
+                        </a:rPr>
+                        <m:t>𝑚𝑚</m:t>
+                      </m:r>
+                    </m:oMath>
+                  </m:oMathPara>
+                </a14:m>
+                <a:endParaRPr lang="fr-FR" b="0" dirty="0">
+                  <a:latin typeface="Times New Roman" panose="02020603050405020304" pitchFamily="18" charset="0"/>
+                  <a:ea typeface="Cambria Math" panose="02040503050406030204" pitchFamily="18" charset="0"/>
+                  <a:cs typeface="Times New Roman" panose="02020603050405020304" pitchFamily="18" charset="0"/>
+                </a:endParaRPr>
+              </a:p>
+              <a:p>
+                <a:pPr algn="just"/>
+                <a:endParaRPr lang="fr-FR" dirty="0">
+                  <a:latin typeface="Times New Roman" panose="02020603050405020304" pitchFamily="18" charset="0"/>
+                  <a:cs typeface="Times New Roman" panose="02020603050405020304" pitchFamily="18" charset="0"/>
+                </a:endParaRPr>
+              </a:p>
+            </p:txBody>
+          </p:sp>
+        </mc:Choice>
+        <mc:Fallback>
+          <p:sp>
+            <p:nvSpPr>
+              <p:cNvPr id="5" name="TextBox 4">
+                <a:extLst>
+                  <a:ext uri="{FF2B5EF4-FFF2-40B4-BE49-F238E27FC236}">
+                    <a16:creationId xmlns:a16="http://schemas.microsoft.com/office/drawing/2014/main" id="{123C1752-9749-D963-C34A-A3CB069DD9C5}"/>
+                  </a:ext>
+                </a:extLst>
+              </p:cNvPr>
+              <p:cNvSpPr txBox="1">
+                <a:spLocks noRot="1" noChangeAspect="1" noMove="1" noResize="1" noEditPoints="1" noAdjustHandles="1" noChangeArrowheads="1" noChangeShapeType="1" noTextEdit="1"/>
+              </p:cNvSpPr>
+              <p:nvPr/>
+            </p:nvSpPr>
+            <p:spPr>
+              <a:xfrm>
+                <a:off x="0" y="627468"/>
+                <a:ext cx="12192000" cy="2379562"/>
+              </a:xfrm>
+              <a:prstGeom prst="rect">
+                <a:avLst/>
+              </a:prstGeom>
+              <a:blipFill>
+                <a:blip r:embed="rId2"/>
+                <a:stretch>
+                  <a:fillRect l="-400" t="-1538" r="-400"/>
+                </a:stretch>
+              </a:blipFill>
+            </p:spPr>
+            <p:txBody>
+              <a:bodyPr/>
+              <a:lstStyle/>
+              <a:p>
+                <a:r>
+                  <a:rPr lang="en-GB">
+                    <a:noFill/>
+                  </a:rPr>
+                  <a:t> </a:t>
+                </a:r>
+              </a:p>
+            </p:txBody>
+          </p:sp>
+        </mc:Fallback>
+      </mc:AlternateContent>
+      <p:sp>
+        <p:nvSpPr>
+          <p:cNvPr id="3" name="Rectangle 2">
+            <a:extLst>
+              <a:ext uri="{FF2B5EF4-FFF2-40B4-BE49-F238E27FC236}">
+                <a16:creationId xmlns:a16="http://schemas.microsoft.com/office/drawing/2014/main" id="{9B7F5462-4ABB-EBA2-0610-D1DC1488F1E8}"/>
+              </a:ext>
+            </a:extLst>
+          </p:cNvPr>
+          <p:cNvSpPr/>
+          <p:nvPr/>
+        </p:nvSpPr>
+        <p:spPr>
+          <a:xfrm>
+            <a:off x="6521450" y="2374900"/>
+            <a:ext cx="3111500" cy="368300"/>
+          </a:xfrm>
+          <a:prstGeom prst="rect">
+            <a:avLst/>
+          </a:prstGeom>
+          <a:noFill/>
+          <a:ln>
+            <a:solidFill>
+              <a:schemeClr val="tx1"/>
+            </a:solidFill>
+          </a:ln>
+        </p:spPr>
+        <p:style>
+          <a:lnRef idx="2">
+            <a:schemeClr val="accent1">
+              <a:shade val="15000"/>
+            </a:schemeClr>
+          </a:lnRef>
+          <a:fillRef idx="1">
+            <a:schemeClr val="accent1"/>
+          </a:fillRef>
+          <a:effectRef idx="0">
+            <a:schemeClr val="accent1"/>
+          </a:effectRef>
+          <a:fontRef idx="minor">
+            <a:schemeClr val="lt1"/>
+          </a:fontRef>
+        </p:style>
+        <p:txBody>
+          <a:bodyPr rtlCol="0" anchor="ctr"/>
+          <a:lstStyle/>
+          <a:p>
+            <a:pPr algn="ctr"/>
+            <a:endParaRPr lang="en-GB"/>
+          </a:p>
+        </p:txBody>
+      </p:sp>
+      <p:sp>
+        <p:nvSpPr>
+          <p:cNvPr id="4" name="TextBox 3">
+            <a:extLst>
+              <a:ext uri="{FF2B5EF4-FFF2-40B4-BE49-F238E27FC236}">
+                <a16:creationId xmlns:a16="http://schemas.microsoft.com/office/drawing/2014/main" id="{071085C4-0B93-7C4D-668E-440636B813C4}"/>
+              </a:ext>
+            </a:extLst>
+          </p:cNvPr>
+          <p:cNvSpPr txBox="1"/>
+          <p:nvPr/>
+        </p:nvSpPr>
+        <p:spPr>
+          <a:xfrm>
+            <a:off x="0" y="3007030"/>
+            <a:ext cx="12192000" cy="923330"/>
+          </a:xfrm>
+          <a:prstGeom prst="rect">
+            <a:avLst/>
+          </a:prstGeom>
+          <a:noFill/>
+        </p:spPr>
+        <p:txBody>
+          <a:bodyPr wrap="square" rtlCol="0">
+            <a:spAutoFit/>
+          </a:bodyPr>
+          <a:lstStyle/>
+          <a:p>
+            <a:pPr algn="just"/>
+            <a:r>
+              <a:rPr lang="fr-FR" b="1" dirty="0">
+                <a:latin typeface="Times New Roman" panose="02020603050405020304" pitchFamily="18" charset="0"/>
+                <a:cs typeface="Times New Roman" panose="02020603050405020304" pitchFamily="18" charset="0"/>
+              </a:rPr>
+              <a:t>3. Conclusion sur la vérification de solution </a:t>
+            </a:r>
+          </a:p>
+          <a:p>
+            <a:pPr algn="just"/>
+            <a:endParaRPr lang="fr-FR" dirty="0">
+              <a:latin typeface="Times New Roman" panose="02020603050405020304" pitchFamily="18" charset="0"/>
+              <a:cs typeface="Times New Roman" panose="02020603050405020304" pitchFamily="18" charset="0"/>
+            </a:endParaRPr>
+          </a:p>
+          <a:p>
+            <a:pPr algn="just"/>
+            <a:r>
+              <a:rPr lang="fr-FR" dirty="0">
+                <a:highlight>
+                  <a:srgbClr val="FFFF00"/>
+                </a:highlight>
+                <a:latin typeface="Times New Roman" panose="02020603050405020304" pitchFamily="18" charset="0"/>
+                <a:cs typeface="Times New Roman" panose="02020603050405020304" pitchFamily="18" charset="0"/>
+              </a:rPr>
+              <a:t>…</a:t>
+            </a:r>
+          </a:p>
+        </p:txBody>
+      </p:sp>
+    </p:spTree>
+    <p:extLst>
+      <p:ext uri="{BB962C8B-B14F-4D97-AF65-F5344CB8AC3E}">
+        <p14:creationId xmlns:p14="http://schemas.microsoft.com/office/powerpoint/2010/main" val="3353157011"/>
+      </p:ext>
+    </p:extLst>
+  </p:cSld>
+  <p:clrMapOvr>
+    <a:masterClrMapping/>
+  </p:clrMapOvr>
+</p:sld>
+</file>
+
+<file path=ppt/slides/slide11.xml><?xml version="1.0" encoding="utf-8"?>
+<p:sld xmlns:a="http://schemas.openxmlformats.org/drawingml/2006/main" xmlns:r="http://schemas.openxmlformats.org/officeDocument/2006/relationships" xmlns:p="http://schemas.openxmlformats.org/presentationml/2006/main">
+  <p:cSld>
+    <p:spTree>
+      <p:nvGrpSpPr>
+        <p:cNvPr id="1" name="">
+          <a:extLst>
+            <a:ext uri="{FF2B5EF4-FFF2-40B4-BE49-F238E27FC236}">
+              <a16:creationId xmlns:a16="http://schemas.microsoft.com/office/drawing/2014/main" id="{917E2C5C-9376-0033-9C53-61F5C64A7F61}"/>
+            </a:ext>
+          </a:extLst>
+        </p:cNvPr>
+        <p:cNvGrpSpPr/>
+        <p:nvPr/>
+      </p:nvGrpSpPr>
+      <p:grpSpPr>
+        <a:xfrm>
+          <a:off x="0" y="0"/>
+          <a:ext cx="0" cy="0"/>
+          <a:chOff x="0" y="0"/>
+          <a:chExt cx="0" cy="0"/>
+        </a:xfrm>
+      </p:grpSpPr>
+      <p:sp>
+        <p:nvSpPr>
+          <p:cNvPr id="36" name="Rectangle 35">
+            <a:extLst>
+              <a:ext uri="{FF2B5EF4-FFF2-40B4-BE49-F238E27FC236}">
+                <a16:creationId xmlns:a16="http://schemas.microsoft.com/office/drawing/2014/main" id="{4F11203A-FE15-B754-26DE-191D2C37475A}"/>
+              </a:ext>
+            </a:extLst>
+          </p:cNvPr>
+          <p:cNvSpPr/>
+          <p:nvPr/>
+        </p:nvSpPr>
+        <p:spPr>
+          <a:xfrm>
+            <a:off x="1" y="-990"/>
+            <a:ext cx="6096000" cy="501017"/>
+          </a:xfrm>
+          <a:prstGeom prst="rect">
+            <a:avLst/>
+          </a:prstGeom>
+          <a:solidFill>
+            <a:srgbClr val="980000"/>
+          </a:solidFill>
+          <a:ln>
+            <a:noFill/>
+          </a:ln>
+        </p:spPr>
+        <p:style>
+          <a:lnRef idx="2">
+            <a:schemeClr val="accent1">
+              <a:shade val="15000"/>
+            </a:schemeClr>
+          </a:lnRef>
+          <a:fillRef idx="1">
+            <a:schemeClr val="accent1"/>
+          </a:fillRef>
+          <a:effectRef idx="0">
+            <a:schemeClr val="accent1"/>
+          </a:effectRef>
+          <a:fontRef idx="minor">
+            <a:schemeClr val="lt1"/>
+          </a:fontRef>
+        </p:style>
+        <p:txBody>
+          <a:bodyPr rtlCol="0" anchor="ctr"/>
+          <a:lstStyle/>
+          <a:p>
+            <a:pPr algn="ctr"/>
+            <a:endParaRPr lang="fr-FR" noProof="0" dirty="0"/>
+          </a:p>
+        </p:txBody>
+      </p:sp>
+      <p:sp>
+        <p:nvSpPr>
+          <p:cNvPr id="9" name="TextBox 8">
+            <a:extLst>
+              <a:ext uri="{FF2B5EF4-FFF2-40B4-BE49-F238E27FC236}">
+                <a16:creationId xmlns:a16="http://schemas.microsoft.com/office/drawing/2014/main" id="{C9B5B16C-1DB0-E947-93DF-D6622677A8E5}"/>
+              </a:ext>
+            </a:extLst>
+          </p:cNvPr>
+          <p:cNvSpPr txBox="1"/>
+          <p:nvPr/>
+        </p:nvSpPr>
+        <p:spPr>
+          <a:xfrm>
+            <a:off x="0" y="-990"/>
+            <a:ext cx="5568381" cy="461665"/>
+          </a:xfrm>
+          <a:prstGeom prst="rect">
+            <a:avLst/>
+          </a:prstGeom>
+          <a:noFill/>
+        </p:spPr>
+        <p:txBody>
+          <a:bodyPr wrap="square" rtlCol="0">
+            <a:spAutoFit/>
+          </a:bodyPr>
+          <a:lstStyle/>
+          <a:p>
+            <a:pPr algn="just"/>
+            <a:r>
+              <a:rPr lang="fr-FR" sz="2400" b="1" noProof="0" dirty="0">
+                <a:solidFill>
+                  <a:schemeClr val="bg1"/>
+                </a:solidFill>
+                <a:latin typeface="Times New Roman" panose="02020603050405020304" pitchFamily="18" charset="0"/>
+                <a:cs typeface="Times New Roman" panose="02020603050405020304" pitchFamily="18" charset="0"/>
+              </a:rPr>
+              <a:t>PROPAGATION DES INCERTITUDES</a:t>
+            </a:r>
+          </a:p>
+        </p:txBody>
+      </p:sp>
+      <p:sp>
+        <p:nvSpPr>
+          <p:cNvPr id="39" name="Rectangle 38">
+            <a:extLst>
+              <a:ext uri="{FF2B5EF4-FFF2-40B4-BE49-F238E27FC236}">
+                <a16:creationId xmlns:a16="http://schemas.microsoft.com/office/drawing/2014/main" id="{452CEAA3-6F3C-6440-794D-5FA1832BCAFE}"/>
+              </a:ext>
+            </a:extLst>
+          </p:cNvPr>
+          <p:cNvSpPr/>
+          <p:nvPr/>
+        </p:nvSpPr>
+        <p:spPr>
+          <a:xfrm>
+            <a:off x="6096000" y="0"/>
+            <a:ext cx="6096000" cy="501017"/>
+          </a:xfrm>
+          <a:prstGeom prst="rect">
+            <a:avLst/>
+          </a:prstGeom>
+          <a:solidFill>
+            <a:srgbClr val="D9D9D9"/>
+          </a:solidFill>
+          <a:ln>
+            <a:noFill/>
+          </a:ln>
+        </p:spPr>
+        <p:style>
+          <a:lnRef idx="2">
+            <a:schemeClr val="accent1">
+              <a:shade val="15000"/>
+            </a:schemeClr>
+          </a:lnRef>
+          <a:fillRef idx="1">
+            <a:schemeClr val="accent1"/>
+          </a:fillRef>
+          <a:effectRef idx="0">
+            <a:schemeClr val="accent1"/>
+          </a:effectRef>
+          <a:fontRef idx="minor">
+            <a:schemeClr val="lt1"/>
+          </a:fontRef>
+        </p:style>
+        <p:txBody>
+          <a:bodyPr rtlCol="0" anchor="ctr"/>
+          <a:lstStyle/>
+          <a:p>
+            <a:pPr algn="ctr"/>
+            <a:endParaRPr lang="fr-FR" noProof="0" dirty="0"/>
+          </a:p>
+        </p:txBody>
+      </p:sp>
+      <p:sp>
+        <p:nvSpPr>
+          <p:cNvPr id="2" name="TextBox 1">
+            <a:extLst>
+              <a:ext uri="{FF2B5EF4-FFF2-40B4-BE49-F238E27FC236}">
+                <a16:creationId xmlns:a16="http://schemas.microsoft.com/office/drawing/2014/main" id="{0042AAB7-5C77-4BBB-D2D5-854226AC3ED2}"/>
+              </a:ext>
+            </a:extLst>
+          </p:cNvPr>
+          <p:cNvSpPr txBox="1"/>
+          <p:nvPr/>
+        </p:nvSpPr>
+        <p:spPr>
+          <a:xfrm>
+            <a:off x="11091333" y="6550222"/>
+            <a:ext cx="1100667" cy="307777"/>
+          </a:xfrm>
+          <a:prstGeom prst="rect">
+            <a:avLst/>
+          </a:prstGeom>
+          <a:noFill/>
+        </p:spPr>
+        <p:txBody>
+          <a:bodyPr wrap="square" rtlCol="0">
+            <a:spAutoFit/>
+          </a:bodyPr>
+          <a:lstStyle/>
+          <a:p>
+            <a:pPr algn="r"/>
+            <a:r>
+              <a:rPr lang="fr-FR" sz="1400" noProof="0" dirty="0">
+                <a:latin typeface="Times New Roman" panose="02020603050405020304" pitchFamily="18" charset="0"/>
+                <a:cs typeface="Times New Roman" panose="02020603050405020304" pitchFamily="18" charset="0"/>
+              </a:rPr>
+              <a:t>X/Y</a:t>
+            </a:r>
+          </a:p>
+        </p:txBody>
+      </p:sp>
+    </p:spTree>
+    <p:extLst>
+      <p:ext uri="{BB962C8B-B14F-4D97-AF65-F5344CB8AC3E}">
+        <p14:creationId xmlns:p14="http://schemas.microsoft.com/office/powerpoint/2010/main" val="3992977093"/>
+      </p:ext>
+    </p:extLst>
+  </p:cSld>
+  <p:clrMapOvr>
+    <a:masterClrMapping/>
+  </p:clrMapOvr>
+</p:sld>
+</file>
+
+<file path=ppt/slides/slide12.xml><?xml version="1.0" encoding="utf-8"?>
+<p:sld xmlns:a="http://schemas.openxmlformats.org/drawingml/2006/main" xmlns:r="http://schemas.openxmlformats.org/officeDocument/2006/relationships" xmlns:p="http://schemas.openxmlformats.org/presentationml/2006/main">
+  <p:cSld>
+    <p:spTree>
+      <p:nvGrpSpPr>
+        <p:cNvPr id="1" name="">
+          <a:extLst>
+            <a:ext uri="{FF2B5EF4-FFF2-40B4-BE49-F238E27FC236}">
+              <a16:creationId xmlns:a16="http://schemas.microsoft.com/office/drawing/2014/main" id="{4F1CD39F-1AA1-CA3E-121A-DAC967D4790E}"/>
+            </a:ext>
+          </a:extLst>
+        </p:cNvPr>
+        <p:cNvGrpSpPr/>
+        <p:nvPr/>
+      </p:nvGrpSpPr>
+      <p:grpSpPr>
+        <a:xfrm>
+          <a:off x="0" y="0"/>
+          <a:ext cx="0" cy="0"/>
+          <a:chOff x="0" y="0"/>
+          <a:chExt cx="0" cy="0"/>
+        </a:xfrm>
+      </p:grpSpPr>
+      <p:sp>
+        <p:nvSpPr>
+          <p:cNvPr id="36" name="Rectangle 35">
+            <a:extLst>
+              <a:ext uri="{FF2B5EF4-FFF2-40B4-BE49-F238E27FC236}">
+                <a16:creationId xmlns:a16="http://schemas.microsoft.com/office/drawing/2014/main" id="{7AE948C0-E759-6464-6FE4-89E821AF7840}"/>
+              </a:ext>
+            </a:extLst>
+          </p:cNvPr>
+          <p:cNvSpPr/>
+          <p:nvPr/>
+        </p:nvSpPr>
+        <p:spPr>
+          <a:xfrm>
+            <a:off x="1" y="-990"/>
+            <a:ext cx="6096000" cy="501017"/>
+          </a:xfrm>
+          <a:prstGeom prst="rect">
+            <a:avLst/>
+          </a:prstGeom>
+          <a:solidFill>
+            <a:srgbClr val="980000"/>
+          </a:solidFill>
+          <a:ln>
+            <a:noFill/>
+          </a:ln>
+        </p:spPr>
+        <p:style>
+          <a:lnRef idx="2">
+            <a:schemeClr val="accent1">
+              <a:shade val="15000"/>
+            </a:schemeClr>
+          </a:lnRef>
+          <a:fillRef idx="1">
+            <a:schemeClr val="accent1"/>
+          </a:fillRef>
+          <a:effectRef idx="0">
+            <a:schemeClr val="accent1"/>
+          </a:effectRef>
+          <a:fontRef idx="minor">
+            <a:schemeClr val="lt1"/>
+          </a:fontRef>
+        </p:style>
+        <p:txBody>
+          <a:bodyPr rtlCol="0" anchor="ctr"/>
+          <a:lstStyle/>
+          <a:p>
+            <a:pPr algn="ctr"/>
+            <a:endParaRPr lang="fr-FR" noProof="0" dirty="0"/>
+          </a:p>
+        </p:txBody>
+      </p:sp>
+      <p:sp>
+        <p:nvSpPr>
+          <p:cNvPr id="9" name="TextBox 8">
+            <a:extLst>
+              <a:ext uri="{FF2B5EF4-FFF2-40B4-BE49-F238E27FC236}">
+                <a16:creationId xmlns:a16="http://schemas.microsoft.com/office/drawing/2014/main" id="{A1BFB0DE-CCDE-5E15-B93D-0C46D50CF46E}"/>
+              </a:ext>
+            </a:extLst>
+          </p:cNvPr>
+          <p:cNvSpPr txBox="1"/>
+          <p:nvPr/>
+        </p:nvSpPr>
+        <p:spPr>
+          <a:xfrm>
+            <a:off x="0" y="-990"/>
+            <a:ext cx="5568381" cy="461665"/>
+          </a:xfrm>
+          <a:prstGeom prst="rect">
+            <a:avLst/>
+          </a:prstGeom>
+          <a:noFill/>
+        </p:spPr>
+        <p:txBody>
+          <a:bodyPr wrap="square" rtlCol="0">
+            <a:spAutoFit/>
+          </a:bodyPr>
+          <a:lstStyle/>
+          <a:p>
+            <a:pPr algn="just"/>
+            <a:r>
+              <a:rPr lang="fr-FR" sz="2400" b="1" noProof="0" dirty="0">
+                <a:solidFill>
+                  <a:schemeClr val="bg1"/>
+                </a:solidFill>
+                <a:latin typeface="Times New Roman" panose="02020603050405020304" pitchFamily="18" charset="0"/>
+                <a:cs typeface="Times New Roman" panose="02020603050405020304" pitchFamily="18" charset="0"/>
+              </a:rPr>
+              <a:t>REFERENCES</a:t>
+            </a:r>
+          </a:p>
+        </p:txBody>
+      </p:sp>
+      <p:sp>
+        <p:nvSpPr>
+          <p:cNvPr id="39" name="Rectangle 38">
+            <a:extLst>
+              <a:ext uri="{FF2B5EF4-FFF2-40B4-BE49-F238E27FC236}">
+                <a16:creationId xmlns:a16="http://schemas.microsoft.com/office/drawing/2014/main" id="{AE6F7881-5CAD-BF53-F5ED-913A8168C526}"/>
+              </a:ext>
+            </a:extLst>
+          </p:cNvPr>
+          <p:cNvSpPr/>
+          <p:nvPr/>
+        </p:nvSpPr>
+        <p:spPr>
+          <a:xfrm>
+            <a:off x="6096000" y="0"/>
+            <a:ext cx="6096000" cy="501017"/>
+          </a:xfrm>
+          <a:prstGeom prst="rect">
+            <a:avLst/>
+          </a:prstGeom>
+          <a:solidFill>
+            <a:srgbClr val="D9D9D9"/>
+          </a:solidFill>
+          <a:ln>
+            <a:noFill/>
+          </a:ln>
+        </p:spPr>
+        <p:style>
+          <a:lnRef idx="2">
+            <a:schemeClr val="accent1">
+              <a:shade val="15000"/>
+            </a:schemeClr>
+          </a:lnRef>
+          <a:fillRef idx="1">
+            <a:schemeClr val="accent1"/>
+          </a:fillRef>
+          <a:effectRef idx="0">
+            <a:schemeClr val="accent1"/>
+          </a:effectRef>
+          <a:fontRef idx="minor">
+            <a:schemeClr val="lt1"/>
+          </a:fontRef>
+        </p:style>
+        <p:txBody>
+          <a:bodyPr rtlCol="0" anchor="ctr"/>
+          <a:lstStyle/>
+          <a:p>
+            <a:pPr algn="ctr"/>
+            <a:endParaRPr lang="fr-FR" noProof="0" dirty="0"/>
+          </a:p>
+        </p:txBody>
+      </p:sp>
+      <p:sp>
+        <p:nvSpPr>
+          <p:cNvPr id="2" name="TextBox 1">
+            <a:extLst>
+              <a:ext uri="{FF2B5EF4-FFF2-40B4-BE49-F238E27FC236}">
+                <a16:creationId xmlns:a16="http://schemas.microsoft.com/office/drawing/2014/main" id="{0919D1C6-D732-AE82-8C89-94E702263F7C}"/>
+              </a:ext>
+            </a:extLst>
+          </p:cNvPr>
+          <p:cNvSpPr txBox="1"/>
+          <p:nvPr/>
+        </p:nvSpPr>
+        <p:spPr>
+          <a:xfrm>
+            <a:off x="11091333" y="6550222"/>
+            <a:ext cx="1100667" cy="307777"/>
+          </a:xfrm>
+          <a:prstGeom prst="rect">
+            <a:avLst/>
+          </a:prstGeom>
+          <a:noFill/>
+        </p:spPr>
+        <p:txBody>
+          <a:bodyPr wrap="square" rtlCol="0">
+            <a:spAutoFit/>
+          </a:bodyPr>
+          <a:lstStyle/>
+          <a:p>
+            <a:pPr algn="r"/>
+            <a:r>
+              <a:rPr lang="fr-FR" sz="1400" noProof="0" dirty="0">
+                <a:latin typeface="Times New Roman" panose="02020603050405020304" pitchFamily="18" charset="0"/>
+                <a:cs typeface="Times New Roman" panose="02020603050405020304" pitchFamily="18" charset="0"/>
+              </a:rPr>
+              <a:t>X/Y</a:t>
+            </a:r>
+          </a:p>
+        </p:txBody>
+      </p:sp>
+      <p:sp>
+        <p:nvSpPr>
+          <p:cNvPr id="5" name="TextBox 4">
+            <a:extLst>
+              <a:ext uri="{FF2B5EF4-FFF2-40B4-BE49-F238E27FC236}">
+                <a16:creationId xmlns:a16="http://schemas.microsoft.com/office/drawing/2014/main" id="{FAC551E2-7AD3-5FEF-E2DE-209EDBFB2695}"/>
+              </a:ext>
+            </a:extLst>
+          </p:cNvPr>
+          <p:cNvSpPr txBox="1"/>
+          <p:nvPr/>
+        </p:nvSpPr>
+        <p:spPr>
+          <a:xfrm>
+            <a:off x="0" y="627468"/>
+            <a:ext cx="12192000" cy="2062103"/>
+          </a:xfrm>
+          <a:prstGeom prst="rect">
+            <a:avLst/>
+          </a:prstGeom>
+          <a:noFill/>
+        </p:spPr>
+        <p:txBody>
+          <a:bodyPr wrap="square" rtlCol="0">
+            <a:spAutoFit/>
+          </a:bodyPr>
+          <a:lstStyle/>
+          <a:p>
+            <a:r>
+              <a:rPr lang="en-GB" sz="1600" dirty="0">
+                <a:latin typeface="Times New Roman" panose="02020603050405020304" pitchFamily="18" charset="0"/>
+                <a:cs typeface="Times New Roman" panose="02020603050405020304" pitchFamily="18" charset="0"/>
+              </a:rPr>
+              <a:t>Ansys. (2020, </a:t>
+            </a:r>
+            <a:r>
+              <a:rPr lang="en-GB" sz="1600" dirty="0" err="1">
+                <a:latin typeface="Times New Roman" panose="02020603050405020304" pitchFamily="18" charset="0"/>
+                <a:cs typeface="Times New Roman" panose="02020603050405020304" pitchFamily="18" charset="0"/>
+              </a:rPr>
+              <a:t>octobre</a:t>
+            </a:r>
+            <a:r>
+              <a:rPr lang="en-GB" sz="1600" dirty="0">
+                <a:latin typeface="Times New Roman" panose="02020603050405020304" pitchFamily="18" charset="0"/>
+                <a:cs typeface="Times New Roman" panose="02020603050405020304" pitchFamily="18" charset="0"/>
+              </a:rPr>
+              <a:t>). </a:t>
+            </a:r>
+            <a:r>
+              <a:rPr lang="en-GB" sz="1600" i="1" dirty="0">
+                <a:latin typeface="Times New Roman" panose="02020603050405020304" pitchFamily="18" charset="0"/>
+                <a:cs typeface="Times New Roman" panose="02020603050405020304" pitchFamily="18" charset="0"/>
+              </a:rPr>
+              <a:t>Lesson 3: Large deformations governing equations</a:t>
+            </a:r>
+            <a:r>
+              <a:rPr lang="en-GB" sz="1600" dirty="0">
+                <a:latin typeface="Times New Roman" panose="02020603050405020304" pitchFamily="18" charset="0"/>
+                <a:cs typeface="Times New Roman" panose="02020603050405020304" pitchFamily="18" charset="0"/>
+              </a:rPr>
+              <a:t> [PDF]. Ansys Innovation Space. </a:t>
+            </a:r>
+            <a:r>
+              <a:rPr lang="en-GB" sz="1600" dirty="0">
+                <a:latin typeface="Times New Roman" panose="02020603050405020304" pitchFamily="18" charset="0"/>
+                <a:cs typeface="Times New Roman" panose="02020603050405020304" pitchFamily="18" charset="0"/>
+                <a:hlinkClick r:id="rId2"/>
+              </a:rPr>
+              <a:t>https://innovationspace.ansys.com/courses/wp-content/uploads/2020/10/Lesson3_LargeDeformationsGoverningEquations.pdf</a:t>
+            </a:r>
+            <a:endParaRPr lang="en-GB" sz="1600" dirty="0">
+              <a:latin typeface="Times New Roman" panose="02020603050405020304" pitchFamily="18" charset="0"/>
+              <a:cs typeface="Times New Roman" panose="02020603050405020304" pitchFamily="18" charset="0"/>
+            </a:endParaRPr>
+          </a:p>
+          <a:p>
+            <a:endParaRPr lang="en-GB" sz="1600" dirty="0">
+              <a:latin typeface="Times New Roman" panose="02020603050405020304" pitchFamily="18" charset="0"/>
+              <a:cs typeface="Times New Roman" panose="02020603050405020304" pitchFamily="18" charset="0"/>
+            </a:endParaRPr>
+          </a:p>
+          <a:p>
+            <a:r>
+              <a:rPr lang="fr-FR" sz="1600" dirty="0" err="1">
+                <a:latin typeface="Times New Roman" panose="02020603050405020304" pitchFamily="18" charset="0"/>
+                <a:cs typeface="Times New Roman" panose="02020603050405020304" pitchFamily="18" charset="0"/>
+              </a:rPr>
+              <a:t>Labed</a:t>
+            </a:r>
+            <a:r>
+              <a:rPr lang="fr-FR" sz="1600" dirty="0">
+                <a:latin typeface="Times New Roman" panose="02020603050405020304" pitchFamily="18" charset="0"/>
+                <a:cs typeface="Times New Roman" panose="02020603050405020304" pitchFamily="18" charset="0"/>
+              </a:rPr>
+              <a:t>, N. &amp; </a:t>
+            </a:r>
+            <a:r>
+              <a:rPr lang="fr-FR" sz="1600" dirty="0" err="1">
+                <a:latin typeface="Times New Roman" panose="02020603050405020304" pitchFamily="18" charset="0"/>
+                <a:cs typeface="Times New Roman" panose="02020603050405020304" pitchFamily="18" charset="0"/>
+              </a:rPr>
+              <a:t>Peyraut</a:t>
+            </a:r>
+            <a:r>
+              <a:rPr lang="fr-FR" sz="1600" dirty="0">
+                <a:latin typeface="Times New Roman" panose="02020603050405020304" pitchFamily="18" charset="0"/>
+                <a:cs typeface="Times New Roman" panose="02020603050405020304" pitchFamily="18" charset="0"/>
+              </a:rPr>
+              <a:t>, F. (n.d.). </a:t>
+            </a:r>
+            <a:r>
+              <a:rPr lang="fr-FR" sz="1600" i="1" dirty="0">
+                <a:latin typeface="Times New Roman" panose="02020603050405020304" pitchFamily="18" charset="0"/>
+                <a:cs typeface="Times New Roman" panose="02020603050405020304" pitchFamily="18" charset="0"/>
+              </a:rPr>
+              <a:t>TE41 Mécanique des milieux continus</a:t>
+            </a:r>
+            <a:r>
+              <a:rPr lang="fr-FR" sz="1600" dirty="0">
+                <a:latin typeface="Times New Roman" panose="02020603050405020304" pitchFamily="18" charset="0"/>
+                <a:cs typeface="Times New Roman" panose="02020603050405020304" pitchFamily="18" charset="0"/>
+              </a:rPr>
+              <a:t> [Cours]. Université de Technologie de Belfort-Montbéliard (UTBM).</a:t>
+            </a:r>
+            <a:endParaRPr lang="en-GB" sz="1600" dirty="0">
+              <a:latin typeface="Times New Roman" panose="02020603050405020304" pitchFamily="18" charset="0"/>
+              <a:cs typeface="Times New Roman" panose="02020603050405020304" pitchFamily="18" charset="0"/>
+            </a:endParaRPr>
+          </a:p>
+          <a:p>
+            <a:endParaRPr lang="en-GB" sz="1600" dirty="0">
+              <a:latin typeface="Times New Roman" panose="02020603050405020304" pitchFamily="18" charset="0"/>
+              <a:cs typeface="Times New Roman" panose="02020603050405020304" pitchFamily="18" charset="0"/>
+            </a:endParaRPr>
+          </a:p>
+          <a:p>
+            <a:r>
+              <a:rPr lang="fr-FR" sz="1600" dirty="0">
+                <a:latin typeface="Times New Roman" panose="02020603050405020304" pitchFamily="18" charset="0"/>
+                <a:cs typeface="Times New Roman" panose="02020603050405020304" pitchFamily="18" charset="0"/>
+              </a:rPr>
+              <a:t>Chamoret, D. (n.d.). </a:t>
+            </a:r>
+            <a:r>
+              <a:rPr lang="fr-FR" sz="1600" i="1" dirty="0">
+                <a:latin typeface="Times New Roman" panose="02020603050405020304" pitchFamily="18" charset="0"/>
+                <a:cs typeface="Times New Roman" panose="02020603050405020304" pitchFamily="18" charset="0"/>
+              </a:rPr>
+              <a:t>MN44 Introduction to multi-</a:t>
+            </a:r>
+            <a:r>
+              <a:rPr lang="fr-FR" sz="1600" i="1" dirty="0" err="1">
+                <a:latin typeface="Times New Roman" panose="02020603050405020304" pitchFamily="18" charset="0"/>
+                <a:cs typeface="Times New Roman" panose="02020603050405020304" pitchFamily="18" charset="0"/>
+              </a:rPr>
+              <a:t>physics</a:t>
+            </a:r>
+            <a:r>
+              <a:rPr lang="fr-FR" sz="1600" i="1" dirty="0">
+                <a:latin typeface="Times New Roman" panose="02020603050405020304" pitchFamily="18" charset="0"/>
+                <a:cs typeface="Times New Roman" panose="02020603050405020304" pitchFamily="18" charset="0"/>
+              </a:rPr>
+              <a:t> simulation</a:t>
+            </a:r>
+            <a:r>
+              <a:rPr lang="fr-FR" sz="1600" dirty="0">
+                <a:latin typeface="Times New Roman" panose="02020603050405020304" pitchFamily="18" charset="0"/>
+                <a:cs typeface="Times New Roman" panose="02020603050405020304" pitchFamily="18" charset="0"/>
+              </a:rPr>
+              <a:t> [Cours]. Université de Technologie de Belfort-Montbéliard (UTBM).</a:t>
+            </a:r>
+          </a:p>
+          <a:p>
+            <a:endParaRPr lang="fr-FR" sz="1600" dirty="0">
+              <a:latin typeface="Times New Roman" panose="02020603050405020304" pitchFamily="18" charset="0"/>
+              <a:cs typeface="Times New Roman" panose="02020603050405020304" pitchFamily="18" charset="0"/>
+            </a:endParaRPr>
+          </a:p>
+          <a:p>
+            <a:r>
+              <a:rPr lang="fr-FR" sz="1600" dirty="0">
+                <a:latin typeface="Times New Roman" panose="02020603050405020304" pitchFamily="18" charset="0"/>
+                <a:cs typeface="Times New Roman" panose="02020603050405020304" pitchFamily="18" charset="0"/>
+              </a:rPr>
+              <a:t>Trépanier, J-Y. (n.d). </a:t>
+            </a:r>
+            <a:r>
+              <a:rPr lang="fr-FR" sz="1600" i="1" dirty="0">
+                <a:latin typeface="Times New Roman" panose="02020603050405020304" pitchFamily="18" charset="0"/>
+                <a:cs typeface="Times New Roman" panose="02020603050405020304" pitchFamily="18" charset="0"/>
+              </a:rPr>
+              <a:t>MEC8211 Vérification et validation en modélisation numérique </a:t>
+            </a:r>
+            <a:r>
+              <a:rPr lang="fr-FR" sz="1600" dirty="0">
+                <a:latin typeface="Times New Roman" panose="02020603050405020304" pitchFamily="18" charset="0"/>
+                <a:cs typeface="Times New Roman" panose="02020603050405020304" pitchFamily="18" charset="0"/>
+              </a:rPr>
+              <a:t>[Cours]. Polytechnique Montréal (PM). </a:t>
+            </a:r>
+            <a:endParaRPr lang="en-GB" sz="1600" dirty="0">
+              <a:latin typeface="Times New Roman" panose="02020603050405020304" pitchFamily="18" charset="0"/>
+              <a:cs typeface="Times New Roman" panose="02020603050405020304" pitchFamily="18" charset="0"/>
+            </a:endParaRPr>
+          </a:p>
+        </p:txBody>
+      </p:sp>
+    </p:spTree>
+    <p:extLst>
+      <p:ext uri="{BB962C8B-B14F-4D97-AF65-F5344CB8AC3E}">
+        <p14:creationId xmlns:p14="http://schemas.microsoft.com/office/powerpoint/2010/main" val="3135963873"/>
+      </p:ext>
+    </p:extLst>
+  </p:cSld>
+  <p:clrMapOvr>
+    <a:masterClrMapping/>
+  </p:clrMapOvr>
+</p:sld>
+</file>
+
+<file path=ppt/slides/slide13.xml><?xml version="1.0" encoding="utf-8"?>
+<p:sld xmlns:a="http://schemas.openxmlformats.org/drawingml/2006/main" xmlns:r="http://schemas.openxmlformats.org/officeDocument/2006/relationships" xmlns:p="http://schemas.openxmlformats.org/presentationml/2006/main">
+  <p:cSld>
+    <p:spTree>
+      <p:nvGrpSpPr>
         <p:cNvPr id="1" name=""/>
         <p:cNvGrpSpPr/>
         <p:nvPr/>
@@ -6671,7 +8717,7 @@
 </p:sld>
 </file>
 
-<file path=ppt/slides/slide11.xml><?xml version="1.0" encoding="utf-8"?>
+<file path=ppt/slides/slide14.xml><?xml version="1.0" encoding="utf-8"?>
 <p:sld xmlns:a="http://schemas.openxmlformats.org/drawingml/2006/main" xmlns:r="http://schemas.openxmlformats.org/officeDocument/2006/relationships" xmlns:p="http://schemas.openxmlformats.org/presentationml/2006/main">
   <p:cSld>
     <p:spTree>
@@ -10324,7 +12370,7 @@
 </p:sld>
 </file>
 
-<file path=ppt/slides/slide12.xml><?xml version="1.0" encoding="utf-8"?>
+<file path=ppt/slides/slide15.xml><?xml version="1.0" encoding="utf-8"?>
 <p:sld xmlns:a="http://schemas.openxmlformats.org/drawingml/2006/main" xmlns:r="http://schemas.openxmlformats.org/officeDocument/2006/relationships" xmlns:p="http://schemas.openxmlformats.org/presentationml/2006/main">
   <p:cSld>
     <p:spTree>
@@ -12299,7 +14345,7 @@
 </p:sld>
 </file>
 
-<file path=ppt/slides/slide13.xml><?xml version="1.0" encoding="utf-8"?>
+<file path=ppt/slides/slide16.xml><?xml version="1.0" encoding="utf-8"?>
 <p:sld xmlns:a="http://schemas.openxmlformats.org/drawingml/2006/main" xmlns:r="http://schemas.openxmlformats.org/officeDocument/2006/relationships" xmlns:p="http://schemas.openxmlformats.org/presentationml/2006/main">
   <p:cSld>
     <p:spTree>
@@ -15806,7 +17852,7 @@
 </p:sld>
 </file>
 
-<file path=ppt/slides/slide14.xml><?xml version="1.0" encoding="utf-8"?>
+<file path=ppt/slides/slide17.xml><?xml version="1.0" encoding="utf-8"?>
 <p:sld xmlns:a="http://schemas.openxmlformats.org/drawingml/2006/main" xmlns:r="http://schemas.openxmlformats.org/officeDocument/2006/relationships" xmlns:p="http://schemas.openxmlformats.org/presentationml/2006/main">
   <p:cSld>
     <p:spTree>
@@ -21133,7 +23179,7 @@
 </p:sld>
 </file>
 
-<file path=ppt/slides/slide15.xml><?xml version="1.0" encoding="utf-8"?>
+<file path=ppt/slides/slide18.xml><?xml version="1.0" encoding="utf-8"?>
 <p:sld xmlns:a="http://schemas.openxmlformats.org/drawingml/2006/main" xmlns:r="http://schemas.openxmlformats.org/officeDocument/2006/relationships" xmlns:p="http://schemas.openxmlformats.org/presentationml/2006/main">
   <p:cSld>
     <p:spTree>
@@ -21801,7 +23847,7 @@
 </p:sld>
 </file>
 
-<file path=ppt/slides/slide16.xml><?xml version="1.0" encoding="utf-8"?>
+<file path=ppt/slides/slide19.xml><?xml version="1.0" encoding="utf-8"?>
 <p:sld xmlns:a="http://schemas.openxmlformats.org/drawingml/2006/main" xmlns:r="http://schemas.openxmlformats.org/officeDocument/2006/relationships" xmlns:p="http://schemas.openxmlformats.org/presentationml/2006/main">
   <p:cSld>
     <p:spTree>
@@ -23232,7 +25278,1315 @@
 </p:sld>
 </file>
 
-<file path=ppt/slides/slide17.xml><?xml version="1.0" encoding="utf-8"?>
+<file path=ppt/slides/slide2.xml><?xml version="1.0" encoding="utf-8"?>
+<p:sld xmlns:a="http://schemas.openxmlformats.org/drawingml/2006/main" xmlns:r="http://schemas.openxmlformats.org/officeDocument/2006/relationships" xmlns:p="http://schemas.openxmlformats.org/presentationml/2006/main">
+  <p:cSld>
+    <p:spTree>
+      <p:nvGrpSpPr>
+        <p:cNvPr id="1" name="">
+          <a:extLst>
+            <a:ext uri="{FF2B5EF4-FFF2-40B4-BE49-F238E27FC236}">
+              <a16:creationId xmlns:a16="http://schemas.microsoft.com/office/drawing/2014/main" id="{6FB6CDBB-D326-9C9C-945A-FF24B3B8C109}"/>
+            </a:ext>
+          </a:extLst>
+        </p:cNvPr>
+        <p:cNvGrpSpPr/>
+        <p:nvPr/>
+      </p:nvGrpSpPr>
+      <p:grpSpPr>
+        <a:xfrm>
+          <a:off x="0" y="0"/>
+          <a:ext cx="0" cy="0"/>
+          <a:chOff x="0" y="0"/>
+          <a:chExt cx="0" cy="0"/>
+        </a:xfrm>
+      </p:grpSpPr>
+      <p:sp>
+        <p:nvSpPr>
+          <p:cNvPr id="36" name="Rectangle 35">
+            <a:extLst>
+              <a:ext uri="{FF2B5EF4-FFF2-40B4-BE49-F238E27FC236}">
+                <a16:creationId xmlns:a16="http://schemas.microsoft.com/office/drawing/2014/main" id="{2C2B60A1-0B89-3546-D8C8-0D44097F35C2}"/>
+              </a:ext>
+            </a:extLst>
+          </p:cNvPr>
+          <p:cNvSpPr/>
+          <p:nvPr/>
+        </p:nvSpPr>
+        <p:spPr>
+          <a:xfrm>
+            <a:off x="1" y="-990"/>
+            <a:ext cx="6096000" cy="501017"/>
+          </a:xfrm>
+          <a:prstGeom prst="rect">
+            <a:avLst/>
+          </a:prstGeom>
+          <a:solidFill>
+            <a:srgbClr val="980000"/>
+          </a:solidFill>
+          <a:ln>
+            <a:noFill/>
+          </a:ln>
+        </p:spPr>
+        <p:style>
+          <a:lnRef idx="2">
+            <a:schemeClr val="accent1">
+              <a:shade val="15000"/>
+            </a:schemeClr>
+          </a:lnRef>
+          <a:fillRef idx="1">
+            <a:schemeClr val="accent1"/>
+          </a:fillRef>
+          <a:effectRef idx="0">
+            <a:schemeClr val="accent1"/>
+          </a:effectRef>
+          <a:fontRef idx="minor">
+            <a:schemeClr val="lt1"/>
+          </a:fontRef>
+        </p:style>
+        <p:txBody>
+          <a:bodyPr rtlCol="0" anchor="ctr"/>
+          <a:lstStyle/>
+          <a:p>
+            <a:pPr algn="ctr"/>
+            <a:endParaRPr lang="fr-FR" noProof="0" dirty="0"/>
+          </a:p>
+        </p:txBody>
+      </p:sp>
+      <p:sp>
+        <p:nvSpPr>
+          <p:cNvPr id="9" name="TextBox 8">
+            <a:extLst>
+              <a:ext uri="{FF2B5EF4-FFF2-40B4-BE49-F238E27FC236}">
+                <a16:creationId xmlns:a16="http://schemas.microsoft.com/office/drawing/2014/main" id="{6E9846D3-47A3-2AE6-6383-AB77CC5B517E}"/>
+              </a:ext>
+            </a:extLst>
+          </p:cNvPr>
+          <p:cNvSpPr txBox="1"/>
+          <p:nvPr/>
+        </p:nvSpPr>
+        <p:spPr>
+          <a:xfrm>
+            <a:off x="0" y="-990"/>
+            <a:ext cx="5568381" cy="461665"/>
+          </a:xfrm>
+          <a:prstGeom prst="rect">
+            <a:avLst/>
+          </a:prstGeom>
+          <a:noFill/>
+        </p:spPr>
+        <p:txBody>
+          <a:bodyPr wrap="square" rtlCol="0">
+            <a:spAutoFit/>
+          </a:bodyPr>
+          <a:lstStyle/>
+          <a:p>
+            <a:pPr algn="just"/>
+            <a:r>
+              <a:rPr lang="fr-FR" sz="2400" b="1" dirty="0">
+                <a:solidFill>
+                  <a:schemeClr val="bg1"/>
+                </a:solidFill>
+                <a:latin typeface="Times New Roman" panose="02020603050405020304" pitchFamily="18" charset="0"/>
+                <a:cs typeface="Times New Roman" panose="02020603050405020304" pitchFamily="18" charset="0"/>
+              </a:rPr>
+              <a:t>INTRODUCTION</a:t>
+            </a:r>
+            <a:endParaRPr lang="fr-FR" sz="2400" b="1" noProof="0" dirty="0">
+              <a:solidFill>
+                <a:schemeClr val="bg1"/>
+              </a:solidFill>
+              <a:latin typeface="Times New Roman" panose="02020603050405020304" pitchFamily="18" charset="0"/>
+              <a:cs typeface="Times New Roman" panose="02020603050405020304" pitchFamily="18" charset="0"/>
+            </a:endParaRPr>
+          </a:p>
+        </p:txBody>
+      </p:sp>
+      <p:sp>
+        <p:nvSpPr>
+          <p:cNvPr id="39" name="Rectangle 38">
+            <a:extLst>
+              <a:ext uri="{FF2B5EF4-FFF2-40B4-BE49-F238E27FC236}">
+                <a16:creationId xmlns:a16="http://schemas.microsoft.com/office/drawing/2014/main" id="{AECA565B-75E5-1F68-434E-112D93E38360}"/>
+              </a:ext>
+            </a:extLst>
+          </p:cNvPr>
+          <p:cNvSpPr/>
+          <p:nvPr/>
+        </p:nvSpPr>
+        <p:spPr>
+          <a:xfrm>
+            <a:off x="6096000" y="0"/>
+            <a:ext cx="6096000" cy="501017"/>
+          </a:xfrm>
+          <a:prstGeom prst="rect">
+            <a:avLst/>
+          </a:prstGeom>
+          <a:solidFill>
+            <a:srgbClr val="D9D9D9"/>
+          </a:solidFill>
+          <a:ln>
+            <a:noFill/>
+          </a:ln>
+        </p:spPr>
+        <p:style>
+          <a:lnRef idx="2">
+            <a:schemeClr val="accent1">
+              <a:shade val="15000"/>
+            </a:schemeClr>
+          </a:lnRef>
+          <a:fillRef idx="1">
+            <a:schemeClr val="accent1"/>
+          </a:fillRef>
+          <a:effectRef idx="0">
+            <a:schemeClr val="accent1"/>
+          </a:effectRef>
+          <a:fontRef idx="minor">
+            <a:schemeClr val="lt1"/>
+          </a:fontRef>
+        </p:style>
+        <p:txBody>
+          <a:bodyPr rtlCol="0" anchor="ctr"/>
+          <a:lstStyle/>
+          <a:p>
+            <a:pPr algn="ctr"/>
+            <a:endParaRPr lang="fr-FR" noProof="0" dirty="0"/>
+          </a:p>
+        </p:txBody>
+      </p:sp>
+      <mc:AlternateContent xmlns:mc="http://schemas.openxmlformats.org/markup-compatibility/2006" xmlns:a14="http://schemas.microsoft.com/office/drawing/2010/main">
+        <mc:Choice Requires="a14">
+          <p:sp>
+            <p:nvSpPr>
+              <p:cNvPr id="11" name="TextBox 10">
+                <a:extLst>
+                  <a:ext uri="{FF2B5EF4-FFF2-40B4-BE49-F238E27FC236}">
+                    <a16:creationId xmlns:a16="http://schemas.microsoft.com/office/drawing/2014/main" id="{072A0C86-E46F-7872-4F73-D0C64405F9A7}"/>
+                  </a:ext>
+                </a:extLst>
+              </p:cNvPr>
+              <p:cNvSpPr txBox="1"/>
+              <p:nvPr/>
+            </p:nvSpPr>
+            <p:spPr>
+              <a:xfrm>
+                <a:off x="0" y="627468"/>
+                <a:ext cx="12192000" cy="923330"/>
+              </a:xfrm>
+              <a:prstGeom prst="rect">
+                <a:avLst/>
+              </a:prstGeom>
+              <a:noFill/>
+            </p:spPr>
+            <p:txBody>
+              <a:bodyPr wrap="square" rtlCol="0">
+                <a:spAutoFit/>
+              </a:bodyPr>
+              <a:lstStyle/>
+              <a:p>
+                <a:pPr algn="just"/>
+                <a:r>
+                  <a:rPr lang="fr-FR" noProof="0" dirty="0">
+                    <a:latin typeface="Times New Roman" panose="02020603050405020304" pitchFamily="18" charset="0"/>
+                    <a:cs typeface="Times New Roman" panose="02020603050405020304" pitchFamily="18" charset="0"/>
+                  </a:rPr>
+                  <a:t>Dans le cadre d’un précédent</a:t>
+                </a:r>
+                <a:r>
+                  <a:rPr lang="fr-FR" dirty="0">
+                    <a:latin typeface="Times New Roman" panose="02020603050405020304" pitchFamily="18" charset="0"/>
+                    <a:cs typeface="Times New Roman" panose="02020603050405020304" pitchFamily="18" charset="0"/>
+                  </a:rPr>
+                  <a:t>t projet, une orthèse d’avant-bras fut étudiée dans le but de pouvoir </a:t>
+                </a:r>
+                <a:r>
+                  <a:rPr lang="fr-FR" b="1" dirty="0">
+                    <a:latin typeface="Times New Roman" panose="02020603050405020304" pitchFamily="18" charset="0"/>
+                    <a:cs typeface="Times New Roman" panose="02020603050405020304" pitchFamily="18" charset="0"/>
+                  </a:rPr>
+                  <a:t>l’optimiser topologiquement</a:t>
+                </a:r>
+                <a:r>
+                  <a:rPr lang="fr-FR" dirty="0">
+                    <a:latin typeface="Times New Roman" panose="02020603050405020304" pitchFamily="18" charset="0"/>
+                    <a:cs typeface="Times New Roman" panose="02020603050405020304" pitchFamily="18" charset="0"/>
+                  </a:rPr>
+                  <a:t>. L’optimisation topologique à pour but de retirer de la matière de manière intelligente afin de modifier le moins possible les critères imposés (ici le déplacement maximale </a:t>
+                </a:r>
+                <a14:m>
+                  <m:oMath xmlns:m="http://schemas.openxmlformats.org/officeDocument/2006/math">
+                    <m:sSub>
+                      <m:sSubPr>
+                        <m:ctrlPr>
+                          <a:rPr lang="fr-FR" b="0" i="1" smtClean="0">
+                            <a:latin typeface="Cambria Math" panose="02040503050406030204" pitchFamily="18" charset="0"/>
+                            <a:cs typeface="Times New Roman" panose="02020603050405020304" pitchFamily="18" charset="0"/>
+                          </a:rPr>
+                        </m:ctrlPr>
+                      </m:sSubPr>
+                      <m:e>
+                        <m:r>
+                          <a:rPr lang="fr-FR" b="0" i="1" smtClean="0">
+                            <a:latin typeface="Cambria Math" panose="02040503050406030204" pitchFamily="18" charset="0"/>
+                            <a:cs typeface="Times New Roman" panose="02020603050405020304" pitchFamily="18" charset="0"/>
+                          </a:rPr>
+                          <m:t>𝑢</m:t>
+                        </m:r>
+                      </m:e>
+                      <m:sub>
+                        <m:r>
+                          <a:rPr lang="fr-FR" b="0" i="1" smtClean="0">
+                            <a:latin typeface="Cambria Math" panose="02040503050406030204" pitchFamily="18" charset="0"/>
+                            <a:cs typeface="Times New Roman" panose="02020603050405020304" pitchFamily="18" charset="0"/>
+                          </a:rPr>
+                          <m:t>𝑚𝑎𝑥</m:t>
+                        </m:r>
+                      </m:sub>
+                    </m:sSub>
+                  </m:oMath>
+                </a14:m>
+                <a:r>
+                  <a:rPr lang="fr-FR" dirty="0">
+                    <a:latin typeface="Times New Roman" panose="02020603050405020304" pitchFamily="18" charset="0"/>
+                    <a:cs typeface="Times New Roman" panose="02020603050405020304" pitchFamily="18" charset="0"/>
+                  </a:rPr>
+                  <a:t>). </a:t>
+                </a:r>
+                <a:endParaRPr lang="fr-FR" noProof="0" dirty="0">
+                  <a:latin typeface="Times New Roman" panose="02020603050405020304" pitchFamily="18" charset="0"/>
+                  <a:cs typeface="Times New Roman" panose="02020603050405020304" pitchFamily="18" charset="0"/>
+                </a:endParaRPr>
+              </a:p>
+            </p:txBody>
+          </p:sp>
+        </mc:Choice>
+        <mc:Fallback xmlns="">
+          <p:sp>
+            <p:nvSpPr>
+              <p:cNvPr id="11" name="TextBox 10">
+                <a:extLst>
+                  <a:ext uri="{FF2B5EF4-FFF2-40B4-BE49-F238E27FC236}">
+                    <a16:creationId xmlns:a16="http://schemas.microsoft.com/office/drawing/2014/main" id="{072A0C86-E46F-7872-4F73-D0C64405F9A7}"/>
+                  </a:ext>
+                </a:extLst>
+              </p:cNvPr>
+              <p:cNvSpPr txBox="1">
+                <a:spLocks noRot="1" noChangeAspect="1" noMove="1" noResize="1" noEditPoints="1" noAdjustHandles="1" noChangeArrowheads="1" noChangeShapeType="1" noTextEdit="1"/>
+              </p:cNvSpPr>
+              <p:nvPr/>
+            </p:nvSpPr>
+            <p:spPr>
+              <a:xfrm>
+                <a:off x="0" y="627468"/>
+                <a:ext cx="12192000" cy="923330"/>
+              </a:xfrm>
+              <a:prstGeom prst="rect">
+                <a:avLst/>
+              </a:prstGeom>
+              <a:blipFill>
+                <a:blip r:embed="rId3"/>
+                <a:stretch>
+                  <a:fillRect l="-400" t="-3974" r="-400" b="-9934"/>
+                </a:stretch>
+              </a:blipFill>
+            </p:spPr>
+            <p:txBody>
+              <a:bodyPr/>
+              <a:lstStyle/>
+              <a:p>
+                <a:r>
+                  <a:rPr lang="en-GB">
+                    <a:noFill/>
+                  </a:rPr>
+                  <a:t> </a:t>
+                </a:r>
+              </a:p>
+            </p:txBody>
+          </p:sp>
+        </mc:Fallback>
+      </mc:AlternateContent>
+      <p:sp>
+        <p:nvSpPr>
+          <p:cNvPr id="28" name="TextBox 27">
+            <a:extLst>
+              <a:ext uri="{FF2B5EF4-FFF2-40B4-BE49-F238E27FC236}">
+                <a16:creationId xmlns:a16="http://schemas.microsoft.com/office/drawing/2014/main" id="{A3F4CAB7-21CC-3B13-8827-56C233CE43A0}"/>
+              </a:ext>
+            </a:extLst>
+          </p:cNvPr>
+          <p:cNvSpPr txBox="1"/>
+          <p:nvPr/>
+        </p:nvSpPr>
+        <p:spPr>
+          <a:xfrm>
+            <a:off x="0" y="1550798"/>
+            <a:ext cx="12192000" cy="369332"/>
+          </a:xfrm>
+          <a:prstGeom prst="rect">
+            <a:avLst/>
+          </a:prstGeom>
+          <a:noFill/>
+        </p:spPr>
+        <p:txBody>
+          <a:bodyPr wrap="square" rtlCol="0">
+            <a:spAutoFit/>
+          </a:bodyPr>
+          <a:lstStyle/>
+          <a:p>
+            <a:pPr marL="285750" indent="-285750" algn="just">
+              <a:buFont typeface="Wingdings" panose="05000000000000000000" pitchFamily="2" charset="2"/>
+              <a:buChar char="§"/>
+            </a:pPr>
+            <a:r>
+              <a:rPr lang="fr-FR" b="1" noProof="0" dirty="0">
+                <a:latin typeface="Times New Roman" panose="02020603050405020304" pitchFamily="18" charset="0"/>
+                <a:cs typeface="Times New Roman" panose="02020603050405020304" pitchFamily="18" charset="0"/>
+              </a:rPr>
+              <a:t>Critère mathématique d’optimisation </a:t>
+            </a:r>
+            <a:r>
+              <a:rPr lang="fr-FR" noProof="0" dirty="0">
+                <a:latin typeface="Times New Roman" panose="02020603050405020304" pitchFamily="18" charset="0"/>
+                <a:cs typeface="Times New Roman" panose="02020603050405020304" pitchFamily="18" charset="0"/>
+              </a:rPr>
+              <a:t>: </a:t>
+            </a:r>
+          </a:p>
+        </p:txBody>
+      </p:sp>
+      <mc:AlternateContent xmlns:mc="http://schemas.openxmlformats.org/markup-compatibility/2006" xmlns:a14="http://schemas.microsoft.com/office/drawing/2010/main">
+        <mc:Choice Requires="a14">
+          <p:sp>
+            <p:nvSpPr>
+              <p:cNvPr id="29" name="TextBox 28">
+                <a:extLst>
+                  <a:ext uri="{FF2B5EF4-FFF2-40B4-BE49-F238E27FC236}">
+                    <a16:creationId xmlns:a16="http://schemas.microsoft.com/office/drawing/2014/main" id="{16F0C38C-ADF0-05C8-AB97-6D861D171C8A}"/>
+                  </a:ext>
+                </a:extLst>
+              </p:cNvPr>
+              <p:cNvSpPr txBox="1"/>
+              <p:nvPr/>
+            </p:nvSpPr>
+            <p:spPr>
+              <a:xfrm>
+                <a:off x="340534" y="1920130"/>
+                <a:ext cx="11851465" cy="760465"/>
+              </a:xfrm>
+              <a:prstGeom prst="rect">
+                <a:avLst/>
+              </a:prstGeom>
+              <a:noFill/>
+            </p:spPr>
+            <p:txBody>
+              <a:bodyPr wrap="square" rtlCol="0">
+                <a:spAutoFit/>
+              </a:bodyPr>
+              <a:lstStyle/>
+              <a:p>
+                <a:r>
+                  <a:rPr lang="fr-FR" noProof="0" dirty="0">
+                    <a:latin typeface="Times New Roman" panose="02020603050405020304" pitchFamily="18" charset="0"/>
+                    <a:cs typeface="Times New Roman" panose="02020603050405020304" pitchFamily="18" charset="0"/>
+                  </a:rPr>
+                  <a:t>Minimiser </a:t>
+                </a:r>
+                <a14:m>
+                  <m:oMath xmlns:m="http://schemas.openxmlformats.org/officeDocument/2006/math">
+                    <m:r>
+                      <a:rPr lang="fr-FR" i="1" noProof="0" smtClean="0">
+                        <a:latin typeface="Cambria Math" panose="02040503050406030204" pitchFamily="18" charset="0"/>
+                        <a:ea typeface="Cambria Math" panose="02040503050406030204" pitchFamily="18" charset="0"/>
+                        <a:cs typeface="Times New Roman" panose="02020603050405020304" pitchFamily="18" charset="0"/>
+                      </a:rPr>
+                      <m:t>𝜌</m:t>
+                    </m:r>
+                  </m:oMath>
+                </a14:m>
+                <a:r>
+                  <a:rPr lang="fr-FR" noProof="0" dirty="0">
+                    <a:latin typeface="Times New Roman" panose="02020603050405020304" pitchFamily="18" charset="0"/>
+                    <a:cs typeface="Times New Roman" panose="02020603050405020304" pitchFamily="18" charset="0"/>
+                  </a:rPr>
+                  <a:t> (masse) et </a:t>
+                </a:r>
+                <a14:m>
+                  <m:oMath xmlns:m="http://schemas.openxmlformats.org/officeDocument/2006/math">
+                    <m:nary>
+                      <m:naryPr>
+                        <m:limLoc m:val="undOvr"/>
+                        <m:ctrlPr>
+                          <a:rPr lang="fr-FR" i="1" noProof="0" dirty="0" smtClean="0">
+                            <a:latin typeface="Cambria Math" panose="02040503050406030204" pitchFamily="18" charset="0"/>
+                            <a:cs typeface="Times New Roman" panose="02020603050405020304" pitchFamily="18" charset="0"/>
+                          </a:rPr>
+                        </m:ctrlPr>
+                      </m:naryPr>
+                      <m:sub>
+                        <m:r>
+                          <a:rPr lang="fr-FR" i="1" noProof="0" dirty="0" smtClean="0">
+                            <a:latin typeface="Cambria Math" panose="02040503050406030204" pitchFamily="18" charset="0"/>
+                          </a:rPr>
+                          <m:t>𝛺</m:t>
+                        </m:r>
+                      </m:sub>
+                      <m:sup>
+                        <m:r>
+                          <a:rPr lang="fr-FR" b="0" i="1" noProof="0" dirty="0" smtClean="0">
+                            <a:latin typeface="Cambria Math" panose="02040503050406030204" pitchFamily="18" charset="0"/>
+                            <a:cs typeface="Times New Roman" panose="02020603050405020304" pitchFamily="18" charset="0"/>
+                          </a:rPr>
+                          <m:t> </m:t>
+                        </m:r>
+                      </m:sup>
+                      <m:e>
+                        <m:f>
+                          <m:fPr>
+                            <m:ctrlPr>
+                              <a:rPr lang="fr-FR" b="0" i="1" noProof="0" dirty="0" smtClean="0">
+                                <a:latin typeface="Cambria Math" panose="02040503050406030204" pitchFamily="18" charset="0"/>
+                                <a:cs typeface="Times New Roman" panose="02020603050405020304" pitchFamily="18" charset="0"/>
+                              </a:rPr>
+                            </m:ctrlPr>
+                          </m:fPr>
+                          <m:num>
+                            <m:r>
+                              <a:rPr lang="fr-FR" b="0" i="1" noProof="0" dirty="0" smtClean="0">
+                                <a:latin typeface="Cambria Math" panose="02040503050406030204" pitchFamily="18" charset="0"/>
+                                <a:cs typeface="Times New Roman" panose="02020603050405020304" pitchFamily="18" charset="0"/>
+                              </a:rPr>
+                              <m:t>1</m:t>
+                            </m:r>
+                          </m:num>
+                          <m:den>
+                            <m:r>
+                              <a:rPr lang="fr-FR" b="0" i="1" noProof="0" dirty="0" smtClean="0">
+                                <a:latin typeface="Cambria Math" panose="02040503050406030204" pitchFamily="18" charset="0"/>
+                                <a:cs typeface="Times New Roman" panose="02020603050405020304" pitchFamily="18" charset="0"/>
+                              </a:rPr>
+                              <m:t>2</m:t>
+                            </m:r>
+                          </m:den>
+                        </m:f>
+                        <m:sSub>
+                          <m:sSubPr>
+                            <m:ctrlPr>
+                              <a:rPr lang="fr-FR" b="0" i="1" noProof="0" dirty="0" smtClean="0">
+                                <a:latin typeface="Cambria Math" panose="02040503050406030204" pitchFamily="18" charset="0"/>
+                                <a:ea typeface="Cambria Math" panose="02040503050406030204" pitchFamily="18" charset="0"/>
+                                <a:cs typeface="Times New Roman" panose="02020603050405020304" pitchFamily="18" charset="0"/>
+                              </a:rPr>
+                            </m:ctrlPr>
+                          </m:sSubPr>
+                          <m:e>
+                            <m:r>
+                              <a:rPr lang="fr-FR" b="0" i="1" noProof="0" dirty="0" smtClean="0">
+                                <a:latin typeface="Cambria Math" panose="02040503050406030204" pitchFamily="18" charset="0"/>
+                                <a:ea typeface="Cambria Math" panose="02040503050406030204" pitchFamily="18" charset="0"/>
+                                <a:cs typeface="Times New Roman" panose="02020603050405020304" pitchFamily="18" charset="0"/>
+                              </a:rPr>
+                              <m:t>𝜎</m:t>
+                            </m:r>
+                          </m:e>
+                          <m:sub>
+                            <m:r>
+                              <a:rPr lang="fr-FR" b="0" i="1" noProof="0" dirty="0" smtClean="0">
+                                <a:latin typeface="Cambria Math" panose="02040503050406030204" pitchFamily="18" charset="0"/>
+                                <a:ea typeface="Cambria Math" panose="02040503050406030204" pitchFamily="18" charset="0"/>
+                                <a:cs typeface="Times New Roman" panose="02020603050405020304" pitchFamily="18" charset="0"/>
+                              </a:rPr>
+                              <m:t>𝑖</m:t>
+                            </m:r>
+                          </m:sub>
+                        </m:sSub>
+                        <m:r>
+                          <a:rPr lang="fr-FR" b="0" i="1" noProof="0" dirty="0" smtClean="0">
+                            <a:latin typeface="Cambria Math" panose="02040503050406030204" pitchFamily="18" charset="0"/>
+                            <a:ea typeface="Cambria Math" panose="02040503050406030204" pitchFamily="18" charset="0"/>
+                            <a:cs typeface="Times New Roman" panose="02020603050405020304" pitchFamily="18" charset="0"/>
+                          </a:rPr>
+                          <m:t>:</m:t>
+                        </m:r>
+                        <m:sSub>
+                          <m:sSubPr>
+                            <m:ctrlPr>
+                              <a:rPr lang="fr-FR" b="0" i="1" noProof="0" dirty="0" smtClean="0">
+                                <a:latin typeface="Cambria Math" panose="02040503050406030204" pitchFamily="18" charset="0"/>
+                                <a:ea typeface="Cambria Math" panose="02040503050406030204" pitchFamily="18" charset="0"/>
+                                <a:cs typeface="Times New Roman" panose="02020603050405020304" pitchFamily="18" charset="0"/>
+                              </a:rPr>
+                            </m:ctrlPr>
+                          </m:sSubPr>
+                          <m:e>
+                            <m:r>
+                              <a:rPr lang="fr-FR" b="0" i="1" noProof="0" dirty="0" smtClean="0">
+                                <a:latin typeface="Cambria Math" panose="02040503050406030204" pitchFamily="18" charset="0"/>
+                                <a:ea typeface="Cambria Math" panose="02040503050406030204" pitchFamily="18" charset="0"/>
+                                <a:cs typeface="Times New Roman" panose="02020603050405020304" pitchFamily="18" charset="0"/>
+                              </a:rPr>
+                              <m:t>𝜀</m:t>
+                            </m:r>
+                          </m:e>
+                          <m:sub>
+                            <m:r>
+                              <a:rPr lang="fr-FR" b="0" i="1" noProof="0" dirty="0" smtClean="0">
+                                <a:latin typeface="Cambria Math" panose="02040503050406030204" pitchFamily="18" charset="0"/>
+                                <a:ea typeface="Cambria Math" panose="02040503050406030204" pitchFamily="18" charset="0"/>
+                                <a:cs typeface="Times New Roman" panose="02020603050405020304" pitchFamily="18" charset="0"/>
+                              </a:rPr>
+                              <m:t>𝑖</m:t>
+                            </m:r>
+                          </m:sub>
+                        </m:sSub>
+                        <m:r>
+                          <a:rPr lang="fr-FR" b="0" i="1" noProof="0" dirty="0" smtClean="0">
+                            <a:latin typeface="Cambria Math" panose="02040503050406030204" pitchFamily="18" charset="0"/>
+                            <a:ea typeface="Cambria Math" panose="02040503050406030204" pitchFamily="18" charset="0"/>
+                            <a:cs typeface="Times New Roman" panose="02020603050405020304" pitchFamily="18" charset="0"/>
+                          </a:rPr>
+                          <m:t> </m:t>
+                        </m:r>
+                        <m:r>
+                          <a:rPr lang="fr-FR" b="0" i="1" noProof="0" dirty="0" smtClean="0">
+                            <a:latin typeface="Cambria Math" panose="02040503050406030204" pitchFamily="18" charset="0"/>
+                            <a:ea typeface="Cambria Math" panose="02040503050406030204" pitchFamily="18" charset="0"/>
+                            <a:cs typeface="Times New Roman" panose="02020603050405020304" pitchFamily="18" charset="0"/>
+                          </a:rPr>
+                          <m:t>𝑑</m:t>
+                        </m:r>
+                        <m:r>
+                          <a:rPr lang="fr-FR" i="1" noProof="0" dirty="0" smtClean="0">
+                            <a:latin typeface="Cambria Math" panose="02040503050406030204" pitchFamily="18" charset="0"/>
+                          </a:rPr>
+                          <m:t>𝛺</m:t>
+                        </m:r>
+                      </m:e>
+                    </m:nary>
+                  </m:oMath>
+                </a14:m>
+                <a:r>
+                  <a:rPr lang="fr-FR" noProof="0" dirty="0">
+                    <a:latin typeface="Times New Roman" panose="02020603050405020304" pitchFamily="18" charset="0"/>
+                    <a:cs typeface="Times New Roman" panose="02020603050405020304" pitchFamily="18" charset="0"/>
+                  </a:rPr>
+                  <a:t> (contraintes) [</a:t>
+                </a:r>
+                <a:r>
+                  <a:rPr lang="fr-FR" i="1" noProof="0" dirty="0">
+                    <a:latin typeface="Times New Roman" panose="02020603050405020304" pitchFamily="18" charset="0"/>
+                    <a:cs typeface="Times New Roman" panose="02020603050405020304" pitchFamily="18" charset="0"/>
+                  </a:rPr>
+                  <a:t>meilleur compromis</a:t>
+                </a:r>
+                <a:r>
+                  <a:rPr lang="fr-FR" noProof="0" dirty="0">
+                    <a:latin typeface="Times New Roman" panose="02020603050405020304" pitchFamily="18" charset="0"/>
+                    <a:cs typeface="Times New Roman" panose="02020603050405020304" pitchFamily="18" charset="0"/>
+                  </a:rPr>
+                  <a:t>] pour </a:t>
+                </a:r>
+                <a14:m>
+                  <m:oMath xmlns:m="http://schemas.openxmlformats.org/officeDocument/2006/math">
+                    <m:r>
+                      <a:rPr lang="fr-FR" b="0" i="1" noProof="0" smtClean="0">
+                        <a:latin typeface="Cambria Math" panose="02040503050406030204" pitchFamily="18" charset="0"/>
+                        <a:cs typeface="Times New Roman" panose="02020603050405020304" pitchFamily="18" charset="0"/>
+                      </a:rPr>
+                      <m:t>𝑖</m:t>
+                    </m:r>
+                    <m:r>
+                      <a:rPr lang="fr-FR" b="0" i="1" noProof="0" smtClean="0">
+                        <a:latin typeface="Cambria Math" panose="02040503050406030204" pitchFamily="18" charset="0"/>
+                        <a:ea typeface="Cambria Math" panose="02040503050406030204" pitchFamily="18" charset="0"/>
+                        <a:cs typeface="Times New Roman" panose="02020603050405020304" pitchFamily="18" charset="0"/>
+                      </a:rPr>
+                      <m:t>∈[</m:t>
+                    </m:r>
+                    <m:r>
+                      <a:rPr lang="fr-FR" b="0" i="1" noProof="0" smtClean="0">
+                        <a:latin typeface="Cambria Math" panose="02040503050406030204" pitchFamily="18" charset="0"/>
+                        <a:ea typeface="Cambria Math" panose="02040503050406030204" pitchFamily="18" charset="0"/>
+                        <a:cs typeface="Times New Roman" panose="02020603050405020304" pitchFamily="18" charset="0"/>
+                      </a:rPr>
+                      <m:t>𝐹</m:t>
+                    </m:r>
+                    <m:r>
+                      <a:rPr lang="fr-FR" b="0" i="1" noProof="0" smtClean="0">
+                        <a:latin typeface="Cambria Math" panose="02040503050406030204" pitchFamily="18" charset="0"/>
+                        <a:ea typeface="Cambria Math" panose="02040503050406030204" pitchFamily="18" charset="0"/>
+                        <a:cs typeface="Times New Roman" panose="02020603050405020304" pitchFamily="18" charset="0"/>
+                      </a:rPr>
+                      <m:t>,</m:t>
+                    </m:r>
+                    <m:r>
+                      <a:rPr lang="fr-FR" b="0" i="1" noProof="0" smtClean="0">
+                        <a:latin typeface="Cambria Math" panose="02040503050406030204" pitchFamily="18" charset="0"/>
+                        <a:ea typeface="Cambria Math" panose="02040503050406030204" pitchFamily="18" charset="0"/>
+                        <a:cs typeface="Times New Roman" panose="02020603050405020304" pitchFamily="18" charset="0"/>
+                      </a:rPr>
+                      <m:t>𝐸</m:t>
+                    </m:r>
+                    <m:r>
+                      <a:rPr lang="fr-FR" b="0" i="1" noProof="0" smtClean="0">
+                        <a:latin typeface="Cambria Math" panose="02040503050406030204" pitchFamily="18" charset="0"/>
+                        <a:ea typeface="Cambria Math" panose="02040503050406030204" pitchFamily="18" charset="0"/>
+                        <a:cs typeface="Times New Roman" panose="02020603050405020304" pitchFamily="18" charset="0"/>
+                      </a:rPr>
+                      <m:t>,</m:t>
+                    </m:r>
+                    <m:r>
+                      <a:rPr lang="fr-FR" b="0" i="1" noProof="0" smtClean="0">
+                        <a:latin typeface="Cambria Math" panose="02040503050406030204" pitchFamily="18" charset="0"/>
+                        <a:ea typeface="Cambria Math" panose="02040503050406030204" pitchFamily="18" charset="0"/>
+                        <a:cs typeface="Times New Roman" panose="02020603050405020304" pitchFamily="18" charset="0"/>
+                      </a:rPr>
+                      <m:t>𝑅</m:t>
+                    </m:r>
+                    <m:r>
+                      <a:rPr lang="fr-FR" b="0" i="1" noProof="0" smtClean="0">
+                        <a:latin typeface="Cambria Math" panose="02040503050406030204" pitchFamily="18" charset="0"/>
+                        <a:ea typeface="Cambria Math" panose="02040503050406030204" pitchFamily="18" charset="0"/>
+                        <a:cs typeface="Times New Roman" panose="02020603050405020304" pitchFamily="18" charset="0"/>
+                      </a:rPr>
+                      <m:t>,</m:t>
+                    </m:r>
+                    <m:r>
+                      <a:rPr lang="fr-FR" b="0" i="1" noProof="0" smtClean="0">
+                        <a:latin typeface="Cambria Math" panose="02040503050406030204" pitchFamily="18" charset="0"/>
+                        <a:ea typeface="Cambria Math" panose="02040503050406030204" pitchFamily="18" charset="0"/>
+                        <a:cs typeface="Times New Roman" panose="02020603050405020304" pitchFamily="18" charset="0"/>
+                      </a:rPr>
+                      <m:t>𝑈</m:t>
+                    </m:r>
+                    <m:r>
+                      <a:rPr lang="fr-FR" b="0" i="1" noProof="0" smtClean="0">
+                        <a:latin typeface="Cambria Math" panose="02040503050406030204" pitchFamily="18" charset="0"/>
+                        <a:ea typeface="Cambria Math" panose="02040503050406030204" pitchFamily="18" charset="0"/>
+                        <a:cs typeface="Times New Roman" panose="02020603050405020304" pitchFamily="18" charset="0"/>
+                      </a:rPr>
+                      <m:t>]</m:t>
+                    </m:r>
+                  </m:oMath>
+                </a14:m>
+                <a:r>
+                  <a:rPr lang="fr-FR" noProof="0" dirty="0">
+                    <a:latin typeface="Times New Roman" panose="02020603050405020304" pitchFamily="18" charset="0"/>
+                    <a:cs typeface="Times New Roman" panose="02020603050405020304" pitchFamily="18" charset="0"/>
+                  </a:rPr>
+                  <a:t> [</a:t>
+                </a:r>
+                <a:r>
+                  <a:rPr lang="fr-FR" i="1" noProof="0" dirty="0">
+                    <a:latin typeface="Times New Roman" panose="02020603050405020304" pitchFamily="18" charset="0"/>
+                    <a:cs typeface="Times New Roman" panose="02020603050405020304" pitchFamily="18" charset="0"/>
+                  </a:rPr>
+                  <a:t>poids égale</a:t>
+                </a:r>
+                <a:r>
+                  <a:rPr lang="fr-FR" noProof="0" dirty="0">
+                    <a:latin typeface="Times New Roman" panose="02020603050405020304" pitchFamily="18" charset="0"/>
+                    <a:cs typeface="Times New Roman" panose="02020603050405020304" pitchFamily="18" charset="0"/>
+                  </a:rPr>
+                  <a:t>]</a:t>
+                </a:r>
+              </a:p>
+              <a:p>
+                <a:r>
+                  <a:rPr lang="fr-FR" dirty="0">
+                    <a:latin typeface="Times New Roman" panose="02020603050405020304" pitchFamily="18" charset="0"/>
+                    <a:cs typeface="Times New Roman" panose="02020603050405020304" pitchFamily="18" charset="0"/>
+                  </a:rPr>
+                  <a:t>Sous la contrainte de poids minimal </a:t>
+                </a:r>
+                <a14:m>
+                  <m:oMath xmlns:m="http://schemas.openxmlformats.org/officeDocument/2006/math">
+                    <m:r>
+                      <a:rPr lang="fr-FR" i="1" smtClean="0">
+                        <a:latin typeface="Cambria Math" panose="02040503050406030204" pitchFamily="18" charset="0"/>
+                        <a:ea typeface="Cambria Math" panose="02040503050406030204" pitchFamily="18" charset="0"/>
+                        <a:cs typeface="Times New Roman" panose="02020603050405020304" pitchFamily="18" charset="0"/>
+                      </a:rPr>
+                      <m:t>→</m:t>
+                    </m:r>
+                    <m:r>
+                      <a:rPr lang="fr-FR" b="0" i="1" smtClean="0">
+                        <a:latin typeface="Cambria Math" panose="02040503050406030204" pitchFamily="18" charset="0"/>
+                        <a:ea typeface="Cambria Math" panose="02040503050406030204" pitchFamily="18" charset="0"/>
+                        <a:cs typeface="Times New Roman" panose="02020603050405020304" pitchFamily="18" charset="0"/>
+                      </a:rPr>
+                      <m:t> </m:t>
+                    </m:r>
+                    <m:r>
+                      <a:rPr lang="fr-FR" b="0" i="1" smtClean="0">
+                        <a:latin typeface="Cambria Math" panose="02040503050406030204" pitchFamily="18" charset="0"/>
+                        <a:ea typeface="Cambria Math" panose="02040503050406030204" pitchFamily="18" charset="0"/>
+                        <a:cs typeface="Times New Roman" panose="02020603050405020304" pitchFamily="18" charset="0"/>
+                      </a:rPr>
+                      <m:t>𝛼</m:t>
+                    </m:r>
+                    <m:r>
+                      <a:rPr lang="fr-FR" b="0" i="1" smtClean="0">
+                        <a:latin typeface="Cambria Math" panose="02040503050406030204" pitchFamily="18" charset="0"/>
+                        <a:ea typeface="Cambria Math" panose="02040503050406030204" pitchFamily="18" charset="0"/>
+                        <a:cs typeface="Times New Roman" panose="02020603050405020304" pitchFamily="18" charset="0"/>
+                      </a:rPr>
+                      <m:t> %</m:t>
+                    </m:r>
+                  </m:oMath>
+                </a14:m>
+                <a:r>
+                  <a:rPr lang="fr-FR" noProof="0" dirty="0">
+                    <a:latin typeface="Times New Roman" panose="02020603050405020304" pitchFamily="18" charset="0"/>
+                    <a:cs typeface="Times New Roman" panose="02020603050405020304" pitchFamily="18" charset="0"/>
+                  </a:rPr>
+                  <a:t> </a:t>
+                </a:r>
+              </a:p>
+            </p:txBody>
+          </p:sp>
+        </mc:Choice>
+        <mc:Fallback xmlns="">
+          <p:sp>
+            <p:nvSpPr>
+              <p:cNvPr id="29" name="TextBox 28">
+                <a:extLst>
+                  <a:ext uri="{FF2B5EF4-FFF2-40B4-BE49-F238E27FC236}">
+                    <a16:creationId xmlns:a16="http://schemas.microsoft.com/office/drawing/2014/main" id="{16F0C38C-ADF0-05C8-AB97-6D861D171C8A}"/>
+                  </a:ext>
+                </a:extLst>
+              </p:cNvPr>
+              <p:cNvSpPr txBox="1">
+                <a:spLocks noRot="1" noChangeAspect="1" noMove="1" noResize="1" noEditPoints="1" noAdjustHandles="1" noChangeArrowheads="1" noChangeShapeType="1" noTextEdit="1"/>
+              </p:cNvSpPr>
+              <p:nvPr/>
+            </p:nvSpPr>
+            <p:spPr>
+              <a:xfrm>
+                <a:off x="340534" y="1920130"/>
+                <a:ext cx="11851465" cy="760465"/>
+              </a:xfrm>
+              <a:prstGeom prst="rect">
+                <a:avLst/>
+              </a:prstGeom>
+              <a:blipFill>
+                <a:blip r:embed="rId4"/>
+                <a:stretch>
+                  <a:fillRect l="-463" t="-64800" b="-65600"/>
+                </a:stretch>
+              </a:blipFill>
+            </p:spPr>
+            <p:txBody>
+              <a:bodyPr/>
+              <a:lstStyle/>
+              <a:p>
+                <a:r>
+                  <a:rPr lang="en-GB">
+                    <a:noFill/>
+                  </a:rPr>
+                  <a:t> </a:t>
+                </a:r>
+              </a:p>
+            </p:txBody>
+          </p:sp>
+        </mc:Fallback>
+      </mc:AlternateContent>
+      <p:grpSp>
+        <p:nvGrpSpPr>
+          <p:cNvPr id="50" name="Group 49">
+            <a:extLst>
+              <a:ext uri="{FF2B5EF4-FFF2-40B4-BE49-F238E27FC236}">
+                <a16:creationId xmlns:a16="http://schemas.microsoft.com/office/drawing/2014/main" id="{6D300C5F-060B-A29B-5E63-8AB2F8289D3E}"/>
+              </a:ext>
+            </a:extLst>
+          </p:cNvPr>
+          <p:cNvGrpSpPr/>
+          <p:nvPr/>
+        </p:nvGrpSpPr>
+        <p:grpSpPr>
+          <a:xfrm>
+            <a:off x="510800" y="2794105"/>
+            <a:ext cx="11147231" cy="2621053"/>
+            <a:chOff x="138736" y="2794105"/>
+            <a:chExt cx="11147231" cy="2621053"/>
+          </a:xfrm>
+        </p:grpSpPr>
+        <p:pic>
+          <p:nvPicPr>
+            <p:cNvPr id="16" name="Picture 15">
+              <a:extLst>
+                <a:ext uri="{FF2B5EF4-FFF2-40B4-BE49-F238E27FC236}">
+                  <a16:creationId xmlns:a16="http://schemas.microsoft.com/office/drawing/2014/main" id="{C8511678-E88F-7D51-904A-00D5D2E20854}"/>
+                </a:ext>
+              </a:extLst>
+            </p:cNvPr>
+            <p:cNvPicPr>
+              <a:picLocks noChangeAspect="1"/>
+            </p:cNvPicPr>
+            <p:nvPr/>
+          </p:nvPicPr>
+          <p:blipFill>
+            <a:blip r:embed="rId5"/>
+            <a:stretch>
+              <a:fillRect/>
+            </a:stretch>
+          </p:blipFill>
+          <p:spPr>
+            <a:xfrm>
+              <a:off x="138736" y="2794105"/>
+              <a:ext cx="5957264" cy="2313276"/>
+            </a:xfrm>
+            <a:prstGeom prst="rect">
+              <a:avLst/>
+            </a:prstGeom>
+            <a:ln>
+              <a:solidFill>
+                <a:schemeClr val="tx1"/>
+              </a:solidFill>
+            </a:ln>
+          </p:spPr>
+        </p:pic>
+        <p:pic>
+          <p:nvPicPr>
+            <p:cNvPr id="22" name="Picture 21">
+              <a:extLst>
+                <a:ext uri="{FF2B5EF4-FFF2-40B4-BE49-F238E27FC236}">
+                  <a16:creationId xmlns:a16="http://schemas.microsoft.com/office/drawing/2014/main" id="{E271FBCE-EB1D-54CC-CAFB-7E1DFF99CA2E}"/>
+                </a:ext>
+              </a:extLst>
+            </p:cNvPr>
+            <p:cNvPicPr>
+              <a:picLocks noChangeAspect="1"/>
+            </p:cNvPicPr>
+            <p:nvPr/>
+          </p:nvPicPr>
+          <p:blipFill>
+            <a:blip r:embed="rId6"/>
+            <a:stretch>
+              <a:fillRect/>
+            </a:stretch>
+          </p:blipFill>
+          <p:spPr>
+            <a:xfrm>
+              <a:off x="7525042" y="2794105"/>
+              <a:ext cx="3237914" cy="2313276"/>
+            </a:xfrm>
+            <a:prstGeom prst="rect">
+              <a:avLst/>
+            </a:prstGeom>
+            <a:ln>
+              <a:solidFill>
+                <a:schemeClr val="tx1"/>
+              </a:solidFill>
+            </a:ln>
+          </p:spPr>
+        </p:pic>
+        <p:sp>
+          <p:nvSpPr>
+            <p:cNvPr id="30" name="TextBox 29">
+              <a:extLst>
+                <a:ext uri="{FF2B5EF4-FFF2-40B4-BE49-F238E27FC236}">
+                  <a16:creationId xmlns:a16="http://schemas.microsoft.com/office/drawing/2014/main" id="{F9012EBE-327E-81BA-D0CC-DFFC3A81D06E}"/>
+                </a:ext>
+              </a:extLst>
+            </p:cNvPr>
+            <p:cNvSpPr txBox="1"/>
+            <p:nvPr/>
+          </p:nvSpPr>
+          <p:spPr>
+            <a:xfrm>
+              <a:off x="340534" y="5107381"/>
+              <a:ext cx="5755465" cy="307777"/>
+            </a:xfrm>
+            <a:prstGeom prst="rect">
+              <a:avLst/>
+            </a:prstGeom>
+            <a:noFill/>
+          </p:spPr>
+          <p:txBody>
+            <a:bodyPr wrap="square" rtlCol="0">
+              <a:spAutoFit/>
+            </a:bodyPr>
+            <a:lstStyle/>
+            <a:p>
+              <a:r>
+                <a:rPr lang="fr-FR" sz="1400" b="1" noProof="0" dirty="0">
+                  <a:latin typeface="Times New Roman" panose="02020603050405020304" pitchFamily="18" charset="0"/>
+                  <a:cs typeface="Times New Roman" panose="02020603050405020304" pitchFamily="18" charset="0"/>
+                </a:rPr>
+                <a:t>Figure [] </a:t>
+              </a:r>
+              <a:r>
+                <a:rPr lang="fr-FR" sz="1400" noProof="0" dirty="0">
+                  <a:latin typeface="Times New Roman" panose="02020603050405020304" pitchFamily="18" charset="0"/>
+                  <a:cs typeface="Times New Roman" panose="02020603050405020304" pitchFamily="18" charset="0"/>
+                </a:rPr>
+                <a:t>: </a:t>
+              </a:r>
+            </a:p>
+          </p:txBody>
+        </p:sp>
+        <mc:AlternateContent xmlns:mc="http://schemas.openxmlformats.org/markup-compatibility/2006" xmlns:a14="http://schemas.microsoft.com/office/drawing/2010/main">
+          <mc:Choice Requires="a14">
+            <p:sp>
+              <p:nvSpPr>
+                <p:cNvPr id="31" name="TextBox 30">
+                  <a:extLst>
+                    <a:ext uri="{FF2B5EF4-FFF2-40B4-BE49-F238E27FC236}">
+                      <a16:creationId xmlns:a16="http://schemas.microsoft.com/office/drawing/2014/main" id="{E096CA17-3B37-1EC9-086C-6073F9F0E327}"/>
+                    </a:ext>
+                  </a:extLst>
+                </p:cNvPr>
+                <p:cNvSpPr txBox="1"/>
+                <p:nvPr/>
+              </p:nvSpPr>
+              <p:spPr>
+                <a:xfrm>
+                  <a:off x="7525042" y="5107381"/>
+                  <a:ext cx="3760925" cy="307777"/>
+                </a:xfrm>
+                <a:prstGeom prst="rect">
+                  <a:avLst/>
+                </a:prstGeom>
+                <a:noFill/>
+              </p:spPr>
+              <p:txBody>
+                <a:bodyPr wrap="square" rtlCol="0">
+                  <a:spAutoFit/>
+                </a:bodyPr>
+                <a:lstStyle/>
+                <a:p>
+                  <a:r>
+                    <a:rPr lang="fr-FR" sz="1400" b="1" noProof="0" dirty="0">
+                      <a:latin typeface="Times New Roman" panose="02020603050405020304" pitchFamily="18" charset="0"/>
+                      <a:cs typeface="Times New Roman" panose="02020603050405020304" pitchFamily="18" charset="0"/>
+                    </a:rPr>
+                    <a:t>Figure [] </a:t>
+                  </a:r>
+                  <a:r>
+                    <a:rPr lang="fr-FR" sz="1400" noProof="0" dirty="0">
+                      <a:latin typeface="Times New Roman" panose="02020603050405020304" pitchFamily="18" charset="0"/>
+                      <a:cs typeface="Times New Roman" panose="02020603050405020304" pitchFamily="18" charset="0"/>
+                    </a:rPr>
+                    <a:t>: Résultat d’optimisation </a:t>
+                  </a:r>
+                  <a14:m>
+                    <m:oMath xmlns:m="http://schemas.openxmlformats.org/officeDocument/2006/math">
+                      <m:r>
+                        <a:rPr lang="fr-FR" sz="1400" b="0" i="1" smtClean="0">
+                          <a:latin typeface="Cambria Math" panose="02040503050406030204" pitchFamily="18" charset="0"/>
+                          <a:ea typeface="Cambria Math" panose="02040503050406030204" pitchFamily="18" charset="0"/>
+                          <a:cs typeface="Times New Roman" panose="02020603050405020304" pitchFamily="18" charset="0"/>
+                        </a:rPr>
+                        <m:t>𝛼</m:t>
+                      </m:r>
+                      <m:r>
+                        <a:rPr lang="fr-FR" sz="1400" b="0" i="1" smtClean="0">
+                          <a:latin typeface="Cambria Math" panose="02040503050406030204" pitchFamily="18" charset="0"/>
+                          <a:ea typeface="Cambria Math" panose="02040503050406030204" pitchFamily="18" charset="0"/>
+                          <a:cs typeface="Times New Roman" panose="02020603050405020304" pitchFamily="18" charset="0"/>
+                        </a:rPr>
+                        <m:t>=40%</m:t>
+                      </m:r>
+                    </m:oMath>
+                  </a14:m>
+                  <a:r>
+                    <a:rPr lang="fr-FR" sz="1400" noProof="0" dirty="0">
+                      <a:latin typeface="Times New Roman" panose="02020603050405020304" pitchFamily="18" charset="0"/>
+                      <a:cs typeface="Times New Roman" panose="02020603050405020304" pitchFamily="18" charset="0"/>
+                    </a:rPr>
+                    <a:t>  </a:t>
+                  </a:r>
+                </a:p>
+              </p:txBody>
+            </p:sp>
+          </mc:Choice>
+          <mc:Fallback xmlns="">
+            <p:sp>
+              <p:nvSpPr>
+                <p:cNvPr id="31" name="TextBox 30">
+                  <a:extLst>
+                    <a:ext uri="{FF2B5EF4-FFF2-40B4-BE49-F238E27FC236}">
+                      <a16:creationId xmlns:a16="http://schemas.microsoft.com/office/drawing/2014/main" id="{E096CA17-3B37-1EC9-086C-6073F9F0E327}"/>
+                    </a:ext>
+                  </a:extLst>
+                </p:cNvPr>
+                <p:cNvSpPr txBox="1">
+                  <a:spLocks noRot="1" noChangeAspect="1" noMove="1" noResize="1" noEditPoints="1" noAdjustHandles="1" noChangeArrowheads="1" noChangeShapeType="1" noTextEdit="1"/>
+                </p:cNvSpPr>
+                <p:nvPr/>
+              </p:nvSpPr>
+              <p:spPr>
+                <a:xfrm>
+                  <a:off x="7525042" y="5107381"/>
+                  <a:ext cx="3760925" cy="307777"/>
+                </a:xfrm>
+                <a:prstGeom prst="rect">
+                  <a:avLst/>
+                </a:prstGeom>
+                <a:blipFill>
+                  <a:blip r:embed="rId7"/>
+                  <a:stretch>
+                    <a:fillRect l="-486" t="-4000" b="-20000"/>
+                  </a:stretch>
+                </a:blipFill>
+              </p:spPr>
+              <p:txBody>
+                <a:bodyPr/>
+                <a:lstStyle/>
+                <a:p>
+                  <a:r>
+                    <a:rPr lang="en-GB">
+                      <a:noFill/>
+                    </a:rPr>
+                    <a:t> </a:t>
+                  </a:r>
+                </a:p>
+              </p:txBody>
+            </p:sp>
+          </mc:Fallback>
+        </mc:AlternateContent>
+      </p:grpSp>
+      <mc:AlternateContent xmlns:mc="http://schemas.openxmlformats.org/markup-compatibility/2006" xmlns:a14="http://schemas.microsoft.com/office/drawing/2010/main">
+        <mc:Choice Requires="a14">
+          <p:sp>
+            <p:nvSpPr>
+              <p:cNvPr id="48" name="TextBox 47">
+                <a:extLst>
+                  <a:ext uri="{FF2B5EF4-FFF2-40B4-BE49-F238E27FC236}">
+                    <a16:creationId xmlns:a16="http://schemas.microsoft.com/office/drawing/2014/main" id="{4BF5205A-C21B-DC10-00D1-30EE1B56E60B}"/>
+                  </a:ext>
+                </a:extLst>
+              </p:cNvPr>
+              <p:cNvSpPr txBox="1"/>
+              <p:nvPr/>
+            </p:nvSpPr>
+            <p:spPr>
+              <a:xfrm>
+                <a:off x="0" y="5585198"/>
+                <a:ext cx="12192000" cy="646331"/>
+              </a:xfrm>
+              <a:prstGeom prst="rect">
+                <a:avLst/>
+              </a:prstGeom>
+              <a:noFill/>
+            </p:spPr>
+            <p:txBody>
+              <a:bodyPr wrap="square" rtlCol="0">
+                <a:spAutoFit/>
+              </a:bodyPr>
+              <a:lstStyle/>
+              <a:p>
+                <a:pPr algn="just"/>
+                <a:r>
+                  <a:rPr lang="fr-FR" noProof="0" dirty="0">
+                    <a:latin typeface="Times New Roman" panose="02020603050405020304" pitchFamily="18" charset="0"/>
+                    <a:cs typeface="Times New Roman" panose="02020603050405020304" pitchFamily="18" charset="0"/>
+                  </a:rPr>
+                  <a:t>Les résultats de simulations avaient permis d’évaluer l’évolution de </a:t>
+                </a:r>
+                <a14:m>
+                  <m:oMath xmlns:m="http://schemas.openxmlformats.org/officeDocument/2006/math">
+                    <m:sSub>
+                      <m:sSubPr>
+                        <m:ctrlPr>
+                          <a:rPr lang="fr-FR" b="0" i="1" smtClean="0">
+                            <a:latin typeface="Cambria Math" panose="02040503050406030204" pitchFamily="18" charset="0"/>
+                            <a:cs typeface="Times New Roman" panose="02020603050405020304" pitchFamily="18" charset="0"/>
+                          </a:rPr>
+                        </m:ctrlPr>
+                      </m:sSubPr>
+                      <m:e>
+                        <m:r>
+                          <a:rPr lang="fr-FR" b="0" i="1" smtClean="0">
+                            <a:latin typeface="Cambria Math" panose="02040503050406030204" pitchFamily="18" charset="0"/>
+                            <a:cs typeface="Times New Roman" panose="02020603050405020304" pitchFamily="18" charset="0"/>
+                          </a:rPr>
+                          <m:t>𝑢</m:t>
+                        </m:r>
+                      </m:e>
+                      <m:sub>
+                        <m:r>
+                          <a:rPr lang="fr-FR" b="0" i="1" smtClean="0">
+                            <a:latin typeface="Cambria Math" panose="02040503050406030204" pitchFamily="18" charset="0"/>
+                            <a:cs typeface="Times New Roman" panose="02020603050405020304" pitchFamily="18" charset="0"/>
+                          </a:rPr>
+                          <m:t>𝑚𝑎𝑥</m:t>
+                        </m:r>
+                      </m:sub>
+                    </m:sSub>
+                  </m:oMath>
+                </a14:m>
+                <a:r>
+                  <a:rPr lang="fr-FR" noProof="0" dirty="0">
+                    <a:latin typeface="Times New Roman" panose="02020603050405020304" pitchFamily="18" charset="0"/>
+                    <a:cs typeface="Times New Roman" panose="02020603050405020304" pitchFamily="18" charset="0"/>
+                  </a:rPr>
+                  <a:t> en fonction des géométries </a:t>
+                </a:r>
+                <a14:m>
+                  <m:oMath xmlns:m="http://schemas.openxmlformats.org/officeDocument/2006/math">
+                    <m:r>
+                      <a:rPr lang="fr-FR" i="1">
+                        <a:latin typeface="Cambria Math" panose="02040503050406030204" pitchFamily="18" charset="0"/>
+                        <a:ea typeface="Cambria Math" panose="02040503050406030204" pitchFamily="18" charset="0"/>
+                        <a:cs typeface="Times New Roman" panose="02020603050405020304" pitchFamily="18" charset="0"/>
+                      </a:rPr>
+                      <m:t>𝛼</m:t>
+                    </m:r>
+                    <m:r>
+                      <a:rPr lang="fr-FR" i="1">
+                        <a:latin typeface="Cambria Math" panose="02040503050406030204" pitchFamily="18" charset="0"/>
+                        <a:ea typeface="Cambria Math" panose="02040503050406030204" pitchFamily="18" charset="0"/>
+                        <a:cs typeface="Times New Roman" panose="02020603050405020304" pitchFamily="18" charset="0"/>
+                      </a:rPr>
+                      <m:t> %</m:t>
+                    </m:r>
+                  </m:oMath>
+                </a14:m>
+                <a:r>
+                  <a:rPr lang="fr-FR" noProof="0" dirty="0">
+                    <a:latin typeface="Times New Roman" panose="02020603050405020304" pitchFamily="18" charset="0"/>
+                    <a:cs typeface="Times New Roman" panose="02020603050405020304" pitchFamily="18" charset="0"/>
+                  </a:rPr>
+                  <a:t>. Un compromis entre réduction de masse et performance en déformation avait été trouvé pour la géométrie </a:t>
+                </a:r>
+                <a14:m>
+                  <m:oMath xmlns:m="http://schemas.openxmlformats.org/officeDocument/2006/math">
+                    <m:r>
+                      <a:rPr lang="fr-FR" i="1">
+                        <a:latin typeface="Cambria Math" panose="02040503050406030204" pitchFamily="18" charset="0"/>
+                        <a:ea typeface="Cambria Math" panose="02040503050406030204" pitchFamily="18" charset="0"/>
+                        <a:cs typeface="Times New Roman" panose="02020603050405020304" pitchFamily="18" charset="0"/>
+                      </a:rPr>
+                      <m:t>𝛼</m:t>
+                    </m:r>
+                    <m:r>
+                      <a:rPr lang="fr-FR" b="0" i="1" smtClean="0">
+                        <a:latin typeface="Cambria Math" panose="02040503050406030204" pitchFamily="18" charset="0"/>
+                        <a:ea typeface="Cambria Math" panose="02040503050406030204" pitchFamily="18" charset="0"/>
+                        <a:cs typeface="Times New Roman" panose="02020603050405020304" pitchFamily="18" charset="0"/>
+                      </a:rPr>
+                      <m:t>=40</m:t>
+                    </m:r>
+                    <m:r>
+                      <a:rPr lang="fr-FR" i="1">
+                        <a:latin typeface="Cambria Math" panose="02040503050406030204" pitchFamily="18" charset="0"/>
+                        <a:ea typeface="Cambria Math" panose="02040503050406030204" pitchFamily="18" charset="0"/>
+                        <a:cs typeface="Times New Roman" panose="02020603050405020304" pitchFamily="18" charset="0"/>
+                      </a:rPr>
+                      <m:t>%</m:t>
+                    </m:r>
+                  </m:oMath>
+                </a14:m>
+                <a:r>
+                  <a:rPr lang="fr-FR" noProof="0" dirty="0">
+                    <a:latin typeface="Times New Roman" panose="02020603050405020304" pitchFamily="18" charset="0"/>
+                    <a:cs typeface="Times New Roman" panose="02020603050405020304" pitchFamily="18" charset="0"/>
+                  </a:rPr>
+                  <a:t>.   </a:t>
+                </a:r>
+              </a:p>
+            </p:txBody>
+          </p:sp>
+        </mc:Choice>
+        <mc:Fallback xmlns="">
+          <p:sp>
+            <p:nvSpPr>
+              <p:cNvPr id="48" name="TextBox 47">
+                <a:extLst>
+                  <a:ext uri="{FF2B5EF4-FFF2-40B4-BE49-F238E27FC236}">
+                    <a16:creationId xmlns:a16="http://schemas.microsoft.com/office/drawing/2014/main" id="{4BF5205A-C21B-DC10-00D1-30EE1B56E60B}"/>
+                  </a:ext>
+                </a:extLst>
+              </p:cNvPr>
+              <p:cNvSpPr txBox="1">
+                <a:spLocks noRot="1" noChangeAspect="1" noMove="1" noResize="1" noEditPoints="1" noAdjustHandles="1" noChangeArrowheads="1" noChangeShapeType="1" noTextEdit="1"/>
+              </p:cNvSpPr>
+              <p:nvPr/>
+            </p:nvSpPr>
+            <p:spPr>
+              <a:xfrm>
+                <a:off x="0" y="5585198"/>
+                <a:ext cx="12192000" cy="646331"/>
+              </a:xfrm>
+              <a:prstGeom prst="rect">
+                <a:avLst/>
+              </a:prstGeom>
+              <a:blipFill>
+                <a:blip r:embed="rId8"/>
+                <a:stretch>
+                  <a:fillRect l="-400" t="-4717" r="-400" b="-14151"/>
+                </a:stretch>
+              </a:blipFill>
+            </p:spPr>
+            <p:txBody>
+              <a:bodyPr/>
+              <a:lstStyle/>
+              <a:p>
+                <a:r>
+                  <a:rPr lang="en-GB">
+                    <a:noFill/>
+                  </a:rPr>
+                  <a:t> </a:t>
+                </a:r>
+              </a:p>
+            </p:txBody>
+          </p:sp>
+        </mc:Fallback>
+      </mc:AlternateContent>
+      <p:sp>
+        <p:nvSpPr>
+          <p:cNvPr id="49" name="TextBox 48">
+            <a:extLst>
+              <a:ext uri="{FF2B5EF4-FFF2-40B4-BE49-F238E27FC236}">
+                <a16:creationId xmlns:a16="http://schemas.microsoft.com/office/drawing/2014/main" id="{A79242B3-F8EA-94FD-D9D9-2D85B18818DC}"/>
+              </a:ext>
+            </a:extLst>
+          </p:cNvPr>
+          <p:cNvSpPr txBox="1"/>
+          <p:nvPr/>
+        </p:nvSpPr>
+        <p:spPr>
+          <a:xfrm>
+            <a:off x="11091333" y="6550222"/>
+            <a:ext cx="1100667" cy="307777"/>
+          </a:xfrm>
+          <a:prstGeom prst="rect">
+            <a:avLst/>
+          </a:prstGeom>
+          <a:noFill/>
+        </p:spPr>
+        <p:txBody>
+          <a:bodyPr wrap="square" rtlCol="0">
+            <a:spAutoFit/>
+          </a:bodyPr>
+          <a:lstStyle/>
+          <a:p>
+            <a:pPr algn="r"/>
+            <a:r>
+              <a:rPr lang="fr-FR" sz="1400" noProof="0" dirty="0">
+                <a:latin typeface="Times New Roman" panose="02020603050405020304" pitchFamily="18" charset="0"/>
+                <a:cs typeface="Times New Roman" panose="02020603050405020304" pitchFamily="18" charset="0"/>
+              </a:rPr>
+              <a:t>X/Y</a:t>
+            </a:r>
+          </a:p>
+        </p:txBody>
+      </p:sp>
+    </p:spTree>
+    <p:extLst>
+      <p:ext uri="{BB962C8B-B14F-4D97-AF65-F5344CB8AC3E}">
+        <p14:creationId xmlns:p14="http://schemas.microsoft.com/office/powerpoint/2010/main" val="1966793551"/>
+      </p:ext>
+    </p:extLst>
+  </p:cSld>
+  <p:clrMapOvr>
+    <a:masterClrMapping/>
+  </p:clrMapOvr>
+</p:sld>
+</file>
+
+<file path=ppt/slides/slide20.xml><?xml version="1.0" encoding="utf-8"?>
 <p:sld xmlns:a="http://schemas.openxmlformats.org/drawingml/2006/main" xmlns:r="http://schemas.openxmlformats.org/officeDocument/2006/relationships" xmlns:p="http://schemas.openxmlformats.org/presentationml/2006/main">
   <p:cSld>
     <p:spTree>
@@ -25853,7 +29207,7 @@
 </p:sld>
 </file>
 
-<file path=ppt/slides/slide18.xml><?xml version="1.0" encoding="utf-8"?>
+<file path=ppt/slides/slide21.xml><?xml version="1.0" encoding="utf-8"?>
 <p:sld xmlns:a="http://schemas.openxmlformats.org/drawingml/2006/main" xmlns:r="http://schemas.openxmlformats.org/officeDocument/2006/relationships" xmlns:p="http://schemas.openxmlformats.org/presentationml/2006/main">
   <p:cSld>
     <p:spTree>
@@ -26571,7 +29925,7 @@
 </p:sld>
 </file>
 
-<file path=ppt/slides/slide19.xml><?xml version="1.0" encoding="utf-8"?>
+<file path=ppt/slides/slide22.xml><?xml version="1.0" encoding="utf-8"?>
 <p:sld xmlns:a="http://schemas.openxmlformats.org/drawingml/2006/main" xmlns:r="http://schemas.openxmlformats.org/officeDocument/2006/relationships" xmlns:p="http://schemas.openxmlformats.org/presentationml/2006/main">
   <p:cSld>
     <p:spTree>
@@ -27179,1314 +30533,6 @@
 </p:sld>
 </file>
 
-<file path=ppt/slides/slide2.xml><?xml version="1.0" encoding="utf-8"?>
-<p:sld xmlns:a="http://schemas.openxmlformats.org/drawingml/2006/main" xmlns:r="http://schemas.openxmlformats.org/officeDocument/2006/relationships" xmlns:p="http://schemas.openxmlformats.org/presentationml/2006/main">
-  <p:cSld>
-    <p:spTree>
-      <p:nvGrpSpPr>
-        <p:cNvPr id="1" name="">
-          <a:extLst>
-            <a:ext uri="{FF2B5EF4-FFF2-40B4-BE49-F238E27FC236}">
-              <a16:creationId xmlns:a16="http://schemas.microsoft.com/office/drawing/2014/main" id="{6FB6CDBB-D326-9C9C-945A-FF24B3B8C109}"/>
-            </a:ext>
-          </a:extLst>
-        </p:cNvPr>
-        <p:cNvGrpSpPr/>
-        <p:nvPr/>
-      </p:nvGrpSpPr>
-      <p:grpSpPr>
-        <a:xfrm>
-          <a:off x="0" y="0"/>
-          <a:ext cx="0" cy="0"/>
-          <a:chOff x="0" y="0"/>
-          <a:chExt cx="0" cy="0"/>
-        </a:xfrm>
-      </p:grpSpPr>
-      <p:sp>
-        <p:nvSpPr>
-          <p:cNvPr id="36" name="Rectangle 35">
-            <a:extLst>
-              <a:ext uri="{FF2B5EF4-FFF2-40B4-BE49-F238E27FC236}">
-                <a16:creationId xmlns:a16="http://schemas.microsoft.com/office/drawing/2014/main" id="{2C2B60A1-0B89-3546-D8C8-0D44097F35C2}"/>
-              </a:ext>
-            </a:extLst>
-          </p:cNvPr>
-          <p:cNvSpPr/>
-          <p:nvPr/>
-        </p:nvSpPr>
-        <p:spPr>
-          <a:xfrm>
-            <a:off x="1" y="-990"/>
-            <a:ext cx="6096000" cy="501017"/>
-          </a:xfrm>
-          <a:prstGeom prst="rect">
-            <a:avLst/>
-          </a:prstGeom>
-          <a:solidFill>
-            <a:srgbClr val="980000"/>
-          </a:solidFill>
-          <a:ln>
-            <a:noFill/>
-          </a:ln>
-        </p:spPr>
-        <p:style>
-          <a:lnRef idx="2">
-            <a:schemeClr val="accent1">
-              <a:shade val="15000"/>
-            </a:schemeClr>
-          </a:lnRef>
-          <a:fillRef idx="1">
-            <a:schemeClr val="accent1"/>
-          </a:fillRef>
-          <a:effectRef idx="0">
-            <a:schemeClr val="accent1"/>
-          </a:effectRef>
-          <a:fontRef idx="minor">
-            <a:schemeClr val="lt1"/>
-          </a:fontRef>
-        </p:style>
-        <p:txBody>
-          <a:bodyPr rtlCol="0" anchor="ctr"/>
-          <a:lstStyle/>
-          <a:p>
-            <a:pPr algn="ctr"/>
-            <a:endParaRPr lang="fr-FR" noProof="0" dirty="0"/>
-          </a:p>
-        </p:txBody>
-      </p:sp>
-      <p:sp>
-        <p:nvSpPr>
-          <p:cNvPr id="9" name="TextBox 8">
-            <a:extLst>
-              <a:ext uri="{FF2B5EF4-FFF2-40B4-BE49-F238E27FC236}">
-                <a16:creationId xmlns:a16="http://schemas.microsoft.com/office/drawing/2014/main" id="{6E9846D3-47A3-2AE6-6383-AB77CC5B517E}"/>
-              </a:ext>
-            </a:extLst>
-          </p:cNvPr>
-          <p:cNvSpPr txBox="1"/>
-          <p:nvPr/>
-        </p:nvSpPr>
-        <p:spPr>
-          <a:xfrm>
-            <a:off x="0" y="-990"/>
-            <a:ext cx="5568381" cy="461665"/>
-          </a:xfrm>
-          <a:prstGeom prst="rect">
-            <a:avLst/>
-          </a:prstGeom>
-          <a:noFill/>
-        </p:spPr>
-        <p:txBody>
-          <a:bodyPr wrap="square" rtlCol="0">
-            <a:spAutoFit/>
-          </a:bodyPr>
-          <a:lstStyle/>
-          <a:p>
-            <a:pPr algn="just"/>
-            <a:r>
-              <a:rPr lang="fr-FR" sz="2400" b="1" dirty="0">
-                <a:solidFill>
-                  <a:schemeClr val="bg1"/>
-                </a:solidFill>
-                <a:latin typeface="Times New Roman" panose="02020603050405020304" pitchFamily="18" charset="0"/>
-                <a:cs typeface="Times New Roman" panose="02020603050405020304" pitchFamily="18" charset="0"/>
-              </a:rPr>
-              <a:t>INTRODUCTION</a:t>
-            </a:r>
-            <a:endParaRPr lang="fr-FR" sz="2400" b="1" noProof="0" dirty="0">
-              <a:solidFill>
-                <a:schemeClr val="bg1"/>
-              </a:solidFill>
-              <a:latin typeface="Times New Roman" panose="02020603050405020304" pitchFamily="18" charset="0"/>
-              <a:cs typeface="Times New Roman" panose="02020603050405020304" pitchFamily="18" charset="0"/>
-            </a:endParaRPr>
-          </a:p>
-        </p:txBody>
-      </p:sp>
-      <p:sp>
-        <p:nvSpPr>
-          <p:cNvPr id="39" name="Rectangle 38">
-            <a:extLst>
-              <a:ext uri="{FF2B5EF4-FFF2-40B4-BE49-F238E27FC236}">
-                <a16:creationId xmlns:a16="http://schemas.microsoft.com/office/drawing/2014/main" id="{AECA565B-75E5-1F68-434E-112D93E38360}"/>
-              </a:ext>
-            </a:extLst>
-          </p:cNvPr>
-          <p:cNvSpPr/>
-          <p:nvPr/>
-        </p:nvSpPr>
-        <p:spPr>
-          <a:xfrm>
-            <a:off x="6096000" y="0"/>
-            <a:ext cx="6096000" cy="501017"/>
-          </a:xfrm>
-          <a:prstGeom prst="rect">
-            <a:avLst/>
-          </a:prstGeom>
-          <a:solidFill>
-            <a:srgbClr val="D9D9D9"/>
-          </a:solidFill>
-          <a:ln>
-            <a:noFill/>
-          </a:ln>
-        </p:spPr>
-        <p:style>
-          <a:lnRef idx="2">
-            <a:schemeClr val="accent1">
-              <a:shade val="15000"/>
-            </a:schemeClr>
-          </a:lnRef>
-          <a:fillRef idx="1">
-            <a:schemeClr val="accent1"/>
-          </a:fillRef>
-          <a:effectRef idx="0">
-            <a:schemeClr val="accent1"/>
-          </a:effectRef>
-          <a:fontRef idx="minor">
-            <a:schemeClr val="lt1"/>
-          </a:fontRef>
-        </p:style>
-        <p:txBody>
-          <a:bodyPr rtlCol="0" anchor="ctr"/>
-          <a:lstStyle/>
-          <a:p>
-            <a:pPr algn="ctr"/>
-            <a:endParaRPr lang="fr-FR" noProof="0" dirty="0"/>
-          </a:p>
-        </p:txBody>
-      </p:sp>
-      <mc:AlternateContent xmlns:mc="http://schemas.openxmlformats.org/markup-compatibility/2006">
-        <mc:Choice xmlns:a14="http://schemas.microsoft.com/office/drawing/2010/main" Requires="a14">
-          <p:sp>
-            <p:nvSpPr>
-              <p:cNvPr id="11" name="TextBox 10">
-                <a:extLst>
-                  <a:ext uri="{FF2B5EF4-FFF2-40B4-BE49-F238E27FC236}">
-                    <a16:creationId xmlns:a16="http://schemas.microsoft.com/office/drawing/2014/main" id="{072A0C86-E46F-7872-4F73-D0C64405F9A7}"/>
-                  </a:ext>
-                </a:extLst>
-              </p:cNvPr>
-              <p:cNvSpPr txBox="1"/>
-              <p:nvPr/>
-            </p:nvSpPr>
-            <p:spPr>
-              <a:xfrm>
-                <a:off x="0" y="627468"/>
-                <a:ext cx="12192000" cy="923330"/>
-              </a:xfrm>
-              <a:prstGeom prst="rect">
-                <a:avLst/>
-              </a:prstGeom>
-              <a:noFill/>
-            </p:spPr>
-            <p:txBody>
-              <a:bodyPr wrap="square" rtlCol="0">
-                <a:spAutoFit/>
-              </a:bodyPr>
-              <a:lstStyle/>
-              <a:p>
-                <a:pPr algn="just"/>
-                <a:r>
-                  <a:rPr lang="fr-FR" noProof="0" dirty="0">
-                    <a:latin typeface="Times New Roman" panose="02020603050405020304" pitchFamily="18" charset="0"/>
-                    <a:cs typeface="Times New Roman" panose="02020603050405020304" pitchFamily="18" charset="0"/>
-                  </a:rPr>
-                  <a:t>Dans le cadre d’un précédent</a:t>
-                </a:r>
-                <a:r>
-                  <a:rPr lang="fr-FR" dirty="0">
-                    <a:latin typeface="Times New Roman" panose="02020603050405020304" pitchFamily="18" charset="0"/>
-                    <a:cs typeface="Times New Roman" panose="02020603050405020304" pitchFamily="18" charset="0"/>
-                  </a:rPr>
-                  <a:t>t projet, une orthèse d’avant-bras fut étudiée dans le but de pouvoir </a:t>
-                </a:r>
-                <a:r>
-                  <a:rPr lang="fr-FR" b="1" dirty="0">
-                    <a:latin typeface="Times New Roman" panose="02020603050405020304" pitchFamily="18" charset="0"/>
-                    <a:cs typeface="Times New Roman" panose="02020603050405020304" pitchFamily="18" charset="0"/>
-                  </a:rPr>
-                  <a:t>l’optimiser topologiquement</a:t>
-                </a:r>
-                <a:r>
-                  <a:rPr lang="fr-FR" dirty="0">
-                    <a:latin typeface="Times New Roman" panose="02020603050405020304" pitchFamily="18" charset="0"/>
-                    <a:cs typeface="Times New Roman" panose="02020603050405020304" pitchFamily="18" charset="0"/>
-                  </a:rPr>
-                  <a:t>. L’optimisation topologique à pour but de retirer de la matière de manière intelligente afin de modifier le moins possible les critères imposés (ici le déplacement maximale </a:t>
-                </a:r>
-                <a14:m>
-                  <m:oMath xmlns:m="http://schemas.openxmlformats.org/officeDocument/2006/math">
-                    <m:sSub>
-                      <m:sSubPr>
-                        <m:ctrlPr>
-                          <a:rPr lang="fr-FR" b="0" i="1" smtClean="0">
-                            <a:latin typeface="Cambria Math" panose="02040503050406030204" pitchFamily="18" charset="0"/>
-                            <a:cs typeface="Times New Roman" panose="02020603050405020304" pitchFamily="18" charset="0"/>
-                          </a:rPr>
-                        </m:ctrlPr>
-                      </m:sSubPr>
-                      <m:e>
-                        <m:r>
-                          <a:rPr lang="fr-FR" b="0" i="1" smtClean="0">
-                            <a:latin typeface="Cambria Math" panose="02040503050406030204" pitchFamily="18" charset="0"/>
-                            <a:cs typeface="Times New Roman" panose="02020603050405020304" pitchFamily="18" charset="0"/>
-                          </a:rPr>
-                          <m:t>𝑢</m:t>
-                        </m:r>
-                      </m:e>
-                      <m:sub>
-                        <m:r>
-                          <a:rPr lang="fr-FR" b="0" i="1" smtClean="0">
-                            <a:latin typeface="Cambria Math" panose="02040503050406030204" pitchFamily="18" charset="0"/>
-                            <a:cs typeface="Times New Roman" panose="02020603050405020304" pitchFamily="18" charset="0"/>
-                          </a:rPr>
-                          <m:t>𝑚𝑎𝑥</m:t>
-                        </m:r>
-                      </m:sub>
-                    </m:sSub>
-                  </m:oMath>
-                </a14:m>
-                <a:r>
-                  <a:rPr lang="fr-FR" dirty="0">
-                    <a:latin typeface="Times New Roman" panose="02020603050405020304" pitchFamily="18" charset="0"/>
-                    <a:cs typeface="Times New Roman" panose="02020603050405020304" pitchFamily="18" charset="0"/>
-                  </a:rPr>
-                  <a:t>). </a:t>
-                </a:r>
-                <a:endParaRPr lang="fr-FR" noProof="0" dirty="0">
-                  <a:latin typeface="Times New Roman" panose="02020603050405020304" pitchFamily="18" charset="0"/>
-                  <a:cs typeface="Times New Roman" panose="02020603050405020304" pitchFamily="18" charset="0"/>
-                </a:endParaRPr>
-              </a:p>
-            </p:txBody>
-          </p:sp>
-        </mc:Choice>
-        <mc:Fallback>
-          <p:sp>
-            <p:nvSpPr>
-              <p:cNvPr id="11" name="TextBox 10">
-                <a:extLst>
-                  <a:ext uri="{FF2B5EF4-FFF2-40B4-BE49-F238E27FC236}">
-                    <a16:creationId xmlns:a16="http://schemas.microsoft.com/office/drawing/2014/main" id="{072A0C86-E46F-7872-4F73-D0C64405F9A7}"/>
-                  </a:ext>
-                </a:extLst>
-              </p:cNvPr>
-              <p:cNvSpPr txBox="1">
-                <a:spLocks noRot="1" noChangeAspect="1" noMove="1" noResize="1" noEditPoints="1" noAdjustHandles="1" noChangeArrowheads="1" noChangeShapeType="1" noTextEdit="1"/>
-              </p:cNvSpPr>
-              <p:nvPr/>
-            </p:nvSpPr>
-            <p:spPr>
-              <a:xfrm>
-                <a:off x="0" y="627468"/>
-                <a:ext cx="12192000" cy="923330"/>
-              </a:xfrm>
-              <a:prstGeom prst="rect">
-                <a:avLst/>
-              </a:prstGeom>
-              <a:blipFill>
-                <a:blip r:embed="rId3"/>
-                <a:stretch>
-                  <a:fillRect l="-400" t="-3974" r="-400" b="-9934"/>
-                </a:stretch>
-              </a:blipFill>
-            </p:spPr>
-            <p:txBody>
-              <a:bodyPr/>
-              <a:lstStyle/>
-              <a:p>
-                <a:r>
-                  <a:rPr lang="en-GB">
-                    <a:noFill/>
-                  </a:rPr>
-                  <a:t> </a:t>
-                </a:r>
-              </a:p>
-            </p:txBody>
-          </p:sp>
-        </mc:Fallback>
-      </mc:AlternateContent>
-      <p:sp>
-        <p:nvSpPr>
-          <p:cNvPr id="28" name="TextBox 27">
-            <a:extLst>
-              <a:ext uri="{FF2B5EF4-FFF2-40B4-BE49-F238E27FC236}">
-                <a16:creationId xmlns:a16="http://schemas.microsoft.com/office/drawing/2014/main" id="{A3F4CAB7-21CC-3B13-8827-56C233CE43A0}"/>
-              </a:ext>
-            </a:extLst>
-          </p:cNvPr>
-          <p:cNvSpPr txBox="1"/>
-          <p:nvPr/>
-        </p:nvSpPr>
-        <p:spPr>
-          <a:xfrm>
-            <a:off x="0" y="1550798"/>
-            <a:ext cx="12192000" cy="369332"/>
-          </a:xfrm>
-          <a:prstGeom prst="rect">
-            <a:avLst/>
-          </a:prstGeom>
-          <a:noFill/>
-        </p:spPr>
-        <p:txBody>
-          <a:bodyPr wrap="square" rtlCol="0">
-            <a:spAutoFit/>
-          </a:bodyPr>
-          <a:lstStyle/>
-          <a:p>
-            <a:pPr marL="285750" indent="-285750" algn="just">
-              <a:buFont typeface="Wingdings" panose="05000000000000000000" pitchFamily="2" charset="2"/>
-              <a:buChar char="§"/>
-            </a:pPr>
-            <a:r>
-              <a:rPr lang="fr-FR" b="1" noProof="0" dirty="0">
-                <a:latin typeface="Times New Roman" panose="02020603050405020304" pitchFamily="18" charset="0"/>
-                <a:cs typeface="Times New Roman" panose="02020603050405020304" pitchFamily="18" charset="0"/>
-              </a:rPr>
-              <a:t>Critère mathématique </a:t>
-            </a:r>
-            <a:r>
-              <a:rPr lang="fr-FR" noProof="0" dirty="0">
-                <a:latin typeface="Times New Roman" panose="02020603050405020304" pitchFamily="18" charset="0"/>
-                <a:cs typeface="Times New Roman" panose="02020603050405020304" pitchFamily="18" charset="0"/>
-              </a:rPr>
-              <a:t>: </a:t>
-            </a:r>
-          </a:p>
-        </p:txBody>
-      </p:sp>
-      <mc:AlternateContent xmlns:mc="http://schemas.openxmlformats.org/markup-compatibility/2006">
-        <mc:Choice xmlns:a14="http://schemas.microsoft.com/office/drawing/2010/main" Requires="a14">
-          <p:sp>
-            <p:nvSpPr>
-              <p:cNvPr id="29" name="TextBox 28">
-                <a:extLst>
-                  <a:ext uri="{FF2B5EF4-FFF2-40B4-BE49-F238E27FC236}">
-                    <a16:creationId xmlns:a16="http://schemas.microsoft.com/office/drawing/2014/main" id="{16F0C38C-ADF0-05C8-AB97-6D861D171C8A}"/>
-                  </a:ext>
-                </a:extLst>
-              </p:cNvPr>
-              <p:cNvSpPr txBox="1"/>
-              <p:nvPr/>
-            </p:nvSpPr>
-            <p:spPr>
-              <a:xfrm>
-                <a:off x="340534" y="1920130"/>
-                <a:ext cx="11851465" cy="760465"/>
-              </a:xfrm>
-              <a:prstGeom prst="rect">
-                <a:avLst/>
-              </a:prstGeom>
-              <a:noFill/>
-            </p:spPr>
-            <p:txBody>
-              <a:bodyPr wrap="square" rtlCol="0">
-                <a:spAutoFit/>
-              </a:bodyPr>
-              <a:lstStyle/>
-              <a:p>
-                <a:r>
-                  <a:rPr lang="fr-FR" noProof="0" dirty="0">
-                    <a:latin typeface="Times New Roman" panose="02020603050405020304" pitchFamily="18" charset="0"/>
-                    <a:cs typeface="Times New Roman" panose="02020603050405020304" pitchFamily="18" charset="0"/>
-                  </a:rPr>
-                  <a:t>Minimiser </a:t>
-                </a:r>
-                <a14:m>
-                  <m:oMath xmlns:m="http://schemas.openxmlformats.org/officeDocument/2006/math">
-                    <m:r>
-                      <a:rPr lang="fr-FR" i="1" noProof="0" smtClean="0">
-                        <a:latin typeface="Cambria Math" panose="02040503050406030204" pitchFamily="18" charset="0"/>
-                        <a:ea typeface="Cambria Math" panose="02040503050406030204" pitchFamily="18" charset="0"/>
-                        <a:cs typeface="Times New Roman" panose="02020603050405020304" pitchFamily="18" charset="0"/>
-                      </a:rPr>
-                      <m:t>𝜌</m:t>
-                    </m:r>
-                  </m:oMath>
-                </a14:m>
-                <a:r>
-                  <a:rPr lang="fr-FR" noProof="0" dirty="0">
-                    <a:latin typeface="Times New Roman" panose="02020603050405020304" pitchFamily="18" charset="0"/>
-                    <a:cs typeface="Times New Roman" panose="02020603050405020304" pitchFamily="18" charset="0"/>
-                  </a:rPr>
-                  <a:t> (masse) et </a:t>
-                </a:r>
-                <a14:m>
-                  <m:oMath xmlns:m="http://schemas.openxmlformats.org/officeDocument/2006/math">
-                    <m:nary>
-                      <m:naryPr>
-                        <m:limLoc m:val="undOvr"/>
-                        <m:ctrlPr>
-                          <a:rPr lang="fr-FR" i="1" noProof="0" dirty="0" smtClean="0">
-                            <a:latin typeface="Cambria Math" panose="02040503050406030204" pitchFamily="18" charset="0"/>
-                            <a:cs typeface="Times New Roman" panose="02020603050405020304" pitchFamily="18" charset="0"/>
-                          </a:rPr>
-                        </m:ctrlPr>
-                      </m:naryPr>
-                      <m:sub>
-                        <m:r>
-                          <a:rPr lang="fr-FR" i="1" noProof="0" dirty="0" smtClean="0">
-                            <a:latin typeface="Cambria Math" panose="02040503050406030204" pitchFamily="18" charset="0"/>
-                          </a:rPr>
-                          <m:t>𝛺</m:t>
-                        </m:r>
-                      </m:sub>
-                      <m:sup>
-                        <m:r>
-                          <a:rPr lang="fr-FR" b="0" i="1" noProof="0" dirty="0" smtClean="0">
-                            <a:latin typeface="Cambria Math" panose="02040503050406030204" pitchFamily="18" charset="0"/>
-                            <a:cs typeface="Times New Roman" panose="02020603050405020304" pitchFamily="18" charset="0"/>
-                          </a:rPr>
-                          <m:t> </m:t>
-                        </m:r>
-                      </m:sup>
-                      <m:e>
-                        <m:f>
-                          <m:fPr>
-                            <m:ctrlPr>
-                              <a:rPr lang="fr-FR" b="0" i="1" noProof="0" dirty="0" smtClean="0">
-                                <a:latin typeface="Cambria Math" panose="02040503050406030204" pitchFamily="18" charset="0"/>
-                                <a:cs typeface="Times New Roman" panose="02020603050405020304" pitchFamily="18" charset="0"/>
-                              </a:rPr>
-                            </m:ctrlPr>
-                          </m:fPr>
-                          <m:num>
-                            <m:r>
-                              <a:rPr lang="fr-FR" b="0" i="1" noProof="0" dirty="0" smtClean="0">
-                                <a:latin typeface="Cambria Math" panose="02040503050406030204" pitchFamily="18" charset="0"/>
-                                <a:cs typeface="Times New Roman" panose="02020603050405020304" pitchFamily="18" charset="0"/>
-                              </a:rPr>
-                              <m:t>1</m:t>
-                            </m:r>
-                          </m:num>
-                          <m:den>
-                            <m:r>
-                              <a:rPr lang="fr-FR" b="0" i="1" noProof="0" dirty="0" smtClean="0">
-                                <a:latin typeface="Cambria Math" panose="02040503050406030204" pitchFamily="18" charset="0"/>
-                                <a:cs typeface="Times New Roman" panose="02020603050405020304" pitchFamily="18" charset="0"/>
-                              </a:rPr>
-                              <m:t>2</m:t>
-                            </m:r>
-                          </m:den>
-                        </m:f>
-                        <m:sSub>
-                          <m:sSubPr>
-                            <m:ctrlPr>
-                              <a:rPr lang="fr-FR" b="0" i="1" noProof="0" dirty="0" smtClean="0">
-                                <a:latin typeface="Cambria Math" panose="02040503050406030204" pitchFamily="18" charset="0"/>
-                                <a:ea typeface="Cambria Math" panose="02040503050406030204" pitchFamily="18" charset="0"/>
-                                <a:cs typeface="Times New Roman" panose="02020603050405020304" pitchFamily="18" charset="0"/>
-                              </a:rPr>
-                            </m:ctrlPr>
-                          </m:sSubPr>
-                          <m:e>
-                            <m:r>
-                              <a:rPr lang="fr-FR" b="0" i="1" noProof="0" dirty="0" smtClean="0">
-                                <a:latin typeface="Cambria Math" panose="02040503050406030204" pitchFamily="18" charset="0"/>
-                                <a:ea typeface="Cambria Math" panose="02040503050406030204" pitchFamily="18" charset="0"/>
-                                <a:cs typeface="Times New Roman" panose="02020603050405020304" pitchFamily="18" charset="0"/>
-                              </a:rPr>
-                              <m:t>𝜎</m:t>
-                            </m:r>
-                          </m:e>
-                          <m:sub>
-                            <m:r>
-                              <a:rPr lang="fr-FR" b="0" i="1" noProof="0" dirty="0" smtClean="0">
-                                <a:latin typeface="Cambria Math" panose="02040503050406030204" pitchFamily="18" charset="0"/>
-                                <a:ea typeface="Cambria Math" panose="02040503050406030204" pitchFamily="18" charset="0"/>
-                                <a:cs typeface="Times New Roman" panose="02020603050405020304" pitchFamily="18" charset="0"/>
-                              </a:rPr>
-                              <m:t>𝑖</m:t>
-                            </m:r>
-                          </m:sub>
-                        </m:sSub>
-                        <m:r>
-                          <a:rPr lang="fr-FR" b="0" i="1" noProof="0" dirty="0" smtClean="0">
-                            <a:latin typeface="Cambria Math" panose="02040503050406030204" pitchFamily="18" charset="0"/>
-                            <a:ea typeface="Cambria Math" panose="02040503050406030204" pitchFamily="18" charset="0"/>
-                            <a:cs typeface="Times New Roman" panose="02020603050405020304" pitchFamily="18" charset="0"/>
-                          </a:rPr>
-                          <m:t>:</m:t>
-                        </m:r>
-                        <m:sSub>
-                          <m:sSubPr>
-                            <m:ctrlPr>
-                              <a:rPr lang="fr-FR" b="0" i="1" noProof="0" dirty="0" smtClean="0">
-                                <a:latin typeface="Cambria Math" panose="02040503050406030204" pitchFamily="18" charset="0"/>
-                                <a:ea typeface="Cambria Math" panose="02040503050406030204" pitchFamily="18" charset="0"/>
-                                <a:cs typeface="Times New Roman" panose="02020603050405020304" pitchFamily="18" charset="0"/>
-                              </a:rPr>
-                            </m:ctrlPr>
-                          </m:sSubPr>
-                          <m:e>
-                            <m:r>
-                              <a:rPr lang="fr-FR" b="0" i="1" noProof="0" dirty="0" smtClean="0">
-                                <a:latin typeface="Cambria Math" panose="02040503050406030204" pitchFamily="18" charset="0"/>
-                                <a:ea typeface="Cambria Math" panose="02040503050406030204" pitchFamily="18" charset="0"/>
-                                <a:cs typeface="Times New Roman" panose="02020603050405020304" pitchFamily="18" charset="0"/>
-                              </a:rPr>
-                              <m:t>𝜀</m:t>
-                            </m:r>
-                          </m:e>
-                          <m:sub>
-                            <m:r>
-                              <a:rPr lang="fr-FR" b="0" i="1" noProof="0" dirty="0" smtClean="0">
-                                <a:latin typeface="Cambria Math" panose="02040503050406030204" pitchFamily="18" charset="0"/>
-                                <a:ea typeface="Cambria Math" panose="02040503050406030204" pitchFamily="18" charset="0"/>
-                                <a:cs typeface="Times New Roman" panose="02020603050405020304" pitchFamily="18" charset="0"/>
-                              </a:rPr>
-                              <m:t>𝑖</m:t>
-                            </m:r>
-                          </m:sub>
-                        </m:sSub>
-                        <m:r>
-                          <a:rPr lang="fr-FR" b="0" i="1" noProof="0" dirty="0" smtClean="0">
-                            <a:latin typeface="Cambria Math" panose="02040503050406030204" pitchFamily="18" charset="0"/>
-                            <a:ea typeface="Cambria Math" panose="02040503050406030204" pitchFamily="18" charset="0"/>
-                            <a:cs typeface="Times New Roman" panose="02020603050405020304" pitchFamily="18" charset="0"/>
-                          </a:rPr>
-                          <m:t> </m:t>
-                        </m:r>
-                        <m:r>
-                          <a:rPr lang="fr-FR" b="0" i="1" noProof="0" dirty="0" smtClean="0">
-                            <a:latin typeface="Cambria Math" panose="02040503050406030204" pitchFamily="18" charset="0"/>
-                            <a:ea typeface="Cambria Math" panose="02040503050406030204" pitchFamily="18" charset="0"/>
-                            <a:cs typeface="Times New Roman" panose="02020603050405020304" pitchFamily="18" charset="0"/>
-                          </a:rPr>
-                          <m:t>𝑑</m:t>
-                        </m:r>
-                        <m:r>
-                          <a:rPr lang="fr-FR" i="1" noProof="0" dirty="0" smtClean="0">
-                            <a:latin typeface="Cambria Math" panose="02040503050406030204" pitchFamily="18" charset="0"/>
-                          </a:rPr>
-                          <m:t>𝛺</m:t>
-                        </m:r>
-                      </m:e>
-                    </m:nary>
-                  </m:oMath>
-                </a14:m>
-                <a:r>
-                  <a:rPr lang="fr-FR" noProof="0" dirty="0">
-                    <a:latin typeface="Times New Roman" panose="02020603050405020304" pitchFamily="18" charset="0"/>
-                    <a:cs typeface="Times New Roman" panose="02020603050405020304" pitchFamily="18" charset="0"/>
-                  </a:rPr>
-                  <a:t> (contraintes) [</a:t>
-                </a:r>
-                <a:r>
-                  <a:rPr lang="fr-FR" i="1" noProof="0" dirty="0">
-                    <a:latin typeface="Times New Roman" panose="02020603050405020304" pitchFamily="18" charset="0"/>
-                    <a:cs typeface="Times New Roman" panose="02020603050405020304" pitchFamily="18" charset="0"/>
-                  </a:rPr>
-                  <a:t>meilleur compromis</a:t>
-                </a:r>
-                <a:r>
-                  <a:rPr lang="fr-FR" noProof="0" dirty="0">
-                    <a:latin typeface="Times New Roman" panose="02020603050405020304" pitchFamily="18" charset="0"/>
-                    <a:cs typeface="Times New Roman" panose="02020603050405020304" pitchFamily="18" charset="0"/>
-                  </a:rPr>
-                  <a:t>] pour </a:t>
-                </a:r>
-                <a14:m>
-                  <m:oMath xmlns:m="http://schemas.openxmlformats.org/officeDocument/2006/math">
-                    <m:r>
-                      <a:rPr lang="fr-FR" b="0" i="1" noProof="0" smtClean="0">
-                        <a:latin typeface="Cambria Math" panose="02040503050406030204" pitchFamily="18" charset="0"/>
-                        <a:cs typeface="Times New Roman" panose="02020603050405020304" pitchFamily="18" charset="0"/>
-                      </a:rPr>
-                      <m:t>𝑖</m:t>
-                    </m:r>
-                    <m:r>
-                      <a:rPr lang="fr-FR" b="0" i="1" noProof="0" smtClean="0">
-                        <a:latin typeface="Cambria Math" panose="02040503050406030204" pitchFamily="18" charset="0"/>
-                        <a:ea typeface="Cambria Math" panose="02040503050406030204" pitchFamily="18" charset="0"/>
-                        <a:cs typeface="Times New Roman" panose="02020603050405020304" pitchFamily="18" charset="0"/>
-                      </a:rPr>
-                      <m:t>∈[</m:t>
-                    </m:r>
-                    <m:r>
-                      <a:rPr lang="fr-FR" b="0" i="1" noProof="0" smtClean="0">
-                        <a:latin typeface="Cambria Math" panose="02040503050406030204" pitchFamily="18" charset="0"/>
-                        <a:ea typeface="Cambria Math" panose="02040503050406030204" pitchFamily="18" charset="0"/>
-                        <a:cs typeface="Times New Roman" panose="02020603050405020304" pitchFamily="18" charset="0"/>
-                      </a:rPr>
-                      <m:t>𝐹</m:t>
-                    </m:r>
-                    <m:r>
-                      <a:rPr lang="fr-FR" b="0" i="1" noProof="0" smtClean="0">
-                        <a:latin typeface="Cambria Math" panose="02040503050406030204" pitchFamily="18" charset="0"/>
-                        <a:ea typeface="Cambria Math" panose="02040503050406030204" pitchFamily="18" charset="0"/>
-                        <a:cs typeface="Times New Roman" panose="02020603050405020304" pitchFamily="18" charset="0"/>
-                      </a:rPr>
-                      <m:t>,</m:t>
-                    </m:r>
-                    <m:r>
-                      <a:rPr lang="fr-FR" b="0" i="1" noProof="0" smtClean="0">
-                        <a:latin typeface="Cambria Math" panose="02040503050406030204" pitchFamily="18" charset="0"/>
-                        <a:ea typeface="Cambria Math" panose="02040503050406030204" pitchFamily="18" charset="0"/>
-                        <a:cs typeface="Times New Roman" panose="02020603050405020304" pitchFamily="18" charset="0"/>
-                      </a:rPr>
-                      <m:t>𝐸</m:t>
-                    </m:r>
-                    <m:r>
-                      <a:rPr lang="fr-FR" b="0" i="1" noProof="0" smtClean="0">
-                        <a:latin typeface="Cambria Math" panose="02040503050406030204" pitchFamily="18" charset="0"/>
-                        <a:ea typeface="Cambria Math" panose="02040503050406030204" pitchFamily="18" charset="0"/>
-                        <a:cs typeface="Times New Roman" panose="02020603050405020304" pitchFamily="18" charset="0"/>
-                      </a:rPr>
-                      <m:t>,</m:t>
-                    </m:r>
-                    <m:r>
-                      <a:rPr lang="fr-FR" b="0" i="1" noProof="0" smtClean="0">
-                        <a:latin typeface="Cambria Math" panose="02040503050406030204" pitchFamily="18" charset="0"/>
-                        <a:ea typeface="Cambria Math" panose="02040503050406030204" pitchFamily="18" charset="0"/>
-                        <a:cs typeface="Times New Roman" panose="02020603050405020304" pitchFamily="18" charset="0"/>
-                      </a:rPr>
-                      <m:t>𝑅</m:t>
-                    </m:r>
-                    <m:r>
-                      <a:rPr lang="fr-FR" b="0" i="1" noProof="0" smtClean="0">
-                        <a:latin typeface="Cambria Math" panose="02040503050406030204" pitchFamily="18" charset="0"/>
-                        <a:ea typeface="Cambria Math" panose="02040503050406030204" pitchFamily="18" charset="0"/>
-                        <a:cs typeface="Times New Roman" panose="02020603050405020304" pitchFamily="18" charset="0"/>
-                      </a:rPr>
-                      <m:t>,</m:t>
-                    </m:r>
-                    <m:r>
-                      <a:rPr lang="fr-FR" b="0" i="1" noProof="0" smtClean="0">
-                        <a:latin typeface="Cambria Math" panose="02040503050406030204" pitchFamily="18" charset="0"/>
-                        <a:ea typeface="Cambria Math" panose="02040503050406030204" pitchFamily="18" charset="0"/>
-                        <a:cs typeface="Times New Roman" panose="02020603050405020304" pitchFamily="18" charset="0"/>
-                      </a:rPr>
-                      <m:t>𝑈</m:t>
-                    </m:r>
-                    <m:r>
-                      <a:rPr lang="fr-FR" b="0" i="1" noProof="0" smtClean="0">
-                        <a:latin typeface="Cambria Math" panose="02040503050406030204" pitchFamily="18" charset="0"/>
-                        <a:ea typeface="Cambria Math" panose="02040503050406030204" pitchFamily="18" charset="0"/>
-                        <a:cs typeface="Times New Roman" panose="02020603050405020304" pitchFamily="18" charset="0"/>
-                      </a:rPr>
-                      <m:t>]</m:t>
-                    </m:r>
-                  </m:oMath>
-                </a14:m>
-                <a:r>
-                  <a:rPr lang="fr-FR" noProof="0" dirty="0">
-                    <a:latin typeface="Times New Roman" panose="02020603050405020304" pitchFamily="18" charset="0"/>
-                    <a:cs typeface="Times New Roman" panose="02020603050405020304" pitchFamily="18" charset="0"/>
-                  </a:rPr>
-                  <a:t> [</a:t>
-                </a:r>
-                <a:r>
-                  <a:rPr lang="fr-FR" i="1" noProof="0" dirty="0">
-                    <a:latin typeface="Times New Roman" panose="02020603050405020304" pitchFamily="18" charset="0"/>
-                    <a:cs typeface="Times New Roman" panose="02020603050405020304" pitchFamily="18" charset="0"/>
-                  </a:rPr>
-                  <a:t>poids égale</a:t>
-                </a:r>
-                <a:r>
-                  <a:rPr lang="fr-FR" noProof="0" dirty="0">
-                    <a:latin typeface="Times New Roman" panose="02020603050405020304" pitchFamily="18" charset="0"/>
-                    <a:cs typeface="Times New Roman" panose="02020603050405020304" pitchFamily="18" charset="0"/>
-                  </a:rPr>
-                  <a:t>]</a:t>
-                </a:r>
-              </a:p>
-              <a:p>
-                <a:r>
-                  <a:rPr lang="fr-FR" dirty="0">
-                    <a:latin typeface="Times New Roman" panose="02020603050405020304" pitchFamily="18" charset="0"/>
-                    <a:cs typeface="Times New Roman" panose="02020603050405020304" pitchFamily="18" charset="0"/>
-                  </a:rPr>
-                  <a:t>Sous la contrainte de poids minimal </a:t>
-                </a:r>
-                <a14:m>
-                  <m:oMath xmlns:m="http://schemas.openxmlformats.org/officeDocument/2006/math">
-                    <m:r>
-                      <a:rPr lang="fr-FR" i="1" smtClean="0">
-                        <a:latin typeface="Cambria Math" panose="02040503050406030204" pitchFamily="18" charset="0"/>
-                        <a:ea typeface="Cambria Math" panose="02040503050406030204" pitchFamily="18" charset="0"/>
-                        <a:cs typeface="Times New Roman" panose="02020603050405020304" pitchFamily="18" charset="0"/>
-                      </a:rPr>
-                      <m:t>→</m:t>
-                    </m:r>
-                    <m:r>
-                      <a:rPr lang="fr-FR" b="0" i="1" smtClean="0">
-                        <a:latin typeface="Cambria Math" panose="02040503050406030204" pitchFamily="18" charset="0"/>
-                        <a:ea typeface="Cambria Math" panose="02040503050406030204" pitchFamily="18" charset="0"/>
-                        <a:cs typeface="Times New Roman" panose="02020603050405020304" pitchFamily="18" charset="0"/>
-                      </a:rPr>
-                      <m:t> </m:t>
-                    </m:r>
-                    <m:r>
-                      <a:rPr lang="fr-FR" b="0" i="1" smtClean="0">
-                        <a:latin typeface="Cambria Math" panose="02040503050406030204" pitchFamily="18" charset="0"/>
-                        <a:ea typeface="Cambria Math" panose="02040503050406030204" pitchFamily="18" charset="0"/>
-                        <a:cs typeface="Times New Roman" panose="02020603050405020304" pitchFamily="18" charset="0"/>
-                      </a:rPr>
-                      <m:t>𝛼</m:t>
-                    </m:r>
-                    <m:r>
-                      <a:rPr lang="fr-FR" b="0" i="1" smtClean="0">
-                        <a:latin typeface="Cambria Math" panose="02040503050406030204" pitchFamily="18" charset="0"/>
-                        <a:ea typeface="Cambria Math" panose="02040503050406030204" pitchFamily="18" charset="0"/>
-                        <a:cs typeface="Times New Roman" panose="02020603050405020304" pitchFamily="18" charset="0"/>
-                      </a:rPr>
-                      <m:t> %</m:t>
-                    </m:r>
-                  </m:oMath>
-                </a14:m>
-                <a:r>
-                  <a:rPr lang="fr-FR" noProof="0" dirty="0">
-                    <a:latin typeface="Times New Roman" panose="02020603050405020304" pitchFamily="18" charset="0"/>
-                    <a:cs typeface="Times New Roman" panose="02020603050405020304" pitchFamily="18" charset="0"/>
-                  </a:rPr>
-                  <a:t> </a:t>
-                </a:r>
-              </a:p>
-            </p:txBody>
-          </p:sp>
-        </mc:Choice>
-        <mc:Fallback>
-          <p:sp>
-            <p:nvSpPr>
-              <p:cNvPr id="29" name="TextBox 28">
-                <a:extLst>
-                  <a:ext uri="{FF2B5EF4-FFF2-40B4-BE49-F238E27FC236}">
-                    <a16:creationId xmlns:a16="http://schemas.microsoft.com/office/drawing/2014/main" id="{16F0C38C-ADF0-05C8-AB97-6D861D171C8A}"/>
-                  </a:ext>
-                </a:extLst>
-              </p:cNvPr>
-              <p:cNvSpPr txBox="1">
-                <a:spLocks noRot="1" noChangeAspect="1" noMove="1" noResize="1" noEditPoints="1" noAdjustHandles="1" noChangeArrowheads="1" noChangeShapeType="1" noTextEdit="1"/>
-              </p:cNvSpPr>
-              <p:nvPr/>
-            </p:nvSpPr>
-            <p:spPr>
-              <a:xfrm>
-                <a:off x="340534" y="1920130"/>
-                <a:ext cx="11851465" cy="760465"/>
-              </a:xfrm>
-              <a:prstGeom prst="rect">
-                <a:avLst/>
-              </a:prstGeom>
-              <a:blipFill>
-                <a:blip r:embed="rId4"/>
-                <a:stretch>
-                  <a:fillRect l="-463" t="-64800" b="-65600"/>
-                </a:stretch>
-              </a:blipFill>
-            </p:spPr>
-            <p:txBody>
-              <a:bodyPr/>
-              <a:lstStyle/>
-              <a:p>
-                <a:r>
-                  <a:rPr lang="en-GB">
-                    <a:noFill/>
-                  </a:rPr>
-                  <a:t> </a:t>
-                </a:r>
-              </a:p>
-            </p:txBody>
-          </p:sp>
-        </mc:Fallback>
-      </mc:AlternateContent>
-      <p:grpSp>
-        <p:nvGrpSpPr>
-          <p:cNvPr id="50" name="Group 49">
-            <a:extLst>
-              <a:ext uri="{FF2B5EF4-FFF2-40B4-BE49-F238E27FC236}">
-                <a16:creationId xmlns:a16="http://schemas.microsoft.com/office/drawing/2014/main" id="{6D300C5F-060B-A29B-5E63-8AB2F8289D3E}"/>
-              </a:ext>
-            </a:extLst>
-          </p:cNvPr>
-          <p:cNvGrpSpPr/>
-          <p:nvPr/>
-        </p:nvGrpSpPr>
-        <p:grpSpPr>
-          <a:xfrm>
-            <a:off x="510800" y="2794105"/>
-            <a:ext cx="11147231" cy="2621053"/>
-            <a:chOff x="138736" y="2794105"/>
-            <a:chExt cx="11147231" cy="2621053"/>
-          </a:xfrm>
-        </p:grpSpPr>
-        <p:pic>
-          <p:nvPicPr>
-            <p:cNvPr id="16" name="Picture 15">
-              <a:extLst>
-                <a:ext uri="{FF2B5EF4-FFF2-40B4-BE49-F238E27FC236}">
-                  <a16:creationId xmlns:a16="http://schemas.microsoft.com/office/drawing/2014/main" id="{C8511678-E88F-7D51-904A-00D5D2E20854}"/>
-                </a:ext>
-              </a:extLst>
-            </p:cNvPr>
-            <p:cNvPicPr>
-              <a:picLocks noChangeAspect="1"/>
-            </p:cNvPicPr>
-            <p:nvPr/>
-          </p:nvPicPr>
-          <p:blipFill>
-            <a:blip r:embed="rId5"/>
-            <a:stretch>
-              <a:fillRect/>
-            </a:stretch>
-          </p:blipFill>
-          <p:spPr>
-            <a:xfrm>
-              <a:off x="138736" y="2794105"/>
-              <a:ext cx="5957264" cy="2313276"/>
-            </a:xfrm>
-            <a:prstGeom prst="rect">
-              <a:avLst/>
-            </a:prstGeom>
-            <a:ln>
-              <a:solidFill>
-                <a:schemeClr val="tx1"/>
-              </a:solidFill>
-            </a:ln>
-          </p:spPr>
-        </p:pic>
-        <p:pic>
-          <p:nvPicPr>
-            <p:cNvPr id="22" name="Picture 21">
-              <a:extLst>
-                <a:ext uri="{FF2B5EF4-FFF2-40B4-BE49-F238E27FC236}">
-                  <a16:creationId xmlns:a16="http://schemas.microsoft.com/office/drawing/2014/main" id="{E271FBCE-EB1D-54CC-CAFB-7E1DFF99CA2E}"/>
-                </a:ext>
-              </a:extLst>
-            </p:cNvPr>
-            <p:cNvPicPr>
-              <a:picLocks noChangeAspect="1"/>
-            </p:cNvPicPr>
-            <p:nvPr/>
-          </p:nvPicPr>
-          <p:blipFill>
-            <a:blip r:embed="rId6"/>
-            <a:stretch>
-              <a:fillRect/>
-            </a:stretch>
-          </p:blipFill>
-          <p:spPr>
-            <a:xfrm>
-              <a:off x="7525042" y="2794105"/>
-              <a:ext cx="3237914" cy="2313276"/>
-            </a:xfrm>
-            <a:prstGeom prst="rect">
-              <a:avLst/>
-            </a:prstGeom>
-            <a:ln>
-              <a:solidFill>
-                <a:schemeClr val="tx1"/>
-              </a:solidFill>
-            </a:ln>
-          </p:spPr>
-        </p:pic>
-        <p:sp>
-          <p:nvSpPr>
-            <p:cNvPr id="30" name="TextBox 29">
-              <a:extLst>
-                <a:ext uri="{FF2B5EF4-FFF2-40B4-BE49-F238E27FC236}">
-                  <a16:creationId xmlns:a16="http://schemas.microsoft.com/office/drawing/2014/main" id="{F9012EBE-327E-81BA-D0CC-DFFC3A81D06E}"/>
-                </a:ext>
-              </a:extLst>
-            </p:cNvPr>
-            <p:cNvSpPr txBox="1"/>
-            <p:nvPr/>
-          </p:nvSpPr>
-          <p:spPr>
-            <a:xfrm>
-              <a:off x="340534" y="5107381"/>
-              <a:ext cx="5755465" cy="307777"/>
-            </a:xfrm>
-            <a:prstGeom prst="rect">
-              <a:avLst/>
-            </a:prstGeom>
-            <a:noFill/>
-          </p:spPr>
-          <p:txBody>
-            <a:bodyPr wrap="square" rtlCol="0">
-              <a:spAutoFit/>
-            </a:bodyPr>
-            <a:lstStyle/>
-            <a:p>
-              <a:r>
-                <a:rPr lang="fr-FR" sz="1400" b="1" noProof="0" dirty="0">
-                  <a:latin typeface="Times New Roman" panose="02020603050405020304" pitchFamily="18" charset="0"/>
-                  <a:cs typeface="Times New Roman" panose="02020603050405020304" pitchFamily="18" charset="0"/>
-                </a:rPr>
-                <a:t>Figure [] </a:t>
-              </a:r>
-              <a:r>
-                <a:rPr lang="fr-FR" sz="1400" noProof="0" dirty="0">
-                  <a:latin typeface="Times New Roman" panose="02020603050405020304" pitchFamily="18" charset="0"/>
-                  <a:cs typeface="Times New Roman" panose="02020603050405020304" pitchFamily="18" charset="0"/>
-                </a:rPr>
-                <a:t>: </a:t>
-              </a:r>
-            </a:p>
-          </p:txBody>
-        </p:sp>
-        <mc:AlternateContent xmlns:mc="http://schemas.openxmlformats.org/markup-compatibility/2006">
-          <mc:Choice xmlns:a14="http://schemas.microsoft.com/office/drawing/2010/main" Requires="a14">
-            <p:sp>
-              <p:nvSpPr>
-                <p:cNvPr id="31" name="TextBox 30">
-                  <a:extLst>
-                    <a:ext uri="{FF2B5EF4-FFF2-40B4-BE49-F238E27FC236}">
-                      <a16:creationId xmlns:a16="http://schemas.microsoft.com/office/drawing/2014/main" id="{E096CA17-3B37-1EC9-086C-6073F9F0E327}"/>
-                    </a:ext>
-                  </a:extLst>
-                </p:cNvPr>
-                <p:cNvSpPr txBox="1"/>
-                <p:nvPr/>
-              </p:nvSpPr>
-              <p:spPr>
-                <a:xfrm>
-                  <a:off x="7525042" y="5107381"/>
-                  <a:ext cx="3760925" cy="307777"/>
-                </a:xfrm>
-                <a:prstGeom prst="rect">
-                  <a:avLst/>
-                </a:prstGeom>
-                <a:noFill/>
-              </p:spPr>
-              <p:txBody>
-                <a:bodyPr wrap="square" rtlCol="0">
-                  <a:spAutoFit/>
-                </a:bodyPr>
-                <a:lstStyle/>
-                <a:p>
-                  <a:r>
-                    <a:rPr lang="fr-FR" sz="1400" b="1" noProof="0" dirty="0">
-                      <a:latin typeface="Times New Roman" panose="02020603050405020304" pitchFamily="18" charset="0"/>
-                      <a:cs typeface="Times New Roman" panose="02020603050405020304" pitchFamily="18" charset="0"/>
-                    </a:rPr>
-                    <a:t>Figure [] </a:t>
-                  </a:r>
-                  <a:r>
-                    <a:rPr lang="fr-FR" sz="1400" noProof="0" dirty="0">
-                      <a:latin typeface="Times New Roman" panose="02020603050405020304" pitchFamily="18" charset="0"/>
-                      <a:cs typeface="Times New Roman" panose="02020603050405020304" pitchFamily="18" charset="0"/>
-                    </a:rPr>
-                    <a:t>: Résultat d’optimisation </a:t>
-                  </a:r>
-                  <a14:m>
-                    <m:oMath xmlns:m="http://schemas.openxmlformats.org/officeDocument/2006/math">
-                      <m:r>
-                        <a:rPr lang="fr-FR" sz="1400" b="0" i="1" smtClean="0">
-                          <a:latin typeface="Cambria Math" panose="02040503050406030204" pitchFamily="18" charset="0"/>
-                          <a:ea typeface="Cambria Math" panose="02040503050406030204" pitchFamily="18" charset="0"/>
-                          <a:cs typeface="Times New Roman" panose="02020603050405020304" pitchFamily="18" charset="0"/>
-                        </a:rPr>
-                        <m:t>𝛼</m:t>
-                      </m:r>
-                      <m:r>
-                        <a:rPr lang="fr-FR" sz="1400" b="0" i="1" smtClean="0">
-                          <a:latin typeface="Cambria Math" panose="02040503050406030204" pitchFamily="18" charset="0"/>
-                          <a:ea typeface="Cambria Math" panose="02040503050406030204" pitchFamily="18" charset="0"/>
-                          <a:cs typeface="Times New Roman" panose="02020603050405020304" pitchFamily="18" charset="0"/>
-                        </a:rPr>
-                        <m:t>=40%</m:t>
-                      </m:r>
-                    </m:oMath>
-                  </a14:m>
-                  <a:r>
-                    <a:rPr lang="fr-FR" sz="1400" noProof="0" dirty="0">
-                      <a:latin typeface="Times New Roman" panose="02020603050405020304" pitchFamily="18" charset="0"/>
-                      <a:cs typeface="Times New Roman" panose="02020603050405020304" pitchFamily="18" charset="0"/>
-                    </a:rPr>
-                    <a:t>  </a:t>
-                  </a:r>
-                </a:p>
-              </p:txBody>
-            </p:sp>
-          </mc:Choice>
-          <mc:Fallback>
-            <p:sp>
-              <p:nvSpPr>
-                <p:cNvPr id="31" name="TextBox 30">
-                  <a:extLst>
-                    <a:ext uri="{FF2B5EF4-FFF2-40B4-BE49-F238E27FC236}">
-                      <a16:creationId xmlns:a16="http://schemas.microsoft.com/office/drawing/2014/main" id="{E096CA17-3B37-1EC9-086C-6073F9F0E327}"/>
-                    </a:ext>
-                  </a:extLst>
-                </p:cNvPr>
-                <p:cNvSpPr txBox="1">
-                  <a:spLocks noRot="1" noChangeAspect="1" noMove="1" noResize="1" noEditPoints="1" noAdjustHandles="1" noChangeArrowheads="1" noChangeShapeType="1" noTextEdit="1"/>
-                </p:cNvSpPr>
-                <p:nvPr/>
-              </p:nvSpPr>
-              <p:spPr>
-                <a:xfrm>
-                  <a:off x="7525042" y="5107381"/>
-                  <a:ext cx="3760925" cy="307777"/>
-                </a:xfrm>
-                <a:prstGeom prst="rect">
-                  <a:avLst/>
-                </a:prstGeom>
-                <a:blipFill>
-                  <a:blip r:embed="rId7"/>
-                  <a:stretch>
-                    <a:fillRect l="-486" t="-4000" b="-20000"/>
-                  </a:stretch>
-                </a:blipFill>
-              </p:spPr>
-              <p:txBody>
-                <a:bodyPr/>
-                <a:lstStyle/>
-                <a:p>
-                  <a:r>
-                    <a:rPr lang="en-GB">
-                      <a:noFill/>
-                    </a:rPr>
-                    <a:t> </a:t>
-                  </a:r>
-                </a:p>
-              </p:txBody>
-            </p:sp>
-          </mc:Fallback>
-        </mc:AlternateContent>
-      </p:grpSp>
-      <mc:AlternateContent xmlns:mc="http://schemas.openxmlformats.org/markup-compatibility/2006">
-        <mc:Choice xmlns:a14="http://schemas.microsoft.com/office/drawing/2010/main" Requires="a14">
-          <p:sp>
-            <p:nvSpPr>
-              <p:cNvPr id="48" name="TextBox 47">
-                <a:extLst>
-                  <a:ext uri="{FF2B5EF4-FFF2-40B4-BE49-F238E27FC236}">
-                    <a16:creationId xmlns:a16="http://schemas.microsoft.com/office/drawing/2014/main" id="{4BF5205A-C21B-DC10-00D1-30EE1B56E60B}"/>
-                  </a:ext>
-                </a:extLst>
-              </p:cNvPr>
-              <p:cNvSpPr txBox="1"/>
-              <p:nvPr/>
-            </p:nvSpPr>
-            <p:spPr>
-              <a:xfrm>
-                <a:off x="0" y="5585198"/>
-                <a:ext cx="12192000" cy="646331"/>
-              </a:xfrm>
-              <a:prstGeom prst="rect">
-                <a:avLst/>
-              </a:prstGeom>
-              <a:noFill/>
-            </p:spPr>
-            <p:txBody>
-              <a:bodyPr wrap="square" rtlCol="0">
-                <a:spAutoFit/>
-              </a:bodyPr>
-              <a:lstStyle/>
-              <a:p>
-                <a:pPr algn="just"/>
-                <a:r>
-                  <a:rPr lang="fr-FR" noProof="0" dirty="0">
-                    <a:latin typeface="Times New Roman" panose="02020603050405020304" pitchFamily="18" charset="0"/>
-                    <a:cs typeface="Times New Roman" panose="02020603050405020304" pitchFamily="18" charset="0"/>
-                  </a:rPr>
-                  <a:t>Les résultats de simulations avaient permis d’évaluer l’évolution de </a:t>
-                </a:r>
-                <a14:m>
-                  <m:oMath xmlns:m="http://schemas.openxmlformats.org/officeDocument/2006/math">
-                    <m:sSub>
-                      <m:sSubPr>
-                        <m:ctrlPr>
-                          <a:rPr lang="fr-FR" b="0" i="1" smtClean="0">
-                            <a:latin typeface="Cambria Math" panose="02040503050406030204" pitchFamily="18" charset="0"/>
-                            <a:cs typeface="Times New Roman" panose="02020603050405020304" pitchFamily="18" charset="0"/>
-                          </a:rPr>
-                        </m:ctrlPr>
-                      </m:sSubPr>
-                      <m:e>
-                        <m:r>
-                          <a:rPr lang="fr-FR" b="0" i="1" smtClean="0">
-                            <a:latin typeface="Cambria Math" panose="02040503050406030204" pitchFamily="18" charset="0"/>
-                            <a:cs typeface="Times New Roman" panose="02020603050405020304" pitchFamily="18" charset="0"/>
-                          </a:rPr>
-                          <m:t>𝑢</m:t>
-                        </m:r>
-                      </m:e>
-                      <m:sub>
-                        <m:r>
-                          <a:rPr lang="fr-FR" b="0" i="1" smtClean="0">
-                            <a:latin typeface="Cambria Math" panose="02040503050406030204" pitchFamily="18" charset="0"/>
-                            <a:cs typeface="Times New Roman" panose="02020603050405020304" pitchFamily="18" charset="0"/>
-                          </a:rPr>
-                          <m:t>𝑚𝑎𝑥</m:t>
-                        </m:r>
-                      </m:sub>
-                    </m:sSub>
-                  </m:oMath>
-                </a14:m>
-                <a:r>
-                  <a:rPr lang="fr-FR" noProof="0" dirty="0">
-                    <a:latin typeface="Times New Roman" panose="02020603050405020304" pitchFamily="18" charset="0"/>
-                    <a:cs typeface="Times New Roman" panose="02020603050405020304" pitchFamily="18" charset="0"/>
-                  </a:rPr>
-                  <a:t> en fonction des géométries </a:t>
-                </a:r>
-                <a14:m>
-                  <m:oMath xmlns:m="http://schemas.openxmlformats.org/officeDocument/2006/math">
-                    <m:r>
-                      <a:rPr lang="fr-FR" i="1">
-                        <a:latin typeface="Cambria Math" panose="02040503050406030204" pitchFamily="18" charset="0"/>
-                        <a:ea typeface="Cambria Math" panose="02040503050406030204" pitchFamily="18" charset="0"/>
-                        <a:cs typeface="Times New Roman" panose="02020603050405020304" pitchFamily="18" charset="0"/>
-                      </a:rPr>
-                      <m:t>𝛼</m:t>
-                    </m:r>
-                    <m:r>
-                      <a:rPr lang="fr-FR" i="1">
-                        <a:latin typeface="Cambria Math" panose="02040503050406030204" pitchFamily="18" charset="0"/>
-                        <a:ea typeface="Cambria Math" panose="02040503050406030204" pitchFamily="18" charset="0"/>
-                        <a:cs typeface="Times New Roman" panose="02020603050405020304" pitchFamily="18" charset="0"/>
-                      </a:rPr>
-                      <m:t> %</m:t>
-                    </m:r>
-                  </m:oMath>
-                </a14:m>
-                <a:r>
-                  <a:rPr lang="fr-FR" noProof="0" dirty="0">
-                    <a:latin typeface="Times New Roman" panose="02020603050405020304" pitchFamily="18" charset="0"/>
-                    <a:cs typeface="Times New Roman" panose="02020603050405020304" pitchFamily="18" charset="0"/>
-                  </a:rPr>
-                  <a:t>. Un compromis entre réduction de masse et performance en déformation avait été trouvé pour la géométrie </a:t>
-                </a:r>
-                <a14:m>
-                  <m:oMath xmlns:m="http://schemas.openxmlformats.org/officeDocument/2006/math">
-                    <m:r>
-                      <a:rPr lang="fr-FR" i="1">
-                        <a:latin typeface="Cambria Math" panose="02040503050406030204" pitchFamily="18" charset="0"/>
-                        <a:ea typeface="Cambria Math" panose="02040503050406030204" pitchFamily="18" charset="0"/>
-                        <a:cs typeface="Times New Roman" panose="02020603050405020304" pitchFamily="18" charset="0"/>
-                      </a:rPr>
-                      <m:t>𝛼</m:t>
-                    </m:r>
-                    <m:r>
-                      <a:rPr lang="fr-FR" b="0" i="1" smtClean="0">
-                        <a:latin typeface="Cambria Math" panose="02040503050406030204" pitchFamily="18" charset="0"/>
-                        <a:ea typeface="Cambria Math" panose="02040503050406030204" pitchFamily="18" charset="0"/>
-                        <a:cs typeface="Times New Roman" panose="02020603050405020304" pitchFamily="18" charset="0"/>
-                      </a:rPr>
-                      <m:t>=40</m:t>
-                    </m:r>
-                    <m:r>
-                      <a:rPr lang="fr-FR" i="1">
-                        <a:latin typeface="Cambria Math" panose="02040503050406030204" pitchFamily="18" charset="0"/>
-                        <a:ea typeface="Cambria Math" panose="02040503050406030204" pitchFamily="18" charset="0"/>
-                        <a:cs typeface="Times New Roman" panose="02020603050405020304" pitchFamily="18" charset="0"/>
-                      </a:rPr>
-                      <m:t>%</m:t>
-                    </m:r>
-                  </m:oMath>
-                </a14:m>
-                <a:r>
-                  <a:rPr lang="fr-FR" noProof="0" dirty="0">
-                    <a:latin typeface="Times New Roman" panose="02020603050405020304" pitchFamily="18" charset="0"/>
-                    <a:cs typeface="Times New Roman" panose="02020603050405020304" pitchFamily="18" charset="0"/>
-                  </a:rPr>
-                  <a:t>.   </a:t>
-                </a:r>
-              </a:p>
-            </p:txBody>
-          </p:sp>
-        </mc:Choice>
-        <mc:Fallback>
-          <p:sp>
-            <p:nvSpPr>
-              <p:cNvPr id="48" name="TextBox 47">
-                <a:extLst>
-                  <a:ext uri="{FF2B5EF4-FFF2-40B4-BE49-F238E27FC236}">
-                    <a16:creationId xmlns:a16="http://schemas.microsoft.com/office/drawing/2014/main" id="{4BF5205A-C21B-DC10-00D1-30EE1B56E60B}"/>
-                  </a:ext>
-                </a:extLst>
-              </p:cNvPr>
-              <p:cNvSpPr txBox="1">
-                <a:spLocks noRot="1" noChangeAspect="1" noMove="1" noResize="1" noEditPoints="1" noAdjustHandles="1" noChangeArrowheads="1" noChangeShapeType="1" noTextEdit="1"/>
-              </p:cNvSpPr>
-              <p:nvPr/>
-            </p:nvSpPr>
-            <p:spPr>
-              <a:xfrm>
-                <a:off x="0" y="5585198"/>
-                <a:ext cx="12192000" cy="646331"/>
-              </a:xfrm>
-              <a:prstGeom prst="rect">
-                <a:avLst/>
-              </a:prstGeom>
-              <a:blipFill>
-                <a:blip r:embed="rId8"/>
-                <a:stretch>
-                  <a:fillRect l="-400" t="-4717" r="-400" b="-14151"/>
-                </a:stretch>
-              </a:blipFill>
-            </p:spPr>
-            <p:txBody>
-              <a:bodyPr/>
-              <a:lstStyle/>
-              <a:p>
-                <a:r>
-                  <a:rPr lang="en-GB">
-                    <a:noFill/>
-                  </a:rPr>
-                  <a:t> </a:t>
-                </a:r>
-              </a:p>
-            </p:txBody>
-          </p:sp>
-        </mc:Fallback>
-      </mc:AlternateContent>
-      <p:sp>
-        <p:nvSpPr>
-          <p:cNvPr id="49" name="TextBox 48">
-            <a:extLst>
-              <a:ext uri="{FF2B5EF4-FFF2-40B4-BE49-F238E27FC236}">
-                <a16:creationId xmlns:a16="http://schemas.microsoft.com/office/drawing/2014/main" id="{A79242B3-F8EA-94FD-D9D9-2D85B18818DC}"/>
-              </a:ext>
-            </a:extLst>
-          </p:cNvPr>
-          <p:cNvSpPr txBox="1"/>
-          <p:nvPr/>
-        </p:nvSpPr>
-        <p:spPr>
-          <a:xfrm>
-            <a:off x="11091333" y="6550222"/>
-            <a:ext cx="1100667" cy="307777"/>
-          </a:xfrm>
-          <a:prstGeom prst="rect">
-            <a:avLst/>
-          </a:prstGeom>
-          <a:noFill/>
-        </p:spPr>
-        <p:txBody>
-          <a:bodyPr wrap="square" rtlCol="0">
-            <a:spAutoFit/>
-          </a:bodyPr>
-          <a:lstStyle/>
-          <a:p>
-            <a:pPr algn="r"/>
-            <a:r>
-              <a:rPr lang="fr-FR" sz="1400" noProof="0" dirty="0">
-                <a:latin typeface="Times New Roman" panose="02020603050405020304" pitchFamily="18" charset="0"/>
-                <a:cs typeface="Times New Roman" panose="02020603050405020304" pitchFamily="18" charset="0"/>
-              </a:rPr>
-              <a:t>X/Y</a:t>
-            </a:r>
-          </a:p>
-        </p:txBody>
-      </p:sp>
-    </p:spTree>
-    <p:extLst>
-      <p:ext uri="{BB962C8B-B14F-4D97-AF65-F5344CB8AC3E}">
-        <p14:creationId xmlns:p14="http://schemas.microsoft.com/office/powerpoint/2010/main" val="1966793551"/>
-      </p:ext>
-    </p:extLst>
-  </p:cSld>
-  <p:clrMapOvr>
-    <a:masterClrMapping/>
-  </p:clrMapOvr>
-</p:sld>
-</file>
-
 <file path=ppt/slides/slide3.xml><?xml version="1.0" encoding="utf-8"?>
 <p:sld xmlns:a="http://schemas.openxmlformats.org/drawingml/2006/main" xmlns:r="http://schemas.openxmlformats.org/officeDocument/2006/relationships" xmlns:p="http://schemas.openxmlformats.org/presentationml/2006/main">
   <p:cSld>
@@ -28663,8 +30709,8 @@
           </a:p>
         </p:txBody>
       </p:sp>
-      <mc:AlternateContent xmlns:mc="http://schemas.openxmlformats.org/markup-compatibility/2006">
-        <mc:Choice xmlns:a14="http://schemas.microsoft.com/office/drawing/2010/main" Requires="a14">
+      <mc:AlternateContent xmlns:mc="http://schemas.openxmlformats.org/markup-compatibility/2006" xmlns:a14="http://schemas.microsoft.com/office/drawing/2010/main">
+        <mc:Choice Requires="a14">
           <p:sp>
             <p:nvSpPr>
               <p:cNvPr id="11" name="TextBox 10">
@@ -28753,7 +30799,7 @@
             </p:txBody>
           </p:sp>
         </mc:Choice>
-        <mc:Fallback>
+        <mc:Fallback xmlns="">
           <p:sp>
             <p:nvSpPr>
               <p:cNvPr id="11" name="TextBox 10">
@@ -28912,8 +30958,8 @@
           </a:p>
         </p:txBody>
       </p:sp>
-      <mc:AlternateContent xmlns:mc="http://schemas.openxmlformats.org/markup-compatibility/2006">
-        <mc:Choice xmlns:a14="http://schemas.microsoft.com/office/drawing/2010/main" Requires="a14">
+      <mc:AlternateContent xmlns:mc="http://schemas.openxmlformats.org/markup-compatibility/2006" xmlns:a14="http://schemas.microsoft.com/office/drawing/2010/main">
+        <mc:Choice Requires="a14">
           <p:sp>
             <p:nvSpPr>
               <p:cNvPr id="8" name="TextBox 7">
@@ -29011,7 +31057,7 @@
             </p:txBody>
           </p:sp>
         </mc:Choice>
-        <mc:Fallback>
+        <mc:Fallback xmlns="">
           <p:sp>
             <p:nvSpPr>
               <p:cNvPr id="8" name="TextBox 7">
@@ -29145,7 +31191,21 @@
                     <a:latin typeface="Times New Roman" panose="02020603050405020304" pitchFamily="18" charset="0"/>
                     <a:cs typeface="Times New Roman" panose="02020603050405020304" pitchFamily="18" charset="0"/>
                   </a:rPr>
-                  <a:t> (variable d’intérêt). </a:t>
+                  <a:t> (</a:t>
+                </a:r>
+                <a:r>
+                  <a:rPr lang="fr-FR" b="1" dirty="0">
+                    <a:latin typeface="Times New Roman" panose="02020603050405020304" pitchFamily="18" charset="0"/>
+                    <a:cs typeface="Times New Roman" panose="02020603050405020304" pitchFamily="18" charset="0"/>
+                  </a:rPr>
+                  <a:t>variable d’intérêt</a:t>
+                </a:r>
+                <a:r>
+                  <a:rPr lang="fr-FR" dirty="0">
+                    <a:latin typeface="Times New Roman" panose="02020603050405020304" pitchFamily="18" charset="0"/>
+                    <a:cs typeface="Times New Roman" panose="02020603050405020304" pitchFamily="18" charset="0"/>
+                  </a:rPr>
+                  <a:t>). </a:t>
                 </a:r>
               </a:p>
             </p:txBody>
@@ -29227,6 +31287,106 @@
           <a:xfrm>
             <a:off x="3747201" y="2385579"/>
             <a:ext cx="508175" cy="508175"/>
+          </a:xfrm>
+          <a:prstGeom prst="rect">
+            <a:avLst/>
+          </a:prstGeom>
+          <a:noFill/>
+          <a:extLst>
+            <a:ext uri="{909E8E84-426E-40DD-AFC4-6F175D3DCCD1}">
+              <a14:hiddenFill xmlns:a14="http://schemas.microsoft.com/office/drawing/2010/main">
+                <a:solidFill>
+                  <a:srgbClr val="FFFFFF"/>
+                </a:solidFill>
+              </a14:hiddenFill>
+            </a:ext>
+          </a:extLst>
+        </p:spPr>
+      </p:pic>
+      <p:sp>
+        <p:nvSpPr>
+          <p:cNvPr id="2" name="TextBox 1">
+            <a:extLst>
+              <a:ext uri="{FF2B5EF4-FFF2-40B4-BE49-F238E27FC236}">
+                <a16:creationId xmlns:a16="http://schemas.microsoft.com/office/drawing/2014/main" id="{250421EB-6552-6AB6-6F25-DA6377842E5D}"/>
+              </a:ext>
+            </a:extLst>
+          </p:cNvPr>
+          <p:cNvSpPr txBox="1"/>
+          <p:nvPr/>
+        </p:nvSpPr>
+        <p:spPr>
+          <a:xfrm>
+            <a:off x="-1" y="4964316"/>
+            <a:ext cx="12192000" cy="646331"/>
+          </a:xfrm>
+          <a:prstGeom prst="rect">
+            <a:avLst/>
+          </a:prstGeom>
+          <a:noFill/>
+        </p:spPr>
+        <p:txBody>
+          <a:bodyPr wrap="square" rtlCol="0">
+            <a:spAutoFit/>
+          </a:bodyPr>
+          <a:lstStyle/>
+          <a:p>
+            <a:pPr algn="just"/>
+            <a:r>
+              <a:rPr lang="fr-FR" noProof="0" dirty="0">
+                <a:latin typeface="Times New Roman" panose="02020603050405020304" pitchFamily="18" charset="0"/>
+                <a:cs typeface="Times New Roman" panose="02020603050405020304" pitchFamily="18" charset="0"/>
+              </a:rPr>
+              <a:t>Afin de rester cohérent avec le précédent travail, les simulations numériques de ce projet seront réalisées à l’aide </a:t>
+            </a:r>
+            <a:r>
+              <a:rPr lang="fr-FR" b="1" noProof="0" dirty="0">
+                <a:latin typeface="Times New Roman" panose="02020603050405020304" pitchFamily="18" charset="0"/>
+                <a:cs typeface="Times New Roman" panose="02020603050405020304" pitchFamily="18" charset="0"/>
+              </a:rPr>
+              <a:t>d’Ansys Mechanical</a:t>
+            </a:r>
+            <a:r>
+              <a:rPr lang="fr-FR" noProof="0" dirty="0">
+                <a:latin typeface="Times New Roman" panose="02020603050405020304" pitchFamily="18" charset="0"/>
+                <a:cs typeface="Times New Roman" panose="02020603050405020304" pitchFamily="18" charset="0"/>
+              </a:rPr>
+              <a:t> version étudiante (i.e., limité en nombre de nœuds). </a:t>
+            </a:r>
+          </a:p>
+        </p:txBody>
+      </p:sp>
+      <p:pic>
+        <p:nvPicPr>
+          <p:cNvPr id="1026" name="Picture 2">
+            <a:extLst>
+              <a:ext uri="{FF2B5EF4-FFF2-40B4-BE49-F238E27FC236}">
+                <a16:creationId xmlns:a16="http://schemas.microsoft.com/office/drawing/2014/main" id="{C8CA877A-7DDE-FEB7-24D0-9EE0DFAC3ACC}"/>
+              </a:ext>
+            </a:extLst>
+          </p:cNvPr>
+          <p:cNvPicPr>
+            <a:picLocks noChangeAspect="1" noChangeArrowheads="1"/>
+          </p:cNvPicPr>
+          <p:nvPr/>
+        </p:nvPicPr>
+        <p:blipFill>
+          <a:blip r:embed="rId8">
+            <a:extLst>
+              <a:ext uri="{28A0092B-C50C-407E-A947-70E740481C1C}">
+                <a14:useLocalDpi xmlns:a14="http://schemas.microsoft.com/office/drawing/2010/main" val="0"/>
+              </a:ext>
+            </a:extLst>
+          </a:blip>
+          <a:srcRect/>
+          <a:stretch>
+            <a:fillRect/>
+          </a:stretch>
+        </p:blipFill>
+        <p:spPr bwMode="auto">
+          <a:xfrm>
+            <a:off x="1004709" y="5836339"/>
+            <a:ext cx="1581544" cy="511206"/>
           </a:xfrm>
           <a:prstGeom prst="rect">
             <a:avLst/>
@@ -29572,8 +31732,8 @@
           </a:p>
         </p:txBody>
       </p:sp>
-      <mc:AlternateContent xmlns:mc="http://schemas.openxmlformats.org/markup-compatibility/2006">
-        <mc:Choice xmlns:a14="http://schemas.microsoft.com/office/drawing/2010/main" Requires="a14">
+      <mc:AlternateContent xmlns:mc="http://schemas.openxmlformats.org/markup-compatibility/2006" xmlns:a14="http://schemas.microsoft.com/office/drawing/2010/main">
+        <mc:Choice Requires="a14">
           <p:sp>
             <p:nvSpPr>
               <p:cNvPr id="5" name="TextBox 4">
@@ -29917,7 +32077,7 @@
             </p:txBody>
           </p:sp>
         </mc:Choice>
-        <mc:Fallback>
+        <mc:Fallback xmlns="">
           <p:sp>
             <p:nvSpPr>
               <p:cNvPr id="5" name="TextBox 4">
@@ -30009,8 +32169,8 @@
           </a:p>
         </p:txBody>
       </p:sp>
-      <mc:AlternateContent xmlns:mc="http://schemas.openxmlformats.org/markup-compatibility/2006">
-        <mc:Choice xmlns:a14="http://schemas.microsoft.com/office/drawing/2010/main" Requires="a14">
+      <mc:AlternateContent xmlns:mc="http://schemas.openxmlformats.org/markup-compatibility/2006" xmlns:a14="http://schemas.microsoft.com/office/drawing/2010/main">
+        <mc:Choice Requires="a14">
           <p:sp>
             <p:nvSpPr>
               <p:cNvPr id="7" name="TextBox 6">
@@ -30126,7 +32286,7 @@
             </p:txBody>
           </p:sp>
         </mc:Choice>
-        <mc:Fallback>
+        <mc:Fallback xmlns="">
           <p:sp>
             <p:nvSpPr>
               <p:cNvPr id="7" name="TextBox 6">
@@ -30214,8 +32374,8 @@
           </a:fontRef>
         </p:style>
       </p:cxnSp>
-      <mc:AlternateContent xmlns:mc="http://schemas.openxmlformats.org/markup-compatibility/2006">
-        <mc:Choice xmlns:a14="http://schemas.microsoft.com/office/drawing/2010/main" Requires="a14">
+      <mc:AlternateContent xmlns:mc="http://schemas.openxmlformats.org/markup-compatibility/2006" xmlns:a14="http://schemas.microsoft.com/office/drawing/2010/main">
+        <mc:Choice Requires="a14">
           <p:sp>
             <p:nvSpPr>
               <p:cNvPr id="11" name="TextBox 10">
@@ -30707,7 +32867,7 @@
             </p:txBody>
           </p:sp>
         </mc:Choice>
-        <mc:Fallback>
+        <mc:Fallback xmlns="">
           <p:sp>
             <p:nvSpPr>
               <p:cNvPr id="11" name="TextBox 10">
@@ -30786,7 +32946,21 @@
                 <a:latin typeface="Times New Roman" panose="02020603050405020304" pitchFamily="18" charset="0"/>
                 <a:cs typeface="Times New Roman" panose="02020603050405020304" pitchFamily="18" charset="0"/>
               </a:rPr>
-              <a:t>En se plaçant à l’équilibre statique (</a:t>
+              <a:t>En se plaçant à </a:t>
+            </a:r>
+            <a:r>
+              <a:rPr lang="fr-FR" b="1" noProof="0" dirty="0">
+                <a:latin typeface="Times New Roman" panose="02020603050405020304" pitchFamily="18" charset="0"/>
+                <a:cs typeface="Times New Roman" panose="02020603050405020304" pitchFamily="18" charset="0"/>
+              </a:rPr>
+              <a:t>l’équilibre statique </a:t>
+            </a:r>
+            <a:r>
+              <a:rPr lang="fr-FR" noProof="0" dirty="0">
+                <a:latin typeface="Times New Roman" panose="02020603050405020304" pitchFamily="18" charset="0"/>
+                <a:cs typeface="Times New Roman" panose="02020603050405020304" pitchFamily="18" charset="0"/>
+              </a:rPr>
+              <a:t>(</a:t>
             </a:r>
             <a:r>
               <a:rPr lang="fr-FR" i="1" noProof="0" dirty="0" err="1">
@@ -30867,8 +33041,8 @@
           </a:p>
         </p:txBody>
       </p:sp>
-      <mc:AlternateContent xmlns:mc="http://schemas.openxmlformats.org/markup-compatibility/2006">
-        <mc:Choice xmlns:a14="http://schemas.microsoft.com/office/drawing/2010/main" Requires="a14">
+      <mc:AlternateContent xmlns:mc="http://schemas.openxmlformats.org/markup-compatibility/2006" xmlns:a14="http://schemas.microsoft.com/office/drawing/2010/main">
+        <mc:Choice Requires="a14">
           <p:sp>
             <p:nvSpPr>
               <p:cNvPr id="19" name="TextBox 18">
@@ -31151,7 +33325,7 @@
             </p:txBody>
           </p:sp>
         </mc:Choice>
-        <mc:Fallback>
+        <mc:Fallback xmlns="">
           <p:sp>
             <p:nvSpPr>
               <p:cNvPr id="19" name="TextBox 18">
@@ -31277,8 +33451,8 @@
           </a:p>
         </p:txBody>
       </p:sp>
-      <mc:AlternateContent xmlns:mc="http://schemas.openxmlformats.org/markup-compatibility/2006">
-        <mc:Choice xmlns:a14="http://schemas.microsoft.com/office/drawing/2010/main" Requires="a14">
+      <mc:AlternateContent xmlns:mc="http://schemas.openxmlformats.org/markup-compatibility/2006" xmlns:a14="http://schemas.microsoft.com/office/drawing/2010/main">
+        <mc:Choice Requires="a14">
           <p:sp>
             <p:nvSpPr>
               <p:cNvPr id="24" name="TextBox 23">
@@ -31408,7 +33582,7 @@
             </p:txBody>
           </p:sp>
         </mc:Choice>
-        <mc:Fallback>
+        <mc:Fallback xmlns="">
           <p:sp>
             <p:nvSpPr>
               <p:cNvPr id="24" name="TextBox 23">
@@ -31453,8 +33627,8 @@
           </p:sp>
         </mc:Fallback>
       </mc:AlternateContent>
-      <mc:AlternateContent xmlns:mc="http://schemas.openxmlformats.org/markup-compatibility/2006">
-        <mc:Choice xmlns:a14="http://schemas.microsoft.com/office/drawing/2010/main" Requires="a14">
+      <mc:AlternateContent xmlns:mc="http://schemas.openxmlformats.org/markup-compatibility/2006" xmlns:a14="http://schemas.microsoft.com/office/drawing/2010/main">
+        <mc:Choice Requires="a14">
           <p:sp>
             <p:nvSpPr>
               <p:cNvPr id="25" name="TextBox 24">
@@ -31773,7 +33947,7 @@
             </p:txBody>
           </p:sp>
         </mc:Choice>
-        <mc:Fallback>
+        <mc:Fallback xmlns="">
           <p:sp>
             <p:nvSpPr>
               <p:cNvPr id="25" name="TextBox 24">
@@ -32481,6 +34655,1321 @@
           </a:p>
         </p:txBody>
       </p:sp>
+      <p:pic>
+        <p:nvPicPr>
+          <p:cNvPr id="4" name="Picture 3" descr="A multicolored object with holes&#10;&#10;AI-generated content may be incorrect.">
+            <a:extLst>
+              <a:ext uri="{FF2B5EF4-FFF2-40B4-BE49-F238E27FC236}">
+                <a16:creationId xmlns:a16="http://schemas.microsoft.com/office/drawing/2014/main" id="{53ED0A81-57CD-C16F-8A9A-2BCDAA3F406E}"/>
+              </a:ext>
+            </a:extLst>
+          </p:cNvPr>
+          <p:cNvPicPr>
+            <a:picLocks noChangeAspect="1"/>
+          </p:cNvPicPr>
+          <p:nvPr/>
+        </p:nvPicPr>
+        <p:blipFill>
+          <a:blip r:embed="rId2">
+            <a:extLst>
+              <a:ext uri="{28A0092B-C50C-407E-A947-70E740481C1C}">
+                <a14:useLocalDpi xmlns:a14="http://schemas.microsoft.com/office/drawing/2010/main" val="0"/>
+              </a:ext>
+            </a:extLst>
+          </a:blip>
+          <a:stretch>
+            <a:fillRect/>
+          </a:stretch>
+        </p:blipFill>
+        <p:spPr>
+          <a:xfrm>
+            <a:off x="208104" y="1440592"/>
+            <a:ext cx="4830555" cy="2477979"/>
+          </a:xfrm>
+          <a:prstGeom prst="rect">
+            <a:avLst/>
+          </a:prstGeom>
+        </p:spPr>
+      </p:pic>
+      <mc:AlternateContent xmlns:mc="http://schemas.openxmlformats.org/markup-compatibility/2006">
+        <mc:Choice xmlns:a14="http://schemas.microsoft.com/office/drawing/2010/main" Requires="a14">
+          <p:sp>
+            <p:nvSpPr>
+              <p:cNvPr id="5" name="TextBox 4">
+                <a:extLst>
+                  <a:ext uri="{FF2B5EF4-FFF2-40B4-BE49-F238E27FC236}">
+                    <a16:creationId xmlns:a16="http://schemas.microsoft.com/office/drawing/2014/main" id="{E13FB8D1-D18F-47C7-D1B2-4705A4773972}"/>
+                  </a:ext>
+                </a:extLst>
+              </p:cNvPr>
+              <p:cNvSpPr txBox="1"/>
+              <p:nvPr/>
+            </p:nvSpPr>
+            <p:spPr>
+              <a:xfrm>
+                <a:off x="0" y="627468"/>
+                <a:ext cx="12192000" cy="646331"/>
+              </a:xfrm>
+              <a:prstGeom prst="rect">
+                <a:avLst/>
+              </a:prstGeom>
+              <a:noFill/>
+            </p:spPr>
+            <p:txBody>
+              <a:bodyPr wrap="square" rtlCol="0">
+                <a:spAutoFit/>
+              </a:bodyPr>
+              <a:lstStyle/>
+              <a:p>
+                <a:pPr algn="just"/>
+                <a:r>
+                  <a:rPr lang="fr-FR" noProof="0" dirty="0">
+                    <a:latin typeface="Times New Roman" panose="02020603050405020304" pitchFamily="18" charset="0"/>
+                    <a:cs typeface="Times New Roman" panose="02020603050405020304" pitchFamily="18" charset="0"/>
+                  </a:rPr>
+                  <a:t>La </a:t>
+                </a:r>
+                <a:r>
+                  <a:rPr lang="fr-FR" b="1" noProof="0" dirty="0">
+                    <a:latin typeface="Times New Roman" panose="02020603050405020304" pitchFamily="18" charset="0"/>
+                    <a:cs typeface="Times New Roman" panose="02020603050405020304" pitchFamily="18" charset="0"/>
+                  </a:rPr>
+                  <a:t>vérification de solution </a:t>
+                </a:r>
+                <a:r>
+                  <a:rPr lang="fr-FR" noProof="0" dirty="0">
+                    <a:latin typeface="Times New Roman" panose="02020603050405020304" pitchFamily="18" charset="0"/>
+                    <a:cs typeface="Times New Roman" panose="02020603050405020304" pitchFamily="18" charset="0"/>
+                  </a:rPr>
+                  <a:t>à pour but d’estimer les différentes sources d’erreurs et de quantifier les incertitudes. </a:t>
+                </a:r>
+                <a:endParaRPr lang="fr-FR" dirty="0">
+                  <a:latin typeface="Times New Roman" panose="02020603050405020304" pitchFamily="18" charset="0"/>
+                  <a:cs typeface="Times New Roman" panose="02020603050405020304" pitchFamily="18" charset="0"/>
+                </a:endParaRPr>
+              </a:p>
+              <a:p>
+                <a:pPr algn="just"/>
+                <a:r>
+                  <a:rPr lang="fr-FR" dirty="0">
+                    <a:latin typeface="Times New Roman" panose="02020603050405020304" pitchFamily="18" charset="0"/>
+                    <a:cs typeface="Times New Roman" panose="02020603050405020304" pitchFamily="18" charset="0"/>
+                  </a:rPr>
+                  <a:t>Pour notre étude, on rappelle que </a:t>
+                </a:r>
+                <a14:m>
+                  <m:oMath xmlns:m="http://schemas.openxmlformats.org/officeDocument/2006/math">
+                    <m:sSub>
+                      <m:sSubPr>
+                        <m:ctrlPr>
+                          <a:rPr lang="fr-FR" b="0" i="1" smtClean="0">
+                            <a:latin typeface="Cambria Math" panose="02040503050406030204" pitchFamily="18" charset="0"/>
+                            <a:cs typeface="Times New Roman" panose="02020603050405020304" pitchFamily="18" charset="0"/>
+                          </a:rPr>
+                        </m:ctrlPr>
+                      </m:sSubPr>
+                      <m:e>
+                        <m:r>
+                          <a:rPr lang="fr-FR" b="0" i="1" smtClean="0">
+                            <a:latin typeface="Cambria Math" panose="02040503050406030204" pitchFamily="18" charset="0"/>
+                            <a:cs typeface="Times New Roman" panose="02020603050405020304" pitchFamily="18" charset="0"/>
+                          </a:rPr>
+                          <m:t>𝑢</m:t>
+                        </m:r>
+                      </m:e>
+                      <m:sub>
+                        <m:r>
+                          <a:rPr lang="fr-FR" b="0" i="1" smtClean="0">
+                            <a:latin typeface="Cambria Math" panose="02040503050406030204" pitchFamily="18" charset="0"/>
+                            <a:cs typeface="Times New Roman" panose="02020603050405020304" pitchFamily="18" charset="0"/>
+                          </a:rPr>
+                          <m:t>𝑚𝑎𝑥</m:t>
+                        </m:r>
+                      </m:sub>
+                    </m:sSub>
+                    <m:r>
+                      <a:rPr lang="fr-FR" b="0" i="1" smtClean="0">
+                        <a:latin typeface="Cambria Math" panose="02040503050406030204" pitchFamily="18" charset="0"/>
+                        <a:cs typeface="Times New Roman" panose="02020603050405020304" pitchFamily="18" charset="0"/>
+                      </a:rPr>
+                      <m:t>=</m:t>
+                    </m:r>
+                    <m:r>
+                      <a:rPr lang="fr-FR" b="0" i="1" smtClean="0">
+                        <a:latin typeface="Cambria Math" panose="02040503050406030204" pitchFamily="18" charset="0"/>
+                        <a:cs typeface="Times New Roman" panose="02020603050405020304" pitchFamily="18" charset="0"/>
+                      </a:rPr>
+                      <m:t>𝑆𝑅𝑄</m:t>
+                    </m:r>
+                  </m:oMath>
+                </a14:m>
+                <a:r>
+                  <a:rPr lang="fr-FR" noProof="0" dirty="0">
+                    <a:latin typeface="Times New Roman" panose="02020603050405020304" pitchFamily="18" charset="0"/>
+                    <a:cs typeface="Times New Roman" panose="02020603050405020304" pitchFamily="18" charset="0"/>
+                  </a:rPr>
+                  <a:t>. On se limite au mouvement de </a:t>
+                </a:r>
+                <a:r>
+                  <a:rPr lang="fr-FR" b="1" noProof="0" dirty="0">
+                    <a:latin typeface="Times New Roman" panose="02020603050405020304" pitchFamily="18" charset="0"/>
+                    <a:cs typeface="Times New Roman" panose="02020603050405020304" pitchFamily="18" charset="0"/>
+                  </a:rPr>
+                  <a:t>flexion</a:t>
+                </a:r>
+                <a:r>
+                  <a:rPr lang="fr-FR" noProof="0" dirty="0">
+                    <a:latin typeface="Times New Roman" panose="02020603050405020304" pitchFamily="18" charset="0"/>
+                    <a:cs typeface="Times New Roman" panose="02020603050405020304" pitchFamily="18" charset="0"/>
+                  </a:rPr>
+                  <a:t> avec une force de </a:t>
+                </a:r>
+                <a14:m>
+                  <m:oMath xmlns:m="http://schemas.openxmlformats.org/officeDocument/2006/math">
+                    <m:r>
+                      <a:rPr lang="fr-FR" b="0" i="1" noProof="0" smtClean="0">
+                        <a:latin typeface="Cambria Math" panose="02040503050406030204" pitchFamily="18" charset="0"/>
+                        <a:cs typeface="Times New Roman" panose="02020603050405020304" pitchFamily="18" charset="0"/>
+                      </a:rPr>
+                      <m:t>30 </m:t>
+                    </m:r>
+                    <m:r>
+                      <a:rPr lang="fr-FR" b="0" i="1" noProof="0" smtClean="0">
+                        <a:latin typeface="Cambria Math" panose="02040503050406030204" pitchFamily="18" charset="0"/>
+                        <a:cs typeface="Times New Roman" panose="02020603050405020304" pitchFamily="18" charset="0"/>
+                      </a:rPr>
+                      <m:t>𝑁</m:t>
+                    </m:r>
+                  </m:oMath>
+                </a14:m>
+                <a:r>
+                  <a:rPr lang="fr-FR" noProof="0" dirty="0">
+                    <a:latin typeface="Times New Roman" panose="02020603050405020304" pitchFamily="18" charset="0"/>
+                    <a:cs typeface="Times New Roman" panose="02020603050405020304" pitchFamily="18" charset="0"/>
+                  </a:rPr>
+                  <a:t> dirigée vers le bas.</a:t>
+                </a:r>
+              </a:p>
+            </p:txBody>
+          </p:sp>
+        </mc:Choice>
+        <mc:Fallback>
+          <p:sp>
+            <p:nvSpPr>
+              <p:cNvPr id="5" name="TextBox 4">
+                <a:extLst>
+                  <a:ext uri="{FF2B5EF4-FFF2-40B4-BE49-F238E27FC236}">
+                    <a16:creationId xmlns:a16="http://schemas.microsoft.com/office/drawing/2014/main" id="{E13FB8D1-D18F-47C7-D1B2-4705A4773972}"/>
+                  </a:ext>
+                </a:extLst>
+              </p:cNvPr>
+              <p:cNvSpPr txBox="1">
+                <a:spLocks noRot="1" noChangeAspect="1" noMove="1" noResize="1" noEditPoints="1" noAdjustHandles="1" noChangeArrowheads="1" noChangeShapeType="1" noTextEdit="1"/>
+              </p:cNvSpPr>
+              <p:nvPr/>
+            </p:nvSpPr>
+            <p:spPr>
+              <a:xfrm>
+                <a:off x="0" y="627468"/>
+                <a:ext cx="12192000" cy="646331"/>
+              </a:xfrm>
+              <a:prstGeom prst="rect">
+                <a:avLst/>
+              </a:prstGeom>
+              <a:blipFill>
+                <a:blip r:embed="rId3"/>
+                <a:stretch>
+                  <a:fillRect l="-400" t="-5660" b="-14151"/>
+                </a:stretch>
+              </a:blipFill>
+            </p:spPr>
+            <p:txBody>
+              <a:bodyPr/>
+              <a:lstStyle/>
+              <a:p>
+                <a:r>
+                  <a:rPr lang="en-GB">
+                    <a:noFill/>
+                  </a:rPr>
+                  <a:t> </a:t>
+                </a:r>
+              </a:p>
+            </p:txBody>
+          </p:sp>
+        </mc:Fallback>
+      </mc:AlternateContent>
+      <p:sp>
+        <p:nvSpPr>
+          <p:cNvPr id="6" name="TextBox 5">
+            <a:extLst>
+              <a:ext uri="{FF2B5EF4-FFF2-40B4-BE49-F238E27FC236}">
+                <a16:creationId xmlns:a16="http://schemas.microsoft.com/office/drawing/2014/main" id="{9D3F7280-79FE-6679-FD09-21759D67BD31}"/>
+              </a:ext>
+            </a:extLst>
+          </p:cNvPr>
+          <p:cNvSpPr txBox="1"/>
+          <p:nvPr/>
+        </p:nvSpPr>
+        <p:spPr>
+          <a:xfrm>
+            <a:off x="5568381" y="1440592"/>
+            <a:ext cx="6623619" cy="1200329"/>
+          </a:xfrm>
+          <a:prstGeom prst="rect">
+            <a:avLst/>
+          </a:prstGeom>
+          <a:noFill/>
+        </p:spPr>
+        <p:txBody>
+          <a:bodyPr wrap="square" rtlCol="0">
+            <a:spAutoFit/>
+          </a:bodyPr>
+          <a:lstStyle/>
+          <a:p>
+            <a:pPr marL="342900" indent="-342900" algn="just">
+              <a:buAutoNum type="arabicPeriod"/>
+            </a:pPr>
+            <a:r>
+              <a:rPr lang="fr-FR" b="1" dirty="0">
+                <a:latin typeface="Times New Roman" panose="02020603050405020304" pitchFamily="18" charset="0"/>
+                <a:cs typeface="Times New Roman" panose="02020603050405020304" pitchFamily="18" charset="0"/>
+              </a:rPr>
+              <a:t>Choix du maillage </a:t>
+            </a:r>
+          </a:p>
+          <a:p>
+            <a:pPr algn="just"/>
+            <a:endParaRPr lang="fr-FR" dirty="0">
+              <a:latin typeface="Times New Roman" panose="02020603050405020304" pitchFamily="18" charset="0"/>
+              <a:cs typeface="Times New Roman" panose="02020603050405020304" pitchFamily="18" charset="0"/>
+            </a:endParaRPr>
+          </a:p>
+          <a:p>
+            <a:pPr algn="just"/>
+            <a:r>
+              <a:rPr lang="fr-FR" noProof="0" dirty="0">
+                <a:latin typeface="Times New Roman" panose="02020603050405020304" pitchFamily="18" charset="0"/>
+                <a:cs typeface="Times New Roman" panose="02020603050405020304" pitchFamily="18" charset="0"/>
+              </a:rPr>
+              <a:t>Pour le maillage, nous avons choisi</a:t>
+            </a:r>
+            <a:r>
+              <a:rPr lang="fr-FR" dirty="0">
+                <a:latin typeface="Times New Roman" panose="02020603050405020304" pitchFamily="18" charset="0"/>
+                <a:cs typeface="Times New Roman" panose="02020603050405020304" pitchFamily="18" charset="0"/>
+              </a:rPr>
+              <a:t>s de prendre les fonctions suivantes : </a:t>
+            </a:r>
+            <a:endParaRPr lang="fr-FR" noProof="0" dirty="0">
+              <a:latin typeface="Times New Roman" panose="02020603050405020304" pitchFamily="18" charset="0"/>
+              <a:cs typeface="Times New Roman" panose="02020603050405020304" pitchFamily="18" charset="0"/>
+            </a:endParaRPr>
+          </a:p>
+        </p:txBody>
+      </p:sp>
+      <p:pic>
+        <p:nvPicPr>
+          <p:cNvPr id="8" name="Picture 7">
+            <a:extLst>
+              <a:ext uri="{FF2B5EF4-FFF2-40B4-BE49-F238E27FC236}">
+                <a16:creationId xmlns:a16="http://schemas.microsoft.com/office/drawing/2014/main" id="{8A31FEA3-15F3-A5B2-8631-79D870FD9189}"/>
+              </a:ext>
+            </a:extLst>
+          </p:cNvPr>
+          <p:cNvPicPr>
+            <a:picLocks noChangeAspect="1"/>
+          </p:cNvPicPr>
+          <p:nvPr/>
+        </p:nvPicPr>
+        <p:blipFill>
+          <a:blip r:embed="rId4"/>
+          <a:stretch>
+            <a:fillRect/>
+          </a:stretch>
+        </p:blipFill>
+        <p:spPr>
+          <a:xfrm>
+            <a:off x="5568381" y="3475596"/>
+            <a:ext cx="2162477" cy="885949"/>
+          </a:xfrm>
+          <a:prstGeom prst="rect">
+            <a:avLst/>
+          </a:prstGeom>
+        </p:spPr>
+      </p:pic>
+      <p:sp>
+        <p:nvSpPr>
+          <p:cNvPr id="10" name="TextBox 9">
+            <a:extLst>
+              <a:ext uri="{FF2B5EF4-FFF2-40B4-BE49-F238E27FC236}">
+                <a16:creationId xmlns:a16="http://schemas.microsoft.com/office/drawing/2014/main" id="{FB7FDD76-3978-200B-32AC-62FEBBC52D44}"/>
+              </a:ext>
+            </a:extLst>
+          </p:cNvPr>
+          <p:cNvSpPr txBox="1"/>
+          <p:nvPr/>
+        </p:nvSpPr>
+        <p:spPr>
+          <a:xfrm>
+            <a:off x="8550624" y="2535418"/>
+            <a:ext cx="3641376" cy="646331"/>
+          </a:xfrm>
+          <a:prstGeom prst="rect">
+            <a:avLst/>
+          </a:prstGeom>
+          <a:noFill/>
+        </p:spPr>
+        <p:txBody>
+          <a:bodyPr wrap="square" rtlCol="0">
+            <a:spAutoFit/>
+          </a:bodyPr>
+          <a:lstStyle/>
+          <a:p>
+            <a:pPr algn="just"/>
+            <a:r>
+              <a:rPr lang="fr-FR" noProof="0" dirty="0">
+                <a:latin typeface="Times New Roman" panose="02020603050405020304" pitchFamily="18" charset="0"/>
+                <a:cs typeface="Times New Roman" panose="02020603050405020304" pitchFamily="18" charset="0"/>
+              </a:rPr>
+              <a:t>Impose des </a:t>
+            </a:r>
+            <a:r>
+              <a:rPr lang="fr-FR" b="1" noProof="0" dirty="0">
+                <a:latin typeface="Times New Roman" panose="02020603050405020304" pitchFamily="18" charset="0"/>
+                <a:cs typeface="Times New Roman" panose="02020603050405020304" pitchFamily="18" charset="0"/>
+              </a:rPr>
+              <a:t>éléments d’ordre 2 </a:t>
+            </a:r>
+            <a:r>
+              <a:rPr lang="fr-FR" noProof="0" dirty="0">
+                <a:latin typeface="Times New Roman" panose="02020603050405020304" pitchFamily="18" charset="0"/>
+                <a:cs typeface="Times New Roman" panose="02020603050405020304" pitchFamily="18" charset="0"/>
+              </a:rPr>
+              <a:t>avec un type d’élément automatique. </a:t>
+            </a:r>
+            <a:endParaRPr lang="fr-FR" b="1" noProof="0" dirty="0">
+              <a:latin typeface="Times New Roman" panose="02020603050405020304" pitchFamily="18" charset="0"/>
+              <a:cs typeface="Times New Roman" panose="02020603050405020304" pitchFamily="18" charset="0"/>
+            </a:endParaRPr>
+          </a:p>
+        </p:txBody>
+      </p:sp>
+      <mc:AlternateContent xmlns:mc="http://schemas.openxmlformats.org/markup-compatibility/2006">
+        <mc:Choice xmlns:a14="http://schemas.microsoft.com/office/drawing/2010/main" Requires="a14">
+          <p:sp>
+            <p:nvSpPr>
+              <p:cNvPr id="11" name="TextBox 10">
+                <a:extLst>
+                  <a:ext uri="{FF2B5EF4-FFF2-40B4-BE49-F238E27FC236}">
+                    <a16:creationId xmlns:a16="http://schemas.microsoft.com/office/drawing/2014/main" id="{1A607B03-1BC0-C771-595F-432338076A8B}"/>
+                  </a:ext>
+                </a:extLst>
+              </p:cNvPr>
+              <p:cNvSpPr txBox="1"/>
+              <p:nvPr/>
+            </p:nvSpPr>
+            <p:spPr>
+              <a:xfrm>
+                <a:off x="8550624" y="3237749"/>
+                <a:ext cx="3641376" cy="1200329"/>
+              </a:xfrm>
+              <a:prstGeom prst="rect">
+                <a:avLst/>
+              </a:prstGeom>
+              <a:noFill/>
+            </p:spPr>
+            <p:txBody>
+              <a:bodyPr wrap="square" rtlCol="0">
+                <a:spAutoFit/>
+              </a:bodyPr>
+              <a:lstStyle/>
+              <a:p>
+                <a:pPr algn="just"/>
+                <a:r>
+                  <a:rPr lang="fr-FR" noProof="0" dirty="0">
+                    <a:latin typeface="Times New Roman" panose="02020603050405020304" pitchFamily="18" charset="0"/>
+                    <a:cs typeface="Times New Roman" panose="02020603050405020304" pitchFamily="18" charset="0"/>
+                  </a:rPr>
+                  <a:t>Impose la taille des éléments aux globales de la géométrie </a:t>
+                </a:r>
+                <a14:m>
+                  <m:oMath xmlns:m="http://schemas.openxmlformats.org/officeDocument/2006/math">
+                    <m:r>
+                      <a:rPr lang="fr-FR" i="1" noProof="0" smtClean="0">
+                        <a:latin typeface="Cambria Math" panose="02040503050406030204" pitchFamily="18" charset="0"/>
+                        <a:ea typeface="Cambria Math" panose="02040503050406030204" pitchFamily="18" charset="0"/>
+                        <a:cs typeface="Times New Roman" panose="02020603050405020304" pitchFamily="18" charset="0"/>
+                      </a:rPr>
+                      <m:t>→</m:t>
+                    </m:r>
+                  </m:oMath>
+                </a14:m>
+                <a:r>
+                  <a:rPr lang="fr-FR" b="1" noProof="0" dirty="0">
+                    <a:latin typeface="Times New Roman" panose="02020603050405020304" pitchFamily="18" charset="0"/>
+                    <a:cs typeface="Times New Roman" panose="02020603050405020304" pitchFamily="18" charset="0"/>
+                  </a:rPr>
+                  <a:t> Paramètre fluctuant </a:t>
+                </a:r>
+                <a:r>
+                  <a:rPr lang="fr-FR" noProof="0" dirty="0">
+                    <a:latin typeface="Times New Roman" panose="02020603050405020304" pitchFamily="18" charset="0"/>
+                    <a:cs typeface="Times New Roman" panose="02020603050405020304" pitchFamily="18" charset="0"/>
+                  </a:rPr>
+                  <a:t>entre les différents raffinements. </a:t>
+                </a:r>
+                <a:endParaRPr lang="fr-FR" b="1" noProof="0" dirty="0">
+                  <a:latin typeface="Times New Roman" panose="02020603050405020304" pitchFamily="18" charset="0"/>
+                  <a:cs typeface="Times New Roman" panose="02020603050405020304" pitchFamily="18" charset="0"/>
+                </a:endParaRPr>
+              </a:p>
+            </p:txBody>
+          </p:sp>
+        </mc:Choice>
+        <mc:Fallback>
+          <p:sp>
+            <p:nvSpPr>
+              <p:cNvPr id="11" name="TextBox 10">
+                <a:extLst>
+                  <a:ext uri="{FF2B5EF4-FFF2-40B4-BE49-F238E27FC236}">
+                    <a16:creationId xmlns:a16="http://schemas.microsoft.com/office/drawing/2014/main" id="{1A607B03-1BC0-C771-595F-432338076A8B}"/>
+                  </a:ext>
+                </a:extLst>
+              </p:cNvPr>
+              <p:cNvSpPr txBox="1">
+                <a:spLocks noRot="1" noChangeAspect="1" noMove="1" noResize="1" noEditPoints="1" noAdjustHandles="1" noChangeArrowheads="1" noChangeShapeType="1" noTextEdit="1"/>
+              </p:cNvSpPr>
+              <p:nvPr/>
+            </p:nvSpPr>
+            <p:spPr>
+              <a:xfrm>
+                <a:off x="8550624" y="3237749"/>
+                <a:ext cx="3641376" cy="1200329"/>
+              </a:xfrm>
+              <a:prstGeom prst="rect">
+                <a:avLst/>
+              </a:prstGeom>
+              <a:blipFill>
+                <a:blip r:embed="rId5"/>
+                <a:stretch>
+                  <a:fillRect l="-1508" t="-2538" r="-1340" b="-7107"/>
+                </a:stretch>
+              </a:blipFill>
+            </p:spPr>
+            <p:txBody>
+              <a:bodyPr/>
+              <a:lstStyle/>
+              <a:p>
+                <a:r>
+                  <a:rPr lang="en-GB">
+                    <a:noFill/>
+                  </a:rPr>
+                  <a:t> </a:t>
+                </a:r>
+              </a:p>
+            </p:txBody>
+          </p:sp>
+        </mc:Fallback>
+      </mc:AlternateContent>
+      <p:sp>
+        <p:nvSpPr>
+          <p:cNvPr id="12" name="TextBox 11">
+            <a:extLst>
+              <a:ext uri="{FF2B5EF4-FFF2-40B4-BE49-F238E27FC236}">
+                <a16:creationId xmlns:a16="http://schemas.microsoft.com/office/drawing/2014/main" id="{EEF1FBAD-7C20-C706-E6A5-B20EBC80F0F6}"/>
+              </a:ext>
+            </a:extLst>
+          </p:cNvPr>
+          <p:cNvSpPr txBox="1"/>
+          <p:nvPr/>
+        </p:nvSpPr>
+        <p:spPr>
+          <a:xfrm>
+            <a:off x="8550624" y="4494078"/>
+            <a:ext cx="3641376" cy="923330"/>
+          </a:xfrm>
+          <a:prstGeom prst="rect">
+            <a:avLst/>
+          </a:prstGeom>
+          <a:noFill/>
+        </p:spPr>
+        <p:txBody>
+          <a:bodyPr wrap="square" rtlCol="0">
+            <a:spAutoFit/>
+          </a:bodyPr>
+          <a:lstStyle/>
+          <a:p>
+            <a:pPr algn="just"/>
+            <a:r>
+              <a:rPr lang="fr-FR" noProof="0" dirty="0">
+                <a:latin typeface="Times New Roman" panose="02020603050405020304" pitchFamily="18" charset="0"/>
+                <a:cs typeface="Times New Roman" panose="02020603050405020304" pitchFamily="18" charset="0"/>
+              </a:rPr>
+              <a:t>Impose un raffinement de maillage sur les faces qui reçoivent les </a:t>
+            </a:r>
+            <a:r>
+              <a:rPr lang="fr-FR" b="1" noProof="0" dirty="0">
+                <a:latin typeface="Times New Roman" panose="02020603050405020304" pitchFamily="18" charset="0"/>
+                <a:cs typeface="Times New Roman" panose="02020603050405020304" pitchFamily="18" charset="0"/>
+              </a:rPr>
+              <a:t>conditions aux limites </a:t>
+            </a:r>
+            <a:r>
+              <a:rPr lang="fr-FR" noProof="0" dirty="0">
+                <a:latin typeface="Times New Roman" panose="02020603050405020304" pitchFamily="18" charset="0"/>
+                <a:cs typeface="Times New Roman" panose="02020603050405020304" pitchFamily="18" charset="0"/>
+              </a:rPr>
+              <a:t>de Neumann. </a:t>
+            </a:r>
+            <a:endParaRPr lang="fr-FR" b="1" noProof="0" dirty="0">
+              <a:latin typeface="Times New Roman" panose="02020603050405020304" pitchFamily="18" charset="0"/>
+              <a:cs typeface="Times New Roman" panose="02020603050405020304" pitchFamily="18" charset="0"/>
+            </a:endParaRPr>
+          </a:p>
+        </p:txBody>
+      </p:sp>
+      <p:cxnSp>
+        <p:nvCxnSpPr>
+          <p:cNvPr id="13" name="Straight Arrow Connector 12">
+            <a:extLst>
+              <a:ext uri="{FF2B5EF4-FFF2-40B4-BE49-F238E27FC236}">
+                <a16:creationId xmlns:a16="http://schemas.microsoft.com/office/drawing/2014/main" id="{D49B9546-9E06-3F1B-67AE-CDE54685608B}"/>
+              </a:ext>
+            </a:extLst>
+          </p:cNvPr>
+          <p:cNvCxnSpPr>
+            <a:cxnSpLocks/>
+          </p:cNvCxnSpPr>
+          <p:nvPr/>
+        </p:nvCxnSpPr>
+        <p:spPr>
+          <a:xfrm flipV="1">
+            <a:off x="7730858" y="2907161"/>
+            <a:ext cx="732072" cy="907579"/>
+          </a:xfrm>
+          <a:prstGeom prst="straightConnector1">
+            <a:avLst/>
+          </a:prstGeom>
+          <a:ln>
+            <a:tailEnd type="triangle"/>
+          </a:ln>
+        </p:spPr>
+        <p:style>
+          <a:lnRef idx="2">
+            <a:schemeClr val="dk1"/>
+          </a:lnRef>
+          <a:fillRef idx="0">
+            <a:schemeClr val="dk1"/>
+          </a:fillRef>
+          <a:effectRef idx="1">
+            <a:schemeClr val="dk1"/>
+          </a:effectRef>
+          <a:fontRef idx="minor">
+            <a:schemeClr val="tx1"/>
+          </a:fontRef>
+        </p:style>
+      </p:cxnSp>
+      <p:cxnSp>
+        <p:nvCxnSpPr>
+          <p:cNvPr id="16" name="Straight Arrow Connector 15">
+            <a:extLst>
+              <a:ext uri="{FF2B5EF4-FFF2-40B4-BE49-F238E27FC236}">
+                <a16:creationId xmlns:a16="http://schemas.microsoft.com/office/drawing/2014/main" id="{80972539-C73D-4278-5BF7-104942B2DDC7}"/>
+              </a:ext>
+            </a:extLst>
+          </p:cNvPr>
+          <p:cNvCxnSpPr>
+            <a:cxnSpLocks/>
+          </p:cNvCxnSpPr>
+          <p:nvPr/>
+        </p:nvCxnSpPr>
+        <p:spPr>
+          <a:xfrm>
+            <a:off x="7730858" y="4035972"/>
+            <a:ext cx="517661" cy="0"/>
+          </a:xfrm>
+          <a:prstGeom prst="straightConnector1">
+            <a:avLst/>
+          </a:prstGeom>
+          <a:ln>
+            <a:tailEnd type="triangle"/>
+          </a:ln>
+        </p:spPr>
+        <p:style>
+          <a:lnRef idx="2">
+            <a:schemeClr val="dk1"/>
+          </a:lnRef>
+          <a:fillRef idx="0">
+            <a:schemeClr val="dk1"/>
+          </a:fillRef>
+          <a:effectRef idx="1">
+            <a:schemeClr val="dk1"/>
+          </a:effectRef>
+          <a:fontRef idx="minor">
+            <a:schemeClr val="tx1"/>
+          </a:fontRef>
+        </p:style>
+      </p:cxnSp>
+      <p:cxnSp>
+        <p:nvCxnSpPr>
+          <p:cNvPr id="22" name="Straight Arrow Connector 21">
+            <a:extLst>
+              <a:ext uri="{FF2B5EF4-FFF2-40B4-BE49-F238E27FC236}">
+                <a16:creationId xmlns:a16="http://schemas.microsoft.com/office/drawing/2014/main" id="{5F64B1CF-78E3-E145-2A94-E4E959096099}"/>
+              </a:ext>
+            </a:extLst>
+          </p:cNvPr>
+          <p:cNvCxnSpPr>
+            <a:cxnSpLocks/>
+          </p:cNvCxnSpPr>
+          <p:nvPr/>
+        </p:nvCxnSpPr>
+        <p:spPr>
+          <a:xfrm>
+            <a:off x="7730858" y="4257205"/>
+            <a:ext cx="732072" cy="907579"/>
+          </a:xfrm>
+          <a:prstGeom prst="straightConnector1">
+            <a:avLst/>
+          </a:prstGeom>
+          <a:ln>
+            <a:tailEnd type="triangle"/>
+          </a:ln>
+        </p:spPr>
+        <p:style>
+          <a:lnRef idx="2">
+            <a:schemeClr val="dk1"/>
+          </a:lnRef>
+          <a:fillRef idx="0">
+            <a:schemeClr val="dk1"/>
+          </a:fillRef>
+          <a:effectRef idx="1">
+            <a:schemeClr val="dk1"/>
+          </a:effectRef>
+          <a:fontRef idx="minor">
+            <a:schemeClr val="tx1"/>
+          </a:fontRef>
+        </p:style>
+      </p:cxnSp>
+      <p:pic>
+        <p:nvPicPr>
+          <p:cNvPr id="25" name="Picture 24">
+            <a:extLst>
+              <a:ext uri="{FF2B5EF4-FFF2-40B4-BE49-F238E27FC236}">
+                <a16:creationId xmlns:a16="http://schemas.microsoft.com/office/drawing/2014/main" id="{33ED872E-179F-A9C0-F2A5-3AD41FFB9EF1}"/>
+              </a:ext>
+            </a:extLst>
+          </p:cNvPr>
+          <p:cNvPicPr>
+            <a:picLocks noChangeAspect="1"/>
+          </p:cNvPicPr>
+          <p:nvPr/>
+        </p:nvPicPr>
+        <p:blipFill>
+          <a:blip r:embed="rId6"/>
+          <a:stretch>
+            <a:fillRect/>
+          </a:stretch>
+        </p:blipFill>
+        <p:spPr>
+          <a:xfrm>
+            <a:off x="1004424" y="4158206"/>
+            <a:ext cx="3237914" cy="2313276"/>
+          </a:xfrm>
+          <a:prstGeom prst="rect">
+            <a:avLst/>
+          </a:prstGeom>
+          <a:ln>
+            <a:solidFill>
+              <a:schemeClr val="tx1"/>
+            </a:solidFill>
+          </a:ln>
+        </p:spPr>
+      </p:pic>
+      <p:cxnSp>
+        <p:nvCxnSpPr>
+          <p:cNvPr id="26" name="Straight Arrow Connector 25">
+            <a:extLst>
+              <a:ext uri="{FF2B5EF4-FFF2-40B4-BE49-F238E27FC236}">
+                <a16:creationId xmlns:a16="http://schemas.microsoft.com/office/drawing/2014/main" id="{24747122-5B36-739F-9F5D-A25E30C5894E}"/>
+              </a:ext>
+            </a:extLst>
+          </p:cNvPr>
+          <p:cNvCxnSpPr>
+            <a:cxnSpLocks/>
+          </p:cNvCxnSpPr>
+          <p:nvPr/>
+        </p:nvCxnSpPr>
+        <p:spPr>
+          <a:xfrm>
+            <a:off x="3979716" y="5372124"/>
+            <a:ext cx="0" cy="415159"/>
+          </a:xfrm>
+          <a:prstGeom prst="straightConnector1">
+            <a:avLst/>
+          </a:prstGeom>
+          <a:ln w="38100">
+            <a:solidFill>
+              <a:srgbClr val="C00000"/>
+            </a:solidFill>
+            <a:tailEnd type="triangle"/>
+          </a:ln>
+        </p:spPr>
+        <p:style>
+          <a:lnRef idx="2">
+            <a:schemeClr val="dk1"/>
+          </a:lnRef>
+          <a:fillRef idx="0">
+            <a:schemeClr val="dk1"/>
+          </a:fillRef>
+          <a:effectRef idx="1">
+            <a:schemeClr val="dk1"/>
+          </a:effectRef>
+          <a:fontRef idx="minor">
+            <a:schemeClr val="tx1"/>
+          </a:fontRef>
+        </p:style>
+      </p:cxnSp>
+      <p:cxnSp>
+        <p:nvCxnSpPr>
+          <p:cNvPr id="29" name="Straight Connector 28">
+            <a:extLst>
+              <a:ext uri="{FF2B5EF4-FFF2-40B4-BE49-F238E27FC236}">
+                <a16:creationId xmlns:a16="http://schemas.microsoft.com/office/drawing/2014/main" id="{ED3FFF44-1763-2C72-B7EF-4BAA1E20308F}"/>
+              </a:ext>
+            </a:extLst>
+          </p:cNvPr>
+          <p:cNvCxnSpPr/>
+          <p:nvPr/>
+        </p:nvCxnSpPr>
+        <p:spPr>
+          <a:xfrm>
+            <a:off x="1260803" y="4512704"/>
+            <a:ext cx="0" cy="920706"/>
+          </a:xfrm>
+          <a:prstGeom prst="line">
+            <a:avLst/>
+          </a:prstGeom>
+          <a:ln w="38100">
+            <a:solidFill>
+              <a:srgbClr val="BAE2F4"/>
+            </a:solidFill>
+          </a:ln>
+        </p:spPr>
+        <p:style>
+          <a:lnRef idx="2">
+            <a:schemeClr val="accent1"/>
+          </a:lnRef>
+          <a:fillRef idx="0">
+            <a:schemeClr val="accent1"/>
+          </a:fillRef>
+          <a:effectRef idx="1">
+            <a:schemeClr val="accent1"/>
+          </a:effectRef>
+          <a:fontRef idx="minor">
+            <a:schemeClr val="tx1"/>
+          </a:fontRef>
+        </p:style>
+      </p:cxnSp>
+      <p:cxnSp>
+        <p:nvCxnSpPr>
+          <p:cNvPr id="30" name="Straight Connector 29">
+            <a:extLst>
+              <a:ext uri="{FF2B5EF4-FFF2-40B4-BE49-F238E27FC236}">
+                <a16:creationId xmlns:a16="http://schemas.microsoft.com/office/drawing/2014/main" id="{ED17C5F0-368F-E284-A61A-C3045C6891D1}"/>
+              </a:ext>
+            </a:extLst>
+          </p:cNvPr>
+          <p:cNvCxnSpPr>
+            <a:cxnSpLocks/>
+          </p:cNvCxnSpPr>
+          <p:nvPr/>
+        </p:nvCxnSpPr>
+        <p:spPr>
+          <a:xfrm flipH="1">
+            <a:off x="1061106" y="4524375"/>
+            <a:ext cx="199697" cy="197835"/>
+          </a:xfrm>
+          <a:prstGeom prst="line">
+            <a:avLst/>
+          </a:prstGeom>
+          <a:ln w="38100">
+            <a:solidFill>
+              <a:srgbClr val="BAE2F4"/>
+            </a:solidFill>
+          </a:ln>
+        </p:spPr>
+        <p:style>
+          <a:lnRef idx="2">
+            <a:schemeClr val="accent1"/>
+          </a:lnRef>
+          <a:fillRef idx="0">
+            <a:schemeClr val="accent1"/>
+          </a:fillRef>
+          <a:effectRef idx="1">
+            <a:schemeClr val="accent1"/>
+          </a:effectRef>
+          <a:fontRef idx="minor">
+            <a:schemeClr val="tx1"/>
+          </a:fontRef>
+        </p:style>
+      </p:cxnSp>
+      <p:cxnSp>
+        <p:nvCxnSpPr>
+          <p:cNvPr id="32" name="Straight Connector 31">
+            <a:extLst>
+              <a:ext uri="{FF2B5EF4-FFF2-40B4-BE49-F238E27FC236}">
+                <a16:creationId xmlns:a16="http://schemas.microsoft.com/office/drawing/2014/main" id="{EBF41D9D-82DF-C3F4-5E79-9F90515FE944}"/>
+              </a:ext>
+            </a:extLst>
+          </p:cNvPr>
+          <p:cNvCxnSpPr>
+            <a:cxnSpLocks/>
+          </p:cNvCxnSpPr>
+          <p:nvPr/>
+        </p:nvCxnSpPr>
+        <p:spPr>
+          <a:xfrm flipH="1">
+            <a:off x="1061106" y="4655004"/>
+            <a:ext cx="199697" cy="197835"/>
+          </a:xfrm>
+          <a:prstGeom prst="line">
+            <a:avLst/>
+          </a:prstGeom>
+          <a:ln w="38100">
+            <a:solidFill>
+              <a:srgbClr val="BAE2F4"/>
+            </a:solidFill>
+          </a:ln>
+        </p:spPr>
+        <p:style>
+          <a:lnRef idx="2">
+            <a:schemeClr val="accent1"/>
+          </a:lnRef>
+          <a:fillRef idx="0">
+            <a:schemeClr val="accent1"/>
+          </a:fillRef>
+          <a:effectRef idx="1">
+            <a:schemeClr val="accent1"/>
+          </a:effectRef>
+          <a:fontRef idx="minor">
+            <a:schemeClr val="tx1"/>
+          </a:fontRef>
+        </p:style>
+      </p:cxnSp>
+      <p:cxnSp>
+        <p:nvCxnSpPr>
+          <p:cNvPr id="33" name="Straight Connector 32">
+            <a:extLst>
+              <a:ext uri="{FF2B5EF4-FFF2-40B4-BE49-F238E27FC236}">
+                <a16:creationId xmlns:a16="http://schemas.microsoft.com/office/drawing/2014/main" id="{485B08DD-0A2D-7F00-A27D-0359CCD8796F}"/>
+              </a:ext>
+            </a:extLst>
+          </p:cNvPr>
+          <p:cNvCxnSpPr>
+            <a:cxnSpLocks/>
+          </p:cNvCxnSpPr>
+          <p:nvPr/>
+        </p:nvCxnSpPr>
+        <p:spPr>
+          <a:xfrm flipH="1">
+            <a:off x="1061106" y="4785633"/>
+            <a:ext cx="199697" cy="197835"/>
+          </a:xfrm>
+          <a:prstGeom prst="line">
+            <a:avLst/>
+          </a:prstGeom>
+          <a:ln w="38100">
+            <a:solidFill>
+              <a:srgbClr val="BAE2F4"/>
+            </a:solidFill>
+          </a:ln>
+        </p:spPr>
+        <p:style>
+          <a:lnRef idx="2">
+            <a:schemeClr val="accent1"/>
+          </a:lnRef>
+          <a:fillRef idx="0">
+            <a:schemeClr val="accent1"/>
+          </a:fillRef>
+          <a:effectRef idx="1">
+            <a:schemeClr val="accent1"/>
+          </a:effectRef>
+          <a:fontRef idx="minor">
+            <a:schemeClr val="tx1"/>
+          </a:fontRef>
+        </p:style>
+      </p:cxnSp>
+      <p:cxnSp>
+        <p:nvCxnSpPr>
+          <p:cNvPr id="34" name="Straight Connector 33">
+            <a:extLst>
+              <a:ext uri="{FF2B5EF4-FFF2-40B4-BE49-F238E27FC236}">
+                <a16:creationId xmlns:a16="http://schemas.microsoft.com/office/drawing/2014/main" id="{0B4B6C7C-6463-E2E8-72B3-5CFE5A079E3B}"/>
+              </a:ext>
+            </a:extLst>
+          </p:cNvPr>
+          <p:cNvCxnSpPr>
+            <a:cxnSpLocks/>
+          </p:cNvCxnSpPr>
+          <p:nvPr/>
+        </p:nvCxnSpPr>
+        <p:spPr>
+          <a:xfrm flipH="1">
+            <a:off x="1061106" y="4916262"/>
+            <a:ext cx="199697" cy="197835"/>
+          </a:xfrm>
+          <a:prstGeom prst="line">
+            <a:avLst/>
+          </a:prstGeom>
+          <a:ln w="38100">
+            <a:solidFill>
+              <a:srgbClr val="BAE2F4"/>
+            </a:solidFill>
+          </a:ln>
+        </p:spPr>
+        <p:style>
+          <a:lnRef idx="2">
+            <a:schemeClr val="accent1"/>
+          </a:lnRef>
+          <a:fillRef idx="0">
+            <a:schemeClr val="accent1"/>
+          </a:fillRef>
+          <a:effectRef idx="1">
+            <a:schemeClr val="accent1"/>
+          </a:effectRef>
+          <a:fontRef idx="minor">
+            <a:schemeClr val="tx1"/>
+          </a:fontRef>
+        </p:style>
+      </p:cxnSp>
+      <p:cxnSp>
+        <p:nvCxnSpPr>
+          <p:cNvPr id="35" name="Straight Connector 34">
+            <a:extLst>
+              <a:ext uri="{FF2B5EF4-FFF2-40B4-BE49-F238E27FC236}">
+                <a16:creationId xmlns:a16="http://schemas.microsoft.com/office/drawing/2014/main" id="{03D955B2-F219-8CB6-1E53-3AA6415D6650}"/>
+              </a:ext>
+            </a:extLst>
+          </p:cNvPr>
+          <p:cNvCxnSpPr>
+            <a:cxnSpLocks/>
+          </p:cNvCxnSpPr>
+          <p:nvPr/>
+        </p:nvCxnSpPr>
+        <p:spPr>
+          <a:xfrm flipH="1">
+            <a:off x="1061106" y="5046891"/>
+            <a:ext cx="199697" cy="197835"/>
+          </a:xfrm>
+          <a:prstGeom prst="line">
+            <a:avLst/>
+          </a:prstGeom>
+          <a:ln w="38100">
+            <a:solidFill>
+              <a:srgbClr val="BAE2F4"/>
+            </a:solidFill>
+          </a:ln>
+        </p:spPr>
+        <p:style>
+          <a:lnRef idx="2">
+            <a:schemeClr val="accent1"/>
+          </a:lnRef>
+          <a:fillRef idx="0">
+            <a:schemeClr val="accent1"/>
+          </a:fillRef>
+          <a:effectRef idx="1">
+            <a:schemeClr val="accent1"/>
+          </a:effectRef>
+          <a:fontRef idx="minor">
+            <a:schemeClr val="tx1"/>
+          </a:fontRef>
+        </p:style>
+      </p:cxnSp>
+      <p:cxnSp>
+        <p:nvCxnSpPr>
+          <p:cNvPr id="37" name="Straight Connector 36">
+            <a:extLst>
+              <a:ext uri="{FF2B5EF4-FFF2-40B4-BE49-F238E27FC236}">
+                <a16:creationId xmlns:a16="http://schemas.microsoft.com/office/drawing/2014/main" id="{16D7FD71-B1AD-0F14-A6E2-E849307A4B3A}"/>
+              </a:ext>
+            </a:extLst>
+          </p:cNvPr>
+          <p:cNvCxnSpPr>
+            <a:cxnSpLocks/>
+          </p:cNvCxnSpPr>
+          <p:nvPr/>
+        </p:nvCxnSpPr>
+        <p:spPr>
+          <a:xfrm flipH="1">
+            <a:off x="1061106" y="5177520"/>
+            <a:ext cx="199697" cy="197835"/>
+          </a:xfrm>
+          <a:prstGeom prst="line">
+            <a:avLst/>
+          </a:prstGeom>
+          <a:ln w="38100">
+            <a:solidFill>
+              <a:srgbClr val="BAE2F4"/>
+            </a:solidFill>
+          </a:ln>
+        </p:spPr>
+        <p:style>
+          <a:lnRef idx="2">
+            <a:schemeClr val="accent1"/>
+          </a:lnRef>
+          <a:fillRef idx="0">
+            <a:schemeClr val="accent1"/>
+          </a:fillRef>
+          <a:effectRef idx="1">
+            <a:schemeClr val="accent1"/>
+          </a:effectRef>
+          <a:fontRef idx="minor">
+            <a:schemeClr val="tx1"/>
+          </a:fontRef>
+        </p:style>
+      </p:cxnSp>
+      <p:cxnSp>
+        <p:nvCxnSpPr>
+          <p:cNvPr id="38" name="Straight Connector 37">
+            <a:extLst>
+              <a:ext uri="{FF2B5EF4-FFF2-40B4-BE49-F238E27FC236}">
+                <a16:creationId xmlns:a16="http://schemas.microsoft.com/office/drawing/2014/main" id="{8618A658-E824-26F7-2526-3280361FFBE8}"/>
+              </a:ext>
+            </a:extLst>
+          </p:cNvPr>
+          <p:cNvCxnSpPr>
+            <a:cxnSpLocks/>
+          </p:cNvCxnSpPr>
+          <p:nvPr/>
+        </p:nvCxnSpPr>
+        <p:spPr>
+          <a:xfrm flipH="1">
+            <a:off x="1061106" y="5438775"/>
+            <a:ext cx="199697" cy="197835"/>
+          </a:xfrm>
+          <a:prstGeom prst="line">
+            <a:avLst/>
+          </a:prstGeom>
+          <a:ln w="38100">
+            <a:solidFill>
+              <a:srgbClr val="BAE2F4"/>
+            </a:solidFill>
+          </a:ln>
+        </p:spPr>
+        <p:style>
+          <a:lnRef idx="2">
+            <a:schemeClr val="accent1"/>
+          </a:lnRef>
+          <a:fillRef idx="0">
+            <a:schemeClr val="accent1"/>
+          </a:fillRef>
+          <a:effectRef idx="1">
+            <a:schemeClr val="accent1"/>
+          </a:effectRef>
+          <a:fontRef idx="minor">
+            <a:schemeClr val="tx1"/>
+          </a:fontRef>
+        </p:style>
+      </p:cxnSp>
+      <p:cxnSp>
+        <p:nvCxnSpPr>
+          <p:cNvPr id="40" name="Straight Connector 39">
+            <a:extLst>
+              <a:ext uri="{FF2B5EF4-FFF2-40B4-BE49-F238E27FC236}">
+                <a16:creationId xmlns:a16="http://schemas.microsoft.com/office/drawing/2014/main" id="{CC554D35-7624-2528-FD55-5AD0D0D02370}"/>
+              </a:ext>
+            </a:extLst>
+          </p:cNvPr>
+          <p:cNvCxnSpPr>
+            <a:cxnSpLocks/>
+          </p:cNvCxnSpPr>
+          <p:nvPr/>
+        </p:nvCxnSpPr>
+        <p:spPr>
+          <a:xfrm flipH="1">
+            <a:off x="1061106" y="5308149"/>
+            <a:ext cx="199697" cy="197835"/>
+          </a:xfrm>
+          <a:prstGeom prst="line">
+            <a:avLst/>
+          </a:prstGeom>
+          <a:ln w="38100">
+            <a:solidFill>
+              <a:srgbClr val="BAE2F4"/>
+            </a:solidFill>
+          </a:ln>
+        </p:spPr>
+        <p:style>
+          <a:lnRef idx="2">
+            <a:schemeClr val="accent1"/>
+          </a:lnRef>
+          <a:fillRef idx="0">
+            <a:schemeClr val="accent1"/>
+          </a:fillRef>
+          <a:effectRef idx="1">
+            <a:schemeClr val="accent1"/>
+          </a:effectRef>
+          <a:fontRef idx="minor">
+            <a:schemeClr val="tx1"/>
+          </a:fontRef>
+        </p:style>
+      </p:cxnSp>
+      <p:sp>
+        <p:nvSpPr>
+          <p:cNvPr id="41" name="TextBox 40">
+            <a:extLst>
+              <a:ext uri="{FF2B5EF4-FFF2-40B4-BE49-F238E27FC236}">
+                <a16:creationId xmlns:a16="http://schemas.microsoft.com/office/drawing/2014/main" id="{DFB335B7-5A67-A708-9BF0-15568CAD7AA8}"/>
+              </a:ext>
+            </a:extLst>
+          </p:cNvPr>
+          <p:cNvSpPr txBox="1"/>
+          <p:nvPr/>
+        </p:nvSpPr>
+        <p:spPr>
+          <a:xfrm>
+            <a:off x="5568380" y="5828384"/>
+            <a:ext cx="6623619" cy="646331"/>
+          </a:xfrm>
+          <a:prstGeom prst="rect">
+            <a:avLst/>
+          </a:prstGeom>
+          <a:noFill/>
+        </p:spPr>
+        <p:txBody>
+          <a:bodyPr wrap="square" rtlCol="0">
+            <a:spAutoFit/>
+          </a:bodyPr>
+          <a:lstStyle/>
+          <a:p>
+            <a:pPr algn="just"/>
+            <a:r>
+              <a:rPr lang="fr-FR" noProof="0" dirty="0">
+                <a:latin typeface="Times New Roman" panose="02020603050405020304" pitchFamily="18" charset="0"/>
+                <a:cs typeface="Times New Roman" panose="02020603050405020304" pitchFamily="18" charset="0"/>
+              </a:rPr>
+              <a:t>Il y a 2 conditions aux limites : une force appliquée à une surface et une condition de support fixe bloquant les degrès de libertés. </a:t>
+            </a:r>
+            <a:endParaRPr lang="fr-FR" b="1" noProof="0" dirty="0">
+              <a:latin typeface="Times New Roman" panose="02020603050405020304" pitchFamily="18" charset="0"/>
+              <a:cs typeface="Times New Roman" panose="02020603050405020304" pitchFamily="18" charset="0"/>
+            </a:endParaRPr>
+          </a:p>
+        </p:txBody>
+      </p:sp>
+      <mc:AlternateContent xmlns:mc="http://schemas.openxmlformats.org/markup-compatibility/2006">
+        <mc:Choice xmlns:a14="http://schemas.microsoft.com/office/drawing/2010/main" Requires="a14">
+          <p:sp>
+            <p:nvSpPr>
+              <p:cNvPr id="42" name="TextBox 41">
+                <a:extLst>
+                  <a:ext uri="{FF2B5EF4-FFF2-40B4-BE49-F238E27FC236}">
+                    <a16:creationId xmlns:a16="http://schemas.microsoft.com/office/drawing/2014/main" id="{2585DC19-B449-1015-A282-9C33F7EDCA40}"/>
+                  </a:ext>
+                </a:extLst>
+              </p:cNvPr>
+              <p:cNvSpPr txBox="1"/>
+              <p:nvPr/>
+            </p:nvSpPr>
+            <p:spPr>
+              <a:xfrm>
+                <a:off x="3885276" y="5315707"/>
+                <a:ext cx="476506" cy="380553"/>
+              </a:xfrm>
+              <a:prstGeom prst="rect">
+                <a:avLst/>
+              </a:prstGeom>
+              <a:noFill/>
+            </p:spPr>
+            <p:txBody>
+              <a:bodyPr wrap="square" rtlCol="0">
+                <a:spAutoFit/>
+              </a:bodyPr>
+              <a:lstStyle/>
+              <a:p>
+                <a:pPr algn="just"/>
+                <a14:m>
+                  <m:oMathPara xmlns:m="http://schemas.openxmlformats.org/officeDocument/2006/math">
+                    <m:oMathParaPr>
+                      <m:jc m:val="centerGroup"/>
+                    </m:oMathParaPr>
+                    <m:oMath xmlns:m="http://schemas.openxmlformats.org/officeDocument/2006/math">
+                      <m:bar>
+                        <m:barPr>
+                          <m:ctrlPr>
+                            <a:rPr lang="fr-FR" i="1">
+                              <a:latin typeface="Cambria Math" panose="02040503050406030204" pitchFamily="18" charset="0"/>
+                              <a:ea typeface="Cambria Math" panose="02040503050406030204" pitchFamily="18" charset="0"/>
+                            </a:rPr>
+                          </m:ctrlPr>
+                        </m:barPr>
+                        <m:e>
+                          <m:r>
+                            <a:rPr lang="fr-FR" b="0" i="1" smtClean="0">
+                              <a:latin typeface="Cambria Math" panose="02040503050406030204" pitchFamily="18" charset="0"/>
+                              <a:ea typeface="Cambria Math" panose="02040503050406030204" pitchFamily="18" charset="0"/>
+                            </a:rPr>
+                            <m:t>𝐹</m:t>
+                          </m:r>
+                        </m:e>
+                      </m:bar>
+                    </m:oMath>
+                  </m:oMathPara>
+                </a14:m>
+                <a:endParaRPr lang="fr-FR" b="0" noProof="0" dirty="0">
+                  <a:latin typeface="Times New Roman" panose="02020603050405020304" pitchFamily="18" charset="0"/>
+                  <a:ea typeface="Cambria Math" panose="02040503050406030204" pitchFamily="18" charset="0"/>
+                </a:endParaRPr>
+              </a:p>
+            </p:txBody>
+          </p:sp>
+        </mc:Choice>
+        <mc:Fallback>
+          <p:sp>
+            <p:nvSpPr>
+              <p:cNvPr id="42" name="TextBox 41">
+                <a:extLst>
+                  <a:ext uri="{FF2B5EF4-FFF2-40B4-BE49-F238E27FC236}">
+                    <a16:creationId xmlns:a16="http://schemas.microsoft.com/office/drawing/2014/main" id="{2585DC19-B449-1015-A282-9C33F7EDCA40}"/>
+                  </a:ext>
+                </a:extLst>
+              </p:cNvPr>
+              <p:cNvSpPr txBox="1">
+                <a:spLocks noRot="1" noChangeAspect="1" noMove="1" noResize="1" noEditPoints="1" noAdjustHandles="1" noChangeArrowheads="1" noChangeShapeType="1" noTextEdit="1"/>
+              </p:cNvSpPr>
+              <p:nvPr/>
+            </p:nvSpPr>
+            <p:spPr>
+              <a:xfrm>
+                <a:off x="3885276" y="5315707"/>
+                <a:ext cx="476506" cy="380553"/>
+              </a:xfrm>
+              <a:prstGeom prst="rect">
+                <a:avLst/>
+              </a:prstGeom>
+              <a:blipFill>
+                <a:blip r:embed="rId7"/>
+                <a:stretch>
+                  <a:fillRect/>
+                </a:stretch>
+              </a:blipFill>
+            </p:spPr>
+            <p:txBody>
+              <a:bodyPr/>
+              <a:lstStyle/>
+              <a:p>
+                <a:r>
+                  <a:rPr lang="en-GB">
+                    <a:noFill/>
+                  </a:rPr>
+                  <a:t> </a:t>
+                </a:r>
+              </a:p>
+            </p:txBody>
+          </p:sp>
+        </mc:Fallback>
+      </mc:AlternateContent>
     </p:spTree>
     <p:extLst>
       <p:ext uri="{BB962C8B-B14F-4D97-AF65-F5344CB8AC3E}">
@@ -32502,7 +35991,7 @@
         <p:cNvPr id="1" name="">
           <a:extLst>
             <a:ext uri="{FF2B5EF4-FFF2-40B4-BE49-F238E27FC236}">
-              <a16:creationId xmlns:a16="http://schemas.microsoft.com/office/drawing/2014/main" id="{917E2C5C-9376-0033-9C53-61F5C64A7F61}"/>
+              <a16:creationId xmlns:a16="http://schemas.microsoft.com/office/drawing/2014/main" id="{623F8313-9F80-4532-5AC1-238C9A2F1872}"/>
             </a:ext>
           </a:extLst>
         </p:cNvPr>
@@ -32522,7 +36011,7 @@
           <p:cNvPr id="36" name="Rectangle 35">
             <a:extLst>
               <a:ext uri="{FF2B5EF4-FFF2-40B4-BE49-F238E27FC236}">
-                <a16:creationId xmlns:a16="http://schemas.microsoft.com/office/drawing/2014/main" id="{4F11203A-FE15-B754-26DE-191D2C37475A}"/>
+                <a16:creationId xmlns:a16="http://schemas.microsoft.com/office/drawing/2014/main" id="{F19D0D5B-6B77-955C-4207-02574A420E43}"/>
               </a:ext>
             </a:extLst>
           </p:cNvPr>
@@ -32574,7 +36063,7 @@
           <p:cNvPr id="9" name="TextBox 8">
             <a:extLst>
               <a:ext uri="{FF2B5EF4-FFF2-40B4-BE49-F238E27FC236}">
-                <a16:creationId xmlns:a16="http://schemas.microsoft.com/office/drawing/2014/main" id="{C9B5B16C-1DB0-E947-93DF-D6622677A8E5}"/>
+                <a16:creationId xmlns:a16="http://schemas.microsoft.com/office/drawing/2014/main" id="{2D29A8BD-2791-1AC8-62D9-5F930E1F874F}"/>
               </a:ext>
             </a:extLst>
           </p:cNvPr>
@@ -32606,7 +36095,7 @@
                 <a:latin typeface="Times New Roman" panose="02020603050405020304" pitchFamily="18" charset="0"/>
                 <a:cs typeface="Times New Roman" panose="02020603050405020304" pitchFamily="18" charset="0"/>
               </a:rPr>
-              <a:t>PROPAGATION DES INCERTITUDES</a:t>
+              <a:t>VERIFICATION DE SOLUTION</a:t>
             </a:r>
           </a:p>
         </p:txBody>
@@ -32616,7 +36105,7 @@
           <p:cNvPr id="39" name="Rectangle 38">
             <a:extLst>
               <a:ext uri="{FF2B5EF4-FFF2-40B4-BE49-F238E27FC236}">
-                <a16:creationId xmlns:a16="http://schemas.microsoft.com/office/drawing/2014/main" id="{452CEAA3-6F3C-6440-794D-5FA1832BCAFE}"/>
+                <a16:creationId xmlns:a16="http://schemas.microsoft.com/office/drawing/2014/main" id="{F7D7F64B-A86E-3E76-9425-91F21151A8B3}"/>
               </a:ext>
             </a:extLst>
           </p:cNvPr>
@@ -32668,7 +36157,7 @@
           <p:cNvPr id="2" name="TextBox 1">
             <a:extLst>
               <a:ext uri="{FF2B5EF4-FFF2-40B4-BE49-F238E27FC236}">
-                <a16:creationId xmlns:a16="http://schemas.microsoft.com/office/drawing/2014/main" id="{0042AAB7-5C77-4BBB-D2D5-854226AC3ED2}"/>
+                <a16:creationId xmlns:a16="http://schemas.microsoft.com/office/drawing/2014/main" id="{188995BB-87D3-4E19-E9A8-C9C69BA1D256}"/>
               </a:ext>
             </a:extLst>
           </p:cNvPr>
@@ -32702,10 +36191,506 @@
           </a:p>
         </p:txBody>
       </p:sp>
+      <p:sp>
+        <p:nvSpPr>
+          <p:cNvPr id="5" name="TextBox 4">
+            <a:extLst>
+              <a:ext uri="{FF2B5EF4-FFF2-40B4-BE49-F238E27FC236}">
+                <a16:creationId xmlns:a16="http://schemas.microsoft.com/office/drawing/2014/main" id="{D2931CAA-5B1D-3DB8-5405-0EBED6E73DDA}"/>
+              </a:ext>
+            </a:extLst>
+          </p:cNvPr>
+          <p:cNvSpPr txBox="1"/>
+          <p:nvPr/>
+        </p:nvSpPr>
+        <p:spPr>
+          <a:xfrm>
+            <a:off x="0" y="627468"/>
+            <a:ext cx="12192000" cy="1200329"/>
+          </a:xfrm>
+          <a:prstGeom prst="rect">
+            <a:avLst/>
+          </a:prstGeom>
+          <a:noFill/>
+        </p:spPr>
+        <p:txBody>
+          <a:bodyPr wrap="square" rtlCol="0">
+            <a:spAutoFit/>
+          </a:bodyPr>
+          <a:lstStyle/>
+          <a:p>
+            <a:pPr algn="just"/>
+            <a:r>
+              <a:rPr lang="fr-FR" b="1" noProof="0" dirty="0">
+                <a:latin typeface="Times New Roman" panose="02020603050405020304" pitchFamily="18" charset="0"/>
+                <a:cs typeface="Times New Roman" panose="02020603050405020304" pitchFamily="18" charset="0"/>
+              </a:rPr>
+              <a:t>2. Résultats</a:t>
+            </a:r>
+          </a:p>
+          <a:p>
+            <a:pPr algn="just"/>
+            <a:endParaRPr lang="fr-FR" dirty="0">
+              <a:latin typeface="Times New Roman" panose="02020603050405020304" pitchFamily="18" charset="0"/>
+              <a:cs typeface="Times New Roman" panose="02020603050405020304" pitchFamily="18" charset="0"/>
+            </a:endParaRPr>
+          </a:p>
+          <a:p>
+            <a:pPr algn="just"/>
+            <a:r>
+              <a:rPr lang="fr-FR" noProof="0" dirty="0">
+                <a:latin typeface="Times New Roman" panose="02020603050405020304" pitchFamily="18" charset="0"/>
+                <a:cs typeface="Times New Roman" panose="02020603050405020304" pitchFamily="18" charset="0"/>
+              </a:rPr>
+              <a:t>Une fois les différentes simulations réalisées avec un maillage de plus en plus fin (i.e., jusqu’à la limite de la licence</a:t>
+            </a:r>
+            <a:r>
+              <a:rPr lang="fr-FR" dirty="0">
+                <a:latin typeface="Times New Roman" panose="02020603050405020304" pitchFamily="18" charset="0"/>
+                <a:cs typeface="Times New Roman" panose="02020603050405020304" pitchFamily="18" charset="0"/>
+              </a:rPr>
+              <a:t>), nous obtenons le graphique post-traiter à l’aide de Python suivant : </a:t>
+            </a:r>
+            <a:r>
+              <a:rPr lang="fr-FR" noProof="0" dirty="0">
+                <a:latin typeface="Times New Roman" panose="02020603050405020304" pitchFamily="18" charset="0"/>
+                <a:cs typeface="Times New Roman" panose="02020603050405020304" pitchFamily="18" charset="0"/>
+              </a:rPr>
+              <a:t> </a:t>
+            </a:r>
+          </a:p>
+        </p:txBody>
+      </p:sp>
+      <p:pic>
+        <p:nvPicPr>
+          <p:cNvPr id="7" name="Picture 6">
+            <a:extLst>
+              <a:ext uri="{FF2B5EF4-FFF2-40B4-BE49-F238E27FC236}">
+                <a16:creationId xmlns:a16="http://schemas.microsoft.com/office/drawing/2014/main" id="{4C33A69A-4ABB-390F-8D1C-5D58AB9AF2C3}"/>
+              </a:ext>
+            </a:extLst>
+          </p:cNvPr>
+          <p:cNvPicPr>
+            <a:picLocks noChangeAspect="1"/>
+          </p:cNvPicPr>
+          <p:nvPr/>
+        </p:nvPicPr>
+        <p:blipFill>
+          <a:blip r:embed="rId2"/>
+          <a:stretch>
+            <a:fillRect/>
+          </a:stretch>
+        </p:blipFill>
+        <p:spPr>
+          <a:xfrm>
+            <a:off x="501349" y="1858989"/>
+            <a:ext cx="4559249" cy="3490576"/>
+          </a:xfrm>
+          <a:prstGeom prst="rect">
+            <a:avLst/>
+          </a:prstGeom>
+        </p:spPr>
+      </p:pic>
+      <mc:AlternateContent xmlns:mc="http://schemas.openxmlformats.org/markup-compatibility/2006">
+        <mc:Choice xmlns:a14="http://schemas.microsoft.com/office/drawing/2010/main" Requires="a14">
+          <p:sp>
+            <p:nvSpPr>
+              <p:cNvPr id="8" name="TextBox 7">
+                <a:extLst>
+                  <a:ext uri="{FF2B5EF4-FFF2-40B4-BE49-F238E27FC236}">
+                    <a16:creationId xmlns:a16="http://schemas.microsoft.com/office/drawing/2014/main" id="{A3FB3464-F9D7-F388-8CA4-20C652C808AB}"/>
+                  </a:ext>
+                </a:extLst>
+              </p:cNvPr>
+              <p:cNvSpPr txBox="1"/>
+              <p:nvPr/>
+            </p:nvSpPr>
+            <p:spPr>
+              <a:xfrm>
+                <a:off x="5568381" y="1994590"/>
+                <a:ext cx="6623619" cy="2862322"/>
+              </a:xfrm>
+              <a:prstGeom prst="rect">
+                <a:avLst/>
+              </a:prstGeom>
+              <a:noFill/>
+            </p:spPr>
+            <p:txBody>
+              <a:bodyPr wrap="square" rtlCol="0">
+                <a:spAutoFit/>
+              </a:bodyPr>
+              <a:lstStyle/>
+              <a:p>
+                <a:pPr algn="just"/>
+                <a:r>
+                  <a:rPr lang="fr-FR" noProof="0" dirty="0">
+                    <a:latin typeface="Times New Roman" panose="02020603050405020304" pitchFamily="18" charset="0"/>
+                    <a:cs typeface="Times New Roman" panose="02020603050405020304" pitchFamily="18" charset="0"/>
+                  </a:rPr>
+                  <a:t>On remarque qu’à mesure que l’on raffine le maillage (i.e. éléments de tailles plus petites), on a une augmentation de la </a:t>
+                </a:r>
+                <a14:m>
+                  <m:oMath xmlns:m="http://schemas.openxmlformats.org/officeDocument/2006/math">
+                    <m:r>
+                      <a:rPr lang="fr-FR" b="0" i="1" noProof="0" smtClean="0">
+                        <a:latin typeface="Cambria Math" panose="02040503050406030204" pitchFamily="18" charset="0"/>
+                        <a:cs typeface="Times New Roman" panose="02020603050405020304" pitchFamily="18" charset="0"/>
+                      </a:rPr>
+                      <m:t>𝑆𝑅𝑄</m:t>
+                    </m:r>
+                  </m:oMath>
+                </a14:m>
+                <a:r>
+                  <a:rPr lang="fr-FR" noProof="0" dirty="0">
+                    <a:latin typeface="Times New Roman" panose="02020603050405020304" pitchFamily="18" charset="0"/>
+                    <a:cs typeface="Times New Roman" panose="02020603050405020304" pitchFamily="18" charset="0"/>
+                  </a:rPr>
+                  <a:t>. Cette dernière se stabilise cependant après la taille des éléments soient de </a:t>
+                </a:r>
+                <a14:m>
+                  <m:oMath xmlns:m="http://schemas.openxmlformats.org/officeDocument/2006/math">
+                    <m:r>
+                      <a:rPr lang="fr-FR" b="0" i="1" noProof="0" smtClean="0">
+                        <a:latin typeface="Cambria Math" panose="02040503050406030204" pitchFamily="18" charset="0"/>
+                        <a:cs typeface="Times New Roman" panose="02020603050405020304" pitchFamily="18" charset="0"/>
+                      </a:rPr>
+                      <m:t>4</m:t>
+                    </m:r>
+                    <m:r>
+                      <a:rPr lang="fr-FR" b="0" i="1" noProof="0" smtClean="0">
+                        <a:latin typeface="Cambria Math" panose="02040503050406030204" pitchFamily="18" charset="0"/>
+                        <a:cs typeface="Times New Roman" panose="02020603050405020304" pitchFamily="18" charset="0"/>
+                      </a:rPr>
+                      <m:t>𝑒</m:t>
+                    </m:r>
+                    <m:r>
+                      <a:rPr lang="fr-FR" b="0" i="1" noProof="0" smtClean="0">
+                        <a:latin typeface="Cambria Math" panose="02040503050406030204" pitchFamily="18" charset="0"/>
+                        <a:cs typeface="Times New Roman" panose="02020603050405020304" pitchFamily="18" charset="0"/>
+                      </a:rPr>
+                      <m:t>−3 </m:t>
+                    </m:r>
+                    <m:r>
+                      <a:rPr lang="fr-FR" b="0" i="1" noProof="0" smtClean="0">
+                        <a:latin typeface="Cambria Math" panose="02040503050406030204" pitchFamily="18" charset="0"/>
+                        <a:cs typeface="Times New Roman" panose="02020603050405020304" pitchFamily="18" charset="0"/>
+                      </a:rPr>
+                      <m:t>𝑚</m:t>
+                    </m:r>
+                  </m:oMath>
+                </a14:m>
+                <a:r>
+                  <a:rPr lang="fr-FR" noProof="0" dirty="0">
+                    <a:latin typeface="Times New Roman" panose="02020603050405020304" pitchFamily="18" charset="0"/>
+                    <a:cs typeface="Times New Roman" panose="02020603050405020304" pitchFamily="18" charset="0"/>
+                  </a:rPr>
+                  <a:t>. Il semblerait donc que nous aillons atteint un « plateau ». </a:t>
+                </a:r>
+              </a:p>
+              <a:p>
+                <a:pPr algn="just"/>
+                <a:endParaRPr lang="fr-FR" dirty="0">
+                  <a:latin typeface="Times New Roman" panose="02020603050405020304" pitchFamily="18" charset="0"/>
+                  <a:cs typeface="Times New Roman" panose="02020603050405020304" pitchFamily="18" charset="0"/>
+                </a:endParaRPr>
+              </a:p>
+              <a:p>
+                <a:pPr algn="just"/>
+                <a:r>
+                  <a:rPr lang="fr-FR" noProof="0" dirty="0">
+                    <a:latin typeface="Times New Roman" panose="02020603050405020304" pitchFamily="18" charset="0"/>
+                    <a:cs typeface="Times New Roman" panose="02020603050405020304" pitchFamily="18" charset="0"/>
+                  </a:rPr>
+                  <a:t>Malheureusement limité par la licence, nous n’avons aucune certitude quant à la véracité de ce plateau, seul des hypothèses peuvent donc être émises. </a:t>
+                </a:r>
+              </a:p>
+              <a:p>
+                <a:pPr algn="just"/>
+                <a:endParaRPr lang="fr-FR" dirty="0">
+                  <a:latin typeface="Times New Roman" panose="02020603050405020304" pitchFamily="18" charset="0"/>
+                  <a:cs typeface="Times New Roman" panose="02020603050405020304" pitchFamily="18" charset="0"/>
+                </a:endParaRPr>
+              </a:p>
+              <a:p>
+                <a:pPr algn="just"/>
+                <a:r>
+                  <a:rPr lang="fr-FR" b="1" noProof="0" dirty="0">
+                    <a:highlight>
+                      <a:srgbClr val="FFFF00"/>
+                    </a:highlight>
+                    <a:latin typeface="Times New Roman" panose="02020603050405020304" pitchFamily="18" charset="0"/>
+                    <a:cs typeface="Times New Roman" panose="02020603050405020304" pitchFamily="18" charset="0"/>
+                  </a:rPr>
+                  <a:t>HYPOTHESE PLATEAU</a:t>
+                </a:r>
+                <a:r>
+                  <a:rPr lang="fr-FR" noProof="0" dirty="0">
+                    <a:highlight>
+                      <a:srgbClr val="FFFF00"/>
+                    </a:highlight>
+                    <a:latin typeface="Times New Roman" panose="02020603050405020304" pitchFamily="18" charset="0"/>
+                    <a:cs typeface="Times New Roman" panose="02020603050405020304" pitchFamily="18" charset="0"/>
+                  </a:rPr>
+                  <a:t> </a:t>
+                </a:r>
+              </a:p>
+            </p:txBody>
+          </p:sp>
+        </mc:Choice>
+        <mc:Fallback>
+          <p:sp>
+            <p:nvSpPr>
+              <p:cNvPr id="8" name="TextBox 7">
+                <a:extLst>
+                  <a:ext uri="{FF2B5EF4-FFF2-40B4-BE49-F238E27FC236}">
+                    <a16:creationId xmlns:a16="http://schemas.microsoft.com/office/drawing/2014/main" id="{A3FB3464-F9D7-F388-8CA4-20C652C808AB}"/>
+                  </a:ext>
+                </a:extLst>
+              </p:cNvPr>
+              <p:cNvSpPr txBox="1">
+                <a:spLocks noRot="1" noChangeAspect="1" noMove="1" noResize="1" noEditPoints="1" noAdjustHandles="1" noChangeArrowheads="1" noChangeShapeType="1" noTextEdit="1"/>
+              </p:cNvSpPr>
+              <p:nvPr/>
+            </p:nvSpPr>
+            <p:spPr>
+              <a:xfrm>
+                <a:off x="5568381" y="1994590"/>
+                <a:ext cx="6623619" cy="2862322"/>
+              </a:xfrm>
+              <a:prstGeom prst="rect">
+                <a:avLst/>
+              </a:prstGeom>
+              <a:blipFill>
+                <a:blip r:embed="rId3"/>
+                <a:stretch>
+                  <a:fillRect l="-736" t="-1064" r="-828" b="-2340"/>
+                </a:stretch>
+              </a:blipFill>
+            </p:spPr>
+            <p:txBody>
+              <a:bodyPr/>
+              <a:lstStyle/>
+              <a:p>
+                <a:r>
+                  <a:rPr lang="en-GB">
+                    <a:noFill/>
+                  </a:rPr>
+                  <a:t> </a:t>
+                </a:r>
+              </a:p>
+            </p:txBody>
+          </p:sp>
+        </mc:Fallback>
+      </mc:AlternateContent>
+      <mc:AlternateContent xmlns:mc="http://schemas.openxmlformats.org/markup-compatibility/2006">
+        <mc:Choice xmlns:a14="http://schemas.microsoft.com/office/drawing/2010/main" Requires="a14">
+          <p:sp>
+            <p:nvSpPr>
+              <p:cNvPr id="10" name="TextBox 9">
+                <a:extLst>
+                  <a:ext uri="{FF2B5EF4-FFF2-40B4-BE49-F238E27FC236}">
+                    <a16:creationId xmlns:a16="http://schemas.microsoft.com/office/drawing/2014/main" id="{3787056C-9D45-21F4-6CDE-BB39E364A145}"/>
+                  </a:ext>
+                </a:extLst>
+              </p:cNvPr>
+              <p:cNvSpPr txBox="1"/>
+              <p:nvPr/>
+            </p:nvSpPr>
+            <p:spPr>
+              <a:xfrm>
+                <a:off x="0" y="5626892"/>
+                <a:ext cx="12192000" cy="923330"/>
+              </a:xfrm>
+              <a:prstGeom prst="rect">
+                <a:avLst/>
+              </a:prstGeom>
+              <a:noFill/>
+            </p:spPr>
+            <p:txBody>
+              <a:bodyPr wrap="square" rtlCol="0">
+                <a:spAutoFit/>
+              </a:bodyPr>
+              <a:lstStyle/>
+              <a:p>
+                <a:pPr algn="just"/>
+                <a:r>
+                  <a:rPr lang="fr-FR" noProof="0" dirty="0">
+                    <a:latin typeface="Times New Roman" panose="02020603050405020304" pitchFamily="18" charset="0"/>
+                    <a:cs typeface="Times New Roman" panose="02020603050405020304" pitchFamily="18" charset="0"/>
+                  </a:rPr>
+                  <a:t>En ne prenant que les résultats donc que les résultats supposément sur la convergence asymptotique, nous pouvons calculer </a:t>
+                </a:r>
+                <a:r>
+                  <a:rPr lang="fr-FR" b="1" noProof="0" dirty="0">
+                    <a:latin typeface="Times New Roman" panose="02020603050405020304" pitchFamily="18" charset="0"/>
+                    <a:cs typeface="Times New Roman" panose="02020603050405020304" pitchFamily="18" charset="0"/>
+                  </a:rPr>
+                  <a:t>l’ordre de convergence observé</a:t>
+                </a:r>
+                <a:r>
+                  <a:rPr lang="fr-FR" noProof="0" dirty="0">
+                    <a:latin typeface="Times New Roman" panose="02020603050405020304" pitchFamily="18" charset="0"/>
+                    <a:cs typeface="Times New Roman" panose="02020603050405020304" pitchFamily="18" charset="0"/>
+                  </a:rPr>
+                  <a:t>, </a:t>
+                </a:r>
+                <a14:m>
+                  <m:oMath xmlns:m="http://schemas.openxmlformats.org/officeDocument/2006/math">
+                    <m:acc>
+                      <m:accPr>
+                        <m:chr m:val="̂"/>
+                        <m:ctrlPr>
+                          <a:rPr lang="fr-FR" i="1" noProof="0" smtClean="0">
+                            <a:latin typeface="Cambria Math" panose="02040503050406030204" pitchFamily="18" charset="0"/>
+                            <a:cs typeface="Times New Roman" panose="02020603050405020304" pitchFamily="18" charset="0"/>
+                          </a:rPr>
+                        </m:ctrlPr>
+                      </m:accPr>
+                      <m:e>
+                        <m:r>
+                          <a:rPr lang="fr-FR" b="0" i="1" noProof="0" smtClean="0">
+                            <a:latin typeface="Cambria Math" panose="02040503050406030204" pitchFamily="18" charset="0"/>
+                            <a:cs typeface="Times New Roman" panose="02020603050405020304" pitchFamily="18" charset="0"/>
+                          </a:rPr>
+                          <m:t>𝑝</m:t>
+                        </m:r>
+                      </m:e>
+                    </m:acc>
+                  </m:oMath>
+                </a14:m>
+                <a:r>
+                  <a:rPr lang="fr-FR" noProof="0" dirty="0">
+                    <a:latin typeface="Times New Roman" panose="02020603050405020304" pitchFamily="18" charset="0"/>
+                    <a:cs typeface="Times New Roman" panose="02020603050405020304" pitchFamily="18" charset="0"/>
+                  </a:rPr>
+                  <a:t>. Etant donné que les coefficients de raffinement</a:t>
+                </a:r>
+                <a:r>
+                  <a:rPr lang="fr-FR" dirty="0">
+                    <a:latin typeface="Times New Roman" panose="02020603050405020304" pitchFamily="18" charset="0"/>
+                    <a:cs typeface="Times New Roman" panose="02020603050405020304" pitchFamily="18" charset="0"/>
+                  </a:rPr>
+                  <a:t>s ne sont pas égaux, nous allons utilisé la formule itérative proposé dans le cours de MEC8211. </a:t>
+                </a:r>
+                <a:r>
+                  <a:rPr lang="fr-FR" noProof="0" dirty="0">
+                    <a:latin typeface="Times New Roman" panose="02020603050405020304" pitchFamily="18" charset="0"/>
+                    <a:cs typeface="Times New Roman" panose="02020603050405020304" pitchFamily="18" charset="0"/>
+                  </a:rPr>
+                  <a:t>   </a:t>
+                </a:r>
+              </a:p>
+            </p:txBody>
+          </p:sp>
+        </mc:Choice>
+        <mc:Fallback>
+          <p:sp>
+            <p:nvSpPr>
+              <p:cNvPr id="10" name="TextBox 9">
+                <a:extLst>
+                  <a:ext uri="{FF2B5EF4-FFF2-40B4-BE49-F238E27FC236}">
+                    <a16:creationId xmlns:a16="http://schemas.microsoft.com/office/drawing/2014/main" id="{3787056C-9D45-21F4-6CDE-BB39E364A145}"/>
+                  </a:ext>
+                </a:extLst>
+              </p:cNvPr>
+              <p:cNvSpPr txBox="1">
+                <a:spLocks noRot="1" noChangeAspect="1" noMove="1" noResize="1" noEditPoints="1" noAdjustHandles="1" noChangeArrowheads="1" noChangeShapeType="1" noTextEdit="1"/>
+              </p:cNvSpPr>
+              <p:nvPr/>
+            </p:nvSpPr>
+            <p:spPr>
+              <a:xfrm>
+                <a:off x="0" y="5626892"/>
+                <a:ext cx="12192000" cy="923330"/>
+              </a:xfrm>
+              <a:prstGeom prst="rect">
+                <a:avLst/>
+              </a:prstGeom>
+              <a:blipFill>
+                <a:blip r:embed="rId4"/>
+                <a:stretch>
+                  <a:fillRect l="-400" t="-3289" r="-400" b="-9211"/>
+                </a:stretch>
+              </a:blipFill>
+            </p:spPr>
+            <p:txBody>
+              <a:bodyPr/>
+              <a:lstStyle/>
+              <a:p>
+                <a:r>
+                  <a:rPr lang="en-GB">
+                    <a:noFill/>
+                  </a:rPr>
+                  <a:t> </a:t>
+                </a:r>
+              </a:p>
+            </p:txBody>
+          </p:sp>
+        </mc:Fallback>
+      </mc:AlternateContent>
+      <p:sp>
+        <p:nvSpPr>
+          <p:cNvPr id="11" name="TextBox 10">
+            <a:extLst>
+              <a:ext uri="{FF2B5EF4-FFF2-40B4-BE49-F238E27FC236}">
+                <a16:creationId xmlns:a16="http://schemas.microsoft.com/office/drawing/2014/main" id="{9D58840C-50FD-E58B-670F-C4615DAF690D}"/>
+              </a:ext>
+            </a:extLst>
+          </p:cNvPr>
+          <p:cNvSpPr txBox="1"/>
+          <p:nvPr/>
+        </p:nvSpPr>
+        <p:spPr>
+          <a:xfrm>
+            <a:off x="501349" y="5319115"/>
+            <a:ext cx="4559249" cy="307777"/>
+          </a:xfrm>
+          <a:prstGeom prst="rect">
+            <a:avLst/>
+          </a:prstGeom>
+          <a:noFill/>
+        </p:spPr>
+        <p:txBody>
+          <a:bodyPr wrap="square" rtlCol="0">
+            <a:spAutoFit/>
+          </a:bodyPr>
+          <a:lstStyle/>
+          <a:p>
+            <a:r>
+              <a:rPr lang="fr-FR" sz="1400" b="1" noProof="0" dirty="0">
+                <a:latin typeface="Times New Roman" panose="02020603050405020304" pitchFamily="18" charset="0"/>
+                <a:cs typeface="Times New Roman" panose="02020603050405020304" pitchFamily="18" charset="0"/>
+              </a:rPr>
+              <a:t>Figure [] </a:t>
+            </a:r>
+            <a:r>
+              <a:rPr lang="fr-FR" sz="1400" noProof="0" dirty="0">
+                <a:latin typeface="Times New Roman" panose="02020603050405020304" pitchFamily="18" charset="0"/>
+                <a:cs typeface="Times New Roman" panose="02020603050405020304" pitchFamily="18" charset="0"/>
+              </a:rPr>
+              <a:t>: Code python « </a:t>
+            </a:r>
+            <a:r>
+              <a:rPr lang="fr-FR" sz="1400" i="1" noProof="0" dirty="0">
+                <a:latin typeface="Times New Roman" panose="02020603050405020304" pitchFamily="18" charset="0"/>
+                <a:cs typeface="Times New Roman" panose="02020603050405020304" pitchFamily="18" charset="0"/>
+              </a:rPr>
+              <a:t>cv_asymptotique.py </a:t>
+            </a:r>
+            <a:r>
+              <a:rPr lang="fr-FR" sz="1400" noProof="0" dirty="0">
+                <a:latin typeface="Times New Roman" panose="02020603050405020304" pitchFamily="18" charset="0"/>
+                <a:cs typeface="Times New Roman" panose="02020603050405020304" pitchFamily="18" charset="0"/>
+              </a:rPr>
+              <a:t>»</a:t>
+            </a:r>
+          </a:p>
+        </p:txBody>
+      </p:sp>
     </p:spTree>
     <p:extLst>
       <p:ext uri="{BB962C8B-B14F-4D97-AF65-F5344CB8AC3E}">
-        <p14:creationId xmlns:p14="http://schemas.microsoft.com/office/powerpoint/2010/main" val="3992977093"/>
+        <p14:creationId xmlns:p14="http://schemas.microsoft.com/office/powerpoint/2010/main" val="312469821"/>
       </p:ext>
     </p:extLst>
   </p:cSld>
@@ -32723,7 +36708,7 @@
         <p:cNvPr id="1" name="">
           <a:extLst>
             <a:ext uri="{FF2B5EF4-FFF2-40B4-BE49-F238E27FC236}">
-              <a16:creationId xmlns:a16="http://schemas.microsoft.com/office/drawing/2014/main" id="{4F1CD39F-1AA1-CA3E-121A-DAC967D4790E}"/>
+              <a16:creationId xmlns:a16="http://schemas.microsoft.com/office/drawing/2014/main" id="{63C9D886-BCFF-3A0C-DBEA-47B8CB929E34}"/>
             </a:ext>
           </a:extLst>
         </p:cNvPr>
@@ -32743,7 +36728,7 @@
           <p:cNvPr id="36" name="Rectangle 35">
             <a:extLst>
               <a:ext uri="{FF2B5EF4-FFF2-40B4-BE49-F238E27FC236}">
-                <a16:creationId xmlns:a16="http://schemas.microsoft.com/office/drawing/2014/main" id="{7AE948C0-E759-6464-6FE4-89E821AF7840}"/>
+                <a16:creationId xmlns:a16="http://schemas.microsoft.com/office/drawing/2014/main" id="{131CF72C-4B7E-C04E-975B-62FB8C0507B6}"/>
               </a:ext>
             </a:extLst>
           </p:cNvPr>
@@ -32795,7 +36780,7 @@
           <p:cNvPr id="9" name="TextBox 8">
             <a:extLst>
               <a:ext uri="{FF2B5EF4-FFF2-40B4-BE49-F238E27FC236}">
-                <a16:creationId xmlns:a16="http://schemas.microsoft.com/office/drawing/2014/main" id="{A1BFB0DE-CCDE-5E15-B93D-0C46D50CF46E}"/>
+                <a16:creationId xmlns:a16="http://schemas.microsoft.com/office/drawing/2014/main" id="{8B24C6CB-AB8E-52D2-DF44-8CF1DC800AA8}"/>
               </a:ext>
             </a:extLst>
           </p:cNvPr>
@@ -32827,7 +36812,7 @@
                 <a:latin typeface="Times New Roman" panose="02020603050405020304" pitchFamily="18" charset="0"/>
                 <a:cs typeface="Times New Roman" panose="02020603050405020304" pitchFamily="18" charset="0"/>
               </a:rPr>
-              <a:t>REFERENCES</a:t>
+              <a:t>VERIFICATION DE SOLUTION</a:t>
             </a:r>
           </a:p>
         </p:txBody>
@@ -32837,7 +36822,7 @@
           <p:cNvPr id="39" name="Rectangle 38">
             <a:extLst>
               <a:ext uri="{FF2B5EF4-FFF2-40B4-BE49-F238E27FC236}">
-                <a16:creationId xmlns:a16="http://schemas.microsoft.com/office/drawing/2014/main" id="{AE6F7881-5CAD-BF53-F5ED-913A8168C526}"/>
+                <a16:creationId xmlns:a16="http://schemas.microsoft.com/office/drawing/2014/main" id="{0185E4D6-B5F8-4F4C-096B-0A3E7AAB09DB}"/>
               </a:ext>
             </a:extLst>
           </p:cNvPr>
@@ -32889,7 +36874,7 @@
           <p:cNvPr id="2" name="TextBox 1">
             <a:extLst>
               <a:ext uri="{FF2B5EF4-FFF2-40B4-BE49-F238E27FC236}">
-                <a16:creationId xmlns:a16="http://schemas.microsoft.com/office/drawing/2014/main" id="{0919D1C6-D732-AE82-8C89-94E702263F7C}"/>
+                <a16:creationId xmlns:a16="http://schemas.microsoft.com/office/drawing/2014/main" id="{BA8C91C5-8A62-D4EF-6FB4-DB3F5EC72519}"/>
               </a:ext>
             </a:extLst>
           </p:cNvPr>
@@ -32923,12 +36908,982 @@
           </a:p>
         </p:txBody>
       </p:sp>
+      <mc:AlternateContent xmlns:mc="http://schemas.openxmlformats.org/markup-compatibility/2006">
+        <mc:Choice xmlns:a14="http://schemas.microsoft.com/office/drawing/2010/main" Requires="a14">
+          <p:sp>
+            <p:nvSpPr>
+              <p:cNvPr id="5" name="TextBox 4">
+                <a:extLst>
+                  <a:ext uri="{FF2B5EF4-FFF2-40B4-BE49-F238E27FC236}">
+                    <a16:creationId xmlns:a16="http://schemas.microsoft.com/office/drawing/2014/main" id="{4DAC8AF4-A004-7163-A739-49ECA39B9FEC}"/>
+                  </a:ext>
+                </a:extLst>
+              </p:cNvPr>
+              <p:cNvSpPr txBox="1"/>
+              <p:nvPr/>
+            </p:nvSpPr>
+            <p:spPr>
+              <a:xfrm>
+                <a:off x="0" y="627468"/>
+                <a:ext cx="12192000" cy="1180708"/>
+              </a:xfrm>
+              <a:prstGeom prst="rect">
+                <a:avLst/>
+              </a:prstGeom>
+              <a:noFill/>
+            </p:spPr>
+            <p:txBody>
+              <a:bodyPr wrap="square" rtlCol="0">
+                <a:spAutoFit/>
+              </a:bodyPr>
+              <a:lstStyle/>
+              <a:p>
+                <a:pPr algn="just"/>
+                <a:r>
+                  <a:rPr lang="fr-FR" dirty="0">
+                    <a:latin typeface="Times New Roman" panose="02020603050405020304" pitchFamily="18" charset="0"/>
+                    <a:cs typeface="Times New Roman" panose="02020603050405020304" pitchFamily="18" charset="0"/>
+                  </a:rPr>
+                  <a:t>On a : </a:t>
+                </a:r>
+              </a:p>
+              <a:p>
+                <a:pPr algn="just"/>
+                <a14:m>
+                  <m:oMathPara xmlns:m="http://schemas.openxmlformats.org/officeDocument/2006/math">
+                    <m:oMathParaPr>
+                      <m:jc m:val="centerGroup"/>
+                    </m:oMathParaPr>
+                    <m:oMath xmlns:m="http://schemas.openxmlformats.org/officeDocument/2006/math">
+                      <m:sSup>
+                        <m:sSupPr>
+                          <m:ctrlPr>
+                            <a:rPr lang="fr-FR" b="0" i="1" noProof="0" smtClean="0">
+                              <a:latin typeface="Cambria Math" panose="02040503050406030204" pitchFamily="18" charset="0"/>
+                              <a:cs typeface="Times New Roman" panose="02020603050405020304" pitchFamily="18" charset="0"/>
+                            </a:rPr>
+                          </m:ctrlPr>
+                        </m:sSupPr>
+                        <m:e>
+                          <m:acc>
+                            <m:accPr>
+                              <m:chr m:val="̂"/>
+                              <m:ctrlPr>
+                                <a:rPr lang="fr-FR" i="1" noProof="0" smtClean="0">
+                                  <a:latin typeface="Cambria Math" panose="02040503050406030204" pitchFamily="18" charset="0"/>
+                                  <a:cs typeface="Times New Roman" panose="02020603050405020304" pitchFamily="18" charset="0"/>
+                                </a:rPr>
+                              </m:ctrlPr>
+                            </m:accPr>
+                            <m:e>
+                              <m:r>
+                                <a:rPr lang="fr-FR" b="0" i="1" noProof="0" smtClean="0">
+                                  <a:latin typeface="Cambria Math" panose="02040503050406030204" pitchFamily="18" charset="0"/>
+                                  <a:cs typeface="Times New Roman" panose="02020603050405020304" pitchFamily="18" charset="0"/>
+                                </a:rPr>
+                                <m:t>𝑝</m:t>
+                              </m:r>
+                            </m:e>
+                          </m:acc>
+                        </m:e>
+                        <m:sup>
+                          <m:r>
+                            <a:rPr lang="fr-FR" b="0" i="1" noProof="0" smtClean="0">
+                              <a:latin typeface="Cambria Math" panose="02040503050406030204" pitchFamily="18" charset="0"/>
+                              <a:cs typeface="Times New Roman" panose="02020603050405020304" pitchFamily="18" charset="0"/>
+                            </a:rPr>
+                            <m:t>𝑘</m:t>
+                          </m:r>
+                          <m:r>
+                            <a:rPr lang="fr-FR" b="0" i="1" noProof="0" smtClean="0">
+                              <a:latin typeface="Cambria Math" panose="02040503050406030204" pitchFamily="18" charset="0"/>
+                              <a:cs typeface="Times New Roman" panose="02020603050405020304" pitchFamily="18" charset="0"/>
+                            </a:rPr>
+                            <m:t>+1</m:t>
+                          </m:r>
+                        </m:sup>
+                      </m:sSup>
+                      <m:r>
+                        <a:rPr lang="fr-FR" b="0" i="1" noProof="0" smtClean="0">
+                          <a:latin typeface="Cambria Math" panose="02040503050406030204" pitchFamily="18" charset="0"/>
+                          <a:cs typeface="Times New Roman" panose="02020603050405020304" pitchFamily="18" charset="0"/>
+                        </a:rPr>
+                        <m:t>=</m:t>
+                      </m:r>
+                      <m:f>
+                        <m:fPr>
+                          <m:ctrlPr>
+                            <a:rPr lang="fr-FR" b="0" i="1" noProof="0" smtClean="0">
+                              <a:latin typeface="Cambria Math" panose="02040503050406030204" pitchFamily="18" charset="0"/>
+                              <a:cs typeface="Times New Roman" panose="02020603050405020304" pitchFamily="18" charset="0"/>
+                            </a:rPr>
+                          </m:ctrlPr>
+                        </m:fPr>
+                        <m:num>
+                          <m:r>
+                            <m:rPr>
+                              <m:sty m:val="p"/>
+                            </m:rPr>
+                            <a:rPr lang="fr-FR" b="0" i="0" noProof="0" smtClean="0">
+                              <a:latin typeface="Cambria Math" panose="02040503050406030204" pitchFamily="18" charset="0"/>
+                              <a:cs typeface="Times New Roman" panose="02020603050405020304" pitchFamily="18" charset="0"/>
+                            </a:rPr>
+                            <m:t>ln</m:t>
+                          </m:r>
+                          <m:r>
+                            <a:rPr lang="fr-FR" b="0" i="1" noProof="0" smtClean="0">
+                              <a:latin typeface="Cambria Math" panose="02040503050406030204" pitchFamily="18" charset="0"/>
+                              <a:cs typeface="Times New Roman" panose="02020603050405020304" pitchFamily="18" charset="0"/>
+                            </a:rPr>
+                            <m:t>⁡</m:t>
+                          </m:r>
+                          <m:d>
+                            <m:dPr>
+                              <m:begChr m:val="["/>
+                              <m:endChr m:val="]"/>
+                              <m:ctrlPr>
+                                <a:rPr lang="fr-FR" b="0" i="1" noProof="0" smtClean="0">
+                                  <a:latin typeface="Cambria Math" panose="02040503050406030204" pitchFamily="18" charset="0"/>
+                                  <a:cs typeface="Times New Roman" panose="02020603050405020304" pitchFamily="18" charset="0"/>
+                                </a:rPr>
+                              </m:ctrlPr>
+                            </m:dPr>
+                            <m:e>
+                              <m:d>
+                                <m:dPr>
+                                  <m:ctrlPr>
+                                    <a:rPr lang="fr-FR" b="0" i="1" noProof="0" smtClean="0">
+                                      <a:latin typeface="Cambria Math" panose="02040503050406030204" pitchFamily="18" charset="0"/>
+                                      <a:cs typeface="Times New Roman" panose="02020603050405020304" pitchFamily="18" charset="0"/>
+                                    </a:rPr>
+                                  </m:ctrlPr>
+                                </m:dPr>
+                                <m:e>
+                                  <m:sSubSup>
+                                    <m:sSubSupPr>
+                                      <m:ctrlPr>
+                                        <a:rPr lang="fr-FR" b="0" i="1" noProof="0" smtClean="0">
+                                          <a:latin typeface="Cambria Math" panose="02040503050406030204" pitchFamily="18" charset="0"/>
+                                          <a:cs typeface="Times New Roman" panose="02020603050405020304" pitchFamily="18" charset="0"/>
+                                        </a:rPr>
+                                      </m:ctrlPr>
+                                    </m:sSubSupPr>
+                                    <m:e>
+                                      <m:r>
+                                        <a:rPr lang="fr-FR" b="0" i="1" noProof="0" smtClean="0">
+                                          <a:latin typeface="Cambria Math" panose="02040503050406030204" pitchFamily="18" charset="0"/>
+                                          <a:cs typeface="Times New Roman" panose="02020603050405020304" pitchFamily="18" charset="0"/>
+                                        </a:rPr>
+                                        <m:t>𝑟</m:t>
+                                      </m:r>
+                                    </m:e>
+                                    <m:sub>
+                                      <m:r>
+                                        <a:rPr lang="fr-FR" b="0" i="1" noProof="0" smtClean="0">
+                                          <a:latin typeface="Cambria Math" panose="02040503050406030204" pitchFamily="18" charset="0"/>
+                                          <a:cs typeface="Times New Roman" panose="02020603050405020304" pitchFamily="18" charset="0"/>
+                                        </a:rPr>
+                                        <m:t>12</m:t>
+                                      </m:r>
+                                    </m:sub>
+                                    <m:sup>
+                                      <m:sSup>
+                                        <m:sSupPr>
+                                          <m:ctrlPr>
+                                            <a:rPr lang="fr-FR" b="0" i="1" smtClean="0">
+                                              <a:latin typeface="Cambria Math" panose="02040503050406030204" pitchFamily="18" charset="0"/>
+                                              <a:cs typeface="Times New Roman" panose="02020603050405020304" pitchFamily="18" charset="0"/>
+                                            </a:rPr>
+                                          </m:ctrlPr>
+                                        </m:sSupPr>
+                                        <m:e>
+                                          <m:acc>
+                                            <m:accPr>
+                                              <m:chr m:val="̂"/>
+                                              <m:ctrlPr>
+                                                <a:rPr lang="fr-FR" i="1">
+                                                  <a:latin typeface="Cambria Math" panose="02040503050406030204" pitchFamily="18" charset="0"/>
+                                                  <a:cs typeface="Times New Roman" panose="02020603050405020304" pitchFamily="18" charset="0"/>
+                                                </a:rPr>
+                                              </m:ctrlPr>
+                                            </m:accPr>
+                                            <m:e>
+                                              <m:r>
+                                                <a:rPr lang="fr-FR" i="1">
+                                                  <a:latin typeface="Cambria Math" panose="02040503050406030204" pitchFamily="18" charset="0"/>
+                                                  <a:cs typeface="Times New Roman" panose="02020603050405020304" pitchFamily="18" charset="0"/>
+                                                </a:rPr>
+                                                <m:t>𝑝</m:t>
+                                              </m:r>
+                                            </m:e>
+                                          </m:acc>
+                                        </m:e>
+                                        <m:sup>
+                                          <m:r>
+                                            <a:rPr lang="fr-FR" b="0" i="1" smtClean="0">
+                                              <a:latin typeface="Cambria Math" panose="02040503050406030204" pitchFamily="18" charset="0"/>
+                                              <a:cs typeface="Times New Roman" panose="02020603050405020304" pitchFamily="18" charset="0"/>
+                                            </a:rPr>
+                                            <m:t>𝑘</m:t>
+                                          </m:r>
+                                        </m:sup>
+                                      </m:sSup>
+                                    </m:sup>
+                                  </m:sSubSup>
+                                  <m:r>
+                                    <a:rPr lang="fr-FR" b="0" i="1" noProof="0" smtClean="0">
+                                      <a:latin typeface="Cambria Math" panose="02040503050406030204" pitchFamily="18" charset="0"/>
+                                      <a:cs typeface="Times New Roman" panose="02020603050405020304" pitchFamily="18" charset="0"/>
+                                    </a:rPr>
+                                    <m:t>−1</m:t>
+                                  </m:r>
+                                </m:e>
+                              </m:d>
+                              <m:f>
+                                <m:fPr>
+                                  <m:ctrlPr>
+                                    <a:rPr lang="fr-FR" b="0" i="1" noProof="0" smtClean="0">
+                                      <a:latin typeface="Cambria Math" panose="02040503050406030204" pitchFamily="18" charset="0"/>
+                                      <a:cs typeface="Times New Roman" panose="02020603050405020304" pitchFamily="18" charset="0"/>
+                                    </a:rPr>
+                                  </m:ctrlPr>
+                                </m:fPr>
+                                <m:num>
+                                  <m:sSub>
+                                    <m:sSubPr>
+                                      <m:ctrlPr>
+                                        <a:rPr lang="fr-FR" b="0" i="1" noProof="0" smtClean="0">
+                                          <a:latin typeface="Cambria Math" panose="02040503050406030204" pitchFamily="18" charset="0"/>
+                                          <a:cs typeface="Times New Roman" panose="02020603050405020304" pitchFamily="18" charset="0"/>
+                                        </a:rPr>
+                                      </m:ctrlPr>
+                                    </m:sSubPr>
+                                    <m:e>
+                                      <m:r>
+                                        <a:rPr lang="fr-FR" b="0" i="1" noProof="0" smtClean="0">
+                                          <a:latin typeface="Cambria Math" panose="02040503050406030204" pitchFamily="18" charset="0"/>
+                                          <a:cs typeface="Times New Roman" panose="02020603050405020304" pitchFamily="18" charset="0"/>
+                                        </a:rPr>
+                                        <m:t>𝑓</m:t>
+                                      </m:r>
+                                    </m:e>
+                                    <m:sub>
+                                      <m:r>
+                                        <a:rPr lang="fr-FR" b="0" i="1" noProof="0" smtClean="0">
+                                          <a:latin typeface="Cambria Math" panose="02040503050406030204" pitchFamily="18" charset="0"/>
+                                          <a:cs typeface="Times New Roman" panose="02020603050405020304" pitchFamily="18" charset="0"/>
+                                        </a:rPr>
+                                        <m:t>3</m:t>
+                                      </m:r>
+                                    </m:sub>
+                                  </m:sSub>
+                                  <m:r>
+                                    <a:rPr lang="fr-FR" b="0" i="1" noProof="0" smtClean="0">
+                                      <a:latin typeface="Cambria Math" panose="02040503050406030204" pitchFamily="18" charset="0"/>
+                                      <a:cs typeface="Times New Roman" panose="02020603050405020304" pitchFamily="18" charset="0"/>
+                                    </a:rPr>
+                                    <m:t>−</m:t>
+                                  </m:r>
+                                  <m:sSub>
+                                    <m:sSubPr>
+                                      <m:ctrlPr>
+                                        <a:rPr lang="fr-FR" b="0" i="1" noProof="0" smtClean="0">
+                                          <a:latin typeface="Cambria Math" panose="02040503050406030204" pitchFamily="18" charset="0"/>
+                                          <a:cs typeface="Times New Roman" panose="02020603050405020304" pitchFamily="18" charset="0"/>
+                                        </a:rPr>
+                                      </m:ctrlPr>
+                                    </m:sSubPr>
+                                    <m:e>
+                                      <m:r>
+                                        <a:rPr lang="fr-FR" b="0" i="1" noProof="0" smtClean="0">
+                                          <a:latin typeface="Cambria Math" panose="02040503050406030204" pitchFamily="18" charset="0"/>
+                                          <a:cs typeface="Times New Roman" panose="02020603050405020304" pitchFamily="18" charset="0"/>
+                                        </a:rPr>
+                                        <m:t>𝑓</m:t>
+                                      </m:r>
+                                    </m:e>
+                                    <m:sub>
+                                      <m:r>
+                                        <a:rPr lang="fr-FR" b="0" i="1" noProof="0" smtClean="0">
+                                          <a:latin typeface="Cambria Math" panose="02040503050406030204" pitchFamily="18" charset="0"/>
+                                          <a:cs typeface="Times New Roman" panose="02020603050405020304" pitchFamily="18" charset="0"/>
+                                        </a:rPr>
+                                        <m:t>2</m:t>
+                                      </m:r>
+                                    </m:sub>
+                                  </m:sSub>
+                                </m:num>
+                                <m:den>
+                                  <m:sSub>
+                                    <m:sSubPr>
+                                      <m:ctrlPr>
+                                        <a:rPr lang="fr-FR" b="0" i="1" noProof="0" smtClean="0">
+                                          <a:latin typeface="Cambria Math" panose="02040503050406030204" pitchFamily="18" charset="0"/>
+                                          <a:cs typeface="Times New Roman" panose="02020603050405020304" pitchFamily="18" charset="0"/>
+                                        </a:rPr>
+                                      </m:ctrlPr>
+                                    </m:sSubPr>
+                                    <m:e>
+                                      <m:r>
+                                        <a:rPr lang="fr-FR" b="0" i="1" noProof="0" smtClean="0">
+                                          <a:latin typeface="Cambria Math" panose="02040503050406030204" pitchFamily="18" charset="0"/>
+                                          <a:cs typeface="Times New Roman" panose="02020603050405020304" pitchFamily="18" charset="0"/>
+                                        </a:rPr>
+                                        <m:t>𝑓</m:t>
+                                      </m:r>
+                                    </m:e>
+                                    <m:sub>
+                                      <m:r>
+                                        <a:rPr lang="fr-FR" b="0" i="1" noProof="0" smtClean="0">
+                                          <a:latin typeface="Cambria Math" panose="02040503050406030204" pitchFamily="18" charset="0"/>
+                                          <a:cs typeface="Times New Roman" panose="02020603050405020304" pitchFamily="18" charset="0"/>
+                                        </a:rPr>
+                                        <m:t>2</m:t>
+                                      </m:r>
+                                    </m:sub>
+                                  </m:sSub>
+                                  <m:r>
+                                    <a:rPr lang="fr-FR" b="0" i="1" noProof="0" smtClean="0">
+                                      <a:latin typeface="Cambria Math" panose="02040503050406030204" pitchFamily="18" charset="0"/>
+                                      <a:cs typeface="Times New Roman" panose="02020603050405020304" pitchFamily="18" charset="0"/>
+                                    </a:rPr>
+                                    <m:t>−</m:t>
+                                  </m:r>
+                                  <m:sSub>
+                                    <m:sSubPr>
+                                      <m:ctrlPr>
+                                        <a:rPr lang="fr-FR" b="0" i="1" noProof="0" smtClean="0">
+                                          <a:latin typeface="Cambria Math" panose="02040503050406030204" pitchFamily="18" charset="0"/>
+                                          <a:cs typeface="Times New Roman" panose="02020603050405020304" pitchFamily="18" charset="0"/>
+                                        </a:rPr>
+                                      </m:ctrlPr>
+                                    </m:sSubPr>
+                                    <m:e>
+                                      <m:r>
+                                        <a:rPr lang="fr-FR" b="0" i="1" noProof="0" smtClean="0">
+                                          <a:latin typeface="Cambria Math" panose="02040503050406030204" pitchFamily="18" charset="0"/>
+                                          <a:cs typeface="Times New Roman" panose="02020603050405020304" pitchFamily="18" charset="0"/>
+                                        </a:rPr>
+                                        <m:t>𝑓</m:t>
+                                      </m:r>
+                                    </m:e>
+                                    <m:sub>
+                                      <m:r>
+                                        <a:rPr lang="fr-FR" b="0" i="1" noProof="0" smtClean="0">
+                                          <a:latin typeface="Cambria Math" panose="02040503050406030204" pitchFamily="18" charset="0"/>
+                                          <a:cs typeface="Times New Roman" panose="02020603050405020304" pitchFamily="18" charset="0"/>
+                                        </a:rPr>
+                                        <m:t>1</m:t>
+                                      </m:r>
+                                    </m:sub>
+                                  </m:sSub>
+                                </m:den>
+                              </m:f>
+                              <m:r>
+                                <a:rPr lang="fr-FR" b="0" i="1" noProof="0" smtClean="0">
+                                  <a:latin typeface="Cambria Math" panose="02040503050406030204" pitchFamily="18" charset="0"/>
+                                  <a:cs typeface="Times New Roman" panose="02020603050405020304" pitchFamily="18" charset="0"/>
+                                </a:rPr>
+                                <m:t>+</m:t>
+                              </m:r>
+                              <m:sSubSup>
+                                <m:sSubSupPr>
+                                  <m:ctrlPr>
+                                    <a:rPr lang="fr-FR" i="1">
+                                      <a:latin typeface="Cambria Math" panose="02040503050406030204" pitchFamily="18" charset="0"/>
+                                      <a:cs typeface="Times New Roman" panose="02020603050405020304" pitchFamily="18" charset="0"/>
+                                    </a:rPr>
+                                  </m:ctrlPr>
+                                </m:sSubSupPr>
+                                <m:e>
+                                  <m:r>
+                                    <a:rPr lang="fr-FR" i="1">
+                                      <a:latin typeface="Cambria Math" panose="02040503050406030204" pitchFamily="18" charset="0"/>
+                                      <a:cs typeface="Times New Roman" panose="02020603050405020304" pitchFamily="18" charset="0"/>
+                                    </a:rPr>
+                                    <m:t>𝑟</m:t>
+                                  </m:r>
+                                </m:e>
+                                <m:sub>
+                                  <m:r>
+                                    <a:rPr lang="fr-FR" i="1">
+                                      <a:latin typeface="Cambria Math" panose="02040503050406030204" pitchFamily="18" charset="0"/>
+                                      <a:cs typeface="Times New Roman" panose="02020603050405020304" pitchFamily="18" charset="0"/>
+                                    </a:rPr>
+                                    <m:t>12</m:t>
+                                  </m:r>
+                                </m:sub>
+                                <m:sup>
+                                  <m:sSup>
+                                    <m:sSupPr>
+                                      <m:ctrlPr>
+                                        <a:rPr lang="fr-FR" i="1">
+                                          <a:latin typeface="Cambria Math" panose="02040503050406030204" pitchFamily="18" charset="0"/>
+                                          <a:cs typeface="Times New Roman" panose="02020603050405020304" pitchFamily="18" charset="0"/>
+                                        </a:rPr>
+                                      </m:ctrlPr>
+                                    </m:sSupPr>
+                                    <m:e>
+                                      <m:acc>
+                                        <m:accPr>
+                                          <m:chr m:val="̂"/>
+                                          <m:ctrlPr>
+                                            <a:rPr lang="fr-FR" i="1">
+                                              <a:latin typeface="Cambria Math" panose="02040503050406030204" pitchFamily="18" charset="0"/>
+                                              <a:cs typeface="Times New Roman" panose="02020603050405020304" pitchFamily="18" charset="0"/>
+                                            </a:rPr>
+                                          </m:ctrlPr>
+                                        </m:accPr>
+                                        <m:e>
+                                          <m:r>
+                                            <a:rPr lang="fr-FR" i="1">
+                                              <a:latin typeface="Cambria Math" panose="02040503050406030204" pitchFamily="18" charset="0"/>
+                                              <a:cs typeface="Times New Roman" panose="02020603050405020304" pitchFamily="18" charset="0"/>
+                                            </a:rPr>
+                                            <m:t>𝑝</m:t>
+                                          </m:r>
+                                        </m:e>
+                                      </m:acc>
+                                    </m:e>
+                                    <m:sup>
+                                      <m:r>
+                                        <a:rPr lang="fr-FR" i="1">
+                                          <a:latin typeface="Cambria Math" panose="02040503050406030204" pitchFamily="18" charset="0"/>
+                                          <a:cs typeface="Times New Roman" panose="02020603050405020304" pitchFamily="18" charset="0"/>
+                                        </a:rPr>
+                                        <m:t>𝑘</m:t>
+                                      </m:r>
+                                    </m:sup>
+                                  </m:sSup>
+                                </m:sup>
+                              </m:sSubSup>
+                            </m:e>
+                          </m:d>
+                        </m:num>
+                        <m:den>
+                          <m:r>
+                            <m:rPr>
+                              <m:sty m:val="p"/>
+                            </m:rPr>
+                            <a:rPr lang="fr-FR" b="0" i="0" noProof="0" smtClean="0">
+                              <a:latin typeface="Cambria Math" panose="02040503050406030204" pitchFamily="18" charset="0"/>
+                              <a:cs typeface="Times New Roman" panose="02020603050405020304" pitchFamily="18" charset="0"/>
+                            </a:rPr>
+                            <m:t>ln</m:t>
+                          </m:r>
+                          <m:r>
+                            <a:rPr lang="fr-FR" b="0" i="1" noProof="0" smtClean="0">
+                              <a:latin typeface="Cambria Math" panose="02040503050406030204" pitchFamily="18" charset="0"/>
+                              <a:cs typeface="Times New Roman" panose="02020603050405020304" pitchFamily="18" charset="0"/>
+                            </a:rPr>
+                            <m:t>⁡</m:t>
+                          </m:r>
+                          <m:d>
+                            <m:dPr>
+                              <m:ctrlPr>
+                                <a:rPr lang="fr-FR" b="0" i="1" noProof="0" smtClean="0">
+                                  <a:latin typeface="Cambria Math" panose="02040503050406030204" pitchFamily="18" charset="0"/>
+                                  <a:cs typeface="Times New Roman" panose="02020603050405020304" pitchFamily="18" charset="0"/>
+                                </a:rPr>
+                              </m:ctrlPr>
+                            </m:dPr>
+                            <m:e>
+                              <m:sSub>
+                                <m:sSubPr>
+                                  <m:ctrlPr>
+                                    <a:rPr lang="fr-FR" b="0" i="1" noProof="0" smtClean="0">
+                                      <a:latin typeface="Cambria Math" panose="02040503050406030204" pitchFamily="18" charset="0"/>
+                                      <a:cs typeface="Times New Roman" panose="02020603050405020304" pitchFamily="18" charset="0"/>
+                                    </a:rPr>
+                                  </m:ctrlPr>
+                                </m:sSubPr>
+                                <m:e>
+                                  <m:r>
+                                    <a:rPr lang="fr-FR" b="0" i="1" noProof="0" smtClean="0">
+                                      <a:latin typeface="Cambria Math" panose="02040503050406030204" pitchFamily="18" charset="0"/>
+                                      <a:cs typeface="Times New Roman" panose="02020603050405020304" pitchFamily="18" charset="0"/>
+                                    </a:rPr>
+                                    <m:t>𝑟</m:t>
+                                  </m:r>
+                                </m:e>
+                                <m:sub>
+                                  <m:r>
+                                    <a:rPr lang="fr-FR" b="0" i="1" noProof="0" smtClean="0">
+                                      <a:latin typeface="Cambria Math" panose="02040503050406030204" pitchFamily="18" charset="0"/>
+                                      <a:cs typeface="Times New Roman" panose="02020603050405020304" pitchFamily="18" charset="0"/>
+                                    </a:rPr>
+                                    <m:t>12</m:t>
+                                  </m:r>
+                                </m:sub>
+                              </m:sSub>
+                              <m:sSub>
+                                <m:sSubPr>
+                                  <m:ctrlPr>
+                                    <a:rPr lang="fr-FR" b="0" i="1" noProof="0" smtClean="0">
+                                      <a:latin typeface="Cambria Math" panose="02040503050406030204" pitchFamily="18" charset="0"/>
+                                      <a:cs typeface="Times New Roman" panose="02020603050405020304" pitchFamily="18" charset="0"/>
+                                    </a:rPr>
+                                  </m:ctrlPr>
+                                </m:sSubPr>
+                                <m:e>
+                                  <m:r>
+                                    <a:rPr lang="fr-FR" b="0" i="1" noProof="0" smtClean="0">
+                                      <a:latin typeface="Cambria Math" panose="02040503050406030204" pitchFamily="18" charset="0"/>
+                                      <a:cs typeface="Times New Roman" panose="02020603050405020304" pitchFamily="18" charset="0"/>
+                                    </a:rPr>
+                                    <m:t>𝑟</m:t>
+                                  </m:r>
+                                </m:e>
+                                <m:sub>
+                                  <m:r>
+                                    <a:rPr lang="fr-FR" b="0" i="1" noProof="0" smtClean="0">
+                                      <a:latin typeface="Cambria Math" panose="02040503050406030204" pitchFamily="18" charset="0"/>
+                                      <a:cs typeface="Times New Roman" panose="02020603050405020304" pitchFamily="18" charset="0"/>
+                                    </a:rPr>
+                                    <m:t>23</m:t>
+                                  </m:r>
+                                </m:sub>
+                              </m:sSub>
+                            </m:e>
+                          </m:d>
+                        </m:den>
+                      </m:f>
+                    </m:oMath>
+                  </m:oMathPara>
+                </a14:m>
+                <a:endParaRPr lang="fr-FR" dirty="0">
+                  <a:latin typeface="Times New Roman" panose="02020603050405020304" pitchFamily="18" charset="0"/>
+                  <a:cs typeface="Times New Roman" panose="02020603050405020304" pitchFamily="18" charset="0"/>
+                </a:endParaRPr>
+              </a:p>
+            </p:txBody>
+          </p:sp>
+        </mc:Choice>
+        <mc:Fallback>
+          <p:sp>
+            <p:nvSpPr>
+              <p:cNvPr id="5" name="TextBox 4">
+                <a:extLst>
+                  <a:ext uri="{FF2B5EF4-FFF2-40B4-BE49-F238E27FC236}">
+                    <a16:creationId xmlns:a16="http://schemas.microsoft.com/office/drawing/2014/main" id="{4DAC8AF4-A004-7163-A739-49ECA39B9FEC}"/>
+                  </a:ext>
+                </a:extLst>
+              </p:cNvPr>
+              <p:cNvSpPr txBox="1">
+                <a:spLocks noRot="1" noChangeAspect="1" noMove="1" noResize="1" noEditPoints="1" noAdjustHandles="1" noChangeArrowheads="1" noChangeShapeType="1" noTextEdit="1"/>
+              </p:cNvSpPr>
+              <p:nvPr/>
+            </p:nvSpPr>
+            <p:spPr>
+              <a:xfrm>
+                <a:off x="0" y="627468"/>
+                <a:ext cx="12192000" cy="1180708"/>
+              </a:xfrm>
+              <a:prstGeom prst="rect">
+                <a:avLst/>
+              </a:prstGeom>
+              <a:blipFill>
+                <a:blip r:embed="rId2"/>
+                <a:stretch>
+                  <a:fillRect l="-400" t="-3093"/>
+                </a:stretch>
+              </a:blipFill>
+            </p:spPr>
+            <p:txBody>
+              <a:bodyPr/>
+              <a:lstStyle/>
+              <a:p>
+                <a:r>
+                  <a:rPr lang="en-GB">
+                    <a:noFill/>
+                  </a:rPr>
+                  <a:t> </a:t>
+                </a:r>
+              </a:p>
+            </p:txBody>
+          </p:sp>
+        </mc:Fallback>
+      </mc:AlternateContent>
+      <mc:AlternateContent xmlns:mc="http://schemas.openxmlformats.org/markup-compatibility/2006">
+        <mc:Choice xmlns:a14="http://schemas.microsoft.com/office/drawing/2010/main" Requires="a14">
+          <p:sp>
+            <p:nvSpPr>
+              <p:cNvPr id="10" name="TextBox 9">
+                <a:extLst>
+                  <a:ext uri="{FF2B5EF4-FFF2-40B4-BE49-F238E27FC236}">
+                    <a16:creationId xmlns:a16="http://schemas.microsoft.com/office/drawing/2014/main" id="{01A678EA-30F3-62CE-A9F0-10C182D4BBB2}"/>
+                  </a:ext>
+                </a:extLst>
+              </p:cNvPr>
+              <p:cNvSpPr txBox="1"/>
+              <p:nvPr/>
+            </p:nvSpPr>
+            <p:spPr>
+              <a:xfrm>
+                <a:off x="0" y="1818753"/>
+                <a:ext cx="12192000" cy="1200329"/>
+              </a:xfrm>
+              <a:prstGeom prst="rect">
+                <a:avLst/>
+              </a:prstGeom>
+              <a:noFill/>
+            </p:spPr>
+            <p:txBody>
+              <a:bodyPr wrap="square" rtlCol="0">
+                <a:spAutoFit/>
+              </a:bodyPr>
+              <a:lstStyle/>
+              <a:p>
+                <a:pPr algn="just"/>
+                <a:r>
+                  <a:rPr lang="fr-FR" noProof="0" dirty="0">
+                    <a:latin typeface="Times New Roman" panose="02020603050405020304" pitchFamily="18" charset="0"/>
+                    <a:cs typeface="Times New Roman" panose="02020603050405020304" pitchFamily="18" charset="0"/>
+                  </a:rPr>
+                  <a:t>Cette formule est utilisée pour plusieurs couples de résultats </a:t>
+                </a:r>
+                <a14:m>
+                  <m:oMath xmlns:m="http://schemas.openxmlformats.org/officeDocument/2006/math">
+                    <m:sSub>
+                      <m:sSubPr>
+                        <m:ctrlPr>
+                          <a:rPr lang="fr-FR" b="0" i="1" noProof="0" smtClean="0">
+                            <a:latin typeface="Cambria Math" panose="02040503050406030204" pitchFamily="18" charset="0"/>
+                            <a:cs typeface="Times New Roman" panose="02020603050405020304" pitchFamily="18" charset="0"/>
+                          </a:rPr>
+                        </m:ctrlPr>
+                      </m:sSubPr>
+                      <m:e>
+                        <m:r>
+                          <a:rPr lang="fr-FR" b="0" i="1" noProof="0" smtClean="0">
+                            <a:latin typeface="Cambria Math" panose="02040503050406030204" pitchFamily="18" charset="0"/>
+                            <a:cs typeface="Times New Roman" panose="02020603050405020304" pitchFamily="18" charset="0"/>
+                          </a:rPr>
+                          <m:t>𝑓</m:t>
+                        </m:r>
+                      </m:e>
+                      <m:sub>
+                        <m:r>
+                          <a:rPr lang="fr-FR" b="0" i="1" noProof="0" smtClean="0">
+                            <a:latin typeface="Cambria Math" panose="02040503050406030204" pitchFamily="18" charset="0"/>
+                            <a:cs typeface="Times New Roman" panose="02020603050405020304" pitchFamily="18" charset="0"/>
+                          </a:rPr>
+                          <m:t>𝑖</m:t>
+                        </m:r>
+                      </m:sub>
+                    </m:sSub>
+                  </m:oMath>
+                </a14:m>
+                <a:r>
+                  <a:rPr lang="fr-FR" noProof="0" dirty="0">
+                    <a:latin typeface="Times New Roman" panose="02020603050405020304" pitchFamily="18" charset="0"/>
+                    <a:cs typeface="Times New Roman" panose="02020603050405020304" pitchFamily="18" charset="0"/>
+                  </a:rPr>
+                  <a:t> afin d’être sur du résultat donné. En moyenne, après </a:t>
+                </a:r>
+                <a14:m>
+                  <m:oMath xmlns:m="http://schemas.openxmlformats.org/officeDocument/2006/math">
+                    <m:r>
+                      <a:rPr lang="fr-FR" b="0" i="1" noProof="0" smtClean="0">
+                        <a:latin typeface="Cambria Math" panose="02040503050406030204" pitchFamily="18" charset="0"/>
+                        <a:cs typeface="Times New Roman" panose="02020603050405020304" pitchFamily="18" charset="0"/>
+                      </a:rPr>
+                      <m:t>100</m:t>
+                    </m:r>
+                  </m:oMath>
+                </a14:m>
+                <a:r>
+                  <a:rPr lang="fr-FR" noProof="0" dirty="0">
+                    <a:latin typeface="Times New Roman" panose="02020603050405020304" pitchFamily="18" charset="0"/>
+                    <a:cs typeface="Times New Roman" panose="02020603050405020304" pitchFamily="18" charset="0"/>
+                  </a:rPr>
+                  <a:t> itérations, nous obtenons un ordre de convergence observé de </a:t>
+                </a:r>
+                <a14:m>
+                  <m:oMath xmlns:m="http://schemas.openxmlformats.org/officeDocument/2006/math">
+                    <m:acc>
+                      <m:accPr>
+                        <m:chr m:val="̂"/>
+                        <m:ctrlPr>
+                          <a:rPr lang="fr-FR" i="1">
+                            <a:latin typeface="Cambria Math" panose="02040503050406030204" pitchFamily="18" charset="0"/>
+                            <a:cs typeface="Times New Roman" panose="02020603050405020304" pitchFamily="18" charset="0"/>
+                          </a:rPr>
+                        </m:ctrlPr>
+                      </m:accPr>
+                      <m:e>
+                        <m:r>
+                          <a:rPr lang="fr-FR" i="1">
+                            <a:latin typeface="Cambria Math" panose="02040503050406030204" pitchFamily="18" charset="0"/>
+                            <a:cs typeface="Times New Roman" panose="02020603050405020304" pitchFamily="18" charset="0"/>
+                          </a:rPr>
+                          <m:t>𝑝</m:t>
+                        </m:r>
+                      </m:e>
+                    </m:acc>
+                    <m:r>
+                      <a:rPr lang="fr-FR" b="0" i="1" smtClean="0">
+                        <a:latin typeface="Cambria Math" panose="02040503050406030204" pitchFamily="18" charset="0"/>
+                        <a:cs typeface="Times New Roman" panose="02020603050405020304" pitchFamily="18" charset="0"/>
+                      </a:rPr>
+                      <m:t>=2.50385</m:t>
+                    </m:r>
+                  </m:oMath>
+                </a14:m>
+                <a:r>
+                  <a:rPr lang="fr-FR" noProof="0" dirty="0">
+                    <a:latin typeface="Times New Roman" panose="02020603050405020304" pitchFamily="18" charset="0"/>
+                    <a:cs typeface="Times New Roman" panose="02020603050405020304" pitchFamily="18" charset="0"/>
+                  </a:rPr>
+                  <a:t>. Dans une mesure de vérification supplémentaire, nous avons pris 2 autres nœuds du maillage pour nous assurer que ces derniers avaient le même ordre de convergence (i.e., éviter un ordre de convergence fausse localisé) et nous obtenons le même ordre de convergence. </a:t>
+                </a:r>
+              </a:p>
+            </p:txBody>
+          </p:sp>
+        </mc:Choice>
+        <mc:Fallback>
+          <p:sp>
+            <p:nvSpPr>
+              <p:cNvPr id="10" name="TextBox 9">
+                <a:extLst>
+                  <a:ext uri="{FF2B5EF4-FFF2-40B4-BE49-F238E27FC236}">
+                    <a16:creationId xmlns:a16="http://schemas.microsoft.com/office/drawing/2014/main" id="{01A678EA-30F3-62CE-A9F0-10C182D4BBB2}"/>
+                  </a:ext>
+                </a:extLst>
+              </p:cNvPr>
+              <p:cNvSpPr txBox="1">
+                <a:spLocks noRot="1" noChangeAspect="1" noMove="1" noResize="1" noEditPoints="1" noAdjustHandles="1" noChangeArrowheads="1" noChangeShapeType="1" noTextEdit="1"/>
+              </p:cNvSpPr>
+              <p:nvPr/>
+            </p:nvSpPr>
+            <p:spPr>
+              <a:xfrm>
+                <a:off x="0" y="1818753"/>
+                <a:ext cx="12192000" cy="1200329"/>
+              </a:xfrm>
+              <a:prstGeom prst="rect">
+                <a:avLst/>
+              </a:prstGeom>
+              <a:blipFill>
+                <a:blip r:embed="rId3"/>
+                <a:stretch>
+                  <a:fillRect l="-400" t="-2538" r="-400" b="-7107"/>
+                </a:stretch>
+              </a:blipFill>
+            </p:spPr>
+            <p:txBody>
+              <a:bodyPr/>
+              <a:lstStyle/>
+              <a:p>
+                <a:r>
+                  <a:rPr lang="en-GB">
+                    <a:noFill/>
+                  </a:rPr>
+                  <a:t> </a:t>
+                </a:r>
+              </a:p>
+            </p:txBody>
+          </p:sp>
+        </mc:Fallback>
+      </mc:AlternateContent>
+      <p:pic>
+        <p:nvPicPr>
+          <p:cNvPr id="11" name="Picture 10">
+            <a:extLst>
+              <a:ext uri="{FF2B5EF4-FFF2-40B4-BE49-F238E27FC236}">
+                <a16:creationId xmlns:a16="http://schemas.microsoft.com/office/drawing/2014/main" id="{76E36435-5B32-C3F8-CDBC-02E2B5086320}"/>
+              </a:ext>
+            </a:extLst>
+          </p:cNvPr>
+          <p:cNvPicPr>
+            <a:picLocks noChangeAspect="1"/>
+          </p:cNvPicPr>
+          <p:nvPr/>
+        </p:nvPicPr>
+        <p:blipFill>
+          <a:blip r:embed="rId4"/>
+          <a:stretch>
+            <a:fillRect/>
+          </a:stretch>
+        </p:blipFill>
+        <p:spPr>
+          <a:xfrm>
+            <a:off x="302698" y="2964746"/>
+            <a:ext cx="11586604" cy="2948070"/>
+          </a:xfrm>
+          <a:prstGeom prst="rect">
+            <a:avLst/>
+          </a:prstGeom>
+        </p:spPr>
+      </p:pic>
+      <mc:AlternateContent xmlns:mc="http://schemas.openxmlformats.org/markup-compatibility/2006">
+        <mc:Choice xmlns:a14="http://schemas.microsoft.com/office/drawing/2010/main" Requires="a14">
+          <p:sp>
+            <p:nvSpPr>
+              <p:cNvPr id="12" name="TextBox 11">
+                <a:extLst>
+                  <a:ext uri="{FF2B5EF4-FFF2-40B4-BE49-F238E27FC236}">
+                    <a16:creationId xmlns:a16="http://schemas.microsoft.com/office/drawing/2014/main" id="{AFD64144-DA5F-8B73-6CEA-181D47AD5646}"/>
+                  </a:ext>
+                </a:extLst>
+              </p:cNvPr>
+              <p:cNvSpPr txBox="1"/>
+              <p:nvPr/>
+            </p:nvSpPr>
+            <p:spPr>
+              <a:xfrm>
+                <a:off x="0" y="6063424"/>
+                <a:ext cx="12192000" cy="646331"/>
+              </a:xfrm>
+              <a:prstGeom prst="rect">
+                <a:avLst/>
+              </a:prstGeom>
+              <a:noFill/>
+            </p:spPr>
+            <p:txBody>
+              <a:bodyPr wrap="square" rtlCol="0">
+                <a:spAutoFit/>
+              </a:bodyPr>
+              <a:lstStyle/>
+              <a:p>
+                <a:pPr algn="just"/>
+                <a:r>
+                  <a:rPr lang="fr-FR" noProof="0" dirty="0">
+                    <a:latin typeface="Times New Roman" panose="02020603050405020304" pitchFamily="18" charset="0"/>
+                    <a:cs typeface="Times New Roman" panose="02020603050405020304" pitchFamily="18" charset="0"/>
+                  </a:rPr>
+                  <a:t>On remarque </a:t>
+                </a:r>
+                <a:r>
+                  <a:rPr lang="fr-FR" noProof="0" dirty="0" err="1">
+                    <a:latin typeface="Times New Roman" panose="02020603050405020304" pitchFamily="18" charset="0"/>
+                    <a:cs typeface="Times New Roman" panose="02020603050405020304" pitchFamily="18" charset="0"/>
+                  </a:rPr>
+                  <a:t>qu</a:t>
+                </a:r>
+                <a:r>
+                  <a:rPr lang="fr-FR" dirty="0">
+                    <a:latin typeface="Times New Roman" panose="02020603050405020304" pitchFamily="18" charset="0"/>
+                    <a:cs typeface="Times New Roman" panose="02020603050405020304" pitchFamily="18" charset="0"/>
+                  </a:rPr>
+                  <a:t>e </a:t>
+                </a:r>
+                <a14:m>
+                  <m:oMath xmlns:m="http://schemas.openxmlformats.org/officeDocument/2006/math">
+                    <m:acc>
+                      <m:accPr>
+                        <m:chr m:val="̂"/>
+                        <m:ctrlPr>
+                          <a:rPr lang="fr-FR" i="1" smtClean="0">
+                            <a:latin typeface="Cambria Math" panose="02040503050406030204" pitchFamily="18" charset="0"/>
+                            <a:cs typeface="Times New Roman" panose="02020603050405020304" pitchFamily="18" charset="0"/>
+                          </a:rPr>
+                        </m:ctrlPr>
+                      </m:accPr>
+                      <m:e>
+                        <m:r>
+                          <a:rPr lang="fr-FR" i="1">
+                            <a:latin typeface="Cambria Math" panose="02040503050406030204" pitchFamily="18" charset="0"/>
+                            <a:cs typeface="Times New Roman" panose="02020603050405020304" pitchFamily="18" charset="0"/>
+                          </a:rPr>
+                          <m:t>𝑝</m:t>
+                        </m:r>
+                      </m:e>
+                    </m:acc>
+                  </m:oMath>
+                </a14:m>
+                <a:r>
+                  <a:rPr lang="fr-FR" dirty="0">
+                    <a:latin typeface="Times New Roman" panose="02020603050405020304" pitchFamily="18" charset="0"/>
+                    <a:cs typeface="Times New Roman" panose="02020603050405020304" pitchFamily="18" charset="0"/>
+                  </a:rPr>
+                  <a:t> est plus élevé que l’ordre de convergence théorique attendu.  </a:t>
+                </a:r>
+              </a:p>
+              <a:p>
+                <a:pPr algn="just"/>
+                <a:r>
+                  <a:rPr lang="fr-FR" b="1" dirty="0">
+                    <a:highlight>
+                      <a:srgbClr val="FFFF00"/>
+                    </a:highlight>
+                    <a:latin typeface="Times New Roman" panose="02020603050405020304" pitchFamily="18" charset="0"/>
+                    <a:cs typeface="Times New Roman" panose="02020603050405020304" pitchFamily="18" charset="0"/>
+                  </a:rPr>
+                  <a:t>HYPOTHESE D EXPLICATION</a:t>
+                </a:r>
+                <a:r>
+                  <a:rPr lang="fr-FR" dirty="0">
+                    <a:highlight>
+                      <a:srgbClr val="FFFF00"/>
+                    </a:highlight>
+                    <a:latin typeface="Times New Roman" panose="02020603050405020304" pitchFamily="18" charset="0"/>
+                    <a:cs typeface="Times New Roman" panose="02020603050405020304" pitchFamily="18" charset="0"/>
+                  </a:rPr>
+                  <a:t> </a:t>
+                </a:r>
+                <a:endParaRPr lang="fr-FR" noProof="0" dirty="0">
+                  <a:highlight>
+                    <a:srgbClr val="FFFF00"/>
+                  </a:highlight>
+                  <a:latin typeface="Times New Roman" panose="02020603050405020304" pitchFamily="18" charset="0"/>
+                  <a:cs typeface="Times New Roman" panose="02020603050405020304" pitchFamily="18" charset="0"/>
+                </a:endParaRPr>
+              </a:p>
+            </p:txBody>
+          </p:sp>
+        </mc:Choice>
+        <mc:Fallback>
+          <p:sp>
+            <p:nvSpPr>
+              <p:cNvPr id="12" name="TextBox 11">
+                <a:extLst>
+                  <a:ext uri="{FF2B5EF4-FFF2-40B4-BE49-F238E27FC236}">
+                    <a16:creationId xmlns:a16="http://schemas.microsoft.com/office/drawing/2014/main" id="{AFD64144-DA5F-8B73-6CEA-181D47AD5646}"/>
+                  </a:ext>
+                </a:extLst>
+              </p:cNvPr>
+              <p:cNvSpPr txBox="1">
+                <a:spLocks noRot="1" noChangeAspect="1" noMove="1" noResize="1" noEditPoints="1" noAdjustHandles="1" noChangeArrowheads="1" noChangeShapeType="1" noTextEdit="1"/>
+              </p:cNvSpPr>
+              <p:nvPr/>
+            </p:nvSpPr>
+            <p:spPr>
+              <a:xfrm>
+                <a:off x="0" y="6063424"/>
+                <a:ext cx="12192000" cy="646331"/>
+              </a:xfrm>
+              <a:prstGeom prst="rect">
+                <a:avLst/>
+              </a:prstGeom>
+              <a:blipFill>
+                <a:blip r:embed="rId5"/>
+                <a:stretch>
+                  <a:fillRect l="-400" t="-5660" b="-14151"/>
+                </a:stretch>
+              </a:blipFill>
+            </p:spPr>
+            <p:txBody>
+              <a:bodyPr/>
+              <a:lstStyle/>
+              <a:p>
+                <a:r>
+                  <a:rPr lang="en-GB">
+                    <a:noFill/>
+                  </a:rPr>
+                  <a:t> </a:t>
+                </a:r>
+              </a:p>
+            </p:txBody>
+          </p:sp>
+        </mc:Fallback>
+      </mc:AlternateContent>
       <p:sp>
         <p:nvSpPr>
-          <p:cNvPr id="5" name="TextBox 4">
+          <p:cNvPr id="13" name="TextBox 12">
             <a:extLst>
               <a:ext uri="{FF2B5EF4-FFF2-40B4-BE49-F238E27FC236}">
-                <a16:creationId xmlns:a16="http://schemas.microsoft.com/office/drawing/2014/main" id="{FAC551E2-7AD3-5FEF-E2DE-209EDBFB2695}"/>
+                <a16:creationId xmlns:a16="http://schemas.microsoft.com/office/drawing/2014/main" id="{C4557F9C-855D-3055-9D46-7013C9868120}"/>
               </a:ext>
             </a:extLst>
           </p:cNvPr>
@@ -32937,8 +37892,8 @@
         </p:nvSpPr>
         <p:spPr>
           <a:xfrm>
-            <a:off x="0" y="627468"/>
-            <a:ext cx="12192000" cy="1569660"/>
+            <a:off x="302698" y="5754465"/>
+            <a:ext cx="4559249" cy="307777"/>
           </a:xfrm>
           <a:prstGeom prst="rect">
             <a:avLst/>
@@ -32952,95 +37907,40 @@
           <a:lstStyle/>
           <a:p>
             <a:r>
-              <a:rPr lang="en-GB" sz="1600" dirty="0"/>
-              <a:t>Ansys. (2020, </a:t>
+              <a:rPr lang="fr-FR" sz="1400" b="1" noProof="0" dirty="0">
+                <a:latin typeface="Times New Roman" panose="02020603050405020304" pitchFamily="18" charset="0"/>
+                <a:cs typeface="Times New Roman" panose="02020603050405020304" pitchFamily="18" charset="0"/>
+              </a:rPr>
+              <a:t>Figure [] </a:t>
             </a:r>
             <a:r>
-              <a:rPr lang="en-GB" sz="1600" dirty="0" err="1"/>
-              <a:t>octobre</a:t>
+              <a:rPr lang="fr-FR" sz="1400" noProof="0" dirty="0">
+                <a:latin typeface="Times New Roman" panose="02020603050405020304" pitchFamily="18" charset="0"/>
+                <a:cs typeface="Times New Roman" panose="02020603050405020304" pitchFamily="18" charset="0"/>
+              </a:rPr>
+              <a:t>: Code python « </a:t>
             </a:r>
             <a:r>
-              <a:rPr lang="en-GB" sz="1600" dirty="0"/>
-              <a:t>). </a:t>
+              <a:rPr lang="fr-FR" sz="1400" i="1" noProof="0" dirty="0">
+                <a:latin typeface="Times New Roman" panose="02020603050405020304" pitchFamily="18" charset="0"/>
+                <a:cs typeface="Times New Roman" panose="02020603050405020304" pitchFamily="18" charset="0"/>
+              </a:rPr>
+              <a:t>cv_asymptotique.py </a:t>
             </a:r>
             <a:r>
-              <a:rPr lang="en-GB" sz="1600" i="1" dirty="0"/>
-              <a:t>Lesson 3: Large deformations governing equations</a:t>
+              <a:rPr lang="fr-FR" sz="1400" noProof="0" dirty="0">
+                <a:latin typeface="Times New Roman" panose="02020603050405020304" pitchFamily="18" charset="0"/>
+                <a:cs typeface="Times New Roman" panose="02020603050405020304" pitchFamily="18" charset="0"/>
+              </a:rPr>
+              <a:t>»</a:t>
             </a:r>
-            <a:r>
-              <a:rPr lang="en-GB" sz="1600" dirty="0"/>
-              <a:t> [PDF]. Ansys Innovation Space. </a:t>
-            </a:r>
-            <a:r>
-              <a:rPr lang="en-GB" sz="1600" dirty="0">
-                <a:hlinkClick r:id="rId2"/>
-              </a:rPr>
-              <a:t>https://innovationspace.ansys.com/courses/wp-content/uploads/2020/10/Lesson3_LargeDeformationsGoverningEquations.pdf</a:t>
-            </a:r>
-            <a:endParaRPr lang="en-GB" sz="1600" dirty="0"/>
-          </a:p>
-          <a:p>
-            <a:endParaRPr lang="en-GB" sz="1600" dirty="0"/>
-          </a:p>
-          <a:p>
-            <a:r>
-              <a:rPr lang="fr-FR" sz="1600" dirty="0" err="1"/>
-              <a:t>Labed</a:t>
-            </a:r>
-            <a:r>
-              <a:rPr lang="fr-FR" sz="1600" dirty="0"/>
-              <a:t>, N. &amp; </a:t>
-            </a:r>
-            <a:r>
-              <a:rPr lang="fr-FR" sz="1600" dirty="0" err="1"/>
-              <a:t>Peyraut</a:t>
-            </a:r>
-            <a:r>
-              <a:rPr lang="fr-FR" sz="1600" dirty="0"/>
-              <a:t>, F. (n.d.). </a:t>
-            </a:r>
-            <a:r>
-              <a:rPr lang="fr-FR" sz="1600" i="1" dirty="0"/>
-              <a:t>TE41 Mécanique des milieux continus</a:t>
-            </a:r>
-            <a:r>
-              <a:rPr lang="fr-FR" sz="1600" dirty="0"/>
-              <a:t> [Cours]. Université de Technologie de Belfort-Montbéliard (UTBM).</a:t>
-            </a:r>
-            <a:endParaRPr lang="en-GB" sz="1600" dirty="0"/>
-          </a:p>
-          <a:p>
-            <a:endParaRPr lang="en-GB" sz="1600" dirty="0"/>
-          </a:p>
-          <a:p>
-            <a:r>
-              <a:rPr lang="fr-FR" sz="1600" dirty="0"/>
-              <a:t>Chamoret, D. (n.d.). </a:t>
-            </a:r>
-            <a:r>
-              <a:rPr lang="fr-FR" sz="1600" i="1" dirty="0"/>
-              <a:t>MN44 Introduction to multi-</a:t>
-            </a:r>
-            <a:r>
-              <a:rPr lang="fr-FR" sz="1600" i="1" dirty="0" err="1"/>
-              <a:t>physics</a:t>
-            </a:r>
-            <a:r>
-              <a:rPr lang="fr-FR" sz="1600" i="1" dirty="0"/>
-              <a:t> simulation</a:t>
-            </a:r>
-            <a:r>
-              <a:rPr lang="fr-FR" sz="1600" dirty="0"/>
-              <a:t> [Cours]. Université de Technologie de Belfort-Montbéliard (UTBM).</a:t>
-            </a:r>
-            <a:endParaRPr lang="en-GB" sz="1600" dirty="0"/>
           </a:p>
         </p:txBody>
       </p:sp>
     </p:spTree>
     <p:extLst>
       <p:ext uri="{BB962C8B-B14F-4D97-AF65-F5344CB8AC3E}">
-        <p14:creationId xmlns:p14="http://schemas.microsoft.com/office/powerpoint/2010/main" val="3135963873"/>
+        <p14:creationId xmlns:p14="http://schemas.microsoft.com/office/powerpoint/2010/main" val="1989661597"/>
       </p:ext>
     </p:extLst>
   </p:cSld>

--- a/03_Rapport/Rapport_Projet.pptx
+++ b/03_Rapport/Rapport_Projet.pptx
@@ -145,7 +145,7 @@
 <file path=ppt/revisionInfo.xml><?xml version="1.0" encoding="utf-8"?>
 <p1510:revInfo xmlns:a="http://schemas.openxmlformats.org/drawingml/2006/main" xmlns:r="http://schemas.openxmlformats.org/officeDocument/2006/relationships" xmlns:p1510="http://schemas.microsoft.com/office/powerpoint/2015/10/main">
   <p1510:revLst>
-    <p1510:client id="{1404D58C-429C-4D75-B5B2-E1C9B8E0DC36}" v="2385" dt="2025-03-16T18:25:29.250"/>
+    <p1510:client id="{1404D58C-429C-4D75-B5B2-E1C9B8E0DC36}" v="2395" dt="2025-03-18T00:13:16.107"/>
   </p1510:revLst>
 </p1510:revInfo>
 </file>
@@ -1382,7 +1382,7 @@
   <pc:docChgLst>
     <pc:chgData name="François GLEYZON" userId="a2d04f23f7faf3ef" providerId="LiveId" clId="{1404D58C-429C-4D75-B5B2-E1C9B8E0DC36}"/>
     <pc:docChg chg="undo redo custSel addSld modSld sldOrd">
-      <pc:chgData name="François GLEYZON" userId="a2d04f23f7faf3ef" providerId="LiveId" clId="{1404D58C-429C-4D75-B5B2-E1C9B8E0DC36}" dt="2025-03-16T18:28:40.057" v="7126" actId="113"/>
+      <pc:chgData name="François GLEYZON" userId="a2d04f23f7faf3ef" providerId="LiveId" clId="{1404D58C-429C-4D75-B5B2-E1C9B8E0DC36}" dt="2025-03-18T00:13:16.107" v="7136" actId="13926"/>
       <pc:docMkLst>
         <pc:docMk/>
       </pc:docMkLst>
@@ -1398,14 +1398,6 @@
             <pc:docMk/>
             <pc:sldMk cId="2801290844" sldId="256"/>
             <ac:spMk id="5" creationId="{CCB64622-7D99-EF9C-E64A-6B7A68B130E7}"/>
-          </ac:spMkLst>
-        </pc:spChg>
-        <pc:spChg chg="del">
-          <ac:chgData name="François GLEYZON" userId="a2d04f23f7faf3ef" providerId="LiveId" clId="{1404D58C-429C-4D75-B5B2-E1C9B8E0DC36}" dt="2025-03-16T14:36:30.746" v="1515" actId="478"/>
-          <ac:spMkLst>
-            <pc:docMk/>
-            <pc:sldMk cId="2801290844" sldId="256"/>
-            <ac:spMk id="10" creationId="{8C55F6B5-A972-7032-5631-C5F15CB2F398}"/>
           </ac:spMkLst>
         </pc:spChg>
         <pc:spChg chg="add mod">
@@ -1431,14 +1423,6 @@
           <pc:docMk/>
           <pc:sldMk cId="2487955664" sldId="257"/>
         </pc:sldMkLst>
-        <pc:spChg chg="add del">
-          <ac:chgData name="François GLEYZON" userId="a2d04f23f7faf3ef" providerId="LiveId" clId="{1404D58C-429C-4D75-B5B2-E1C9B8E0DC36}" dt="2025-03-16T14:16:57.551" v="36" actId="22"/>
-          <ac:spMkLst>
-            <pc:docMk/>
-            <pc:sldMk cId="2487955664" sldId="257"/>
-            <ac:spMk id="14" creationId="{430CFFF0-7C4B-894E-171B-1AFEC934D0B9}"/>
-          </ac:spMkLst>
-        </pc:spChg>
       </pc:sldChg>
       <pc:sldChg chg="addSp delSp modSp mod">
         <pc:chgData name="François GLEYZON" userId="a2d04f23f7faf3ef" providerId="LiveId" clId="{1404D58C-429C-4D75-B5B2-E1C9B8E0DC36}" dt="2025-03-16T18:23:45.777" v="6935" actId="20577"/>
@@ -1446,38 +1430,6 @@
           <pc:docMk/>
           <pc:sldMk cId="1966793551" sldId="265"/>
         </pc:sldMkLst>
-        <pc:spChg chg="del">
-          <ac:chgData name="François GLEYZON" userId="a2d04f23f7faf3ef" providerId="LiveId" clId="{1404D58C-429C-4D75-B5B2-E1C9B8E0DC36}" dt="2025-03-16T14:17:23.864" v="45" actId="478"/>
-          <ac:spMkLst>
-            <pc:docMk/>
-            <pc:sldMk cId="1966793551" sldId="265"/>
-            <ac:spMk id="2" creationId="{293F0418-B279-4C4B-1DEA-C69ECA2E05ED}"/>
-          </ac:spMkLst>
-        </pc:spChg>
-        <pc:spChg chg="del">
-          <ac:chgData name="François GLEYZON" userId="a2d04f23f7faf3ef" providerId="LiveId" clId="{1404D58C-429C-4D75-B5B2-E1C9B8E0DC36}" dt="2025-03-16T14:17:23.864" v="45" actId="478"/>
-          <ac:spMkLst>
-            <pc:docMk/>
-            <pc:sldMk cId="1966793551" sldId="265"/>
-            <ac:spMk id="3" creationId="{A5C24A31-19A6-337D-E656-6090CC92BE94}"/>
-          </ac:spMkLst>
-        </pc:spChg>
-        <pc:spChg chg="del">
-          <ac:chgData name="François GLEYZON" userId="a2d04f23f7faf3ef" providerId="LiveId" clId="{1404D58C-429C-4D75-B5B2-E1C9B8E0DC36}" dt="2025-03-16T14:17:23.864" v="45" actId="478"/>
-          <ac:spMkLst>
-            <pc:docMk/>
-            <pc:sldMk cId="1966793551" sldId="265"/>
-            <ac:spMk id="5" creationId="{966EEB2D-AD16-27A2-ECFE-15577C4EDB26}"/>
-          </ac:spMkLst>
-        </pc:spChg>
-        <pc:spChg chg="del">
-          <ac:chgData name="François GLEYZON" userId="a2d04f23f7faf3ef" providerId="LiveId" clId="{1404D58C-429C-4D75-B5B2-E1C9B8E0DC36}" dt="2025-03-16T14:17:23.864" v="45" actId="478"/>
-          <ac:spMkLst>
-            <pc:docMk/>
-            <pc:sldMk cId="1966793551" sldId="265"/>
-            <ac:spMk id="8" creationId="{1E18C6D8-2662-6CC5-2BE7-F1DDE9107D03}"/>
-          </ac:spMkLst>
-        </pc:spChg>
         <pc:spChg chg="mod">
           <ac:chgData name="François GLEYZON" userId="a2d04f23f7faf3ef" providerId="LiveId" clId="{1404D58C-429C-4D75-B5B2-E1C9B8E0DC36}" dt="2025-03-16T14:17:32.286" v="61" actId="20577"/>
           <ac:spMkLst>
@@ -1486,92 +1438,12 @@
             <ac:spMk id="9" creationId="{6E9846D3-47A3-2AE6-6383-AB77CC5B517E}"/>
           </ac:spMkLst>
         </pc:spChg>
-        <pc:spChg chg="del">
-          <ac:chgData name="François GLEYZON" userId="a2d04f23f7faf3ef" providerId="LiveId" clId="{1404D58C-429C-4D75-B5B2-E1C9B8E0DC36}" dt="2025-03-16T14:17:23.864" v="45" actId="478"/>
-          <ac:spMkLst>
-            <pc:docMk/>
-            <pc:sldMk cId="1966793551" sldId="265"/>
-            <ac:spMk id="10" creationId="{E6776343-149B-C142-CF34-8C3AA10AF8AF}"/>
-          </ac:spMkLst>
-        </pc:spChg>
         <pc:spChg chg="add mod">
           <ac:chgData name="François GLEYZON" userId="a2d04f23f7faf3ef" providerId="LiveId" clId="{1404D58C-429C-4D75-B5B2-E1C9B8E0DC36}" dt="2025-03-16T14:24:23.045" v="574" actId="20577"/>
           <ac:spMkLst>
             <pc:docMk/>
             <pc:sldMk cId="1966793551" sldId="265"/>
             <ac:spMk id="11" creationId="{072A0C86-E46F-7872-4F73-D0C64405F9A7}"/>
-          </ac:spMkLst>
-        </pc:spChg>
-        <pc:spChg chg="add del">
-          <ac:chgData name="François GLEYZON" userId="a2d04f23f7faf3ef" providerId="LiveId" clId="{1404D58C-429C-4D75-B5B2-E1C9B8E0DC36}" dt="2025-03-16T14:22:01.893" v="513" actId="478"/>
-          <ac:spMkLst>
-            <pc:docMk/>
-            <pc:sldMk cId="1966793551" sldId="265"/>
-            <ac:spMk id="12" creationId="{B61FA2CD-BA5B-EC4B-3817-01B81099CBCC}"/>
-          </ac:spMkLst>
-        </pc:spChg>
-        <pc:spChg chg="del">
-          <ac:chgData name="François GLEYZON" userId="a2d04f23f7faf3ef" providerId="LiveId" clId="{1404D58C-429C-4D75-B5B2-E1C9B8E0DC36}" dt="2025-03-16T14:17:23.864" v="45" actId="478"/>
-          <ac:spMkLst>
-            <pc:docMk/>
-            <pc:sldMk cId="1966793551" sldId="265"/>
-            <ac:spMk id="13" creationId="{420BC2C4-CEB9-97AE-8462-8BBABA109D44}"/>
-          </ac:spMkLst>
-        </pc:spChg>
-        <pc:spChg chg="del">
-          <ac:chgData name="François GLEYZON" userId="a2d04f23f7faf3ef" providerId="LiveId" clId="{1404D58C-429C-4D75-B5B2-E1C9B8E0DC36}" dt="2025-03-16T14:17:23.864" v="45" actId="478"/>
-          <ac:spMkLst>
-            <pc:docMk/>
-            <pc:sldMk cId="1966793551" sldId="265"/>
-            <ac:spMk id="15" creationId="{7A3EA391-AC61-60F2-E3E1-534BD1D887A1}"/>
-          </ac:spMkLst>
-        </pc:spChg>
-        <pc:spChg chg="del">
-          <ac:chgData name="François GLEYZON" userId="a2d04f23f7faf3ef" providerId="LiveId" clId="{1404D58C-429C-4D75-B5B2-E1C9B8E0DC36}" dt="2025-03-16T14:17:23.864" v="45" actId="478"/>
-          <ac:spMkLst>
-            <pc:docMk/>
-            <pc:sldMk cId="1966793551" sldId="265"/>
-            <ac:spMk id="19" creationId="{1E42DB06-8668-2792-877E-6AAD838CFA0F}"/>
-          </ac:spMkLst>
-        </pc:spChg>
-        <pc:spChg chg="add">
-          <ac:chgData name="François GLEYZON" userId="a2d04f23f7faf3ef" providerId="LiveId" clId="{1404D58C-429C-4D75-B5B2-E1C9B8E0DC36}" dt="2025-03-16T14:22:44.210" v="517"/>
-          <ac:spMkLst>
-            <pc:docMk/>
-            <pc:sldMk cId="1966793551" sldId="265"/>
-            <ac:spMk id="21" creationId="{17A150B4-CFC4-1AFF-5FE8-55EB6FE1B7D0}"/>
-          </ac:spMkLst>
-        </pc:spChg>
-        <pc:spChg chg="del">
-          <ac:chgData name="François GLEYZON" userId="a2d04f23f7faf3ef" providerId="LiveId" clId="{1404D58C-429C-4D75-B5B2-E1C9B8E0DC36}" dt="2025-03-16T14:17:25.863" v="46" actId="478"/>
-          <ac:spMkLst>
-            <pc:docMk/>
-            <pc:sldMk cId="1966793551" sldId="265"/>
-            <ac:spMk id="23" creationId="{96F8C1F7-33DA-2A88-BE56-2E0648A83928}"/>
-          </ac:spMkLst>
-        </pc:spChg>
-        <pc:spChg chg="add del mod">
-          <ac:chgData name="François GLEYZON" userId="a2d04f23f7faf3ef" providerId="LiveId" clId="{1404D58C-429C-4D75-B5B2-E1C9B8E0DC36}" dt="2025-03-16T14:23:57.543" v="532"/>
-          <ac:spMkLst>
-            <pc:docMk/>
-            <pc:sldMk cId="1966793551" sldId="265"/>
-            <ac:spMk id="24" creationId="{588D05E2-E437-8C4B-DEE2-205608BD70D5}"/>
-          </ac:spMkLst>
-        </pc:spChg>
-        <pc:spChg chg="del">
-          <ac:chgData name="François GLEYZON" userId="a2d04f23f7faf3ef" providerId="LiveId" clId="{1404D58C-429C-4D75-B5B2-E1C9B8E0DC36}" dt="2025-03-16T14:17:23.864" v="45" actId="478"/>
-          <ac:spMkLst>
-            <pc:docMk/>
-            <pc:sldMk cId="1966793551" sldId="265"/>
-            <ac:spMk id="25" creationId="{B0251520-F500-2B22-A0CF-416CA59E6ED4}"/>
-          </ac:spMkLst>
-        </pc:spChg>
-        <pc:spChg chg="add del mod">
-          <ac:chgData name="François GLEYZON" userId="a2d04f23f7faf3ef" providerId="LiveId" clId="{1404D58C-429C-4D75-B5B2-E1C9B8E0DC36}" dt="2025-03-16T14:23:57.543" v="530" actId="478"/>
-          <ac:spMkLst>
-            <pc:docMk/>
-            <pc:sldMk cId="1966793551" sldId="265"/>
-            <ac:spMk id="27" creationId="{8FB06579-0BD5-7E8A-27B4-CE22901FC125}"/>
           </ac:spMkLst>
         </pc:spChg>
         <pc:spChg chg="add mod">
@@ -1604,38 +1476,6 @@
             <pc:docMk/>
             <pc:sldMk cId="1966793551" sldId="265"/>
             <ac:spMk id="31" creationId="{E096CA17-3B37-1EC9-086C-6073F9F0E327}"/>
-          </ac:spMkLst>
-        </pc:spChg>
-        <pc:spChg chg="add del mod">
-          <ac:chgData name="François GLEYZON" userId="a2d04f23f7faf3ef" providerId="LiveId" clId="{1404D58C-429C-4D75-B5B2-E1C9B8E0DC36}" dt="2025-03-16T14:33:26.003" v="1131" actId="478"/>
-          <ac:spMkLst>
-            <pc:docMk/>
-            <pc:sldMk cId="1966793551" sldId="265"/>
-            <ac:spMk id="32" creationId="{FAC4B059-5CEC-9554-CCC0-13E92B703E80}"/>
-          </ac:spMkLst>
-        </pc:spChg>
-        <pc:spChg chg="add mod">
-          <ac:chgData name="François GLEYZON" userId="a2d04f23f7faf3ef" providerId="LiveId" clId="{1404D58C-429C-4D75-B5B2-E1C9B8E0DC36}" dt="2025-03-16T14:34:16.093" v="1141"/>
-          <ac:spMkLst>
-            <pc:docMk/>
-            <pc:sldMk cId="1966793551" sldId="265"/>
-            <ac:spMk id="34" creationId="{DDFB4563-858D-6BEC-2941-86107F865165}"/>
-          </ac:spMkLst>
-        </pc:spChg>
-        <pc:spChg chg="del">
-          <ac:chgData name="François GLEYZON" userId="a2d04f23f7faf3ef" providerId="LiveId" clId="{1404D58C-429C-4D75-B5B2-E1C9B8E0DC36}" dt="2025-03-16T14:17:23.864" v="45" actId="478"/>
-          <ac:spMkLst>
-            <pc:docMk/>
-            <pc:sldMk cId="1966793551" sldId="265"/>
-            <ac:spMk id="44" creationId="{606C2879-B07E-738C-AE26-577B745F030F}"/>
-          </ac:spMkLst>
-        </pc:spChg>
-        <pc:spChg chg="add mod">
-          <ac:chgData name="François GLEYZON" userId="a2d04f23f7faf3ef" providerId="LiveId" clId="{1404D58C-429C-4D75-B5B2-E1C9B8E0DC36}" dt="2025-03-16T14:34:50.953" v="1187"/>
-          <ac:spMkLst>
-            <pc:docMk/>
-            <pc:sldMk cId="1966793551" sldId="265"/>
-            <ac:spMk id="46" creationId="{A4E86017-BADD-6BA5-7B33-13B38A2596BF}"/>
           </ac:spMkLst>
         </pc:spChg>
         <pc:spChg chg="add mod">
@@ -1968,14 +1808,6 @@
             <ac:picMk id="8" creationId="{8A31FEA3-15F3-A5B2-8631-79D870FD9189}"/>
           </ac:picMkLst>
         </pc:picChg>
-        <pc:picChg chg="add del mod">
-          <ac:chgData name="François GLEYZON" userId="a2d04f23f7faf3ef" providerId="LiveId" clId="{1404D58C-429C-4D75-B5B2-E1C9B8E0DC36}" dt="2025-03-16T18:06:40.277" v="6267" actId="478"/>
-          <ac:picMkLst>
-            <pc:docMk/>
-            <pc:sldMk cId="1767245589" sldId="272"/>
-            <ac:picMk id="24" creationId="{E8F8FD81-0308-9087-FF01-47CD210BD73C}"/>
-          </ac:picMkLst>
-        </pc:picChg>
         <pc:picChg chg="add mod">
           <ac:chgData name="François GLEYZON" userId="a2d04f23f7faf3ef" providerId="LiveId" clId="{1404D58C-429C-4D75-B5B2-E1C9B8E0DC36}" dt="2025-03-16T18:06:56.413" v="6270" actId="1076"/>
           <ac:picMkLst>
@@ -1998,14 +1830,6 @@
             <pc:docMk/>
             <pc:sldMk cId="1767245589" sldId="272"/>
             <ac:cxnSpMk id="16" creationId="{80972539-C73D-4278-5BF7-104942B2DDC7}"/>
-          </ac:cxnSpMkLst>
-        </pc:cxnChg>
-        <pc:cxnChg chg="add del mod">
-          <ac:chgData name="François GLEYZON" userId="a2d04f23f7faf3ef" providerId="LiveId" clId="{1404D58C-429C-4D75-B5B2-E1C9B8E0DC36}" dt="2025-03-16T18:02:47.257" v="6260" actId="478"/>
-          <ac:cxnSpMkLst>
-            <pc:docMk/>
-            <pc:sldMk cId="1767245589" sldId="272"/>
-            <ac:cxnSpMk id="19" creationId="{2CC7EAF6-7084-579C-A809-A8C6AD9E4D59}"/>
           </ac:cxnSpMkLst>
         </pc:cxnChg>
         <pc:cxnChg chg="add mod">
@@ -2134,28 +1958,12 @@
             <ac:spMk id="2" creationId="{250421EB-6552-6AB6-6F25-DA6377842E5D}"/>
           </ac:spMkLst>
         </pc:spChg>
-        <pc:spChg chg="add">
-          <ac:chgData name="François GLEYZON" userId="a2d04f23f7faf3ef" providerId="LiveId" clId="{1404D58C-429C-4D75-B5B2-E1C9B8E0DC36}" dt="2025-03-16T14:33:58.872" v="1135"/>
-          <ac:spMkLst>
-            <pc:docMk/>
-            <pc:sldMk cId="1403034857" sldId="274"/>
-            <ac:spMk id="2" creationId="{DEBEE273-6166-F73D-62DE-00D3C4D23038}"/>
-          </ac:spMkLst>
-        </pc:spChg>
         <pc:spChg chg="add mod">
           <ac:chgData name="François GLEYZON" userId="a2d04f23f7faf3ef" providerId="LiveId" clId="{1404D58C-429C-4D75-B5B2-E1C9B8E0DC36}" dt="2025-03-16T14:34:27.905" v="1172" actId="20577"/>
           <ac:spMkLst>
             <pc:docMk/>
             <pc:sldMk cId="1403034857" sldId="274"/>
             <ac:spMk id="4" creationId="{E3C49277-8E12-BB83-3B74-7BE038B51A44}"/>
-          </ac:spMkLst>
-        </pc:spChg>
-        <pc:spChg chg="add del mod">
-          <ac:chgData name="François GLEYZON" userId="a2d04f23f7faf3ef" providerId="LiveId" clId="{1404D58C-429C-4D75-B5B2-E1C9B8E0DC36}" dt="2025-03-16T14:34:41.938" v="1175" actId="478"/>
-          <ac:spMkLst>
-            <pc:docMk/>
-            <pc:sldMk cId="1403034857" sldId="274"/>
-            <ac:spMk id="5" creationId="{13733F27-6381-1D8F-E686-8FC31E0A288B}"/>
           </ac:spMkLst>
         </pc:spChg>
         <pc:spChg chg="add mod">
@@ -2167,27 +1975,11 @@
           </ac:spMkLst>
         </pc:spChg>
         <pc:spChg chg="add mod">
-          <ac:chgData name="François GLEYZON" userId="a2d04f23f7faf3ef" providerId="LiveId" clId="{1404D58C-429C-4D75-B5B2-E1C9B8E0DC36}" dt="2025-03-16T14:36:34.683" v="1518"/>
-          <ac:spMkLst>
-            <pc:docMk/>
-            <pc:sldMk cId="1403034857" sldId="274"/>
-            <ac:spMk id="7" creationId="{230FF2D0-E9EC-77ED-50C2-A9F925F3DBC0}"/>
-          </ac:spMkLst>
-        </pc:spChg>
-        <pc:spChg chg="add mod">
           <ac:chgData name="François GLEYZON" userId="a2d04f23f7faf3ef" providerId="LiveId" clId="{1404D58C-429C-4D75-B5B2-E1C9B8E0DC36}" dt="2025-03-16T14:41:39.123" v="2068" actId="20577"/>
           <ac:spMkLst>
             <pc:docMk/>
             <pc:sldMk cId="1403034857" sldId="274"/>
             <ac:spMk id="8" creationId="{23AAE550-8793-C14A-40F5-CD14768E5CC4}"/>
-          </ac:spMkLst>
-        </pc:spChg>
-        <pc:spChg chg="add mod">
-          <ac:chgData name="François GLEYZON" userId="a2d04f23f7faf3ef" providerId="LiveId" clId="{1404D58C-429C-4D75-B5B2-E1C9B8E0DC36}" dt="2025-03-16T14:40:05.343" v="1889"/>
-          <ac:spMkLst>
-            <pc:docMk/>
-            <pc:sldMk cId="1403034857" sldId="274"/>
-            <ac:spMk id="10" creationId="{08C6E362-4141-D12F-F9EB-A619A7532796}"/>
           </ac:spMkLst>
         </pc:spChg>
         <pc:spChg chg="mod">
@@ -2206,60 +1998,12 @@
             <ac:spMk id="13" creationId="{F42919BC-EA1A-4B98-6077-4001FBC5468F}"/>
           </ac:spMkLst>
         </pc:spChg>
-        <pc:spChg chg="del">
-          <ac:chgData name="François GLEYZON" userId="a2d04f23f7faf3ef" providerId="LiveId" clId="{1404D58C-429C-4D75-B5B2-E1C9B8E0DC36}" dt="2025-03-16T14:33:30.263" v="1133" actId="478"/>
-          <ac:spMkLst>
-            <pc:docMk/>
-            <pc:sldMk cId="1403034857" sldId="274"/>
-            <ac:spMk id="28" creationId="{09BA491A-5553-F1DA-20A7-1D95DCE98E69}"/>
-          </ac:spMkLst>
-        </pc:spChg>
-        <pc:spChg chg="del">
-          <ac:chgData name="François GLEYZON" userId="a2d04f23f7faf3ef" providerId="LiveId" clId="{1404D58C-429C-4D75-B5B2-E1C9B8E0DC36}" dt="2025-03-16T14:33:31.683" v="1134" actId="478"/>
-          <ac:spMkLst>
-            <pc:docMk/>
-            <pc:sldMk cId="1403034857" sldId="274"/>
-            <ac:spMk id="29" creationId="{E1F0EC07-17E7-CCF4-DD0B-DD446AD98440}"/>
-          </ac:spMkLst>
-        </pc:spChg>
-        <pc:spChg chg="del">
-          <ac:chgData name="François GLEYZON" userId="a2d04f23f7faf3ef" providerId="LiveId" clId="{1404D58C-429C-4D75-B5B2-E1C9B8E0DC36}" dt="2025-03-16T14:33:31.683" v="1134" actId="478"/>
-          <ac:spMkLst>
-            <pc:docMk/>
-            <pc:sldMk cId="1403034857" sldId="274"/>
-            <ac:spMk id="30" creationId="{973A4AC9-DAC9-EFB4-8627-D758462375AC}"/>
-          </ac:spMkLst>
-        </pc:spChg>
-        <pc:spChg chg="del">
-          <ac:chgData name="François GLEYZON" userId="a2d04f23f7faf3ef" providerId="LiveId" clId="{1404D58C-429C-4D75-B5B2-E1C9B8E0DC36}" dt="2025-03-16T14:33:31.683" v="1134" actId="478"/>
-          <ac:spMkLst>
-            <pc:docMk/>
-            <pc:sldMk cId="1403034857" sldId="274"/>
-            <ac:spMk id="31" creationId="{A23A4D7F-1145-BA8C-BB41-D7F5E5AF75CD}"/>
-          </ac:spMkLst>
-        </pc:spChg>
-        <pc:spChg chg="del">
-          <ac:chgData name="François GLEYZON" userId="a2d04f23f7faf3ef" providerId="LiveId" clId="{1404D58C-429C-4D75-B5B2-E1C9B8E0DC36}" dt="2025-03-16T14:33:31.683" v="1134" actId="478"/>
-          <ac:spMkLst>
-            <pc:docMk/>
-            <pc:sldMk cId="1403034857" sldId="274"/>
-            <ac:spMk id="32" creationId="{AC6181A8-C065-26E9-E778-596ABE2EA600}"/>
-          </ac:spMkLst>
-        </pc:spChg>
         <pc:picChg chg="add mod">
           <ac:chgData name="François GLEYZON" userId="a2d04f23f7faf3ef" providerId="LiveId" clId="{1404D58C-429C-4D75-B5B2-E1C9B8E0DC36}" dt="2025-03-16T14:34:09.753" v="1139" actId="1076"/>
           <ac:picMkLst>
             <pc:docMk/>
             <pc:sldMk cId="1403034857" sldId="274"/>
             <ac:picMk id="3" creationId="{E01AC50A-D99A-D3E4-4BBB-CAE8C1141722}"/>
-          </ac:picMkLst>
-        </pc:picChg>
-        <pc:picChg chg="add mod">
-          <ac:chgData name="François GLEYZON" userId="a2d04f23f7faf3ef" providerId="LiveId" clId="{1404D58C-429C-4D75-B5B2-E1C9B8E0DC36}" dt="2025-03-16T14:40:05.343" v="1889"/>
-          <ac:picMkLst>
-            <pc:docMk/>
-            <pc:sldMk cId="1403034857" sldId="274"/>
-            <ac:picMk id="12" creationId="{D1F98BD7-E325-7193-ED68-409485F7E874}"/>
           </ac:picMkLst>
         </pc:picChg>
         <pc:picChg chg="add mod">
@@ -2270,36 +2014,12 @@
             <ac:picMk id="14" creationId="{6D57DE72-C86C-8864-4204-0A2213B42D38}"/>
           </ac:picMkLst>
         </pc:picChg>
-        <pc:picChg chg="del">
-          <ac:chgData name="François GLEYZON" userId="a2d04f23f7faf3ef" providerId="LiveId" clId="{1404D58C-429C-4D75-B5B2-E1C9B8E0DC36}" dt="2025-03-16T14:33:31.683" v="1134" actId="478"/>
-          <ac:picMkLst>
-            <pc:docMk/>
-            <pc:sldMk cId="1403034857" sldId="274"/>
-            <ac:picMk id="16" creationId="{CA3E6582-9F14-9DCE-F408-2D9D6F0BBFDB}"/>
-          </ac:picMkLst>
-        </pc:picChg>
-        <pc:picChg chg="del">
-          <ac:chgData name="François GLEYZON" userId="a2d04f23f7faf3ef" providerId="LiveId" clId="{1404D58C-429C-4D75-B5B2-E1C9B8E0DC36}" dt="2025-03-16T14:33:31.683" v="1134" actId="478"/>
-          <ac:picMkLst>
-            <pc:docMk/>
-            <pc:sldMk cId="1403034857" sldId="274"/>
-            <ac:picMk id="22" creationId="{38C1AC40-6C55-4B99-1CD7-916B372CC101}"/>
-          </ac:picMkLst>
-        </pc:picChg>
         <pc:picChg chg="add mod">
           <ac:chgData name="François GLEYZON" userId="a2d04f23f7faf3ef" providerId="LiveId" clId="{1404D58C-429C-4D75-B5B2-E1C9B8E0DC36}" dt="2025-03-16T17:43:16.898" v="3942" actId="1076"/>
           <ac:picMkLst>
             <pc:docMk/>
             <pc:sldMk cId="1403034857" sldId="274"/>
             <ac:picMk id="1026" creationId="{C8CA877A-7DDE-FEB7-24D0-9EE0DFAC3ACC}"/>
-          </ac:picMkLst>
-        </pc:picChg>
-        <pc:picChg chg="add del mod">
-          <ac:chgData name="François GLEYZON" userId="a2d04f23f7faf3ef" providerId="LiveId" clId="{1404D58C-429C-4D75-B5B2-E1C9B8E0DC36}" dt="2025-03-16T14:40:41.773" v="2018" actId="478"/>
-          <ac:picMkLst>
-            <pc:docMk/>
-            <pc:sldMk cId="1403034857" sldId="274"/>
-            <ac:picMk id="2052" creationId="{C5AC3F3B-C29B-91DF-88A9-7E8F865274AF}"/>
           </ac:picMkLst>
         </pc:picChg>
       </pc:sldChg>
@@ -2309,14 +2029,6 @@
           <pc:docMk/>
           <pc:sldMk cId="3135963873" sldId="275"/>
         </pc:sldMkLst>
-        <pc:spChg chg="add del mod">
-          <ac:chgData name="François GLEYZON" userId="a2d04f23f7faf3ef" providerId="LiveId" clId="{1404D58C-429C-4D75-B5B2-E1C9B8E0DC36}" dt="2025-03-16T15:23:43.692" v="3265"/>
-          <ac:spMkLst>
-            <pc:docMk/>
-            <pc:sldMk cId="3135963873" sldId="275"/>
-            <ac:spMk id="4" creationId="{AAA4FF81-C165-3F5E-7D73-4B0C5A709AAC}"/>
-          </ac:spMkLst>
-        </pc:spChg>
         <pc:spChg chg="add mod">
           <ac:chgData name="François GLEYZON" userId="a2d04f23f7faf3ef" providerId="LiveId" clId="{1404D58C-429C-4D75-B5B2-E1C9B8E0DC36}" dt="2025-03-16T18:27:24.448" v="7125" actId="114"/>
           <ac:spMkLst>
@@ -2348,14 +2060,6 @@
             <ac:spMk id="5" creationId="{D2931CAA-5B1D-3DB8-5405-0EBED6E73DDA}"/>
           </ac:spMkLst>
         </pc:spChg>
-        <pc:spChg chg="del">
-          <ac:chgData name="François GLEYZON" userId="a2d04f23f7faf3ef" providerId="LiveId" clId="{1404D58C-429C-4D75-B5B2-E1C9B8E0DC36}" dt="2025-03-16T17:45:05.452" v="4066" actId="478"/>
-          <ac:spMkLst>
-            <pc:docMk/>
-            <pc:sldMk cId="312469821" sldId="276"/>
-            <ac:spMk id="6" creationId="{140E8935-F8CF-CDB2-33FE-926BA27955AE}"/>
-          </ac:spMkLst>
-        </pc:spChg>
         <pc:spChg chg="add mod">
           <ac:chgData name="François GLEYZON" userId="a2d04f23f7faf3ef" providerId="LiveId" clId="{1404D58C-429C-4D75-B5B2-E1C9B8E0DC36}" dt="2025-03-16T17:58:26.908" v="5884" actId="13926"/>
           <ac:spMkLst>
@@ -2380,14 +2084,6 @@
             <ac:spMk id="11" creationId="{9D58840C-50FD-E58B-670F-C4615DAF690D}"/>
           </ac:spMkLst>
         </pc:spChg>
-        <pc:picChg chg="del">
-          <ac:chgData name="François GLEYZON" userId="a2d04f23f7faf3ef" providerId="LiveId" clId="{1404D58C-429C-4D75-B5B2-E1C9B8E0DC36}" dt="2025-03-16T17:44:29.973" v="3946" actId="478"/>
-          <ac:picMkLst>
-            <pc:docMk/>
-            <pc:sldMk cId="312469821" sldId="276"/>
-            <ac:picMk id="4" creationId="{323538AA-59EF-B1E9-2783-CEB000A0DEB5}"/>
-          </ac:picMkLst>
-        </pc:picChg>
         <pc:picChg chg="add mod">
           <ac:chgData name="François GLEYZON" userId="a2d04f23f7faf3ef" providerId="LiveId" clId="{1404D58C-429C-4D75-B5B2-E1C9B8E0DC36}" dt="2025-03-16T17:49:26.117" v="4766" actId="1076"/>
           <ac:picMkLst>
@@ -2403,28 +2099,12 @@
           <pc:docMk/>
           <pc:sldMk cId="1989661597" sldId="277"/>
         </pc:sldMkLst>
-        <pc:spChg chg="add del">
-          <ac:chgData name="François GLEYZON" userId="a2d04f23f7faf3ef" providerId="LiveId" clId="{1404D58C-429C-4D75-B5B2-E1C9B8E0DC36}" dt="2025-03-16T17:57:17.994" v="5740" actId="22"/>
-          <ac:spMkLst>
-            <pc:docMk/>
-            <pc:sldMk cId="1989661597" sldId="277"/>
-            <ac:spMk id="4" creationId="{A162A23D-AF20-D9B4-51FA-5EFA7B379516}"/>
-          </ac:spMkLst>
-        </pc:spChg>
         <pc:spChg chg="mod">
           <ac:chgData name="François GLEYZON" userId="a2d04f23f7faf3ef" providerId="LiveId" clId="{1404D58C-429C-4D75-B5B2-E1C9B8E0DC36}" dt="2025-03-16T18:25:42.620" v="6987" actId="6549"/>
           <ac:spMkLst>
             <pc:docMk/>
             <pc:sldMk cId="1989661597" sldId="277"/>
             <ac:spMk id="5" creationId="{4DAC8AF4-A004-7163-A739-49ECA39B9FEC}"/>
-          </ac:spMkLst>
-        </pc:spChg>
-        <pc:spChg chg="del">
-          <ac:chgData name="François GLEYZON" userId="a2d04f23f7faf3ef" providerId="LiveId" clId="{1404D58C-429C-4D75-B5B2-E1C9B8E0DC36}" dt="2025-03-16T17:52:43.359" v="5189" actId="478"/>
-          <ac:spMkLst>
-            <pc:docMk/>
-            <pc:sldMk cId="1989661597" sldId="277"/>
-            <ac:spMk id="8" creationId="{E26FF0AE-EA9A-8134-87E2-28A6345F7E79}"/>
           </ac:spMkLst>
         </pc:spChg>
         <pc:spChg chg="mod">
@@ -2451,14 +2131,6 @@
             <ac:spMk id="13" creationId="{C4557F9C-855D-3055-9D46-7013C9868120}"/>
           </ac:spMkLst>
         </pc:spChg>
-        <pc:picChg chg="del">
-          <ac:chgData name="François GLEYZON" userId="a2d04f23f7faf3ef" providerId="LiveId" clId="{1404D58C-429C-4D75-B5B2-E1C9B8E0DC36}" dt="2025-03-16T17:52:41.327" v="5188" actId="478"/>
-          <ac:picMkLst>
-            <pc:docMk/>
-            <pc:sldMk cId="1989661597" sldId="277"/>
-            <ac:picMk id="7" creationId="{A0FD37C1-62FE-A803-CBDC-64B8E325AAE1}"/>
-          </ac:picMkLst>
-        </pc:picChg>
         <pc:picChg chg="add mod">
           <ac:chgData name="François GLEYZON" userId="a2d04f23f7faf3ef" providerId="LiveId" clId="{1404D58C-429C-4D75-B5B2-E1C9B8E0DC36}" dt="2025-03-16T18:25:48.590" v="6989" actId="1076"/>
           <ac:picMkLst>
@@ -2469,7 +2141,7 @@
         </pc:picChg>
       </pc:sldChg>
       <pc:sldChg chg="addSp delSp modSp add mod">
-        <pc:chgData name="François GLEYZON" userId="a2d04f23f7faf3ef" providerId="LiveId" clId="{1404D58C-429C-4D75-B5B2-E1C9B8E0DC36}" dt="2025-03-16T18:22:57.632" v="6908" actId="13926"/>
+        <pc:chgData name="François GLEYZON" userId="a2d04f23f7faf3ef" providerId="LiveId" clId="{1404D58C-429C-4D75-B5B2-E1C9B8E0DC36}" dt="2025-03-18T00:13:16.107" v="7136" actId="13926"/>
         <pc:sldMkLst>
           <pc:docMk/>
           <pc:sldMk cId="3353157011" sldId="278"/>
@@ -2491,37 +2163,13 @@
           </ac:spMkLst>
         </pc:spChg>
         <pc:spChg chg="mod">
-          <ac:chgData name="François GLEYZON" userId="a2d04f23f7faf3ef" providerId="LiveId" clId="{1404D58C-429C-4D75-B5B2-E1C9B8E0DC36}" dt="2025-03-16T18:19:52.927" v="6834" actId="20577"/>
+          <ac:chgData name="François GLEYZON" userId="a2d04f23f7faf3ef" providerId="LiveId" clId="{1404D58C-429C-4D75-B5B2-E1C9B8E0DC36}" dt="2025-03-18T00:13:16.107" v="7136" actId="13926"/>
           <ac:spMkLst>
             <pc:docMk/>
             <pc:sldMk cId="3353157011" sldId="278"/>
             <ac:spMk id="5" creationId="{123C1752-9749-D963-C34A-A3CB069DD9C5}"/>
           </ac:spMkLst>
         </pc:spChg>
-        <pc:spChg chg="del">
-          <ac:chgData name="François GLEYZON" userId="a2d04f23f7faf3ef" providerId="LiveId" clId="{1404D58C-429C-4D75-B5B2-E1C9B8E0DC36}" dt="2025-03-16T18:11:16.987" v="6666" actId="478"/>
-          <ac:spMkLst>
-            <pc:docMk/>
-            <pc:sldMk cId="3353157011" sldId="278"/>
-            <ac:spMk id="10" creationId="{CB84F390-C691-AFEE-0149-22FE96C07FE0}"/>
-          </ac:spMkLst>
-        </pc:spChg>
-        <pc:spChg chg="del">
-          <ac:chgData name="François GLEYZON" userId="a2d04f23f7faf3ef" providerId="LiveId" clId="{1404D58C-429C-4D75-B5B2-E1C9B8E0DC36}" dt="2025-03-16T18:11:18.703" v="6668" actId="478"/>
-          <ac:spMkLst>
-            <pc:docMk/>
-            <pc:sldMk cId="3353157011" sldId="278"/>
-            <ac:spMk id="12" creationId="{3EC253B4-C549-CEE4-244F-A9D548248E65}"/>
-          </ac:spMkLst>
-        </pc:spChg>
-        <pc:picChg chg="del">
-          <ac:chgData name="François GLEYZON" userId="a2d04f23f7faf3ef" providerId="LiveId" clId="{1404D58C-429C-4D75-B5B2-E1C9B8E0DC36}" dt="2025-03-16T18:11:17.502" v="6667" actId="478"/>
-          <ac:picMkLst>
-            <pc:docMk/>
-            <pc:sldMk cId="3353157011" sldId="278"/>
-            <ac:picMk id="11" creationId="{BC7F7466-E6BA-EF6C-2DAD-E138733A5FCD}"/>
-          </ac:picMkLst>
-        </pc:picChg>
       </pc:sldChg>
     </pc:docChg>
   </pc:docChgLst>
@@ -2610,7 +2258,7 @@
           <a:p>
             <a:fld id="{536D1BE0-9163-4941-8556-7FE0B29195A4}" type="datetimeFigureOut">
               <a:rPr lang="en-GB" smtClean="0"/>
-              <a:t>16/03/2025</a:t>
+              <a:t>17/03/2025</a:t>
             </a:fld>
             <a:endParaRPr lang="en-GB"/>
           </a:p>
@@ -3303,7 +2951,7 @@
           <a:p>
             <a:fld id="{CEFDEF93-0E3A-4A89-BC16-F38BAE82060D}" type="datetimeFigureOut">
               <a:rPr lang="en-GB" smtClean="0"/>
-              <a:t>16/03/2025</a:t>
+              <a:t>17/03/2025</a:t>
             </a:fld>
             <a:endParaRPr lang="en-GB"/>
           </a:p>
@@ -3503,7 +3151,7 @@
           <a:p>
             <a:fld id="{CEFDEF93-0E3A-4A89-BC16-F38BAE82060D}" type="datetimeFigureOut">
               <a:rPr lang="en-GB" smtClean="0"/>
-              <a:t>16/03/2025</a:t>
+              <a:t>17/03/2025</a:t>
             </a:fld>
             <a:endParaRPr lang="en-GB"/>
           </a:p>
@@ -3713,7 +3361,7 @@
           <a:p>
             <a:fld id="{CEFDEF93-0E3A-4A89-BC16-F38BAE82060D}" type="datetimeFigureOut">
               <a:rPr lang="en-GB" smtClean="0"/>
-              <a:t>16/03/2025</a:t>
+              <a:t>17/03/2025</a:t>
             </a:fld>
             <a:endParaRPr lang="en-GB"/>
           </a:p>
@@ -3913,7 +3561,7 @@
           <a:p>
             <a:fld id="{CEFDEF93-0E3A-4A89-BC16-F38BAE82060D}" type="datetimeFigureOut">
               <a:rPr lang="en-GB" smtClean="0"/>
-              <a:t>16/03/2025</a:t>
+              <a:t>17/03/2025</a:t>
             </a:fld>
             <a:endParaRPr lang="en-GB"/>
           </a:p>
@@ -4189,7 +3837,7 @@
           <a:p>
             <a:fld id="{CEFDEF93-0E3A-4A89-BC16-F38BAE82060D}" type="datetimeFigureOut">
               <a:rPr lang="en-GB" smtClean="0"/>
-              <a:t>16/03/2025</a:t>
+              <a:t>17/03/2025</a:t>
             </a:fld>
             <a:endParaRPr lang="en-GB"/>
           </a:p>
@@ -4457,7 +4105,7 @@
           <a:p>
             <a:fld id="{CEFDEF93-0E3A-4A89-BC16-F38BAE82060D}" type="datetimeFigureOut">
               <a:rPr lang="en-GB" smtClean="0"/>
-              <a:t>16/03/2025</a:t>
+              <a:t>17/03/2025</a:t>
             </a:fld>
             <a:endParaRPr lang="en-GB"/>
           </a:p>
@@ -4872,7 +4520,7 @@
           <a:p>
             <a:fld id="{CEFDEF93-0E3A-4A89-BC16-F38BAE82060D}" type="datetimeFigureOut">
               <a:rPr lang="en-GB" smtClean="0"/>
-              <a:t>16/03/2025</a:t>
+              <a:t>17/03/2025</a:t>
             </a:fld>
             <a:endParaRPr lang="en-GB"/>
           </a:p>
@@ -5014,7 +4662,7 @@
           <a:p>
             <a:fld id="{CEFDEF93-0E3A-4A89-BC16-F38BAE82060D}" type="datetimeFigureOut">
               <a:rPr lang="en-GB" smtClean="0"/>
-              <a:t>16/03/2025</a:t>
+              <a:t>17/03/2025</a:t>
             </a:fld>
             <a:endParaRPr lang="en-GB"/>
           </a:p>
@@ -5127,7 +4775,7 @@
           <a:p>
             <a:fld id="{CEFDEF93-0E3A-4A89-BC16-F38BAE82060D}" type="datetimeFigureOut">
               <a:rPr lang="en-GB" smtClean="0"/>
-              <a:t>16/03/2025</a:t>
+              <a:t>17/03/2025</a:t>
             </a:fld>
             <a:endParaRPr lang="en-GB"/>
           </a:p>
@@ -5440,7 +5088,7 @@
           <a:p>
             <a:fld id="{CEFDEF93-0E3A-4A89-BC16-F38BAE82060D}" type="datetimeFigureOut">
               <a:rPr lang="en-GB" smtClean="0"/>
-              <a:t>16/03/2025</a:t>
+              <a:t>17/03/2025</a:t>
             </a:fld>
             <a:endParaRPr lang="en-GB"/>
           </a:p>
@@ -5729,7 +5377,7 @@
           <a:p>
             <a:fld id="{CEFDEF93-0E3A-4A89-BC16-F38BAE82060D}" type="datetimeFigureOut">
               <a:rPr lang="en-GB" smtClean="0"/>
-              <a:t>16/03/2025</a:t>
+              <a:t>17/03/2025</a:t>
             </a:fld>
             <a:endParaRPr lang="en-GB"/>
           </a:p>
@@ -5972,7 +5620,7 @@
           <a:p>
             <a:fld id="{CEFDEF93-0E3A-4A89-BC16-F38BAE82060D}" type="datetimeFigureOut">
               <a:rPr lang="en-GB" smtClean="0"/>
-              <a:t>16/03/2025</a:t>
+              <a:t>17/03/2025</a:t>
             </a:fld>
             <a:endParaRPr lang="en-GB"/>
           </a:p>
@@ -7459,32 +7107,40 @@
                       </a:rPr>
                       <m:t>=</m:t>
                     </m:r>
-                    <m:acc>
-                      <m:accPr>
-                        <m:chr m:val="̂"/>
+                    <m:sSub>
+                      <m:sSubPr>
                         <m:ctrlPr>
-                          <a:rPr lang="fr-FR" i="1">
+                          <a:rPr lang="fr-FR" b="0" i="1" smtClean="0">
                             <a:latin typeface="Cambria Math" panose="02040503050406030204" pitchFamily="18" charset="0"/>
                             <a:cs typeface="Times New Roman" panose="02020603050405020304" pitchFamily="18" charset="0"/>
                           </a:rPr>
                         </m:ctrlPr>
-                      </m:accPr>
+                      </m:sSubPr>
                       <m:e>
                         <m:r>
-                          <a:rPr lang="fr-FR" i="1">
+                          <a:rPr lang="fr-FR" b="0" i="1" smtClean="0">
                             <a:latin typeface="Cambria Math" panose="02040503050406030204" pitchFamily="18" charset="0"/>
                             <a:cs typeface="Times New Roman" panose="02020603050405020304" pitchFamily="18" charset="0"/>
                           </a:rPr>
                           <m:t>𝑝</m:t>
                         </m:r>
                       </m:e>
-                    </m:acc>
+                      <m:sub>
+                        <m:r>
+                          <a:rPr lang="fr-FR" b="0" i="1" smtClean="0">
+                            <a:latin typeface="Cambria Math" panose="02040503050406030204" pitchFamily="18" charset="0"/>
+                            <a:cs typeface="Times New Roman" panose="02020603050405020304" pitchFamily="18" charset="0"/>
+                          </a:rPr>
+                          <m:t>𝑓</m:t>
+                        </m:r>
+                      </m:sub>
+                    </m:sSub>
                     <m:r>
-                      <a:rPr lang="fr-FR" i="1">
+                      <a:rPr lang="fr-FR" b="0" i="1" smtClean="0">
                         <a:latin typeface="Cambria Math" panose="02040503050406030204" pitchFamily="18" charset="0"/>
                         <a:cs typeface="Times New Roman" panose="02020603050405020304" pitchFamily="18" charset="0"/>
                       </a:rPr>
-                      <m:t>=2.50385</m:t>
+                      <m:t>=2</m:t>
                     </m:r>
                   </m:oMath>
                 </a14:m>
@@ -7637,39 +7293,19 @@
                           <a:ea typeface="Cambria Math" panose="02040503050406030204" pitchFamily="18" charset="0"/>
                           <a:cs typeface="Times New Roman" panose="02020603050405020304" pitchFamily="18" charset="0"/>
                         </a:rPr>
-                        <m:t>±2.6856∙</m:t>
+                        <m:t>±</m:t>
                       </m:r>
-                      <m:sSup>
-                        <m:sSupPr>
-                          <m:ctrlPr>
-                            <a:rPr lang="fr-FR" b="0" i="1" smtClean="0">
-                              <a:latin typeface="Cambria Math" panose="02040503050406030204" pitchFamily="18" charset="0"/>
-                              <a:ea typeface="Cambria Math" panose="02040503050406030204" pitchFamily="18" charset="0"/>
-                              <a:cs typeface="Times New Roman" panose="02020603050405020304" pitchFamily="18" charset="0"/>
-                            </a:rPr>
-                          </m:ctrlPr>
-                        </m:sSupPr>
-                        <m:e>
-                          <m:r>
-                            <a:rPr lang="fr-FR" b="0" i="1" smtClean="0">
-                              <a:latin typeface="Cambria Math" panose="02040503050406030204" pitchFamily="18" charset="0"/>
-                              <a:ea typeface="Cambria Math" panose="02040503050406030204" pitchFamily="18" charset="0"/>
-                              <a:cs typeface="Times New Roman" panose="02020603050405020304" pitchFamily="18" charset="0"/>
-                            </a:rPr>
-                            <m:t>10</m:t>
-                          </m:r>
-                        </m:e>
-                        <m:sup>
-                          <m:r>
-                            <a:rPr lang="fr-FR" b="0" i="1" smtClean="0">
-                              <a:latin typeface="Cambria Math" panose="02040503050406030204" pitchFamily="18" charset="0"/>
-                              <a:ea typeface="Cambria Math" panose="02040503050406030204" pitchFamily="18" charset="0"/>
-                              <a:cs typeface="Times New Roman" panose="02020603050405020304" pitchFamily="18" charset="0"/>
-                            </a:rPr>
-                            <m:t>−4</m:t>
-                          </m:r>
-                        </m:sup>
-                      </m:sSup>
+                      <m:r>
+                        <a:rPr lang="fr-FR" b="0" i="1" smtClean="0">
+                          <a:highlight>
+                            <a:srgbClr val="FFFF00"/>
+                          </a:highlight>
+                          <a:latin typeface="Cambria Math" panose="02040503050406030204" pitchFamily="18" charset="0"/>
+                          <a:ea typeface="Cambria Math" panose="02040503050406030204" pitchFamily="18" charset="0"/>
+                          <a:cs typeface="Times New Roman" panose="02020603050405020304" pitchFamily="18" charset="0"/>
+                        </a:rPr>
+                        <m:t>𝑋</m:t>
+                      </m:r>
                       <m:r>
                         <a:rPr lang="fr-FR" b="0" i="1" smtClean="0">
                           <a:latin typeface="Cambria Math" panose="02040503050406030204" pitchFamily="18" charset="0"/>
@@ -7748,14 +7384,7 @@
                           <a:latin typeface="Cambria Math" panose="02040503050406030204" pitchFamily="18" charset="0"/>
                           <a:cs typeface="Times New Roman" panose="02020603050405020304" pitchFamily="18" charset="0"/>
                         </a:rPr>
-                        <m:t>555</m:t>
-                      </m:r>
-                      <m:r>
-                        <a:rPr lang="fr-FR" i="1">
-                          <a:latin typeface="Cambria Math" panose="02040503050406030204" pitchFamily="18" charset="0"/>
-                          <a:cs typeface="Times New Roman" panose="02020603050405020304" pitchFamily="18" charset="0"/>
-                        </a:rPr>
-                        <m:t> </m:t>
+                        <m:t>555 </m:t>
                       </m:r>
                       <m:r>
                         <a:rPr lang="fr-FR" i="1">
@@ -7767,19 +7396,14 @@
                       </m:r>
                       <m:r>
                         <a:rPr lang="fr-FR" b="0" i="1" smtClean="0">
+                          <a:highlight>
+                            <a:srgbClr val="FFFF00"/>
+                          </a:highlight>
                           <a:latin typeface="Cambria Math" panose="02040503050406030204" pitchFamily="18" charset="0"/>
                           <a:ea typeface="Cambria Math" panose="02040503050406030204" pitchFamily="18" charset="0"/>
                           <a:cs typeface="Times New Roman" panose="02020603050405020304" pitchFamily="18" charset="0"/>
                         </a:rPr>
-                        <m:t>0.2</m:t>
-                      </m:r>
-                      <m:r>
-                        <a:rPr lang="fr-FR" i="1">
-                          <a:latin typeface="Cambria Math" panose="02040503050406030204" pitchFamily="18" charset="0"/>
-                          <a:ea typeface="Cambria Math" panose="02040503050406030204" pitchFamily="18" charset="0"/>
-                          <a:cs typeface="Times New Roman" panose="02020603050405020304" pitchFamily="18" charset="0"/>
-                        </a:rPr>
-                        <m:t>6856</m:t>
+                        <m:t>𝑋</m:t>
                       </m:r>
                       <m:r>
                         <a:rPr lang="fr-FR" b="0" i="1" smtClean="0">
@@ -31102,8 +30726,8 @@
           </p:sp>
         </mc:Fallback>
       </mc:AlternateContent>
-      <mc:AlternateContent xmlns:mc="http://schemas.openxmlformats.org/markup-compatibility/2006">
-        <mc:Choice xmlns:a14="http://schemas.microsoft.com/office/drawing/2010/main" Requires="a14">
+      <mc:AlternateContent xmlns:mc="http://schemas.openxmlformats.org/markup-compatibility/2006" xmlns:a14="http://schemas.microsoft.com/office/drawing/2010/main">
+        <mc:Choice Requires="a14">
           <p:sp>
             <p:nvSpPr>
               <p:cNvPr id="13" name="TextBox 12">
@@ -31211,7 +30835,7 @@
             </p:txBody>
           </p:sp>
         </mc:Choice>
-        <mc:Fallback>
+        <mc:Fallback xmlns="">
           <p:sp>
             <p:nvSpPr>
               <p:cNvPr id="13" name="TextBox 12">
@@ -34691,8 +34315,8 @@
           </a:prstGeom>
         </p:spPr>
       </p:pic>
-      <mc:AlternateContent xmlns:mc="http://schemas.openxmlformats.org/markup-compatibility/2006">
-        <mc:Choice xmlns:a14="http://schemas.microsoft.com/office/drawing/2010/main" Requires="a14">
+      <mc:AlternateContent xmlns:mc="http://schemas.openxmlformats.org/markup-compatibility/2006" xmlns:a14="http://schemas.microsoft.com/office/drawing/2010/main">
+        <mc:Choice Requires="a14">
           <p:sp>
             <p:nvSpPr>
               <p:cNvPr id="5" name="TextBox 4">
@@ -34853,7 +34477,7 @@
             </p:txBody>
           </p:sp>
         </mc:Choice>
-        <mc:Fallback>
+        <mc:Fallback xmlns="">
           <p:sp>
             <p:nvSpPr>
               <p:cNvPr id="5" name="TextBox 4">
@@ -35054,8 +34678,8 @@
           </a:p>
         </p:txBody>
       </p:sp>
-      <mc:AlternateContent xmlns:mc="http://schemas.openxmlformats.org/markup-compatibility/2006">
-        <mc:Choice xmlns:a14="http://schemas.microsoft.com/office/drawing/2010/main" Requires="a14">
+      <mc:AlternateContent xmlns:mc="http://schemas.openxmlformats.org/markup-compatibility/2006" xmlns:a14="http://schemas.microsoft.com/office/drawing/2010/main">
+        <mc:Choice Requires="a14">
           <p:sp>
             <p:nvSpPr>
               <p:cNvPr id="11" name="TextBox 10">
@@ -35126,7 +34750,7 @@
             </p:txBody>
           </p:sp>
         </mc:Choice>
-        <mc:Fallback>
+        <mc:Fallback xmlns="">
           <p:sp>
             <p:nvSpPr>
               <p:cNvPr id="11" name="TextBox 10">
@@ -35858,8 +35482,8 @@
           </a:p>
         </p:txBody>
       </p:sp>
-      <mc:AlternateContent xmlns:mc="http://schemas.openxmlformats.org/markup-compatibility/2006">
-        <mc:Choice xmlns:a14="http://schemas.microsoft.com/office/drawing/2010/main" Requires="a14">
+      <mc:AlternateContent xmlns:mc="http://schemas.openxmlformats.org/markup-compatibility/2006" xmlns:a14="http://schemas.microsoft.com/office/drawing/2010/main">
+        <mc:Choice Requires="a14">
           <p:sp>
             <p:nvSpPr>
               <p:cNvPr id="42" name="TextBox 41">
@@ -35925,7 +35549,7 @@
             </p:txBody>
           </p:sp>
         </mc:Choice>
-        <mc:Fallback>
+        <mc:Fallback xmlns="">
           <p:sp>
             <p:nvSpPr>
               <p:cNvPr id="42" name="TextBox 41">
@@ -36291,8 +35915,8 @@
           </a:prstGeom>
         </p:spPr>
       </p:pic>
-      <mc:AlternateContent xmlns:mc="http://schemas.openxmlformats.org/markup-compatibility/2006">
-        <mc:Choice xmlns:a14="http://schemas.microsoft.com/office/drawing/2010/main" Requires="a14">
+      <mc:AlternateContent xmlns:mc="http://schemas.openxmlformats.org/markup-compatibility/2006" xmlns:a14="http://schemas.microsoft.com/office/drawing/2010/main">
+        <mc:Choice Requires="a14">
           <p:sp>
             <p:nvSpPr>
               <p:cNvPr id="8" name="TextBox 7">
@@ -36437,7 +36061,7 @@
             </p:txBody>
           </p:sp>
         </mc:Choice>
-        <mc:Fallback>
+        <mc:Fallback xmlns="">
           <p:sp>
             <p:nvSpPr>
               <p:cNvPr id="8" name="TextBox 7">
@@ -36482,8 +36106,8 @@
           </p:sp>
         </mc:Fallback>
       </mc:AlternateContent>
-      <mc:AlternateContent xmlns:mc="http://schemas.openxmlformats.org/markup-compatibility/2006">
-        <mc:Choice xmlns:a14="http://schemas.microsoft.com/office/drawing/2010/main" Requires="a14">
+      <mc:AlternateContent xmlns:mc="http://schemas.openxmlformats.org/markup-compatibility/2006" xmlns:a14="http://schemas.microsoft.com/office/drawing/2010/main">
+        <mc:Choice Requires="a14">
           <p:sp>
             <p:nvSpPr>
               <p:cNvPr id="10" name="TextBox 9">
@@ -36583,7 +36207,7 @@
             </p:txBody>
           </p:sp>
         </mc:Choice>
-        <mc:Fallback>
+        <mc:Fallback xmlns="">
           <p:sp>
             <p:nvSpPr>
               <p:cNvPr id="10" name="TextBox 9">
@@ -36908,8 +36532,8 @@
           </a:p>
         </p:txBody>
       </p:sp>
-      <mc:AlternateContent xmlns:mc="http://schemas.openxmlformats.org/markup-compatibility/2006">
-        <mc:Choice xmlns:a14="http://schemas.microsoft.com/office/drawing/2010/main" Requires="a14">
+      <mc:AlternateContent xmlns:mc="http://schemas.openxmlformats.org/markup-compatibility/2006" xmlns:a14="http://schemas.microsoft.com/office/drawing/2010/main">
+        <mc:Choice Requires="a14">
           <p:sp>
             <p:nvSpPr>
               <p:cNvPr id="5" name="TextBox 4">
@@ -37459,7 +37083,7 @@
             </p:txBody>
           </p:sp>
         </mc:Choice>
-        <mc:Fallback>
+        <mc:Fallback xmlns="">
           <p:sp>
             <p:nvSpPr>
               <p:cNvPr id="5" name="TextBox 4">
@@ -37504,8 +37128,8 @@
           </p:sp>
         </mc:Fallback>
       </mc:AlternateContent>
-      <mc:AlternateContent xmlns:mc="http://schemas.openxmlformats.org/markup-compatibility/2006">
-        <mc:Choice xmlns:a14="http://schemas.microsoft.com/office/drawing/2010/main" Requires="a14">
+      <mc:AlternateContent xmlns:mc="http://schemas.openxmlformats.org/markup-compatibility/2006" xmlns:a14="http://schemas.microsoft.com/office/drawing/2010/main">
+        <mc:Choice Requires="a14">
           <p:sp>
             <p:nvSpPr>
               <p:cNvPr id="10" name="TextBox 9">
@@ -37641,7 +37265,7 @@
             </p:txBody>
           </p:sp>
         </mc:Choice>
-        <mc:Fallback>
+        <mc:Fallback xmlns="">
           <p:sp>
             <p:nvSpPr>
               <p:cNvPr id="10" name="TextBox 9">
@@ -37716,8 +37340,8 @@
           </a:prstGeom>
         </p:spPr>
       </p:pic>
-      <mc:AlternateContent xmlns:mc="http://schemas.openxmlformats.org/markup-compatibility/2006">
-        <mc:Choice xmlns:a14="http://schemas.microsoft.com/office/drawing/2010/main" Requires="a14">
+      <mc:AlternateContent xmlns:mc="http://schemas.openxmlformats.org/markup-compatibility/2006" xmlns:a14="http://schemas.microsoft.com/office/drawing/2010/main">
+        <mc:Choice Requires="a14">
           <p:sp>
             <p:nvSpPr>
               <p:cNvPr id="12" name="TextBox 11">
@@ -37833,7 +37457,7 @@
             </p:txBody>
           </p:sp>
         </mc:Choice>
-        <mc:Fallback>
+        <mc:Fallback xmlns="">
           <p:sp>
             <p:nvSpPr>
               <p:cNvPr id="12" name="TextBox 11">

--- a/03_Rapport/Rapport_Projet.pptx
+++ b/03_Rapport/Rapport_Projet.pptx
@@ -5,7 +5,7 @@
     <p:sldMasterId id="2147483648" r:id="rId1"/>
   </p:sldMasterIdLst>
   <p:notesMasterIdLst>
-    <p:notesMasterId r:id="rId24"/>
+    <p:notesMasterId r:id="rId25"/>
   </p:notesMasterIdLst>
   <p:sldIdLst>
     <p:sldId id="256" r:id="rId2"/>
@@ -17,19 +17,20 @@
     <p:sldId id="272" r:id="rId8"/>
     <p:sldId id="276" r:id="rId9"/>
     <p:sldId id="277" r:id="rId10"/>
-    <p:sldId id="278" r:id="rId11"/>
-    <p:sldId id="273" r:id="rId12"/>
-    <p:sldId id="275" r:id="rId13"/>
-    <p:sldId id="268" r:id="rId14"/>
-    <p:sldId id="267" r:id="rId15"/>
-    <p:sldId id="257" r:id="rId16"/>
-    <p:sldId id="258" r:id="rId17"/>
-    <p:sldId id="259" r:id="rId18"/>
-    <p:sldId id="266" r:id="rId19"/>
-    <p:sldId id="260" r:id="rId20"/>
-    <p:sldId id="261" r:id="rId21"/>
-    <p:sldId id="263" r:id="rId22"/>
-    <p:sldId id="264" r:id="rId23"/>
+    <p:sldId id="279" r:id="rId11"/>
+    <p:sldId id="278" r:id="rId12"/>
+    <p:sldId id="273" r:id="rId13"/>
+    <p:sldId id="275" r:id="rId14"/>
+    <p:sldId id="268" r:id="rId15"/>
+    <p:sldId id="267" r:id="rId16"/>
+    <p:sldId id="257" r:id="rId17"/>
+    <p:sldId id="258" r:id="rId18"/>
+    <p:sldId id="259" r:id="rId19"/>
+    <p:sldId id="266" r:id="rId20"/>
+    <p:sldId id="260" r:id="rId21"/>
+    <p:sldId id="261" r:id="rId22"/>
+    <p:sldId id="263" r:id="rId23"/>
+    <p:sldId id="264" r:id="rId24"/>
   </p:sldIdLst>
   <p:sldSz cx="12192000" cy="6858000"/>
   <p:notesSz cx="6858000" cy="9144000"/>
@@ -152,6 +153,800 @@
 
 <file path=ppt/changesInfos/changesInfo1.xml><?xml version="1.0" encoding="utf-8"?>
 <pc:chgInfo xmlns:a="http://schemas.openxmlformats.org/drawingml/2006/main" xmlns:r="http://schemas.openxmlformats.org/officeDocument/2006/relationships" xmlns:ac="http://schemas.microsoft.com/office/drawing/2013/main/command" xmlns:pc="http://schemas.microsoft.com/office/powerpoint/2013/main/command">
+  <pc:docChgLst>
+    <pc:chgData name="François GLEYZON" userId="a2d04f23f7faf3ef" providerId="LiveId" clId="{1404D58C-429C-4D75-B5B2-E1C9B8E0DC36}"/>
+    <pc:docChg chg="undo redo custSel addSld modSld sldOrd">
+      <pc:chgData name="François GLEYZON" userId="a2d04f23f7faf3ef" providerId="LiveId" clId="{1404D58C-429C-4D75-B5B2-E1C9B8E0DC36}" dt="2025-03-18T00:13:16.107" v="7136" actId="13926"/>
+      <pc:docMkLst>
+        <pc:docMk/>
+      </pc:docMkLst>
+      <pc:sldChg chg="addSp delSp modSp mod">
+        <pc:chgData name="François GLEYZON" userId="a2d04f23f7faf3ef" providerId="LiveId" clId="{1404D58C-429C-4D75-B5B2-E1C9B8E0DC36}" dt="2025-03-16T18:23:34.728" v="6917" actId="13926"/>
+        <pc:sldMkLst>
+          <pc:docMk/>
+          <pc:sldMk cId="2801290844" sldId="256"/>
+        </pc:sldMkLst>
+        <pc:spChg chg="mod">
+          <ac:chgData name="François GLEYZON" userId="a2d04f23f7faf3ef" providerId="LiveId" clId="{1404D58C-429C-4D75-B5B2-E1C9B8E0DC36}" dt="2025-03-16T18:23:34.728" v="6917" actId="13926"/>
+          <ac:spMkLst>
+            <pc:docMk/>
+            <pc:sldMk cId="2801290844" sldId="256"/>
+            <ac:spMk id="5" creationId="{CCB64622-7D99-EF9C-E64A-6B7A68B130E7}"/>
+          </ac:spMkLst>
+        </pc:spChg>
+        <pc:spChg chg="add mod">
+          <ac:chgData name="François GLEYZON" userId="a2d04f23f7faf3ef" providerId="LiveId" clId="{1404D58C-429C-4D75-B5B2-E1C9B8E0DC36}" dt="2025-03-16T14:36:30.969" v="1516"/>
+          <ac:spMkLst>
+            <pc:docMk/>
+            <pc:sldMk cId="2801290844" sldId="256"/>
+            <ac:spMk id="12" creationId="{B3FBCD95-757E-0D30-1DE3-8FB709355D99}"/>
+          </ac:spMkLst>
+        </pc:spChg>
+        <pc:spChg chg="mod">
+          <ac:chgData name="François GLEYZON" userId="a2d04f23f7faf3ef" providerId="LiveId" clId="{1404D58C-429C-4D75-B5B2-E1C9B8E0DC36}" dt="2025-03-16T14:16:11.423" v="10"/>
+          <ac:spMkLst>
+            <pc:docMk/>
+            <pc:sldMk cId="2801290844" sldId="256"/>
+            <ac:spMk id="13" creationId="{2A150A6C-B8B3-44CE-8884-B81C5AD95D13}"/>
+          </ac:spMkLst>
+        </pc:spChg>
+      </pc:sldChg>
+      <pc:sldChg chg="addSp delSp mod">
+        <pc:chgData name="François GLEYZON" userId="a2d04f23f7faf3ef" providerId="LiveId" clId="{1404D58C-429C-4D75-B5B2-E1C9B8E0DC36}" dt="2025-03-16T14:16:57.551" v="36" actId="22"/>
+        <pc:sldMkLst>
+          <pc:docMk/>
+          <pc:sldMk cId="2487955664" sldId="257"/>
+        </pc:sldMkLst>
+      </pc:sldChg>
+      <pc:sldChg chg="addSp delSp modSp mod">
+        <pc:chgData name="François GLEYZON" userId="a2d04f23f7faf3ef" providerId="LiveId" clId="{1404D58C-429C-4D75-B5B2-E1C9B8E0DC36}" dt="2025-03-16T18:23:45.777" v="6935" actId="20577"/>
+        <pc:sldMkLst>
+          <pc:docMk/>
+          <pc:sldMk cId="1966793551" sldId="265"/>
+        </pc:sldMkLst>
+        <pc:spChg chg="mod">
+          <ac:chgData name="François GLEYZON" userId="a2d04f23f7faf3ef" providerId="LiveId" clId="{1404D58C-429C-4D75-B5B2-E1C9B8E0DC36}" dt="2025-03-16T14:17:32.286" v="61" actId="20577"/>
+          <ac:spMkLst>
+            <pc:docMk/>
+            <pc:sldMk cId="1966793551" sldId="265"/>
+            <ac:spMk id="9" creationId="{6E9846D3-47A3-2AE6-6383-AB77CC5B517E}"/>
+          </ac:spMkLst>
+        </pc:spChg>
+        <pc:spChg chg="add mod">
+          <ac:chgData name="François GLEYZON" userId="a2d04f23f7faf3ef" providerId="LiveId" clId="{1404D58C-429C-4D75-B5B2-E1C9B8E0DC36}" dt="2025-03-16T14:24:23.045" v="574" actId="20577"/>
+          <ac:spMkLst>
+            <pc:docMk/>
+            <pc:sldMk cId="1966793551" sldId="265"/>
+            <ac:spMk id="11" creationId="{072A0C86-E46F-7872-4F73-D0C64405F9A7}"/>
+          </ac:spMkLst>
+        </pc:spChg>
+        <pc:spChg chg="add mod">
+          <ac:chgData name="François GLEYZON" userId="a2d04f23f7faf3ef" providerId="LiveId" clId="{1404D58C-429C-4D75-B5B2-E1C9B8E0DC36}" dt="2025-03-16T18:23:45.777" v="6935" actId="20577"/>
+          <ac:spMkLst>
+            <pc:docMk/>
+            <pc:sldMk cId="1966793551" sldId="265"/>
+            <ac:spMk id="28" creationId="{A3F4CAB7-21CC-3B13-8827-56C233CE43A0}"/>
+          </ac:spMkLst>
+        </pc:spChg>
+        <pc:spChg chg="add mod">
+          <ac:chgData name="François GLEYZON" userId="a2d04f23f7faf3ef" providerId="LiveId" clId="{1404D58C-429C-4D75-B5B2-E1C9B8E0DC36}" dt="2025-03-16T14:28:50.048" v="782" actId="14100"/>
+          <ac:spMkLst>
+            <pc:docMk/>
+            <pc:sldMk cId="1966793551" sldId="265"/>
+            <ac:spMk id="29" creationId="{16F0C38C-ADF0-05C8-AB97-6D861D171C8A}"/>
+          </ac:spMkLst>
+        </pc:spChg>
+        <pc:spChg chg="add mod">
+          <ac:chgData name="François GLEYZON" userId="a2d04f23f7faf3ef" providerId="LiveId" clId="{1404D58C-429C-4D75-B5B2-E1C9B8E0DC36}" dt="2025-03-16T14:37:03.623" v="1524" actId="164"/>
+          <ac:spMkLst>
+            <pc:docMk/>
+            <pc:sldMk cId="1966793551" sldId="265"/>
+            <ac:spMk id="30" creationId="{F9012EBE-327E-81BA-D0CC-DFFC3A81D06E}"/>
+          </ac:spMkLst>
+        </pc:spChg>
+        <pc:spChg chg="add mod">
+          <ac:chgData name="François GLEYZON" userId="a2d04f23f7faf3ef" providerId="LiveId" clId="{1404D58C-429C-4D75-B5B2-E1C9B8E0DC36}" dt="2025-03-16T14:37:03.623" v="1524" actId="164"/>
+          <ac:spMkLst>
+            <pc:docMk/>
+            <pc:sldMk cId="1966793551" sldId="265"/>
+            <ac:spMk id="31" creationId="{E096CA17-3B37-1EC9-086C-6073F9F0E327}"/>
+          </ac:spMkLst>
+        </pc:spChg>
+        <pc:spChg chg="add mod">
+          <ac:chgData name="François GLEYZON" userId="a2d04f23f7faf3ef" providerId="LiveId" clId="{1404D58C-429C-4D75-B5B2-E1C9B8E0DC36}" dt="2025-03-16T14:36:12.133" v="1510" actId="20577"/>
+          <ac:spMkLst>
+            <pc:docMk/>
+            <pc:sldMk cId="1966793551" sldId="265"/>
+            <ac:spMk id="48" creationId="{4BF5205A-C21B-DC10-00D1-30EE1B56E60B}"/>
+          </ac:spMkLst>
+        </pc:spChg>
+        <pc:spChg chg="add mod">
+          <ac:chgData name="François GLEYZON" userId="a2d04f23f7faf3ef" providerId="LiveId" clId="{1404D58C-429C-4D75-B5B2-E1C9B8E0DC36}" dt="2025-03-16T14:36:25.253" v="1514" actId="20577"/>
+          <ac:spMkLst>
+            <pc:docMk/>
+            <pc:sldMk cId="1966793551" sldId="265"/>
+            <ac:spMk id="49" creationId="{A79242B3-F8EA-94FD-D9D9-2D85B18818DC}"/>
+          </ac:spMkLst>
+        </pc:spChg>
+        <pc:grpChg chg="add mod">
+          <ac:chgData name="François GLEYZON" userId="a2d04f23f7faf3ef" providerId="LiveId" clId="{1404D58C-429C-4D75-B5B2-E1C9B8E0DC36}" dt="2025-03-16T14:37:08.843" v="1548" actId="1038"/>
+          <ac:grpSpMkLst>
+            <pc:docMk/>
+            <pc:sldMk cId="1966793551" sldId="265"/>
+            <ac:grpSpMk id="50" creationId="{6D300C5F-060B-A29B-5E63-8AB2F8289D3E}"/>
+          </ac:grpSpMkLst>
+        </pc:grpChg>
+        <pc:picChg chg="add mod">
+          <ac:chgData name="François GLEYZON" userId="a2d04f23f7faf3ef" providerId="LiveId" clId="{1404D58C-429C-4D75-B5B2-E1C9B8E0DC36}" dt="2025-03-16T14:37:03.623" v="1524" actId="164"/>
+          <ac:picMkLst>
+            <pc:docMk/>
+            <pc:sldMk cId="1966793551" sldId="265"/>
+            <ac:picMk id="16" creationId="{C8511678-E88F-7D51-904A-00D5D2E20854}"/>
+          </ac:picMkLst>
+        </pc:picChg>
+        <pc:picChg chg="add mod">
+          <ac:chgData name="François GLEYZON" userId="a2d04f23f7faf3ef" providerId="LiveId" clId="{1404D58C-429C-4D75-B5B2-E1C9B8E0DC36}" dt="2025-03-16T14:37:03.623" v="1524" actId="164"/>
+          <ac:picMkLst>
+            <pc:docMk/>
+            <pc:sldMk cId="1966793551" sldId="265"/>
+            <ac:picMk id="22" creationId="{E271FBCE-EB1D-54CC-CAFB-7E1DFF99CA2E}"/>
+          </ac:picMkLst>
+        </pc:picChg>
+      </pc:sldChg>
+      <pc:sldChg chg="add ord">
+        <pc:chgData name="François GLEYZON" userId="a2d04f23f7faf3ef" providerId="LiveId" clId="{1404D58C-429C-4D75-B5B2-E1C9B8E0DC36}" dt="2025-03-16T14:17:18.713" v="44"/>
+        <pc:sldMkLst>
+          <pc:docMk/>
+          <pc:sldMk cId="3204585435" sldId="267"/>
+        </pc:sldMkLst>
+      </pc:sldChg>
+      <pc:sldChg chg="addSp modSp new mod">
+        <pc:chgData name="François GLEYZON" userId="a2d04f23f7faf3ef" providerId="LiveId" clId="{1404D58C-429C-4D75-B5B2-E1C9B8E0DC36}" dt="2025-03-16T14:17:16.283" v="42" actId="207"/>
+        <pc:sldMkLst>
+          <pc:docMk/>
+          <pc:sldMk cId="1821676052" sldId="268"/>
+        </pc:sldMkLst>
+        <pc:spChg chg="add mod">
+          <ac:chgData name="François GLEYZON" userId="a2d04f23f7faf3ef" providerId="LiveId" clId="{1404D58C-429C-4D75-B5B2-E1C9B8E0DC36}" dt="2025-03-16T14:17:16.283" v="42" actId="207"/>
+          <ac:spMkLst>
+            <pc:docMk/>
+            <pc:sldMk cId="1821676052" sldId="268"/>
+            <ac:spMk id="2" creationId="{CE60E174-1138-FE64-FEE9-6D62A3AC6AD5}"/>
+          </ac:spMkLst>
+        </pc:spChg>
+      </pc:sldChg>
+      <pc:sldChg chg="addSp modSp add mod">
+        <pc:chgData name="François GLEYZON" userId="a2d04f23f7faf3ef" providerId="LiveId" clId="{1404D58C-429C-4D75-B5B2-E1C9B8E0DC36}" dt="2025-03-16T18:28:40.057" v="7126" actId="113"/>
+        <pc:sldMkLst>
+          <pc:docMk/>
+          <pc:sldMk cId="2830059827" sldId="269"/>
+        </pc:sldMkLst>
+        <pc:spChg chg="add mod">
+          <ac:chgData name="François GLEYZON" userId="a2d04f23f7faf3ef" providerId="LiveId" clId="{1404D58C-429C-4D75-B5B2-E1C9B8E0DC36}" dt="2025-03-16T14:36:36.203" v="1519"/>
+          <ac:spMkLst>
+            <pc:docMk/>
+            <pc:sldMk cId="2830059827" sldId="269"/>
+            <ac:spMk id="2" creationId="{80394A4F-406B-36BD-74F1-B5D4E71043BB}"/>
+          </ac:spMkLst>
+        </pc:spChg>
+        <pc:spChg chg="add mod">
+          <ac:chgData name="François GLEYZON" userId="a2d04f23f7faf3ef" providerId="LiveId" clId="{1404D58C-429C-4D75-B5B2-E1C9B8E0DC36}" dt="2025-03-16T15:10:21.692" v="2647" actId="113"/>
+          <ac:spMkLst>
+            <pc:docMk/>
+            <pc:sldMk cId="2830059827" sldId="269"/>
+            <ac:spMk id="3" creationId="{1C52FBAC-7EC8-BE7C-95EC-C16D6E8AF899}"/>
+          </ac:spMkLst>
+        </pc:spChg>
+        <pc:spChg chg="add mod">
+          <ac:chgData name="François GLEYZON" userId="a2d04f23f7faf3ef" providerId="LiveId" clId="{1404D58C-429C-4D75-B5B2-E1C9B8E0DC36}" dt="2025-03-16T15:06:51.653" v="2533" actId="1035"/>
+          <ac:spMkLst>
+            <pc:docMk/>
+            <pc:sldMk cId="2830059827" sldId="269"/>
+            <ac:spMk id="4" creationId="{78B77FF1-8B2E-A1A3-EF89-C57622AB1454}"/>
+          </ac:spMkLst>
+        </pc:spChg>
+        <pc:spChg chg="add mod">
+          <ac:chgData name="François GLEYZON" userId="a2d04f23f7faf3ef" providerId="LiveId" clId="{1404D58C-429C-4D75-B5B2-E1C9B8E0DC36}" dt="2025-03-16T15:06:51.653" v="2533" actId="1035"/>
+          <ac:spMkLst>
+            <pc:docMk/>
+            <pc:sldMk cId="2830059827" sldId="269"/>
+            <ac:spMk id="5" creationId="{739A139A-CC56-81D5-3FFE-43CECF04B84D}"/>
+          </ac:spMkLst>
+        </pc:spChg>
+        <pc:spChg chg="add mod">
+          <ac:chgData name="François GLEYZON" userId="a2d04f23f7faf3ef" providerId="LiveId" clId="{1404D58C-429C-4D75-B5B2-E1C9B8E0DC36}" dt="2025-03-16T15:06:51.653" v="2533" actId="1035"/>
+          <ac:spMkLst>
+            <pc:docMk/>
+            <pc:sldMk cId="2830059827" sldId="269"/>
+            <ac:spMk id="6" creationId="{A343BD2D-3517-D6F9-AED8-67B2A11B82DC}"/>
+          </ac:spMkLst>
+        </pc:spChg>
+        <pc:spChg chg="add mod">
+          <ac:chgData name="François GLEYZON" userId="a2d04f23f7faf3ef" providerId="LiveId" clId="{1404D58C-429C-4D75-B5B2-E1C9B8E0DC36}" dt="2025-03-16T15:09:51.483" v="2643" actId="1076"/>
+          <ac:spMkLst>
+            <pc:docMk/>
+            <pc:sldMk cId="2830059827" sldId="269"/>
+            <ac:spMk id="7" creationId="{2AD06AC7-B335-02C5-39E6-6F2C36E7AA8C}"/>
+          </ac:spMkLst>
+        </pc:spChg>
+        <pc:spChg chg="add mod">
+          <ac:chgData name="François GLEYZON" userId="a2d04f23f7faf3ef" providerId="LiveId" clId="{1404D58C-429C-4D75-B5B2-E1C9B8E0DC36}" dt="2025-03-16T15:25:15.576" v="3276" actId="113"/>
+          <ac:spMkLst>
+            <pc:docMk/>
+            <pc:sldMk cId="2830059827" sldId="269"/>
+            <ac:spMk id="11" creationId="{80852BB1-1AEF-BA63-A523-0B2E23F62449}"/>
+          </ac:spMkLst>
+        </pc:spChg>
+        <pc:spChg chg="add mod">
+          <ac:chgData name="François GLEYZON" userId="a2d04f23f7faf3ef" providerId="LiveId" clId="{1404D58C-429C-4D75-B5B2-E1C9B8E0DC36}" dt="2025-03-16T18:28:40.057" v="7126" actId="113"/>
+          <ac:spMkLst>
+            <pc:docMk/>
+            <pc:sldMk cId="2830059827" sldId="269"/>
+            <ac:spMk id="17" creationId="{D1FEB786-966B-0D83-37C9-2EBFF8D0D322}"/>
+          </ac:spMkLst>
+        </pc:spChg>
+        <pc:spChg chg="add mod">
+          <ac:chgData name="François GLEYZON" userId="a2d04f23f7faf3ef" providerId="LiveId" clId="{1404D58C-429C-4D75-B5B2-E1C9B8E0DC36}" dt="2025-03-16T15:14:56.424" v="2791" actId="1076"/>
+          <ac:spMkLst>
+            <pc:docMk/>
+            <pc:sldMk cId="2830059827" sldId="269"/>
+            <ac:spMk id="18" creationId="{2DA8E8F2-2AF9-DB7D-FA62-83A39D6661D9}"/>
+          </ac:spMkLst>
+        </pc:spChg>
+        <pc:spChg chg="add mod">
+          <ac:chgData name="François GLEYZON" userId="a2d04f23f7faf3ef" providerId="LiveId" clId="{1404D58C-429C-4D75-B5B2-E1C9B8E0DC36}" dt="2025-03-16T15:14:59.278" v="2792" actId="20577"/>
+          <ac:spMkLst>
+            <pc:docMk/>
+            <pc:sldMk cId="2830059827" sldId="269"/>
+            <ac:spMk id="19" creationId="{EEC0C2AA-6F3D-50A5-6859-E9FF640D7681}"/>
+          </ac:spMkLst>
+        </pc:spChg>
+        <pc:spChg chg="add mod">
+          <ac:chgData name="François GLEYZON" userId="a2d04f23f7faf3ef" providerId="LiveId" clId="{1404D58C-429C-4D75-B5B2-E1C9B8E0DC36}" dt="2025-03-16T15:15:33.082" v="2879" actId="20577"/>
+          <ac:spMkLst>
+            <pc:docMk/>
+            <pc:sldMk cId="2830059827" sldId="269"/>
+            <ac:spMk id="21" creationId="{52EED8E5-7326-32DB-C13F-1498B2A40CDF}"/>
+          </ac:spMkLst>
+        </pc:spChg>
+        <pc:spChg chg="add mod">
+          <ac:chgData name="François GLEYZON" userId="a2d04f23f7faf3ef" providerId="LiveId" clId="{1404D58C-429C-4D75-B5B2-E1C9B8E0DC36}" dt="2025-03-16T15:19:24.017" v="3044" actId="1076"/>
+          <ac:spMkLst>
+            <pc:docMk/>
+            <pc:sldMk cId="2830059827" sldId="269"/>
+            <ac:spMk id="24" creationId="{BD3233B2-F816-A13E-92F5-924BA2130E34}"/>
+          </ac:spMkLst>
+        </pc:spChg>
+        <pc:spChg chg="add mod">
+          <ac:chgData name="François GLEYZON" userId="a2d04f23f7faf3ef" providerId="LiveId" clId="{1404D58C-429C-4D75-B5B2-E1C9B8E0DC36}" dt="2025-03-16T15:22:33.858" v="3247" actId="20577"/>
+          <ac:spMkLst>
+            <pc:docMk/>
+            <pc:sldMk cId="2830059827" sldId="269"/>
+            <ac:spMk id="25" creationId="{5FCF3EA4-1C17-404E-D7DC-4DCD39E349EE}"/>
+          </ac:spMkLst>
+        </pc:spChg>
+        <pc:cxnChg chg="add mod">
+          <ac:chgData name="François GLEYZON" userId="a2d04f23f7faf3ef" providerId="LiveId" clId="{1404D58C-429C-4D75-B5B2-E1C9B8E0DC36}" dt="2025-03-16T15:10:55.005" v="2660" actId="20577"/>
+          <ac:cxnSpMkLst>
+            <pc:docMk/>
+            <pc:sldMk cId="2830059827" sldId="269"/>
+            <ac:cxnSpMk id="10" creationId="{FA3DA1B2-AD0A-283D-1F5D-AD9276E7401C}"/>
+          </ac:cxnSpMkLst>
+        </pc:cxnChg>
+        <pc:cxnChg chg="add mod">
+          <ac:chgData name="François GLEYZON" userId="a2d04f23f7faf3ef" providerId="LiveId" clId="{1404D58C-429C-4D75-B5B2-E1C9B8E0DC36}" dt="2025-03-16T15:15:39.872" v="2882" actId="14100"/>
+          <ac:cxnSpMkLst>
+            <pc:docMk/>
+            <pc:sldMk cId="2830059827" sldId="269"/>
+            <ac:cxnSpMk id="20" creationId="{EFED52EE-D353-671B-312B-C6260B9FA771}"/>
+          </ac:cxnSpMkLst>
+        </pc:cxnChg>
+      </pc:sldChg>
+      <pc:sldChg chg="addSp modSp add mod">
+        <pc:chgData name="François GLEYZON" userId="a2d04f23f7faf3ef" providerId="LiveId" clId="{1404D58C-429C-4D75-B5B2-E1C9B8E0DC36}" dt="2025-03-16T14:36:37.943" v="1520"/>
+        <pc:sldMkLst>
+          <pc:docMk/>
+          <pc:sldMk cId="3668441629" sldId="270"/>
+        </pc:sldMkLst>
+        <pc:spChg chg="add mod">
+          <ac:chgData name="François GLEYZON" userId="a2d04f23f7faf3ef" providerId="LiveId" clId="{1404D58C-429C-4D75-B5B2-E1C9B8E0DC36}" dt="2025-03-16T14:36:37.943" v="1520"/>
+          <ac:spMkLst>
+            <pc:docMk/>
+            <pc:sldMk cId="3668441629" sldId="270"/>
+            <ac:spMk id="2" creationId="{59F282F9-3609-1522-0AA2-327E0A7E7A9B}"/>
+          </ac:spMkLst>
+        </pc:spChg>
+        <pc:spChg chg="mod">
+          <ac:chgData name="François GLEYZON" userId="a2d04f23f7faf3ef" providerId="LiveId" clId="{1404D58C-429C-4D75-B5B2-E1C9B8E0DC36}" dt="2025-03-16T14:17:42.635" v="76" actId="20577"/>
+          <ac:spMkLst>
+            <pc:docMk/>
+            <pc:sldMk cId="3668441629" sldId="270"/>
+            <ac:spMk id="9" creationId="{9D2D06DC-6CE6-B872-3049-9B0D28F68101}"/>
+          </ac:spMkLst>
+        </pc:spChg>
+      </pc:sldChg>
+      <pc:sldChg chg="addSp modSp add mod">
+        <pc:chgData name="François GLEYZON" userId="a2d04f23f7faf3ef" providerId="LiveId" clId="{1404D58C-429C-4D75-B5B2-E1C9B8E0DC36}" dt="2025-03-16T14:36:40.083" v="1521"/>
+        <pc:sldMkLst>
+          <pc:docMk/>
+          <pc:sldMk cId="1301843568" sldId="271"/>
+        </pc:sldMkLst>
+        <pc:spChg chg="add mod">
+          <ac:chgData name="François GLEYZON" userId="a2d04f23f7faf3ef" providerId="LiveId" clId="{1404D58C-429C-4D75-B5B2-E1C9B8E0DC36}" dt="2025-03-16T14:36:40.083" v="1521"/>
+          <ac:spMkLst>
+            <pc:docMk/>
+            <pc:sldMk cId="1301843568" sldId="271"/>
+            <ac:spMk id="2" creationId="{B03F54C8-C74E-296C-FF98-648447B3C076}"/>
+          </ac:spMkLst>
+        </pc:spChg>
+        <pc:spChg chg="mod">
+          <ac:chgData name="François GLEYZON" userId="a2d04f23f7faf3ef" providerId="LiveId" clId="{1404D58C-429C-4D75-B5B2-E1C9B8E0DC36}" dt="2025-03-16T14:17:52.241" v="97" actId="20577"/>
+          <ac:spMkLst>
+            <pc:docMk/>
+            <pc:sldMk cId="1301843568" sldId="271"/>
+            <ac:spMk id="9" creationId="{9AC59951-2052-5891-EC5A-4BBED090FE92}"/>
+          </ac:spMkLst>
+        </pc:spChg>
+      </pc:sldChg>
+      <pc:sldChg chg="addSp delSp modSp add mod">
+        <pc:chgData name="François GLEYZON" userId="a2d04f23f7faf3ef" providerId="LiveId" clId="{1404D58C-429C-4D75-B5B2-E1C9B8E0DC36}" dt="2025-03-16T18:21:18.427" v="6846" actId="1038"/>
+        <pc:sldMkLst>
+          <pc:docMk/>
+          <pc:sldMk cId="1767245589" sldId="272"/>
+        </pc:sldMkLst>
+        <pc:spChg chg="add mod">
+          <ac:chgData name="François GLEYZON" userId="a2d04f23f7faf3ef" providerId="LiveId" clId="{1404D58C-429C-4D75-B5B2-E1C9B8E0DC36}" dt="2025-03-16T14:36:41.923" v="1522"/>
+          <ac:spMkLst>
+            <pc:docMk/>
+            <pc:sldMk cId="1767245589" sldId="272"/>
+            <ac:spMk id="2" creationId="{281E66B3-EC50-1DB7-5246-A0A1D85B27B2}"/>
+          </ac:spMkLst>
+        </pc:spChg>
+        <pc:spChg chg="add mod">
+          <ac:chgData name="François GLEYZON" userId="a2d04f23f7faf3ef" providerId="LiveId" clId="{1404D58C-429C-4D75-B5B2-E1C9B8E0DC36}" dt="2025-03-16T17:38:31.338" v="3598" actId="113"/>
+          <ac:spMkLst>
+            <pc:docMk/>
+            <pc:sldMk cId="1767245589" sldId="272"/>
+            <ac:spMk id="5" creationId="{E13FB8D1-D18F-47C7-D1B2-4705A4773972}"/>
+          </ac:spMkLst>
+        </pc:spChg>
+        <pc:spChg chg="add mod">
+          <ac:chgData name="François GLEYZON" userId="a2d04f23f7faf3ef" providerId="LiveId" clId="{1404D58C-429C-4D75-B5B2-E1C9B8E0DC36}" dt="2025-03-16T17:43:23.848" v="3944" actId="20577"/>
+          <ac:spMkLst>
+            <pc:docMk/>
+            <pc:sldMk cId="1767245589" sldId="272"/>
+            <ac:spMk id="6" creationId="{9D3F7280-79FE-6679-FD09-21759D67BD31}"/>
+          </ac:spMkLst>
+        </pc:spChg>
+        <pc:spChg chg="mod">
+          <ac:chgData name="François GLEYZON" userId="a2d04f23f7faf3ef" providerId="LiveId" clId="{1404D58C-429C-4D75-B5B2-E1C9B8E0DC36}" dt="2025-03-16T14:18:01.236" v="108" actId="20577"/>
+          <ac:spMkLst>
+            <pc:docMk/>
+            <pc:sldMk cId="1767245589" sldId="272"/>
+            <ac:spMk id="9" creationId="{D60C7752-751C-B280-204E-C5F5E4B10805}"/>
+          </ac:spMkLst>
+        </pc:spChg>
+        <pc:spChg chg="add mod">
+          <ac:chgData name="François GLEYZON" userId="a2d04f23f7faf3ef" providerId="LiveId" clId="{1404D58C-429C-4D75-B5B2-E1C9B8E0DC36}" dt="2025-03-16T18:02:10.159" v="6248" actId="1076"/>
+          <ac:spMkLst>
+            <pc:docMk/>
+            <pc:sldMk cId="1767245589" sldId="272"/>
+            <ac:spMk id="10" creationId="{FB7FDD76-3978-200B-32AC-62FEBBC52D44}"/>
+          </ac:spMkLst>
+        </pc:spChg>
+        <pc:spChg chg="add mod">
+          <ac:chgData name="François GLEYZON" userId="a2d04f23f7faf3ef" providerId="LiveId" clId="{1404D58C-429C-4D75-B5B2-E1C9B8E0DC36}" dt="2025-03-16T18:02:15.543" v="6249" actId="465"/>
+          <ac:spMkLst>
+            <pc:docMk/>
+            <pc:sldMk cId="1767245589" sldId="272"/>
+            <ac:spMk id="11" creationId="{1A607B03-1BC0-C771-595F-432338076A8B}"/>
+          </ac:spMkLst>
+        </pc:spChg>
+        <pc:spChg chg="add mod">
+          <ac:chgData name="François GLEYZON" userId="a2d04f23f7faf3ef" providerId="LiveId" clId="{1404D58C-429C-4D75-B5B2-E1C9B8E0DC36}" dt="2025-03-16T18:02:10.159" v="6248" actId="1076"/>
+          <ac:spMkLst>
+            <pc:docMk/>
+            <pc:sldMk cId="1767245589" sldId="272"/>
+            <ac:spMk id="12" creationId="{EEF1FBAD-7C20-C706-E6A5-B20EBC80F0F6}"/>
+          </ac:spMkLst>
+        </pc:spChg>
+        <pc:spChg chg="add mod">
+          <ac:chgData name="François GLEYZON" userId="a2d04f23f7faf3ef" providerId="LiveId" clId="{1404D58C-429C-4D75-B5B2-E1C9B8E0DC36}" dt="2025-03-16T18:09:11.697" v="6453" actId="1076"/>
+          <ac:spMkLst>
+            <pc:docMk/>
+            <pc:sldMk cId="1767245589" sldId="272"/>
+            <ac:spMk id="41" creationId="{DFB335B7-5A67-A708-9BF0-15568CAD7AA8}"/>
+          </ac:spMkLst>
+        </pc:spChg>
+        <pc:spChg chg="add mod">
+          <ac:chgData name="François GLEYZON" userId="a2d04f23f7faf3ef" providerId="LiveId" clId="{1404D58C-429C-4D75-B5B2-E1C9B8E0DC36}" dt="2025-03-16T18:21:18.427" v="6846" actId="1038"/>
+          <ac:spMkLst>
+            <pc:docMk/>
+            <pc:sldMk cId="1767245589" sldId="272"/>
+            <ac:spMk id="42" creationId="{2585DC19-B449-1015-A282-9C33F7EDCA40}"/>
+          </ac:spMkLst>
+        </pc:spChg>
+        <pc:picChg chg="add mod">
+          <ac:chgData name="François GLEYZON" userId="a2d04f23f7faf3ef" providerId="LiveId" clId="{1404D58C-429C-4D75-B5B2-E1C9B8E0DC36}" dt="2025-03-16T17:38:33.760" v="3599" actId="1076"/>
+          <ac:picMkLst>
+            <pc:docMk/>
+            <pc:sldMk cId="1767245589" sldId="272"/>
+            <ac:picMk id="4" creationId="{53ED0A81-57CD-C16F-8A9A-2BCDAA3F406E}"/>
+          </ac:picMkLst>
+        </pc:picChg>
+        <pc:picChg chg="add mod">
+          <ac:chgData name="François GLEYZON" userId="a2d04f23f7faf3ef" providerId="LiveId" clId="{1404D58C-429C-4D75-B5B2-E1C9B8E0DC36}" dt="2025-03-16T18:02:22.290" v="6250" actId="1076"/>
+          <ac:picMkLst>
+            <pc:docMk/>
+            <pc:sldMk cId="1767245589" sldId="272"/>
+            <ac:picMk id="8" creationId="{8A31FEA3-15F3-A5B2-8631-79D870FD9189}"/>
+          </ac:picMkLst>
+        </pc:picChg>
+        <pc:picChg chg="add mod">
+          <ac:chgData name="François GLEYZON" userId="a2d04f23f7faf3ef" providerId="LiveId" clId="{1404D58C-429C-4D75-B5B2-E1C9B8E0DC36}" dt="2025-03-16T18:06:56.413" v="6270" actId="1076"/>
+          <ac:picMkLst>
+            <pc:docMk/>
+            <pc:sldMk cId="1767245589" sldId="272"/>
+            <ac:picMk id="25" creationId="{33ED872E-179F-A9C0-F2A5-3AD41FFB9EF1}"/>
+          </ac:picMkLst>
+        </pc:picChg>
+        <pc:cxnChg chg="add mod">
+          <ac:chgData name="François GLEYZON" userId="a2d04f23f7faf3ef" providerId="LiveId" clId="{1404D58C-429C-4D75-B5B2-E1C9B8E0DC36}" dt="2025-03-16T18:02:32.678" v="6253" actId="14100"/>
+          <ac:cxnSpMkLst>
+            <pc:docMk/>
+            <pc:sldMk cId="1767245589" sldId="272"/>
+            <ac:cxnSpMk id="13" creationId="{D49B9546-9E06-3F1B-67AE-CDE54685608B}"/>
+          </ac:cxnSpMkLst>
+        </pc:cxnChg>
+        <pc:cxnChg chg="add mod">
+          <ac:chgData name="François GLEYZON" userId="a2d04f23f7faf3ef" providerId="LiveId" clId="{1404D58C-429C-4D75-B5B2-E1C9B8E0DC36}" dt="2025-03-16T18:02:38.187" v="6256" actId="14100"/>
+          <ac:cxnSpMkLst>
+            <pc:docMk/>
+            <pc:sldMk cId="1767245589" sldId="272"/>
+            <ac:cxnSpMk id="16" creationId="{80972539-C73D-4278-5BF7-104942B2DDC7}"/>
+          </ac:cxnSpMkLst>
+        </pc:cxnChg>
+        <pc:cxnChg chg="add mod">
+          <ac:chgData name="François GLEYZON" userId="a2d04f23f7faf3ef" providerId="LiveId" clId="{1404D58C-429C-4D75-B5B2-E1C9B8E0DC36}" dt="2025-03-16T18:02:56.302" v="6263" actId="1076"/>
+          <ac:cxnSpMkLst>
+            <pc:docMk/>
+            <pc:sldMk cId="1767245589" sldId="272"/>
+            <ac:cxnSpMk id="22" creationId="{5F64B1CF-78E3-E145-2A94-E4E959096099}"/>
+          </ac:cxnSpMkLst>
+        </pc:cxnChg>
+        <pc:cxnChg chg="add mod">
+          <ac:chgData name="François GLEYZON" userId="a2d04f23f7faf3ef" providerId="LiveId" clId="{1404D58C-429C-4D75-B5B2-E1C9B8E0DC36}" dt="2025-03-16T18:07:23.828" v="6276" actId="1076"/>
+          <ac:cxnSpMkLst>
+            <pc:docMk/>
+            <pc:sldMk cId="1767245589" sldId="272"/>
+            <ac:cxnSpMk id="26" creationId="{24747122-5B36-739F-9F5D-A25E30C5894E}"/>
+          </ac:cxnSpMkLst>
+        </pc:cxnChg>
+        <pc:cxnChg chg="add mod">
+          <ac:chgData name="François GLEYZON" userId="a2d04f23f7faf3ef" providerId="LiveId" clId="{1404D58C-429C-4D75-B5B2-E1C9B8E0DC36}" dt="2025-03-16T18:08:12.757" v="6293" actId="1076"/>
+          <ac:cxnSpMkLst>
+            <pc:docMk/>
+            <pc:sldMk cId="1767245589" sldId="272"/>
+            <ac:cxnSpMk id="29" creationId="{ED3FFF44-1763-2C72-B7EF-4BAA1E20308F}"/>
+          </ac:cxnSpMkLst>
+        </pc:cxnChg>
+        <pc:cxnChg chg="add mod">
+          <ac:chgData name="François GLEYZON" userId="a2d04f23f7faf3ef" providerId="LiveId" clId="{1404D58C-429C-4D75-B5B2-E1C9B8E0DC36}" dt="2025-03-16T18:08:12.757" v="6293" actId="1076"/>
+          <ac:cxnSpMkLst>
+            <pc:docMk/>
+            <pc:sldMk cId="1767245589" sldId="272"/>
+            <ac:cxnSpMk id="30" creationId="{ED17C5F0-368F-E284-A61A-C3045C6891D1}"/>
+          </ac:cxnSpMkLst>
+        </pc:cxnChg>
+        <pc:cxnChg chg="add mod">
+          <ac:chgData name="François GLEYZON" userId="a2d04f23f7faf3ef" providerId="LiveId" clId="{1404D58C-429C-4D75-B5B2-E1C9B8E0DC36}" dt="2025-03-16T18:08:12.757" v="6293" actId="1076"/>
+          <ac:cxnSpMkLst>
+            <pc:docMk/>
+            <pc:sldMk cId="1767245589" sldId="272"/>
+            <ac:cxnSpMk id="32" creationId="{EBF41D9D-82DF-C3F4-5E79-9F90515FE944}"/>
+          </ac:cxnSpMkLst>
+        </pc:cxnChg>
+        <pc:cxnChg chg="add mod">
+          <ac:chgData name="François GLEYZON" userId="a2d04f23f7faf3ef" providerId="LiveId" clId="{1404D58C-429C-4D75-B5B2-E1C9B8E0DC36}" dt="2025-03-16T18:08:12.757" v="6293" actId="1076"/>
+          <ac:cxnSpMkLst>
+            <pc:docMk/>
+            <pc:sldMk cId="1767245589" sldId="272"/>
+            <ac:cxnSpMk id="33" creationId="{485B08DD-0A2D-7F00-A27D-0359CCD8796F}"/>
+          </ac:cxnSpMkLst>
+        </pc:cxnChg>
+        <pc:cxnChg chg="add mod">
+          <ac:chgData name="François GLEYZON" userId="a2d04f23f7faf3ef" providerId="LiveId" clId="{1404D58C-429C-4D75-B5B2-E1C9B8E0DC36}" dt="2025-03-16T18:08:12.757" v="6293" actId="1076"/>
+          <ac:cxnSpMkLst>
+            <pc:docMk/>
+            <pc:sldMk cId="1767245589" sldId="272"/>
+            <ac:cxnSpMk id="34" creationId="{0B4B6C7C-6463-E2E8-72B3-5CFE5A079E3B}"/>
+          </ac:cxnSpMkLst>
+        </pc:cxnChg>
+        <pc:cxnChg chg="add mod">
+          <ac:chgData name="François GLEYZON" userId="a2d04f23f7faf3ef" providerId="LiveId" clId="{1404D58C-429C-4D75-B5B2-E1C9B8E0DC36}" dt="2025-03-16T18:08:12.757" v="6293" actId="1076"/>
+          <ac:cxnSpMkLst>
+            <pc:docMk/>
+            <pc:sldMk cId="1767245589" sldId="272"/>
+            <ac:cxnSpMk id="35" creationId="{03D955B2-F219-8CB6-1E53-3AA6415D6650}"/>
+          </ac:cxnSpMkLst>
+        </pc:cxnChg>
+        <pc:cxnChg chg="add mod">
+          <ac:chgData name="François GLEYZON" userId="a2d04f23f7faf3ef" providerId="LiveId" clId="{1404D58C-429C-4D75-B5B2-E1C9B8E0DC36}" dt="2025-03-16T18:08:12.757" v="6293" actId="1076"/>
+          <ac:cxnSpMkLst>
+            <pc:docMk/>
+            <pc:sldMk cId="1767245589" sldId="272"/>
+            <ac:cxnSpMk id="37" creationId="{16D7FD71-B1AD-0F14-A6E2-E849307A4B3A}"/>
+          </ac:cxnSpMkLst>
+        </pc:cxnChg>
+        <pc:cxnChg chg="add mod">
+          <ac:chgData name="François GLEYZON" userId="a2d04f23f7faf3ef" providerId="LiveId" clId="{1404D58C-429C-4D75-B5B2-E1C9B8E0DC36}" dt="2025-03-16T18:08:12.757" v="6293" actId="1076"/>
+          <ac:cxnSpMkLst>
+            <pc:docMk/>
+            <pc:sldMk cId="1767245589" sldId="272"/>
+            <ac:cxnSpMk id="38" creationId="{8618A658-E824-26F7-2526-3280361FFBE8}"/>
+          </ac:cxnSpMkLst>
+        </pc:cxnChg>
+        <pc:cxnChg chg="add mod">
+          <ac:chgData name="François GLEYZON" userId="a2d04f23f7faf3ef" providerId="LiveId" clId="{1404D58C-429C-4D75-B5B2-E1C9B8E0DC36}" dt="2025-03-16T18:08:12.757" v="6293" actId="1076"/>
+          <ac:cxnSpMkLst>
+            <pc:docMk/>
+            <pc:sldMk cId="1767245589" sldId="272"/>
+            <ac:cxnSpMk id="40" creationId="{CC554D35-7624-2528-FD55-5AD0D0D02370}"/>
+          </ac:cxnSpMkLst>
+        </pc:cxnChg>
+      </pc:sldChg>
+      <pc:sldChg chg="addSp modSp add mod">
+        <pc:chgData name="François GLEYZON" userId="a2d04f23f7faf3ef" providerId="LiveId" clId="{1404D58C-429C-4D75-B5B2-E1C9B8E0DC36}" dt="2025-03-16T14:36:45.214" v="1523"/>
+        <pc:sldMkLst>
+          <pc:docMk/>
+          <pc:sldMk cId="3992977093" sldId="273"/>
+        </pc:sldMkLst>
+        <pc:spChg chg="add mod">
+          <ac:chgData name="François GLEYZON" userId="a2d04f23f7faf3ef" providerId="LiveId" clId="{1404D58C-429C-4D75-B5B2-E1C9B8E0DC36}" dt="2025-03-16T14:36:45.214" v="1523"/>
+          <ac:spMkLst>
+            <pc:docMk/>
+            <pc:sldMk cId="3992977093" sldId="273"/>
+            <ac:spMk id="2" creationId="{0042AAB7-5C77-4BBB-D2D5-854226AC3ED2}"/>
+          </ac:spMkLst>
+        </pc:spChg>
+        <pc:spChg chg="mod">
+          <ac:chgData name="François GLEYZON" userId="a2d04f23f7faf3ef" providerId="LiveId" clId="{1404D58C-429C-4D75-B5B2-E1C9B8E0DC36}" dt="2025-03-16T14:18:10.318" v="137" actId="20577"/>
+          <ac:spMkLst>
+            <pc:docMk/>
+            <pc:sldMk cId="3992977093" sldId="273"/>
+            <ac:spMk id="9" creationId="{C9B5B16C-1DB0-E947-93DF-D6622677A8E5}"/>
+          </ac:spMkLst>
+        </pc:spChg>
+      </pc:sldChg>
+      <pc:sldChg chg="addSp delSp modSp add mod">
+        <pc:chgData name="François GLEYZON" userId="a2d04f23f7faf3ef" providerId="LiveId" clId="{1404D58C-429C-4D75-B5B2-E1C9B8E0DC36}" dt="2025-03-16T18:23:52.809" v="6936" actId="113"/>
+        <pc:sldMkLst>
+          <pc:docMk/>
+          <pc:sldMk cId="1403034857" sldId="274"/>
+        </pc:sldMkLst>
+        <pc:spChg chg="add mod">
+          <ac:chgData name="François GLEYZON" userId="a2d04f23f7faf3ef" providerId="LiveId" clId="{1404D58C-429C-4D75-B5B2-E1C9B8E0DC36}" dt="2025-03-16T17:42:43.868" v="3939" actId="20577"/>
+          <ac:spMkLst>
+            <pc:docMk/>
+            <pc:sldMk cId="1403034857" sldId="274"/>
+            <ac:spMk id="2" creationId="{250421EB-6552-6AB6-6F25-DA6377842E5D}"/>
+          </ac:spMkLst>
+        </pc:spChg>
+        <pc:spChg chg="add mod">
+          <ac:chgData name="François GLEYZON" userId="a2d04f23f7faf3ef" providerId="LiveId" clId="{1404D58C-429C-4D75-B5B2-E1C9B8E0DC36}" dt="2025-03-16T14:34:27.905" v="1172" actId="20577"/>
+          <ac:spMkLst>
+            <pc:docMk/>
+            <pc:sldMk cId="1403034857" sldId="274"/>
+            <ac:spMk id="4" creationId="{E3C49277-8E12-BB83-3B74-7BE038B51A44}"/>
+          </ac:spMkLst>
+        </pc:spChg>
+        <pc:spChg chg="add mod">
+          <ac:chgData name="François GLEYZON" userId="a2d04f23f7faf3ef" providerId="LiveId" clId="{1404D58C-429C-4D75-B5B2-E1C9B8E0DC36}" dt="2025-03-16T14:36:33.003" v="1517"/>
+          <ac:spMkLst>
+            <pc:docMk/>
+            <pc:sldMk cId="1403034857" sldId="274"/>
+            <ac:spMk id="6" creationId="{47CB0EFF-830F-8349-9DB3-FB9A307C5887}"/>
+          </ac:spMkLst>
+        </pc:spChg>
+        <pc:spChg chg="add mod">
+          <ac:chgData name="François GLEYZON" userId="a2d04f23f7faf3ef" providerId="LiveId" clId="{1404D58C-429C-4D75-B5B2-E1C9B8E0DC36}" dt="2025-03-16T14:41:39.123" v="2068" actId="20577"/>
+          <ac:spMkLst>
+            <pc:docMk/>
+            <pc:sldMk cId="1403034857" sldId="274"/>
+            <ac:spMk id="8" creationId="{23AAE550-8793-C14A-40F5-CD14768E5CC4}"/>
+          </ac:spMkLst>
+        </pc:spChg>
+        <pc:spChg chg="mod">
+          <ac:chgData name="François GLEYZON" userId="a2d04f23f7faf3ef" providerId="LiveId" clId="{1404D58C-429C-4D75-B5B2-E1C9B8E0DC36}" dt="2025-03-16T14:33:28.183" v="1132"/>
+          <ac:spMkLst>
+            <pc:docMk/>
+            <pc:sldMk cId="1403034857" sldId="274"/>
+            <ac:spMk id="11" creationId="{CC039125-0F68-3456-446E-4D9C7474E349}"/>
+          </ac:spMkLst>
+        </pc:spChg>
+        <pc:spChg chg="add mod">
+          <ac:chgData name="François GLEYZON" userId="a2d04f23f7faf3ef" providerId="LiveId" clId="{1404D58C-429C-4D75-B5B2-E1C9B8E0DC36}" dt="2025-03-16T18:23:52.809" v="6936" actId="113"/>
+          <ac:spMkLst>
+            <pc:docMk/>
+            <pc:sldMk cId="1403034857" sldId="274"/>
+            <ac:spMk id="13" creationId="{F42919BC-EA1A-4B98-6077-4001FBC5468F}"/>
+          </ac:spMkLst>
+        </pc:spChg>
+        <pc:picChg chg="add mod">
+          <ac:chgData name="François GLEYZON" userId="a2d04f23f7faf3ef" providerId="LiveId" clId="{1404D58C-429C-4D75-B5B2-E1C9B8E0DC36}" dt="2025-03-16T14:34:09.753" v="1139" actId="1076"/>
+          <ac:picMkLst>
+            <pc:docMk/>
+            <pc:sldMk cId="1403034857" sldId="274"/>
+            <ac:picMk id="3" creationId="{E01AC50A-D99A-D3E4-4BBB-CAE8C1141722}"/>
+          </ac:picMkLst>
+        </pc:picChg>
+        <pc:picChg chg="add mod">
+          <ac:chgData name="François GLEYZON" userId="a2d04f23f7faf3ef" providerId="LiveId" clId="{1404D58C-429C-4D75-B5B2-E1C9B8E0DC36}" dt="2025-03-16T14:41:10.123" v="2055" actId="1076"/>
+          <ac:picMkLst>
+            <pc:docMk/>
+            <pc:sldMk cId="1403034857" sldId="274"/>
+            <ac:picMk id="14" creationId="{6D57DE72-C86C-8864-4204-0A2213B42D38}"/>
+          </ac:picMkLst>
+        </pc:picChg>
+        <pc:picChg chg="add mod">
+          <ac:chgData name="François GLEYZON" userId="a2d04f23f7faf3ef" providerId="LiveId" clId="{1404D58C-429C-4D75-B5B2-E1C9B8E0DC36}" dt="2025-03-16T17:43:16.898" v="3942" actId="1076"/>
+          <ac:picMkLst>
+            <pc:docMk/>
+            <pc:sldMk cId="1403034857" sldId="274"/>
+            <ac:picMk id="1026" creationId="{C8CA877A-7DDE-FEB7-24D0-9EE0DFAC3ACC}"/>
+          </ac:picMkLst>
+        </pc:picChg>
+      </pc:sldChg>
+      <pc:sldChg chg="addSp delSp modSp add mod">
+        <pc:chgData name="François GLEYZON" userId="a2d04f23f7faf3ef" providerId="LiveId" clId="{1404D58C-429C-4D75-B5B2-E1C9B8E0DC36}" dt="2025-03-16T18:27:24.448" v="7125" actId="114"/>
+        <pc:sldMkLst>
+          <pc:docMk/>
+          <pc:sldMk cId="3135963873" sldId="275"/>
+        </pc:sldMkLst>
+        <pc:spChg chg="add mod">
+          <ac:chgData name="François GLEYZON" userId="a2d04f23f7faf3ef" providerId="LiveId" clId="{1404D58C-429C-4D75-B5B2-E1C9B8E0DC36}" dt="2025-03-16T18:27:24.448" v="7125" actId="114"/>
+          <ac:spMkLst>
+            <pc:docMk/>
+            <pc:sldMk cId="3135963873" sldId="275"/>
+            <ac:spMk id="5" creationId="{FAC551E2-7AD3-5FEF-E2DE-209EDBFB2695}"/>
+          </ac:spMkLst>
+        </pc:spChg>
+        <pc:spChg chg="mod">
+          <ac:chgData name="François GLEYZON" userId="a2d04f23f7faf3ef" providerId="LiveId" clId="{1404D58C-429C-4D75-B5B2-E1C9B8E0DC36}" dt="2025-03-16T15:23:02.888" v="3258" actId="20577"/>
+          <ac:spMkLst>
+            <pc:docMk/>
+            <pc:sldMk cId="3135963873" sldId="275"/>
+            <ac:spMk id="9" creationId="{A1BFB0DE-CCDE-5E15-B93D-0C46D50CF46E}"/>
+          </ac:spMkLst>
+        </pc:spChg>
+      </pc:sldChg>
+      <pc:sldChg chg="addSp delSp modSp add mod">
+        <pc:chgData name="François GLEYZON" userId="a2d04f23f7faf3ef" providerId="LiveId" clId="{1404D58C-429C-4D75-B5B2-E1C9B8E0DC36}" dt="2025-03-16T18:25:24.592" v="6981" actId="114"/>
+        <pc:sldMkLst>
+          <pc:docMk/>
+          <pc:sldMk cId="312469821" sldId="276"/>
+        </pc:sldMkLst>
+        <pc:spChg chg="mod">
+          <ac:chgData name="François GLEYZON" userId="a2d04f23f7faf3ef" providerId="LiveId" clId="{1404D58C-429C-4D75-B5B2-E1C9B8E0DC36}" dt="2025-03-16T17:45:37.898" v="4201" actId="33524"/>
+          <ac:spMkLst>
+            <pc:docMk/>
+            <pc:sldMk cId="312469821" sldId="276"/>
+            <ac:spMk id="5" creationId="{D2931CAA-5B1D-3DB8-5405-0EBED6E73DDA}"/>
+          </ac:spMkLst>
+        </pc:spChg>
+        <pc:spChg chg="add mod">
+          <ac:chgData name="François GLEYZON" userId="a2d04f23f7faf3ef" providerId="LiveId" clId="{1404D58C-429C-4D75-B5B2-E1C9B8E0DC36}" dt="2025-03-16T17:58:26.908" v="5884" actId="13926"/>
+          <ac:spMkLst>
+            <pc:docMk/>
+            <pc:sldMk cId="312469821" sldId="276"/>
+            <ac:spMk id="8" creationId="{A3FB3464-F9D7-F388-8CA4-20C652C808AB}"/>
+          </ac:spMkLst>
+        </pc:spChg>
+        <pc:spChg chg="add mod">
+          <ac:chgData name="François GLEYZON" userId="a2d04f23f7faf3ef" providerId="LiveId" clId="{1404D58C-429C-4D75-B5B2-E1C9B8E0DC36}" dt="2025-03-16T18:24:53.792" v="6937" actId="1076"/>
+          <ac:spMkLst>
+            <pc:docMk/>
+            <pc:sldMk cId="312469821" sldId="276"/>
+            <ac:spMk id="10" creationId="{3787056C-9D45-21F4-6CDE-BB39E364A145}"/>
+          </ac:spMkLst>
+        </pc:spChg>
+        <pc:spChg chg="add mod">
+          <ac:chgData name="François GLEYZON" userId="a2d04f23f7faf3ef" providerId="LiveId" clId="{1404D58C-429C-4D75-B5B2-E1C9B8E0DC36}" dt="2025-03-16T18:25:24.592" v="6981" actId="114"/>
+          <ac:spMkLst>
+            <pc:docMk/>
+            <pc:sldMk cId="312469821" sldId="276"/>
+            <ac:spMk id="11" creationId="{9D58840C-50FD-E58B-670F-C4615DAF690D}"/>
+          </ac:spMkLst>
+        </pc:spChg>
+        <pc:picChg chg="add mod">
+          <ac:chgData name="François GLEYZON" userId="a2d04f23f7faf3ef" providerId="LiveId" clId="{1404D58C-429C-4D75-B5B2-E1C9B8E0DC36}" dt="2025-03-16T17:49:26.117" v="4766" actId="1076"/>
+          <ac:picMkLst>
+            <pc:docMk/>
+            <pc:sldMk cId="312469821" sldId="276"/>
+            <ac:picMk id="7" creationId="{4C33A69A-4ABB-390F-8D1C-5D58AB9AF2C3}"/>
+          </ac:picMkLst>
+        </pc:picChg>
+      </pc:sldChg>
+      <pc:sldChg chg="addSp delSp modSp add mod">
+        <pc:chgData name="François GLEYZON" userId="a2d04f23f7faf3ef" providerId="LiveId" clId="{1404D58C-429C-4D75-B5B2-E1C9B8E0DC36}" dt="2025-03-16T18:25:55.029" v="6991" actId="1076"/>
+        <pc:sldMkLst>
+          <pc:docMk/>
+          <pc:sldMk cId="1989661597" sldId="277"/>
+        </pc:sldMkLst>
+        <pc:spChg chg="mod">
+          <ac:chgData name="François GLEYZON" userId="a2d04f23f7faf3ef" providerId="LiveId" clId="{1404D58C-429C-4D75-B5B2-E1C9B8E0DC36}" dt="2025-03-16T18:25:42.620" v="6987" actId="6549"/>
+          <ac:spMkLst>
+            <pc:docMk/>
+            <pc:sldMk cId="1989661597" sldId="277"/>
+            <ac:spMk id="5" creationId="{4DAC8AF4-A004-7163-A739-49ECA39B9FEC}"/>
+          </ac:spMkLst>
+        </pc:spChg>
+        <pc:spChg chg="mod">
+          <ac:chgData name="François GLEYZON" userId="a2d04f23f7faf3ef" providerId="LiveId" clId="{1404D58C-429C-4D75-B5B2-E1C9B8E0DC36}" dt="2025-03-16T18:25:46.907" v="6988" actId="1076"/>
+          <ac:spMkLst>
+            <pc:docMk/>
+            <pc:sldMk cId="1989661597" sldId="277"/>
+            <ac:spMk id="10" creationId="{01A678EA-30F3-62CE-A9F0-10C182D4BBB2}"/>
+          </ac:spMkLst>
+        </pc:spChg>
+        <pc:spChg chg="add mod">
+          <ac:chgData name="François GLEYZON" userId="a2d04f23f7faf3ef" providerId="LiveId" clId="{1404D58C-429C-4D75-B5B2-E1C9B8E0DC36}" dt="2025-03-16T18:25:55.029" v="6991" actId="1076"/>
+          <ac:spMkLst>
+            <pc:docMk/>
+            <pc:sldMk cId="1989661597" sldId="277"/>
+            <ac:spMk id="12" creationId="{AFD64144-DA5F-8B73-6CEA-181D47AD5646}"/>
+          </ac:spMkLst>
+        </pc:spChg>
+        <pc:spChg chg="add mod">
+          <ac:chgData name="François GLEYZON" userId="a2d04f23f7faf3ef" providerId="LiveId" clId="{1404D58C-429C-4D75-B5B2-E1C9B8E0DC36}" dt="2025-03-16T18:25:52.377" v="6990" actId="1076"/>
+          <ac:spMkLst>
+            <pc:docMk/>
+            <pc:sldMk cId="1989661597" sldId="277"/>
+            <ac:spMk id="13" creationId="{C4557F9C-855D-3055-9D46-7013C9868120}"/>
+          </ac:spMkLst>
+        </pc:spChg>
+        <pc:picChg chg="add mod">
+          <ac:chgData name="François GLEYZON" userId="a2d04f23f7faf3ef" providerId="LiveId" clId="{1404D58C-429C-4D75-B5B2-E1C9B8E0DC36}" dt="2025-03-16T18:25:48.590" v="6989" actId="1076"/>
+          <ac:picMkLst>
+            <pc:docMk/>
+            <pc:sldMk cId="1989661597" sldId="277"/>
+            <ac:picMk id="11" creationId="{76E36435-5B32-C3F8-CDBC-02E2B5086320}"/>
+          </ac:picMkLst>
+        </pc:picChg>
+      </pc:sldChg>
+      <pc:sldChg chg="addSp delSp modSp add mod">
+        <pc:chgData name="François GLEYZON" userId="a2d04f23f7faf3ef" providerId="LiveId" clId="{1404D58C-429C-4D75-B5B2-E1C9B8E0DC36}" dt="2025-03-18T00:13:16.107" v="7136" actId="13926"/>
+        <pc:sldMkLst>
+          <pc:docMk/>
+          <pc:sldMk cId="3353157011" sldId="278"/>
+        </pc:sldMkLst>
+        <pc:spChg chg="add mod">
+          <ac:chgData name="François GLEYZON" userId="a2d04f23f7faf3ef" providerId="LiveId" clId="{1404D58C-429C-4D75-B5B2-E1C9B8E0DC36}" dt="2025-03-16T18:20:16.267" v="6837" actId="207"/>
+          <ac:spMkLst>
+            <pc:docMk/>
+            <pc:sldMk cId="3353157011" sldId="278"/>
+            <ac:spMk id="3" creationId="{9B7F5462-4ABB-EBA2-0610-D1DC1488F1E8}"/>
+          </ac:spMkLst>
+        </pc:spChg>
+        <pc:spChg chg="add mod">
+          <ac:chgData name="François GLEYZON" userId="a2d04f23f7faf3ef" providerId="LiveId" clId="{1404D58C-429C-4D75-B5B2-E1C9B8E0DC36}" dt="2025-03-16T18:22:57.632" v="6908" actId="13926"/>
+          <ac:spMkLst>
+            <pc:docMk/>
+            <pc:sldMk cId="3353157011" sldId="278"/>
+            <ac:spMk id="4" creationId="{071085C4-0B93-7C4D-668E-440636B813C4}"/>
+          </ac:spMkLst>
+        </pc:spChg>
+        <pc:spChg chg="mod">
+          <ac:chgData name="François GLEYZON" userId="a2d04f23f7faf3ef" providerId="LiveId" clId="{1404D58C-429C-4D75-B5B2-E1C9B8E0DC36}" dt="2025-03-18T00:13:16.107" v="7136" actId="13926"/>
+          <ac:spMkLst>
+            <pc:docMk/>
+            <pc:sldMk cId="3353157011" sldId="278"/>
+            <ac:spMk id="5" creationId="{123C1752-9749-D963-C34A-A3CB069DD9C5}"/>
+          </ac:spMkLst>
+        </pc:spChg>
+      </pc:sldChg>
+    </pc:docChg>
+  </pc:docChgLst>
   <pc:docChgLst>
     <pc:chgData name="François GLEYZON" userId="a2d04f23f7faf3ef" providerId="LiveId" clId="{8625411A-B743-4065-8137-36E899DC5753}"/>
     <pc:docChg chg="undo custSel addSld delSld modSld">
@@ -1379,800 +2174,6 @@
       </pc:sldChg>
     </pc:docChg>
   </pc:docChgLst>
-  <pc:docChgLst>
-    <pc:chgData name="François GLEYZON" userId="a2d04f23f7faf3ef" providerId="LiveId" clId="{1404D58C-429C-4D75-B5B2-E1C9B8E0DC36}"/>
-    <pc:docChg chg="undo redo custSel addSld modSld sldOrd">
-      <pc:chgData name="François GLEYZON" userId="a2d04f23f7faf3ef" providerId="LiveId" clId="{1404D58C-429C-4D75-B5B2-E1C9B8E0DC36}" dt="2025-03-18T00:13:16.107" v="7136" actId="13926"/>
-      <pc:docMkLst>
-        <pc:docMk/>
-      </pc:docMkLst>
-      <pc:sldChg chg="addSp delSp modSp mod">
-        <pc:chgData name="François GLEYZON" userId="a2d04f23f7faf3ef" providerId="LiveId" clId="{1404D58C-429C-4D75-B5B2-E1C9B8E0DC36}" dt="2025-03-16T18:23:34.728" v="6917" actId="13926"/>
-        <pc:sldMkLst>
-          <pc:docMk/>
-          <pc:sldMk cId="2801290844" sldId="256"/>
-        </pc:sldMkLst>
-        <pc:spChg chg="mod">
-          <ac:chgData name="François GLEYZON" userId="a2d04f23f7faf3ef" providerId="LiveId" clId="{1404D58C-429C-4D75-B5B2-E1C9B8E0DC36}" dt="2025-03-16T18:23:34.728" v="6917" actId="13926"/>
-          <ac:spMkLst>
-            <pc:docMk/>
-            <pc:sldMk cId="2801290844" sldId="256"/>
-            <ac:spMk id="5" creationId="{CCB64622-7D99-EF9C-E64A-6B7A68B130E7}"/>
-          </ac:spMkLst>
-        </pc:spChg>
-        <pc:spChg chg="add mod">
-          <ac:chgData name="François GLEYZON" userId="a2d04f23f7faf3ef" providerId="LiveId" clId="{1404D58C-429C-4D75-B5B2-E1C9B8E0DC36}" dt="2025-03-16T14:36:30.969" v="1516"/>
-          <ac:spMkLst>
-            <pc:docMk/>
-            <pc:sldMk cId="2801290844" sldId="256"/>
-            <ac:spMk id="12" creationId="{B3FBCD95-757E-0D30-1DE3-8FB709355D99}"/>
-          </ac:spMkLst>
-        </pc:spChg>
-        <pc:spChg chg="mod">
-          <ac:chgData name="François GLEYZON" userId="a2d04f23f7faf3ef" providerId="LiveId" clId="{1404D58C-429C-4D75-B5B2-E1C9B8E0DC36}" dt="2025-03-16T14:16:11.423" v="10"/>
-          <ac:spMkLst>
-            <pc:docMk/>
-            <pc:sldMk cId="2801290844" sldId="256"/>
-            <ac:spMk id="13" creationId="{2A150A6C-B8B3-44CE-8884-B81C5AD95D13}"/>
-          </ac:spMkLst>
-        </pc:spChg>
-      </pc:sldChg>
-      <pc:sldChg chg="addSp delSp mod">
-        <pc:chgData name="François GLEYZON" userId="a2d04f23f7faf3ef" providerId="LiveId" clId="{1404D58C-429C-4D75-B5B2-E1C9B8E0DC36}" dt="2025-03-16T14:16:57.551" v="36" actId="22"/>
-        <pc:sldMkLst>
-          <pc:docMk/>
-          <pc:sldMk cId="2487955664" sldId="257"/>
-        </pc:sldMkLst>
-      </pc:sldChg>
-      <pc:sldChg chg="addSp delSp modSp mod">
-        <pc:chgData name="François GLEYZON" userId="a2d04f23f7faf3ef" providerId="LiveId" clId="{1404D58C-429C-4D75-B5B2-E1C9B8E0DC36}" dt="2025-03-16T18:23:45.777" v="6935" actId="20577"/>
-        <pc:sldMkLst>
-          <pc:docMk/>
-          <pc:sldMk cId="1966793551" sldId="265"/>
-        </pc:sldMkLst>
-        <pc:spChg chg="mod">
-          <ac:chgData name="François GLEYZON" userId="a2d04f23f7faf3ef" providerId="LiveId" clId="{1404D58C-429C-4D75-B5B2-E1C9B8E0DC36}" dt="2025-03-16T14:17:32.286" v="61" actId="20577"/>
-          <ac:spMkLst>
-            <pc:docMk/>
-            <pc:sldMk cId="1966793551" sldId="265"/>
-            <ac:spMk id="9" creationId="{6E9846D3-47A3-2AE6-6383-AB77CC5B517E}"/>
-          </ac:spMkLst>
-        </pc:spChg>
-        <pc:spChg chg="add mod">
-          <ac:chgData name="François GLEYZON" userId="a2d04f23f7faf3ef" providerId="LiveId" clId="{1404D58C-429C-4D75-B5B2-E1C9B8E0DC36}" dt="2025-03-16T14:24:23.045" v="574" actId="20577"/>
-          <ac:spMkLst>
-            <pc:docMk/>
-            <pc:sldMk cId="1966793551" sldId="265"/>
-            <ac:spMk id="11" creationId="{072A0C86-E46F-7872-4F73-D0C64405F9A7}"/>
-          </ac:spMkLst>
-        </pc:spChg>
-        <pc:spChg chg="add mod">
-          <ac:chgData name="François GLEYZON" userId="a2d04f23f7faf3ef" providerId="LiveId" clId="{1404D58C-429C-4D75-B5B2-E1C9B8E0DC36}" dt="2025-03-16T18:23:45.777" v="6935" actId="20577"/>
-          <ac:spMkLst>
-            <pc:docMk/>
-            <pc:sldMk cId="1966793551" sldId="265"/>
-            <ac:spMk id="28" creationId="{A3F4CAB7-21CC-3B13-8827-56C233CE43A0}"/>
-          </ac:spMkLst>
-        </pc:spChg>
-        <pc:spChg chg="add mod">
-          <ac:chgData name="François GLEYZON" userId="a2d04f23f7faf3ef" providerId="LiveId" clId="{1404D58C-429C-4D75-B5B2-E1C9B8E0DC36}" dt="2025-03-16T14:28:50.048" v="782" actId="14100"/>
-          <ac:spMkLst>
-            <pc:docMk/>
-            <pc:sldMk cId="1966793551" sldId="265"/>
-            <ac:spMk id="29" creationId="{16F0C38C-ADF0-05C8-AB97-6D861D171C8A}"/>
-          </ac:spMkLst>
-        </pc:spChg>
-        <pc:spChg chg="add mod">
-          <ac:chgData name="François GLEYZON" userId="a2d04f23f7faf3ef" providerId="LiveId" clId="{1404D58C-429C-4D75-B5B2-E1C9B8E0DC36}" dt="2025-03-16T14:37:03.623" v="1524" actId="164"/>
-          <ac:spMkLst>
-            <pc:docMk/>
-            <pc:sldMk cId="1966793551" sldId="265"/>
-            <ac:spMk id="30" creationId="{F9012EBE-327E-81BA-D0CC-DFFC3A81D06E}"/>
-          </ac:spMkLst>
-        </pc:spChg>
-        <pc:spChg chg="add mod">
-          <ac:chgData name="François GLEYZON" userId="a2d04f23f7faf3ef" providerId="LiveId" clId="{1404D58C-429C-4D75-B5B2-E1C9B8E0DC36}" dt="2025-03-16T14:37:03.623" v="1524" actId="164"/>
-          <ac:spMkLst>
-            <pc:docMk/>
-            <pc:sldMk cId="1966793551" sldId="265"/>
-            <ac:spMk id="31" creationId="{E096CA17-3B37-1EC9-086C-6073F9F0E327}"/>
-          </ac:spMkLst>
-        </pc:spChg>
-        <pc:spChg chg="add mod">
-          <ac:chgData name="François GLEYZON" userId="a2d04f23f7faf3ef" providerId="LiveId" clId="{1404D58C-429C-4D75-B5B2-E1C9B8E0DC36}" dt="2025-03-16T14:36:12.133" v="1510" actId="20577"/>
-          <ac:spMkLst>
-            <pc:docMk/>
-            <pc:sldMk cId="1966793551" sldId="265"/>
-            <ac:spMk id="48" creationId="{4BF5205A-C21B-DC10-00D1-30EE1B56E60B}"/>
-          </ac:spMkLst>
-        </pc:spChg>
-        <pc:spChg chg="add mod">
-          <ac:chgData name="François GLEYZON" userId="a2d04f23f7faf3ef" providerId="LiveId" clId="{1404D58C-429C-4D75-B5B2-E1C9B8E0DC36}" dt="2025-03-16T14:36:25.253" v="1514" actId="20577"/>
-          <ac:spMkLst>
-            <pc:docMk/>
-            <pc:sldMk cId="1966793551" sldId="265"/>
-            <ac:spMk id="49" creationId="{A79242B3-F8EA-94FD-D9D9-2D85B18818DC}"/>
-          </ac:spMkLst>
-        </pc:spChg>
-        <pc:grpChg chg="add mod">
-          <ac:chgData name="François GLEYZON" userId="a2d04f23f7faf3ef" providerId="LiveId" clId="{1404D58C-429C-4D75-B5B2-E1C9B8E0DC36}" dt="2025-03-16T14:37:08.843" v="1548" actId="1038"/>
-          <ac:grpSpMkLst>
-            <pc:docMk/>
-            <pc:sldMk cId="1966793551" sldId="265"/>
-            <ac:grpSpMk id="50" creationId="{6D300C5F-060B-A29B-5E63-8AB2F8289D3E}"/>
-          </ac:grpSpMkLst>
-        </pc:grpChg>
-        <pc:picChg chg="add mod">
-          <ac:chgData name="François GLEYZON" userId="a2d04f23f7faf3ef" providerId="LiveId" clId="{1404D58C-429C-4D75-B5B2-E1C9B8E0DC36}" dt="2025-03-16T14:37:03.623" v="1524" actId="164"/>
-          <ac:picMkLst>
-            <pc:docMk/>
-            <pc:sldMk cId="1966793551" sldId="265"/>
-            <ac:picMk id="16" creationId="{C8511678-E88F-7D51-904A-00D5D2E20854}"/>
-          </ac:picMkLst>
-        </pc:picChg>
-        <pc:picChg chg="add mod">
-          <ac:chgData name="François GLEYZON" userId="a2d04f23f7faf3ef" providerId="LiveId" clId="{1404D58C-429C-4D75-B5B2-E1C9B8E0DC36}" dt="2025-03-16T14:37:03.623" v="1524" actId="164"/>
-          <ac:picMkLst>
-            <pc:docMk/>
-            <pc:sldMk cId="1966793551" sldId="265"/>
-            <ac:picMk id="22" creationId="{E271FBCE-EB1D-54CC-CAFB-7E1DFF99CA2E}"/>
-          </ac:picMkLst>
-        </pc:picChg>
-      </pc:sldChg>
-      <pc:sldChg chg="add ord">
-        <pc:chgData name="François GLEYZON" userId="a2d04f23f7faf3ef" providerId="LiveId" clId="{1404D58C-429C-4D75-B5B2-E1C9B8E0DC36}" dt="2025-03-16T14:17:18.713" v="44"/>
-        <pc:sldMkLst>
-          <pc:docMk/>
-          <pc:sldMk cId="3204585435" sldId="267"/>
-        </pc:sldMkLst>
-      </pc:sldChg>
-      <pc:sldChg chg="addSp modSp new mod">
-        <pc:chgData name="François GLEYZON" userId="a2d04f23f7faf3ef" providerId="LiveId" clId="{1404D58C-429C-4D75-B5B2-E1C9B8E0DC36}" dt="2025-03-16T14:17:16.283" v="42" actId="207"/>
-        <pc:sldMkLst>
-          <pc:docMk/>
-          <pc:sldMk cId="1821676052" sldId="268"/>
-        </pc:sldMkLst>
-        <pc:spChg chg="add mod">
-          <ac:chgData name="François GLEYZON" userId="a2d04f23f7faf3ef" providerId="LiveId" clId="{1404D58C-429C-4D75-B5B2-E1C9B8E0DC36}" dt="2025-03-16T14:17:16.283" v="42" actId="207"/>
-          <ac:spMkLst>
-            <pc:docMk/>
-            <pc:sldMk cId="1821676052" sldId="268"/>
-            <ac:spMk id="2" creationId="{CE60E174-1138-FE64-FEE9-6D62A3AC6AD5}"/>
-          </ac:spMkLst>
-        </pc:spChg>
-      </pc:sldChg>
-      <pc:sldChg chg="addSp modSp add mod">
-        <pc:chgData name="François GLEYZON" userId="a2d04f23f7faf3ef" providerId="LiveId" clId="{1404D58C-429C-4D75-B5B2-E1C9B8E0DC36}" dt="2025-03-16T18:28:40.057" v="7126" actId="113"/>
-        <pc:sldMkLst>
-          <pc:docMk/>
-          <pc:sldMk cId="2830059827" sldId="269"/>
-        </pc:sldMkLst>
-        <pc:spChg chg="add mod">
-          <ac:chgData name="François GLEYZON" userId="a2d04f23f7faf3ef" providerId="LiveId" clId="{1404D58C-429C-4D75-B5B2-E1C9B8E0DC36}" dt="2025-03-16T14:36:36.203" v="1519"/>
-          <ac:spMkLst>
-            <pc:docMk/>
-            <pc:sldMk cId="2830059827" sldId="269"/>
-            <ac:spMk id="2" creationId="{80394A4F-406B-36BD-74F1-B5D4E71043BB}"/>
-          </ac:spMkLst>
-        </pc:spChg>
-        <pc:spChg chg="add mod">
-          <ac:chgData name="François GLEYZON" userId="a2d04f23f7faf3ef" providerId="LiveId" clId="{1404D58C-429C-4D75-B5B2-E1C9B8E0DC36}" dt="2025-03-16T15:10:21.692" v="2647" actId="113"/>
-          <ac:spMkLst>
-            <pc:docMk/>
-            <pc:sldMk cId="2830059827" sldId="269"/>
-            <ac:spMk id="3" creationId="{1C52FBAC-7EC8-BE7C-95EC-C16D6E8AF899}"/>
-          </ac:spMkLst>
-        </pc:spChg>
-        <pc:spChg chg="add mod">
-          <ac:chgData name="François GLEYZON" userId="a2d04f23f7faf3ef" providerId="LiveId" clId="{1404D58C-429C-4D75-B5B2-E1C9B8E0DC36}" dt="2025-03-16T15:06:51.653" v="2533" actId="1035"/>
-          <ac:spMkLst>
-            <pc:docMk/>
-            <pc:sldMk cId="2830059827" sldId="269"/>
-            <ac:spMk id="4" creationId="{78B77FF1-8B2E-A1A3-EF89-C57622AB1454}"/>
-          </ac:spMkLst>
-        </pc:spChg>
-        <pc:spChg chg="add mod">
-          <ac:chgData name="François GLEYZON" userId="a2d04f23f7faf3ef" providerId="LiveId" clId="{1404D58C-429C-4D75-B5B2-E1C9B8E0DC36}" dt="2025-03-16T15:06:51.653" v="2533" actId="1035"/>
-          <ac:spMkLst>
-            <pc:docMk/>
-            <pc:sldMk cId="2830059827" sldId="269"/>
-            <ac:spMk id="5" creationId="{739A139A-CC56-81D5-3FFE-43CECF04B84D}"/>
-          </ac:spMkLst>
-        </pc:spChg>
-        <pc:spChg chg="add mod">
-          <ac:chgData name="François GLEYZON" userId="a2d04f23f7faf3ef" providerId="LiveId" clId="{1404D58C-429C-4D75-B5B2-E1C9B8E0DC36}" dt="2025-03-16T15:06:51.653" v="2533" actId="1035"/>
-          <ac:spMkLst>
-            <pc:docMk/>
-            <pc:sldMk cId="2830059827" sldId="269"/>
-            <ac:spMk id="6" creationId="{A343BD2D-3517-D6F9-AED8-67B2A11B82DC}"/>
-          </ac:spMkLst>
-        </pc:spChg>
-        <pc:spChg chg="add mod">
-          <ac:chgData name="François GLEYZON" userId="a2d04f23f7faf3ef" providerId="LiveId" clId="{1404D58C-429C-4D75-B5B2-E1C9B8E0DC36}" dt="2025-03-16T15:09:51.483" v="2643" actId="1076"/>
-          <ac:spMkLst>
-            <pc:docMk/>
-            <pc:sldMk cId="2830059827" sldId="269"/>
-            <ac:spMk id="7" creationId="{2AD06AC7-B335-02C5-39E6-6F2C36E7AA8C}"/>
-          </ac:spMkLst>
-        </pc:spChg>
-        <pc:spChg chg="add mod">
-          <ac:chgData name="François GLEYZON" userId="a2d04f23f7faf3ef" providerId="LiveId" clId="{1404D58C-429C-4D75-B5B2-E1C9B8E0DC36}" dt="2025-03-16T15:25:15.576" v="3276" actId="113"/>
-          <ac:spMkLst>
-            <pc:docMk/>
-            <pc:sldMk cId="2830059827" sldId="269"/>
-            <ac:spMk id="11" creationId="{80852BB1-1AEF-BA63-A523-0B2E23F62449}"/>
-          </ac:spMkLst>
-        </pc:spChg>
-        <pc:spChg chg="add mod">
-          <ac:chgData name="François GLEYZON" userId="a2d04f23f7faf3ef" providerId="LiveId" clId="{1404D58C-429C-4D75-B5B2-E1C9B8E0DC36}" dt="2025-03-16T18:28:40.057" v="7126" actId="113"/>
-          <ac:spMkLst>
-            <pc:docMk/>
-            <pc:sldMk cId="2830059827" sldId="269"/>
-            <ac:spMk id="17" creationId="{D1FEB786-966B-0D83-37C9-2EBFF8D0D322}"/>
-          </ac:spMkLst>
-        </pc:spChg>
-        <pc:spChg chg="add mod">
-          <ac:chgData name="François GLEYZON" userId="a2d04f23f7faf3ef" providerId="LiveId" clId="{1404D58C-429C-4D75-B5B2-E1C9B8E0DC36}" dt="2025-03-16T15:14:56.424" v="2791" actId="1076"/>
-          <ac:spMkLst>
-            <pc:docMk/>
-            <pc:sldMk cId="2830059827" sldId="269"/>
-            <ac:spMk id="18" creationId="{2DA8E8F2-2AF9-DB7D-FA62-83A39D6661D9}"/>
-          </ac:spMkLst>
-        </pc:spChg>
-        <pc:spChg chg="add mod">
-          <ac:chgData name="François GLEYZON" userId="a2d04f23f7faf3ef" providerId="LiveId" clId="{1404D58C-429C-4D75-B5B2-E1C9B8E0DC36}" dt="2025-03-16T15:14:59.278" v="2792" actId="20577"/>
-          <ac:spMkLst>
-            <pc:docMk/>
-            <pc:sldMk cId="2830059827" sldId="269"/>
-            <ac:spMk id="19" creationId="{EEC0C2AA-6F3D-50A5-6859-E9FF640D7681}"/>
-          </ac:spMkLst>
-        </pc:spChg>
-        <pc:spChg chg="add mod">
-          <ac:chgData name="François GLEYZON" userId="a2d04f23f7faf3ef" providerId="LiveId" clId="{1404D58C-429C-4D75-B5B2-E1C9B8E0DC36}" dt="2025-03-16T15:15:33.082" v="2879" actId="20577"/>
-          <ac:spMkLst>
-            <pc:docMk/>
-            <pc:sldMk cId="2830059827" sldId="269"/>
-            <ac:spMk id="21" creationId="{52EED8E5-7326-32DB-C13F-1498B2A40CDF}"/>
-          </ac:spMkLst>
-        </pc:spChg>
-        <pc:spChg chg="add mod">
-          <ac:chgData name="François GLEYZON" userId="a2d04f23f7faf3ef" providerId="LiveId" clId="{1404D58C-429C-4D75-B5B2-E1C9B8E0DC36}" dt="2025-03-16T15:19:24.017" v="3044" actId="1076"/>
-          <ac:spMkLst>
-            <pc:docMk/>
-            <pc:sldMk cId="2830059827" sldId="269"/>
-            <ac:spMk id="24" creationId="{BD3233B2-F816-A13E-92F5-924BA2130E34}"/>
-          </ac:spMkLst>
-        </pc:spChg>
-        <pc:spChg chg="add mod">
-          <ac:chgData name="François GLEYZON" userId="a2d04f23f7faf3ef" providerId="LiveId" clId="{1404D58C-429C-4D75-B5B2-E1C9B8E0DC36}" dt="2025-03-16T15:22:33.858" v="3247" actId="20577"/>
-          <ac:spMkLst>
-            <pc:docMk/>
-            <pc:sldMk cId="2830059827" sldId="269"/>
-            <ac:spMk id="25" creationId="{5FCF3EA4-1C17-404E-D7DC-4DCD39E349EE}"/>
-          </ac:spMkLst>
-        </pc:spChg>
-        <pc:cxnChg chg="add mod">
-          <ac:chgData name="François GLEYZON" userId="a2d04f23f7faf3ef" providerId="LiveId" clId="{1404D58C-429C-4D75-B5B2-E1C9B8E0DC36}" dt="2025-03-16T15:10:55.005" v="2660" actId="20577"/>
-          <ac:cxnSpMkLst>
-            <pc:docMk/>
-            <pc:sldMk cId="2830059827" sldId="269"/>
-            <ac:cxnSpMk id="10" creationId="{FA3DA1B2-AD0A-283D-1F5D-AD9276E7401C}"/>
-          </ac:cxnSpMkLst>
-        </pc:cxnChg>
-        <pc:cxnChg chg="add mod">
-          <ac:chgData name="François GLEYZON" userId="a2d04f23f7faf3ef" providerId="LiveId" clId="{1404D58C-429C-4D75-B5B2-E1C9B8E0DC36}" dt="2025-03-16T15:15:39.872" v="2882" actId="14100"/>
-          <ac:cxnSpMkLst>
-            <pc:docMk/>
-            <pc:sldMk cId="2830059827" sldId="269"/>
-            <ac:cxnSpMk id="20" creationId="{EFED52EE-D353-671B-312B-C6260B9FA771}"/>
-          </ac:cxnSpMkLst>
-        </pc:cxnChg>
-      </pc:sldChg>
-      <pc:sldChg chg="addSp modSp add mod">
-        <pc:chgData name="François GLEYZON" userId="a2d04f23f7faf3ef" providerId="LiveId" clId="{1404D58C-429C-4D75-B5B2-E1C9B8E0DC36}" dt="2025-03-16T14:36:37.943" v="1520"/>
-        <pc:sldMkLst>
-          <pc:docMk/>
-          <pc:sldMk cId="3668441629" sldId="270"/>
-        </pc:sldMkLst>
-        <pc:spChg chg="add mod">
-          <ac:chgData name="François GLEYZON" userId="a2d04f23f7faf3ef" providerId="LiveId" clId="{1404D58C-429C-4D75-B5B2-E1C9B8E0DC36}" dt="2025-03-16T14:36:37.943" v="1520"/>
-          <ac:spMkLst>
-            <pc:docMk/>
-            <pc:sldMk cId="3668441629" sldId="270"/>
-            <ac:spMk id="2" creationId="{59F282F9-3609-1522-0AA2-327E0A7E7A9B}"/>
-          </ac:spMkLst>
-        </pc:spChg>
-        <pc:spChg chg="mod">
-          <ac:chgData name="François GLEYZON" userId="a2d04f23f7faf3ef" providerId="LiveId" clId="{1404D58C-429C-4D75-B5B2-E1C9B8E0DC36}" dt="2025-03-16T14:17:42.635" v="76" actId="20577"/>
-          <ac:spMkLst>
-            <pc:docMk/>
-            <pc:sldMk cId="3668441629" sldId="270"/>
-            <ac:spMk id="9" creationId="{9D2D06DC-6CE6-B872-3049-9B0D28F68101}"/>
-          </ac:spMkLst>
-        </pc:spChg>
-      </pc:sldChg>
-      <pc:sldChg chg="addSp modSp add mod">
-        <pc:chgData name="François GLEYZON" userId="a2d04f23f7faf3ef" providerId="LiveId" clId="{1404D58C-429C-4D75-B5B2-E1C9B8E0DC36}" dt="2025-03-16T14:36:40.083" v="1521"/>
-        <pc:sldMkLst>
-          <pc:docMk/>
-          <pc:sldMk cId="1301843568" sldId="271"/>
-        </pc:sldMkLst>
-        <pc:spChg chg="add mod">
-          <ac:chgData name="François GLEYZON" userId="a2d04f23f7faf3ef" providerId="LiveId" clId="{1404D58C-429C-4D75-B5B2-E1C9B8E0DC36}" dt="2025-03-16T14:36:40.083" v="1521"/>
-          <ac:spMkLst>
-            <pc:docMk/>
-            <pc:sldMk cId="1301843568" sldId="271"/>
-            <ac:spMk id="2" creationId="{B03F54C8-C74E-296C-FF98-648447B3C076}"/>
-          </ac:spMkLst>
-        </pc:spChg>
-        <pc:spChg chg="mod">
-          <ac:chgData name="François GLEYZON" userId="a2d04f23f7faf3ef" providerId="LiveId" clId="{1404D58C-429C-4D75-B5B2-E1C9B8E0DC36}" dt="2025-03-16T14:17:52.241" v="97" actId="20577"/>
-          <ac:spMkLst>
-            <pc:docMk/>
-            <pc:sldMk cId="1301843568" sldId="271"/>
-            <ac:spMk id="9" creationId="{9AC59951-2052-5891-EC5A-4BBED090FE92}"/>
-          </ac:spMkLst>
-        </pc:spChg>
-      </pc:sldChg>
-      <pc:sldChg chg="addSp delSp modSp add mod">
-        <pc:chgData name="François GLEYZON" userId="a2d04f23f7faf3ef" providerId="LiveId" clId="{1404D58C-429C-4D75-B5B2-E1C9B8E0DC36}" dt="2025-03-16T18:21:18.427" v="6846" actId="1038"/>
-        <pc:sldMkLst>
-          <pc:docMk/>
-          <pc:sldMk cId="1767245589" sldId="272"/>
-        </pc:sldMkLst>
-        <pc:spChg chg="add mod">
-          <ac:chgData name="François GLEYZON" userId="a2d04f23f7faf3ef" providerId="LiveId" clId="{1404D58C-429C-4D75-B5B2-E1C9B8E0DC36}" dt="2025-03-16T14:36:41.923" v="1522"/>
-          <ac:spMkLst>
-            <pc:docMk/>
-            <pc:sldMk cId="1767245589" sldId="272"/>
-            <ac:spMk id="2" creationId="{281E66B3-EC50-1DB7-5246-A0A1D85B27B2}"/>
-          </ac:spMkLst>
-        </pc:spChg>
-        <pc:spChg chg="add mod">
-          <ac:chgData name="François GLEYZON" userId="a2d04f23f7faf3ef" providerId="LiveId" clId="{1404D58C-429C-4D75-B5B2-E1C9B8E0DC36}" dt="2025-03-16T17:38:31.338" v="3598" actId="113"/>
-          <ac:spMkLst>
-            <pc:docMk/>
-            <pc:sldMk cId="1767245589" sldId="272"/>
-            <ac:spMk id="5" creationId="{E13FB8D1-D18F-47C7-D1B2-4705A4773972}"/>
-          </ac:spMkLst>
-        </pc:spChg>
-        <pc:spChg chg="add mod">
-          <ac:chgData name="François GLEYZON" userId="a2d04f23f7faf3ef" providerId="LiveId" clId="{1404D58C-429C-4D75-B5B2-E1C9B8E0DC36}" dt="2025-03-16T17:43:23.848" v="3944" actId="20577"/>
-          <ac:spMkLst>
-            <pc:docMk/>
-            <pc:sldMk cId="1767245589" sldId="272"/>
-            <ac:spMk id="6" creationId="{9D3F7280-79FE-6679-FD09-21759D67BD31}"/>
-          </ac:spMkLst>
-        </pc:spChg>
-        <pc:spChg chg="mod">
-          <ac:chgData name="François GLEYZON" userId="a2d04f23f7faf3ef" providerId="LiveId" clId="{1404D58C-429C-4D75-B5B2-E1C9B8E0DC36}" dt="2025-03-16T14:18:01.236" v="108" actId="20577"/>
-          <ac:spMkLst>
-            <pc:docMk/>
-            <pc:sldMk cId="1767245589" sldId="272"/>
-            <ac:spMk id="9" creationId="{D60C7752-751C-B280-204E-C5F5E4B10805}"/>
-          </ac:spMkLst>
-        </pc:spChg>
-        <pc:spChg chg="add mod">
-          <ac:chgData name="François GLEYZON" userId="a2d04f23f7faf3ef" providerId="LiveId" clId="{1404D58C-429C-4D75-B5B2-E1C9B8E0DC36}" dt="2025-03-16T18:02:10.159" v="6248" actId="1076"/>
-          <ac:spMkLst>
-            <pc:docMk/>
-            <pc:sldMk cId="1767245589" sldId="272"/>
-            <ac:spMk id="10" creationId="{FB7FDD76-3978-200B-32AC-62FEBBC52D44}"/>
-          </ac:spMkLst>
-        </pc:spChg>
-        <pc:spChg chg="add mod">
-          <ac:chgData name="François GLEYZON" userId="a2d04f23f7faf3ef" providerId="LiveId" clId="{1404D58C-429C-4D75-B5B2-E1C9B8E0DC36}" dt="2025-03-16T18:02:15.543" v="6249" actId="465"/>
-          <ac:spMkLst>
-            <pc:docMk/>
-            <pc:sldMk cId="1767245589" sldId="272"/>
-            <ac:spMk id="11" creationId="{1A607B03-1BC0-C771-595F-432338076A8B}"/>
-          </ac:spMkLst>
-        </pc:spChg>
-        <pc:spChg chg="add mod">
-          <ac:chgData name="François GLEYZON" userId="a2d04f23f7faf3ef" providerId="LiveId" clId="{1404D58C-429C-4D75-B5B2-E1C9B8E0DC36}" dt="2025-03-16T18:02:10.159" v="6248" actId="1076"/>
-          <ac:spMkLst>
-            <pc:docMk/>
-            <pc:sldMk cId="1767245589" sldId="272"/>
-            <ac:spMk id="12" creationId="{EEF1FBAD-7C20-C706-E6A5-B20EBC80F0F6}"/>
-          </ac:spMkLst>
-        </pc:spChg>
-        <pc:spChg chg="add mod">
-          <ac:chgData name="François GLEYZON" userId="a2d04f23f7faf3ef" providerId="LiveId" clId="{1404D58C-429C-4D75-B5B2-E1C9B8E0DC36}" dt="2025-03-16T18:09:11.697" v="6453" actId="1076"/>
-          <ac:spMkLst>
-            <pc:docMk/>
-            <pc:sldMk cId="1767245589" sldId="272"/>
-            <ac:spMk id="41" creationId="{DFB335B7-5A67-A708-9BF0-15568CAD7AA8}"/>
-          </ac:spMkLst>
-        </pc:spChg>
-        <pc:spChg chg="add mod">
-          <ac:chgData name="François GLEYZON" userId="a2d04f23f7faf3ef" providerId="LiveId" clId="{1404D58C-429C-4D75-B5B2-E1C9B8E0DC36}" dt="2025-03-16T18:21:18.427" v="6846" actId="1038"/>
-          <ac:spMkLst>
-            <pc:docMk/>
-            <pc:sldMk cId="1767245589" sldId="272"/>
-            <ac:spMk id="42" creationId="{2585DC19-B449-1015-A282-9C33F7EDCA40}"/>
-          </ac:spMkLst>
-        </pc:spChg>
-        <pc:picChg chg="add mod">
-          <ac:chgData name="François GLEYZON" userId="a2d04f23f7faf3ef" providerId="LiveId" clId="{1404D58C-429C-4D75-B5B2-E1C9B8E0DC36}" dt="2025-03-16T17:38:33.760" v="3599" actId="1076"/>
-          <ac:picMkLst>
-            <pc:docMk/>
-            <pc:sldMk cId="1767245589" sldId="272"/>
-            <ac:picMk id="4" creationId="{53ED0A81-57CD-C16F-8A9A-2BCDAA3F406E}"/>
-          </ac:picMkLst>
-        </pc:picChg>
-        <pc:picChg chg="add mod">
-          <ac:chgData name="François GLEYZON" userId="a2d04f23f7faf3ef" providerId="LiveId" clId="{1404D58C-429C-4D75-B5B2-E1C9B8E0DC36}" dt="2025-03-16T18:02:22.290" v="6250" actId="1076"/>
-          <ac:picMkLst>
-            <pc:docMk/>
-            <pc:sldMk cId="1767245589" sldId="272"/>
-            <ac:picMk id="8" creationId="{8A31FEA3-15F3-A5B2-8631-79D870FD9189}"/>
-          </ac:picMkLst>
-        </pc:picChg>
-        <pc:picChg chg="add mod">
-          <ac:chgData name="François GLEYZON" userId="a2d04f23f7faf3ef" providerId="LiveId" clId="{1404D58C-429C-4D75-B5B2-E1C9B8E0DC36}" dt="2025-03-16T18:06:56.413" v="6270" actId="1076"/>
-          <ac:picMkLst>
-            <pc:docMk/>
-            <pc:sldMk cId="1767245589" sldId="272"/>
-            <ac:picMk id="25" creationId="{33ED872E-179F-A9C0-F2A5-3AD41FFB9EF1}"/>
-          </ac:picMkLst>
-        </pc:picChg>
-        <pc:cxnChg chg="add mod">
-          <ac:chgData name="François GLEYZON" userId="a2d04f23f7faf3ef" providerId="LiveId" clId="{1404D58C-429C-4D75-B5B2-E1C9B8E0DC36}" dt="2025-03-16T18:02:32.678" v="6253" actId="14100"/>
-          <ac:cxnSpMkLst>
-            <pc:docMk/>
-            <pc:sldMk cId="1767245589" sldId="272"/>
-            <ac:cxnSpMk id="13" creationId="{D49B9546-9E06-3F1B-67AE-CDE54685608B}"/>
-          </ac:cxnSpMkLst>
-        </pc:cxnChg>
-        <pc:cxnChg chg="add mod">
-          <ac:chgData name="François GLEYZON" userId="a2d04f23f7faf3ef" providerId="LiveId" clId="{1404D58C-429C-4D75-B5B2-E1C9B8E0DC36}" dt="2025-03-16T18:02:38.187" v="6256" actId="14100"/>
-          <ac:cxnSpMkLst>
-            <pc:docMk/>
-            <pc:sldMk cId="1767245589" sldId="272"/>
-            <ac:cxnSpMk id="16" creationId="{80972539-C73D-4278-5BF7-104942B2DDC7}"/>
-          </ac:cxnSpMkLst>
-        </pc:cxnChg>
-        <pc:cxnChg chg="add mod">
-          <ac:chgData name="François GLEYZON" userId="a2d04f23f7faf3ef" providerId="LiveId" clId="{1404D58C-429C-4D75-B5B2-E1C9B8E0DC36}" dt="2025-03-16T18:02:56.302" v="6263" actId="1076"/>
-          <ac:cxnSpMkLst>
-            <pc:docMk/>
-            <pc:sldMk cId="1767245589" sldId="272"/>
-            <ac:cxnSpMk id="22" creationId="{5F64B1CF-78E3-E145-2A94-E4E959096099}"/>
-          </ac:cxnSpMkLst>
-        </pc:cxnChg>
-        <pc:cxnChg chg="add mod">
-          <ac:chgData name="François GLEYZON" userId="a2d04f23f7faf3ef" providerId="LiveId" clId="{1404D58C-429C-4D75-B5B2-E1C9B8E0DC36}" dt="2025-03-16T18:07:23.828" v="6276" actId="1076"/>
-          <ac:cxnSpMkLst>
-            <pc:docMk/>
-            <pc:sldMk cId="1767245589" sldId="272"/>
-            <ac:cxnSpMk id="26" creationId="{24747122-5B36-739F-9F5D-A25E30C5894E}"/>
-          </ac:cxnSpMkLst>
-        </pc:cxnChg>
-        <pc:cxnChg chg="add mod">
-          <ac:chgData name="François GLEYZON" userId="a2d04f23f7faf3ef" providerId="LiveId" clId="{1404D58C-429C-4D75-B5B2-E1C9B8E0DC36}" dt="2025-03-16T18:08:12.757" v="6293" actId="1076"/>
-          <ac:cxnSpMkLst>
-            <pc:docMk/>
-            <pc:sldMk cId="1767245589" sldId="272"/>
-            <ac:cxnSpMk id="29" creationId="{ED3FFF44-1763-2C72-B7EF-4BAA1E20308F}"/>
-          </ac:cxnSpMkLst>
-        </pc:cxnChg>
-        <pc:cxnChg chg="add mod">
-          <ac:chgData name="François GLEYZON" userId="a2d04f23f7faf3ef" providerId="LiveId" clId="{1404D58C-429C-4D75-B5B2-E1C9B8E0DC36}" dt="2025-03-16T18:08:12.757" v="6293" actId="1076"/>
-          <ac:cxnSpMkLst>
-            <pc:docMk/>
-            <pc:sldMk cId="1767245589" sldId="272"/>
-            <ac:cxnSpMk id="30" creationId="{ED17C5F0-368F-E284-A61A-C3045C6891D1}"/>
-          </ac:cxnSpMkLst>
-        </pc:cxnChg>
-        <pc:cxnChg chg="add mod">
-          <ac:chgData name="François GLEYZON" userId="a2d04f23f7faf3ef" providerId="LiveId" clId="{1404D58C-429C-4D75-B5B2-E1C9B8E0DC36}" dt="2025-03-16T18:08:12.757" v="6293" actId="1076"/>
-          <ac:cxnSpMkLst>
-            <pc:docMk/>
-            <pc:sldMk cId="1767245589" sldId="272"/>
-            <ac:cxnSpMk id="32" creationId="{EBF41D9D-82DF-C3F4-5E79-9F90515FE944}"/>
-          </ac:cxnSpMkLst>
-        </pc:cxnChg>
-        <pc:cxnChg chg="add mod">
-          <ac:chgData name="François GLEYZON" userId="a2d04f23f7faf3ef" providerId="LiveId" clId="{1404D58C-429C-4D75-B5B2-E1C9B8E0DC36}" dt="2025-03-16T18:08:12.757" v="6293" actId="1076"/>
-          <ac:cxnSpMkLst>
-            <pc:docMk/>
-            <pc:sldMk cId="1767245589" sldId="272"/>
-            <ac:cxnSpMk id="33" creationId="{485B08DD-0A2D-7F00-A27D-0359CCD8796F}"/>
-          </ac:cxnSpMkLst>
-        </pc:cxnChg>
-        <pc:cxnChg chg="add mod">
-          <ac:chgData name="François GLEYZON" userId="a2d04f23f7faf3ef" providerId="LiveId" clId="{1404D58C-429C-4D75-B5B2-E1C9B8E0DC36}" dt="2025-03-16T18:08:12.757" v="6293" actId="1076"/>
-          <ac:cxnSpMkLst>
-            <pc:docMk/>
-            <pc:sldMk cId="1767245589" sldId="272"/>
-            <ac:cxnSpMk id="34" creationId="{0B4B6C7C-6463-E2E8-72B3-5CFE5A079E3B}"/>
-          </ac:cxnSpMkLst>
-        </pc:cxnChg>
-        <pc:cxnChg chg="add mod">
-          <ac:chgData name="François GLEYZON" userId="a2d04f23f7faf3ef" providerId="LiveId" clId="{1404D58C-429C-4D75-B5B2-E1C9B8E0DC36}" dt="2025-03-16T18:08:12.757" v="6293" actId="1076"/>
-          <ac:cxnSpMkLst>
-            <pc:docMk/>
-            <pc:sldMk cId="1767245589" sldId="272"/>
-            <ac:cxnSpMk id="35" creationId="{03D955B2-F219-8CB6-1E53-3AA6415D6650}"/>
-          </ac:cxnSpMkLst>
-        </pc:cxnChg>
-        <pc:cxnChg chg="add mod">
-          <ac:chgData name="François GLEYZON" userId="a2d04f23f7faf3ef" providerId="LiveId" clId="{1404D58C-429C-4D75-B5B2-E1C9B8E0DC36}" dt="2025-03-16T18:08:12.757" v="6293" actId="1076"/>
-          <ac:cxnSpMkLst>
-            <pc:docMk/>
-            <pc:sldMk cId="1767245589" sldId="272"/>
-            <ac:cxnSpMk id="37" creationId="{16D7FD71-B1AD-0F14-A6E2-E849307A4B3A}"/>
-          </ac:cxnSpMkLst>
-        </pc:cxnChg>
-        <pc:cxnChg chg="add mod">
-          <ac:chgData name="François GLEYZON" userId="a2d04f23f7faf3ef" providerId="LiveId" clId="{1404D58C-429C-4D75-B5B2-E1C9B8E0DC36}" dt="2025-03-16T18:08:12.757" v="6293" actId="1076"/>
-          <ac:cxnSpMkLst>
-            <pc:docMk/>
-            <pc:sldMk cId="1767245589" sldId="272"/>
-            <ac:cxnSpMk id="38" creationId="{8618A658-E824-26F7-2526-3280361FFBE8}"/>
-          </ac:cxnSpMkLst>
-        </pc:cxnChg>
-        <pc:cxnChg chg="add mod">
-          <ac:chgData name="François GLEYZON" userId="a2d04f23f7faf3ef" providerId="LiveId" clId="{1404D58C-429C-4D75-B5B2-E1C9B8E0DC36}" dt="2025-03-16T18:08:12.757" v="6293" actId="1076"/>
-          <ac:cxnSpMkLst>
-            <pc:docMk/>
-            <pc:sldMk cId="1767245589" sldId="272"/>
-            <ac:cxnSpMk id="40" creationId="{CC554D35-7624-2528-FD55-5AD0D0D02370}"/>
-          </ac:cxnSpMkLst>
-        </pc:cxnChg>
-      </pc:sldChg>
-      <pc:sldChg chg="addSp modSp add mod">
-        <pc:chgData name="François GLEYZON" userId="a2d04f23f7faf3ef" providerId="LiveId" clId="{1404D58C-429C-4D75-B5B2-E1C9B8E0DC36}" dt="2025-03-16T14:36:45.214" v="1523"/>
-        <pc:sldMkLst>
-          <pc:docMk/>
-          <pc:sldMk cId="3992977093" sldId="273"/>
-        </pc:sldMkLst>
-        <pc:spChg chg="add mod">
-          <ac:chgData name="François GLEYZON" userId="a2d04f23f7faf3ef" providerId="LiveId" clId="{1404D58C-429C-4D75-B5B2-E1C9B8E0DC36}" dt="2025-03-16T14:36:45.214" v="1523"/>
-          <ac:spMkLst>
-            <pc:docMk/>
-            <pc:sldMk cId="3992977093" sldId="273"/>
-            <ac:spMk id="2" creationId="{0042AAB7-5C77-4BBB-D2D5-854226AC3ED2}"/>
-          </ac:spMkLst>
-        </pc:spChg>
-        <pc:spChg chg="mod">
-          <ac:chgData name="François GLEYZON" userId="a2d04f23f7faf3ef" providerId="LiveId" clId="{1404D58C-429C-4D75-B5B2-E1C9B8E0DC36}" dt="2025-03-16T14:18:10.318" v="137" actId="20577"/>
-          <ac:spMkLst>
-            <pc:docMk/>
-            <pc:sldMk cId="3992977093" sldId="273"/>
-            <ac:spMk id="9" creationId="{C9B5B16C-1DB0-E947-93DF-D6622677A8E5}"/>
-          </ac:spMkLst>
-        </pc:spChg>
-      </pc:sldChg>
-      <pc:sldChg chg="addSp delSp modSp add mod">
-        <pc:chgData name="François GLEYZON" userId="a2d04f23f7faf3ef" providerId="LiveId" clId="{1404D58C-429C-4D75-B5B2-E1C9B8E0DC36}" dt="2025-03-16T18:23:52.809" v="6936" actId="113"/>
-        <pc:sldMkLst>
-          <pc:docMk/>
-          <pc:sldMk cId="1403034857" sldId="274"/>
-        </pc:sldMkLst>
-        <pc:spChg chg="add mod">
-          <ac:chgData name="François GLEYZON" userId="a2d04f23f7faf3ef" providerId="LiveId" clId="{1404D58C-429C-4D75-B5B2-E1C9B8E0DC36}" dt="2025-03-16T17:42:43.868" v="3939" actId="20577"/>
-          <ac:spMkLst>
-            <pc:docMk/>
-            <pc:sldMk cId="1403034857" sldId="274"/>
-            <ac:spMk id="2" creationId="{250421EB-6552-6AB6-6F25-DA6377842E5D}"/>
-          </ac:spMkLst>
-        </pc:spChg>
-        <pc:spChg chg="add mod">
-          <ac:chgData name="François GLEYZON" userId="a2d04f23f7faf3ef" providerId="LiveId" clId="{1404D58C-429C-4D75-B5B2-E1C9B8E0DC36}" dt="2025-03-16T14:34:27.905" v="1172" actId="20577"/>
-          <ac:spMkLst>
-            <pc:docMk/>
-            <pc:sldMk cId="1403034857" sldId="274"/>
-            <ac:spMk id="4" creationId="{E3C49277-8E12-BB83-3B74-7BE038B51A44}"/>
-          </ac:spMkLst>
-        </pc:spChg>
-        <pc:spChg chg="add mod">
-          <ac:chgData name="François GLEYZON" userId="a2d04f23f7faf3ef" providerId="LiveId" clId="{1404D58C-429C-4D75-B5B2-E1C9B8E0DC36}" dt="2025-03-16T14:36:33.003" v="1517"/>
-          <ac:spMkLst>
-            <pc:docMk/>
-            <pc:sldMk cId="1403034857" sldId="274"/>
-            <ac:spMk id="6" creationId="{47CB0EFF-830F-8349-9DB3-FB9A307C5887}"/>
-          </ac:spMkLst>
-        </pc:spChg>
-        <pc:spChg chg="add mod">
-          <ac:chgData name="François GLEYZON" userId="a2d04f23f7faf3ef" providerId="LiveId" clId="{1404D58C-429C-4D75-B5B2-E1C9B8E0DC36}" dt="2025-03-16T14:41:39.123" v="2068" actId="20577"/>
-          <ac:spMkLst>
-            <pc:docMk/>
-            <pc:sldMk cId="1403034857" sldId="274"/>
-            <ac:spMk id="8" creationId="{23AAE550-8793-C14A-40F5-CD14768E5CC4}"/>
-          </ac:spMkLst>
-        </pc:spChg>
-        <pc:spChg chg="mod">
-          <ac:chgData name="François GLEYZON" userId="a2d04f23f7faf3ef" providerId="LiveId" clId="{1404D58C-429C-4D75-B5B2-E1C9B8E0DC36}" dt="2025-03-16T14:33:28.183" v="1132"/>
-          <ac:spMkLst>
-            <pc:docMk/>
-            <pc:sldMk cId="1403034857" sldId="274"/>
-            <ac:spMk id="11" creationId="{CC039125-0F68-3456-446E-4D9C7474E349}"/>
-          </ac:spMkLst>
-        </pc:spChg>
-        <pc:spChg chg="add mod">
-          <ac:chgData name="François GLEYZON" userId="a2d04f23f7faf3ef" providerId="LiveId" clId="{1404D58C-429C-4D75-B5B2-E1C9B8E0DC36}" dt="2025-03-16T18:23:52.809" v="6936" actId="113"/>
-          <ac:spMkLst>
-            <pc:docMk/>
-            <pc:sldMk cId="1403034857" sldId="274"/>
-            <ac:spMk id="13" creationId="{F42919BC-EA1A-4B98-6077-4001FBC5468F}"/>
-          </ac:spMkLst>
-        </pc:spChg>
-        <pc:picChg chg="add mod">
-          <ac:chgData name="François GLEYZON" userId="a2d04f23f7faf3ef" providerId="LiveId" clId="{1404D58C-429C-4D75-B5B2-E1C9B8E0DC36}" dt="2025-03-16T14:34:09.753" v="1139" actId="1076"/>
-          <ac:picMkLst>
-            <pc:docMk/>
-            <pc:sldMk cId="1403034857" sldId="274"/>
-            <ac:picMk id="3" creationId="{E01AC50A-D99A-D3E4-4BBB-CAE8C1141722}"/>
-          </ac:picMkLst>
-        </pc:picChg>
-        <pc:picChg chg="add mod">
-          <ac:chgData name="François GLEYZON" userId="a2d04f23f7faf3ef" providerId="LiveId" clId="{1404D58C-429C-4D75-B5B2-E1C9B8E0DC36}" dt="2025-03-16T14:41:10.123" v="2055" actId="1076"/>
-          <ac:picMkLst>
-            <pc:docMk/>
-            <pc:sldMk cId="1403034857" sldId="274"/>
-            <ac:picMk id="14" creationId="{6D57DE72-C86C-8864-4204-0A2213B42D38}"/>
-          </ac:picMkLst>
-        </pc:picChg>
-        <pc:picChg chg="add mod">
-          <ac:chgData name="François GLEYZON" userId="a2d04f23f7faf3ef" providerId="LiveId" clId="{1404D58C-429C-4D75-B5B2-E1C9B8E0DC36}" dt="2025-03-16T17:43:16.898" v="3942" actId="1076"/>
-          <ac:picMkLst>
-            <pc:docMk/>
-            <pc:sldMk cId="1403034857" sldId="274"/>
-            <ac:picMk id="1026" creationId="{C8CA877A-7DDE-FEB7-24D0-9EE0DFAC3ACC}"/>
-          </ac:picMkLst>
-        </pc:picChg>
-      </pc:sldChg>
-      <pc:sldChg chg="addSp delSp modSp add mod">
-        <pc:chgData name="François GLEYZON" userId="a2d04f23f7faf3ef" providerId="LiveId" clId="{1404D58C-429C-4D75-B5B2-E1C9B8E0DC36}" dt="2025-03-16T18:27:24.448" v="7125" actId="114"/>
-        <pc:sldMkLst>
-          <pc:docMk/>
-          <pc:sldMk cId="3135963873" sldId="275"/>
-        </pc:sldMkLst>
-        <pc:spChg chg="add mod">
-          <ac:chgData name="François GLEYZON" userId="a2d04f23f7faf3ef" providerId="LiveId" clId="{1404D58C-429C-4D75-B5B2-E1C9B8E0DC36}" dt="2025-03-16T18:27:24.448" v="7125" actId="114"/>
-          <ac:spMkLst>
-            <pc:docMk/>
-            <pc:sldMk cId="3135963873" sldId="275"/>
-            <ac:spMk id="5" creationId="{FAC551E2-7AD3-5FEF-E2DE-209EDBFB2695}"/>
-          </ac:spMkLst>
-        </pc:spChg>
-        <pc:spChg chg="mod">
-          <ac:chgData name="François GLEYZON" userId="a2d04f23f7faf3ef" providerId="LiveId" clId="{1404D58C-429C-4D75-B5B2-E1C9B8E0DC36}" dt="2025-03-16T15:23:02.888" v="3258" actId="20577"/>
-          <ac:spMkLst>
-            <pc:docMk/>
-            <pc:sldMk cId="3135963873" sldId="275"/>
-            <ac:spMk id="9" creationId="{A1BFB0DE-CCDE-5E15-B93D-0C46D50CF46E}"/>
-          </ac:spMkLst>
-        </pc:spChg>
-      </pc:sldChg>
-      <pc:sldChg chg="addSp delSp modSp add mod">
-        <pc:chgData name="François GLEYZON" userId="a2d04f23f7faf3ef" providerId="LiveId" clId="{1404D58C-429C-4D75-B5B2-E1C9B8E0DC36}" dt="2025-03-16T18:25:24.592" v="6981" actId="114"/>
-        <pc:sldMkLst>
-          <pc:docMk/>
-          <pc:sldMk cId="312469821" sldId="276"/>
-        </pc:sldMkLst>
-        <pc:spChg chg="mod">
-          <ac:chgData name="François GLEYZON" userId="a2d04f23f7faf3ef" providerId="LiveId" clId="{1404D58C-429C-4D75-B5B2-E1C9B8E0DC36}" dt="2025-03-16T17:45:37.898" v="4201" actId="33524"/>
-          <ac:spMkLst>
-            <pc:docMk/>
-            <pc:sldMk cId="312469821" sldId="276"/>
-            <ac:spMk id="5" creationId="{D2931CAA-5B1D-3DB8-5405-0EBED6E73DDA}"/>
-          </ac:spMkLst>
-        </pc:spChg>
-        <pc:spChg chg="add mod">
-          <ac:chgData name="François GLEYZON" userId="a2d04f23f7faf3ef" providerId="LiveId" clId="{1404D58C-429C-4D75-B5B2-E1C9B8E0DC36}" dt="2025-03-16T17:58:26.908" v="5884" actId="13926"/>
-          <ac:spMkLst>
-            <pc:docMk/>
-            <pc:sldMk cId="312469821" sldId="276"/>
-            <ac:spMk id="8" creationId="{A3FB3464-F9D7-F388-8CA4-20C652C808AB}"/>
-          </ac:spMkLst>
-        </pc:spChg>
-        <pc:spChg chg="add mod">
-          <ac:chgData name="François GLEYZON" userId="a2d04f23f7faf3ef" providerId="LiveId" clId="{1404D58C-429C-4D75-B5B2-E1C9B8E0DC36}" dt="2025-03-16T18:24:53.792" v="6937" actId="1076"/>
-          <ac:spMkLst>
-            <pc:docMk/>
-            <pc:sldMk cId="312469821" sldId="276"/>
-            <ac:spMk id="10" creationId="{3787056C-9D45-21F4-6CDE-BB39E364A145}"/>
-          </ac:spMkLst>
-        </pc:spChg>
-        <pc:spChg chg="add mod">
-          <ac:chgData name="François GLEYZON" userId="a2d04f23f7faf3ef" providerId="LiveId" clId="{1404D58C-429C-4D75-B5B2-E1C9B8E0DC36}" dt="2025-03-16T18:25:24.592" v="6981" actId="114"/>
-          <ac:spMkLst>
-            <pc:docMk/>
-            <pc:sldMk cId="312469821" sldId="276"/>
-            <ac:spMk id="11" creationId="{9D58840C-50FD-E58B-670F-C4615DAF690D}"/>
-          </ac:spMkLst>
-        </pc:spChg>
-        <pc:picChg chg="add mod">
-          <ac:chgData name="François GLEYZON" userId="a2d04f23f7faf3ef" providerId="LiveId" clId="{1404D58C-429C-4D75-B5B2-E1C9B8E0DC36}" dt="2025-03-16T17:49:26.117" v="4766" actId="1076"/>
-          <ac:picMkLst>
-            <pc:docMk/>
-            <pc:sldMk cId="312469821" sldId="276"/>
-            <ac:picMk id="7" creationId="{4C33A69A-4ABB-390F-8D1C-5D58AB9AF2C3}"/>
-          </ac:picMkLst>
-        </pc:picChg>
-      </pc:sldChg>
-      <pc:sldChg chg="addSp delSp modSp add mod">
-        <pc:chgData name="François GLEYZON" userId="a2d04f23f7faf3ef" providerId="LiveId" clId="{1404D58C-429C-4D75-B5B2-E1C9B8E0DC36}" dt="2025-03-16T18:25:55.029" v="6991" actId="1076"/>
-        <pc:sldMkLst>
-          <pc:docMk/>
-          <pc:sldMk cId="1989661597" sldId="277"/>
-        </pc:sldMkLst>
-        <pc:spChg chg="mod">
-          <ac:chgData name="François GLEYZON" userId="a2d04f23f7faf3ef" providerId="LiveId" clId="{1404D58C-429C-4D75-B5B2-E1C9B8E0DC36}" dt="2025-03-16T18:25:42.620" v="6987" actId="6549"/>
-          <ac:spMkLst>
-            <pc:docMk/>
-            <pc:sldMk cId="1989661597" sldId="277"/>
-            <ac:spMk id="5" creationId="{4DAC8AF4-A004-7163-A739-49ECA39B9FEC}"/>
-          </ac:spMkLst>
-        </pc:spChg>
-        <pc:spChg chg="mod">
-          <ac:chgData name="François GLEYZON" userId="a2d04f23f7faf3ef" providerId="LiveId" clId="{1404D58C-429C-4D75-B5B2-E1C9B8E0DC36}" dt="2025-03-16T18:25:46.907" v="6988" actId="1076"/>
-          <ac:spMkLst>
-            <pc:docMk/>
-            <pc:sldMk cId="1989661597" sldId="277"/>
-            <ac:spMk id="10" creationId="{01A678EA-30F3-62CE-A9F0-10C182D4BBB2}"/>
-          </ac:spMkLst>
-        </pc:spChg>
-        <pc:spChg chg="add mod">
-          <ac:chgData name="François GLEYZON" userId="a2d04f23f7faf3ef" providerId="LiveId" clId="{1404D58C-429C-4D75-B5B2-E1C9B8E0DC36}" dt="2025-03-16T18:25:55.029" v="6991" actId="1076"/>
-          <ac:spMkLst>
-            <pc:docMk/>
-            <pc:sldMk cId="1989661597" sldId="277"/>
-            <ac:spMk id="12" creationId="{AFD64144-DA5F-8B73-6CEA-181D47AD5646}"/>
-          </ac:spMkLst>
-        </pc:spChg>
-        <pc:spChg chg="add mod">
-          <ac:chgData name="François GLEYZON" userId="a2d04f23f7faf3ef" providerId="LiveId" clId="{1404D58C-429C-4D75-B5B2-E1C9B8E0DC36}" dt="2025-03-16T18:25:52.377" v="6990" actId="1076"/>
-          <ac:spMkLst>
-            <pc:docMk/>
-            <pc:sldMk cId="1989661597" sldId="277"/>
-            <ac:spMk id="13" creationId="{C4557F9C-855D-3055-9D46-7013C9868120}"/>
-          </ac:spMkLst>
-        </pc:spChg>
-        <pc:picChg chg="add mod">
-          <ac:chgData name="François GLEYZON" userId="a2d04f23f7faf3ef" providerId="LiveId" clId="{1404D58C-429C-4D75-B5B2-E1C9B8E0DC36}" dt="2025-03-16T18:25:48.590" v="6989" actId="1076"/>
-          <ac:picMkLst>
-            <pc:docMk/>
-            <pc:sldMk cId="1989661597" sldId="277"/>
-            <ac:picMk id="11" creationId="{76E36435-5B32-C3F8-CDBC-02E2B5086320}"/>
-          </ac:picMkLst>
-        </pc:picChg>
-      </pc:sldChg>
-      <pc:sldChg chg="addSp delSp modSp add mod">
-        <pc:chgData name="François GLEYZON" userId="a2d04f23f7faf3ef" providerId="LiveId" clId="{1404D58C-429C-4D75-B5B2-E1C9B8E0DC36}" dt="2025-03-18T00:13:16.107" v="7136" actId="13926"/>
-        <pc:sldMkLst>
-          <pc:docMk/>
-          <pc:sldMk cId="3353157011" sldId="278"/>
-        </pc:sldMkLst>
-        <pc:spChg chg="add mod">
-          <ac:chgData name="François GLEYZON" userId="a2d04f23f7faf3ef" providerId="LiveId" clId="{1404D58C-429C-4D75-B5B2-E1C9B8E0DC36}" dt="2025-03-16T18:20:16.267" v="6837" actId="207"/>
-          <ac:spMkLst>
-            <pc:docMk/>
-            <pc:sldMk cId="3353157011" sldId="278"/>
-            <ac:spMk id="3" creationId="{9B7F5462-4ABB-EBA2-0610-D1DC1488F1E8}"/>
-          </ac:spMkLst>
-        </pc:spChg>
-        <pc:spChg chg="add mod">
-          <ac:chgData name="François GLEYZON" userId="a2d04f23f7faf3ef" providerId="LiveId" clId="{1404D58C-429C-4D75-B5B2-E1C9B8E0DC36}" dt="2025-03-16T18:22:57.632" v="6908" actId="13926"/>
-          <ac:spMkLst>
-            <pc:docMk/>
-            <pc:sldMk cId="3353157011" sldId="278"/>
-            <ac:spMk id="4" creationId="{071085C4-0B93-7C4D-668E-440636B813C4}"/>
-          </ac:spMkLst>
-        </pc:spChg>
-        <pc:spChg chg="mod">
-          <ac:chgData name="François GLEYZON" userId="a2d04f23f7faf3ef" providerId="LiveId" clId="{1404D58C-429C-4D75-B5B2-E1C9B8E0DC36}" dt="2025-03-18T00:13:16.107" v="7136" actId="13926"/>
-          <ac:spMkLst>
-            <pc:docMk/>
-            <pc:sldMk cId="3353157011" sldId="278"/>
-            <ac:spMk id="5" creationId="{123C1752-9749-D963-C34A-A3CB069DD9C5}"/>
-          </ac:spMkLst>
-        </pc:spChg>
-      </pc:sldChg>
-    </pc:docChg>
-  </pc:docChgLst>
 </pc:chgInfo>
 </file>
 
@@ -2258,7 +2259,7 @@
           <a:p>
             <a:fld id="{536D1BE0-9163-4941-8556-7FE0B29195A4}" type="datetimeFigureOut">
               <a:rPr lang="en-GB" smtClean="0"/>
-              <a:t>17/03/2025</a:t>
+              <a:t>25/03/2025</a:t>
             </a:fld>
             <a:endParaRPr lang="en-GB"/>
           </a:p>
@@ -2783,7 +2784,7 @@
           <a:p>
             <a:fld id="{6CA8F5A3-1210-481E-B98C-38D1ADA5BAE1}" type="slidenum">
               <a:rPr lang="en-GB" smtClean="0"/>
-              <a:t>21</a:t>
+              <a:t>22</a:t>
             </a:fld>
             <a:endParaRPr lang="en-GB"/>
           </a:p>
@@ -2949,9 +2950,9 @@
           <a:bodyPr/>
           <a:lstStyle/>
           <a:p>
-            <a:fld id="{CEFDEF93-0E3A-4A89-BC16-F38BAE82060D}" type="datetimeFigureOut">
+            <a:fld id="{2C235542-6AF3-40E2-B916-E7FB7255D1E0}" type="datetime1">
               <a:rPr lang="en-GB" smtClean="0"/>
-              <a:t>17/03/2025</a:t>
+              <a:t>25/03/2025</a:t>
             </a:fld>
             <a:endParaRPr lang="en-GB"/>
           </a:p>
@@ -2998,16 +2999,30 @@
             <p:ph type="sldNum" sz="quarter" idx="12"/>
           </p:nvPr>
         </p:nvSpPr>
-        <p:spPr/>
+        <p:spPr>
+          <a:xfrm>
+            <a:off x="11607800" y="6539055"/>
+            <a:ext cx="584200" cy="365125"/>
+          </a:xfrm>
+        </p:spPr>
         <p:txBody>
           <a:bodyPr/>
-          <a:lstStyle/>
+          <a:lstStyle>
+            <a:lvl1pPr>
+              <a:defRPr>
+                <a:solidFill>
+                  <a:schemeClr val="tx1"/>
+                </a:solidFill>
+              </a:defRPr>
+            </a:lvl1pPr>
+          </a:lstStyle>
           <a:p>
             <a:fld id="{74DDA11D-2719-4AB3-AAA7-DB2910A56E08}" type="slidenum">
               <a:rPr lang="en-GB" smtClean="0"/>
+              <a:pPr/>
               <a:t>‹#›</a:t>
             </a:fld>
-            <a:endParaRPr lang="en-GB"/>
+            <a:endParaRPr lang="en-GB" dirty="0"/>
           </a:p>
         </p:txBody>
       </p:sp>
@@ -3149,9 +3164,9 @@
           <a:bodyPr/>
           <a:lstStyle/>
           <a:p>
-            <a:fld id="{CEFDEF93-0E3A-4A89-BC16-F38BAE82060D}" type="datetimeFigureOut">
+            <a:fld id="{7044358E-7217-49B8-8B5F-9B102524ACE7}" type="datetime1">
               <a:rPr lang="en-GB" smtClean="0"/>
-              <a:t>17/03/2025</a:t>
+              <a:t>25/03/2025</a:t>
             </a:fld>
             <a:endParaRPr lang="en-GB"/>
           </a:p>
@@ -3359,9 +3374,9 @@
           <a:bodyPr/>
           <a:lstStyle/>
           <a:p>
-            <a:fld id="{CEFDEF93-0E3A-4A89-BC16-F38BAE82060D}" type="datetimeFigureOut">
+            <a:fld id="{8AF947F3-BBAD-4B53-B944-F2F9B7CC2DB3}" type="datetime1">
               <a:rPr lang="en-GB" smtClean="0"/>
-              <a:t>17/03/2025</a:t>
+              <a:t>25/03/2025</a:t>
             </a:fld>
             <a:endParaRPr lang="en-GB"/>
           </a:p>
@@ -3559,9 +3574,9 @@
           <a:bodyPr/>
           <a:lstStyle/>
           <a:p>
-            <a:fld id="{CEFDEF93-0E3A-4A89-BC16-F38BAE82060D}" type="datetimeFigureOut">
+            <a:fld id="{6608DFAE-9F32-4679-9DEF-2942E79CB680}" type="datetime1">
               <a:rPr lang="en-GB" smtClean="0"/>
-              <a:t>17/03/2025</a:t>
+              <a:t>25/03/2025</a:t>
             </a:fld>
             <a:endParaRPr lang="en-GB"/>
           </a:p>
@@ -3835,9 +3850,9 @@
           <a:bodyPr/>
           <a:lstStyle/>
           <a:p>
-            <a:fld id="{CEFDEF93-0E3A-4A89-BC16-F38BAE82060D}" type="datetimeFigureOut">
+            <a:fld id="{818C44B1-8DF9-41A1-8E44-9471D74A11EE}" type="datetime1">
               <a:rPr lang="en-GB" smtClean="0"/>
-              <a:t>17/03/2025</a:t>
+              <a:t>25/03/2025</a:t>
             </a:fld>
             <a:endParaRPr lang="en-GB"/>
           </a:p>
@@ -4103,9 +4118,9 @@
           <a:bodyPr/>
           <a:lstStyle/>
           <a:p>
-            <a:fld id="{CEFDEF93-0E3A-4A89-BC16-F38BAE82060D}" type="datetimeFigureOut">
+            <a:fld id="{2EBBE434-1C68-4ACC-8BDA-91B693526034}" type="datetime1">
               <a:rPr lang="en-GB" smtClean="0"/>
-              <a:t>17/03/2025</a:t>
+              <a:t>25/03/2025</a:t>
             </a:fld>
             <a:endParaRPr lang="en-GB"/>
           </a:p>
@@ -4518,9 +4533,9 @@
           <a:bodyPr/>
           <a:lstStyle/>
           <a:p>
-            <a:fld id="{CEFDEF93-0E3A-4A89-BC16-F38BAE82060D}" type="datetimeFigureOut">
+            <a:fld id="{1FD32515-A3F5-4704-843F-65E8FE9B3BD1}" type="datetime1">
               <a:rPr lang="en-GB" smtClean="0"/>
-              <a:t>17/03/2025</a:t>
+              <a:t>25/03/2025</a:t>
             </a:fld>
             <a:endParaRPr lang="en-GB"/>
           </a:p>
@@ -4660,9 +4675,9 @@
           <a:bodyPr/>
           <a:lstStyle/>
           <a:p>
-            <a:fld id="{CEFDEF93-0E3A-4A89-BC16-F38BAE82060D}" type="datetimeFigureOut">
+            <a:fld id="{20C2AEFB-15DA-42E3-9124-FEB623B41B4C}" type="datetime1">
               <a:rPr lang="en-GB" smtClean="0"/>
-              <a:t>17/03/2025</a:t>
+              <a:t>25/03/2025</a:t>
             </a:fld>
             <a:endParaRPr lang="en-GB"/>
           </a:p>
@@ -4773,9 +4788,9 @@
           <a:bodyPr/>
           <a:lstStyle/>
           <a:p>
-            <a:fld id="{CEFDEF93-0E3A-4A89-BC16-F38BAE82060D}" type="datetimeFigureOut">
+            <a:fld id="{A5F0821C-9B4B-4623-8E32-1DCCAB8C13D4}" type="datetime1">
               <a:rPr lang="en-GB" smtClean="0"/>
-              <a:t>17/03/2025</a:t>
+              <a:t>25/03/2025</a:t>
             </a:fld>
             <a:endParaRPr lang="en-GB"/>
           </a:p>
@@ -5086,9 +5101,9 @@
           <a:bodyPr/>
           <a:lstStyle/>
           <a:p>
-            <a:fld id="{CEFDEF93-0E3A-4A89-BC16-F38BAE82060D}" type="datetimeFigureOut">
+            <a:fld id="{DA932208-CEBD-4369-B684-82B78067F2CB}" type="datetime1">
               <a:rPr lang="en-GB" smtClean="0"/>
-              <a:t>17/03/2025</a:t>
+              <a:t>25/03/2025</a:t>
             </a:fld>
             <a:endParaRPr lang="en-GB"/>
           </a:p>
@@ -5375,9 +5390,9 @@
           <a:bodyPr/>
           <a:lstStyle/>
           <a:p>
-            <a:fld id="{CEFDEF93-0E3A-4A89-BC16-F38BAE82060D}" type="datetimeFigureOut">
+            <a:fld id="{5111748E-543C-418B-85C4-C226E3BDD74B}" type="datetime1">
               <a:rPr lang="en-GB" smtClean="0"/>
-              <a:t>17/03/2025</a:t>
+              <a:t>25/03/2025</a:t>
             </a:fld>
             <a:endParaRPr lang="en-GB"/>
           </a:p>
@@ -5618,9 +5633,9 @@
             </a:lvl1pPr>
           </a:lstStyle>
           <a:p>
-            <a:fld id="{CEFDEF93-0E3A-4A89-BC16-F38BAE82060D}" type="datetimeFigureOut">
+            <a:fld id="{0FE40228-CAE7-4FA7-A460-1F25CA374B9E}" type="datetime1">
               <a:rPr lang="en-GB" smtClean="0"/>
-              <a:t>17/03/2025</a:t>
+              <a:t>25/03/2025</a:t>
             </a:fld>
             <a:endParaRPr lang="en-GB"/>
           </a:p>
@@ -5687,8 +5702,8 @@
         </p:nvSpPr>
         <p:spPr>
           <a:xfrm>
-            <a:off x="8610600" y="6356350"/>
-            <a:ext cx="2743200" cy="365125"/>
+            <a:off x="11607800" y="6548291"/>
+            <a:ext cx="584200" cy="365125"/>
           </a:xfrm>
           <a:prstGeom prst="rect">
             <a:avLst/>
@@ -5700,9 +5715,7 @@
             <a:lvl1pPr algn="r">
               <a:defRPr sz="1200">
                 <a:solidFill>
-                  <a:schemeClr val="tx1">
-                    <a:tint val="82000"/>
-                  </a:schemeClr>
+                  <a:schemeClr val="tx1"/>
                 </a:solidFill>
               </a:defRPr>
             </a:lvl1pPr>
@@ -5710,6 +5723,7 @@
           <a:p>
             <a:fld id="{74DDA11D-2719-4AB3-AAA7-DB2910A56E08}" type="slidenum">
               <a:rPr lang="en-GB" smtClean="0"/>
+              <a:pPr/>
               <a:t>‹#›</a:t>
             </a:fld>
             <a:endParaRPr lang="en-GB"/>
@@ -5737,6 +5751,7 @@
     <p:sldLayoutId id="2147483658" r:id="rId10"/>
     <p:sldLayoutId id="2147483659" r:id="rId11"/>
   </p:sldLayoutIdLst>
+  <p:hf hdr="0" ftr="0" dt="0"/>
   <p:txStyles>
     <p:titleStyle>
       <a:lvl1pPr algn="l" defTabSz="914400" rtl="0" eaLnBrk="1" latinLnBrk="0" hangingPunct="1">
@@ -6364,8 +6379,8 @@
         </p:nvSpPr>
         <p:spPr>
           <a:xfrm>
-            <a:off x="1231701" y="2939854"/>
-            <a:ext cx="9728598" cy="584775"/>
+            <a:off x="0" y="2939854"/>
+            <a:ext cx="12192000" cy="1077218"/>
           </a:xfrm>
           <a:prstGeom prst="rect">
             <a:avLst/>
@@ -6384,17 +6399,7 @@
                 <a:latin typeface="Times New Roman" panose="02020603050405020304" pitchFamily="18" charset="0"/>
                 <a:cs typeface="Times New Roman" panose="02020603050405020304" pitchFamily="18" charset="0"/>
               </a:rPr>
-              <a:t>Projet - </a:t>
-            </a:r>
-            <a:r>
-              <a:rPr lang="fr-FR" sz="3200" b="1" noProof="0" dirty="0">
-                <a:highlight>
-                  <a:srgbClr val="FFFF00"/>
-                </a:highlight>
-                <a:latin typeface="Times New Roman" panose="02020603050405020304" pitchFamily="18" charset="0"/>
-                <a:cs typeface="Times New Roman" panose="02020603050405020304" pitchFamily="18" charset="0"/>
-              </a:rPr>
-              <a:t>Titre</a:t>
+              <a:t>Projet – Vérification d'une orthèse optimisée topologiquement sollicitée mécaniquement en grande déformation</a:t>
             </a:r>
           </a:p>
         </p:txBody>
@@ -6465,7 +6470,7 @@
         </p:nvSpPr>
         <p:spPr>
           <a:xfrm>
-            <a:off x="1231701" y="3863706"/>
+            <a:off x="1231701" y="4241254"/>
             <a:ext cx="6096000" cy="1477328"/>
           </a:xfrm>
           <a:prstGeom prst="rect">
@@ -6557,7 +6562,7 @@
         </p:nvSpPr>
         <p:spPr>
           <a:xfrm>
-            <a:off x="6096000" y="3863705"/>
+            <a:off x="6096000" y="4518253"/>
             <a:ext cx="6104408" cy="923330"/>
           </a:xfrm>
           <a:prstGeom prst="rect">
@@ -6605,40 +6610,30 @@
       </p:sp>
       <p:sp>
         <p:nvSpPr>
-          <p:cNvPr id="12" name="TextBox 11">
+          <p:cNvPr id="10" name="Slide Number Placeholder 9">
             <a:extLst>
               <a:ext uri="{FF2B5EF4-FFF2-40B4-BE49-F238E27FC236}">
-                <a16:creationId xmlns:a16="http://schemas.microsoft.com/office/drawing/2014/main" id="{B3FBCD95-757E-0D30-1DE3-8FB709355D99}"/>
+                <a16:creationId xmlns:a16="http://schemas.microsoft.com/office/drawing/2014/main" id="{23BAA019-B68B-8892-4E02-1B6EE73AA461}"/>
               </a:ext>
             </a:extLst>
           </p:cNvPr>
-          <p:cNvSpPr txBox="1"/>
-          <p:nvPr/>
+          <p:cNvSpPr>
+            <a:spLocks noGrp="1"/>
+          </p:cNvSpPr>
+          <p:nvPr>
+            <p:ph type="sldNum" sz="quarter" idx="12"/>
+          </p:nvPr>
         </p:nvSpPr>
-        <p:spPr>
-          <a:xfrm>
-            <a:off x="11091333" y="6550222"/>
-            <a:ext cx="1100667" cy="307777"/>
-          </a:xfrm>
-          <a:prstGeom prst="rect">
-            <a:avLst/>
-          </a:prstGeom>
-          <a:noFill/>
-        </p:spPr>
+        <p:spPr/>
         <p:txBody>
-          <a:bodyPr wrap="square" rtlCol="0">
-            <a:spAutoFit/>
-          </a:bodyPr>
+          <a:bodyPr/>
           <a:lstStyle/>
           <a:p>
-            <a:pPr algn="r"/>
-            <a:r>
-              <a:rPr lang="fr-FR" sz="1400" noProof="0" dirty="0">
-                <a:latin typeface="Times New Roman" panose="02020603050405020304" pitchFamily="18" charset="0"/>
-                <a:cs typeface="Times New Roman" panose="02020603050405020304" pitchFamily="18" charset="0"/>
-              </a:rPr>
-              <a:t>X/Y</a:t>
-            </a:r>
+            <a:fld id="{74DDA11D-2719-4AB3-AAA7-DB2910A56E08}" type="slidenum">
+              <a:rPr lang="en-GB" smtClean="0"/>
+              <a:t>1</a:t>
+            </a:fld>
+            <a:endParaRPr lang="en-GB" dirty="0"/>
           </a:p>
         </p:txBody>
       </p:sp>
@@ -6656,6 +6651,508 @@
 </file>
 
 <file path=ppt/slides/slide10.xml><?xml version="1.0" encoding="utf-8"?>
+<p:sld xmlns:a="http://schemas.openxmlformats.org/drawingml/2006/main" xmlns:r="http://schemas.openxmlformats.org/officeDocument/2006/relationships" xmlns:p="http://schemas.openxmlformats.org/presentationml/2006/main">
+  <p:cSld>
+    <p:spTree>
+      <p:nvGrpSpPr>
+        <p:cNvPr id="1" name="">
+          <a:extLst>
+            <a:ext uri="{FF2B5EF4-FFF2-40B4-BE49-F238E27FC236}">
+              <a16:creationId xmlns:a16="http://schemas.microsoft.com/office/drawing/2014/main" id="{A28199A9-F0B5-7962-30BE-189DF600CB30}"/>
+            </a:ext>
+          </a:extLst>
+        </p:cNvPr>
+        <p:cNvGrpSpPr/>
+        <p:nvPr/>
+      </p:nvGrpSpPr>
+      <p:grpSpPr>
+        <a:xfrm>
+          <a:off x="0" y="0"/>
+          <a:ext cx="0" cy="0"/>
+          <a:chOff x="0" y="0"/>
+          <a:chExt cx="0" cy="0"/>
+        </a:xfrm>
+      </p:grpSpPr>
+      <p:sp>
+        <p:nvSpPr>
+          <p:cNvPr id="36" name="Rectangle 35">
+            <a:extLst>
+              <a:ext uri="{FF2B5EF4-FFF2-40B4-BE49-F238E27FC236}">
+                <a16:creationId xmlns:a16="http://schemas.microsoft.com/office/drawing/2014/main" id="{A033D6C3-FAC4-BC39-B0A0-9F0EC1871F67}"/>
+              </a:ext>
+            </a:extLst>
+          </p:cNvPr>
+          <p:cNvSpPr/>
+          <p:nvPr/>
+        </p:nvSpPr>
+        <p:spPr>
+          <a:xfrm>
+            <a:off x="1" y="-990"/>
+            <a:ext cx="6096000" cy="501017"/>
+          </a:xfrm>
+          <a:prstGeom prst="rect">
+            <a:avLst/>
+          </a:prstGeom>
+          <a:solidFill>
+            <a:srgbClr val="980000"/>
+          </a:solidFill>
+          <a:ln>
+            <a:noFill/>
+          </a:ln>
+        </p:spPr>
+        <p:style>
+          <a:lnRef idx="2">
+            <a:schemeClr val="accent1">
+              <a:shade val="15000"/>
+            </a:schemeClr>
+          </a:lnRef>
+          <a:fillRef idx="1">
+            <a:schemeClr val="accent1"/>
+          </a:fillRef>
+          <a:effectRef idx="0">
+            <a:schemeClr val="accent1"/>
+          </a:effectRef>
+          <a:fontRef idx="minor">
+            <a:schemeClr val="lt1"/>
+          </a:fontRef>
+        </p:style>
+        <p:txBody>
+          <a:bodyPr rtlCol="0" anchor="ctr"/>
+          <a:lstStyle/>
+          <a:p>
+            <a:pPr algn="ctr"/>
+            <a:endParaRPr lang="fr-FR" noProof="0" dirty="0"/>
+          </a:p>
+        </p:txBody>
+      </p:sp>
+      <p:sp>
+        <p:nvSpPr>
+          <p:cNvPr id="9" name="TextBox 8">
+            <a:extLst>
+              <a:ext uri="{FF2B5EF4-FFF2-40B4-BE49-F238E27FC236}">
+                <a16:creationId xmlns:a16="http://schemas.microsoft.com/office/drawing/2014/main" id="{4AFC361F-8931-9AA0-0DB0-D4F87FD8B4ED}"/>
+              </a:ext>
+            </a:extLst>
+          </p:cNvPr>
+          <p:cNvSpPr txBox="1"/>
+          <p:nvPr/>
+        </p:nvSpPr>
+        <p:spPr>
+          <a:xfrm>
+            <a:off x="0" y="-990"/>
+            <a:ext cx="5568381" cy="461665"/>
+          </a:xfrm>
+          <a:prstGeom prst="rect">
+            <a:avLst/>
+          </a:prstGeom>
+          <a:noFill/>
+        </p:spPr>
+        <p:txBody>
+          <a:bodyPr wrap="square" rtlCol="0">
+            <a:spAutoFit/>
+          </a:bodyPr>
+          <a:lstStyle/>
+          <a:p>
+            <a:pPr algn="just"/>
+            <a:r>
+              <a:rPr lang="fr-FR" sz="2400" b="1" noProof="0" dirty="0">
+                <a:solidFill>
+                  <a:schemeClr val="bg1"/>
+                </a:solidFill>
+                <a:latin typeface="Times New Roman" panose="02020603050405020304" pitchFamily="18" charset="0"/>
+                <a:cs typeface="Times New Roman" panose="02020603050405020304" pitchFamily="18" charset="0"/>
+              </a:rPr>
+              <a:t>VERIFICATION DE SOLUTION</a:t>
+            </a:r>
+          </a:p>
+        </p:txBody>
+      </p:sp>
+      <p:sp>
+        <p:nvSpPr>
+          <p:cNvPr id="39" name="Rectangle 38">
+            <a:extLst>
+              <a:ext uri="{FF2B5EF4-FFF2-40B4-BE49-F238E27FC236}">
+                <a16:creationId xmlns:a16="http://schemas.microsoft.com/office/drawing/2014/main" id="{80109EBB-569A-FC2E-FA2D-245AF6BB2259}"/>
+              </a:ext>
+            </a:extLst>
+          </p:cNvPr>
+          <p:cNvSpPr/>
+          <p:nvPr/>
+        </p:nvSpPr>
+        <p:spPr>
+          <a:xfrm>
+            <a:off x="6096000" y="0"/>
+            <a:ext cx="6096000" cy="501017"/>
+          </a:xfrm>
+          <a:prstGeom prst="rect">
+            <a:avLst/>
+          </a:prstGeom>
+          <a:solidFill>
+            <a:srgbClr val="D9D9D9"/>
+          </a:solidFill>
+          <a:ln>
+            <a:noFill/>
+          </a:ln>
+        </p:spPr>
+        <p:style>
+          <a:lnRef idx="2">
+            <a:schemeClr val="accent1">
+              <a:shade val="15000"/>
+            </a:schemeClr>
+          </a:lnRef>
+          <a:fillRef idx="1">
+            <a:schemeClr val="accent1"/>
+          </a:fillRef>
+          <a:effectRef idx="0">
+            <a:schemeClr val="accent1"/>
+          </a:effectRef>
+          <a:fontRef idx="minor">
+            <a:schemeClr val="lt1"/>
+          </a:fontRef>
+        </p:style>
+        <p:txBody>
+          <a:bodyPr rtlCol="0" anchor="ctr"/>
+          <a:lstStyle/>
+          <a:p>
+            <a:pPr algn="ctr"/>
+            <a:endParaRPr lang="fr-FR" noProof="0" dirty="0"/>
+          </a:p>
+        </p:txBody>
+      </p:sp>
+      <mc:AlternateContent xmlns:mc="http://schemas.openxmlformats.org/markup-compatibility/2006">
+        <mc:Choice xmlns:a14="http://schemas.microsoft.com/office/drawing/2010/main" Requires="a14">
+          <p:sp>
+            <p:nvSpPr>
+              <p:cNvPr id="5" name="TextBox 4">
+                <a:extLst>
+                  <a:ext uri="{FF2B5EF4-FFF2-40B4-BE49-F238E27FC236}">
+                    <a16:creationId xmlns:a16="http://schemas.microsoft.com/office/drawing/2014/main" id="{309D56B0-990D-A3FC-9388-987F015973E1}"/>
+                  </a:ext>
+                </a:extLst>
+              </p:cNvPr>
+              <p:cNvSpPr txBox="1"/>
+              <p:nvPr/>
+            </p:nvSpPr>
+            <p:spPr>
+              <a:xfrm>
+                <a:off x="0" y="1046772"/>
+                <a:ext cx="12192000" cy="5355312"/>
+              </a:xfrm>
+              <a:prstGeom prst="rect">
+                <a:avLst/>
+              </a:prstGeom>
+              <a:noFill/>
+            </p:spPr>
+            <p:txBody>
+              <a:bodyPr wrap="square" rtlCol="0">
+                <a:spAutoFit/>
+              </a:bodyPr>
+              <a:lstStyle/>
+              <a:p>
+                <a:pPr>
+                  <a:buNone/>
+                </a:pPr>
+                <a:r>
+                  <a:rPr lang="fr-FR" u="sng" dirty="0"/>
+                  <a:t>D’où vient le plateau sur la SRQ ?</a:t>
+                </a:r>
+              </a:p>
+              <a:p>
+                <a:pPr marL="285750" indent="-285750">
+                  <a:buFont typeface="Arial" panose="020B0604020202020204" pitchFamily="34" charset="0"/>
+                  <a:buChar char="•"/>
+                </a:pPr>
+                <a:r>
+                  <a:rPr lang="fr-FR" dirty="0"/>
+                  <a:t>Convergence numérique</a:t>
+                </a:r>
+              </a:p>
+              <a:p>
+                <a:pPr marL="742950" lvl="1" indent="-285750">
+                  <a:buFont typeface="Arial" panose="020B0604020202020204" pitchFamily="34" charset="0"/>
+                  <a:buChar char="•"/>
+                </a:pPr>
+                <a:r>
+                  <a:rPr lang="fr-FR" dirty="0"/>
+                  <a:t>Une fois un certain seuil atteint, l’erreur de discrétisation devient négligeable.</a:t>
+                </a:r>
+              </a:p>
+              <a:p>
+                <a:pPr marL="285750" indent="-285750">
+                  <a:buFont typeface="Arial" panose="020B0604020202020204" pitchFamily="34" charset="0"/>
+                  <a:buChar char="•"/>
+                </a:pPr>
+                <a:r>
+                  <a:rPr lang="fr-FR" dirty="0"/>
+                  <a:t>Limite physique</a:t>
+                </a:r>
+              </a:p>
+              <a:p>
+                <a:pPr marL="742950" lvl="1" indent="-285750">
+                  <a:buFont typeface="Arial" panose="020B0604020202020204" pitchFamily="34" charset="0"/>
+                  <a:buChar char="•"/>
+                </a:pPr>
+                <a:r>
+                  <a:rPr lang="fr-FR" dirty="0"/>
+                  <a:t>En grandes déformations, l’influence d’un maillage plus fin sur la réponse globale diminue progressivement.</a:t>
+                </a:r>
+              </a:p>
+              <a:p>
+                <a:pPr marL="285750" indent="-285750">
+                  <a:buFont typeface="Arial" panose="020B0604020202020204" pitchFamily="34" charset="0"/>
+                  <a:buChar char="•"/>
+                </a:pPr>
+                <a:r>
+                  <a:rPr lang="fr-FR" dirty="0"/>
+                  <a:t>Erreurs numériques et limites logicielles</a:t>
+                </a:r>
+              </a:p>
+              <a:p>
+                <a:pPr marL="742950" lvl="1" indent="-285750">
+                  <a:buFont typeface="Arial" panose="020B0604020202020204" pitchFamily="34" charset="0"/>
+                  <a:buChar char="•"/>
+                </a:pPr>
+                <a:r>
+                  <a:rPr lang="fr-FR" dirty="0"/>
+                  <a:t>Précision machine : les erreurs itératives peuvent prendre le dessus sur l’erreur de discrétisation.</a:t>
+                </a:r>
+              </a:p>
+              <a:p>
+                <a:pPr marL="742950" lvl="1" indent="-285750">
+                  <a:buFont typeface="Arial" panose="020B0604020202020204" pitchFamily="34" charset="0"/>
+                  <a:buChar char="•"/>
+                </a:pPr>
+                <a:r>
+                  <a:rPr lang="fr-FR" dirty="0"/>
+                  <a:t>Version étudiante d’Ansys : restriction sur le nombre de nœuds, impossible de confirmer l’étendue du plateau.</a:t>
+                </a:r>
+              </a:p>
+              <a:p>
+                <a:pPr marL="742950" lvl="1" indent="-285750">
+                  <a:buFont typeface="Arial" panose="020B0604020202020204" pitchFamily="34" charset="0"/>
+                  <a:buChar char="•"/>
+                </a:pPr>
+                <a:endParaRPr lang="fr-FR" dirty="0"/>
+              </a:p>
+              <a:p>
+                <a:r>
+                  <a:rPr lang="fr-FR" u="sng" dirty="0"/>
+                  <a:t>Pourquoi l’ordre de convergence observé n’est pas égal à l’ordre de convergence formel ?</a:t>
+                </a:r>
+              </a:p>
+              <a:p>
+                <a:r>
+                  <a:rPr lang="fr-FR" dirty="0"/>
+                  <a:t>La convergence du modèle est dégradée. </a:t>
+                </a:r>
+              </a:p>
+              <a:p>
+                <a:pPr marL="285750" indent="-285750">
+                  <a:buFont typeface="Arial" panose="020B0604020202020204" pitchFamily="34" charset="0"/>
+                  <a:buChar char="•"/>
+                </a:pPr>
+                <a:r>
+                  <a:rPr lang="fr-FR" dirty="0"/>
+                  <a:t>Si les conditions aux limites sont mal capturées par le maillage, elles peuvent induire des erreurs locales qui ralentissent la convergence.</a:t>
+                </a:r>
+              </a:p>
+              <a:p>
+                <a:pPr marL="742950" lvl="1" indent="-285750">
+                  <a:buFont typeface="Arial" panose="020B0604020202020204" pitchFamily="34" charset="0"/>
+                  <a:buChar char="•"/>
+                </a:pPr>
+                <a:r>
+                  <a:rPr lang="fr-FR" dirty="0"/>
+                  <a:t>Si la zone où </a:t>
+                </a:r>
+                <a14:m>
+                  <m:oMath xmlns:m="http://schemas.openxmlformats.org/officeDocument/2006/math">
+                    <m:sSub>
+                      <m:sSubPr>
+                        <m:ctrlPr>
+                          <a:rPr lang="fr-FR" i="1" dirty="0" smtClean="0">
+                            <a:latin typeface="Cambria Math" panose="02040503050406030204" pitchFamily="18" charset="0"/>
+                          </a:rPr>
+                        </m:ctrlPr>
+                      </m:sSubPr>
+                      <m:e>
+                        <m:r>
+                          <a:rPr lang="fr-FR" i="1" dirty="0" smtClean="0">
+                            <a:latin typeface="Cambria Math" panose="02040503050406030204" pitchFamily="18" charset="0"/>
+                          </a:rPr>
+                          <m:t>𝑢</m:t>
+                        </m:r>
+                      </m:e>
+                      <m:sub>
+                        <m:r>
+                          <a:rPr lang="fr-FR" b="0" i="1" dirty="0" smtClean="0">
+                            <a:latin typeface="Cambria Math" panose="02040503050406030204" pitchFamily="18" charset="0"/>
+                          </a:rPr>
+                          <m:t>𝑚𝑎𝑥</m:t>
+                        </m:r>
+                      </m:sub>
+                    </m:sSub>
+                  </m:oMath>
+                </a14:m>
+                <a:r>
+                  <a:rPr lang="fr-FR" dirty="0"/>
+                  <a:t>​ se produit est mal maillée, elle peut dominer l’erreur globale.</a:t>
+                </a:r>
+              </a:p>
+              <a:p>
+                <a:pPr marL="742950" lvl="1" indent="-285750">
+                  <a:buFont typeface="Arial" panose="020B0604020202020204" pitchFamily="34" charset="0"/>
+                  <a:buChar char="•"/>
+                </a:pPr>
+                <a:r>
+                  <a:rPr lang="fr-FR" dirty="0"/>
+                  <a:t>Si les contraintes appliquées sont trop localisées (ex : un point de contact), la convergence peut être plus lente qu’attendu. Dans notre cas, les conditions aux limites sont appliquées sur les extrémités de l’orthèse. Les appliquer de manière plus réaliste avec surface d’application plus grande aurait pu aider à conserver la convergence du modèle à 3. </a:t>
+                </a:r>
+              </a:p>
+              <a:p>
+                <a:pPr marL="285750" indent="-285750">
+                  <a:buFont typeface="Arial" panose="020B0604020202020204" pitchFamily="34" charset="0"/>
+                  <a:buChar char="•"/>
+                </a:pPr>
+                <a:endParaRPr lang="fr-FR" dirty="0"/>
+              </a:p>
+            </p:txBody>
+          </p:sp>
+        </mc:Choice>
+        <mc:Fallback>
+          <p:sp>
+            <p:nvSpPr>
+              <p:cNvPr id="5" name="TextBox 4">
+                <a:extLst>
+                  <a:ext uri="{FF2B5EF4-FFF2-40B4-BE49-F238E27FC236}">
+                    <a16:creationId xmlns:a16="http://schemas.microsoft.com/office/drawing/2014/main" id="{309D56B0-990D-A3FC-9388-987F015973E1}"/>
+                  </a:ext>
+                </a:extLst>
+              </p:cNvPr>
+              <p:cNvSpPr txBox="1">
+                <a:spLocks noRot="1" noChangeAspect="1" noMove="1" noResize="1" noEditPoints="1" noAdjustHandles="1" noChangeArrowheads="1" noChangeShapeType="1" noTextEdit="1"/>
+              </p:cNvSpPr>
+              <p:nvPr/>
+            </p:nvSpPr>
+            <p:spPr>
+              <a:xfrm>
+                <a:off x="0" y="1046772"/>
+                <a:ext cx="12192000" cy="5355312"/>
+              </a:xfrm>
+              <a:prstGeom prst="rect">
+                <a:avLst/>
+              </a:prstGeom>
+              <a:blipFill>
+                <a:blip r:embed="rId2"/>
+                <a:stretch>
+                  <a:fillRect l="-400" t="-569"/>
+                </a:stretch>
+              </a:blipFill>
+            </p:spPr>
+            <p:txBody>
+              <a:bodyPr/>
+              <a:lstStyle/>
+              <a:p>
+                <a:r>
+                  <a:rPr lang="fr-FR">
+                    <a:noFill/>
+                  </a:rPr>
+                  <a:t> </a:t>
+                </a:r>
+              </a:p>
+            </p:txBody>
+          </p:sp>
+        </mc:Fallback>
+      </mc:AlternateContent>
+      <p:sp>
+        <p:nvSpPr>
+          <p:cNvPr id="4" name="TextBox 3">
+            <a:extLst>
+              <a:ext uri="{FF2B5EF4-FFF2-40B4-BE49-F238E27FC236}">
+                <a16:creationId xmlns:a16="http://schemas.microsoft.com/office/drawing/2014/main" id="{485899BC-9B81-1527-02FE-52AC944D2E5A}"/>
+              </a:ext>
+            </a:extLst>
+          </p:cNvPr>
+          <p:cNvSpPr txBox="1"/>
+          <p:nvPr/>
+        </p:nvSpPr>
+        <p:spPr>
+          <a:xfrm>
+            <a:off x="0" y="507670"/>
+            <a:ext cx="12192000" cy="646331"/>
+          </a:xfrm>
+          <a:prstGeom prst="rect">
+            <a:avLst/>
+          </a:prstGeom>
+          <a:noFill/>
+        </p:spPr>
+        <p:txBody>
+          <a:bodyPr wrap="square" rtlCol="0">
+            <a:spAutoFit/>
+          </a:bodyPr>
+          <a:lstStyle/>
+          <a:p>
+            <a:pPr algn="just"/>
+            <a:r>
+              <a:rPr lang="fr-FR" b="1" noProof="0" dirty="0">
+                <a:latin typeface="Times New Roman" panose="02020603050405020304" pitchFamily="18" charset="0"/>
+                <a:cs typeface="Times New Roman" panose="02020603050405020304" pitchFamily="18" charset="0"/>
+              </a:rPr>
+              <a:t>3. Interprétation des résultats</a:t>
+            </a:r>
+          </a:p>
+          <a:p>
+            <a:pPr algn="just"/>
+            <a:endParaRPr lang="fr-FR" dirty="0">
+              <a:latin typeface="Times New Roman" panose="02020603050405020304" pitchFamily="18" charset="0"/>
+              <a:cs typeface="Times New Roman" panose="02020603050405020304" pitchFamily="18" charset="0"/>
+            </a:endParaRPr>
+          </a:p>
+        </p:txBody>
+      </p:sp>
+      <p:sp>
+        <p:nvSpPr>
+          <p:cNvPr id="6" name="Slide Number Placeholder 5">
+            <a:extLst>
+              <a:ext uri="{FF2B5EF4-FFF2-40B4-BE49-F238E27FC236}">
+                <a16:creationId xmlns:a16="http://schemas.microsoft.com/office/drawing/2014/main" id="{3956B676-E09A-819D-5A1C-CC4FD9C9ABCC}"/>
+              </a:ext>
+            </a:extLst>
+          </p:cNvPr>
+          <p:cNvSpPr>
+            <a:spLocks noGrp="1"/>
+          </p:cNvSpPr>
+          <p:nvPr>
+            <p:ph type="sldNum" sz="quarter" idx="12"/>
+          </p:nvPr>
+        </p:nvSpPr>
+        <p:spPr/>
+        <p:txBody>
+          <a:bodyPr/>
+          <a:lstStyle/>
+          <a:p>
+            <a:fld id="{74DDA11D-2719-4AB3-AAA7-DB2910A56E08}" type="slidenum">
+              <a:rPr lang="en-GB" smtClean="0"/>
+              <a:t>10</a:t>
+            </a:fld>
+            <a:endParaRPr lang="en-GB"/>
+          </a:p>
+        </p:txBody>
+      </p:sp>
+    </p:spTree>
+    <p:extLst>
+      <p:ext uri="{BB962C8B-B14F-4D97-AF65-F5344CB8AC3E}">
+        <p14:creationId xmlns:p14="http://schemas.microsoft.com/office/powerpoint/2010/main" val="1526862644"/>
+      </p:ext>
+    </p:extLst>
+  </p:cSld>
+  <p:clrMapOvr>
+    <a:masterClrMapping/>
+  </p:clrMapOvr>
+</p:sld>
+</file>
+
+<file path=ppt/slides/slide11.xml><?xml version="1.0" encoding="utf-8"?>
 <p:sld xmlns:a="http://schemas.openxmlformats.org/drawingml/2006/main" xmlns:r="http://schemas.openxmlformats.org/officeDocument/2006/relationships" xmlns:p="http://schemas.openxmlformats.org/presentationml/2006/main">
   <p:cSld>
     <p:spTree>
@@ -6824,45 +7321,6 @@
           </a:p>
         </p:txBody>
       </p:sp>
-      <p:sp>
-        <p:nvSpPr>
-          <p:cNvPr id="2" name="TextBox 1">
-            <a:extLst>
-              <a:ext uri="{FF2B5EF4-FFF2-40B4-BE49-F238E27FC236}">
-                <a16:creationId xmlns:a16="http://schemas.microsoft.com/office/drawing/2014/main" id="{6179ACDC-1204-C118-B7F9-8F86077AFABB}"/>
-              </a:ext>
-            </a:extLst>
-          </p:cNvPr>
-          <p:cNvSpPr txBox="1"/>
-          <p:nvPr/>
-        </p:nvSpPr>
-        <p:spPr>
-          <a:xfrm>
-            <a:off x="11091333" y="6550222"/>
-            <a:ext cx="1100667" cy="307777"/>
-          </a:xfrm>
-          <a:prstGeom prst="rect">
-            <a:avLst/>
-          </a:prstGeom>
-          <a:noFill/>
-        </p:spPr>
-        <p:txBody>
-          <a:bodyPr wrap="square" rtlCol="0">
-            <a:spAutoFit/>
-          </a:bodyPr>
-          <a:lstStyle/>
-          <a:p>
-            <a:pPr algn="r"/>
-            <a:r>
-              <a:rPr lang="fr-FR" sz="1400" noProof="0" dirty="0">
-                <a:latin typeface="Times New Roman" panose="02020603050405020304" pitchFamily="18" charset="0"/>
-                <a:cs typeface="Times New Roman" panose="02020603050405020304" pitchFamily="18" charset="0"/>
-              </a:rPr>
-              <a:t>X/Y</a:t>
-            </a:r>
-          </a:p>
-        </p:txBody>
-      </p:sp>
       <mc:AlternateContent xmlns:mc="http://schemas.openxmlformats.org/markup-compatibility/2006">
         <mc:Choice xmlns:a14="http://schemas.microsoft.com/office/drawing/2010/main" Requires="a14">
           <p:sp>
@@ -6880,7 +7338,7 @@
             <p:spPr>
               <a:xfrm>
                 <a:off x="0" y="627468"/>
-                <a:ext cx="12192000" cy="2379562"/>
+                <a:ext cx="12192000" cy="2124812"/>
               </a:xfrm>
               <a:prstGeom prst="rect">
                 <a:avLst/>
@@ -7026,7 +7484,21 @@
                           <a:latin typeface="Cambria Math" panose="02040503050406030204" pitchFamily="18" charset="0"/>
                           <a:cs typeface="Times New Roman" panose="02020603050405020304" pitchFamily="18" charset="0"/>
                         </a:rPr>
-                        <m:t>=25 %&gt;10 %</m:t>
+                        <m:t>=</m:t>
+                      </m:r>
+                      <m:r>
+                        <a:rPr lang="fr-FR" b="0" i="1" smtClean="0">
+                          <a:latin typeface="Cambria Math" panose="02040503050406030204" pitchFamily="18" charset="0"/>
+                          <a:cs typeface="Times New Roman" panose="02020603050405020304" pitchFamily="18" charset="0"/>
+                        </a:rPr>
+                        <m:t>16,66</m:t>
+                      </m:r>
+                      <m:r>
+                        <a:rPr lang="fr-FR" b="0" i="1" smtClean="0">
+                          <a:latin typeface="Cambria Math" panose="02040503050406030204" pitchFamily="18" charset="0"/>
+                          <a:cs typeface="Times New Roman" panose="02020603050405020304" pitchFamily="18" charset="0"/>
+                        </a:rPr>
+                        <m:t>%&gt;10 %</m:t>
                       </m:r>
                     </m:oMath>
                   </m:oMathPara>
@@ -7140,7 +7612,14 @@
                         <a:latin typeface="Cambria Math" panose="02040503050406030204" pitchFamily="18" charset="0"/>
                         <a:cs typeface="Times New Roman" panose="02020603050405020304" pitchFamily="18" charset="0"/>
                       </a:rPr>
-                      <m:t>=2</m:t>
+                      <m:t>=</m:t>
+                    </m:r>
+                    <m:r>
+                      <a:rPr lang="fr-FR" b="0" i="1" smtClean="0">
+                        <a:latin typeface="Cambria Math" panose="02040503050406030204" pitchFamily="18" charset="0"/>
+                        <a:cs typeface="Times New Roman" panose="02020603050405020304" pitchFamily="18" charset="0"/>
+                      </a:rPr>
+                      <m:t>3</m:t>
                     </m:r>
                   </m:oMath>
                 </a14:m>
@@ -7249,6 +7728,9 @@
                         <m:sSubPr>
                           <m:ctrlPr>
                             <a:rPr lang="fr-FR" b="0" i="1" smtClean="0">
+                              <a:highlight>
+                                <a:srgbClr val="FFFF00"/>
+                              </a:highlight>
                               <a:latin typeface="Cambria Math" panose="02040503050406030204" pitchFamily="18" charset="0"/>
                               <a:cs typeface="Times New Roman" panose="02020603050405020304" pitchFamily="18" charset="0"/>
                             </a:rPr>
@@ -7257,6 +7739,9 @@
                         <m:e>
                           <m:r>
                             <a:rPr lang="fr-FR" b="0" i="1" smtClean="0">
+                              <a:highlight>
+                                <a:srgbClr val="FFFF00"/>
+                              </a:highlight>
                               <a:latin typeface="Cambria Math" panose="02040503050406030204" pitchFamily="18" charset="0"/>
                               <a:cs typeface="Times New Roman" panose="02020603050405020304" pitchFamily="18" charset="0"/>
                             </a:rPr>
@@ -7266,6 +7751,9 @@
                         <m:sub>
                           <m:r>
                             <a:rPr lang="fr-FR" b="0" i="1" smtClean="0">
+                              <a:highlight>
+                                <a:srgbClr val="FFFF00"/>
+                              </a:highlight>
                               <a:latin typeface="Cambria Math" panose="02040503050406030204" pitchFamily="18" charset="0"/>
                               <a:cs typeface="Times New Roman" panose="02020603050405020304" pitchFamily="18" charset="0"/>
                             </a:rPr>
@@ -7275,6 +7763,9 @@
                       </m:sSub>
                       <m:r>
                         <a:rPr lang="fr-FR" i="1">
+                          <a:highlight>
+                            <a:srgbClr val="FFFF00"/>
+                          </a:highlight>
                           <a:latin typeface="Cambria Math" panose="02040503050406030204" pitchFamily="18" charset="0"/>
                           <a:cs typeface="Times New Roman" panose="02020603050405020304" pitchFamily="18" charset="0"/>
                         </a:rPr>
@@ -7282,6 +7773,9 @@
                       </m:r>
                       <m:r>
                         <a:rPr lang="fr-FR" b="0" i="1" smtClean="0">
+                          <a:highlight>
+                            <a:srgbClr val="FFFF00"/>
+                          </a:highlight>
                           <a:latin typeface="Cambria Math" panose="02040503050406030204" pitchFamily="18" charset="0"/>
                           <a:cs typeface="Times New Roman" panose="02020603050405020304" pitchFamily="18" charset="0"/>
                         </a:rPr>
@@ -7289,6 +7783,9 @@
                       </m:r>
                       <m:r>
                         <a:rPr lang="fr-FR" b="0" i="1" smtClean="0">
+                          <a:highlight>
+                            <a:srgbClr val="FFFF00"/>
+                          </a:highlight>
                           <a:latin typeface="Cambria Math" panose="02040503050406030204" pitchFamily="18" charset="0"/>
                           <a:ea typeface="Cambria Math" panose="02040503050406030204" pitchFamily="18" charset="0"/>
                           <a:cs typeface="Times New Roman" panose="02020603050405020304" pitchFamily="18" charset="0"/>
@@ -7308,6 +7805,9 @@
                       </m:r>
                       <m:r>
                         <a:rPr lang="fr-FR" b="0" i="1" smtClean="0">
+                          <a:highlight>
+                            <a:srgbClr val="FFFF00"/>
+                          </a:highlight>
                           <a:latin typeface="Cambria Math" panose="02040503050406030204" pitchFamily="18" charset="0"/>
                           <a:ea typeface="Cambria Math" panose="02040503050406030204" pitchFamily="18" charset="0"/>
                           <a:cs typeface="Times New Roman" panose="02020603050405020304" pitchFamily="18" charset="0"/>
@@ -7316,6 +7816,9 @@
                       </m:r>
                       <m:r>
                         <a:rPr lang="fr-FR" b="0" i="1" smtClean="0">
+                          <a:highlight>
+                            <a:srgbClr val="FFFF00"/>
+                          </a:highlight>
                           <a:latin typeface="Cambria Math" panose="02040503050406030204" pitchFamily="18" charset="0"/>
                           <a:ea typeface="Cambria Math" panose="02040503050406030204" pitchFamily="18" charset="0"/>
                           <a:cs typeface="Times New Roman" panose="02020603050405020304" pitchFamily="18" charset="0"/>
@@ -7324,6 +7827,9 @@
                       </m:r>
                       <m:r>
                         <a:rPr lang="fr-FR" b="0" i="1" smtClean="0">
+                          <a:highlight>
+                            <a:srgbClr val="FFFF00"/>
+                          </a:highlight>
                           <a:latin typeface="Cambria Math" panose="02040503050406030204" pitchFamily="18" charset="0"/>
                           <a:ea typeface="Cambria Math" panose="02040503050406030204" pitchFamily="18" charset="0"/>
                           <a:cs typeface="Times New Roman" panose="02020603050405020304" pitchFamily="18" charset="0"/>
@@ -7332,6 +7838,9 @@
                       </m:r>
                       <m:r>
                         <a:rPr lang="fr-FR" b="0" smtClean="0">
+                          <a:highlight>
+                            <a:srgbClr val="FFFF00"/>
+                          </a:highlight>
                           <a:latin typeface="Cambria Math" panose="02040503050406030204" pitchFamily="18" charset="0"/>
                           <a:ea typeface="Cambria Math" panose="02040503050406030204" pitchFamily="18" charset="0"/>
                         </a:rPr>
@@ -7341,6 +7850,9 @@
                         <m:sSubPr>
                           <m:ctrlPr>
                             <a:rPr lang="fr-FR" i="1">
+                              <a:highlight>
+                                <a:srgbClr val="FFFF00"/>
+                              </a:highlight>
                               <a:latin typeface="Cambria Math" panose="02040503050406030204" pitchFamily="18" charset="0"/>
                               <a:cs typeface="Times New Roman" panose="02020603050405020304" pitchFamily="18" charset="0"/>
                             </a:rPr>
@@ -7349,6 +7861,9 @@
                         <m:e>
                           <m:r>
                             <a:rPr lang="fr-FR" i="1">
+                              <a:highlight>
+                                <a:srgbClr val="FFFF00"/>
+                              </a:highlight>
                               <a:latin typeface="Cambria Math" panose="02040503050406030204" pitchFamily="18" charset="0"/>
                               <a:cs typeface="Times New Roman" panose="02020603050405020304" pitchFamily="18" charset="0"/>
                             </a:rPr>
@@ -7358,6 +7873,9 @@
                         <m:sub>
                           <m:r>
                             <a:rPr lang="fr-FR" i="1">
+                              <a:highlight>
+                                <a:srgbClr val="FFFF00"/>
+                              </a:highlight>
                               <a:latin typeface="Cambria Math" panose="02040503050406030204" pitchFamily="18" charset="0"/>
                               <a:cs typeface="Times New Roman" panose="02020603050405020304" pitchFamily="18" charset="0"/>
                             </a:rPr>
@@ -7367,6 +7885,9 @@
                       </m:sSub>
                       <m:r>
                         <a:rPr lang="fr-FR" i="1">
+                          <a:highlight>
+                            <a:srgbClr val="FFFF00"/>
+                          </a:highlight>
                           <a:latin typeface="Cambria Math" panose="02040503050406030204" pitchFamily="18" charset="0"/>
                           <a:cs typeface="Times New Roman" panose="02020603050405020304" pitchFamily="18" charset="0"/>
                         </a:rPr>
@@ -7374,6 +7895,9 @@
                       </m:r>
                       <m:r>
                         <a:rPr lang="fr-FR" b="0" i="1" smtClean="0">
+                          <a:highlight>
+                            <a:srgbClr val="FFFF00"/>
+                          </a:highlight>
                           <a:latin typeface="Cambria Math" panose="02040503050406030204" pitchFamily="18" charset="0"/>
                           <a:cs typeface="Times New Roman" panose="02020603050405020304" pitchFamily="18" charset="0"/>
                         </a:rPr>
@@ -7381,6 +7905,9 @@
                       </m:r>
                       <m:r>
                         <a:rPr lang="fr-FR" i="1">
+                          <a:highlight>
+                            <a:srgbClr val="FFFF00"/>
+                          </a:highlight>
                           <a:latin typeface="Cambria Math" panose="02040503050406030204" pitchFamily="18" charset="0"/>
                           <a:cs typeface="Times New Roman" panose="02020603050405020304" pitchFamily="18" charset="0"/>
                         </a:rPr>
@@ -7388,6 +7915,9 @@
                       </m:r>
                       <m:r>
                         <a:rPr lang="fr-FR" i="1">
+                          <a:highlight>
+                            <a:srgbClr val="FFFF00"/>
+                          </a:highlight>
                           <a:latin typeface="Cambria Math" panose="02040503050406030204" pitchFamily="18" charset="0"/>
                           <a:ea typeface="Cambria Math" panose="02040503050406030204" pitchFamily="18" charset="0"/>
                           <a:cs typeface="Times New Roman" panose="02020603050405020304" pitchFamily="18" charset="0"/>
@@ -7407,6 +7937,9 @@
                       </m:r>
                       <m:r>
                         <a:rPr lang="fr-FR" b="0" i="1" smtClean="0">
+                          <a:highlight>
+                            <a:srgbClr val="FFFF00"/>
+                          </a:highlight>
                           <a:latin typeface="Cambria Math" panose="02040503050406030204" pitchFamily="18" charset="0"/>
                           <a:ea typeface="Cambria Math" panose="02040503050406030204" pitchFamily="18" charset="0"/>
                           <a:cs typeface="Times New Roman" panose="02020603050405020304" pitchFamily="18" charset="0"/>
@@ -7415,6 +7948,9 @@
                       </m:r>
                       <m:r>
                         <a:rPr lang="fr-FR" b="0" i="1" smtClean="0">
+                          <a:highlight>
+                            <a:srgbClr val="FFFF00"/>
+                          </a:highlight>
                           <a:latin typeface="Cambria Math" panose="02040503050406030204" pitchFamily="18" charset="0"/>
                           <a:ea typeface="Cambria Math" panose="02040503050406030204" pitchFamily="18" charset="0"/>
                           <a:cs typeface="Times New Roman" panose="02020603050405020304" pitchFamily="18" charset="0"/>
@@ -7424,15 +7960,10 @@
                     </m:oMath>
                   </m:oMathPara>
                 </a14:m>
-                <a:endParaRPr lang="fr-FR" b="0" dirty="0">
-                  <a:latin typeface="Times New Roman" panose="02020603050405020304" pitchFamily="18" charset="0"/>
-                  <a:ea typeface="Cambria Math" panose="02040503050406030204" pitchFamily="18" charset="0"/>
-                  <a:cs typeface="Times New Roman" panose="02020603050405020304" pitchFamily="18" charset="0"/>
-                </a:endParaRPr>
-              </a:p>
-              <a:p>
-                <a:pPr algn="just"/>
                 <a:endParaRPr lang="fr-FR" dirty="0">
+                  <a:highlight>
+                    <a:srgbClr val="FFFF00"/>
+                  </a:highlight>
                   <a:latin typeface="Times New Roman" panose="02020603050405020304" pitchFamily="18" charset="0"/>
                   <a:cs typeface="Times New Roman" panose="02020603050405020304" pitchFamily="18" charset="0"/>
                 </a:endParaRPr>
@@ -7458,7 +7989,7 @@
             <p:spPr>
               <a:xfrm>
                 <a:off x="0" y="627468"/>
-                <a:ext cx="12192000" cy="2379562"/>
+                <a:ext cx="12192000" cy="2124812"/>
               </a:xfrm>
               <a:prstGeom prst="rect">
                 <a:avLst/>
@@ -7466,7 +7997,7 @@
               <a:blipFill>
                 <a:blip r:embed="rId2"/>
                 <a:stretch>
-                  <a:fillRect l="-400" t="-1538" r="-400"/>
+                  <a:fillRect l="-400" t="-1724" r="-400" b="-1724"/>
                 </a:stretch>
               </a:blipFill>
             </p:spPr>
@@ -7475,7 +8006,7 @@
               <a:lstStyle/>
               <a:p>
                 <a:r>
-                  <a:rPr lang="en-GB">
+                  <a:rPr lang="fr-FR">
                     <a:noFill/>
                   </a:rPr>
                   <a:t> </a:t>
@@ -7596,6 +8127,35 @@
           </a:p>
         </p:txBody>
       </p:sp>
+      <p:sp>
+        <p:nvSpPr>
+          <p:cNvPr id="6" name="Slide Number Placeholder 5">
+            <a:extLst>
+              <a:ext uri="{FF2B5EF4-FFF2-40B4-BE49-F238E27FC236}">
+                <a16:creationId xmlns:a16="http://schemas.microsoft.com/office/drawing/2014/main" id="{BC013935-0F2F-AC5B-E6B8-DB2CF634EC31}"/>
+              </a:ext>
+            </a:extLst>
+          </p:cNvPr>
+          <p:cNvSpPr>
+            <a:spLocks noGrp="1"/>
+          </p:cNvSpPr>
+          <p:nvPr>
+            <p:ph type="sldNum" sz="quarter" idx="12"/>
+          </p:nvPr>
+        </p:nvSpPr>
+        <p:spPr/>
+        <p:txBody>
+          <a:bodyPr/>
+          <a:lstStyle/>
+          <a:p>
+            <a:fld id="{74DDA11D-2719-4AB3-AAA7-DB2910A56E08}" type="slidenum">
+              <a:rPr lang="en-GB" smtClean="0"/>
+              <a:t>11</a:t>
+            </a:fld>
+            <a:endParaRPr lang="en-GB"/>
+          </a:p>
+        </p:txBody>
+      </p:sp>
     </p:spTree>
     <p:extLst>
       <p:ext uri="{BB962C8B-B14F-4D97-AF65-F5344CB8AC3E}">
@@ -7609,7 +8169,7 @@
 </p:sld>
 </file>
 
-<file path=ppt/slides/slide11.xml><?xml version="1.0" encoding="utf-8"?>
+<file path=ppt/slides/slide12.xml><?xml version="1.0" encoding="utf-8"?>
 <p:sld xmlns:a="http://schemas.openxmlformats.org/drawingml/2006/main" xmlns:r="http://schemas.openxmlformats.org/officeDocument/2006/relationships" xmlns:p="http://schemas.openxmlformats.org/presentationml/2006/main">
   <p:cSld>
     <p:spTree>
@@ -7780,40 +8340,30 @@
       </p:sp>
       <p:sp>
         <p:nvSpPr>
-          <p:cNvPr id="2" name="TextBox 1">
+          <p:cNvPr id="3" name="Slide Number Placeholder 2">
             <a:extLst>
               <a:ext uri="{FF2B5EF4-FFF2-40B4-BE49-F238E27FC236}">
-                <a16:creationId xmlns:a16="http://schemas.microsoft.com/office/drawing/2014/main" id="{0042AAB7-5C77-4BBB-D2D5-854226AC3ED2}"/>
+                <a16:creationId xmlns:a16="http://schemas.microsoft.com/office/drawing/2014/main" id="{6364B82E-9F18-6C9C-47D7-04F79C973FFD}"/>
               </a:ext>
             </a:extLst>
           </p:cNvPr>
-          <p:cNvSpPr txBox="1"/>
-          <p:nvPr/>
+          <p:cNvSpPr>
+            <a:spLocks noGrp="1"/>
+          </p:cNvSpPr>
+          <p:nvPr>
+            <p:ph type="sldNum" sz="quarter" idx="12"/>
+          </p:nvPr>
         </p:nvSpPr>
-        <p:spPr>
-          <a:xfrm>
-            <a:off x="11091333" y="6550222"/>
-            <a:ext cx="1100667" cy="307777"/>
-          </a:xfrm>
-          <a:prstGeom prst="rect">
-            <a:avLst/>
-          </a:prstGeom>
-          <a:noFill/>
-        </p:spPr>
+        <p:spPr/>
         <p:txBody>
-          <a:bodyPr wrap="square" rtlCol="0">
-            <a:spAutoFit/>
-          </a:bodyPr>
+          <a:bodyPr/>
           <a:lstStyle/>
           <a:p>
-            <a:pPr algn="r"/>
-            <a:r>
-              <a:rPr lang="fr-FR" sz="1400" noProof="0" dirty="0">
-                <a:latin typeface="Times New Roman" panose="02020603050405020304" pitchFamily="18" charset="0"/>
-                <a:cs typeface="Times New Roman" panose="02020603050405020304" pitchFamily="18" charset="0"/>
-              </a:rPr>
-              <a:t>X/Y</a:t>
-            </a:r>
+            <a:fld id="{74DDA11D-2719-4AB3-AAA7-DB2910A56E08}" type="slidenum">
+              <a:rPr lang="en-GB" smtClean="0"/>
+              <a:t>12</a:t>
+            </a:fld>
+            <a:endParaRPr lang="en-GB"/>
           </a:p>
         </p:txBody>
       </p:sp>
@@ -7830,7 +8380,7 @@
 </p:sld>
 </file>
 
-<file path=ppt/slides/slide12.xml><?xml version="1.0" encoding="utf-8"?>
+<file path=ppt/slides/slide13.xml><?xml version="1.0" encoding="utf-8"?>
 <p:sld xmlns:a="http://schemas.openxmlformats.org/drawingml/2006/main" xmlns:r="http://schemas.openxmlformats.org/officeDocument/2006/relationships" xmlns:p="http://schemas.openxmlformats.org/presentationml/2006/main">
   <p:cSld>
     <p:spTree>
@@ -7996,45 +8546,6 @@
           <a:p>
             <a:pPr algn="ctr"/>
             <a:endParaRPr lang="fr-FR" noProof="0" dirty="0"/>
-          </a:p>
-        </p:txBody>
-      </p:sp>
-      <p:sp>
-        <p:nvSpPr>
-          <p:cNvPr id="2" name="TextBox 1">
-            <a:extLst>
-              <a:ext uri="{FF2B5EF4-FFF2-40B4-BE49-F238E27FC236}">
-                <a16:creationId xmlns:a16="http://schemas.microsoft.com/office/drawing/2014/main" id="{0919D1C6-D732-AE82-8C89-94E702263F7C}"/>
-              </a:ext>
-            </a:extLst>
-          </p:cNvPr>
-          <p:cNvSpPr txBox="1"/>
-          <p:nvPr/>
-        </p:nvSpPr>
-        <p:spPr>
-          <a:xfrm>
-            <a:off x="11091333" y="6550222"/>
-            <a:ext cx="1100667" cy="307777"/>
-          </a:xfrm>
-          <a:prstGeom prst="rect">
-            <a:avLst/>
-          </a:prstGeom>
-          <a:noFill/>
-        </p:spPr>
-        <p:txBody>
-          <a:bodyPr wrap="square" rtlCol="0">
-            <a:spAutoFit/>
-          </a:bodyPr>
-          <a:lstStyle/>
-          <a:p>
-            <a:pPr algn="r"/>
-            <a:r>
-              <a:rPr lang="fr-FR" sz="1400" noProof="0" dirty="0">
-                <a:latin typeface="Times New Roman" panose="02020603050405020304" pitchFamily="18" charset="0"/>
-                <a:cs typeface="Times New Roman" panose="02020603050405020304" pitchFamily="18" charset="0"/>
-              </a:rPr>
-              <a:t>X/Y</a:t>
-            </a:r>
           </a:p>
         </p:txBody>
       </p:sp>
@@ -8246,6 +8757,35 @@
           </a:p>
         </p:txBody>
       </p:sp>
+      <p:sp>
+        <p:nvSpPr>
+          <p:cNvPr id="3" name="Slide Number Placeholder 2">
+            <a:extLst>
+              <a:ext uri="{FF2B5EF4-FFF2-40B4-BE49-F238E27FC236}">
+                <a16:creationId xmlns:a16="http://schemas.microsoft.com/office/drawing/2014/main" id="{7AA3A291-34E9-A3C8-B75C-F5D6B39A2618}"/>
+              </a:ext>
+            </a:extLst>
+          </p:cNvPr>
+          <p:cNvSpPr>
+            <a:spLocks noGrp="1"/>
+          </p:cNvSpPr>
+          <p:nvPr>
+            <p:ph type="sldNum" sz="quarter" idx="12"/>
+          </p:nvPr>
+        </p:nvSpPr>
+        <p:spPr/>
+        <p:txBody>
+          <a:bodyPr/>
+          <a:lstStyle/>
+          <a:p>
+            <a:fld id="{74DDA11D-2719-4AB3-AAA7-DB2910A56E08}" type="slidenum">
+              <a:rPr lang="en-GB" smtClean="0"/>
+              <a:t>13</a:t>
+            </a:fld>
+            <a:endParaRPr lang="en-GB"/>
+          </a:p>
+        </p:txBody>
+      </p:sp>
     </p:spTree>
     <p:extLst>
       <p:ext uri="{BB962C8B-B14F-4D97-AF65-F5344CB8AC3E}">
@@ -8259,7 +8799,7 @@
 </p:sld>
 </file>
 
-<file path=ppt/slides/slide13.xml><?xml version="1.0" encoding="utf-8"?>
+<file path=ppt/slides/slide14.xml><?xml version="1.0" encoding="utf-8"?>
 <p:sld xmlns:a="http://schemas.openxmlformats.org/drawingml/2006/main" xmlns:r="http://schemas.openxmlformats.org/officeDocument/2006/relationships" xmlns:p="http://schemas.openxmlformats.org/presentationml/2006/main">
   <p:cSld>
     <p:spTree>
@@ -8328,6 +8868,35 @@
           </a:p>
         </p:txBody>
       </p:sp>
+      <p:sp>
+        <p:nvSpPr>
+          <p:cNvPr id="3" name="Slide Number Placeholder 2">
+            <a:extLst>
+              <a:ext uri="{FF2B5EF4-FFF2-40B4-BE49-F238E27FC236}">
+                <a16:creationId xmlns:a16="http://schemas.microsoft.com/office/drawing/2014/main" id="{65AC614A-8A89-E8B7-6955-1CCBC90F8AB0}"/>
+              </a:ext>
+            </a:extLst>
+          </p:cNvPr>
+          <p:cNvSpPr>
+            <a:spLocks noGrp="1"/>
+          </p:cNvSpPr>
+          <p:nvPr>
+            <p:ph type="sldNum" sz="quarter" idx="12"/>
+          </p:nvPr>
+        </p:nvSpPr>
+        <p:spPr/>
+        <p:txBody>
+          <a:bodyPr/>
+          <a:lstStyle/>
+          <a:p>
+            <a:fld id="{74DDA11D-2719-4AB3-AAA7-DB2910A56E08}" type="slidenum">
+              <a:rPr lang="en-GB" smtClean="0"/>
+              <a:t>14</a:t>
+            </a:fld>
+            <a:endParaRPr lang="en-GB"/>
+          </a:p>
+        </p:txBody>
+      </p:sp>
     </p:spTree>
     <p:extLst>
       <p:ext uri="{BB962C8B-B14F-4D97-AF65-F5344CB8AC3E}">
@@ -8341,7 +8910,7 @@
 </p:sld>
 </file>
 
-<file path=ppt/slides/slide14.xml><?xml version="1.0" encoding="utf-8"?>
+<file path=ppt/slides/slide15.xml><?xml version="1.0" encoding="utf-8"?>
 <p:sld xmlns:a="http://schemas.openxmlformats.org/drawingml/2006/main" xmlns:r="http://schemas.openxmlformats.org/officeDocument/2006/relationships" xmlns:p="http://schemas.openxmlformats.org/presentationml/2006/main">
   <p:cSld>
     <p:spTree>
@@ -11981,6 +12550,35 @@
           </a:p>
         </p:txBody>
       </p:sp>
+      <p:sp>
+        <p:nvSpPr>
+          <p:cNvPr id="11" name="Slide Number Placeholder 10">
+            <a:extLst>
+              <a:ext uri="{FF2B5EF4-FFF2-40B4-BE49-F238E27FC236}">
+                <a16:creationId xmlns:a16="http://schemas.microsoft.com/office/drawing/2014/main" id="{FD5807FF-9777-EC2B-4AB8-7081F17A19C6}"/>
+              </a:ext>
+            </a:extLst>
+          </p:cNvPr>
+          <p:cNvSpPr>
+            <a:spLocks noGrp="1"/>
+          </p:cNvSpPr>
+          <p:nvPr>
+            <p:ph type="sldNum" sz="quarter" idx="12"/>
+          </p:nvPr>
+        </p:nvSpPr>
+        <p:spPr/>
+        <p:txBody>
+          <a:bodyPr/>
+          <a:lstStyle/>
+          <a:p>
+            <a:fld id="{74DDA11D-2719-4AB3-AAA7-DB2910A56E08}" type="slidenum">
+              <a:rPr lang="en-GB" smtClean="0"/>
+              <a:t>15</a:t>
+            </a:fld>
+            <a:endParaRPr lang="en-GB"/>
+          </a:p>
+        </p:txBody>
+      </p:sp>
     </p:spTree>
     <p:extLst>
       <p:ext uri="{BB962C8B-B14F-4D97-AF65-F5344CB8AC3E}">
@@ -11994,7 +12592,7 @@
 </p:sld>
 </file>
 
-<file path=ppt/slides/slide15.xml><?xml version="1.0" encoding="utf-8"?>
+<file path=ppt/slides/slide16.xml><?xml version="1.0" encoding="utf-8"?>
 <p:sld xmlns:a="http://schemas.openxmlformats.org/drawingml/2006/main" xmlns:r="http://schemas.openxmlformats.org/officeDocument/2006/relationships" xmlns:p="http://schemas.openxmlformats.org/presentationml/2006/main">
   <p:cSld>
     <p:spTree>
@@ -13956,6 +14554,35 @@
           </a:p>
         </p:txBody>
       </p:sp>
+      <p:sp>
+        <p:nvSpPr>
+          <p:cNvPr id="13" name="Slide Number Placeholder 12">
+            <a:extLst>
+              <a:ext uri="{FF2B5EF4-FFF2-40B4-BE49-F238E27FC236}">
+                <a16:creationId xmlns:a16="http://schemas.microsoft.com/office/drawing/2014/main" id="{FE5FF114-A05A-D417-7A7E-82435EB9C34E}"/>
+              </a:ext>
+            </a:extLst>
+          </p:cNvPr>
+          <p:cNvSpPr>
+            <a:spLocks noGrp="1"/>
+          </p:cNvSpPr>
+          <p:nvPr>
+            <p:ph type="sldNum" sz="quarter" idx="12"/>
+          </p:nvPr>
+        </p:nvSpPr>
+        <p:spPr/>
+        <p:txBody>
+          <a:bodyPr/>
+          <a:lstStyle/>
+          <a:p>
+            <a:fld id="{74DDA11D-2719-4AB3-AAA7-DB2910A56E08}" type="slidenum">
+              <a:rPr lang="en-GB" smtClean="0"/>
+              <a:t>16</a:t>
+            </a:fld>
+            <a:endParaRPr lang="en-GB"/>
+          </a:p>
+        </p:txBody>
+      </p:sp>
     </p:spTree>
     <p:extLst>
       <p:ext uri="{BB962C8B-B14F-4D97-AF65-F5344CB8AC3E}">
@@ -13969,7 +14596,7 @@
 </p:sld>
 </file>
 
-<file path=ppt/slides/slide16.xml><?xml version="1.0" encoding="utf-8"?>
+<file path=ppt/slides/slide17.xml><?xml version="1.0" encoding="utf-8"?>
 <p:sld xmlns:a="http://schemas.openxmlformats.org/drawingml/2006/main" xmlns:r="http://schemas.openxmlformats.org/officeDocument/2006/relationships" xmlns:p="http://schemas.openxmlformats.org/presentationml/2006/main">
   <p:cSld>
     <p:spTree>
@@ -17463,6 +18090,35 @@
           </a:p>
         </p:txBody>
       </p:sp>
+      <p:sp>
+        <p:nvSpPr>
+          <p:cNvPr id="4" name="Slide Number Placeholder 3">
+            <a:extLst>
+              <a:ext uri="{FF2B5EF4-FFF2-40B4-BE49-F238E27FC236}">
+                <a16:creationId xmlns:a16="http://schemas.microsoft.com/office/drawing/2014/main" id="{216EA1A2-E9A1-71C7-FDDC-0650B34A900F}"/>
+              </a:ext>
+            </a:extLst>
+          </p:cNvPr>
+          <p:cNvSpPr>
+            <a:spLocks noGrp="1"/>
+          </p:cNvSpPr>
+          <p:nvPr>
+            <p:ph type="sldNum" sz="quarter" idx="12"/>
+          </p:nvPr>
+        </p:nvSpPr>
+        <p:spPr/>
+        <p:txBody>
+          <a:bodyPr/>
+          <a:lstStyle/>
+          <a:p>
+            <a:fld id="{74DDA11D-2719-4AB3-AAA7-DB2910A56E08}" type="slidenum">
+              <a:rPr lang="en-GB" smtClean="0"/>
+              <a:t>17</a:t>
+            </a:fld>
+            <a:endParaRPr lang="en-GB"/>
+          </a:p>
+        </p:txBody>
+      </p:sp>
     </p:spTree>
     <p:extLst>
       <p:ext uri="{BB962C8B-B14F-4D97-AF65-F5344CB8AC3E}">
@@ -17476,7 +18132,7 @@
 </p:sld>
 </file>
 
-<file path=ppt/slides/slide17.xml><?xml version="1.0" encoding="utf-8"?>
+<file path=ppt/slides/slide18.xml><?xml version="1.0" encoding="utf-8"?>
 <p:sld xmlns:a="http://schemas.openxmlformats.org/drawingml/2006/main" xmlns:r="http://schemas.openxmlformats.org/officeDocument/2006/relationships" xmlns:p="http://schemas.openxmlformats.org/presentationml/2006/main">
   <p:cSld>
     <p:spTree>
@@ -22790,6 +23446,35 @@
           </a:p>
         </p:txBody>
       </p:sp>
+      <p:sp>
+        <p:nvSpPr>
+          <p:cNvPr id="18" name="Slide Number Placeholder 17">
+            <a:extLst>
+              <a:ext uri="{FF2B5EF4-FFF2-40B4-BE49-F238E27FC236}">
+                <a16:creationId xmlns:a16="http://schemas.microsoft.com/office/drawing/2014/main" id="{50877A58-33F6-98E8-C9A0-141D3C55DBBA}"/>
+              </a:ext>
+            </a:extLst>
+          </p:cNvPr>
+          <p:cNvSpPr>
+            <a:spLocks noGrp="1"/>
+          </p:cNvSpPr>
+          <p:nvPr>
+            <p:ph type="sldNum" sz="quarter" idx="12"/>
+          </p:nvPr>
+        </p:nvSpPr>
+        <p:spPr/>
+        <p:txBody>
+          <a:bodyPr/>
+          <a:lstStyle/>
+          <a:p>
+            <a:fld id="{74DDA11D-2719-4AB3-AAA7-DB2910A56E08}" type="slidenum">
+              <a:rPr lang="en-GB" smtClean="0"/>
+              <a:t>18</a:t>
+            </a:fld>
+            <a:endParaRPr lang="en-GB"/>
+          </a:p>
+        </p:txBody>
+      </p:sp>
     </p:spTree>
     <p:extLst>
       <p:ext uri="{BB962C8B-B14F-4D97-AF65-F5344CB8AC3E}">
@@ -22803,7 +23488,7 @@
 </p:sld>
 </file>
 
-<file path=ppt/slides/slide18.xml><?xml version="1.0" encoding="utf-8"?>
+<file path=ppt/slides/slide19.xml><?xml version="1.0" encoding="utf-8"?>
 <p:sld xmlns:a="http://schemas.openxmlformats.org/drawingml/2006/main" xmlns:r="http://schemas.openxmlformats.org/officeDocument/2006/relationships" xmlns:p="http://schemas.openxmlformats.org/presentationml/2006/main">
   <p:cSld>
     <p:spTree>
@@ -23458,6 +24143,35 @@
           </a:p>
         </p:txBody>
       </p:sp>
+      <p:sp>
+        <p:nvSpPr>
+          <p:cNvPr id="7" name="Slide Number Placeholder 6">
+            <a:extLst>
+              <a:ext uri="{FF2B5EF4-FFF2-40B4-BE49-F238E27FC236}">
+                <a16:creationId xmlns:a16="http://schemas.microsoft.com/office/drawing/2014/main" id="{DC6AB43A-34C0-24F2-AFA9-CA1BA5DFC330}"/>
+              </a:ext>
+            </a:extLst>
+          </p:cNvPr>
+          <p:cNvSpPr>
+            <a:spLocks noGrp="1"/>
+          </p:cNvSpPr>
+          <p:nvPr>
+            <p:ph type="sldNum" sz="quarter" idx="12"/>
+          </p:nvPr>
+        </p:nvSpPr>
+        <p:spPr/>
+        <p:txBody>
+          <a:bodyPr/>
+          <a:lstStyle/>
+          <a:p>
+            <a:fld id="{74DDA11D-2719-4AB3-AAA7-DB2910A56E08}" type="slidenum">
+              <a:rPr lang="en-GB" smtClean="0"/>
+              <a:t>19</a:t>
+            </a:fld>
+            <a:endParaRPr lang="en-GB"/>
+          </a:p>
+        </p:txBody>
+      </p:sp>
     </p:spTree>
     <p:extLst>
       <p:ext uri="{BB962C8B-B14F-4D97-AF65-F5344CB8AC3E}">
@@ -23471,7 +24185,1305 @@
 </p:sld>
 </file>
 
-<file path=ppt/slides/slide19.xml><?xml version="1.0" encoding="utf-8"?>
+<file path=ppt/slides/slide2.xml><?xml version="1.0" encoding="utf-8"?>
+<p:sld xmlns:a="http://schemas.openxmlformats.org/drawingml/2006/main" xmlns:r="http://schemas.openxmlformats.org/officeDocument/2006/relationships" xmlns:p="http://schemas.openxmlformats.org/presentationml/2006/main">
+  <p:cSld>
+    <p:spTree>
+      <p:nvGrpSpPr>
+        <p:cNvPr id="1" name="">
+          <a:extLst>
+            <a:ext uri="{FF2B5EF4-FFF2-40B4-BE49-F238E27FC236}">
+              <a16:creationId xmlns:a16="http://schemas.microsoft.com/office/drawing/2014/main" id="{6FB6CDBB-D326-9C9C-945A-FF24B3B8C109}"/>
+            </a:ext>
+          </a:extLst>
+        </p:cNvPr>
+        <p:cNvGrpSpPr/>
+        <p:nvPr/>
+      </p:nvGrpSpPr>
+      <p:grpSpPr>
+        <a:xfrm>
+          <a:off x="0" y="0"/>
+          <a:ext cx="0" cy="0"/>
+          <a:chOff x="0" y="0"/>
+          <a:chExt cx="0" cy="0"/>
+        </a:xfrm>
+      </p:grpSpPr>
+      <p:sp>
+        <p:nvSpPr>
+          <p:cNvPr id="36" name="Rectangle 35">
+            <a:extLst>
+              <a:ext uri="{FF2B5EF4-FFF2-40B4-BE49-F238E27FC236}">
+                <a16:creationId xmlns:a16="http://schemas.microsoft.com/office/drawing/2014/main" id="{2C2B60A1-0B89-3546-D8C8-0D44097F35C2}"/>
+              </a:ext>
+            </a:extLst>
+          </p:cNvPr>
+          <p:cNvSpPr/>
+          <p:nvPr/>
+        </p:nvSpPr>
+        <p:spPr>
+          <a:xfrm>
+            <a:off x="1" y="-990"/>
+            <a:ext cx="6096000" cy="501017"/>
+          </a:xfrm>
+          <a:prstGeom prst="rect">
+            <a:avLst/>
+          </a:prstGeom>
+          <a:solidFill>
+            <a:srgbClr val="980000"/>
+          </a:solidFill>
+          <a:ln>
+            <a:noFill/>
+          </a:ln>
+        </p:spPr>
+        <p:style>
+          <a:lnRef idx="2">
+            <a:schemeClr val="accent1">
+              <a:shade val="15000"/>
+            </a:schemeClr>
+          </a:lnRef>
+          <a:fillRef idx="1">
+            <a:schemeClr val="accent1"/>
+          </a:fillRef>
+          <a:effectRef idx="0">
+            <a:schemeClr val="accent1"/>
+          </a:effectRef>
+          <a:fontRef idx="minor">
+            <a:schemeClr val="lt1"/>
+          </a:fontRef>
+        </p:style>
+        <p:txBody>
+          <a:bodyPr rtlCol="0" anchor="ctr"/>
+          <a:lstStyle/>
+          <a:p>
+            <a:pPr algn="ctr"/>
+            <a:endParaRPr lang="fr-FR" noProof="0" dirty="0"/>
+          </a:p>
+        </p:txBody>
+      </p:sp>
+      <p:sp>
+        <p:nvSpPr>
+          <p:cNvPr id="9" name="TextBox 8">
+            <a:extLst>
+              <a:ext uri="{FF2B5EF4-FFF2-40B4-BE49-F238E27FC236}">
+                <a16:creationId xmlns:a16="http://schemas.microsoft.com/office/drawing/2014/main" id="{6E9846D3-47A3-2AE6-6383-AB77CC5B517E}"/>
+              </a:ext>
+            </a:extLst>
+          </p:cNvPr>
+          <p:cNvSpPr txBox="1"/>
+          <p:nvPr/>
+        </p:nvSpPr>
+        <p:spPr>
+          <a:xfrm>
+            <a:off x="0" y="-990"/>
+            <a:ext cx="5568381" cy="461665"/>
+          </a:xfrm>
+          <a:prstGeom prst="rect">
+            <a:avLst/>
+          </a:prstGeom>
+          <a:noFill/>
+        </p:spPr>
+        <p:txBody>
+          <a:bodyPr wrap="square" rtlCol="0">
+            <a:spAutoFit/>
+          </a:bodyPr>
+          <a:lstStyle/>
+          <a:p>
+            <a:pPr algn="just"/>
+            <a:r>
+              <a:rPr lang="fr-FR" sz="2400" b="1" dirty="0">
+                <a:solidFill>
+                  <a:schemeClr val="bg1"/>
+                </a:solidFill>
+                <a:latin typeface="Times New Roman" panose="02020603050405020304" pitchFamily="18" charset="0"/>
+                <a:cs typeface="Times New Roman" panose="02020603050405020304" pitchFamily="18" charset="0"/>
+              </a:rPr>
+              <a:t>INTRODUCTION</a:t>
+            </a:r>
+            <a:endParaRPr lang="fr-FR" sz="2400" b="1" noProof="0" dirty="0">
+              <a:solidFill>
+                <a:schemeClr val="bg1"/>
+              </a:solidFill>
+              <a:latin typeface="Times New Roman" panose="02020603050405020304" pitchFamily="18" charset="0"/>
+              <a:cs typeface="Times New Roman" panose="02020603050405020304" pitchFamily="18" charset="0"/>
+            </a:endParaRPr>
+          </a:p>
+        </p:txBody>
+      </p:sp>
+      <p:sp>
+        <p:nvSpPr>
+          <p:cNvPr id="39" name="Rectangle 38">
+            <a:extLst>
+              <a:ext uri="{FF2B5EF4-FFF2-40B4-BE49-F238E27FC236}">
+                <a16:creationId xmlns:a16="http://schemas.microsoft.com/office/drawing/2014/main" id="{AECA565B-75E5-1F68-434E-112D93E38360}"/>
+              </a:ext>
+            </a:extLst>
+          </p:cNvPr>
+          <p:cNvSpPr/>
+          <p:nvPr/>
+        </p:nvSpPr>
+        <p:spPr>
+          <a:xfrm>
+            <a:off x="6096000" y="0"/>
+            <a:ext cx="6096000" cy="501017"/>
+          </a:xfrm>
+          <a:prstGeom prst="rect">
+            <a:avLst/>
+          </a:prstGeom>
+          <a:solidFill>
+            <a:srgbClr val="D9D9D9"/>
+          </a:solidFill>
+          <a:ln>
+            <a:noFill/>
+          </a:ln>
+        </p:spPr>
+        <p:style>
+          <a:lnRef idx="2">
+            <a:schemeClr val="accent1">
+              <a:shade val="15000"/>
+            </a:schemeClr>
+          </a:lnRef>
+          <a:fillRef idx="1">
+            <a:schemeClr val="accent1"/>
+          </a:fillRef>
+          <a:effectRef idx="0">
+            <a:schemeClr val="accent1"/>
+          </a:effectRef>
+          <a:fontRef idx="minor">
+            <a:schemeClr val="lt1"/>
+          </a:fontRef>
+        </p:style>
+        <p:txBody>
+          <a:bodyPr rtlCol="0" anchor="ctr"/>
+          <a:lstStyle/>
+          <a:p>
+            <a:pPr algn="ctr"/>
+            <a:endParaRPr lang="fr-FR" noProof="0" dirty="0"/>
+          </a:p>
+        </p:txBody>
+      </p:sp>
+      <mc:AlternateContent xmlns:mc="http://schemas.openxmlformats.org/markup-compatibility/2006" xmlns:a14="http://schemas.microsoft.com/office/drawing/2010/main">
+        <mc:Choice Requires="a14">
+          <p:sp>
+            <p:nvSpPr>
+              <p:cNvPr id="11" name="TextBox 10">
+                <a:extLst>
+                  <a:ext uri="{FF2B5EF4-FFF2-40B4-BE49-F238E27FC236}">
+                    <a16:creationId xmlns:a16="http://schemas.microsoft.com/office/drawing/2014/main" id="{072A0C86-E46F-7872-4F73-D0C64405F9A7}"/>
+                  </a:ext>
+                </a:extLst>
+              </p:cNvPr>
+              <p:cNvSpPr txBox="1"/>
+              <p:nvPr/>
+            </p:nvSpPr>
+            <p:spPr>
+              <a:xfrm>
+                <a:off x="0" y="627468"/>
+                <a:ext cx="12192000" cy="923330"/>
+              </a:xfrm>
+              <a:prstGeom prst="rect">
+                <a:avLst/>
+              </a:prstGeom>
+              <a:noFill/>
+            </p:spPr>
+            <p:txBody>
+              <a:bodyPr wrap="square" rtlCol="0">
+                <a:spAutoFit/>
+              </a:bodyPr>
+              <a:lstStyle/>
+              <a:p>
+                <a:pPr algn="just"/>
+                <a:r>
+                  <a:rPr lang="fr-FR" noProof="0" dirty="0">
+                    <a:latin typeface="Times New Roman" panose="02020603050405020304" pitchFamily="18" charset="0"/>
+                    <a:cs typeface="Times New Roman" panose="02020603050405020304" pitchFamily="18" charset="0"/>
+                  </a:rPr>
+                  <a:t>Dans le cadre d’un précédent</a:t>
+                </a:r>
+                <a:r>
+                  <a:rPr lang="fr-FR" dirty="0">
+                    <a:latin typeface="Times New Roman" panose="02020603050405020304" pitchFamily="18" charset="0"/>
+                    <a:cs typeface="Times New Roman" panose="02020603050405020304" pitchFamily="18" charset="0"/>
+                  </a:rPr>
+                  <a:t>t projet, une orthèse d’avant-bras fut étudiée dans le but de pouvoir </a:t>
+                </a:r>
+                <a:r>
+                  <a:rPr lang="fr-FR" b="1" dirty="0">
+                    <a:latin typeface="Times New Roman" panose="02020603050405020304" pitchFamily="18" charset="0"/>
+                    <a:cs typeface="Times New Roman" panose="02020603050405020304" pitchFamily="18" charset="0"/>
+                  </a:rPr>
+                  <a:t>l’optimiser topologiquement</a:t>
+                </a:r>
+                <a:r>
+                  <a:rPr lang="fr-FR" dirty="0">
+                    <a:latin typeface="Times New Roman" panose="02020603050405020304" pitchFamily="18" charset="0"/>
+                    <a:cs typeface="Times New Roman" panose="02020603050405020304" pitchFamily="18" charset="0"/>
+                  </a:rPr>
+                  <a:t>. L’optimisation topologique à pour but de retirer de la matière de manière intelligente afin de modifier le moins possible les critères imposés (ici le déplacement maximale </a:t>
+                </a:r>
+                <a14:m>
+                  <m:oMath xmlns:m="http://schemas.openxmlformats.org/officeDocument/2006/math">
+                    <m:sSub>
+                      <m:sSubPr>
+                        <m:ctrlPr>
+                          <a:rPr lang="fr-FR" b="0" i="1" smtClean="0">
+                            <a:latin typeface="Cambria Math" panose="02040503050406030204" pitchFamily="18" charset="0"/>
+                            <a:cs typeface="Times New Roman" panose="02020603050405020304" pitchFamily="18" charset="0"/>
+                          </a:rPr>
+                        </m:ctrlPr>
+                      </m:sSubPr>
+                      <m:e>
+                        <m:r>
+                          <a:rPr lang="fr-FR" b="0" i="1" smtClean="0">
+                            <a:latin typeface="Cambria Math" panose="02040503050406030204" pitchFamily="18" charset="0"/>
+                            <a:cs typeface="Times New Roman" panose="02020603050405020304" pitchFamily="18" charset="0"/>
+                          </a:rPr>
+                          <m:t>𝑢</m:t>
+                        </m:r>
+                      </m:e>
+                      <m:sub>
+                        <m:r>
+                          <a:rPr lang="fr-FR" b="0" i="1" smtClean="0">
+                            <a:latin typeface="Cambria Math" panose="02040503050406030204" pitchFamily="18" charset="0"/>
+                            <a:cs typeface="Times New Roman" panose="02020603050405020304" pitchFamily="18" charset="0"/>
+                          </a:rPr>
+                          <m:t>𝑚𝑎𝑥</m:t>
+                        </m:r>
+                      </m:sub>
+                    </m:sSub>
+                  </m:oMath>
+                </a14:m>
+                <a:r>
+                  <a:rPr lang="fr-FR" dirty="0">
+                    <a:latin typeface="Times New Roman" panose="02020603050405020304" pitchFamily="18" charset="0"/>
+                    <a:cs typeface="Times New Roman" panose="02020603050405020304" pitchFamily="18" charset="0"/>
+                  </a:rPr>
+                  <a:t>). </a:t>
+                </a:r>
+                <a:endParaRPr lang="fr-FR" noProof="0" dirty="0">
+                  <a:latin typeface="Times New Roman" panose="02020603050405020304" pitchFamily="18" charset="0"/>
+                  <a:cs typeface="Times New Roman" panose="02020603050405020304" pitchFamily="18" charset="0"/>
+                </a:endParaRPr>
+              </a:p>
+            </p:txBody>
+          </p:sp>
+        </mc:Choice>
+        <mc:Fallback xmlns="">
+          <p:sp>
+            <p:nvSpPr>
+              <p:cNvPr id="11" name="TextBox 10">
+                <a:extLst>
+                  <a:ext uri="{FF2B5EF4-FFF2-40B4-BE49-F238E27FC236}">
+                    <a16:creationId xmlns:a16="http://schemas.microsoft.com/office/drawing/2014/main" id="{072A0C86-E46F-7872-4F73-D0C64405F9A7}"/>
+                  </a:ext>
+                </a:extLst>
+              </p:cNvPr>
+              <p:cNvSpPr txBox="1">
+                <a:spLocks noRot="1" noChangeAspect="1" noMove="1" noResize="1" noEditPoints="1" noAdjustHandles="1" noChangeArrowheads="1" noChangeShapeType="1" noTextEdit="1"/>
+              </p:cNvSpPr>
+              <p:nvPr/>
+            </p:nvSpPr>
+            <p:spPr>
+              <a:xfrm>
+                <a:off x="0" y="627468"/>
+                <a:ext cx="12192000" cy="923330"/>
+              </a:xfrm>
+              <a:prstGeom prst="rect">
+                <a:avLst/>
+              </a:prstGeom>
+              <a:blipFill>
+                <a:blip r:embed="rId3"/>
+                <a:stretch>
+                  <a:fillRect l="-400" t="-3974" r="-400" b="-9934"/>
+                </a:stretch>
+              </a:blipFill>
+            </p:spPr>
+            <p:txBody>
+              <a:bodyPr/>
+              <a:lstStyle/>
+              <a:p>
+                <a:r>
+                  <a:rPr lang="en-GB">
+                    <a:noFill/>
+                  </a:rPr>
+                  <a:t> </a:t>
+                </a:r>
+              </a:p>
+            </p:txBody>
+          </p:sp>
+        </mc:Fallback>
+      </mc:AlternateContent>
+      <p:sp>
+        <p:nvSpPr>
+          <p:cNvPr id="28" name="TextBox 27">
+            <a:extLst>
+              <a:ext uri="{FF2B5EF4-FFF2-40B4-BE49-F238E27FC236}">
+                <a16:creationId xmlns:a16="http://schemas.microsoft.com/office/drawing/2014/main" id="{A3F4CAB7-21CC-3B13-8827-56C233CE43A0}"/>
+              </a:ext>
+            </a:extLst>
+          </p:cNvPr>
+          <p:cNvSpPr txBox="1"/>
+          <p:nvPr/>
+        </p:nvSpPr>
+        <p:spPr>
+          <a:xfrm>
+            <a:off x="0" y="1550798"/>
+            <a:ext cx="12192000" cy="369332"/>
+          </a:xfrm>
+          <a:prstGeom prst="rect">
+            <a:avLst/>
+          </a:prstGeom>
+          <a:noFill/>
+        </p:spPr>
+        <p:txBody>
+          <a:bodyPr wrap="square" rtlCol="0">
+            <a:spAutoFit/>
+          </a:bodyPr>
+          <a:lstStyle/>
+          <a:p>
+            <a:pPr marL="285750" indent="-285750" algn="just">
+              <a:buFont typeface="Wingdings" panose="05000000000000000000" pitchFamily="2" charset="2"/>
+              <a:buChar char="§"/>
+            </a:pPr>
+            <a:r>
+              <a:rPr lang="fr-FR" b="1" noProof="0" dirty="0">
+                <a:latin typeface="Times New Roman" panose="02020603050405020304" pitchFamily="18" charset="0"/>
+                <a:cs typeface="Times New Roman" panose="02020603050405020304" pitchFamily="18" charset="0"/>
+              </a:rPr>
+              <a:t>Critère mathématique d’optimisation </a:t>
+            </a:r>
+            <a:r>
+              <a:rPr lang="fr-FR" noProof="0" dirty="0">
+                <a:latin typeface="Times New Roman" panose="02020603050405020304" pitchFamily="18" charset="0"/>
+                <a:cs typeface="Times New Roman" panose="02020603050405020304" pitchFamily="18" charset="0"/>
+              </a:rPr>
+              <a:t>: </a:t>
+            </a:r>
+          </a:p>
+        </p:txBody>
+      </p:sp>
+      <mc:AlternateContent xmlns:mc="http://schemas.openxmlformats.org/markup-compatibility/2006" xmlns:a14="http://schemas.microsoft.com/office/drawing/2010/main">
+        <mc:Choice Requires="a14">
+          <p:sp>
+            <p:nvSpPr>
+              <p:cNvPr id="29" name="TextBox 28">
+                <a:extLst>
+                  <a:ext uri="{FF2B5EF4-FFF2-40B4-BE49-F238E27FC236}">
+                    <a16:creationId xmlns:a16="http://schemas.microsoft.com/office/drawing/2014/main" id="{16F0C38C-ADF0-05C8-AB97-6D861D171C8A}"/>
+                  </a:ext>
+                </a:extLst>
+              </p:cNvPr>
+              <p:cNvSpPr txBox="1"/>
+              <p:nvPr/>
+            </p:nvSpPr>
+            <p:spPr>
+              <a:xfrm>
+                <a:off x="340534" y="1920130"/>
+                <a:ext cx="11851465" cy="760465"/>
+              </a:xfrm>
+              <a:prstGeom prst="rect">
+                <a:avLst/>
+              </a:prstGeom>
+              <a:noFill/>
+            </p:spPr>
+            <p:txBody>
+              <a:bodyPr wrap="square" rtlCol="0">
+                <a:spAutoFit/>
+              </a:bodyPr>
+              <a:lstStyle/>
+              <a:p>
+                <a:r>
+                  <a:rPr lang="fr-FR" noProof="0" dirty="0">
+                    <a:latin typeface="Times New Roman" panose="02020603050405020304" pitchFamily="18" charset="0"/>
+                    <a:cs typeface="Times New Roman" panose="02020603050405020304" pitchFamily="18" charset="0"/>
+                  </a:rPr>
+                  <a:t>Minimiser </a:t>
+                </a:r>
+                <a14:m>
+                  <m:oMath xmlns:m="http://schemas.openxmlformats.org/officeDocument/2006/math">
+                    <m:r>
+                      <a:rPr lang="fr-FR" i="1" noProof="0" smtClean="0">
+                        <a:latin typeface="Cambria Math" panose="02040503050406030204" pitchFamily="18" charset="0"/>
+                        <a:ea typeface="Cambria Math" panose="02040503050406030204" pitchFamily="18" charset="0"/>
+                        <a:cs typeface="Times New Roman" panose="02020603050405020304" pitchFamily="18" charset="0"/>
+                      </a:rPr>
+                      <m:t>𝜌</m:t>
+                    </m:r>
+                  </m:oMath>
+                </a14:m>
+                <a:r>
+                  <a:rPr lang="fr-FR" noProof="0" dirty="0">
+                    <a:latin typeface="Times New Roman" panose="02020603050405020304" pitchFamily="18" charset="0"/>
+                    <a:cs typeface="Times New Roman" panose="02020603050405020304" pitchFamily="18" charset="0"/>
+                  </a:rPr>
+                  <a:t> (masse) et </a:t>
+                </a:r>
+                <a14:m>
+                  <m:oMath xmlns:m="http://schemas.openxmlformats.org/officeDocument/2006/math">
+                    <m:nary>
+                      <m:naryPr>
+                        <m:limLoc m:val="undOvr"/>
+                        <m:ctrlPr>
+                          <a:rPr lang="fr-FR" i="1" noProof="0" dirty="0" smtClean="0">
+                            <a:latin typeface="Cambria Math" panose="02040503050406030204" pitchFamily="18" charset="0"/>
+                            <a:cs typeface="Times New Roman" panose="02020603050405020304" pitchFamily="18" charset="0"/>
+                          </a:rPr>
+                        </m:ctrlPr>
+                      </m:naryPr>
+                      <m:sub>
+                        <m:r>
+                          <a:rPr lang="fr-FR" i="1" noProof="0" dirty="0" smtClean="0">
+                            <a:latin typeface="Cambria Math" panose="02040503050406030204" pitchFamily="18" charset="0"/>
+                          </a:rPr>
+                          <m:t>𝛺</m:t>
+                        </m:r>
+                      </m:sub>
+                      <m:sup>
+                        <m:r>
+                          <a:rPr lang="fr-FR" b="0" i="1" noProof="0" dirty="0" smtClean="0">
+                            <a:latin typeface="Cambria Math" panose="02040503050406030204" pitchFamily="18" charset="0"/>
+                            <a:cs typeface="Times New Roman" panose="02020603050405020304" pitchFamily="18" charset="0"/>
+                          </a:rPr>
+                          <m:t> </m:t>
+                        </m:r>
+                      </m:sup>
+                      <m:e>
+                        <m:f>
+                          <m:fPr>
+                            <m:ctrlPr>
+                              <a:rPr lang="fr-FR" b="0" i="1" noProof="0" dirty="0" smtClean="0">
+                                <a:latin typeface="Cambria Math" panose="02040503050406030204" pitchFamily="18" charset="0"/>
+                                <a:cs typeface="Times New Roman" panose="02020603050405020304" pitchFamily="18" charset="0"/>
+                              </a:rPr>
+                            </m:ctrlPr>
+                          </m:fPr>
+                          <m:num>
+                            <m:r>
+                              <a:rPr lang="fr-FR" b="0" i="1" noProof="0" dirty="0" smtClean="0">
+                                <a:latin typeface="Cambria Math" panose="02040503050406030204" pitchFamily="18" charset="0"/>
+                                <a:cs typeface="Times New Roman" panose="02020603050405020304" pitchFamily="18" charset="0"/>
+                              </a:rPr>
+                              <m:t>1</m:t>
+                            </m:r>
+                          </m:num>
+                          <m:den>
+                            <m:r>
+                              <a:rPr lang="fr-FR" b="0" i="1" noProof="0" dirty="0" smtClean="0">
+                                <a:latin typeface="Cambria Math" panose="02040503050406030204" pitchFamily="18" charset="0"/>
+                                <a:cs typeface="Times New Roman" panose="02020603050405020304" pitchFamily="18" charset="0"/>
+                              </a:rPr>
+                              <m:t>2</m:t>
+                            </m:r>
+                          </m:den>
+                        </m:f>
+                        <m:sSub>
+                          <m:sSubPr>
+                            <m:ctrlPr>
+                              <a:rPr lang="fr-FR" b="0" i="1" noProof="0" dirty="0" smtClean="0">
+                                <a:latin typeface="Cambria Math" panose="02040503050406030204" pitchFamily="18" charset="0"/>
+                                <a:ea typeface="Cambria Math" panose="02040503050406030204" pitchFamily="18" charset="0"/>
+                                <a:cs typeface="Times New Roman" panose="02020603050405020304" pitchFamily="18" charset="0"/>
+                              </a:rPr>
+                            </m:ctrlPr>
+                          </m:sSubPr>
+                          <m:e>
+                            <m:r>
+                              <a:rPr lang="fr-FR" b="0" i="1" noProof="0" dirty="0" smtClean="0">
+                                <a:latin typeface="Cambria Math" panose="02040503050406030204" pitchFamily="18" charset="0"/>
+                                <a:ea typeface="Cambria Math" panose="02040503050406030204" pitchFamily="18" charset="0"/>
+                                <a:cs typeface="Times New Roman" panose="02020603050405020304" pitchFamily="18" charset="0"/>
+                              </a:rPr>
+                              <m:t>𝜎</m:t>
+                            </m:r>
+                          </m:e>
+                          <m:sub>
+                            <m:r>
+                              <a:rPr lang="fr-FR" b="0" i="1" noProof="0" dirty="0" smtClean="0">
+                                <a:latin typeface="Cambria Math" panose="02040503050406030204" pitchFamily="18" charset="0"/>
+                                <a:ea typeface="Cambria Math" panose="02040503050406030204" pitchFamily="18" charset="0"/>
+                                <a:cs typeface="Times New Roman" panose="02020603050405020304" pitchFamily="18" charset="0"/>
+                              </a:rPr>
+                              <m:t>𝑖</m:t>
+                            </m:r>
+                          </m:sub>
+                        </m:sSub>
+                        <m:r>
+                          <a:rPr lang="fr-FR" b="0" i="1" noProof="0" dirty="0" smtClean="0">
+                            <a:latin typeface="Cambria Math" panose="02040503050406030204" pitchFamily="18" charset="0"/>
+                            <a:ea typeface="Cambria Math" panose="02040503050406030204" pitchFamily="18" charset="0"/>
+                            <a:cs typeface="Times New Roman" panose="02020603050405020304" pitchFamily="18" charset="0"/>
+                          </a:rPr>
+                          <m:t>:</m:t>
+                        </m:r>
+                        <m:sSub>
+                          <m:sSubPr>
+                            <m:ctrlPr>
+                              <a:rPr lang="fr-FR" b="0" i="1" noProof="0" dirty="0" smtClean="0">
+                                <a:latin typeface="Cambria Math" panose="02040503050406030204" pitchFamily="18" charset="0"/>
+                                <a:ea typeface="Cambria Math" panose="02040503050406030204" pitchFamily="18" charset="0"/>
+                                <a:cs typeface="Times New Roman" panose="02020603050405020304" pitchFamily="18" charset="0"/>
+                              </a:rPr>
+                            </m:ctrlPr>
+                          </m:sSubPr>
+                          <m:e>
+                            <m:r>
+                              <a:rPr lang="fr-FR" b="0" i="1" noProof="0" dirty="0" smtClean="0">
+                                <a:latin typeface="Cambria Math" panose="02040503050406030204" pitchFamily="18" charset="0"/>
+                                <a:ea typeface="Cambria Math" panose="02040503050406030204" pitchFamily="18" charset="0"/>
+                                <a:cs typeface="Times New Roman" panose="02020603050405020304" pitchFamily="18" charset="0"/>
+                              </a:rPr>
+                              <m:t>𝜀</m:t>
+                            </m:r>
+                          </m:e>
+                          <m:sub>
+                            <m:r>
+                              <a:rPr lang="fr-FR" b="0" i="1" noProof="0" dirty="0" smtClean="0">
+                                <a:latin typeface="Cambria Math" panose="02040503050406030204" pitchFamily="18" charset="0"/>
+                                <a:ea typeface="Cambria Math" panose="02040503050406030204" pitchFamily="18" charset="0"/>
+                                <a:cs typeface="Times New Roman" panose="02020603050405020304" pitchFamily="18" charset="0"/>
+                              </a:rPr>
+                              <m:t>𝑖</m:t>
+                            </m:r>
+                          </m:sub>
+                        </m:sSub>
+                        <m:r>
+                          <a:rPr lang="fr-FR" b="0" i="1" noProof="0" dirty="0" smtClean="0">
+                            <a:latin typeface="Cambria Math" panose="02040503050406030204" pitchFamily="18" charset="0"/>
+                            <a:ea typeface="Cambria Math" panose="02040503050406030204" pitchFamily="18" charset="0"/>
+                            <a:cs typeface="Times New Roman" panose="02020603050405020304" pitchFamily="18" charset="0"/>
+                          </a:rPr>
+                          <m:t> </m:t>
+                        </m:r>
+                        <m:r>
+                          <a:rPr lang="fr-FR" b="0" i="1" noProof="0" dirty="0" smtClean="0">
+                            <a:latin typeface="Cambria Math" panose="02040503050406030204" pitchFamily="18" charset="0"/>
+                            <a:ea typeface="Cambria Math" panose="02040503050406030204" pitchFamily="18" charset="0"/>
+                            <a:cs typeface="Times New Roman" panose="02020603050405020304" pitchFamily="18" charset="0"/>
+                          </a:rPr>
+                          <m:t>𝑑</m:t>
+                        </m:r>
+                        <m:r>
+                          <a:rPr lang="fr-FR" i="1" noProof="0" dirty="0" smtClean="0">
+                            <a:latin typeface="Cambria Math" panose="02040503050406030204" pitchFamily="18" charset="0"/>
+                          </a:rPr>
+                          <m:t>𝛺</m:t>
+                        </m:r>
+                      </m:e>
+                    </m:nary>
+                  </m:oMath>
+                </a14:m>
+                <a:r>
+                  <a:rPr lang="fr-FR" noProof="0" dirty="0">
+                    <a:latin typeface="Times New Roman" panose="02020603050405020304" pitchFamily="18" charset="0"/>
+                    <a:cs typeface="Times New Roman" panose="02020603050405020304" pitchFamily="18" charset="0"/>
+                  </a:rPr>
+                  <a:t> (contraintes) [</a:t>
+                </a:r>
+                <a:r>
+                  <a:rPr lang="fr-FR" i="1" noProof="0" dirty="0">
+                    <a:latin typeface="Times New Roman" panose="02020603050405020304" pitchFamily="18" charset="0"/>
+                    <a:cs typeface="Times New Roman" panose="02020603050405020304" pitchFamily="18" charset="0"/>
+                  </a:rPr>
+                  <a:t>meilleur compromis</a:t>
+                </a:r>
+                <a:r>
+                  <a:rPr lang="fr-FR" noProof="0" dirty="0">
+                    <a:latin typeface="Times New Roman" panose="02020603050405020304" pitchFamily="18" charset="0"/>
+                    <a:cs typeface="Times New Roman" panose="02020603050405020304" pitchFamily="18" charset="0"/>
+                  </a:rPr>
+                  <a:t>] pour </a:t>
+                </a:r>
+                <a14:m>
+                  <m:oMath xmlns:m="http://schemas.openxmlformats.org/officeDocument/2006/math">
+                    <m:r>
+                      <a:rPr lang="fr-FR" b="0" i="1" noProof="0" smtClean="0">
+                        <a:latin typeface="Cambria Math" panose="02040503050406030204" pitchFamily="18" charset="0"/>
+                        <a:cs typeface="Times New Roman" panose="02020603050405020304" pitchFamily="18" charset="0"/>
+                      </a:rPr>
+                      <m:t>𝑖</m:t>
+                    </m:r>
+                    <m:r>
+                      <a:rPr lang="fr-FR" b="0" i="1" noProof="0" smtClean="0">
+                        <a:latin typeface="Cambria Math" panose="02040503050406030204" pitchFamily="18" charset="0"/>
+                        <a:ea typeface="Cambria Math" panose="02040503050406030204" pitchFamily="18" charset="0"/>
+                        <a:cs typeface="Times New Roman" panose="02020603050405020304" pitchFamily="18" charset="0"/>
+                      </a:rPr>
+                      <m:t>∈[</m:t>
+                    </m:r>
+                    <m:r>
+                      <a:rPr lang="fr-FR" b="0" i="1" noProof="0" smtClean="0">
+                        <a:latin typeface="Cambria Math" panose="02040503050406030204" pitchFamily="18" charset="0"/>
+                        <a:ea typeface="Cambria Math" panose="02040503050406030204" pitchFamily="18" charset="0"/>
+                        <a:cs typeface="Times New Roman" panose="02020603050405020304" pitchFamily="18" charset="0"/>
+                      </a:rPr>
+                      <m:t>𝐹</m:t>
+                    </m:r>
+                    <m:r>
+                      <a:rPr lang="fr-FR" b="0" i="1" noProof="0" smtClean="0">
+                        <a:latin typeface="Cambria Math" panose="02040503050406030204" pitchFamily="18" charset="0"/>
+                        <a:ea typeface="Cambria Math" panose="02040503050406030204" pitchFamily="18" charset="0"/>
+                        <a:cs typeface="Times New Roman" panose="02020603050405020304" pitchFamily="18" charset="0"/>
+                      </a:rPr>
+                      <m:t>,</m:t>
+                    </m:r>
+                    <m:r>
+                      <a:rPr lang="fr-FR" b="0" i="1" noProof="0" smtClean="0">
+                        <a:latin typeface="Cambria Math" panose="02040503050406030204" pitchFamily="18" charset="0"/>
+                        <a:ea typeface="Cambria Math" panose="02040503050406030204" pitchFamily="18" charset="0"/>
+                        <a:cs typeface="Times New Roman" panose="02020603050405020304" pitchFamily="18" charset="0"/>
+                      </a:rPr>
+                      <m:t>𝐸</m:t>
+                    </m:r>
+                    <m:r>
+                      <a:rPr lang="fr-FR" b="0" i="1" noProof="0" smtClean="0">
+                        <a:latin typeface="Cambria Math" panose="02040503050406030204" pitchFamily="18" charset="0"/>
+                        <a:ea typeface="Cambria Math" panose="02040503050406030204" pitchFamily="18" charset="0"/>
+                        <a:cs typeface="Times New Roman" panose="02020603050405020304" pitchFamily="18" charset="0"/>
+                      </a:rPr>
+                      <m:t>,</m:t>
+                    </m:r>
+                    <m:r>
+                      <a:rPr lang="fr-FR" b="0" i="1" noProof="0" smtClean="0">
+                        <a:latin typeface="Cambria Math" panose="02040503050406030204" pitchFamily="18" charset="0"/>
+                        <a:ea typeface="Cambria Math" panose="02040503050406030204" pitchFamily="18" charset="0"/>
+                        <a:cs typeface="Times New Roman" panose="02020603050405020304" pitchFamily="18" charset="0"/>
+                      </a:rPr>
+                      <m:t>𝑅</m:t>
+                    </m:r>
+                    <m:r>
+                      <a:rPr lang="fr-FR" b="0" i="1" noProof="0" smtClean="0">
+                        <a:latin typeface="Cambria Math" panose="02040503050406030204" pitchFamily="18" charset="0"/>
+                        <a:ea typeface="Cambria Math" panose="02040503050406030204" pitchFamily="18" charset="0"/>
+                        <a:cs typeface="Times New Roman" panose="02020603050405020304" pitchFamily="18" charset="0"/>
+                      </a:rPr>
+                      <m:t>,</m:t>
+                    </m:r>
+                    <m:r>
+                      <a:rPr lang="fr-FR" b="0" i="1" noProof="0" smtClean="0">
+                        <a:latin typeface="Cambria Math" panose="02040503050406030204" pitchFamily="18" charset="0"/>
+                        <a:ea typeface="Cambria Math" panose="02040503050406030204" pitchFamily="18" charset="0"/>
+                        <a:cs typeface="Times New Roman" panose="02020603050405020304" pitchFamily="18" charset="0"/>
+                      </a:rPr>
+                      <m:t>𝑈</m:t>
+                    </m:r>
+                    <m:r>
+                      <a:rPr lang="fr-FR" b="0" i="1" noProof="0" smtClean="0">
+                        <a:latin typeface="Cambria Math" panose="02040503050406030204" pitchFamily="18" charset="0"/>
+                        <a:ea typeface="Cambria Math" panose="02040503050406030204" pitchFamily="18" charset="0"/>
+                        <a:cs typeface="Times New Roman" panose="02020603050405020304" pitchFamily="18" charset="0"/>
+                      </a:rPr>
+                      <m:t>]</m:t>
+                    </m:r>
+                  </m:oMath>
+                </a14:m>
+                <a:r>
+                  <a:rPr lang="fr-FR" noProof="0" dirty="0">
+                    <a:latin typeface="Times New Roman" panose="02020603050405020304" pitchFamily="18" charset="0"/>
+                    <a:cs typeface="Times New Roman" panose="02020603050405020304" pitchFamily="18" charset="0"/>
+                  </a:rPr>
+                  <a:t> [</a:t>
+                </a:r>
+                <a:r>
+                  <a:rPr lang="fr-FR" i="1" noProof="0" dirty="0">
+                    <a:latin typeface="Times New Roman" panose="02020603050405020304" pitchFamily="18" charset="0"/>
+                    <a:cs typeface="Times New Roman" panose="02020603050405020304" pitchFamily="18" charset="0"/>
+                  </a:rPr>
+                  <a:t>poids égale</a:t>
+                </a:r>
+                <a:r>
+                  <a:rPr lang="fr-FR" noProof="0" dirty="0">
+                    <a:latin typeface="Times New Roman" panose="02020603050405020304" pitchFamily="18" charset="0"/>
+                    <a:cs typeface="Times New Roman" panose="02020603050405020304" pitchFamily="18" charset="0"/>
+                  </a:rPr>
+                  <a:t>]</a:t>
+                </a:r>
+              </a:p>
+              <a:p>
+                <a:r>
+                  <a:rPr lang="fr-FR" dirty="0">
+                    <a:latin typeface="Times New Roman" panose="02020603050405020304" pitchFamily="18" charset="0"/>
+                    <a:cs typeface="Times New Roman" panose="02020603050405020304" pitchFamily="18" charset="0"/>
+                  </a:rPr>
+                  <a:t>Sous la contrainte de poids minimal </a:t>
+                </a:r>
+                <a14:m>
+                  <m:oMath xmlns:m="http://schemas.openxmlformats.org/officeDocument/2006/math">
+                    <m:r>
+                      <a:rPr lang="fr-FR" i="1" smtClean="0">
+                        <a:latin typeface="Cambria Math" panose="02040503050406030204" pitchFamily="18" charset="0"/>
+                        <a:ea typeface="Cambria Math" panose="02040503050406030204" pitchFamily="18" charset="0"/>
+                        <a:cs typeface="Times New Roman" panose="02020603050405020304" pitchFamily="18" charset="0"/>
+                      </a:rPr>
+                      <m:t>→</m:t>
+                    </m:r>
+                    <m:r>
+                      <a:rPr lang="fr-FR" b="0" i="1" smtClean="0">
+                        <a:latin typeface="Cambria Math" panose="02040503050406030204" pitchFamily="18" charset="0"/>
+                        <a:ea typeface="Cambria Math" panose="02040503050406030204" pitchFamily="18" charset="0"/>
+                        <a:cs typeface="Times New Roman" panose="02020603050405020304" pitchFamily="18" charset="0"/>
+                      </a:rPr>
+                      <m:t> </m:t>
+                    </m:r>
+                    <m:r>
+                      <a:rPr lang="fr-FR" b="0" i="1" smtClean="0">
+                        <a:latin typeface="Cambria Math" panose="02040503050406030204" pitchFamily="18" charset="0"/>
+                        <a:ea typeface="Cambria Math" panose="02040503050406030204" pitchFamily="18" charset="0"/>
+                        <a:cs typeface="Times New Roman" panose="02020603050405020304" pitchFamily="18" charset="0"/>
+                      </a:rPr>
+                      <m:t>𝛼</m:t>
+                    </m:r>
+                    <m:r>
+                      <a:rPr lang="fr-FR" b="0" i="1" smtClean="0">
+                        <a:latin typeface="Cambria Math" panose="02040503050406030204" pitchFamily="18" charset="0"/>
+                        <a:ea typeface="Cambria Math" panose="02040503050406030204" pitchFamily="18" charset="0"/>
+                        <a:cs typeface="Times New Roman" panose="02020603050405020304" pitchFamily="18" charset="0"/>
+                      </a:rPr>
+                      <m:t> %</m:t>
+                    </m:r>
+                  </m:oMath>
+                </a14:m>
+                <a:r>
+                  <a:rPr lang="fr-FR" noProof="0" dirty="0">
+                    <a:latin typeface="Times New Roman" panose="02020603050405020304" pitchFamily="18" charset="0"/>
+                    <a:cs typeface="Times New Roman" panose="02020603050405020304" pitchFamily="18" charset="0"/>
+                  </a:rPr>
+                  <a:t> </a:t>
+                </a:r>
+              </a:p>
+            </p:txBody>
+          </p:sp>
+        </mc:Choice>
+        <mc:Fallback xmlns="">
+          <p:sp>
+            <p:nvSpPr>
+              <p:cNvPr id="29" name="TextBox 28">
+                <a:extLst>
+                  <a:ext uri="{FF2B5EF4-FFF2-40B4-BE49-F238E27FC236}">
+                    <a16:creationId xmlns:a16="http://schemas.microsoft.com/office/drawing/2014/main" id="{16F0C38C-ADF0-05C8-AB97-6D861D171C8A}"/>
+                  </a:ext>
+                </a:extLst>
+              </p:cNvPr>
+              <p:cNvSpPr txBox="1">
+                <a:spLocks noRot="1" noChangeAspect="1" noMove="1" noResize="1" noEditPoints="1" noAdjustHandles="1" noChangeArrowheads="1" noChangeShapeType="1" noTextEdit="1"/>
+              </p:cNvSpPr>
+              <p:nvPr/>
+            </p:nvSpPr>
+            <p:spPr>
+              <a:xfrm>
+                <a:off x="340534" y="1920130"/>
+                <a:ext cx="11851465" cy="760465"/>
+              </a:xfrm>
+              <a:prstGeom prst="rect">
+                <a:avLst/>
+              </a:prstGeom>
+              <a:blipFill>
+                <a:blip r:embed="rId4"/>
+                <a:stretch>
+                  <a:fillRect l="-463" t="-64800" b="-65600"/>
+                </a:stretch>
+              </a:blipFill>
+            </p:spPr>
+            <p:txBody>
+              <a:bodyPr/>
+              <a:lstStyle/>
+              <a:p>
+                <a:r>
+                  <a:rPr lang="en-GB">
+                    <a:noFill/>
+                  </a:rPr>
+                  <a:t> </a:t>
+                </a:r>
+              </a:p>
+            </p:txBody>
+          </p:sp>
+        </mc:Fallback>
+      </mc:AlternateContent>
+      <p:grpSp>
+        <p:nvGrpSpPr>
+          <p:cNvPr id="50" name="Group 49">
+            <a:extLst>
+              <a:ext uri="{FF2B5EF4-FFF2-40B4-BE49-F238E27FC236}">
+                <a16:creationId xmlns:a16="http://schemas.microsoft.com/office/drawing/2014/main" id="{6D300C5F-060B-A29B-5E63-8AB2F8289D3E}"/>
+              </a:ext>
+            </a:extLst>
+          </p:cNvPr>
+          <p:cNvGrpSpPr/>
+          <p:nvPr/>
+        </p:nvGrpSpPr>
+        <p:grpSpPr>
+          <a:xfrm>
+            <a:off x="510800" y="2794105"/>
+            <a:ext cx="11147231" cy="2621053"/>
+            <a:chOff x="138736" y="2794105"/>
+            <a:chExt cx="11147231" cy="2621053"/>
+          </a:xfrm>
+        </p:grpSpPr>
+        <p:pic>
+          <p:nvPicPr>
+            <p:cNvPr id="16" name="Picture 15">
+              <a:extLst>
+                <a:ext uri="{FF2B5EF4-FFF2-40B4-BE49-F238E27FC236}">
+                  <a16:creationId xmlns:a16="http://schemas.microsoft.com/office/drawing/2014/main" id="{C8511678-E88F-7D51-904A-00D5D2E20854}"/>
+                </a:ext>
+              </a:extLst>
+            </p:cNvPr>
+            <p:cNvPicPr>
+              <a:picLocks noChangeAspect="1"/>
+            </p:cNvPicPr>
+            <p:nvPr/>
+          </p:nvPicPr>
+          <p:blipFill>
+            <a:blip r:embed="rId5"/>
+            <a:stretch>
+              <a:fillRect/>
+            </a:stretch>
+          </p:blipFill>
+          <p:spPr>
+            <a:xfrm>
+              <a:off x="138736" y="2794105"/>
+              <a:ext cx="5957264" cy="2313276"/>
+            </a:xfrm>
+            <a:prstGeom prst="rect">
+              <a:avLst/>
+            </a:prstGeom>
+            <a:ln>
+              <a:solidFill>
+                <a:schemeClr val="tx1"/>
+              </a:solidFill>
+            </a:ln>
+          </p:spPr>
+        </p:pic>
+        <p:pic>
+          <p:nvPicPr>
+            <p:cNvPr id="22" name="Picture 21">
+              <a:extLst>
+                <a:ext uri="{FF2B5EF4-FFF2-40B4-BE49-F238E27FC236}">
+                  <a16:creationId xmlns:a16="http://schemas.microsoft.com/office/drawing/2014/main" id="{E271FBCE-EB1D-54CC-CAFB-7E1DFF99CA2E}"/>
+                </a:ext>
+              </a:extLst>
+            </p:cNvPr>
+            <p:cNvPicPr>
+              <a:picLocks noChangeAspect="1"/>
+            </p:cNvPicPr>
+            <p:nvPr/>
+          </p:nvPicPr>
+          <p:blipFill>
+            <a:blip r:embed="rId6"/>
+            <a:stretch>
+              <a:fillRect/>
+            </a:stretch>
+          </p:blipFill>
+          <p:spPr>
+            <a:xfrm>
+              <a:off x="7525042" y="2794105"/>
+              <a:ext cx="3237914" cy="2313276"/>
+            </a:xfrm>
+            <a:prstGeom prst="rect">
+              <a:avLst/>
+            </a:prstGeom>
+            <a:ln>
+              <a:solidFill>
+                <a:schemeClr val="tx1"/>
+              </a:solidFill>
+            </a:ln>
+          </p:spPr>
+        </p:pic>
+        <p:sp>
+          <p:nvSpPr>
+            <p:cNvPr id="30" name="TextBox 29">
+              <a:extLst>
+                <a:ext uri="{FF2B5EF4-FFF2-40B4-BE49-F238E27FC236}">
+                  <a16:creationId xmlns:a16="http://schemas.microsoft.com/office/drawing/2014/main" id="{F9012EBE-327E-81BA-D0CC-DFFC3A81D06E}"/>
+                </a:ext>
+              </a:extLst>
+            </p:cNvPr>
+            <p:cNvSpPr txBox="1"/>
+            <p:nvPr/>
+          </p:nvSpPr>
+          <p:spPr>
+            <a:xfrm>
+              <a:off x="340534" y="5107381"/>
+              <a:ext cx="5755465" cy="307777"/>
+            </a:xfrm>
+            <a:prstGeom prst="rect">
+              <a:avLst/>
+            </a:prstGeom>
+            <a:noFill/>
+          </p:spPr>
+          <p:txBody>
+            <a:bodyPr wrap="square" rtlCol="0">
+              <a:spAutoFit/>
+            </a:bodyPr>
+            <a:lstStyle/>
+            <a:p>
+              <a:r>
+                <a:rPr lang="fr-FR" sz="1400" b="1" noProof="0" dirty="0">
+                  <a:latin typeface="Times New Roman" panose="02020603050405020304" pitchFamily="18" charset="0"/>
+                  <a:cs typeface="Times New Roman" panose="02020603050405020304" pitchFamily="18" charset="0"/>
+                </a:rPr>
+                <a:t>Figure [] </a:t>
+              </a:r>
+              <a:r>
+                <a:rPr lang="fr-FR" sz="1400" noProof="0" dirty="0">
+                  <a:latin typeface="Times New Roman" panose="02020603050405020304" pitchFamily="18" charset="0"/>
+                  <a:cs typeface="Times New Roman" panose="02020603050405020304" pitchFamily="18" charset="0"/>
+                </a:rPr>
+                <a:t>: </a:t>
+              </a:r>
+            </a:p>
+          </p:txBody>
+        </p:sp>
+        <mc:AlternateContent xmlns:mc="http://schemas.openxmlformats.org/markup-compatibility/2006" xmlns:a14="http://schemas.microsoft.com/office/drawing/2010/main">
+          <mc:Choice Requires="a14">
+            <p:sp>
+              <p:nvSpPr>
+                <p:cNvPr id="31" name="TextBox 30">
+                  <a:extLst>
+                    <a:ext uri="{FF2B5EF4-FFF2-40B4-BE49-F238E27FC236}">
+                      <a16:creationId xmlns:a16="http://schemas.microsoft.com/office/drawing/2014/main" id="{E096CA17-3B37-1EC9-086C-6073F9F0E327}"/>
+                    </a:ext>
+                  </a:extLst>
+                </p:cNvPr>
+                <p:cNvSpPr txBox="1"/>
+                <p:nvPr/>
+              </p:nvSpPr>
+              <p:spPr>
+                <a:xfrm>
+                  <a:off x="7525042" y="5107381"/>
+                  <a:ext cx="3760925" cy="307777"/>
+                </a:xfrm>
+                <a:prstGeom prst="rect">
+                  <a:avLst/>
+                </a:prstGeom>
+                <a:noFill/>
+              </p:spPr>
+              <p:txBody>
+                <a:bodyPr wrap="square" rtlCol="0">
+                  <a:spAutoFit/>
+                </a:bodyPr>
+                <a:lstStyle/>
+                <a:p>
+                  <a:r>
+                    <a:rPr lang="fr-FR" sz="1400" b="1" noProof="0" dirty="0">
+                      <a:latin typeface="Times New Roman" panose="02020603050405020304" pitchFamily="18" charset="0"/>
+                      <a:cs typeface="Times New Roman" panose="02020603050405020304" pitchFamily="18" charset="0"/>
+                    </a:rPr>
+                    <a:t>Figure [] </a:t>
+                  </a:r>
+                  <a:r>
+                    <a:rPr lang="fr-FR" sz="1400" noProof="0" dirty="0">
+                      <a:latin typeface="Times New Roman" panose="02020603050405020304" pitchFamily="18" charset="0"/>
+                      <a:cs typeface="Times New Roman" panose="02020603050405020304" pitchFamily="18" charset="0"/>
+                    </a:rPr>
+                    <a:t>: Résultat d’optimisation </a:t>
+                  </a:r>
+                  <a14:m>
+                    <m:oMath xmlns:m="http://schemas.openxmlformats.org/officeDocument/2006/math">
+                      <m:r>
+                        <a:rPr lang="fr-FR" sz="1400" b="0" i="1" smtClean="0">
+                          <a:latin typeface="Cambria Math" panose="02040503050406030204" pitchFamily="18" charset="0"/>
+                          <a:ea typeface="Cambria Math" panose="02040503050406030204" pitchFamily="18" charset="0"/>
+                          <a:cs typeface="Times New Roman" panose="02020603050405020304" pitchFamily="18" charset="0"/>
+                        </a:rPr>
+                        <m:t>𝛼</m:t>
+                      </m:r>
+                      <m:r>
+                        <a:rPr lang="fr-FR" sz="1400" b="0" i="1" smtClean="0">
+                          <a:latin typeface="Cambria Math" panose="02040503050406030204" pitchFamily="18" charset="0"/>
+                          <a:ea typeface="Cambria Math" panose="02040503050406030204" pitchFamily="18" charset="0"/>
+                          <a:cs typeface="Times New Roman" panose="02020603050405020304" pitchFamily="18" charset="0"/>
+                        </a:rPr>
+                        <m:t>=40%</m:t>
+                      </m:r>
+                    </m:oMath>
+                  </a14:m>
+                  <a:r>
+                    <a:rPr lang="fr-FR" sz="1400" noProof="0" dirty="0">
+                      <a:latin typeface="Times New Roman" panose="02020603050405020304" pitchFamily="18" charset="0"/>
+                      <a:cs typeface="Times New Roman" panose="02020603050405020304" pitchFamily="18" charset="0"/>
+                    </a:rPr>
+                    <a:t>  </a:t>
+                  </a:r>
+                </a:p>
+              </p:txBody>
+            </p:sp>
+          </mc:Choice>
+          <mc:Fallback xmlns="">
+            <p:sp>
+              <p:nvSpPr>
+                <p:cNvPr id="31" name="TextBox 30">
+                  <a:extLst>
+                    <a:ext uri="{FF2B5EF4-FFF2-40B4-BE49-F238E27FC236}">
+                      <a16:creationId xmlns:a16="http://schemas.microsoft.com/office/drawing/2014/main" id="{E096CA17-3B37-1EC9-086C-6073F9F0E327}"/>
+                    </a:ext>
+                  </a:extLst>
+                </p:cNvPr>
+                <p:cNvSpPr txBox="1">
+                  <a:spLocks noRot="1" noChangeAspect="1" noMove="1" noResize="1" noEditPoints="1" noAdjustHandles="1" noChangeArrowheads="1" noChangeShapeType="1" noTextEdit="1"/>
+                </p:cNvSpPr>
+                <p:nvPr/>
+              </p:nvSpPr>
+              <p:spPr>
+                <a:xfrm>
+                  <a:off x="7525042" y="5107381"/>
+                  <a:ext cx="3760925" cy="307777"/>
+                </a:xfrm>
+                <a:prstGeom prst="rect">
+                  <a:avLst/>
+                </a:prstGeom>
+                <a:blipFill>
+                  <a:blip r:embed="rId7"/>
+                  <a:stretch>
+                    <a:fillRect l="-486" t="-4000" b="-20000"/>
+                  </a:stretch>
+                </a:blipFill>
+              </p:spPr>
+              <p:txBody>
+                <a:bodyPr/>
+                <a:lstStyle/>
+                <a:p>
+                  <a:r>
+                    <a:rPr lang="en-GB">
+                      <a:noFill/>
+                    </a:rPr>
+                    <a:t> </a:t>
+                  </a:r>
+                </a:p>
+              </p:txBody>
+            </p:sp>
+          </mc:Fallback>
+        </mc:AlternateContent>
+      </p:grpSp>
+      <mc:AlternateContent xmlns:mc="http://schemas.openxmlformats.org/markup-compatibility/2006" xmlns:a14="http://schemas.microsoft.com/office/drawing/2010/main">
+        <mc:Choice Requires="a14">
+          <p:sp>
+            <p:nvSpPr>
+              <p:cNvPr id="48" name="TextBox 47">
+                <a:extLst>
+                  <a:ext uri="{FF2B5EF4-FFF2-40B4-BE49-F238E27FC236}">
+                    <a16:creationId xmlns:a16="http://schemas.microsoft.com/office/drawing/2014/main" id="{4BF5205A-C21B-DC10-00D1-30EE1B56E60B}"/>
+                  </a:ext>
+                </a:extLst>
+              </p:cNvPr>
+              <p:cNvSpPr txBox="1"/>
+              <p:nvPr/>
+            </p:nvSpPr>
+            <p:spPr>
+              <a:xfrm>
+                <a:off x="0" y="5585198"/>
+                <a:ext cx="12192000" cy="646331"/>
+              </a:xfrm>
+              <a:prstGeom prst="rect">
+                <a:avLst/>
+              </a:prstGeom>
+              <a:noFill/>
+            </p:spPr>
+            <p:txBody>
+              <a:bodyPr wrap="square" rtlCol="0">
+                <a:spAutoFit/>
+              </a:bodyPr>
+              <a:lstStyle/>
+              <a:p>
+                <a:pPr algn="just"/>
+                <a:r>
+                  <a:rPr lang="fr-FR" noProof="0" dirty="0">
+                    <a:latin typeface="Times New Roman" panose="02020603050405020304" pitchFamily="18" charset="0"/>
+                    <a:cs typeface="Times New Roman" panose="02020603050405020304" pitchFamily="18" charset="0"/>
+                  </a:rPr>
+                  <a:t>Les résultats de simulations avaient permis d’évaluer l’évolution de </a:t>
+                </a:r>
+                <a14:m>
+                  <m:oMath xmlns:m="http://schemas.openxmlformats.org/officeDocument/2006/math">
+                    <m:sSub>
+                      <m:sSubPr>
+                        <m:ctrlPr>
+                          <a:rPr lang="fr-FR" b="0" i="1" smtClean="0">
+                            <a:latin typeface="Cambria Math" panose="02040503050406030204" pitchFamily="18" charset="0"/>
+                            <a:cs typeface="Times New Roman" panose="02020603050405020304" pitchFamily="18" charset="0"/>
+                          </a:rPr>
+                        </m:ctrlPr>
+                      </m:sSubPr>
+                      <m:e>
+                        <m:r>
+                          <a:rPr lang="fr-FR" b="0" i="1" smtClean="0">
+                            <a:latin typeface="Cambria Math" panose="02040503050406030204" pitchFamily="18" charset="0"/>
+                            <a:cs typeface="Times New Roman" panose="02020603050405020304" pitchFamily="18" charset="0"/>
+                          </a:rPr>
+                          <m:t>𝑢</m:t>
+                        </m:r>
+                      </m:e>
+                      <m:sub>
+                        <m:r>
+                          <a:rPr lang="fr-FR" b="0" i="1" smtClean="0">
+                            <a:latin typeface="Cambria Math" panose="02040503050406030204" pitchFamily="18" charset="0"/>
+                            <a:cs typeface="Times New Roman" panose="02020603050405020304" pitchFamily="18" charset="0"/>
+                          </a:rPr>
+                          <m:t>𝑚𝑎𝑥</m:t>
+                        </m:r>
+                      </m:sub>
+                    </m:sSub>
+                  </m:oMath>
+                </a14:m>
+                <a:r>
+                  <a:rPr lang="fr-FR" noProof="0" dirty="0">
+                    <a:latin typeface="Times New Roman" panose="02020603050405020304" pitchFamily="18" charset="0"/>
+                    <a:cs typeface="Times New Roman" panose="02020603050405020304" pitchFamily="18" charset="0"/>
+                  </a:rPr>
+                  <a:t> en fonction des géométries </a:t>
+                </a:r>
+                <a14:m>
+                  <m:oMath xmlns:m="http://schemas.openxmlformats.org/officeDocument/2006/math">
+                    <m:r>
+                      <a:rPr lang="fr-FR" i="1">
+                        <a:latin typeface="Cambria Math" panose="02040503050406030204" pitchFamily="18" charset="0"/>
+                        <a:ea typeface="Cambria Math" panose="02040503050406030204" pitchFamily="18" charset="0"/>
+                        <a:cs typeface="Times New Roman" panose="02020603050405020304" pitchFamily="18" charset="0"/>
+                      </a:rPr>
+                      <m:t>𝛼</m:t>
+                    </m:r>
+                    <m:r>
+                      <a:rPr lang="fr-FR" i="1">
+                        <a:latin typeface="Cambria Math" panose="02040503050406030204" pitchFamily="18" charset="0"/>
+                        <a:ea typeface="Cambria Math" panose="02040503050406030204" pitchFamily="18" charset="0"/>
+                        <a:cs typeface="Times New Roman" panose="02020603050405020304" pitchFamily="18" charset="0"/>
+                      </a:rPr>
+                      <m:t> %</m:t>
+                    </m:r>
+                  </m:oMath>
+                </a14:m>
+                <a:r>
+                  <a:rPr lang="fr-FR" noProof="0" dirty="0">
+                    <a:latin typeface="Times New Roman" panose="02020603050405020304" pitchFamily="18" charset="0"/>
+                    <a:cs typeface="Times New Roman" panose="02020603050405020304" pitchFamily="18" charset="0"/>
+                  </a:rPr>
+                  <a:t>. Un compromis entre réduction de masse et performance en déformation avait été trouvé pour la géométrie </a:t>
+                </a:r>
+                <a14:m>
+                  <m:oMath xmlns:m="http://schemas.openxmlformats.org/officeDocument/2006/math">
+                    <m:r>
+                      <a:rPr lang="fr-FR" i="1">
+                        <a:latin typeface="Cambria Math" panose="02040503050406030204" pitchFamily="18" charset="0"/>
+                        <a:ea typeface="Cambria Math" panose="02040503050406030204" pitchFamily="18" charset="0"/>
+                        <a:cs typeface="Times New Roman" panose="02020603050405020304" pitchFamily="18" charset="0"/>
+                      </a:rPr>
+                      <m:t>𝛼</m:t>
+                    </m:r>
+                    <m:r>
+                      <a:rPr lang="fr-FR" b="0" i="1" smtClean="0">
+                        <a:latin typeface="Cambria Math" panose="02040503050406030204" pitchFamily="18" charset="0"/>
+                        <a:ea typeface="Cambria Math" panose="02040503050406030204" pitchFamily="18" charset="0"/>
+                        <a:cs typeface="Times New Roman" panose="02020603050405020304" pitchFamily="18" charset="0"/>
+                      </a:rPr>
+                      <m:t>=40</m:t>
+                    </m:r>
+                    <m:r>
+                      <a:rPr lang="fr-FR" i="1">
+                        <a:latin typeface="Cambria Math" panose="02040503050406030204" pitchFamily="18" charset="0"/>
+                        <a:ea typeface="Cambria Math" panose="02040503050406030204" pitchFamily="18" charset="0"/>
+                        <a:cs typeface="Times New Roman" panose="02020603050405020304" pitchFamily="18" charset="0"/>
+                      </a:rPr>
+                      <m:t>%</m:t>
+                    </m:r>
+                  </m:oMath>
+                </a14:m>
+                <a:r>
+                  <a:rPr lang="fr-FR" noProof="0" dirty="0">
+                    <a:latin typeface="Times New Roman" panose="02020603050405020304" pitchFamily="18" charset="0"/>
+                    <a:cs typeface="Times New Roman" panose="02020603050405020304" pitchFamily="18" charset="0"/>
+                  </a:rPr>
+                  <a:t>.   </a:t>
+                </a:r>
+              </a:p>
+            </p:txBody>
+          </p:sp>
+        </mc:Choice>
+        <mc:Fallback xmlns="">
+          <p:sp>
+            <p:nvSpPr>
+              <p:cNvPr id="48" name="TextBox 47">
+                <a:extLst>
+                  <a:ext uri="{FF2B5EF4-FFF2-40B4-BE49-F238E27FC236}">
+                    <a16:creationId xmlns:a16="http://schemas.microsoft.com/office/drawing/2014/main" id="{4BF5205A-C21B-DC10-00D1-30EE1B56E60B}"/>
+                  </a:ext>
+                </a:extLst>
+              </p:cNvPr>
+              <p:cNvSpPr txBox="1">
+                <a:spLocks noRot="1" noChangeAspect="1" noMove="1" noResize="1" noEditPoints="1" noAdjustHandles="1" noChangeArrowheads="1" noChangeShapeType="1" noTextEdit="1"/>
+              </p:cNvSpPr>
+              <p:nvPr/>
+            </p:nvSpPr>
+            <p:spPr>
+              <a:xfrm>
+                <a:off x="0" y="5585198"/>
+                <a:ext cx="12192000" cy="646331"/>
+              </a:xfrm>
+              <a:prstGeom prst="rect">
+                <a:avLst/>
+              </a:prstGeom>
+              <a:blipFill>
+                <a:blip r:embed="rId8"/>
+                <a:stretch>
+                  <a:fillRect l="-400" t="-4717" r="-400" b="-14151"/>
+                </a:stretch>
+              </a:blipFill>
+            </p:spPr>
+            <p:txBody>
+              <a:bodyPr/>
+              <a:lstStyle/>
+              <a:p>
+                <a:r>
+                  <a:rPr lang="en-GB">
+                    <a:noFill/>
+                  </a:rPr>
+                  <a:t> </a:t>
+                </a:r>
+              </a:p>
+            </p:txBody>
+          </p:sp>
+        </mc:Fallback>
+      </mc:AlternateContent>
+      <p:sp>
+        <p:nvSpPr>
+          <p:cNvPr id="2" name="Slide Number Placeholder 1">
+            <a:extLst>
+              <a:ext uri="{FF2B5EF4-FFF2-40B4-BE49-F238E27FC236}">
+                <a16:creationId xmlns:a16="http://schemas.microsoft.com/office/drawing/2014/main" id="{73DA228E-768D-6C0F-3EC3-356C3D18F82A}"/>
+              </a:ext>
+            </a:extLst>
+          </p:cNvPr>
+          <p:cNvSpPr>
+            <a:spLocks noGrp="1"/>
+          </p:cNvSpPr>
+          <p:nvPr>
+            <p:ph type="sldNum" sz="quarter" idx="12"/>
+          </p:nvPr>
+        </p:nvSpPr>
+        <p:spPr/>
+        <p:txBody>
+          <a:bodyPr/>
+          <a:lstStyle/>
+          <a:p>
+            <a:fld id="{74DDA11D-2719-4AB3-AAA7-DB2910A56E08}" type="slidenum">
+              <a:rPr lang="en-GB" smtClean="0"/>
+              <a:t>2</a:t>
+            </a:fld>
+            <a:endParaRPr lang="en-GB"/>
+          </a:p>
+        </p:txBody>
+      </p:sp>
+    </p:spTree>
+    <p:extLst>
+      <p:ext uri="{BB962C8B-B14F-4D97-AF65-F5344CB8AC3E}">
+        <p14:creationId xmlns:p14="http://schemas.microsoft.com/office/powerpoint/2010/main" val="1966793551"/>
+      </p:ext>
+    </p:extLst>
+  </p:cSld>
+  <p:clrMapOvr>
+    <a:masterClrMapping/>
+  </p:clrMapOvr>
+</p:sld>
+</file>
+
+<file path=ppt/slides/slide20.xml><?xml version="1.0" encoding="utf-8"?>
 <p:sld xmlns:a="http://schemas.openxmlformats.org/drawingml/2006/main" xmlns:r="http://schemas.openxmlformats.org/officeDocument/2006/relationships" xmlns:p="http://schemas.openxmlformats.org/presentationml/2006/main">
   <p:cSld>
     <p:spTree>
@@ -24889,6 +26901,35 @@
           </p:sp>
         </mc:Fallback>
       </mc:AlternateContent>
+      <p:sp>
+        <p:nvSpPr>
+          <p:cNvPr id="7" name="Slide Number Placeholder 6">
+            <a:extLst>
+              <a:ext uri="{FF2B5EF4-FFF2-40B4-BE49-F238E27FC236}">
+                <a16:creationId xmlns:a16="http://schemas.microsoft.com/office/drawing/2014/main" id="{85FEE2E0-CBC9-F341-DDCB-B54F6EE5CDC2}"/>
+              </a:ext>
+            </a:extLst>
+          </p:cNvPr>
+          <p:cNvSpPr>
+            <a:spLocks noGrp="1"/>
+          </p:cNvSpPr>
+          <p:nvPr>
+            <p:ph type="sldNum" sz="quarter" idx="12"/>
+          </p:nvPr>
+        </p:nvSpPr>
+        <p:spPr/>
+        <p:txBody>
+          <a:bodyPr/>
+          <a:lstStyle/>
+          <a:p>
+            <a:fld id="{74DDA11D-2719-4AB3-AAA7-DB2910A56E08}" type="slidenum">
+              <a:rPr lang="en-GB" smtClean="0"/>
+              <a:t>20</a:t>
+            </a:fld>
+            <a:endParaRPr lang="en-GB"/>
+          </a:p>
+        </p:txBody>
+      </p:sp>
     </p:spTree>
     <p:extLst>
       <p:ext uri="{BB962C8B-B14F-4D97-AF65-F5344CB8AC3E}">
@@ -24902,1315 +26943,7 @@
 </p:sld>
 </file>
 
-<file path=ppt/slides/slide2.xml><?xml version="1.0" encoding="utf-8"?>
-<p:sld xmlns:a="http://schemas.openxmlformats.org/drawingml/2006/main" xmlns:r="http://schemas.openxmlformats.org/officeDocument/2006/relationships" xmlns:p="http://schemas.openxmlformats.org/presentationml/2006/main">
-  <p:cSld>
-    <p:spTree>
-      <p:nvGrpSpPr>
-        <p:cNvPr id="1" name="">
-          <a:extLst>
-            <a:ext uri="{FF2B5EF4-FFF2-40B4-BE49-F238E27FC236}">
-              <a16:creationId xmlns:a16="http://schemas.microsoft.com/office/drawing/2014/main" id="{6FB6CDBB-D326-9C9C-945A-FF24B3B8C109}"/>
-            </a:ext>
-          </a:extLst>
-        </p:cNvPr>
-        <p:cNvGrpSpPr/>
-        <p:nvPr/>
-      </p:nvGrpSpPr>
-      <p:grpSpPr>
-        <a:xfrm>
-          <a:off x="0" y="0"/>
-          <a:ext cx="0" cy="0"/>
-          <a:chOff x="0" y="0"/>
-          <a:chExt cx="0" cy="0"/>
-        </a:xfrm>
-      </p:grpSpPr>
-      <p:sp>
-        <p:nvSpPr>
-          <p:cNvPr id="36" name="Rectangle 35">
-            <a:extLst>
-              <a:ext uri="{FF2B5EF4-FFF2-40B4-BE49-F238E27FC236}">
-                <a16:creationId xmlns:a16="http://schemas.microsoft.com/office/drawing/2014/main" id="{2C2B60A1-0B89-3546-D8C8-0D44097F35C2}"/>
-              </a:ext>
-            </a:extLst>
-          </p:cNvPr>
-          <p:cNvSpPr/>
-          <p:nvPr/>
-        </p:nvSpPr>
-        <p:spPr>
-          <a:xfrm>
-            <a:off x="1" y="-990"/>
-            <a:ext cx="6096000" cy="501017"/>
-          </a:xfrm>
-          <a:prstGeom prst="rect">
-            <a:avLst/>
-          </a:prstGeom>
-          <a:solidFill>
-            <a:srgbClr val="980000"/>
-          </a:solidFill>
-          <a:ln>
-            <a:noFill/>
-          </a:ln>
-        </p:spPr>
-        <p:style>
-          <a:lnRef idx="2">
-            <a:schemeClr val="accent1">
-              <a:shade val="15000"/>
-            </a:schemeClr>
-          </a:lnRef>
-          <a:fillRef idx="1">
-            <a:schemeClr val="accent1"/>
-          </a:fillRef>
-          <a:effectRef idx="0">
-            <a:schemeClr val="accent1"/>
-          </a:effectRef>
-          <a:fontRef idx="minor">
-            <a:schemeClr val="lt1"/>
-          </a:fontRef>
-        </p:style>
-        <p:txBody>
-          <a:bodyPr rtlCol="0" anchor="ctr"/>
-          <a:lstStyle/>
-          <a:p>
-            <a:pPr algn="ctr"/>
-            <a:endParaRPr lang="fr-FR" noProof="0" dirty="0"/>
-          </a:p>
-        </p:txBody>
-      </p:sp>
-      <p:sp>
-        <p:nvSpPr>
-          <p:cNvPr id="9" name="TextBox 8">
-            <a:extLst>
-              <a:ext uri="{FF2B5EF4-FFF2-40B4-BE49-F238E27FC236}">
-                <a16:creationId xmlns:a16="http://schemas.microsoft.com/office/drawing/2014/main" id="{6E9846D3-47A3-2AE6-6383-AB77CC5B517E}"/>
-              </a:ext>
-            </a:extLst>
-          </p:cNvPr>
-          <p:cNvSpPr txBox="1"/>
-          <p:nvPr/>
-        </p:nvSpPr>
-        <p:spPr>
-          <a:xfrm>
-            <a:off x="0" y="-990"/>
-            <a:ext cx="5568381" cy="461665"/>
-          </a:xfrm>
-          <a:prstGeom prst="rect">
-            <a:avLst/>
-          </a:prstGeom>
-          <a:noFill/>
-        </p:spPr>
-        <p:txBody>
-          <a:bodyPr wrap="square" rtlCol="0">
-            <a:spAutoFit/>
-          </a:bodyPr>
-          <a:lstStyle/>
-          <a:p>
-            <a:pPr algn="just"/>
-            <a:r>
-              <a:rPr lang="fr-FR" sz="2400" b="1" dirty="0">
-                <a:solidFill>
-                  <a:schemeClr val="bg1"/>
-                </a:solidFill>
-                <a:latin typeface="Times New Roman" panose="02020603050405020304" pitchFamily="18" charset="0"/>
-                <a:cs typeface="Times New Roman" panose="02020603050405020304" pitchFamily="18" charset="0"/>
-              </a:rPr>
-              <a:t>INTRODUCTION</a:t>
-            </a:r>
-            <a:endParaRPr lang="fr-FR" sz="2400" b="1" noProof="0" dirty="0">
-              <a:solidFill>
-                <a:schemeClr val="bg1"/>
-              </a:solidFill>
-              <a:latin typeface="Times New Roman" panose="02020603050405020304" pitchFamily="18" charset="0"/>
-              <a:cs typeface="Times New Roman" panose="02020603050405020304" pitchFamily="18" charset="0"/>
-            </a:endParaRPr>
-          </a:p>
-        </p:txBody>
-      </p:sp>
-      <p:sp>
-        <p:nvSpPr>
-          <p:cNvPr id="39" name="Rectangle 38">
-            <a:extLst>
-              <a:ext uri="{FF2B5EF4-FFF2-40B4-BE49-F238E27FC236}">
-                <a16:creationId xmlns:a16="http://schemas.microsoft.com/office/drawing/2014/main" id="{AECA565B-75E5-1F68-434E-112D93E38360}"/>
-              </a:ext>
-            </a:extLst>
-          </p:cNvPr>
-          <p:cNvSpPr/>
-          <p:nvPr/>
-        </p:nvSpPr>
-        <p:spPr>
-          <a:xfrm>
-            <a:off x="6096000" y="0"/>
-            <a:ext cx="6096000" cy="501017"/>
-          </a:xfrm>
-          <a:prstGeom prst="rect">
-            <a:avLst/>
-          </a:prstGeom>
-          <a:solidFill>
-            <a:srgbClr val="D9D9D9"/>
-          </a:solidFill>
-          <a:ln>
-            <a:noFill/>
-          </a:ln>
-        </p:spPr>
-        <p:style>
-          <a:lnRef idx="2">
-            <a:schemeClr val="accent1">
-              <a:shade val="15000"/>
-            </a:schemeClr>
-          </a:lnRef>
-          <a:fillRef idx="1">
-            <a:schemeClr val="accent1"/>
-          </a:fillRef>
-          <a:effectRef idx="0">
-            <a:schemeClr val="accent1"/>
-          </a:effectRef>
-          <a:fontRef idx="minor">
-            <a:schemeClr val="lt1"/>
-          </a:fontRef>
-        </p:style>
-        <p:txBody>
-          <a:bodyPr rtlCol="0" anchor="ctr"/>
-          <a:lstStyle/>
-          <a:p>
-            <a:pPr algn="ctr"/>
-            <a:endParaRPr lang="fr-FR" noProof="0" dirty="0"/>
-          </a:p>
-        </p:txBody>
-      </p:sp>
-      <mc:AlternateContent xmlns:mc="http://schemas.openxmlformats.org/markup-compatibility/2006" xmlns:a14="http://schemas.microsoft.com/office/drawing/2010/main">
-        <mc:Choice Requires="a14">
-          <p:sp>
-            <p:nvSpPr>
-              <p:cNvPr id="11" name="TextBox 10">
-                <a:extLst>
-                  <a:ext uri="{FF2B5EF4-FFF2-40B4-BE49-F238E27FC236}">
-                    <a16:creationId xmlns:a16="http://schemas.microsoft.com/office/drawing/2014/main" id="{072A0C86-E46F-7872-4F73-D0C64405F9A7}"/>
-                  </a:ext>
-                </a:extLst>
-              </p:cNvPr>
-              <p:cNvSpPr txBox="1"/>
-              <p:nvPr/>
-            </p:nvSpPr>
-            <p:spPr>
-              <a:xfrm>
-                <a:off x="0" y="627468"/>
-                <a:ext cx="12192000" cy="923330"/>
-              </a:xfrm>
-              <a:prstGeom prst="rect">
-                <a:avLst/>
-              </a:prstGeom>
-              <a:noFill/>
-            </p:spPr>
-            <p:txBody>
-              <a:bodyPr wrap="square" rtlCol="0">
-                <a:spAutoFit/>
-              </a:bodyPr>
-              <a:lstStyle/>
-              <a:p>
-                <a:pPr algn="just"/>
-                <a:r>
-                  <a:rPr lang="fr-FR" noProof="0" dirty="0">
-                    <a:latin typeface="Times New Roman" panose="02020603050405020304" pitchFamily="18" charset="0"/>
-                    <a:cs typeface="Times New Roman" panose="02020603050405020304" pitchFamily="18" charset="0"/>
-                  </a:rPr>
-                  <a:t>Dans le cadre d’un précédent</a:t>
-                </a:r>
-                <a:r>
-                  <a:rPr lang="fr-FR" dirty="0">
-                    <a:latin typeface="Times New Roman" panose="02020603050405020304" pitchFamily="18" charset="0"/>
-                    <a:cs typeface="Times New Roman" panose="02020603050405020304" pitchFamily="18" charset="0"/>
-                  </a:rPr>
-                  <a:t>t projet, une orthèse d’avant-bras fut étudiée dans le but de pouvoir </a:t>
-                </a:r>
-                <a:r>
-                  <a:rPr lang="fr-FR" b="1" dirty="0">
-                    <a:latin typeface="Times New Roman" panose="02020603050405020304" pitchFamily="18" charset="0"/>
-                    <a:cs typeface="Times New Roman" panose="02020603050405020304" pitchFamily="18" charset="0"/>
-                  </a:rPr>
-                  <a:t>l’optimiser topologiquement</a:t>
-                </a:r>
-                <a:r>
-                  <a:rPr lang="fr-FR" dirty="0">
-                    <a:latin typeface="Times New Roman" panose="02020603050405020304" pitchFamily="18" charset="0"/>
-                    <a:cs typeface="Times New Roman" panose="02020603050405020304" pitchFamily="18" charset="0"/>
-                  </a:rPr>
-                  <a:t>. L’optimisation topologique à pour but de retirer de la matière de manière intelligente afin de modifier le moins possible les critères imposés (ici le déplacement maximale </a:t>
-                </a:r>
-                <a14:m>
-                  <m:oMath xmlns:m="http://schemas.openxmlformats.org/officeDocument/2006/math">
-                    <m:sSub>
-                      <m:sSubPr>
-                        <m:ctrlPr>
-                          <a:rPr lang="fr-FR" b="0" i="1" smtClean="0">
-                            <a:latin typeface="Cambria Math" panose="02040503050406030204" pitchFamily="18" charset="0"/>
-                            <a:cs typeface="Times New Roman" panose="02020603050405020304" pitchFamily="18" charset="0"/>
-                          </a:rPr>
-                        </m:ctrlPr>
-                      </m:sSubPr>
-                      <m:e>
-                        <m:r>
-                          <a:rPr lang="fr-FR" b="0" i="1" smtClean="0">
-                            <a:latin typeface="Cambria Math" panose="02040503050406030204" pitchFamily="18" charset="0"/>
-                            <a:cs typeface="Times New Roman" panose="02020603050405020304" pitchFamily="18" charset="0"/>
-                          </a:rPr>
-                          <m:t>𝑢</m:t>
-                        </m:r>
-                      </m:e>
-                      <m:sub>
-                        <m:r>
-                          <a:rPr lang="fr-FR" b="0" i="1" smtClean="0">
-                            <a:latin typeface="Cambria Math" panose="02040503050406030204" pitchFamily="18" charset="0"/>
-                            <a:cs typeface="Times New Roman" panose="02020603050405020304" pitchFamily="18" charset="0"/>
-                          </a:rPr>
-                          <m:t>𝑚𝑎𝑥</m:t>
-                        </m:r>
-                      </m:sub>
-                    </m:sSub>
-                  </m:oMath>
-                </a14:m>
-                <a:r>
-                  <a:rPr lang="fr-FR" dirty="0">
-                    <a:latin typeface="Times New Roman" panose="02020603050405020304" pitchFamily="18" charset="0"/>
-                    <a:cs typeface="Times New Roman" panose="02020603050405020304" pitchFamily="18" charset="0"/>
-                  </a:rPr>
-                  <a:t>). </a:t>
-                </a:r>
-                <a:endParaRPr lang="fr-FR" noProof="0" dirty="0">
-                  <a:latin typeface="Times New Roman" panose="02020603050405020304" pitchFamily="18" charset="0"/>
-                  <a:cs typeface="Times New Roman" panose="02020603050405020304" pitchFamily="18" charset="0"/>
-                </a:endParaRPr>
-              </a:p>
-            </p:txBody>
-          </p:sp>
-        </mc:Choice>
-        <mc:Fallback xmlns="">
-          <p:sp>
-            <p:nvSpPr>
-              <p:cNvPr id="11" name="TextBox 10">
-                <a:extLst>
-                  <a:ext uri="{FF2B5EF4-FFF2-40B4-BE49-F238E27FC236}">
-                    <a16:creationId xmlns:a16="http://schemas.microsoft.com/office/drawing/2014/main" id="{072A0C86-E46F-7872-4F73-D0C64405F9A7}"/>
-                  </a:ext>
-                </a:extLst>
-              </p:cNvPr>
-              <p:cNvSpPr txBox="1">
-                <a:spLocks noRot="1" noChangeAspect="1" noMove="1" noResize="1" noEditPoints="1" noAdjustHandles="1" noChangeArrowheads="1" noChangeShapeType="1" noTextEdit="1"/>
-              </p:cNvSpPr>
-              <p:nvPr/>
-            </p:nvSpPr>
-            <p:spPr>
-              <a:xfrm>
-                <a:off x="0" y="627468"/>
-                <a:ext cx="12192000" cy="923330"/>
-              </a:xfrm>
-              <a:prstGeom prst="rect">
-                <a:avLst/>
-              </a:prstGeom>
-              <a:blipFill>
-                <a:blip r:embed="rId3"/>
-                <a:stretch>
-                  <a:fillRect l="-400" t="-3974" r="-400" b="-9934"/>
-                </a:stretch>
-              </a:blipFill>
-            </p:spPr>
-            <p:txBody>
-              <a:bodyPr/>
-              <a:lstStyle/>
-              <a:p>
-                <a:r>
-                  <a:rPr lang="en-GB">
-                    <a:noFill/>
-                  </a:rPr>
-                  <a:t> </a:t>
-                </a:r>
-              </a:p>
-            </p:txBody>
-          </p:sp>
-        </mc:Fallback>
-      </mc:AlternateContent>
-      <p:sp>
-        <p:nvSpPr>
-          <p:cNvPr id="28" name="TextBox 27">
-            <a:extLst>
-              <a:ext uri="{FF2B5EF4-FFF2-40B4-BE49-F238E27FC236}">
-                <a16:creationId xmlns:a16="http://schemas.microsoft.com/office/drawing/2014/main" id="{A3F4CAB7-21CC-3B13-8827-56C233CE43A0}"/>
-              </a:ext>
-            </a:extLst>
-          </p:cNvPr>
-          <p:cNvSpPr txBox="1"/>
-          <p:nvPr/>
-        </p:nvSpPr>
-        <p:spPr>
-          <a:xfrm>
-            <a:off x="0" y="1550798"/>
-            <a:ext cx="12192000" cy="369332"/>
-          </a:xfrm>
-          <a:prstGeom prst="rect">
-            <a:avLst/>
-          </a:prstGeom>
-          <a:noFill/>
-        </p:spPr>
-        <p:txBody>
-          <a:bodyPr wrap="square" rtlCol="0">
-            <a:spAutoFit/>
-          </a:bodyPr>
-          <a:lstStyle/>
-          <a:p>
-            <a:pPr marL="285750" indent="-285750" algn="just">
-              <a:buFont typeface="Wingdings" panose="05000000000000000000" pitchFamily="2" charset="2"/>
-              <a:buChar char="§"/>
-            </a:pPr>
-            <a:r>
-              <a:rPr lang="fr-FR" b="1" noProof="0" dirty="0">
-                <a:latin typeface="Times New Roman" panose="02020603050405020304" pitchFamily="18" charset="0"/>
-                <a:cs typeface="Times New Roman" panose="02020603050405020304" pitchFamily="18" charset="0"/>
-              </a:rPr>
-              <a:t>Critère mathématique d’optimisation </a:t>
-            </a:r>
-            <a:r>
-              <a:rPr lang="fr-FR" noProof="0" dirty="0">
-                <a:latin typeface="Times New Roman" panose="02020603050405020304" pitchFamily="18" charset="0"/>
-                <a:cs typeface="Times New Roman" panose="02020603050405020304" pitchFamily="18" charset="0"/>
-              </a:rPr>
-              <a:t>: </a:t>
-            </a:r>
-          </a:p>
-        </p:txBody>
-      </p:sp>
-      <mc:AlternateContent xmlns:mc="http://schemas.openxmlformats.org/markup-compatibility/2006" xmlns:a14="http://schemas.microsoft.com/office/drawing/2010/main">
-        <mc:Choice Requires="a14">
-          <p:sp>
-            <p:nvSpPr>
-              <p:cNvPr id="29" name="TextBox 28">
-                <a:extLst>
-                  <a:ext uri="{FF2B5EF4-FFF2-40B4-BE49-F238E27FC236}">
-                    <a16:creationId xmlns:a16="http://schemas.microsoft.com/office/drawing/2014/main" id="{16F0C38C-ADF0-05C8-AB97-6D861D171C8A}"/>
-                  </a:ext>
-                </a:extLst>
-              </p:cNvPr>
-              <p:cNvSpPr txBox="1"/>
-              <p:nvPr/>
-            </p:nvSpPr>
-            <p:spPr>
-              <a:xfrm>
-                <a:off x="340534" y="1920130"/>
-                <a:ext cx="11851465" cy="760465"/>
-              </a:xfrm>
-              <a:prstGeom prst="rect">
-                <a:avLst/>
-              </a:prstGeom>
-              <a:noFill/>
-            </p:spPr>
-            <p:txBody>
-              <a:bodyPr wrap="square" rtlCol="0">
-                <a:spAutoFit/>
-              </a:bodyPr>
-              <a:lstStyle/>
-              <a:p>
-                <a:r>
-                  <a:rPr lang="fr-FR" noProof="0" dirty="0">
-                    <a:latin typeface="Times New Roman" panose="02020603050405020304" pitchFamily="18" charset="0"/>
-                    <a:cs typeface="Times New Roman" panose="02020603050405020304" pitchFamily="18" charset="0"/>
-                  </a:rPr>
-                  <a:t>Minimiser </a:t>
-                </a:r>
-                <a14:m>
-                  <m:oMath xmlns:m="http://schemas.openxmlformats.org/officeDocument/2006/math">
-                    <m:r>
-                      <a:rPr lang="fr-FR" i="1" noProof="0" smtClean="0">
-                        <a:latin typeface="Cambria Math" panose="02040503050406030204" pitchFamily="18" charset="0"/>
-                        <a:ea typeface="Cambria Math" panose="02040503050406030204" pitchFamily="18" charset="0"/>
-                        <a:cs typeface="Times New Roman" panose="02020603050405020304" pitchFamily="18" charset="0"/>
-                      </a:rPr>
-                      <m:t>𝜌</m:t>
-                    </m:r>
-                  </m:oMath>
-                </a14:m>
-                <a:r>
-                  <a:rPr lang="fr-FR" noProof="0" dirty="0">
-                    <a:latin typeface="Times New Roman" panose="02020603050405020304" pitchFamily="18" charset="0"/>
-                    <a:cs typeface="Times New Roman" panose="02020603050405020304" pitchFamily="18" charset="0"/>
-                  </a:rPr>
-                  <a:t> (masse) et </a:t>
-                </a:r>
-                <a14:m>
-                  <m:oMath xmlns:m="http://schemas.openxmlformats.org/officeDocument/2006/math">
-                    <m:nary>
-                      <m:naryPr>
-                        <m:limLoc m:val="undOvr"/>
-                        <m:ctrlPr>
-                          <a:rPr lang="fr-FR" i="1" noProof="0" dirty="0" smtClean="0">
-                            <a:latin typeface="Cambria Math" panose="02040503050406030204" pitchFamily="18" charset="0"/>
-                            <a:cs typeface="Times New Roman" panose="02020603050405020304" pitchFamily="18" charset="0"/>
-                          </a:rPr>
-                        </m:ctrlPr>
-                      </m:naryPr>
-                      <m:sub>
-                        <m:r>
-                          <a:rPr lang="fr-FR" i="1" noProof="0" dirty="0" smtClean="0">
-                            <a:latin typeface="Cambria Math" panose="02040503050406030204" pitchFamily="18" charset="0"/>
-                          </a:rPr>
-                          <m:t>𝛺</m:t>
-                        </m:r>
-                      </m:sub>
-                      <m:sup>
-                        <m:r>
-                          <a:rPr lang="fr-FR" b="0" i="1" noProof="0" dirty="0" smtClean="0">
-                            <a:latin typeface="Cambria Math" panose="02040503050406030204" pitchFamily="18" charset="0"/>
-                            <a:cs typeface="Times New Roman" panose="02020603050405020304" pitchFamily="18" charset="0"/>
-                          </a:rPr>
-                          <m:t> </m:t>
-                        </m:r>
-                      </m:sup>
-                      <m:e>
-                        <m:f>
-                          <m:fPr>
-                            <m:ctrlPr>
-                              <a:rPr lang="fr-FR" b="0" i="1" noProof="0" dirty="0" smtClean="0">
-                                <a:latin typeface="Cambria Math" panose="02040503050406030204" pitchFamily="18" charset="0"/>
-                                <a:cs typeface="Times New Roman" panose="02020603050405020304" pitchFamily="18" charset="0"/>
-                              </a:rPr>
-                            </m:ctrlPr>
-                          </m:fPr>
-                          <m:num>
-                            <m:r>
-                              <a:rPr lang="fr-FR" b="0" i="1" noProof="0" dirty="0" smtClean="0">
-                                <a:latin typeface="Cambria Math" panose="02040503050406030204" pitchFamily="18" charset="0"/>
-                                <a:cs typeface="Times New Roman" panose="02020603050405020304" pitchFamily="18" charset="0"/>
-                              </a:rPr>
-                              <m:t>1</m:t>
-                            </m:r>
-                          </m:num>
-                          <m:den>
-                            <m:r>
-                              <a:rPr lang="fr-FR" b="0" i="1" noProof="0" dirty="0" smtClean="0">
-                                <a:latin typeface="Cambria Math" panose="02040503050406030204" pitchFamily="18" charset="0"/>
-                                <a:cs typeface="Times New Roman" panose="02020603050405020304" pitchFamily="18" charset="0"/>
-                              </a:rPr>
-                              <m:t>2</m:t>
-                            </m:r>
-                          </m:den>
-                        </m:f>
-                        <m:sSub>
-                          <m:sSubPr>
-                            <m:ctrlPr>
-                              <a:rPr lang="fr-FR" b="0" i="1" noProof="0" dirty="0" smtClean="0">
-                                <a:latin typeface="Cambria Math" panose="02040503050406030204" pitchFamily="18" charset="0"/>
-                                <a:ea typeface="Cambria Math" panose="02040503050406030204" pitchFamily="18" charset="0"/>
-                                <a:cs typeface="Times New Roman" panose="02020603050405020304" pitchFamily="18" charset="0"/>
-                              </a:rPr>
-                            </m:ctrlPr>
-                          </m:sSubPr>
-                          <m:e>
-                            <m:r>
-                              <a:rPr lang="fr-FR" b="0" i="1" noProof="0" dirty="0" smtClean="0">
-                                <a:latin typeface="Cambria Math" panose="02040503050406030204" pitchFamily="18" charset="0"/>
-                                <a:ea typeface="Cambria Math" panose="02040503050406030204" pitchFamily="18" charset="0"/>
-                                <a:cs typeface="Times New Roman" panose="02020603050405020304" pitchFamily="18" charset="0"/>
-                              </a:rPr>
-                              <m:t>𝜎</m:t>
-                            </m:r>
-                          </m:e>
-                          <m:sub>
-                            <m:r>
-                              <a:rPr lang="fr-FR" b="0" i="1" noProof="0" dirty="0" smtClean="0">
-                                <a:latin typeface="Cambria Math" panose="02040503050406030204" pitchFamily="18" charset="0"/>
-                                <a:ea typeface="Cambria Math" panose="02040503050406030204" pitchFamily="18" charset="0"/>
-                                <a:cs typeface="Times New Roman" panose="02020603050405020304" pitchFamily="18" charset="0"/>
-                              </a:rPr>
-                              <m:t>𝑖</m:t>
-                            </m:r>
-                          </m:sub>
-                        </m:sSub>
-                        <m:r>
-                          <a:rPr lang="fr-FR" b="0" i="1" noProof="0" dirty="0" smtClean="0">
-                            <a:latin typeface="Cambria Math" panose="02040503050406030204" pitchFamily="18" charset="0"/>
-                            <a:ea typeface="Cambria Math" panose="02040503050406030204" pitchFamily="18" charset="0"/>
-                            <a:cs typeface="Times New Roman" panose="02020603050405020304" pitchFamily="18" charset="0"/>
-                          </a:rPr>
-                          <m:t>:</m:t>
-                        </m:r>
-                        <m:sSub>
-                          <m:sSubPr>
-                            <m:ctrlPr>
-                              <a:rPr lang="fr-FR" b="0" i="1" noProof="0" dirty="0" smtClean="0">
-                                <a:latin typeface="Cambria Math" panose="02040503050406030204" pitchFamily="18" charset="0"/>
-                                <a:ea typeface="Cambria Math" panose="02040503050406030204" pitchFamily="18" charset="0"/>
-                                <a:cs typeface="Times New Roman" panose="02020603050405020304" pitchFamily="18" charset="0"/>
-                              </a:rPr>
-                            </m:ctrlPr>
-                          </m:sSubPr>
-                          <m:e>
-                            <m:r>
-                              <a:rPr lang="fr-FR" b="0" i="1" noProof="0" dirty="0" smtClean="0">
-                                <a:latin typeface="Cambria Math" panose="02040503050406030204" pitchFamily="18" charset="0"/>
-                                <a:ea typeface="Cambria Math" panose="02040503050406030204" pitchFamily="18" charset="0"/>
-                                <a:cs typeface="Times New Roman" panose="02020603050405020304" pitchFamily="18" charset="0"/>
-                              </a:rPr>
-                              <m:t>𝜀</m:t>
-                            </m:r>
-                          </m:e>
-                          <m:sub>
-                            <m:r>
-                              <a:rPr lang="fr-FR" b="0" i="1" noProof="0" dirty="0" smtClean="0">
-                                <a:latin typeface="Cambria Math" panose="02040503050406030204" pitchFamily="18" charset="0"/>
-                                <a:ea typeface="Cambria Math" panose="02040503050406030204" pitchFamily="18" charset="0"/>
-                                <a:cs typeface="Times New Roman" panose="02020603050405020304" pitchFamily="18" charset="0"/>
-                              </a:rPr>
-                              <m:t>𝑖</m:t>
-                            </m:r>
-                          </m:sub>
-                        </m:sSub>
-                        <m:r>
-                          <a:rPr lang="fr-FR" b="0" i="1" noProof="0" dirty="0" smtClean="0">
-                            <a:latin typeface="Cambria Math" panose="02040503050406030204" pitchFamily="18" charset="0"/>
-                            <a:ea typeface="Cambria Math" panose="02040503050406030204" pitchFamily="18" charset="0"/>
-                            <a:cs typeface="Times New Roman" panose="02020603050405020304" pitchFamily="18" charset="0"/>
-                          </a:rPr>
-                          <m:t> </m:t>
-                        </m:r>
-                        <m:r>
-                          <a:rPr lang="fr-FR" b="0" i="1" noProof="0" dirty="0" smtClean="0">
-                            <a:latin typeface="Cambria Math" panose="02040503050406030204" pitchFamily="18" charset="0"/>
-                            <a:ea typeface="Cambria Math" panose="02040503050406030204" pitchFamily="18" charset="0"/>
-                            <a:cs typeface="Times New Roman" panose="02020603050405020304" pitchFamily="18" charset="0"/>
-                          </a:rPr>
-                          <m:t>𝑑</m:t>
-                        </m:r>
-                        <m:r>
-                          <a:rPr lang="fr-FR" i="1" noProof="0" dirty="0" smtClean="0">
-                            <a:latin typeface="Cambria Math" panose="02040503050406030204" pitchFamily="18" charset="0"/>
-                          </a:rPr>
-                          <m:t>𝛺</m:t>
-                        </m:r>
-                      </m:e>
-                    </m:nary>
-                  </m:oMath>
-                </a14:m>
-                <a:r>
-                  <a:rPr lang="fr-FR" noProof="0" dirty="0">
-                    <a:latin typeface="Times New Roman" panose="02020603050405020304" pitchFamily="18" charset="0"/>
-                    <a:cs typeface="Times New Roman" panose="02020603050405020304" pitchFamily="18" charset="0"/>
-                  </a:rPr>
-                  <a:t> (contraintes) [</a:t>
-                </a:r>
-                <a:r>
-                  <a:rPr lang="fr-FR" i="1" noProof="0" dirty="0">
-                    <a:latin typeface="Times New Roman" panose="02020603050405020304" pitchFamily="18" charset="0"/>
-                    <a:cs typeface="Times New Roman" panose="02020603050405020304" pitchFamily="18" charset="0"/>
-                  </a:rPr>
-                  <a:t>meilleur compromis</a:t>
-                </a:r>
-                <a:r>
-                  <a:rPr lang="fr-FR" noProof="0" dirty="0">
-                    <a:latin typeface="Times New Roman" panose="02020603050405020304" pitchFamily="18" charset="0"/>
-                    <a:cs typeface="Times New Roman" panose="02020603050405020304" pitchFamily="18" charset="0"/>
-                  </a:rPr>
-                  <a:t>] pour </a:t>
-                </a:r>
-                <a14:m>
-                  <m:oMath xmlns:m="http://schemas.openxmlformats.org/officeDocument/2006/math">
-                    <m:r>
-                      <a:rPr lang="fr-FR" b="0" i="1" noProof="0" smtClean="0">
-                        <a:latin typeface="Cambria Math" panose="02040503050406030204" pitchFamily="18" charset="0"/>
-                        <a:cs typeface="Times New Roman" panose="02020603050405020304" pitchFamily="18" charset="0"/>
-                      </a:rPr>
-                      <m:t>𝑖</m:t>
-                    </m:r>
-                    <m:r>
-                      <a:rPr lang="fr-FR" b="0" i="1" noProof="0" smtClean="0">
-                        <a:latin typeface="Cambria Math" panose="02040503050406030204" pitchFamily="18" charset="0"/>
-                        <a:ea typeface="Cambria Math" panose="02040503050406030204" pitchFamily="18" charset="0"/>
-                        <a:cs typeface="Times New Roman" panose="02020603050405020304" pitchFamily="18" charset="0"/>
-                      </a:rPr>
-                      <m:t>∈[</m:t>
-                    </m:r>
-                    <m:r>
-                      <a:rPr lang="fr-FR" b="0" i="1" noProof="0" smtClean="0">
-                        <a:latin typeface="Cambria Math" panose="02040503050406030204" pitchFamily="18" charset="0"/>
-                        <a:ea typeface="Cambria Math" panose="02040503050406030204" pitchFamily="18" charset="0"/>
-                        <a:cs typeface="Times New Roman" panose="02020603050405020304" pitchFamily="18" charset="0"/>
-                      </a:rPr>
-                      <m:t>𝐹</m:t>
-                    </m:r>
-                    <m:r>
-                      <a:rPr lang="fr-FR" b="0" i="1" noProof="0" smtClean="0">
-                        <a:latin typeface="Cambria Math" panose="02040503050406030204" pitchFamily="18" charset="0"/>
-                        <a:ea typeface="Cambria Math" panose="02040503050406030204" pitchFamily="18" charset="0"/>
-                        <a:cs typeface="Times New Roman" panose="02020603050405020304" pitchFamily="18" charset="0"/>
-                      </a:rPr>
-                      <m:t>,</m:t>
-                    </m:r>
-                    <m:r>
-                      <a:rPr lang="fr-FR" b="0" i="1" noProof="0" smtClean="0">
-                        <a:latin typeface="Cambria Math" panose="02040503050406030204" pitchFamily="18" charset="0"/>
-                        <a:ea typeface="Cambria Math" panose="02040503050406030204" pitchFamily="18" charset="0"/>
-                        <a:cs typeface="Times New Roman" panose="02020603050405020304" pitchFamily="18" charset="0"/>
-                      </a:rPr>
-                      <m:t>𝐸</m:t>
-                    </m:r>
-                    <m:r>
-                      <a:rPr lang="fr-FR" b="0" i="1" noProof="0" smtClean="0">
-                        <a:latin typeface="Cambria Math" panose="02040503050406030204" pitchFamily="18" charset="0"/>
-                        <a:ea typeface="Cambria Math" panose="02040503050406030204" pitchFamily="18" charset="0"/>
-                        <a:cs typeface="Times New Roman" panose="02020603050405020304" pitchFamily="18" charset="0"/>
-                      </a:rPr>
-                      <m:t>,</m:t>
-                    </m:r>
-                    <m:r>
-                      <a:rPr lang="fr-FR" b="0" i="1" noProof="0" smtClean="0">
-                        <a:latin typeface="Cambria Math" panose="02040503050406030204" pitchFamily="18" charset="0"/>
-                        <a:ea typeface="Cambria Math" panose="02040503050406030204" pitchFamily="18" charset="0"/>
-                        <a:cs typeface="Times New Roman" panose="02020603050405020304" pitchFamily="18" charset="0"/>
-                      </a:rPr>
-                      <m:t>𝑅</m:t>
-                    </m:r>
-                    <m:r>
-                      <a:rPr lang="fr-FR" b="0" i="1" noProof="0" smtClean="0">
-                        <a:latin typeface="Cambria Math" panose="02040503050406030204" pitchFamily="18" charset="0"/>
-                        <a:ea typeface="Cambria Math" panose="02040503050406030204" pitchFamily="18" charset="0"/>
-                        <a:cs typeface="Times New Roman" panose="02020603050405020304" pitchFamily="18" charset="0"/>
-                      </a:rPr>
-                      <m:t>,</m:t>
-                    </m:r>
-                    <m:r>
-                      <a:rPr lang="fr-FR" b="0" i="1" noProof="0" smtClean="0">
-                        <a:latin typeface="Cambria Math" panose="02040503050406030204" pitchFamily="18" charset="0"/>
-                        <a:ea typeface="Cambria Math" panose="02040503050406030204" pitchFamily="18" charset="0"/>
-                        <a:cs typeface="Times New Roman" panose="02020603050405020304" pitchFamily="18" charset="0"/>
-                      </a:rPr>
-                      <m:t>𝑈</m:t>
-                    </m:r>
-                    <m:r>
-                      <a:rPr lang="fr-FR" b="0" i="1" noProof="0" smtClean="0">
-                        <a:latin typeface="Cambria Math" panose="02040503050406030204" pitchFamily="18" charset="0"/>
-                        <a:ea typeface="Cambria Math" panose="02040503050406030204" pitchFamily="18" charset="0"/>
-                        <a:cs typeface="Times New Roman" panose="02020603050405020304" pitchFamily="18" charset="0"/>
-                      </a:rPr>
-                      <m:t>]</m:t>
-                    </m:r>
-                  </m:oMath>
-                </a14:m>
-                <a:r>
-                  <a:rPr lang="fr-FR" noProof="0" dirty="0">
-                    <a:latin typeface="Times New Roman" panose="02020603050405020304" pitchFamily="18" charset="0"/>
-                    <a:cs typeface="Times New Roman" panose="02020603050405020304" pitchFamily="18" charset="0"/>
-                  </a:rPr>
-                  <a:t> [</a:t>
-                </a:r>
-                <a:r>
-                  <a:rPr lang="fr-FR" i="1" noProof="0" dirty="0">
-                    <a:latin typeface="Times New Roman" panose="02020603050405020304" pitchFamily="18" charset="0"/>
-                    <a:cs typeface="Times New Roman" panose="02020603050405020304" pitchFamily="18" charset="0"/>
-                  </a:rPr>
-                  <a:t>poids égale</a:t>
-                </a:r>
-                <a:r>
-                  <a:rPr lang="fr-FR" noProof="0" dirty="0">
-                    <a:latin typeface="Times New Roman" panose="02020603050405020304" pitchFamily="18" charset="0"/>
-                    <a:cs typeface="Times New Roman" panose="02020603050405020304" pitchFamily="18" charset="0"/>
-                  </a:rPr>
-                  <a:t>]</a:t>
-                </a:r>
-              </a:p>
-              <a:p>
-                <a:r>
-                  <a:rPr lang="fr-FR" dirty="0">
-                    <a:latin typeface="Times New Roman" panose="02020603050405020304" pitchFamily="18" charset="0"/>
-                    <a:cs typeface="Times New Roman" panose="02020603050405020304" pitchFamily="18" charset="0"/>
-                  </a:rPr>
-                  <a:t>Sous la contrainte de poids minimal </a:t>
-                </a:r>
-                <a14:m>
-                  <m:oMath xmlns:m="http://schemas.openxmlformats.org/officeDocument/2006/math">
-                    <m:r>
-                      <a:rPr lang="fr-FR" i="1" smtClean="0">
-                        <a:latin typeface="Cambria Math" panose="02040503050406030204" pitchFamily="18" charset="0"/>
-                        <a:ea typeface="Cambria Math" panose="02040503050406030204" pitchFamily="18" charset="0"/>
-                        <a:cs typeface="Times New Roman" panose="02020603050405020304" pitchFamily="18" charset="0"/>
-                      </a:rPr>
-                      <m:t>→</m:t>
-                    </m:r>
-                    <m:r>
-                      <a:rPr lang="fr-FR" b="0" i="1" smtClean="0">
-                        <a:latin typeface="Cambria Math" panose="02040503050406030204" pitchFamily="18" charset="0"/>
-                        <a:ea typeface="Cambria Math" panose="02040503050406030204" pitchFamily="18" charset="0"/>
-                        <a:cs typeface="Times New Roman" panose="02020603050405020304" pitchFamily="18" charset="0"/>
-                      </a:rPr>
-                      <m:t> </m:t>
-                    </m:r>
-                    <m:r>
-                      <a:rPr lang="fr-FR" b="0" i="1" smtClean="0">
-                        <a:latin typeface="Cambria Math" panose="02040503050406030204" pitchFamily="18" charset="0"/>
-                        <a:ea typeface="Cambria Math" panose="02040503050406030204" pitchFamily="18" charset="0"/>
-                        <a:cs typeface="Times New Roman" panose="02020603050405020304" pitchFamily="18" charset="0"/>
-                      </a:rPr>
-                      <m:t>𝛼</m:t>
-                    </m:r>
-                    <m:r>
-                      <a:rPr lang="fr-FR" b="0" i="1" smtClean="0">
-                        <a:latin typeface="Cambria Math" panose="02040503050406030204" pitchFamily="18" charset="0"/>
-                        <a:ea typeface="Cambria Math" panose="02040503050406030204" pitchFamily="18" charset="0"/>
-                        <a:cs typeface="Times New Roman" panose="02020603050405020304" pitchFamily="18" charset="0"/>
-                      </a:rPr>
-                      <m:t> %</m:t>
-                    </m:r>
-                  </m:oMath>
-                </a14:m>
-                <a:r>
-                  <a:rPr lang="fr-FR" noProof="0" dirty="0">
-                    <a:latin typeface="Times New Roman" panose="02020603050405020304" pitchFamily="18" charset="0"/>
-                    <a:cs typeface="Times New Roman" panose="02020603050405020304" pitchFamily="18" charset="0"/>
-                  </a:rPr>
-                  <a:t> </a:t>
-                </a:r>
-              </a:p>
-            </p:txBody>
-          </p:sp>
-        </mc:Choice>
-        <mc:Fallback xmlns="">
-          <p:sp>
-            <p:nvSpPr>
-              <p:cNvPr id="29" name="TextBox 28">
-                <a:extLst>
-                  <a:ext uri="{FF2B5EF4-FFF2-40B4-BE49-F238E27FC236}">
-                    <a16:creationId xmlns:a16="http://schemas.microsoft.com/office/drawing/2014/main" id="{16F0C38C-ADF0-05C8-AB97-6D861D171C8A}"/>
-                  </a:ext>
-                </a:extLst>
-              </p:cNvPr>
-              <p:cNvSpPr txBox="1">
-                <a:spLocks noRot="1" noChangeAspect="1" noMove="1" noResize="1" noEditPoints="1" noAdjustHandles="1" noChangeArrowheads="1" noChangeShapeType="1" noTextEdit="1"/>
-              </p:cNvSpPr>
-              <p:nvPr/>
-            </p:nvSpPr>
-            <p:spPr>
-              <a:xfrm>
-                <a:off x="340534" y="1920130"/>
-                <a:ext cx="11851465" cy="760465"/>
-              </a:xfrm>
-              <a:prstGeom prst="rect">
-                <a:avLst/>
-              </a:prstGeom>
-              <a:blipFill>
-                <a:blip r:embed="rId4"/>
-                <a:stretch>
-                  <a:fillRect l="-463" t="-64800" b="-65600"/>
-                </a:stretch>
-              </a:blipFill>
-            </p:spPr>
-            <p:txBody>
-              <a:bodyPr/>
-              <a:lstStyle/>
-              <a:p>
-                <a:r>
-                  <a:rPr lang="en-GB">
-                    <a:noFill/>
-                  </a:rPr>
-                  <a:t> </a:t>
-                </a:r>
-              </a:p>
-            </p:txBody>
-          </p:sp>
-        </mc:Fallback>
-      </mc:AlternateContent>
-      <p:grpSp>
-        <p:nvGrpSpPr>
-          <p:cNvPr id="50" name="Group 49">
-            <a:extLst>
-              <a:ext uri="{FF2B5EF4-FFF2-40B4-BE49-F238E27FC236}">
-                <a16:creationId xmlns:a16="http://schemas.microsoft.com/office/drawing/2014/main" id="{6D300C5F-060B-A29B-5E63-8AB2F8289D3E}"/>
-              </a:ext>
-            </a:extLst>
-          </p:cNvPr>
-          <p:cNvGrpSpPr/>
-          <p:nvPr/>
-        </p:nvGrpSpPr>
-        <p:grpSpPr>
-          <a:xfrm>
-            <a:off x="510800" y="2794105"/>
-            <a:ext cx="11147231" cy="2621053"/>
-            <a:chOff x="138736" y="2794105"/>
-            <a:chExt cx="11147231" cy="2621053"/>
-          </a:xfrm>
-        </p:grpSpPr>
-        <p:pic>
-          <p:nvPicPr>
-            <p:cNvPr id="16" name="Picture 15">
-              <a:extLst>
-                <a:ext uri="{FF2B5EF4-FFF2-40B4-BE49-F238E27FC236}">
-                  <a16:creationId xmlns:a16="http://schemas.microsoft.com/office/drawing/2014/main" id="{C8511678-E88F-7D51-904A-00D5D2E20854}"/>
-                </a:ext>
-              </a:extLst>
-            </p:cNvPr>
-            <p:cNvPicPr>
-              <a:picLocks noChangeAspect="1"/>
-            </p:cNvPicPr>
-            <p:nvPr/>
-          </p:nvPicPr>
-          <p:blipFill>
-            <a:blip r:embed="rId5"/>
-            <a:stretch>
-              <a:fillRect/>
-            </a:stretch>
-          </p:blipFill>
-          <p:spPr>
-            <a:xfrm>
-              <a:off x="138736" y="2794105"/>
-              <a:ext cx="5957264" cy="2313276"/>
-            </a:xfrm>
-            <a:prstGeom prst="rect">
-              <a:avLst/>
-            </a:prstGeom>
-            <a:ln>
-              <a:solidFill>
-                <a:schemeClr val="tx1"/>
-              </a:solidFill>
-            </a:ln>
-          </p:spPr>
-        </p:pic>
-        <p:pic>
-          <p:nvPicPr>
-            <p:cNvPr id="22" name="Picture 21">
-              <a:extLst>
-                <a:ext uri="{FF2B5EF4-FFF2-40B4-BE49-F238E27FC236}">
-                  <a16:creationId xmlns:a16="http://schemas.microsoft.com/office/drawing/2014/main" id="{E271FBCE-EB1D-54CC-CAFB-7E1DFF99CA2E}"/>
-                </a:ext>
-              </a:extLst>
-            </p:cNvPr>
-            <p:cNvPicPr>
-              <a:picLocks noChangeAspect="1"/>
-            </p:cNvPicPr>
-            <p:nvPr/>
-          </p:nvPicPr>
-          <p:blipFill>
-            <a:blip r:embed="rId6"/>
-            <a:stretch>
-              <a:fillRect/>
-            </a:stretch>
-          </p:blipFill>
-          <p:spPr>
-            <a:xfrm>
-              <a:off x="7525042" y="2794105"/>
-              <a:ext cx="3237914" cy="2313276"/>
-            </a:xfrm>
-            <a:prstGeom prst="rect">
-              <a:avLst/>
-            </a:prstGeom>
-            <a:ln>
-              <a:solidFill>
-                <a:schemeClr val="tx1"/>
-              </a:solidFill>
-            </a:ln>
-          </p:spPr>
-        </p:pic>
-        <p:sp>
-          <p:nvSpPr>
-            <p:cNvPr id="30" name="TextBox 29">
-              <a:extLst>
-                <a:ext uri="{FF2B5EF4-FFF2-40B4-BE49-F238E27FC236}">
-                  <a16:creationId xmlns:a16="http://schemas.microsoft.com/office/drawing/2014/main" id="{F9012EBE-327E-81BA-D0CC-DFFC3A81D06E}"/>
-                </a:ext>
-              </a:extLst>
-            </p:cNvPr>
-            <p:cNvSpPr txBox="1"/>
-            <p:nvPr/>
-          </p:nvSpPr>
-          <p:spPr>
-            <a:xfrm>
-              <a:off x="340534" y="5107381"/>
-              <a:ext cx="5755465" cy="307777"/>
-            </a:xfrm>
-            <a:prstGeom prst="rect">
-              <a:avLst/>
-            </a:prstGeom>
-            <a:noFill/>
-          </p:spPr>
-          <p:txBody>
-            <a:bodyPr wrap="square" rtlCol="0">
-              <a:spAutoFit/>
-            </a:bodyPr>
-            <a:lstStyle/>
-            <a:p>
-              <a:r>
-                <a:rPr lang="fr-FR" sz="1400" b="1" noProof="0" dirty="0">
-                  <a:latin typeface="Times New Roman" panose="02020603050405020304" pitchFamily="18" charset="0"/>
-                  <a:cs typeface="Times New Roman" panose="02020603050405020304" pitchFamily="18" charset="0"/>
-                </a:rPr>
-                <a:t>Figure [] </a:t>
-              </a:r>
-              <a:r>
-                <a:rPr lang="fr-FR" sz="1400" noProof="0" dirty="0">
-                  <a:latin typeface="Times New Roman" panose="02020603050405020304" pitchFamily="18" charset="0"/>
-                  <a:cs typeface="Times New Roman" panose="02020603050405020304" pitchFamily="18" charset="0"/>
-                </a:rPr>
-                <a:t>: </a:t>
-              </a:r>
-            </a:p>
-          </p:txBody>
-        </p:sp>
-        <mc:AlternateContent xmlns:mc="http://schemas.openxmlformats.org/markup-compatibility/2006" xmlns:a14="http://schemas.microsoft.com/office/drawing/2010/main">
-          <mc:Choice Requires="a14">
-            <p:sp>
-              <p:nvSpPr>
-                <p:cNvPr id="31" name="TextBox 30">
-                  <a:extLst>
-                    <a:ext uri="{FF2B5EF4-FFF2-40B4-BE49-F238E27FC236}">
-                      <a16:creationId xmlns:a16="http://schemas.microsoft.com/office/drawing/2014/main" id="{E096CA17-3B37-1EC9-086C-6073F9F0E327}"/>
-                    </a:ext>
-                  </a:extLst>
-                </p:cNvPr>
-                <p:cNvSpPr txBox="1"/>
-                <p:nvPr/>
-              </p:nvSpPr>
-              <p:spPr>
-                <a:xfrm>
-                  <a:off x="7525042" y="5107381"/>
-                  <a:ext cx="3760925" cy="307777"/>
-                </a:xfrm>
-                <a:prstGeom prst="rect">
-                  <a:avLst/>
-                </a:prstGeom>
-                <a:noFill/>
-              </p:spPr>
-              <p:txBody>
-                <a:bodyPr wrap="square" rtlCol="0">
-                  <a:spAutoFit/>
-                </a:bodyPr>
-                <a:lstStyle/>
-                <a:p>
-                  <a:r>
-                    <a:rPr lang="fr-FR" sz="1400" b="1" noProof="0" dirty="0">
-                      <a:latin typeface="Times New Roman" panose="02020603050405020304" pitchFamily="18" charset="0"/>
-                      <a:cs typeface="Times New Roman" panose="02020603050405020304" pitchFamily="18" charset="0"/>
-                    </a:rPr>
-                    <a:t>Figure [] </a:t>
-                  </a:r>
-                  <a:r>
-                    <a:rPr lang="fr-FR" sz="1400" noProof="0" dirty="0">
-                      <a:latin typeface="Times New Roman" panose="02020603050405020304" pitchFamily="18" charset="0"/>
-                      <a:cs typeface="Times New Roman" panose="02020603050405020304" pitchFamily="18" charset="0"/>
-                    </a:rPr>
-                    <a:t>: Résultat d’optimisation </a:t>
-                  </a:r>
-                  <a14:m>
-                    <m:oMath xmlns:m="http://schemas.openxmlformats.org/officeDocument/2006/math">
-                      <m:r>
-                        <a:rPr lang="fr-FR" sz="1400" b="0" i="1" smtClean="0">
-                          <a:latin typeface="Cambria Math" panose="02040503050406030204" pitchFamily="18" charset="0"/>
-                          <a:ea typeface="Cambria Math" panose="02040503050406030204" pitchFamily="18" charset="0"/>
-                          <a:cs typeface="Times New Roman" panose="02020603050405020304" pitchFamily="18" charset="0"/>
-                        </a:rPr>
-                        <m:t>𝛼</m:t>
-                      </m:r>
-                      <m:r>
-                        <a:rPr lang="fr-FR" sz="1400" b="0" i="1" smtClean="0">
-                          <a:latin typeface="Cambria Math" panose="02040503050406030204" pitchFamily="18" charset="0"/>
-                          <a:ea typeface="Cambria Math" panose="02040503050406030204" pitchFamily="18" charset="0"/>
-                          <a:cs typeface="Times New Roman" panose="02020603050405020304" pitchFamily="18" charset="0"/>
-                        </a:rPr>
-                        <m:t>=40%</m:t>
-                      </m:r>
-                    </m:oMath>
-                  </a14:m>
-                  <a:r>
-                    <a:rPr lang="fr-FR" sz="1400" noProof="0" dirty="0">
-                      <a:latin typeface="Times New Roman" panose="02020603050405020304" pitchFamily="18" charset="0"/>
-                      <a:cs typeface="Times New Roman" panose="02020603050405020304" pitchFamily="18" charset="0"/>
-                    </a:rPr>
-                    <a:t>  </a:t>
-                  </a:r>
-                </a:p>
-              </p:txBody>
-            </p:sp>
-          </mc:Choice>
-          <mc:Fallback xmlns="">
-            <p:sp>
-              <p:nvSpPr>
-                <p:cNvPr id="31" name="TextBox 30">
-                  <a:extLst>
-                    <a:ext uri="{FF2B5EF4-FFF2-40B4-BE49-F238E27FC236}">
-                      <a16:creationId xmlns:a16="http://schemas.microsoft.com/office/drawing/2014/main" id="{E096CA17-3B37-1EC9-086C-6073F9F0E327}"/>
-                    </a:ext>
-                  </a:extLst>
-                </p:cNvPr>
-                <p:cNvSpPr txBox="1">
-                  <a:spLocks noRot="1" noChangeAspect="1" noMove="1" noResize="1" noEditPoints="1" noAdjustHandles="1" noChangeArrowheads="1" noChangeShapeType="1" noTextEdit="1"/>
-                </p:cNvSpPr>
-                <p:nvPr/>
-              </p:nvSpPr>
-              <p:spPr>
-                <a:xfrm>
-                  <a:off x="7525042" y="5107381"/>
-                  <a:ext cx="3760925" cy="307777"/>
-                </a:xfrm>
-                <a:prstGeom prst="rect">
-                  <a:avLst/>
-                </a:prstGeom>
-                <a:blipFill>
-                  <a:blip r:embed="rId7"/>
-                  <a:stretch>
-                    <a:fillRect l="-486" t="-4000" b="-20000"/>
-                  </a:stretch>
-                </a:blipFill>
-              </p:spPr>
-              <p:txBody>
-                <a:bodyPr/>
-                <a:lstStyle/>
-                <a:p>
-                  <a:r>
-                    <a:rPr lang="en-GB">
-                      <a:noFill/>
-                    </a:rPr>
-                    <a:t> </a:t>
-                  </a:r>
-                </a:p>
-              </p:txBody>
-            </p:sp>
-          </mc:Fallback>
-        </mc:AlternateContent>
-      </p:grpSp>
-      <mc:AlternateContent xmlns:mc="http://schemas.openxmlformats.org/markup-compatibility/2006" xmlns:a14="http://schemas.microsoft.com/office/drawing/2010/main">
-        <mc:Choice Requires="a14">
-          <p:sp>
-            <p:nvSpPr>
-              <p:cNvPr id="48" name="TextBox 47">
-                <a:extLst>
-                  <a:ext uri="{FF2B5EF4-FFF2-40B4-BE49-F238E27FC236}">
-                    <a16:creationId xmlns:a16="http://schemas.microsoft.com/office/drawing/2014/main" id="{4BF5205A-C21B-DC10-00D1-30EE1B56E60B}"/>
-                  </a:ext>
-                </a:extLst>
-              </p:cNvPr>
-              <p:cNvSpPr txBox="1"/>
-              <p:nvPr/>
-            </p:nvSpPr>
-            <p:spPr>
-              <a:xfrm>
-                <a:off x="0" y="5585198"/>
-                <a:ext cx="12192000" cy="646331"/>
-              </a:xfrm>
-              <a:prstGeom prst="rect">
-                <a:avLst/>
-              </a:prstGeom>
-              <a:noFill/>
-            </p:spPr>
-            <p:txBody>
-              <a:bodyPr wrap="square" rtlCol="0">
-                <a:spAutoFit/>
-              </a:bodyPr>
-              <a:lstStyle/>
-              <a:p>
-                <a:pPr algn="just"/>
-                <a:r>
-                  <a:rPr lang="fr-FR" noProof="0" dirty="0">
-                    <a:latin typeface="Times New Roman" panose="02020603050405020304" pitchFamily="18" charset="0"/>
-                    <a:cs typeface="Times New Roman" panose="02020603050405020304" pitchFamily="18" charset="0"/>
-                  </a:rPr>
-                  <a:t>Les résultats de simulations avaient permis d’évaluer l’évolution de </a:t>
-                </a:r>
-                <a14:m>
-                  <m:oMath xmlns:m="http://schemas.openxmlformats.org/officeDocument/2006/math">
-                    <m:sSub>
-                      <m:sSubPr>
-                        <m:ctrlPr>
-                          <a:rPr lang="fr-FR" b="0" i="1" smtClean="0">
-                            <a:latin typeface="Cambria Math" panose="02040503050406030204" pitchFamily="18" charset="0"/>
-                            <a:cs typeface="Times New Roman" panose="02020603050405020304" pitchFamily="18" charset="0"/>
-                          </a:rPr>
-                        </m:ctrlPr>
-                      </m:sSubPr>
-                      <m:e>
-                        <m:r>
-                          <a:rPr lang="fr-FR" b="0" i="1" smtClean="0">
-                            <a:latin typeface="Cambria Math" panose="02040503050406030204" pitchFamily="18" charset="0"/>
-                            <a:cs typeface="Times New Roman" panose="02020603050405020304" pitchFamily="18" charset="0"/>
-                          </a:rPr>
-                          <m:t>𝑢</m:t>
-                        </m:r>
-                      </m:e>
-                      <m:sub>
-                        <m:r>
-                          <a:rPr lang="fr-FR" b="0" i="1" smtClean="0">
-                            <a:latin typeface="Cambria Math" panose="02040503050406030204" pitchFamily="18" charset="0"/>
-                            <a:cs typeface="Times New Roman" panose="02020603050405020304" pitchFamily="18" charset="0"/>
-                          </a:rPr>
-                          <m:t>𝑚𝑎𝑥</m:t>
-                        </m:r>
-                      </m:sub>
-                    </m:sSub>
-                  </m:oMath>
-                </a14:m>
-                <a:r>
-                  <a:rPr lang="fr-FR" noProof="0" dirty="0">
-                    <a:latin typeface="Times New Roman" panose="02020603050405020304" pitchFamily="18" charset="0"/>
-                    <a:cs typeface="Times New Roman" panose="02020603050405020304" pitchFamily="18" charset="0"/>
-                  </a:rPr>
-                  <a:t> en fonction des géométries </a:t>
-                </a:r>
-                <a14:m>
-                  <m:oMath xmlns:m="http://schemas.openxmlformats.org/officeDocument/2006/math">
-                    <m:r>
-                      <a:rPr lang="fr-FR" i="1">
-                        <a:latin typeface="Cambria Math" panose="02040503050406030204" pitchFamily="18" charset="0"/>
-                        <a:ea typeface="Cambria Math" panose="02040503050406030204" pitchFamily="18" charset="0"/>
-                        <a:cs typeface="Times New Roman" panose="02020603050405020304" pitchFamily="18" charset="0"/>
-                      </a:rPr>
-                      <m:t>𝛼</m:t>
-                    </m:r>
-                    <m:r>
-                      <a:rPr lang="fr-FR" i="1">
-                        <a:latin typeface="Cambria Math" panose="02040503050406030204" pitchFamily="18" charset="0"/>
-                        <a:ea typeface="Cambria Math" panose="02040503050406030204" pitchFamily="18" charset="0"/>
-                        <a:cs typeface="Times New Roman" panose="02020603050405020304" pitchFamily="18" charset="0"/>
-                      </a:rPr>
-                      <m:t> %</m:t>
-                    </m:r>
-                  </m:oMath>
-                </a14:m>
-                <a:r>
-                  <a:rPr lang="fr-FR" noProof="0" dirty="0">
-                    <a:latin typeface="Times New Roman" panose="02020603050405020304" pitchFamily="18" charset="0"/>
-                    <a:cs typeface="Times New Roman" panose="02020603050405020304" pitchFamily="18" charset="0"/>
-                  </a:rPr>
-                  <a:t>. Un compromis entre réduction de masse et performance en déformation avait été trouvé pour la géométrie </a:t>
-                </a:r>
-                <a14:m>
-                  <m:oMath xmlns:m="http://schemas.openxmlformats.org/officeDocument/2006/math">
-                    <m:r>
-                      <a:rPr lang="fr-FR" i="1">
-                        <a:latin typeface="Cambria Math" panose="02040503050406030204" pitchFamily="18" charset="0"/>
-                        <a:ea typeface="Cambria Math" panose="02040503050406030204" pitchFamily="18" charset="0"/>
-                        <a:cs typeface="Times New Roman" panose="02020603050405020304" pitchFamily="18" charset="0"/>
-                      </a:rPr>
-                      <m:t>𝛼</m:t>
-                    </m:r>
-                    <m:r>
-                      <a:rPr lang="fr-FR" b="0" i="1" smtClean="0">
-                        <a:latin typeface="Cambria Math" panose="02040503050406030204" pitchFamily="18" charset="0"/>
-                        <a:ea typeface="Cambria Math" panose="02040503050406030204" pitchFamily="18" charset="0"/>
-                        <a:cs typeface="Times New Roman" panose="02020603050405020304" pitchFamily="18" charset="0"/>
-                      </a:rPr>
-                      <m:t>=40</m:t>
-                    </m:r>
-                    <m:r>
-                      <a:rPr lang="fr-FR" i="1">
-                        <a:latin typeface="Cambria Math" panose="02040503050406030204" pitchFamily="18" charset="0"/>
-                        <a:ea typeface="Cambria Math" panose="02040503050406030204" pitchFamily="18" charset="0"/>
-                        <a:cs typeface="Times New Roman" panose="02020603050405020304" pitchFamily="18" charset="0"/>
-                      </a:rPr>
-                      <m:t>%</m:t>
-                    </m:r>
-                  </m:oMath>
-                </a14:m>
-                <a:r>
-                  <a:rPr lang="fr-FR" noProof="0" dirty="0">
-                    <a:latin typeface="Times New Roman" panose="02020603050405020304" pitchFamily="18" charset="0"/>
-                    <a:cs typeface="Times New Roman" panose="02020603050405020304" pitchFamily="18" charset="0"/>
-                  </a:rPr>
-                  <a:t>.   </a:t>
-                </a:r>
-              </a:p>
-            </p:txBody>
-          </p:sp>
-        </mc:Choice>
-        <mc:Fallback xmlns="">
-          <p:sp>
-            <p:nvSpPr>
-              <p:cNvPr id="48" name="TextBox 47">
-                <a:extLst>
-                  <a:ext uri="{FF2B5EF4-FFF2-40B4-BE49-F238E27FC236}">
-                    <a16:creationId xmlns:a16="http://schemas.microsoft.com/office/drawing/2014/main" id="{4BF5205A-C21B-DC10-00D1-30EE1B56E60B}"/>
-                  </a:ext>
-                </a:extLst>
-              </p:cNvPr>
-              <p:cNvSpPr txBox="1">
-                <a:spLocks noRot="1" noChangeAspect="1" noMove="1" noResize="1" noEditPoints="1" noAdjustHandles="1" noChangeArrowheads="1" noChangeShapeType="1" noTextEdit="1"/>
-              </p:cNvSpPr>
-              <p:nvPr/>
-            </p:nvSpPr>
-            <p:spPr>
-              <a:xfrm>
-                <a:off x="0" y="5585198"/>
-                <a:ext cx="12192000" cy="646331"/>
-              </a:xfrm>
-              <a:prstGeom prst="rect">
-                <a:avLst/>
-              </a:prstGeom>
-              <a:blipFill>
-                <a:blip r:embed="rId8"/>
-                <a:stretch>
-                  <a:fillRect l="-400" t="-4717" r="-400" b="-14151"/>
-                </a:stretch>
-              </a:blipFill>
-            </p:spPr>
-            <p:txBody>
-              <a:bodyPr/>
-              <a:lstStyle/>
-              <a:p>
-                <a:r>
-                  <a:rPr lang="en-GB">
-                    <a:noFill/>
-                  </a:rPr>
-                  <a:t> </a:t>
-                </a:r>
-              </a:p>
-            </p:txBody>
-          </p:sp>
-        </mc:Fallback>
-      </mc:AlternateContent>
-      <p:sp>
-        <p:nvSpPr>
-          <p:cNvPr id="49" name="TextBox 48">
-            <a:extLst>
-              <a:ext uri="{FF2B5EF4-FFF2-40B4-BE49-F238E27FC236}">
-                <a16:creationId xmlns:a16="http://schemas.microsoft.com/office/drawing/2014/main" id="{A79242B3-F8EA-94FD-D9D9-2D85B18818DC}"/>
-              </a:ext>
-            </a:extLst>
-          </p:cNvPr>
-          <p:cNvSpPr txBox="1"/>
-          <p:nvPr/>
-        </p:nvSpPr>
-        <p:spPr>
-          <a:xfrm>
-            <a:off x="11091333" y="6550222"/>
-            <a:ext cx="1100667" cy="307777"/>
-          </a:xfrm>
-          <a:prstGeom prst="rect">
-            <a:avLst/>
-          </a:prstGeom>
-          <a:noFill/>
-        </p:spPr>
-        <p:txBody>
-          <a:bodyPr wrap="square" rtlCol="0">
-            <a:spAutoFit/>
-          </a:bodyPr>
-          <a:lstStyle/>
-          <a:p>
-            <a:pPr algn="r"/>
-            <a:r>
-              <a:rPr lang="fr-FR" sz="1400" noProof="0" dirty="0">
-                <a:latin typeface="Times New Roman" panose="02020603050405020304" pitchFamily="18" charset="0"/>
-                <a:cs typeface="Times New Roman" panose="02020603050405020304" pitchFamily="18" charset="0"/>
-              </a:rPr>
-              <a:t>X/Y</a:t>
-            </a:r>
-          </a:p>
-        </p:txBody>
-      </p:sp>
-    </p:spTree>
-    <p:extLst>
-      <p:ext uri="{BB962C8B-B14F-4D97-AF65-F5344CB8AC3E}">
-        <p14:creationId xmlns:p14="http://schemas.microsoft.com/office/powerpoint/2010/main" val="1966793551"/>
-      </p:ext>
-    </p:extLst>
-  </p:cSld>
-  <p:clrMapOvr>
-    <a:masterClrMapping/>
-  </p:clrMapOvr>
-</p:sld>
-</file>
-
-<file path=ppt/slides/slide20.xml><?xml version="1.0" encoding="utf-8"?>
+<file path=ppt/slides/slide21.xml><?xml version="1.0" encoding="utf-8"?>
 <p:sld xmlns:a="http://schemas.openxmlformats.org/drawingml/2006/main" xmlns:r="http://schemas.openxmlformats.org/officeDocument/2006/relationships" xmlns:p="http://schemas.openxmlformats.org/presentationml/2006/main">
   <p:cSld>
     <p:spTree>
@@ -28818,6 +29551,35 @@
           </p:sp>
         </mc:Fallback>
       </mc:AlternateContent>
+      <p:sp>
+        <p:nvSpPr>
+          <p:cNvPr id="14" name="Slide Number Placeholder 13">
+            <a:extLst>
+              <a:ext uri="{FF2B5EF4-FFF2-40B4-BE49-F238E27FC236}">
+                <a16:creationId xmlns:a16="http://schemas.microsoft.com/office/drawing/2014/main" id="{E8A85BF2-B5A1-BA71-B41B-75EC04E1D16C}"/>
+              </a:ext>
+            </a:extLst>
+          </p:cNvPr>
+          <p:cNvSpPr>
+            <a:spLocks noGrp="1"/>
+          </p:cNvSpPr>
+          <p:nvPr>
+            <p:ph type="sldNum" sz="quarter" idx="12"/>
+          </p:nvPr>
+        </p:nvSpPr>
+        <p:spPr/>
+        <p:txBody>
+          <a:bodyPr/>
+          <a:lstStyle/>
+          <a:p>
+            <a:fld id="{74DDA11D-2719-4AB3-AAA7-DB2910A56E08}" type="slidenum">
+              <a:rPr lang="en-GB" smtClean="0"/>
+              <a:t>21</a:t>
+            </a:fld>
+            <a:endParaRPr lang="en-GB"/>
+          </a:p>
+        </p:txBody>
+      </p:sp>
     </p:spTree>
     <p:extLst>
       <p:ext uri="{BB962C8B-B14F-4D97-AF65-F5344CB8AC3E}">
@@ -28831,7 +29593,7 @@
 </p:sld>
 </file>
 
-<file path=ppt/slides/slide21.xml><?xml version="1.0" encoding="utf-8"?>
+<file path=ppt/slides/slide22.xml><?xml version="1.0" encoding="utf-8"?>
 <p:sld xmlns:a="http://schemas.openxmlformats.org/drawingml/2006/main" xmlns:r="http://schemas.openxmlformats.org/officeDocument/2006/relationships" xmlns:p="http://schemas.openxmlformats.org/presentationml/2006/main">
   <p:cSld>
     <p:spTree>
@@ -29536,6 +30298,35 @@
           </p:sp>
         </mc:Fallback>
       </mc:AlternateContent>
+      <p:sp>
+        <p:nvSpPr>
+          <p:cNvPr id="7" name="Slide Number Placeholder 6">
+            <a:extLst>
+              <a:ext uri="{FF2B5EF4-FFF2-40B4-BE49-F238E27FC236}">
+                <a16:creationId xmlns:a16="http://schemas.microsoft.com/office/drawing/2014/main" id="{C68FCF87-D8F9-1F47-F55B-9BC0EB950D17}"/>
+              </a:ext>
+            </a:extLst>
+          </p:cNvPr>
+          <p:cNvSpPr>
+            <a:spLocks noGrp="1"/>
+          </p:cNvSpPr>
+          <p:nvPr>
+            <p:ph type="sldNum" sz="quarter" idx="12"/>
+          </p:nvPr>
+        </p:nvSpPr>
+        <p:spPr/>
+        <p:txBody>
+          <a:bodyPr/>
+          <a:lstStyle/>
+          <a:p>
+            <a:fld id="{74DDA11D-2719-4AB3-AAA7-DB2910A56E08}" type="slidenum">
+              <a:rPr lang="en-GB" smtClean="0"/>
+              <a:t>22</a:t>
+            </a:fld>
+            <a:endParaRPr lang="en-GB"/>
+          </a:p>
+        </p:txBody>
+      </p:sp>
     </p:spTree>
     <p:extLst>
       <p:ext uri="{BB962C8B-B14F-4D97-AF65-F5344CB8AC3E}">
@@ -29549,7 +30340,7 @@
 </p:sld>
 </file>
 
-<file path=ppt/slides/slide22.xml><?xml version="1.0" encoding="utf-8"?>
+<file path=ppt/slides/slide23.xml><?xml version="1.0" encoding="utf-8"?>
 <p:sld xmlns:a="http://schemas.openxmlformats.org/drawingml/2006/main" xmlns:r="http://schemas.openxmlformats.org/officeDocument/2006/relationships" xmlns:p="http://schemas.openxmlformats.org/presentationml/2006/main">
   <p:cSld>
     <p:spTree>
@@ -30144,6 +30935,35 @@
           </a:p>
         </p:txBody>
       </p:sp>
+      <p:sp>
+        <p:nvSpPr>
+          <p:cNvPr id="15" name="Slide Number Placeholder 14">
+            <a:extLst>
+              <a:ext uri="{FF2B5EF4-FFF2-40B4-BE49-F238E27FC236}">
+                <a16:creationId xmlns:a16="http://schemas.microsoft.com/office/drawing/2014/main" id="{C74E8603-8032-B7BB-64E2-03740B2ED5EA}"/>
+              </a:ext>
+            </a:extLst>
+          </p:cNvPr>
+          <p:cNvSpPr>
+            <a:spLocks noGrp="1"/>
+          </p:cNvSpPr>
+          <p:nvPr>
+            <p:ph type="sldNum" sz="quarter" idx="12"/>
+          </p:nvPr>
+        </p:nvSpPr>
+        <p:spPr/>
+        <p:txBody>
+          <a:bodyPr/>
+          <a:lstStyle/>
+          <a:p>
+            <a:fld id="{74DDA11D-2719-4AB3-AAA7-DB2910A56E08}" type="slidenum">
+              <a:rPr lang="en-GB" smtClean="0"/>
+              <a:t>23</a:t>
+            </a:fld>
+            <a:endParaRPr lang="en-GB"/>
+          </a:p>
+        </p:txBody>
+      </p:sp>
     </p:spTree>
     <p:extLst>
       <p:ext uri="{BB962C8B-B14F-4D97-AF65-F5344CB8AC3E}">
@@ -30333,8 +31153,8 @@
           </a:p>
         </p:txBody>
       </p:sp>
-      <mc:AlternateContent xmlns:mc="http://schemas.openxmlformats.org/markup-compatibility/2006" xmlns:a14="http://schemas.microsoft.com/office/drawing/2010/main">
-        <mc:Choice Requires="a14">
+      <mc:AlternateContent xmlns:mc="http://schemas.openxmlformats.org/markup-compatibility/2006">
+        <mc:Choice xmlns:a14="http://schemas.microsoft.com/office/drawing/2010/main" Requires="a14">
           <p:sp>
             <p:nvSpPr>
               <p:cNvPr id="11" name="TextBox 10">
@@ -30372,7 +31192,7 @@
                     <a:latin typeface="Times New Roman" panose="02020603050405020304" pitchFamily="18" charset="0"/>
                     <a:cs typeface="Times New Roman" panose="02020603050405020304" pitchFamily="18" charset="0"/>
                   </a:rPr>
-                  <a:t>En parallèle des simulations, des tests expérimentaux ont été réalisé en laboratoire afin de pouvoir caractériser la résine utiliser pour l’orthèse. On était déterminé expérimentalement : </a:t>
+                  <a:t>En parallèle des simulations, des tests expérimentaux ont été réalisé en laboratoire afin de pouvoir caractériser la résine utiliser pour l’orthèse. Nous avons déterminé expérimentalement : </a:t>
                 </a:r>
                 <a14:m>
                   <m:oMath xmlns:m="http://schemas.openxmlformats.org/officeDocument/2006/math">
@@ -30417,13 +31237,13 @@
                     <a:latin typeface="Times New Roman" panose="02020603050405020304" pitchFamily="18" charset="0"/>
                     <a:cs typeface="Times New Roman" panose="02020603050405020304" pitchFamily="18" charset="0"/>
                   </a:rPr>
-                  <a:t>due à l’impression 3D). </a:t>
+                  <a:t>dû à l’impression 3D). </a:t>
                 </a:r>
               </a:p>
             </p:txBody>
           </p:sp>
         </mc:Choice>
-        <mc:Fallback xmlns="">
+        <mc:Fallback>
           <p:sp>
             <p:nvSpPr>
               <p:cNvPr id="11" name="TextBox 10">
@@ -30458,7 +31278,7 @@
               <a:lstStyle/>
               <a:p>
                 <a:r>
-                  <a:rPr lang="en-GB">
+                  <a:rPr lang="fr-FR">
                     <a:noFill/>
                   </a:rPr>
                   <a:t> </a:t>
@@ -30539,45 +31359,6 @@
                 <a:cs typeface="Times New Roman" panose="02020603050405020304" pitchFamily="18" charset="0"/>
               </a:rPr>
               <a:t>: Directions d’impressions 3D</a:t>
-            </a:r>
-          </a:p>
-        </p:txBody>
-      </p:sp>
-      <p:sp>
-        <p:nvSpPr>
-          <p:cNvPr id="6" name="TextBox 5">
-            <a:extLst>
-              <a:ext uri="{FF2B5EF4-FFF2-40B4-BE49-F238E27FC236}">
-                <a16:creationId xmlns:a16="http://schemas.microsoft.com/office/drawing/2014/main" id="{47CB0EFF-830F-8349-9DB3-FB9A307C5887}"/>
-              </a:ext>
-            </a:extLst>
-          </p:cNvPr>
-          <p:cNvSpPr txBox="1"/>
-          <p:nvPr/>
-        </p:nvSpPr>
-        <p:spPr>
-          <a:xfrm>
-            <a:off x="11091333" y="6550222"/>
-            <a:ext cx="1100667" cy="307777"/>
-          </a:xfrm>
-          <a:prstGeom prst="rect">
-            <a:avLst/>
-          </a:prstGeom>
-          <a:noFill/>
-        </p:spPr>
-        <p:txBody>
-          <a:bodyPr wrap="square" rtlCol="0">
-            <a:spAutoFit/>
-          </a:bodyPr>
-          <a:lstStyle/>
-          <a:p>
-            <a:pPr algn="r"/>
-            <a:r>
-              <a:rPr lang="fr-FR" sz="1400" noProof="0" dirty="0">
-                <a:latin typeface="Times New Roman" panose="02020603050405020304" pitchFamily="18" charset="0"/>
-                <a:cs typeface="Times New Roman" panose="02020603050405020304" pitchFamily="18" charset="0"/>
-              </a:rPr>
-              <a:t>X/Y</a:t>
             </a:r>
           </a:p>
         </p:txBody>
@@ -31027,6 +31808,35 @@
           </a:extLst>
         </p:spPr>
       </p:pic>
+      <p:sp>
+        <p:nvSpPr>
+          <p:cNvPr id="5" name="Slide Number Placeholder 4">
+            <a:extLst>
+              <a:ext uri="{FF2B5EF4-FFF2-40B4-BE49-F238E27FC236}">
+                <a16:creationId xmlns:a16="http://schemas.microsoft.com/office/drawing/2014/main" id="{52CC5789-AA76-54DF-1455-EB63364006BE}"/>
+              </a:ext>
+            </a:extLst>
+          </p:cNvPr>
+          <p:cNvSpPr>
+            <a:spLocks noGrp="1"/>
+          </p:cNvSpPr>
+          <p:nvPr>
+            <p:ph type="sldNum" sz="quarter" idx="12"/>
+          </p:nvPr>
+        </p:nvSpPr>
+        <p:spPr/>
+        <p:txBody>
+          <a:bodyPr/>
+          <a:lstStyle/>
+          <a:p>
+            <a:fld id="{74DDA11D-2719-4AB3-AAA7-DB2910A56E08}" type="slidenum">
+              <a:rPr lang="en-GB" smtClean="0"/>
+              <a:t>3</a:t>
+            </a:fld>
+            <a:endParaRPr lang="en-GB"/>
+          </a:p>
+        </p:txBody>
+      </p:sp>
     </p:spTree>
     <p:extLst>
       <p:ext uri="{BB962C8B-B14F-4D97-AF65-F5344CB8AC3E}">
@@ -31211,45 +32021,6 @@
       </p:sp>
       <p:sp>
         <p:nvSpPr>
-          <p:cNvPr id="2" name="TextBox 1">
-            <a:extLst>
-              <a:ext uri="{FF2B5EF4-FFF2-40B4-BE49-F238E27FC236}">
-                <a16:creationId xmlns:a16="http://schemas.microsoft.com/office/drawing/2014/main" id="{80394A4F-406B-36BD-74F1-B5D4E71043BB}"/>
-              </a:ext>
-            </a:extLst>
-          </p:cNvPr>
-          <p:cNvSpPr txBox="1"/>
-          <p:nvPr/>
-        </p:nvSpPr>
-        <p:spPr>
-          <a:xfrm>
-            <a:off x="11091333" y="6550222"/>
-            <a:ext cx="1100667" cy="307777"/>
-          </a:xfrm>
-          <a:prstGeom prst="rect">
-            <a:avLst/>
-          </a:prstGeom>
-          <a:noFill/>
-        </p:spPr>
-        <p:txBody>
-          <a:bodyPr wrap="square" rtlCol="0">
-            <a:spAutoFit/>
-          </a:bodyPr>
-          <a:lstStyle/>
-          <a:p>
-            <a:pPr algn="r"/>
-            <a:r>
-              <a:rPr lang="fr-FR" sz="1400" noProof="0" dirty="0">
-                <a:latin typeface="Times New Roman" panose="02020603050405020304" pitchFamily="18" charset="0"/>
-                <a:cs typeface="Times New Roman" panose="02020603050405020304" pitchFamily="18" charset="0"/>
-              </a:rPr>
-              <a:t>X/Y</a:t>
-            </a:r>
-          </a:p>
-        </p:txBody>
-      </p:sp>
-      <p:sp>
-        <p:nvSpPr>
           <p:cNvPr id="3" name="TextBox 2">
             <a:extLst>
               <a:ext uri="{FF2B5EF4-FFF2-40B4-BE49-F238E27FC236}">
@@ -31356,8 +32127,8 @@
           </a:p>
         </p:txBody>
       </p:sp>
-      <mc:AlternateContent xmlns:mc="http://schemas.openxmlformats.org/markup-compatibility/2006" xmlns:a14="http://schemas.microsoft.com/office/drawing/2010/main">
-        <mc:Choice Requires="a14">
+      <mc:AlternateContent xmlns:mc="http://schemas.openxmlformats.org/markup-compatibility/2006">
+        <mc:Choice xmlns:a14="http://schemas.microsoft.com/office/drawing/2010/main" Requires="a14">
           <p:sp>
             <p:nvSpPr>
               <p:cNvPr id="5" name="TextBox 4">
@@ -31395,7 +32166,7 @@
                         <m:ctrlPr>
                           <a:rPr lang="fr-FR" i="1" noProof="0" smtClean="0">
                             <a:solidFill>
-                              <a:srgbClr val="836967"/>
+                              <a:schemeClr val="tx1"/>
                             </a:solidFill>
                             <a:latin typeface="Cambria Math" panose="02040503050406030204" pitchFamily="18" charset="0"/>
                           </a:rPr>
@@ -31408,7 +32179,7 @@
                             <m:ctrlPr>
                               <a:rPr lang="fr-FR" i="1" noProof="0" smtClean="0">
                                 <a:solidFill>
-                                  <a:srgbClr val="836967"/>
+                                  <a:schemeClr val="tx1"/>
                                 </a:solidFill>
                                 <a:latin typeface="Cambria Math" panose="02040503050406030204" pitchFamily="18" charset="0"/>
                               </a:rPr>
@@ -31417,6 +32188,9 @@
                           <m:e>
                             <m:r>
                               <a:rPr lang="fr-FR" i="1" noProof="0" smtClean="0">
+                                <a:solidFill>
+                                  <a:schemeClr val="tx1"/>
+                                </a:solidFill>
                                 <a:latin typeface="Cambria Math" panose="02040503050406030204" pitchFamily="18" charset="0"/>
                               </a:rPr>
                               <m:t>𝜌</m:t>
@@ -31701,7 +32475,7 @@
             </p:txBody>
           </p:sp>
         </mc:Choice>
-        <mc:Fallback xmlns="">
+        <mc:Fallback>
           <p:sp>
             <p:nvSpPr>
               <p:cNvPr id="5" name="TextBox 4">
@@ -31736,7 +32510,7 @@
               <a:lstStyle/>
               <a:p>
                 <a:r>
-                  <a:rPr lang="en-GB">
+                  <a:rPr lang="fr-FR">
                     <a:noFill/>
                   </a:rPr>
                   <a:t> </a:t>
@@ -32665,8 +33439,8 @@
           </a:p>
         </p:txBody>
       </p:sp>
-      <mc:AlternateContent xmlns:mc="http://schemas.openxmlformats.org/markup-compatibility/2006" xmlns:a14="http://schemas.microsoft.com/office/drawing/2010/main">
-        <mc:Choice Requires="a14">
+      <mc:AlternateContent xmlns:mc="http://schemas.openxmlformats.org/markup-compatibility/2006">
+        <mc:Choice xmlns:a14="http://schemas.microsoft.com/office/drawing/2010/main" Requires="a14">
           <p:sp>
             <p:nvSpPr>
               <p:cNvPr id="19" name="TextBox 18">
@@ -32704,7 +33478,7 @@
                         <m:ctrlPr>
                           <a:rPr lang="fr-FR" i="1" noProof="0" smtClean="0">
                             <a:solidFill>
-                              <a:srgbClr val="836967"/>
+                              <a:schemeClr val="tx1"/>
                             </a:solidFill>
                             <a:latin typeface="Cambria Math" panose="02040503050406030204" pitchFamily="18" charset="0"/>
                           </a:rPr>
@@ -32717,7 +33491,7 @@
                             <m:ctrlPr>
                               <a:rPr lang="fr-FR" i="1" noProof="0" smtClean="0">
                                 <a:solidFill>
-                                  <a:srgbClr val="836967"/>
+                                  <a:schemeClr val="tx1"/>
                                 </a:solidFill>
                                 <a:latin typeface="Cambria Math" panose="02040503050406030204" pitchFamily="18" charset="0"/>
                               </a:rPr>
@@ -32726,6 +33500,9 @@
                           <m:e>
                             <m:r>
                               <a:rPr lang="fr-FR" i="1" noProof="0" smtClean="0">
+                                <a:solidFill>
+                                  <a:schemeClr val="tx1"/>
+                                </a:solidFill>
                                 <a:latin typeface="Cambria Math" panose="02040503050406030204" pitchFamily="18" charset="0"/>
                               </a:rPr>
                               <m:t>𝜌</m:t>
@@ -32949,7 +33726,7 @@
             </p:txBody>
           </p:sp>
         </mc:Choice>
-        <mc:Fallback xmlns="">
+        <mc:Fallback>
           <p:sp>
             <p:nvSpPr>
               <p:cNvPr id="19" name="TextBox 18">
@@ -32984,7 +33761,7 @@
               <a:lstStyle/>
               <a:p>
                 <a:r>
-                  <a:rPr lang="en-GB">
+                  <a:rPr lang="fr-FR">
                     <a:noFill/>
                   </a:rPr>
                   <a:t> </a:t>
@@ -33616,6 +34393,35 @@
           </p:sp>
         </mc:Fallback>
       </mc:AlternateContent>
+      <p:sp>
+        <p:nvSpPr>
+          <p:cNvPr id="8" name="Slide Number Placeholder 7">
+            <a:extLst>
+              <a:ext uri="{FF2B5EF4-FFF2-40B4-BE49-F238E27FC236}">
+                <a16:creationId xmlns:a16="http://schemas.microsoft.com/office/drawing/2014/main" id="{4D631D12-8907-3653-769A-0EB5406EBDE9}"/>
+              </a:ext>
+            </a:extLst>
+          </p:cNvPr>
+          <p:cNvSpPr>
+            <a:spLocks noGrp="1"/>
+          </p:cNvSpPr>
+          <p:nvPr>
+            <p:ph type="sldNum" sz="quarter" idx="12"/>
+          </p:nvPr>
+        </p:nvSpPr>
+        <p:spPr/>
+        <p:txBody>
+          <a:bodyPr/>
+          <a:lstStyle/>
+          <a:p>
+            <a:fld id="{74DDA11D-2719-4AB3-AAA7-DB2910A56E08}" type="slidenum">
+              <a:rPr lang="en-GB" smtClean="0"/>
+              <a:t>4</a:t>
+            </a:fld>
+            <a:endParaRPr lang="en-GB"/>
+          </a:p>
+        </p:txBody>
+      </p:sp>
     </p:spTree>
     <p:extLst>
       <p:ext uri="{BB962C8B-B14F-4D97-AF65-F5344CB8AC3E}">
@@ -33800,40 +34606,30 @@
       </p:sp>
       <p:sp>
         <p:nvSpPr>
-          <p:cNvPr id="2" name="TextBox 1">
+          <p:cNvPr id="3" name="Slide Number Placeholder 2">
             <a:extLst>
               <a:ext uri="{FF2B5EF4-FFF2-40B4-BE49-F238E27FC236}">
-                <a16:creationId xmlns:a16="http://schemas.microsoft.com/office/drawing/2014/main" id="{59F282F9-3609-1522-0AA2-327E0A7E7A9B}"/>
+                <a16:creationId xmlns:a16="http://schemas.microsoft.com/office/drawing/2014/main" id="{6628459A-90DA-0CD8-C5CF-46D6B12B2ACA}"/>
               </a:ext>
             </a:extLst>
           </p:cNvPr>
-          <p:cNvSpPr txBox="1"/>
-          <p:nvPr/>
+          <p:cNvSpPr>
+            <a:spLocks noGrp="1"/>
+          </p:cNvSpPr>
+          <p:nvPr>
+            <p:ph type="sldNum" sz="quarter" idx="12"/>
+          </p:nvPr>
         </p:nvSpPr>
-        <p:spPr>
-          <a:xfrm>
-            <a:off x="11091333" y="6550222"/>
-            <a:ext cx="1100667" cy="307777"/>
-          </a:xfrm>
-          <a:prstGeom prst="rect">
-            <a:avLst/>
-          </a:prstGeom>
-          <a:noFill/>
-        </p:spPr>
+        <p:spPr/>
         <p:txBody>
-          <a:bodyPr wrap="square" rtlCol="0">
-            <a:spAutoFit/>
-          </a:bodyPr>
+          <a:bodyPr/>
           <a:lstStyle/>
           <a:p>
-            <a:pPr algn="r"/>
-            <a:r>
-              <a:rPr lang="fr-FR" sz="1400" noProof="0" dirty="0">
-                <a:latin typeface="Times New Roman" panose="02020603050405020304" pitchFamily="18" charset="0"/>
-                <a:cs typeface="Times New Roman" panose="02020603050405020304" pitchFamily="18" charset="0"/>
-              </a:rPr>
-              <a:t>X/Y</a:t>
-            </a:r>
+            <a:fld id="{74DDA11D-2719-4AB3-AAA7-DB2910A56E08}" type="slidenum">
+              <a:rPr lang="en-GB" smtClean="0"/>
+              <a:t>5</a:t>
+            </a:fld>
+            <a:endParaRPr lang="en-GB"/>
           </a:p>
         </p:txBody>
       </p:sp>
@@ -34021,40 +34817,30 @@
       </p:sp>
       <p:sp>
         <p:nvSpPr>
-          <p:cNvPr id="2" name="TextBox 1">
+          <p:cNvPr id="3" name="Slide Number Placeholder 2">
             <a:extLst>
               <a:ext uri="{FF2B5EF4-FFF2-40B4-BE49-F238E27FC236}">
-                <a16:creationId xmlns:a16="http://schemas.microsoft.com/office/drawing/2014/main" id="{B03F54C8-C74E-296C-FF98-648447B3C076}"/>
+                <a16:creationId xmlns:a16="http://schemas.microsoft.com/office/drawing/2014/main" id="{46DCD23E-1CEC-0157-3289-7A4FF6E26260}"/>
               </a:ext>
             </a:extLst>
           </p:cNvPr>
-          <p:cNvSpPr txBox="1"/>
-          <p:nvPr/>
+          <p:cNvSpPr>
+            <a:spLocks noGrp="1"/>
+          </p:cNvSpPr>
+          <p:nvPr>
+            <p:ph type="sldNum" sz="quarter" idx="12"/>
+          </p:nvPr>
         </p:nvSpPr>
-        <p:spPr>
-          <a:xfrm>
-            <a:off x="11091333" y="6550222"/>
-            <a:ext cx="1100667" cy="307777"/>
-          </a:xfrm>
-          <a:prstGeom prst="rect">
-            <a:avLst/>
-          </a:prstGeom>
-          <a:noFill/>
-        </p:spPr>
+        <p:spPr/>
         <p:txBody>
-          <a:bodyPr wrap="square" rtlCol="0">
-            <a:spAutoFit/>
-          </a:bodyPr>
+          <a:bodyPr/>
           <a:lstStyle/>
           <a:p>
-            <a:pPr algn="r"/>
-            <a:r>
-              <a:rPr lang="fr-FR" sz="1400" noProof="0" dirty="0">
-                <a:latin typeface="Times New Roman" panose="02020603050405020304" pitchFamily="18" charset="0"/>
-                <a:cs typeface="Times New Roman" panose="02020603050405020304" pitchFamily="18" charset="0"/>
-              </a:rPr>
-              <a:t>X/Y</a:t>
-            </a:r>
+            <a:fld id="{74DDA11D-2719-4AB3-AAA7-DB2910A56E08}" type="slidenum">
+              <a:rPr lang="en-GB" smtClean="0"/>
+              <a:t>6</a:t>
+            </a:fld>
+            <a:endParaRPr lang="en-GB"/>
           </a:p>
         </p:txBody>
       </p:sp>
@@ -34237,45 +35023,6 @@
           <a:p>
             <a:pPr algn="ctr"/>
             <a:endParaRPr lang="fr-FR" noProof="0" dirty="0"/>
-          </a:p>
-        </p:txBody>
-      </p:sp>
-      <p:sp>
-        <p:nvSpPr>
-          <p:cNvPr id="2" name="TextBox 1">
-            <a:extLst>
-              <a:ext uri="{FF2B5EF4-FFF2-40B4-BE49-F238E27FC236}">
-                <a16:creationId xmlns:a16="http://schemas.microsoft.com/office/drawing/2014/main" id="{281E66B3-EC50-1DB7-5246-A0A1D85B27B2}"/>
-              </a:ext>
-            </a:extLst>
-          </p:cNvPr>
-          <p:cNvSpPr txBox="1"/>
-          <p:nvPr/>
-        </p:nvSpPr>
-        <p:spPr>
-          <a:xfrm>
-            <a:off x="11091333" y="6550222"/>
-            <a:ext cx="1100667" cy="307777"/>
-          </a:xfrm>
-          <a:prstGeom prst="rect">
-            <a:avLst/>
-          </a:prstGeom>
-          <a:noFill/>
-        </p:spPr>
-        <p:txBody>
-          <a:bodyPr wrap="square" rtlCol="0">
-            <a:spAutoFit/>
-          </a:bodyPr>
-          <a:lstStyle/>
-          <a:p>
-            <a:pPr algn="r"/>
-            <a:r>
-              <a:rPr lang="fr-FR" sz="1400" noProof="0" dirty="0">
-                <a:latin typeface="Times New Roman" panose="02020603050405020304" pitchFamily="18" charset="0"/>
-                <a:cs typeface="Times New Roman" panose="02020603050405020304" pitchFamily="18" charset="0"/>
-              </a:rPr>
-              <a:t>X/Y</a:t>
-            </a:r>
           </a:p>
         </p:txBody>
       </p:sp>
@@ -35594,6 +36341,35 @@
           </p:sp>
         </mc:Fallback>
       </mc:AlternateContent>
+      <p:sp>
+        <p:nvSpPr>
+          <p:cNvPr id="3" name="Slide Number Placeholder 2">
+            <a:extLst>
+              <a:ext uri="{FF2B5EF4-FFF2-40B4-BE49-F238E27FC236}">
+                <a16:creationId xmlns:a16="http://schemas.microsoft.com/office/drawing/2014/main" id="{21693C59-A627-2A24-BEF5-62DA5CC32C45}"/>
+              </a:ext>
+            </a:extLst>
+          </p:cNvPr>
+          <p:cNvSpPr>
+            <a:spLocks noGrp="1"/>
+          </p:cNvSpPr>
+          <p:nvPr>
+            <p:ph type="sldNum" sz="quarter" idx="12"/>
+          </p:nvPr>
+        </p:nvSpPr>
+        <p:spPr/>
+        <p:txBody>
+          <a:bodyPr/>
+          <a:lstStyle/>
+          <a:p>
+            <a:fld id="{74DDA11D-2719-4AB3-AAA7-DB2910A56E08}" type="slidenum">
+              <a:rPr lang="en-GB" smtClean="0"/>
+              <a:t>7</a:t>
+            </a:fld>
+            <a:endParaRPr lang="en-GB"/>
+          </a:p>
+        </p:txBody>
+      </p:sp>
     </p:spTree>
     <p:extLst>
       <p:ext uri="{BB962C8B-B14F-4D97-AF65-F5344CB8AC3E}">
@@ -35773,45 +36549,6 @@
           <a:p>
             <a:pPr algn="ctr"/>
             <a:endParaRPr lang="fr-FR" noProof="0" dirty="0"/>
-          </a:p>
-        </p:txBody>
-      </p:sp>
-      <p:sp>
-        <p:nvSpPr>
-          <p:cNvPr id="2" name="TextBox 1">
-            <a:extLst>
-              <a:ext uri="{FF2B5EF4-FFF2-40B4-BE49-F238E27FC236}">
-                <a16:creationId xmlns:a16="http://schemas.microsoft.com/office/drawing/2014/main" id="{188995BB-87D3-4E19-E9A8-C9C69BA1D256}"/>
-              </a:ext>
-            </a:extLst>
-          </p:cNvPr>
-          <p:cNvSpPr txBox="1"/>
-          <p:nvPr/>
-        </p:nvSpPr>
-        <p:spPr>
-          <a:xfrm>
-            <a:off x="11091333" y="6550222"/>
-            <a:ext cx="1100667" cy="307777"/>
-          </a:xfrm>
-          <a:prstGeom prst="rect">
-            <a:avLst/>
-          </a:prstGeom>
-          <a:noFill/>
-        </p:spPr>
-        <p:txBody>
-          <a:bodyPr wrap="square" rtlCol="0">
-            <a:spAutoFit/>
-          </a:bodyPr>
-          <a:lstStyle/>
-          <a:p>
-            <a:pPr algn="r"/>
-            <a:r>
-              <a:rPr lang="fr-FR" sz="1400" noProof="0" dirty="0">
-                <a:latin typeface="Times New Roman" panose="02020603050405020304" pitchFamily="18" charset="0"/>
-                <a:cs typeface="Times New Roman" panose="02020603050405020304" pitchFamily="18" charset="0"/>
-              </a:rPr>
-              <a:t>X/Y</a:t>
-            </a:r>
           </a:p>
         </p:txBody>
       </p:sp>
@@ -36311,6 +37048,35 @@
           </a:p>
         </p:txBody>
       </p:sp>
+      <p:sp>
+        <p:nvSpPr>
+          <p:cNvPr id="3" name="Slide Number Placeholder 2">
+            <a:extLst>
+              <a:ext uri="{FF2B5EF4-FFF2-40B4-BE49-F238E27FC236}">
+                <a16:creationId xmlns:a16="http://schemas.microsoft.com/office/drawing/2014/main" id="{1D971A84-0379-3D61-828D-B09F0266BC9A}"/>
+              </a:ext>
+            </a:extLst>
+          </p:cNvPr>
+          <p:cNvSpPr>
+            <a:spLocks noGrp="1"/>
+          </p:cNvSpPr>
+          <p:nvPr>
+            <p:ph type="sldNum" sz="quarter" idx="12"/>
+          </p:nvPr>
+        </p:nvSpPr>
+        <p:spPr/>
+        <p:txBody>
+          <a:bodyPr/>
+          <a:lstStyle/>
+          <a:p>
+            <a:fld id="{74DDA11D-2719-4AB3-AAA7-DB2910A56E08}" type="slidenum">
+              <a:rPr lang="en-GB" smtClean="0"/>
+              <a:t>8</a:t>
+            </a:fld>
+            <a:endParaRPr lang="en-GB"/>
+          </a:p>
+        </p:txBody>
+      </p:sp>
     </p:spTree>
     <p:extLst>
       <p:ext uri="{BB962C8B-B14F-4D97-AF65-F5344CB8AC3E}">
@@ -36490,45 +37256,6 @@
           <a:p>
             <a:pPr algn="ctr"/>
             <a:endParaRPr lang="fr-FR" noProof="0" dirty="0"/>
-          </a:p>
-        </p:txBody>
-      </p:sp>
-      <p:sp>
-        <p:nvSpPr>
-          <p:cNvPr id="2" name="TextBox 1">
-            <a:extLst>
-              <a:ext uri="{FF2B5EF4-FFF2-40B4-BE49-F238E27FC236}">
-                <a16:creationId xmlns:a16="http://schemas.microsoft.com/office/drawing/2014/main" id="{BA8C91C5-8A62-D4EF-6FB4-DB3F5EC72519}"/>
-              </a:ext>
-            </a:extLst>
-          </p:cNvPr>
-          <p:cNvSpPr txBox="1"/>
-          <p:nvPr/>
-        </p:nvSpPr>
-        <p:spPr>
-          <a:xfrm>
-            <a:off x="11091333" y="6550222"/>
-            <a:ext cx="1100667" cy="307777"/>
-          </a:xfrm>
-          <a:prstGeom prst="rect">
-            <a:avLst/>
-          </a:prstGeom>
-          <a:noFill/>
-        </p:spPr>
-        <p:txBody>
-          <a:bodyPr wrap="square" rtlCol="0">
-            <a:spAutoFit/>
-          </a:bodyPr>
-          <a:lstStyle/>
-          <a:p>
-            <a:pPr algn="r"/>
-            <a:r>
-              <a:rPr lang="fr-FR" sz="1400" noProof="0" dirty="0">
-                <a:latin typeface="Times New Roman" panose="02020603050405020304" pitchFamily="18" charset="0"/>
-                <a:cs typeface="Times New Roman" panose="02020603050405020304" pitchFamily="18" charset="0"/>
-              </a:rPr>
-              <a:t>X/Y</a:t>
-            </a:r>
           </a:p>
         </p:txBody>
       </p:sp>
@@ -37128,8 +37855,8 @@
           </p:sp>
         </mc:Fallback>
       </mc:AlternateContent>
-      <mc:AlternateContent xmlns:mc="http://schemas.openxmlformats.org/markup-compatibility/2006" xmlns:a14="http://schemas.microsoft.com/office/drawing/2010/main">
-        <mc:Choice Requires="a14">
+      <mc:AlternateContent xmlns:mc="http://schemas.openxmlformats.org/markup-compatibility/2006">
+        <mc:Choice xmlns:a14="http://schemas.microsoft.com/office/drawing/2010/main" Requires="a14">
           <p:sp>
             <p:nvSpPr>
               <p:cNvPr id="10" name="TextBox 9">
@@ -37203,7 +37930,7 @@
                     <a:latin typeface="Times New Roman" panose="02020603050405020304" pitchFamily="18" charset="0"/>
                     <a:cs typeface="Times New Roman" panose="02020603050405020304" pitchFamily="18" charset="0"/>
                   </a:rPr>
-                  <a:t> afin d’être sur du résultat donné. En moyenne, après </a:t>
+                  <a:t> afin d’être sûr du résultat donné. En moyenne, après </a:t>
                 </a:r>
                 <a14:m>
                   <m:oMath xmlns:m="http://schemas.openxmlformats.org/officeDocument/2006/math">
@@ -37265,7 +37992,7 @@
             </p:txBody>
           </p:sp>
         </mc:Choice>
-        <mc:Fallback xmlns="">
+        <mc:Fallback>
           <p:sp>
             <p:nvSpPr>
               <p:cNvPr id="10" name="TextBox 9">
@@ -37300,7 +38027,7 @@
               <a:lstStyle/>
               <a:p>
                 <a:r>
-                  <a:rPr lang="en-GB">
+                  <a:rPr lang="fr-FR">
                     <a:noFill/>
                   </a:rPr>
                   <a:t> </a:t>
@@ -37340,8 +38067,8 @@
           </a:prstGeom>
         </p:spPr>
       </p:pic>
-      <mc:AlternateContent xmlns:mc="http://schemas.openxmlformats.org/markup-compatibility/2006" xmlns:a14="http://schemas.microsoft.com/office/drawing/2010/main">
-        <mc:Choice Requires="a14">
+      <mc:AlternateContent xmlns:mc="http://schemas.openxmlformats.org/markup-compatibility/2006">
+        <mc:Choice xmlns:a14="http://schemas.microsoft.com/office/drawing/2010/main" Requires="a14">
           <p:sp>
             <p:nvSpPr>
               <p:cNvPr id="12" name="TextBox 11">
@@ -37421,7 +38148,7 @@
                     <a:latin typeface="Times New Roman" panose="02020603050405020304" pitchFamily="18" charset="0"/>
                     <a:cs typeface="Times New Roman" panose="02020603050405020304" pitchFamily="18" charset="0"/>
                   </a:rPr>
-                  <a:t> est plus élevé que l’ordre de convergence théorique attendu.  </a:t>
+                  <a:t> est plus faible que l’ordre de convergence théorique attendu de 3.  </a:t>
                 </a:r>
               </a:p>
               <a:p>
@@ -37457,7 +38184,7 @@
             </p:txBody>
           </p:sp>
         </mc:Choice>
-        <mc:Fallback xmlns="">
+        <mc:Fallback>
           <p:sp>
             <p:nvSpPr>
               <p:cNvPr id="12" name="TextBox 11">
@@ -37492,7 +38219,7 @@
               <a:lstStyle/>
               <a:p>
                 <a:r>
-                  <a:rPr lang="en-GB">
+                  <a:rPr lang="fr-FR">
                     <a:noFill/>
                   </a:rPr>
                   <a:t> </a:t>
@@ -37558,6 +38285,35 @@
               </a:rPr>
               <a:t>»</a:t>
             </a:r>
+          </a:p>
+        </p:txBody>
+      </p:sp>
+      <p:sp>
+        <p:nvSpPr>
+          <p:cNvPr id="3" name="Slide Number Placeholder 2">
+            <a:extLst>
+              <a:ext uri="{FF2B5EF4-FFF2-40B4-BE49-F238E27FC236}">
+                <a16:creationId xmlns:a16="http://schemas.microsoft.com/office/drawing/2014/main" id="{9146A998-F444-10C3-1097-AD61EB9FA27F}"/>
+              </a:ext>
+            </a:extLst>
+          </p:cNvPr>
+          <p:cNvSpPr>
+            <a:spLocks noGrp="1"/>
+          </p:cNvSpPr>
+          <p:nvPr>
+            <p:ph type="sldNum" sz="quarter" idx="12"/>
+          </p:nvPr>
+        </p:nvSpPr>
+        <p:spPr/>
+        <p:txBody>
+          <a:bodyPr/>
+          <a:lstStyle/>
+          <a:p>
+            <a:fld id="{74DDA11D-2719-4AB3-AAA7-DB2910A56E08}" type="slidenum">
+              <a:rPr lang="en-GB" smtClean="0"/>
+              <a:t>9</a:t>
+            </a:fld>
+            <a:endParaRPr lang="en-GB"/>
           </a:p>
         </p:txBody>
       </p:sp>

--- a/03_Rapport/Rapport_Projet.pptx
+++ b/03_Rapport/Rapport_Projet.pptx
@@ -5,7 +5,7 @@
     <p:sldMasterId id="2147483648" r:id="rId1"/>
   </p:sldMasterIdLst>
   <p:notesMasterIdLst>
-    <p:notesMasterId r:id="rId24"/>
+    <p:notesMasterId r:id="rId26"/>
   </p:notesMasterIdLst>
   <p:sldIdLst>
     <p:sldId id="256" r:id="rId2"/>
@@ -19,17 +19,19 @@
     <p:sldId id="277" r:id="rId10"/>
     <p:sldId id="278" r:id="rId11"/>
     <p:sldId id="273" r:id="rId12"/>
-    <p:sldId id="275" r:id="rId13"/>
-    <p:sldId id="268" r:id="rId14"/>
-    <p:sldId id="267" r:id="rId15"/>
-    <p:sldId id="257" r:id="rId16"/>
-    <p:sldId id="258" r:id="rId17"/>
-    <p:sldId id="259" r:id="rId18"/>
-    <p:sldId id="266" r:id="rId19"/>
-    <p:sldId id="260" r:id="rId20"/>
-    <p:sldId id="261" r:id="rId21"/>
-    <p:sldId id="263" r:id="rId22"/>
-    <p:sldId id="264" r:id="rId23"/>
+    <p:sldId id="280" r:id="rId13"/>
+    <p:sldId id="279" r:id="rId14"/>
+    <p:sldId id="275" r:id="rId15"/>
+    <p:sldId id="268" r:id="rId16"/>
+    <p:sldId id="267" r:id="rId17"/>
+    <p:sldId id="257" r:id="rId18"/>
+    <p:sldId id="258" r:id="rId19"/>
+    <p:sldId id="259" r:id="rId20"/>
+    <p:sldId id="266" r:id="rId21"/>
+    <p:sldId id="260" r:id="rId22"/>
+    <p:sldId id="261" r:id="rId23"/>
+    <p:sldId id="263" r:id="rId24"/>
+    <p:sldId id="264" r:id="rId25"/>
   </p:sldIdLst>
   <p:sldSz cx="12192000" cy="6858000"/>
   <p:notesSz cx="6858000" cy="9144000"/>
@@ -145,7 +147,7 @@
 <file path=ppt/revisionInfo.xml><?xml version="1.0" encoding="utf-8"?>
 <p1510:revInfo xmlns:a="http://schemas.openxmlformats.org/drawingml/2006/main" xmlns:r="http://schemas.openxmlformats.org/officeDocument/2006/relationships" xmlns:p1510="http://schemas.microsoft.com/office/powerpoint/2015/10/main">
   <p1510:revLst>
-    <p1510:client id="{1404D58C-429C-4D75-B5B2-E1C9B8E0DC36}" v="2395" dt="2025-03-18T00:13:16.107"/>
+    <p1510:client id="{1404D58C-429C-4D75-B5B2-E1C9B8E0DC36}" v="3359" dt="2025-03-27T21:11:46.081"/>
   </p1510:revLst>
 </p1510:revInfo>
 </file>
@@ -1382,22 +1384,30 @@
   <pc:docChgLst>
     <pc:chgData name="François GLEYZON" userId="a2d04f23f7faf3ef" providerId="LiveId" clId="{1404D58C-429C-4D75-B5B2-E1C9B8E0DC36}"/>
     <pc:docChg chg="undo redo custSel addSld modSld sldOrd">
-      <pc:chgData name="François GLEYZON" userId="a2d04f23f7faf3ef" providerId="LiveId" clId="{1404D58C-429C-4D75-B5B2-E1C9B8E0DC36}" dt="2025-03-18T00:13:16.107" v="7136" actId="13926"/>
+      <pc:chgData name="François GLEYZON" userId="a2d04f23f7faf3ef" providerId="LiveId" clId="{1404D58C-429C-4D75-B5B2-E1C9B8E0DC36}" dt="2025-03-27T21:12:56.884" v="8997" actId="20577"/>
       <pc:docMkLst>
         <pc:docMk/>
       </pc:docMkLst>
       <pc:sldChg chg="addSp delSp modSp mod">
-        <pc:chgData name="François GLEYZON" userId="a2d04f23f7faf3ef" providerId="LiveId" clId="{1404D58C-429C-4D75-B5B2-E1C9B8E0DC36}" dt="2025-03-16T18:23:34.728" v="6917" actId="13926"/>
+        <pc:chgData name="François GLEYZON" userId="a2d04f23f7faf3ef" providerId="LiveId" clId="{1404D58C-429C-4D75-B5B2-E1C9B8E0DC36}" dt="2025-03-27T15:44:38.844" v="7178" actId="113"/>
         <pc:sldMkLst>
           <pc:docMk/>
           <pc:sldMk cId="2801290844" sldId="256"/>
         </pc:sldMkLst>
         <pc:spChg chg="mod">
-          <ac:chgData name="François GLEYZON" userId="a2d04f23f7faf3ef" providerId="LiveId" clId="{1404D58C-429C-4D75-B5B2-E1C9B8E0DC36}" dt="2025-03-16T18:23:34.728" v="6917" actId="13926"/>
+          <ac:chgData name="François GLEYZON" userId="a2d04f23f7faf3ef" providerId="LiveId" clId="{1404D58C-429C-4D75-B5B2-E1C9B8E0DC36}" dt="2025-03-27T15:44:38.844" v="7178" actId="113"/>
           <ac:spMkLst>
             <pc:docMk/>
             <pc:sldMk cId="2801290844" sldId="256"/>
             <ac:spMk id="5" creationId="{CCB64622-7D99-EF9C-E64A-6B7A68B130E7}"/>
+          </ac:spMkLst>
+        </pc:spChg>
+        <pc:spChg chg="mod">
+          <ac:chgData name="François GLEYZON" userId="a2d04f23f7faf3ef" providerId="LiveId" clId="{1404D58C-429C-4D75-B5B2-E1C9B8E0DC36}" dt="2025-03-27T15:44:33.534" v="7177" actId="1035"/>
+          <ac:spMkLst>
+            <pc:docMk/>
+            <pc:sldMk cId="2801290844" sldId="256"/>
+            <ac:spMk id="11" creationId="{ADA3B4ED-F9F9-8357-018A-C931A9829ED9}"/>
           </ac:spMkLst>
         </pc:spChg>
         <pc:spChg chg="add mod">
@@ -1409,7 +1419,7 @@
           </ac:spMkLst>
         </pc:spChg>
         <pc:spChg chg="mod">
-          <ac:chgData name="François GLEYZON" userId="a2d04f23f7faf3ef" providerId="LiveId" clId="{1404D58C-429C-4D75-B5B2-E1C9B8E0DC36}" dt="2025-03-16T14:16:11.423" v="10"/>
+          <ac:chgData name="François GLEYZON" userId="a2d04f23f7faf3ef" providerId="LiveId" clId="{1404D58C-429C-4D75-B5B2-E1C9B8E0DC36}" dt="2025-03-27T15:44:33.534" v="7177" actId="1035"/>
           <ac:spMkLst>
             <pc:docMk/>
             <pc:sldMk cId="2801290844" sldId="256"/>
@@ -1542,7 +1552,7 @@
         </pc:spChg>
       </pc:sldChg>
       <pc:sldChg chg="addSp modSp add mod">
-        <pc:chgData name="François GLEYZON" userId="a2d04f23f7faf3ef" providerId="LiveId" clId="{1404D58C-429C-4D75-B5B2-E1C9B8E0DC36}" dt="2025-03-16T18:28:40.057" v="7126" actId="113"/>
+        <pc:chgData name="François GLEYZON" userId="a2d04f23f7faf3ef" providerId="LiveId" clId="{1404D58C-429C-4D75-B5B2-E1C9B8E0DC36}" dt="2025-03-27T15:47:44.026" v="7434" actId="1037"/>
         <pc:sldMkLst>
           <pc:docMk/>
           <pc:sldMk cId="2830059827" sldId="269"/>
@@ -1596,6 +1606,14 @@
           </ac:spMkLst>
         </pc:spChg>
         <pc:spChg chg="add mod">
+          <ac:chgData name="François GLEYZON" userId="a2d04f23f7faf3ef" providerId="LiveId" clId="{1404D58C-429C-4D75-B5B2-E1C9B8E0DC36}" dt="2025-03-27T15:47:37.838" v="7428" actId="14100"/>
+          <ac:spMkLst>
+            <pc:docMk/>
+            <pc:sldMk cId="2830059827" sldId="269"/>
+            <ac:spMk id="8" creationId="{F42AAFE0-6C2A-03C7-A118-435301C2CC37}"/>
+          </ac:spMkLst>
+        </pc:spChg>
+        <pc:spChg chg="add mod">
           <ac:chgData name="François GLEYZON" userId="a2d04f23f7faf3ef" providerId="LiveId" clId="{1404D58C-429C-4D75-B5B2-E1C9B8E0DC36}" dt="2025-03-16T15:25:15.576" v="3276" actId="113"/>
           <ac:spMkLst>
             <pc:docMk/>
@@ -1644,13 +1662,21 @@
           </ac:spMkLst>
         </pc:spChg>
         <pc:spChg chg="add mod">
-          <ac:chgData name="François GLEYZON" userId="a2d04f23f7faf3ef" providerId="LiveId" clId="{1404D58C-429C-4D75-B5B2-E1C9B8E0DC36}" dt="2025-03-16T15:22:33.858" v="3247" actId="20577"/>
+          <ac:chgData name="François GLEYZON" userId="a2d04f23f7faf3ef" providerId="LiveId" clId="{1404D58C-429C-4D75-B5B2-E1C9B8E0DC36}" dt="2025-03-27T15:47:18.234" v="7423"/>
           <ac:spMkLst>
             <pc:docMk/>
             <pc:sldMk cId="2830059827" sldId="269"/>
             <ac:spMk id="25" creationId="{5FCF3EA4-1C17-404E-D7DC-4DCD39E349EE}"/>
           </ac:spMkLst>
         </pc:spChg>
+        <pc:picChg chg="add mod">
+          <ac:chgData name="François GLEYZON" userId="a2d04f23f7faf3ef" providerId="LiveId" clId="{1404D58C-429C-4D75-B5B2-E1C9B8E0DC36}" dt="2025-03-27T15:47:44.026" v="7434" actId="1037"/>
+          <ac:picMkLst>
+            <pc:docMk/>
+            <pc:sldMk cId="2830059827" sldId="269"/>
+            <ac:picMk id="1026" creationId="{631B88E2-7308-4AA9-E4DD-AC0360CF9821}"/>
+          </ac:picMkLst>
+        </pc:picChg>
         <pc:cxnChg chg="add mod">
           <ac:chgData name="François GLEYZON" userId="a2d04f23f7faf3ef" providerId="LiveId" clId="{1404D58C-429C-4D75-B5B2-E1C9B8E0DC36}" dt="2025-03-16T15:10:55.005" v="2660" actId="20577"/>
           <ac:cxnSpMkLst>
@@ -1921,8 +1947,8 @@
           </ac:cxnSpMkLst>
         </pc:cxnChg>
       </pc:sldChg>
-      <pc:sldChg chg="addSp modSp add mod">
-        <pc:chgData name="François GLEYZON" userId="a2d04f23f7faf3ef" providerId="LiveId" clId="{1404D58C-429C-4D75-B5B2-E1C9B8E0DC36}" dt="2025-03-16T14:36:45.214" v="1523"/>
+      <pc:sldChg chg="addSp delSp modSp add mod">
+        <pc:chgData name="François GLEYZON" userId="a2d04f23f7faf3ef" providerId="LiveId" clId="{1404D58C-429C-4D75-B5B2-E1C9B8E0DC36}" dt="2025-03-27T21:10:24.446" v="8858" actId="20577"/>
         <pc:sldMkLst>
           <pc:docMk/>
           <pc:sldMk cId="3992977093" sldId="273"/>
@@ -1935,6 +1961,22 @@
             <ac:spMk id="2" creationId="{0042AAB7-5C77-4BBB-D2D5-854226AC3ED2}"/>
           </ac:spMkLst>
         </pc:spChg>
+        <pc:spChg chg="add mod">
+          <ac:chgData name="François GLEYZON" userId="a2d04f23f7faf3ef" providerId="LiveId" clId="{1404D58C-429C-4D75-B5B2-E1C9B8E0DC36}" dt="2025-03-27T20:58:54.799" v="7856" actId="20577"/>
+          <ac:spMkLst>
+            <pc:docMk/>
+            <pc:sldMk cId="3992977093" sldId="273"/>
+            <ac:spMk id="3" creationId="{E3F04533-03AC-21EF-93FD-83141649C652}"/>
+          </ac:spMkLst>
+        </pc:spChg>
+        <pc:spChg chg="add mod">
+          <ac:chgData name="François GLEYZON" userId="a2d04f23f7faf3ef" providerId="LiveId" clId="{1404D58C-429C-4D75-B5B2-E1C9B8E0DC36}" dt="2025-03-27T20:54:53.533" v="7835" actId="14100"/>
+          <ac:spMkLst>
+            <pc:docMk/>
+            <pc:sldMk cId="3992977093" sldId="273"/>
+            <ac:spMk id="5" creationId="{553BCEC3-A8F4-DAC1-BEC4-21AF39FC432C}"/>
+          </ac:spMkLst>
+        </pc:spChg>
         <pc:spChg chg="mod">
           <ac:chgData name="François GLEYZON" userId="a2d04f23f7faf3ef" providerId="LiveId" clId="{1404D58C-429C-4D75-B5B2-E1C9B8E0DC36}" dt="2025-03-16T14:18:10.318" v="137" actId="20577"/>
           <ac:spMkLst>
@@ -1943,6 +1985,54 @@
             <ac:spMk id="9" creationId="{C9B5B16C-1DB0-E947-93DF-D6622677A8E5}"/>
           </ac:spMkLst>
         </pc:spChg>
+        <pc:spChg chg="add mod">
+          <ac:chgData name="François GLEYZON" userId="a2d04f23f7faf3ef" providerId="LiveId" clId="{1404D58C-429C-4D75-B5B2-E1C9B8E0DC36}" dt="2025-03-27T21:03:57.591" v="8432" actId="20577"/>
+          <ac:spMkLst>
+            <pc:docMk/>
+            <pc:sldMk cId="3992977093" sldId="273"/>
+            <ac:spMk id="13" creationId="{4F92AAEB-8362-34E4-82A1-BF26B6648AA5}"/>
+          </ac:spMkLst>
+        </pc:spChg>
+        <pc:spChg chg="add mod">
+          <ac:chgData name="François GLEYZON" userId="a2d04f23f7faf3ef" providerId="LiveId" clId="{1404D58C-429C-4D75-B5B2-E1C9B8E0DC36}" dt="2025-03-27T21:10:24.446" v="8858" actId="20577"/>
+          <ac:spMkLst>
+            <pc:docMk/>
+            <pc:sldMk cId="3992977093" sldId="273"/>
+            <ac:spMk id="14" creationId="{48BDC8D2-B524-1313-821E-AE3DCCAD58E5}"/>
+          </ac:spMkLst>
+        </pc:spChg>
+        <pc:picChg chg="add mod">
+          <ac:chgData name="François GLEYZON" userId="a2d04f23f7faf3ef" providerId="LiveId" clId="{1404D58C-429C-4D75-B5B2-E1C9B8E0DC36}" dt="2025-03-27T20:54:32.814" v="7811"/>
+          <ac:picMkLst>
+            <pc:docMk/>
+            <pc:sldMk cId="3992977093" sldId="273"/>
+            <ac:picMk id="4" creationId="{91688AE2-5959-A781-FCEA-3219A0B37ED1}"/>
+          </ac:picMkLst>
+        </pc:picChg>
+        <pc:picChg chg="add mod">
+          <ac:chgData name="François GLEYZON" userId="a2d04f23f7faf3ef" providerId="LiveId" clId="{1404D58C-429C-4D75-B5B2-E1C9B8E0DC36}" dt="2025-03-27T20:56:52.069" v="7850" actId="1076"/>
+          <ac:picMkLst>
+            <pc:docMk/>
+            <pc:sldMk cId="3992977093" sldId="273"/>
+            <ac:picMk id="7" creationId="{95DA9114-B9DC-EAA8-3C4C-01EE1B196BB1}"/>
+          </ac:picMkLst>
+        </pc:picChg>
+        <pc:picChg chg="add mod">
+          <ac:chgData name="François GLEYZON" userId="a2d04f23f7faf3ef" providerId="LiveId" clId="{1404D58C-429C-4D75-B5B2-E1C9B8E0DC36}" dt="2025-03-27T20:56:52.069" v="7850" actId="1076"/>
+          <ac:picMkLst>
+            <pc:docMk/>
+            <pc:sldMk cId="3992977093" sldId="273"/>
+            <ac:picMk id="10" creationId="{71B00AE5-45C4-9ACA-101A-43DB73FF576D}"/>
+          </ac:picMkLst>
+        </pc:picChg>
+        <pc:picChg chg="add del mod">
+          <ac:chgData name="François GLEYZON" userId="a2d04f23f7faf3ef" providerId="LiveId" clId="{1404D58C-429C-4D75-B5B2-E1C9B8E0DC36}" dt="2025-03-27T20:56:35.793" v="7847" actId="21"/>
+          <ac:picMkLst>
+            <pc:docMk/>
+            <pc:sldMk cId="3992977093" sldId="273"/>
+            <ac:picMk id="12" creationId="{3E431663-A0A1-F147-8DD1-649B435558AF}"/>
+          </ac:picMkLst>
+        </pc:picChg>
       </pc:sldChg>
       <pc:sldChg chg="addSp delSp modSp add mod">
         <pc:chgData name="François GLEYZON" userId="a2d04f23f7faf3ef" providerId="LiveId" clId="{1404D58C-429C-4D75-B5B2-E1C9B8E0DC36}" dt="2025-03-16T18:23:52.809" v="6936" actId="113"/>
@@ -2047,11 +2137,19 @@
         </pc:spChg>
       </pc:sldChg>
       <pc:sldChg chg="addSp delSp modSp add mod">
-        <pc:chgData name="François GLEYZON" userId="a2d04f23f7faf3ef" providerId="LiveId" clId="{1404D58C-429C-4D75-B5B2-E1C9B8E0DC36}" dt="2025-03-16T18:25:24.592" v="6981" actId="114"/>
+        <pc:chgData name="François GLEYZON" userId="a2d04f23f7faf3ef" providerId="LiveId" clId="{1404D58C-429C-4D75-B5B2-E1C9B8E0DC36}" dt="2025-03-27T20:54:15.974" v="7809" actId="1037"/>
         <pc:sldMkLst>
           <pc:docMk/>
           <pc:sldMk cId="312469821" sldId="276"/>
         </pc:sldMkLst>
+        <pc:spChg chg="add mod">
+          <ac:chgData name="François GLEYZON" userId="a2d04f23f7faf3ef" providerId="LiveId" clId="{1404D58C-429C-4D75-B5B2-E1C9B8E0DC36}" dt="2025-03-27T20:54:15.974" v="7809" actId="1037"/>
+          <ac:spMkLst>
+            <pc:docMk/>
+            <pc:sldMk cId="312469821" sldId="276"/>
+            <ac:spMk id="3" creationId="{1E469B70-0A01-2F0B-8630-A75E636CB8E6}"/>
+          </ac:spMkLst>
+        </pc:spChg>
         <pc:spChg chg="mod">
           <ac:chgData name="François GLEYZON" userId="a2d04f23f7faf3ef" providerId="LiveId" clId="{1404D58C-429C-4D75-B5B2-E1C9B8E0DC36}" dt="2025-03-16T17:45:37.898" v="4201" actId="33524"/>
           <ac:spMkLst>
@@ -2092,13 +2190,29 @@
             <ac:picMk id="7" creationId="{4C33A69A-4ABB-390F-8D1C-5D58AB9AF2C3}"/>
           </ac:picMkLst>
         </pc:picChg>
+        <pc:picChg chg="add mod">
+          <ac:chgData name="François GLEYZON" userId="a2d04f23f7faf3ef" providerId="LiveId" clId="{1404D58C-429C-4D75-B5B2-E1C9B8E0DC36}" dt="2025-03-27T20:54:15.974" v="7809" actId="1037"/>
+          <ac:picMkLst>
+            <pc:docMk/>
+            <pc:sldMk cId="312469821" sldId="276"/>
+            <ac:picMk id="2050" creationId="{C26E7882-1A4B-4D9E-20C6-8D0DCC3535F1}"/>
+          </ac:picMkLst>
+        </pc:picChg>
       </pc:sldChg>
       <pc:sldChg chg="addSp delSp modSp add mod">
-        <pc:chgData name="François GLEYZON" userId="a2d04f23f7faf3ef" providerId="LiveId" clId="{1404D58C-429C-4D75-B5B2-E1C9B8E0DC36}" dt="2025-03-16T18:25:55.029" v="6991" actId="1076"/>
+        <pc:chgData name="François GLEYZON" userId="a2d04f23f7faf3ef" providerId="LiveId" clId="{1404D58C-429C-4D75-B5B2-E1C9B8E0DC36}" dt="2025-03-27T20:54:22.304" v="7810"/>
         <pc:sldMkLst>
           <pc:docMk/>
           <pc:sldMk cId="1989661597" sldId="277"/>
         </pc:sldMkLst>
+        <pc:spChg chg="add mod">
+          <ac:chgData name="François GLEYZON" userId="a2d04f23f7faf3ef" providerId="LiveId" clId="{1404D58C-429C-4D75-B5B2-E1C9B8E0DC36}" dt="2025-03-27T20:54:22.304" v="7810"/>
+          <ac:spMkLst>
+            <pc:docMk/>
+            <pc:sldMk cId="1989661597" sldId="277"/>
+            <ac:spMk id="4" creationId="{75AA8A51-2A97-8D06-CECD-B9BDC2716E90}"/>
+          </ac:spMkLst>
+        </pc:spChg>
         <pc:spChg chg="mod">
           <ac:chgData name="François GLEYZON" userId="a2d04f23f7faf3ef" providerId="LiveId" clId="{1404D58C-429C-4D75-B5B2-E1C9B8E0DC36}" dt="2025-03-16T18:25:42.620" v="6987" actId="6549"/>
           <ac:spMkLst>
@@ -2131,6 +2245,14 @@
             <ac:spMk id="13" creationId="{C4557F9C-855D-3055-9D46-7013C9868120}"/>
           </ac:spMkLst>
         </pc:spChg>
+        <pc:picChg chg="add mod">
+          <ac:chgData name="François GLEYZON" userId="a2d04f23f7faf3ef" providerId="LiveId" clId="{1404D58C-429C-4D75-B5B2-E1C9B8E0DC36}" dt="2025-03-27T20:54:22.304" v="7810"/>
+          <ac:picMkLst>
+            <pc:docMk/>
+            <pc:sldMk cId="1989661597" sldId="277"/>
+            <ac:picMk id="3" creationId="{9418A06D-5188-6FDC-24BC-F87439036057}"/>
+          </ac:picMkLst>
+        </pc:picChg>
         <pc:picChg chg="add mod">
           <ac:chgData name="François GLEYZON" userId="a2d04f23f7faf3ef" providerId="LiveId" clId="{1404D58C-429C-4D75-B5B2-E1C9B8E0DC36}" dt="2025-03-16T18:25:48.590" v="6989" actId="1076"/>
           <ac:picMkLst>
@@ -2170,6 +2292,100 @@
             <ac:spMk id="5" creationId="{123C1752-9749-D963-C34A-A3CB069DD9C5}"/>
           </ac:spMkLst>
         </pc:spChg>
+      </pc:sldChg>
+      <pc:sldChg chg="add">
+        <pc:chgData name="François GLEYZON" userId="a2d04f23f7faf3ef" providerId="LiveId" clId="{1404D58C-429C-4D75-B5B2-E1C9B8E0DC36}" dt="2025-03-27T15:48:09.571" v="7435"/>
+        <pc:sldMkLst>
+          <pc:docMk/>
+          <pc:sldMk cId="963883029" sldId="279"/>
+        </pc:sldMkLst>
+      </pc:sldChg>
+      <pc:sldChg chg="addSp delSp modSp add mod">
+        <pc:chgData name="François GLEYZON" userId="a2d04f23f7faf3ef" providerId="LiveId" clId="{1404D58C-429C-4D75-B5B2-E1C9B8E0DC36}" dt="2025-03-27T21:12:56.884" v="8997" actId="20577"/>
+        <pc:sldMkLst>
+          <pc:docMk/>
+          <pc:sldMk cId="956691911" sldId="280"/>
+        </pc:sldMkLst>
+        <pc:spChg chg="mod">
+          <ac:chgData name="François GLEYZON" userId="a2d04f23f7faf3ef" providerId="LiveId" clId="{1404D58C-429C-4D75-B5B2-E1C9B8E0DC36}" dt="2025-03-27T21:06:48.929" v="8549" actId="114"/>
+          <ac:spMkLst>
+            <pc:docMk/>
+            <pc:sldMk cId="956691911" sldId="280"/>
+            <ac:spMk id="3" creationId="{49E817FD-6192-C972-9162-7F57B3CE3D00}"/>
+          </ac:spMkLst>
+        </pc:spChg>
+        <pc:spChg chg="del">
+          <ac:chgData name="François GLEYZON" userId="a2d04f23f7faf3ef" providerId="LiveId" clId="{1404D58C-429C-4D75-B5B2-E1C9B8E0DC36}" dt="2025-03-27T21:05:37.824" v="8495" actId="478"/>
+          <ac:spMkLst>
+            <pc:docMk/>
+            <pc:sldMk cId="956691911" sldId="280"/>
+            <ac:spMk id="13" creationId="{30FD23D6-F439-5EE3-0133-24669F1EF0A4}"/>
+          </ac:spMkLst>
+        </pc:spChg>
+        <pc:spChg chg="add mod">
+          <ac:chgData name="François GLEYZON" userId="a2d04f23f7faf3ef" providerId="LiveId" clId="{1404D58C-429C-4D75-B5B2-E1C9B8E0DC36}" dt="2025-03-27T21:12:56.884" v="8997" actId="20577"/>
+          <ac:spMkLst>
+            <pc:docMk/>
+            <pc:sldMk cId="956691911" sldId="280"/>
+            <ac:spMk id="14" creationId="{15BE0636-0290-4D62-2BBD-81087B277E96}"/>
+          </ac:spMkLst>
+        </pc:spChg>
+        <pc:spChg chg="add del mod">
+          <ac:chgData name="François GLEYZON" userId="a2d04f23f7faf3ef" providerId="LiveId" clId="{1404D58C-429C-4D75-B5B2-E1C9B8E0DC36}" dt="2025-03-27T21:11:48.167" v="8891" actId="478"/>
+          <ac:spMkLst>
+            <pc:docMk/>
+            <pc:sldMk cId="956691911" sldId="280"/>
+            <ac:spMk id="16" creationId="{DF78B8ED-CA81-7442-722A-9100B46FFC0F}"/>
+          </ac:spMkLst>
+        </pc:spChg>
+        <pc:spChg chg="add del mod">
+          <ac:chgData name="François GLEYZON" userId="a2d04f23f7faf3ef" providerId="LiveId" clId="{1404D58C-429C-4D75-B5B2-E1C9B8E0DC36}" dt="2025-03-27T21:11:00.101" v="8865"/>
+          <ac:spMkLst>
+            <pc:docMk/>
+            <pc:sldMk cId="956691911" sldId="280"/>
+            <ac:spMk id="17" creationId="{DA909163-8B12-2698-D0BA-A5A3E3CFC4D8}"/>
+          </ac:spMkLst>
+        </pc:spChg>
+        <pc:spChg chg="add mod">
+          <ac:chgData name="François GLEYZON" userId="a2d04f23f7faf3ef" providerId="LiveId" clId="{1404D58C-429C-4D75-B5B2-E1C9B8E0DC36}" dt="2025-03-27T21:12:00.599" v="8896" actId="1036"/>
+          <ac:spMkLst>
+            <pc:docMk/>
+            <pc:sldMk cId="956691911" sldId="280"/>
+            <ac:spMk id="18" creationId="{0B9EC4DF-BFB4-7E6C-E9F3-26663D2EEE7E}"/>
+          </ac:spMkLst>
+        </pc:spChg>
+        <pc:picChg chg="del">
+          <ac:chgData name="François GLEYZON" userId="a2d04f23f7faf3ef" providerId="LiveId" clId="{1404D58C-429C-4D75-B5B2-E1C9B8E0DC36}" dt="2025-03-27T21:05:35.780" v="8493" actId="478"/>
+          <ac:picMkLst>
+            <pc:docMk/>
+            <pc:sldMk cId="956691911" sldId="280"/>
+            <ac:picMk id="7" creationId="{D6A04802-FD94-CCF6-E27E-B6CC2EE0B512}"/>
+          </ac:picMkLst>
+        </pc:picChg>
+        <pc:picChg chg="add mod">
+          <ac:chgData name="François GLEYZON" userId="a2d04f23f7faf3ef" providerId="LiveId" clId="{1404D58C-429C-4D75-B5B2-E1C9B8E0DC36}" dt="2025-03-27T21:11:50.374" v="8893" actId="1076"/>
+          <ac:picMkLst>
+            <pc:docMk/>
+            <pc:sldMk cId="956691911" sldId="280"/>
+            <ac:picMk id="8" creationId="{443D6940-4B4A-542A-BA6C-963F392DDFE4}"/>
+          </ac:picMkLst>
+        </pc:picChg>
+        <pc:picChg chg="del">
+          <ac:chgData name="François GLEYZON" userId="a2d04f23f7faf3ef" providerId="LiveId" clId="{1404D58C-429C-4D75-B5B2-E1C9B8E0DC36}" dt="2025-03-27T21:05:36.341" v="8494" actId="478"/>
+          <ac:picMkLst>
+            <pc:docMk/>
+            <pc:sldMk cId="956691911" sldId="280"/>
+            <ac:picMk id="10" creationId="{8570CB32-03D9-F400-9EEA-BD3656F09699}"/>
+          </ac:picMkLst>
+        </pc:picChg>
+        <pc:picChg chg="add mod">
+          <ac:chgData name="François GLEYZON" userId="a2d04f23f7faf3ef" providerId="LiveId" clId="{1404D58C-429C-4D75-B5B2-E1C9B8E0DC36}" dt="2025-03-27T21:06:13.652" v="8508" actId="1076"/>
+          <ac:picMkLst>
+            <pc:docMk/>
+            <pc:sldMk cId="956691911" sldId="280"/>
+            <ac:picMk id="12" creationId="{5FD27660-F829-9650-A7F7-56552FB1EB07}"/>
+          </ac:picMkLst>
+        </pc:picChg>
       </pc:sldChg>
     </pc:docChg>
   </pc:docChgLst>
@@ -2258,7 +2474,7 @@
           <a:p>
             <a:fld id="{536D1BE0-9163-4941-8556-7FE0B29195A4}" type="datetimeFigureOut">
               <a:rPr lang="en-GB" smtClean="0"/>
-              <a:t>17/03/2025</a:t>
+              <a:t>27/03/2025</a:t>
             </a:fld>
             <a:endParaRPr lang="en-GB"/>
           </a:p>
@@ -2783,7 +2999,7 @@
           <a:p>
             <a:fld id="{6CA8F5A3-1210-481E-B98C-38D1ADA5BAE1}" type="slidenum">
               <a:rPr lang="en-GB" smtClean="0"/>
-              <a:t>21</a:t>
+              <a:t>23</a:t>
             </a:fld>
             <a:endParaRPr lang="en-GB"/>
           </a:p>
@@ -2951,7 +3167,7 @@
           <a:p>
             <a:fld id="{CEFDEF93-0E3A-4A89-BC16-F38BAE82060D}" type="datetimeFigureOut">
               <a:rPr lang="en-GB" smtClean="0"/>
-              <a:t>17/03/2025</a:t>
+              <a:t>27/03/2025</a:t>
             </a:fld>
             <a:endParaRPr lang="en-GB"/>
           </a:p>
@@ -3151,7 +3367,7 @@
           <a:p>
             <a:fld id="{CEFDEF93-0E3A-4A89-BC16-F38BAE82060D}" type="datetimeFigureOut">
               <a:rPr lang="en-GB" smtClean="0"/>
-              <a:t>17/03/2025</a:t>
+              <a:t>27/03/2025</a:t>
             </a:fld>
             <a:endParaRPr lang="en-GB"/>
           </a:p>
@@ -3361,7 +3577,7 @@
           <a:p>
             <a:fld id="{CEFDEF93-0E3A-4A89-BC16-F38BAE82060D}" type="datetimeFigureOut">
               <a:rPr lang="en-GB" smtClean="0"/>
-              <a:t>17/03/2025</a:t>
+              <a:t>27/03/2025</a:t>
             </a:fld>
             <a:endParaRPr lang="en-GB"/>
           </a:p>
@@ -3561,7 +3777,7 @@
           <a:p>
             <a:fld id="{CEFDEF93-0E3A-4A89-BC16-F38BAE82060D}" type="datetimeFigureOut">
               <a:rPr lang="en-GB" smtClean="0"/>
-              <a:t>17/03/2025</a:t>
+              <a:t>27/03/2025</a:t>
             </a:fld>
             <a:endParaRPr lang="en-GB"/>
           </a:p>
@@ -3837,7 +4053,7 @@
           <a:p>
             <a:fld id="{CEFDEF93-0E3A-4A89-BC16-F38BAE82060D}" type="datetimeFigureOut">
               <a:rPr lang="en-GB" smtClean="0"/>
-              <a:t>17/03/2025</a:t>
+              <a:t>27/03/2025</a:t>
             </a:fld>
             <a:endParaRPr lang="en-GB"/>
           </a:p>
@@ -4105,7 +4321,7 @@
           <a:p>
             <a:fld id="{CEFDEF93-0E3A-4A89-BC16-F38BAE82060D}" type="datetimeFigureOut">
               <a:rPr lang="en-GB" smtClean="0"/>
-              <a:t>17/03/2025</a:t>
+              <a:t>27/03/2025</a:t>
             </a:fld>
             <a:endParaRPr lang="en-GB"/>
           </a:p>
@@ -4520,7 +4736,7 @@
           <a:p>
             <a:fld id="{CEFDEF93-0E3A-4A89-BC16-F38BAE82060D}" type="datetimeFigureOut">
               <a:rPr lang="en-GB" smtClean="0"/>
-              <a:t>17/03/2025</a:t>
+              <a:t>27/03/2025</a:t>
             </a:fld>
             <a:endParaRPr lang="en-GB"/>
           </a:p>
@@ -4662,7 +4878,7 @@
           <a:p>
             <a:fld id="{CEFDEF93-0E3A-4A89-BC16-F38BAE82060D}" type="datetimeFigureOut">
               <a:rPr lang="en-GB" smtClean="0"/>
-              <a:t>17/03/2025</a:t>
+              <a:t>27/03/2025</a:t>
             </a:fld>
             <a:endParaRPr lang="en-GB"/>
           </a:p>
@@ -4775,7 +4991,7 @@
           <a:p>
             <a:fld id="{CEFDEF93-0E3A-4A89-BC16-F38BAE82060D}" type="datetimeFigureOut">
               <a:rPr lang="en-GB" smtClean="0"/>
-              <a:t>17/03/2025</a:t>
+              <a:t>27/03/2025</a:t>
             </a:fld>
             <a:endParaRPr lang="en-GB"/>
           </a:p>
@@ -5088,7 +5304,7 @@
           <a:p>
             <a:fld id="{CEFDEF93-0E3A-4A89-BC16-F38BAE82060D}" type="datetimeFigureOut">
               <a:rPr lang="en-GB" smtClean="0"/>
-              <a:t>17/03/2025</a:t>
+              <a:t>27/03/2025</a:t>
             </a:fld>
             <a:endParaRPr lang="en-GB"/>
           </a:p>
@@ -5377,7 +5593,7 @@
           <a:p>
             <a:fld id="{CEFDEF93-0E3A-4A89-BC16-F38BAE82060D}" type="datetimeFigureOut">
               <a:rPr lang="en-GB" smtClean="0"/>
-              <a:t>17/03/2025</a:t>
+              <a:t>27/03/2025</a:t>
             </a:fld>
             <a:endParaRPr lang="en-GB"/>
           </a:p>
@@ -5620,7 +5836,7 @@
           <a:p>
             <a:fld id="{CEFDEF93-0E3A-4A89-BC16-F38BAE82060D}" type="datetimeFigureOut">
               <a:rPr lang="en-GB" smtClean="0"/>
-              <a:t>17/03/2025</a:t>
+              <a:t>27/03/2025</a:t>
             </a:fld>
             <a:endParaRPr lang="en-GB"/>
           </a:p>
@@ -6365,7 +6581,7 @@
         <p:spPr>
           <a:xfrm>
             <a:off x="1231701" y="2939854"/>
-            <a:ext cx="9728598" cy="584775"/>
+            <a:ext cx="9728598" cy="1569660"/>
           </a:xfrm>
           <a:prstGeom prst="rect">
             <a:avLst/>
@@ -6378,7 +6594,7 @@
           </a:bodyPr>
           <a:lstStyle/>
           <a:p>
-            <a:pPr algn="ctr"/>
+            <a:pPr algn="just"/>
             <a:r>
               <a:rPr lang="fr-FR" sz="3200" b="1" noProof="0" dirty="0">
                 <a:latin typeface="Times New Roman" panose="02020603050405020304" pitchFamily="18" charset="0"/>
@@ -6387,15 +6603,19 @@
               <a:t>Projet - </a:t>
             </a:r>
             <a:r>
-              <a:rPr lang="fr-FR" sz="3200" b="1" noProof="0" dirty="0">
-                <a:highlight>
-                  <a:srgbClr val="FFFF00"/>
-                </a:highlight>
+              <a:rPr lang="fr-FR" sz="3200" noProof="0" dirty="0">
                 <a:latin typeface="Times New Roman" panose="02020603050405020304" pitchFamily="18" charset="0"/>
                 <a:cs typeface="Times New Roman" panose="02020603050405020304" pitchFamily="18" charset="0"/>
               </a:rPr>
-              <a:t>Titre</a:t>
+              <a:t>Vérification d'une orthèse optimisée topologiquement sollicitée mécaniquement en grande déformation </a:t>
             </a:r>
+            <a:endParaRPr lang="fr-FR" sz="3200" noProof="0" dirty="0">
+              <a:highlight>
+                <a:srgbClr val="FFFF00"/>
+              </a:highlight>
+              <a:latin typeface="Times New Roman" panose="02020603050405020304" pitchFamily="18" charset="0"/>
+              <a:cs typeface="Times New Roman" panose="02020603050405020304" pitchFamily="18" charset="0"/>
+            </a:endParaRPr>
           </a:p>
         </p:txBody>
       </p:sp>
@@ -6465,7 +6685,7 @@
         </p:nvSpPr>
         <p:spPr>
           <a:xfrm>
-            <a:off x="1231701" y="3863706"/>
+            <a:off x="1231701" y="4721351"/>
             <a:ext cx="6096000" cy="1477328"/>
           </a:xfrm>
           <a:prstGeom prst="rect">
@@ -6557,7 +6777,7 @@
         </p:nvSpPr>
         <p:spPr>
           <a:xfrm>
-            <a:off x="6096000" y="3863705"/>
+            <a:off x="6096000" y="4721350"/>
             <a:ext cx="6104408" cy="923330"/>
           </a:xfrm>
           <a:prstGeom prst="rect">
@@ -6863,8 +7083,8 @@
           </a:p>
         </p:txBody>
       </p:sp>
-      <mc:AlternateContent xmlns:mc="http://schemas.openxmlformats.org/markup-compatibility/2006">
-        <mc:Choice xmlns:a14="http://schemas.microsoft.com/office/drawing/2010/main" Requires="a14">
+      <mc:AlternateContent xmlns:mc="http://schemas.openxmlformats.org/markup-compatibility/2006" xmlns:a14="http://schemas.microsoft.com/office/drawing/2010/main">
+        <mc:Choice Requires="a14">
           <p:sp>
             <p:nvSpPr>
               <p:cNvPr id="5" name="TextBox 4">
@@ -7440,7 +7660,7 @@
             </p:txBody>
           </p:sp>
         </mc:Choice>
-        <mc:Fallback>
+        <mc:Fallback xmlns="">
           <p:sp>
             <p:nvSpPr>
               <p:cNvPr id="5" name="TextBox 4">
@@ -7817,6 +8037,664 @@
           </a:p>
         </p:txBody>
       </p:sp>
+      <mc:AlternateContent xmlns:mc="http://schemas.openxmlformats.org/markup-compatibility/2006">
+        <mc:Choice xmlns:a14="http://schemas.microsoft.com/office/drawing/2010/main" Requires="a14">
+          <p:sp>
+            <p:nvSpPr>
+              <p:cNvPr id="3" name="TextBox 2">
+                <a:extLst>
+                  <a:ext uri="{FF2B5EF4-FFF2-40B4-BE49-F238E27FC236}">
+                    <a16:creationId xmlns:a16="http://schemas.microsoft.com/office/drawing/2014/main" id="{E3F04533-03AC-21EF-93FD-83141649C652}"/>
+                  </a:ext>
+                </a:extLst>
+              </p:cNvPr>
+              <p:cNvSpPr txBox="1"/>
+              <p:nvPr/>
+            </p:nvSpPr>
+            <p:spPr>
+              <a:xfrm>
+                <a:off x="0" y="627468"/>
+                <a:ext cx="12192000" cy="646331"/>
+              </a:xfrm>
+              <a:prstGeom prst="rect">
+                <a:avLst/>
+              </a:prstGeom>
+              <a:noFill/>
+            </p:spPr>
+            <p:txBody>
+              <a:bodyPr wrap="square" rtlCol="0">
+                <a:spAutoFit/>
+              </a:bodyPr>
+              <a:lstStyle/>
+              <a:p>
+                <a:pPr algn="just"/>
+                <a:r>
+                  <a:rPr lang="fr-FR" noProof="0" dirty="0">
+                    <a:latin typeface="Times New Roman" panose="02020603050405020304" pitchFamily="18" charset="0"/>
+                    <a:cs typeface="Times New Roman" panose="02020603050405020304" pitchFamily="18" charset="0"/>
+                  </a:rPr>
+                  <a:t>Nous considérons 2 données d’entrées : </a:t>
+                </a:r>
+                <a14:m>
+                  <m:oMath xmlns:m="http://schemas.openxmlformats.org/officeDocument/2006/math">
+                    <m:r>
+                      <a:rPr lang="fr-FR" b="0" i="1" noProof="0" smtClean="0">
+                        <a:latin typeface="Cambria Math" panose="02040503050406030204" pitchFamily="18" charset="0"/>
+                        <a:cs typeface="Times New Roman" panose="02020603050405020304" pitchFamily="18" charset="0"/>
+                      </a:rPr>
+                      <m:t>𝐸</m:t>
+                    </m:r>
+                  </m:oMath>
+                </a14:m>
+                <a:r>
+                  <a:rPr lang="fr-FR" noProof="0" dirty="0">
+                    <a:latin typeface="Times New Roman" panose="02020603050405020304" pitchFamily="18" charset="0"/>
+                    <a:cs typeface="Times New Roman" panose="02020603050405020304" pitchFamily="18" charset="0"/>
+                  </a:rPr>
+                  <a:t> et </a:t>
+                </a:r>
+                <a14:m>
+                  <m:oMath xmlns:m="http://schemas.openxmlformats.org/officeDocument/2006/math">
+                    <m:r>
+                      <a:rPr lang="fr-FR" i="1" noProof="0" smtClean="0">
+                        <a:latin typeface="Cambria Math" panose="02040503050406030204" pitchFamily="18" charset="0"/>
+                      </a:rPr>
+                      <m:t>𝜈</m:t>
+                    </m:r>
+                  </m:oMath>
+                </a14:m>
+                <a:r>
+                  <a:rPr lang="fr-FR" noProof="0" dirty="0">
+                    <a:latin typeface="Times New Roman" panose="02020603050405020304" pitchFamily="18" charset="0"/>
+                    <a:cs typeface="Times New Roman" panose="02020603050405020304" pitchFamily="18" charset="0"/>
+                  </a:rPr>
+                  <a:t>. Ces deux données ont été caractérisé via des expériences et les lois de probabilités suivantes peuvent être tirées :   </a:t>
+                </a:r>
+              </a:p>
+            </p:txBody>
+          </p:sp>
+        </mc:Choice>
+        <mc:Fallback>
+          <p:sp>
+            <p:nvSpPr>
+              <p:cNvPr id="3" name="TextBox 2">
+                <a:extLst>
+                  <a:ext uri="{FF2B5EF4-FFF2-40B4-BE49-F238E27FC236}">
+                    <a16:creationId xmlns:a16="http://schemas.microsoft.com/office/drawing/2014/main" id="{E3F04533-03AC-21EF-93FD-83141649C652}"/>
+                  </a:ext>
+                </a:extLst>
+              </p:cNvPr>
+              <p:cNvSpPr txBox="1">
+                <a:spLocks noRot="1" noChangeAspect="1" noMove="1" noResize="1" noEditPoints="1" noAdjustHandles="1" noChangeArrowheads="1" noChangeShapeType="1" noTextEdit="1"/>
+              </p:cNvSpPr>
+              <p:nvPr/>
+            </p:nvSpPr>
+            <p:spPr>
+              <a:xfrm>
+                <a:off x="0" y="627468"/>
+                <a:ext cx="12192000" cy="646331"/>
+              </a:xfrm>
+              <a:prstGeom prst="rect">
+                <a:avLst/>
+              </a:prstGeom>
+              <a:blipFill>
+                <a:blip r:embed="rId2"/>
+                <a:stretch>
+                  <a:fillRect l="-400" t="-5660" r="-400" b="-14151"/>
+                </a:stretch>
+              </a:blipFill>
+            </p:spPr>
+            <p:txBody>
+              <a:bodyPr/>
+              <a:lstStyle/>
+              <a:p>
+                <a:r>
+                  <a:rPr lang="en-GB">
+                    <a:noFill/>
+                  </a:rPr>
+                  <a:t> </a:t>
+                </a:r>
+              </a:p>
+            </p:txBody>
+          </p:sp>
+        </mc:Fallback>
+      </mc:AlternateContent>
+      <p:pic>
+        <p:nvPicPr>
+          <p:cNvPr id="4" name="Picture 2">
+            <a:extLst>
+              <a:ext uri="{FF2B5EF4-FFF2-40B4-BE49-F238E27FC236}">
+                <a16:creationId xmlns:a16="http://schemas.microsoft.com/office/drawing/2014/main" id="{91688AE2-5959-A781-FCEA-3219A0B37ED1}"/>
+              </a:ext>
+            </a:extLst>
+          </p:cNvPr>
+          <p:cNvPicPr>
+            <a:picLocks noChangeAspect="1" noChangeArrowheads="1"/>
+          </p:cNvPicPr>
+          <p:nvPr/>
+        </p:nvPicPr>
+        <p:blipFill>
+          <a:blip r:embed="rId3">
+            <a:extLst>
+              <a:ext uri="{28A0092B-C50C-407E-A947-70E740481C1C}">
+                <a14:useLocalDpi xmlns:a14="http://schemas.microsoft.com/office/drawing/2010/main" val="0"/>
+              </a:ext>
+            </a:extLst>
+          </a:blip>
+          <a:srcRect/>
+          <a:stretch>
+            <a:fillRect/>
+          </a:stretch>
+        </p:blipFill>
+        <p:spPr bwMode="auto">
+          <a:xfrm>
+            <a:off x="6337740" y="77926"/>
+            <a:ext cx="384679" cy="422101"/>
+          </a:xfrm>
+          <a:prstGeom prst="rect">
+            <a:avLst/>
+          </a:prstGeom>
+          <a:noFill/>
+          <a:extLst>
+            <a:ext uri="{909E8E84-426E-40DD-AFC4-6F175D3DCCD1}">
+              <a14:hiddenFill xmlns:a14="http://schemas.microsoft.com/office/drawing/2010/main">
+                <a:solidFill>
+                  <a:srgbClr val="FFFFFF"/>
+                </a:solidFill>
+              </a14:hiddenFill>
+            </a:ext>
+          </a:extLst>
+        </p:spPr>
+      </p:pic>
+      <p:sp>
+        <p:nvSpPr>
+          <p:cNvPr id="5" name="TextBox 4">
+            <a:extLst>
+              <a:ext uri="{FF2B5EF4-FFF2-40B4-BE49-F238E27FC236}">
+                <a16:creationId xmlns:a16="http://schemas.microsoft.com/office/drawing/2014/main" id="{553BCEC3-A8F4-DAC1-BEC4-21AF39FC432C}"/>
+              </a:ext>
+            </a:extLst>
+          </p:cNvPr>
+          <p:cNvSpPr txBox="1"/>
+          <p:nvPr/>
+        </p:nvSpPr>
+        <p:spPr>
+          <a:xfrm>
+            <a:off x="6722419" y="73201"/>
+            <a:ext cx="2743198" cy="338554"/>
+          </a:xfrm>
+          <a:prstGeom prst="rect">
+            <a:avLst/>
+          </a:prstGeom>
+          <a:noFill/>
+        </p:spPr>
+        <p:txBody>
+          <a:bodyPr wrap="square" rtlCol="0">
+            <a:spAutoFit/>
+          </a:bodyPr>
+          <a:lstStyle/>
+          <a:p>
+            <a:pPr algn="just"/>
+            <a:r>
+              <a:rPr lang="fr-FR" sz="1600" i="1" noProof="0" dirty="0">
+                <a:latin typeface="Times New Roman" panose="02020603050405020304" pitchFamily="18" charset="0"/>
+                <a:cs typeface="Times New Roman" panose="02020603050405020304" pitchFamily="18" charset="0"/>
+              </a:rPr>
+              <a:t>Script_Poisson_Young.py</a:t>
+            </a:r>
+          </a:p>
+        </p:txBody>
+      </p:sp>
+      <p:pic>
+        <p:nvPicPr>
+          <p:cNvPr id="7" name="Picture 6" descr="A diagram with different colored squares&#10;&#10;AI-generated content may be incorrect.">
+            <a:extLst>
+              <a:ext uri="{FF2B5EF4-FFF2-40B4-BE49-F238E27FC236}">
+                <a16:creationId xmlns:a16="http://schemas.microsoft.com/office/drawing/2014/main" id="{95DA9114-B9DC-EAA8-3C4C-01EE1B196BB1}"/>
+              </a:ext>
+            </a:extLst>
+          </p:cNvPr>
+          <p:cNvPicPr>
+            <a:picLocks noChangeAspect="1"/>
+          </p:cNvPicPr>
+          <p:nvPr/>
+        </p:nvPicPr>
+        <p:blipFill>
+          <a:blip r:embed="rId4">
+            <a:extLst>
+              <a:ext uri="{28A0092B-C50C-407E-A947-70E740481C1C}">
+                <a14:useLocalDpi xmlns:a14="http://schemas.microsoft.com/office/drawing/2010/main" val="0"/>
+              </a:ext>
+            </a:extLst>
+          </a:blip>
+          <a:stretch>
+            <a:fillRect/>
+          </a:stretch>
+        </p:blipFill>
+        <p:spPr>
+          <a:xfrm>
+            <a:off x="785777" y="1273799"/>
+            <a:ext cx="5399628" cy="3239777"/>
+          </a:xfrm>
+          <a:prstGeom prst="rect">
+            <a:avLst/>
+          </a:prstGeom>
+        </p:spPr>
+      </p:pic>
+      <p:pic>
+        <p:nvPicPr>
+          <p:cNvPr id="10" name="Picture 9" descr="A diagram of a graph&#10;&#10;AI-generated content may be incorrect.">
+            <a:extLst>
+              <a:ext uri="{FF2B5EF4-FFF2-40B4-BE49-F238E27FC236}">
+                <a16:creationId xmlns:a16="http://schemas.microsoft.com/office/drawing/2014/main" id="{71B00AE5-45C4-9ACA-101A-43DB73FF576D}"/>
+              </a:ext>
+            </a:extLst>
+          </p:cNvPr>
+          <p:cNvPicPr>
+            <a:picLocks noChangeAspect="1"/>
+          </p:cNvPicPr>
+          <p:nvPr/>
+        </p:nvPicPr>
+        <p:blipFill>
+          <a:blip r:embed="rId5">
+            <a:extLst>
+              <a:ext uri="{28A0092B-C50C-407E-A947-70E740481C1C}">
+                <a14:useLocalDpi xmlns:a14="http://schemas.microsoft.com/office/drawing/2010/main" val="0"/>
+              </a:ext>
+            </a:extLst>
+          </a:blip>
+          <a:stretch>
+            <a:fillRect/>
+          </a:stretch>
+        </p:blipFill>
+        <p:spPr>
+          <a:xfrm>
+            <a:off x="6038547" y="1273799"/>
+            <a:ext cx="5399628" cy="3239777"/>
+          </a:xfrm>
+          <a:prstGeom prst="rect">
+            <a:avLst/>
+          </a:prstGeom>
+        </p:spPr>
+      </p:pic>
+      <mc:AlternateContent xmlns:mc="http://schemas.openxmlformats.org/markup-compatibility/2006">
+        <mc:Choice xmlns:a14="http://schemas.microsoft.com/office/drawing/2010/main" Requires="a14">
+          <p:sp>
+            <p:nvSpPr>
+              <p:cNvPr id="13" name="TextBox 12">
+                <a:extLst>
+                  <a:ext uri="{FF2B5EF4-FFF2-40B4-BE49-F238E27FC236}">
+                    <a16:creationId xmlns:a16="http://schemas.microsoft.com/office/drawing/2014/main" id="{4F92AAEB-8362-34E4-82A1-BF26B6648AA5}"/>
+                  </a:ext>
+                </a:extLst>
+              </p:cNvPr>
+              <p:cNvSpPr txBox="1"/>
+              <p:nvPr/>
+            </p:nvSpPr>
+            <p:spPr>
+              <a:xfrm>
+                <a:off x="0" y="4647018"/>
+                <a:ext cx="12192000" cy="1200329"/>
+              </a:xfrm>
+              <a:prstGeom prst="rect">
+                <a:avLst/>
+              </a:prstGeom>
+              <a:noFill/>
+            </p:spPr>
+            <p:txBody>
+              <a:bodyPr wrap="square" rtlCol="0">
+                <a:spAutoFit/>
+              </a:bodyPr>
+              <a:lstStyle/>
+              <a:p>
+                <a:pPr algn="just"/>
+                <a:r>
+                  <a:rPr lang="fr-FR" noProof="0" dirty="0">
+                    <a:latin typeface="Times New Roman" panose="02020603050405020304" pitchFamily="18" charset="0"/>
+                    <a:cs typeface="Times New Roman" panose="02020603050405020304" pitchFamily="18" charset="0"/>
+                  </a:rPr>
+                  <a:t>Selon l’hypothèse de non </a:t>
+                </a:r>
+                <a:r>
+                  <a:rPr lang="fr-FR" noProof="0" dirty="0" err="1">
+                    <a:latin typeface="Times New Roman" panose="02020603050405020304" pitchFamily="18" charset="0"/>
+                    <a:cs typeface="Times New Roman" panose="02020603050405020304" pitchFamily="18" charset="0"/>
+                  </a:rPr>
+                  <a:t>orthotropie</a:t>
+                </a:r>
+                <a:r>
+                  <a:rPr lang="fr-FR" noProof="0" dirty="0">
+                    <a:latin typeface="Times New Roman" panose="02020603050405020304" pitchFamily="18" charset="0"/>
+                    <a:cs typeface="Times New Roman" panose="02020603050405020304" pitchFamily="18" charset="0"/>
+                  </a:rPr>
+                  <a:t> que nous avons posés, nous prenons </a:t>
+                </a:r>
+                <a14:m>
+                  <m:oMath xmlns:m="http://schemas.openxmlformats.org/officeDocument/2006/math">
+                    <m:r>
+                      <a:rPr lang="fr-FR" b="0" i="1" noProof="0" smtClean="0">
+                        <a:latin typeface="Cambria Math" panose="02040503050406030204" pitchFamily="18" charset="0"/>
+                        <a:cs typeface="Times New Roman" panose="02020603050405020304" pitchFamily="18" charset="0"/>
+                      </a:rPr>
+                      <m:t>𝐸</m:t>
+                    </m:r>
+                    <m:r>
+                      <a:rPr lang="fr-FR" b="0" i="1" noProof="0" smtClean="0">
+                        <a:latin typeface="Cambria Math" panose="02040503050406030204" pitchFamily="18" charset="0"/>
+                        <a:cs typeface="Times New Roman" panose="02020603050405020304" pitchFamily="18" charset="0"/>
+                      </a:rPr>
+                      <m:t>=</m:t>
+                    </m:r>
+                    <m:sSub>
+                      <m:sSubPr>
+                        <m:ctrlPr>
+                          <a:rPr lang="fr-FR" b="0" i="1" noProof="0" smtClean="0">
+                            <a:latin typeface="Cambria Math" panose="02040503050406030204" pitchFamily="18" charset="0"/>
+                            <a:cs typeface="Times New Roman" panose="02020603050405020304" pitchFamily="18" charset="0"/>
+                          </a:rPr>
+                        </m:ctrlPr>
+                      </m:sSubPr>
+                      <m:e>
+                        <m:r>
+                          <a:rPr lang="fr-FR" b="0" i="1" noProof="0" smtClean="0">
+                            <a:latin typeface="Cambria Math" panose="02040503050406030204" pitchFamily="18" charset="0"/>
+                            <a:cs typeface="Times New Roman" panose="02020603050405020304" pitchFamily="18" charset="0"/>
+                          </a:rPr>
+                          <m:t>𝐸</m:t>
+                        </m:r>
+                      </m:e>
+                      <m:sub>
+                        <m:r>
+                          <a:rPr lang="fr-FR" b="0" i="1" noProof="0" smtClean="0">
+                            <a:latin typeface="Cambria Math" panose="02040503050406030204" pitchFamily="18" charset="0"/>
+                            <a:cs typeface="Times New Roman" panose="02020603050405020304" pitchFamily="18" charset="0"/>
+                          </a:rPr>
+                          <m:t>𝐿𝐴</m:t>
+                        </m:r>
+                      </m:sub>
+                    </m:sSub>
+                  </m:oMath>
+                </a14:m>
+                <a:r>
+                  <a:rPr lang="fr-FR" noProof="0" dirty="0">
+                    <a:latin typeface="Times New Roman" panose="02020603050405020304" pitchFamily="18" charset="0"/>
+                    <a:cs typeface="Times New Roman" panose="02020603050405020304" pitchFamily="18" charset="0"/>
+                  </a:rPr>
+                  <a:t> et </a:t>
+                </a:r>
+                <a14:m>
+                  <m:oMath xmlns:m="http://schemas.openxmlformats.org/officeDocument/2006/math">
+                    <m:r>
+                      <a:rPr lang="fr-FR" i="1" noProof="0" smtClean="0">
+                        <a:latin typeface="Cambria Math" panose="02040503050406030204" pitchFamily="18" charset="0"/>
+                      </a:rPr>
+                      <m:t>𝜈</m:t>
+                    </m:r>
+                    <m:r>
+                      <a:rPr lang="fr-FR" b="0" i="1" noProof="0" smtClean="0">
+                        <a:latin typeface="Cambria Math" panose="02040503050406030204" pitchFamily="18" charset="0"/>
+                      </a:rPr>
+                      <m:t>=</m:t>
+                    </m:r>
+                    <m:sSub>
+                      <m:sSubPr>
+                        <m:ctrlPr>
+                          <a:rPr lang="fr-FR" b="0" i="1" smtClean="0">
+                            <a:latin typeface="Cambria Math" panose="02040503050406030204" pitchFamily="18" charset="0"/>
+                          </a:rPr>
+                        </m:ctrlPr>
+                      </m:sSubPr>
+                      <m:e>
+                        <m:r>
+                          <a:rPr lang="fr-FR" i="1">
+                            <a:latin typeface="Cambria Math" panose="02040503050406030204" pitchFamily="18" charset="0"/>
+                          </a:rPr>
+                          <m:t>𝜈</m:t>
+                        </m:r>
+                      </m:e>
+                      <m:sub>
+                        <m:r>
+                          <a:rPr lang="fr-FR" b="0" i="1" smtClean="0">
+                            <a:latin typeface="Cambria Math" panose="02040503050406030204" pitchFamily="18" charset="0"/>
+                          </a:rPr>
+                          <m:t>𝐿𝐴</m:t>
+                        </m:r>
+                      </m:sub>
+                    </m:sSub>
+                  </m:oMath>
+                </a14:m>
+                <a:r>
+                  <a:rPr lang="fr-FR" noProof="0" dirty="0">
+                    <a:latin typeface="Times New Roman" panose="02020603050405020304" pitchFamily="18" charset="0"/>
+                    <a:cs typeface="Times New Roman" panose="02020603050405020304" pitchFamily="18" charset="0"/>
+                  </a:rPr>
+                  <a:t> tel que à la lumière de ces deux histogramme</a:t>
+                </a:r>
+                <a:r>
+                  <a:rPr lang="fr-FR" dirty="0">
+                    <a:latin typeface="Times New Roman" panose="02020603050405020304" pitchFamily="18" charset="0"/>
+                    <a:cs typeface="Times New Roman" panose="02020603050405020304" pitchFamily="18" charset="0"/>
+                  </a:rPr>
+                  <a:t>es ainsi que des expériences réalisées, nous supposeront le module de Young comme une variables aléatoire (i.e., définis par une loi de probabilité) et le coefficient de cisaillement comme une variable épistémique (i.e., définis par un intervalle de valeur étant donné que le traçage </a:t>
+                </a:r>
+                <a:r>
+                  <a:rPr lang="fr-FR" b="1" dirty="0">
+                    <a:latin typeface="Times New Roman" panose="02020603050405020304" pitchFamily="18" charset="0"/>
+                    <a:cs typeface="Times New Roman" panose="02020603050405020304" pitchFamily="18" charset="0"/>
+                  </a:rPr>
+                  <a:t>DIC</a:t>
+                </a:r>
+                <a:r>
+                  <a:rPr lang="fr-FR" dirty="0">
+                    <a:latin typeface="Times New Roman" panose="02020603050405020304" pitchFamily="18" charset="0"/>
+                    <a:cs typeface="Times New Roman" panose="02020603050405020304" pitchFamily="18" charset="0"/>
+                  </a:rPr>
+                  <a:t> (Digital Image </a:t>
+                </a:r>
+                <a:r>
+                  <a:rPr lang="fr-FR" dirty="0" err="1">
+                    <a:latin typeface="Times New Roman" panose="02020603050405020304" pitchFamily="18" charset="0"/>
+                    <a:cs typeface="Times New Roman" panose="02020603050405020304" pitchFamily="18" charset="0"/>
+                  </a:rPr>
+                  <a:t>Correlation</a:t>
+                </a:r>
+                <a:r>
+                  <a:rPr lang="fr-FR" dirty="0">
+                    <a:latin typeface="Times New Roman" panose="02020603050405020304" pitchFamily="18" charset="0"/>
+                    <a:cs typeface="Times New Roman" panose="02020603050405020304" pitchFamily="18" charset="0"/>
+                  </a:rPr>
+                  <a:t>) était peu fructueux lors du précédent projet). </a:t>
+                </a:r>
+                <a:endParaRPr lang="fr-FR" noProof="0" dirty="0">
+                  <a:latin typeface="Times New Roman" panose="02020603050405020304" pitchFamily="18" charset="0"/>
+                  <a:cs typeface="Times New Roman" panose="02020603050405020304" pitchFamily="18" charset="0"/>
+                </a:endParaRPr>
+              </a:p>
+            </p:txBody>
+          </p:sp>
+        </mc:Choice>
+        <mc:Fallback>
+          <p:sp>
+            <p:nvSpPr>
+              <p:cNvPr id="13" name="TextBox 12">
+                <a:extLst>
+                  <a:ext uri="{FF2B5EF4-FFF2-40B4-BE49-F238E27FC236}">
+                    <a16:creationId xmlns:a16="http://schemas.microsoft.com/office/drawing/2014/main" id="{4F92AAEB-8362-34E4-82A1-BF26B6648AA5}"/>
+                  </a:ext>
+                </a:extLst>
+              </p:cNvPr>
+              <p:cNvSpPr txBox="1">
+                <a:spLocks noRot="1" noChangeAspect="1" noMove="1" noResize="1" noEditPoints="1" noAdjustHandles="1" noChangeArrowheads="1" noChangeShapeType="1" noTextEdit="1"/>
+              </p:cNvSpPr>
+              <p:nvPr/>
+            </p:nvSpPr>
+            <p:spPr>
+              <a:xfrm>
+                <a:off x="0" y="4647018"/>
+                <a:ext cx="12192000" cy="1200329"/>
+              </a:xfrm>
+              <a:prstGeom prst="rect">
+                <a:avLst/>
+              </a:prstGeom>
+              <a:blipFill>
+                <a:blip r:embed="rId6"/>
+                <a:stretch>
+                  <a:fillRect l="-400" t="-2538" r="-400" b="-7107"/>
+                </a:stretch>
+              </a:blipFill>
+            </p:spPr>
+            <p:txBody>
+              <a:bodyPr/>
+              <a:lstStyle/>
+              <a:p>
+                <a:r>
+                  <a:rPr lang="en-GB">
+                    <a:noFill/>
+                  </a:rPr>
+                  <a:t> </a:t>
+                </a:r>
+              </a:p>
+            </p:txBody>
+          </p:sp>
+        </mc:Fallback>
+      </mc:AlternateContent>
+      <mc:AlternateContent xmlns:mc="http://schemas.openxmlformats.org/markup-compatibility/2006">
+        <mc:Choice xmlns:a14="http://schemas.microsoft.com/office/drawing/2010/main" Requires="a14">
+          <p:sp>
+            <p:nvSpPr>
+              <p:cNvPr id="14" name="TextBox 13">
+                <a:extLst>
+                  <a:ext uri="{FF2B5EF4-FFF2-40B4-BE49-F238E27FC236}">
+                    <a16:creationId xmlns:a16="http://schemas.microsoft.com/office/drawing/2014/main" id="{48BDC8D2-B524-1313-821E-AE3DCCAD58E5}"/>
+                  </a:ext>
+                </a:extLst>
+              </p:cNvPr>
+              <p:cNvSpPr txBox="1"/>
+              <p:nvPr/>
+            </p:nvSpPr>
+            <p:spPr>
+              <a:xfrm>
+                <a:off x="0" y="6045866"/>
+                <a:ext cx="12192000" cy="646331"/>
+              </a:xfrm>
+              <a:prstGeom prst="rect">
+                <a:avLst/>
+              </a:prstGeom>
+              <a:noFill/>
+            </p:spPr>
+            <p:txBody>
+              <a:bodyPr wrap="square" rtlCol="0">
+                <a:spAutoFit/>
+              </a:bodyPr>
+              <a:lstStyle/>
+              <a:p>
+                <a:pPr algn="just"/>
+                <a:r>
+                  <a:rPr lang="fr-FR" b="1" noProof="0" dirty="0">
+                    <a:latin typeface="Times New Roman" panose="02020603050405020304" pitchFamily="18" charset="0"/>
+                    <a:cs typeface="Times New Roman" panose="02020603050405020304" pitchFamily="18" charset="0"/>
+                  </a:rPr>
+                  <a:t>Remarque</a:t>
+                </a:r>
+                <a:r>
+                  <a:rPr lang="fr-FR" noProof="0" dirty="0">
+                    <a:latin typeface="Times New Roman" panose="02020603050405020304" pitchFamily="18" charset="0"/>
+                    <a:cs typeface="Times New Roman" panose="02020603050405020304" pitchFamily="18" charset="0"/>
+                  </a:rPr>
+                  <a:t> : Pour </a:t>
+                </a:r>
+                <a14:m>
+                  <m:oMath xmlns:m="http://schemas.openxmlformats.org/officeDocument/2006/math">
+                    <m:r>
+                      <a:rPr lang="fr-FR" b="0" i="1" noProof="0" smtClean="0">
+                        <a:latin typeface="Cambria Math" panose="02040503050406030204" pitchFamily="18" charset="0"/>
+                        <a:cs typeface="Times New Roman" panose="02020603050405020304" pitchFamily="18" charset="0"/>
+                      </a:rPr>
+                      <m:t>𝐸</m:t>
+                    </m:r>
+                  </m:oMath>
+                </a14:m>
+                <a:r>
+                  <a:rPr lang="fr-FR" noProof="0" dirty="0">
+                    <a:latin typeface="Times New Roman" panose="02020603050405020304" pitchFamily="18" charset="0"/>
+                    <a:cs typeface="Times New Roman" panose="02020603050405020304" pitchFamily="18" charset="0"/>
+                  </a:rPr>
+                  <a:t> nous nous assurons de sa définition par une loi de probabilité </a:t>
+                </a:r>
+                <a:r>
+                  <a:rPr lang="fr-FR" dirty="0">
+                    <a:latin typeface="Times New Roman" panose="02020603050405020304" pitchFamily="18" charset="0"/>
+                    <a:cs typeface="Times New Roman" panose="02020603050405020304" pitchFamily="18" charset="0"/>
+                  </a:rPr>
+                  <a:t>à l’aide du test de Shapiro-</a:t>
+                </a:r>
+                <a:r>
+                  <a:rPr lang="fr-FR" dirty="0" err="1">
+                    <a:latin typeface="Times New Roman" panose="02020603050405020304" pitchFamily="18" charset="0"/>
+                    <a:cs typeface="Times New Roman" panose="02020603050405020304" pitchFamily="18" charset="0"/>
+                  </a:rPr>
+                  <a:t>Wilk</a:t>
+                </a:r>
+                <a:r>
+                  <a:rPr lang="fr-FR" dirty="0">
+                    <a:latin typeface="Times New Roman" panose="02020603050405020304" pitchFamily="18" charset="0"/>
+                    <a:cs typeface="Times New Roman" panose="02020603050405020304" pitchFamily="18" charset="0"/>
+                  </a:rPr>
+                  <a:t> et de Kolmogorov-Smirnov. </a:t>
+                </a:r>
+                <a:endParaRPr lang="fr-FR" noProof="0" dirty="0">
+                  <a:latin typeface="Times New Roman" panose="02020603050405020304" pitchFamily="18" charset="0"/>
+                  <a:cs typeface="Times New Roman" panose="02020603050405020304" pitchFamily="18" charset="0"/>
+                </a:endParaRPr>
+              </a:p>
+            </p:txBody>
+          </p:sp>
+        </mc:Choice>
+        <mc:Fallback>
+          <p:sp>
+            <p:nvSpPr>
+              <p:cNvPr id="14" name="TextBox 13">
+                <a:extLst>
+                  <a:ext uri="{FF2B5EF4-FFF2-40B4-BE49-F238E27FC236}">
+                    <a16:creationId xmlns:a16="http://schemas.microsoft.com/office/drawing/2014/main" id="{48BDC8D2-B524-1313-821E-AE3DCCAD58E5}"/>
+                  </a:ext>
+                </a:extLst>
+              </p:cNvPr>
+              <p:cNvSpPr txBox="1">
+                <a:spLocks noRot="1" noChangeAspect="1" noMove="1" noResize="1" noEditPoints="1" noAdjustHandles="1" noChangeArrowheads="1" noChangeShapeType="1" noTextEdit="1"/>
+              </p:cNvSpPr>
+              <p:nvPr/>
+            </p:nvSpPr>
+            <p:spPr>
+              <a:xfrm>
+                <a:off x="0" y="6045866"/>
+                <a:ext cx="12192000" cy="646331"/>
+              </a:xfrm>
+              <a:prstGeom prst="rect">
+                <a:avLst/>
+              </a:prstGeom>
+              <a:blipFill>
+                <a:blip r:embed="rId7"/>
+                <a:stretch>
+                  <a:fillRect l="-400" t="-5660" r="-400" b="-14151"/>
+                </a:stretch>
+              </a:blipFill>
+            </p:spPr>
+            <p:txBody>
+              <a:bodyPr/>
+              <a:lstStyle/>
+              <a:p>
+                <a:r>
+                  <a:rPr lang="en-GB">
+                    <a:noFill/>
+                  </a:rPr>
+                  <a:t> </a:t>
+                </a:r>
+              </a:p>
+            </p:txBody>
+          </p:sp>
+        </mc:Fallback>
+      </mc:AlternateContent>
     </p:spTree>
     <p:extLst>
       <p:ext uri="{BB962C8B-B14F-4D97-AF65-F5344CB8AC3E}">
@@ -7831,6 +8709,866 @@
 </file>
 
 <file path=ppt/slides/slide12.xml><?xml version="1.0" encoding="utf-8"?>
+<p:sld xmlns:a="http://schemas.openxmlformats.org/drawingml/2006/main" xmlns:r="http://schemas.openxmlformats.org/officeDocument/2006/relationships" xmlns:p="http://schemas.openxmlformats.org/presentationml/2006/main">
+  <p:cSld>
+    <p:spTree>
+      <p:nvGrpSpPr>
+        <p:cNvPr id="1" name="">
+          <a:extLst>
+            <a:ext uri="{FF2B5EF4-FFF2-40B4-BE49-F238E27FC236}">
+              <a16:creationId xmlns:a16="http://schemas.microsoft.com/office/drawing/2014/main" id="{88036F1B-4616-136A-7642-11034A01006E}"/>
+            </a:ext>
+          </a:extLst>
+        </p:cNvPr>
+        <p:cNvGrpSpPr/>
+        <p:nvPr/>
+      </p:nvGrpSpPr>
+      <p:grpSpPr>
+        <a:xfrm>
+          <a:off x="0" y="0"/>
+          <a:ext cx="0" cy="0"/>
+          <a:chOff x="0" y="0"/>
+          <a:chExt cx="0" cy="0"/>
+        </a:xfrm>
+      </p:grpSpPr>
+      <p:sp>
+        <p:nvSpPr>
+          <p:cNvPr id="36" name="Rectangle 35">
+            <a:extLst>
+              <a:ext uri="{FF2B5EF4-FFF2-40B4-BE49-F238E27FC236}">
+                <a16:creationId xmlns:a16="http://schemas.microsoft.com/office/drawing/2014/main" id="{6E427F2E-04D7-52FB-717E-1E627058A5F0}"/>
+              </a:ext>
+            </a:extLst>
+          </p:cNvPr>
+          <p:cNvSpPr/>
+          <p:nvPr/>
+        </p:nvSpPr>
+        <p:spPr>
+          <a:xfrm>
+            <a:off x="1" y="-990"/>
+            <a:ext cx="6096000" cy="501017"/>
+          </a:xfrm>
+          <a:prstGeom prst="rect">
+            <a:avLst/>
+          </a:prstGeom>
+          <a:solidFill>
+            <a:srgbClr val="980000"/>
+          </a:solidFill>
+          <a:ln>
+            <a:noFill/>
+          </a:ln>
+        </p:spPr>
+        <p:style>
+          <a:lnRef idx="2">
+            <a:schemeClr val="accent1">
+              <a:shade val="15000"/>
+            </a:schemeClr>
+          </a:lnRef>
+          <a:fillRef idx="1">
+            <a:schemeClr val="accent1"/>
+          </a:fillRef>
+          <a:effectRef idx="0">
+            <a:schemeClr val="accent1"/>
+          </a:effectRef>
+          <a:fontRef idx="minor">
+            <a:schemeClr val="lt1"/>
+          </a:fontRef>
+        </p:style>
+        <p:txBody>
+          <a:bodyPr rtlCol="0" anchor="ctr"/>
+          <a:lstStyle/>
+          <a:p>
+            <a:pPr algn="ctr"/>
+            <a:endParaRPr lang="fr-FR" noProof="0" dirty="0"/>
+          </a:p>
+        </p:txBody>
+      </p:sp>
+      <p:sp>
+        <p:nvSpPr>
+          <p:cNvPr id="9" name="TextBox 8">
+            <a:extLst>
+              <a:ext uri="{FF2B5EF4-FFF2-40B4-BE49-F238E27FC236}">
+                <a16:creationId xmlns:a16="http://schemas.microsoft.com/office/drawing/2014/main" id="{9A7A0B74-492F-A599-6639-25F51923701D}"/>
+              </a:ext>
+            </a:extLst>
+          </p:cNvPr>
+          <p:cNvSpPr txBox="1"/>
+          <p:nvPr/>
+        </p:nvSpPr>
+        <p:spPr>
+          <a:xfrm>
+            <a:off x="0" y="-990"/>
+            <a:ext cx="5568381" cy="461665"/>
+          </a:xfrm>
+          <a:prstGeom prst="rect">
+            <a:avLst/>
+          </a:prstGeom>
+          <a:noFill/>
+        </p:spPr>
+        <p:txBody>
+          <a:bodyPr wrap="square" rtlCol="0">
+            <a:spAutoFit/>
+          </a:bodyPr>
+          <a:lstStyle/>
+          <a:p>
+            <a:pPr algn="just"/>
+            <a:r>
+              <a:rPr lang="fr-FR" sz="2400" b="1" noProof="0" dirty="0">
+                <a:solidFill>
+                  <a:schemeClr val="bg1"/>
+                </a:solidFill>
+                <a:latin typeface="Times New Roman" panose="02020603050405020304" pitchFamily="18" charset="0"/>
+                <a:cs typeface="Times New Roman" panose="02020603050405020304" pitchFamily="18" charset="0"/>
+              </a:rPr>
+              <a:t>PROPAGATION DES INCERTITUDES</a:t>
+            </a:r>
+          </a:p>
+        </p:txBody>
+      </p:sp>
+      <p:sp>
+        <p:nvSpPr>
+          <p:cNvPr id="39" name="Rectangle 38">
+            <a:extLst>
+              <a:ext uri="{FF2B5EF4-FFF2-40B4-BE49-F238E27FC236}">
+                <a16:creationId xmlns:a16="http://schemas.microsoft.com/office/drawing/2014/main" id="{6C01FA0E-5AD4-0988-F525-55D0DE99B939}"/>
+              </a:ext>
+            </a:extLst>
+          </p:cNvPr>
+          <p:cNvSpPr/>
+          <p:nvPr/>
+        </p:nvSpPr>
+        <p:spPr>
+          <a:xfrm>
+            <a:off x="6096000" y="0"/>
+            <a:ext cx="6096000" cy="501017"/>
+          </a:xfrm>
+          <a:prstGeom prst="rect">
+            <a:avLst/>
+          </a:prstGeom>
+          <a:solidFill>
+            <a:srgbClr val="D9D9D9"/>
+          </a:solidFill>
+          <a:ln>
+            <a:noFill/>
+          </a:ln>
+        </p:spPr>
+        <p:style>
+          <a:lnRef idx="2">
+            <a:schemeClr val="accent1">
+              <a:shade val="15000"/>
+            </a:schemeClr>
+          </a:lnRef>
+          <a:fillRef idx="1">
+            <a:schemeClr val="accent1"/>
+          </a:fillRef>
+          <a:effectRef idx="0">
+            <a:schemeClr val="accent1"/>
+          </a:effectRef>
+          <a:fontRef idx="minor">
+            <a:schemeClr val="lt1"/>
+          </a:fontRef>
+        </p:style>
+        <p:txBody>
+          <a:bodyPr rtlCol="0" anchor="ctr"/>
+          <a:lstStyle/>
+          <a:p>
+            <a:pPr algn="ctr"/>
+            <a:endParaRPr lang="fr-FR" noProof="0" dirty="0"/>
+          </a:p>
+        </p:txBody>
+      </p:sp>
+      <p:sp>
+        <p:nvSpPr>
+          <p:cNvPr id="2" name="TextBox 1">
+            <a:extLst>
+              <a:ext uri="{FF2B5EF4-FFF2-40B4-BE49-F238E27FC236}">
+                <a16:creationId xmlns:a16="http://schemas.microsoft.com/office/drawing/2014/main" id="{BCF31FE0-4406-FBB5-F14D-8C6BD0C5D64A}"/>
+              </a:ext>
+            </a:extLst>
+          </p:cNvPr>
+          <p:cNvSpPr txBox="1"/>
+          <p:nvPr/>
+        </p:nvSpPr>
+        <p:spPr>
+          <a:xfrm>
+            <a:off x="11091333" y="6550222"/>
+            <a:ext cx="1100667" cy="307777"/>
+          </a:xfrm>
+          <a:prstGeom prst="rect">
+            <a:avLst/>
+          </a:prstGeom>
+          <a:noFill/>
+        </p:spPr>
+        <p:txBody>
+          <a:bodyPr wrap="square" rtlCol="0">
+            <a:spAutoFit/>
+          </a:bodyPr>
+          <a:lstStyle/>
+          <a:p>
+            <a:pPr algn="r"/>
+            <a:r>
+              <a:rPr lang="fr-FR" sz="1400" noProof="0" dirty="0">
+                <a:latin typeface="Times New Roman" panose="02020603050405020304" pitchFamily="18" charset="0"/>
+                <a:cs typeface="Times New Roman" panose="02020603050405020304" pitchFamily="18" charset="0"/>
+              </a:rPr>
+              <a:t>X/Y</a:t>
+            </a:r>
+          </a:p>
+        </p:txBody>
+      </p:sp>
+      <p:sp>
+        <p:nvSpPr>
+          <p:cNvPr id="3" name="TextBox 2">
+            <a:extLst>
+              <a:ext uri="{FF2B5EF4-FFF2-40B4-BE49-F238E27FC236}">
+                <a16:creationId xmlns:a16="http://schemas.microsoft.com/office/drawing/2014/main" id="{49E817FD-6192-C972-9162-7F57B3CE3D00}"/>
+              </a:ext>
+            </a:extLst>
+          </p:cNvPr>
+          <p:cNvSpPr txBox="1"/>
+          <p:nvPr/>
+        </p:nvSpPr>
+        <p:spPr>
+          <a:xfrm>
+            <a:off x="0" y="627468"/>
+            <a:ext cx="12192000" cy="369332"/>
+          </a:xfrm>
+          <a:prstGeom prst="rect">
+            <a:avLst/>
+          </a:prstGeom>
+          <a:noFill/>
+        </p:spPr>
+        <p:txBody>
+          <a:bodyPr wrap="square" rtlCol="0">
+            <a:spAutoFit/>
+          </a:bodyPr>
+          <a:lstStyle/>
+          <a:p>
+            <a:pPr algn="just"/>
+            <a:r>
+              <a:rPr lang="fr-FR" noProof="0" dirty="0">
+                <a:latin typeface="Times New Roman" panose="02020603050405020304" pitchFamily="18" charset="0"/>
+                <a:cs typeface="Times New Roman" panose="02020603050405020304" pitchFamily="18" charset="0"/>
+              </a:rPr>
+              <a:t>Ainsi, nous pouvons donc tracer les graphiques suivants (PDF – </a:t>
+            </a:r>
+            <a:r>
+              <a:rPr lang="fr-FR" i="1" noProof="0" dirty="0" err="1">
+                <a:latin typeface="Times New Roman" panose="02020603050405020304" pitchFamily="18" charset="0"/>
+                <a:cs typeface="Times New Roman" panose="02020603050405020304" pitchFamily="18" charset="0"/>
+              </a:rPr>
+              <a:t>Probability</a:t>
+            </a:r>
+            <a:r>
+              <a:rPr lang="fr-FR" i="1" noProof="0" dirty="0">
+                <a:latin typeface="Times New Roman" panose="02020603050405020304" pitchFamily="18" charset="0"/>
+                <a:cs typeface="Times New Roman" panose="02020603050405020304" pitchFamily="18" charset="0"/>
+              </a:rPr>
+              <a:t> Density </a:t>
+            </a:r>
+            <a:r>
+              <a:rPr lang="fr-FR" i="1" noProof="0" dirty="0" err="1">
+                <a:latin typeface="Times New Roman" panose="02020603050405020304" pitchFamily="18" charset="0"/>
+                <a:cs typeface="Times New Roman" panose="02020603050405020304" pitchFamily="18" charset="0"/>
+              </a:rPr>
+              <a:t>Function</a:t>
+            </a:r>
+            <a:r>
+              <a:rPr lang="fr-FR" noProof="0" dirty="0">
+                <a:latin typeface="Times New Roman" panose="02020603050405020304" pitchFamily="18" charset="0"/>
+                <a:cs typeface="Times New Roman" panose="02020603050405020304" pitchFamily="18" charset="0"/>
+              </a:rPr>
+              <a:t>) :</a:t>
+            </a:r>
+          </a:p>
+        </p:txBody>
+      </p:sp>
+      <p:pic>
+        <p:nvPicPr>
+          <p:cNvPr id="4" name="Picture 2">
+            <a:extLst>
+              <a:ext uri="{FF2B5EF4-FFF2-40B4-BE49-F238E27FC236}">
+                <a16:creationId xmlns:a16="http://schemas.microsoft.com/office/drawing/2014/main" id="{982DAC8C-3246-A303-072F-B386CEEB8968}"/>
+              </a:ext>
+            </a:extLst>
+          </p:cNvPr>
+          <p:cNvPicPr>
+            <a:picLocks noChangeAspect="1" noChangeArrowheads="1"/>
+          </p:cNvPicPr>
+          <p:nvPr/>
+        </p:nvPicPr>
+        <p:blipFill>
+          <a:blip r:embed="rId2">
+            <a:extLst>
+              <a:ext uri="{28A0092B-C50C-407E-A947-70E740481C1C}">
+                <a14:useLocalDpi xmlns:a14="http://schemas.microsoft.com/office/drawing/2010/main" val="0"/>
+              </a:ext>
+            </a:extLst>
+          </a:blip>
+          <a:srcRect/>
+          <a:stretch>
+            <a:fillRect/>
+          </a:stretch>
+        </p:blipFill>
+        <p:spPr bwMode="auto">
+          <a:xfrm>
+            <a:off x="6337740" y="77926"/>
+            <a:ext cx="384679" cy="422101"/>
+          </a:xfrm>
+          <a:prstGeom prst="rect">
+            <a:avLst/>
+          </a:prstGeom>
+          <a:noFill/>
+          <a:extLst>
+            <a:ext uri="{909E8E84-426E-40DD-AFC4-6F175D3DCCD1}">
+              <a14:hiddenFill xmlns:a14="http://schemas.microsoft.com/office/drawing/2010/main">
+                <a:solidFill>
+                  <a:srgbClr val="FFFFFF"/>
+                </a:solidFill>
+              </a14:hiddenFill>
+            </a:ext>
+          </a:extLst>
+        </p:spPr>
+      </p:pic>
+      <p:sp>
+        <p:nvSpPr>
+          <p:cNvPr id="5" name="TextBox 4">
+            <a:extLst>
+              <a:ext uri="{FF2B5EF4-FFF2-40B4-BE49-F238E27FC236}">
+                <a16:creationId xmlns:a16="http://schemas.microsoft.com/office/drawing/2014/main" id="{A1A42432-017B-9D0A-7971-CAE0BFEDEFE9}"/>
+              </a:ext>
+            </a:extLst>
+          </p:cNvPr>
+          <p:cNvSpPr txBox="1"/>
+          <p:nvPr/>
+        </p:nvSpPr>
+        <p:spPr>
+          <a:xfrm>
+            <a:off x="6722419" y="73201"/>
+            <a:ext cx="2743198" cy="338554"/>
+          </a:xfrm>
+          <a:prstGeom prst="rect">
+            <a:avLst/>
+          </a:prstGeom>
+          <a:noFill/>
+        </p:spPr>
+        <p:txBody>
+          <a:bodyPr wrap="square" rtlCol="0">
+            <a:spAutoFit/>
+          </a:bodyPr>
+          <a:lstStyle/>
+          <a:p>
+            <a:pPr algn="just"/>
+            <a:r>
+              <a:rPr lang="fr-FR" sz="1600" i="1" noProof="0" dirty="0">
+                <a:latin typeface="Times New Roman" panose="02020603050405020304" pitchFamily="18" charset="0"/>
+                <a:cs typeface="Times New Roman" panose="02020603050405020304" pitchFamily="18" charset="0"/>
+              </a:rPr>
+              <a:t>Script_Poisson_Young.py</a:t>
+            </a:r>
+          </a:p>
+        </p:txBody>
+      </p:sp>
+      <p:pic>
+        <p:nvPicPr>
+          <p:cNvPr id="8" name="Picture 7" descr="A graph with a green line&#10;&#10;AI-generated content may be incorrect.">
+            <a:extLst>
+              <a:ext uri="{FF2B5EF4-FFF2-40B4-BE49-F238E27FC236}">
+                <a16:creationId xmlns:a16="http://schemas.microsoft.com/office/drawing/2014/main" id="{443D6940-4B4A-542A-BA6C-963F392DDFE4}"/>
+              </a:ext>
+            </a:extLst>
+          </p:cNvPr>
+          <p:cNvPicPr>
+            <a:picLocks noChangeAspect="1"/>
+          </p:cNvPicPr>
+          <p:nvPr/>
+        </p:nvPicPr>
+        <p:blipFill>
+          <a:blip r:embed="rId3">
+            <a:extLst>
+              <a:ext uri="{28A0092B-C50C-407E-A947-70E740481C1C}">
+                <a14:useLocalDpi xmlns:a14="http://schemas.microsoft.com/office/drawing/2010/main" val="0"/>
+              </a:ext>
+            </a:extLst>
+          </a:blip>
+          <a:stretch>
+            <a:fillRect/>
+          </a:stretch>
+        </p:blipFill>
+        <p:spPr>
+          <a:xfrm>
+            <a:off x="451891" y="996800"/>
+            <a:ext cx="5704425" cy="3422655"/>
+          </a:xfrm>
+          <a:prstGeom prst="rect">
+            <a:avLst/>
+          </a:prstGeom>
+        </p:spPr>
+      </p:pic>
+      <p:pic>
+        <p:nvPicPr>
+          <p:cNvPr id="12" name="Picture 11" descr="A graph with blue lines&#10;&#10;AI-generated content may be incorrect.">
+            <a:extLst>
+              <a:ext uri="{FF2B5EF4-FFF2-40B4-BE49-F238E27FC236}">
+                <a16:creationId xmlns:a16="http://schemas.microsoft.com/office/drawing/2014/main" id="{5FD27660-F829-9650-A7F7-56552FB1EB07}"/>
+              </a:ext>
+            </a:extLst>
+          </p:cNvPr>
+          <p:cNvPicPr>
+            <a:picLocks noChangeAspect="1"/>
+          </p:cNvPicPr>
+          <p:nvPr/>
+        </p:nvPicPr>
+        <p:blipFill>
+          <a:blip r:embed="rId4">
+            <a:extLst>
+              <a:ext uri="{28A0092B-C50C-407E-A947-70E740481C1C}">
+                <a14:useLocalDpi xmlns:a14="http://schemas.microsoft.com/office/drawing/2010/main" val="0"/>
+              </a:ext>
+            </a:extLst>
+          </a:blip>
+          <a:stretch>
+            <a:fillRect/>
+          </a:stretch>
+        </p:blipFill>
+        <p:spPr>
+          <a:xfrm>
+            <a:off x="6337740" y="996800"/>
+            <a:ext cx="4563540" cy="3422655"/>
+          </a:xfrm>
+          <a:prstGeom prst="rect">
+            <a:avLst/>
+          </a:prstGeom>
+        </p:spPr>
+      </p:pic>
+      <p:sp>
+        <p:nvSpPr>
+          <p:cNvPr id="14" name="TextBox 13">
+            <a:extLst>
+              <a:ext uri="{FF2B5EF4-FFF2-40B4-BE49-F238E27FC236}">
+                <a16:creationId xmlns:a16="http://schemas.microsoft.com/office/drawing/2014/main" id="{15BE0636-0290-4D62-2BBD-81087B277E96}"/>
+              </a:ext>
+            </a:extLst>
+          </p:cNvPr>
+          <p:cNvSpPr txBox="1"/>
+          <p:nvPr/>
+        </p:nvSpPr>
+        <p:spPr>
+          <a:xfrm>
+            <a:off x="0" y="4419455"/>
+            <a:ext cx="12192000" cy="923330"/>
+          </a:xfrm>
+          <a:prstGeom prst="rect">
+            <a:avLst/>
+          </a:prstGeom>
+          <a:noFill/>
+        </p:spPr>
+        <p:txBody>
+          <a:bodyPr wrap="square" rtlCol="0">
+            <a:spAutoFit/>
+          </a:bodyPr>
+          <a:lstStyle/>
+          <a:p>
+            <a:pPr algn="just"/>
+            <a:r>
+              <a:rPr lang="fr-FR" noProof="0" dirty="0">
+                <a:latin typeface="Times New Roman" panose="02020603050405020304" pitchFamily="18" charset="0"/>
+                <a:cs typeface="Times New Roman" panose="02020603050405020304" pitchFamily="18" charset="0"/>
+              </a:rPr>
+              <a:t>A partir de ces deux graphiques, nous pouvons générer un fichier de couples de données d’entrées que nous utiliserons dans nos simulations sur Ansys. La dernière boucle du script permet de générer ce fichier ‘</a:t>
+            </a:r>
+            <a:r>
+              <a:rPr lang="fr-FR" i="1" noProof="0" dirty="0">
+                <a:latin typeface="Times New Roman" panose="02020603050405020304" pitchFamily="18" charset="0"/>
+                <a:cs typeface="Times New Roman" panose="02020603050405020304" pitchFamily="18" charset="0"/>
+              </a:rPr>
+              <a:t>Couples_LHS_Complets.csv</a:t>
+            </a:r>
+            <a:r>
+              <a:rPr lang="fr-FR" noProof="0" dirty="0">
+                <a:latin typeface="Times New Roman" panose="02020603050405020304" pitchFamily="18" charset="0"/>
+                <a:cs typeface="Times New Roman" panose="02020603050405020304" pitchFamily="18" charset="0"/>
+              </a:rPr>
+              <a:t>’ pour un nombre de couple données. </a:t>
+            </a:r>
+          </a:p>
+        </p:txBody>
+      </p:sp>
+      <mc:AlternateContent xmlns:mc="http://schemas.openxmlformats.org/markup-compatibility/2006">
+        <mc:Choice xmlns:a14="http://schemas.microsoft.com/office/drawing/2010/main" Requires="a14">
+          <p:sp>
+            <p:nvSpPr>
+              <p:cNvPr id="18" name="TextBox 17">
+                <a:extLst>
+                  <a:ext uri="{FF2B5EF4-FFF2-40B4-BE49-F238E27FC236}">
+                    <a16:creationId xmlns:a16="http://schemas.microsoft.com/office/drawing/2014/main" id="{0B9EC4DF-BFB4-7E6C-E9F3-26663D2EEE7E}"/>
+                  </a:ext>
+                </a:extLst>
+              </p:cNvPr>
+              <p:cNvSpPr txBox="1"/>
+              <p:nvPr/>
+            </p:nvSpPr>
+            <p:spPr>
+              <a:xfrm>
+                <a:off x="3797300" y="2917288"/>
+                <a:ext cx="1596912" cy="553998"/>
+              </a:xfrm>
+              <a:prstGeom prst="rect">
+                <a:avLst/>
+              </a:prstGeom>
+              <a:noFill/>
+            </p:spPr>
+            <p:txBody>
+              <a:bodyPr wrap="none" lIns="0" tIns="0" rIns="0" bIns="0" rtlCol="0">
+                <a:spAutoFit/>
+              </a:bodyPr>
+              <a:lstStyle/>
+              <a:p>
+                <a:pPr/>
+                <a14:m>
+                  <m:oMathPara xmlns:m="http://schemas.openxmlformats.org/officeDocument/2006/math">
+                    <m:oMathParaPr>
+                      <m:jc m:val="left"/>
+                    </m:oMathParaPr>
+                    <m:oMath xmlns:m="http://schemas.openxmlformats.org/officeDocument/2006/math">
+                      <m:r>
+                        <a:rPr lang="en-GB" i="1" smtClean="0">
+                          <a:latin typeface="Cambria Math" panose="02040503050406030204" pitchFamily="18" charset="0"/>
+                          <a:ea typeface="Cambria Math" panose="02040503050406030204" pitchFamily="18" charset="0"/>
+                        </a:rPr>
+                        <m:t>𝜇</m:t>
+                      </m:r>
+                      <m:r>
+                        <a:rPr lang="fr-FR" b="0" i="1" smtClean="0">
+                          <a:latin typeface="Cambria Math" panose="02040503050406030204" pitchFamily="18" charset="0"/>
+                          <a:ea typeface="Cambria Math" panose="02040503050406030204" pitchFamily="18" charset="0"/>
+                        </a:rPr>
+                        <m:t>=19.12 </m:t>
+                      </m:r>
+                      <m:r>
+                        <a:rPr lang="fr-FR" b="0" i="1" smtClean="0">
+                          <a:latin typeface="Cambria Math" panose="02040503050406030204" pitchFamily="18" charset="0"/>
+                          <a:ea typeface="Cambria Math" panose="02040503050406030204" pitchFamily="18" charset="0"/>
+                        </a:rPr>
+                        <m:t>𝑀𝑃𝑎</m:t>
+                      </m:r>
+                    </m:oMath>
+                  </m:oMathPara>
+                </a14:m>
+                <a:endParaRPr lang="fr-FR" b="0" dirty="0">
+                  <a:ea typeface="Cambria Math" panose="02040503050406030204" pitchFamily="18" charset="0"/>
+                </a:endParaRPr>
+              </a:p>
+              <a:p>
+                <a:pPr/>
+                <a14:m>
+                  <m:oMathPara xmlns:m="http://schemas.openxmlformats.org/officeDocument/2006/math">
+                    <m:oMathParaPr>
+                      <m:jc m:val="left"/>
+                    </m:oMathParaPr>
+                    <m:oMath xmlns:m="http://schemas.openxmlformats.org/officeDocument/2006/math">
+                      <m:r>
+                        <a:rPr lang="en-GB" i="1" smtClean="0">
+                          <a:latin typeface="Cambria Math" panose="02040503050406030204" pitchFamily="18" charset="0"/>
+                          <a:ea typeface="Cambria Math" panose="02040503050406030204" pitchFamily="18" charset="0"/>
+                        </a:rPr>
+                        <m:t>𝜎</m:t>
+                      </m:r>
+                      <m:r>
+                        <a:rPr lang="fr-FR" b="0" i="1" smtClean="0">
+                          <a:latin typeface="Cambria Math" panose="02040503050406030204" pitchFamily="18" charset="0"/>
+                          <a:ea typeface="Cambria Math" panose="02040503050406030204" pitchFamily="18" charset="0"/>
+                        </a:rPr>
+                        <m:t>=4.98</m:t>
+                      </m:r>
+                    </m:oMath>
+                  </m:oMathPara>
+                </a14:m>
+                <a:endParaRPr lang="en-GB" dirty="0"/>
+              </a:p>
+            </p:txBody>
+          </p:sp>
+        </mc:Choice>
+        <mc:Fallback>
+          <p:sp>
+            <p:nvSpPr>
+              <p:cNvPr id="18" name="TextBox 17">
+                <a:extLst>
+                  <a:ext uri="{FF2B5EF4-FFF2-40B4-BE49-F238E27FC236}">
+                    <a16:creationId xmlns:a16="http://schemas.microsoft.com/office/drawing/2014/main" id="{0B9EC4DF-BFB4-7E6C-E9F3-26663D2EEE7E}"/>
+                  </a:ext>
+                </a:extLst>
+              </p:cNvPr>
+              <p:cNvSpPr txBox="1">
+                <a:spLocks noRot="1" noChangeAspect="1" noMove="1" noResize="1" noEditPoints="1" noAdjustHandles="1" noChangeArrowheads="1" noChangeShapeType="1" noTextEdit="1"/>
+              </p:cNvSpPr>
+              <p:nvPr/>
+            </p:nvSpPr>
+            <p:spPr>
+              <a:xfrm>
+                <a:off x="3797300" y="2917288"/>
+                <a:ext cx="1596912" cy="553998"/>
+              </a:xfrm>
+              <a:prstGeom prst="rect">
+                <a:avLst/>
+              </a:prstGeom>
+              <a:blipFill>
+                <a:blip r:embed="rId5"/>
+                <a:stretch>
+                  <a:fillRect l="-5344" b="-3333"/>
+                </a:stretch>
+              </a:blipFill>
+            </p:spPr>
+            <p:txBody>
+              <a:bodyPr/>
+              <a:lstStyle/>
+              <a:p>
+                <a:r>
+                  <a:rPr lang="en-GB">
+                    <a:noFill/>
+                  </a:rPr>
+                  <a:t> </a:t>
+                </a:r>
+              </a:p>
+            </p:txBody>
+          </p:sp>
+        </mc:Fallback>
+      </mc:AlternateContent>
+    </p:spTree>
+    <p:extLst>
+      <p:ext uri="{BB962C8B-B14F-4D97-AF65-F5344CB8AC3E}">
+        <p14:creationId xmlns:p14="http://schemas.microsoft.com/office/powerpoint/2010/main" val="956691911"/>
+      </p:ext>
+    </p:extLst>
+  </p:cSld>
+  <p:clrMapOvr>
+    <a:masterClrMapping/>
+  </p:clrMapOvr>
+</p:sld>
+</file>
+
+<file path=ppt/slides/slide13.xml><?xml version="1.0" encoding="utf-8"?>
+<p:sld xmlns:a="http://schemas.openxmlformats.org/drawingml/2006/main" xmlns:r="http://schemas.openxmlformats.org/officeDocument/2006/relationships" xmlns:p="http://schemas.openxmlformats.org/presentationml/2006/main">
+  <p:cSld>
+    <p:spTree>
+      <p:nvGrpSpPr>
+        <p:cNvPr id="1" name="">
+          <a:extLst>
+            <a:ext uri="{FF2B5EF4-FFF2-40B4-BE49-F238E27FC236}">
+              <a16:creationId xmlns:a16="http://schemas.microsoft.com/office/drawing/2014/main" id="{0CD4D521-96D8-E6DD-1862-23EF3D258315}"/>
+            </a:ext>
+          </a:extLst>
+        </p:cNvPr>
+        <p:cNvGrpSpPr/>
+        <p:nvPr/>
+      </p:nvGrpSpPr>
+      <p:grpSpPr>
+        <a:xfrm>
+          <a:off x="0" y="0"/>
+          <a:ext cx="0" cy="0"/>
+          <a:chOff x="0" y="0"/>
+          <a:chExt cx="0" cy="0"/>
+        </a:xfrm>
+      </p:grpSpPr>
+      <p:sp>
+        <p:nvSpPr>
+          <p:cNvPr id="36" name="Rectangle 35">
+            <a:extLst>
+              <a:ext uri="{FF2B5EF4-FFF2-40B4-BE49-F238E27FC236}">
+                <a16:creationId xmlns:a16="http://schemas.microsoft.com/office/drawing/2014/main" id="{736B3B94-42B7-8491-8164-FB4F1BE545B8}"/>
+              </a:ext>
+            </a:extLst>
+          </p:cNvPr>
+          <p:cNvSpPr/>
+          <p:nvPr/>
+        </p:nvSpPr>
+        <p:spPr>
+          <a:xfrm>
+            <a:off x="1" y="-990"/>
+            <a:ext cx="6096000" cy="501017"/>
+          </a:xfrm>
+          <a:prstGeom prst="rect">
+            <a:avLst/>
+          </a:prstGeom>
+          <a:solidFill>
+            <a:srgbClr val="980000"/>
+          </a:solidFill>
+          <a:ln>
+            <a:noFill/>
+          </a:ln>
+        </p:spPr>
+        <p:style>
+          <a:lnRef idx="2">
+            <a:schemeClr val="accent1">
+              <a:shade val="15000"/>
+            </a:schemeClr>
+          </a:lnRef>
+          <a:fillRef idx="1">
+            <a:schemeClr val="accent1"/>
+          </a:fillRef>
+          <a:effectRef idx="0">
+            <a:schemeClr val="accent1"/>
+          </a:effectRef>
+          <a:fontRef idx="minor">
+            <a:schemeClr val="lt1"/>
+          </a:fontRef>
+        </p:style>
+        <p:txBody>
+          <a:bodyPr rtlCol="0" anchor="ctr"/>
+          <a:lstStyle/>
+          <a:p>
+            <a:pPr algn="ctr"/>
+            <a:endParaRPr lang="fr-FR" noProof="0" dirty="0"/>
+          </a:p>
+        </p:txBody>
+      </p:sp>
+      <p:sp>
+        <p:nvSpPr>
+          <p:cNvPr id="9" name="TextBox 8">
+            <a:extLst>
+              <a:ext uri="{FF2B5EF4-FFF2-40B4-BE49-F238E27FC236}">
+                <a16:creationId xmlns:a16="http://schemas.microsoft.com/office/drawing/2014/main" id="{229E7FC0-822A-902D-6337-A9330DEF8F3A}"/>
+              </a:ext>
+            </a:extLst>
+          </p:cNvPr>
+          <p:cNvSpPr txBox="1"/>
+          <p:nvPr/>
+        </p:nvSpPr>
+        <p:spPr>
+          <a:xfrm>
+            <a:off x="0" y="-990"/>
+            <a:ext cx="5568381" cy="461665"/>
+          </a:xfrm>
+          <a:prstGeom prst="rect">
+            <a:avLst/>
+          </a:prstGeom>
+          <a:noFill/>
+        </p:spPr>
+        <p:txBody>
+          <a:bodyPr wrap="square" rtlCol="0">
+            <a:spAutoFit/>
+          </a:bodyPr>
+          <a:lstStyle/>
+          <a:p>
+            <a:pPr algn="just"/>
+            <a:r>
+              <a:rPr lang="fr-FR" sz="2400" b="1" noProof="0" dirty="0">
+                <a:solidFill>
+                  <a:schemeClr val="bg1"/>
+                </a:solidFill>
+                <a:latin typeface="Times New Roman" panose="02020603050405020304" pitchFamily="18" charset="0"/>
+                <a:cs typeface="Times New Roman" panose="02020603050405020304" pitchFamily="18" charset="0"/>
+              </a:rPr>
+              <a:t>PROPAGATION DES INCERTITUDES</a:t>
+            </a:r>
+          </a:p>
+        </p:txBody>
+      </p:sp>
+      <p:sp>
+        <p:nvSpPr>
+          <p:cNvPr id="39" name="Rectangle 38">
+            <a:extLst>
+              <a:ext uri="{FF2B5EF4-FFF2-40B4-BE49-F238E27FC236}">
+                <a16:creationId xmlns:a16="http://schemas.microsoft.com/office/drawing/2014/main" id="{422C5318-6351-93F4-77F5-8ADFA92E12A3}"/>
+              </a:ext>
+            </a:extLst>
+          </p:cNvPr>
+          <p:cNvSpPr/>
+          <p:nvPr/>
+        </p:nvSpPr>
+        <p:spPr>
+          <a:xfrm>
+            <a:off x="6096000" y="0"/>
+            <a:ext cx="6096000" cy="501017"/>
+          </a:xfrm>
+          <a:prstGeom prst="rect">
+            <a:avLst/>
+          </a:prstGeom>
+          <a:solidFill>
+            <a:srgbClr val="D9D9D9"/>
+          </a:solidFill>
+          <a:ln>
+            <a:noFill/>
+          </a:ln>
+        </p:spPr>
+        <p:style>
+          <a:lnRef idx="2">
+            <a:schemeClr val="accent1">
+              <a:shade val="15000"/>
+            </a:schemeClr>
+          </a:lnRef>
+          <a:fillRef idx="1">
+            <a:schemeClr val="accent1"/>
+          </a:fillRef>
+          <a:effectRef idx="0">
+            <a:schemeClr val="accent1"/>
+          </a:effectRef>
+          <a:fontRef idx="minor">
+            <a:schemeClr val="lt1"/>
+          </a:fontRef>
+        </p:style>
+        <p:txBody>
+          <a:bodyPr rtlCol="0" anchor="ctr"/>
+          <a:lstStyle/>
+          <a:p>
+            <a:pPr algn="ctr"/>
+            <a:endParaRPr lang="fr-FR" noProof="0" dirty="0"/>
+          </a:p>
+        </p:txBody>
+      </p:sp>
+      <p:sp>
+        <p:nvSpPr>
+          <p:cNvPr id="2" name="TextBox 1">
+            <a:extLst>
+              <a:ext uri="{FF2B5EF4-FFF2-40B4-BE49-F238E27FC236}">
+                <a16:creationId xmlns:a16="http://schemas.microsoft.com/office/drawing/2014/main" id="{A92EB0FD-1605-61B9-1DF5-DF63F18F69EC}"/>
+              </a:ext>
+            </a:extLst>
+          </p:cNvPr>
+          <p:cNvSpPr txBox="1"/>
+          <p:nvPr/>
+        </p:nvSpPr>
+        <p:spPr>
+          <a:xfrm>
+            <a:off x="11091333" y="6550222"/>
+            <a:ext cx="1100667" cy="307777"/>
+          </a:xfrm>
+          <a:prstGeom prst="rect">
+            <a:avLst/>
+          </a:prstGeom>
+          <a:noFill/>
+        </p:spPr>
+        <p:txBody>
+          <a:bodyPr wrap="square" rtlCol="0">
+            <a:spAutoFit/>
+          </a:bodyPr>
+          <a:lstStyle/>
+          <a:p>
+            <a:pPr algn="r"/>
+            <a:r>
+              <a:rPr lang="fr-FR" sz="1400" noProof="0" dirty="0">
+                <a:latin typeface="Times New Roman" panose="02020603050405020304" pitchFamily="18" charset="0"/>
+                <a:cs typeface="Times New Roman" panose="02020603050405020304" pitchFamily="18" charset="0"/>
+              </a:rPr>
+              <a:t>X/Y</a:t>
+            </a:r>
+          </a:p>
+        </p:txBody>
+      </p:sp>
+    </p:spTree>
+    <p:extLst>
+      <p:ext uri="{BB962C8B-B14F-4D97-AF65-F5344CB8AC3E}">
+        <p14:creationId xmlns:p14="http://schemas.microsoft.com/office/powerpoint/2010/main" val="963883029"/>
+      </p:ext>
+    </p:extLst>
+  </p:cSld>
+  <p:clrMapOvr>
+    <a:masterClrMapping/>
+  </p:clrMapOvr>
+</p:sld>
+</file>
+
+<file path=ppt/slides/slide14.xml><?xml version="1.0" encoding="utf-8"?>
 <p:sld xmlns:a="http://schemas.openxmlformats.org/drawingml/2006/main" xmlns:r="http://schemas.openxmlformats.org/officeDocument/2006/relationships" xmlns:p="http://schemas.openxmlformats.org/presentationml/2006/main">
   <p:cSld>
     <p:spTree>
@@ -8259,7 +9997,7 @@
 </p:sld>
 </file>
 
-<file path=ppt/slides/slide13.xml><?xml version="1.0" encoding="utf-8"?>
+<file path=ppt/slides/slide15.xml><?xml version="1.0" encoding="utf-8"?>
 <p:sld xmlns:a="http://schemas.openxmlformats.org/drawingml/2006/main" xmlns:r="http://schemas.openxmlformats.org/officeDocument/2006/relationships" xmlns:p="http://schemas.openxmlformats.org/presentationml/2006/main">
   <p:cSld>
     <p:spTree>
@@ -8341,7 +10079,7 @@
 </p:sld>
 </file>
 
-<file path=ppt/slides/slide14.xml><?xml version="1.0" encoding="utf-8"?>
+<file path=ppt/slides/slide16.xml><?xml version="1.0" encoding="utf-8"?>
 <p:sld xmlns:a="http://schemas.openxmlformats.org/drawingml/2006/main" xmlns:r="http://schemas.openxmlformats.org/officeDocument/2006/relationships" xmlns:p="http://schemas.openxmlformats.org/presentationml/2006/main">
   <p:cSld>
     <p:spTree>
@@ -11994,7 +13732,7 @@
 </p:sld>
 </file>
 
-<file path=ppt/slides/slide15.xml><?xml version="1.0" encoding="utf-8"?>
+<file path=ppt/slides/slide17.xml><?xml version="1.0" encoding="utf-8"?>
 <p:sld xmlns:a="http://schemas.openxmlformats.org/drawingml/2006/main" xmlns:r="http://schemas.openxmlformats.org/officeDocument/2006/relationships" xmlns:p="http://schemas.openxmlformats.org/presentationml/2006/main">
   <p:cSld>
     <p:spTree>
@@ -13969,7 +15707,7 @@
 </p:sld>
 </file>
 
-<file path=ppt/slides/slide16.xml><?xml version="1.0" encoding="utf-8"?>
+<file path=ppt/slides/slide18.xml><?xml version="1.0" encoding="utf-8"?>
 <p:sld xmlns:a="http://schemas.openxmlformats.org/drawingml/2006/main" xmlns:r="http://schemas.openxmlformats.org/officeDocument/2006/relationships" xmlns:p="http://schemas.openxmlformats.org/presentationml/2006/main">
   <p:cSld>
     <p:spTree>
@@ -17476,7 +19214,7 @@
 </p:sld>
 </file>
 
-<file path=ppt/slides/slide17.xml><?xml version="1.0" encoding="utf-8"?>
+<file path=ppt/slides/slide19.xml><?xml version="1.0" encoding="utf-8"?>
 <p:sld xmlns:a="http://schemas.openxmlformats.org/drawingml/2006/main" xmlns:r="http://schemas.openxmlformats.org/officeDocument/2006/relationships" xmlns:p="http://schemas.openxmlformats.org/presentationml/2006/main">
   <p:cSld>
     <p:spTree>
@@ -22803,7 +24541,1315 @@
 </p:sld>
 </file>
 
-<file path=ppt/slides/slide18.xml><?xml version="1.0" encoding="utf-8"?>
+<file path=ppt/slides/slide2.xml><?xml version="1.0" encoding="utf-8"?>
+<p:sld xmlns:a="http://schemas.openxmlformats.org/drawingml/2006/main" xmlns:r="http://schemas.openxmlformats.org/officeDocument/2006/relationships" xmlns:p="http://schemas.openxmlformats.org/presentationml/2006/main">
+  <p:cSld>
+    <p:spTree>
+      <p:nvGrpSpPr>
+        <p:cNvPr id="1" name="">
+          <a:extLst>
+            <a:ext uri="{FF2B5EF4-FFF2-40B4-BE49-F238E27FC236}">
+              <a16:creationId xmlns:a16="http://schemas.microsoft.com/office/drawing/2014/main" id="{6FB6CDBB-D326-9C9C-945A-FF24B3B8C109}"/>
+            </a:ext>
+          </a:extLst>
+        </p:cNvPr>
+        <p:cNvGrpSpPr/>
+        <p:nvPr/>
+      </p:nvGrpSpPr>
+      <p:grpSpPr>
+        <a:xfrm>
+          <a:off x="0" y="0"/>
+          <a:ext cx="0" cy="0"/>
+          <a:chOff x="0" y="0"/>
+          <a:chExt cx="0" cy="0"/>
+        </a:xfrm>
+      </p:grpSpPr>
+      <p:sp>
+        <p:nvSpPr>
+          <p:cNvPr id="36" name="Rectangle 35">
+            <a:extLst>
+              <a:ext uri="{FF2B5EF4-FFF2-40B4-BE49-F238E27FC236}">
+                <a16:creationId xmlns:a16="http://schemas.microsoft.com/office/drawing/2014/main" id="{2C2B60A1-0B89-3546-D8C8-0D44097F35C2}"/>
+              </a:ext>
+            </a:extLst>
+          </p:cNvPr>
+          <p:cNvSpPr/>
+          <p:nvPr/>
+        </p:nvSpPr>
+        <p:spPr>
+          <a:xfrm>
+            <a:off x="1" y="-990"/>
+            <a:ext cx="6096000" cy="501017"/>
+          </a:xfrm>
+          <a:prstGeom prst="rect">
+            <a:avLst/>
+          </a:prstGeom>
+          <a:solidFill>
+            <a:srgbClr val="980000"/>
+          </a:solidFill>
+          <a:ln>
+            <a:noFill/>
+          </a:ln>
+        </p:spPr>
+        <p:style>
+          <a:lnRef idx="2">
+            <a:schemeClr val="accent1">
+              <a:shade val="15000"/>
+            </a:schemeClr>
+          </a:lnRef>
+          <a:fillRef idx="1">
+            <a:schemeClr val="accent1"/>
+          </a:fillRef>
+          <a:effectRef idx="0">
+            <a:schemeClr val="accent1"/>
+          </a:effectRef>
+          <a:fontRef idx="minor">
+            <a:schemeClr val="lt1"/>
+          </a:fontRef>
+        </p:style>
+        <p:txBody>
+          <a:bodyPr rtlCol="0" anchor="ctr"/>
+          <a:lstStyle/>
+          <a:p>
+            <a:pPr algn="ctr"/>
+            <a:endParaRPr lang="fr-FR" noProof="0" dirty="0"/>
+          </a:p>
+        </p:txBody>
+      </p:sp>
+      <p:sp>
+        <p:nvSpPr>
+          <p:cNvPr id="9" name="TextBox 8">
+            <a:extLst>
+              <a:ext uri="{FF2B5EF4-FFF2-40B4-BE49-F238E27FC236}">
+                <a16:creationId xmlns:a16="http://schemas.microsoft.com/office/drawing/2014/main" id="{6E9846D3-47A3-2AE6-6383-AB77CC5B517E}"/>
+              </a:ext>
+            </a:extLst>
+          </p:cNvPr>
+          <p:cNvSpPr txBox="1"/>
+          <p:nvPr/>
+        </p:nvSpPr>
+        <p:spPr>
+          <a:xfrm>
+            <a:off x="0" y="-990"/>
+            <a:ext cx="5568381" cy="461665"/>
+          </a:xfrm>
+          <a:prstGeom prst="rect">
+            <a:avLst/>
+          </a:prstGeom>
+          <a:noFill/>
+        </p:spPr>
+        <p:txBody>
+          <a:bodyPr wrap="square" rtlCol="0">
+            <a:spAutoFit/>
+          </a:bodyPr>
+          <a:lstStyle/>
+          <a:p>
+            <a:pPr algn="just"/>
+            <a:r>
+              <a:rPr lang="fr-FR" sz="2400" b="1" dirty="0">
+                <a:solidFill>
+                  <a:schemeClr val="bg1"/>
+                </a:solidFill>
+                <a:latin typeface="Times New Roman" panose="02020603050405020304" pitchFamily="18" charset="0"/>
+                <a:cs typeface="Times New Roman" panose="02020603050405020304" pitchFamily="18" charset="0"/>
+              </a:rPr>
+              <a:t>INTRODUCTION</a:t>
+            </a:r>
+            <a:endParaRPr lang="fr-FR" sz="2400" b="1" noProof="0" dirty="0">
+              <a:solidFill>
+                <a:schemeClr val="bg1"/>
+              </a:solidFill>
+              <a:latin typeface="Times New Roman" panose="02020603050405020304" pitchFamily="18" charset="0"/>
+              <a:cs typeface="Times New Roman" panose="02020603050405020304" pitchFamily="18" charset="0"/>
+            </a:endParaRPr>
+          </a:p>
+        </p:txBody>
+      </p:sp>
+      <p:sp>
+        <p:nvSpPr>
+          <p:cNvPr id="39" name="Rectangle 38">
+            <a:extLst>
+              <a:ext uri="{FF2B5EF4-FFF2-40B4-BE49-F238E27FC236}">
+                <a16:creationId xmlns:a16="http://schemas.microsoft.com/office/drawing/2014/main" id="{AECA565B-75E5-1F68-434E-112D93E38360}"/>
+              </a:ext>
+            </a:extLst>
+          </p:cNvPr>
+          <p:cNvSpPr/>
+          <p:nvPr/>
+        </p:nvSpPr>
+        <p:spPr>
+          <a:xfrm>
+            <a:off x="6096000" y="0"/>
+            <a:ext cx="6096000" cy="501017"/>
+          </a:xfrm>
+          <a:prstGeom prst="rect">
+            <a:avLst/>
+          </a:prstGeom>
+          <a:solidFill>
+            <a:srgbClr val="D9D9D9"/>
+          </a:solidFill>
+          <a:ln>
+            <a:noFill/>
+          </a:ln>
+        </p:spPr>
+        <p:style>
+          <a:lnRef idx="2">
+            <a:schemeClr val="accent1">
+              <a:shade val="15000"/>
+            </a:schemeClr>
+          </a:lnRef>
+          <a:fillRef idx="1">
+            <a:schemeClr val="accent1"/>
+          </a:fillRef>
+          <a:effectRef idx="0">
+            <a:schemeClr val="accent1"/>
+          </a:effectRef>
+          <a:fontRef idx="minor">
+            <a:schemeClr val="lt1"/>
+          </a:fontRef>
+        </p:style>
+        <p:txBody>
+          <a:bodyPr rtlCol="0" anchor="ctr"/>
+          <a:lstStyle/>
+          <a:p>
+            <a:pPr algn="ctr"/>
+            <a:endParaRPr lang="fr-FR" noProof="0" dirty="0"/>
+          </a:p>
+        </p:txBody>
+      </p:sp>
+      <mc:AlternateContent xmlns:mc="http://schemas.openxmlformats.org/markup-compatibility/2006" xmlns:a14="http://schemas.microsoft.com/office/drawing/2010/main">
+        <mc:Choice Requires="a14">
+          <p:sp>
+            <p:nvSpPr>
+              <p:cNvPr id="11" name="TextBox 10">
+                <a:extLst>
+                  <a:ext uri="{FF2B5EF4-FFF2-40B4-BE49-F238E27FC236}">
+                    <a16:creationId xmlns:a16="http://schemas.microsoft.com/office/drawing/2014/main" id="{072A0C86-E46F-7872-4F73-D0C64405F9A7}"/>
+                  </a:ext>
+                </a:extLst>
+              </p:cNvPr>
+              <p:cNvSpPr txBox="1"/>
+              <p:nvPr/>
+            </p:nvSpPr>
+            <p:spPr>
+              <a:xfrm>
+                <a:off x="0" y="627468"/>
+                <a:ext cx="12192000" cy="923330"/>
+              </a:xfrm>
+              <a:prstGeom prst="rect">
+                <a:avLst/>
+              </a:prstGeom>
+              <a:noFill/>
+            </p:spPr>
+            <p:txBody>
+              <a:bodyPr wrap="square" rtlCol="0">
+                <a:spAutoFit/>
+              </a:bodyPr>
+              <a:lstStyle/>
+              <a:p>
+                <a:pPr algn="just"/>
+                <a:r>
+                  <a:rPr lang="fr-FR" noProof="0" dirty="0">
+                    <a:latin typeface="Times New Roman" panose="02020603050405020304" pitchFamily="18" charset="0"/>
+                    <a:cs typeface="Times New Roman" panose="02020603050405020304" pitchFamily="18" charset="0"/>
+                  </a:rPr>
+                  <a:t>Dans le cadre d’un précédent</a:t>
+                </a:r>
+                <a:r>
+                  <a:rPr lang="fr-FR" dirty="0">
+                    <a:latin typeface="Times New Roman" panose="02020603050405020304" pitchFamily="18" charset="0"/>
+                    <a:cs typeface="Times New Roman" panose="02020603050405020304" pitchFamily="18" charset="0"/>
+                  </a:rPr>
+                  <a:t>t projet, une orthèse d’avant-bras fut étudiée dans le but de pouvoir </a:t>
+                </a:r>
+                <a:r>
+                  <a:rPr lang="fr-FR" b="1" dirty="0">
+                    <a:latin typeface="Times New Roman" panose="02020603050405020304" pitchFamily="18" charset="0"/>
+                    <a:cs typeface="Times New Roman" panose="02020603050405020304" pitchFamily="18" charset="0"/>
+                  </a:rPr>
+                  <a:t>l’optimiser topologiquement</a:t>
+                </a:r>
+                <a:r>
+                  <a:rPr lang="fr-FR" dirty="0">
+                    <a:latin typeface="Times New Roman" panose="02020603050405020304" pitchFamily="18" charset="0"/>
+                    <a:cs typeface="Times New Roman" panose="02020603050405020304" pitchFamily="18" charset="0"/>
+                  </a:rPr>
+                  <a:t>. L’optimisation topologique à pour but de retirer de la matière de manière intelligente afin de modifier le moins possible les critères imposés (ici le déplacement maximale </a:t>
+                </a:r>
+                <a14:m>
+                  <m:oMath xmlns:m="http://schemas.openxmlformats.org/officeDocument/2006/math">
+                    <m:sSub>
+                      <m:sSubPr>
+                        <m:ctrlPr>
+                          <a:rPr lang="fr-FR" b="0" i="1" smtClean="0">
+                            <a:latin typeface="Cambria Math" panose="02040503050406030204" pitchFamily="18" charset="0"/>
+                            <a:cs typeface="Times New Roman" panose="02020603050405020304" pitchFamily="18" charset="0"/>
+                          </a:rPr>
+                        </m:ctrlPr>
+                      </m:sSubPr>
+                      <m:e>
+                        <m:r>
+                          <a:rPr lang="fr-FR" b="0" i="1" smtClean="0">
+                            <a:latin typeface="Cambria Math" panose="02040503050406030204" pitchFamily="18" charset="0"/>
+                            <a:cs typeface="Times New Roman" panose="02020603050405020304" pitchFamily="18" charset="0"/>
+                          </a:rPr>
+                          <m:t>𝑢</m:t>
+                        </m:r>
+                      </m:e>
+                      <m:sub>
+                        <m:r>
+                          <a:rPr lang="fr-FR" b="0" i="1" smtClean="0">
+                            <a:latin typeface="Cambria Math" panose="02040503050406030204" pitchFamily="18" charset="0"/>
+                            <a:cs typeface="Times New Roman" panose="02020603050405020304" pitchFamily="18" charset="0"/>
+                          </a:rPr>
+                          <m:t>𝑚𝑎𝑥</m:t>
+                        </m:r>
+                      </m:sub>
+                    </m:sSub>
+                  </m:oMath>
+                </a14:m>
+                <a:r>
+                  <a:rPr lang="fr-FR" dirty="0">
+                    <a:latin typeface="Times New Roman" panose="02020603050405020304" pitchFamily="18" charset="0"/>
+                    <a:cs typeface="Times New Roman" panose="02020603050405020304" pitchFamily="18" charset="0"/>
+                  </a:rPr>
+                  <a:t>). </a:t>
+                </a:r>
+                <a:endParaRPr lang="fr-FR" noProof="0" dirty="0">
+                  <a:latin typeface="Times New Roman" panose="02020603050405020304" pitchFamily="18" charset="0"/>
+                  <a:cs typeface="Times New Roman" panose="02020603050405020304" pitchFamily="18" charset="0"/>
+                </a:endParaRPr>
+              </a:p>
+            </p:txBody>
+          </p:sp>
+        </mc:Choice>
+        <mc:Fallback xmlns="">
+          <p:sp>
+            <p:nvSpPr>
+              <p:cNvPr id="11" name="TextBox 10">
+                <a:extLst>
+                  <a:ext uri="{FF2B5EF4-FFF2-40B4-BE49-F238E27FC236}">
+                    <a16:creationId xmlns:a16="http://schemas.microsoft.com/office/drawing/2014/main" id="{072A0C86-E46F-7872-4F73-D0C64405F9A7}"/>
+                  </a:ext>
+                </a:extLst>
+              </p:cNvPr>
+              <p:cNvSpPr txBox="1">
+                <a:spLocks noRot="1" noChangeAspect="1" noMove="1" noResize="1" noEditPoints="1" noAdjustHandles="1" noChangeArrowheads="1" noChangeShapeType="1" noTextEdit="1"/>
+              </p:cNvSpPr>
+              <p:nvPr/>
+            </p:nvSpPr>
+            <p:spPr>
+              <a:xfrm>
+                <a:off x="0" y="627468"/>
+                <a:ext cx="12192000" cy="923330"/>
+              </a:xfrm>
+              <a:prstGeom prst="rect">
+                <a:avLst/>
+              </a:prstGeom>
+              <a:blipFill>
+                <a:blip r:embed="rId3"/>
+                <a:stretch>
+                  <a:fillRect l="-400" t="-3974" r="-400" b="-9934"/>
+                </a:stretch>
+              </a:blipFill>
+            </p:spPr>
+            <p:txBody>
+              <a:bodyPr/>
+              <a:lstStyle/>
+              <a:p>
+                <a:r>
+                  <a:rPr lang="en-GB">
+                    <a:noFill/>
+                  </a:rPr>
+                  <a:t> </a:t>
+                </a:r>
+              </a:p>
+            </p:txBody>
+          </p:sp>
+        </mc:Fallback>
+      </mc:AlternateContent>
+      <p:sp>
+        <p:nvSpPr>
+          <p:cNvPr id="28" name="TextBox 27">
+            <a:extLst>
+              <a:ext uri="{FF2B5EF4-FFF2-40B4-BE49-F238E27FC236}">
+                <a16:creationId xmlns:a16="http://schemas.microsoft.com/office/drawing/2014/main" id="{A3F4CAB7-21CC-3B13-8827-56C233CE43A0}"/>
+              </a:ext>
+            </a:extLst>
+          </p:cNvPr>
+          <p:cNvSpPr txBox="1"/>
+          <p:nvPr/>
+        </p:nvSpPr>
+        <p:spPr>
+          <a:xfrm>
+            <a:off x="0" y="1550798"/>
+            <a:ext cx="12192000" cy="369332"/>
+          </a:xfrm>
+          <a:prstGeom prst="rect">
+            <a:avLst/>
+          </a:prstGeom>
+          <a:noFill/>
+        </p:spPr>
+        <p:txBody>
+          <a:bodyPr wrap="square" rtlCol="0">
+            <a:spAutoFit/>
+          </a:bodyPr>
+          <a:lstStyle/>
+          <a:p>
+            <a:pPr marL="285750" indent="-285750" algn="just">
+              <a:buFont typeface="Wingdings" panose="05000000000000000000" pitchFamily="2" charset="2"/>
+              <a:buChar char="§"/>
+            </a:pPr>
+            <a:r>
+              <a:rPr lang="fr-FR" b="1" noProof="0" dirty="0">
+                <a:latin typeface="Times New Roman" panose="02020603050405020304" pitchFamily="18" charset="0"/>
+                <a:cs typeface="Times New Roman" panose="02020603050405020304" pitchFamily="18" charset="0"/>
+              </a:rPr>
+              <a:t>Critère mathématique d’optimisation </a:t>
+            </a:r>
+            <a:r>
+              <a:rPr lang="fr-FR" noProof="0" dirty="0">
+                <a:latin typeface="Times New Roman" panose="02020603050405020304" pitchFamily="18" charset="0"/>
+                <a:cs typeface="Times New Roman" panose="02020603050405020304" pitchFamily="18" charset="0"/>
+              </a:rPr>
+              <a:t>: </a:t>
+            </a:r>
+          </a:p>
+        </p:txBody>
+      </p:sp>
+      <mc:AlternateContent xmlns:mc="http://schemas.openxmlformats.org/markup-compatibility/2006" xmlns:a14="http://schemas.microsoft.com/office/drawing/2010/main">
+        <mc:Choice Requires="a14">
+          <p:sp>
+            <p:nvSpPr>
+              <p:cNvPr id="29" name="TextBox 28">
+                <a:extLst>
+                  <a:ext uri="{FF2B5EF4-FFF2-40B4-BE49-F238E27FC236}">
+                    <a16:creationId xmlns:a16="http://schemas.microsoft.com/office/drawing/2014/main" id="{16F0C38C-ADF0-05C8-AB97-6D861D171C8A}"/>
+                  </a:ext>
+                </a:extLst>
+              </p:cNvPr>
+              <p:cNvSpPr txBox="1"/>
+              <p:nvPr/>
+            </p:nvSpPr>
+            <p:spPr>
+              <a:xfrm>
+                <a:off x="340534" y="1920130"/>
+                <a:ext cx="11851465" cy="760465"/>
+              </a:xfrm>
+              <a:prstGeom prst="rect">
+                <a:avLst/>
+              </a:prstGeom>
+              <a:noFill/>
+            </p:spPr>
+            <p:txBody>
+              <a:bodyPr wrap="square" rtlCol="0">
+                <a:spAutoFit/>
+              </a:bodyPr>
+              <a:lstStyle/>
+              <a:p>
+                <a:r>
+                  <a:rPr lang="fr-FR" noProof="0" dirty="0">
+                    <a:latin typeface="Times New Roman" panose="02020603050405020304" pitchFamily="18" charset="0"/>
+                    <a:cs typeface="Times New Roman" panose="02020603050405020304" pitchFamily="18" charset="0"/>
+                  </a:rPr>
+                  <a:t>Minimiser </a:t>
+                </a:r>
+                <a14:m>
+                  <m:oMath xmlns:m="http://schemas.openxmlformats.org/officeDocument/2006/math">
+                    <m:r>
+                      <a:rPr lang="fr-FR" i="1" noProof="0" smtClean="0">
+                        <a:latin typeface="Cambria Math" panose="02040503050406030204" pitchFamily="18" charset="0"/>
+                        <a:ea typeface="Cambria Math" panose="02040503050406030204" pitchFamily="18" charset="0"/>
+                        <a:cs typeface="Times New Roman" panose="02020603050405020304" pitchFamily="18" charset="0"/>
+                      </a:rPr>
+                      <m:t>𝜌</m:t>
+                    </m:r>
+                  </m:oMath>
+                </a14:m>
+                <a:r>
+                  <a:rPr lang="fr-FR" noProof="0" dirty="0">
+                    <a:latin typeface="Times New Roman" panose="02020603050405020304" pitchFamily="18" charset="0"/>
+                    <a:cs typeface="Times New Roman" panose="02020603050405020304" pitchFamily="18" charset="0"/>
+                  </a:rPr>
+                  <a:t> (masse) et </a:t>
+                </a:r>
+                <a14:m>
+                  <m:oMath xmlns:m="http://schemas.openxmlformats.org/officeDocument/2006/math">
+                    <m:nary>
+                      <m:naryPr>
+                        <m:limLoc m:val="undOvr"/>
+                        <m:ctrlPr>
+                          <a:rPr lang="fr-FR" i="1" noProof="0" dirty="0" smtClean="0">
+                            <a:latin typeface="Cambria Math" panose="02040503050406030204" pitchFamily="18" charset="0"/>
+                            <a:cs typeface="Times New Roman" panose="02020603050405020304" pitchFamily="18" charset="0"/>
+                          </a:rPr>
+                        </m:ctrlPr>
+                      </m:naryPr>
+                      <m:sub>
+                        <m:r>
+                          <a:rPr lang="fr-FR" i="1" noProof="0" dirty="0" smtClean="0">
+                            <a:latin typeface="Cambria Math" panose="02040503050406030204" pitchFamily="18" charset="0"/>
+                          </a:rPr>
+                          <m:t>𝛺</m:t>
+                        </m:r>
+                      </m:sub>
+                      <m:sup>
+                        <m:r>
+                          <a:rPr lang="fr-FR" b="0" i="1" noProof="0" dirty="0" smtClean="0">
+                            <a:latin typeface="Cambria Math" panose="02040503050406030204" pitchFamily="18" charset="0"/>
+                            <a:cs typeface="Times New Roman" panose="02020603050405020304" pitchFamily="18" charset="0"/>
+                          </a:rPr>
+                          <m:t> </m:t>
+                        </m:r>
+                      </m:sup>
+                      <m:e>
+                        <m:f>
+                          <m:fPr>
+                            <m:ctrlPr>
+                              <a:rPr lang="fr-FR" b="0" i="1" noProof="0" dirty="0" smtClean="0">
+                                <a:latin typeface="Cambria Math" panose="02040503050406030204" pitchFamily="18" charset="0"/>
+                                <a:cs typeface="Times New Roman" panose="02020603050405020304" pitchFamily="18" charset="0"/>
+                              </a:rPr>
+                            </m:ctrlPr>
+                          </m:fPr>
+                          <m:num>
+                            <m:r>
+                              <a:rPr lang="fr-FR" b="0" i="1" noProof="0" dirty="0" smtClean="0">
+                                <a:latin typeface="Cambria Math" panose="02040503050406030204" pitchFamily="18" charset="0"/>
+                                <a:cs typeface="Times New Roman" panose="02020603050405020304" pitchFamily="18" charset="0"/>
+                              </a:rPr>
+                              <m:t>1</m:t>
+                            </m:r>
+                          </m:num>
+                          <m:den>
+                            <m:r>
+                              <a:rPr lang="fr-FR" b="0" i="1" noProof="0" dirty="0" smtClean="0">
+                                <a:latin typeface="Cambria Math" panose="02040503050406030204" pitchFamily="18" charset="0"/>
+                                <a:cs typeface="Times New Roman" panose="02020603050405020304" pitchFamily="18" charset="0"/>
+                              </a:rPr>
+                              <m:t>2</m:t>
+                            </m:r>
+                          </m:den>
+                        </m:f>
+                        <m:sSub>
+                          <m:sSubPr>
+                            <m:ctrlPr>
+                              <a:rPr lang="fr-FR" b="0" i="1" noProof="0" dirty="0" smtClean="0">
+                                <a:latin typeface="Cambria Math" panose="02040503050406030204" pitchFamily="18" charset="0"/>
+                                <a:ea typeface="Cambria Math" panose="02040503050406030204" pitchFamily="18" charset="0"/>
+                                <a:cs typeface="Times New Roman" panose="02020603050405020304" pitchFamily="18" charset="0"/>
+                              </a:rPr>
+                            </m:ctrlPr>
+                          </m:sSubPr>
+                          <m:e>
+                            <m:r>
+                              <a:rPr lang="fr-FR" b="0" i="1" noProof="0" dirty="0" smtClean="0">
+                                <a:latin typeface="Cambria Math" panose="02040503050406030204" pitchFamily="18" charset="0"/>
+                                <a:ea typeface="Cambria Math" panose="02040503050406030204" pitchFamily="18" charset="0"/>
+                                <a:cs typeface="Times New Roman" panose="02020603050405020304" pitchFamily="18" charset="0"/>
+                              </a:rPr>
+                              <m:t>𝜎</m:t>
+                            </m:r>
+                          </m:e>
+                          <m:sub>
+                            <m:r>
+                              <a:rPr lang="fr-FR" b="0" i="1" noProof="0" dirty="0" smtClean="0">
+                                <a:latin typeface="Cambria Math" panose="02040503050406030204" pitchFamily="18" charset="0"/>
+                                <a:ea typeface="Cambria Math" panose="02040503050406030204" pitchFamily="18" charset="0"/>
+                                <a:cs typeface="Times New Roman" panose="02020603050405020304" pitchFamily="18" charset="0"/>
+                              </a:rPr>
+                              <m:t>𝑖</m:t>
+                            </m:r>
+                          </m:sub>
+                        </m:sSub>
+                        <m:r>
+                          <a:rPr lang="fr-FR" b="0" i="1" noProof="0" dirty="0" smtClean="0">
+                            <a:latin typeface="Cambria Math" panose="02040503050406030204" pitchFamily="18" charset="0"/>
+                            <a:ea typeface="Cambria Math" panose="02040503050406030204" pitchFamily="18" charset="0"/>
+                            <a:cs typeface="Times New Roman" panose="02020603050405020304" pitchFamily="18" charset="0"/>
+                          </a:rPr>
+                          <m:t>:</m:t>
+                        </m:r>
+                        <m:sSub>
+                          <m:sSubPr>
+                            <m:ctrlPr>
+                              <a:rPr lang="fr-FR" b="0" i="1" noProof="0" dirty="0" smtClean="0">
+                                <a:latin typeface="Cambria Math" panose="02040503050406030204" pitchFamily="18" charset="0"/>
+                                <a:ea typeface="Cambria Math" panose="02040503050406030204" pitchFamily="18" charset="0"/>
+                                <a:cs typeface="Times New Roman" panose="02020603050405020304" pitchFamily="18" charset="0"/>
+                              </a:rPr>
+                            </m:ctrlPr>
+                          </m:sSubPr>
+                          <m:e>
+                            <m:r>
+                              <a:rPr lang="fr-FR" b="0" i="1" noProof="0" dirty="0" smtClean="0">
+                                <a:latin typeface="Cambria Math" panose="02040503050406030204" pitchFamily="18" charset="0"/>
+                                <a:ea typeface="Cambria Math" panose="02040503050406030204" pitchFamily="18" charset="0"/>
+                                <a:cs typeface="Times New Roman" panose="02020603050405020304" pitchFamily="18" charset="0"/>
+                              </a:rPr>
+                              <m:t>𝜀</m:t>
+                            </m:r>
+                          </m:e>
+                          <m:sub>
+                            <m:r>
+                              <a:rPr lang="fr-FR" b="0" i="1" noProof="0" dirty="0" smtClean="0">
+                                <a:latin typeface="Cambria Math" panose="02040503050406030204" pitchFamily="18" charset="0"/>
+                                <a:ea typeface="Cambria Math" panose="02040503050406030204" pitchFamily="18" charset="0"/>
+                                <a:cs typeface="Times New Roman" panose="02020603050405020304" pitchFamily="18" charset="0"/>
+                              </a:rPr>
+                              <m:t>𝑖</m:t>
+                            </m:r>
+                          </m:sub>
+                        </m:sSub>
+                        <m:r>
+                          <a:rPr lang="fr-FR" b="0" i="1" noProof="0" dirty="0" smtClean="0">
+                            <a:latin typeface="Cambria Math" panose="02040503050406030204" pitchFamily="18" charset="0"/>
+                            <a:ea typeface="Cambria Math" panose="02040503050406030204" pitchFamily="18" charset="0"/>
+                            <a:cs typeface="Times New Roman" panose="02020603050405020304" pitchFamily="18" charset="0"/>
+                          </a:rPr>
+                          <m:t> </m:t>
+                        </m:r>
+                        <m:r>
+                          <a:rPr lang="fr-FR" b="0" i="1" noProof="0" dirty="0" smtClean="0">
+                            <a:latin typeface="Cambria Math" panose="02040503050406030204" pitchFamily="18" charset="0"/>
+                            <a:ea typeface="Cambria Math" panose="02040503050406030204" pitchFamily="18" charset="0"/>
+                            <a:cs typeface="Times New Roman" panose="02020603050405020304" pitchFamily="18" charset="0"/>
+                          </a:rPr>
+                          <m:t>𝑑</m:t>
+                        </m:r>
+                        <m:r>
+                          <a:rPr lang="fr-FR" i="1" noProof="0" dirty="0" smtClean="0">
+                            <a:latin typeface="Cambria Math" panose="02040503050406030204" pitchFamily="18" charset="0"/>
+                          </a:rPr>
+                          <m:t>𝛺</m:t>
+                        </m:r>
+                      </m:e>
+                    </m:nary>
+                  </m:oMath>
+                </a14:m>
+                <a:r>
+                  <a:rPr lang="fr-FR" noProof="0" dirty="0">
+                    <a:latin typeface="Times New Roman" panose="02020603050405020304" pitchFamily="18" charset="0"/>
+                    <a:cs typeface="Times New Roman" panose="02020603050405020304" pitchFamily="18" charset="0"/>
+                  </a:rPr>
+                  <a:t> (contraintes) [</a:t>
+                </a:r>
+                <a:r>
+                  <a:rPr lang="fr-FR" i="1" noProof="0" dirty="0">
+                    <a:latin typeface="Times New Roman" panose="02020603050405020304" pitchFamily="18" charset="0"/>
+                    <a:cs typeface="Times New Roman" panose="02020603050405020304" pitchFamily="18" charset="0"/>
+                  </a:rPr>
+                  <a:t>meilleur compromis</a:t>
+                </a:r>
+                <a:r>
+                  <a:rPr lang="fr-FR" noProof="0" dirty="0">
+                    <a:latin typeface="Times New Roman" panose="02020603050405020304" pitchFamily="18" charset="0"/>
+                    <a:cs typeface="Times New Roman" panose="02020603050405020304" pitchFamily="18" charset="0"/>
+                  </a:rPr>
+                  <a:t>] pour </a:t>
+                </a:r>
+                <a14:m>
+                  <m:oMath xmlns:m="http://schemas.openxmlformats.org/officeDocument/2006/math">
+                    <m:r>
+                      <a:rPr lang="fr-FR" b="0" i="1" noProof="0" smtClean="0">
+                        <a:latin typeface="Cambria Math" panose="02040503050406030204" pitchFamily="18" charset="0"/>
+                        <a:cs typeface="Times New Roman" panose="02020603050405020304" pitchFamily="18" charset="0"/>
+                      </a:rPr>
+                      <m:t>𝑖</m:t>
+                    </m:r>
+                    <m:r>
+                      <a:rPr lang="fr-FR" b="0" i="1" noProof="0" smtClean="0">
+                        <a:latin typeface="Cambria Math" panose="02040503050406030204" pitchFamily="18" charset="0"/>
+                        <a:ea typeface="Cambria Math" panose="02040503050406030204" pitchFamily="18" charset="0"/>
+                        <a:cs typeface="Times New Roman" panose="02020603050405020304" pitchFamily="18" charset="0"/>
+                      </a:rPr>
+                      <m:t>∈[</m:t>
+                    </m:r>
+                    <m:r>
+                      <a:rPr lang="fr-FR" b="0" i="1" noProof="0" smtClean="0">
+                        <a:latin typeface="Cambria Math" panose="02040503050406030204" pitchFamily="18" charset="0"/>
+                        <a:ea typeface="Cambria Math" panose="02040503050406030204" pitchFamily="18" charset="0"/>
+                        <a:cs typeface="Times New Roman" panose="02020603050405020304" pitchFamily="18" charset="0"/>
+                      </a:rPr>
+                      <m:t>𝐹</m:t>
+                    </m:r>
+                    <m:r>
+                      <a:rPr lang="fr-FR" b="0" i="1" noProof="0" smtClean="0">
+                        <a:latin typeface="Cambria Math" panose="02040503050406030204" pitchFamily="18" charset="0"/>
+                        <a:ea typeface="Cambria Math" panose="02040503050406030204" pitchFamily="18" charset="0"/>
+                        <a:cs typeface="Times New Roman" panose="02020603050405020304" pitchFamily="18" charset="0"/>
+                      </a:rPr>
+                      <m:t>,</m:t>
+                    </m:r>
+                    <m:r>
+                      <a:rPr lang="fr-FR" b="0" i="1" noProof="0" smtClean="0">
+                        <a:latin typeface="Cambria Math" panose="02040503050406030204" pitchFamily="18" charset="0"/>
+                        <a:ea typeface="Cambria Math" panose="02040503050406030204" pitchFamily="18" charset="0"/>
+                        <a:cs typeface="Times New Roman" panose="02020603050405020304" pitchFamily="18" charset="0"/>
+                      </a:rPr>
+                      <m:t>𝐸</m:t>
+                    </m:r>
+                    <m:r>
+                      <a:rPr lang="fr-FR" b="0" i="1" noProof="0" smtClean="0">
+                        <a:latin typeface="Cambria Math" panose="02040503050406030204" pitchFamily="18" charset="0"/>
+                        <a:ea typeface="Cambria Math" panose="02040503050406030204" pitchFamily="18" charset="0"/>
+                        <a:cs typeface="Times New Roman" panose="02020603050405020304" pitchFamily="18" charset="0"/>
+                      </a:rPr>
+                      <m:t>,</m:t>
+                    </m:r>
+                    <m:r>
+                      <a:rPr lang="fr-FR" b="0" i="1" noProof="0" smtClean="0">
+                        <a:latin typeface="Cambria Math" panose="02040503050406030204" pitchFamily="18" charset="0"/>
+                        <a:ea typeface="Cambria Math" panose="02040503050406030204" pitchFamily="18" charset="0"/>
+                        <a:cs typeface="Times New Roman" panose="02020603050405020304" pitchFamily="18" charset="0"/>
+                      </a:rPr>
+                      <m:t>𝑅</m:t>
+                    </m:r>
+                    <m:r>
+                      <a:rPr lang="fr-FR" b="0" i="1" noProof="0" smtClean="0">
+                        <a:latin typeface="Cambria Math" panose="02040503050406030204" pitchFamily="18" charset="0"/>
+                        <a:ea typeface="Cambria Math" panose="02040503050406030204" pitchFamily="18" charset="0"/>
+                        <a:cs typeface="Times New Roman" panose="02020603050405020304" pitchFamily="18" charset="0"/>
+                      </a:rPr>
+                      <m:t>,</m:t>
+                    </m:r>
+                    <m:r>
+                      <a:rPr lang="fr-FR" b="0" i="1" noProof="0" smtClean="0">
+                        <a:latin typeface="Cambria Math" panose="02040503050406030204" pitchFamily="18" charset="0"/>
+                        <a:ea typeface="Cambria Math" panose="02040503050406030204" pitchFamily="18" charset="0"/>
+                        <a:cs typeface="Times New Roman" panose="02020603050405020304" pitchFamily="18" charset="0"/>
+                      </a:rPr>
+                      <m:t>𝑈</m:t>
+                    </m:r>
+                    <m:r>
+                      <a:rPr lang="fr-FR" b="0" i="1" noProof="0" smtClean="0">
+                        <a:latin typeface="Cambria Math" panose="02040503050406030204" pitchFamily="18" charset="0"/>
+                        <a:ea typeface="Cambria Math" panose="02040503050406030204" pitchFamily="18" charset="0"/>
+                        <a:cs typeface="Times New Roman" panose="02020603050405020304" pitchFamily="18" charset="0"/>
+                      </a:rPr>
+                      <m:t>]</m:t>
+                    </m:r>
+                  </m:oMath>
+                </a14:m>
+                <a:r>
+                  <a:rPr lang="fr-FR" noProof="0" dirty="0">
+                    <a:latin typeface="Times New Roman" panose="02020603050405020304" pitchFamily="18" charset="0"/>
+                    <a:cs typeface="Times New Roman" panose="02020603050405020304" pitchFamily="18" charset="0"/>
+                  </a:rPr>
+                  <a:t> [</a:t>
+                </a:r>
+                <a:r>
+                  <a:rPr lang="fr-FR" i="1" noProof="0" dirty="0">
+                    <a:latin typeface="Times New Roman" panose="02020603050405020304" pitchFamily="18" charset="0"/>
+                    <a:cs typeface="Times New Roman" panose="02020603050405020304" pitchFamily="18" charset="0"/>
+                  </a:rPr>
+                  <a:t>poids égale</a:t>
+                </a:r>
+                <a:r>
+                  <a:rPr lang="fr-FR" noProof="0" dirty="0">
+                    <a:latin typeface="Times New Roman" panose="02020603050405020304" pitchFamily="18" charset="0"/>
+                    <a:cs typeface="Times New Roman" panose="02020603050405020304" pitchFamily="18" charset="0"/>
+                  </a:rPr>
+                  <a:t>]</a:t>
+                </a:r>
+              </a:p>
+              <a:p>
+                <a:r>
+                  <a:rPr lang="fr-FR" dirty="0">
+                    <a:latin typeface="Times New Roman" panose="02020603050405020304" pitchFamily="18" charset="0"/>
+                    <a:cs typeface="Times New Roman" panose="02020603050405020304" pitchFamily="18" charset="0"/>
+                  </a:rPr>
+                  <a:t>Sous la contrainte de poids minimal </a:t>
+                </a:r>
+                <a14:m>
+                  <m:oMath xmlns:m="http://schemas.openxmlformats.org/officeDocument/2006/math">
+                    <m:r>
+                      <a:rPr lang="fr-FR" i="1" smtClean="0">
+                        <a:latin typeface="Cambria Math" panose="02040503050406030204" pitchFamily="18" charset="0"/>
+                        <a:ea typeface="Cambria Math" panose="02040503050406030204" pitchFamily="18" charset="0"/>
+                        <a:cs typeface="Times New Roman" panose="02020603050405020304" pitchFamily="18" charset="0"/>
+                      </a:rPr>
+                      <m:t>→</m:t>
+                    </m:r>
+                    <m:r>
+                      <a:rPr lang="fr-FR" b="0" i="1" smtClean="0">
+                        <a:latin typeface="Cambria Math" panose="02040503050406030204" pitchFamily="18" charset="0"/>
+                        <a:ea typeface="Cambria Math" panose="02040503050406030204" pitchFamily="18" charset="0"/>
+                        <a:cs typeface="Times New Roman" panose="02020603050405020304" pitchFamily="18" charset="0"/>
+                      </a:rPr>
+                      <m:t> </m:t>
+                    </m:r>
+                    <m:r>
+                      <a:rPr lang="fr-FR" b="0" i="1" smtClean="0">
+                        <a:latin typeface="Cambria Math" panose="02040503050406030204" pitchFamily="18" charset="0"/>
+                        <a:ea typeface="Cambria Math" panose="02040503050406030204" pitchFamily="18" charset="0"/>
+                        <a:cs typeface="Times New Roman" panose="02020603050405020304" pitchFamily="18" charset="0"/>
+                      </a:rPr>
+                      <m:t>𝛼</m:t>
+                    </m:r>
+                    <m:r>
+                      <a:rPr lang="fr-FR" b="0" i="1" smtClean="0">
+                        <a:latin typeface="Cambria Math" panose="02040503050406030204" pitchFamily="18" charset="0"/>
+                        <a:ea typeface="Cambria Math" panose="02040503050406030204" pitchFamily="18" charset="0"/>
+                        <a:cs typeface="Times New Roman" panose="02020603050405020304" pitchFamily="18" charset="0"/>
+                      </a:rPr>
+                      <m:t> %</m:t>
+                    </m:r>
+                  </m:oMath>
+                </a14:m>
+                <a:r>
+                  <a:rPr lang="fr-FR" noProof="0" dirty="0">
+                    <a:latin typeface="Times New Roman" panose="02020603050405020304" pitchFamily="18" charset="0"/>
+                    <a:cs typeface="Times New Roman" panose="02020603050405020304" pitchFamily="18" charset="0"/>
+                  </a:rPr>
+                  <a:t> </a:t>
+                </a:r>
+              </a:p>
+            </p:txBody>
+          </p:sp>
+        </mc:Choice>
+        <mc:Fallback xmlns="">
+          <p:sp>
+            <p:nvSpPr>
+              <p:cNvPr id="29" name="TextBox 28">
+                <a:extLst>
+                  <a:ext uri="{FF2B5EF4-FFF2-40B4-BE49-F238E27FC236}">
+                    <a16:creationId xmlns:a16="http://schemas.microsoft.com/office/drawing/2014/main" id="{16F0C38C-ADF0-05C8-AB97-6D861D171C8A}"/>
+                  </a:ext>
+                </a:extLst>
+              </p:cNvPr>
+              <p:cNvSpPr txBox="1">
+                <a:spLocks noRot="1" noChangeAspect="1" noMove="1" noResize="1" noEditPoints="1" noAdjustHandles="1" noChangeArrowheads="1" noChangeShapeType="1" noTextEdit="1"/>
+              </p:cNvSpPr>
+              <p:nvPr/>
+            </p:nvSpPr>
+            <p:spPr>
+              <a:xfrm>
+                <a:off x="340534" y="1920130"/>
+                <a:ext cx="11851465" cy="760465"/>
+              </a:xfrm>
+              <a:prstGeom prst="rect">
+                <a:avLst/>
+              </a:prstGeom>
+              <a:blipFill>
+                <a:blip r:embed="rId4"/>
+                <a:stretch>
+                  <a:fillRect l="-463" t="-64800" b="-65600"/>
+                </a:stretch>
+              </a:blipFill>
+            </p:spPr>
+            <p:txBody>
+              <a:bodyPr/>
+              <a:lstStyle/>
+              <a:p>
+                <a:r>
+                  <a:rPr lang="en-GB">
+                    <a:noFill/>
+                  </a:rPr>
+                  <a:t> </a:t>
+                </a:r>
+              </a:p>
+            </p:txBody>
+          </p:sp>
+        </mc:Fallback>
+      </mc:AlternateContent>
+      <p:grpSp>
+        <p:nvGrpSpPr>
+          <p:cNvPr id="50" name="Group 49">
+            <a:extLst>
+              <a:ext uri="{FF2B5EF4-FFF2-40B4-BE49-F238E27FC236}">
+                <a16:creationId xmlns:a16="http://schemas.microsoft.com/office/drawing/2014/main" id="{6D300C5F-060B-A29B-5E63-8AB2F8289D3E}"/>
+              </a:ext>
+            </a:extLst>
+          </p:cNvPr>
+          <p:cNvGrpSpPr/>
+          <p:nvPr/>
+        </p:nvGrpSpPr>
+        <p:grpSpPr>
+          <a:xfrm>
+            <a:off x="510800" y="2794105"/>
+            <a:ext cx="11147231" cy="2621053"/>
+            <a:chOff x="138736" y="2794105"/>
+            <a:chExt cx="11147231" cy="2621053"/>
+          </a:xfrm>
+        </p:grpSpPr>
+        <p:pic>
+          <p:nvPicPr>
+            <p:cNvPr id="16" name="Picture 15">
+              <a:extLst>
+                <a:ext uri="{FF2B5EF4-FFF2-40B4-BE49-F238E27FC236}">
+                  <a16:creationId xmlns:a16="http://schemas.microsoft.com/office/drawing/2014/main" id="{C8511678-E88F-7D51-904A-00D5D2E20854}"/>
+                </a:ext>
+              </a:extLst>
+            </p:cNvPr>
+            <p:cNvPicPr>
+              <a:picLocks noChangeAspect="1"/>
+            </p:cNvPicPr>
+            <p:nvPr/>
+          </p:nvPicPr>
+          <p:blipFill>
+            <a:blip r:embed="rId5"/>
+            <a:stretch>
+              <a:fillRect/>
+            </a:stretch>
+          </p:blipFill>
+          <p:spPr>
+            <a:xfrm>
+              <a:off x="138736" y="2794105"/>
+              <a:ext cx="5957264" cy="2313276"/>
+            </a:xfrm>
+            <a:prstGeom prst="rect">
+              <a:avLst/>
+            </a:prstGeom>
+            <a:ln>
+              <a:solidFill>
+                <a:schemeClr val="tx1"/>
+              </a:solidFill>
+            </a:ln>
+          </p:spPr>
+        </p:pic>
+        <p:pic>
+          <p:nvPicPr>
+            <p:cNvPr id="22" name="Picture 21">
+              <a:extLst>
+                <a:ext uri="{FF2B5EF4-FFF2-40B4-BE49-F238E27FC236}">
+                  <a16:creationId xmlns:a16="http://schemas.microsoft.com/office/drawing/2014/main" id="{E271FBCE-EB1D-54CC-CAFB-7E1DFF99CA2E}"/>
+                </a:ext>
+              </a:extLst>
+            </p:cNvPr>
+            <p:cNvPicPr>
+              <a:picLocks noChangeAspect="1"/>
+            </p:cNvPicPr>
+            <p:nvPr/>
+          </p:nvPicPr>
+          <p:blipFill>
+            <a:blip r:embed="rId6"/>
+            <a:stretch>
+              <a:fillRect/>
+            </a:stretch>
+          </p:blipFill>
+          <p:spPr>
+            <a:xfrm>
+              <a:off x="7525042" y="2794105"/>
+              <a:ext cx="3237914" cy="2313276"/>
+            </a:xfrm>
+            <a:prstGeom prst="rect">
+              <a:avLst/>
+            </a:prstGeom>
+            <a:ln>
+              <a:solidFill>
+                <a:schemeClr val="tx1"/>
+              </a:solidFill>
+            </a:ln>
+          </p:spPr>
+        </p:pic>
+        <p:sp>
+          <p:nvSpPr>
+            <p:cNvPr id="30" name="TextBox 29">
+              <a:extLst>
+                <a:ext uri="{FF2B5EF4-FFF2-40B4-BE49-F238E27FC236}">
+                  <a16:creationId xmlns:a16="http://schemas.microsoft.com/office/drawing/2014/main" id="{F9012EBE-327E-81BA-D0CC-DFFC3A81D06E}"/>
+                </a:ext>
+              </a:extLst>
+            </p:cNvPr>
+            <p:cNvSpPr txBox="1"/>
+            <p:nvPr/>
+          </p:nvSpPr>
+          <p:spPr>
+            <a:xfrm>
+              <a:off x="340534" y="5107381"/>
+              <a:ext cx="5755465" cy="307777"/>
+            </a:xfrm>
+            <a:prstGeom prst="rect">
+              <a:avLst/>
+            </a:prstGeom>
+            <a:noFill/>
+          </p:spPr>
+          <p:txBody>
+            <a:bodyPr wrap="square" rtlCol="0">
+              <a:spAutoFit/>
+            </a:bodyPr>
+            <a:lstStyle/>
+            <a:p>
+              <a:r>
+                <a:rPr lang="fr-FR" sz="1400" b="1" noProof="0" dirty="0">
+                  <a:latin typeface="Times New Roman" panose="02020603050405020304" pitchFamily="18" charset="0"/>
+                  <a:cs typeface="Times New Roman" panose="02020603050405020304" pitchFamily="18" charset="0"/>
+                </a:rPr>
+                <a:t>Figure [] </a:t>
+              </a:r>
+              <a:r>
+                <a:rPr lang="fr-FR" sz="1400" noProof="0" dirty="0">
+                  <a:latin typeface="Times New Roman" panose="02020603050405020304" pitchFamily="18" charset="0"/>
+                  <a:cs typeface="Times New Roman" panose="02020603050405020304" pitchFamily="18" charset="0"/>
+                </a:rPr>
+                <a:t>: </a:t>
+              </a:r>
+            </a:p>
+          </p:txBody>
+        </p:sp>
+        <mc:AlternateContent xmlns:mc="http://schemas.openxmlformats.org/markup-compatibility/2006" xmlns:a14="http://schemas.microsoft.com/office/drawing/2010/main">
+          <mc:Choice Requires="a14">
+            <p:sp>
+              <p:nvSpPr>
+                <p:cNvPr id="31" name="TextBox 30">
+                  <a:extLst>
+                    <a:ext uri="{FF2B5EF4-FFF2-40B4-BE49-F238E27FC236}">
+                      <a16:creationId xmlns:a16="http://schemas.microsoft.com/office/drawing/2014/main" id="{E096CA17-3B37-1EC9-086C-6073F9F0E327}"/>
+                    </a:ext>
+                  </a:extLst>
+                </p:cNvPr>
+                <p:cNvSpPr txBox="1"/>
+                <p:nvPr/>
+              </p:nvSpPr>
+              <p:spPr>
+                <a:xfrm>
+                  <a:off x="7525042" y="5107381"/>
+                  <a:ext cx="3760925" cy="307777"/>
+                </a:xfrm>
+                <a:prstGeom prst="rect">
+                  <a:avLst/>
+                </a:prstGeom>
+                <a:noFill/>
+              </p:spPr>
+              <p:txBody>
+                <a:bodyPr wrap="square" rtlCol="0">
+                  <a:spAutoFit/>
+                </a:bodyPr>
+                <a:lstStyle/>
+                <a:p>
+                  <a:r>
+                    <a:rPr lang="fr-FR" sz="1400" b="1" noProof="0" dirty="0">
+                      <a:latin typeface="Times New Roman" panose="02020603050405020304" pitchFamily="18" charset="0"/>
+                      <a:cs typeface="Times New Roman" panose="02020603050405020304" pitchFamily="18" charset="0"/>
+                    </a:rPr>
+                    <a:t>Figure [] </a:t>
+                  </a:r>
+                  <a:r>
+                    <a:rPr lang="fr-FR" sz="1400" noProof="0" dirty="0">
+                      <a:latin typeface="Times New Roman" panose="02020603050405020304" pitchFamily="18" charset="0"/>
+                      <a:cs typeface="Times New Roman" panose="02020603050405020304" pitchFamily="18" charset="0"/>
+                    </a:rPr>
+                    <a:t>: Résultat d’optimisation </a:t>
+                  </a:r>
+                  <a14:m>
+                    <m:oMath xmlns:m="http://schemas.openxmlformats.org/officeDocument/2006/math">
+                      <m:r>
+                        <a:rPr lang="fr-FR" sz="1400" b="0" i="1" smtClean="0">
+                          <a:latin typeface="Cambria Math" panose="02040503050406030204" pitchFamily="18" charset="0"/>
+                          <a:ea typeface="Cambria Math" panose="02040503050406030204" pitchFamily="18" charset="0"/>
+                          <a:cs typeface="Times New Roman" panose="02020603050405020304" pitchFamily="18" charset="0"/>
+                        </a:rPr>
+                        <m:t>𝛼</m:t>
+                      </m:r>
+                      <m:r>
+                        <a:rPr lang="fr-FR" sz="1400" b="0" i="1" smtClean="0">
+                          <a:latin typeface="Cambria Math" panose="02040503050406030204" pitchFamily="18" charset="0"/>
+                          <a:ea typeface="Cambria Math" panose="02040503050406030204" pitchFamily="18" charset="0"/>
+                          <a:cs typeface="Times New Roman" panose="02020603050405020304" pitchFamily="18" charset="0"/>
+                        </a:rPr>
+                        <m:t>=40%</m:t>
+                      </m:r>
+                    </m:oMath>
+                  </a14:m>
+                  <a:r>
+                    <a:rPr lang="fr-FR" sz="1400" noProof="0" dirty="0">
+                      <a:latin typeface="Times New Roman" panose="02020603050405020304" pitchFamily="18" charset="0"/>
+                      <a:cs typeface="Times New Roman" panose="02020603050405020304" pitchFamily="18" charset="0"/>
+                    </a:rPr>
+                    <a:t>  </a:t>
+                  </a:r>
+                </a:p>
+              </p:txBody>
+            </p:sp>
+          </mc:Choice>
+          <mc:Fallback xmlns="">
+            <p:sp>
+              <p:nvSpPr>
+                <p:cNvPr id="31" name="TextBox 30">
+                  <a:extLst>
+                    <a:ext uri="{FF2B5EF4-FFF2-40B4-BE49-F238E27FC236}">
+                      <a16:creationId xmlns:a16="http://schemas.microsoft.com/office/drawing/2014/main" id="{E096CA17-3B37-1EC9-086C-6073F9F0E327}"/>
+                    </a:ext>
+                  </a:extLst>
+                </p:cNvPr>
+                <p:cNvSpPr txBox="1">
+                  <a:spLocks noRot="1" noChangeAspect="1" noMove="1" noResize="1" noEditPoints="1" noAdjustHandles="1" noChangeArrowheads="1" noChangeShapeType="1" noTextEdit="1"/>
+                </p:cNvSpPr>
+                <p:nvPr/>
+              </p:nvSpPr>
+              <p:spPr>
+                <a:xfrm>
+                  <a:off x="7525042" y="5107381"/>
+                  <a:ext cx="3760925" cy="307777"/>
+                </a:xfrm>
+                <a:prstGeom prst="rect">
+                  <a:avLst/>
+                </a:prstGeom>
+                <a:blipFill>
+                  <a:blip r:embed="rId7"/>
+                  <a:stretch>
+                    <a:fillRect l="-486" t="-4000" b="-20000"/>
+                  </a:stretch>
+                </a:blipFill>
+              </p:spPr>
+              <p:txBody>
+                <a:bodyPr/>
+                <a:lstStyle/>
+                <a:p>
+                  <a:r>
+                    <a:rPr lang="en-GB">
+                      <a:noFill/>
+                    </a:rPr>
+                    <a:t> </a:t>
+                  </a:r>
+                </a:p>
+              </p:txBody>
+            </p:sp>
+          </mc:Fallback>
+        </mc:AlternateContent>
+      </p:grpSp>
+      <mc:AlternateContent xmlns:mc="http://schemas.openxmlformats.org/markup-compatibility/2006" xmlns:a14="http://schemas.microsoft.com/office/drawing/2010/main">
+        <mc:Choice Requires="a14">
+          <p:sp>
+            <p:nvSpPr>
+              <p:cNvPr id="48" name="TextBox 47">
+                <a:extLst>
+                  <a:ext uri="{FF2B5EF4-FFF2-40B4-BE49-F238E27FC236}">
+                    <a16:creationId xmlns:a16="http://schemas.microsoft.com/office/drawing/2014/main" id="{4BF5205A-C21B-DC10-00D1-30EE1B56E60B}"/>
+                  </a:ext>
+                </a:extLst>
+              </p:cNvPr>
+              <p:cNvSpPr txBox="1"/>
+              <p:nvPr/>
+            </p:nvSpPr>
+            <p:spPr>
+              <a:xfrm>
+                <a:off x="0" y="5585198"/>
+                <a:ext cx="12192000" cy="646331"/>
+              </a:xfrm>
+              <a:prstGeom prst="rect">
+                <a:avLst/>
+              </a:prstGeom>
+              <a:noFill/>
+            </p:spPr>
+            <p:txBody>
+              <a:bodyPr wrap="square" rtlCol="0">
+                <a:spAutoFit/>
+              </a:bodyPr>
+              <a:lstStyle/>
+              <a:p>
+                <a:pPr algn="just"/>
+                <a:r>
+                  <a:rPr lang="fr-FR" noProof="0" dirty="0">
+                    <a:latin typeface="Times New Roman" panose="02020603050405020304" pitchFamily="18" charset="0"/>
+                    <a:cs typeface="Times New Roman" panose="02020603050405020304" pitchFamily="18" charset="0"/>
+                  </a:rPr>
+                  <a:t>Les résultats de simulations avaient permis d’évaluer l’évolution de </a:t>
+                </a:r>
+                <a14:m>
+                  <m:oMath xmlns:m="http://schemas.openxmlformats.org/officeDocument/2006/math">
+                    <m:sSub>
+                      <m:sSubPr>
+                        <m:ctrlPr>
+                          <a:rPr lang="fr-FR" b="0" i="1" smtClean="0">
+                            <a:latin typeface="Cambria Math" panose="02040503050406030204" pitchFamily="18" charset="0"/>
+                            <a:cs typeface="Times New Roman" panose="02020603050405020304" pitchFamily="18" charset="0"/>
+                          </a:rPr>
+                        </m:ctrlPr>
+                      </m:sSubPr>
+                      <m:e>
+                        <m:r>
+                          <a:rPr lang="fr-FR" b="0" i="1" smtClean="0">
+                            <a:latin typeface="Cambria Math" panose="02040503050406030204" pitchFamily="18" charset="0"/>
+                            <a:cs typeface="Times New Roman" panose="02020603050405020304" pitchFamily="18" charset="0"/>
+                          </a:rPr>
+                          <m:t>𝑢</m:t>
+                        </m:r>
+                      </m:e>
+                      <m:sub>
+                        <m:r>
+                          <a:rPr lang="fr-FR" b="0" i="1" smtClean="0">
+                            <a:latin typeface="Cambria Math" panose="02040503050406030204" pitchFamily="18" charset="0"/>
+                            <a:cs typeface="Times New Roman" panose="02020603050405020304" pitchFamily="18" charset="0"/>
+                          </a:rPr>
+                          <m:t>𝑚𝑎𝑥</m:t>
+                        </m:r>
+                      </m:sub>
+                    </m:sSub>
+                  </m:oMath>
+                </a14:m>
+                <a:r>
+                  <a:rPr lang="fr-FR" noProof="0" dirty="0">
+                    <a:latin typeface="Times New Roman" panose="02020603050405020304" pitchFamily="18" charset="0"/>
+                    <a:cs typeface="Times New Roman" panose="02020603050405020304" pitchFamily="18" charset="0"/>
+                  </a:rPr>
+                  <a:t> en fonction des géométries </a:t>
+                </a:r>
+                <a14:m>
+                  <m:oMath xmlns:m="http://schemas.openxmlformats.org/officeDocument/2006/math">
+                    <m:r>
+                      <a:rPr lang="fr-FR" i="1">
+                        <a:latin typeface="Cambria Math" panose="02040503050406030204" pitchFamily="18" charset="0"/>
+                        <a:ea typeface="Cambria Math" panose="02040503050406030204" pitchFamily="18" charset="0"/>
+                        <a:cs typeface="Times New Roman" panose="02020603050405020304" pitchFamily="18" charset="0"/>
+                      </a:rPr>
+                      <m:t>𝛼</m:t>
+                    </m:r>
+                    <m:r>
+                      <a:rPr lang="fr-FR" i="1">
+                        <a:latin typeface="Cambria Math" panose="02040503050406030204" pitchFamily="18" charset="0"/>
+                        <a:ea typeface="Cambria Math" panose="02040503050406030204" pitchFamily="18" charset="0"/>
+                        <a:cs typeface="Times New Roman" panose="02020603050405020304" pitchFamily="18" charset="0"/>
+                      </a:rPr>
+                      <m:t> %</m:t>
+                    </m:r>
+                  </m:oMath>
+                </a14:m>
+                <a:r>
+                  <a:rPr lang="fr-FR" noProof="0" dirty="0">
+                    <a:latin typeface="Times New Roman" panose="02020603050405020304" pitchFamily="18" charset="0"/>
+                    <a:cs typeface="Times New Roman" panose="02020603050405020304" pitchFamily="18" charset="0"/>
+                  </a:rPr>
+                  <a:t>. Un compromis entre réduction de masse et performance en déformation avait été trouvé pour la géométrie </a:t>
+                </a:r>
+                <a14:m>
+                  <m:oMath xmlns:m="http://schemas.openxmlformats.org/officeDocument/2006/math">
+                    <m:r>
+                      <a:rPr lang="fr-FR" i="1">
+                        <a:latin typeface="Cambria Math" panose="02040503050406030204" pitchFamily="18" charset="0"/>
+                        <a:ea typeface="Cambria Math" panose="02040503050406030204" pitchFamily="18" charset="0"/>
+                        <a:cs typeface="Times New Roman" panose="02020603050405020304" pitchFamily="18" charset="0"/>
+                      </a:rPr>
+                      <m:t>𝛼</m:t>
+                    </m:r>
+                    <m:r>
+                      <a:rPr lang="fr-FR" b="0" i="1" smtClean="0">
+                        <a:latin typeface="Cambria Math" panose="02040503050406030204" pitchFamily="18" charset="0"/>
+                        <a:ea typeface="Cambria Math" panose="02040503050406030204" pitchFamily="18" charset="0"/>
+                        <a:cs typeface="Times New Roman" panose="02020603050405020304" pitchFamily="18" charset="0"/>
+                      </a:rPr>
+                      <m:t>=40</m:t>
+                    </m:r>
+                    <m:r>
+                      <a:rPr lang="fr-FR" i="1">
+                        <a:latin typeface="Cambria Math" panose="02040503050406030204" pitchFamily="18" charset="0"/>
+                        <a:ea typeface="Cambria Math" panose="02040503050406030204" pitchFamily="18" charset="0"/>
+                        <a:cs typeface="Times New Roman" panose="02020603050405020304" pitchFamily="18" charset="0"/>
+                      </a:rPr>
+                      <m:t>%</m:t>
+                    </m:r>
+                  </m:oMath>
+                </a14:m>
+                <a:r>
+                  <a:rPr lang="fr-FR" noProof="0" dirty="0">
+                    <a:latin typeface="Times New Roman" panose="02020603050405020304" pitchFamily="18" charset="0"/>
+                    <a:cs typeface="Times New Roman" panose="02020603050405020304" pitchFamily="18" charset="0"/>
+                  </a:rPr>
+                  <a:t>.   </a:t>
+                </a:r>
+              </a:p>
+            </p:txBody>
+          </p:sp>
+        </mc:Choice>
+        <mc:Fallback xmlns="">
+          <p:sp>
+            <p:nvSpPr>
+              <p:cNvPr id="48" name="TextBox 47">
+                <a:extLst>
+                  <a:ext uri="{FF2B5EF4-FFF2-40B4-BE49-F238E27FC236}">
+                    <a16:creationId xmlns:a16="http://schemas.microsoft.com/office/drawing/2014/main" id="{4BF5205A-C21B-DC10-00D1-30EE1B56E60B}"/>
+                  </a:ext>
+                </a:extLst>
+              </p:cNvPr>
+              <p:cNvSpPr txBox="1">
+                <a:spLocks noRot="1" noChangeAspect="1" noMove="1" noResize="1" noEditPoints="1" noAdjustHandles="1" noChangeArrowheads="1" noChangeShapeType="1" noTextEdit="1"/>
+              </p:cNvSpPr>
+              <p:nvPr/>
+            </p:nvSpPr>
+            <p:spPr>
+              <a:xfrm>
+                <a:off x="0" y="5585198"/>
+                <a:ext cx="12192000" cy="646331"/>
+              </a:xfrm>
+              <a:prstGeom prst="rect">
+                <a:avLst/>
+              </a:prstGeom>
+              <a:blipFill>
+                <a:blip r:embed="rId8"/>
+                <a:stretch>
+                  <a:fillRect l="-400" t="-4717" r="-400" b="-14151"/>
+                </a:stretch>
+              </a:blipFill>
+            </p:spPr>
+            <p:txBody>
+              <a:bodyPr/>
+              <a:lstStyle/>
+              <a:p>
+                <a:r>
+                  <a:rPr lang="en-GB">
+                    <a:noFill/>
+                  </a:rPr>
+                  <a:t> </a:t>
+                </a:r>
+              </a:p>
+            </p:txBody>
+          </p:sp>
+        </mc:Fallback>
+      </mc:AlternateContent>
+      <p:sp>
+        <p:nvSpPr>
+          <p:cNvPr id="49" name="TextBox 48">
+            <a:extLst>
+              <a:ext uri="{FF2B5EF4-FFF2-40B4-BE49-F238E27FC236}">
+                <a16:creationId xmlns:a16="http://schemas.microsoft.com/office/drawing/2014/main" id="{A79242B3-F8EA-94FD-D9D9-2D85B18818DC}"/>
+              </a:ext>
+            </a:extLst>
+          </p:cNvPr>
+          <p:cNvSpPr txBox="1"/>
+          <p:nvPr/>
+        </p:nvSpPr>
+        <p:spPr>
+          <a:xfrm>
+            <a:off x="11091333" y="6550222"/>
+            <a:ext cx="1100667" cy="307777"/>
+          </a:xfrm>
+          <a:prstGeom prst="rect">
+            <a:avLst/>
+          </a:prstGeom>
+          <a:noFill/>
+        </p:spPr>
+        <p:txBody>
+          <a:bodyPr wrap="square" rtlCol="0">
+            <a:spAutoFit/>
+          </a:bodyPr>
+          <a:lstStyle/>
+          <a:p>
+            <a:pPr algn="r"/>
+            <a:r>
+              <a:rPr lang="fr-FR" sz="1400" noProof="0" dirty="0">
+                <a:latin typeface="Times New Roman" panose="02020603050405020304" pitchFamily="18" charset="0"/>
+                <a:cs typeface="Times New Roman" panose="02020603050405020304" pitchFamily="18" charset="0"/>
+              </a:rPr>
+              <a:t>X/Y</a:t>
+            </a:r>
+          </a:p>
+        </p:txBody>
+      </p:sp>
+    </p:spTree>
+    <p:extLst>
+      <p:ext uri="{BB962C8B-B14F-4D97-AF65-F5344CB8AC3E}">
+        <p14:creationId xmlns:p14="http://schemas.microsoft.com/office/powerpoint/2010/main" val="1966793551"/>
+      </p:ext>
+    </p:extLst>
+  </p:cSld>
+  <p:clrMapOvr>
+    <a:masterClrMapping/>
+  </p:clrMapOvr>
+</p:sld>
+</file>
+
+<file path=ppt/slides/slide20.xml><?xml version="1.0" encoding="utf-8"?>
 <p:sld xmlns:a="http://schemas.openxmlformats.org/drawingml/2006/main" xmlns:r="http://schemas.openxmlformats.org/officeDocument/2006/relationships" xmlns:p="http://schemas.openxmlformats.org/presentationml/2006/main">
   <p:cSld>
     <p:spTree>
@@ -23471,7 +26517,7 @@
 </p:sld>
 </file>
 
-<file path=ppt/slides/slide19.xml><?xml version="1.0" encoding="utf-8"?>
+<file path=ppt/slides/slide21.xml><?xml version="1.0" encoding="utf-8"?>
 <p:sld xmlns:a="http://schemas.openxmlformats.org/drawingml/2006/main" xmlns:r="http://schemas.openxmlformats.org/officeDocument/2006/relationships" xmlns:p="http://schemas.openxmlformats.org/presentationml/2006/main">
   <p:cSld>
     <p:spTree>
@@ -24902,1315 +27948,7 @@
 </p:sld>
 </file>
 
-<file path=ppt/slides/slide2.xml><?xml version="1.0" encoding="utf-8"?>
-<p:sld xmlns:a="http://schemas.openxmlformats.org/drawingml/2006/main" xmlns:r="http://schemas.openxmlformats.org/officeDocument/2006/relationships" xmlns:p="http://schemas.openxmlformats.org/presentationml/2006/main">
-  <p:cSld>
-    <p:spTree>
-      <p:nvGrpSpPr>
-        <p:cNvPr id="1" name="">
-          <a:extLst>
-            <a:ext uri="{FF2B5EF4-FFF2-40B4-BE49-F238E27FC236}">
-              <a16:creationId xmlns:a16="http://schemas.microsoft.com/office/drawing/2014/main" id="{6FB6CDBB-D326-9C9C-945A-FF24B3B8C109}"/>
-            </a:ext>
-          </a:extLst>
-        </p:cNvPr>
-        <p:cNvGrpSpPr/>
-        <p:nvPr/>
-      </p:nvGrpSpPr>
-      <p:grpSpPr>
-        <a:xfrm>
-          <a:off x="0" y="0"/>
-          <a:ext cx="0" cy="0"/>
-          <a:chOff x="0" y="0"/>
-          <a:chExt cx="0" cy="0"/>
-        </a:xfrm>
-      </p:grpSpPr>
-      <p:sp>
-        <p:nvSpPr>
-          <p:cNvPr id="36" name="Rectangle 35">
-            <a:extLst>
-              <a:ext uri="{FF2B5EF4-FFF2-40B4-BE49-F238E27FC236}">
-                <a16:creationId xmlns:a16="http://schemas.microsoft.com/office/drawing/2014/main" id="{2C2B60A1-0B89-3546-D8C8-0D44097F35C2}"/>
-              </a:ext>
-            </a:extLst>
-          </p:cNvPr>
-          <p:cNvSpPr/>
-          <p:nvPr/>
-        </p:nvSpPr>
-        <p:spPr>
-          <a:xfrm>
-            <a:off x="1" y="-990"/>
-            <a:ext cx="6096000" cy="501017"/>
-          </a:xfrm>
-          <a:prstGeom prst="rect">
-            <a:avLst/>
-          </a:prstGeom>
-          <a:solidFill>
-            <a:srgbClr val="980000"/>
-          </a:solidFill>
-          <a:ln>
-            <a:noFill/>
-          </a:ln>
-        </p:spPr>
-        <p:style>
-          <a:lnRef idx="2">
-            <a:schemeClr val="accent1">
-              <a:shade val="15000"/>
-            </a:schemeClr>
-          </a:lnRef>
-          <a:fillRef idx="1">
-            <a:schemeClr val="accent1"/>
-          </a:fillRef>
-          <a:effectRef idx="0">
-            <a:schemeClr val="accent1"/>
-          </a:effectRef>
-          <a:fontRef idx="minor">
-            <a:schemeClr val="lt1"/>
-          </a:fontRef>
-        </p:style>
-        <p:txBody>
-          <a:bodyPr rtlCol="0" anchor="ctr"/>
-          <a:lstStyle/>
-          <a:p>
-            <a:pPr algn="ctr"/>
-            <a:endParaRPr lang="fr-FR" noProof="0" dirty="0"/>
-          </a:p>
-        </p:txBody>
-      </p:sp>
-      <p:sp>
-        <p:nvSpPr>
-          <p:cNvPr id="9" name="TextBox 8">
-            <a:extLst>
-              <a:ext uri="{FF2B5EF4-FFF2-40B4-BE49-F238E27FC236}">
-                <a16:creationId xmlns:a16="http://schemas.microsoft.com/office/drawing/2014/main" id="{6E9846D3-47A3-2AE6-6383-AB77CC5B517E}"/>
-              </a:ext>
-            </a:extLst>
-          </p:cNvPr>
-          <p:cNvSpPr txBox="1"/>
-          <p:nvPr/>
-        </p:nvSpPr>
-        <p:spPr>
-          <a:xfrm>
-            <a:off x="0" y="-990"/>
-            <a:ext cx="5568381" cy="461665"/>
-          </a:xfrm>
-          <a:prstGeom prst="rect">
-            <a:avLst/>
-          </a:prstGeom>
-          <a:noFill/>
-        </p:spPr>
-        <p:txBody>
-          <a:bodyPr wrap="square" rtlCol="0">
-            <a:spAutoFit/>
-          </a:bodyPr>
-          <a:lstStyle/>
-          <a:p>
-            <a:pPr algn="just"/>
-            <a:r>
-              <a:rPr lang="fr-FR" sz="2400" b="1" dirty="0">
-                <a:solidFill>
-                  <a:schemeClr val="bg1"/>
-                </a:solidFill>
-                <a:latin typeface="Times New Roman" panose="02020603050405020304" pitchFamily="18" charset="0"/>
-                <a:cs typeface="Times New Roman" panose="02020603050405020304" pitchFamily="18" charset="0"/>
-              </a:rPr>
-              <a:t>INTRODUCTION</a:t>
-            </a:r>
-            <a:endParaRPr lang="fr-FR" sz="2400" b="1" noProof="0" dirty="0">
-              <a:solidFill>
-                <a:schemeClr val="bg1"/>
-              </a:solidFill>
-              <a:latin typeface="Times New Roman" panose="02020603050405020304" pitchFamily="18" charset="0"/>
-              <a:cs typeface="Times New Roman" panose="02020603050405020304" pitchFamily="18" charset="0"/>
-            </a:endParaRPr>
-          </a:p>
-        </p:txBody>
-      </p:sp>
-      <p:sp>
-        <p:nvSpPr>
-          <p:cNvPr id="39" name="Rectangle 38">
-            <a:extLst>
-              <a:ext uri="{FF2B5EF4-FFF2-40B4-BE49-F238E27FC236}">
-                <a16:creationId xmlns:a16="http://schemas.microsoft.com/office/drawing/2014/main" id="{AECA565B-75E5-1F68-434E-112D93E38360}"/>
-              </a:ext>
-            </a:extLst>
-          </p:cNvPr>
-          <p:cNvSpPr/>
-          <p:nvPr/>
-        </p:nvSpPr>
-        <p:spPr>
-          <a:xfrm>
-            <a:off x="6096000" y="0"/>
-            <a:ext cx="6096000" cy="501017"/>
-          </a:xfrm>
-          <a:prstGeom prst="rect">
-            <a:avLst/>
-          </a:prstGeom>
-          <a:solidFill>
-            <a:srgbClr val="D9D9D9"/>
-          </a:solidFill>
-          <a:ln>
-            <a:noFill/>
-          </a:ln>
-        </p:spPr>
-        <p:style>
-          <a:lnRef idx="2">
-            <a:schemeClr val="accent1">
-              <a:shade val="15000"/>
-            </a:schemeClr>
-          </a:lnRef>
-          <a:fillRef idx="1">
-            <a:schemeClr val="accent1"/>
-          </a:fillRef>
-          <a:effectRef idx="0">
-            <a:schemeClr val="accent1"/>
-          </a:effectRef>
-          <a:fontRef idx="minor">
-            <a:schemeClr val="lt1"/>
-          </a:fontRef>
-        </p:style>
-        <p:txBody>
-          <a:bodyPr rtlCol="0" anchor="ctr"/>
-          <a:lstStyle/>
-          <a:p>
-            <a:pPr algn="ctr"/>
-            <a:endParaRPr lang="fr-FR" noProof="0" dirty="0"/>
-          </a:p>
-        </p:txBody>
-      </p:sp>
-      <mc:AlternateContent xmlns:mc="http://schemas.openxmlformats.org/markup-compatibility/2006" xmlns:a14="http://schemas.microsoft.com/office/drawing/2010/main">
-        <mc:Choice Requires="a14">
-          <p:sp>
-            <p:nvSpPr>
-              <p:cNvPr id="11" name="TextBox 10">
-                <a:extLst>
-                  <a:ext uri="{FF2B5EF4-FFF2-40B4-BE49-F238E27FC236}">
-                    <a16:creationId xmlns:a16="http://schemas.microsoft.com/office/drawing/2014/main" id="{072A0C86-E46F-7872-4F73-D0C64405F9A7}"/>
-                  </a:ext>
-                </a:extLst>
-              </p:cNvPr>
-              <p:cNvSpPr txBox="1"/>
-              <p:nvPr/>
-            </p:nvSpPr>
-            <p:spPr>
-              <a:xfrm>
-                <a:off x="0" y="627468"/>
-                <a:ext cx="12192000" cy="923330"/>
-              </a:xfrm>
-              <a:prstGeom prst="rect">
-                <a:avLst/>
-              </a:prstGeom>
-              <a:noFill/>
-            </p:spPr>
-            <p:txBody>
-              <a:bodyPr wrap="square" rtlCol="0">
-                <a:spAutoFit/>
-              </a:bodyPr>
-              <a:lstStyle/>
-              <a:p>
-                <a:pPr algn="just"/>
-                <a:r>
-                  <a:rPr lang="fr-FR" noProof="0" dirty="0">
-                    <a:latin typeface="Times New Roman" panose="02020603050405020304" pitchFamily="18" charset="0"/>
-                    <a:cs typeface="Times New Roman" panose="02020603050405020304" pitchFamily="18" charset="0"/>
-                  </a:rPr>
-                  <a:t>Dans le cadre d’un précédent</a:t>
-                </a:r>
-                <a:r>
-                  <a:rPr lang="fr-FR" dirty="0">
-                    <a:latin typeface="Times New Roman" panose="02020603050405020304" pitchFamily="18" charset="0"/>
-                    <a:cs typeface="Times New Roman" panose="02020603050405020304" pitchFamily="18" charset="0"/>
-                  </a:rPr>
-                  <a:t>t projet, une orthèse d’avant-bras fut étudiée dans le but de pouvoir </a:t>
-                </a:r>
-                <a:r>
-                  <a:rPr lang="fr-FR" b="1" dirty="0">
-                    <a:latin typeface="Times New Roman" panose="02020603050405020304" pitchFamily="18" charset="0"/>
-                    <a:cs typeface="Times New Roman" panose="02020603050405020304" pitchFamily="18" charset="0"/>
-                  </a:rPr>
-                  <a:t>l’optimiser topologiquement</a:t>
-                </a:r>
-                <a:r>
-                  <a:rPr lang="fr-FR" dirty="0">
-                    <a:latin typeface="Times New Roman" panose="02020603050405020304" pitchFamily="18" charset="0"/>
-                    <a:cs typeface="Times New Roman" panose="02020603050405020304" pitchFamily="18" charset="0"/>
-                  </a:rPr>
-                  <a:t>. L’optimisation topologique à pour but de retirer de la matière de manière intelligente afin de modifier le moins possible les critères imposés (ici le déplacement maximale </a:t>
-                </a:r>
-                <a14:m>
-                  <m:oMath xmlns:m="http://schemas.openxmlformats.org/officeDocument/2006/math">
-                    <m:sSub>
-                      <m:sSubPr>
-                        <m:ctrlPr>
-                          <a:rPr lang="fr-FR" b="0" i="1" smtClean="0">
-                            <a:latin typeface="Cambria Math" panose="02040503050406030204" pitchFamily="18" charset="0"/>
-                            <a:cs typeface="Times New Roman" panose="02020603050405020304" pitchFamily="18" charset="0"/>
-                          </a:rPr>
-                        </m:ctrlPr>
-                      </m:sSubPr>
-                      <m:e>
-                        <m:r>
-                          <a:rPr lang="fr-FR" b="0" i="1" smtClean="0">
-                            <a:latin typeface="Cambria Math" panose="02040503050406030204" pitchFamily="18" charset="0"/>
-                            <a:cs typeface="Times New Roman" panose="02020603050405020304" pitchFamily="18" charset="0"/>
-                          </a:rPr>
-                          <m:t>𝑢</m:t>
-                        </m:r>
-                      </m:e>
-                      <m:sub>
-                        <m:r>
-                          <a:rPr lang="fr-FR" b="0" i="1" smtClean="0">
-                            <a:latin typeface="Cambria Math" panose="02040503050406030204" pitchFamily="18" charset="0"/>
-                            <a:cs typeface="Times New Roman" panose="02020603050405020304" pitchFamily="18" charset="0"/>
-                          </a:rPr>
-                          <m:t>𝑚𝑎𝑥</m:t>
-                        </m:r>
-                      </m:sub>
-                    </m:sSub>
-                  </m:oMath>
-                </a14:m>
-                <a:r>
-                  <a:rPr lang="fr-FR" dirty="0">
-                    <a:latin typeface="Times New Roman" panose="02020603050405020304" pitchFamily="18" charset="0"/>
-                    <a:cs typeface="Times New Roman" panose="02020603050405020304" pitchFamily="18" charset="0"/>
-                  </a:rPr>
-                  <a:t>). </a:t>
-                </a:r>
-                <a:endParaRPr lang="fr-FR" noProof="0" dirty="0">
-                  <a:latin typeface="Times New Roman" panose="02020603050405020304" pitchFamily="18" charset="0"/>
-                  <a:cs typeface="Times New Roman" panose="02020603050405020304" pitchFamily="18" charset="0"/>
-                </a:endParaRPr>
-              </a:p>
-            </p:txBody>
-          </p:sp>
-        </mc:Choice>
-        <mc:Fallback xmlns="">
-          <p:sp>
-            <p:nvSpPr>
-              <p:cNvPr id="11" name="TextBox 10">
-                <a:extLst>
-                  <a:ext uri="{FF2B5EF4-FFF2-40B4-BE49-F238E27FC236}">
-                    <a16:creationId xmlns:a16="http://schemas.microsoft.com/office/drawing/2014/main" id="{072A0C86-E46F-7872-4F73-D0C64405F9A7}"/>
-                  </a:ext>
-                </a:extLst>
-              </p:cNvPr>
-              <p:cNvSpPr txBox="1">
-                <a:spLocks noRot="1" noChangeAspect="1" noMove="1" noResize="1" noEditPoints="1" noAdjustHandles="1" noChangeArrowheads="1" noChangeShapeType="1" noTextEdit="1"/>
-              </p:cNvSpPr>
-              <p:nvPr/>
-            </p:nvSpPr>
-            <p:spPr>
-              <a:xfrm>
-                <a:off x="0" y="627468"/>
-                <a:ext cx="12192000" cy="923330"/>
-              </a:xfrm>
-              <a:prstGeom prst="rect">
-                <a:avLst/>
-              </a:prstGeom>
-              <a:blipFill>
-                <a:blip r:embed="rId3"/>
-                <a:stretch>
-                  <a:fillRect l="-400" t="-3974" r="-400" b="-9934"/>
-                </a:stretch>
-              </a:blipFill>
-            </p:spPr>
-            <p:txBody>
-              <a:bodyPr/>
-              <a:lstStyle/>
-              <a:p>
-                <a:r>
-                  <a:rPr lang="en-GB">
-                    <a:noFill/>
-                  </a:rPr>
-                  <a:t> </a:t>
-                </a:r>
-              </a:p>
-            </p:txBody>
-          </p:sp>
-        </mc:Fallback>
-      </mc:AlternateContent>
-      <p:sp>
-        <p:nvSpPr>
-          <p:cNvPr id="28" name="TextBox 27">
-            <a:extLst>
-              <a:ext uri="{FF2B5EF4-FFF2-40B4-BE49-F238E27FC236}">
-                <a16:creationId xmlns:a16="http://schemas.microsoft.com/office/drawing/2014/main" id="{A3F4CAB7-21CC-3B13-8827-56C233CE43A0}"/>
-              </a:ext>
-            </a:extLst>
-          </p:cNvPr>
-          <p:cNvSpPr txBox="1"/>
-          <p:nvPr/>
-        </p:nvSpPr>
-        <p:spPr>
-          <a:xfrm>
-            <a:off x="0" y="1550798"/>
-            <a:ext cx="12192000" cy="369332"/>
-          </a:xfrm>
-          <a:prstGeom prst="rect">
-            <a:avLst/>
-          </a:prstGeom>
-          <a:noFill/>
-        </p:spPr>
-        <p:txBody>
-          <a:bodyPr wrap="square" rtlCol="0">
-            <a:spAutoFit/>
-          </a:bodyPr>
-          <a:lstStyle/>
-          <a:p>
-            <a:pPr marL="285750" indent="-285750" algn="just">
-              <a:buFont typeface="Wingdings" panose="05000000000000000000" pitchFamily="2" charset="2"/>
-              <a:buChar char="§"/>
-            </a:pPr>
-            <a:r>
-              <a:rPr lang="fr-FR" b="1" noProof="0" dirty="0">
-                <a:latin typeface="Times New Roman" panose="02020603050405020304" pitchFamily="18" charset="0"/>
-                <a:cs typeface="Times New Roman" panose="02020603050405020304" pitchFamily="18" charset="0"/>
-              </a:rPr>
-              <a:t>Critère mathématique d’optimisation </a:t>
-            </a:r>
-            <a:r>
-              <a:rPr lang="fr-FR" noProof="0" dirty="0">
-                <a:latin typeface="Times New Roman" panose="02020603050405020304" pitchFamily="18" charset="0"/>
-                <a:cs typeface="Times New Roman" panose="02020603050405020304" pitchFamily="18" charset="0"/>
-              </a:rPr>
-              <a:t>: </a:t>
-            </a:r>
-          </a:p>
-        </p:txBody>
-      </p:sp>
-      <mc:AlternateContent xmlns:mc="http://schemas.openxmlformats.org/markup-compatibility/2006" xmlns:a14="http://schemas.microsoft.com/office/drawing/2010/main">
-        <mc:Choice Requires="a14">
-          <p:sp>
-            <p:nvSpPr>
-              <p:cNvPr id="29" name="TextBox 28">
-                <a:extLst>
-                  <a:ext uri="{FF2B5EF4-FFF2-40B4-BE49-F238E27FC236}">
-                    <a16:creationId xmlns:a16="http://schemas.microsoft.com/office/drawing/2014/main" id="{16F0C38C-ADF0-05C8-AB97-6D861D171C8A}"/>
-                  </a:ext>
-                </a:extLst>
-              </p:cNvPr>
-              <p:cNvSpPr txBox="1"/>
-              <p:nvPr/>
-            </p:nvSpPr>
-            <p:spPr>
-              <a:xfrm>
-                <a:off x="340534" y="1920130"/>
-                <a:ext cx="11851465" cy="760465"/>
-              </a:xfrm>
-              <a:prstGeom prst="rect">
-                <a:avLst/>
-              </a:prstGeom>
-              <a:noFill/>
-            </p:spPr>
-            <p:txBody>
-              <a:bodyPr wrap="square" rtlCol="0">
-                <a:spAutoFit/>
-              </a:bodyPr>
-              <a:lstStyle/>
-              <a:p>
-                <a:r>
-                  <a:rPr lang="fr-FR" noProof="0" dirty="0">
-                    <a:latin typeface="Times New Roman" panose="02020603050405020304" pitchFamily="18" charset="0"/>
-                    <a:cs typeface="Times New Roman" panose="02020603050405020304" pitchFamily="18" charset="0"/>
-                  </a:rPr>
-                  <a:t>Minimiser </a:t>
-                </a:r>
-                <a14:m>
-                  <m:oMath xmlns:m="http://schemas.openxmlformats.org/officeDocument/2006/math">
-                    <m:r>
-                      <a:rPr lang="fr-FR" i="1" noProof="0" smtClean="0">
-                        <a:latin typeface="Cambria Math" panose="02040503050406030204" pitchFamily="18" charset="0"/>
-                        <a:ea typeface="Cambria Math" panose="02040503050406030204" pitchFamily="18" charset="0"/>
-                        <a:cs typeface="Times New Roman" panose="02020603050405020304" pitchFamily="18" charset="0"/>
-                      </a:rPr>
-                      <m:t>𝜌</m:t>
-                    </m:r>
-                  </m:oMath>
-                </a14:m>
-                <a:r>
-                  <a:rPr lang="fr-FR" noProof="0" dirty="0">
-                    <a:latin typeface="Times New Roman" panose="02020603050405020304" pitchFamily="18" charset="0"/>
-                    <a:cs typeface="Times New Roman" panose="02020603050405020304" pitchFamily="18" charset="0"/>
-                  </a:rPr>
-                  <a:t> (masse) et </a:t>
-                </a:r>
-                <a14:m>
-                  <m:oMath xmlns:m="http://schemas.openxmlformats.org/officeDocument/2006/math">
-                    <m:nary>
-                      <m:naryPr>
-                        <m:limLoc m:val="undOvr"/>
-                        <m:ctrlPr>
-                          <a:rPr lang="fr-FR" i="1" noProof="0" dirty="0" smtClean="0">
-                            <a:latin typeface="Cambria Math" panose="02040503050406030204" pitchFamily="18" charset="0"/>
-                            <a:cs typeface="Times New Roman" panose="02020603050405020304" pitchFamily="18" charset="0"/>
-                          </a:rPr>
-                        </m:ctrlPr>
-                      </m:naryPr>
-                      <m:sub>
-                        <m:r>
-                          <a:rPr lang="fr-FR" i="1" noProof="0" dirty="0" smtClean="0">
-                            <a:latin typeface="Cambria Math" panose="02040503050406030204" pitchFamily="18" charset="0"/>
-                          </a:rPr>
-                          <m:t>𝛺</m:t>
-                        </m:r>
-                      </m:sub>
-                      <m:sup>
-                        <m:r>
-                          <a:rPr lang="fr-FR" b="0" i="1" noProof="0" dirty="0" smtClean="0">
-                            <a:latin typeface="Cambria Math" panose="02040503050406030204" pitchFamily="18" charset="0"/>
-                            <a:cs typeface="Times New Roman" panose="02020603050405020304" pitchFamily="18" charset="0"/>
-                          </a:rPr>
-                          <m:t> </m:t>
-                        </m:r>
-                      </m:sup>
-                      <m:e>
-                        <m:f>
-                          <m:fPr>
-                            <m:ctrlPr>
-                              <a:rPr lang="fr-FR" b="0" i="1" noProof="0" dirty="0" smtClean="0">
-                                <a:latin typeface="Cambria Math" panose="02040503050406030204" pitchFamily="18" charset="0"/>
-                                <a:cs typeface="Times New Roman" panose="02020603050405020304" pitchFamily="18" charset="0"/>
-                              </a:rPr>
-                            </m:ctrlPr>
-                          </m:fPr>
-                          <m:num>
-                            <m:r>
-                              <a:rPr lang="fr-FR" b="0" i="1" noProof="0" dirty="0" smtClean="0">
-                                <a:latin typeface="Cambria Math" panose="02040503050406030204" pitchFamily="18" charset="0"/>
-                                <a:cs typeface="Times New Roman" panose="02020603050405020304" pitchFamily="18" charset="0"/>
-                              </a:rPr>
-                              <m:t>1</m:t>
-                            </m:r>
-                          </m:num>
-                          <m:den>
-                            <m:r>
-                              <a:rPr lang="fr-FR" b="0" i="1" noProof="0" dirty="0" smtClean="0">
-                                <a:latin typeface="Cambria Math" panose="02040503050406030204" pitchFamily="18" charset="0"/>
-                                <a:cs typeface="Times New Roman" panose="02020603050405020304" pitchFamily="18" charset="0"/>
-                              </a:rPr>
-                              <m:t>2</m:t>
-                            </m:r>
-                          </m:den>
-                        </m:f>
-                        <m:sSub>
-                          <m:sSubPr>
-                            <m:ctrlPr>
-                              <a:rPr lang="fr-FR" b="0" i="1" noProof="0" dirty="0" smtClean="0">
-                                <a:latin typeface="Cambria Math" panose="02040503050406030204" pitchFamily="18" charset="0"/>
-                                <a:ea typeface="Cambria Math" panose="02040503050406030204" pitchFamily="18" charset="0"/>
-                                <a:cs typeface="Times New Roman" panose="02020603050405020304" pitchFamily="18" charset="0"/>
-                              </a:rPr>
-                            </m:ctrlPr>
-                          </m:sSubPr>
-                          <m:e>
-                            <m:r>
-                              <a:rPr lang="fr-FR" b="0" i="1" noProof="0" dirty="0" smtClean="0">
-                                <a:latin typeface="Cambria Math" panose="02040503050406030204" pitchFamily="18" charset="0"/>
-                                <a:ea typeface="Cambria Math" panose="02040503050406030204" pitchFamily="18" charset="0"/>
-                                <a:cs typeface="Times New Roman" panose="02020603050405020304" pitchFamily="18" charset="0"/>
-                              </a:rPr>
-                              <m:t>𝜎</m:t>
-                            </m:r>
-                          </m:e>
-                          <m:sub>
-                            <m:r>
-                              <a:rPr lang="fr-FR" b="0" i="1" noProof="0" dirty="0" smtClean="0">
-                                <a:latin typeface="Cambria Math" panose="02040503050406030204" pitchFamily="18" charset="0"/>
-                                <a:ea typeface="Cambria Math" panose="02040503050406030204" pitchFamily="18" charset="0"/>
-                                <a:cs typeface="Times New Roman" panose="02020603050405020304" pitchFamily="18" charset="0"/>
-                              </a:rPr>
-                              <m:t>𝑖</m:t>
-                            </m:r>
-                          </m:sub>
-                        </m:sSub>
-                        <m:r>
-                          <a:rPr lang="fr-FR" b="0" i="1" noProof="0" dirty="0" smtClean="0">
-                            <a:latin typeface="Cambria Math" panose="02040503050406030204" pitchFamily="18" charset="0"/>
-                            <a:ea typeface="Cambria Math" panose="02040503050406030204" pitchFamily="18" charset="0"/>
-                            <a:cs typeface="Times New Roman" panose="02020603050405020304" pitchFamily="18" charset="0"/>
-                          </a:rPr>
-                          <m:t>:</m:t>
-                        </m:r>
-                        <m:sSub>
-                          <m:sSubPr>
-                            <m:ctrlPr>
-                              <a:rPr lang="fr-FR" b="0" i="1" noProof="0" dirty="0" smtClean="0">
-                                <a:latin typeface="Cambria Math" panose="02040503050406030204" pitchFamily="18" charset="0"/>
-                                <a:ea typeface="Cambria Math" panose="02040503050406030204" pitchFamily="18" charset="0"/>
-                                <a:cs typeface="Times New Roman" panose="02020603050405020304" pitchFamily="18" charset="0"/>
-                              </a:rPr>
-                            </m:ctrlPr>
-                          </m:sSubPr>
-                          <m:e>
-                            <m:r>
-                              <a:rPr lang="fr-FR" b="0" i="1" noProof="0" dirty="0" smtClean="0">
-                                <a:latin typeface="Cambria Math" panose="02040503050406030204" pitchFamily="18" charset="0"/>
-                                <a:ea typeface="Cambria Math" panose="02040503050406030204" pitchFamily="18" charset="0"/>
-                                <a:cs typeface="Times New Roman" panose="02020603050405020304" pitchFamily="18" charset="0"/>
-                              </a:rPr>
-                              <m:t>𝜀</m:t>
-                            </m:r>
-                          </m:e>
-                          <m:sub>
-                            <m:r>
-                              <a:rPr lang="fr-FR" b="0" i="1" noProof="0" dirty="0" smtClean="0">
-                                <a:latin typeface="Cambria Math" panose="02040503050406030204" pitchFamily="18" charset="0"/>
-                                <a:ea typeface="Cambria Math" panose="02040503050406030204" pitchFamily="18" charset="0"/>
-                                <a:cs typeface="Times New Roman" panose="02020603050405020304" pitchFamily="18" charset="0"/>
-                              </a:rPr>
-                              <m:t>𝑖</m:t>
-                            </m:r>
-                          </m:sub>
-                        </m:sSub>
-                        <m:r>
-                          <a:rPr lang="fr-FR" b="0" i="1" noProof="0" dirty="0" smtClean="0">
-                            <a:latin typeface="Cambria Math" panose="02040503050406030204" pitchFamily="18" charset="0"/>
-                            <a:ea typeface="Cambria Math" panose="02040503050406030204" pitchFamily="18" charset="0"/>
-                            <a:cs typeface="Times New Roman" panose="02020603050405020304" pitchFamily="18" charset="0"/>
-                          </a:rPr>
-                          <m:t> </m:t>
-                        </m:r>
-                        <m:r>
-                          <a:rPr lang="fr-FR" b="0" i="1" noProof="0" dirty="0" smtClean="0">
-                            <a:latin typeface="Cambria Math" panose="02040503050406030204" pitchFamily="18" charset="0"/>
-                            <a:ea typeface="Cambria Math" panose="02040503050406030204" pitchFamily="18" charset="0"/>
-                            <a:cs typeface="Times New Roman" panose="02020603050405020304" pitchFamily="18" charset="0"/>
-                          </a:rPr>
-                          <m:t>𝑑</m:t>
-                        </m:r>
-                        <m:r>
-                          <a:rPr lang="fr-FR" i="1" noProof="0" dirty="0" smtClean="0">
-                            <a:latin typeface="Cambria Math" panose="02040503050406030204" pitchFamily="18" charset="0"/>
-                          </a:rPr>
-                          <m:t>𝛺</m:t>
-                        </m:r>
-                      </m:e>
-                    </m:nary>
-                  </m:oMath>
-                </a14:m>
-                <a:r>
-                  <a:rPr lang="fr-FR" noProof="0" dirty="0">
-                    <a:latin typeface="Times New Roman" panose="02020603050405020304" pitchFamily="18" charset="0"/>
-                    <a:cs typeface="Times New Roman" panose="02020603050405020304" pitchFamily="18" charset="0"/>
-                  </a:rPr>
-                  <a:t> (contraintes) [</a:t>
-                </a:r>
-                <a:r>
-                  <a:rPr lang="fr-FR" i="1" noProof="0" dirty="0">
-                    <a:latin typeface="Times New Roman" panose="02020603050405020304" pitchFamily="18" charset="0"/>
-                    <a:cs typeface="Times New Roman" panose="02020603050405020304" pitchFamily="18" charset="0"/>
-                  </a:rPr>
-                  <a:t>meilleur compromis</a:t>
-                </a:r>
-                <a:r>
-                  <a:rPr lang="fr-FR" noProof="0" dirty="0">
-                    <a:latin typeface="Times New Roman" panose="02020603050405020304" pitchFamily="18" charset="0"/>
-                    <a:cs typeface="Times New Roman" panose="02020603050405020304" pitchFamily="18" charset="0"/>
-                  </a:rPr>
-                  <a:t>] pour </a:t>
-                </a:r>
-                <a14:m>
-                  <m:oMath xmlns:m="http://schemas.openxmlformats.org/officeDocument/2006/math">
-                    <m:r>
-                      <a:rPr lang="fr-FR" b="0" i="1" noProof="0" smtClean="0">
-                        <a:latin typeface="Cambria Math" panose="02040503050406030204" pitchFamily="18" charset="0"/>
-                        <a:cs typeface="Times New Roman" panose="02020603050405020304" pitchFamily="18" charset="0"/>
-                      </a:rPr>
-                      <m:t>𝑖</m:t>
-                    </m:r>
-                    <m:r>
-                      <a:rPr lang="fr-FR" b="0" i="1" noProof="0" smtClean="0">
-                        <a:latin typeface="Cambria Math" panose="02040503050406030204" pitchFamily="18" charset="0"/>
-                        <a:ea typeface="Cambria Math" panose="02040503050406030204" pitchFamily="18" charset="0"/>
-                        <a:cs typeface="Times New Roman" panose="02020603050405020304" pitchFamily="18" charset="0"/>
-                      </a:rPr>
-                      <m:t>∈[</m:t>
-                    </m:r>
-                    <m:r>
-                      <a:rPr lang="fr-FR" b="0" i="1" noProof="0" smtClean="0">
-                        <a:latin typeface="Cambria Math" panose="02040503050406030204" pitchFamily="18" charset="0"/>
-                        <a:ea typeface="Cambria Math" panose="02040503050406030204" pitchFamily="18" charset="0"/>
-                        <a:cs typeface="Times New Roman" panose="02020603050405020304" pitchFamily="18" charset="0"/>
-                      </a:rPr>
-                      <m:t>𝐹</m:t>
-                    </m:r>
-                    <m:r>
-                      <a:rPr lang="fr-FR" b="0" i="1" noProof="0" smtClean="0">
-                        <a:latin typeface="Cambria Math" panose="02040503050406030204" pitchFamily="18" charset="0"/>
-                        <a:ea typeface="Cambria Math" panose="02040503050406030204" pitchFamily="18" charset="0"/>
-                        <a:cs typeface="Times New Roman" panose="02020603050405020304" pitchFamily="18" charset="0"/>
-                      </a:rPr>
-                      <m:t>,</m:t>
-                    </m:r>
-                    <m:r>
-                      <a:rPr lang="fr-FR" b="0" i="1" noProof="0" smtClean="0">
-                        <a:latin typeface="Cambria Math" panose="02040503050406030204" pitchFamily="18" charset="0"/>
-                        <a:ea typeface="Cambria Math" panose="02040503050406030204" pitchFamily="18" charset="0"/>
-                        <a:cs typeface="Times New Roman" panose="02020603050405020304" pitchFamily="18" charset="0"/>
-                      </a:rPr>
-                      <m:t>𝐸</m:t>
-                    </m:r>
-                    <m:r>
-                      <a:rPr lang="fr-FR" b="0" i="1" noProof="0" smtClean="0">
-                        <a:latin typeface="Cambria Math" panose="02040503050406030204" pitchFamily="18" charset="0"/>
-                        <a:ea typeface="Cambria Math" panose="02040503050406030204" pitchFamily="18" charset="0"/>
-                        <a:cs typeface="Times New Roman" panose="02020603050405020304" pitchFamily="18" charset="0"/>
-                      </a:rPr>
-                      <m:t>,</m:t>
-                    </m:r>
-                    <m:r>
-                      <a:rPr lang="fr-FR" b="0" i="1" noProof="0" smtClean="0">
-                        <a:latin typeface="Cambria Math" panose="02040503050406030204" pitchFamily="18" charset="0"/>
-                        <a:ea typeface="Cambria Math" panose="02040503050406030204" pitchFamily="18" charset="0"/>
-                        <a:cs typeface="Times New Roman" panose="02020603050405020304" pitchFamily="18" charset="0"/>
-                      </a:rPr>
-                      <m:t>𝑅</m:t>
-                    </m:r>
-                    <m:r>
-                      <a:rPr lang="fr-FR" b="0" i="1" noProof="0" smtClean="0">
-                        <a:latin typeface="Cambria Math" panose="02040503050406030204" pitchFamily="18" charset="0"/>
-                        <a:ea typeface="Cambria Math" panose="02040503050406030204" pitchFamily="18" charset="0"/>
-                        <a:cs typeface="Times New Roman" panose="02020603050405020304" pitchFamily="18" charset="0"/>
-                      </a:rPr>
-                      <m:t>,</m:t>
-                    </m:r>
-                    <m:r>
-                      <a:rPr lang="fr-FR" b="0" i="1" noProof="0" smtClean="0">
-                        <a:latin typeface="Cambria Math" panose="02040503050406030204" pitchFamily="18" charset="0"/>
-                        <a:ea typeface="Cambria Math" panose="02040503050406030204" pitchFamily="18" charset="0"/>
-                        <a:cs typeface="Times New Roman" panose="02020603050405020304" pitchFamily="18" charset="0"/>
-                      </a:rPr>
-                      <m:t>𝑈</m:t>
-                    </m:r>
-                    <m:r>
-                      <a:rPr lang="fr-FR" b="0" i="1" noProof="0" smtClean="0">
-                        <a:latin typeface="Cambria Math" panose="02040503050406030204" pitchFamily="18" charset="0"/>
-                        <a:ea typeface="Cambria Math" panose="02040503050406030204" pitchFamily="18" charset="0"/>
-                        <a:cs typeface="Times New Roman" panose="02020603050405020304" pitchFamily="18" charset="0"/>
-                      </a:rPr>
-                      <m:t>]</m:t>
-                    </m:r>
-                  </m:oMath>
-                </a14:m>
-                <a:r>
-                  <a:rPr lang="fr-FR" noProof="0" dirty="0">
-                    <a:latin typeface="Times New Roman" panose="02020603050405020304" pitchFamily="18" charset="0"/>
-                    <a:cs typeface="Times New Roman" panose="02020603050405020304" pitchFamily="18" charset="0"/>
-                  </a:rPr>
-                  <a:t> [</a:t>
-                </a:r>
-                <a:r>
-                  <a:rPr lang="fr-FR" i="1" noProof="0" dirty="0">
-                    <a:latin typeface="Times New Roman" panose="02020603050405020304" pitchFamily="18" charset="0"/>
-                    <a:cs typeface="Times New Roman" panose="02020603050405020304" pitchFamily="18" charset="0"/>
-                  </a:rPr>
-                  <a:t>poids égale</a:t>
-                </a:r>
-                <a:r>
-                  <a:rPr lang="fr-FR" noProof="0" dirty="0">
-                    <a:latin typeface="Times New Roman" panose="02020603050405020304" pitchFamily="18" charset="0"/>
-                    <a:cs typeface="Times New Roman" panose="02020603050405020304" pitchFamily="18" charset="0"/>
-                  </a:rPr>
-                  <a:t>]</a:t>
-                </a:r>
-              </a:p>
-              <a:p>
-                <a:r>
-                  <a:rPr lang="fr-FR" dirty="0">
-                    <a:latin typeface="Times New Roman" panose="02020603050405020304" pitchFamily="18" charset="0"/>
-                    <a:cs typeface="Times New Roman" panose="02020603050405020304" pitchFamily="18" charset="0"/>
-                  </a:rPr>
-                  <a:t>Sous la contrainte de poids minimal </a:t>
-                </a:r>
-                <a14:m>
-                  <m:oMath xmlns:m="http://schemas.openxmlformats.org/officeDocument/2006/math">
-                    <m:r>
-                      <a:rPr lang="fr-FR" i="1" smtClean="0">
-                        <a:latin typeface="Cambria Math" panose="02040503050406030204" pitchFamily="18" charset="0"/>
-                        <a:ea typeface="Cambria Math" panose="02040503050406030204" pitchFamily="18" charset="0"/>
-                        <a:cs typeface="Times New Roman" panose="02020603050405020304" pitchFamily="18" charset="0"/>
-                      </a:rPr>
-                      <m:t>→</m:t>
-                    </m:r>
-                    <m:r>
-                      <a:rPr lang="fr-FR" b="0" i="1" smtClean="0">
-                        <a:latin typeface="Cambria Math" panose="02040503050406030204" pitchFamily="18" charset="0"/>
-                        <a:ea typeface="Cambria Math" panose="02040503050406030204" pitchFamily="18" charset="0"/>
-                        <a:cs typeface="Times New Roman" panose="02020603050405020304" pitchFamily="18" charset="0"/>
-                      </a:rPr>
-                      <m:t> </m:t>
-                    </m:r>
-                    <m:r>
-                      <a:rPr lang="fr-FR" b="0" i="1" smtClean="0">
-                        <a:latin typeface="Cambria Math" panose="02040503050406030204" pitchFamily="18" charset="0"/>
-                        <a:ea typeface="Cambria Math" panose="02040503050406030204" pitchFamily="18" charset="0"/>
-                        <a:cs typeface="Times New Roman" panose="02020603050405020304" pitchFamily="18" charset="0"/>
-                      </a:rPr>
-                      <m:t>𝛼</m:t>
-                    </m:r>
-                    <m:r>
-                      <a:rPr lang="fr-FR" b="0" i="1" smtClean="0">
-                        <a:latin typeface="Cambria Math" panose="02040503050406030204" pitchFamily="18" charset="0"/>
-                        <a:ea typeface="Cambria Math" panose="02040503050406030204" pitchFamily="18" charset="0"/>
-                        <a:cs typeface="Times New Roman" panose="02020603050405020304" pitchFamily="18" charset="0"/>
-                      </a:rPr>
-                      <m:t> %</m:t>
-                    </m:r>
-                  </m:oMath>
-                </a14:m>
-                <a:r>
-                  <a:rPr lang="fr-FR" noProof="0" dirty="0">
-                    <a:latin typeface="Times New Roman" panose="02020603050405020304" pitchFamily="18" charset="0"/>
-                    <a:cs typeface="Times New Roman" panose="02020603050405020304" pitchFamily="18" charset="0"/>
-                  </a:rPr>
-                  <a:t> </a:t>
-                </a:r>
-              </a:p>
-            </p:txBody>
-          </p:sp>
-        </mc:Choice>
-        <mc:Fallback xmlns="">
-          <p:sp>
-            <p:nvSpPr>
-              <p:cNvPr id="29" name="TextBox 28">
-                <a:extLst>
-                  <a:ext uri="{FF2B5EF4-FFF2-40B4-BE49-F238E27FC236}">
-                    <a16:creationId xmlns:a16="http://schemas.microsoft.com/office/drawing/2014/main" id="{16F0C38C-ADF0-05C8-AB97-6D861D171C8A}"/>
-                  </a:ext>
-                </a:extLst>
-              </p:cNvPr>
-              <p:cNvSpPr txBox="1">
-                <a:spLocks noRot="1" noChangeAspect="1" noMove="1" noResize="1" noEditPoints="1" noAdjustHandles="1" noChangeArrowheads="1" noChangeShapeType="1" noTextEdit="1"/>
-              </p:cNvSpPr>
-              <p:nvPr/>
-            </p:nvSpPr>
-            <p:spPr>
-              <a:xfrm>
-                <a:off x="340534" y="1920130"/>
-                <a:ext cx="11851465" cy="760465"/>
-              </a:xfrm>
-              <a:prstGeom prst="rect">
-                <a:avLst/>
-              </a:prstGeom>
-              <a:blipFill>
-                <a:blip r:embed="rId4"/>
-                <a:stretch>
-                  <a:fillRect l="-463" t="-64800" b="-65600"/>
-                </a:stretch>
-              </a:blipFill>
-            </p:spPr>
-            <p:txBody>
-              <a:bodyPr/>
-              <a:lstStyle/>
-              <a:p>
-                <a:r>
-                  <a:rPr lang="en-GB">
-                    <a:noFill/>
-                  </a:rPr>
-                  <a:t> </a:t>
-                </a:r>
-              </a:p>
-            </p:txBody>
-          </p:sp>
-        </mc:Fallback>
-      </mc:AlternateContent>
-      <p:grpSp>
-        <p:nvGrpSpPr>
-          <p:cNvPr id="50" name="Group 49">
-            <a:extLst>
-              <a:ext uri="{FF2B5EF4-FFF2-40B4-BE49-F238E27FC236}">
-                <a16:creationId xmlns:a16="http://schemas.microsoft.com/office/drawing/2014/main" id="{6D300C5F-060B-A29B-5E63-8AB2F8289D3E}"/>
-              </a:ext>
-            </a:extLst>
-          </p:cNvPr>
-          <p:cNvGrpSpPr/>
-          <p:nvPr/>
-        </p:nvGrpSpPr>
-        <p:grpSpPr>
-          <a:xfrm>
-            <a:off x="510800" y="2794105"/>
-            <a:ext cx="11147231" cy="2621053"/>
-            <a:chOff x="138736" y="2794105"/>
-            <a:chExt cx="11147231" cy="2621053"/>
-          </a:xfrm>
-        </p:grpSpPr>
-        <p:pic>
-          <p:nvPicPr>
-            <p:cNvPr id="16" name="Picture 15">
-              <a:extLst>
-                <a:ext uri="{FF2B5EF4-FFF2-40B4-BE49-F238E27FC236}">
-                  <a16:creationId xmlns:a16="http://schemas.microsoft.com/office/drawing/2014/main" id="{C8511678-E88F-7D51-904A-00D5D2E20854}"/>
-                </a:ext>
-              </a:extLst>
-            </p:cNvPr>
-            <p:cNvPicPr>
-              <a:picLocks noChangeAspect="1"/>
-            </p:cNvPicPr>
-            <p:nvPr/>
-          </p:nvPicPr>
-          <p:blipFill>
-            <a:blip r:embed="rId5"/>
-            <a:stretch>
-              <a:fillRect/>
-            </a:stretch>
-          </p:blipFill>
-          <p:spPr>
-            <a:xfrm>
-              <a:off x="138736" y="2794105"/>
-              <a:ext cx="5957264" cy="2313276"/>
-            </a:xfrm>
-            <a:prstGeom prst="rect">
-              <a:avLst/>
-            </a:prstGeom>
-            <a:ln>
-              <a:solidFill>
-                <a:schemeClr val="tx1"/>
-              </a:solidFill>
-            </a:ln>
-          </p:spPr>
-        </p:pic>
-        <p:pic>
-          <p:nvPicPr>
-            <p:cNvPr id="22" name="Picture 21">
-              <a:extLst>
-                <a:ext uri="{FF2B5EF4-FFF2-40B4-BE49-F238E27FC236}">
-                  <a16:creationId xmlns:a16="http://schemas.microsoft.com/office/drawing/2014/main" id="{E271FBCE-EB1D-54CC-CAFB-7E1DFF99CA2E}"/>
-                </a:ext>
-              </a:extLst>
-            </p:cNvPr>
-            <p:cNvPicPr>
-              <a:picLocks noChangeAspect="1"/>
-            </p:cNvPicPr>
-            <p:nvPr/>
-          </p:nvPicPr>
-          <p:blipFill>
-            <a:blip r:embed="rId6"/>
-            <a:stretch>
-              <a:fillRect/>
-            </a:stretch>
-          </p:blipFill>
-          <p:spPr>
-            <a:xfrm>
-              <a:off x="7525042" y="2794105"/>
-              <a:ext cx="3237914" cy="2313276"/>
-            </a:xfrm>
-            <a:prstGeom prst="rect">
-              <a:avLst/>
-            </a:prstGeom>
-            <a:ln>
-              <a:solidFill>
-                <a:schemeClr val="tx1"/>
-              </a:solidFill>
-            </a:ln>
-          </p:spPr>
-        </p:pic>
-        <p:sp>
-          <p:nvSpPr>
-            <p:cNvPr id="30" name="TextBox 29">
-              <a:extLst>
-                <a:ext uri="{FF2B5EF4-FFF2-40B4-BE49-F238E27FC236}">
-                  <a16:creationId xmlns:a16="http://schemas.microsoft.com/office/drawing/2014/main" id="{F9012EBE-327E-81BA-D0CC-DFFC3A81D06E}"/>
-                </a:ext>
-              </a:extLst>
-            </p:cNvPr>
-            <p:cNvSpPr txBox="1"/>
-            <p:nvPr/>
-          </p:nvSpPr>
-          <p:spPr>
-            <a:xfrm>
-              <a:off x="340534" y="5107381"/>
-              <a:ext cx="5755465" cy="307777"/>
-            </a:xfrm>
-            <a:prstGeom prst="rect">
-              <a:avLst/>
-            </a:prstGeom>
-            <a:noFill/>
-          </p:spPr>
-          <p:txBody>
-            <a:bodyPr wrap="square" rtlCol="0">
-              <a:spAutoFit/>
-            </a:bodyPr>
-            <a:lstStyle/>
-            <a:p>
-              <a:r>
-                <a:rPr lang="fr-FR" sz="1400" b="1" noProof="0" dirty="0">
-                  <a:latin typeface="Times New Roman" panose="02020603050405020304" pitchFamily="18" charset="0"/>
-                  <a:cs typeface="Times New Roman" panose="02020603050405020304" pitchFamily="18" charset="0"/>
-                </a:rPr>
-                <a:t>Figure [] </a:t>
-              </a:r>
-              <a:r>
-                <a:rPr lang="fr-FR" sz="1400" noProof="0" dirty="0">
-                  <a:latin typeface="Times New Roman" panose="02020603050405020304" pitchFamily="18" charset="0"/>
-                  <a:cs typeface="Times New Roman" panose="02020603050405020304" pitchFamily="18" charset="0"/>
-                </a:rPr>
-                <a:t>: </a:t>
-              </a:r>
-            </a:p>
-          </p:txBody>
-        </p:sp>
-        <mc:AlternateContent xmlns:mc="http://schemas.openxmlformats.org/markup-compatibility/2006" xmlns:a14="http://schemas.microsoft.com/office/drawing/2010/main">
-          <mc:Choice Requires="a14">
-            <p:sp>
-              <p:nvSpPr>
-                <p:cNvPr id="31" name="TextBox 30">
-                  <a:extLst>
-                    <a:ext uri="{FF2B5EF4-FFF2-40B4-BE49-F238E27FC236}">
-                      <a16:creationId xmlns:a16="http://schemas.microsoft.com/office/drawing/2014/main" id="{E096CA17-3B37-1EC9-086C-6073F9F0E327}"/>
-                    </a:ext>
-                  </a:extLst>
-                </p:cNvPr>
-                <p:cNvSpPr txBox="1"/>
-                <p:nvPr/>
-              </p:nvSpPr>
-              <p:spPr>
-                <a:xfrm>
-                  <a:off x="7525042" y="5107381"/>
-                  <a:ext cx="3760925" cy="307777"/>
-                </a:xfrm>
-                <a:prstGeom prst="rect">
-                  <a:avLst/>
-                </a:prstGeom>
-                <a:noFill/>
-              </p:spPr>
-              <p:txBody>
-                <a:bodyPr wrap="square" rtlCol="0">
-                  <a:spAutoFit/>
-                </a:bodyPr>
-                <a:lstStyle/>
-                <a:p>
-                  <a:r>
-                    <a:rPr lang="fr-FR" sz="1400" b="1" noProof="0" dirty="0">
-                      <a:latin typeface="Times New Roman" panose="02020603050405020304" pitchFamily="18" charset="0"/>
-                      <a:cs typeface="Times New Roman" panose="02020603050405020304" pitchFamily="18" charset="0"/>
-                    </a:rPr>
-                    <a:t>Figure [] </a:t>
-                  </a:r>
-                  <a:r>
-                    <a:rPr lang="fr-FR" sz="1400" noProof="0" dirty="0">
-                      <a:latin typeface="Times New Roman" panose="02020603050405020304" pitchFamily="18" charset="0"/>
-                      <a:cs typeface="Times New Roman" panose="02020603050405020304" pitchFamily="18" charset="0"/>
-                    </a:rPr>
-                    <a:t>: Résultat d’optimisation </a:t>
-                  </a:r>
-                  <a14:m>
-                    <m:oMath xmlns:m="http://schemas.openxmlformats.org/officeDocument/2006/math">
-                      <m:r>
-                        <a:rPr lang="fr-FR" sz="1400" b="0" i="1" smtClean="0">
-                          <a:latin typeface="Cambria Math" panose="02040503050406030204" pitchFamily="18" charset="0"/>
-                          <a:ea typeface="Cambria Math" panose="02040503050406030204" pitchFamily="18" charset="0"/>
-                          <a:cs typeface="Times New Roman" panose="02020603050405020304" pitchFamily="18" charset="0"/>
-                        </a:rPr>
-                        <m:t>𝛼</m:t>
-                      </m:r>
-                      <m:r>
-                        <a:rPr lang="fr-FR" sz="1400" b="0" i="1" smtClean="0">
-                          <a:latin typeface="Cambria Math" panose="02040503050406030204" pitchFamily="18" charset="0"/>
-                          <a:ea typeface="Cambria Math" panose="02040503050406030204" pitchFamily="18" charset="0"/>
-                          <a:cs typeface="Times New Roman" panose="02020603050405020304" pitchFamily="18" charset="0"/>
-                        </a:rPr>
-                        <m:t>=40%</m:t>
-                      </m:r>
-                    </m:oMath>
-                  </a14:m>
-                  <a:r>
-                    <a:rPr lang="fr-FR" sz="1400" noProof="0" dirty="0">
-                      <a:latin typeface="Times New Roman" panose="02020603050405020304" pitchFamily="18" charset="0"/>
-                      <a:cs typeface="Times New Roman" panose="02020603050405020304" pitchFamily="18" charset="0"/>
-                    </a:rPr>
-                    <a:t>  </a:t>
-                  </a:r>
-                </a:p>
-              </p:txBody>
-            </p:sp>
-          </mc:Choice>
-          <mc:Fallback xmlns="">
-            <p:sp>
-              <p:nvSpPr>
-                <p:cNvPr id="31" name="TextBox 30">
-                  <a:extLst>
-                    <a:ext uri="{FF2B5EF4-FFF2-40B4-BE49-F238E27FC236}">
-                      <a16:creationId xmlns:a16="http://schemas.microsoft.com/office/drawing/2014/main" id="{E096CA17-3B37-1EC9-086C-6073F9F0E327}"/>
-                    </a:ext>
-                  </a:extLst>
-                </p:cNvPr>
-                <p:cNvSpPr txBox="1">
-                  <a:spLocks noRot="1" noChangeAspect="1" noMove="1" noResize="1" noEditPoints="1" noAdjustHandles="1" noChangeArrowheads="1" noChangeShapeType="1" noTextEdit="1"/>
-                </p:cNvSpPr>
-                <p:nvPr/>
-              </p:nvSpPr>
-              <p:spPr>
-                <a:xfrm>
-                  <a:off x="7525042" y="5107381"/>
-                  <a:ext cx="3760925" cy="307777"/>
-                </a:xfrm>
-                <a:prstGeom prst="rect">
-                  <a:avLst/>
-                </a:prstGeom>
-                <a:blipFill>
-                  <a:blip r:embed="rId7"/>
-                  <a:stretch>
-                    <a:fillRect l="-486" t="-4000" b="-20000"/>
-                  </a:stretch>
-                </a:blipFill>
-              </p:spPr>
-              <p:txBody>
-                <a:bodyPr/>
-                <a:lstStyle/>
-                <a:p>
-                  <a:r>
-                    <a:rPr lang="en-GB">
-                      <a:noFill/>
-                    </a:rPr>
-                    <a:t> </a:t>
-                  </a:r>
-                </a:p>
-              </p:txBody>
-            </p:sp>
-          </mc:Fallback>
-        </mc:AlternateContent>
-      </p:grpSp>
-      <mc:AlternateContent xmlns:mc="http://schemas.openxmlformats.org/markup-compatibility/2006" xmlns:a14="http://schemas.microsoft.com/office/drawing/2010/main">
-        <mc:Choice Requires="a14">
-          <p:sp>
-            <p:nvSpPr>
-              <p:cNvPr id="48" name="TextBox 47">
-                <a:extLst>
-                  <a:ext uri="{FF2B5EF4-FFF2-40B4-BE49-F238E27FC236}">
-                    <a16:creationId xmlns:a16="http://schemas.microsoft.com/office/drawing/2014/main" id="{4BF5205A-C21B-DC10-00D1-30EE1B56E60B}"/>
-                  </a:ext>
-                </a:extLst>
-              </p:cNvPr>
-              <p:cNvSpPr txBox="1"/>
-              <p:nvPr/>
-            </p:nvSpPr>
-            <p:spPr>
-              <a:xfrm>
-                <a:off x="0" y="5585198"/>
-                <a:ext cx="12192000" cy="646331"/>
-              </a:xfrm>
-              <a:prstGeom prst="rect">
-                <a:avLst/>
-              </a:prstGeom>
-              <a:noFill/>
-            </p:spPr>
-            <p:txBody>
-              <a:bodyPr wrap="square" rtlCol="0">
-                <a:spAutoFit/>
-              </a:bodyPr>
-              <a:lstStyle/>
-              <a:p>
-                <a:pPr algn="just"/>
-                <a:r>
-                  <a:rPr lang="fr-FR" noProof="0" dirty="0">
-                    <a:latin typeface="Times New Roman" panose="02020603050405020304" pitchFamily="18" charset="0"/>
-                    <a:cs typeface="Times New Roman" panose="02020603050405020304" pitchFamily="18" charset="0"/>
-                  </a:rPr>
-                  <a:t>Les résultats de simulations avaient permis d’évaluer l’évolution de </a:t>
-                </a:r>
-                <a14:m>
-                  <m:oMath xmlns:m="http://schemas.openxmlformats.org/officeDocument/2006/math">
-                    <m:sSub>
-                      <m:sSubPr>
-                        <m:ctrlPr>
-                          <a:rPr lang="fr-FR" b="0" i="1" smtClean="0">
-                            <a:latin typeface="Cambria Math" panose="02040503050406030204" pitchFamily="18" charset="0"/>
-                            <a:cs typeface="Times New Roman" panose="02020603050405020304" pitchFamily="18" charset="0"/>
-                          </a:rPr>
-                        </m:ctrlPr>
-                      </m:sSubPr>
-                      <m:e>
-                        <m:r>
-                          <a:rPr lang="fr-FR" b="0" i="1" smtClean="0">
-                            <a:latin typeface="Cambria Math" panose="02040503050406030204" pitchFamily="18" charset="0"/>
-                            <a:cs typeface="Times New Roman" panose="02020603050405020304" pitchFamily="18" charset="0"/>
-                          </a:rPr>
-                          <m:t>𝑢</m:t>
-                        </m:r>
-                      </m:e>
-                      <m:sub>
-                        <m:r>
-                          <a:rPr lang="fr-FR" b="0" i="1" smtClean="0">
-                            <a:latin typeface="Cambria Math" panose="02040503050406030204" pitchFamily="18" charset="0"/>
-                            <a:cs typeface="Times New Roman" panose="02020603050405020304" pitchFamily="18" charset="0"/>
-                          </a:rPr>
-                          <m:t>𝑚𝑎𝑥</m:t>
-                        </m:r>
-                      </m:sub>
-                    </m:sSub>
-                  </m:oMath>
-                </a14:m>
-                <a:r>
-                  <a:rPr lang="fr-FR" noProof="0" dirty="0">
-                    <a:latin typeface="Times New Roman" panose="02020603050405020304" pitchFamily="18" charset="0"/>
-                    <a:cs typeface="Times New Roman" panose="02020603050405020304" pitchFamily="18" charset="0"/>
-                  </a:rPr>
-                  <a:t> en fonction des géométries </a:t>
-                </a:r>
-                <a14:m>
-                  <m:oMath xmlns:m="http://schemas.openxmlformats.org/officeDocument/2006/math">
-                    <m:r>
-                      <a:rPr lang="fr-FR" i="1">
-                        <a:latin typeface="Cambria Math" panose="02040503050406030204" pitchFamily="18" charset="0"/>
-                        <a:ea typeface="Cambria Math" panose="02040503050406030204" pitchFamily="18" charset="0"/>
-                        <a:cs typeface="Times New Roman" panose="02020603050405020304" pitchFamily="18" charset="0"/>
-                      </a:rPr>
-                      <m:t>𝛼</m:t>
-                    </m:r>
-                    <m:r>
-                      <a:rPr lang="fr-FR" i="1">
-                        <a:latin typeface="Cambria Math" panose="02040503050406030204" pitchFamily="18" charset="0"/>
-                        <a:ea typeface="Cambria Math" panose="02040503050406030204" pitchFamily="18" charset="0"/>
-                        <a:cs typeface="Times New Roman" panose="02020603050405020304" pitchFamily="18" charset="0"/>
-                      </a:rPr>
-                      <m:t> %</m:t>
-                    </m:r>
-                  </m:oMath>
-                </a14:m>
-                <a:r>
-                  <a:rPr lang="fr-FR" noProof="0" dirty="0">
-                    <a:latin typeface="Times New Roman" panose="02020603050405020304" pitchFamily="18" charset="0"/>
-                    <a:cs typeface="Times New Roman" panose="02020603050405020304" pitchFamily="18" charset="0"/>
-                  </a:rPr>
-                  <a:t>. Un compromis entre réduction de masse et performance en déformation avait été trouvé pour la géométrie </a:t>
-                </a:r>
-                <a14:m>
-                  <m:oMath xmlns:m="http://schemas.openxmlformats.org/officeDocument/2006/math">
-                    <m:r>
-                      <a:rPr lang="fr-FR" i="1">
-                        <a:latin typeface="Cambria Math" panose="02040503050406030204" pitchFamily="18" charset="0"/>
-                        <a:ea typeface="Cambria Math" panose="02040503050406030204" pitchFamily="18" charset="0"/>
-                        <a:cs typeface="Times New Roman" panose="02020603050405020304" pitchFamily="18" charset="0"/>
-                      </a:rPr>
-                      <m:t>𝛼</m:t>
-                    </m:r>
-                    <m:r>
-                      <a:rPr lang="fr-FR" b="0" i="1" smtClean="0">
-                        <a:latin typeface="Cambria Math" panose="02040503050406030204" pitchFamily="18" charset="0"/>
-                        <a:ea typeface="Cambria Math" panose="02040503050406030204" pitchFamily="18" charset="0"/>
-                        <a:cs typeface="Times New Roman" panose="02020603050405020304" pitchFamily="18" charset="0"/>
-                      </a:rPr>
-                      <m:t>=40</m:t>
-                    </m:r>
-                    <m:r>
-                      <a:rPr lang="fr-FR" i="1">
-                        <a:latin typeface="Cambria Math" panose="02040503050406030204" pitchFamily="18" charset="0"/>
-                        <a:ea typeface="Cambria Math" panose="02040503050406030204" pitchFamily="18" charset="0"/>
-                        <a:cs typeface="Times New Roman" panose="02020603050405020304" pitchFamily="18" charset="0"/>
-                      </a:rPr>
-                      <m:t>%</m:t>
-                    </m:r>
-                  </m:oMath>
-                </a14:m>
-                <a:r>
-                  <a:rPr lang="fr-FR" noProof="0" dirty="0">
-                    <a:latin typeface="Times New Roman" panose="02020603050405020304" pitchFamily="18" charset="0"/>
-                    <a:cs typeface="Times New Roman" panose="02020603050405020304" pitchFamily="18" charset="0"/>
-                  </a:rPr>
-                  <a:t>.   </a:t>
-                </a:r>
-              </a:p>
-            </p:txBody>
-          </p:sp>
-        </mc:Choice>
-        <mc:Fallback xmlns="">
-          <p:sp>
-            <p:nvSpPr>
-              <p:cNvPr id="48" name="TextBox 47">
-                <a:extLst>
-                  <a:ext uri="{FF2B5EF4-FFF2-40B4-BE49-F238E27FC236}">
-                    <a16:creationId xmlns:a16="http://schemas.microsoft.com/office/drawing/2014/main" id="{4BF5205A-C21B-DC10-00D1-30EE1B56E60B}"/>
-                  </a:ext>
-                </a:extLst>
-              </p:cNvPr>
-              <p:cNvSpPr txBox="1">
-                <a:spLocks noRot="1" noChangeAspect="1" noMove="1" noResize="1" noEditPoints="1" noAdjustHandles="1" noChangeArrowheads="1" noChangeShapeType="1" noTextEdit="1"/>
-              </p:cNvSpPr>
-              <p:nvPr/>
-            </p:nvSpPr>
-            <p:spPr>
-              <a:xfrm>
-                <a:off x="0" y="5585198"/>
-                <a:ext cx="12192000" cy="646331"/>
-              </a:xfrm>
-              <a:prstGeom prst="rect">
-                <a:avLst/>
-              </a:prstGeom>
-              <a:blipFill>
-                <a:blip r:embed="rId8"/>
-                <a:stretch>
-                  <a:fillRect l="-400" t="-4717" r="-400" b="-14151"/>
-                </a:stretch>
-              </a:blipFill>
-            </p:spPr>
-            <p:txBody>
-              <a:bodyPr/>
-              <a:lstStyle/>
-              <a:p>
-                <a:r>
-                  <a:rPr lang="en-GB">
-                    <a:noFill/>
-                  </a:rPr>
-                  <a:t> </a:t>
-                </a:r>
-              </a:p>
-            </p:txBody>
-          </p:sp>
-        </mc:Fallback>
-      </mc:AlternateContent>
-      <p:sp>
-        <p:nvSpPr>
-          <p:cNvPr id="49" name="TextBox 48">
-            <a:extLst>
-              <a:ext uri="{FF2B5EF4-FFF2-40B4-BE49-F238E27FC236}">
-                <a16:creationId xmlns:a16="http://schemas.microsoft.com/office/drawing/2014/main" id="{A79242B3-F8EA-94FD-D9D9-2D85B18818DC}"/>
-              </a:ext>
-            </a:extLst>
-          </p:cNvPr>
-          <p:cNvSpPr txBox="1"/>
-          <p:nvPr/>
-        </p:nvSpPr>
-        <p:spPr>
-          <a:xfrm>
-            <a:off x="11091333" y="6550222"/>
-            <a:ext cx="1100667" cy="307777"/>
-          </a:xfrm>
-          <a:prstGeom prst="rect">
-            <a:avLst/>
-          </a:prstGeom>
-          <a:noFill/>
-        </p:spPr>
-        <p:txBody>
-          <a:bodyPr wrap="square" rtlCol="0">
-            <a:spAutoFit/>
-          </a:bodyPr>
-          <a:lstStyle/>
-          <a:p>
-            <a:pPr algn="r"/>
-            <a:r>
-              <a:rPr lang="fr-FR" sz="1400" noProof="0" dirty="0">
-                <a:latin typeface="Times New Roman" panose="02020603050405020304" pitchFamily="18" charset="0"/>
-                <a:cs typeface="Times New Roman" panose="02020603050405020304" pitchFamily="18" charset="0"/>
-              </a:rPr>
-              <a:t>X/Y</a:t>
-            </a:r>
-          </a:p>
-        </p:txBody>
-      </p:sp>
-    </p:spTree>
-    <p:extLst>
-      <p:ext uri="{BB962C8B-B14F-4D97-AF65-F5344CB8AC3E}">
-        <p14:creationId xmlns:p14="http://schemas.microsoft.com/office/powerpoint/2010/main" val="1966793551"/>
-      </p:ext>
-    </p:extLst>
-  </p:cSld>
-  <p:clrMapOvr>
-    <a:masterClrMapping/>
-  </p:clrMapOvr>
-</p:sld>
-</file>
-
-<file path=ppt/slides/slide20.xml><?xml version="1.0" encoding="utf-8"?>
+<file path=ppt/slides/slide22.xml><?xml version="1.0" encoding="utf-8"?>
 <p:sld xmlns:a="http://schemas.openxmlformats.org/drawingml/2006/main" xmlns:r="http://schemas.openxmlformats.org/officeDocument/2006/relationships" xmlns:p="http://schemas.openxmlformats.org/presentationml/2006/main">
   <p:cSld>
     <p:spTree>
@@ -28831,7 +30569,7 @@
 </p:sld>
 </file>
 
-<file path=ppt/slides/slide21.xml><?xml version="1.0" encoding="utf-8"?>
+<file path=ppt/slides/slide23.xml><?xml version="1.0" encoding="utf-8"?>
 <p:sld xmlns:a="http://schemas.openxmlformats.org/drawingml/2006/main" xmlns:r="http://schemas.openxmlformats.org/officeDocument/2006/relationships" xmlns:p="http://schemas.openxmlformats.org/presentationml/2006/main">
   <p:cSld>
     <p:spTree>
@@ -29549,7 +31287,7 @@
 </p:sld>
 </file>
 
-<file path=ppt/slides/slide22.xml><?xml version="1.0" encoding="utf-8"?>
+<file path=ppt/slides/slide24.xml><?xml version="1.0" encoding="utf-8"?>
 <p:sld xmlns:a="http://schemas.openxmlformats.org/drawingml/2006/main" xmlns:r="http://schemas.openxmlformats.org/officeDocument/2006/relationships" xmlns:p="http://schemas.openxmlformats.org/presentationml/2006/main">
   <p:cSld>
     <p:spTree>
@@ -33251,8 +34989,8 @@
           </p:sp>
         </mc:Fallback>
       </mc:AlternateContent>
-      <mc:AlternateContent xmlns:mc="http://schemas.openxmlformats.org/markup-compatibility/2006" xmlns:a14="http://schemas.microsoft.com/office/drawing/2010/main">
-        <mc:Choice Requires="a14">
+      <mc:AlternateContent xmlns:mc="http://schemas.openxmlformats.org/markup-compatibility/2006">
+        <mc:Choice xmlns:a14="http://schemas.microsoft.com/office/drawing/2010/main" Requires="a14">
           <p:sp>
             <p:nvSpPr>
               <p:cNvPr id="25" name="TextBox 24">
@@ -33571,7 +35309,7 @@
             </p:txBody>
           </p:sp>
         </mc:Choice>
-        <mc:Fallback xmlns="">
+        <mc:Fallback>
           <p:sp>
             <p:nvSpPr>
               <p:cNvPr id="25" name="TextBox 24">
@@ -33616,6 +35354,196 @@
           </p:sp>
         </mc:Fallback>
       </mc:AlternateContent>
+      <mc:AlternateContent xmlns:mc="http://schemas.openxmlformats.org/markup-compatibility/2006">
+        <mc:Choice xmlns:a14="http://schemas.microsoft.com/office/drawing/2010/main" Requires="a14">
+          <p:sp>
+            <p:nvSpPr>
+              <p:cNvPr id="8" name="TextBox 7">
+                <a:extLst>
+                  <a:ext uri="{FF2B5EF4-FFF2-40B4-BE49-F238E27FC236}">
+                    <a16:creationId xmlns:a16="http://schemas.microsoft.com/office/drawing/2014/main" id="{F42AAFE0-6C2A-03C7-A118-435301C2CC37}"/>
+                  </a:ext>
+                </a:extLst>
+              </p:cNvPr>
+              <p:cNvSpPr txBox="1"/>
+              <p:nvPr/>
+            </p:nvSpPr>
+            <p:spPr>
+              <a:xfrm>
+                <a:off x="1027912" y="5897229"/>
+                <a:ext cx="10848067" cy="646331"/>
+              </a:xfrm>
+              <a:prstGeom prst="rect">
+                <a:avLst/>
+              </a:prstGeom>
+              <a:noFill/>
+            </p:spPr>
+            <p:txBody>
+              <a:bodyPr wrap="square" rtlCol="0">
+                <a:spAutoFit/>
+              </a:bodyPr>
+              <a:lstStyle/>
+              <a:p>
+                <a:pPr algn="just"/>
+                <a:r>
+                  <a:rPr lang="fr-FR" b="1" noProof="0" dirty="0">
+                    <a:latin typeface="Times New Roman" panose="02020603050405020304" pitchFamily="18" charset="0"/>
+                    <a:cs typeface="Times New Roman" panose="02020603050405020304" pitchFamily="18" charset="0"/>
+                  </a:rPr>
+                  <a:t>Hypothèse </a:t>
+                </a:r>
+                <a:r>
+                  <a:rPr lang="fr-FR" noProof="0" dirty="0">
+                    <a:latin typeface="Times New Roman" panose="02020603050405020304" pitchFamily="18" charset="0"/>
+                    <a:cs typeface="Times New Roman" panose="02020603050405020304" pitchFamily="18" charset="0"/>
+                  </a:rPr>
+                  <a:t>: Pour la suite du devoir, afin de simplifier la méthode de Monte-Carlo via le nombre de données d’entrée, nous supposerons le matériau comme étant </a:t>
+                </a:r>
+                <a:r>
+                  <a:rPr lang="fr-FR" b="1" noProof="0" dirty="0">
+                    <a:latin typeface="Times New Roman" panose="02020603050405020304" pitchFamily="18" charset="0"/>
+                    <a:cs typeface="Times New Roman" panose="02020603050405020304" pitchFamily="18" charset="0"/>
+                  </a:rPr>
+                  <a:t>élastique</a:t>
+                </a:r>
+                <a:r>
+                  <a:rPr lang="fr-FR" noProof="0" dirty="0">
+                    <a:latin typeface="Times New Roman" panose="02020603050405020304" pitchFamily="18" charset="0"/>
+                    <a:cs typeface="Times New Roman" panose="02020603050405020304" pitchFamily="18" charset="0"/>
+                  </a:rPr>
+                  <a:t> (et non orthotrope), définis par </a:t>
+                </a:r>
+                <a14:m>
+                  <m:oMath xmlns:m="http://schemas.openxmlformats.org/officeDocument/2006/math">
+                    <m:r>
+                      <a:rPr lang="fr-FR" b="0" i="1" noProof="0" smtClean="0">
+                        <a:latin typeface="Cambria Math" panose="02040503050406030204" pitchFamily="18" charset="0"/>
+                        <a:cs typeface="Times New Roman" panose="02020603050405020304" pitchFamily="18" charset="0"/>
+                      </a:rPr>
+                      <m:t>𝐸</m:t>
+                    </m:r>
+                  </m:oMath>
+                </a14:m>
+                <a:r>
+                  <a:rPr lang="fr-FR" noProof="0" dirty="0">
+                    <a:latin typeface="Times New Roman" panose="02020603050405020304" pitchFamily="18" charset="0"/>
+                    <a:cs typeface="Times New Roman" panose="02020603050405020304" pitchFamily="18" charset="0"/>
+                  </a:rPr>
+                  <a:t> et </a:t>
+                </a:r>
+                <a14:m>
+                  <m:oMath xmlns:m="http://schemas.openxmlformats.org/officeDocument/2006/math">
+                    <m:r>
+                      <a:rPr lang="fr-FR" i="1" noProof="0" smtClean="0">
+                        <a:latin typeface="Cambria Math" panose="02040503050406030204" pitchFamily="18" charset="0"/>
+                      </a:rPr>
+                      <m:t>𝜈</m:t>
+                    </m:r>
+                  </m:oMath>
+                </a14:m>
+                <a:r>
+                  <a:rPr lang="fr-FR" noProof="0" dirty="0">
+                    <a:latin typeface="Times New Roman" panose="02020603050405020304" pitchFamily="18" charset="0"/>
+                    <a:cs typeface="Times New Roman" panose="02020603050405020304" pitchFamily="18" charset="0"/>
+                  </a:rPr>
+                  <a:t>. </a:t>
+                </a:r>
+              </a:p>
+            </p:txBody>
+          </p:sp>
+        </mc:Choice>
+        <mc:Fallback>
+          <p:sp>
+            <p:nvSpPr>
+              <p:cNvPr id="8" name="TextBox 7">
+                <a:extLst>
+                  <a:ext uri="{FF2B5EF4-FFF2-40B4-BE49-F238E27FC236}">
+                    <a16:creationId xmlns:a16="http://schemas.microsoft.com/office/drawing/2014/main" id="{F42AAFE0-6C2A-03C7-A118-435301C2CC37}"/>
+                  </a:ext>
+                </a:extLst>
+              </p:cNvPr>
+              <p:cNvSpPr txBox="1">
+                <a:spLocks noRot="1" noChangeAspect="1" noMove="1" noResize="1" noEditPoints="1" noAdjustHandles="1" noChangeArrowheads="1" noChangeShapeType="1" noTextEdit="1"/>
+              </p:cNvSpPr>
+              <p:nvPr/>
+            </p:nvSpPr>
+            <p:spPr>
+              <a:xfrm>
+                <a:off x="1027912" y="5897229"/>
+                <a:ext cx="10848067" cy="646331"/>
+              </a:xfrm>
+              <a:prstGeom prst="rect">
+                <a:avLst/>
+              </a:prstGeom>
+              <a:blipFill>
+                <a:blip r:embed="rId8"/>
+                <a:stretch>
+                  <a:fillRect l="-506" t="-4717" r="-450" b="-14151"/>
+                </a:stretch>
+              </a:blipFill>
+            </p:spPr>
+            <p:txBody>
+              <a:bodyPr/>
+              <a:lstStyle/>
+              <a:p>
+                <a:r>
+                  <a:rPr lang="en-GB">
+                    <a:noFill/>
+                  </a:rPr>
+                  <a:t> </a:t>
+                </a:r>
+              </a:p>
+            </p:txBody>
+          </p:sp>
+        </mc:Fallback>
+      </mc:AlternateContent>
+      <p:pic>
+        <p:nvPicPr>
+          <p:cNvPr id="1026" name="Picture 2" descr="Hypothesis icon">
+            <a:extLst>
+              <a:ext uri="{FF2B5EF4-FFF2-40B4-BE49-F238E27FC236}">
+                <a16:creationId xmlns:a16="http://schemas.microsoft.com/office/drawing/2014/main" id="{631B88E2-7308-4AA9-E4DD-AC0360CF9821}"/>
+              </a:ext>
+            </a:extLst>
+          </p:cNvPr>
+          <p:cNvPicPr>
+            <a:picLocks noChangeAspect="1" noChangeArrowheads="1"/>
+          </p:cNvPicPr>
+          <p:nvPr/>
+        </p:nvPicPr>
+        <p:blipFill>
+          <a:blip r:embed="rId9">
+            <a:extLst>
+              <a:ext uri="{28A0092B-C50C-407E-A947-70E740481C1C}">
+                <a14:useLocalDpi xmlns:a14="http://schemas.microsoft.com/office/drawing/2010/main" val="0"/>
+              </a:ext>
+            </a:extLst>
+          </a:blip>
+          <a:srcRect/>
+          <a:stretch>
+            <a:fillRect/>
+          </a:stretch>
+        </p:blipFill>
+        <p:spPr bwMode="auto">
+          <a:xfrm>
+            <a:off x="284491" y="5971290"/>
+            <a:ext cx="648794" cy="648794"/>
+          </a:xfrm>
+          <a:prstGeom prst="rect">
+            <a:avLst/>
+          </a:prstGeom>
+          <a:noFill/>
+          <a:extLst>
+            <a:ext uri="{909E8E84-426E-40DD-AFC4-6F175D3DCCD1}">
+              <a14:hiddenFill xmlns:a14="http://schemas.microsoft.com/office/drawing/2010/main">
+                <a:solidFill>
+                  <a:srgbClr val="FFFFFF"/>
+                </a:solidFill>
+              </a14:hiddenFill>
+            </a:ext>
+          </a:extLst>
+        </p:spPr>
+      </p:pic>
     </p:spTree>
     <p:extLst>
       <p:ext uri="{BB962C8B-B14F-4D97-AF65-F5344CB8AC3E}">
@@ -36311,6 +38239,92 @@
           </a:p>
         </p:txBody>
       </p:sp>
+      <p:pic>
+        <p:nvPicPr>
+          <p:cNvPr id="2050" name="Picture 2">
+            <a:extLst>
+              <a:ext uri="{FF2B5EF4-FFF2-40B4-BE49-F238E27FC236}">
+                <a16:creationId xmlns:a16="http://schemas.microsoft.com/office/drawing/2014/main" id="{C26E7882-1A4B-4D9E-20C6-8D0DCC3535F1}"/>
+              </a:ext>
+            </a:extLst>
+          </p:cNvPr>
+          <p:cNvPicPr>
+            <a:picLocks noChangeAspect="1" noChangeArrowheads="1"/>
+          </p:cNvPicPr>
+          <p:nvPr/>
+        </p:nvPicPr>
+        <p:blipFill>
+          <a:blip r:embed="rId5">
+            <a:extLst>
+              <a:ext uri="{28A0092B-C50C-407E-A947-70E740481C1C}">
+                <a14:useLocalDpi xmlns:a14="http://schemas.microsoft.com/office/drawing/2010/main" val="0"/>
+              </a:ext>
+            </a:extLst>
+          </a:blip>
+          <a:srcRect/>
+          <a:stretch>
+            <a:fillRect/>
+          </a:stretch>
+        </p:blipFill>
+        <p:spPr bwMode="auto">
+          <a:xfrm>
+            <a:off x="6337740" y="77926"/>
+            <a:ext cx="384679" cy="422101"/>
+          </a:xfrm>
+          <a:prstGeom prst="rect">
+            <a:avLst/>
+          </a:prstGeom>
+          <a:noFill/>
+          <a:extLst>
+            <a:ext uri="{909E8E84-426E-40DD-AFC4-6F175D3DCCD1}">
+              <a14:hiddenFill xmlns:a14="http://schemas.microsoft.com/office/drawing/2010/main">
+                <a:solidFill>
+                  <a:srgbClr val="FFFFFF"/>
+                </a:solidFill>
+              </a14:hiddenFill>
+            </a:ext>
+          </a:extLst>
+        </p:spPr>
+      </p:pic>
+      <p:sp>
+        <p:nvSpPr>
+          <p:cNvPr id="3" name="TextBox 2">
+            <a:extLst>
+              <a:ext uri="{FF2B5EF4-FFF2-40B4-BE49-F238E27FC236}">
+                <a16:creationId xmlns:a16="http://schemas.microsoft.com/office/drawing/2014/main" id="{1E469B70-0A01-2F0B-8630-A75E636CB8E6}"/>
+              </a:ext>
+            </a:extLst>
+          </p:cNvPr>
+          <p:cNvSpPr txBox="1"/>
+          <p:nvPr/>
+        </p:nvSpPr>
+        <p:spPr>
+          <a:xfrm>
+            <a:off x="6722419" y="73201"/>
+            <a:ext cx="1953873" cy="338554"/>
+          </a:xfrm>
+          <a:prstGeom prst="rect">
+            <a:avLst/>
+          </a:prstGeom>
+          <a:noFill/>
+        </p:spPr>
+        <p:txBody>
+          <a:bodyPr wrap="square" rtlCol="0">
+            <a:spAutoFit/>
+          </a:bodyPr>
+          <a:lstStyle/>
+          <a:p>
+            <a:pPr algn="just"/>
+            <a:r>
+              <a:rPr lang="fr-FR" sz="1600" i="1" noProof="0" dirty="0">
+                <a:latin typeface="Times New Roman" panose="02020603050405020304" pitchFamily="18" charset="0"/>
+                <a:cs typeface="Times New Roman" panose="02020603050405020304" pitchFamily="18" charset="0"/>
+              </a:rPr>
+              <a:t>Cv_Asymptotique.py</a:t>
+            </a:r>
+          </a:p>
+        </p:txBody>
+      </p:sp>
     </p:spTree>
     <p:extLst>
       <p:ext uri="{BB962C8B-B14F-4D97-AF65-F5344CB8AC3E}">
@@ -37557,6 +39571,92 @@
                 <a:cs typeface="Times New Roman" panose="02020603050405020304" pitchFamily="18" charset="0"/>
               </a:rPr>
               <a:t>»</a:t>
+            </a:r>
+          </a:p>
+        </p:txBody>
+      </p:sp>
+      <p:pic>
+        <p:nvPicPr>
+          <p:cNvPr id="3" name="Picture 2">
+            <a:extLst>
+              <a:ext uri="{FF2B5EF4-FFF2-40B4-BE49-F238E27FC236}">
+                <a16:creationId xmlns:a16="http://schemas.microsoft.com/office/drawing/2014/main" id="{9418A06D-5188-6FDC-24BC-F87439036057}"/>
+              </a:ext>
+            </a:extLst>
+          </p:cNvPr>
+          <p:cNvPicPr>
+            <a:picLocks noChangeAspect="1" noChangeArrowheads="1"/>
+          </p:cNvPicPr>
+          <p:nvPr/>
+        </p:nvPicPr>
+        <p:blipFill>
+          <a:blip r:embed="rId2">
+            <a:extLst>
+              <a:ext uri="{28A0092B-C50C-407E-A947-70E740481C1C}">
+                <a14:useLocalDpi xmlns:a14="http://schemas.microsoft.com/office/drawing/2010/main" val="0"/>
+              </a:ext>
+            </a:extLst>
+          </a:blip>
+          <a:srcRect/>
+          <a:stretch>
+            <a:fillRect/>
+          </a:stretch>
+        </p:blipFill>
+        <p:spPr bwMode="auto">
+          <a:xfrm>
+            <a:off x="6337740" y="77926"/>
+            <a:ext cx="384679" cy="422101"/>
+          </a:xfrm>
+          <a:prstGeom prst="rect">
+            <a:avLst/>
+          </a:prstGeom>
+          <a:noFill/>
+          <a:extLst>
+            <a:ext uri="{909E8E84-426E-40DD-AFC4-6F175D3DCCD1}">
+              <a14:hiddenFill xmlns:a14="http://schemas.microsoft.com/office/drawing/2010/main">
+                <a:solidFill>
+                  <a:srgbClr val="FFFFFF"/>
+                </a:solidFill>
+              </a14:hiddenFill>
+            </a:ext>
+          </a:extLst>
+        </p:spPr>
+      </p:pic>
+      <p:sp>
+        <p:nvSpPr>
+          <p:cNvPr id="4" name="TextBox 3">
+            <a:extLst>
+              <a:ext uri="{FF2B5EF4-FFF2-40B4-BE49-F238E27FC236}">
+                <a16:creationId xmlns:a16="http://schemas.microsoft.com/office/drawing/2014/main" id="{75AA8A51-2A97-8D06-CECD-B9BDC2716E90}"/>
+              </a:ext>
+            </a:extLst>
+          </p:cNvPr>
+          <p:cNvSpPr txBox="1"/>
+          <p:nvPr/>
+        </p:nvSpPr>
+        <p:spPr>
+          <a:xfrm>
+            <a:off x="6722419" y="73201"/>
+            <a:ext cx="1953873" cy="338554"/>
+          </a:xfrm>
+          <a:prstGeom prst="rect">
+            <a:avLst/>
+          </a:prstGeom>
+          <a:noFill/>
+        </p:spPr>
+        <p:txBody>
+          <a:bodyPr wrap="square" rtlCol="0">
+            <a:spAutoFit/>
+          </a:bodyPr>
+          <a:lstStyle/>
+          <a:p>
+            <a:pPr algn="just"/>
+            <a:r>
+              <a:rPr lang="fr-FR" sz="1600" i="1" noProof="0" dirty="0">
+                <a:latin typeface="Times New Roman" panose="02020603050405020304" pitchFamily="18" charset="0"/>
+                <a:cs typeface="Times New Roman" panose="02020603050405020304" pitchFamily="18" charset="0"/>
+              </a:rPr>
+              <a:t>Cv_Asymptotique.py</a:t>
             </a:r>
           </a:p>
         </p:txBody>

--- a/03_Rapport/Rapport_Projet.pptx
+++ b/03_Rapport/Rapport_Projet.pptx
@@ -148,1021 +148,13 @@
 <file path=ppt/revisionInfo.xml><?xml version="1.0" encoding="utf-8"?>
 <p1510:revInfo xmlns:a="http://schemas.openxmlformats.org/drawingml/2006/main" xmlns:r="http://schemas.openxmlformats.org/officeDocument/2006/relationships" xmlns:p1510="http://schemas.microsoft.com/office/powerpoint/2015/10/main">
   <p1510:revLst>
-    <p1510:client id="{1404D58C-429C-4D75-B5B2-E1C9B8E0DC36}" v="3359" dt="2025-03-27T21:11:46.081"/>
+    <p1510:client id="{1404D58C-429C-4D75-B5B2-E1C9B8E0DC36}" v="3366" dt="2025-03-28T20:39:29.615"/>
   </p1510:revLst>
 </p1510:revInfo>
 </file>
 
 <file path=ppt/changesInfos/changesInfo1.xml><?xml version="1.0" encoding="utf-8"?>
 <pc:chgInfo xmlns:a="http://schemas.openxmlformats.org/drawingml/2006/main" xmlns:r="http://schemas.openxmlformats.org/officeDocument/2006/relationships" xmlns:ac="http://schemas.microsoft.com/office/drawing/2013/main/command" xmlns:pc="http://schemas.microsoft.com/office/powerpoint/2013/main/command">
-  <pc:docChgLst>
-    <pc:chgData name="François GLEYZON" userId="a2d04f23f7faf3ef" providerId="LiveId" clId="{1404D58C-429C-4D75-B5B2-E1C9B8E0DC36}"/>
-    <pc:docChg chg="undo redo custSel addSld modSld sldOrd">
-      <pc:chgData name="François GLEYZON" userId="a2d04f23f7faf3ef" providerId="LiveId" clId="{1404D58C-429C-4D75-B5B2-E1C9B8E0DC36}" dt="2025-03-27T21:12:56.884" v="8997" actId="20577"/>
-      <pc:docMkLst>
-        <pc:docMk/>
-      </pc:docMkLst>
-      <pc:sldChg chg="addSp delSp modSp mod">
-        <pc:chgData name="François GLEYZON" userId="a2d04f23f7faf3ef" providerId="LiveId" clId="{1404D58C-429C-4D75-B5B2-E1C9B8E0DC36}" dt="2025-03-27T15:44:38.844" v="7178" actId="113"/>
-        <pc:sldMkLst>
-          <pc:docMk/>
-          <pc:sldMk cId="2801290844" sldId="256"/>
-        </pc:sldMkLst>
-        <pc:spChg chg="mod">
-          <ac:chgData name="François GLEYZON" userId="a2d04f23f7faf3ef" providerId="LiveId" clId="{1404D58C-429C-4D75-B5B2-E1C9B8E0DC36}" dt="2025-03-27T15:44:38.844" v="7178" actId="113"/>
-          <ac:spMkLst>
-            <pc:docMk/>
-            <pc:sldMk cId="2801290844" sldId="256"/>
-            <ac:spMk id="5" creationId="{CCB64622-7D99-EF9C-E64A-6B7A68B130E7}"/>
-          </ac:spMkLst>
-        </pc:spChg>
-        <pc:spChg chg="mod">
-          <ac:chgData name="François GLEYZON" userId="a2d04f23f7faf3ef" providerId="LiveId" clId="{1404D58C-429C-4D75-B5B2-E1C9B8E0DC36}" dt="2025-03-27T15:44:33.534" v="7177" actId="1035"/>
-          <ac:spMkLst>
-            <pc:docMk/>
-            <pc:sldMk cId="2801290844" sldId="256"/>
-            <ac:spMk id="11" creationId="{ADA3B4ED-F9F9-8357-018A-C931A9829ED9}"/>
-          </ac:spMkLst>
-        </pc:spChg>
-        <pc:spChg chg="add mod">
-          <ac:chgData name="François GLEYZON" userId="a2d04f23f7faf3ef" providerId="LiveId" clId="{1404D58C-429C-4D75-B5B2-E1C9B8E0DC36}" dt="2025-03-16T14:36:30.969" v="1516"/>
-          <ac:spMkLst>
-            <pc:docMk/>
-            <pc:sldMk cId="2801290844" sldId="256"/>
-            <ac:spMk id="12" creationId="{B3FBCD95-757E-0D30-1DE3-8FB709355D99}"/>
-          </ac:spMkLst>
-        </pc:spChg>
-        <pc:spChg chg="mod">
-          <ac:chgData name="François GLEYZON" userId="a2d04f23f7faf3ef" providerId="LiveId" clId="{1404D58C-429C-4D75-B5B2-E1C9B8E0DC36}" dt="2025-03-27T15:44:33.534" v="7177" actId="1035"/>
-          <ac:spMkLst>
-            <pc:docMk/>
-            <pc:sldMk cId="2801290844" sldId="256"/>
-            <ac:spMk id="13" creationId="{2A150A6C-B8B3-44CE-8884-B81C5AD95D13}"/>
-          </ac:spMkLst>
-        </pc:spChg>
-      </pc:sldChg>
-      <pc:sldChg chg="addSp delSp mod">
-        <pc:chgData name="François GLEYZON" userId="a2d04f23f7faf3ef" providerId="LiveId" clId="{1404D58C-429C-4D75-B5B2-E1C9B8E0DC36}" dt="2025-03-16T14:16:57.551" v="36" actId="22"/>
-        <pc:sldMkLst>
-          <pc:docMk/>
-          <pc:sldMk cId="2487955664" sldId="257"/>
-        </pc:sldMkLst>
-      </pc:sldChg>
-      <pc:sldChg chg="addSp delSp modSp mod">
-        <pc:chgData name="François GLEYZON" userId="a2d04f23f7faf3ef" providerId="LiveId" clId="{1404D58C-429C-4D75-B5B2-E1C9B8E0DC36}" dt="2025-03-16T18:23:45.777" v="6935" actId="20577"/>
-        <pc:sldMkLst>
-          <pc:docMk/>
-          <pc:sldMk cId="1966793551" sldId="265"/>
-        </pc:sldMkLst>
-        <pc:spChg chg="mod">
-          <ac:chgData name="François GLEYZON" userId="a2d04f23f7faf3ef" providerId="LiveId" clId="{1404D58C-429C-4D75-B5B2-E1C9B8E0DC36}" dt="2025-03-16T14:17:32.286" v="61" actId="20577"/>
-          <ac:spMkLst>
-            <pc:docMk/>
-            <pc:sldMk cId="1966793551" sldId="265"/>
-            <ac:spMk id="9" creationId="{6E9846D3-47A3-2AE6-6383-AB77CC5B517E}"/>
-          </ac:spMkLst>
-        </pc:spChg>
-        <pc:spChg chg="add mod">
-          <ac:chgData name="François GLEYZON" userId="a2d04f23f7faf3ef" providerId="LiveId" clId="{1404D58C-429C-4D75-B5B2-E1C9B8E0DC36}" dt="2025-03-16T14:24:23.045" v="574" actId="20577"/>
-          <ac:spMkLst>
-            <pc:docMk/>
-            <pc:sldMk cId="1966793551" sldId="265"/>
-            <ac:spMk id="11" creationId="{072A0C86-E46F-7872-4F73-D0C64405F9A7}"/>
-          </ac:spMkLst>
-        </pc:spChg>
-        <pc:spChg chg="add mod">
-          <ac:chgData name="François GLEYZON" userId="a2d04f23f7faf3ef" providerId="LiveId" clId="{1404D58C-429C-4D75-B5B2-E1C9B8E0DC36}" dt="2025-03-16T18:23:45.777" v="6935" actId="20577"/>
-          <ac:spMkLst>
-            <pc:docMk/>
-            <pc:sldMk cId="1966793551" sldId="265"/>
-            <ac:spMk id="28" creationId="{A3F4CAB7-21CC-3B13-8827-56C233CE43A0}"/>
-          </ac:spMkLst>
-        </pc:spChg>
-        <pc:spChg chg="add mod">
-          <ac:chgData name="François GLEYZON" userId="a2d04f23f7faf3ef" providerId="LiveId" clId="{1404D58C-429C-4D75-B5B2-E1C9B8E0DC36}" dt="2025-03-16T14:28:50.048" v="782" actId="14100"/>
-          <ac:spMkLst>
-            <pc:docMk/>
-            <pc:sldMk cId="1966793551" sldId="265"/>
-            <ac:spMk id="29" creationId="{16F0C38C-ADF0-05C8-AB97-6D861D171C8A}"/>
-          </ac:spMkLst>
-        </pc:spChg>
-        <pc:spChg chg="add mod">
-          <ac:chgData name="François GLEYZON" userId="a2d04f23f7faf3ef" providerId="LiveId" clId="{1404D58C-429C-4D75-B5B2-E1C9B8E0DC36}" dt="2025-03-16T14:37:03.623" v="1524" actId="164"/>
-          <ac:spMkLst>
-            <pc:docMk/>
-            <pc:sldMk cId="1966793551" sldId="265"/>
-            <ac:spMk id="30" creationId="{F9012EBE-327E-81BA-D0CC-DFFC3A81D06E}"/>
-          </ac:spMkLst>
-        </pc:spChg>
-        <pc:spChg chg="add mod">
-          <ac:chgData name="François GLEYZON" userId="a2d04f23f7faf3ef" providerId="LiveId" clId="{1404D58C-429C-4D75-B5B2-E1C9B8E0DC36}" dt="2025-03-16T14:37:03.623" v="1524" actId="164"/>
-          <ac:spMkLst>
-            <pc:docMk/>
-            <pc:sldMk cId="1966793551" sldId="265"/>
-            <ac:spMk id="31" creationId="{E096CA17-3B37-1EC9-086C-6073F9F0E327}"/>
-          </ac:spMkLst>
-        </pc:spChg>
-        <pc:spChg chg="add mod">
-          <ac:chgData name="François GLEYZON" userId="a2d04f23f7faf3ef" providerId="LiveId" clId="{1404D58C-429C-4D75-B5B2-E1C9B8E0DC36}" dt="2025-03-16T14:36:12.133" v="1510" actId="20577"/>
-          <ac:spMkLst>
-            <pc:docMk/>
-            <pc:sldMk cId="1966793551" sldId="265"/>
-            <ac:spMk id="48" creationId="{4BF5205A-C21B-DC10-00D1-30EE1B56E60B}"/>
-          </ac:spMkLst>
-        </pc:spChg>
-        <pc:spChg chg="add mod">
-          <ac:chgData name="François GLEYZON" userId="a2d04f23f7faf3ef" providerId="LiveId" clId="{1404D58C-429C-4D75-B5B2-E1C9B8E0DC36}" dt="2025-03-16T14:36:25.253" v="1514" actId="20577"/>
-          <ac:spMkLst>
-            <pc:docMk/>
-            <pc:sldMk cId="1966793551" sldId="265"/>
-            <ac:spMk id="49" creationId="{A79242B3-F8EA-94FD-D9D9-2D85B18818DC}"/>
-          </ac:spMkLst>
-        </pc:spChg>
-        <pc:grpChg chg="add mod">
-          <ac:chgData name="François GLEYZON" userId="a2d04f23f7faf3ef" providerId="LiveId" clId="{1404D58C-429C-4D75-B5B2-E1C9B8E0DC36}" dt="2025-03-16T14:37:08.843" v="1548" actId="1038"/>
-          <ac:grpSpMkLst>
-            <pc:docMk/>
-            <pc:sldMk cId="1966793551" sldId="265"/>
-            <ac:grpSpMk id="50" creationId="{6D300C5F-060B-A29B-5E63-8AB2F8289D3E}"/>
-          </ac:grpSpMkLst>
-        </pc:grpChg>
-        <pc:picChg chg="add mod">
-          <ac:chgData name="François GLEYZON" userId="a2d04f23f7faf3ef" providerId="LiveId" clId="{1404D58C-429C-4D75-B5B2-E1C9B8E0DC36}" dt="2025-03-16T14:37:03.623" v="1524" actId="164"/>
-          <ac:picMkLst>
-            <pc:docMk/>
-            <pc:sldMk cId="1966793551" sldId="265"/>
-            <ac:picMk id="16" creationId="{C8511678-E88F-7D51-904A-00D5D2E20854}"/>
-          </ac:picMkLst>
-        </pc:picChg>
-        <pc:picChg chg="add mod">
-          <ac:chgData name="François GLEYZON" userId="a2d04f23f7faf3ef" providerId="LiveId" clId="{1404D58C-429C-4D75-B5B2-E1C9B8E0DC36}" dt="2025-03-16T14:37:03.623" v="1524" actId="164"/>
-          <ac:picMkLst>
-            <pc:docMk/>
-            <pc:sldMk cId="1966793551" sldId="265"/>
-            <ac:picMk id="22" creationId="{E271FBCE-EB1D-54CC-CAFB-7E1DFF99CA2E}"/>
-          </ac:picMkLst>
-        </pc:picChg>
-      </pc:sldChg>
-      <pc:sldChg chg="add ord">
-        <pc:chgData name="François GLEYZON" userId="a2d04f23f7faf3ef" providerId="LiveId" clId="{1404D58C-429C-4D75-B5B2-E1C9B8E0DC36}" dt="2025-03-16T14:17:18.713" v="44"/>
-        <pc:sldMkLst>
-          <pc:docMk/>
-          <pc:sldMk cId="3204585435" sldId="267"/>
-        </pc:sldMkLst>
-      </pc:sldChg>
-      <pc:sldChg chg="addSp modSp new mod">
-        <pc:chgData name="François GLEYZON" userId="a2d04f23f7faf3ef" providerId="LiveId" clId="{1404D58C-429C-4D75-B5B2-E1C9B8E0DC36}" dt="2025-03-16T14:17:16.283" v="42" actId="207"/>
-        <pc:sldMkLst>
-          <pc:docMk/>
-          <pc:sldMk cId="1821676052" sldId="268"/>
-        </pc:sldMkLst>
-        <pc:spChg chg="add mod">
-          <ac:chgData name="François GLEYZON" userId="a2d04f23f7faf3ef" providerId="LiveId" clId="{1404D58C-429C-4D75-B5B2-E1C9B8E0DC36}" dt="2025-03-16T14:17:16.283" v="42" actId="207"/>
-          <ac:spMkLst>
-            <pc:docMk/>
-            <pc:sldMk cId="1821676052" sldId="268"/>
-            <ac:spMk id="2" creationId="{CE60E174-1138-FE64-FEE9-6D62A3AC6AD5}"/>
-          </ac:spMkLst>
-        </pc:spChg>
-      </pc:sldChg>
-      <pc:sldChg chg="addSp modSp add mod">
-        <pc:chgData name="François GLEYZON" userId="a2d04f23f7faf3ef" providerId="LiveId" clId="{1404D58C-429C-4D75-B5B2-E1C9B8E0DC36}" dt="2025-03-27T15:47:44.026" v="7434" actId="1037"/>
-        <pc:sldMkLst>
-          <pc:docMk/>
-          <pc:sldMk cId="2830059827" sldId="269"/>
-        </pc:sldMkLst>
-        <pc:spChg chg="add mod">
-          <ac:chgData name="François GLEYZON" userId="a2d04f23f7faf3ef" providerId="LiveId" clId="{1404D58C-429C-4D75-B5B2-E1C9B8E0DC36}" dt="2025-03-16T14:36:36.203" v="1519"/>
-          <ac:spMkLst>
-            <pc:docMk/>
-            <pc:sldMk cId="2830059827" sldId="269"/>
-            <ac:spMk id="2" creationId="{80394A4F-406B-36BD-74F1-B5D4E71043BB}"/>
-          </ac:spMkLst>
-        </pc:spChg>
-        <pc:spChg chg="add mod">
-          <ac:chgData name="François GLEYZON" userId="a2d04f23f7faf3ef" providerId="LiveId" clId="{1404D58C-429C-4D75-B5B2-E1C9B8E0DC36}" dt="2025-03-16T15:10:21.692" v="2647" actId="113"/>
-          <ac:spMkLst>
-            <pc:docMk/>
-            <pc:sldMk cId="2830059827" sldId="269"/>
-            <ac:spMk id="3" creationId="{1C52FBAC-7EC8-BE7C-95EC-C16D6E8AF899}"/>
-          </ac:spMkLst>
-        </pc:spChg>
-        <pc:spChg chg="add mod">
-          <ac:chgData name="François GLEYZON" userId="a2d04f23f7faf3ef" providerId="LiveId" clId="{1404D58C-429C-4D75-B5B2-E1C9B8E0DC36}" dt="2025-03-16T15:06:51.653" v="2533" actId="1035"/>
-          <ac:spMkLst>
-            <pc:docMk/>
-            <pc:sldMk cId="2830059827" sldId="269"/>
-            <ac:spMk id="4" creationId="{78B77FF1-8B2E-A1A3-EF89-C57622AB1454}"/>
-          </ac:spMkLst>
-        </pc:spChg>
-        <pc:spChg chg="add mod">
-          <ac:chgData name="François GLEYZON" userId="a2d04f23f7faf3ef" providerId="LiveId" clId="{1404D58C-429C-4D75-B5B2-E1C9B8E0DC36}" dt="2025-03-16T15:06:51.653" v="2533" actId="1035"/>
-          <ac:spMkLst>
-            <pc:docMk/>
-            <pc:sldMk cId="2830059827" sldId="269"/>
-            <ac:spMk id="5" creationId="{739A139A-CC56-81D5-3FFE-43CECF04B84D}"/>
-          </ac:spMkLst>
-        </pc:spChg>
-        <pc:spChg chg="add mod">
-          <ac:chgData name="François GLEYZON" userId="a2d04f23f7faf3ef" providerId="LiveId" clId="{1404D58C-429C-4D75-B5B2-E1C9B8E0DC36}" dt="2025-03-16T15:06:51.653" v="2533" actId="1035"/>
-          <ac:spMkLst>
-            <pc:docMk/>
-            <pc:sldMk cId="2830059827" sldId="269"/>
-            <ac:spMk id="6" creationId="{A343BD2D-3517-D6F9-AED8-67B2A11B82DC}"/>
-          </ac:spMkLst>
-        </pc:spChg>
-        <pc:spChg chg="add mod">
-          <ac:chgData name="François GLEYZON" userId="a2d04f23f7faf3ef" providerId="LiveId" clId="{1404D58C-429C-4D75-B5B2-E1C9B8E0DC36}" dt="2025-03-16T15:09:51.483" v="2643" actId="1076"/>
-          <ac:spMkLst>
-            <pc:docMk/>
-            <pc:sldMk cId="2830059827" sldId="269"/>
-            <ac:spMk id="7" creationId="{2AD06AC7-B335-02C5-39E6-6F2C36E7AA8C}"/>
-          </ac:spMkLst>
-        </pc:spChg>
-        <pc:spChg chg="add mod">
-          <ac:chgData name="François GLEYZON" userId="a2d04f23f7faf3ef" providerId="LiveId" clId="{1404D58C-429C-4D75-B5B2-E1C9B8E0DC36}" dt="2025-03-27T15:47:37.838" v="7428" actId="14100"/>
-          <ac:spMkLst>
-            <pc:docMk/>
-            <pc:sldMk cId="2830059827" sldId="269"/>
-            <ac:spMk id="8" creationId="{F42AAFE0-6C2A-03C7-A118-435301C2CC37}"/>
-          </ac:spMkLst>
-        </pc:spChg>
-        <pc:spChg chg="add mod">
-          <ac:chgData name="François GLEYZON" userId="a2d04f23f7faf3ef" providerId="LiveId" clId="{1404D58C-429C-4D75-B5B2-E1C9B8E0DC36}" dt="2025-03-16T15:25:15.576" v="3276" actId="113"/>
-          <ac:spMkLst>
-            <pc:docMk/>
-            <pc:sldMk cId="2830059827" sldId="269"/>
-            <ac:spMk id="11" creationId="{80852BB1-1AEF-BA63-A523-0B2E23F62449}"/>
-          </ac:spMkLst>
-        </pc:spChg>
-        <pc:spChg chg="add mod">
-          <ac:chgData name="François GLEYZON" userId="a2d04f23f7faf3ef" providerId="LiveId" clId="{1404D58C-429C-4D75-B5B2-E1C9B8E0DC36}" dt="2025-03-16T18:28:40.057" v="7126" actId="113"/>
-          <ac:spMkLst>
-            <pc:docMk/>
-            <pc:sldMk cId="2830059827" sldId="269"/>
-            <ac:spMk id="17" creationId="{D1FEB786-966B-0D83-37C9-2EBFF8D0D322}"/>
-          </ac:spMkLst>
-        </pc:spChg>
-        <pc:spChg chg="add mod">
-          <ac:chgData name="François GLEYZON" userId="a2d04f23f7faf3ef" providerId="LiveId" clId="{1404D58C-429C-4D75-B5B2-E1C9B8E0DC36}" dt="2025-03-16T15:14:56.424" v="2791" actId="1076"/>
-          <ac:spMkLst>
-            <pc:docMk/>
-            <pc:sldMk cId="2830059827" sldId="269"/>
-            <ac:spMk id="18" creationId="{2DA8E8F2-2AF9-DB7D-FA62-83A39D6661D9}"/>
-          </ac:spMkLst>
-        </pc:spChg>
-        <pc:spChg chg="add mod">
-          <ac:chgData name="François GLEYZON" userId="a2d04f23f7faf3ef" providerId="LiveId" clId="{1404D58C-429C-4D75-B5B2-E1C9B8E0DC36}" dt="2025-03-16T15:14:59.278" v="2792" actId="20577"/>
-          <ac:spMkLst>
-            <pc:docMk/>
-            <pc:sldMk cId="2830059827" sldId="269"/>
-            <ac:spMk id="19" creationId="{EEC0C2AA-6F3D-50A5-6859-E9FF640D7681}"/>
-          </ac:spMkLst>
-        </pc:spChg>
-        <pc:spChg chg="add mod">
-          <ac:chgData name="François GLEYZON" userId="a2d04f23f7faf3ef" providerId="LiveId" clId="{1404D58C-429C-4D75-B5B2-E1C9B8E0DC36}" dt="2025-03-16T15:15:33.082" v="2879" actId="20577"/>
-          <ac:spMkLst>
-            <pc:docMk/>
-            <pc:sldMk cId="2830059827" sldId="269"/>
-            <ac:spMk id="21" creationId="{52EED8E5-7326-32DB-C13F-1498B2A40CDF}"/>
-          </ac:spMkLst>
-        </pc:spChg>
-        <pc:spChg chg="add mod">
-          <ac:chgData name="François GLEYZON" userId="a2d04f23f7faf3ef" providerId="LiveId" clId="{1404D58C-429C-4D75-B5B2-E1C9B8E0DC36}" dt="2025-03-16T15:19:24.017" v="3044" actId="1076"/>
-          <ac:spMkLst>
-            <pc:docMk/>
-            <pc:sldMk cId="2830059827" sldId="269"/>
-            <ac:spMk id="24" creationId="{BD3233B2-F816-A13E-92F5-924BA2130E34}"/>
-          </ac:spMkLst>
-        </pc:spChg>
-        <pc:spChg chg="add mod">
-          <ac:chgData name="François GLEYZON" userId="a2d04f23f7faf3ef" providerId="LiveId" clId="{1404D58C-429C-4D75-B5B2-E1C9B8E0DC36}" dt="2025-03-27T15:47:18.234" v="7423"/>
-          <ac:spMkLst>
-            <pc:docMk/>
-            <pc:sldMk cId="2830059827" sldId="269"/>
-            <ac:spMk id="25" creationId="{5FCF3EA4-1C17-404E-D7DC-4DCD39E349EE}"/>
-          </ac:spMkLst>
-        </pc:spChg>
-        <pc:picChg chg="add mod">
-          <ac:chgData name="François GLEYZON" userId="a2d04f23f7faf3ef" providerId="LiveId" clId="{1404D58C-429C-4D75-B5B2-E1C9B8E0DC36}" dt="2025-03-27T15:47:44.026" v="7434" actId="1037"/>
-          <ac:picMkLst>
-            <pc:docMk/>
-            <pc:sldMk cId="2830059827" sldId="269"/>
-            <ac:picMk id="1026" creationId="{631B88E2-7308-4AA9-E4DD-AC0360CF9821}"/>
-          </ac:picMkLst>
-        </pc:picChg>
-        <pc:cxnChg chg="add mod">
-          <ac:chgData name="François GLEYZON" userId="a2d04f23f7faf3ef" providerId="LiveId" clId="{1404D58C-429C-4D75-B5B2-E1C9B8E0DC36}" dt="2025-03-16T15:10:55.005" v="2660" actId="20577"/>
-          <ac:cxnSpMkLst>
-            <pc:docMk/>
-            <pc:sldMk cId="2830059827" sldId="269"/>
-            <ac:cxnSpMk id="10" creationId="{FA3DA1B2-AD0A-283D-1F5D-AD9276E7401C}"/>
-          </ac:cxnSpMkLst>
-        </pc:cxnChg>
-        <pc:cxnChg chg="add mod">
-          <ac:chgData name="François GLEYZON" userId="a2d04f23f7faf3ef" providerId="LiveId" clId="{1404D58C-429C-4D75-B5B2-E1C9B8E0DC36}" dt="2025-03-16T15:15:39.872" v="2882" actId="14100"/>
-          <ac:cxnSpMkLst>
-            <pc:docMk/>
-            <pc:sldMk cId="2830059827" sldId="269"/>
-            <ac:cxnSpMk id="20" creationId="{EFED52EE-D353-671B-312B-C6260B9FA771}"/>
-          </ac:cxnSpMkLst>
-        </pc:cxnChg>
-      </pc:sldChg>
-      <pc:sldChg chg="addSp modSp add mod">
-        <pc:chgData name="François GLEYZON" userId="a2d04f23f7faf3ef" providerId="LiveId" clId="{1404D58C-429C-4D75-B5B2-E1C9B8E0DC36}" dt="2025-03-16T14:36:37.943" v="1520"/>
-        <pc:sldMkLst>
-          <pc:docMk/>
-          <pc:sldMk cId="3668441629" sldId="270"/>
-        </pc:sldMkLst>
-        <pc:spChg chg="add mod">
-          <ac:chgData name="François GLEYZON" userId="a2d04f23f7faf3ef" providerId="LiveId" clId="{1404D58C-429C-4D75-B5B2-E1C9B8E0DC36}" dt="2025-03-16T14:36:37.943" v="1520"/>
-          <ac:spMkLst>
-            <pc:docMk/>
-            <pc:sldMk cId="3668441629" sldId="270"/>
-            <ac:spMk id="2" creationId="{59F282F9-3609-1522-0AA2-327E0A7E7A9B}"/>
-          </ac:spMkLst>
-        </pc:spChg>
-        <pc:spChg chg="mod">
-          <ac:chgData name="François GLEYZON" userId="a2d04f23f7faf3ef" providerId="LiveId" clId="{1404D58C-429C-4D75-B5B2-E1C9B8E0DC36}" dt="2025-03-16T14:17:42.635" v="76" actId="20577"/>
-          <ac:spMkLst>
-            <pc:docMk/>
-            <pc:sldMk cId="3668441629" sldId="270"/>
-            <ac:spMk id="9" creationId="{9D2D06DC-6CE6-B872-3049-9B0D28F68101}"/>
-          </ac:spMkLst>
-        </pc:spChg>
-      </pc:sldChg>
-      <pc:sldChg chg="addSp modSp add mod">
-        <pc:chgData name="François GLEYZON" userId="a2d04f23f7faf3ef" providerId="LiveId" clId="{1404D58C-429C-4D75-B5B2-E1C9B8E0DC36}" dt="2025-03-16T14:36:40.083" v="1521"/>
-        <pc:sldMkLst>
-          <pc:docMk/>
-          <pc:sldMk cId="1301843568" sldId="271"/>
-        </pc:sldMkLst>
-        <pc:spChg chg="add mod">
-          <ac:chgData name="François GLEYZON" userId="a2d04f23f7faf3ef" providerId="LiveId" clId="{1404D58C-429C-4D75-B5B2-E1C9B8E0DC36}" dt="2025-03-16T14:36:40.083" v="1521"/>
-          <ac:spMkLst>
-            <pc:docMk/>
-            <pc:sldMk cId="1301843568" sldId="271"/>
-            <ac:spMk id="2" creationId="{B03F54C8-C74E-296C-FF98-648447B3C076}"/>
-          </ac:spMkLst>
-        </pc:spChg>
-        <pc:spChg chg="mod">
-          <ac:chgData name="François GLEYZON" userId="a2d04f23f7faf3ef" providerId="LiveId" clId="{1404D58C-429C-4D75-B5B2-E1C9B8E0DC36}" dt="2025-03-16T14:17:52.241" v="97" actId="20577"/>
-          <ac:spMkLst>
-            <pc:docMk/>
-            <pc:sldMk cId="1301843568" sldId="271"/>
-            <ac:spMk id="9" creationId="{9AC59951-2052-5891-EC5A-4BBED090FE92}"/>
-          </ac:spMkLst>
-        </pc:spChg>
-      </pc:sldChg>
-      <pc:sldChg chg="addSp delSp modSp add mod">
-        <pc:chgData name="François GLEYZON" userId="a2d04f23f7faf3ef" providerId="LiveId" clId="{1404D58C-429C-4D75-B5B2-E1C9B8E0DC36}" dt="2025-03-16T18:21:18.427" v="6846" actId="1038"/>
-        <pc:sldMkLst>
-          <pc:docMk/>
-          <pc:sldMk cId="1767245589" sldId="272"/>
-        </pc:sldMkLst>
-        <pc:spChg chg="add mod">
-          <ac:chgData name="François GLEYZON" userId="a2d04f23f7faf3ef" providerId="LiveId" clId="{1404D58C-429C-4D75-B5B2-E1C9B8E0DC36}" dt="2025-03-16T14:36:41.923" v="1522"/>
-          <ac:spMkLst>
-            <pc:docMk/>
-            <pc:sldMk cId="1767245589" sldId="272"/>
-            <ac:spMk id="2" creationId="{281E66B3-EC50-1DB7-5246-A0A1D85B27B2}"/>
-          </ac:spMkLst>
-        </pc:spChg>
-        <pc:spChg chg="add mod">
-          <ac:chgData name="François GLEYZON" userId="a2d04f23f7faf3ef" providerId="LiveId" clId="{1404D58C-429C-4D75-B5B2-E1C9B8E0DC36}" dt="2025-03-16T17:38:31.338" v="3598" actId="113"/>
-          <ac:spMkLst>
-            <pc:docMk/>
-            <pc:sldMk cId="1767245589" sldId="272"/>
-            <ac:spMk id="5" creationId="{E13FB8D1-D18F-47C7-D1B2-4705A4773972}"/>
-          </ac:spMkLst>
-        </pc:spChg>
-        <pc:spChg chg="add mod">
-          <ac:chgData name="François GLEYZON" userId="a2d04f23f7faf3ef" providerId="LiveId" clId="{1404D58C-429C-4D75-B5B2-E1C9B8E0DC36}" dt="2025-03-16T17:43:23.848" v="3944" actId="20577"/>
-          <ac:spMkLst>
-            <pc:docMk/>
-            <pc:sldMk cId="1767245589" sldId="272"/>
-            <ac:spMk id="6" creationId="{9D3F7280-79FE-6679-FD09-21759D67BD31}"/>
-          </ac:spMkLst>
-        </pc:spChg>
-        <pc:spChg chg="mod">
-          <ac:chgData name="François GLEYZON" userId="a2d04f23f7faf3ef" providerId="LiveId" clId="{1404D58C-429C-4D75-B5B2-E1C9B8E0DC36}" dt="2025-03-16T14:18:01.236" v="108" actId="20577"/>
-          <ac:spMkLst>
-            <pc:docMk/>
-            <pc:sldMk cId="1767245589" sldId="272"/>
-            <ac:spMk id="9" creationId="{D60C7752-751C-B280-204E-C5F5E4B10805}"/>
-          </ac:spMkLst>
-        </pc:spChg>
-        <pc:spChg chg="add mod">
-          <ac:chgData name="François GLEYZON" userId="a2d04f23f7faf3ef" providerId="LiveId" clId="{1404D58C-429C-4D75-B5B2-E1C9B8E0DC36}" dt="2025-03-16T18:02:10.159" v="6248" actId="1076"/>
-          <ac:spMkLst>
-            <pc:docMk/>
-            <pc:sldMk cId="1767245589" sldId="272"/>
-            <ac:spMk id="10" creationId="{FB7FDD76-3978-200B-32AC-62FEBBC52D44}"/>
-          </ac:spMkLst>
-        </pc:spChg>
-        <pc:spChg chg="add mod">
-          <ac:chgData name="François GLEYZON" userId="a2d04f23f7faf3ef" providerId="LiveId" clId="{1404D58C-429C-4D75-B5B2-E1C9B8E0DC36}" dt="2025-03-16T18:02:15.543" v="6249" actId="465"/>
-          <ac:spMkLst>
-            <pc:docMk/>
-            <pc:sldMk cId="1767245589" sldId="272"/>
-            <ac:spMk id="11" creationId="{1A607B03-1BC0-C771-595F-432338076A8B}"/>
-          </ac:spMkLst>
-        </pc:spChg>
-        <pc:spChg chg="add mod">
-          <ac:chgData name="François GLEYZON" userId="a2d04f23f7faf3ef" providerId="LiveId" clId="{1404D58C-429C-4D75-B5B2-E1C9B8E0DC36}" dt="2025-03-16T18:02:10.159" v="6248" actId="1076"/>
-          <ac:spMkLst>
-            <pc:docMk/>
-            <pc:sldMk cId="1767245589" sldId="272"/>
-            <ac:spMk id="12" creationId="{EEF1FBAD-7C20-C706-E6A5-B20EBC80F0F6}"/>
-          </ac:spMkLst>
-        </pc:spChg>
-        <pc:spChg chg="add mod">
-          <ac:chgData name="François GLEYZON" userId="a2d04f23f7faf3ef" providerId="LiveId" clId="{1404D58C-429C-4D75-B5B2-E1C9B8E0DC36}" dt="2025-03-16T18:09:11.697" v="6453" actId="1076"/>
-          <ac:spMkLst>
-            <pc:docMk/>
-            <pc:sldMk cId="1767245589" sldId="272"/>
-            <ac:spMk id="41" creationId="{DFB335B7-5A67-A708-9BF0-15568CAD7AA8}"/>
-          </ac:spMkLst>
-        </pc:spChg>
-        <pc:spChg chg="add mod">
-          <ac:chgData name="François GLEYZON" userId="a2d04f23f7faf3ef" providerId="LiveId" clId="{1404D58C-429C-4D75-B5B2-E1C9B8E0DC36}" dt="2025-03-16T18:21:18.427" v="6846" actId="1038"/>
-          <ac:spMkLst>
-            <pc:docMk/>
-            <pc:sldMk cId="1767245589" sldId="272"/>
-            <ac:spMk id="42" creationId="{2585DC19-B449-1015-A282-9C33F7EDCA40}"/>
-          </ac:spMkLst>
-        </pc:spChg>
-        <pc:picChg chg="add mod">
-          <ac:chgData name="François GLEYZON" userId="a2d04f23f7faf3ef" providerId="LiveId" clId="{1404D58C-429C-4D75-B5B2-E1C9B8E0DC36}" dt="2025-03-16T17:38:33.760" v="3599" actId="1076"/>
-          <ac:picMkLst>
-            <pc:docMk/>
-            <pc:sldMk cId="1767245589" sldId="272"/>
-            <ac:picMk id="4" creationId="{53ED0A81-57CD-C16F-8A9A-2BCDAA3F406E}"/>
-          </ac:picMkLst>
-        </pc:picChg>
-        <pc:picChg chg="add mod">
-          <ac:chgData name="François GLEYZON" userId="a2d04f23f7faf3ef" providerId="LiveId" clId="{1404D58C-429C-4D75-B5B2-E1C9B8E0DC36}" dt="2025-03-16T18:02:22.290" v="6250" actId="1076"/>
-          <ac:picMkLst>
-            <pc:docMk/>
-            <pc:sldMk cId="1767245589" sldId="272"/>
-            <ac:picMk id="8" creationId="{8A31FEA3-15F3-A5B2-8631-79D870FD9189}"/>
-          </ac:picMkLst>
-        </pc:picChg>
-        <pc:picChg chg="add mod">
-          <ac:chgData name="François GLEYZON" userId="a2d04f23f7faf3ef" providerId="LiveId" clId="{1404D58C-429C-4D75-B5B2-E1C9B8E0DC36}" dt="2025-03-16T18:06:56.413" v="6270" actId="1076"/>
-          <ac:picMkLst>
-            <pc:docMk/>
-            <pc:sldMk cId="1767245589" sldId="272"/>
-            <ac:picMk id="25" creationId="{33ED872E-179F-A9C0-F2A5-3AD41FFB9EF1}"/>
-          </ac:picMkLst>
-        </pc:picChg>
-        <pc:cxnChg chg="add mod">
-          <ac:chgData name="François GLEYZON" userId="a2d04f23f7faf3ef" providerId="LiveId" clId="{1404D58C-429C-4D75-B5B2-E1C9B8E0DC36}" dt="2025-03-16T18:02:32.678" v="6253" actId="14100"/>
-          <ac:cxnSpMkLst>
-            <pc:docMk/>
-            <pc:sldMk cId="1767245589" sldId="272"/>
-            <ac:cxnSpMk id="13" creationId="{D49B9546-9E06-3F1B-67AE-CDE54685608B}"/>
-          </ac:cxnSpMkLst>
-        </pc:cxnChg>
-        <pc:cxnChg chg="add mod">
-          <ac:chgData name="François GLEYZON" userId="a2d04f23f7faf3ef" providerId="LiveId" clId="{1404D58C-429C-4D75-B5B2-E1C9B8E0DC36}" dt="2025-03-16T18:02:38.187" v="6256" actId="14100"/>
-          <ac:cxnSpMkLst>
-            <pc:docMk/>
-            <pc:sldMk cId="1767245589" sldId="272"/>
-            <ac:cxnSpMk id="16" creationId="{80972539-C73D-4278-5BF7-104942B2DDC7}"/>
-          </ac:cxnSpMkLst>
-        </pc:cxnChg>
-        <pc:cxnChg chg="add mod">
-          <ac:chgData name="François GLEYZON" userId="a2d04f23f7faf3ef" providerId="LiveId" clId="{1404D58C-429C-4D75-B5B2-E1C9B8E0DC36}" dt="2025-03-16T18:02:56.302" v="6263" actId="1076"/>
-          <ac:cxnSpMkLst>
-            <pc:docMk/>
-            <pc:sldMk cId="1767245589" sldId="272"/>
-            <ac:cxnSpMk id="22" creationId="{5F64B1CF-78E3-E145-2A94-E4E959096099}"/>
-          </ac:cxnSpMkLst>
-        </pc:cxnChg>
-        <pc:cxnChg chg="add mod">
-          <ac:chgData name="François GLEYZON" userId="a2d04f23f7faf3ef" providerId="LiveId" clId="{1404D58C-429C-4D75-B5B2-E1C9B8E0DC36}" dt="2025-03-16T18:07:23.828" v="6276" actId="1076"/>
-          <ac:cxnSpMkLst>
-            <pc:docMk/>
-            <pc:sldMk cId="1767245589" sldId="272"/>
-            <ac:cxnSpMk id="26" creationId="{24747122-5B36-739F-9F5D-A25E30C5894E}"/>
-          </ac:cxnSpMkLst>
-        </pc:cxnChg>
-        <pc:cxnChg chg="add mod">
-          <ac:chgData name="François GLEYZON" userId="a2d04f23f7faf3ef" providerId="LiveId" clId="{1404D58C-429C-4D75-B5B2-E1C9B8E0DC36}" dt="2025-03-16T18:08:12.757" v="6293" actId="1076"/>
-          <ac:cxnSpMkLst>
-            <pc:docMk/>
-            <pc:sldMk cId="1767245589" sldId="272"/>
-            <ac:cxnSpMk id="29" creationId="{ED3FFF44-1763-2C72-B7EF-4BAA1E20308F}"/>
-          </ac:cxnSpMkLst>
-        </pc:cxnChg>
-        <pc:cxnChg chg="add mod">
-          <ac:chgData name="François GLEYZON" userId="a2d04f23f7faf3ef" providerId="LiveId" clId="{1404D58C-429C-4D75-B5B2-E1C9B8E0DC36}" dt="2025-03-16T18:08:12.757" v="6293" actId="1076"/>
-          <ac:cxnSpMkLst>
-            <pc:docMk/>
-            <pc:sldMk cId="1767245589" sldId="272"/>
-            <ac:cxnSpMk id="30" creationId="{ED17C5F0-368F-E284-A61A-C3045C6891D1}"/>
-          </ac:cxnSpMkLst>
-        </pc:cxnChg>
-        <pc:cxnChg chg="add mod">
-          <ac:chgData name="François GLEYZON" userId="a2d04f23f7faf3ef" providerId="LiveId" clId="{1404D58C-429C-4D75-B5B2-E1C9B8E0DC36}" dt="2025-03-16T18:08:12.757" v="6293" actId="1076"/>
-          <ac:cxnSpMkLst>
-            <pc:docMk/>
-            <pc:sldMk cId="1767245589" sldId="272"/>
-            <ac:cxnSpMk id="32" creationId="{EBF41D9D-82DF-C3F4-5E79-9F90515FE944}"/>
-          </ac:cxnSpMkLst>
-        </pc:cxnChg>
-        <pc:cxnChg chg="add mod">
-          <ac:chgData name="François GLEYZON" userId="a2d04f23f7faf3ef" providerId="LiveId" clId="{1404D58C-429C-4D75-B5B2-E1C9B8E0DC36}" dt="2025-03-16T18:08:12.757" v="6293" actId="1076"/>
-          <ac:cxnSpMkLst>
-            <pc:docMk/>
-            <pc:sldMk cId="1767245589" sldId="272"/>
-            <ac:cxnSpMk id="33" creationId="{485B08DD-0A2D-7F00-A27D-0359CCD8796F}"/>
-          </ac:cxnSpMkLst>
-        </pc:cxnChg>
-        <pc:cxnChg chg="add mod">
-          <ac:chgData name="François GLEYZON" userId="a2d04f23f7faf3ef" providerId="LiveId" clId="{1404D58C-429C-4D75-B5B2-E1C9B8E0DC36}" dt="2025-03-16T18:08:12.757" v="6293" actId="1076"/>
-          <ac:cxnSpMkLst>
-            <pc:docMk/>
-            <pc:sldMk cId="1767245589" sldId="272"/>
-            <ac:cxnSpMk id="34" creationId="{0B4B6C7C-6463-E2E8-72B3-5CFE5A079E3B}"/>
-          </ac:cxnSpMkLst>
-        </pc:cxnChg>
-        <pc:cxnChg chg="add mod">
-          <ac:chgData name="François GLEYZON" userId="a2d04f23f7faf3ef" providerId="LiveId" clId="{1404D58C-429C-4D75-B5B2-E1C9B8E0DC36}" dt="2025-03-16T18:08:12.757" v="6293" actId="1076"/>
-          <ac:cxnSpMkLst>
-            <pc:docMk/>
-            <pc:sldMk cId="1767245589" sldId="272"/>
-            <ac:cxnSpMk id="35" creationId="{03D955B2-F219-8CB6-1E53-3AA6415D6650}"/>
-          </ac:cxnSpMkLst>
-        </pc:cxnChg>
-        <pc:cxnChg chg="add mod">
-          <ac:chgData name="François GLEYZON" userId="a2d04f23f7faf3ef" providerId="LiveId" clId="{1404D58C-429C-4D75-B5B2-E1C9B8E0DC36}" dt="2025-03-16T18:08:12.757" v="6293" actId="1076"/>
-          <ac:cxnSpMkLst>
-            <pc:docMk/>
-            <pc:sldMk cId="1767245589" sldId="272"/>
-            <ac:cxnSpMk id="37" creationId="{16D7FD71-B1AD-0F14-A6E2-E849307A4B3A}"/>
-          </ac:cxnSpMkLst>
-        </pc:cxnChg>
-        <pc:cxnChg chg="add mod">
-          <ac:chgData name="François GLEYZON" userId="a2d04f23f7faf3ef" providerId="LiveId" clId="{1404D58C-429C-4D75-B5B2-E1C9B8E0DC36}" dt="2025-03-16T18:08:12.757" v="6293" actId="1076"/>
-          <ac:cxnSpMkLst>
-            <pc:docMk/>
-            <pc:sldMk cId="1767245589" sldId="272"/>
-            <ac:cxnSpMk id="38" creationId="{8618A658-E824-26F7-2526-3280361FFBE8}"/>
-          </ac:cxnSpMkLst>
-        </pc:cxnChg>
-        <pc:cxnChg chg="add mod">
-          <ac:chgData name="François GLEYZON" userId="a2d04f23f7faf3ef" providerId="LiveId" clId="{1404D58C-429C-4D75-B5B2-E1C9B8E0DC36}" dt="2025-03-16T18:08:12.757" v="6293" actId="1076"/>
-          <ac:cxnSpMkLst>
-            <pc:docMk/>
-            <pc:sldMk cId="1767245589" sldId="272"/>
-            <ac:cxnSpMk id="40" creationId="{CC554D35-7624-2528-FD55-5AD0D0D02370}"/>
-          </ac:cxnSpMkLst>
-        </pc:cxnChg>
-      </pc:sldChg>
-      <pc:sldChg chg="addSp delSp modSp add mod">
-        <pc:chgData name="François GLEYZON" userId="a2d04f23f7faf3ef" providerId="LiveId" clId="{1404D58C-429C-4D75-B5B2-E1C9B8E0DC36}" dt="2025-03-27T21:10:24.446" v="8858" actId="20577"/>
-        <pc:sldMkLst>
-          <pc:docMk/>
-          <pc:sldMk cId="3992977093" sldId="273"/>
-        </pc:sldMkLst>
-        <pc:spChg chg="add mod">
-          <ac:chgData name="François GLEYZON" userId="a2d04f23f7faf3ef" providerId="LiveId" clId="{1404D58C-429C-4D75-B5B2-E1C9B8E0DC36}" dt="2025-03-16T14:36:45.214" v="1523"/>
-          <ac:spMkLst>
-            <pc:docMk/>
-            <pc:sldMk cId="3992977093" sldId="273"/>
-            <ac:spMk id="2" creationId="{0042AAB7-5C77-4BBB-D2D5-854226AC3ED2}"/>
-          </ac:spMkLst>
-        </pc:spChg>
-        <pc:spChg chg="add mod">
-          <ac:chgData name="François GLEYZON" userId="a2d04f23f7faf3ef" providerId="LiveId" clId="{1404D58C-429C-4D75-B5B2-E1C9B8E0DC36}" dt="2025-03-27T20:58:54.799" v="7856" actId="20577"/>
-          <ac:spMkLst>
-            <pc:docMk/>
-            <pc:sldMk cId="3992977093" sldId="273"/>
-            <ac:spMk id="3" creationId="{E3F04533-03AC-21EF-93FD-83141649C652}"/>
-          </ac:spMkLst>
-        </pc:spChg>
-        <pc:spChg chg="add mod">
-          <ac:chgData name="François GLEYZON" userId="a2d04f23f7faf3ef" providerId="LiveId" clId="{1404D58C-429C-4D75-B5B2-E1C9B8E0DC36}" dt="2025-03-27T20:54:53.533" v="7835" actId="14100"/>
-          <ac:spMkLst>
-            <pc:docMk/>
-            <pc:sldMk cId="3992977093" sldId="273"/>
-            <ac:spMk id="5" creationId="{553BCEC3-A8F4-DAC1-BEC4-21AF39FC432C}"/>
-          </ac:spMkLst>
-        </pc:spChg>
-        <pc:spChg chg="mod">
-          <ac:chgData name="François GLEYZON" userId="a2d04f23f7faf3ef" providerId="LiveId" clId="{1404D58C-429C-4D75-B5B2-E1C9B8E0DC36}" dt="2025-03-16T14:18:10.318" v="137" actId="20577"/>
-          <ac:spMkLst>
-            <pc:docMk/>
-            <pc:sldMk cId="3992977093" sldId="273"/>
-            <ac:spMk id="9" creationId="{C9B5B16C-1DB0-E947-93DF-D6622677A8E5}"/>
-          </ac:spMkLst>
-        </pc:spChg>
-        <pc:spChg chg="add mod">
-          <ac:chgData name="François GLEYZON" userId="a2d04f23f7faf3ef" providerId="LiveId" clId="{1404D58C-429C-4D75-B5B2-E1C9B8E0DC36}" dt="2025-03-27T21:03:57.591" v="8432" actId="20577"/>
-          <ac:spMkLst>
-            <pc:docMk/>
-            <pc:sldMk cId="3992977093" sldId="273"/>
-            <ac:spMk id="13" creationId="{4F92AAEB-8362-34E4-82A1-BF26B6648AA5}"/>
-          </ac:spMkLst>
-        </pc:spChg>
-        <pc:spChg chg="add mod">
-          <ac:chgData name="François GLEYZON" userId="a2d04f23f7faf3ef" providerId="LiveId" clId="{1404D58C-429C-4D75-B5B2-E1C9B8E0DC36}" dt="2025-03-27T21:10:24.446" v="8858" actId="20577"/>
-          <ac:spMkLst>
-            <pc:docMk/>
-            <pc:sldMk cId="3992977093" sldId="273"/>
-            <ac:spMk id="14" creationId="{48BDC8D2-B524-1313-821E-AE3DCCAD58E5}"/>
-          </ac:spMkLst>
-        </pc:spChg>
-        <pc:picChg chg="add mod">
-          <ac:chgData name="François GLEYZON" userId="a2d04f23f7faf3ef" providerId="LiveId" clId="{1404D58C-429C-4D75-B5B2-E1C9B8E0DC36}" dt="2025-03-27T20:54:32.814" v="7811"/>
-          <ac:picMkLst>
-            <pc:docMk/>
-            <pc:sldMk cId="3992977093" sldId="273"/>
-            <ac:picMk id="4" creationId="{91688AE2-5959-A781-FCEA-3219A0B37ED1}"/>
-          </ac:picMkLst>
-        </pc:picChg>
-        <pc:picChg chg="add mod">
-          <ac:chgData name="François GLEYZON" userId="a2d04f23f7faf3ef" providerId="LiveId" clId="{1404D58C-429C-4D75-B5B2-E1C9B8E0DC36}" dt="2025-03-27T20:56:52.069" v="7850" actId="1076"/>
-          <ac:picMkLst>
-            <pc:docMk/>
-            <pc:sldMk cId="3992977093" sldId="273"/>
-            <ac:picMk id="7" creationId="{95DA9114-B9DC-EAA8-3C4C-01EE1B196BB1}"/>
-          </ac:picMkLst>
-        </pc:picChg>
-        <pc:picChg chg="add mod">
-          <ac:chgData name="François GLEYZON" userId="a2d04f23f7faf3ef" providerId="LiveId" clId="{1404D58C-429C-4D75-B5B2-E1C9B8E0DC36}" dt="2025-03-27T20:56:52.069" v="7850" actId="1076"/>
-          <ac:picMkLst>
-            <pc:docMk/>
-            <pc:sldMk cId="3992977093" sldId="273"/>
-            <ac:picMk id="10" creationId="{71B00AE5-45C4-9ACA-101A-43DB73FF576D}"/>
-          </ac:picMkLst>
-        </pc:picChg>
-        <pc:picChg chg="add del mod">
-          <ac:chgData name="François GLEYZON" userId="a2d04f23f7faf3ef" providerId="LiveId" clId="{1404D58C-429C-4D75-B5B2-E1C9B8E0DC36}" dt="2025-03-27T20:56:35.793" v="7847" actId="21"/>
-          <ac:picMkLst>
-            <pc:docMk/>
-            <pc:sldMk cId="3992977093" sldId="273"/>
-            <ac:picMk id="12" creationId="{3E431663-A0A1-F147-8DD1-649B435558AF}"/>
-          </ac:picMkLst>
-        </pc:picChg>
-      </pc:sldChg>
-      <pc:sldChg chg="addSp delSp modSp add mod">
-        <pc:chgData name="François GLEYZON" userId="a2d04f23f7faf3ef" providerId="LiveId" clId="{1404D58C-429C-4D75-B5B2-E1C9B8E0DC36}" dt="2025-03-16T18:23:52.809" v="6936" actId="113"/>
-        <pc:sldMkLst>
-          <pc:docMk/>
-          <pc:sldMk cId="1403034857" sldId="274"/>
-        </pc:sldMkLst>
-        <pc:spChg chg="add mod">
-          <ac:chgData name="François GLEYZON" userId="a2d04f23f7faf3ef" providerId="LiveId" clId="{1404D58C-429C-4D75-B5B2-E1C9B8E0DC36}" dt="2025-03-16T17:42:43.868" v="3939" actId="20577"/>
-          <ac:spMkLst>
-            <pc:docMk/>
-            <pc:sldMk cId="1403034857" sldId="274"/>
-            <ac:spMk id="2" creationId="{250421EB-6552-6AB6-6F25-DA6377842E5D}"/>
-          </ac:spMkLst>
-        </pc:spChg>
-        <pc:spChg chg="add mod">
-          <ac:chgData name="François GLEYZON" userId="a2d04f23f7faf3ef" providerId="LiveId" clId="{1404D58C-429C-4D75-B5B2-E1C9B8E0DC36}" dt="2025-03-16T14:34:27.905" v="1172" actId="20577"/>
-          <ac:spMkLst>
-            <pc:docMk/>
-            <pc:sldMk cId="1403034857" sldId="274"/>
-            <ac:spMk id="4" creationId="{E3C49277-8E12-BB83-3B74-7BE038B51A44}"/>
-          </ac:spMkLst>
-        </pc:spChg>
-        <pc:spChg chg="add mod">
-          <ac:chgData name="François GLEYZON" userId="a2d04f23f7faf3ef" providerId="LiveId" clId="{1404D58C-429C-4D75-B5B2-E1C9B8E0DC36}" dt="2025-03-16T14:36:33.003" v="1517"/>
-          <ac:spMkLst>
-            <pc:docMk/>
-            <pc:sldMk cId="1403034857" sldId="274"/>
-            <ac:spMk id="6" creationId="{47CB0EFF-830F-8349-9DB3-FB9A307C5887}"/>
-          </ac:spMkLst>
-        </pc:spChg>
-        <pc:spChg chg="add mod">
-          <ac:chgData name="François GLEYZON" userId="a2d04f23f7faf3ef" providerId="LiveId" clId="{1404D58C-429C-4D75-B5B2-E1C9B8E0DC36}" dt="2025-03-16T14:41:39.123" v="2068" actId="20577"/>
-          <ac:spMkLst>
-            <pc:docMk/>
-            <pc:sldMk cId="1403034857" sldId="274"/>
-            <ac:spMk id="8" creationId="{23AAE550-8793-C14A-40F5-CD14768E5CC4}"/>
-          </ac:spMkLst>
-        </pc:spChg>
-        <pc:spChg chg="mod">
-          <ac:chgData name="François GLEYZON" userId="a2d04f23f7faf3ef" providerId="LiveId" clId="{1404D58C-429C-4D75-B5B2-E1C9B8E0DC36}" dt="2025-03-16T14:33:28.183" v="1132"/>
-          <ac:spMkLst>
-            <pc:docMk/>
-            <pc:sldMk cId="1403034857" sldId="274"/>
-            <ac:spMk id="11" creationId="{CC039125-0F68-3456-446E-4D9C7474E349}"/>
-          </ac:spMkLst>
-        </pc:spChg>
-        <pc:spChg chg="add mod">
-          <ac:chgData name="François GLEYZON" userId="a2d04f23f7faf3ef" providerId="LiveId" clId="{1404D58C-429C-4D75-B5B2-E1C9B8E0DC36}" dt="2025-03-16T18:23:52.809" v="6936" actId="113"/>
-          <ac:spMkLst>
-            <pc:docMk/>
-            <pc:sldMk cId="1403034857" sldId="274"/>
-            <ac:spMk id="13" creationId="{F42919BC-EA1A-4B98-6077-4001FBC5468F}"/>
-          </ac:spMkLst>
-        </pc:spChg>
-        <pc:picChg chg="add mod">
-          <ac:chgData name="François GLEYZON" userId="a2d04f23f7faf3ef" providerId="LiveId" clId="{1404D58C-429C-4D75-B5B2-E1C9B8E0DC36}" dt="2025-03-16T14:34:09.753" v="1139" actId="1076"/>
-          <ac:picMkLst>
-            <pc:docMk/>
-            <pc:sldMk cId="1403034857" sldId="274"/>
-            <ac:picMk id="3" creationId="{E01AC50A-D99A-D3E4-4BBB-CAE8C1141722}"/>
-          </ac:picMkLst>
-        </pc:picChg>
-        <pc:picChg chg="add mod">
-          <ac:chgData name="François GLEYZON" userId="a2d04f23f7faf3ef" providerId="LiveId" clId="{1404D58C-429C-4D75-B5B2-E1C9B8E0DC36}" dt="2025-03-16T14:41:10.123" v="2055" actId="1076"/>
-          <ac:picMkLst>
-            <pc:docMk/>
-            <pc:sldMk cId="1403034857" sldId="274"/>
-            <ac:picMk id="14" creationId="{6D57DE72-C86C-8864-4204-0A2213B42D38}"/>
-          </ac:picMkLst>
-        </pc:picChg>
-        <pc:picChg chg="add mod">
-          <ac:chgData name="François GLEYZON" userId="a2d04f23f7faf3ef" providerId="LiveId" clId="{1404D58C-429C-4D75-B5B2-E1C9B8E0DC36}" dt="2025-03-16T17:43:16.898" v="3942" actId="1076"/>
-          <ac:picMkLst>
-            <pc:docMk/>
-            <pc:sldMk cId="1403034857" sldId="274"/>
-            <ac:picMk id="1026" creationId="{C8CA877A-7DDE-FEB7-24D0-9EE0DFAC3ACC}"/>
-          </ac:picMkLst>
-        </pc:picChg>
-      </pc:sldChg>
-      <pc:sldChg chg="addSp delSp modSp add mod">
-        <pc:chgData name="François GLEYZON" userId="a2d04f23f7faf3ef" providerId="LiveId" clId="{1404D58C-429C-4D75-B5B2-E1C9B8E0DC36}" dt="2025-03-16T18:27:24.448" v="7125" actId="114"/>
-        <pc:sldMkLst>
-          <pc:docMk/>
-          <pc:sldMk cId="3135963873" sldId="275"/>
-        </pc:sldMkLst>
-        <pc:spChg chg="add mod">
-          <ac:chgData name="François GLEYZON" userId="a2d04f23f7faf3ef" providerId="LiveId" clId="{1404D58C-429C-4D75-B5B2-E1C9B8E0DC36}" dt="2025-03-16T18:27:24.448" v="7125" actId="114"/>
-          <ac:spMkLst>
-            <pc:docMk/>
-            <pc:sldMk cId="3135963873" sldId="275"/>
-            <ac:spMk id="5" creationId="{FAC551E2-7AD3-5FEF-E2DE-209EDBFB2695}"/>
-          </ac:spMkLst>
-        </pc:spChg>
-        <pc:spChg chg="mod">
-          <ac:chgData name="François GLEYZON" userId="a2d04f23f7faf3ef" providerId="LiveId" clId="{1404D58C-429C-4D75-B5B2-E1C9B8E0DC36}" dt="2025-03-16T15:23:02.888" v="3258" actId="20577"/>
-          <ac:spMkLst>
-            <pc:docMk/>
-            <pc:sldMk cId="3135963873" sldId="275"/>
-            <ac:spMk id="9" creationId="{A1BFB0DE-CCDE-5E15-B93D-0C46D50CF46E}"/>
-          </ac:spMkLst>
-        </pc:spChg>
-      </pc:sldChg>
-      <pc:sldChg chg="addSp delSp modSp add mod">
-        <pc:chgData name="François GLEYZON" userId="a2d04f23f7faf3ef" providerId="LiveId" clId="{1404D58C-429C-4D75-B5B2-E1C9B8E0DC36}" dt="2025-03-27T20:54:15.974" v="7809" actId="1037"/>
-        <pc:sldMkLst>
-          <pc:docMk/>
-          <pc:sldMk cId="312469821" sldId="276"/>
-        </pc:sldMkLst>
-        <pc:spChg chg="add mod">
-          <ac:chgData name="François GLEYZON" userId="a2d04f23f7faf3ef" providerId="LiveId" clId="{1404D58C-429C-4D75-B5B2-E1C9B8E0DC36}" dt="2025-03-27T20:54:15.974" v="7809" actId="1037"/>
-          <ac:spMkLst>
-            <pc:docMk/>
-            <pc:sldMk cId="312469821" sldId="276"/>
-            <ac:spMk id="3" creationId="{1E469B70-0A01-2F0B-8630-A75E636CB8E6}"/>
-          </ac:spMkLst>
-        </pc:spChg>
-        <pc:spChg chg="mod">
-          <ac:chgData name="François GLEYZON" userId="a2d04f23f7faf3ef" providerId="LiveId" clId="{1404D58C-429C-4D75-B5B2-E1C9B8E0DC36}" dt="2025-03-16T17:45:37.898" v="4201" actId="33524"/>
-          <ac:spMkLst>
-            <pc:docMk/>
-            <pc:sldMk cId="312469821" sldId="276"/>
-            <ac:spMk id="5" creationId="{D2931CAA-5B1D-3DB8-5405-0EBED6E73DDA}"/>
-          </ac:spMkLst>
-        </pc:spChg>
-        <pc:spChg chg="add mod">
-          <ac:chgData name="François GLEYZON" userId="a2d04f23f7faf3ef" providerId="LiveId" clId="{1404D58C-429C-4D75-B5B2-E1C9B8E0DC36}" dt="2025-03-16T17:58:26.908" v="5884" actId="13926"/>
-          <ac:spMkLst>
-            <pc:docMk/>
-            <pc:sldMk cId="312469821" sldId="276"/>
-            <ac:spMk id="8" creationId="{A3FB3464-F9D7-F388-8CA4-20C652C808AB}"/>
-          </ac:spMkLst>
-        </pc:spChg>
-        <pc:spChg chg="add mod">
-          <ac:chgData name="François GLEYZON" userId="a2d04f23f7faf3ef" providerId="LiveId" clId="{1404D58C-429C-4D75-B5B2-E1C9B8E0DC36}" dt="2025-03-16T18:24:53.792" v="6937" actId="1076"/>
-          <ac:spMkLst>
-            <pc:docMk/>
-            <pc:sldMk cId="312469821" sldId="276"/>
-            <ac:spMk id="10" creationId="{3787056C-9D45-21F4-6CDE-BB39E364A145}"/>
-          </ac:spMkLst>
-        </pc:spChg>
-        <pc:spChg chg="add mod">
-          <ac:chgData name="François GLEYZON" userId="a2d04f23f7faf3ef" providerId="LiveId" clId="{1404D58C-429C-4D75-B5B2-E1C9B8E0DC36}" dt="2025-03-16T18:25:24.592" v="6981" actId="114"/>
-          <ac:spMkLst>
-            <pc:docMk/>
-            <pc:sldMk cId="312469821" sldId="276"/>
-            <ac:spMk id="11" creationId="{9D58840C-50FD-E58B-670F-C4615DAF690D}"/>
-          </ac:spMkLst>
-        </pc:spChg>
-        <pc:picChg chg="add mod">
-          <ac:chgData name="François GLEYZON" userId="a2d04f23f7faf3ef" providerId="LiveId" clId="{1404D58C-429C-4D75-B5B2-E1C9B8E0DC36}" dt="2025-03-16T17:49:26.117" v="4766" actId="1076"/>
-          <ac:picMkLst>
-            <pc:docMk/>
-            <pc:sldMk cId="312469821" sldId="276"/>
-            <ac:picMk id="7" creationId="{4C33A69A-4ABB-390F-8D1C-5D58AB9AF2C3}"/>
-          </ac:picMkLst>
-        </pc:picChg>
-        <pc:picChg chg="add mod">
-          <ac:chgData name="François GLEYZON" userId="a2d04f23f7faf3ef" providerId="LiveId" clId="{1404D58C-429C-4D75-B5B2-E1C9B8E0DC36}" dt="2025-03-27T20:54:15.974" v="7809" actId="1037"/>
-          <ac:picMkLst>
-            <pc:docMk/>
-            <pc:sldMk cId="312469821" sldId="276"/>
-            <ac:picMk id="2050" creationId="{C26E7882-1A4B-4D9E-20C6-8D0DCC3535F1}"/>
-          </ac:picMkLst>
-        </pc:picChg>
-      </pc:sldChg>
-      <pc:sldChg chg="addSp delSp modSp add mod">
-        <pc:chgData name="François GLEYZON" userId="a2d04f23f7faf3ef" providerId="LiveId" clId="{1404D58C-429C-4D75-B5B2-E1C9B8E0DC36}" dt="2025-03-27T20:54:22.304" v="7810"/>
-        <pc:sldMkLst>
-          <pc:docMk/>
-          <pc:sldMk cId="1989661597" sldId="277"/>
-        </pc:sldMkLst>
-        <pc:spChg chg="add mod">
-          <ac:chgData name="François GLEYZON" userId="a2d04f23f7faf3ef" providerId="LiveId" clId="{1404D58C-429C-4D75-B5B2-E1C9B8E0DC36}" dt="2025-03-27T20:54:22.304" v="7810"/>
-          <ac:spMkLst>
-            <pc:docMk/>
-            <pc:sldMk cId="1989661597" sldId="277"/>
-            <ac:spMk id="4" creationId="{75AA8A51-2A97-8D06-CECD-B9BDC2716E90}"/>
-          </ac:spMkLst>
-        </pc:spChg>
-        <pc:spChg chg="mod">
-          <ac:chgData name="François GLEYZON" userId="a2d04f23f7faf3ef" providerId="LiveId" clId="{1404D58C-429C-4D75-B5B2-E1C9B8E0DC36}" dt="2025-03-16T18:25:42.620" v="6987" actId="6549"/>
-          <ac:spMkLst>
-            <pc:docMk/>
-            <pc:sldMk cId="1989661597" sldId="277"/>
-            <ac:spMk id="5" creationId="{4DAC8AF4-A004-7163-A739-49ECA39B9FEC}"/>
-          </ac:spMkLst>
-        </pc:spChg>
-        <pc:spChg chg="mod">
-          <ac:chgData name="François GLEYZON" userId="a2d04f23f7faf3ef" providerId="LiveId" clId="{1404D58C-429C-4D75-B5B2-E1C9B8E0DC36}" dt="2025-03-16T18:25:46.907" v="6988" actId="1076"/>
-          <ac:spMkLst>
-            <pc:docMk/>
-            <pc:sldMk cId="1989661597" sldId="277"/>
-            <ac:spMk id="10" creationId="{01A678EA-30F3-62CE-A9F0-10C182D4BBB2}"/>
-          </ac:spMkLst>
-        </pc:spChg>
-        <pc:spChg chg="add mod">
-          <ac:chgData name="François GLEYZON" userId="a2d04f23f7faf3ef" providerId="LiveId" clId="{1404D58C-429C-4D75-B5B2-E1C9B8E0DC36}" dt="2025-03-16T18:25:55.029" v="6991" actId="1076"/>
-          <ac:spMkLst>
-            <pc:docMk/>
-            <pc:sldMk cId="1989661597" sldId="277"/>
-            <ac:spMk id="12" creationId="{AFD64144-DA5F-8B73-6CEA-181D47AD5646}"/>
-          </ac:spMkLst>
-        </pc:spChg>
-        <pc:spChg chg="add mod">
-          <ac:chgData name="François GLEYZON" userId="a2d04f23f7faf3ef" providerId="LiveId" clId="{1404D58C-429C-4D75-B5B2-E1C9B8E0DC36}" dt="2025-03-16T18:25:52.377" v="6990" actId="1076"/>
-          <ac:spMkLst>
-            <pc:docMk/>
-            <pc:sldMk cId="1989661597" sldId="277"/>
-            <ac:spMk id="13" creationId="{C4557F9C-855D-3055-9D46-7013C9868120}"/>
-          </ac:spMkLst>
-        </pc:spChg>
-        <pc:picChg chg="add mod">
-          <ac:chgData name="François GLEYZON" userId="a2d04f23f7faf3ef" providerId="LiveId" clId="{1404D58C-429C-4D75-B5B2-E1C9B8E0DC36}" dt="2025-03-27T20:54:22.304" v="7810"/>
-          <ac:picMkLst>
-            <pc:docMk/>
-            <pc:sldMk cId="1989661597" sldId="277"/>
-            <ac:picMk id="3" creationId="{9418A06D-5188-6FDC-24BC-F87439036057}"/>
-          </ac:picMkLst>
-        </pc:picChg>
-        <pc:picChg chg="add mod">
-          <ac:chgData name="François GLEYZON" userId="a2d04f23f7faf3ef" providerId="LiveId" clId="{1404D58C-429C-4D75-B5B2-E1C9B8E0DC36}" dt="2025-03-16T18:25:48.590" v="6989" actId="1076"/>
-          <ac:picMkLst>
-            <pc:docMk/>
-            <pc:sldMk cId="1989661597" sldId="277"/>
-            <ac:picMk id="11" creationId="{76E36435-5B32-C3F8-CDBC-02E2B5086320}"/>
-          </ac:picMkLst>
-        </pc:picChg>
-      </pc:sldChg>
-      <pc:sldChg chg="addSp delSp modSp add mod">
-        <pc:chgData name="François GLEYZON" userId="a2d04f23f7faf3ef" providerId="LiveId" clId="{1404D58C-429C-4D75-B5B2-E1C9B8E0DC36}" dt="2025-03-18T00:13:16.107" v="7136" actId="13926"/>
-        <pc:sldMkLst>
-          <pc:docMk/>
-          <pc:sldMk cId="3353157011" sldId="278"/>
-        </pc:sldMkLst>
-        <pc:spChg chg="add mod">
-          <ac:chgData name="François GLEYZON" userId="a2d04f23f7faf3ef" providerId="LiveId" clId="{1404D58C-429C-4D75-B5B2-E1C9B8E0DC36}" dt="2025-03-16T18:20:16.267" v="6837" actId="207"/>
-          <ac:spMkLst>
-            <pc:docMk/>
-            <pc:sldMk cId="3353157011" sldId="278"/>
-            <ac:spMk id="3" creationId="{9B7F5462-4ABB-EBA2-0610-D1DC1488F1E8}"/>
-          </ac:spMkLst>
-        </pc:spChg>
-        <pc:spChg chg="add mod">
-          <ac:chgData name="François GLEYZON" userId="a2d04f23f7faf3ef" providerId="LiveId" clId="{1404D58C-429C-4D75-B5B2-E1C9B8E0DC36}" dt="2025-03-16T18:22:57.632" v="6908" actId="13926"/>
-          <ac:spMkLst>
-            <pc:docMk/>
-            <pc:sldMk cId="3353157011" sldId="278"/>
-            <ac:spMk id="4" creationId="{071085C4-0B93-7C4D-668E-440636B813C4}"/>
-          </ac:spMkLst>
-        </pc:spChg>
-        <pc:spChg chg="mod">
-          <ac:chgData name="François GLEYZON" userId="a2d04f23f7faf3ef" providerId="LiveId" clId="{1404D58C-429C-4D75-B5B2-E1C9B8E0DC36}" dt="2025-03-18T00:13:16.107" v="7136" actId="13926"/>
-          <ac:spMkLst>
-            <pc:docMk/>
-            <pc:sldMk cId="3353157011" sldId="278"/>
-            <ac:spMk id="5" creationId="{123C1752-9749-D963-C34A-A3CB069DD9C5}"/>
-          </ac:spMkLst>
-        </pc:spChg>
-      </pc:sldChg>
-      <pc:sldChg chg="add">
-        <pc:chgData name="François GLEYZON" userId="a2d04f23f7faf3ef" providerId="LiveId" clId="{1404D58C-429C-4D75-B5B2-E1C9B8E0DC36}" dt="2025-03-27T15:48:09.571" v="7435"/>
-        <pc:sldMkLst>
-          <pc:docMk/>
-          <pc:sldMk cId="963883029" sldId="279"/>
-        </pc:sldMkLst>
-      </pc:sldChg>
-      <pc:sldChg chg="addSp delSp modSp add mod">
-        <pc:chgData name="François GLEYZON" userId="a2d04f23f7faf3ef" providerId="LiveId" clId="{1404D58C-429C-4D75-B5B2-E1C9B8E0DC36}" dt="2025-03-27T21:12:56.884" v="8997" actId="20577"/>
-        <pc:sldMkLst>
-          <pc:docMk/>
-          <pc:sldMk cId="956691911" sldId="280"/>
-        </pc:sldMkLst>
-        <pc:spChg chg="mod">
-          <ac:chgData name="François GLEYZON" userId="a2d04f23f7faf3ef" providerId="LiveId" clId="{1404D58C-429C-4D75-B5B2-E1C9B8E0DC36}" dt="2025-03-27T21:06:48.929" v="8549" actId="114"/>
-          <ac:spMkLst>
-            <pc:docMk/>
-            <pc:sldMk cId="956691911" sldId="280"/>
-            <ac:spMk id="3" creationId="{49E817FD-6192-C972-9162-7F57B3CE3D00}"/>
-          </ac:spMkLst>
-        </pc:spChg>
-        <pc:spChg chg="del">
-          <ac:chgData name="François GLEYZON" userId="a2d04f23f7faf3ef" providerId="LiveId" clId="{1404D58C-429C-4D75-B5B2-E1C9B8E0DC36}" dt="2025-03-27T21:05:37.824" v="8495" actId="478"/>
-          <ac:spMkLst>
-            <pc:docMk/>
-            <pc:sldMk cId="956691911" sldId="280"/>
-            <ac:spMk id="13" creationId="{30FD23D6-F439-5EE3-0133-24669F1EF0A4}"/>
-          </ac:spMkLst>
-        </pc:spChg>
-        <pc:spChg chg="add mod">
-          <ac:chgData name="François GLEYZON" userId="a2d04f23f7faf3ef" providerId="LiveId" clId="{1404D58C-429C-4D75-B5B2-E1C9B8E0DC36}" dt="2025-03-27T21:12:56.884" v="8997" actId="20577"/>
-          <ac:spMkLst>
-            <pc:docMk/>
-            <pc:sldMk cId="956691911" sldId="280"/>
-            <ac:spMk id="14" creationId="{15BE0636-0290-4D62-2BBD-81087B277E96}"/>
-          </ac:spMkLst>
-        </pc:spChg>
-        <pc:spChg chg="add del mod">
-          <ac:chgData name="François GLEYZON" userId="a2d04f23f7faf3ef" providerId="LiveId" clId="{1404D58C-429C-4D75-B5B2-E1C9B8E0DC36}" dt="2025-03-27T21:11:48.167" v="8891" actId="478"/>
-          <ac:spMkLst>
-            <pc:docMk/>
-            <pc:sldMk cId="956691911" sldId="280"/>
-            <ac:spMk id="16" creationId="{DF78B8ED-CA81-7442-722A-9100B46FFC0F}"/>
-          </ac:spMkLst>
-        </pc:spChg>
-        <pc:spChg chg="add del mod">
-          <ac:chgData name="François GLEYZON" userId="a2d04f23f7faf3ef" providerId="LiveId" clId="{1404D58C-429C-4D75-B5B2-E1C9B8E0DC36}" dt="2025-03-27T21:11:00.101" v="8865"/>
-          <ac:spMkLst>
-            <pc:docMk/>
-            <pc:sldMk cId="956691911" sldId="280"/>
-            <ac:spMk id="17" creationId="{DA909163-8B12-2698-D0BA-A5A3E3CFC4D8}"/>
-          </ac:spMkLst>
-        </pc:spChg>
-        <pc:spChg chg="add mod">
-          <ac:chgData name="François GLEYZON" userId="a2d04f23f7faf3ef" providerId="LiveId" clId="{1404D58C-429C-4D75-B5B2-E1C9B8E0DC36}" dt="2025-03-27T21:12:00.599" v="8896" actId="1036"/>
-          <ac:spMkLst>
-            <pc:docMk/>
-            <pc:sldMk cId="956691911" sldId="280"/>
-            <ac:spMk id="18" creationId="{0B9EC4DF-BFB4-7E6C-E9F3-26663D2EEE7E}"/>
-          </ac:spMkLst>
-        </pc:spChg>
-        <pc:picChg chg="del">
-          <ac:chgData name="François GLEYZON" userId="a2d04f23f7faf3ef" providerId="LiveId" clId="{1404D58C-429C-4D75-B5B2-E1C9B8E0DC36}" dt="2025-03-27T21:05:35.780" v="8493" actId="478"/>
-          <ac:picMkLst>
-            <pc:docMk/>
-            <pc:sldMk cId="956691911" sldId="280"/>
-            <ac:picMk id="7" creationId="{D6A04802-FD94-CCF6-E27E-B6CC2EE0B512}"/>
-          </ac:picMkLst>
-        </pc:picChg>
-        <pc:picChg chg="add mod">
-          <ac:chgData name="François GLEYZON" userId="a2d04f23f7faf3ef" providerId="LiveId" clId="{1404D58C-429C-4D75-B5B2-E1C9B8E0DC36}" dt="2025-03-27T21:11:50.374" v="8893" actId="1076"/>
-          <ac:picMkLst>
-            <pc:docMk/>
-            <pc:sldMk cId="956691911" sldId="280"/>
-            <ac:picMk id="8" creationId="{443D6940-4B4A-542A-BA6C-963F392DDFE4}"/>
-          </ac:picMkLst>
-        </pc:picChg>
-        <pc:picChg chg="del">
-          <ac:chgData name="François GLEYZON" userId="a2d04f23f7faf3ef" providerId="LiveId" clId="{1404D58C-429C-4D75-B5B2-E1C9B8E0DC36}" dt="2025-03-27T21:05:36.341" v="8494" actId="478"/>
-          <ac:picMkLst>
-            <pc:docMk/>
-            <pc:sldMk cId="956691911" sldId="280"/>
-            <ac:picMk id="10" creationId="{8570CB32-03D9-F400-9EEA-BD3656F09699}"/>
-          </ac:picMkLst>
-        </pc:picChg>
-        <pc:picChg chg="add mod">
-          <ac:chgData name="François GLEYZON" userId="a2d04f23f7faf3ef" providerId="LiveId" clId="{1404D58C-429C-4D75-B5B2-E1C9B8E0DC36}" dt="2025-03-27T21:06:13.652" v="8508" actId="1076"/>
-          <ac:picMkLst>
-            <pc:docMk/>
-            <pc:sldMk cId="956691911" sldId="280"/>
-            <ac:picMk id="12" creationId="{5FD27660-F829-9650-A7F7-56552FB1EB07}"/>
-          </ac:picMkLst>
-        </pc:picChg>
-      </pc:sldChg>
-    </pc:docChg>
-  </pc:docChgLst>
   <pc:docChgLst>
     <pc:chgData name="François GLEYZON" userId="a2d04f23f7faf3ef" providerId="LiveId" clId="{8625411A-B743-4065-8137-36E899DC5753}"/>
     <pc:docChg chg="undo custSel addSld delSld modSld">
@@ -2390,6 +1382,1061 @@
       </pc:sldChg>
     </pc:docChg>
   </pc:docChgLst>
+  <pc:docChgLst>
+    <pc:chgData name="François GLEYZON" userId="a2d04f23f7faf3ef" providerId="LiveId" clId="{1404D58C-429C-4D75-B5B2-E1C9B8E0DC36}"/>
+    <pc:docChg chg="undo redo custSel addSld modSld sldOrd">
+      <pc:chgData name="François GLEYZON" userId="a2d04f23f7faf3ef" providerId="LiveId" clId="{1404D58C-429C-4D75-B5B2-E1C9B8E0DC36}" dt="2025-03-28T20:40:04.072" v="9111" actId="20577"/>
+      <pc:docMkLst>
+        <pc:docMk/>
+      </pc:docMkLst>
+      <pc:sldChg chg="addSp delSp modSp mod">
+        <pc:chgData name="François GLEYZON" userId="a2d04f23f7faf3ef" providerId="LiveId" clId="{1404D58C-429C-4D75-B5B2-E1C9B8E0DC36}" dt="2025-03-27T15:44:38.844" v="7178" actId="113"/>
+        <pc:sldMkLst>
+          <pc:docMk/>
+          <pc:sldMk cId="2801290844" sldId="256"/>
+        </pc:sldMkLst>
+        <pc:spChg chg="mod">
+          <ac:chgData name="François GLEYZON" userId="a2d04f23f7faf3ef" providerId="LiveId" clId="{1404D58C-429C-4D75-B5B2-E1C9B8E0DC36}" dt="2025-03-27T15:44:38.844" v="7178" actId="113"/>
+          <ac:spMkLst>
+            <pc:docMk/>
+            <pc:sldMk cId="2801290844" sldId="256"/>
+            <ac:spMk id="5" creationId="{CCB64622-7D99-EF9C-E64A-6B7A68B130E7}"/>
+          </ac:spMkLst>
+        </pc:spChg>
+        <pc:spChg chg="mod">
+          <ac:chgData name="François GLEYZON" userId="a2d04f23f7faf3ef" providerId="LiveId" clId="{1404D58C-429C-4D75-B5B2-E1C9B8E0DC36}" dt="2025-03-27T15:44:33.534" v="7177" actId="1035"/>
+          <ac:spMkLst>
+            <pc:docMk/>
+            <pc:sldMk cId="2801290844" sldId="256"/>
+            <ac:spMk id="11" creationId="{ADA3B4ED-F9F9-8357-018A-C931A9829ED9}"/>
+          </ac:spMkLst>
+        </pc:spChg>
+        <pc:spChg chg="add mod">
+          <ac:chgData name="François GLEYZON" userId="a2d04f23f7faf3ef" providerId="LiveId" clId="{1404D58C-429C-4D75-B5B2-E1C9B8E0DC36}" dt="2025-03-16T14:36:30.969" v="1516"/>
+          <ac:spMkLst>
+            <pc:docMk/>
+            <pc:sldMk cId="2801290844" sldId="256"/>
+            <ac:spMk id="12" creationId="{B3FBCD95-757E-0D30-1DE3-8FB709355D99}"/>
+          </ac:spMkLst>
+        </pc:spChg>
+        <pc:spChg chg="mod">
+          <ac:chgData name="François GLEYZON" userId="a2d04f23f7faf3ef" providerId="LiveId" clId="{1404D58C-429C-4D75-B5B2-E1C9B8E0DC36}" dt="2025-03-27T15:44:33.534" v="7177" actId="1035"/>
+          <ac:spMkLst>
+            <pc:docMk/>
+            <pc:sldMk cId="2801290844" sldId="256"/>
+            <ac:spMk id="13" creationId="{2A150A6C-B8B3-44CE-8884-B81C5AD95D13}"/>
+          </ac:spMkLst>
+        </pc:spChg>
+      </pc:sldChg>
+      <pc:sldChg chg="addSp delSp mod">
+        <pc:chgData name="François GLEYZON" userId="a2d04f23f7faf3ef" providerId="LiveId" clId="{1404D58C-429C-4D75-B5B2-E1C9B8E0DC36}" dt="2025-03-16T14:16:57.551" v="36" actId="22"/>
+        <pc:sldMkLst>
+          <pc:docMk/>
+          <pc:sldMk cId="2487955664" sldId="257"/>
+        </pc:sldMkLst>
+      </pc:sldChg>
+      <pc:sldChg chg="addSp delSp modSp mod">
+        <pc:chgData name="François GLEYZON" userId="a2d04f23f7faf3ef" providerId="LiveId" clId="{1404D58C-429C-4D75-B5B2-E1C9B8E0DC36}" dt="2025-03-16T18:23:45.777" v="6935" actId="20577"/>
+        <pc:sldMkLst>
+          <pc:docMk/>
+          <pc:sldMk cId="1966793551" sldId="265"/>
+        </pc:sldMkLst>
+        <pc:spChg chg="mod">
+          <ac:chgData name="François GLEYZON" userId="a2d04f23f7faf3ef" providerId="LiveId" clId="{1404D58C-429C-4D75-B5B2-E1C9B8E0DC36}" dt="2025-03-16T14:17:32.286" v="61" actId="20577"/>
+          <ac:spMkLst>
+            <pc:docMk/>
+            <pc:sldMk cId="1966793551" sldId="265"/>
+            <ac:spMk id="9" creationId="{6E9846D3-47A3-2AE6-6383-AB77CC5B517E}"/>
+          </ac:spMkLst>
+        </pc:spChg>
+        <pc:spChg chg="add mod">
+          <ac:chgData name="François GLEYZON" userId="a2d04f23f7faf3ef" providerId="LiveId" clId="{1404D58C-429C-4D75-B5B2-E1C9B8E0DC36}" dt="2025-03-16T14:24:23.045" v="574" actId="20577"/>
+          <ac:spMkLst>
+            <pc:docMk/>
+            <pc:sldMk cId="1966793551" sldId="265"/>
+            <ac:spMk id="11" creationId="{072A0C86-E46F-7872-4F73-D0C64405F9A7}"/>
+          </ac:spMkLst>
+        </pc:spChg>
+        <pc:spChg chg="add mod">
+          <ac:chgData name="François GLEYZON" userId="a2d04f23f7faf3ef" providerId="LiveId" clId="{1404D58C-429C-4D75-B5B2-E1C9B8E0DC36}" dt="2025-03-16T18:23:45.777" v="6935" actId="20577"/>
+          <ac:spMkLst>
+            <pc:docMk/>
+            <pc:sldMk cId="1966793551" sldId="265"/>
+            <ac:spMk id="28" creationId="{A3F4CAB7-21CC-3B13-8827-56C233CE43A0}"/>
+          </ac:spMkLst>
+        </pc:spChg>
+        <pc:spChg chg="add mod">
+          <ac:chgData name="François GLEYZON" userId="a2d04f23f7faf3ef" providerId="LiveId" clId="{1404D58C-429C-4D75-B5B2-E1C9B8E0DC36}" dt="2025-03-16T14:28:50.048" v="782" actId="14100"/>
+          <ac:spMkLst>
+            <pc:docMk/>
+            <pc:sldMk cId="1966793551" sldId="265"/>
+            <ac:spMk id="29" creationId="{16F0C38C-ADF0-05C8-AB97-6D861D171C8A}"/>
+          </ac:spMkLst>
+        </pc:spChg>
+        <pc:spChg chg="add mod">
+          <ac:chgData name="François GLEYZON" userId="a2d04f23f7faf3ef" providerId="LiveId" clId="{1404D58C-429C-4D75-B5B2-E1C9B8E0DC36}" dt="2025-03-16T14:37:03.623" v="1524" actId="164"/>
+          <ac:spMkLst>
+            <pc:docMk/>
+            <pc:sldMk cId="1966793551" sldId="265"/>
+            <ac:spMk id="30" creationId="{F9012EBE-327E-81BA-D0CC-DFFC3A81D06E}"/>
+          </ac:spMkLst>
+        </pc:spChg>
+        <pc:spChg chg="add mod">
+          <ac:chgData name="François GLEYZON" userId="a2d04f23f7faf3ef" providerId="LiveId" clId="{1404D58C-429C-4D75-B5B2-E1C9B8E0DC36}" dt="2025-03-16T14:37:03.623" v="1524" actId="164"/>
+          <ac:spMkLst>
+            <pc:docMk/>
+            <pc:sldMk cId="1966793551" sldId="265"/>
+            <ac:spMk id="31" creationId="{E096CA17-3B37-1EC9-086C-6073F9F0E327}"/>
+          </ac:spMkLst>
+        </pc:spChg>
+        <pc:spChg chg="add mod">
+          <ac:chgData name="François GLEYZON" userId="a2d04f23f7faf3ef" providerId="LiveId" clId="{1404D58C-429C-4D75-B5B2-E1C9B8E0DC36}" dt="2025-03-16T14:36:12.133" v="1510" actId="20577"/>
+          <ac:spMkLst>
+            <pc:docMk/>
+            <pc:sldMk cId="1966793551" sldId="265"/>
+            <ac:spMk id="48" creationId="{4BF5205A-C21B-DC10-00D1-30EE1B56E60B}"/>
+          </ac:spMkLst>
+        </pc:spChg>
+        <pc:spChg chg="add mod">
+          <ac:chgData name="François GLEYZON" userId="a2d04f23f7faf3ef" providerId="LiveId" clId="{1404D58C-429C-4D75-B5B2-E1C9B8E0DC36}" dt="2025-03-16T14:36:25.253" v="1514" actId="20577"/>
+          <ac:spMkLst>
+            <pc:docMk/>
+            <pc:sldMk cId="1966793551" sldId="265"/>
+            <ac:spMk id="49" creationId="{A79242B3-F8EA-94FD-D9D9-2D85B18818DC}"/>
+          </ac:spMkLst>
+        </pc:spChg>
+        <pc:grpChg chg="add mod">
+          <ac:chgData name="François GLEYZON" userId="a2d04f23f7faf3ef" providerId="LiveId" clId="{1404D58C-429C-4D75-B5B2-E1C9B8E0DC36}" dt="2025-03-16T14:37:08.843" v="1548" actId="1038"/>
+          <ac:grpSpMkLst>
+            <pc:docMk/>
+            <pc:sldMk cId="1966793551" sldId="265"/>
+            <ac:grpSpMk id="50" creationId="{6D300C5F-060B-A29B-5E63-8AB2F8289D3E}"/>
+          </ac:grpSpMkLst>
+        </pc:grpChg>
+        <pc:picChg chg="add mod">
+          <ac:chgData name="François GLEYZON" userId="a2d04f23f7faf3ef" providerId="LiveId" clId="{1404D58C-429C-4D75-B5B2-E1C9B8E0DC36}" dt="2025-03-16T14:37:03.623" v="1524" actId="164"/>
+          <ac:picMkLst>
+            <pc:docMk/>
+            <pc:sldMk cId="1966793551" sldId="265"/>
+            <ac:picMk id="16" creationId="{C8511678-E88F-7D51-904A-00D5D2E20854}"/>
+          </ac:picMkLst>
+        </pc:picChg>
+        <pc:picChg chg="add mod">
+          <ac:chgData name="François GLEYZON" userId="a2d04f23f7faf3ef" providerId="LiveId" clId="{1404D58C-429C-4D75-B5B2-E1C9B8E0DC36}" dt="2025-03-16T14:37:03.623" v="1524" actId="164"/>
+          <ac:picMkLst>
+            <pc:docMk/>
+            <pc:sldMk cId="1966793551" sldId="265"/>
+            <ac:picMk id="22" creationId="{E271FBCE-EB1D-54CC-CAFB-7E1DFF99CA2E}"/>
+          </ac:picMkLst>
+        </pc:picChg>
+      </pc:sldChg>
+      <pc:sldChg chg="add ord">
+        <pc:chgData name="François GLEYZON" userId="a2d04f23f7faf3ef" providerId="LiveId" clId="{1404D58C-429C-4D75-B5B2-E1C9B8E0DC36}" dt="2025-03-16T14:17:18.713" v="44"/>
+        <pc:sldMkLst>
+          <pc:docMk/>
+          <pc:sldMk cId="3204585435" sldId="267"/>
+        </pc:sldMkLst>
+      </pc:sldChg>
+      <pc:sldChg chg="addSp modSp new mod">
+        <pc:chgData name="François GLEYZON" userId="a2d04f23f7faf3ef" providerId="LiveId" clId="{1404D58C-429C-4D75-B5B2-E1C9B8E0DC36}" dt="2025-03-16T14:17:16.283" v="42" actId="207"/>
+        <pc:sldMkLst>
+          <pc:docMk/>
+          <pc:sldMk cId="1821676052" sldId="268"/>
+        </pc:sldMkLst>
+        <pc:spChg chg="add mod">
+          <ac:chgData name="François GLEYZON" userId="a2d04f23f7faf3ef" providerId="LiveId" clId="{1404D58C-429C-4D75-B5B2-E1C9B8E0DC36}" dt="2025-03-16T14:17:16.283" v="42" actId="207"/>
+          <ac:spMkLst>
+            <pc:docMk/>
+            <pc:sldMk cId="1821676052" sldId="268"/>
+            <ac:spMk id="2" creationId="{CE60E174-1138-FE64-FEE9-6D62A3AC6AD5}"/>
+          </ac:spMkLst>
+        </pc:spChg>
+      </pc:sldChg>
+      <pc:sldChg chg="addSp modSp add mod">
+        <pc:chgData name="François GLEYZON" userId="a2d04f23f7faf3ef" providerId="LiveId" clId="{1404D58C-429C-4D75-B5B2-E1C9B8E0DC36}" dt="2025-03-27T15:47:44.026" v="7434" actId="1037"/>
+        <pc:sldMkLst>
+          <pc:docMk/>
+          <pc:sldMk cId="2830059827" sldId="269"/>
+        </pc:sldMkLst>
+        <pc:spChg chg="add mod">
+          <ac:chgData name="François GLEYZON" userId="a2d04f23f7faf3ef" providerId="LiveId" clId="{1404D58C-429C-4D75-B5B2-E1C9B8E0DC36}" dt="2025-03-16T14:36:36.203" v="1519"/>
+          <ac:spMkLst>
+            <pc:docMk/>
+            <pc:sldMk cId="2830059827" sldId="269"/>
+            <ac:spMk id="2" creationId="{80394A4F-406B-36BD-74F1-B5D4E71043BB}"/>
+          </ac:spMkLst>
+        </pc:spChg>
+        <pc:spChg chg="add mod">
+          <ac:chgData name="François GLEYZON" userId="a2d04f23f7faf3ef" providerId="LiveId" clId="{1404D58C-429C-4D75-B5B2-E1C9B8E0DC36}" dt="2025-03-16T15:10:21.692" v="2647" actId="113"/>
+          <ac:spMkLst>
+            <pc:docMk/>
+            <pc:sldMk cId="2830059827" sldId="269"/>
+            <ac:spMk id="3" creationId="{1C52FBAC-7EC8-BE7C-95EC-C16D6E8AF899}"/>
+          </ac:spMkLst>
+        </pc:spChg>
+        <pc:spChg chg="add mod">
+          <ac:chgData name="François GLEYZON" userId="a2d04f23f7faf3ef" providerId="LiveId" clId="{1404D58C-429C-4D75-B5B2-E1C9B8E0DC36}" dt="2025-03-16T15:06:51.653" v="2533" actId="1035"/>
+          <ac:spMkLst>
+            <pc:docMk/>
+            <pc:sldMk cId="2830059827" sldId="269"/>
+            <ac:spMk id="4" creationId="{78B77FF1-8B2E-A1A3-EF89-C57622AB1454}"/>
+          </ac:spMkLst>
+        </pc:spChg>
+        <pc:spChg chg="add mod">
+          <ac:chgData name="François GLEYZON" userId="a2d04f23f7faf3ef" providerId="LiveId" clId="{1404D58C-429C-4D75-B5B2-E1C9B8E0DC36}" dt="2025-03-16T15:06:51.653" v="2533" actId="1035"/>
+          <ac:spMkLst>
+            <pc:docMk/>
+            <pc:sldMk cId="2830059827" sldId="269"/>
+            <ac:spMk id="5" creationId="{739A139A-CC56-81D5-3FFE-43CECF04B84D}"/>
+          </ac:spMkLst>
+        </pc:spChg>
+        <pc:spChg chg="add mod">
+          <ac:chgData name="François GLEYZON" userId="a2d04f23f7faf3ef" providerId="LiveId" clId="{1404D58C-429C-4D75-B5B2-E1C9B8E0DC36}" dt="2025-03-16T15:06:51.653" v="2533" actId="1035"/>
+          <ac:spMkLst>
+            <pc:docMk/>
+            <pc:sldMk cId="2830059827" sldId="269"/>
+            <ac:spMk id="6" creationId="{A343BD2D-3517-D6F9-AED8-67B2A11B82DC}"/>
+          </ac:spMkLst>
+        </pc:spChg>
+        <pc:spChg chg="add mod">
+          <ac:chgData name="François GLEYZON" userId="a2d04f23f7faf3ef" providerId="LiveId" clId="{1404D58C-429C-4D75-B5B2-E1C9B8E0DC36}" dt="2025-03-16T15:09:51.483" v="2643" actId="1076"/>
+          <ac:spMkLst>
+            <pc:docMk/>
+            <pc:sldMk cId="2830059827" sldId="269"/>
+            <ac:spMk id="7" creationId="{2AD06AC7-B335-02C5-39E6-6F2C36E7AA8C}"/>
+          </ac:spMkLst>
+        </pc:spChg>
+        <pc:spChg chg="add mod">
+          <ac:chgData name="François GLEYZON" userId="a2d04f23f7faf3ef" providerId="LiveId" clId="{1404D58C-429C-4D75-B5B2-E1C9B8E0DC36}" dt="2025-03-27T15:47:37.838" v="7428" actId="14100"/>
+          <ac:spMkLst>
+            <pc:docMk/>
+            <pc:sldMk cId="2830059827" sldId="269"/>
+            <ac:spMk id="8" creationId="{F42AAFE0-6C2A-03C7-A118-435301C2CC37}"/>
+          </ac:spMkLst>
+        </pc:spChg>
+        <pc:spChg chg="add mod">
+          <ac:chgData name="François GLEYZON" userId="a2d04f23f7faf3ef" providerId="LiveId" clId="{1404D58C-429C-4D75-B5B2-E1C9B8E0DC36}" dt="2025-03-16T15:25:15.576" v="3276" actId="113"/>
+          <ac:spMkLst>
+            <pc:docMk/>
+            <pc:sldMk cId="2830059827" sldId="269"/>
+            <ac:spMk id="11" creationId="{80852BB1-1AEF-BA63-A523-0B2E23F62449}"/>
+          </ac:spMkLst>
+        </pc:spChg>
+        <pc:spChg chg="add mod">
+          <ac:chgData name="François GLEYZON" userId="a2d04f23f7faf3ef" providerId="LiveId" clId="{1404D58C-429C-4D75-B5B2-E1C9B8E0DC36}" dt="2025-03-16T18:28:40.057" v="7126" actId="113"/>
+          <ac:spMkLst>
+            <pc:docMk/>
+            <pc:sldMk cId="2830059827" sldId="269"/>
+            <ac:spMk id="17" creationId="{D1FEB786-966B-0D83-37C9-2EBFF8D0D322}"/>
+          </ac:spMkLst>
+        </pc:spChg>
+        <pc:spChg chg="add mod">
+          <ac:chgData name="François GLEYZON" userId="a2d04f23f7faf3ef" providerId="LiveId" clId="{1404D58C-429C-4D75-B5B2-E1C9B8E0DC36}" dt="2025-03-16T15:14:56.424" v="2791" actId="1076"/>
+          <ac:spMkLst>
+            <pc:docMk/>
+            <pc:sldMk cId="2830059827" sldId="269"/>
+            <ac:spMk id="18" creationId="{2DA8E8F2-2AF9-DB7D-FA62-83A39D6661D9}"/>
+          </ac:spMkLst>
+        </pc:spChg>
+        <pc:spChg chg="add mod">
+          <ac:chgData name="François GLEYZON" userId="a2d04f23f7faf3ef" providerId="LiveId" clId="{1404D58C-429C-4D75-B5B2-E1C9B8E0DC36}" dt="2025-03-16T15:14:59.278" v="2792" actId="20577"/>
+          <ac:spMkLst>
+            <pc:docMk/>
+            <pc:sldMk cId="2830059827" sldId="269"/>
+            <ac:spMk id="19" creationId="{EEC0C2AA-6F3D-50A5-6859-E9FF640D7681}"/>
+          </ac:spMkLst>
+        </pc:spChg>
+        <pc:spChg chg="add mod">
+          <ac:chgData name="François GLEYZON" userId="a2d04f23f7faf3ef" providerId="LiveId" clId="{1404D58C-429C-4D75-B5B2-E1C9B8E0DC36}" dt="2025-03-16T15:15:33.082" v="2879" actId="20577"/>
+          <ac:spMkLst>
+            <pc:docMk/>
+            <pc:sldMk cId="2830059827" sldId="269"/>
+            <ac:spMk id="21" creationId="{52EED8E5-7326-32DB-C13F-1498B2A40CDF}"/>
+          </ac:spMkLst>
+        </pc:spChg>
+        <pc:spChg chg="add mod">
+          <ac:chgData name="François GLEYZON" userId="a2d04f23f7faf3ef" providerId="LiveId" clId="{1404D58C-429C-4D75-B5B2-E1C9B8E0DC36}" dt="2025-03-16T15:19:24.017" v="3044" actId="1076"/>
+          <ac:spMkLst>
+            <pc:docMk/>
+            <pc:sldMk cId="2830059827" sldId="269"/>
+            <ac:spMk id="24" creationId="{BD3233B2-F816-A13E-92F5-924BA2130E34}"/>
+          </ac:spMkLst>
+        </pc:spChg>
+        <pc:spChg chg="add mod">
+          <ac:chgData name="François GLEYZON" userId="a2d04f23f7faf3ef" providerId="LiveId" clId="{1404D58C-429C-4D75-B5B2-E1C9B8E0DC36}" dt="2025-03-27T15:47:18.234" v="7423"/>
+          <ac:spMkLst>
+            <pc:docMk/>
+            <pc:sldMk cId="2830059827" sldId="269"/>
+            <ac:spMk id="25" creationId="{5FCF3EA4-1C17-404E-D7DC-4DCD39E349EE}"/>
+          </ac:spMkLst>
+        </pc:spChg>
+        <pc:picChg chg="add mod">
+          <ac:chgData name="François GLEYZON" userId="a2d04f23f7faf3ef" providerId="LiveId" clId="{1404D58C-429C-4D75-B5B2-E1C9B8E0DC36}" dt="2025-03-27T15:47:44.026" v="7434" actId="1037"/>
+          <ac:picMkLst>
+            <pc:docMk/>
+            <pc:sldMk cId="2830059827" sldId="269"/>
+            <ac:picMk id="1026" creationId="{631B88E2-7308-4AA9-E4DD-AC0360CF9821}"/>
+          </ac:picMkLst>
+        </pc:picChg>
+        <pc:cxnChg chg="add mod">
+          <ac:chgData name="François GLEYZON" userId="a2d04f23f7faf3ef" providerId="LiveId" clId="{1404D58C-429C-4D75-B5B2-E1C9B8E0DC36}" dt="2025-03-16T15:10:55.005" v="2660" actId="20577"/>
+          <ac:cxnSpMkLst>
+            <pc:docMk/>
+            <pc:sldMk cId="2830059827" sldId="269"/>
+            <ac:cxnSpMk id="10" creationId="{FA3DA1B2-AD0A-283D-1F5D-AD9276E7401C}"/>
+          </ac:cxnSpMkLst>
+        </pc:cxnChg>
+        <pc:cxnChg chg="add mod">
+          <ac:chgData name="François GLEYZON" userId="a2d04f23f7faf3ef" providerId="LiveId" clId="{1404D58C-429C-4D75-B5B2-E1C9B8E0DC36}" dt="2025-03-16T15:15:39.872" v="2882" actId="14100"/>
+          <ac:cxnSpMkLst>
+            <pc:docMk/>
+            <pc:sldMk cId="2830059827" sldId="269"/>
+            <ac:cxnSpMk id="20" creationId="{EFED52EE-D353-671B-312B-C6260B9FA771}"/>
+          </ac:cxnSpMkLst>
+        </pc:cxnChg>
+      </pc:sldChg>
+      <pc:sldChg chg="addSp modSp add mod">
+        <pc:chgData name="François GLEYZON" userId="a2d04f23f7faf3ef" providerId="LiveId" clId="{1404D58C-429C-4D75-B5B2-E1C9B8E0DC36}" dt="2025-03-16T14:36:37.943" v="1520"/>
+        <pc:sldMkLst>
+          <pc:docMk/>
+          <pc:sldMk cId="3668441629" sldId="270"/>
+        </pc:sldMkLst>
+        <pc:spChg chg="add mod">
+          <ac:chgData name="François GLEYZON" userId="a2d04f23f7faf3ef" providerId="LiveId" clId="{1404D58C-429C-4D75-B5B2-E1C9B8E0DC36}" dt="2025-03-16T14:36:37.943" v="1520"/>
+          <ac:spMkLst>
+            <pc:docMk/>
+            <pc:sldMk cId="3668441629" sldId="270"/>
+            <ac:spMk id="2" creationId="{59F282F9-3609-1522-0AA2-327E0A7E7A9B}"/>
+          </ac:spMkLst>
+        </pc:spChg>
+        <pc:spChg chg="mod">
+          <ac:chgData name="François GLEYZON" userId="a2d04f23f7faf3ef" providerId="LiveId" clId="{1404D58C-429C-4D75-B5B2-E1C9B8E0DC36}" dt="2025-03-16T14:17:42.635" v="76" actId="20577"/>
+          <ac:spMkLst>
+            <pc:docMk/>
+            <pc:sldMk cId="3668441629" sldId="270"/>
+            <ac:spMk id="9" creationId="{9D2D06DC-6CE6-B872-3049-9B0D28F68101}"/>
+          </ac:spMkLst>
+        </pc:spChg>
+      </pc:sldChg>
+      <pc:sldChg chg="addSp modSp add mod">
+        <pc:chgData name="François GLEYZON" userId="a2d04f23f7faf3ef" providerId="LiveId" clId="{1404D58C-429C-4D75-B5B2-E1C9B8E0DC36}" dt="2025-03-16T14:36:40.083" v="1521"/>
+        <pc:sldMkLst>
+          <pc:docMk/>
+          <pc:sldMk cId="1301843568" sldId="271"/>
+        </pc:sldMkLst>
+        <pc:spChg chg="add mod">
+          <ac:chgData name="François GLEYZON" userId="a2d04f23f7faf3ef" providerId="LiveId" clId="{1404D58C-429C-4D75-B5B2-E1C9B8E0DC36}" dt="2025-03-16T14:36:40.083" v="1521"/>
+          <ac:spMkLst>
+            <pc:docMk/>
+            <pc:sldMk cId="1301843568" sldId="271"/>
+            <ac:spMk id="2" creationId="{B03F54C8-C74E-296C-FF98-648447B3C076}"/>
+          </ac:spMkLst>
+        </pc:spChg>
+        <pc:spChg chg="mod">
+          <ac:chgData name="François GLEYZON" userId="a2d04f23f7faf3ef" providerId="LiveId" clId="{1404D58C-429C-4D75-B5B2-E1C9B8E0DC36}" dt="2025-03-16T14:17:52.241" v="97" actId="20577"/>
+          <ac:spMkLst>
+            <pc:docMk/>
+            <pc:sldMk cId="1301843568" sldId="271"/>
+            <ac:spMk id="9" creationId="{9AC59951-2052-5891-EC5A-4BBED090FE92}"/>
+          </ac:spMkLst>
+        </pc:spChg>
+      </pc:sldChg>
+      <pc:sldChg chg="addSp delSp modSp add mod">
+        <pc:chgData name="François GLEYZON" userId="a2d04f23f7faf3ef" providerId="LiveId" clId="{1404D58C-429C-4D75-B5B2-E1C9B8E0DC36}" dt="2025-03-16T18:21:18.427" v="6846" actId="1038"/>
+        <pc:sldMkLst>
+          <pc:docMk/>
+          <pc:sldMk cId="1767245589" sldId="272"/>
+        </pc:sldMkLst>
+        <pc:spChg chg="add mod">
+          <ac:chgData name="François GLEYZON" userId="a2d04f23f7faf3ef" providerId="LiveId" clId="{1404D58C-429C-4D75-B5B2-E1C9B8E0DC36}" dt="2025-03-16T14:36:41.923" v="1522"/>
+          <ac:spMkLst>
+            <pc:docMk/>
+            <pc:sldMk cId="1767245589" sldId="272"/>
+            <ac:spMk id="2" creationId="{281E66B3-EC50-1DB7-5246-A0A1D85B27B2}"/>
+          </ac:spMkLst>
+        </pc:spChg>
+        <pc:spChg chg="add mod">
+          <ac:chgData name="François GLEYZON" userId="a2d04f23f7faf3ef" providerId="LiveId" clId="{1404D58C-429C-4D75-B5B2-E1C9B8E0DC36}" dt="2025-03-16T17:38:31.338" v="3598" actId="113"/>
+          <ac:spMkLst>
+            <pc:docMk/>
+            <pc:sldMk cId="1767245589" sldId="272"/>
+            <ac:spMk id="5" creationId="{E13FB8D1-D18F-47C7-D1B2-4705A4773972}"/>
+          </ac:spMkLst>
+        </pc:spChg>
+        <pc:spChg chg="add mod">
+          <ac:chgData name="François GLEYZON" userId="a2d04f23f7faf3ef" providerId="LiveId" clId="{1404D58C-429C-4D75-B5B2-E1C9B8E0DC36}" dt="2025-03-16T17:43:23.848" v="3944" actId="20577"/>
+          <ac:spMkLst>
+            <pc:docMk/>
+            <pc:sldMk cId="1767245589" sldId="272"/>
+            <ac:spMk id="6" creationId="{9D3F7280-79FE-6679-FD09-21759D67BD31}"/>
+          </ac:spMkLst>
+        </pc:spChg>
+        <pc:spChg chg="mod">
+          <ac:chgData name="François GLEYZON" userId="a2d04f23f7faf3ef" providerId="LiveId" clId="{1404D58C-429C-4D75-B5B2-E1C9B8E0DC36}" dt="2025-03-16T14:18:01.236" v="108" actId="20577"/>
+          <ac:spMkLst>
+            <pc:docMk/>
+            <pc:sldMk cId="1767245589" sldId="272"/>
+            <ac:spMk id="9" creationId="{D60C7752-751C-B280-204E-C5F5E4B10805}"/>
+          </ac:spMkLst>
+        </pc:spChg>
+        <pc:spChg chg="add mod">
+          <ac:chgData name="François GLEYZON" userId="a2d04f23f7faf3ef" providerId="LiveId" clId="{1404D58C-429C-4D75-B5B2-E1C9B8E0DC36}" dt="2025-03-16T18:02:10.159" v="6248" actId="1076"/>
+          <ac:spMkLst>
+            <pc:docMk/>
+            <pc:sldMk cId="1767245589" sldId="272"/>
+            <ac:spMk id="10" creationId="{FB7FDD76-3978-200B-32AC-62FEBBC52D44}"/>
+          </ac:spMkLst>
+        </pc:spChg>
+        <pc:spChg chg="add mod">
+          <ac:chgData name="François GLEYZON" userId="a2d04f23f7faf3ef" providerId="LiveId" clId="{1404D58C-429C-4D75-B5B2-E1C9B8E0DC36}" dt="2025-03-16T18:02:15.543" v="6249" actId="465"/>
+          <ac:spMkLst>
+            <pc:docMk/>
+            <pc:sldMk cId="1767245589" sldId="272"/>
+            <ac:spMk id="11" creationId="{1A607B03-1BC0-C771-595F-432338076A8B}"/>
+          </ac:spMkLst>
+        </pc:spChg>
+        <pc:spChg chg="add mod">
+          <ac:chgData name="François GLEYZON" userId="a2d04f23f7faf3ef" providerId="LiveId" clId="{1404D58C-429C-4D75-B5B2-E1C9B8E0DC36}" dt="2025-03-16T18:02:10.159" v="6248" actId="1076"/>
+          <ac:spMkLst>
+            <pc:docMk/>
+            <pc:sldMk cId="1767245589" sldId="272"/>
+            <ac:spMk id="12" creationId="{EEF1FBAD-7C20-C706-E6A5-B20EBC80F0F6}"/>
+          </ac:spMkLst>
+        </pc:spChg>
+        <pc:spChg chg="add mod">
+          <ac:chgData name="François GLEYZON" userId="a2d04f23f7faf3ef" providerId="LiveId" clId="{1404D58C-429C-4D75-B5B2-E1C9B8E0DC36}" dt="2025-03-16T18:09:11.697" v="6453" actId="1076"/>
+          <ac:spMkLst>
+            <pc:docMk/>
+            <pc:sldMk cId="1767245589" sldId="272"/>
+            <ac:spMk id="41" creationId="{DFB335B7-5A67-A708-9BF0-15568CAD7AA8}"/>
+          </ac:spMkLst>
+        </pc:spChg>
+        <pc:spChg chg="add mod">
+          <ac:chgData name="François GLEYZON" userId="a2d04f23f7faf3ef" providerId="LiveId" clId="{1404D58C-429C-4D75-B5B2-E1C9B8E0DC36}" dt="2025-03-16T18:21:18.427" v="6846" actId="1038"/>
+          <ac:spMkLst>
+            <pc:docMk/>
+            <pc:sldMk cId="1767245589" sldId="272"/>
+            <ac:spMk id="42" creationId="{2585DC19-B449-1015-A282-9C33F7EDCA40}"/>
+          </ac:spMkLst>
+        </pc:spChg>
+        <pc:picChg chg="add mod">
+          <ac:chgData name="François GLEYZON" userId="a2d04f23f7faf3ef" providerId="LiveId" clId="{1404D58C-429C-4D75-B5B2-E1C9B8E0DC36}" dt="2025-03-16T17:38:33.760" v="3599" actId="1076"/>
+          <ac:picMkLst>
+            <pc:docMk/>
+            <pc:sldMk cId="1767245589" sldId="272"/>
+            <ac:picMk id="4" creationId="{53ED0A81-57CD-C16F-8A9A-2BCDAA3F406E}"/>
+          </ac:picMkLst>
+        </pc:picChg>
+        <pc:picChg chg="add mod">
+          <ac:chgData name="François GLEYZON" userId="a2d04f23f7faf3ef" providerId="LiveId" clId="{1404D58C-429C-4D75-B5B2-E1C9B8E0DC36}" dt="2025-03-16T18:02:22.290" v="6250" actId="1076"/>
+          <ac:picMkLst>
+            <pc:docMk/>
+            <pc:sldMk cId="1767245589" sldId="272"/>
+            <ac:picMk id="8" creationId="{8A31FEA3-15F3-A5B2-8631-79D870FD9189}"/>
+          </ac:picMkLst>
+        </pc:picChg>
+        <pc:picChg chg="add mod">
+          <ac:chgData name="François GLEYZON" userId="a2d04f23f7faf3ef" providerId="LiveId" clId="{1404D58C-429C-4D75-B5B2-E1C9B8E0DC36}" dt="2025-03-16T18:06:56.413" v="6270" actId="1076"/>
+          <ac:picMkLst>
+            <pc:docMk/>
+            <pc:sldMk cId="1767245589" sldId="272"/>
+            <ac:picMk id="25" creationId="{33ED872E-179F-A9C0-F2A5-3AD41FFB9EF1}"/>
+          </ac:picMkLst>
+        </pc:picChg>
+        <pc:cxnChg chg="add mod">
+          <ac:chgData name="François GLEYZON" userId="a2d04f23f7faf3ef" providerId="LiveId" clId="{1404D58C-429C-4D75-B5B2-E1C9B8E0DC36}" dt="2025-03-16T18:02:32.678" v="6253" actId="14100"/>
+          <ac:cxnSpMkLst>
+            <pc:docMk/>
+            <pc:sldMk cId="1767245589" sldId="272"/>
+            <ac:cxnSpMk id="13" creationId="{D49B9546-9E06-3F1B-67AE-CDE54685608B}"/>
+          </ac:cxnSpMkLst>
+        </pc:cxnChg>
+        <pc:cxnChg chg="add mod">
+          <ac:chgData name="François GLEYZON" userId="a2d04f23f7faf3ef" providerId="LiveId" clId="{1404D58C-429C-4D75-B5B2-E1C9B8E0DC36}" dt="2025-03-16T18:02:38.187" v="6256" actId="14100"/>
+          <ac:cxnSpMkLst>
+            <pc:docMk/>
+            <pc:sldMk cId="1767245589" sldId="272"/>
+            <ac:cxnSpMk id="16" creationId="{80972539-C73D-4278-5BF7-104942B2DDC7}"/>
+          </ac:cxnSpMkLst>
+        </pc:cxnChg>
+        <pc:cxnChg chg="add mod">
+          <ac:chgData name="François GLEYZON" userId="a2d04f23f7faf3ef" providerId="LiveId" clId="{1404D58C-429C-4D75-B5B2-E1C9B8E0DC36}" dt="2025-03-16T18:02:56.302" v="6263" actId="1076"/>
+          <ac:cxnSpMkLst>
+            <pc:docMk/>
+            <pc:sldMk cId="1767245589" sldId="272"/>
+            <ac:cxnSpMk id="22" creationId="{5F64B1CF-78E3-E145-2A94-E4E959096099}"/>
+          </ac:cxnSpMkLst>
+        </pc:cxnChg>
+        <pc:cxnChg chg="add mod">
+          <ac:chgData name="François GLEYZON" userId="a2d04f23f7faf3ef" providerId="LiveId" clId="{1404D58C-429C-4D75-B5B2-E1C9B8E0DC36}" dt="2025-03-16T18:07:23.828" v="6276" actId="1076"/>
+          <ac:cxnSpMkLst>
+            <pc:docMk/>
+            <pc:sldMk cId="1767245589" sldId="272"/>
+            <ac:cxnSpMk id="26" creationId="{24747122-5B36-739F-9F5D-A25E30C5894E}"/>
+          </ac:cxnSpMkLst>
+        </pc:cxnChg>
+        <pc:cxnChg chg="add mod">
+          <ac:chgData name="François GLEYZON" userId="a2d04f23f7faf3ef" providerId="LiveId" clId="{1404D58C-429C-4D75-B5B2-E1C9B8E0DC36}" dt="2025-03-16T18:08:12.757" v="6293" actId="1076"/>
+          <ac:cxnSpMkLst>
+            <pc:docMk/>
+            <pc:sldMk cId="1767245589" sldId="272"/>
+            <ac:cxnSpMk id="29" creationId="{ED3FFF44-1763-2C72-B7EF-4BAA1E20308F}"/>
+          </ac:cxnSpMkLst>
+        </pc:cxnChg>
+        <pc:cxnChg chg="add mod">
+          <ac:chgData name="François GLEYZON" userId="a2d04f23f7faf3ef" providerId="LiveId" clId="{1404D58C-429C-4D75-B5B2-E1C9B8E0DC36}" dt="2025-03-16T18:08:12.757" v="6293" actId="1076"/>
+          <ac:cxnSpMkLst>
+            <pc:docMk/>
+            <pc:sldMk cId="1767245589" sldId="272"/>
+            <ac:cxnSpMk id="30" creationId="{ED17C5F0-368F-E284-A61A-C3045C6891D1}"/>
+          </ac:cxnSpMkLst>
+        </pc:cxnChg>
+        <pc:cxnChg chg="add mod">
+          <ac:chgData name="François GLEYZON" userId="a2d04f23f7faf3ef" providerId="LiveId" clId="{1404D58C-429C-4D75-B5B2-E1C9B8E0DC36}" dt="2025-03-16T18:08:12.757" v="6293" actId="1076"/>
+          <ac:cxnSpMkLst>
+            <pc:docMk/>
+            <pc:sldMk cId="1767245589" sldId="272"/>
+            <ac:cxnSpMk id="32" creationId="{EBF41D9D-82DF-C3F4-5E79-9F90515FE944}"/>
+          </ac:cxnSpMkLst>
+        </pc:cxnChg>
+        <pc:cxnChg chg="add mod">
+          <ac:chgData name="François GLEYZON" userId="a2d04f23f7faf3ef" providerId="LiveId" clId="{1404D58C-429C-4D75-B5B2-E1C9B8E0DC36}" dt="2025-03-16T18:08:12.757" v="6293" actId="1076"/>
+          <ac:cxnSpMkLst>
+            <pc:docMk/>
+            <pc:sldMk cId="1767245589" sldId="272"/>
+            <ac:cxnSpMk id="33" creationId="{485B08DD-0A2D-7F00-A27D-0359CCD8796F}"/>
+          </ac:cxnSpMkLst>
+        </pc:cxnChg>
+        <pc:cxnChg chg="add mod">
+          <ac:chgData name="François GLEYZON" userId="a2d04f23f7faf3ef" providerId="LiveId" clId="{1404D58C-429C-4D75-B5B2-E1C9B8E0DC36}" dt="2025-03-16T18:08:12.757" v="6293" actId="1076"/>
+          <ac:cxnSpMkLst>
+            <pc:docMk/>
+            <pc:sldMk cId="1767245589" sldId="272"/>
+            <ac:cxnSpMk id="34" creationId="{0B4B6C7C-6463-E2E8-72B3-5CFE5A079E3B}"/>
+          </ac:cxnSpMkLst>
+        </pc:cxnChg>
+        <pc:cxnChg chg="add mod">
+          <ac:chgData name="François GLEYZON" userId="a2d04f23f7faf3ef" providerId="LiveId" clId="{1404D58C-429C-4D75-B5B2-E1C9B8E0DC36}" dt="2025-03-16T18:08:12.757" v="6293" actId="1076"/>
+          <ac:cxnSpMkLst>
+            <pc:docMk/>
+            <pc:sldMk cId="1767245589" sldId="272"/>
+            <ac:cxnSpMk id="35" creationId="{03D955B2-F219-8CB6-1E53-3AA6415D6650}"/>
+          </ac:cxnSpMkLst>
+        </pc:cxnChg>
+        <pc:cxnChg chg="add mod">
+          <ac:chgData name="François GLEYZON" userId="a2d04f23f7faf3ef" providerId="LiveId" clId="{1404D58C-429C-4D75-B5B2-E1C9B8E0DC36}" dt="2025-03-16T18:08:12.757" v="6293" actId="1076"/>
+          <ac:cxnSpMkLst>
+            <pc:docMk/>
+            <pc:sldMk cId="1767245589" sldId="272"/>
+            <ac:cxnSpMk id="37" creationId="{16D7FD71-B1AD-0F14-A6E2-E849307A4B3A}"/>
+          </ac:cxnSpMkLst>
+        </pc:cxnChg>
+        <pc:cxnChg chg="add mod">
+          <ac:chgData name="François GLEYZON" userId="a2d04f23f7faf3ef" providerId="LiveId" clId="{1404D58C-429C-4D75-B5B2-E1C9B8E0DC36}" dt="2025-03-16T18:08:12.757" v="6293" actId="1076"/>
+          <ac:cxnSpMkLst>
+            <pc:docMk/>
+            <pc:sldMk cId="1767245589" sldId="272"/>
+            <ac:cxnSpMk id="38" creationId="{8618A658-E824-26F7-2526-3280361FFBE8}"/>
+          </ac:cxnSpMkLst>
+        </pc:cxnChg>
+        <pc:cxnChg chg="add mod">
+          <ac:chgData name="François GLEYZON" userId="a2d04f23f7faf3ef" providerId="LiveId" clId="{1404D58C-429C-4D75-B5B2-E1C9B8E0DC36}" dt="2025-03-16T18:08:12.757" v="6293" actId="1076"/>
+          <ac:cxnSpMkLst>
+            <pc:docMk/>
+            <pc:sldMk cId="1767245589" sldId="272"/>
+            <ac:cxnSpMk id="40" creationId="{CC554D35-7624-2528-FD55-5AD0D0D02370}"/>
+          </ac:cxnSpMkLst>
+        </pc:cxnChg>
+      </pc:sldChg>
+      <pc:sldChg chg="addSp delSp modSp add mod">
+        <pc:chgData name="François GLEYZON" userId="a2d04f23f7faf3ef" providerId="LiveId" clId="{1404D58C-429C-4D75-B5B2-E1C9B8E0DC36}" dt="2025-03-27T21:10:24.446" v="8858" actId="20577"/>
+        <pc:sldMkLst>
+          <pc:docMk/>
+          <pc:sldMk cId="3992977093" sldId="273"/>
+        </pc:sldMkLst>
+        <pc:spChg chg="add mod">
+          <ac:chgData name="François GLEYZON" userId="a2d04f23f7faf3ef" providerId="LiveId" clId="{1404D58C-429C-4D75-B5B2-E1C9B8E0DC36}" dt="2025-03-16T14:36:45.214" v="1523"/>
+          <ac:spMkLst>
+            <pc:docMk/>
+            <pc:sldMk cId="3992977093" sldId="273"/>
+            <ac:spMk id="2" creationId="{0042AAB7-5C77-4BBB-D2D5-854226AC3ED2}"/>
+          </ac:spMkLst>
+        </pc:spChg>
+        <pc:spChg chg="add mod">
+          <ac:chgData name="François GLEYZON" userId="a2d04f23f7faf3ef" providerId="LiveId" clId="{1404D58C-429C-4D75-B5B2-E1C9B8E0DC36}" dt="2025-03-27T20:58:54.799" v="7856" actId="20577"/>
+          <ac:spMkLst>
+            <pc:docMk/>
+            <pc:sldMk cId="3992977093" sldId="273"/>
+            <ac:spMk id="3" creationId="{E3F04533-03AC-21EF-93FD-83141649C652}"/>
+          </ac:spMkLst>
+        </pc:spChg>
+        <pc:spChg chg="add mod">
+          <ac:chgData name="François GLEYZON" userId="a2d04f23f7faf3ef" providerId="LiveId" clId="{1404D58C-429C-4D75-B5B2-E1C9B8E0DC36}" dt="2025-03-27T20:54:53.533" v="7835" actId="14100"/>
+          <ac:spMkLst>
+            <pc:docMk/>
+            <pc:sldMk cId="3992977093" sldId="273"/>
+            <ac:spMk id="5" creationId="{553BCEC3-A8F4-DAC1-BEC4-21AF39FC432C}"/>
+          </ac:spMkLst>
+        </pc:spChg>
+        <pc:spChg chg="mod">
+          <ac:chgData name="François GLEYZON" userId="a2d04f23f7faf3ef" providerId="LiveId" clId="{1404D58C-429C-4D75-B5B2-E1C9B8E0DC36}" dt="2025-03-16T14:18:10.318" v="137" actId="20577"/>
+          <ac:spMkLst>
+            <pc:docMk/>
+            <pc:sldMk cId="3992977093" sldId="273"/>
+            <ac:spMk id="9" creationId="{C9B5B16C-1DB0-E947-93DF-D6622677A8E5}"/>
+          </ac:spMkLst>
+        </pc:spChg>
+        <pc:spChg chg="add mod">
+          <ac:chgData name="François GLEYZON" userId="a2d04f23f7faf3ef" providerId="LiveId" clId="{1404D58C-429C-4D75-B5B2-E1C9B8E0DC36}" dt="2025-03-27T21:03:57.591" v="8432" actId="20577"/>
+          <ac:spMkLst>
+            <pc:docMk/>
+            <pc:sldMk cId="3992977093" sldId="273"/>
+            <ac:spMk id="13" creationId="{4F92AAEB-8362-34E4-82A1-BF26B6648AA5}"/>
+          </ac:spMkLst>
+        </pc:spChg>
+        <pc:spChg chg="add mod">
+          <ac:chgData name="François GLEYZON" userId="a2d04f23f7faf3ef" providerId="LiveId" clId="{1404D58C-429C-4D75-B5B2-E1C9B8E0DC36}" dt="2025-03-27T21:10:24.446" v="8858" actId="20577"/>
+          <ac:spMkLst>
+            <pc:docMk/>
+            <pc:sldMk cId="3992977093" sldId="273"/>
+            <ac:spMk id="14" creationId="{48BDC8D2-B524-1313-821E-AE3DCCAD58E5}"/>
+          </ac:spMkLst>
+        </pc:spChg>
+        <pc:picChg chg="add mod">
+          <ac:chgData name="François GLEYZON" userId="a2d04f23f7faf3ef" providerId="LiveId" clId="{1404D58C-429C-4D75-B5B2-E1C9B8E0DC36}" dt="2025-03-27T20:54:32.814" v="7811"/>
+          <ac:picMkLst>
+            <pc:docMk/>
+            <pc:sldMk cId="3992977093" sldId="273"/>
+            <ac:picMk id="4" creationId="{91688AE2-5959-A781-FCEA-3219A0B37ED1}"/>
+          </ac:picMkLst>
+        </pc:picChg>
+        <pc:picChg chg="add mod">
+          <ac:chgData name="François GLEYZON" userId="a2d04f23f7faf3ef" providerId="LiveId" clId="{1404D58C-429C-4D75-B5B2-E1C9B8E0DC36}" dt="2025-03-27T20:56:52.069" v="7850" actId="1076"/>
+          <ac:picMkLst>
+            <pc:docMk/>
+            <pc:sldMk cId="3992977093" sldId="273"/>
+            <ac:picMk id="7" creationId="{95DA9114-B9DC-EAA8-3C4C-01EE1B196BB1}"/>
+          </ac:picMkLst>
+        </pc:picChg>
+        <pc:picChg chg="add mod">
+          <ac:chgData name="François GLEYZON" userId="a2d04f23f7faf3ef" providerId="LiveId" clId="{1404D58C-429C-4D75-B5B2-E1C9B8E0DC36}" dt="2025-03-27T20:56:52.069" v="7850" actId="1076"/>
+          <ac:picMkLst>
+            <pc:docMk/>
+            <pc:sldMk cId="3992977093" sldId="273"/>
+            <ac:picMk id="10" creationId="{71B00AE5-45C4-9ACA-101A-43DB73FF576D}"/>
+          </ac:picMkLst>
+        </pc:picChg>
+        <pc:picChg chg="add del mod">
+          <ac:chgData name="François GLEYZON" userId="a2d04f23f7faf3ef" providerId="LiveId" clId="{1404D58C-429C-4D75-B5B2-E1C9B8E0DC36}" dt="2025-03-27T20:56:35.793" v="7847" actId="21"/>
+          <ac:picMkLst>
+            <pc:docMk/>
+            <pc:sldMk cId="3992977093" sldId="273"/>
+            <ac:picMk id="12" creationId="{3E431663-A0A1-F147-8DD1-649B435558AF}"/>
+          </ac:picMkLst>
+        </pc:picChg>
+      </pc:sldChg>
+      <pc:sldChg chg="addSp delSp modSp add mod">
+        <pc:chgData name="François GLEYZON" userId="a2d04f23f7faf3ef" providerId="LiveId" clId="{1404D58C-429C-4D75-B5B2-E1C9B8E0DC36}" dt="2025-03-16T18:23:52.809" v="6936" actId="113"/>
+        <pc:sldMkLst>
+          <pc:docMk/>
+          <pc:sldMk cId="1403034857" sldId="274"/>
+        </pc:sldMkLst>
+        <pc:spChg chg="add mod">
+          <ac:chgData name="François GLEYZON" userId="a2d04f23f7faf3ef" providerId="LiveId" clId="{1404D58C-429C-4D75-B5B2-E1C9B8E0DC36}" dt="2025-03-16T17:42:43.868" v="3939" actId="20577"/>
+          <ac:spMkLst>
+            <pc:docMk/>
+            <pc:sldMk cId="1403034857" sldId="274"/>
+            <ac:spMk id="2" creationId="{250421EB-6552-6AB6-6F25-DA6377842E5D}"/>
+          </ac:spMkLst>
+        </pc:spChg>
+        <pc:spChg chg="add mod">
+          <ac:chgData name="François GLEYZON" userId="a2d04f23f7faf3ef" providerId="LiveId" clId="{1404D58C-429C-4D75-B5B2-E1C9B8E0DC36}" dt="2025-03-16T14:34:27.905" v="1172" actId="20577"/>
+          <ac:spMkLst>
+            <pc:docMk/>
+            <pc:sldMk cId="1403034857" sldId="274"/>
+            <ac:spMk id="4" creationId="{E3C49277-8E12-BB83-3B74-7BE038B51A44}"/>
+          </ac:spMkLst>
+        </pc:spChg>
+        <pc:spChg chg="add mod">
+          <ac:chgData name="François GLEYZON" userId="a2d04f23f7faf3ef" providerId="LiveId" clId="{1404D58C-429C-4D75-B5B2-E1C9B8E0DC36}" dt="2025-03-16T14:36:33.003" v="1517"/>
+          <ac:spMkLst>
+            <pc:docMk/>
+            <pc:sldMk cId="1403034857" sldId="274"/>
+            <ac:spMk id="6" creationId="{47CB0EFF-830F-8349-9DB3-FB9A307C5887}"/>
+          </ac:spMkLst>
+        </pc:spChg>
+        <pc:spChg chg="add mod">
+          <ac:chgData name="François GLEYZON" userId="a2d04f23f7faf3ef" providerId="LiveId" clId="{1404D58C-429C-4D75-B5B2-E1C9B8E0DC36}" dt="2025-03-16T14:41:39.123" v="2068" actId="20577"/>
+          <ac:spMkLst>
+            <pc:docMk/>
+            <pc:sldMk cId="1403034857" sldId="274"/>
+            <ac:spMk id="8" creationId="{23AAE550-8793-C14A-40F5-CD14768E5CC4}"/>
+          </ac:spMkLst>
+        </pc:spChg>
+        <pc:spChg chg="mod">
+          <ac:chgData name="François GLEYZON" userId="a2d04f23f7faf3ef" providerId="LiveId" clId="{1404D58C-429C-4D75-B5B2-E1C9B8E0DC36}" dt="2025-03-16T14:33:28.183" v="1132"/>
+          <ac:spMkLst>
+            <pc:docMk/>
+            <pc:sldMk cId="1403034857" sldId="274"/>
+            <ac:spMk id="11" creationId="{CC039125-0F68-3456-446E-4D9C7474E349}"/>
+          </ac:spMkLst>
+        </pc:spChg>
+        <pc:spChg chg="add mod">
+          <ac:chgData name="François GLEYZON" userId="a2d04f23f7faf3ef" providerId="LiveId" clId="{1404D58C-429C-4D75-B5B2-E1C9B8E0DC36}" dt="2025-03-16T18:23:52.809" v="6936" actId="113"/>
+          <ac:spMkLst>
+            <pc:docMk/>
+            <pc:sldMk cId="1403034857" sldId="274"/>
+            <ac:spMk id="13" creationId="{F42919BC-EA1A-4B98-6077-4001FBC5468F}"/>
+          </ac:spMkLst>
+        </pc:spChg>
+        <pc:picChg chg="add mod">
+          <ac:chgData name="François GLEYZON" userId="a2d04f23f7faf3ef" providerId="LiveId" clId="{1404D58C-429C-4D75-B5B2-E1C9B8E0DC36}" dt="2025-03-16T14:34:09.753" v="1139" actId="1076"/>
+          <ac:picMkLst>
+            <pc:docMk/>
+            <pc:sldMk cId="1403034857" sldId="274"/>
+            <ac:picMk id="3" creationId="{E01AC50A-D99A-D3E4-4BBB-CAE8C1141722}"/>
+          </ac:picMkLst>
+        </pc:picChg>
+        <pc:picChg chg="add mod">
+          <ac:chgData name="François GLEYZON" userId="a2d04f23f7faf3ef" providerId="LiveId" clId="{1404D58C-429C-4D75-B5B2-E1C9B8E0DC36}" dt="2025-03-16T14:41:10.123" v="2055" actId="1076"/>
+          <ac:picMkLst>
+            <pc:docMk/>
+            <pc:sldMk cId="1403034857" sldId="274"/>
+            <ac:picMk id="14" creationId="{6D57DE72-C86C-8864-4204-0A2213B42D38}"/>
+          </ac:picMkLst>
+        </pc:picChg>
+        <pc:picChg chg="add mod">
+          <ac:chgData name="François GLEYZON" userId="a2d04f23f7faf3ef" providerId="LiveId" clId="{1404D58C-429C-4D75-B5B2-E1C9B8E0DC36}" dt="2025-03-16T17:43:16.898" v="3942" actId="1076"/>
+          <ac:picMkLst>
+            <pc:docMk/>
+            <pc:sldMk cId="1403034857" sldId="274"/>
+            <ac:picMk id="1026" creationId="{C8CA877A-7DDE-FEB7-24D0-9EE0DFAC3ACC}"/>
+          </ac:picMkLst>
+        </pc:picChg>
+      </pc:sldChg>
+      <pc:sldChg chg="addSp delSp modSp add mod">
+        <pc:chgData name="François GLEYZON" userId="a2d04f23f7faf3ef" providerId="LiveId" clId="{1404D58C-429C-4D75-B5B2-E1C9B8E0DC36}" dt="2025-03-16T18:27:24.448" v="7125" actId="114"/>
+        <pc:sldMkLst>
+          <pc:docMk/>
+          <pc:sldMk cId="3135963873" sldId="275"/>
+        </pc:sldMkLst>
+        <pc:spChg chg="add mod">
+          <ac:chgData name="François GLEYZON" userId="a2d04f23f7faf3ef" providerId="LiveId" clId="{1404D58C-429C-4D75-B5B2-E1C9B8E0DC36}" dt="2025-03-16T18:27:24.448" v="7125" actId="114"/>
+          <ac:spMkLst>
+            <pc:docMk/>
+            <pc:sldMk cId="3135963873" sldId="275"/>
+            <ac:spMk id="5" creationId="{FAC551E2-7AD3-5FEF-E2DE-209EDBFB2695}"/>
+          </ac:spMkLst>
+        </pc:spChg>
+        <pc:spChg chg="mod">
+          <ac:chgData name="François GLEYZON" userId="a2d04f23f7faf3ef" providerId="LiveId" clId="{1404D58C-429C-4D75-B5B2-E1C9B8E0DC36}" dt="2025-03-16T15:23:02.888" v="3258" actId="20577"/>
+          <ac:spMkLst>
+            <pc:docMk/>
+            <pc:sldMk cId="3135963873" sldId="275"/>
+            <ac:spMk id="9" creationId="{A1BFB0DE-CCDE-5E15-B93D-0C46D50CF46E}"/>
+          </ac:spMkLst>
+        </pc:spChg>
+      </pc:sldChg>
+      <pc:sldChg chg="addSp delSp modSp add mod">
+        <pc:chgData name="François GLEYZON" userId="a2d04f23f7faf3ef" providerId="LiveId" clId="{1404D58C-429C-4D75-B5B2-E1C9B8E0DC36}" dt="2025-03-28T20:37:21.921" v="9093" actId="20577"/>
+        <pc:sldMkLst>
+          <pc:docMk/>
+          <pc:sldMk cId="312469821" sldId="276"/>
+        </pc:sldMkLst>
+        <pc:spChg chg="add mod">
+          <ac:chgData name="François GLEYZON" userId="a2d04f23f7faf3ef" providerId="LiveId" clId="{1404D58C-429C-4D75-B5B2-E1C9B8E0DC36}" dt="2025-03-27T20:54:15.974" v="7809" actId="1037"/>
+          <ac:spMkLst>
+            <pc:docMk/>
+            <pc:sldMk cId="312469821" sldId="276"/>
+            <ac:spMk id="3" creationId="{1E469B70-0A01-2F0B-8630-A75E636CB8E6}"/>
+          </ac:spMkLst>
+        </pc:spChg>
+        <pc:spChg chg="mod">
+          <ac:chgData name="François GLEYZON" userId="a2d04f23f7faf3ef" providerId="LiveId" clId="{1404D58C-429C-4D75-B5B2-E1C9B8E0DC36}" dt="2025-03-16T17:45:37.898" v="4201" actId="33524"/>
+          <ac:spMkLst>
+            <pc:docMk/>
+            <pc:sldMk cId="312469821" sldId="276"/>
+            <ac:spMk id="5" creationId="{D2931CAA-5B1D-3DB8-5405-0EBED6E73DDA}"/>
+          </ac:spMkLst>
+        </pc:spChg>
+        <pc:spChg chg="add mod">
+          <ac:chgData name="François GLEYZON" userId="a2d04f23f7faf3ef" providerId="LiveId" clId="{1404D58C-429C-4D75-B5B2-E1C9B8E0DC36}" dt="2025-03-28T20:37:21.921" v="9093" actId="20577"/>
+          <ac:spMkLst>
+            <pc:docMk/>
+            <pc:sldMk cId="312469821" sldId="276"/>
+            <ac:spMk id="8" creationId="{A3FB3464-F9D7-F388-8CA4-20C652C808AB}"/>
+          </ac:spMkLst>
+        </pc:spChg>
+        <pc:spChg chg="add mod">
+          <ac:chgData name="François GLEYZON" userId="a2d04f23f7faf3ef" providerId="LiveId" clId="{1404D58C-429C-4D75-B5B2-E1C9B8E0DC36}" dt="2025-03-16T18:24:53.792" v="6937" actId="1076"/>
+          <ac:spMkLst>
+            <pc:docMk/>
+            <pc:sldMk cId="312469821" sldId="276"/>
+            <ac:spMk id="10" creationId="{3787056C-9D45-21F4-6CDE-BB39E364A145}"/>
+          </ac:spMkLst>
+        </pc:spChg>
+        <pc:spChg chg="add mod">
+          <ac:chgData name="François GLEYZON" userId="a2d04f23f7faf3ef" providerId="LiveId" clId="{1404D58C-429C-4D75-B5B2-E1C9B8E0DC36}" dt="2025-03-16T18:25:24.592" v="6981" actId="114"/>
+          <ac:spMkLst>
+            <pc:docMk/>
+            <pc:sldMk cId="312469821" sldId="276"/>
+            <ac:spMk id="11" creationId="{9D58840C-50FD-E58B-670F-C4615DAF690D}"/>
+          </ac:spMkLst>
+        </pc:spChg>
+        <pc:picChg chg="add mod">
+          <ac:chgData name="François GLEYZON" userId="a2d04f23f7faf3ef" providerId="LiveId" clId="{1404D58C-429C-4D75-B5B2-E1C9B8E0DC36}" dt="2025-03-16T17:49:26.117" v="4766" actId="1076"/>
+          <ac:picMkLst>
+            <pc:docMk/>
+            <pc:sldMk cId="312469821" sldId="276"/>
+            <ac:picMk id="7" creationId="{4C33A69A-4ABB-390F-8D1C-5D58AB9AF2C3}"/>
+          </ac:picMkLst>
+        </pc:picChg>
+        <pc:picChg chg="add mod">
+          <ac:chgData name="François GLEYZON" userId="a2d04f23f7faf3ef" providerId="LiveId" clId="{1404D58C-429C-4D75-B5B2-E1C9B8E0DC36}" dt="2025-03-27T20:54:15.974" v="7809" actId="1037"/>
+          <ac:picMkLst>
+            <pc:docMk/>
+            <pc:sldMk cId="312469821" sldId="276"/>
+            <ac:picMk id="2050" creationId="{C26E7882-1A4B-4D9E-20C6-8D0DCC3535F1}"/>
+          </ac:picMkLst>
+        </pc:picChg>
+      </pc:sldChg>
+      <pc:sldChg chg="addSp delSp modSp add mod">
+        <pc:chgData name="François GLEYZON" userId="a2d04f23f7faf3ef" providerId="LiveId" clId="{1404D58C-429C-4D75-B5B2-E1C9B8E0DC36}" dt="2025-03-28T20:39:27.177" v="9100" actId="1035"/>
+        <pc:sldMkLst>
+          <pc:docMk/>
+          <pc:sldMk cId="1989661597" sldId="277"/>
+        </pc:sldMkLst>
+        <pc:spChg chg="add mod">
+          <ac:chgData name="François GLEYZON" userId="a2d04f23f7faf3ef" providerId="LiveId" clId="{1404D58C-429C-4D75-B5B2-E1C9B8E0DC36}" dt="2025-03-27T20:54:22.304" v="7810"/>
+          <ac:spMkLst>
+            <pc:docMk/>
+            <pc:sldMk cId="1989661597" sldId="277"/>
+            <ac:spMk id="4" creationId="{75AA8A51-2A97-8D06-CECD-B9BDC2716E90}"/>
+          </ac:spMkLst>
+        </pc:spChg>
+        <pc:spChg chg="mod">
+          <ac:chgData name="François GLEYZON" userId="a2d04f23f7faf3ef" providerId="LiveId" clId="{1404D58C-429C-4D75-B5B2-E1C9B8E0DC36}" dt="2025-03-16T18:25:42.620" v="6987" actId="6549"/>
+          <ac:spMkLst>
+            <pc:docMk/>
+            <pc:sldMk cId="1989661597" sldId="277"/>
+            <ac:spMk id="5" creationId="{4DAC8AF4-A004-7163-A739-49ECA39B9FEC}"/>
+          </ac:spMkLst>
+        </pc:spChg>
+        <pc:spChg chg="mod">
+          <ac:chgData name="François GLEYZON" userId="a2d04f23f7faf3ef" providerId="LiveId" clId="{1404D58C-429C-4D75-B5B2-E1C9B8E0DC36}" dt="2025-03-16T18:25:46.907" v="6988" actId="1076"/>
+          <ac:spMkLst>
+            <pc:docMk/>
+            <pc:sldMk cId="1989661597" sldId="277"/>
+            <ac:spMk id="10" creationId="{01A678EA-30F3-62CE-A9F0-10C182D4BBB2}"/>
+          </ac:spMkLst>
+        </pc:spChg>
+        <pc:spChg chg="add mod">
+          <ac:chgData name="François GLEYZON" userId="a2d04f23f7faf3ef" providerId="LiveId" clId="{1404D58C-429C-4D75-B5B2-E1C9B8E0DC36}" dt="2025-03-28T20:39:27.177" v="9100" actId="1035"/>
+          <ac:spMkLst>
+            <pc:docMk/>
+            <pc:sldMk cId="1989661597" sldId="277"/>
+            <ac:spMk id="12" creationId="{AFD64144-DA5F-8B73-6CEA-181D47AD5646}"/>
+          </ac:spMkLst>
+        </pc:spChg>
+        <pc:spChg chg="add mod">
+          <ac:chgData name="François GLEYZON" userId="a2d04f23f7faf3ef" providerId="LiveId" clId="{1404D58C-429C-4D75-B5B2-E1C9B8E0DC36}" dt="2025-03-16T18:25:52.377" v="6990" actId="1076"/>
+          <ac:spMkLst>
+            <pc:docMk/>
+            <pc:sldMk cId="1989661597" sldId="277"/>
+            <ac:spMk id="13" creationId="{C4557F9C-855D-3055-9D46-7013C9868120}"/>
+          </ac:spMkLst>
+        </pc:spChg>
+        <pc:picChg chg="add del mod">
+          <ac:chgData name="François GLEYZON" userId="a2d04f23f7faf3ef" providerId="LiveId" clId="{1404D58C-429C-4D75-B5B2-E1C9B8E0DC36}" dt="2025-03-28T20:35:42.567" v="8998" actId="478"/>
+          <ac:picMkLst>
+            <pc:docMk/>
+            <pc:sldMk cId="1989661597" sldId="277"/>
+            <ac:picMk id="3" creationId="{9418A06D-5188-6FDC-24BC-F87439036057}"/>
+          </ac:picMkLst>
+        </pc:picChg>
+        <pc:picChg chg="add mod">
+          <ac:chgData name="François GLEYZON" userId="a2d04f23f7faf3ef" providerId="LiveId" clId="{1404D58C-429C-4D75-B5B2-E1C9B8E0DC36}" dt="2025-03-28T20:35:48.044" v="8999"/>
+          <ac:picMkLst>
+            <pc:docMk/>
+            <pc:sldMk cId="1989661597" sldId="277"/>
+            <ac:picMk id="6" creationId="{538B70F3-BB9F-2E3D-160E-BF782BAAAFD2}"/>
+          </ac:picMkLst>
+        </pc:picChg>
+        <pc:picChg chg="add mod">
+          <ac:chgData name="François GLEYZON" userId="a2d04f23f7faf3ef" providerId="LiveId" clId="{1404D58C-429C-4D75-B5B2-E1C9B8E0DC36}" dt="2025-03-16T18:25:48.590" v="6989" actId="1076"/>
+          <ac:picMkLst>
+            <pc:docMk/>
+            <pc:sldMk cId="1989661597" sldId="277"/>
+            <ac:picMk id="11" creationId="{76E36435-5B32-C3F8-CDBC-02E2B5086320}"/>
+          </ac:picMkLst>
+        </pc:picChg>
+      </pc:sldChg>
+      <pc:sldChg chg="addSp delSp modSp add mod">
+        <pc:chgData name="François GLEYZON" userId="a2d04f23f7faf3ef" providerId="LiveId" clId="{1404D58C-429C-4D75-B5B2-E1C9B8E0DC36}" dt="2025-03-28T20:36:42.950" v="9002" actId="20577"/>
+        <pc:sldMkLst>
+          <pc:docMk/>
+          <pc:sldMk cId="3353157011" sldId="278"/>
+        </pc:sldMkLst>
+        <pc:spChg chg="add mod">
+          <ac:chgData name="François GLEYZON" userId="a2d04f23f7faf3ef" providerId="LiveId" clId="{1404D58C-429C-4D75-B5B2-E1C9B8E0DC36}" dt="2025-03-16T18:20:16.267" v="6837" actId="207"/>
+          <ac:spMkLst>
+            <pc:docMk/>
+            <pc:sldMk cId="3353157011" sldId="278"/>
+            <ac:spMk id="3" creationId="{9B7F5462-4ABB-EBA2-0610-D1DC1488F1E8}"/>
+          </ac:spMkLst>
+        </pc:spChg>
+        <pc:spChg chg="add mod">
+          <ac:chgData name="François GLEYZON" userId="a2d04f23f7faf3ef" providerId="LiveId" clId="{1404D58C-429C-4D75-B5B2-E1C9B8E0DC36}" dt="2025-03-28T20:36:42.950" v="9002" actId="20577"/>
+          <ac:spMkLst>
+            <pc:docMk/>
+            <pc:sldMk cId="3353157011" sldId="278"/>
+            <ac:spMk id="4" creationId="{071085C4-0B93-7C4D-668E-440636B813C4}"/>
+          </ac:spMkLst>
+        </pc:spChg>
+        <pc:spChg chg="mod">
+          <ac:chgData name="François GLEYZON" userId="a2d04f23f7faf3ef" providerId="LiveId" clId="{1404D58C-429C-4D75-B5B2-E1C9B8E0DC36}" dt="2025-03-18T00:13:16.107" v="7136" actId="13926"/>
+          <ac:spMkLst>
+            <pc:docMk/>
+            <pc:sldMk cId="3353157011" sldId="278"/>
+            <ac:spMk id="5" creationId="{123C1752-9749-D963-C34A-A3CB069DD9C5}"/>
+          </ac:spMkLst>
+        </pc:spChg>
+      </pc:sldChg>
+      <pc:sldChg chg="add">
+        <pc:chgData name="François GLEYZON" userId="a2d04f23f7faf3ef" providerId="LiveId" clId="{1404D58C-429C-4D75-B5B2-E1C9B8E0DC36}" dt="2025-03-27T15:48:09.571" v="7435"/>
+        <pc:sldMkLst>
+          <pc:docMk/>
+          <pc:sldMk cId="963883029" sldId="279"/>
+        </pc:sldMkLst>
+      </pc:sldChg>
+      <pc:sldChg chg="addSp delSp modSp add mod">
+        <pc:chgData name="François GLEYZON" userId="a2d04f23f7faf3ef" providerId="LiveId" clId="{1404D58C-429C-4D75-B5B2-E1C9B8E0DC36}" dt="2025-03-28T20:40:04.072" v="9111" actId="20577"/>
+        <pc:sldMkLst>
+          <pc:docMk/>
+          <pc:sldMk cId="956691911" sldId="280"/>
+        </pc:sldMkLst>
+        <pc:spChg chg="mod">
+          <ac:chgData name="François GLEYZON" userId="a2d04f23f7faf3ef" providerId="LiveId" clId="{1404D58C-429C-4D75-B5B2-E1C9B8E0DC36}" dt="2025-03-27T21:06:48.929" v="8549" actId="114"/>
+          <ac:spMkLst>
+            <pc:docMk/>
+            <pc:sldMk cId="956691911" sldId="280"/>
+            <ac:spMk id="3" creationId="{49E817FD-6192-C972-9162-7F57B3CE3D00}"/>
+          </ac:spMkLst>
+        </pc:spChg>
+        <pc:spChg chg="del">
+          <ac:chgData name="François GLEYZON" userId="a2d04f23f7faf3ef" providerId="LiveId" clId="{1404D58C-429C-4D75-B5B2-E1C9B8E0DC36}" dt="2025-03-27T21:05:37.824" v="8495" actId="478"/>
+          <ac:spMkLst>
+            <pc:docMk/>
+            <pc:sldMk cId="956691911" sldId="280"/>
+            <ac:spMk id="13" creationId="{30FD23D6-F439-5EE3-0133-24669F1EF0A4}"/>
+          </ac:spMkLst>
+        </pc:spChg>
+        <pc:spChg chg="add mod">
+          <ac:chgData name="François GLEYZON" userId="a2d04f23f7faf3ef" providerId="LiveId" clId="{1404D58C-429C-4D75-B5B2-E1C9B8E0DC36}" dt="2025-03-28T20:40:04.072" v="9111" actId="20577"/>
+          <ac:spMkLst>
+            <pc:docMk/>
+            <pc:sldMk cId="956691911" sldId="280"/>
+            <ac:spMk id="14" creationId="{15BE0636-0290-4D62-2BBD-81087B277E96}"/>
+          </ac:spMkLst>
+        </pc:spChg>
+        <pc:spChg chg="add del mod">
+          <ac:chgData name="François GLEYZON" userId="a2d04f23f7faf3ef" providerId="LiveId" clId="{1404D58C-429C-4D75-B5B2-E1C9B8E0DC36}" dt="2025-03-27T21:11:48.167" v="8891" actId="478"/>
+          <ac:spMkLst>
+            <pc:docMk/>
+            <pc:sldMk cId="956691911" sldId="280"/>
+            <ac:spMk id="16" creationId="{DF78B8ED-CA81-7442-722A-9100B46FFC0F}"/>
+          </ac:spMkLst>
+        </pc:spChg>
+        <pc:spChg chg="add del mod">
+          <ac:chgData name="François GLEYZON" userId="a2d04f23f7faf3ef" providerId="LiveId" clId="{1404D58C-429C-4D75-B5B2-E1C9B8E0DC36}" dt="2025-03-27T21:11:00.101" v="8865"/>
+          <ac:spMkLst>
+            <pc:docMk/>
+            <pc:sldMk cId="956691911" sldId="280"/>
+            <ac:spMk id="17" creationId="{DA909163-8B12-2698-D0BA-A5A3E3CFC4D8}"/>
+          </ac:spMkLst>
+        </pc:spChg>
+        <pc:spChg chg="add mod">
+          <ac:chgData name="François GLEYZON" userId="a2d04f23f7faf3ef" providerId="LiveId" clId="{1404D58C-429C-4D75-B5B2-E1C9B8E0DC36}" dt="2025-03-27T21:12:00.599" v="8896" actId="1036"/>
+          <ac:spMkLst>
+            <pc:docMk/>
+            <pc:sldMk cId="956691911" sldId="280"/>
+            <ac:spMk id="18" creationId="{0B9EC4DF-BFB4-7E6C-E9F3-26663D2EEE7E}"/>
+          </ac:spMkLst>
+        </pc:spChg>
+        <pc:picChg chg="del">
+          <ac:chgData name="François GLEYZON" userId="a2d04f23f7faf3ef" providerId="LiveId" clId="{1404D58C-429C-4D75-B5B2-E1C9B8E0DC36}" dt="2025-03-27T21:05:35.780" v="8493" actId="478"/>
+          <ac:picMkLst>
+            <pc:docMk/>
+            <pc:sldMk cId="956691911" sldId="280"/>
+            <ac:picMk id="7" creationId="{D6A04802-FD94-CCF6-E27E-B6CC2EE0B512}"/>
+          </ac:picMkLst>
+        </pc:picChg>
+        <pc:picChg chg="add mod">
+          <ac:chgData name="François GLEYZON" userId="a2d04f23f7faf3ef" providerId="LiveId" clId="{1404D58C-429C-4D75-B5B2-E1C9B8E0DC36}" dt="2025-03-27T21:11:50.374" v="8893" actId="1076"/>
+          <ac:picMkLst>
+            <pc:docMk/>
+            <pc:sldMk cId="956691911" sldId="280"/>
+            <ac:picMk id="8" creationId="{443D6940-4B4A-542A-BA6C-963F392DDFE4}"/>
+          </ac:picMkLst>
+        </pc:picChg>
+        <pc:picChg chg="del">
+          <ac:chgData name="François GLEYZON" userId="a2d04f23f7faf3ef" providerId="LiveId" clId="{1404D58C-429C-4D75-B5B2-E1C9B8E0DC36}" dt="2025-03-27T21:05:36.341" v="8494" actId="478"/>
+          <ac:picMkLst>
+            <pc:docMk/>
+            <pc:sldMk cId="956691911" sldId="280"/>
+            <ac:picMk id="10" creationId="{8570CB32-03D9-F400-9EEA-BD3656F09699}"/>
+          </ac:picMkLst>
+        </pc:picChg>
+        <pc:picChg chg="add mod">
+          <ac:chgData name="François GLEYZON" userId="a2d04f23f7faf3ef" providerId="LiveId" clId="{1404D58C-429C-4D75-B5B2-E1C9B8E0DC36}" dt="2025-03-27T21:06:13.652" v="8508" actId="1076"/>
+          <ac:picMkLst>
+            <pc:docMk/>
+            <pc:sldMk cId="956691911" sldId="280"/>
+            <ac:picMk id="12" creationId="{5FD27660-F829-9650-A7F7-56552FB1EB07}"/>
+          </ac:picMkLst>
+        </pc:picChg>
+      </pc:sldChg>
+      <pc:sldChg chg="addSp delSp modSp mod">
+        <pc:chgData name="François GLEYZON" userId="a2d04f23f7faf3ef" providerId="LiveId" clId="{1404D58C-429C-4D75-B5B2-E1C9B8E0DC36}" dt="2025-03-28T20:39:29.615" v="9101"/>
+        <pc:sldMkLst>
+          <pc:docMk/>
+          <pc:sldMk cId="1526862644" sldId="281"/>
+        </pc:sldMkLst>
+        <pc:spChg chg="add mod">
+          <ac:chgData name="François GLEYZON" userId="a2d04f23f7faf3ef" providerId="LiveId" clId="{1404D58C-429C-4D75-B5B2-E1C9B8E0DC36}" dt="2025-03-28T20:39:29.615" v="9101"/>
+          <ac:spMkLst>
+            <pc:docMk/>
+            <pc:sldMk cId="1526862644" sldId="281"/>
+            <ac:spMk id="2" creationId="{5966144F-B588-EB7A-8301-CB38AB051710}"/>
+          </ac:spMkLst>
+        </pc:spChg>
+        <pc:spChg chg="mod">
+          <ac:chgData name="François GLEYZON" userId="a2d04f23f7faf3ef" providerId="LiveId" clId="{1404D58C-429C-4D75-B5B2-E1C9B8E0DC36}" dt="2025-03-28T20:39:06.835" v="9095"/>
+          <ac:spMkLst>
+            <pc:docMk/>
+            <pc:sldMk cId="1526862644" sldId="281"/>
+            <ac:spMk id="5" creationId="{309D56B0-990D-A3FC-9388-987F015973E1}"/>
+          </ac:spMkLst>
+        </pc:spChg>
+        <pc:spChg chg="del">
+          <ac:chgData name="François GLEYZON" userId="a2d04f23f7faf3ef" providerId="LiveId" clId="{1404D58C-429C-4D75-B5B2-E1C9B8E0DC36}" dt="2025-03-28T20:39:22.007" v="9098" actId="478"/>
+          <ac:spMkLst>
+            <pc:docMk/>
+            <pc:sldMk cId="1526862644" sldId="281"/>
+            <ac:spMk id="6" creationId="{3956B676-E09A-819D-5A1C-CC4FD9C9ABCC}"/>
+          </ac:spMkLst>
+        </pc:spChg>
+        <pc:picChg chg="add mod">
+          <ac:chgData name="François GLEYZON" userId="a2d04f23f7faf3ef" providerId="LiveId" clId="{1404D58C-429C-4D75-B5B2-E1C9B8E0DC36}" dt="2025-03-28T20:39:15.483" v="9097" actId="1076"/>
+          <ac:picMkLst>
+            <pc:docMk/>
+            <pc:sldMk cId="1526862644" sldId="281"/>
+            <ac:picMk id="1026" creationId="{71CF4118-EFA3-D084-25BB-B63BD69C144B}"/>
+          </ac:picMkLst>
+        </pc:picChg>
+      </pc:sldChg>
+    </pc:docChg>
+  </pc:docChgLst>
 </pc:chgInfo>
 </file>
 
@@ -2475,7 +2522,7 @@
           <a:p>
             <a:fld id="{536D1BE0-9163-4941-8556-7FE0B29195A4}" type="datetimeFigureOut">
               <a:rPr lang="en-GB" smtClean="0"/>
-              <a:t>27/03/2025</a:t>
+              <a:t>28/03/2025</a:t>
             </a:fld>
             <a:endParaRPr lang="en-GB"/>
           </a:p>
@@ -3168,7 +3215,7 @@
           <a:p>
             <a:fld id="{CEFDEF93-0E3A-4A89-BC16-F38BAE82060D}" type="datetimeFigureOut">
               <a:rPr lang="en-GB" smtClean="0"/>
-              <a:t>27/03/2025</a:t>
+              <a:t>28/03/2025</a:t>
             </a:fld>
             <a:endParaRPr lang="en-GB"/>
           </a:p>
@@ -3368,7 +3415,7 @@
           <a:p>
             <a:fld id="{CEFDEF93-0E3A-4A89-BC16-F38BAE82060D}" type="datetimeFigureOut">
               <a:rPr lang="en-GB" smtClean="0"/>
-              <a:t>27/03/2025</a:t>
+              <a:t>28/03/2025</a:t>
             </a:fld>
             <a:endParaRPr lang="en-GB"/>
           </a:p>
@@ -3578,7 +3625,7 @@
           <a:p>
             <a:fld id="{CEFDEF93-0E3A-4A89-BC16-F38BAE82060D}" type="datetimeFigureOut">
               <a:rPr lang="en-GB" smtClean="0"/>
-              <a:t>27/03/2025</a:t>
+              <a:t>28/03/2025</a:t>
             </a:fld>
             <a:endParaRPr lang="en-GB"/>
           </a:p>
@@ -3778,7 +3825,7 @@
           <a:p>
             <a:fld id="{CEFDEF93-0E3A-4A89-BC16-F38BAE82060D}" type="datetimeFigureOut">
               <a:rPr lang="en-GB" smtClean="0"/>
-              <a:t>27/03/2025</a:t>
+              <a:t>28/03/2025</a:t>
             </a:fld>
             <a:endParaRPr lang="en-GB"/>
           </a:p>
@@ -4054,7 +4101,7 @@
           <a:p>
             <a:fld id="{CEFDEF93-0E3A-4A89-BC16-F38BAE82060D}" type="datetimeFigureOut">
               <a:rPr lang="en-GB" smtClean="0"/>
-              <a:t>27/03/2025</a:t>
+              <a:t>28/03/2025</a:t>
             </a:fld>
             <a:endParaRPr lang="en-GB"/>
           </a:p>
@@ -4322,7 +4369,7 @@
           <a:p>
             <a:fld id="{CEFDEF93-0E3A-4A89-BC16-F38BAE82060D}" type="datetimeFigureOut">
               <a:rPr lang="en-GB" smtClean="0"/>
-              <a:t>27/03/2025</a:t>
+              <a:t>28/03/2025</a:t>
             </a:fld>
             <a:endParaRPr lang="en-GB"/>
           </a:p>
@@ -4737,7 +4784,7 @@
           <a:p>
             <a:fld id="{CEFDEF93-0E3A-4A89-BC16-F38BAE82060D}" type="datetimeFigureOut">
               <a:rPr lang="en-GB" smtClean="0"/>
-              <a:t>27/03/2025</a:t>
+              <a:t>28/03/2025</a:t>
             </a:fld>
             <a:endParaRPr lang="en-GB"/>
           </a:p>
@@ -4879,7 +4926,7 @@
           <a:p>
             <a:fld id="{CEFDEF93-0E3A-4A89-BC16-F38BAE82060D}" type="datetimeFigureOut">
               <a:rPr lang="en-GB" smtClean="0"/>
-              <a:t>27/03/2025</a:t>
+              <a:t>28/03/2025</a:t>
             </a:fld>
             <a:endParaRPr lang="en-GB"/>
           </a:p>
@@ -4992,7 +5039,7 @@
           <a:p>
             <a:fld id="{CEFDEF93-0E3A-4A89-BC16-F38BAE82060D}" type="datetimeFigureOut">
               <a:rPr lang="en-GB" smtClean="0"/>
-              <a:t>27/03/2025</a:t>
+              <a:t>28/03/2025</a:t>
             </a:fld>
             <a:endParaRPr lang="en-GB"/>
           </a:p>
@@ -5305,7 +5352,7 @@
           <a:p>
             <a:fld id="{CEFDEF93-0E3A-4A89-BC16-F38BAE82060D}" type="datetimeFigureOut">
               <a:rPr lang="en-GB" smtClean="0"/>
-              <a:t>27/03/2025</a:t>
+              <a:t>28/03/2025</a:t>
             </a:fld>
             <a:endParaRPr lang="en-GB"/>
           </a:p>
@@ -5594,7 +5641,7 @@
           <a:p>
             <a:fld id="{CEFDEF93-0E3A-4A89-BC16-F38BAE82060D}" type="datetimeFigureOut">
               <a:rPr lang="en-GB" smtClean="0"/>
-              <a:t>27/03/2025</a:t>
+              <a:t>28/03/2025</a:t>
             </a:fld>
             <a:endParaRPr lang="en-GB"/>
           </a:p>
@@ -5837,7 +5884,7 @@
           <a:p>
             <a:fld id="{CEFDEF93-0E3A-4A89-BC16-F38BAE82060D}" type="datetimeFigureOut">
               <a:rPr lang="en-GB" smtClean="0"/>
-              <a:t>27/03/2025</a:t>
+              <a:t>28/03/2025</a:t>
             </a:fld>
             <a:endParaRPr lang="en-GB"/>
           </a:p>
@@ -7045,8 +7092,8 @@
           </a:p>
         </p:txBody>
       </p:sp>
-      <mc:AlternateContent xmlns:mc="http://schemas.openxmlformats.org/markup-compatibility/2006" xmlns:a14="http://schemas.microsoft.com/office/drawing/2010/main">
-        <mc:Choice Requires="a14">
+      <mc:AlternateContent xmlns:mc="http://schemas.openxmlformats.org/markup-compatibility/2006">
+        <mc:Choice xmlns:a14="http://schemas.microsoft.com/office/drawing/2010/main" Requires="a14">
           <p:sp>
             <p:nvSpPr>
               <p:cNvPr id="5" name="TextBox 4">
@@ -7062,7 +7109,7 @@
             <p:spPr>
               <a:xfrm>
                 <a:off x="0" y="1046772"/>
-                <a:ext cx="12192000" cy="5355312"/>
+                <a:ext cx="12192000" cy="5078313"/>
               </a:xfrm>
               <a:prstGeom prst="rect">
                 <a:avLst/>
@@ -7079,7 +7126,10 @@
                   <a:buNone/>
                 </a:pPr>
                 <a:r>
-                  <a:rPr lang="fr-FR" u="sng" dirty="0"/>
+                  <a:rPr lang="fr-FR" u="sng" dirty="0">
+                    <a:latin typeface="Times New Roman" panose="02020603050405020304" pitchFamily="18" charset="0"/>
+                    <a:cs typeface="Times New Roman" panose="02020603050405020304" pitchFamily="18" charset="0"/>
+                  </a:rPr>
                   <a:t>D’où vient le plateau sur la SRQ ?</a:t>
                 </a:r>
               </a:p>
@@ -7089,7 +7139,10 @@
                   <a:buChar char="•"/>
                 </a:pPr>
                 <a:r>
-                  <a:rPr lang="fr-FR" dirty="0"/>
+                  <a:rPr lang="fr-FR" dirty="0">
+                    <a:latin typeface="Times New Roman" panose="02020603050405020304" pitchFamily="18" charset="0"/>
+                    <a:cs typeface="Times New Roman" panose="02020603050405020304" pitchFamily="18" charset="0"/>
+                  </a:rPr>
                   <a:t>Convergence numérique</a:t>
                 </a:r>
               </a:p>
@@ -7099,7 +7152,10 @@
                   <a:buChar char="•"/>
                 </a:pPr>
                 <a:r>
-                  <a:rPr lang="fr-FR" dirty="0"/>
+                  <a:rPr lang="fr-FR" dirty="0">
+                    <a:latin typeface="Times New Roman" panose="02020603050405020304" pitchFamily="18" charset="0"/>
+                    <a:cs typeface="Times New Roman" panose="02020603050405020304" pitchFamily="18" charset="0"/>
+                  </a:rPr>
                   <a:t>Une fois un certain seuil atteint, l’erreur de discrétisation devient négligeable.</a:t>
                 </a:r>
               </a:p>
@@ -7109,7 +7165,10 @@
                   <a:buChar char="•"/>
                 </a:pPr>
                 <a:r>
-                  <a:rPr lang="fr-FR" dirty="0"/>
+                  <a:rPr lang="fr-FR" dirty="0">
+                    <a:latin typeface="Times New Roman" panose="02020603050405020304" pitchFamily="18" charset="0"/>
+                    <a:cs typeface="Times New Roman" panose="02020603050405020304" pitchFamily="18" charset="0"/>
+                  </a:rPr>
                   <a:t>Limite physique</a:t>
                 </a:r>
               </a:p>
@@ -7119,7 +7178,10 @@
                   <a:buChar char="•"/>
                 </a:pPr>
                 <a:r>
-                  <a:rPr lang="fr-FR" dirty="0"/>
+                  <a:rPr lang="fr-FR" dirty="0">
+                    <a:latin typeface="Times New Roman" panose="02020603050405020304" pitchFamily="18" charset="0"/>
+                    <a:cs typeface="Times New Roman" panose="02020603050405020304" pitchFamily="18" charset="0"/>
+                  </a:rPr>
                   <a:t>En grandes déformations, l’influence d’un maillage plus fin sur la réponse globale diminue progressivement.</a:t>
                 </a:r>
               </a:p>
@@ -7129,7 +7191,10 @@
                   <a:buChar char="•"/>
                 </a:pPr>
                 <a:r>
-                  <a:rPr lang="fr-FR" dirty="0"/>
+                  <a:rPr lang="fr-FR" dirty="0">
+                    <a:latin typeface="Times New Roman" panose="02020603050405020304" pitchFamily="18" charset="0"/>
+                    <a:cs typeface="Times New Roman" panose="02020603050405020304" pitchFamily="18" charset="0"/>
+                  </a:rPr>
                   <a:t>Erreurs numériques et limites logicielles</a:t>
                 </a:r>
               </a:p>
@@ -7139,7 +7204,10 @@
                   <a:buChar char="•"/>
                 </a:pPr>
                 <a:r>
-                  <a:rPr lang="fr-FR" dirty="0"/>
+                  <a:rPr lang="fr-FR" dirty="0">
+                    <a:latin typeface="Times New Roman" panose="02020603050405020304" pitchFamily="18" charset="0"/>
+                    <a:cs typeface="Times New Roman" panose="02020603050405020304" pitchFamily="18" charset="0"/>
+                  </a:rPr>
                   <a:t>Précision machine : les erreurs itératives peuvent prendre le dessus sur l’erreur de discrétisation.</a:t>
                 </a:r>
               </a:p>
@@ -7149,7 +7217,10 @@
                   <a:buChar char="•"/>
                 </a:pPr>
                 <a:r>
-                  <a:rPr lang="fr-FR" dirty="0"/>
+                  <a:rPr lang="fr-FR" dirty="0">
+                    <a:latin typeface="Times New Roman" panose="02020603050405020304" pitchFamily="18" charset="0"/>
+                    <a:cs typeface="Times New Roman" panose="02020603050405020304" pitchFamily="18" charset="0"/>
+                  </a:rPr>
                   <a:t>Version étudiante d’Ansys : restriction sur le nombre de nœuds, impossible de confirmer l’étendue du plateau.</a:t>
                 </a:r>
               </a:p>
@@ -7158,17 +7229,26 @@
                   <a:buFont typeface="Arial" panose="020B0604020202020204" pitchFamily="34" charset="0"/>
                   <a:buChar char="•"/>
                 </a:pPr>
-                <a:endParaRPr lang="fr-FR" dirty="0"/>
+                <a:endParaRPr lang="fr-FR" dirty="0">
+                  <a:latin typeface="Times New Roman" panose="02020603050405020304" pitchFamily="18" charset="0"/>
+                  <a:cs typeface="Times New Roman" panose="02020603050405020304" pitchFamily="18" charset="0"/>
+                </a:endParaRPr>
               </a:p>
               <a:p>
                 <a:r>
-                  <a:rPr lang="fr-FR" u="sng" dirty="0"/>
+                  <a:rPr lang="fr-FR" u="sng" dirty="0">
+                    <a:latin typeface="Times New Roman" panose="02020603050405020304" pitchFamily="18" charset="0"/>
+                    <a:cs typeface="Times New Roman" panose="02020603050405020304" pitchFamily="18" charset="0"/>
+                  </a:rPr>
                   <a:t>Pourquoi l’ordre de convergence observé n’est pas égal à l’ordre de convergence formel ?</a:t>
                 </a:r>
               </a:p>
               <a:p>
                 <a:r>
-                  <a:rPr lang="fr-FR" dirty="0"/>
+                  <a:rPr lang="fr-FR" dirty="0">
+                    <a:latin typeface="Times New Roman" panose="02020603050405020304" pitchFamily="18" charset="0"/>
+                    <a:cs typeface="Times New Roman" panose="02020603050405020304" pitchFamily="18" charset="0"/>
+                  </a:rPr>
                   <a:t>La convergence du modèle est dégradée. </a:t>
                 </a:r>
               </a:p>
@@ -7178,7 +7258,10 @@
                   <a:buChar char="•"/>
                 </a:pPr>
                 <a:r>
-                  <a:rPr lang="fr-FR" dirty="0"/>
+                  <a:rPr lang="fr-FR" dirty="0">
+                    <a:latin typeface="Times New Roman" panose="02020603050405020304" pitchFamily="18" charset="0"/>
+                    <a:cs typeface="Times New Roman" panose="02020603050405020304" pitchFamily="18" charset="0"/>
+                  </a:rPr>
                   <a:t>Si les conditions aux limites sont mal capturées par le maillage, elles peuvent induire des erreurs locales qui ralentissent la convergence.</a:t>
                 </a:r>
               </a:p>
@@ -7188,7 +7271,10 @@
                   <a:buChar char="•"/>
                 </a:pPr>
                 <a:r>
-                  <a:rPr lang="fr-FR" dirty="0"/>
+                  <a:rPr lang="fr-FR" dirty="0">
+                    <a:latin typeface="Times New Roman" panose="02020603050405020304" pitchFamily="18" charset="0"/>
+                    <a:cs typeface="Times New Roman" panose="02020603050405020304" pitchFamily="18" charset="0"/>
+                  </a:rPr>
                   <a:t>Si la zone où </a:t>
                 </a:r>
                 <a14:m>
@@ -7221,7 +7307,10 @@
                   </m:oMath>
                 </a14:m>
                 <a:r>
-                  <a:rPr lang="fr-FR" dirty="0"/>
+                  <a:rPr lang="fr-FR" dirty="0">
+                    <a:latin typeface="Times New Roman" panose="02020603050405020304" pitchFamily="18" charset="0"/>
+                    <a:cs typeface="Times New Roman" panose="02020603050405020304" pitchFamily="18" charset="0"/>
+                  </a:rPr>
                   <a:t>​ se produit est mal maillée, elle peut dominer l’erreur globale.</a:t>
                 </a:r>
               </a:p>
@@ -7231,7 +7320,10 @@
                   <a:buChar char="•"/>
                 </a:pPr>
                 <a:r>
-                  <a:rPr lang="fr-FR" dirty="0"/>
+                  <a:rPr lang="fr-FR" dirty="0">
+                    <a:latin typeface="Times New Roman" panose="02020603050405020304" pitchFamily="18" charset="0"/>
+                    <a:cs typeface="Times New Roman" panose="02020603050405020304" pitchFamily="18" charset="0"/>
+                  </a:rPr>
                   <a:t>Si les contraintes appliquées sont trop localisées (ex : un point de contact), la convergence peut être plus lente qu’attendu. Dans notre cas, les conditions aux limites sont appliquées sur les extrémités de l’orthèse. Les appliquer de manière plus réaliste avec surface d’application plus grande aurait pu aider à conserver la convergence du modèle à 3. </a:t>
                 </a:r>
               </a:p>
@@ -7240,12 +7332,15 @@
                   <a:buFont typeface="Arial" panose="020B0604020202020204" pitchFamily="34" charset="0"/>
                   <a:buChar char="•"/>
                 </a:pPr>
-                <a:endParaRPr lang="fr-FR" dirty="0"/>
+                <a:endParaRPr lang="fr-FR" dirty="0">
+                  <a:latin typeface="Times New Roman" panose="02020603050405020304" pitchFamily="18" charset="0"/>
+                  <a:cs typeface="Times New Roman" panose="02020603050405020304" pitchFamily="18" charset="0"/>
+                </a:endParaRPr>
               </a:p>
             </p:txBody>
           </p:sp>
         </mc:Choice>
-        <mc:Fallback xmlns="">
+        <mc:Fallback>
           <p:sp>
             <p:nvSpPr>
               <p:cNvPr id="5" name="TextBox 4">
@@ -7263,7 +7358,7 @@
             <p:spPr>
               <a:xfrm>
                 <a:off x="0" y="1046772"/>
-                <a:ext cx="12192000" cy="5355312"/>
+                <a:ext cx="12192000" cy="5078313"/>
               </a:xfrm>
               <a:prstGeom prst="rect">
                 <a:avLst/>
@@ -7271,7 +7366,7 @@
               <a:blipFill>
                 <a:blip r:embed="rId2"/>
                 <a:stretch>
-                  <a:fillRect l="-400" t="-569"/>
+                  <a:fillRect l="-400" t="-720"/>
                 </a:stretch>
               </a:blipFill>
             </p:spPr>
@@ -7280,7 +7375,7 @@
               <a:lstStyle/>
               <a:p>
                 <a:r>
-                  <a:rPr lang="fr-FR">
+                  <a:rPr lang="en-GB">
                     <a:noFill/>
                   </a:rPr>
                   <a:t> </a:t>
@@ -7336,32 +7431,89 @@
           </a:p>
         </p:txBody>
       </p:sp>
-      <p:sp>
-        <p:nvSpPr>
-          <p:cNvPr id="6" name="Slide Number Placeholder 5">
+      <p:pic>
+        <p:nvPicPr>
+          <p:cNvPr id="1026" name="Picture 2" descr="Idea Special Lineal color icon">
             <a:extLst>
               <a:ext uri="{FF2B5EF4-FFF2-40B4-BE49-F238E27FC236}">
-                <a16:creationId xmlns:a16="http://schemas.microsoft.com/office/drawing/2014/main" id="{3956B676-E09A-819D-5A1C-CC4FD9C9ABCC}"/>
+                <a16:creationId xmlns:a16="http://schemas.microsoft.com/office/drawing/2014/main" id="{71CF4118-EFA3-D084-25BB-B63BD69C144B}"/>
               </a:ext>
             </a:extLst>
           </p:cNvPr>
-          <p:cNvSpPr>
-            <a:spLocks noGrp="1"/>
-          </p:cNvSpPr>
-          <p:nvPr>
-            <p:ph type="sldNum" sz="quarter" idx="12"/>
-          </p:nvPr>
+          <p:cNvPicPr>
+            <a:picLocks noChangeAspect="1" noChangeArrowheads="1"/>
+          </p:cNvPicPr>
+          <p:nvPr/>
+        </p:nvPicPr>
+        <p:blipFill>
+          <a:blip r:embed="rId3">
+            <a:extLst>
+              <a:ext uri="{28A0092B-C50C-407E-A947-70E740481C1C}">
+                <a14:useLocalDpi xmlns:a14="http://schemas.microsoft.com/office/drawing/2010/main" val="0"/>
+              </a:ext>
+            </a:extLst>
+          </a:blip>
+          <a:srcRect/>
+          <a:stretch>
+            <a:fillRect/>
+          </a:stretch>
+        </p:blipFill>
+        <p:spPr bwMode="auto">
+          <a:xfrm>
+            <a:off x="11353800" y="607974"/>
+            <a:ext cx="646332" cy="646332"/>
+          </a:xfrm>
+          <a:prstGeom prst="rect">
+            <a:avLst/>
+          </a:prstGeom>
+          <a:noFill/>
+          <a:extLst>
+            <a:ext uri="{909E8E84-426E-40DD-AFC4-6F175D3DCCD1}">
+              <a14:hiddenFill xmlns:a14="http://schemas.microsoft.com/office/drawing/2010/main">
+                <a:solidFill>
+                  <a:srgbClr val="FFFFFF"/>
+                </a:solidFill>
+              </a14:hiddenFill>
+            </a:ext>
+          </a:extLst>
+        </p:spPr>
+      </p:pic>
+      <p:sp>
+        <p:nvSpPr>
+          <p:cNvPr id="2" name="TextBox 1">
+            <a:extLst>
+              <a:ext uri="{FF2B5EF4-FFF2-40B4-BE49-F238E27FC236}">
+                <a16:creationId xmlns:a16="http://schemas.microsoft.com/office/drawing/2014/main" id="{5966144F-B588-EB7A-8301-CB38AB051710}"/>
+              </a:ext>
+            </a:extLst>
+          </p:cNvPr>
+          <p:cNvSpPr txBox="1"/>
+          <p:nvPr/>
         </p:nvSpPr>
-        <p:spPr/>
+        <p:spPr>
+          <a:xfrm>
+            <a:off x="11091333" y="6550222"/>
+            <a:ext cx="1100667" cy="307777"/>
+          </a:xfrm>
+          <a:prstGeom prst="rect">
+            <a:avLst/>
+          </a:prstGeom>
+          <a:noFill/>
+        </p:spPr>
         <p:txBody>
-          <a:bodyPr/>
+          <a:bodyPr wrap="square" rtlCol="0">
+            <a:spAutoFit/>
+          </a:bodyPr>
           <a:lstStyle/>
           <a:p>
-            <a:fld id="{74DDA11D-2719-4AB3-AAA7-DB2910A56E08}" type="slidenum">
-              <a:rPr lang="en-GB" smtClean="0"/>
-              <a:t>10</a:t>
-            </a:fld>
-            <a:endParaRPr lang="en-GB"/>
+            <a:pPr algn="r"/>
+            <a:r>
+              <a:rPr lang="fr-FR" sz="1400" noProof="0" dirty="0">
+                <a:latin typeface="Times New Roman" panose="02020603050405020304" pitchFamily="18" charset="0"/>
+                <a:cs typeface="Times New Roman" panose="02020603050405020304" pitchFamily="18" charset="0"/>
+              </a:rPr>
+              <a:t>X/Y</a:t>
+            </a:r>
           </a:p>
         </p:txBody>
       </p:sp>
@@ -8294,7 +8446,7 @@
                 <a:latin typeface="Times New Roman" panose="02020603050405020304" pitchFamily="18" charset="0"/>
                 <a:cs typeface="Times New Roman" panose="02020603050405020304" pitchFamily="18" charset="0"/>
               </a:rPr>
-              <a:t>3. Conclusion sur la vérification de solution </a:t>
+              <a:t>4. Conclusion sur la vérification de solution </a:t>
             </a:r>
           </a:p>
           <a:p>
@@ -9681,11 +9833,32 @@
               <a:t>A partir de ces deux graphiques, nous pouvons générer un fichier de couples de données d’entrées que nous utiliserons dans nos simulations sur Ansys. La dernière boucle du script permet de générer ce fichier ‘</a:t>
             </a:r>
             <a:r>
+              <a:rPr lang="fr-FR" i="1" noProof="0" dirty="0" err="1">
+                <a:latin typeface="Times New Roman" panose="02020603050405020304" pitchFamily="18" charset="0"/>
+                <a:cs typeface="Times New Roman" panose="02020603050405020304" pitchFamily="18" charset="0"/>
+              </a:rPr>
+              <a:t>Couples_LHS</a:t>
+            </a:r>
+            <a:r>
               <a:rPr lang="fr-FR" i="1" noProof="0" dirty="0">
                 <a:latin typeface="Times New Roman" panose="02020603050405020304" pitchFamily="18" charset="0"/>
                 <a:cs typeface="Times New Roman" panose="02020603050405020304" pitchFamily="18" charset="0"/>
               </a:rPr>
-              <a:t>Couples_LHS_Complets.csv</a:t>
+              <a:t>_</a:t>
+            </a:r>
+            <a:r>
+              <a:rPr lang="fr-FR" i="1" dirty="0">
+                <a:latin typeface="Times New Roman" panose="02020603050405020304" pitchFamily="18" charset="0"/>
+                <a:cs typeface="Times New Roman" panose="02020603050405020304" pitchFamily="18" charset="0"/>
+              </a:rPr>
+              <a:t>LA</a:t>
+            </a:r>
+            <a:r>
+              <a:rPr lang="fr-FR" i="1" noProof="0" dirty="0">
+                <a:latin typeface="Times New Roman" panose="02020603050405020304" pitchFamily="18" charset="0"/>
+                <a:cs typeface="Times New Roman" panose="02020603050405020304" pitchFamily="18" charset="0"/>
+              </a:rPr>
+              <a:t>.csv</a:t>
             </a:r>
             <a:r>
               <a:rPr lang="fr-FR" noProof="0" dirty="0">
@@ -38346,8 +38519,8 @@
           </a:prstGeom>
         </p:spPr>
       </p:pic>
-      <mc:AlternateContent xmlns:mc="http://schemas.openxmlformats.org/markup-compatibility/2006" xmlns:a14="http://schemas.microsoft.com/office/drawing/2010/main">
-        <mc:Choice Requires="a14">
+      <mc:AlternateContent xmlns:mc="http://schemas.openxmlformats.org/markup-compatibility/2006">
+        <mc:Choice xmlns:a14="http://schemas.microsoft.com/office/drawing/2010/main" Requires="a14">
           <p:sp>
             <p:nvSpPr>
               <p:cNvPr id="8" name="TextBox 7">
@@ -38363,7 +38536,7 @@
             <p:spPr>
               <a:xfrm>
                 <a:off x="5568381" y="1994590"/>
-                <a:ext cx="6623619" cy="2862322"/>
+                <a:ext cx="6623619" cy="3139321"/>
               </a:xfrm>
               <a:prstGeom prst="rect">
                 <a:avLst/>
@@ -38469,30 +38642,31 @@
               <a:p>
                 <a:pPr algn="just"/>
                 <a:r>
-                  <a:rPr lang="fr-FR" b="1" noProof="0" dirty="0">
-                    <a:highlight>
-                      <a:srgbClr val="FFFF00"/>
-                    </a:highlight>
+                  <a:rPr lang="fr-FR" noProof="0" dirty="0">
                     <a:latin typeface="Times New Roman" panose="02020603050405020304" pitchFamily="18" charset="0"/>
                     <a:cs typeface="Times New Roman" panose="02020603050405020304" pitchFamily="18" charset="0"/>
                   </a:rPr>
-                  <a:t>HYPOTHESE PLATEAU</a:t>
+                  <a:t>Des hypothèses sur la raison de ce plateau sont données </a:t>
+                </a:r>
+                <a:r>
+                  <a:rPr lang="fr-FR" dirty="0">
+                    <a:latin typeface="Times New Roman" panose="02020603050405020304" pitchFamily="18" charset="0"/>
+                    <a:cs typeface="Times New Roman" panose="02020603050405020304" pitchFamily="18" charset="0"/>
+                  </a:rPr>
+                  <a:t>dans </a:t>
                 </a:r>
                 <a:r>
                   <a:rPr lang="fr-FR" noProof="0" dirty="0">
-                    <a:highlight>
-                      <a:srgbClr val="FFFF00"/>
-                    </a:highlight>
                     <a:latin typeface="Times New Roman" panose="02020603050405020304" pitchFamily="18" charset="0"/>
                     <a:cs typeface="Times New Roman" panose="02020603050405020304" pitchFamily="18" charset="0"/>
                   </a:rPr>
-                  <a:t> </a:t>
+                  <a:t>quelques slides.   </a:t>
                 </a:r>
               </a:p>
             </p:txBody>
           </p:sp>
         </mc:Choice>
-        <mc:Fallback xmlns="">
+        <mc:Fallback>
           <p:sp>
             <p:nvSpPr>
               <p:cNvPr id="8" name="TextBox 7">
@@ -38510,7 +38684,7 @@
             <p:spPr>
               <a:xfrm>
                 <a:off x="5568381" y="1994590"/>
-                <a:ext cx="6623619" cy="2862322"/>
+                <a:ext cx="6623619" cy="3139321"/>
               </a:xfrm>
               <a:prstGeom prst="rect">
                 <a:avLst/>
@@ -38518,7 +38692,7 @@
               <a:blipFill>
                 <a:blip r:embed="rId3"/>
                 <a:stretch>
-                  <a:fillRect l="-736" t="-1064" r="-828" b="-2340"/>
+                  <a:fillRect l="-736" t="-971" r="-828" b="-2136"/>
                 </a:stretch>
               </a:blipFill>
             </p:spPr>
@@ -39979,7 +40153,7 @@
               <a:lstStyle/>
               <a:p>
                 <a:r>
-                  <a:rPr lang="fr-FR">
+                  <a:rPr lang="en-GB">
                     <a:noFill/>
                   </a:rPr>
                   <a:t> </a:t>
@@ -40048,12 +40222,51 @@
           </a:p>
         </p:txBody>
       </p:sp>
+      <p:sp>
+        <p:nvSpPr>
+          <p:cNvPr id="4" name="TextBox 3">
+            <a:extLst>
+              <a:ext uri="{FF2B5EF4-FFF2-40B4-BE49-F238E27FC236}">
+                <a16:creationId xmlns:a16="http://schemas.microsoft.com/office/drawing/2014/main" id="{75AA8A51-2A97-8D06-CECD-B9BDC2716E90}"/>
+              </a:ext>
+            </a:extLst>
+          </p:cNvPr>
+          <p:cNvSpPr txBox="1"/>
+          <p:nvPr/>
+        </p:nvSpPr>
+        <p:spPr>
+          <a:xfrm>
+            <a:off x="6722419" y="73201"/>
+            <a:ext cx="1953873" cy="338554"/>
+          </a:xfrm>
+          <a:prstGeom prst="rect">
+            <a:avLst/>
+          </a:prstGeom>
+          <a:noFill/>
+        </p:spPr>
+        <p:txBody>
+          <a:bodyPr wrap="square" rtlCol="0">
+            <a:spAutoFit/>
+          </a:bodyPr>
+          <a:lstStyle/>
+          <a:p>
+            <a:pPr algn="just"/>
+            <a:r>
+              <a:rPr lang="fr-FR" sz="1600" i="1" noProof="0" dirty="0">
+                <a:latin typeface="Times New Roman" panose="02020603050405020304" pitchFamily="18" charset="0"/>
+                <a:cs typeface="Times New Roman" panose="02020603050405020304" pitchFamily="18" charset="0"/>
+              </a:rPr>
+              <a:t>Cv_Asymptotique.py</a:t>
+            </a:r>
+          </a:p>
+        </p:txBody>
+      </p:sp>
       <p:pic>
         <p:nvPicPr>
-          <p:cNvPr id="3" name="Picture 2">
+          <p:cNvPr id="6" name="Picture 2">
             <a:extLst>
               <a:ext uri="{FF2B5EF4-FFF2-40B4-BE49-F238E27FC236}">
-                <a16:creationId xmlns:a16="http://schemas.microsoft.com/office/drawing/2014/main" id="{9418A06D-5188-6FDC-24BC-F87439036057}"/>
+                <a16:creationId xmlns:a16="http://schemas.microsoft.com/office/drawing/2014/main" id="{538B70F3-BB9F-2E3D-160E-BF782BAAAFD2}"/>
               </a:ext>
             </a:extLst>
           </p:cNvPr>
@@ -40095,45 +40308,6 @@
           </a:extLst>
         </p:spPr>
       </p:pic>
-      <p:sp>
-        <p:nvSpPr>
-          <p:cNvPr id="4" name="TextBox 3">
-            <a:extLst>
-              <a:ext uri="{FF2B5EF4-FFF2-40B4-BE49-F238E27FC236}">
-                <a16:creationId xmlns:a16="http://schemas.microsoft.com/office/drawing/2014/main" id="{75AA8A51-2A97-8D06-CECD-B9BDC2716E90}"/>
-              </a:ext>
-            </a:extLst>
-          </p:cNvPr>
-          <p:cNvSpPr txBox="1"/>
-          <p:nvPr/>
-        </p:nvSpPr>
-        <p:spPr>
-          <a:xfrm>
-            <a:off x="6722419" y="73201"/>
-            <a:ext cx="1953873" cy="338554"/>
-          </a:xfrm>
-          <a:prstGeom prst="rect">
-            <a:avLst/>
-          </a:prstGeom>
-          <a:noFill/>
-        </p:spPr>
-        <p:txBody>
-          <a:bodyPr wrap="square" rtlCol="0">
-            <a:spAutoFit/>
-          </a:bodyPr>
-          <a:lstStyle/>
-          <a:p>
-            <a:pPr algn="just"/>
-            <a:r>
-              <a:rPr lang="fr-FR" sz="1600" i="1" noProof="0" dirty="0">
-                <a:latin typeface="Times New Roman" panose="02020603050405020304" pitchFamily="18" charset="0"/>
-                <a:cs typeface="Times New Roman" panose="02020603050405020304" pitchFamily="18" charset="0"/>
-              </a:rPr>
-              <a:t>Cv_Asymptotique.py</a:t>
-            </a:r>
-          </a:p>
-        </p:txBody>
-      </p:sp>
     </p:spTree>
     <p:extLst>
       <p:ext uri="{BB962C8B-B14F-4D97-AF65-F5344CB8AC3E}">

--- a/03_Rapport/Rapport_Projet.pptx
+++ b/03_Rapport/Rapport_Projet.pptx
@@ -5,7 +5,7 @@
     <p:sldMasterId id="2147483648" r:id="rId1"/>
   </p:sldMasterIdLst>
   <p:notesMasterIdLst>
-    <p:notesMasterId r:id="rId19"/>
+    <p:notesMasterId r:id="rId21"/>
   </p:notesMasterIdLst>
   <p:sldIdLst>
     <p:sldId id="256" r:id="rId2"/>
@@ -23,8 +23,10 @@
     <p:sldId id="280" r:id="rId14"/>
     <p:sldId id="282" r:id="rId15"/>
     <p:sldId id="279" r:id="rId16"/>
-    <p:sldId id="275" r:id="rId17"/>
-    <p:sldId id="268" r:id="rId18"/>
+    <p:sldId id="283" r:id="rId17"/>
+    <p:sldId id="284" r:id="rId18"/>
+    <p:sldId id="275" r:id="rId19"/>
+    <p:sldId id="268" r:id="rId20"/>
   </p:sldIdLst>
   <p:sldSz cx="12192000" cy="6858000"/>
   <p:notesSz cx="6858000" cy="9144000"/>
@@ -140,7 +142,7 @@
 <file path=ppt/revisionInfo.xml><?xml version="1.0" encoding="utf-8"?>
 <p1510:revInfo xmlns:a="http://schemas.openxmlformats.org/drawingml/2006/main" xmlns:r="http://schemas.openxmlformats.org/officeDocument/2006/relationships" xmlns:p1510="http://schemas.microsoft.com/office/powerpoint/2015/10/main">
   <p1510:revLst>
-    <p1510:client id="{1404D58C-429C-4D75-B5B2-E1C9B8E0DC36}" v="3810" dt="2025-03-30T11:31:51.567"/>
+    <p1510:client id="{1404D58C-429C-4D75-B5B2-E1C9B8E0DC36}" v="3936" dt="2025-04-01T21:47:22.343"/>
   </p1510:revLst>
 </p1510:revInfo>
 </file>
@@ -361,7 +363,7 @@
   <pc:docChgLst>
     <pc:chgData name="François GLEYZON" userId="a2d04f23f7faf3ef" providerId="LiveId" clId="{1404D58C-429C-4D75-B5B2-E1C9B8E0DC36}"/>
     <pc:docChg chg="undo redo custSel addSld delSld modSld sldOrd">
-      <pc:chgData name="François GLEYZON" userId="a2d04f23f7faf3ef" providerId="LiveId" clId="{1404D58C-429C-4D75-B5B2-E1C9B8E0DC36}" dt="2025-03-30T11:34:31.161" v="11065" actId="13926"/>
+      <pc:chgData name="François GLEYZON" userId="a2d04f23f7faf3ef" providerId="LiveId" clId="{1404D58C-429C-4D75-B5B2-E1C9B8E0DC36}" dt="2025-04-01T21:47:44.623" v="12713" actId="20577"/>
       <pc:docMkLst>
         <pc:docMk/>
       </pc:docMkLst>
@@ -720,8 +722,8 @@
           </ac:cxnSpMkLst>
         </pc:cxnChg>
       </pc:sldChg>
-      <pc:sldChg chg="addSp modSp add del mod">
-        <pc:chgData name="François GLEYZON" userId="a2d04f23f7faf3ef" providerId="LiveId" clId="{1404D58C-429C-4D75-B5B2-E1C9B8E0DC36}" dt="2025-03-29T20:48:04.585" v="9302" actId="2696"/>
+      <pc:sldChg chg="addSp delSp modSp add del mod">
+        <pc:chgData name="François GLEYZON" userId="a2d04f23f7faf3ef" providerId="LiveId" clId="{1404D58C-429C-4D75-B5B2-E1C9B8E0DC36}" dt="2025-04-01T21:40:53.756" v="11868" actId="1076"/>
         <pc:sldMkLst>
           <pc:docMk/>
           <pc:sldMk cId="3668441629" sldId="270"/>
@@ -734,6 +736,38 @@
             <ac:spMk id="2" creationId="{59F282F9-3609-1522-0AA2-327E0A7E7A9B}"/>
           </ac:spMkLst>
         </pc:spChg>
+        <pc:spChg chg="add mod">
+          <ac:chgData name="François GLEYZON" userId="a2d04f23f7faf3ef" providerId="LiveId" clId="{1404D58C-429C-4D75-B5B2-E1C9B8E0DC36}" dt="2025-04-01T21:36:04.573" v="11458" actId="113"/>
+          <ac:spMkLst>
+            <pc:docMk/>
+            <pc:sldMk cId="3668441629" sldId="270"/>
+            <ac:spMk id="4" creationId="{164AEDE9-0FA1-B54B-6249-D89334793F37}"/>
+          </ac:spMkLst>
+        </pc:spChg>
+        <pc:spChg chg="add mod">
+          <ac:chgData name="François GLEYZON" userId="a2d04f23f7faf3ef" providerId="LiveId" clId="{1404D58C-429C-4D75-B5B2-E1C9B8E0DC36}" dt="2025-04-01T21:40:07.172" v="11851" actId="1036"/>
+          <ac:spMkLst>
+            <pc:docMk/>
+            <pc:sldMk cId="3668441629" sldId="270"/>
+            <ac:spMk id="5" creationId="{74B6ACAF-0EA8-BC9F-907C-CC1895AD6584}"/>
+          </ac:spMkLst>
+        </pc:spChg>
+        <pc:spChg chg="add del">
+          <ac:chgData name="François GLEYZON" userId="a2d04f23f7faf3ef" providerId="LiveId" clId="{1404D58C-429C-4D75-B5B2-E1C9B8E0DC36}" dt="2025-04-01T21:36:38.752" v="11462" actId="478"/>
+          <ac:spMkLst>
+            <pc:docMk/>
+            <pc:sldMk cId="3668441629" sldId="270"/>
+            <ac:spMk id="6" creationId="{73EA8C2C-962B-A4D7-CB8B-B0B479089529}"/>
+          </ac:spMkLst>
+        </pc:spChg>
+        <pc:spChg chg="add mod">
+          <ac:chgData name="François GLEYZON" userId="a2d04f23f7faf3ef" providerId="LiveId" clId="{1404D58C-429C-4D75-B5B2-E1C9B8E0DC36}" dt="2025-04-01T21:40:13.827" v="11867" actId="1036"/>
+          <ac:spMkLst>
+            <pc:docMk/>
+            <pc:sldMk cId="3668441629" sldId="270"/>
+            <ac:spMk id="8" creationId="{53E97A07-230F-CAF4-67E3-4A20695119B3}"/>
+          </ac:spMkLst>
+        </pc:spChg>
         <pc:spChg chg="mod">
           <ac:chgData name="François GLEYZON" userId="a2d04f23f7faf3ef" providerId="LiveId" clId="{1404D58C-429C-4D75-B5B2-E1C9B8E0DC36}" dt="2025-03-16T14:17:42.635" v="76" actId="20577"/>
           <ac:spMkLst>
@@ -742,9 +776,49 @@
             <ac:spMk id="9" creationId="{9D2D06DC-6CE6-B872-3049-9B0D28F68101}"/>
           </ac:spMkLst>
         </pc:spChg>
+        <pc:spChg chg="add mod">
+          <ac:chgData name="François GLEYZON" userId="a2d04f23f7faf3ef" providerId="LiveId" clId="{1404D58C-429C-4D75-B5B2-E1C9B8E0DC36}" dt="2025-04-01T21:39:07.416" v="11811" actId="1076"/>
+          <ac:spMkLst>
+            <pc:docMk/>
+            <pc:sldMk cId="3668441629" sldId="270"/>
+            <ac:spMk id="10" creationId="{19D6D793-A9A0-E8FD-0B2B-06B35A5CDEA9}"/>
+          </ac:spMkLst>
+        </pc:spChg>
+        <pc:picChg chg="add mod">
+          <ac:chgData name="François GLEYZON" userId="a2d04f23f7faf3ef" providerId="LiveId" clId="{1404D58C-429C-4D75-B5B2-E1C9B8E0DC36}" dt="2025-04-01T21:40:04.322" v="11838" actId="1076"/>
+          <ac:picMkLst>
+            <pc:docMk/>
+            <pc:sldMk cId="3668441629" sldId="270"/>
+            <ac:picMk id="3" creationId="{952078B5-ADE9-A424-3C25-F406B771C046}"/>
+          </ac:picMkLst>
+        </pc:picChg>
+        <pc:picChg chg="add mod">
+          <ac:chgData name="François GLEYZON" userId="a2d04f23f7faf3ef" providerId="LiveId" clId="{1404D58C-429C-4D75-B5B2-E1C9B8E0DC36}" dt="2025-04-01T21:40:53.756" v="11868" actId="1076"/>
+          <ac:picMkLst>
+            <pc:docMk/>
+            <pc:sldMk cId="3668441629" sldId="270"/>
+            <ac:picMk id="7" creationId="{8B3F1B03-356A-2EC5-106A-7BA9BB316C6B}"/>
+          </ac:picMkLst>
+        </pc:picChg>
+        <pc:picChg chg="add mod">
+          <ac:chgData name="François GLEYZON" userId="a2d04f23f7faf3ef" providerId="LiveId" clId="{1404D58C-429C-4D75-B5B2-E1C9B8E0DC36}" dt="2025-04-01T21:40:13.827" v="11867" actId="1036"/>
+          <ac:picMkLst>
+            <pc:docMk/>
+            <pc:sldMk cId="3668441629" sldId="270"/>
+            <ac:picMk id="11" creationId="{925AD468-D948-26D9-653B-6279DB7670B9}"/>
+          </ac:picMkLst>
+        </pc:picChg>
+        <pc:picChg chg="add mod">
+          <ac:chgData name="François GLEYZON" userId="a2d04f23f7faf3ef" providerId="LiveId" clId="{1404D58C-429C-4D75-B5B2-E1C9B8E0DC36}" dt="2025-04-01T21:40:07.172" v="11851" actId="1036"/>
+          <ac:picMkLst>
+            <pc:docMk/>
+            <pc:sldMk cId="3668441629" sldId="270"/>
+            <ac:picMk id="1028" creationId="{F6736740-3DB7-7841-CEDB-835FF3EB6A63}"/>
+          </ac:picMkLst>
+        </pc:picChg>
       </pc:sldChg>
       <pc:sldChg chg="addSp modSp add del mod">
-        <pc:chgData name="François GLEYZON" userId="a2d04f23f7faf3ef" providerId="LiveId" clId="{1404D58C-429C-4D75-B5B2-E1C9B8E0DC36}" dt="2025-03-29T20:48:04.585" v="9302" actId="2696"/>
+        <pc:chgData name="François GLEYZON" userId="a2d04f23f7faf3ef" providerId="LiveId" clId="{1404D58C-429C-4D75-B5B2-E1C9B8E0DC36}" dt="2025-04-01T21:42:18.577" v="12232" actId="20577"/>
         <pc:sldMkLst>
           <pc:docMk/>
           <pc:sldMk cId="1301843568" sldId="271"/>
@@ -755,6 +829,14 @@
             <pc:docMk/>
             <pc:sldMk cId="1301843568" sldId="271"/>
             <ac:spMk id="2" creationId="{B03F54C8-C74E-296C-FF98-648447B3C076}"/>
+          </ac:spMkLst>
+        </pc:spChg>
+        <pc:spChg chg="add mod">
+          <ac:chgData name="François GLEYZON" userId="a2d04f23f7faf3ef" providerId="LiveId" clId="{1404D58C-429C-4D75-B5B2-E1C9B8E0DC36}" dt="2025-04-01T21:42:18.577" v="12232" actId="20577"/>
+          <ac:spMkLst>
+            <pc:docMk/>
+            <pc:sldMk cId="1301843568" sldId="271"/>
+            <ac:spMk id="3" creationId="{A73F9422-12A0-D342-FF8D-B4A5B6BA84D2}"/>
           </ac:spMkLst>
         </pc:spChg>
         <pc:spChg chg="mod">
@@ -1368,7 +1450,7 @@
         </pc:spChg>
       </pc:sldChg>
       <pc:sldChg chg="addSp modSp add del mod">
-        <pc:chgData name="François GLEYZON" userId="a2d04f23f7faf3ef" providerId="LiveId" clId="{1404D58C-429C-4D75-B5B2-E1C9B8E0DC36}" dt="2025-03-30T11:34:31.161" v="11065" actId="13926"/>
+        <pc:chgData name="François GLEYZON" userId="a2d04f23f7faf3ef" providerId="LiveId" clId="{1404D58C-429C-4D75-B5B2-E1C9B8E0DC36}" dt="2025-04-01T21:45:20.637" v="12543"/>
         <pc:sldMkLst>
           <pc:docMk/>
           <pc:sldMk cId="963883029" sldId="279"/>
@@ -1382,7 +1464,7 @@
           </ac:spMkLst>
         </pc:spChg>
         <pc:spChg chg="add mod">
-          <ac:chgData name="François GLEYZON" userId="a2d04f23f7faf3ef" providerId="LiveId" clId="{1404D58C-429C-4D75-B5B2-E1C9B8E0DC36}" dt="2025-03-30T11:34:31.161" v="11065" actId="13926"/>
+          <ac:chgData name="François GLEYZON" userId="a2d04f23f7faf3ef" providerId="LiveId" clId="{1404D58C-429C-4D75-B5B2-E1C9B8E0DC36}" dt="2025-04-01T21:45:20.637" v="12543"/>
           <ac:spMkLst>
             <pc:docMk/>
             <pc:sldMk cId="963883029" sldId="279"/>
@@ -1514,28 +1596,12 @@
             <ac:spMk id="3" creationId="{7932DA2F-96A9-4B69-2B7D-D1A454B2A6DC}"/>
           </ac:spMkLst>
         </pc:spChg>
-        <pc:spChg chg="del">
-          <ac:chgData name="François GLEYZON" userId="a2d04f23f7faf3ef" providerId="LiveId" clId="{1404D58C-429C-4D75-B5B2-E1C9B8E0DC36}" dt="2025-03-29T21:18:57.209" v="9565" actId="478"/>
-          <ac:spMkLst>
-            <pc:docMk/>
-            <pc:sldMk cId="1523036294" sldId="282"/>
-            <ac:spMk id="5" creationId="{3574884F-1B9C-C5EE-1656-6455D0C3217A}"/>
-          </ac:spMkLst>
-        </pc:spChg>
         <pc:spChg chg="add mod">
           <ac:chgData name="François GLEYZON" userId="a2d04f23f7faf3ef" providerId="LiveId" clId="{1404D58C-429C-4D75-B5B2-E1C9B8E0DC36}" dt="2025-03-29T21:23:06.757" v="10059" actId="20577"/>
           <ac:spMkLst>
             <pc:docMk/>
             <pc:sldMk cId="1523036294" sldId="282"/>
             <ac:spMk id="11" creationId="{EFDE6C07-9F3A-1BEB-2AC3-B2E24BCA6526}"/>
-          </ac:spMkLst>
-        </pc:spChg>
-        <pc:spChg chg="del">
-          <ac:chgData name="François GLEYZON" userId="a2d04f23f7faf3ef" providerId="LiveId" clId="{1404D58C-429C-4D75-B5B2-E1C9B8E0DC36}" dt="2025-03-29T21:19:04.163" v="9570" actId="478"/>
-          <ac:spMkLst>
-            <pc:docMk/>
-            <pc:sldMk cId="1523036294" sldId="282"/>
-            <ac:spMk id="14" creationId="{A9BCDED2-0C02-8857-7853-68CDF3B7F660}"/>
           </ac:spMkLst>
         </pc:spChg>
         <pc:spChg chg="add mod">
@@ -1546,14 +1612,6 @@
             <ac:spMk id="16" creationId="{0F885254-0913-249E-C856-8252A0367DCD}"/>
           </ac:spMkLst>
         </pc:spChg>
-        <pc:spChg chg="del">
-          <ac:chgData name="François GLEYZON" userId="a2d04f23f7faf3ef" providerId="LiveId" clId="{1404D58C-429C-4D75-B5B2-E1C9B8E0DC36}" dt="2025-03-29T21:19:02.298" v="9569" actId="478"/>
-          <ac:spMkLst>
-            <pc:docMk/>
-            <pc:sldMk cId="1523036294" sldId="282"/>
-            <ac:spMk id="18" creationId="{CDB1589B-23AA-78FD-527B-C24D9FA70737}"/>
-          </ac:spMkLst>
-        </pc:spChg>
         <pc:graphicFrameChg chg="add mod">
           <ac:chgData name="François GLEYZON" userId="a2d04f23f7faf3ef" providerId="LiveId" clId="{1404D58C-429C-4D75-B5B2-E1C9B8E0DC36}" dt="2025-03-29T21:23:10.753" v="10060" actId="1076"/>
           <ac:graphicFrameMkLst>
@@ -1562,22 +1620,6 @@
             <ac:graphicFrameMk id="13" creationId="{8576E4B0-C960-17FF-E429-6CAFCF02F3B5}"/>
           </ac:graphicFrameMkLst>
         </pc:graphicFrameChg>
-        <pc:picChg chg="del">
-          <ac:chgData name="François GLEYZON" userId="a2d04f23f7faf3ef" providerId="LiveId" clId="{1404D58C-429C-4D75-B5B2-E1C9B8E0DC36}" dt="2025-03-29T21:18:57.903" v="9566" actId="478"/>
-          <ac:picMkLst>
-            <pc:docMk/>
-            <pc:sldMk cId="1523036294" sldId="282"/>
-            <ac:picMk id="4" creationId="{683B6330-188C-2EB3-0CE9-7AA74909201B}"/>
-          </ac:picMkLst>
-        </pc:picChg>
-        <pc:picChg chg="del">
-          <ac:chgData name="François GLEYZON" userId="a2d04f23f7faf3ef" providerId="LiveId" clId="{1404D58C-429C-4D75-B5B2-E1C9B8E0DC36}" dt="2025-03-29T21:18:53.253" v="9563" actId="478"/>
-          <ac:picMkLst>
-            <pc:docMk/>
-            <pc:sldMk cId="1523036294" sldId="282"/>
-            <ac:picMk id="8" creationId="{7277C046-B59C-8865-F84B-DFEC27383178}"/>
-          </ac:picMkLst>
-        </pc:picChg>
         <pc:picChg chg="add mod">
           <ac:chgData name="François GLEYZON" userId="a2d04f23f7faf3ef" providerId="LiveId" clId="{1404D58C-429C-4D75-B5B2-E1C9B8E0DC36}" dt="2025-03-29T21:22:04.406" v="9942" actId="14100"/>
           <ac:picMkLst>
@@ -1586,30 +1628,68 @@
             <ac:picMk id="10" creationId="{72B0DA09-FEF5-5E53-06B4-32E656A8DC90}"/>
           </ac:picMkLst>
         </pc:picChg>
+      </pc:sldChg>
+      <pc:sldChg chg="delSp modSp add mod">
+        <pc:chgData name="François GLEYZON" userId="a2d04f23f7faf3ef" providerId="LiveId" clId="{1404D58C-429C-4D75-B5B2-E1C9B8E0DC36}" dt="2025-04-01T21:47:44.623" v="12713" actId="20577"/>
+        <pc:sldMkLst>
+          <pc:docMk/>
+          <pc:sldMk cId="3801532562" sldId="283"/>
+        </pc:sldMkLst>
+        <pc:spChg chg="mod">
+          <ac:chgData name="François GLEYZON" userId="a2d04f23f7faf3ef" providerId="LiveId" clId="{1404D58C-429C-4D75-B5B2-E1C9B8E0DC36}" dt="2025-04-01T21:47:44.623" v="12713" actId="20577"/>
+          <ac:spMkLst>
+            <pc:docMk/>
+            <pc:sldMk cId="3801532562" sldId="283"/>
+            <ac:spMk id="3" creationId="{A79F57BC-6F26-9353-4409-4041965470AE}"/>
+          </ac:spMkLst>
+        </pc:spChg>
+        <pc:spChg chg="del">
+          <ac:chgData name="François GLEYZON" userId="a2d04f23f7faf3ef" providerId="LiveId" clId="{1404D58C-429C-4D75-B5B2-E1C9B8E0DC36}" dt="2025-04-01T21:43:40.782" v="12409" actId="478"/>
+          <ac:spMkLst>
+            <pc:docMk/>
+            <pc:sldMk cId="3801532562" sldId="283"/>
+            <ac:spMk id="4" creationId="{1A0E44C7-B105-B7BA-F0FF-F131BA300D84}"/>
+          </ac:spMkLst>
+        </pc:spChg>
         <pc:picChg chg="del">
-          <ac:chgData name="François GLEYZON" userId="a2d04f23f7faf3ef" providerId="LiveId" clId="{1404D58C-429C-4D75-B5B2-E1C9B8E0DC36}" dt="2025-03-29T21:18:53.993" v="9564" actId="478"/>
+          <ac:chgData name="François GLEYZON" userId="a2d04f23f7faf3ef" providerId="LiveId" clId="{1404D58C-429C-4D75-B5B2-E1C9B8E0DC36}" dt="2025-04-01T21:43:39.463" v="12407" actId="478"/>
           <ac:picMkLst>
             <pc:docMk/>
-            <pc:sldMk cId="1523036294" sldId="282"/>
-            <ac:picMk id="12" creationId="{04655479-2206-09A2-8139-F74061BA58C6}"/>
+            <pc:sldMk cId="3801532562" sldId="283"/>
+            <ac:picMk id="1026" creationId="{69441BAA-0E9D-C5D1-39A8-82A4F2FB38C6}"/>
           </ac:picMkLst>
         </pc:picChg>
-        <pc:cxnChg chg="del">
-          <ac:chgData name="François GLEYZON" userId="a2d04f23f7faf3ef" providerId="LiveId" clId="{1404D58C-429C-4D75-B5B2-E1C9B8E0DC36}" dt="2025-03-29T21:19:00.775" v="9568" actId="478"/>
-          <ac:cxnSpMkLst>
+        <pc:picChg chg="del">
+          <ac:chgData name="François GLEYZON" userId="a2d04f23f7faf3ef" providerId="LiveId" clId="{1404D58C-429C-4D75-B5B2-E1C9B8E0DC36}" dt="2025-04-01T21:43:39.815" v="12408" actId="478"/>
+          <ac:picMkLst>
             <pc:docMk/>
-            <pc:sldMk cId="1523036294" sldId="282"/>
-            <ac:cxnSpMk id="6" creationId="{FA89A286-20F0-21FB-ED92-66CFC2FCFDDA}"/>
-          </ac:cxnSpMkLst>
-        </pc:cxnChg>
-        <pc:cxnChg chg="del">
-          <ac:chgData name="François GLEYZON" userId="a2d04f23f7faf3ef" providerId="LiveId" clId="{1404D58C-429C-4D75-B5B2-E1C9B8E0DC36}" dt="2025-03-29T21:19:00.164" v="9567" actId="478"/>
-          <ac:cxnSpMkLst>
+            <pc:sldMk cId="3801532562" sldId="283"/>
+            <ac:picMk id="1028" creationId="{1A5B628A-BB45-447B-A095-18F1D77B0A19}"/>
+          </ac:picMkLst>
+        </pc:picChg>
+      </pc:sldChg>
+      <pc:sldChg chg="modSp add mod">
+        <pc:chgData name="François GLEYZON" userId="a2d04f23f7faf3ef" providerId="LiveId" clId="{1404D58C-429C-4D75-B5B2-E1C9B8E0DC36}" dt="2025-04-01T21:43:56.242" v="12441" actId="5793"/>
+        <pc:sldMkLst>
+          <pc:docMk/>
+          <pc:sldMk cId="3396844726" sldId="284"/>
+        </pc:sldMkLst>
+        <pc:spChg chg="mod">
+          <ac:chgData name="François GLEYZON" userId="a2d04f23f7faf3ef" providerId="LiveId" clId="{1404D58C-429C-4D75-B5B2-E1C9B8E0DC36}" dt="2025-04-01T21:43:56.242" v="12441" actId="5793"/>
+          <ac:spMkLst>
             <pc:docMk/>
-            <pc:sldMk cId="1523036294" sldId="282"/>
-            <ac:cxnSpMk id="15" creationId="{7224ADFC-0913-AD05-9E81-334292E1E924}"/>
-          </ac:cxnSpMkLst>
-        </pc:cxnChg>
+            <pc:sldMk cId="3396844726" sldId="284"/>
+            <ac:spMk id="3" creationId="{56A37E44-57BE-AE1E-725A-2DBAD43C84C9}"/>
+          </ac:spMkLst>
+        </pc:spChg>
+        <pc:spChg chg="mod">
+          <ac:chgData name="François GLEYZON" userId="a2d04f23f7faf3ef" providerId="LiveId" clId="{1404D58C-429C-4D75-B5B2-E1C9B8E0DC36}" dt="2025-04-01T21:43:51.062" v="12420" actId="20577"/>
+          <ac:spMkLst>
+            <pc:docMk/>
+            <pc:sldMk cId="3396844726" sldId="284"/>
+            <ac:spMk id="9" creationId="{D73209F5-87A3-2C49-5168-5D6BA697A08B}"/>
+          </ac:spMkLst>
+        </pc:spChg>
       </pc:sldChg>
     </pc:docChg>
   </pc:docChgLst>
@@ -3131,7 +3211,7 @@
           <a:p>
             <a:fld id="{536D1BE0-9163-4941-8556-7FE0B29195A4}" type="datetimeFigureOut">
               <a:rPr lang="en-GB" smtClean="0"/>
-              <a:t>29/03/2025</a:t>
+              <a:t>01/04/2025</a:t>
             </a:fld>
             <a:endParaRPr lang="en-GB"/>
           </a:p>
@@ -3740,7 +3820,7 @@
           <a:p>
             <a:fld id="{CEFDEF93-0E3A-4A89-BC16-F38BAE82060D}" type="datetimeFigureOut">
               <a:rPr lang="en-GB" smtClean="0"/>
-              <a:t>29/03/2025</a:t>
+              <a:t>01/04/2025</a:t>
             </a:fld>
             <a:endParaRPr lang="en-GB"/>
           </a:p>
@@ -3940,7 +4020,7 @@
           <a:p>
             <a:fld id="{CEFDEF93-0E3A-4A89-BC16-F38BAE82060D}" type="datetimeFigureOut">
               <a:rPr lang="en-GB" smtClean="0"/>
-              <a:t>29/03/2025</a:t>
+              <a:t>01/04/2025</a:t>
             </a:fld>
             <a:endParaRPr lang="en-GB"/>
           </a:p>
@@ -4150,7 +4230,7 @@
           <a:p>
             <a:fld id="{CEFDEF93-0E3A-4A89-BC16-F38BAE82060D}" type="datetimeFigureOut">
               <a:rPr lang="en-GB" smtClean="0"/>
-              <a:t>29/03/2025</a:t>
+              <a:t>01/04/2025</a:t>
             </a:fld>
             <a:endParaRPr lang="en-GB"/>
           </a:p>
@@ -4350,7 +4430,7 @@
           <a:p>
             <a:fld id="{CEFDEF93-0E3A-4A89-BC16-F38BAE82060D}" type="datetimeFigureOut">
               <a:rPr lang="en-GB" smtClean="0"/>
-              <a:t>29/03/2025</a:t>
+              <a:t>01/04/2025</a:t>
             </a:fld>
             <a:endParaRPr lang="en-GB"/>
           </a:p>
@@ -4626,7 +4706,7 @@
           <a:p>
             <a:fld id="{CEFDEF93-0E3A-4A89-BC16-F38BAE82060D}" type="datetimeFigureOut">
               <a:rPr lang="en-GB" smtClean="0"/>
-              <a:t>29/03/2025</a:t>
+              <a:t>01/04/2025</a:t>
             </a:fld>
             <a:endParaRPr lang="en-GB"/>
           </a:p>
@@ -4894,7 +4974,7 @@
           <a:p>
             <a:fld id="{CEFDEF93-0E3A-4A89-BC16-F38BAE82060D}" type="datetimeFigureOut">
               <a:rPr lang="en-GB" smtClean="0"/>
-              <a:t>29/03/2025</a:t>
+              <a:t>01/04/2025</a:t>
             </a:fld>
             <a:endParaRPr lang="en-GB"/>
           </a:p>
@@ -5309,7 +5389,7 @@
           <a:p>
             <a:fld id="{CEFDEF93-0E3A-4A89-BC16-F38BAE82060D}" type="datetimeFigureOut">
               <a:rPr lang="en-GB" smtClean="0"/>
-              <a:t>29/03/2025</a:t>
+              <a:t>01/04/2025</a:t>
             </a:fld>
             <a:endParaRPr lang="en-GB"/>
           </a:p>
@@ -5451,7 +5531,7 @@
           <a:p>
             <a:fld id="{CEFDEF93-0E3A-4A89-BC16-F38BAE82060D}" type="datetimeFigureOut">
               <a:rPr lang="en-GB" smtClean="0"/>
-              <a:t>29/03/2025</a:t>
+              <a:t>01/04/2025</a:t>
             </a:fld>
             <a:endParaRPr lang="en-GB"/>
           </a:p>
@@ -5564,7 +5644,7 @@
           <a:p>
             <a:fld id="{CEFDEF93-0E3A-4A89-BC16-F38BAE82060D}" type="datetimeFigureOut">
               <a:rPr lang="en-GB" smtClean="0"/>
-              <a:t>29/03/2025</a:t>
+              <a:t>01/04/2025</a:t>
             </a:fld>
             <a:endParaRPr lang="en-GB"/>
           </a:p>
@@ -5877,7 +5957,7 @@
           <a:p>
             <a:fld id="{CEFDEF93-0E3A-4A89-BC16-F38BAE82060D}" type="datetimeFigureOut">
               <a:rPr lang="en-GB" smtClean="0"/>
-              <a:t>29/03/2025</a:t>
+              <a:t>01/04/2025</a:t>
             </a:fld>
             <a:endParaRPr lang="en-GB"/>
           </a:p>
@@ -6166,7 +6246,7 @@
           <a:p>
             <a:fld id="{CEFDEF93-0E3A-4A89-BC16-F38BAE82060D}" type="datetimeFigureOut">
               <a:rPr lang="en-GB" smtClean="0"/>
-              <a:t>29/03/2025</a:t>
+              <a:t>01/04/2025</a:t>
             </a:fld>
             <a:endParaRPr lang="en-GB"/>
           </a:p>
@@ -6409,7 +6489,7 @@
           <a:p>
             <a:fld id="{CEFDEF93-0E3A-4A89-BC16-F38BAE82060D}" type="datetimeFigureOut">
               <a:rPr lang="en-GB" smtClean="0"/>
-              <a:t>29/03/2025</a:t>
+              <a:t>01/04/2025</a:t>
             </a:fld>
             <a:endParaRPr lang="en-GB"/>
           </a:p>
@@ -7617,8 +7697,8 @@
           </a:p>
         </p:txBody>
       </p:sp>
-      <mc:AlternateContent xmlns:mc="http://schemas.openxmlformats.org/markup-compatibility/2006">
-        <mc:Choice xmlns:a14="http://schemas.microsoft.com/office/drawing/2010/main" Requires="a14">
+      <mc:AlternateContent xmlns:mc="http://schemas.openxmlformats.org/markup-compatibility/2006" xmlns:a14="http://schemas.microsoft.com/office/drawing/2010/main">
+        <mc:Choice Requires="a14">
           <p:sp>
             <p:nvSpPr>
               <p:cNvPr id="5" name="TextBox 4">
@@ -7865,7 +7945,7 @@
             </p:txBody>
           </p:sp>
         </mc:Choice>
-        <mc:Fallback>
+        <mc:Fallback xmlns="">
           <p:sp>
             <p:nvSpPr>
               <p:cNvPr id="5" name="TextBox 4">
@@ -11221,8 +11301,8 @@
           </a:p>
         </p:txBody>
       </p:sp>
-      <mc:AlternateContent xmlns:mc="http://schemas.openxmlformats.org/markup-compatibility/2006">
-        <mc:Choice xmlns:a14="http://schemas.microsoft.com/office/drawing/2010/main" Requires="a14">
+      <mc:AlternateContent xmlns:mc="http://schemas.openxmlformats.org/markup-compatibility/2006" xmlns:a14="http://schemas.microsoft.com/office/drawing/2010/main">
+        <mc:Choice Requires="a14">
           <p:sp>
             <p:nvSpPr>
               <p:cNvPr id="3" name="TextBox 2">
@@ -11399,7 +11479,7 @@
             </p:txBody>
           </p:sp>
         </mc:Choice>
-        <mc:Fallback>
+        <mc:Fallback xmlns="">
           <p:sp>
             <p:nvSpPr>
               <p:cNvPr id="3" name="TextBox 2">
@@ -11999,83 +12079,163 @@
           </a:p>
         </p:txBody>
       </p:sp>
-      <p:sp>
-        <p:nvSpPr>
-          <p:cNvPr id="4" name="TextBox 3">
-            <a:extLst>
-              <a:ext uri="{FF2B5EF4-FFF2-40B4-BE49-F238E27FC236}">
-                <a16:creationId xmlns:a16="http://schemas.microsoft.com/office/drawing/2014/main" id="{640E9F43-23DF-C789-C91E-1D3E8A53E34B}"/>
-              </a:ext>
-            </a:extLst>
-          </p:cNvPr>
-          <p:cNvSpPr txBox="1"/>
-          <p:nvPr/>
-        </p:nvSpPr>
-        <p:spPr>
-          <a:xfrm>
-            <a:off x="0" y="5360653"/>
-            <a:ext cx="12192000" cy="923330"/>
-          </a:xfrm>
-          <a:prstGeom prst="rect">
-            <a:avLst/>
-          </a:prstGeom>
-          <a:noFill/>
-        </p:spPr>
-        <p:txBody>
-          <a:bodyPr wrap="square" rtlCol="0">
-            <a:spAutoFit/>
-          </a:bodyPr>
-          <a:lstStyle/>
-          <a:p>
-            <a:pPr algn="just"/>
-            <a:r>
-              <a:rPr lang="fr-FR" noProof="0" dirty="0">
-                <a:latin typeface="Times New Roman" panose="02020603050405020304" pitchFamily="18" charset="0"/>
-                <a:cs typeface="Times New Roman" panose="02020603050405020304" pitchFamily="18" charset="0"/>
-              </a:rPr>
-              <a:t>Nous pouvons voir que malgré les écarts importants que nous avons sur le coefficient de </a:t>
-            </a:r>
-            <a:r>
-              <a:rPr lang="fr-FR" dirty="0">
-                <a:latin typeface="Times New Roman" panose="02020603050405020304" pitchFamily="18" charset="0"/>
-                <a:cs typeface="Times New Roman" panose="02020603050405020304" pitchFamily="18" charset="0"/>
-              </a:rPr>
-              <a:t>Poisson, ces derniers influencent relativement « peu » les </a:t>
-            </a:r>
-            <a:r>
-              <a:rPr lang="fr-FR" dirty="0" err="1">
-                <a:latin typeface="Times New Roman" panose="02020603050405020304" pitchFamily="18" charset="0"/>
-                <a:cs typeface="Times New Roman" panose="02020603050405020304" pitchFamily="18" charset="0"/>
-              </a:rPr>
-              <a:t>CDFs</a:t>
-            </a:r>
-            <a:r>
-              <a:rPr lang="fr-FR" dirty="0">
-                <a:latin typeface="Times New Roman" panose="02020603050405020304" pitchFamily="18" charset="0"/>
-                <a:cs typeface="Times New Roman" panose="02020603050405020304" pitchFamily="18" charset="0"/>
-              </a:rPr>
-              <a:t>, étant donné que la p-box est très fine. </a:t>
-            </a:r>
-            <a:r>
-              <a:rPr lang="fr-FR" dirty="0">
-                <a:highlight>
-                  <a:srgbClr val="FFFF00"/>
-                </a:highlight>
-                <a:latin typeface="Times New Roman" panose="02020603050405020304" pitchFamily="18" charset="0"/>
-                <a:cs typeface="Times New Roman" panose="02020603050405020304" pitchFamily="18" charset="0"/>
-              </a:rPr>
-              <a:t>FAIRE QUELQUES INTERPRETATION/LECTURE GRAPHIQUE</a:t>
-            </a:r>
-            <a:endParaRPr lang="fr-FR" noProof="0" dirty="0">
-              <a:highlight>
-                <a:srgbClr val="FFFF00"/>
-              </a:highlight>
-              <a:latin typeface="Times New Roman" panose="02020603050405020304" pitchFamily="18" charset="0"/>
-              <a:cs typeface="Times New Roman" panose="02020603050405020304" pitchFamily="18" charset="0"/>
-            </a:endParaRPr>
-          </a:p>
-        </p:txBody>
-      </p:sp>
+      <mc:AlternateContent xmlns:mc="http://schemas.openxmlformats.org/markup-compatibility/2006">
+        <mc:Choice xmlns:a14="http://schemas.microsoft.com/office/drawing/2010/main" Requires="a14">
+          <p:sp>
+            <p:nvSpPr>
+              <p:cNvPr id="4" name="TextBox 3">
+                <a:extLst>
+                  <a:ext uri="{FF2B5EF4-FFF2-40B4-BE49-F238E27FC236}">
+                    <a16:creationId xmlns:a16="http://schemas.microsoft.com/office/drawing/2014/main" id="{640E9F43-23DF-C789-C91E-1D3E8A53E34B}"/>
+                  </a:ext>
+                </a:extLst>
+              </p:cNvPr>
+              <p:cNvSpPr txBox="1"/>
+              <p:nvPr/>
+            </p:nvSpPr>
+            <p:spPr>
+              <a:xfrm>
+                <a:off x="0" y="5360653"/>
+                <a:ext cx="12192000" cy="944746"/>
+              </a:xfrm>
+              <a:prstGeom prst="rect">
+                <a:avLst/>
+              </a:prstGeom>
+              <a:noFill/>
+            </p:spPr>
+            <p:txBody>
+              <a:bodyPr wrap="square" rtlCol="0">
+                <a:spAutoFit/>
+              </a:bodyPr>
+              <a:lstStyle/>
+              <a:p>
+                <a:pPr algn="just"/>
+                <a:r>
+                  <a:rPr lang="fr-FR" noProof="0" dirty="0">
+                    <a:latin typeface="Times New Roman" panose="02020603050405020304" pitchFamily="18" charset="0"/>
+                    <a:cs typeface="Times New Roman" panose="02020603050405020304" pitchFamily="18" charset="0"/>
+                  </a:rPr>
+                  <a:t>Nous pouvons voir que malgré les écarts importants que nous avons sur le coefficient de </a:t>
+                </a:r>
+                <a:r>
+                  <a:rPr lang="fr-FR" dirty="0">
+                    <a:latin typeface="Times New Roman" panose="02020603050405020304" pitchFamily="18" charset="0"/>
+                    <a:cs typeface="Times New Roman" panose="02020603050405020304" pitchFamily="18" charset="0"/>
+                  </a:rPr>
+                  <a:t>Poisson, ces derniers influencent relativement « peu » les </a:t>
+                </a:r>
+                <a:r>
+                  <a:rPr lang="fr-FR" dirty="0" err="1">
+                    <a:latin typeface="Times New Roman" panose="02020603050405020304" pitchFamily="18" charset="0"/>
+                    <a:cs typeface="Times New Roman" panose="02020603050405020304" pitchFamily="18" charset="0"/>
+                  </a:rPr>
+                  <a:t>CDFs</a:t>
+                </a:r>
+                <a:r>
+                  <a:rPr lang="fr-FR" dirty="0">
+                    <a:latin typeface="Times New Roman" panose="02020603050405020304" pitchFamily="18" charset="0"/>
+                    <a:cs typeface="Times New Roman" panose="02020603050405020304" pitchFamily="18" charset="0"/>
+                  </a:rPr>
+                  <a:t>, étant donné que la p-box est très fine. </a:t>
+                </a:r>
+                <a:r>
+                  <a:rPr lang="fr-FR" dirty="0">
+                    <a:highlight>
+                      <a:srgbClr val="FFFF00"/>
+                    </a:highlight>
+                    <a:latin typeface="Times New Roman" panose="02020603050405020304" pitchFamily="18" charset="0"/>
+                    <a:cs typeface="Times New Roman" panose="02020603050405020304" pitchFamily="18" charset="0"/>
+                  </a:rPr>
+                  <a:t>FAIRE QUELQUES INTERPRETATION/LECTURE GRAPHIQUE + calcul de </a:t>
+                </a:r>
+                <a14:m>
+                  <m:oMath xmlns:m="http://schemas.openxmlformats.org/officeDocument/2006/math">
+                    <m:sSub>
+                      <m:sSubPr>
+                        <m:ctrlPr>
+                          <a:rPr lang="fr-FR" b="0" i="1" noProof="0" smtClean="0">
+                            <a:latin typeface="Cambria Math" panose="02040503050406030204" pitchFamily="18" charset="0"/>
+                            <a:cs typeface="Times New Roman" panose="02020603050405020304" pitchFamily="18" charset="0"/>
+                          </a:rPr>
+                        </m:ctrlPr>
+                      </m:sSubPr>
+                      <m:e>
+                        <m:r>
+                          <a:rPr lang="fr-FR" b="0" i="1" noProof="0" smtClean="0">
+                            <a:latin typeface="Cambria Math" panose="02040503050406030204" pitchFamily="18" charset="0"/>
+                            <a:cs typeface="Times New Roman" panose="02020603050405020304" pitchFamily="18" charset="0"/>
+                          </a:rPr>
+                          <m:t>𝑢</m:t>
+                        </m:r>
+                      </m:e>
+                      <m:sub>
+                        <m:r>
+                          <a:rPr lang="fr-FR" b="0" i="1" noProof="0" smtClean="0">
+                            <a:latin typeface="Cambria Math" panose="02040503050406030204" pitchFamily="18" charset="0"/>
+                            <a:cs typeface="Times New Roman" panose="02020603050405020304" pitchFamily="18" charset="0"/>
+                          </a:rPr>
+                          <m:t>𝑖𝑛𝑝𝑢𝑡</m:t>
+                        </m:r>
+                      </m:sub>
+                    </m:sSub>
+                  </m:oMath>
+                </a14:m>
+                <a:endParaRPr lang="fr-FR" noProof="0" dirty="0">
+                  <a:highlight>
+                    <a:srgbClr val="FFFF00"/>
+                  </a:highlight>
+                  <a:latin typeface="Times New Roman" panose="02020603050405020304" pitchFamily="18" charset="0"/>
+                  <a:cs typeface="Times New Roman" panose="02020603050405020304" pitchFamily="18" charset="0"/>
+                </a:endParaRPr>
+              </a:p>
+            </p:txBody>
+          </p:sp>
+        </mc:Choice>
+        <mc:Fallback>
+          <p:sp>
+            <p:nvSpPr>
+              <p:cNvPr id="4" name="TextBox 3">
+                <a:extLst>
+                  <a:ext uri="{FF2B5EF4-FFF2-40B4-BE49-F238E27FC236}">
+                    <a16:creationId xmlns:a16="http://schemas.microsoft.com/office/drawing/2014/main" id="{640E9F43-23DF-C789-C91E-1D3E8A53E34B}"/>
+                  </a:ext>
+                </a:extLst>
+              </p:cNvPr>
+              <p:cNvSpPr txBox="1">
+                <a:spLocks noRot="1" noChangeAspect="1" noMove="1" noResize="1" noEditPoints="1" noAdjustHandles="1" noChangeArrowheads="1" noChangeShapeType="1" noTextEdit="1"/>
+              </p:cNvSpPr>
+              <p:nvPr/>
+            </p:nvSpPr>
+            <p:spPr>
+              <a:xfrm>
+                <a:off x="0" y="5360653"/>
+                <a:ext cx="12192000" cy="944746"/>
+              </a:xfrm>
+              <a:prstGeom prst="rect">
+                <a:avLst/>
+              </a:prstGeom>
+              <a:blipFill>
+                <a:blip r:embed="rId4"/>
+                <a:stretch>
+                  <a:fillRect l="-400" t="-3226" r="-900" b="-7097"/>
+                </a:stretch>
+              </a:blipFill>
+            </p:spPr>
+            <p:txBody>
+              <a:bodyPr/>
+              <a:lstStyle/>
+              <a:p>
+                <a:r>
+                  <a:rPr lang="en-GB">
+                    <a:noFill/>
+                  </a:rPr>
+                  <a:t> </a:t>
+                </a:r>
+              </a:p>
+            </p:txBody>
+          </p:sp>
+        </mc:Fallback>
+      </mc:AlternateContent>
     </p:spTree>
     <p:extLst>
       <p:ext uri="{BB962C8B-B14F-4D97-AF65-F5344CB8AC3E}">
@@ -12090,6 +12250,1028 @@
 </file>
 
 <file path=ppt/slides/slide16.xml><?xml version="1.0" encoding="utf-8"?>
+<p:sld xmlns:a="http://schemas.openxmlformats.org/drawingml/2006/main" xmlns:r="http://schemas.openxmlformats.org/officeDocument/2006/relationships" xmlns:p="http://schemas.openxmlformats.org/presentationml/2006/main">
+  <p:cSld>
+    <p:spTree>
+      <p:nvGrpSpPr>
+        <p:cNvPr id="1" name="">
+          <a:extLst>
+            <a:ext uri="{FF2B5EF4-FFF2-40B4-BE49-F238E27FC236}">
+              <a16:creationId xmlns:a16="http://schemas.microsoft.com/office/drawing/2014/main" id="{70E5B81D-C3E4-5862-F9CE-C6D375102F25}"/>
+            </a:ext>
+          </a:extLst>
+        </p:cNvPr>
+        <p:cNvGrpSpPr/>
+        <p:nvPr/>
+      </p:nvGrpSpPr>
+      <p:grpSpPr>
+        <a:xfrm>
+          <a:off x="0" y="0"/>
+          <a:ext cx="0" cy="0"/>
+          <a:chOff x="0" y="0"/>
+          <a:chExt cx="0" cy="0"/>
+        </a:xfrm>
+      </p:grpSpPr>
+      <p:sp>
+        <p:nvSpPr>
+          <p:cNvPr id="36" name="Rectangle 35">
+            <a:extLst>
+              <a:ext uri="{FF2B5EF4-FFF2-40B4-BE49-F238E27FC236}">
+                <a16:creationId xmlns:a16="http://schemas.microsoft.com/office/drawing/2014/main" id="{BA234654-3725-8986-A81F-38EB337E9163}"/>
+              </a:ext>
+            </a:extLst>
+          </p:cNvPr>
+          <p:cNvSpPr/>
+          <p:nvPr/>
+        </p:nvSpPr>
+        <p:spPr>
+          <a:xfrm>
+            <a:off x="1" y="-990"/>
+            <a:ext cx="6096000" cy="501017"/>
+          </a:xfrm>
+          <a:prstGeom prst="rect">
+            <a:avLst/>
+          </a:prstGeom>
+          <a:solidFill>
+            <a:srgbClr val="980000"/>
+          </a:solidFill>
+          <a:ln>
+            <a:noFill/>
+          </a:ln>
+        </p:spPr>
+        <p:style>
+          <a:lnRef idx="2">
+            <a:schemeClr val="accent1">
+              <a:shade val="15000"/>
+            </a:schemeClr>
+          </a:lnRef>
+          <a:fillRef idx="1">
+            <a:schemeClr val="accent1"/>
+          </a:fillRef>
+          <a:effectRef idx="0">
+            <a:schemeClr val="accent1"/>
+          </a:effectRef>
+          <a:fontRef idx="minor">
+            <a:schemeClr val="lt1"/>
+          </a:fontRef>
+        </p:style>
+        <p:txBody>
+          <a:bodyPr rtlCol="0" anchor="ctr"/>
+          <a:lstStyle/>
+          <a:p>
+            <a:pPr algn="ctr"/>
+            <a:endParaRPr lang="fr-FR" noProof="0" dirty="0"/>
+          </a:p>
+        </p:txBody>
+      </p:sp>
+      <p:sp>
+        <p:nvSpPr>
+          <p:cNvPr id="9" name="TextBox 8">
+            <a:extLst>
+              <a:ext uri="{FF2B5EF4-FFF2-40B4-BE49-F238E27FC236}">
+                <a16:creationId xmlns:a16="http://schemas.microsoft.com/office/drawing/2014/main" id="{18D35A31-59DA-453E-4757-93D9D80370D1}"/>
+              </a:ext>
+            </a:extLst>
+          </p:cNvPr>
+          <p:cNvSpPr txBox="1"/>
+          <p:nvPr/>
+        </p:nvSpPr>
+        <p:spPr>
+          <a:xfrm>
+            <a:off x="0" y="-990"/>
+            <a:ext cx="5568381" cy="461665"/>
+          </a:xfrm>
+          <a:prstGeom prst="rect">
+            <a:avLst/>
+          </a:prstGeom>
+          <a:noFill/>
+        </p:spPr>
+        <p:txBody>
+          <a:bodyPr wrap="square" rtlCol="0">
+            <a:spAutoFit/>
+          </a:bodyPr>
+          <a:lstStyle/>
+          <a:p>
+            <a:pPr algn="just"/>
+            <a:r>
+              <a:rPr lang="fr-FR" sz="2400" b="1" noProof="0" dirty="0">
+                <a:solidFill>
+                  <a:schemeClr val="bg1"/>
+                </a:solidFill>
+                <a:latin typeface="Times New Roman" panose="02020603050405020304" pitchFamily="18" charset="0"/>
+                <a:cs typeface="Times New Roman" panose="02020603050405020304" pitchFamily="18" charset="0"/>
+              </a:rPr>
+              <a:t>PROPAGATION DES INCERTITUDES</a:t>
+            </a:r>
+          </a:p>
+        </p:txBody>
+      </p:sp>
+      <p:sp>
+        <p:nvSpPr>
+          <p:cNvPr id="39" name="Rectangle 38">
+            <a:extLst>
+              <a:ext uri="{FF2B5EF4-FFF2-40B4-BE49-F238E27FC236}">
+                <a16:creationId xmlns:a16="http://schemas.microsoft.com/office/drawing/2014/main" id="{2E0966CD-DB1B-4D7D-6448-C1E03BC83A73}"/>
+              </a:ext>
+            </a:extLst>
+          </p:cNvPr>
+          <p:cNvSpPr/>
+          <p:nvPr/>
+        </p:nvSpPr>
+        <p:spPr>
+          <a:xfrm>
+            <a:off x="6096000" y="0"/>
+            <a:ext cx="6096000" cy="501017"/>
+          </a:xfrm>
+          <a:prstGeom prst="rect">
+            <a:avLst/>
+          </a:prstGeom>
+          <a:solidFill>
+            <a:srgbClr val="D9D9D9"/>
+          </a:solidFill>
+          <a:ln>
+            <a:noFill/>
+          </a:ln>
+        </p:spPr>
+        <p:style>
+          <a:lnRef idx="2">
+            <a:schemeClr val="accent1">
+              <a:shade val="15000"/>
+            </a:schemeClr>
+          </a:lnRef>
+          <a:fillRef idx="1">
+            <a:schemeClr val="accent1"/>
+          </a:fillRef>
+          <a:effectRef idx="0">
+            <a:schemeClr val="accent1"/>
+          </a:effectRef>
+          <a:fontRef idx="minor">
+            <a:schemeClr val="lt1"/>
+          </a:fontRef>
+        </p:style>
+        <p:txBody>
+          <a:bodyPr rtlCol="0" anchor="ctr"/>
+          <a:lstStyle/>
+          <a:p>
+            <a:pPr algn="ctr"/>
+            <a:endParaRPr lang="fr-FR" noProof="0" dirty="0"/>
+          </a:p>
+        </p:txBody>
+      </p:sp>
+      <p:sp>
+        <p:nvSpPr>
+          <p:cNvPr id="2" name="TextBox 1">
+            <a:extLst>
+              <a:ext uri="{FF2B5EF4-FFF2-40B4-BE49-F238E27FC236}">
+                <a16:creationId xmlns:a16="http://schemas.microsoft.com/office/drawing/2014/main" id="{5A7E1F65-5D6D-A65C-DFFD-2F745E6F36A0}"/>
+              </a:ext>
+            </a:extLst>
+          </p:cNvPr>
+          <p:cNvSpPr txBox="1"/>
+          <p:nvPr/>
+        </p:nvSpPr>
+        <p:spPr>
+          <a:xfrm>
+            <a:off x="11091333" y="6550222"/>
+            <a:ext cx="1100667" cy="307777"/>
+          </a:xfrm>
+          <a:prstGeom prst="rect">
+            <a:avLst/>
+          </a:prstGeom>
+          <a:noFill/>
+        </p:spPr>
+        <p:txBody>
+          <a:bodyPr wrap="square" rtlCol="0">
+            <a:spAutoFit/>
+          </a:bodyPr>
+          <a:lstStyle/>
+          <a:p>
+            <a:pPr algn="r"/>
+            <a:r>
+              <a:rPr lang="fr-FR" sz="1400" noProof="0" dirty="0">
+                <a:latin typeface="Times New Roman" panose="02020603050405020304" pitchFamily="18" charset="0"/>
+                <a:cs typeface="Times New Roman" panose="02020603050405020304" pitchFamily="18" charset="0"/>
+              </a:rPr>
+              <a:t>X/Y</a:t>
+            </a:r>
+          </a:p>
+        </p:txBody>
+      </p:sp>
+      <mc:AlternateContent xmlns:mc="http://schemas.openxmlformats.org/markup-compatibility/2006">
+        <mc:Choice xmlns:a14="http://schemas.microsoft.com/office/drawing/2010/main" Requires="a14">
+          <p:sp>
+            <p:nvSpPr>
+              <p:cNvPr id="3" name="TextBox 2">
+                <a:extLst>
+                  <a:ext uri="{FF2B5EF4-FFF2-40B4-BE49-F238E27FC236}">
+                    <a16:creationId xmlns:a16="http://schemas.microsoft.com/office/drawing/2014/main" id="{A79F57BC-6F26-9353-4409-4041965470AE}"/>
+                  </a:ext>
+                </a:extLst>
+              </p:cNvPr>
+              <p:cNvSpPr txBox="1"/>
+              <p:nvPr/>
+            </p:nvSpPr>
+            <p:spPr>
+              <a:xfrm>
+                <a:off x="0" y="627468"/>
+                <a:ext cx="12192000" cy="1594411"/>
+              </a:xfrm>
+              <a:prstGeom prst="rect">
+                <a:avLst/>
+              </a:prstGeom>
+              <a:noFill/>
+            </p:spPr>
+            <p:txBody>
+              <a:bodyPr wrap="square" rtlCol="0">
+                <a:spAutoFit/>
+              </a:bodyPr>
+              <a:lstStyle/>
+              <a:p>
+                <a:pPr algn="just"/>
+                <a:r>
+                  <a:rPr lang="fr-FR" noProof="0" dirty="0">
+                    <a:latin typeface="Times New Roman" panose="02020603050405020304" pitchFamily="18" charset="0"/>
+                    <a:cs typeface="Times New Roman" panose="02020603050405020304" pitchFamily="18" charset="0"/>
+                  </a:rPr>
+                  <a:t>Pour finir, nous souhaitons comparer les résultats de la méthode de Monte Carlo avec ceux de la méthode des moments afin d’évaluer la précision de la dernière. Pour ce faire, nous allons reprendre l’équation vue en cours, tel que :</a:t>
+                </a:r>
+              </a:p>
+              <a:p>
+                <a:pPr algn="just"/>
+                <a14:m>
+                  <m:oMathPara xmlns:m="http://schemas.openxmlformats.org/officeDocument/2006/math">
+                    <m:oMathParaPr>
+                      <m:jc m:val="centerGroup"/>
+                    </m:oMathParaPr>
+                    <m:oMath xmlns:m="http://schemas.openxmlformats.org/officeDocument/2006/math">
+                      <m:sSubSup>
+                        <m:sSubSupPr>
+                          <m:ctrlPr>
+                            <a:rPr lang="fr-FR" b="0" i="1" noProof="0" smtClean="0">
+                              <a:latin typeface="Cambria Math" panose="02040503050406030204" pitchFamily="18" charset="0"/>
+                              <a:cs typeface="Times New Roman" panose="02020603050405020304" pitchFamily="18" charset="0"/>
+                            </a:rPr>
+                          </m:ctrlPr>
+                        </m:sSubSupPr>
+                        <m:e>
+                          <m:r>
+                            <a:rPr lang="fr-FR" b="0" i="1" noProof="0" smtClean="0">
+                              <a:latin typeface="Cambria Math" panose="02040503050406030204" pitchFamily="18" charset="0"/>
+                              <a:cs typeface="Times New Roman" panose="02020603050405020304" pitchFamily="18" charset="0"/>
+                            </a:rPr>
+                            <m:t>𝑢</m:t>
+                          </m:r>
+                        </m:e>
+                        <m:sub>
+                          <m:r>
+                            <a:rPr lang="fr-FR" b="0" i="1" noProof="0" smtClean="0">
+                              <a:latin typeface="Cambria Math" panose="02040503050406030204" pitchFamily="18" charset="0"/>
+                              <a:cs typeface="Times New Roman" panose="02020603050405020304" pitchFamily="18" charset="0"/>
+                            </a:rPr>
+                            <m:t>𝑖𝑛𝑝𝑢𝑡</m:t>
+                          </m:r>
+                        </m:sub>
+                        <m:sup>
+                          <m:r>
+                            <a:rPr lang="fr-FR" b="0" i="1" noProof="0" smtClean="0">
+                              <a:latin typeface="Cambria Math" panose="02040503050406030204" pitchFamily="18" charset="0"/>
+                              <a:cs typeface="Times New Roman" panose="02020603050405020304" pitchFamily="18" charset="0"/>
+                            </a:rPr>
+                            <m:t>2</m:t>
+                          </m:r>
+                        </m:sup>
+                      </m:sSubSup>
+                      <m:r>
+                        <a:rPr lang="fr-FR" b="0" i="1" noProof="0" smtClean="0">
+                          <a:latin typeface="Cambria Math" panose="02040503050406030204" pitchFamily="18" charset="0"/>
+                          <a:cs typeface="Times New Roman" panose="02020603050405020304" pitchFamily="18" charset="0"/>
+                        </a:rPr>
+                        <m:t>=</m:t>
+                      </m:r>
+                      <m:sSup>
+                        <m:sSupPr>
+                          <m:ctrlPr>
+                            <a:rPr lang="fr-FR" b="0" i="1" noProof="0" smtClean="0">
+                              <a:latin typeface="Cambria Math" panose="02040503050406030204" pitchFamily="18" charset="0"/>
+                              <a:cs typeface="Times New Roman" panose="02020603050405020304" pitchFamily="18" charset="0"/>
+                            </a:rPr>
+                          </m:ctrlPr>
+                        </m:sSupPr>
+                        <m:e>
+                          <m:d>
+                            <m:dPr>
+                              <m:begChr m:val="["/>
+                              <m:endChr m:val="]"/>
+                              <m:ctrlPr>
+                                <a:rPr lang="fr-FR" b="0" i="1" noProof="0" smtClean="0">
+                                  <a:latin typeface="Cambria Math" panose="02040503050406030204" pitchFamily="18" charset="0"/>
+                                  <a:cs typeface="Times New Roman" panose="02020603050405020304" pitchFamily="18" charset="0"/>
+                                </a:rPr>
+                              </m:ctrlPr>
+                            </m:dPr>
+                            <m:e>
+                              <m:f>
+                                <m:fPr>
+                                  <m:ctrlPr>
+                                    <a:rPr lang="fr-FR" b="0" i="1" noProof="0" smtClean="0">
+                                      <a:latin typeface="Cambria Math" panose="02040503050406030204" pitchFamily="18" charset="0"/>
+                                      <a:cs typeface="Times New Roman" panose="02020603050405020304" pitchFamily="18" charset="0"/>
+                                    </a:rPr>
+                                  </m:ctrlPr>
+                                </m:fPr>
+                                <m:num>
+                                  <m:r>
+                                    <a:rPr lang="fr-FR" b="0" i="1" noProof="0" smtClean="0">
+                                      <a:latin typeface="Cambria Math" panose="02040503050406030204" pitchFamily="18" charset="0"/>
+                                    </a:rPr>
+                                    <m:t>∂ </m:t>
+                                  </m:r>
+                                  <m:sSub>
+                                    <m:sSubPr>
+                                      <m:ctrlPr>
+                                        <a:rPr lang="fr-FR" b="0" i="1" noProof="0" smtClean="0">
+                                          <a:latin typeface="Cambria Math" panose="02040503050406030204" pitchFamily="18" charset="0"/>
+                                        </a:rPr>
+                                      </m:ctrlPr>
+                                    </m:sSubPr>
+                                    <m:e>
+                                      <m:r>
+                                        <a:rPr lang="fr-FR" b="0" i="1" noProof="0" smtClean="0">
+                                          <a:latin typeface="Cambria Math" panose="02040503050406030204" pitchFamily="18" charset="0"/>
+                                        </a:rPr>
+                                        <m:t>𝑢</m:t>
+                                      </m:r>
+                                    </m:e>
+                                    <m:sub>
+                                      <m:r>
+                                        <a:rPr lang="fr-FR" b="0" i="1" noProof="0" smtClean="0">
+                                          <a:latin typeface="Cambria Math" panose="02040503050406030204" pitchFamily="18" charset="0"/>
+                                        </a:rPr>
+                                        <m:t>𝑚𝑎𝑥</m:t>
+                                      </m:r>
+                                    </m:sub>
+                                  </m:sSub>
+                                </m:num>
+                                <m:den>
+                                  <m:r>
+                                    <a:rPr lang="fr-FR" i="1">
+                                      <a:latin typeface="Cambria Math" panose="02040503050406030204" pitchFamily="18" charset="0"/>
+                                    </a:rPr>
+                                    <m:t>𝜕</m:t>
+                                  </m:r>
+                                  <m:r>
+                                    <a:rPr lang="fr-FR" b="0" i="1" smtClean="0">
+                                      <a:latin typeface="Cambria Math" panose="02040503050406030204" pitchFamily="18" charset="0"/>
+                                    </a:rPr>
+                                    <m:t>𝐸</m:t>
+                                  </m:r>
+                                </m:den>
+                              </m:f>
+                              <m:sSub>
+                                <m:sSubPr>
+                                  <m:ctrlPr>
+                                    <a:rPr lang="fr-FR" b="0" i="1" noProof="0" smtClean="0">
+                                      <a:latin typeface="Cambria Math" panose="02040503050406030204" pitchFamily="18" charset="0"/>
+                                      <a:cs typeface="Times New Roman" panose="02020603050405020304" pitchFamily="18" charset="0"/>
+                                    </a:rPr>
+                                  </m:ctrlPr>
+                                </m:sSubPr>
+                                <m:e>
+                                  <m:d>
+                                    <m:dPr>
+                                      <m:begChr m:val=""/>
+                                      <m:endChr m:val="|"/>
+                                      <m:ctrlPr>
+                                        <a:rPr lang="fr-FR" b="0" i="1" noProof="0" smtClean="0">
+                                          <a:latin typeface="Cambria Math" panose="02040503050406030204" pitchFamily="18" charset="0"/>
+                                          <a:cs typeface="Times New Roman" panose="02020603050405020304" pitchFamily="18" charset="0"/>
+                                        </a:rPr>
+                                      </m:ctrlPr>
+                                    </m:dPr>
+                                    <m:e>
+                                      <m:r>
+                                        <a:rPr lang="en-GB"/>
+                                        <m:t>​</m:t>
+                                      </m:r>
+                                    </m:e>
+                                  </m:d>
+                                </m:e>
+                                <m:sub>
+                                  <m:sSub>
+                                    <m:sSubPr>
+                                      <m:ctrlPr>
+                                        <a:rPr lang="fr-FR" b="0" i="1" noProof="0" smtClean="0">
+                                          <a:latin typeface="Cambria Math" panose="02040503050406030204" pitchFamily="18" charset="0"/>
+                                          <a:cs typeface="Times New Roman" panose="02020603050405020304" pitchFamily="18" charset="0"/>
+                                        </a:rPr>
+                                      </m:ctrlPr>
+                                    </m:sSubPr>
+                                    <m:e>
+                                      <m:r>
+                                        <a:rPr lang="fr-FR" b="0" i="1" noProof="0" smtClean="0">
+                                          <a:latin typeface="Cambria Math" panose="02040503050406030204" pitchFamily="18" charset="0"/>
+                                          <a:cs typeface="Times New Roman" panose="02020603050405020304" pitchFamily="18" charset="0"/>
+                                        </a:rPr>
+                                        <m:t>𝐸</m:t>
+                                      </m:r>
+                                    </m:e>
+                                    <m:sub>
+                                      <m:r>
+                                        <a:rPr lang="fr-FR" b="0" i="1" noProof="0" smtClean="0">
+                                          <a:latin typeface="Cambria Math" panose="02040503050406030204" pitchFamily="18" charset="0"/>
+                                          <a:cs typeface="Times New Roman" panose="02020603050405020304" pitchFamily="18" charset="0"/>
+                                        </a:rPr>
+                                        <m:t>𝑚𝑜𝑦</m:t>
+                                      </m:r>
+                                    </m:sub>
+                                  </m:sSub>
+                                </m:sub>
+                              </m:sSub>
+                              <m:sSub>
+                                <m:sSubPr>
+                                  <m:ctrlPr>
+                                    <a:rPr lang="fr-FR" b="0" i="1" noProof="0" smtClean="0">
+                                      <a:latin typeface="Cambria Math" panose="02040503050406030204" pitchFamily="18" charset="0"/>
+                                      <a:cs typeface="Times New Roman" panose="02020603050405020304" pitchFamily="18" charset="0"/>
+                                    </a:rPr>
+                                  </m:ctrlPr>
+                                </m:sSubPr>
+                                <m:e>
+                                  <m:r>
+                                    <a:rPr lang="fr-FR" b="0" i="1" noProof="0" smtClean="0">
+                                      <a:latin typeface="Cambria Math" panose="02040503050406030204" pitchFamily="18" charset="0"/>
+                                      <a:cs typeface="Times New Roman" panose="02020603050405020304" pitchFamily="18" charset="0"/>
+                                    </a:rPr>
+                                    <m:t>𝑢</m:t>
+                                  </m:r>
+                                </m:e>
+                                <m:sub>
+                                  <m:r>
+                                    <a:rPr lang="fr-FR" b="0" i="1" noProof="0" smtClean="0">
+                                      <a:latin typeface="Cambria Math" panose="02040503050406030204" pitchFamily="18" charset="0"/>
+                                      <a:cs typeface="Times New Roman" panose="02020603050405020304" pitchFamily="18" charset="0"/>
+                                    </a:rPr>
+                                    <m:t>𝐸</m:t>
+                                  </m:r>
+                                </m:sub>
+                              </m:sSub>
+                            </m:e>
+                          </m:d>
+                        </m:e>
+                        <m:sup>
+                          <m:r>
+                            <a:rPr lang="fr-FR" b="0" i="1" noProof="0" smtClean="0">
+                              <a:latin typeface="Cambria Math" panose="02040503050406030204" pitchFamily="18" charset="0"/>
+                              <a:cs typeface="Times New Roman" panose="02020603050405020304" pitchFamily="18" charset="0"/>
+                            </a:rPr>
+                            <m:t>2</m:t>
+                          </m:r>
+                        </m:sup>
+                      </m:sSup>
+                      <m:r>
+                        <a:rPr lang="fr-FR" b="0" i="1" noProof="0" smtClean="0">
+                          <a:latin typeface="Cambria Math" panose="02040503050406030204" pitchFamily="18" charset="0"/>
+                          <a:cs typeface="Times New Roman" panose="02020603050405020304" pitchFamily="18" charset="0"/>
+                        </a:rPr>
+                        <m:t>+</m:t>
+                      </m:r>
+                      <m:sSup>
+                        <m:sSupPr>
+                          <m:ctrlPr>
+                            <a:rPr lang="fr-FR" i="1">
+                              <a:latin typeface="Cambria Math" panose="02040503050406030204" pitchFamily="18" charset="0"/>
+                              <a:cs typeface="Times New Roman" panose="02020603050405020304" pitchFamily="18" charset="0"/>
+                            </a:rPr>
+                          </m:ctrlPr>
+                        </m:sSupPr>
+                        <m:e>
+                          <m:d>
+                            <m:dPr>
+                              <m:begChr m:val="["/>
+                              <m:endChr m:val="]"/>
+                              <m:ctrlPr>
+                                <a:rPr lang="fr-FR" i="1">
+                                  <a:latin typeface="Cambria Math" panose="02040503050406030204" pitchFamily="18" charset="0"/>
+                                  <a:cs typeface="Times New Roman" panose="02020603050405020304" pitchFamily="18" charset="0"/>
+                                </a:rPr>
+                              </m:ctrlPr>
+                            </m:dPr>
+                            <m:e>
+                              <m:f>
+                                <m:fPr>
+                                  <m:ctrlPr>
+                                    <a:rPr lang="fr-FR" i="1" smtClean="0">
+                                      <a:latin typeface="Cambria Math" panose="02040503050406030204" pitchFamily="18" charset="0"/>
+                                      <a:cs typeface="Times New Roman" panose="02020603050405020304" pitchFamily="18" charset="0"/>
+                                    </a:rPr>
+                                  </m:ctrlPr>
+                                </m:fPr>
+                                <m:num>
+                                  <m:r>
+                                    <a:rPr lang="fr-FR" i="1">
+                                      <a:latin typeface="Cambria Math" panose="02040503050406030204" pitchFamily="18" charset="0"/>
+                                    </a:rPr>
+                                    <m:t>𝜕</m:t>
+                                  </m:r>
+                                  <m:r>
+                                    <a:rPr lang="fr-FR" i="1">
+                                      <a:latin typeface="Cambria Math" panose="02040503050406030204" pitchFamily="18" charset="0"/>
+                                    </a:rPr>
+                                    <m:t> </m:t>
+                                  </m:r>
+                                  <m:sSub>
+                                    <m:sSubPr>
+                                      <m:ctrlPr>
+                                        <a:rPr lang="fr-FR" i="1">
+                                          <a:latin typeface="Cambria Math" panose="02040503050406030204" pitchFamily="18" charset="0"/>
+                                        </a:rPr>
+                                      </m:ctrlPr>
+                                    </m:sSubPr>
+                                    <m:e>
+                                      <m:r>
+                                        <a:rPr lang="fr-FR" i="1">
+                                          <a:latin typeface="Cambria Math" panose="02040503050406030204" pitchFamily="18" charset="0"/>
+                                        </a:rPr>
+                                        <m:t>𝑢</m:t>
+                                      </m:r>
+                                    </m:e>
+                                    <m:sub>
+                                      <m:r>
+                                        <a:rPr lang="fr-FR" i="1">
+                                          <a:latin typeface="Cambria Math" panose="02040503050406030204" pitchFamily="18" charset="0"/>
+                                        </a:rPr>
+                                        <m:t>𝑚𝑎𝑥</m:t>
+                                      </m:r>
+                                    </m:sub>
+                                  </m:sSub>
+                                </m:num>
+                                <m:den>
+                                  <m:r>
+                                    <a:rPr lang="fr-FR" i="1">
+                                      <a:latin typeface="Cambria Math" panose="02040503050406030204" pitchFamily="18" charset="0"/>
+                                    </a:rPr>
+                                    <m:t>𝜕</m:t>
+                                  </m:r>
+                                  <m:r>
+                                    <a:rPr lang="fr-FR" i="1" smtClean="0">
+                                      <a:latin typeface="Cambria Math" panose="02040503050406030204" pitchFamily="18" charset="0"/>
+                                    </a:rPr>
+                                    <m:t>𝑣</m:t>
+                                  </m:r>
+                                </m:den>
+                              </m:f>
+                              <m:sSub>
+                                <m:sSubPr>
+                                  <m:ctrlPr>
+                                    <a:rPr lang="fr-FR" i="1">
+                                      <a:latin typeface="Cambria Math" panose="02040503050406030204" pitchFamily="18" charset="0"/>
+                                      <a:cs typeface="Times New Roman" panose="02020603050405020304" pitchFamily="18" charset="0"/>
+                                    </a:rPr>
+                                  </m:ctrlPr>
+                                </m:sSubPr>
+                                <m:e>
+                                  <m:d>
+                                    <m:dPr>
+                                      <m:begChr m:val=""/>
+                                      <m:endChr m:val="|"/>
+                                      <m:ctrlPr>
+                                        <a:rPr lang="fr-FR" i="1">
+                                          <a:latin typeface="Cambria Math" panose="02040503050406030204" pitchFamily="18" charset="0"/>
+                                          <a:cs typeface="Times New Roman" panose="02020603050405020304" pitchFamily="18" charset="0"/>
+                                        </a:rPr>
+                                      </m:ctrlPr>
+                                    </m:dPr>
+                                    <m:e>
+                                      <m:r>
+                                        <a:rPr lang="en-GB">
+                                          <a:latin typeface="Cambria Math" panose="02040503050406030204" pitchFamily="18" charset="0"/>
+                                        </a:rPr>
+                                        <m:t>​</m:t>
+                                      </m:r>
+                                    </m:e>
+                                  </m:d>
+                                </m:e>
+                                <m:sub>
+                                  <m:sSub>
+                                    <m:sSubPr>
+                                      <m:ctrlPr>
+                                        <a:rPr lang="fr-FR" i="1">
+                                          <a:latin typeface="Cambria Math" panose="02040503050406030204" pitchFamily="18" charset="0"/>
+                                          <a:cs typeface="Times New Roman" panose="02020603050405020304" pitchFamily="18" charset="0"/>
+                                        </a:rPr>
+                                      </m:ctrlPr>
+                                    </m:sSubPr>
+                                    <m:e>
+                                      <m:r>
+                                        <a:rPr lang="fr-FR" i="1" smtClean="0">
+                                          <a:latin typeface="Cambria Math" panose="02040503050406030204" pitchFamily="18" charset="0"/>
+                                        </a:rPr>
+                                        <m:t>𝜈</m:t>
+                                      </m:r>
+                                    </m:e>
+                                    <m:sub>
+                                      <m:r>
+                                        <a:rPr lang="fr-FR" i="1">
+                                          <a:latin typeface="Cambria Math" panose="02040503050406030204" pitchFamily="18" charset="0"/>
+                                          <a:cs typeface="Times New Roman" panose="02020603050405020304" pitchFamily="18" charset="0"/>
+                                        </a:rPr>
+                                        <m:t>𝑚𝑜𝑦</m:t>
+                                      </m:r>
+                                    </m:sub>
+                                  </m:sSub>
+                                </m:sub>
+                              </m:sSub>
+                              <m:sSub>
+                                <m:sSubPr>
+                                  <m:ctrlPr>
+                                    <a:rPr lang="fr-FR" i="1">
+                                      <a:latin typeface="Cambria Math" panose="02040503050406030204" pitchFamily="18" charset="0"/>
+                                      <a:cs typeface="Times New Roman" panose="02020603050405020304" pitchFamily="18" charset="0"/>
+                                    </a:rPr>
+                                  </m:ctrlPr>
+                                </m:sSubPr>
+                                <m:e>
+                                  <m:r>
+                                    <a:rPr lang="fr-FR" i="1">
+                                      <a:latin typeface="Cambria Math" panose="02040503050406030204" pitchFamily="18" charset="0"/>
+                                      <a:cs typeface="Times New Roman" panose="02020603050405020304" pitchFamily="18" charset="0"/>
+                                    </a:rPr>
+                                    <m:t>𝑢</m:t>
+                                  </m:r>
+                                </m:e>
+                                <m:sub>
+                                  <m:r>
+                                    <a:rPr lang="fr-FR" i="1" smtClean="0">
+                                      <a:latin typeface="Cambria Math" panose="02040503050406030204" pitchFamily="18" charset="0"/>
+                                    </a:rPr>
+                                    <m:t>𝜈</m:t>
+                                  </m:r>
+                                </m:sub>
+                              </m:sSub>
+                            </m:e>
+                          </m:d>
+                        </m:e>
+                        <m:sup>
+                          <m:r>
+                            <a:rPr lang="fr-FR" i="1">
+                              <a:latin typeface="Cambria Math" panose="02040503050406030204" pitchFamily="18" charset="0"/>
+                              <a:cs typeface="Times New Roman" panose="02020603050405020304" pitchFamily="18" charset="0"/>
+                            </a:rPr>
+                            <m:t>2</m:t>
+                          </m:r>
+                        </m:sup>
+                      </m:sSup>
+                    </m:oMath>
+                  </m:oMathPara>
+                </a14:m>
+                <a:endParaRPr lang="fr-FR" noProof="0" dirty="0">
+                  <a:latin typeface="Times New Roman" panose="02020603050405020304" pitchFamily="18" charset="0"/>
+                  <a:cs typeface="Times New Roman" panose="02020603050405020304" pitchFamily="18" charset="0"/>
+                </a:endParaRPr>
+              </a:p>
+              <a:p>
+                <a:pPr algn="just"/>
+                <a:r>
+                  <a:rPr lang="fr-FR" dirty="0">
+                    <a:latin typeface="Times New Roman" panose="02020603050405020304" pitchFamily="18" charset="0"/>
+                    <a:cs typeface="Times New Roman" panose="02020603050405020304" pitchFamily="18" charset="0"/>
+                  </a:rPr>
+                  <a:t>Cela nous amène donc à réaliser un total de 5 équations (soit 10 fois moins que pour </a:t>
+                </a:r>
+                <a:r>
+                  <a:rPr lang="fr-FR">
+                    <a:latin typeface="Times New Roman" panose="02020603050405020304" pitchFamily="18" charset="0"/>
+                    <a:cs typeface="Times New Roman" panose="02020603050405020304" pitchFamily="18" charset="0"/>
+                  </a:rPr>
+                  <a:t>la méthode de Monte Carlo). </a:t>
+                </a:r>
+                <a:endParaRPr lang="fr-FR" noProof="0" dirty="0">
+                  <a:latin typeface="Times New Roman" panose="02020603050405020304" pitchFamily="18" charset="0"/>
+                  <a:cs typeface="Times New Roman" panose="02020603050405020304" pitchFamily="18" charset="0"/>
+                </a:endParaRPr>
+              </a:p>
+            </p:txBody>
+          </p:sp>
+        </mc:Choice>
+        <mc:Fallback>
+          <p:sp>
+            <p:nvSpPr>
+              <p:cNvPr id="3" name="TextBox 2">
+                <a:extLst>
+                  <a:ext uri="{FF2B5EF4-FFF2-40B4-BE49-F238E27FC236}">
+                    <a16:creationId xmlns:a16="http://schemas.microsoft.com/office/drawing/2014/main" id="{A79F57BC-6F26-9353-4409-4041965470AE}"/>
+                  </a:ext>
+                </a:extLst>
+              </p:cNvPr>
+              <p:cNvSpPr txBox="1">
+                <a:spLocks noRot="1" noChangeAspect="1" noMove="1" noResize="1" noEditPoints="1" noAdjustHandles="1" noChangeArrowheads="1" noChangeShapeType="1" noTextEdit="1"/>
+              </p:cNvSpPr>
+              <p:nvPr/>
+            </p:nvSpPr>
+            <p:spPr>
+              <a:xfrm>
+                <a:off x="0" y="627468"/>
+                <a:ext cx="12192000" cy="1594411"/>
+              </a:xfrm>
+              <a:prstGeom prst="rect">
+                <a:avLst/>
+              </a:prstGeom>
+              <a:blipFill>
+                <a:blip r:embed="rId2"/>
+                <a:stretch>
+                  <a:fillRect l="-400" t="-2299" r="-400" b="-5364"/>
+                </a:stretch>
+              </a:blipFill>
+            </p:spPr>
+            <p:txBody>
+              <a:bodyPr/>
+              <a:lstStyle/>
+              <a:p>
+                <a:r>
+                  <a:rPr lang="en-GB">
+                    <a:noFill/>
+                  </a:rPr>
+                  <a:t> </a:t>
+                </a:r>
+              </a:p>
+            </p:txBody>
+          </p:sp>
+        </mc:Fallback>
+      </mc:AlternateContent>
+    </p:spTree>
+    <p:extLst>
+      <p:ext uri="{BB962C8B-B14F-4D97-AF65-F5344CB8AC3E}">
+        <p14:creationId xmlns:p14="http://schemas.microsoft.com/office/powerpoint/2010/main" val="3801532562"/>
+      </p:ext>
+    </p:extLst>
+  </p:cSld>
+  <p:clrMapOvr>
+    <a:masterClrMapping/>
+  </p:clrMapOvr>
+</p:sld>
+</file>
+
+<file path=ppt/slides/slide17.xml><?xml version="1.0" encoding="utf-8"?>
+<p:sld xmlns:a="http://schemas.openxmlformats.org/drawingml/2006/main" xmlns:r="http://schemas.openxmlformats.org/officeDocument/2006/relationships" xmlns:p="http://schemas.openxmlformats.org/presentationml/2006/main">
+  <p:cSld>
+    <p:spTree>
+      <p:nvGrpSpPr>
+        <p:cNvPr id="1" name="">
+          <a:extLst>
+            <a:ext uri="{FF2B5EF4-FFF2-40B4-BE49-F238E27FC236}">
+              <a16:creationId xmlns:a16="http://schemas.microsoft.com/office/drawing/2014/main" id="{C3A9C781-F0F1-453F-0A7F-BA04A8FFEF08}"/>
+            </a:ext>
+          </a:extLst>
+        </p:cNvPr>
+        <p:cNvGrpSpPr/>
+        <p:nvPr/>
+      </p:nvGrpSpPr>
+      <p:grpSpPr>
+        <a:xfrm>
+          <a:off x="0" y="0"/>
+          <a:ext cx="0" cy="0"/>
+          <a:chOff x="0" y="0"/>
+          <a:chExt cx="0" cy="0"/>
+        </a:xfrm>
+      </p:grpSpPr>
+      <p:sp>
+        <p:nvSpPr>
+          <p:cNvPr id="36" name="Rectangle 35">
+            <a:extLst>
+              <a:ext uri="{FF2B5EF4-FFF2-40B4-BE49-F238E27FC236}">
+                <a16:creationId xmlns:a16="http://schemas.microsoft.com/office/drawing/2014/main" id="{FA0ACC53-37B5-6A35-3460-B2B817B331B2}"/>
+              </a:ext>
+            </a:extLst>
+          </p:cNvPr>
+          <p:cNvSpPr/>
+          <p:nvPr/>
+        </p:nvSpPr>
+        <p:spPr>
+          <a:xfrm>
+            <a:off x="1" y="-990"/>
+            <a:ext cx="6096000" cy="501017"/>
+          </a:xfrm>
+          <a:prstGeom prst="rect">
+            <a:avLst/>
+          </a:prstGeom>
+          <a:solidFill>
+            <a:srgbClr val="980000"/>
+          </a:solidFill>
+          <a:ln>
+            <a:noFill/>
+          </a:ln>
+        </p:spPr>
+        <p:style>
+          <a:lnRef idx="2">
+            <a:schemeClr val="accent1">
+              <a:shade val="15000"/>
+            </a:schemeClr>
+          </a:lnRef>
+          <a:fillRef idx="1">
+            <a:schemeClr val="accent1"/>
+          </a:fillRef>
+          <a:effectRef idx="0">
+            <a:schemeClr val="accent1"/>
+          </a:effectRef>
+          <a:fontRef idx="minor">
+            <a:schemeClr val="lt1"/>
+          </a:fontRef>
+        </p:style>
+        <p:txBody>
+          <a:bodyPr rtlCol="0" anchor="ctr"/>
+          <a:lstStyle/>
+          <a:p>
+            <a:pPr algn="ctr"/>
+            <a:endParaRPr lang="fr-FR" noProof="0" dirty="0"/>
+          </a:p>
+        </p:txBody>
+      </p:sp>
+      <p:sp>
+        <p:nvSpPr>
+          <p:cNvPr id="9" name="TextBox 8">
+            <a:extLst>
+              <a:ext uri="{FF2B5EF4-FFF2-40B4-BE49-F238E27FC236}">
+                <a16:creationId xmlns:a16="http://schemas.microsoft.com/office/drawing/2014/main" id="{D73209F5-87A3-2C49-5168-5D6BA697A08B}"/>
+              </a:ext>
+            </a:extLst>
+          </p:cNvPr>
+          <p:cNvSpPr txBox="1"/>
+          <p:nvPr/>
+        </p:nvSpPr>
+        <p:spPr>
+          <a:xfrm>
+            <a:off x="0" y="-990"/>
+            <a:ext cx="5568381" cy="461665"/>
+          </a:xfrm>
+          <a:prstGeom prst="rect">
+            <a:avLst/>
+          </a:prstGeom>
+          <a:noFill/>
+        </p:spPr>
+        <p:txBody>
+          <a:bodyPr wrap="square" rtlCol="0">
+            <a:spAutoFit/>
+          </a:bodyPr>
+          <a:lstStyle/>
+          <a:p>
+            <a:pPr algn="just"/>
+            <a:r>
+              <a:rPr lang="fr-FR" sz="2400" b="1" noProof="0" dirty="0">
+                <a:solidFill>
+                  <a:schemeClr val="bg1"/>
+                </a:solidFill>
+                <a:latin typeface="Times New Roman" panose="02020603050405020304" pitchFamily="18" charset="0"/>
+                <a:cs typeface="Times New Roman" panose="02020603050405020304" pitchFamily="18" charset="0"/>
+              </a:rPr>
+              <a:t>CONCLUSION</a:t>
+            </a:r>
+          </a:p>
+        </p:txBody>
+      </p:sp>
+      <p:sp>
+        <p:nvSpPr>
+          <p:cNvPr id="39" name="Rectangle 38">
+            <a:extLst>
+              <a:ext uri="{FF2B5EF4-FFF2-40B4-BE49-F238E27FC236}">
+                <a16:creationId xmlns:a16="http://schemas.microsoft.com/office/drawing/2014/main" id="{9B4CE358-A05E-BF53-FE4B-423637CD1EBA}"/>
+              </a:ext>
+            </a:extLst>
+          </p:cNvPr>
+          <p:cNvSpPr/>
+          <p:nvPr/>
+        </p:nvSpPr>
+        <p:spPr>
+          <a:xfrm>
+            <a:off x="6096000" y="0"/>
+            <a:ext cx="6096000" cy="501017"/>
+          </a:xfrm>
+          <a:prstGeom prst="rect">
+            <a:avLst/>
+          </a:prstGeom>
+          <a:solidFill>
+            <a:srgbClr val="D9D9D9"/>
+          </a:solidFill>
+          <a:ln>
+            <a:noFill/>
+          </a:ln>
+        </p:spPr>
+        <p:style>
+          <a:lnRef idx="2">
+            <a:schemeClr val="accent1">
+              <a:shade val="15000"/>
+            </a:schemeClr>
+          </a:lnRef>
+          <a:fillRef idx="1">
+            <a:schemeClr val="accent1"/>
+          </a:fillRef>
+          <a:effectRef idx="0">
+            <a:schemeClr val="accent1"/>
+          </a:effectRef>
+          <a:fontRef idx="minor">
+            <a:schemeClr val="lt1"/>
+          </a:fontRef>
+        </p:style>
+        <p:txBody>
+          <a:bodyPr rtlCol="0" anchor="ctr"/>
+          <a:lstStyle/>
+          <a:p>
+            <a:pPr algn="ctr"/>
+            <a:endParaRPr lang="fr-FR" noProof="0" dirty="0"/>
+          </a:p>
+        </p:txBody>
+      </p:sp>
+      <p:sp>
+        <p:nvSpPr>
+          <p:cNvPr id="2" name="TextBox 1">
+            <a:extLst>
+              <a:ext uri="{FF2B5EF4-FFF2-40B4-BE49-F238E27FC236}">
+                <a16:creationId xmlns:a16="http://schemas.microsoft.com/office/drawing/2014/main" id="{C5D0EED7-B87A-CF2B-6229-6C3F2AE7D52C}"/>
+              </a:ext>
+            </a:extLst>
+          </p:cNvPr>
+          <p:cNvSpPr txBox="1"/>
+          <p:nvPr/>
+        </p:nvSpPr>
+        <p:spPr>
+          <a:xfrm>
+            <a:off x="11091333" y="6550222"/>
+            <a:ext cx="1100667" cy="307777"/>
+          </a:xfrm>
+          <a:prstGeom prst="rect">
+            <a:avLst/>
+          </a:prstGeom>
+          <a:noFill/>
+        </p:spPr>
+        <p:txBody>
+          <a:bodyPr wrap="square" rtlCol="0">
+            <a:spAutoFit/>
+          </a:bodyPr>
+          <a:lstStyle/>
+          <a:p>
+            <a:pPr algn="r"/>
+            <a:r>
+              <a:rPr lang="fr-FR" sz="1400" noProof="0" dirty="0">
+                <a:latin typeface="Times New Roman" panose="02020603050405020304" pitchFamily="18" charset="0"/>
+                <a:cs typeface="Times New Roman" panose="02020603050405020304" pitchFamily="18" charset="0"/>
+              </a:rPr>
+              <a:t>X/Y</a:t>
+            </a:r>
+          </a:p>
+        </p:txBody>
+      </p:sp>
+      <p:sp>
+        <p:nvSpPr>
+          <p:cNvPr id="3" name="TextBox 2">
+            <a:extLst>
+              <a:ext uri="{FF2B5EF4-FFF2-40B4-BE49-F238E27FC236}">
+                <a16:creationId xmlns:a16="http://schemas.microsoft.com/office/drawing/2014/main" id="{56A37E44-57BE-AE1E-725A-2DBAD43C84C9}"/>
+              </a:ext>
+            </a:extLst>
+          </p:cNvPr>
+          <p:cNvSpPr txBox="1"/>
+          <p:nvPr/>
+        </p:nvSpPr>
+        <p:spPr>
+          <a:xfrm>
+            <a:off x="0" y="627468"/>
+            <a:ext cx="12192000" cy="369332"/>
+          </a:xfrm>
+          <a:prstGeom prst="rect">
+            <a:avLst/>
+          </a:prstGeom>
+          <a:noFill/>
+        </p:spPr>
+        <p:txBody>
+          <a:bodyPr wrap="square" rtlCol="0">
+            <a:spAutoFit/>
+          </a:bodyPr>
+          <a:lstStyle/>
+          <a:p>
+            <a:pPr algn="just"/>
+            <a:r>
+              <a:rPr lang="fr-FR" noProof="0" dirty="0">
+                <a:latin typeface="Times New Roman" panose="02020603050405020304" pitchFamily="18" charset="0"/>
+                <a:cs typeface="Times New Roman" panose="02020603050405020304" pitchFamily="18" charset="0"/>
+              </a:rPr>
+              <a:t>Pour conclure, …</a:t>
+            </a:r>
+          </a:p>
+        </p:txBody>
+      </p:sp>
+    </p:spTree>
+    <p:extLst>
+      <p:ext uri="{BB962C8B-B14F-4D97-AF65-F5344CB8AC3E}">
+        <p14:creationId xmlns:p14="http://schemas.microsoft.com/office/powerpoint/2010/main" val="3396844726"/>
+      </p:ext>
+    </p:extLst>
+  </p:cSld>
+  <p:clrMapOvr>
+    <a:masterClrMapping/>
+  </p:clrMapOvr>
+</p:sld>
+</file>
+
+<file path=ppt/slides/slide18.xml><?xml version="1.0" encoding="utf-8"?>
 <p:sld xmlns:a="http://schemas.openxmlformats.org/drawingml/2006/main" xmlns:r="http://schemas.openxmlformats.org/officeDocument/2006/relationships" xmlns:p="http://schemas.openxmlformats.org/presentationml/2006/main">
   <p:cSld>
     <p:spTree>
@@ -12518,7 +13700,7 @@
 </p:sld>
 </file>
 
-<file path=ppt/slides/slide17.xml><?xml version="1.0" encoding="utf-8"?>
+<file path=ppt/slides/slide19.xml><?xml version="1.0" encoding="utf-8"?>
 <p:sld xmlns:a="http://schemas.openxmlformats.org/drawingml/2006/main" xmlns:r="http://schemas.openxmlformats.org/officeDocument/2006/relationships" xmlns:p="http://schemas.openxmlformats.org/presentationml/2006/main">
   <p:cSld>
     <p:spTree>
@@ -17778,6 +18960,527 @@
           </a:p>
         </p:txBody>
       </p:sp>
+      <p:pic>
+        <p:nvPicPr>
+          <p:cNvPr id="3" name="Picture 2">
+            <a:extLst>
+              <a:ext uri="{FF2B5EF4-FFF2-40B4-BE49-F238E27FC236}">
+                <a16:creationId xmlns:a16="http://schemas.microsoft.com/office/drawing/2014/main" id="{952078B5-ADE9-A424-3C25-F406B771C046}"/>
+              </a:ext>
+            </a:extLst>
+          </p:cNvPr>
+          <p:cNvPicPr>
+            <a:picLocks noChangeAspect="1"/>
+          </p:cNvPicPr>
+          <p:nvPr/>
+        </p:nvPicPr>
+        <p:blipFill>
+          <a:blip r:embed="rId2"/>
+          <a:stretch>
+            <a:fillRect/>
+          </a:stretch>
+        </p:blipFill>
+        <p:spPr>
+          <a:xfrm>
+            <a:off x="128812" y="1591538"/>
+            <a:ext cx="4597224" cy="3284413"/>
+          </a:xfrm>
+          <a:prstGeom prst="rect">
+            <a:avLst/>
+          </a:prstGeom>
+          <a:ln>
+            <a:solidFill>
+              <a:schemeClr val="tx1"/>
+            </a:solidFill>
+          </a:ln>
+        </p:spPr>
+      </p:pic>
+      <p:sp>
+        <p:nvSpPr>
+          <p:cNvPr id="4" name="TextBox 3">
+            <a:extLst>
+              <a:ext uri="{FF2B5EF4-FFF2-40B4-BE49-F238E27FC236}">
+                <a16:creationId xmlns:a16="http://schemas.microsoft.com/office/drawing/2014/main" id="{164AEDE9-0FA1-B54B-6249-D89334793F37}"/>
+              </a:ext>
+            </a:extLst>
+          </p:cNvPr>
+          <p:cNvSpPr txBox="1"/>
+          <p:nvPr/>
+        </p:nvSpPr>
+        <p:spPr>
+          <a:xfrm>
+            <a:off x="0" y="627468"/>
+            <a:ext cx="12192000" cy="923330"/>
+          </a:xfrm>
+          <a:prstGeom prst="rect">
+            <a:avLst/>
+          </a:prstGeom>
+          <a:noFill/>
+        </p:spPr>
+        <p:txBody>
+          <a:bodyPr wrap="square" rtlCol="0">
+            <a:spAutoFit/>
+          </a:bodyPr>
+          <a:lstStyle/>
+          <a:p>
+            <a:pPr algn="just"/>
+            <a:r>
+              <a:rPr lang="fr-FR" noProof="0" dirty="0">
+                <a:latin typeface="Times New Roman" panose="02020603050405020304" pitchFamily="18" charset="0"/>
+                <a:cs typeface="Times New Roman" panose="02020603050405020304" pitchFamily="18" charset="0"/>
+              </a:rPr>
+              <a:t>Concernant le maillage, on choisit ici de prendre des éléments d’ordre 2 – </a:t>
+            </a:r>
+            <a:r>
+              <a:rPr lang="fr-FR" b="1" noProof="0" dirty="0">
+                <a:latin typeface="Times New Roman" panose="02020603050405020304" pitchFamily="18" charset="0"/>
+                <a:cs typeface="Times New Roman" panose="02020603050405020304" pitchFamily="18" charset="0"/>
+              </a:rPr>
+              <a:t>SOLID186</a:t>
+            </a:r>
+            <a:r>
+              <a:rPr lang="fr-FR" noProof="0" dirty="0">
+                <a:latin typeface="Times New Roman" panose="02020603050405020304" pitchFamily="18" charset="0"/>
+                <a:cs typeface="Times New Roman" panose="02020603050405020304" pitchFamily="18" charset="0"/>
+              </a:rPr>
+              <a:t> (nécessaire pour calculer avec précision déplacements </a:t>
+            </a:r>
+            <a:r>
+              <a:rPr lang="fr-FR" b="1" noProof="0" dirty="0">
+                <a:latin typeface="Times New Roman" panose="02020603050405020304" pitchFamily="18" charset="0"/>
+                <a:cs typeface="Times New Roman" panose="02020603050405020304" pitchFamily="18" charset="0"/>
+              </a:rPr>
+              <a:t>et</a:t>
+            </a:r>
+            <a:r>
+              <a:rPr lang="fr-FR" noProof="0" dirty="0">
+                <a:latin typeface="Times New Roman" panose="02020603050405020304" pitchFamily="18" charset="0"/>
+                <a:cs typeface="Times New Roman" panose="02020603050405020304" pitchFamily="18" charset="0"/>
+              </a:rPr>
+              <a:t> contraintes). Nous avons forcé l’imposition de l’ordre 2 afin de forcer de la même manière, l’ordre de </a:t>
+            </a:r>
+            <a:r>
+              <a:rPr lang="fr-FR" b="1" noProof="0" dirty="0">
+                <a:latin typeface="Times New Roman" panose="02020603050405020304" pitchFamily="18" charset="0"/>
+                <a:cs typeface="Times New Roman" panose="02020603050405020304" pitchFamily="18" charset="0"/>
+              </a:rPr>
+              <a:t>convergence formelle</a:t>
+            </a:r>
+            <a:r>
+              <a:rPr lang="fr-FR" noProof="0" dirty="0">
+                <a:latin typeface="Times New Roman" panose="02020603050405020304" pitchFamily="18" charset="0"/>
+                <a:cs typeface="Times New Roman" panose="02020603050405020304" pitchFamily="18" charset="0"/>
+              </a:rPr>
+              <a:t>. </a:t>
+            </a:r>
+          </a:p>
+        </p:txBody>
+      </p:sp>
+      <mc:AlternateContent xmlns:mc="http://schemas.openxmlformats.org/markup-compatibility/2006">
+        <mc:Choice xmlns:a14="http://schemas.microsoft.com/office/drawing/2010/main" Requires="a14">
+          <p:sp>
+            <p:nvSpPr>
+              <p:cNvPr id="5" name="TextBox 4">
+                <a:extLst>
+                  <a:ext uri="{FF2B5EF4-FFF2-40B4-BE49-F238E27FC236}">
+                    <a16:creationId xmlns:a16="http://schemas.microsoft.com/office/drawing/2014/main" id="{74B6ACAF-0EA8-BC9F-907C-CC1895AD6584}"/>
+                  </a:ext>
+                </a:extLst>
+              </p:cNvPr>
+              <p:cNvSpPr txBox="1"/>
+              <p:nvPr/>
+            </p:nvSpPr>
+            <p:spPr>
+              <a:xfrm>
+                <a:off x="4786410" y="1595742"/>
+                <a:ext cx="7405589" cy="2031325"/>
+              </a:xfrm>
+              <a:prstGeom prst="rect">
+                <a:avLst/>
+              </a:prstGeom>
+              <a:noFill/>
+            </p:spPr>
+            <p:txBody>
+              <a:bodyPr wrap="square" rtlCol="0">
+                <a:spAutoFit/>
+              </a:bodyPr>
+              <a:lstStyle/>
+              <a:p>
+                <a:pPr algn="just"/>
+                <a:r>
+                  <a:rPr lang="fr-FR" b="1" noProof="0" dirty="0">
+                    <a:latin typeface="Times New Roman" panose="02020603050405020304" pitchFamily="18" charset="0"/>
+                    <a:cs typeface="Times New Roman" panose="02020603050405020304" pitchFamily="18" charset="0"/>
+                  </a:rPr>
+                  <a:t>Points forts</a:t>
+                </a:r>
+              </a:p>
+              <a:p>
+                <a:pPr algn="just"/>
+                <a:endParaRPr lang="fr-FR" dirty="0">
+                  <a:latin typeface="Times New Roman" panose="02020603050405020304" pitchFamily="18" charset="0"/>
+                  <a:cs typeface="Times New Roman" panose="02020603050405020304" pitchFamily="18" charset="0"/>
+                </a:endParaRPr>
+              </a:p>
+              <a:p>
+                <a:pPr marL="285750" indent="-285750" algn="just">
+                  <a:buFont typeface="Wingdings" panose="05000000000000000000" pitchFamily="2" charset="2"/>
+                  <a:buChar char="§"/>
+                </a:pPr>
+                <a:r>
+                  <a:rPr lang="fr-FR" noProof="0" dirty="0">
+                    <a:latin typeface="Times New Roman" panose="02020603050405020304" pitchFamily="18" charset="0"/>
+                    <a:cs typeface="Times New Roman" panose="02020603050405020304" pitchFamily="18" charset="0"/>
+                  </a:rPr>
+                  <a:t>Meilleure précision dans la représentation et le calcul des gradients de déformation et des contraintes</a:t>
+                </a:r>
+              </a:p>
+              <a:p>
+                <a:pPr marL="285750" indent="-285750" algn="just">
+                  <a:buFont typeface="Wingdings" panose="05000000000000000000" pitchFamily="2" charset="2"/>
+                  <a:buChar char="§"/>
+                </a:pPr>
+                <a:r>
+                  <a:rPr lang="fr-FR" noProof="0" dirty="0">
+                    <a:latin typeface="Times New Roman" panose="02020603050405020304" pitchFamily="18" charset="0"/>
+                    <a:cs typeface="Times New Roman" panose="02020603050405020304" pitchFamily="18" charset="0"/>
+                  </a:rPr>
+                  <a:t>Réduction des erreurs de discrétisation (</a:t>
+                </a:r>
+                <a14:m>
+                  <m:oMath xmlns:m="http://schemas.openxmlformats.org/officeDocument/2006/math">
+                    <m:sSub>
+                      <m:sSubPr>
+                        <m:ctrlPr>
+                          <a:rPr lang="fr-FR" b="0" i="1" noProof="0" smtClean="0">
+                            <a:latin typeface="Cambria Math" panose="02040503050406030204" pitchFamily="18" charset="0"/>
+                            <a:ea typeface="Cambria Math" panose="02040503050406030204" pitchFamily="18" charset="0"/>
+                            <a:cs typeface="Times New Roman" panose="02020603050405020304" pitchFamily="18" charset="0"/>
+                          </a:rPr>
+                        </m:ctrlPr>
+                      </m:sSubPr>
+                      <m:e>
+                        <m:r>
+                          <a:rPr lang="fr-FR" i="1" noProof="0" smtClean="0">
+                            <a:latin typeface="Cambria Math" panose="02040503050406030204" pitchFamily="18" charset="0"/>
+                            <a:ea typeface="Cambria Math" panose="02040503050406030204" pitchFamily="18" charset="0"/>
+                            <a:cs typeface="Times New Roman" panose="02020603050405020304" pitchFamily="18" charset="0"/>
+                          </a:rPr>
+                          <m:t>𝜀</m:t>
+                        </m:r>
+                      </m:e>
+                      <m:sub>
+                        <m:r>
+                          <a:rPr lang="fr-FR" b="0" i="1" noProof="0" smtClean="0">
+                            <a:latin typeface="Cambria Math" panose="02040503050406030204" pitchFamily="18" charset="0"/>
+                            <a:ea typeface="Cambria Math" panose="02040503050406030204" pitchFamily="18" charset="0"/>
+                            <a:cs typeface="Times New Roman" panose="02020603050405020304" pitchFamily="18" charset="0"/>
+                          </a:rPr>
+                          <m:t>h</m:t>
+                        </m:r>
+                      </m:sub>
+                    </m:sSub>
+                  </m:oMath>
+                </a14:m>
+                <a:r>
+                  <a:rPr lang="fr-FR" noProof="0" dirty="0">
+                    <a:latin typeface="Times New Roman" panose="02020603050405020304" pitchFamily="18" charset="0"/>
+                    <a:cs typeface="Times New Roman" panose="02020603050405020304" pitchFamily="18" charset="0"/>
+                  </a:rPr>
+                  <a:t>) par rapport aux éléments d’ordre 1</a:t>
+                </a:r>
+              </a:p>
+              <a:p>
+                <a:pPr marL="285750" indent="-285750" algn="just">
+                  <a:buFont typeface="Wingdings" panose="05000000000000000000" pitchFamily="2" charset="2"/>
+                  <a:buChar char="§"/>
+                </a:pPr>
+                <a:r>
+                  <a:rPr lang="fr-FR" noProof="0" dirty="0">
+                    <a:latin typeface="Times New Roman" panose="02020603050405020304" pitchFamily="18" charset="0"/>
+                    <a:cs typeface="Times New Roman" panose="02020603050405020304" pitchFamily="18" charset="0"/>
+                  </a:rPr>
+                  <a:t>Adapté à notre géométrie complexe d’orthèse</a:t>
+                </a:r>
+              </a:p>
+            </p:txBody>
+          </p:sp>
+        </mc:Choice>
+        <mc:Fallback>
+          <p:sp>
+            <p:nvSpPr>
+              <p:cNvPr id="5" name="TextBox 4">
+                <a:extLst>
+                  <a:ext uri="{FF2B5EF4-FFF2-40B4-BE49-F238E27FC236}">
+                    <a16:creationId xmlns:a16="http://schemas.microsoft.com/office/drawing/2014/main" id="{74B6ACAF-0EA8-BC9F-907C-CC1895AD6584}"/>
+                  </a:ext>
+                </a:extLst>
+              </p:cNvPr>
+              <p:cNvSpPr txBox="1">
+                <a:spLocks noRot="1" noChangeAspect="1" noMove="1" noResize="1" noEditPoints="1" noAdjustHandles="1" noChangeArrowheads="1" noChangeShapeType="1" noTextEdit="1"/>
+              </p:cNvSpPr>
+              <p:nvPr/>
+            </p:nvSpPr>
+            <p:spPr>
+              <a:xfrm>
+                <a:off x="4786410" y="1595742"/>
+                <a:ext cx="7405589" cy="2031325"/>
+              </a:xfrm>
+              <a:prstGeom prst="rect">
+                <a:avLst/>
+              </a:prstGeom>
+              <a:blipFill>
+                <a:blip r:embed="rId3"/>
+                <a:stretch>
+                  <a:fillRect l="-658" t="-1802" r="-741" b="-3904"/>
+                </a:stretch>
+              </a:blipFill>
+            </p:spPr>
+            <p:txBody>
+              <a:bodyPr/>
+              <a:lstStyle/>
+              <a:p>
+                <a:r>
+                  <a:rPr lang="en-GB">
+                    <a:noFill/>
+                  </a:rPr>
+                  <a:t> </a:t>
+                </a:r>
+              </a:p>
+            </p:txBody>
+          </p:sp>
+        </mc:Fallback>
+      </mc:AlternateContent>
+      <p:pic>
+        <p:nvPicPr>
+          <p:cNvPr id="7" name="Picture 6">
+            <a:extLst>
+              <a:ext uri="{FF2B5EF4-FFF2-40B4-BE49-F238E27FC236}">
+                <a16:creationId xmlns:a16="http://schemas.microsoft.com/office/drawing/2014/main" id="{8B3F1B03-356A-2EC5-106A-7BA9BB316C6B}"/>
+              </a:ext>
+            </a:extLst>
+          </p:cNvPr>
+          <p:cNvPicPr>
+            <a:picLocks noChangeAspect="1"/>
+          </p:cNvPicPr>
+          <p:nvPr/>
+        </p:nvPicPr>
+        <p:blipFill>
+          <a:blip r:embed="rId4"/>
+          <a:stretch>
+            <a:fillRect/>
+          </a:stretch>
+        </p:blipFill>
+        <p:spPr>
+          <a:xfrm>
+            <a:off x="7567798" y="3578932"/>
+            <a:ext cx="4191000" cy="3019425"/>
+          </a:xfrm>
+          <a:prstGeom prst="rect">
+            <a:avLst/>
+          </a:prstGeom>
+        </p:spPr>
+      </p:pic>
+      <p:sp>
+        <p:nvSpPr>
+          <p:cNvPr id="8" name="TextBox 7">
+            <a:extLst>
+              <a:ext uri="{FF2B5EF4-FFF2-40B4-BE49-F238E27FC236}">
+                <a16:creationId xmlns:a16="http://schemas.microsoft.com/office/drawing/2014/main" id="{53E97A07-230F-CAF4-67E3-4A20695119B3}"/>
+              </a:ext>
+            </a:extLst>
+          </p:cNvPr>
+          <p:cNvSpPr txBox="1"/>
+          <p:nvPr/>
+        </p:nvSpPr>
+        <p:spPr>
+          <a:xfrm>
+            <a:off x="113513" y="4988913"/>
+            <a:ext cx="7337153" cy="923330"/>
+          </a:xfrm>
+          <a:prstGeom prst="rect">
+            <a:avLst/>
+          </a:prstGeom>
+          <a:noFill/>
+        </p:spPr>
+        <p:txBody>
+          <a:bodyPr wrap="square" rtlCol="0">
+            <a:spAutoFit/>
+          </a:bodyPr>
+          <a:lstStyle/>
+          <a:p>
+            <a:pPr algn="just"/>
+            <a:r>
+              <a:rPr lang="fr-FR" b="1" noProof="0" dirty="0">
+                <a:latin typeface="Times New Roman" panose="02020603050405020304" pitchFamily="18" charset="0"/>
+                <a:cs typeface="Times New Roman" panose="02020603050405020304" pitchFamily="18" charset="0"/>
+              </a:rPr>
+              <a:t>SOLID186 </a:t>
+            </a:r>
+            <a:r>
+              <a:rPr lang="fr-FR" noProof="0" dirty="0">
+                <a:latin typeface="Times New Roman" panose="02020603050405020304" pitchFamily="18" charset="0"/>
+                <a:cs typeface="Times New Roman" panose="02020603050405020304" pitchFamily="18" charset="0"/>
+              </a:rPr>
+              <a:t>: Element 3D quadratique en déplacement utilisé dans Ansys pour le calcul de structure mécanique (utilisé pour de la simple plasticité mais également pour les </a:t>
+            </a:r>
+            <a:r>
+              <a:rPr lang="fr-FR" b="1" noProof="0" dirty="0">
+                <a:latin typeface="Times New Roman" panose="02020603050405020304" pitchFamily="18" charset="0"/>
+                <a:cs typeface="Times New Roman" panose="02020603050405020304" pitchFamily="18" charset="0"/>
+              </a:rPr>
+              <a:t>grandes déformations</a:t>
+            </a:r>
+            <a:r>
+              <a:rPr lang="fr-FR" noProof="0" dirty="0">
+                <a:latin typeface="Times New Roman" panose="02020603050405020304" pitchFamily="18" charset="0"/>
+                <a:cs typeface="Times New Roman" panose="02020603050405020304" pitchFamily="18" charset="0"/>
+              </a:rPr>
+              <a:t>, comme dans notre cas). </a:t>
+            </a:r>
+          </a:p>
+        </p:txBody>
+      </p:sp>
+      <p:sp>
+        <p:nvSpPr>
+          <p:cNvPr id="10" name="TextBox 9">
+            <a:extLst>
+              <a:ext uri="{FF2B5EF4-FFF2-40B4-BE49-F238E27FC236}">
+                <a16:creationId xmlns:a16="http://schemas.microsoft.com/office/drawing/2014/main" id="{19D6D793-A9A0-E8FD-0B2B-06B35A5CDEA9}"/>
+              </a:ext>
+            </a:extLst>
+          </p:cNvPr>
+          <p:cNvSpPr txBox="1"/>
+          <p:nvPr/>
+        </p:nvSpPr>
+        <p:spPr>
+          <a:xfrm>
+            <a:off x="113512" y="6039339"/>
+            <a:ext cx="7337153" cy="646331"/>
+          </a:xfrm>
+          <a:prstGeom prst="rect">
+            <a:avLst/>
+          </a:prstGeom>
+          <a:noFill/>
+        </p:spPr>
+        <p:txBody>
+          <a:bodyPr wrap="square" rtlCol="0">
+            <a:spAutoFit/>
+          </a:bodyPr>
+          <a:lstStyle/>
+          <a:p>
+            <a:pPr algn="just"/>
+            <a:r>
+              <a:rPr lang="fr-FR" b="1" noProof="0" dirty="0">
+                <a:latin typeface="Times New Roman" panose="02020603050405020304" pitchFamily="18" charset="0"/>
+                <a:cs typeface="Times New Roman" panose="02020603050405020304" pitchFamily="18" charset="0"/>
+              </a:rPr>
+              <a:t>Remarque </a:t>
+            </a:r>
+            <a:r>
+              <a:rPr lang="fr-FR" noProof="0" dirty="0">
+                <a:latin typeface="Times New Roman" panose="02020603050405020304" pitchFamily="18" charset="0"/>
+                <a:cs typeface="Times New Roman" panose="02020603050405020304" pitchFamily="18" charset="0"/>
+              </a:rPr>
+              <a:t>: les choix des paramètres pour le maillage seront explicités dans la vérification de solution. </a:t>
+            </a:r>
+          </a:p>
+        </p:txBody>
+      </p:sp>
+      <p:pic>
+        <p:nvPicPr>
+          <p:cNvPr id="1028" name="Picture 4" descr="Star Detailed Rounded Lineal color icon">
+            <a:extLst>
+              <a:ext uri="{FF2B5EF4-FFF2-40B4-BE49-F238E27FC236}">
+                <a16:creationId xmlns:a16="http://schemas.microsoft.com/office/drawing/2014/main" id="{F6736740-3DB7-7841-CEDB-835FF3EB6A63}"/>
+              </a:ext>
+            </a:extLst>
+          </p:cNvPr>
+          <p:cNvPicPr>
+            <a:picLocks noChangeAspect="1" noChangeArrowheads="1"/>
+          </p:cNvPicPr>
+          <p:nvPr/>
+        </p:nvPicPr>
+        <p:blipFill>
+          <a:blip r:embed="rId5">
+            <a:extLst>
+              <a:ext uri="{28A0092B-C50C-407E-A947-70E740481C1C}">
+                <a14:useLocalDpi xmlns:a14="http://schemas.microsoft.com/office/drawing/2010/main" val="0"/>
+              </a:ext>
+            </a:extLst>
+          </a:blip>
+          <a:srcRect/>
+          <a:stretch>
+            <a:fillRect/>
+          </a:stretch>
+        </p:blipFill>
+        <p:spPr bwMode="auto">
+          <a:xfrm>
+            <a:off x="6096000" y="1595742"/>
+            <a:ext cx="382577" cy="382577"/>
+          </a:xfrm>
+          <a:prstGeom prst="rect">
+            <a:avLst/>
+          </a:prstGeom>
+          <a:noFill/>
+          <a:extLst>
+            <a:ext uri="{909E8E84-426E-40DD-AFC4-6F175D3DCCD1}">
+              <a14:hiddenFill xmlns:a14="http://schemas.microsoft.com/office/drawing/2010/main">
+                <a:solidFill>
+                  <a:srgbClr val="FFFFFF"/>
+                </a:solidFill>
+              </a14:hiddenFill>
+            </a:ext>
+          </a:extLst>
+        </p:spPr>
+      </p:pic>
+      <p:pic>
+        <p:nvPicPr>
+          <p:cNvPr id="11" name="Picture 2">
+            <a:extLst>
+              <a:ext uri="{FF2B5EF4-FFF2-40B4-BE49-F238E27FC236}">
+                <a16:creationId xmlns:a16="http://schemas.microsoft.com/office/drawing/2014/main" id="{925AD468-D948-26D9-653B-6279DB7670B9}"/>
+              </a:ext>
+            </a:extLst>
+          </p:cNvPr>
+          <p:cNvPicPr>
+            <a:picLocks noChangeAspect="1" noChangeArrowheads="1"/>
+          </p:cNvPicPr>
+          <p:nvPr/>
+        </p:nvPicPr>
+        <p:blipFill>
+          <a:blip r:embed="rId6">
+            <a:extLst>
+              <a:ext uri="{28A0092B-C50C-407E-A947-70E740481C1C}">
+                <a14:useLocalDpi xmlns:a14="http://schemas.microsoft.com/office/drawing/2010/main" val="0"/>
+              </a:ext>
+            </a:extLst>
+          </a:blip>
+          <a:srcRect/>
+          <a:stretch>
+            <a:fillRect/>
+          </a:stretch>
+        </p:blipFill>
+        <p:spPr bwMode="auto">
+          <a:xfrm>
+            <a:off x="4843169" y="4576647"/>
+            <a:ext cx="1056026" cy="341342"/>
+          </a:xfrm>
+          <a:prstGeom prst="rect">
+            <a:avLst/>
+          </a:prstGeom>
+          <a:noFill/>
+          <a:extLst>
+            <a:ext uri="{909E8E84-426E-40DD-AFC4-6F175D3DCCD1}">
+              <a14:hiddenFill xmlns:a14="http://schemas.microsoft.com/office/drawing/2010/main">
+                <a:solidFill>
+                  <a:srgbClr val="FFFFFF"/>
+                </a:solidFill>
+              </a14:hiddenFill>
+            </a:ext>
+          </a:extLst>
+        </p:spPr>
+      </p:pic>
     </p:spTree>
     <p:extLst>
       <p:ext uri="{BB962C8B-B14F-4D97-AF65-F5344CB8AC3E}">
@@ -17999,6 +19702,111 @@
           </a:p>
         </p:txBody>
       </p:sp>
+      <mc:AlternateContent xmlns:mc="http://schemas.openxmlformats.org/markup-compatibility/2006">
+        <mc:Choice xmlns:a14="http://schemas.microsoft.com/office/drawing/2010/main" Requires="a14">
+          <p:sp>
+            <p:nvSpPr>
+              <p:cNvPr id="3" name="TextBox 2">
+                <a:extLst>
+                  <a:ext uri="{FF2B5EF4-FFF2-40B4-BE49-F238E27FC236}">
+                    <a16:creationId xmlns:a16="http://schemas.microsoft.com/office/drawing/2014/main" id="{A73F9422-12A0-D342-FF8D-B4A5B6BA84D2}"/>
+                  </a:ext>
+                </a:extLst>
+              </p:cNvPr>
+              <p:cNvSpPr txBox="1"/>
+              <p:nvPr/>
+            </p:nvSpPr>
+            <p:spPr>
+              <a:xfrm>
+                <a:off x="0" y="627468"/>
+                <a:ext cx="12192000" cy="923330"/>
+              </a:xfrm>
+              <a:prstGeom prst="rect">
+                <a:avLst/>
+              </a:prstGeom>
+              <a:noFill/>
+            </p:spPr>
+            <p:txBody>
+              <a:bodyPr wrap="square" rtlCol="0">
+                <a:spAutoFit/>
+              </a:bodyPr>
+              <a:lstStyle/>
+              <a:p>
+                <a:pPr algn="just"/>
+                <a:r>
+                  <a:rPr lang="fr-FR" noProof="0" dirty="0">
+                    <a:latin typeface="Times New Roman" panose="02020603050405020304" pitchFamily="18" charset="0"/>
+                    <a:cs typeface="Times New Roman" panose="02020603050405020304" pitchFamily="18" charset="0"/>
+                  </a:rPr>
+                  <a:t>Afin de pouvoir vérifier le code d’Ansys – même si nous pouvons lui faire confiance, nous allons comparer des résultats de simulations avec des résultats théoriques. Pour cela, nous allons étudier le cas simple – et proche de notre système d’étude, de la poutre en flexion suite à l’application d’une force </a:t>
+                </a:r>
+                <a14:m>
+                  <m:oMath xmlns:m="http://schemas.openxmlformats.org/officeDocument/2006/math">
+                    <m:r>
+                      <a:rPr lang="fr-FR" b="0" i="1" noProof="0" smtClean="0">
+                        <a:latin typeface="Cambria Math" panose="02040503050406030204" pitchFamily="18" charset="0"/>
+                        <a:cs typeface="Times New Roman" panose="02020603050405020304" pitchFamily="18" charset="0"/>
+                      </a:rPr>
+                      <m:t>𝐹</m:t>
+                    </m:r>
+                  </m:oMath>
+                </a14:m>
+                <a:r>
+                  <a:rPr lang="fr-FR" noProof="0" dirty="0">
+                    <a:latin typeface="Times New Roman" panose="02020603050405020304" pitchFamily="18" charset="0"/>
+                    <a:cs typeface="Times New Roman" panose="02020603050405020304" pitchFamily="18" charset="0"/>
+                  </a:rPr>
+                  <a:t>. </a:t>
+                </a:r>
+              </a:p>
+            </p:txBody>
+          </p:sp>
+        </mc:Choice>
+        <mc:Fallback>
+          <p:sp>
+            <p:nvSpPr>
+              <p:cNvPr id="3" name="TextBox 2">
+                <a:extLst>
+                  <a:ext uri="{FF2B5EF4-FFF2-40B4-BE49-F238E27FC236}">
+                    <a16:creationId xmlns:a16="http://schemas.microsoft.com/office/drawing/2014/main" id="{A73F9422-12A0-D342-FF8D-B4A5B6BA84D2}"/>
+                  </a:ext>
+                </a:extLst>
+              </p:cNvPr>
+              <p:cNvSpPr txBox="1">
+                <a:spLocks noRot="1" noChangeAspect="1" noMove="1" noResize="1" noEditPoints="1" noAdjustHandles="1" noChangeArrowheads="1" noChangeShapeType="1" noTextEdit="1"/>
+              </p:cNvSpPr>
+              <p:nvPr/>
+            </p:nvSpPr>
+            <p:spPr>
+              <a:xfrm>
+                <a:off x="0" y="627468"/>
+                <a:ext cx="12192000" cy="923330"/>
+              </a:xfrm>
+              <a:prstGeom prst="rect">
+                <a:avLst/>
+              </a:prstGeom>
+              <a:blipFill>
+                <a:blip r:embed="rId2"/>
+                <a:stretch>
+                  <a:fillRect l="-400" t="-3974" r="-400" b="-9934"/>
+                </a:stretch>
+              </a:blipFill>
+            </p:spPr>
+            <p:txBody>
+              <a:bodyPr/>
+              <a:lstStyle/>
+              <a:p>
+                <a:r>
+                  <a:rPr lang="en-GB">
+                    <a:noFill/>
+                  </a:rPr>
+                  <a:t> </a:t>
+                </a:r>
+              </a:p>
+            </p:txBody>
+          </p:sp>
+        </mc:Fallback>
+      </mc:AlternateContent>
     </p:spTree>
     <p:extLst>
       <p:ext uri="{BB962C8B-B14F-4D97-AF65-F5344CB8AC3E}">
@@ -21613,7 +23421,7 @@
           <p:nvPr/>
         </p:nvPicPr>
         <p:blipFill>
-          <a:blip r:embed="rId6">
+          <a:blip r:embed="rId3">
             <a:extLst>
               <a:ext uri="{28A0092B-C50C-407E-A947-70E740481C1C}">
                 <a14:useLocalDpi xmlns:a14="http://schemas.microsoft.com/office/drawing/2010/main" val="0"/>

--- a/03_Rapport/Rapport_Projet.pptx
+++ b/03_Rapport/Rapport_Projet.pptx
@@ -5,7 +5,7 @@
     <p:sldMasterId id="2147483648" r:id="rId1"/>
   </p:sldMasterIdLst>
   <p:notesMasterIdLst>
-    <p:notesMasterId r:id="rId21"/>
+    <p:notesMasterId r:id="rId22"/>
   </p:notesMasterIdLst>
   <p:sldIdLst>
     <p:sldId id="256" r:id="rId2"/>
@@ -14,19 +14,20 @@
     <p:sldId id="269" r:id="rId5"/>
     <p:sldId id="270" r:id="rId6"/>
     <p:sldId id="271" r:id="rId7"/>
-    <p:sldId id="272" r:id="rId8"/>
-    <p:sldId id="276" r:id="rId9"/>
-    <p:sldId id="277" r:id="rId10"/>
-    <p:sldId id="281" r:id="rId11"/>
-    <p:sldId id="278" r:id="rId12"/>
-    <p:sldId id="273" r:id="rId13"/>
-    <p:sldId id="280" r:id="rId14"/>
-    <p:sldId id="282" r:id="rId15"/>
-    <p:sldId id="279" r:id="rId16"/>
-    <p:sldId id="283" r:id="rId17"/>
-    <p:sldId id="284" r:id="rId18"/>
-    <p:sldId id="275" r:id="rId19"/>
-    <p:sldId id="268" r:id="rId20"/>
+    <p:sldId id="285" r:id="rId8"/>
+    <p:sldId id="272" r:id="rId9"/>
+    <p:sldId id="276" r:id="rId10"/>
+    <p:sldId id="277" r:id="rId11"/>
+    <p:sldId id="281" r:id="rId12"/>
+    <p:sldId id="278" r:id="rId13"/>
+    <p:sldId id="273" r:id="rId14"/>
+    <p:sldId id="280" r:id="rId15"/>
+    <p:sldId id="282" r:id="rId16"/>
+    <p:sldId id="279" r:id="rId17"/>
+    <p:sldId id="283" r:id="rId18"/>
+    <p:sldId id="284" r:id="rId19"/>
+    <p:sldId id="275" r:id="rId20"/>
+    <p:sldId id="268" r:id="rId21"/>
   </p:sldIdLst>
   <p:sldSz cx="12192000" cy="6858000"/>
   <p:notesSz cx="6858000" cy="9144000"/>
@@ -142,7 +143,7 @@
 <file path=ppt/revisionInfo.xml><?xml version="1.0" encoding="utf-8"?>
 <p1510:revInfo xmlns:a="http://schemas.openxmlformats.org/drawingml/2006/main" xmlns:r="http://schemas.openxmlformats.org/officeDocument/2006/relationships" xmlns:p1510="http://schemas.microsoft.com/office/powerpoint/2015/10/main">
   <p1510:revLst>
-    <p1510:client id="{1404D58C-429C-4D75-B5B2-E1C9B8E0DC36}" v="3936" dt="2025-04-01T21:47:22.343"/>
+    <p1510:client id="{1404D58C-429C-4D75-B5B2-E1C9B8E0DC36}" v="4880" dt="2025-04-02T21:07:27.506"/>
   </p1510:revLst>
 </p1510:revInfo>
 </file>
@@ -363,7 +364,7 @@
   <pc:docChgLst>
     <pc:chgData name="François GLEYZON" userId="a2d04f23f7faf3ef" providerId="LiveId" clId="{1404D58C-429C-4D75-B5B2-E1C9B8E0DC36}"/>
     <pc:docChg chg="undo redo custSel addSld delSld modSld sldOrd">
-      <pc:chgData name="François GLEYZON" userId="a2d04f23f7faf3ef" providerId="LiveId" clId="{1404D58C-429C-4D75-B5B2-E1C9B8E0DC36}" dt="2025-04-01T21:47:44.623" v="12713" actId="20577"/>
+      <pc:chgData name="François GLEYZON" userId="a2d04f23f7faf3ef" providerId="LiveId" clId="{1404D58C-429C-4D75-B5B2-E1C9B8E0DC36}" dt="2025-04-02T21:07:27.506" v="14416" actId="20577"/>
       <pc:docMkLst>
         <pc:docMk/>
       </pc:docMkLst>
@@ -817,8 +818,8 @@
           </ac:picMkLst>
         </pc:picChg>
       </pc:sldChg>
-      <pc:sldChg chg="addSp modSp add del mod">
-        <pc:chgData name="François GLEYZON" userId="a2d04f23f7faf3ef" providerId="LiveId" clId="{1404D58C-429C-4D75-B5B2-E1C9B8E0DC36}" dt="2025-04-01T21:42:18.577" v="12232" actId="20577"/>
+      <pc:sldChg chg="addSp delSp modSp add del mod">
+        <pc:chgData name="François GLEYZON" userId="a2d04f23f7faf3ef" providerId="LiveId" clId="{1404D58C-429C-4D75-B5B2-E1C9B8E0DC36}" dt="2025-04-02T20:03:37.951" v="13865" actId="1037"/>
         <pc:sldMkLst>
           <pc:docMk/>
           <pc:sldMk cId="1301843568" sldId="271"/>
@@ -832,7 +833,7 @@
           </ac:spMkLst>
         </pc:spChg>
         <pc:spChg chg="add mod">
-          <ac:chgData name="François GLEYZON" userId="a2d04f23f7faf3ef" providerId="LiveId" clId="{1404D58C-429C-4D75-B5B2-E1C9B8E0DC36}" dt="2025-04-01T21:42:18.577" v="12232" actId="20577"/>
+          <ac:chgData name="François GLEYZON" userId="a2d04f23f7faf3ef" providerId="LiveId" clId="{1404D58C-429C-4D75-B5B2-E1C9B8E0DC36}" dt="2025-04-02T19:49:09.336" v="12830" actId="313"/>
           <ac:spMkLst>
             <pc:docMk/>
             <pc:sldMk cId="1301843568" sldId="271"/>
@@ -847,9 +848,249 @@
             <ac:spMk id="9" creationId="{9AC59951-2052-5891-EC5A-4BBED090FE92}"/>
           </ac:spMkLst>
         </pc:spChg>
+        <pc:spChg chg="add mod">
+          <ac:chgData name="François GLEYZON" userId="a2d04f23f7faf3ef" providerId="LiveId" clId="{1404D58C-429C-4D75-B5B2-E1C9B8E0DC36}" dt="2025-04-02T19:59:46.997" v="13368" actId="20577"/>
+          <ac:spMkLst>
+            <pc:docMk/>
+            <pc:sldMk cId="1301843568" sldId="271"/>
+            <ac:spMk id="30" creationId="{ABEC8F3C-5D2C-B5E6-D734-4E769F8B49C9}"/>
+          </ac:spMkLst>
+        </pc:spChg>
+        <pc:spChg chg="add mod">
+          <ac:chgData name="François GLEYZON" userId="a2d04f23f7faf3ef" providerId="LiveId" clId="{1404D58C-429C-4D75-B5B2-E1C9B8E0DC36}" dt="2025-04-02T19:59:54.027" v="13371" actId="1076"/>
+          <ac:spMkLst>
+            <pc:docMk/>
+            <pc:sldMk cId="1301843568" sldId="271"/>
+            <ac:spMk id="31" creationId="{EC48CA77-D243-6742-3D25-563290156031}"/>
+          </ac:spMkLst>
+        </pc:spChg>
+        <pc:spChg chg="add del mod">
+          <ac:chgData name="François GLEYZON" userId="a2d04f23f7faf3ef" providerId="LiveId" clId="{1404D58C-429C-4D75-B5B2-E1C9B8E0DC36}" dt="2025-04-02T19:53:32.145" v="12880" actId="478"/>
+          <ac:spMkLst>
+            <pc:docMk/>
+            <pc:sldMk cId="1301843568" sldId="271"/>
+            <ac:spMk id="32" creationId="{1D4C34E6-F14D-F176-A6A7-96AFB71A7E8C}"/>
+          </ac:spMkLst>
+        </pc:spChg>
+        <pc:spChg chg="add mod">
+          <ac:chgData name="François GLEYZON" userId="a2d04f23f7faf3ef" providerId="LiveId" clId="{1404D58C-429C-4D75-B5B2-E1C9B8E0DC36}" dt="2025-04-02T19:59:43.057" v="13366" actId="20577"/>
+          <ac:spMkLst>
+            <pc:docMk/>
+            <pc:sldMk cId="1301843568" sldId="271"/>
+            <ac:spMk id="33" creationId="{F9088A17-6F0F-45B8-F534-74405D3A0CF2}"/>
+          </ac:spMkLst>
+        </pc:spChg>
+        <pc:spChg chg="add mod">
+          <ac:chgData name="François GLEYZON" userId="a2d04f23f7faf3ef" providerId="LiveId" clId="{1404D58C-429C-4D75-B5B2-E1C9B8E0DC36}" dt="2025-04-02T19:57:14.057" v="12916" actId="1076"/>
+          <ac:spMkLst>
+            <pc:docMk/>
+            <pc:sldMk cId="1301843568" sldId="271"/>
+            <ac:spMk id="34" creationId="{57438053-5A5F-77E2-7330-A1032FBBA535}"/>
+          </ac:spMkLst>
+        </pc:spChg>
+        <pc:spChg chg="add mod">
+          <ac:chgData name="François GLEYZON" userId="a2d04f23f7faf3ef" providerId="LiveId" clId="{1404D58C-429C-4D75-B5B2-E1C9B8E0DC36}" dt="2025-04-02T20:02:53.916" v="13762" actId="20577"/>
+          <ac:spMkLst>
+            <pc:docMk/>
+            <pc:sldMk cId="1301843568" sldId="271"/>
+            <ac:spMk id="35" creationId="{BBCF9757-BD7F-825E-BBF5-A47B9F61CC5A}"/>
+          </ac:spMkLst>
+        </pc:spChg>
+        <pc:spChg chg="add mod">
+          <ac:chgData name="François GLEYZON" userId="a2d04f23f7faf3ef" providerId="LiveId" clId="{1404D58C-429C-4D75-B5B2-E1C9B8E0DC36}" dt="2025-04-02T20:01:20.079" v="13531" actId="20577"/>
+          <ac:spMkLst>
+            <pc:docMk/>
+            <pc:sldMk cId="1301843568" sldId="271"/>
+            <ac:spMk id="37" creationId="{8228AAD3-C604-5297-887F-FD4EA2C65FCD}"/>
+          </ac:spMkLst>
+        </pc:spChg>
+        <pc:grpChg chg="add mod">
+          <ac:chgData name="François GLEYZON" userId="a2d04f23f7faf3ef" providerId="LiveId" clId="{1404D58C-429C-4D75-B5B2-E1C9B8E0DC36}" dt="2025-04-02T20:03:22.929" v="13771" actId="688"/>
+          <ac:grpSpMkLst>
+            <pc:docMk/>
+            <pc:sldMk cId="1301843568" sldId="271"/>
+            <ac:grpSpMk id="48" creationId="{373738C1-F8F4-0DF7-7C92-E9FA80748F7C}"/>
+          </ac:grpSpMkLst>
+        </pc:grpChg>
+        <pc:cxnChg chg="add mod">
+          <ac:chgData name="François GLEYZON" userId="a2d04f23f7faf3ef" providerId="LiveId" clId="{1404D58C-429C-4D75-B5B2-E1C9B8E0DC36}" dt="2025-04-02T19:50:07.501" v="12855" actId="1076"/>
+          <ac:cxnSpMkLst>
+            <pc:docMk/>
+            <pc:sldMk cId="1301843568" sldId="271"/>
+            <ac:cxnSpMk id="5" creationId="{E7DB76BC-9BB3-C940-E209-029E0CFEFBEE}"/>
+          </ac:cxnSpMkLst>
+        </pc:cxnChg>
+        <pc:cxnChg chg="add mod">
+          <ac:chgData name="François GLEYZON" userId="a2d04f23f7faf3ef" providerId="LiveId" clId="{1404D58C-429C-4D75-B5B2-E1C9B8E0DC36}" dt="2025-04-02T19:50:07.501" v="12855" actId="1076"/>
+          <ac:cxnSpMkLst>
+            <pc:docMk/>
+            <pc:sldMk cId="1301843568" sldId="271"/>
+            <ac:cxnSpMk id="6" creationId="{28B71C72-F80B-BC53-93C2-C2952E462040}"/>
+          </ac:cxnSpMkLst>
+        </pc:cxnChg>
+        <pc:cxnChg chg="add mod">
+          <ac:chgData name="François GLEYZON" userId="a2d04f23f7faf3ef" providerId="LiveId" clId="{1404D58C-429C-4D75-B5B2-E1C9B8E0DC36}" dt="2025-04-02T19:50:07.501" v="12855" actId="1076"/>
+          <ac:cxnSpMkLst>
+            <pc:docMk/>
+            <pc:sldMk cId="1301843568" sldId="271"/>
+            <ac:cxnSpMk id="7" creationId="{F7C1317A-DB69-E3AB-DF7B-14B4C4A341AF}"/>
+          </ac:cxnSpMkLst>
+        </pc:cxnChg>
+        <pc:cxnChg chg="add mod">
+          <ac:chgData name="François GLEYZON" userId="a2d04f23f7faf3ef" providerId="LiveId" clId="{1404D58C-429C-4D75-B5B2-E1C9B8E0DC36}" dt="2025-04-02T19:50:07.501" v="12855" actId="1076"/>
+          <ac:cxnSpMkLst>
+            <pc:docMk/>
+            <pc:sldMk cId="1301843568" sldId="271"/>
+            <ac:cxnSpMk id="13" creationId="{62690880-517B-DC49-3C0F-95704E551FF9}"/>
+          </ac:cxnSpMkLst>
+        </pc:cxnChg>
+        <pc:cxnChg chg="add mod">
+          <ac:chgData name="François GLEYZON" userId="a2d04f23f7faf3ef" providerId="LiveId" clId="{1404D58C-429C-4D75-B5B2-E1C9B8E0DC36}" dt="2025-04-02T19:50:07.501" v="12855" actId="1076"/>
+          <ac:cxnSpMkLst>
+            <pc:docMk/>
+            <pc:sldMk cId="1301843568" sldId="271"/>
+            <ac:cxnSpMk id="14" creationId="{814D020B-5C94-EE10-6EB7-5A66224DBBD4}"/>
+          </ac:cxnSpMkLst>
+        </pc:cxnChg>
+        <pc:cxnChg chg="add mod">
+          <ac:chgData name="François GLEYZON" userId="a2d04f23f7faf3ef" providerId="LiveId" clId="{1404D58C-429C-4D75-B5B2-E1C9B8E0DC36}" dt="2025-04-02T19:50:07.501" v="12855" actId="1076"/>
+          <ac:cxnSpMkLst>
+            <pc:docMk/>
+            <pc:sldMk cId="1301843568" sldId="271"/>
+            <ac:cxnSpMk id="18" creationId="{5A854165-EE1C-3210-A367-C344D8B27F0C}"/>
+          </ac:cxnSpMkLst>
+        </pc:cxnChg>
+        <pc:cxnChg chg="add mod">
+          <ac:chgData name="François GLEYZON" userId="a2d04f23f7faf3ef" providerId="LiveId" clId="{1404D58C-429C-4D75-B5B2-E1C9B8E0DC36}" dt="2025-04-02T19:50:07.501" v="12855" actId="1076"/>
+          <ac:cxnSpMkLst>
+            <pc:docMk/>
+            <pc:sldMk cId="1301843568" sldId="271"/>
+            <ac:cxnSpMk id="19" creationId="{9F713B18-7A8D-5768-E418-A192EEE5CB03}"/>
+          </ac:cxnSpMkLst>
+        </pc:cxnChg>
+        <pc:cxnChg chg="add mod">
+          <ac:chgData name="François GLEYZON" userId="a2d04f23f7faf3ef" providerId="LiveId" clId="{1404D58C-429C-4D75-B5B2-E1C9B8E0DC36}" dt="2025-04-02T19:50:07.501" v="12855" actId="1076"/>
+          <ac:cxnSpMkLst>
+            <pc:docMk/>
+            <pc:sldMk cId="1301843568" sldId="271"/>
+            <ac:cxnSpMk id="20" creationId="{D0669758-FA07-079C-F5AC-77F5D05289CF}"/>
+          </ac:cxnSpMkLst>
+        </pc:cxnChg>
+        <pc:cxnChg chg="add mod">
+          <ac:chgData name="François GLEYZON" userId="a2d04f23f7faf3ef" providerId="LiveId" clId="{1404D58C-429C-4D75-B5B2-E1C9B8E0DC36}" dt="2025-04-02T19:50:07.501" v="12855" actId="1076"/>
+          <ac:cxnSpMkLst>
+            <pc:docMk/>
+            <pc:sldMk cId="1301843568" sldId="271"/>
+            <ac:cxnSpMk id="21" creationId="{F2022A77-C1C6-8653-C1DE-F52AB8DDDF38}"/>
+          </ac:cxnSpMkLst>
+        </pc:cxnChg>
+        <pc:cxnChg chg="add mod">
+          <ac:chgData name="François GLEYZON" userId="a2d04f23f7faf3ef" providerId="LiveId" clId="{1404D58C-429C-4D75-B5B2-E1C9B8E0DC36}" dt="2025-04-02T19:50:18.501" v="12857" actId="13822"/>
+          <ac:cxnSpMkLst>
+            <pc:docMk/>
+            <pc:sldMk cId="1301843568" sldId="271"/>
+            <ac:cxnSpMk id="23" creationId="{8FF7121A-80A8-3D24-9762-772CA66CA123}"/>
+          </ac:cxnSpMkLst>
+        </pc:cxnChg>
+        <pc:cxnChg chg="add mod">
+          <ac:chgData name="François GLEYZON" userId="a2d04f23f7faf3ef" providerId="LiveId" clId="{1404D58C-429C-4D75-B5B2-E1C9B8E0DC36}" dt="2025-04-02T19:53:01.707" v="12861" actId="14100"/>
+          <ac:cxnSpMkLst>
+            <pc:docMk/>
+            <pc:sldMk cId="1301843568" sldId="271"/>
+            <ac:cxnSpMk id="24" creationId="{D16B12DF-CB30-2C1A-B274-9A393D1A96BE}"/>
+          </ac:cxnSpMkLst>
+        </pc:cxnChg>
+        <pc:cxnChg chg="add mod">
+          <ac:chgData name="François GLEYZON" userId="a2d04f23f7faf3ef" providerId="LiveId" clId="{1404D58C-429C-4D75-B5B2-E1C9B8E0DC36}" dt="2025-04-02T19:53:09.786" v="12865" actId="1076"/>
+          <ac:cxnSpMkLst>
+            <pc:docMk/>
+            <pc:sldMk cId="1301843568" sldId="271"/>
+            <ac:cxnSpMk id="27" creationId="{47EF0F99-8AED-83C9-31B5-8566666DCFA5}"/>
+          </ac:cxnSpMkLst>
+        </pc:cxnChg>
+        <pc:cxnChg chg="add mod">
+          <ac:chgData name="François GLEYZON" userId="a2d04f23f7faf3ef" providerId="LiveId" clId="{1404D58C-429C-4D75-B5B2-E1C9B8E0DC36}" dt="2025-04-02T20:03:13.368" v="13766" actId="164"/>
+          <ac:cxnSpMkLst>
+            <pc:docMk/>
+            <pc:sldMk cId="1301843568" sldId="271"/>
+            <ac:cxnSpMk id="38" creationId="{A7636B28-15D7-0DD9-67A0-F82A247F8224}"/>
+          </ac:cxnSpMkLst>
+        </pc:cxnChg>
+        <pc:cxnChg chg="add mod">
+          <ac:chgData name="François GLEYZON" userId="a2d04f23f7faf3ef" providerId="LiveId" clId="{1404D58C-429C-4D75-B5B2-E1C9B8E0DC36}" dt="2025-04-02T20:03:13.368" v="13766" actId="164"/>
+          <ac:cxnSpMkLst>
+            <pc:docMk/>
+            <pc:sldMk cId="1301843568" sldId="271"/>
+            <ac:cxnSpMk id="40" creationId="{57E3D6AE-1205-55ED-7A2E-92C84BC319CC}"/>
+          </ac:cxnSpMkLst>
+        </pc:cxnChg>
+        <pc:cxnChg chg="add mod">
+          <ac:chgData name="François GLEYZON" userId="a2d04f23f7faf3ef" providerId="LiveId" clId="{1404D58C-429C-4D75-B5B2-E1C9B8E0DC36}" dt="2025-04-02T20:03:13.368" v="13766" actId="164"/>
+          <ac:cxnSpMkLst>
+            <pc:docMk/>
+            <pc:sldMk cId="1301843568" sldId="271"/>
+            <ac:cxnSpMk id="41" creationId="{95A7D25A-E2B1-2C66-CDE7-4724DA093947}"/>
+          </ac:cxnSpMkLst>
+        </pc:cxnChg>
+        <pc:cxnChg chg="add mod">
+          <ac:chgData name="François GLEYZON" userId="a2d04f23f7faf3ef" providerId="LiveId" clId="{1404D58C-429C-4D75-B5B2-E1C9B8E0DC36}" dt="2025-04-02T20:03:13.368" v="13766" actId="164"/>
+          <ac:cxnSpMkLst>
+            <pc:docMk/>
+            <pc:sldMk cId="1301843568" sldId="271"/>
+            <ac:cxnSpMk id="42" creationId="{BF955E54-6BF8-A8BB-F637-5F4E73A56D69}"/>
+          </ac:cxnSpMkLst>
+        </pc:cxnChg>
+        <pc:cxnChg chg="add mod">
+          <ac:chgData name="François GLEYZON" userId="a2d04f23f7faf3ef" providerId="LiveId" clId="{1404D58C-429C-4D75-B5B2-E1C9B8E0DC36}" dt="2025-04-02T20:03:13.368" v="13766" actId="164"/>
+          <ac:cxnSpMkLst>
+            <pc:docMk/>
+            <pc:sldMk cId="1301843568" sldId="271"/>
+            <ac:cxnSpMk id="43" creationId="{382046EB-0122-CDF1-0346-22A54CC85E64}"/>
+          </ac:cxnSpMkLst>
+        </pc:cxnChg>
+        <pc:cxnChg chg="add mod">
+          <ac:chgData name="François GLEYZON" userId="a2d04f23f7faf3ef" providerId="LiveId" clId="{1404D58C-429C-4D75-B5B2-E1C9B8E0DC36}" dt="2025-04-02T20:03:13.368" v="13766" actId="164"/>
+          <ac:cxnSpMkLst>
+            <pc:docMk/>
+            <pc:sldMk cId="1301843568" sldId="271"/>
+            <ac:cxnSpMk id="44" creationId="{45D4099C-324D-B1C2-3C90-3D4720BFBD69}"/>
+          </ac:cxnSpMkLst>
+        </pc:cxnChg>
+        <pc:cxnChg chg="add mod">
+          <ac:chgData name="François GLEYZON" userId="a2d04f23f7faf3ef" providerId="LiveId" clId="{1404D58C-429C-4D75-B5B2-E1C9B8E0DC36}" dt="2025-04-02T20:03:13.368" v="13766" actId="164"/>
+          <ac:cxnSpMkLst>
+            <pc:docMk/>
+            <pc:sldMk cId="1301843568" sldId="271"/>
+            <ac:cxnSpMk id="45" creationId="{F9B2B4C9-C9FE-977A-C0CA-EC0EA65F6625}"/>
+          </ac:cxnSpMkLst>
+        </pc:cxnChg>
+        <pc:cxnChg chg="add mod">
+          <ac:chgData name="François GLEYZON" userId="a2d04f23f7faf3ef" providerId="LiveId" clId="{1404D58C-429C-4D75-B5B2-E1C9B8E0DC36}" dt="2025-04-02T20:03:13.368" v="13766" actId="164"/>
+          <ac:cxnSpMkLst>
+            <pc:docMk/>
+            <pc:sldMk cId="1301843568" sldId="271"/>
+            <ac:cxnSpMk id="46" creationId="{08093AFB-006C-6339-7A93-ECB7A663C22A}"/>
+          </ac:cxnSpMkLst>
+        </pc:cxnChg>
+        <pc:cxnChg chg="add mod">
+          <ac:chgData name="François GLEYZON" userId="a2d04f23f7faf3ef" providerId="LiveId" clId="{1404D58C-429C-4D75-B5B2-E1C9B8E0DC36}" dt="2025-04-02T20:03:13.368" v="13766" actId="164"/>
+          <ac:cxnSpMkLst>
+            <pc:docMk/>
+            <pc:sldMk cId="1301843568" sldId="271"/>
+            <ac:cxnSpMk id="47" creationId="{93982DD8-09BB-4BD6-061A-ACD51224AF63}"/>
+          </ac:cxnSpMkLst>
+        </pc:cxnChg>
+        <pc:cxnChg chg="add mod">
+          <ac:chgData name="François GLEYZON" userId="a2d04f23f7faf3ef" providerId="LiveId" clId="{1404D58C-429C-4D75-B5B2-E1C9B8E0DC36}" dt="2025-04-02T20:03:37.951" v="13865" actId="1037"/>
+          <ac:cxnSpMkLst>
+            <pc:docMk/>
+            <pc:sldMk cId="1301843568" sldId="271"/>
+            <ac:cxnSpMk id="49" creationId="{7AD041D5-1EBB-4508-AA12-9AF67DDAD96D}"/>
+          </ac:cxnSpMkLst>
+        </pc:cxnChg>
       </pc:sldChg>
       <pc:sldChg chg="addSp delSp modSp add del mod">
-        <pc:chgData name="François GLEYZON" userId="a2d04f23f7faf3ef" providerId="LiveId" clId="{1404D58C-429C-4D75-B5B2-E1C9B8E0DC36}" dt="2025-03-29T20:48:04.585" v="9302" actId="2696"/>
+        <pc:chgData name="François GLEYZON" userId="a2d04f23f7faf3ef" providerId="LiveId" clId="{1404D58C-429C-4D75-B5B2-E1C9B8E0DC36}" dt="2025-04-02T20:03:07.095" v="13764" actId="1076"/>
         <pc:sldMkLst>
           <pc:docMk/>
           <pc:sldMk cId="1767245589" sldId="272"/>
@@ -927,7 +1168,7 @@
           </ac:spMkLst>
         </pc:spChg>
         <pc:picChg chg="add mod">
-          <ac:chgData name="François GLEYZON" userId="a2d04f23f7faf3ef" providerId="LiveId" clId="{1404D58C-429C-4D75-B5B2-E1C9B8E0DC36}" dt="2025-03-16T17:38:33.760" v="3599" actId="1076"/>
+          <ac:chgData name="François GLEYZON" userId="a2d04f23f7faf3ef" providerId="LiveId" clId="{1404D58C-429C-4D75-B5B2-E1C9B8E0DC36}" dt="2025-04-02T20:03:07.095" v="13764" actId="1076"/>
           <ac:picMkLst>
             <pc:docMk/>
             <pc:sldMk cId="1767245589" sldId="272"/>
@@ -1690,6 +1931,133 @@
             <ac:spMk id="9" creationId="{D73209F5-87A3-2C49-5168-5D6BA697A08B}"/>
           </ac:spMkLst>
         </pc:spChg>
+      </pc:sldChg>
+      <pc:sldChg chg="addSp delSp modSp add mod">
+        <pc:chgData name="François GLEYZON" userId="a2d04f23f7faf3ef" providerId="LiveId" clId="{1404D58C-429C-4D75-B5B2-E1C9B8E0DC36}" dt="2025-04-02T21:07:27.506" v="14416" actId="20577"/>
+        <pc:sldMkLst>
+          <pc:docMk/>
+          <pc:sldMk cId="2304060261" sldId="285"/>
+        </pc:sldMkLst>
+        <pc:spChg chg="mod">
+          <ac:chgData name="François GLEYZON" userId="a2d04f23f7faf3ef" providerId="LiveId" clId="{1404D58C-429C-4D75-B5B2-E1C9B8E0DC36}" dt="2025-04-02T21:03:37.901" v="14001" actId="20577"/>
+          <ac:spMkLst>
+            <pc:docMk/>
+            <pc:sldMk cId="2304060261" sldId="285"/>
+            <ac:spMk id="3" creationId="{5060CDE2-EF03-66AD-B44C-6026E33F5ADC}"/>
+          </ac:spMkLst>
+        </pc:spChg>
+        <pc:spChg chg="add">
+          <ac:chgData name="François GLEYZON" userId="a2d04f23f7faf3ef" providerId="LiveId" clId="{1404D58C-429C-4D75-B5B2-E1C9B8E0DC36}" dt="2025-04-02T21:03:42.976" v="14004"/>
+          <ac:spMkLst>
+            <pc:docMk/>
+            <pc:sldMk cId="2304060261" sldId="285"/>
+            <ac:spMk id="4" creationId="{24B1DD51-7780-32D9-4C37-29435C98BC78}"/>
+          </ac:spMkLst>
+        </pc:spChg>
+        <pc:spChg chg="add mod">
+          <ac:chgData name="François GLEYZON" userId="a2d04f23f7faf3ef" providerId="LiveId" clId="{1404D58C-429C-4D75-B5B2-E1C9B8E0DC36}" dt="2025-04-02T21:07:27.506" v="14416" actId="20577"/>
+          <ac:spMkLst>
+            <pc:docMk/>
+            <pc:sldMk cId="2304060261" sldId="285"/>
+            <ac:spMk id="10" creationId="{CC06D459-C9F1-BABC-5C0C-4AE0062DAA5A}"/>
+          </ac:spMkLst>
+        </pc:spChg>
+        <pc:spChg chg="del">
+          <ac:chgData name="François GLEYZON" userId="a2d04f23f7faf3ef" providerId="LiveId" clId="{1404D58C-429C-4D75-B5B2-E1C9B8E0DC36}" dt="2025-04-02T21:03:41.057" v="14002" actId="478"/>
+          <ac:spMkLst>
+            <pc:docMk/>
+            <pc:sldMk cId="2304060261" sldId="285"/>
+            <ac:spMk id="30" creationId="{87CD6C2B-55AD-68FD-884C-6E31155398D9}"/>
+          </ac:spMkLst>
+        </pc:spChg>
+        <pc:spChg chg="del">
+          <ac:chgData name="François GLEYZON" userId="a2d04f23f7faf3ef" providerId="LiveId" clId="{1404D58C-429C-4D75-B5B2-E1C9B8E0DC36}" dt="2025-04-02T21:03:41.057" v="14002" actId="478"/>
+          <ac:spMkLst>
+            <pc:docMk/>
+            <pc:sldMk cId="2304060261" sldId="285"/>
+            <ac:spMk id="31" creationId="{C0CF259C-EBBC-EA83-869B-6173D71DB827}"/>
+          </ac:spMkLst>
+        </pc:spChg>
+        <pc:spChg chg="del">
+          <ac:chgData name="François GLEYZON" userId="a2d04f23f7faf3ef" providerId="LiveId" clId="{1404D58C-429C-4D75-B5B2-E1C9B8E0DC36}" dt="2025-04-02T21:03:41.057" v="14002" actId="478"/>
+          <ac:spMkLst>
+            <pc:docMk/>
+            <pc:sldMk cId="2304060261" sldId="285"/>
+            <ac:spMk id="33" creationId="{AEC03FCD-E530-1263-D443-B35324D6313C}"/>
+          </ac:spMkLst>
+        </pc:spChg>
+        <pc:spChg chg="del">
+          <ac:chgData name="François GLEYZON" userId="a2d04f23f7faf3ef" providerId="LiveId" clId="{1404D58C-429C-4D75-B5B2-E1C9B8E0DC36}" dt="2025-04-02T21:03:41.057" v="14002" actId="478"/>
+          <ac:spMkLst>
+            <pc:docMk/>
+            <pc:sldMk cId="2304060261" sldId="285"/>
+            <ac:spMk id="34" creationId="{A8992990-1FBC-B4B0-6065-12EEE7EE1843}"/>
+          </ac:spMkLst>
+        </pc:spChg>
+        <pc:spChg chg="del">
+          <ac:chgData name="François GLEYZON" userId="a2d04f23f7faf3ef" providerId="LiveId" clId="{1404D58C-429C-4D75-B5B2-E1C9B8E0DC36}" dt="2025-04-02T21:03:41.835" v="14003" actId="478"/>
+          <ac:spMkLst>
+            <pc:docMk/>
+            <pc:sldMk cId="2304060261" sldId="285"/>
+            <ac:spMk id="35" creationId="{FDE70FD0-528C-6F52-B748-AD9AE27BB810}"/>
+          </ac:spMkLst>
+        </pc:spChg>
+        <pc:spChg chg="del">
+          <ac:chgData name="François GLEYZON" userId="a2d04f23f7faf3ef" providerId="LiveId" clId="{1404D58C-429C-4D75-B5B2-E1C9B8E0DC36}" dt="2025-04-02T21:03:41.057" v="14002" actId="478"/>
+          <ac:spMkLst>
+            <pc:docMk/>
+            <pc:sldMk cId="2304060261" sldId="285"/>
+            <ac:spMk id="37" creationId="{7C9A947F-F539-017B-40AC-83CD5A6E5DB7}"/>
+          </ac:spMkLst>
+        </pc:spChg>
+        <pc:grpChg chg="del">
+          <ac:chgData name="François GLEYZON" userId="a2d04f23f7faf3ef" providerId="LiveId" clId="{1404D58C-429C-4D75-B5B2-E1C9B8E0DC36}" dt="2025-04-02T21:03:41.057" v="14002" actId="478"/>
+          <ac:grpSpMkLst>
+            <pc:docMk/>
+            <pc:sldMk cId="2304060261" sldId="285"/>
+            <ac:grpSpMk id="48" creationId="{2636A78B-262C-89DB-67D7-BB8BE118E1D6}"/>
+          </ac:grpSpMkLst>
+        </pc:grpChg>
+        <pc:picChg chg="add mod">
+          <ac:chgData name="François GLEYZON" userId="a2d04f23f7faf3ef" providerId="LiveId" clId="{1404D58C-429C-4D75-B5B2-E1C9B8E0DC36}" dt="2025-04-02T21:03:56.130" v="14009" actId="1076"/>
+          <ac:picMkLst>
+            <pc:docMk/>
+            <pc:sldMk cId="2304060261" sldId="285"/>
+            <ac:picMk id="8" creationId="{D056D13C-594B-3A1A-64F9-C6CD44AB8024}"/>
+          </ac:picMkLst>
+        </pc:picChg>
+        <pc:cxnChg chg="del">
+          <ac:chgData name="François GLEYZON" userId="a2d04f23f7faf3ef" providerId="LiveId" clId="{1404D58C-429C-4D75-B5B2-E1C9B8E0DC36}" dt="2025-04-02T21:03:41.057" v="14002" actId="478"/>
+          <ac:cxnSpMkLst>
+            <pc:docMk/>
+            <pc:sldMk cId="2304060261" sldId="285"/>
+            <ac:cxnSpMk id="7" creationId="{8E2C6F12-EF49-9D92-9068-23E13078AD9D}"/>
+          </ac:cxnSpMkLst>
+        </pc:cxnChg>
+        <pc:cxnChg chg="del">
+          <ac:chgData name="François GLEYZON" userId="a2d04f23f7faf3ef" providerId="LiveId" clId="{1404D58C-429C-4D75-B5B2-E1C9B8E0DC36}" dt="2025-04-02T21:03:41.057" v="14002" actId="478"/>
+          <ac:cxnSpMkLst>
+            <pc:docMk/>
+            <pc:sldMk cId="2304060261" sldId="285"/>
+            <ac:cxnSpMk id="21" creationId="{A5A692EF-4E9B-7582-C08E-C74C15A00376}"/>
+          </ac:cxnSpMkLst>
+        </pc:cxnChg>
+        <pc:cxnChg chg="del">
+          <ac:chgData name="François GLEYZON" userId="a2d04f23f7faf3ef" providerId="LiveId" clId="{1404D58C-429C-4D75-B5B2-E1C9B8E0DC36}" dt="2025-04-02T21:03:41.057" v="14002" actId="478"/>
+          <ac:cxnSpMkLst>
+            <pc:docMk/>
+            <pc:sldMk cId="2304060261" sldId="285"/>
+            <ac:cxnSpMk id="27" creationId="{872C4C45-6BD0-64C7-6C14-863F2213BF48}"/>
+          </ac:cxnSpMkLst>
+        </pc:cxnChg>
+        <pc:cxnChg chg="del">
+          <ac:chgData name="François GLEYZON" userId="a2d04f23f7faf3ef" providerId="LiveId" clId="{1404D58C-429C-4D75-B5B2-E1C9B8E0DC36}" dt="2025-04-02T21:03:41.057" v="14002" actId="478"/>
+          <ac:cxnSpMkLst>
+            <pc:docMk/>
+            <pc:sldMk cId="2304060261" sldId="285"/>
+            <ac:cxnSpMk id="49" creationId="{DA0B6933-F94A-9E6D-CFE1-5BA5AF18CDAC}"/>
+          </ac:cxnSpMkLst>
+        </pc:cxnChg>
       </pc:sldChg>
     </pc:docChg>
   </pc:docChgLst>
@@ -3211,7 +3579,7 @@
           <a:p>
             <a:fld id="{536D1BE0-9163-4941-8556-7FE0B29195A4}" type="datetimeFigureOut">
               <a:rPr lang="en-GB" smtClean="0"/>
-              <a:t>01/04/2025</a:t>
+              <a:t>02/04/2025</a:t>
             </a:fld>
             <a:endParaRPr lang="en-GB"/>
           </a:p>
@@ -3820,7 +4188,7 @@
           <a:p>
             <a:fld id="{CEFDEF93-0E3A-4A89-BC16-F38BAE82060D}" type="datetimeFigureOut">
               <a:rPr lang="en-GB" smtClean="0"/>
-              <a:t>01/04/2025</a:t>
+              <a:t>02/04/2025</a:t>
             </a:fld>
             <a:endParaRPr lang="en-GB"/>
           </a:p>
@@ -4020,7 +4388,7 @@
           <a:p>
             <a:fld id="{CEFDEF93-0E3A-4A89-BC16-F38BAE82060D}" type="datetimeFigureOut">
               <a:rPr lang="en-GB" smtClean="0"/>
-              <a:t>01/04/2025</a:t>
+              <a:t>02/04/2025</a:t>
             </a:fld>
             <a:endParaRPr lang="en-GB"/>
           </a:p>
@@ -4230,7 +4598,7 @@
           <a:p>
             <a:fld id="{CEFDEF93-0E3A-4A89-BC16-F38BAE82060D}" type="datetimeFigureOut">
               <a:rPr lang="en-GB" smtClean="0"/>
-              <a:t>01/04/2025</a:t>
+              <a:t>02/04/2025</a:t>
             </a:fld>
             <a:endParaRPr lang="en-GB"/>
           </a:p>
@@ -4430,7 +4798,7 @@
           <a:p>
             <a:fld id="{CEFDEF93-0E3A-4A89-BC16-F38BAE82060D}" type="datetimeFigureOut">
               <a:rPr lang="en-GB" smtClean="0"/>
-              <a:t>01/04/2025</a:t>
+              <a:t>02/04/2025</a:t>
             </a:fld>
             <a:endParaRPr lang="en-GB"/>
           </a:p>
@@ -4706,7 +5074,7 @@
           <a:p>
             <a:fld id="{CEFDEF93-0E3A-4A89-BC16-F38BAE82060D}" type="datetimeFigureOut">
               <a:rPr lang="en-GB" smtClean="0"/>
-              <a:t>01/04/2025</a:t>
+              <a:t>02/04/2025</a:t>
             </a:fld>
             <a:endParaRPr lang="en-GB"/>
           </a:p>
@@ -4974,7 +5342,7 @@
           <a:p>
             <a:fld id="{CEFDEF93-0E3A-4A89-BC16-F38BAE82060D}" type="datetimeFigureOut">
               <a:rPr lang="en-GB" smtClean="0"/>
-              <a:t>01/04/2025</a:t>
+              <a:t>02/04/2025</a:t>
             </a:fld>
             <a:endParaRPr lang="en-GB"/>
           </a:p>
@@ -5389,7 +5757,7 @@
           <a:p>
             <a:fld id="{CEFDEF93-0E3A-4A89-BC16-F38BAE82060D}" type="datetimeFigureOut">
               <a:rPr lang="en-GB" smtClean="0"/>
-              <a:t>01/04/2025</a:t>
+              <a:t>02/04/2025</a:t>
             </a:fld>
             <a:endParaRPr lang="en-GB"/>
           </a:p>
@@ -5531,7 +5899,7 @@
           <a:p>
             <a:fld id="{CEFDEF93-0E3A-4A89-BC16-F38BAE82060D}" type="datetimeFigureOut">
               <a:rPr lang="en-GB" smtClean="0"/>
-              <a:t>01/04/2025</a:t>
+              <a:t>02/04/2025</a:t>
             </a:fld>
             <a:endParaRPr lang="en-GB"/>
           </a:p>
@@ -5644,7 +6012,7 @@
           <a:p>
             <a:fld id="{CEFDEF93-0E3A-4A89-BC16-F38BAE82060D}" type="datetimeFigureOut">
               <a:rPr lang="en-GB" smtClean="0"/>
-              <a:t>01/04/2025</a:t>
+              <a:t>02/04/2025</a:t>
             </a:fld>
             <a:endParaRPr lang="en-GB"/>
           </a:p>
@@ -5957,7 +6325,7 @@
           <a:p>
             <a:fld id="{CEFDEF93-0E3A-4A89-BC16-F38BAE82060D}" type="datetimeFigureOut">
               <a:rPr lang="en-GB" smtClean="0"/>
-              <a:t>01/04/2025</a:t>
+              <a:t>02/04/2025</a:t>
             </a:fld>
             <a:endParaRPr lang="en-GB"/>
           </a:p>
@@ -6246,7 +6614,7 @@
           <a:p>
             <a:fld id="{CEFDEF93-0E3A-4A89-BC16-F38BAE82060D}" type="datetimeFigureOut">
               <a:rPr lang="en-GB" smtClean="0"/>
-              <a:t>01/04/2025</a:t>
+              <a:t>02/04/2025</a:t>
             </a:fld>
             <a:endParaRPr lang="en-GB"/>
           </a:p>
@@ -6489,7 +6857,7 @@
           <a:p>
             <a:fld id="{CEFDEF93-0E3A-4A89-BC16-F38BAE82060D}" type="datetimeFigureOut">
               <a:rPr lang="en-GB" smtClean="0"/>
-              <a:t>01/04/2025</a:t>
+              <a:t>02/04/2025</a:t>
             </a:fld>
             <a:endParaRPr lang="en-GB"/>
           </a:p>
@@ -7536,6 +7904,1312 @@
         <p:cNvPr id="1" name="">
           <a:extLst>
             <a:ext uri="{FF2B5EF4-FFF2-40B4-BE49-F238E27FC236}">
+              <a16:creationId xmlns:a16="http://schemas.microsoft.com/office/drawing/2014/main" id="{63C9D886-BCFF-3A0C-DBEA-47B8CB929E34}"/>
+            </a:ext>
+          </a:extLst>
+        </p:cNvPr>
+        <p:cNvGrpSpPr/>
+        <p:nvPr/>
+      </p:nvGrpSpPr>
+      <p:grpSpPr>
+        <a:xfrm>
+          <a:off x="0" y="0"/>
+          <a:ext cx="0" cy="0"/>
+          <a:chOff x="0" y="0"/>
+          <a:chExt cx="0" cy="0"/>
+        </a:xfrm>
+      </p:grpSpPr>
+      <p:sp>
+        <p:nvSpPr>
+          <p:cNvPr id="36" name="Rectangle 35">
+            <a:extLst>
+              <a:ext uri="{FF2B5EF4-FFF2-40B4-BE49-F238E27FC236}">
+                <a16:creationId xmlns:a16="http://schemas.microsoft.com/office/drawing/2014/main" id="{131CF72C-4B7E-C04E-975B-62FB8C0507B6}"/>
+              </a:ext>
+            </a:extLst>
+          </p:cNvPr>
+          <p:cNvSpPr/>
+          <p:nvPr/>
+        </p:nvSpPr>
+        <p:spPr>
+          <a:xfrm>
+            <a:off x="1" y="-990"/>
+            <a:ext cx="6096000" cy="501017"/>
+          </a:xfrm>
+          <a:prstGeom prst="rect">
+            <a:avLst/>
+          </a:prstGeom>
+          <a:solidFill>
+            <a:srgbClr val="980000"/>
+          </a:solidFill>
+          <a:ln>
+            <a:noFill/>
+          </a:ln>
+        </p:spPr>
+        <p:style>
+          <a:lnRef idx="2">
+            <a:schemeClr val="accent1">
+              <a:shade val="15000"/>
+            </a:schemeClr>
+          </a:lnRef>
+          <a:fillRef idx="1">
+            <a:schemeClr val="accent1"/>
+          </a:fillRef>
+          <a:effectRef idx="0">
+            <a:schemeClr val="accent1"/>
+          </a:effectRef>
+          <a:fontRef idx="minor">
+            <a:schemeClr val="lt1"/>
+          </a:fontRef>
+        </p:style>
+        <p:txBody>
+          <a:bodyPr rtlCol="0" anchor="ctr"/>
+          <a:lstStyle/>
+          <a:p>
+            <a:pPr algn="ctr"/>
+            <a:endParaRPr lang="fr-FR" noProof="0" dirty="0"/>
+          </a:p>
+        </p:txBody>
+      </p:sp>
+      <p:sp>
+        <p:nvSpPr>
+          <p:cNvPr id="9" name="TextBox 8">
+            <a:extLst>
+              <a:ext uri="{FF2B5EF4-FFF2-40B4-BE49-F238E27FC236}">
+                <a16:creationId xmlns:a16="http://schemas.microsoft.com/office/drawing/2014/main" id="{8B24C6CB-AB8E-52D2-DF44-8CF1DC800AA8}"/>
+              </a:ext>
+            </a:extLst>
+          </p:cNvPr>
+          <p:cNvSpPr txBox="1"/>
+          <p:nvPr/>
+        </p:nvSpPr>
+        <p:spPr>
+          <a:xfrm>
+            <a:off x="0" y="-990"/>
+            <a:ext cx="5568381" cy="461665"/>
+          </a:xfrm>
+          <a:prstGeom prst="rect">
+            <a:avLst/>
+          </a:prstGeom>
+          <a:noFill/>
+        </p:spPr>
+        <p:txBody>
+          <a:bodyPr wrap="square" rtlCol="0">
+            <a:spAutoFit/>
+          </a:bodyPr>
+          <a:lstStyle/>
+          <a:p>
+            <a:pPr algn="just"/>
+            <a:r>
+              <a:rPr lang="fr-FR" sz="2400" b="1" noProof="0" dirty="0">
+                <a:solidFill>
+                  <a:schemeClr val="bg1"/>
+                </a:solidFill>
+                <a:latin typeface="Times New Roman" panose="02020603050405020304" pitchFamily="18" charset="0"/>
+                <a:cs typeface="Times New Roman" panose="02020603050405020304" pitchFamily="18" charset="0"/>
+              </a:rPr>
+              <a:t>VERIFICATION DE SOLUTION</a:t>
+            </a:r>
+          </a:p>
+        </p:txBody>
+      </p:sp>
+      <p:sp>
+        <p:nvSpPr>
+          <p:cNvPr id="39" name="Rectangle 38">
+            <a:extLst>
+              <a:ext uri="{FF2B5EF4-FFF2-40B4-BE49-F238E27FC236}">
+                <a16:creationId xmlns:a16="http://schemas.microsoft.com/office/drawing/2014/main" id="{0185E4D6-B5F8-4F4C-096B-0A3E7AAB09DB}"/>
+              </a:ext>
+            </a:extLst>
+          </p:cNvPr>
+          <p:cNvSpPr/>
+          <p:nvPr/>
+        </p:nvSpPr>
+        <p:spPr>
+          <a:xfrm>
+            <a:off x="6096000" y="0"/>
+            <a:ext cx="6096000" cy="501017"/>
+          </a:xfrm>
+          <a:prstGeom prst="rect">
+            <a:avLst/>
+          </a:prstGeom>
+          <a:solidFill>
+            <a:srgbClr val="D9D9D9"/>
+          </a:solidFill>
+          <a:ln>
+            <a:noFill/>
+          </a:ln>
+        </p:spPr>
+        <p:style>
+          <a:lnRef idx="2">
+            <a:schemeClr val="accent1">
+              <a:shade val="15000"/>
+            </a:schemeClr>
+          </a:lnRef>
+          <a:fillRef idx="1">
+            <a:schemeClr val="accent1"/>
+          </a:fillRef>
+          <a:effectRef idx="0">
+            <a:schemeClr val="accent1"/>
+          </a:effectRef>
+          <a:fontRef idx="minor">
+            <a:schemeClr val="lt1"/>
+          </a:fontRef>
+        </p:style>
+        <p:txBody>
+          <a:bodyPr rtlCol="0" anchor="ctr"/>
+          <a:lstStyle/>
+          <a:p>
+            <a:pPr algn="ctr"/>
+            <a:endParaRPr lang="fr-FR" noProof="0" dirty="0"/>
+          </a:p>
+        </p:txBody>
+      </p:sp>
+      <p:sp>
+        <p:nvSpPr>
+          <p:cNvPr id="2" name="TextBox 1">
+            <a:extLst>
+              <a:ext uri="{FF2B5EF4-FFF2-40B4-BE49-F238E27FC236}">
+                <a16:creationId xmlns:a16="http://schemas.microsoft.com/office/drawing/2014/main" id="{BA8C91C5-8A62-D4EF-6FB4-DB3F5EC72519}"/>
+              </a:ext>
+            </a:extLst>
+          </p:cNvPr>
+          <p:cNvSpPr txBox="1"/>
+          <p:nvPr/>
+        </p:nvSpPr>
+        <p:spPr>
+          <a:xfrm>
+            <a:off x="11091333" y="6550222"/>
+            <a:ext cx="1100667" cy="307777"/>
+          </a:xfrm>
+          <a:prstGeom prst="rect">
+            <a:avLst/>
+          </a:prstGeom>
+          <a:noFill/>
+        </p:spPr>
+        <p:txBody>
+          <a:bodyPr wrap="square" rtlCol="0">
+            <a:spAutoFit/>
+          </a:bodyPr>
+          <a:lstStyle/>
+          <a:p>
+            <a:pPr algn="r"/>
+            <a:r>
+              <a:rPr lang="fr-FR" sz="1400" noProof="0" dirty="0">
+                <a:latin typeface="Times New Roman" panose="02020603050405020304" pitchFamily="18" charset="0"/>
+                <a:cs typeface="Times New Roman" panose="02020603050405020304" pitchFamily="18" charset="0"/>
+              </a:rPr>
+              <a:t>X/Y</a:t>
+            </a:r>
+          </a:p>
+        </p:txBody>
+      </p:sp>
+      <mc:AlternateContent xmlns:mc="http://schemas.openxmlformats.org/markup-compatibility/2006" xmlns:a14="http://schemas.microsoft.com/office/drawing/2010/main">
+        <mc:Choice Requires="a14">
+          <p:sp>
+            <p:nvSpPr>
+              <p:cNvPr id="5" name="TextBox 4">
+                <a:extLst>
+                  <a:ext uri="{FF2B5EF4-FFF2-40B4-BE49-F238E27FC236}">
+                    <a16:creationId xmlns:a16="http://schemas.microsoft.com/office/drawing/2014/main" id="{4DAC8AF4-A004-7163-A739-49ECA39B9FEC}"/>
+                  </a:ext>
+                </a:extLst>
+              </p:cNvPr>
+              <p:cNvSpPr txBox="1"/>
+              <p:nvPr/>
+            </p:nvSpPr>
+            <p:spPr>
+              <a:xfrm>
+                <a:off x="0" y="627468"/>
+                <a:ext cx="12192000" cy="1180708"/>
+              </a:xfrm>
+              <a:prstGeom prst="rect">
+                <a:avLst/>
+              </a:prstGeom>
+              <a:noFill/>
+            </p:spPr>
+            <p:txBody>
+              <a:bodyPr wrap="square" rtlCol="0">
+                <a:spAutoFit/>
+              </a:bodyPr>
+              <a:lstStyle/>
+              <a:p>
+                <a:pPr algn="just"/>
+                <a:r>
+                  <a:rPr lang="fr-FR" dirty="0">
+                    <a:latin typeface="Times New Roman" panose="02020603050405020304" pitchFamily="18" charset="0"/>
+                    <a:cs typeface="Times New Roman" panose="02020603050405020304" pitchFamily="18" charset="0"/>
+                  </a:rPr>
+                  <a:t>On a : </a:t>
+                </a:r>
+              </a:p>
+              <a:p>
+                <a:pPr algn="just"/>
+                <a14:m>
+                  <m:oMathPara xmlns:m="http://schemas.openxmlformats.org/officeDocument/2006/math">
+                    <m:oMathParaPr>
+                      <m:jc m:val="centerGroup"/>
+                    </m:oMathParaPr>
+                    <m:oMath xmlns:m="http://schemas.openxmlformats.org/officeDocument/2006/math">
+                      <m:sSup>
+                        <m:sSupPr>
+                          <m:ctrlPr>
+                            <a:rPr lang="fr-FR" b="0" i="1" noProof="0" smtClean="0">
+                              <a:latin typeface="Cambria Math" panose="02040503050406030204" pitchFamily="18" charset="0"/>
+                              <a:cs typeface="Times New Roman" panose="02020603050405020304" pitchFamily="18" charset="0"/>
+                            </a:rPr>
+                          </m:ctrlPr>
+                        </m:sSupPr>
+                        <m:e>
+                          <m:acc>
+                            <m:accPr>
+                              <m:chr m:val="̂"/>
+                              <m:ctrlPr>
+                                <a:rPr lang="fr-FR" i="1" noProof="0" smtClean="0">
+                                  <a:latin typeface="Cambria Math" panose="02040503050406030204" pitchFamily="18" charset="0"/>
+                                  <a:cs typeface="Times New Roman" panose="02020603050405020304" pitchFamily="18" charset="0"/>
+                                </a:rPr>
+                              </m:ctrlPr>
+                            </m:accPr>
+                            <m:e>
+                              <m:r>
+                                <a:rPr lang="fr-FR" b="0" i="1" noProof="0" smtClean="0">
+                                  <a:latin typeface="Cambria Math" panose="02040503050406030204" pitchFamily="18" charset="0"/>
+                                  <a:cs typeface="Times New Roman" panose="02020603050405020304" pitchFamily="18" charset="0"/>
+                                </a:rPr>
+                                <m:t>𝑝</m:t>
+                              </m:r>
+                            </m:e>
+                          </m:acc>
+                        </m:e>
+                        <m:sup>
+                          <m:r>
+                            <a:rPr lang="fr-FR" b="0" i="1" noProof="0" smtClean="0">
+                              <a:latin typeface="Cambria Math" panose="02040503050406030204" pitchFamily="18" charset="0"/>
+                              <a:cs typeface="Times New Roman" panose="02020603050405020304" pitchFamily="18" charset="0"/>
+                            </a:rPr>
+                            <m:t>𝑘</m:t>
+                          </m:r>
+                          <m:r>
+                            <a:rPr lang="fr-FR" b="0" i="1" noProof="0" smtClean="0">
+                              <a:latin typeface="Cambria Math" panose="02040503050406030204" pitchFamily="18" charset="0"/>
+                              <a:cs typeface="Times New Roman" panose="02020603050405020304" pitchFamily="18" charset="0"/>
+                            </a:rPr>
+                            <m:t>+1</m:t>
+                          </m:r>
+                        </m:sup>
+                      </m:sSup>
+                      <m:r>
+                        <a:rPr lang="fr-FR" b="0" i="1" noProof="0" smtClean="0">
+                          <a:latin typeface="Cambria Math" panose="02040503050406030204" pitchFamily="18" charset="0"/>
+                          <a:cs typeface="Times New Roman" panose="02020603050405020304" pitchFamily="18" charset="0"/>
+                        </a:rPr>
+                        <m:t>=</m:t>
+                      </m:r>
+                      <m:f>
+                        <m:fPr>
+                          <m:ctrlPr>
+                            <a:rPr lang="fr-FR" b="0" i="1" noProof="0" smtClean="0">
+                              <a:latin typeface="Cambria Math" panose="02040503050406030204" pitchFamily="18" charset="0"/>
+                              <a:cs typeface="Times New Roman" panose="02020603050405020304" pitchFamily="18" charset="0"/>
+                            </a:rPr>
+                          </m:ctrlPr>
+                        </m:fPr>
+                        <m:num>
+                          <m:r>
+                            <m:rPr>
+                              <m:sty m:val="p"/>
+                            </m:rPr>
+                            <a:rPr lang="fr-FR" b="0" i="0" noProof="0" smtClean="0">
+                              <a:latin typeface="Cambria Math" panose="02040503050406030204" pitchFamily="18" charset="0"/>
+                              <a:cs typeface="Times New Roman" panose="02020603050405020304" pitchFamily="18" charset="0"/>
+                            </a:rPr>
+                            <m:t>ln</m:t>
+                          </m:r>
+                          <m:r>
+                            <a:rPr lang="fr-FR" b="0" i="1" noProof="0" smtClean="0">
+                              <a:latin typeface="Cambria Math" panose="02040503050406030204" pitchFamily="18" charset="0"/>
+                              <a:cs typeface="Times New Roman" panose="02020603050405020304" pitchFamily="18" charset="0"/>
+                            </a:rPr>
+                            <m:t>⁡</m:t>
+                          </m:r>
+                          <m:d>
+                            <m:dPr>
+                              <m:begChr m:val="["/>
+                              <m:endChr m:val="]"/>
+                              <m:ctrlPr>
+                                <a:rPr lang="fr-FR" b="0" i="1" noProof="0" smtClean="0">
+                                  <a:latin typeface="Cambria Math" panose="02040503050406030204" pitchFamily="18" charset="0"/>
+                                  <a:cs typeface="Times New Roman" panose="02020603050405020304" pitchFamily="18" charset="0"/>
+                                </a:rPr>
+                              </m:ctrlPr>
+                            </m:dPr>
+                            <m:e>
+                              <m:d>
+                                <m:dPr>
+                                  <m:ctrlPr>
+                                    <a:rPr lang="fr-FR" b="0" i="1" noProof="0" smtClean="0">
+                                      <a:latin typeface="Cambria Math" panose="02040503050406030204" pitchFamily="18" charset="0"/>
+                                      <a:cs typeface="Times New Roman" panose="02020603050405020304" pitchFamily="18" charset="0"/>
+                                    </a:rPr>
+                                  </m:ctrlPr>
+                                </m:dPr>
+                                <m:e>
+                                  <m:sSubSup>
+                                    <m:sSubSupPr>
+                                      <m:ctrlPr>
+                                        <a:rPr lang="fr-FR" b="0" i="1" noProof="0" smtClean="0">
+                                          <a:latin typeface="Cambria Math" panose="02040503050406030204" pitchFamily="18" charset="0"/>
+                                          <a:cs typeface="Times New Roman" panose="02020603050405020304" pitchFamily="18" charset="0"/>
+                                        </a:rPr>
+                                      </m:ctrlPr>
+                                    </m:sSubSupPr>
+                                    <m:e>
+                                      <m:r>
+                                        <a:rPr lang="fr-FR" b="0" i="1" noProof="0" smtClean="0">
+                                          <a:latin typeface="Cambria Math" panose="02040503050406030204" pitchFamily="18" charset="0"/>
+                                          <a:cs typeface="Times New Roman" panose="02020603050405020304" pitchFamily="18" charset="0"/>
+                                        </a:rPr>
+                                        <m:t>𝑟</m:t>
+                                      </m:r>
+                                    </m:e>
+                                    <m:sub>
+                                      <m:r>
+                                        <a:rPr lang="fr-FR" b="0" i="1" noProof="0" smtClean="0">
+                                          <a:latin typeface="Cambria Math" panose="02040503050406030204" pitchFamily="18" charset="0"/>
+                                          <a:cs typeface="Times New Roman" panose="02020603050405020304" pitchFamily="18" charset="0"/>
+                                        </a:rPr>
+                                        <m:t>12</m:t>
+                                      </m:r>
+                                    </m:sub>
+                                    <m:sup>
+                                      <m:sSup>
+                                        <m:sSupPr>
+                                          <m:ctrlPr>
+                                            <a:rPr lang="fr-FR" b="0" i="1" smtClean="0">
+                                              <a:latin typeface="Cambria Math" panose="02040503050406030204" pitchFamily="18" charset="0"/>
+                                              <a:cs typeface="Times New Roman" panose="02020603050405020304" pitchFamily="18" charset="0"/>
+                                            </a:rPr>
+                                          </m:ctrlPr>
+                                        </m:sSupPr>
+                                        <m:e>
+                                          <m:acc>
+                                            <m:accPr>
+                                              <m:chr m:val="̂"/>
+                                              <m:ctrlPr>
+                                                <a:rPr lang="fr-FR" i="1">
+                                                  <a:latin typeface="Cambria Math" panose="02040503050406030204" pitchFamily="18" charset="0"/>
+                                                  <a:cs typeface="Times New Roman" panose="02020603050405020304" pitchFamily="18" charset="0"/>
+                                                </a:rPr>
+                                              </m:ctrlPr>
+                                            </m:accPr>
+                                            <m:e>
+                                              <m:r>
+                                                <a:rPr lang="fr-FR" i="1">
+                                                  <a:latin typeface="Cambria Math" panose="02040503050406030204" pitchFamily="18" charset="0"/>
+                                                  <a:cs typeface="Times New Roman" panose="02020603050405020304" pitchFamily="18" charset="0"/>
+                                                </a:rPr>
+                                                <m:t>𝑝</m:t>
+                                              </m:r>
+                                            </m:e>
+                                          </m:acc>
+                                        </m:e>
+                                        <m:sup>
+                                          <m:r>
+                                            <a:rPr lang="fr-FR" b="0" i="1" smtClean="0">
+                                              <a:latin typeface="Cambria Math" panose="02040503050406030204" pitchFamily="18" charset="0"/>
+                                              <a:cs typeface="Times New Roman" panose="02020603050405020304" pitchFamily="18" charset="0"/>
+                                            </a:rPr>
+                                            <m:t>𝑘</m:t>
+                                          </m:r>
+                                        </m:sup>
+                                      </m:sSup>
+                                    </m:sup>
+                                  </m:sSubSup>
+                                  <m:r>
+                                    <a:rPr lang="fr-FR" b="0" i="1" noProof="0" smtClean="0">
+                                      <a:latin typeface="Cambria Math" panose="02040503050406030204" pitchFamily="18" charset="0"/>
+                                      <a:cs typeface="Times New Roman" panose="02020603050405020304" pitchFamily="18" charset="0"/>
+                                    </a:rPr>
+                                    <m:t>−1</m:t>
+                                  </m:r>
+                                </m:e>
+                              </m:d>
+                              <m:f>
+                                <m:fPr>
+                                  <m:ctrlPr>
+                                    <a:rPr lang="fr-FR" b="0" i="1" noProof="0" smtClean="0">
+                                      <a:latin typeface="Cambria Math" panose="02040503050406030204" pitchFamily="18" charset="0"/>
+                                      <a:cs typeface="Times New Roman" panose="02020603050405020304" pitchFamily="18" charset="0"/>
+                                    </a:rPr>
+                                  </m:ctrlPr>
+                                </m:fPr>
+                                <m:num>
+                                  <m:sSub>
+                                    <m:sSubPr>
+                                      <m:ctrlPr>
+                                        <a:rPr lang="fr-FR" b="0" i="1" noProof="0" smtClean="0">
+                                          <a:latin typeface="Cambria Math" panose="02040503050406030204" pitchFamily="18" charset="0"/>
+                                          <a:cs typeface="Times New Roman" panose="02020603050405020304" pitchFamily="18" charset="0"/>
+                                        </a:rPr>
+                                      </m:ctrlPr>
+                                    </m:sSubPr>
+                                    <m:e>
+                                      <m:r>
+                                        <a:rPr lang="fr-FR" b="0" i="1" noProof="0" smtClean="0">
+                                          <a:latin typeface="Cambria Math" panose="02040503050406030204" pitchFamily="18" charset="0"/>
+                                          <a:cs typeface="Times New Roman" panose="02020603050405020304" pitchFamily="18" charset="0"/>
+                                        </a:rPr>
+                                        <m:t>𝑓</m:t>
+                                      </m:r>
+                                    </m:e>
+                                    <m:sub>
+                                      <m:r>
+                                        <a:rPr lang="fr-FR" b="0" i="1" noProof="0" smtClean="0">
+                                          <a:latin typeface="Cambria Math" panose="02040503050406030204" pitchFamily="18" charset="0"/>
+                                          <a:cs typeface="Times New Roman" panose="02020603050405020304" pitchFamily="18" charset="0"/>
+                                        </a:rPr>
+                                        <m:t>3</m:t>
+                                      </m:r>
+                                    </m:sub>
+                                  </m:sSub>
+                                  <m:r>
+                                    <a:rPr lang="fr-FR" b="0" i="1" noProof="0" smtClean="0">
+                                      <a:latin typeface="Cambria Math" panose="02040503050406030204" pitchFamily="18" charset="0"/>
+                                      <a:cs typeface="Times New Roman" panose="02020603050405020304" pitchFamily="18" charset="0"/>
+                                    </a:rPr>
+                                    <m:t>−</m:t>
+                                  </m:r>
+                                  <m:sSub>
+                                    <m:sSubPr>
+                                      <m:ctrlPr>
+                                        <a:rPr lang="fr-FR" b="0" i="1" noProof="0" smtClean="0">
+                                          <a:latin typeface="Cambria Math" panose="02040503050406030204" pitchFamily="18" charset="0"/>
+                                          <a:cs typeface="Times New Roman" panose="02020603050405020304" pitchFamily="18" charset="0"/>
+                                        </a:rPr>
+                                      </m:ctrlPr>
+                                    </m:sSubPr>
+                                    <m:e>
+                                      <m:r>
+                                        <a:rPr lang="fr-FR" b="0" i="1" noProof="0" smtClean="0">
+                                          <a:latin typeface="Cambria Math" panose="02040503050406030204" pitchFamily="18" charset="0"/>
+                                          <a:cs typeface="Times New Roman" panose="02020603050405020304" pitchFamily="18" charset="0"/>
+                                        </a:rPr>
+                                        <m:t>𝑓</m:t>
+                                      </m:r>
+                                    </m:e>
+                                    <m:sub>
+                                      <m:r>
+                                        <a:rPr lang="fr-FR" b="0" i="1" noProof="0" smtClean="0">
+                                          <a:latin typeface="Cambria Math" panose="02040503050406030204" pitchFamily="18" charset="0"/>
+                                          <a:cs typeface="Times New Roman" panose="02020603050405020304" pitchFamily="18" charset="0"/>
+                                        </a:rPr>
+                                        <m:t>2</m:t>
+                                      </m:r>
+                                    </m:sub>
+                                  </m:sSub>
+                                </m:num>
+                                <m:den>
+                                  <m:sSub>
+                                    <m:sSubPr>
+                                      <m:ctrlPr>
+                                        <a:rPr lang="fr-FR" b="0" i="1" noProof="0" smtClean="0">
+                                          <a:latin typeface="Cambria Math" panose="02040503050406030204" pitchFamily="18" charset="0"/>
+                                          <a:cs typeface="Times New Roman" panose="02020603050405020304" pitchFamily="18" charset="0"/>
+                                        </a:rPr>
+                                      </m:ctrlPr>
+                                    </m:sSubPr>
+                                    <m:e>
+                                      <m:r>
+                                        <a:rPr lang="fr-FR" b="0" i="1" noProof="0" smtClean="0">
+                                          <a:latin typeface="Cambria Math" panose="02040503050406030204" pitchFamily="18" charset="0"/>
+                                          <a:cs typeface="Times New Roman" panose="02020603050405020304" pitchFamily="18" charset="0"/>
+                                        </a:rPr>
+                                        <m:t>𝑓</m:t>
+                                      </m:r>
+                                    </m:e>
+                                    <m:sub>
+                                      <m:r>
+                                        <a:rPr lang="fr-FR" b="0" i="1" noProof="0" smtClean="0">
+                                          <a:latin typeface="Cambria Math" panose="02040503050406030204" pitchFamily="18" charset="0"/>
+                                          <a:cs typeface="Times New Roman" panose="02020603050405020304" pitchFamily="18" charset="0"/>
+                                        </a:rPr>
+                                        <m:t>2</m:t>
+                                      </m:r>
+                                    </m:sub>
+                                  </m:sSub>
+                                  <m:r>
+                                    <a:rPr lang="fr-FR" b="0" i="1" noProof="0" smtClean="0">
+                                      <a:latin typeface="Cambria Math" panose="02040503050406030204" pitchFamily="18" charset="0"/>
+                                      <a:cs typeface="Times New Roman" panose="02020603050405020304" pitchFamily="18" charset="0"/>
+                                    </a:rPr>
+                                    <m:t>−</m:t>
+                                  </m:r>
+                                  <m:sSub>
+                                    <m:sSubPr>
+                                      <m:ctrlPr>
+                                        <a:rPr lang="fr-FR" b="0" i="1" noProof="0" smtClean="0">
+                                          <a:latin typeface="Cambria Math" panose="02040503050406030204" pitchFamily="18" charset="0"/>
+                                          <a:cs typeface="Times New Roman" panose="02020603050405020304" pitchFamily="18" charset="0"/>
+                                        </a:rPr>
+                                      </m:ctrlPr>
+                                    </m:sSubPr>
+                                    <m:e>
+                                      <m:r>
+                                        <a:rPr lang="fr-FR" b="0" i="1" noProof="0" smtClean="0">
+                                          <a:latin typeface="Cambria Math" panose="02040503050406030204" pitchFamily="18" charset="0"/>
+                                          <a:cs typeface="Times New Roman" panose="02020603050405020304" pitchFamily="18" charset="0"/>
+                                        </a:rPr>
+                                        <m:t>𝑓</m:t>
+                                      </m:r>
+                                    </m:e>
+                                    <m:sub>
+                                      <m:r>
+                                        <a:rPr lang="fr-FR" b="0" i="1" noProof="0" smtClean="0">
+                                          <a:latin typeface="Cambria Math" panose="02040503050406030204" pitchFamily="18" charset="0"/>
+                                          <a:cs typeface="Times New Roman" panose="02020603050405020304" pitchFamily="18" charset="0"/>
+                                        </a:rPr>
+                                        <m:t>1</m:t>
+                                      </m:r>
+                                    </m:sub>
+                                  </m:sSub>
+                                </m:den>
+                              </m:f>
+                              <m:r>
+                                <a:rPr lang="fr-FR" b="0" i="1" noProof="0" smtClean="0">
+                                  <a:latin typeface="Cambria Math" panose="02040503050406030204" pitchFamily="18" charset="0"/>
+                                  <a:cs typeface="Times New Roman" panose="02020603050405020304" pitchFamily="18" charset="0"/>
+                                </a:rPr>
+                                <m:t>+</m:t>
+                              </m:r>
+                              <m:sSubSup>
+                                <m:sSubSupPr>
+                                  <m:ctrlPr>
+                                    <a:rPr lang="fr-FR" i="1">
+                                      <a:latin typeface="Cambria Math" panose="02040503050406030204" pitchFamily="18" charset="0"/>
+                                      <a:cs typeface="Times New Roman" panose="02020603050405020304" pitchFamily="18" charset="0"/>
+                                    </a:rPr>
+                                  </m:ctrlPr>
+                                </m:sSubSupPr>
+                                <m:e>
+                                  <m:r>
+                                    <a:rPr lang="fr-FR" i="1">
+                                      <a:latin typeface="Cambria Math" panose="02040503050406030204" pitchFamily="18" charset="0"/>
+                                      <a:cs typeface="Times New Roman" panose="02020603050405020304" pitchFamily="18" charset="0"/>
+                                    </a:rPr>
+                                    <m:t>𝑟</m:t>
+                                  </m:r>
+                                </m:e>
+                                <m:sub>
+                                  <m:r>
+                                    <a:rPr lang="fr-FR" i="1">
+                                      <a:latin typeface="Cambria Math" panose="02040503050406030204" pitchFamily="18" charset="0"/>
+                                      <a:cs typeface="Times New Roman" panose="02020603050405020304" pitchFamily="18" charset="0"/>
+                                    </a:rPr>
+                                    <m:t>12</m:t>
+                                  </m:r>
+                                </m:sub>
+                                <m:sup>
+                                  <m:sSup>
+                                    <m:sSupPr>
+                                      <m:ctrlPr>
+                                        <a:rPr lang="fr-FR" i="1">
+                                          <a:latin typeface="Cambria Math" panose="02040503050406030204" pitchFamily="18" charset="0"/>
+                                          <a:cs typeface="Times New Roman" panose="02020603050405020304" pitchFamily="18" charset="0"/>
+                                        </a:rPr>
+                                      </m:ctrlPr>
+                                    </m:sSupPr>
+                                    <m:e>
+                                      <m:acc>
+                                        <m:accPr>
+                                          <m:chr m:val="̂"/>
+                                          <m:ctrlPr>
+                                            <a:rPr lang="fr-FR" i="1">
+                                              <a:latin typeface="Cambria Math" panose="02040503050406030204" pitchFamily="18" charset="0"/>
+                                              <a:cs typeface="Times New Roman" panose="02020603050405020304" pitchFamily="18" charset="0"/>
+                                            </a:rPr>
+                                          </m:ctrlPr>
+                                        </m:accPr>
+                                        <m:e>
+                                          <m:r>
+                                            <a:rPr lang="fr-FR" i="1">
+                                              <a:latin typeface="Cambria Math" panose="02040503050406030204" pitchFamily="18" charset="0"/>
+                                              <a:cs typeface="Times New Roman" panose="02020603050405020304" pitchFamily="18" charset="0"/>
+                                            </a:rPr>
+                                            <m:t>𝑝</m:t>
+                                          </m:r>
+                                        </m:e>
+                                      </m:acc>
+                                    </m:e>
+                                    <m:sup>
+                                      <m:r>
+                                        <a:rPr lang="fr-FR" i="1">
+                                          <a:latin typeface="Cambria Math" panose="02040503050406030204" pitchFamily="18" charset="0"/>
+                                          <a:cs typeface="Times New Roman" panose="02020603050405020304" pitchFamily="18" charset="0"/>
+                                        </a:rPr>
+                                        <m:t>𝑘</m:t>
+                                      </m:r>
+                                    </m:sup>
+                                  </m:sSup>
+                                </m:sup>
+                              </m:sSubSup>
+                            </m:e>
+                          </m:d>
+                        </m:num>
+                        <m:den>
+                          <m:r>
+                            <m:rPr>
+                              <m:sty m:val="p"/>
+                            </m:rPr>
+                            <a:rPr lang="fr-FR" b="0" i="0" noProof="0" smtClean="0">
+                              <a:latin typeface="Cambria Math" panose="02040503050406030204" pitchFamily="18" charset="0"/>
+                              <a:cs typeface="Times New Roman" panose="02020603050405020304" pitchFamily="18" charset="0"/>
+                            </a:rPr>
+                            <m:t>ln</m:t>
+                          </m:r>
+                          <m:r>
+                            <a:rPr lang="fr-FR" b="0" i="1" noProof="0" smtClean="0">
+                              <a:latin typeface="Cambria Math" panose="02040503050406030204" pitchFamily="18" charset="0"/>
+                              <a:cs typeface="Times New Roman" panose="02020603050405020304" pitchFamily="18" charset="0"/>
+                            </a:rPr>
+                            <m:t>⁡</m:t>
+                          </m:r>
+                          <m:d>
+                            <m:dPr>
+                              <m:ctrlPr>
+                                <a:rPr lang="fr-FR" b="0" i="1" noProof="0" smtClean="0">
+                                  <a:latin typeface="Cambria Math" panose="02040503050406030204" pitchFamily="18" charset="0"/>
+                                  <a:cs typeface="Times New Roman" panose="02020603050405020304" pitchFamily="18" charset="0"/>
+                                </a:rPr>
+                              </m:ctrlPr>
+                            </m:dPr>
+                            <m:e>
+                              <m:sSub>
+                                <m:sSubPr>
+                                  <m:ctrlPr>
+                                    <a:rPr lang="fr-FR" b="0" i="1" noProof="0" smtClean="0">
+                                      <a:latin typeface="Cambria Math" panose="02040503050406030204" pitchFamily="18" charset="0"/>
+                                      <a:cs typeface="Times New Roman" panose="02020603050405020304" pitchFamily="18" charset="0"/>
+                                    </a:rPr>
+                                  </m:ctrlPr>
+                                </m:sSubPr>
+                                <m:e>
+                                  <m:r>
+                                    <a:rPr lang="fr-FR" b="0" i="1" noProof="0" smtClean="0">
+                                      <a:latin typeface="Cambria Math" panose="02040503050406030204" pitchFamily="18" charset="0"/>
+                                      <a:cs typeface="Times New Roman" panose="02020603050405020304" pitchFamily="18" charset="0"/>
+                                    </a:rPr>
+                                    <m:t>𝑟</m:t>
+                                  </m:r>
+                                </m:e>
+                                <m:sub>
+                                  <m:r>
+                                    <a:rPr lang="fr-FR" b="0" i="1" noProof="0" smtClean="0">
+                                      <a:latin typeface="Cambria Math" panose="02040503050406030204" pitchFamily="18" charset="0"/>
+                                      <a:cs typeface="Times New Roman" panose="02020603050405020304" pitchFamily="18" charset="0"/>
+                                    </a:rPr>
+                                    <m:t>12</m:t>
+                                  </m:r>
+                                </m:sub>
+                              </m:sSub>
+                              <m:sSub>
+                                <m:sSubPr>
+                                  <m:ctrlPr>
+                                    <a:rPr lang="fr-FR" b="0" i="1" noProof="0" smtClean="0">
+                                      <a:latin typeface="Cambria Math" panose="02040503050406030204" pitchFamily="18" charset="0"/>
+                                      <a:cs typeface="Times New Roman" panose="02020603050405020304" pitchFamily="18" charset="0"/>
+                                    </a:rPr>
+                                  </m:ctrlPr>
+                                </m:sSubPr>
+                                <m:e>
+                                  <m:r>
+                                    <a:rPr lang="fr-FR" b="0" i="1" noProof="0" smtClean="0">
+                                      <a:latin typeface="Cambria Math" panose="02040503050406030204" pitchFamily="18" charset="0"/>
+                                      <a:cs typeface="Times New Roman" panose="02020603050405020304" pitchFamily="18" charset="0"/>
+                                    </a:rPr>
+                                    <m:t>𝑟</m:t>
+                                  </m:r>
+                                </m:e>
+                                <m:sub>
+                                  <m:r>
+                                    <a:rPr lang="fr-FR" b="0" i="1" noProof="0" smtClean="0">
+                                      <a:latin typeface="Cambria Math" panose="02040503050406030204" pitchFamily="18" charset="0"/>
+                                      <a:cs typeface="Times New Roman" panose="02020603050405020304" pitchFamily="18" charset="0"/>
+                                    </a:rPr>
+                                    <m:t>23</m:t>
+                                  </m:r>
+                                </m:sub>
+                              </m:sSub>
+                            </m:e>
+                          </m:d>
+                        </m:den>
+                      </m:f>
+                    </m:oMath>
+                  </m:oMathPara>
+                </a14:m>
+                <a:endParaRPr lang="fr-FR" dirty="0">
+                  <a:latin typeface="Times New Roman" panose="02020603050405020304" pitchFamily="18" charset="0"/>
+                  <a:cs typeface="Times New Roman" panose="02020603050405020304" pitchFamily="18" charset="0"/>
+                </a:endParaRPr>
+              </a:p>
+            </p:txBody>
+          </p:sp>
+        </mc:Choice>
+        <mc:Fallback xmlns="">
+          <p:sp>
+            <p:nvSpPr>
+              <p:cNvPr id="5" name="TextBox 4">
+                <a:extLst>
+                  <a:ext uri="{FF2B5EF4-FFF2-40B4-BE49-F238E27FC236}">
+                    <a16:creationId xmlns:a16="http://schemas.microsoft.com/office/drawing/2014/main" id="{4DAC8AF4-A004-7163-A739-49ECA39B9FEC}"/>
+                  </a:ext>
+                </a:extLst>
+              </p:cNvPr>
+              <p:cNvSpPr txBox="1">
+                <a:spLocks noRot="1" noChangeAspect="1" noMove="1" noResize="1" noEditPoints="1" noAdjustHandles="1" noChangeArrowheads="1" noChangeShapeType="1" noTextEdit="1"/>
+              </p:cNvSpPr>
+              <p:nvPr/>
+            </p:nvSpPr>
+            <p:spPr>
+              <a:xfrm>
+                <a:off x="0" y="627468"/>
+                <a:ext cx="12192000" cy="1180708"/>
+              </a:xfrm>
+              <a:prstGeom prst="rect">
+                <a:avLst/>
+              </a:prstGeom>
+              <a:blipFill>
+                <a:blip r:embed="rId2"/>
+                <a:stretch>
+                  <a:fillRect l="-400" t="-3093"/>
+                </a:stretch>
+              </a:blipFill>
+            </p:spPr>
+            <p:txBody>
+              <a:bodyPr/>
+              <a:lstStyle/>
+              <a:p>
+                <a:r>
+                  <a:rPr lang="en-GB">
+                    <a:noFill/>
+                  </a:rPr>
+                  <a:t> </a:t>
+                </a:r>
+              </a:p>
+            </p:txBody>
+          </p:sp>
+        </mc:Fallback>
+      </mc:AlternateContent>
+      <mc:AlternateContent xmlns:mc="http://schemas.openxmlformats.org/markup-compatibility/2006" xmlns:a14="http://schemas.microsoft.com/office/drawing/2010/main">
+        <mc:Choice Requires="a14">
+          <p:sp>
+            <p:nvSpPr>
+              <p:cNvPr id="10" name="TextBox 9">
+                <a:extLst>
+                  <a:ext uri="{FF2B5EF4-FFF2-40B4-BE49-F238E27FC236}">
+                    <a16:creationId xmlns:a16="http://schemas.microsoft.com/office/drawing/2014/main" id="{01A678EA-30F3-62CE-A9F0-10C182D4BBB2}"/>
+                  </a:ext>
+                </a:extLst>
+              </p:cNvPr>
+              <p:cNvSpPr txBox="1"/>
+              <p:nvPr/>
+            </p:nvSpPr>
+            <p:spPr>
+              <a:xfrm>
+                <a:off x="0" y="1818753"/>
+                <a:ext cx="12192000" cy="1200329"/>
+              </a:xfrm>
+              <a:prstGeom prst="rect">
+                <a:avLst/>
+              </a:prstGeom>
+              <a:noFill/>
+            </p:spPr>
+            <p:txBody>
+              <a:bodyPr wrap="square" rtlCol="0">
+                <a:spAutoFit/>
+              </a:bodyPr>
+              <a:lstStyle/>
+              <a:p>
+                <a:pPr algn="just"/>
+                <a:r>
+                  <a:rPr lang="fr-FR" noProof="0" dirty="0">
+                    <a:latin typeface="Times New Roman" panose="02020603050405020304" pitchFamily="18" charset="0"/>
+                    <a:cs typeface="Times New Roman" panose="02020603050405020304" pitchFamily="18" charset="0"/>
+                  </a:rPr>
+                  <a:t>Cette formule est utilisée pour plusieurs couples de résultats </a:t>
+                </a:r>
+                <a14:m>
+                  <m:oMath xmlns:m="http://schemas.openxmlformats.org/officeDocument/2006/math">
+                    <m:sSub>
+                      <m:sSubPr>
+                        <m:ctrlPr>
+                          <a:rPr lang="fr-FR" b="0" i="1" noProof="0" smtClean="0">
+                            <a:latin typeface="Cambria Math" panose="02040503050406030204" pitchFamily="18" charset="0"/>
+                            <a:cs typeface="Times New Roman" panose="02020603050405020304" pitchFamily="18" charset="0"/>
+                          </a:rPr>
+                        </m:ctrlPr>
+                      </m:sSubPr>
+                      <m:e>
+                        <m:r>
+                          <a:rPr lang="fr-FR" b="0" i="1" noProof="0" smtClean="0">
+                            <a:latin typeface="Cambria Math" panose="02040503050406030204" pitchFamily="18" charset="0"/>
+                            <a:cs typeface="Times New Roman" panose="02020603050405020304" pitchFamily="18" charset="0"/>
+                          </a:rPr>
+                          <m:t>𝑓</m:t>
+                        </m:r>
+                      </m:e>
+                      <m:sub>
+                        <m:r>
+                          <a:rPr lang="fr-FR" b="0" i="1" noProof="0" smtClean="0">
+                            <a:latin typeface="Cambria Math" panose="02040503050406030204" pitchFamily="18" charset="0"/>
+                            <a:cs typeface="Times New Roman" panose="02020603050405020304" pitchFamily="18" charset="0"/>
+                          </a:rPr>
+                          <m:t>𝑖</m:t>
+                        </m:r>
+                      </m:sub>
+                    </m:sSub>
+                  </m:oMath>
+                </a14:m>
+                <a:r>
+                  <a:rPr lang="fr-FR" noProof="0" dirty="0">
+                    <a:latin typeface="Times New Roman" panose="02020603050405020304" pitchFamily="18" charset="0"/>
+                    <a:cs typeface="Times New Roman" panose="02020603050405020304" pitchFamily="18" charset="0"/>
+                  </a:rPr>
+                  <a:t> afin d’être sur du résultat donné. En moyenne, après </a:t>
+                </a:r>
+                <a14:m>
+                  <m:oMath xmlns:m="http://schemas.openxmlformats.org/officeDocument/2006/math">
+                    <m:r>
+                      <a:rPr lang="fr-FR" b="0" i="1" noProof="0" smtClean="0">
+                        <a:latin typeface="Cambria Math" panose="02040503050406030204" pitchFamily="18" charset="0"/>
+                        <a:cs typeface="Times New Roman" panose="02020603050405020304" pitchFamily="18" charset="0"/>
+                      </a:rPr>
+                      <m:t>100</m:t>
+                    </m:r>
+                  </m:oMath>
+                </a14:m>
+                <a:r>
+                  <a:rPr lang="fr-FR" noProof="0" dirty="0">
+                    <a:latin typeface="Times New Roman" panose="02020603050405020304" pitchFamily="18" charset="0"/>
+                    <a:cs typeface="Times New Roman" panose="02020603050405020304" pitchFamily="18" charset="0"/>
+                  </a:rPr>
+                  <a:t> itérations, nous obtenons un ordre de convergence observé de </a:t>
+                </a:r>
+                <a14:m>
+                  <m:oMath xmlns:m="http://schemas.openxmlformats.org/officeDocument/2006/math">
+                    <m:acc>
+                      <m:accPr>
+                        <m:chr m:val="̂"/>
+                        <m:ctrlPr>
+                          <a:rPr lang="fr-FR" i="1">
+                            <a:latin typeface="Cambria Math" panose="02040503050406030204" pitchFamily="18" charset="0"/>
+                            <a:cs typeface="Times New Roman" panose="02020603050405020304" pitchFamily="18" charset="0"/>
+                          </a:rPr>
+                        </m:ctrlPr>
+                      </m:accPr>
+                      <m:e>
+                        <m:r>
+                          <a:rPr lang="fr-FR" i="1">
+                            <a:latin typeface="Cambria Math" panose="02040503050406030204" pitchFamily="18" charset="0"/>
+                            <a:cs typeface="Times New Roman" panose="02020603050405020304" pitchFamily="18" charset="0"/>
+                          </a:rPr>
+                          <m:t>𝑝</m:t>
+                        </m:r>
+                      </m:e>
+                    </m:acc>
+                    <m:r>
+                      <a:rPr lang="fr-FR" b="0" i="1" smtClean="0">
+                        <a:latin typeface="Cambria Math" panose="02040503050406030204" pitchFamily="18" charset="0"/>
+                        <a:cs typeface="Times New Roman" panose="02020603050405020304" pitchFamily="18" charset="0"/>
+                      </a:rPr>
+                      <m:t>=2.50385</m:t>
+                    </m:r>
+                  </m:oMath>
+                </a14:m>
+                <a:r>
+                  <a:rPr lang="fr-FR" noProof="0" dirty="0">
+                    <a:latin typeface="Times New Roman" panose="02020603050405020304" pitchFamily="18" charset="0"/>
+                    <a:cs typeface="Times New Roman" panose="02020603050405020304" pitchFamily="18" charset="0"/>
+                  </a:rPr>
+                  <a:t>. Dans une mesure de vérification supplémentaire, nous avons pris 2 autres nœuds du maillage pour nous assurer que ces derniers avaient le même ordre de convergence (i.e., éviter un ordre de convergence fausse localisé) et nous obtenons le même ordre de convergence. </a:t>
+                </a:r>
+              </a:p>
+            </p:txBody>
+          </p:sp>
+        </mc:Choice>
+        <mc:Fallback xmlns="">
+          <p:sp>
+            <p:nvSpPr>
+              <p:cNvPr id="10" name="TextBox 9">
+                <a:extLst>
+                  <a:ext uri="{FF2B5EF4-FFF2-40B4-BE49-F238E27FC236}">
+                    <a16:creationId xmlns:a16="http://schemas.microsoft.com/office/drawing/2014/main" id="{01A678EA-30F3-62CE-A9F0-10C182D4BBB2}"/>
+                  </a:ext>
+                </a:extLst>
+              </p:cNvPr>
+              <p:cNvSpPr txBox="1">
+                <a:spLocks noRot="1" noChangeAspect="1" noMove="1" noResize="1" noEditPoints="1" noAdjustHandles="1" noChangeArrowheads="1" noChangeShapeType="1" noTextEdit="1"/>
+              </p:cNvSpPr>
+              <p:nvPr/>
+            </p:nvSpPr>
+            <p:spPr>
+              <a:xfrm>
+                <a:off x="0" y="1818753"/>
+                <a:ext cx="12192000" cy="1200329"/>
+              </a:xfrm>
+              <a:prstGeom prst="rect">
+                <a:avLst/>
+              </a:prstGeom>
+              <a:blipFill>
+                <a:blip r:embed="rId3"/>
+                <a:stretch>
+                  <a:fillRect l="-400" t="-2538" r="-400" b="-7107"/>
+                </a:stretch>
+              </a:blipFill>
+            </p:spPr>
+            <p:txBody>
+              <a:bodyPr/>
+              <a:lstStyle/>
+              <a:p>
+                <a:r>
+                  <a:rPr lang="en-GB">
+                    <a:noFill/>
+                  </a:rPr>
+                  <a:t> </a:t>
+                </a:r>
+              </a:p>
+            </p:txBody>
+          </p:sp>
+        </mc:Fallback>
+      </mc:AlternateContent>
+      <p:pic>
+        <p:nvPicPr>
+          <p:cNvPr id="11" name="Picture 10">
+            <a:extLst>
+              <a:ext uri="{FF2B5EF4-FFF2-40B4-BE49-F238E27FC236}">
+                <a16:creationId xmlns:a16="http://schemas.microsoft.com/office/drawing/2014/main" id="{76E36435-5B32-C3F8-CDBC-02E2B5086320}"/>
+              </a:ext>
+            </a:extLst>
+          </p:cNvPr>
+          <p:cNvPicPr>
+            <a:picLocks noChangeAspect="1"/>
+          </p:cNvPicPr>
+          <p:nvPr/>
+        </p:nvPicPr>
+        <p:blipFill>
+          <a:blip r:embed="rId4"/>
+          <a:stretch>
+            <a:fillRect/>
+          </a:stretch>
+        </p:blipFill>
+        <p:spPr>
+          <a:xfrm>
+            <a:off x="302698" y="2964746"/>
+            <a:ext cx="11586604" cy="2948070"/>
+          </a:xfrm>
+          <a:prstGeom prst="rect">
+            <a:avLst/>
+          </a:prstGeom>
+        </p:spPr>
+      </p:pic>
+      <mc:AlternateContent xmlns:mc="http://schemas.openxmlformats.org/markup-compatibility/2006" xmlns:a14="http://schemas.microsoft.com/office/drawing/2010/main">
+        <mc:Choice Requires="a14">
+          <p:sp>
+            <p:nvSpPr>
+              <p:cNvPr id="12" name="TextBox 11">
+                <a:extLst>
+                  <a:ext uri="{FF2B5EF4-FFF2-40B4-BE49-F238E27FC236}">
+                    <a16:creationId xmlns:a16="http://schemas.microsoft.com/office/drawing/2014/main" id="{AFD64144-DA5F-8B73-6CEA-181D47AD5646}"/>
+                  </a:ext>
+                </a:extLst>
+              </p:cNvPr>
+              <p:cNvSpPr txBox="1"/>
+              <p:nvPr/>
+            </p:nvSpPr>
+            <p:spPr>
+              <a:xfrm>
+                <a:off x="0" y="6063424"/>
+                <a:ext cx="12192000" cy="369332"/>
+              </a:xfrm>
+              <a:prstGeom prst="rect">
+                <a:avLst/>
+              </a:prstGeom>
+              <a:noFill/>
+            </p:spPr>
+            <p:txBody>
+              <a:bodyPr wrap="square" rtlCol="0">
+                <a:spAutoFit/>
+              </a:bodyPr>
+              <a:lstStyle/>
+              <a:p>
+                <a:pPr algn="just"/>
+                <a:r>
+                  <a:rPr lang="fr-FR" noProof="0" dirty="0">
+                    <a:latin typeface="Times New Roman" panose="02020603050405020304" pitchFamily="18" charset="0"/>
+                    <a:cs typeface="Times New Roman" panose="02020603050405020304" pitchFamily="18" charset="0"/>
+                  </a:rPr>
+                  <a:t>On remarque </a:t>
+                </a:r>
+                <a:r>
+                  <a:rPr lang="fr-FR" noProof="0" dirty="0" err="1">
+                    <a:latin typeface="Times New Roman" panose="02020603050405020304" pitchFamily="18" charset="0"/>
+                    <a:cs typeface="Times New Roman" panose="02020603050405020304" pitchFamily="18" charset="0"/>
+                  </a:rPr>
+                  <a:t>qu</a:t>
+                </a:r>
+                <a:r>
+                  <a:rPr lang="fr-FR" dirty="0">
+                    <a:latin typeface="Times New Roman" panose="02020603050405020304" pitchFamily="18" charset="0"/>
+                    <a:cs typeface="Times New Roman" panose="02020603050405020304" pitchFamily="18" charset="0"/>
+                  </a:rPr>
+                  <a:t>e </a:t>
+                </a:r>
+                <a14:m>
+                  <m:oMath xmlns:m="http://schemas.openxmlformats.org/officeDocument/2006/math">
+                    <m:acc>
+                      <m:accPr>
+                        <m:chr m:val="̂"/>
+                        <m:ctrlPr>
+                          <a:rPr lang="fr-FR" i="1" smtClean="0">
+                            <a:latin typeface="Cambria Math" panose="02040503050406030204" pitchFamily="18" charset="0"/>
+                            <a:cs typeface="Times New Roman" panose="02020603050405020304" pitchFamily="18" charset="0"/>
+                          </a:rPr>
+                        </m:ctrlPr>
+                      </m:accPr>
+                      <m:e>
+                        <m:r>
+                          <a:rPr lang="fr-FR" i="1">
+                            <a:latin typeface="Cambria Math" panose="02040503050406030204" pitchFamily="18" charset="0"/>
+                            <a:cs typeface="Times New Roman" panose="02020603050405020304" pitchFamily="18" charset="0"/>
+                          </a:rPr>
+                          <m:t>𝑝</m:t>
+                        </m:r>
+                      </m:e>
+                    </m:acc>
+                  </m:oMath>
+                </a14:m>
+                <a:r>
+                  <a:rPr lang="fr-FR" dirty="0">
+                    <a:latin typeface="Times New Roman" panose="02020603050405020304" pitchFamily="18" charset="0"/>
+                    <a:cs typeface="Times New Roman" panose="02020603050405020304" pitchFamily="18" charset="0"/>
+                  </a:rPr>
+                  <a:t> est plus élevé que l’ordre de convergence théorique attendu.  </a:t>
+                </a:r>
+              </a:p>
+            </p:txBody>
+          </p:sp>
+        </mc:Choice>
+        <mc:Fallback xmlns="">
+          <p:sp>
+            <p:nvSpPr>
+              <p:cNvPr id="12" name="TextBox 11">
+                <a:extLst>
+                  <a:ext uri="{FF2B5EF4-FFF2-40B4-BE49-F238E27FC236}">
+                    <a16:creationId xmlns:a16="http://schemas.microsoft.com/office/drawing/2014/main" id="{AFD64144-DA5F-8B73-6CEA-181D47AD5646}"/>
+                  </a:ext>
+                </a:extLst>
+              </p:cNvPr>
+              <p:cNvSpPr txBox="1">
+                <a:spLocks noRot="1" noChangeAspect="1" noMove="1" noResize="1" noEditPoints="1" noAdjustHandles="1" noChangeArrowheads="1" noChangeShapeType="1" noTextEdit="1"/>
+              </p:cNvSpPr>
+              <p:nvPr/>
+            </p:nvSpPr>
+            <p:spPr>
+              <a:xfrm>
+                <a:off x="0" y="6063424"/>
+                <a:ext cx="12192000" cy="369332"/>
+              </a:xfrm>
+              <a:prstGeom prst="rect">
+                <a:avLst/>
+              </a:prstGeom>
+              <a:blipFill>
+                <a:blip r:embed="rId5"/>
+                <a:stretch>
+                  <a:fillRect l="-400" t="-10000" b="-26667"/>
+                </a:stretch>
+              </a:blipFill>
+            </p:spPr>
+            <p:txBody>
+              <a:bodyPr/>
+              <a:lstStyle/>
+              <a:p>
+                <a:r>
+                  <a:rPr lang="en-GB">
+                    <a:noFill/>
+                  </a:rPr>
+                  <a:t> </a:t>
+                </a:r>
+              </a:p>
+            </p:txBody>
+          </p:sp>
+        </mc:Fallback>
+      </mc:AlternateContent>
+      <p:sp>
+        <p:nvSpPr>
+          <p:cNvPr id="13" name="TextBox 12">
+            <a:extLst>
+              <a:ext uri="{FF2B5EF4-FFF2-40B4-BE49-F238E27FC236}">
+                <a16:creationId xmlns:a16="http://schemas.microsoft.com/office/drawing/2014/main" id="{C4557F9C-855D-3055-9D46-7013C9868120}"/>
+              </a:ext>
+            </a:extLst>
+          </p:cNvPr>
+          <p:cNvSpPr txBox="1"/>
+          <p:nvPr/>
+        </p:nvSpPr>
+        <p:spPr>
+          <a:xfrm>
+            <a:off x="302698" y="5754465"/>
+            <a:ext cx="4559249" cy="307777"/>
+          </a:xfrm>
+          <a:prstGeom prst="rect">
+            <a:avLst/>
+          </a:prstGeom>
+          <a:noFill/>
+        </p:spPr>
+        <p:txBody>
+          <a:bodyPr wrap="square" rtlCol="0">
+            <a:spAutoFit/>
+          </a:bodyPr>
+          <a:lstStyle/>
+          <a:p>
+            <a:r>
+              <a:rPr lang="fr-FR" sz="1400" b="1" noProof="0" dirty="0">
+                <a:latin typeface="Times New Roman" panose="02020603050405020304" pitchFamily="18" charset="0"/>
+                <a:cs typeface="Times New Roman" panose="02020603050405020304" pitchFamily="18" charset="0"/>
+              </a:rPr>
+              <a:t>Figure [] </a:t>
+            </a:r>
+            <a:r>
+              <a:rPr lang="fr-FR" sz="1400" noProof="0" dirty="0">
+                <a:latin typeface="Times New Roman" panose="02020603050405020304" pitchFamily="18" charset="0"/>
+                <a:cs typeface="Times New Roman" panose="02020603050405020304" pitchFamily="18" charset="0"/>
+              </a:rPr>
+              <a:t>: Code python « </a:t>
+            </a:r>
+            <a:r>
+              <a:rPr lang="fr-FR" sz="1400" i="1" noProof="0" dirty="0">
+                <a:latin typeface="Times New Roman" panose="02020603050405020304" pitchFamily="18" charset="0"/>
+                <a:cs typeface="Times New Roman" panose="02020603050405020304" pitchFamily="18" charset="0"/>
+              </a:rPr>
+              <a:t>cv_asymptotique.py </a:t>
+            </a:r>
+            <a:r>
+              <a:rPr lang="fr-FR" sz="1400" noProof="0" dirty="0">
+                <a:latin typeface="Times New Roman" panose="02020603050405020304" pitchFamily="18" charset="0"/>
+                <a:cs typeface="Times New Roman" panose="02020603050405020304" pitchFamily="18" charset="0"/>
+              </a:rPr>
+              <a:t>»</a:t>
+            </a:r>
+          </a:p>
+        </p:txBody>
+      </p:sp>
+      <p:sp>
+        <p:nvSpPr>
+          <p:cNvPr id="4" name="TextBox 3">
+            <a:extLst>
+              <a:ext uri="{FF2B5EF4-FFF2-40B4-BE49-F238E27FC236}">
+                <a16:creationId xmlns:a16="http://schemas.microsoft.com/office/drawing/2014/main" id="{75AA8A51-2A97-8D06-CECD-B9BDC2716E90}"/>
+              </a:ext>
+            </a:extLst>
+          </p:cNvPr>
+          <p:cNvSpPr txBox="1"/>
+          <p:nvPr/>
+        </p:nvSpPr>
+        <p:spPr>
+          <a:xfrm>
+            <a:off x="6722419" y="73201"/>
+            <a:ext cx="1953873" cy="338554"/>
+          </a:xfrm>
+          <a:prstGeom prst="rect">
+            <a:avLst/>
+          </a:prstGeom>
+          <a:noFill/>
+        </p:spPr>
+        <p:txBody>
+          <a:bodyPr wrap="square" rtlCol="0">
+            <a:spAutoFit/>
+          </a:bodyPr>
+          <a:lstStyle/>
+          <a:p>
+            <a:pPr algn="just"/>
+            <a:r>
+              <a:rPr lang="fr-FR" sz="1600" i="1" noProof="0" dirty="0">
+                <a:latin typeface="Times New Roman" panose="02020603050405020304" pitchFamily="18" charset="0"/>
+                <a:cs typeface="Times New Roman" panose="02020603050405020304" pitchFamily="18" charset="0"/>
+              </a:rPr>
+              <a:t>Cv_Asymptotique.py</a:t>
+            </a:r>
+          </a:p>
+        </p:txBody>
+      </p:sp>
+      <p:pic>
+        <p:nvPicPr>
+          <p:cNvPr id="6" name="Picture 2">
+            <a:extLst>
+              <a:ext uri="{FF2B5EF4-FFF2-40B4-BE49-F238E27FC236}">
+                <a16:creationId xmlns:a16="http://schemas.microsoft.com/office/drawing/2014/main" id="{538B70F3-BB9F-2E3D-160E-BF782BAAAFD2}"/>
+              </a:ext>
+            </a:extLst>
+          </p:cNvPr>
+          <p:cNvPicPr>
+            <a:picLocks noChangeAspect="1" noChangeArrowheads="1"/>
+          </p:cNvPicPr>
+          <p:nvPr/>
+        </p:nvPicPr>
+        <p:blipFill>
+          <a:blip r:embed="rId6">
+            <a:extLst>
+              <a:ext uri="{28A0092B-C50C-407E-A947-70E740481C1C}">
+                <a14:useLocalDpi xmlns:a14="http://schemas.microsoft.com/office/drawing/2010/main" val="0"/>
+              </a:ext>
+            </a:extLst>
+          </a:blip>
+          <a:srcRect/>
+          <a:stretch>
+            <a:fillRect/>
+          </a:stretch>
+        </p:blipFill>
+        <p:spPr bwMode="auto">
+          <a:xfrm>
+            <a:off x="6337740" y="77926"/>
+            <a:ext cx="384679" cy="422101"/>
+          </a:xfrm>
+          <a:prstGeom prst="rect">
+            <a:avLst/>
+          </a:prstGeom>
+          <a:noFill/>
+          <a:extLst>
+            <a:ext uri="{909E8E84-426E-40DD-AFC4-6F175D3DCCD1}">
+              <a14:hiddenFill xmlns:a14="http://schemas.microsoft.com/office/drawing/2010/main">
+                <a:solidFill>
+                  <a:srgbClr val="FFFFFF"/>
+                </a:solidFill>
+              </a14:hiddenFill>
+            </a:ext>
+          </a:extLst>
+        </p:spPr>
+      </p:pic>
+    </p:spTree>
+    <p:extLst>
+      <p:ext uri="{BB962C8B-B14F-4D97-AF65-F5344CB8AC3E}">
+        <p14:creationId xmlns:p14="http://schemas.microsoft.com/office/powerpoint/2010/main" val="1989661597"/>
+      </p:ext>
+    </p:extLst>
+  </p:cSld>
+  <p:clrMapOvr>
+    <a:masterClrMapping/>
+  </p:clrMapOvr>
+</p:sld>
+</file>
+
+<file path=ppt/slides/slide11.xml><?xml version="1.0" encoding="utf-8"?>
+<p:sld xmlns:a="http://schemas.openxmlformats.org/drawingml/2006/main" xmlns:r="http://schemas.openxmlformats.org/officeDocument/2006/relationships" xmlns:p="http://schemas.openxmlformats.org/presentationml/2006/main">
+  <p:cSld>
+    <p:spTree>
+      <p:nvGrpSpPr>
+        <p:cNvPr id="1" name="">
+          <a:extLst>
+            <a:ext uri="{FF2B5EF4-FFF2-40B4-BE49-F238E27FC236}">
               <a16:creationId xmlns:a16="http://schemas.microsoft.com/office/drawing/2014/main" id="{A28199A9-F0B5-7962-30BE-189DF600CB30}"/>
             </a:ext>
           </a:extLst>
@@ -8135,7 +9809,7 @@
 </p:sld>
 </file>
 
-<file path=ppt/slides/slide11.xml><?xml version="1.0" encoding="utf-8"?>
+<file path=ppt/slides/slide12.xml><?xml version="1.0" encoding="utf-8"?>
 <p:sld xmlns:a="http://schemas.openxmlformats.org/drawingml/2006/main" xmlns:r="http://schemas.openxmlformats.org/officeDocument/2006/relationships" xmlns:p="http://schemas.openxmlformats.org/presentationml/2006/main">
   <p:cSld>
     <p:spTree>
@@ -9089,7 +10763,7 @@
 </p:sld>
 </file>
 
-<file path=ppt/slides/slide12.xml><?xml version="1.0" encoding="utf-8"?>
+<file path=ppt/slides/slide13.xml><?xml version="1.0" encoding="utf-8"?>
 <p:sld xmlns:a="http://schemas.openxmlformats.org/drawingml/2006/main" xmlns:r="http://schemas.openxmlformats.org/officeDocument/2006/relationships" xmlns:p="http://schemas.openxmlformats.org/presentationml/2006/main">
   <p:cSld>
     <p:spTree>
@@ -10329,7 +12003,7 @@
 </p:sld>
 </file>
 
-<file path=ppt/slides/slide13.xml><?xml version="1.0" encoding="utf-8"?>
+<file path=ppt/slides/slide14.xml><?xml version="1.0" encoding="utf-8"?>
 <p:sld xmlns:a="http://schemas.openxmlformats.org/drawingml/2006/main" xmlns:r="http://schemas.openxmlformats.org/officeDocument/2006/relationships" xmlns:p="http://schemas.openxmlformats.org/presentationml/2006/main">
   <p:cSld>
     <p:spTree>
@@ -11093,7 +12767,7 @@
 </p:sld>
 </file>
 
-<file path=ppt/slides/slide14.xml><?xml version="1.0" encoding="utf-8"?>
+<file path=ppt/slides/slide15.xml><?xml version="1.0" encoding="utf-8"?>
 <p:sld xmlns:a="http://schemas.openxmlformats.org/drawingml/2006/main" xmlns:r="http://schemas.openxmlformats.org/officeDocument/2006/relationships" xmlns:p="http://schemas.openxmlformats.org/presentationml/2006/main">
   <p:cSld>
     <p:spTree>
@@ -11699,7 +13373,7 @@
 </p:sld>
 </file>
 
-<file path=ppt/slides/slide15.xml><?xml version="1.0" encoding="utf-8"?>
+<file path=ppt/slides/slide16.xml><?xml version="1.0" encoding="utf-8"?>
 <p:sld xmlns:a="http://schemas.openxmlformats.org/drawingml/2006/main" xmlns:r="http://schemas.openxmlformats.org/officeDocument/2006/relationships" xmlns:p="http://schemas.openxmlformats.org/presentationml/2006/main">
   <p:cSld>
     <p:spTree>
@@ -12079,8 +13753,8 @@
           </a:p>
         </p:txBody>
       </p:sp>
-      <mc:AlternateContent xmlns:mc="http://schemas.openxmlformats.org/markup-compatibility/2006">
-        <mc:Choice xmlns:a14="http://schemas.microsoft.com/office/drawing/2010/main" Requires="a14">
+      <mc:AlternateContent xmlns:mc="http://schemas.openxmlformats.org/markup-compatibility/2006" xmlns:a14="http://schemas.microsoft.com/office/drawing/2010/main">
+        <mc:Choice Requires="a14">
           <p:sp>
             <p:nvSpPr>
               <p:cNvPr id="4" name="TextBox 3">
@@ -12191,7 +13865,7 @@
             </p:txBody>
           </p:sp>
         </mc:Choice>
-        <mc:Fallback>
+        <mc:Fallback xmlns="">
           <p:sp>
             <p:nvSpPr>
               <p:cNvPr id="4" name="TextBox 3">
@@ -12249,7 +13923,7 @@
 </p:sld>
 </file>
 
-<file path=ppt/slides/slide16.xml><?xml version="1.0" encoding="utf-8"?>
+<file path=ppt/slides/slide17.xml><?xml version="1.0" encoding="utf-8"?>
 <p:sld xmlns:a="http://schemas.openxmlformats.org/drawingml/2006/main" xmlns:r="http://schemas.openxmlformats.org/officeDocument/2006/relationships" xmlns:p="http://schemas.openxmlformats.org/presentationml/2006/main">
   <p:cSld>
     <p:spTree>
@@ -12457,8 +14131,8 @@
           </a:p>
         </p:txBody>
       </p:sp>
-      <mc:AlternateContent xmlns:mc="http://schemas.openxmlformats.org/markup-compatibility/2006">
-        <mc:Choice xmlns:a14="http://schemas.microsoft.com/office/drawing/2010/main" Requires="a14">
+      <mc:AlternateContent xmlns:mc="http://schemas.openxmlformats.org/markup-compatibility/2006" xmlns:a14="http://schemas.microsoft.com/office/drawing/2010/main">
+        <mc:Choice Requires="a14">
           <p:sp>
             <p:nvSpPr>
               <p:cNvPr id="3" name="TextBox 2">
@@ -12584,7 +14258,13 @@
                                     <a:rPr lang="fr-FR" b="0" i="1" noProof="0" smtClean="0">
                                       <a:latin typeface="Cambria Math" panose="02040503050406030204" pitchFamily="18" charset="0"/>
                                     </a:rPr>
-                                    <m:t>∂ </m:t>
+                                    <m:t>𝜕</m:t>
+                                  </m:r>
+                                  <m:r>
+                                    <a:rPr lang="fr-FR" b="0" i="1" noProof="0" smtClean="0">
+                                      <a:latin typeface="Cambria Math" panose="02040503050406030204" pitchFamily="18" charset="0"/>
+                                    </a:rPr>
+                                    <m:t> </m:t>
                                   </m:r>
                                   <m:sSub>
                                     <m:sSubPr>
@@ -12650,7 +14330,9 @@
                                     </m:dPr>
                                     <m:e>
                                       <m:r>
-                                        <a:rPr lang="en-GB"/>
+                                        <a:rPr lang="en-GB">
+                                          <a:latin typeface="Cambria Math" panose="02040503050406030204" pitchFamily="18" charset="0"/>
+                                        </a:rPr>
                                         <m:t>​</m:t>
                                       </m:r>
                                     </m:e>
@@ -12953,7 +14635,7 @@
             </p:txBody>
           </p:sp>
         </mc:Choice>
-        <mc:Fallback>
+        <mc:Fallback xmlns="">
           <p:sp>
             <p:nvSpPr>
               <p:cNvPr id="3" name="TextBox 2">
@@ -13011,7 +14693,7 @@
 </p:sld>
 </file>
 
-<file path=ppt/slides/slide17.xml><?xml version="1.0" encoding="utf-8"?>
+<file path=ppt/slides/slide18.xml><?xml version="1.0" encoding="utf-8"?>
 <p:sld xmlns:a="http://schemas.openxmlformats.org/drawingml/2006/main" xmlns:r="http://schemas.openxmlformats.org/officeDocument/2006/relationships" xmlns:p="http://schemas.openxmlformats.org/presentationml/2006/main">
   <p:cSld>
     <p:spTree>
@@ -13271,7 +14953,7 @@
 </p:sld>
 </file>
 
-<file path=ppt/slides/slide18.xml><?xml version="1.0" encoding="utf-8"?>
+<file path=ppt/slides/slide19.xml><?xml version="1.0" encoding="utf-8"?>
 <p:sld xmlns:a="http://schemas.openxmlformats.org/drawingml/2006/main" xmlns:r="http://schemas.openxmlformats.org/officeDocument/2006/relationships" xmlns:p="http://schemas.openxmlformats.org/presentationml/2006/main">
   <p:cSld>
     <p:spTree>
@@ -13691,88 +15373,6 @@
     <p:extLst>
       <p:ext uri="{BB962C8B-B14F-4D97-AF65-F5344CB8AC3E}">
         <p14:creationId xmlns:p14="http://schemas.microsoft.com/office/powerpoint/2010/main" val="3135963873"/>
-      </p:ext>
-    </p:extLst>
-  </p:cSld>
-  <p:clrMapOvr>
-    <a:masterClrMapping/>
-  </p:clrMapOvr>
-</p:sld>
-</file>
-
-<file path=ppt/slides/slide19.xml><?xml version="1.0" encoding="utf-8"?>
-<p:sld xmlns:a="http://schemas.openxmlformats.org/drawingml/2006/main" xmlns:r="http://schemas.openxmlformats.org/officeDocument/2006/relationships" xmlns:p="http://schemas.openxmlformats.org/presentationml/2006/main">
-  <p:cSld>
-    <p:spTree>
-      <p:nvGrpSpPr>
-        <p:cNvPr id="1" name=""/>
-        <p:cNvGrpSpPr/>
-        <p:nvPr/>
-      </p:nvGrpSpPr>
-      <p:grpSpPr>
-        <a:xfrm>
-          <a:off x="0" y="0"/>
-          <a:ext cx="0" cy="0"/>
-          <a:chOff x="0" y="0"/>
-          <a:chExt cx="0" cy="0"/>
-        </a:xfrm>
-      </p:grpSpPr>
-      <p:sp>
-        <p:nvSpPr>
-          <p:cNvPr id="2" name="Rectangle 1">
-            <a:extLst>
-              <a:ext uri="{FF2B5EF4-FFF2-40B4-BE49-F238E27FC236}">
-                <a16:creationId xmlns:a16="http://schemas.microsoft.com/office/drawing/2014/main" id="{CE60E174-1138-FE64-FEE9-6D62A3AC6AD5}"/>
-              </a:ext>
-            </a:extLst>
-          </p:cNvPr>
-          <p:cNvSpPr/>
-          <p:nvPr/>
-        </p:nvSpPr>
-        <p:spPr>
-          <a:xfrm>
-            <a:off x="0" y="-44143"/>
-            <a:ext cx="12192000" cy="6902143"/>
-          </a:xfrm>
-          <a:prstGeom prst="rect">
-            <a:avLst/>
-          </a:prstGeom>
-          <a:solidFill>
-            <a:srgbClr val="980000"/>
-          </a:solidFill>
-          <a:ln>
-            <a:noFill/>
-          </a:ln>
-        </p:spPr>
-        <p:style>
-          <a:lnRef idx="2">
-            <a:schemeClr val="accent1">
-              <a:shade val="15000"/>
-            </a:schemeClr>
-          </a:lnRef>
-          <a:fillRef idx="1">
-            <a:schemeClr val="accent1"/>
-          </a:fillRef>
-          <a:effectRef idx="0">
-            <a:schemeClr val="accent1"/>
-          </a:effectRef>
-          <a:fontRef idx="minor">
-            <a:schemeClr val="lt1"/>
-          </a:fontRef>
-        </p:style>
-        <p:txBody>
-          <a:bodyPr rtlCol="0" anchor="ctr"/>
-          <a:lstStyle/>
-          <a:p>
-            <a:pPr algn="ctr"/>
-            <a:endParaRPr lang="en-GB"/>
-          </a:p>
-        </p:txBody>
-      </p:sp>
-    </p:spTree>
-    <p:extLst>
-      <p:ext uri="{BB962C8B-B14F-4D97-AF65-F5344CB8AC3E}">
-        <p14:creationId xmlns:p14="http://schemas.microsoft.com/office/powerpoint/2010/main" val="1821676052"/>
       </p:ext>
     </p:extLst>
   </p:cSld>
@@ -15081,6 +16681,88 @@
     <p:extLst>
       <p:ext uri="{BB962C8B-B14F-4D97-AF65-F5344CB8AC3E}">
         <p14:creationId xmlns:p14="http://schemas.microsoft.com/office/powerpoint/2010/main" val="1966793551"/>
+      </p:ext>
+    </p:extLst>
+  </p:cSld>
+  <p:clrMapOvr>
+    <a:masterClrMapping/>
+  </p:clrMapOvr>
+</p:sld>
+</file>
+
+<file path=ppt/slides/slide20.xml><?xml version="1.0" encoding="utf-8"?>
+<p:sld xmlns:a="http://schemas.openxmlformats.org/drawingml/2006/main" xmlns:r="http://schemas.openxmlformats.org/officeDocument/2006/relationships" xmlns:p="http://schemas.openxmlformats.org/presentationml/2006/main">
+  <p:cSld>
+    <p:spTree>
+      <p:nvGrpSpPr>
+        <p:cNvPr id="1" name=""/>
+        <p:cNvGrpSpPr/>
+        <p:nvPr/>
+      </p:nvGrpSpPr>
+      <p:grpSpPr>
+        <a:xfrm>
+          <a:off x="0" y="0"/>
+          <a:ext cx="0" cy="0"/>
+          <a:chOff x="0" y="0"/>
+          <a:chExt cx="0" cy="0"/>
+        </a:xfrm>
+      </p:grpSpPr>
+      <p:sp>
+        <p:nvSpPr>
+          <p:cNvPr id="2" name="Rectangle 1">
+            <a:extLst>
+              <a:ext uri="{FF2B5EF4-FFF2-40B4-BE49-F238E27FC236}">
+                <a16:creationId xmlns:a16="http://schemas.microsoft.com/office/drawing/2014/main" id="{CE60E174-1138-FE64-FEE9-6D62A3AC6AD5}"/>
+              </a:ext>
+            </a:extLst>
+          </p:cNvPr>
+          <p:cNvSpPr/>
+          <p:nvPr/>
+        </p:nvSpPr>
+        <p:spPr>
+          <a:xfrm>
+            <a:off x="0" y="-44143"/>
+            <a:ext cx="12192000" cy="6902143"/>
+          </a:xfrm>
+          <a:prstGeom prst="rect">
+            <a:avLst/>
+          </a:prstGeom>
+          <a:solidFill>
+            <a:srgbClr val="980000"/>
+          </a:solidFill>
+          <a:ln>
+            <a:noFill/>
+          </a:ln>
+        </p:spPr>
+        <p:style>
+          <a:lnRef idx="2">
+            <a:schemeClr val="accent1">
+              <a:shade val="15000"/>
+            </a:schemeClr>
+          </a:lnRef>
+          <a:fillRef idx="1">
+            <a:schemeClr val="accent1"/>
+          </a:fillRef>
+          <a:effectRef idx="0">
+            <a:schemeClr val="accent1"/>
+          </a:effectRef>
+          <a:fontRef idx="minor">
+            <a:schemeClr val="lt1"/>
+          </a:fontRef>
+        </p:style>
+        <p:txBody>
+          <a:bodyPr rtlCol="0" anchor="ctr"/>
+          <a:lstStyle/>
+          <a:p>
+            <a:pPr algn="ctr"/>
+            <a:endParaRPr lang="en-GB"/>
+          </a:p>
+        </p:txBody>
+      </p:sp>
+    </p:spTree>
+    <p:extLst>
+      <p:ext uri="{BB962C8B-B14F-4D97-AF65-F5344CB8AC3E}">
+        <p14:creationId xmlns:p14="http://schemas.microsoft.com/office/powerpoint/2010/main" val="1821676052"/>
       </p:ext>
     </p:extLst>
   </p:cSld>
@@ -19076,8 +20758,8 @@
           </a:p>
         </p:txBody>
       </p:sp>
-      <mc:AlternateContent xmlns:mc="http://schemas.openxmlformats.org/markup-compatibility/2006">
-        <mc:Choice xmlns:a14="http://schemas.microsoft.com/office/drawing/2010/main" Requires="a14">
+      <mc:AlternateContent xmlns:mc="http://schemas.openxmlformats.org/markup-compatibility/2006" xmlns:a14="http://schemas.microsoft.com/office/drawing/2010/main">
+        <mc:Choice Requires="a14">
           <p:sp>
             <p:nvSpPr>
               <p:cNvPr id="5" name="TextBox 4">
@@ -19206,7 +20888,7 @@
             </p:txBody>
           </p:sp>
         </mc:Choice>
-        <mc:Fallback>
+        <mc:Fallback xmlns="">
           <p:sp>
             <p:nvSpPr>
               <p:cNvPr id="5" name="TextBox 4">
@@ -19719,7 +21401,7 @@
             <p:spPr>
               <a:xfrm>
                 <a:off x="0" y="627468"/>
-                <a:ext cx="12192000" cy="923330"/>
+                <a:ext cx="12192000" cy="1200329"/>
               </a:xfrm>
               <a:prstGeom prst="rect">
                 <a:avLst/>
@@ -19756,7 +21438,7 @@
                     <a:latin typeface="Times New Roman" panose="02020603050405020304" pitchFamily="18" charset="0"/>
                     <a:cs typeface="Times New Roman" panose="02020603050405020304" pitchFamily="18" charset="0"/>
                   </a:rPr>
-                  <a:t>. </a:t>
+                  <a:t>. On prend une géométrie simplifiée de notre problème (avec des dimensions approximées) : </a:t>
                 </a:r>
               </a:p>
             </p:txBody>
@@ -19780,7 +21462,7 @@
             <p:spPr>
               <a:xfrm>
                 <a:off x="0" y="627468"/>
-                <a:ext cx="12192000" cy="923330"/>
+                <a:ext cx="12192000" cy="1200329"/>
               </a:xfrm>
               <a:prstGeom prst="rect">
                 <a:avLst/>
@@ -19788,7 +21470,3023 @@
               <a:blipFill>
                 <a:blip r:embed="rId2"/>
                 <a:stretch>
-                  <a:fillRect l="-400" t="-3974" r="-400" b="-9934"/>
+                  <a:fillRect l="-400" t="-3046" r="-400" b="-7107"/>
+                </a:stretch>
+              </a:blipFill>
+            </p:spPr>
+            <p:txBody>
+              <a:bodyPr/>
+              <a:lstStyle/>
+              <a:p>
+                <a:r>
+                  <a:rPr lang="en-GB">
+                    <a:noFill/>
+                  </a:rPr>
+                  <a:t> </a:t>
+                </a:r>
+              </a:p>
+            </p:txBody>
+          </p:sp>
+        </mc:Fallback>
+      </mc:AlternateContent>
+      <p:cxnSp>
+        <p:nvCxnSpPr>
+          <p:cNvPr id="5" name="Straight Connector 4">
+            <a:extLst>
+              <a:ext uri="{FF2B5EF4-FFF2-40B4-BE49-F238E27FC236}">
+                <a16:creationId xmlns:a16="http://schemas.microsoft.com/office/drawing/2014/main" id="{E7DB76BC-9BB3-C940-E209-029E0CFEFBEE}"/>
+              </a:ext>
+            </a:extLst>
+          </p:cNvPr>
+          <p:cNvCxnSpPr/>
+          <p:nvPr/>
+        </p:nvCxnSpPr>
+        <p:spPr>
+          <a:xfrm>
+            <a:off x="220717" y="2443438"/>
+            <a:ext cx="2434196" cy="1084668"/>
+          </a:xfrm>
+          <a:prstGeom prst="line">
+            <a:avLst/>
+          </a:prstGeom>
+        </p:spPr>
+        <p:style>
+          <a:lnRef idx="2">
+            <a:schemeClr val="dk1"/>
+          </a:lnRef>
+          <a:fillRef idx="0">
+            <a:schemeClr val="dk1"/>
+          </a:fillRef>
+          <a:effectRef idx="1">
+            <a:schemeClr val="dk1"/>
+          </a:effectRef>
+          <a:fontRef idx="minor">
+            <a:schemeClr val="tx1"/>
+          </a:fontRef>
+        </p:style>
+      </p:cxnSp>
+      <p:cxnSp>
+        <p:nvCxnSpPr>
+          <p:cNvPr id="6" name="Straight Connector 5">
+            <a:extLst>
+              <a:ext uri="{FF2B5EF4-FFF2-40B4-BE49-F238E27FC236}">
+                <a16:creationId xmlns:a16="http://schemas.microsoft.com/office/drawing/2014/main" id="{28B71C72-F80B-BC53-93C2-C2952E462040}"/>
+              </a:ext>
+            </a:extLst>
+          </p:cNvPr>
+          <p:cNvCxnSpPr/>
+          <p:nvPr/>
+        </p:nvCxnSpPr>
+        <p:spPr>
+          <a:xfrm>
+            <a:off x="220717" y="3228874"/>
+            <a:ext cx="2434196" cy="1084668"/>
+          </a:xfrm>
+          <a:prstGeom prst="line">
+            <a:avLst/>
+          </a:prstGeom>
+        </p:spPr>
+        <p:style>
+          <a:lnRef idx="2">
+            <a:schemeClr val="dk1"/>
+          </a:lnRef>
+          <a:fillRef idx="0">
+            <a:schemeClr val="dk1"/>
+          </a:fillRef>
+          <a:effectRef idx="1">
+            <a:schemeClr val="dk1"/>
+          </a:effectRef>
+          <a:fontRef idx="minor">
+            <a:schemeClr val="tx1"/>
+          </a:fontRef>
+        </p:style>
+      </p:cxnSp>
+      <p:cxnSp>
+        <p:nvCxnSpPr>
+          <p:cNvPr id="7" name="Straight Connector 6">
+            <a:extLst>
+              <a:ext uri="{FF2B5EF4-FFF2-40B4-BE49-F238E27FC236}">
+                <a16:creationId xmlns:a16="http://schemas.microsoft.com/office/drawing/2014/main" id="{F7C1317A-DB69-E3AB-DF7B-14B4C4A341AF}"/>
+              </a:ext>
+            </a:extLst>
+          </p:cNvPr>
+          <p:cNvCxnSpPr>
+            <a:cxnSpLocks/>
+          </p:cNvCxnSpPr>
+          <p:nvPr/>
+        </p:nvCxnSpPr>
+        <p:spPr>
+          <a:xfrm flipV="1">
+            <a:off x="2654913" y="3082144"/>
+            <a:ext cx="1368447" cy="445962"/>
+          </a:xfrm>
+          <a:prstGeom prst="line">
+            <a:avLst/>
+          </a:prstGeom>
+        </p:spPr>
+        <p:style>
+          <a:lnRef idx="2">
+            <a:schemeClr val="dk1"/>
+          </a:lnRef>
+          <a:fillRef idx="0">
+            <a:schemeClr val="dk1"/>
+          </a:fillRef>
+          <a:effectRef idx="1">
+            <a:schemeClr val="dk1"/>
+          </a:effectRef>
+          <a:fontRef idx="minor">
+            <a:schemeClr val="tx1"/>
+          </a:fontRef>
+        </p:style>
+      </p:cxnSp>
+      <p:cxnSp>
+        <p:nvCxnSpPr>
+          <p:cNvPr id="13" name="Straight Connector 12">
+            <a:extLst>
+              <a:ext uri="{FF2B5EF4-FFF2-40B4-BE49-F238E27FC236}">
+                <a16:creationId xmlns:a16="http://schemas.microsoft.com/office/drawing/2014/main" id="{62690880-517B-DC49-3C0F-95704E551FF9}"/>
+              </a:ext>
+            </a:extLst>
+          </p:cNvPr>
+          <p:cNvCxnSpPr>
+            <a:cxnSpLocks/>
+          </p:cNvCxnSpPr>
+          <p:nvPr/>
+        </p:nvCxnSpPr>
+        <p:spPr>
+          <a:xfrm flipV="1">
+            <a:off x="2654912" y="3867580"/>
+            <a:ext cx="1368447" cy="445962"/>
+          </a:xfrm>
+          <a:prstGeom prst="line">
+            <a:avLst/>
+          </a:prstGeom>
+        </p:spPr>
+        <p:style>
+          <a:lnRef idx="2">
+            <a:schemeClr val="dk1"/>
+          </a:lnRef>
+          <a:fillRef idx="0">
+            <a:schemeClr val="dk1"/>
+          </a:fillRef>
+          <a:effectRef idx="1">
+            <a:schemeClr val="dk1"/>
+          </a:effectRef>
+          <a:fontRef idx="minor">
+            <a:schemeClr val="tx1"/>
+          </a:fontRef>
+        </p:style>
+      </p:cxnSp>
+      <p:cxnSp>
+        <p:nvCxnSpPr>
+          <p:cNvPr id="14" name="Straight Connector 13">
+            <a:extLst>
+              <a:ext uri="{FF2B5EF4-FFF2-40B4-BE49-F238E27FC236}">
+                <a16:creationId xmlns:a16="http://schemas.microsoft.com/office/drawing/2014/main" id="{814D020B-5C94-EE10-6EB7-5A66224DBBD4}"/>
+              </a:ext>
+            </a:extLst>
+          </p:cNvPr>
+          <p:cNvCxnSpPr>
+            <a:cxnSpLocks/>
+          </p:cNvCxnSpPr>
+          <p:nvPr/>
+        </p:nvCxnSpPr>
+        <p:spPr>
+          <a:xfrm flipV="1">
+            <a:off x="2654911" y="3528106"/>
+            <a:ext cx="0" cy="785436"/>
+          </a:xfrm>
+          <a:prstGeom prst="line">
+            <a:avLst/>
+          </a:prstGeom>
+        </p:spPr>
+        <p:style>
+          <a:lnRef idx="2">
+            <a:schemeClr val="dk1"/>
+          </a:lnRef>
+          <a:fillRef idx="0">
+            <a:schemeClr val="dk1"/>
+          </a:fillRef>
+          <a:effectRef idx="1">
+            <a:schemeClr val="dk1"/>
+          </a:effectRef>
+          <a:fontRef idx="minor">
+            <a:schemeClr val="tx1"/>
+          </a:fontRef>
+        </p:style>
+      </p:cxnSp>
+      <p:cxnSp>
+        <p:nvCxnSpPr>
+          <p:cNvPr id="18" name="Straight Connector 17">
+            <a:extLst>
+              <a:ext uri="{FF2B5EF4-FFF2-40B4-BE49-F238E27FC236}">
+                <a16:creationId xmlns:a16="http://schemas.microsoft.com/office/drawing/2014/main" id="{5A854165-EE1C-3210-A367-C344D8B27F0C}"/>
+              </a:ext>
+            </a:extLst>
+          </p:cNvPr>
+          <p:cNvCxnSpPr>
+            <a:cxnSpLocks/>
+          </p:cNvCxnSpPr>
+          <p:nvPr/>
+        </p:nvCxnSpPr>
+        <p:spPr>
+          <a:xfrm flipV="1">
+            <a:off x="4023359" y="3082144"/>
+            <a:ext cx="0" cy="785436"/>
+          </a:xfrm>
+          <a:prstGeom prst="line">
+            <a:avLst/>
+          </a:prstGeom>
+        </p:spPr>
+        <p:style>
+          <a:lnRef idx="2">
+            <a:schemeClr val="dk1"/>
+          </a:lnRef>
+          <a:fillRef idx="0">
+            <a:schemeClr val="dk1"/>
+          </a:fillRef>
+          <a:effectRef idx="1">
+            <a:schemeClr val="dk1"/>
+          </a:effectRef>
+          <a:fontRef idx="minor">
+            <a:schemeClr val="tx1"/>
+          </a:fontRef>
+        </p:style>
+      </p:cxnSp>
+      <p:cxnSp>
+        <p:nvCxnSpPr>
+          <p:cNvPr id="19" name="Straight Connector 18">
+            <a:extLst>
+              <a:ext uri="{FF2B5EF4-FFF2-40B4-BE49-F238E27FC236}">
+                <a16:creationId xmlns:a16="http://schemas.microsoft.com/office/drawing/2014/main" id="{9F713B18-7A8D-5768-E418-A192EEE5CB03}"/>
+              </a:ext>
+            </a:extLst>
+          </p:cNvPr>
+          <p:cNvCxnSpPr>
+            <a:cxnSpLocks/>
+          </p:cNvCxnSpPr>
+          <p:nvPr/>
+        </p:nvCxnSpPr>
+        <p:spPr>
+          <a:xfrm flipV="1">
+            <a:off x="220717" y="2443438"/>
+            <a:ext cx="0" cy="785436"/>
+          </a:xfrm>
+          <a:prstGeom prst="line">
+            <a:avLst/>
+          </a:prstGeom>
+        </p:spPr>
+        <p:style>
+          <a:lnRef idx="2">
+            <a:schemeClr val="dk1"/>
+          </a:lnRef>
+          <a:fillRef idx="0">
+            <a:schemeClr val="dk1"/>
+          </a:fillRef>
+          <a:effectRef idx="1">
+            <a:schemeClr val="dk1"/>
+          </a:effectRef>
+          <a:fontRef idx="minor">
+            <a:schemeClr val="tx1"/>
+          </a:fontRef>
+        </p:style>
+      </p:cxnSp>
+      <p:cxnSp>
+        <p:nvCxnSpPr>
+          <p:cNvPr id="20" name="Straight Connector 19">
+            <a:extLst>
+              <a:ext uri="{FF2B5EF4-FFF2-40B4-BE49-F238E27FC236}">
+                <a16:creationId xmlns:a16="http://schemas.microsoft.com/office/drawing/2014/main" id="{D0669758-FA07-079C-F5AC-77F5D05289CF}"/>
+              </a:ext>
+            </a:extLst>
+          </p:cNvPr>
+          <p:cNvCxnSpPr/>
+          <p:nvPr/>
+        </p:nvCxnSpPr>
+        <p:spPr>
+          <a:xfrm>
+            <a:off x="1589163" y="1994590"/>
+            <a:ext cx="2434196" cy="1084668"/>
+          </a:xfrm>
+          <a:prstGeom prst="line">
+            <a:avLst/>
+          </a:prstGeom>
+        </p:spPr>
+        <p:style>
+          <a:lnRef idx="2">
+            <a:schemeClr val="dk1"/>
+          </a:lnRef>
+          <a:fillRef idx="0">
+            <a:schemeClr val="dk1"/>
+          </a:fillRef>
+          <a:effectRef idx="1">
+            <a:schemeClr val="dk1"/>
+          </a:effectRef>
+          <a:fontRef idx="minor">
+            <a:schemeClr val="tx1"/>
+          </a:fontRef>
+        </p:style>
+      </p:cxnSp>
+      <p:cxnSp>
+        <p:nvCxnSpPr>
+          <p:cNvPr id="21" name="Straight Connector 20">
+            <a:extLst>
+              <a:ext uri="{FF2B5EF4-FFF2-40B4-BE49-F238E27FC236}">
+                <a16:creationId xmlns:a16="http://schemas.microsoft.com/office/drawing/2014/main" id="{F2022A77-C1C6-8653-C1DE-F52AB8DDDF38}"/>
+              </a:ext>
+            </a:extLst>
+          </p:cNvPr>
+          <p:cNvCxnSpPr>
+            <a:cxnSpLocks/>
+          </p:cNvCxnSpPr>
+          <p:nvPr/>
+        </p:nvCxnSpPr>
+        <p:spPr>
+          <a:xfrm flipV="1">
+            <a:off x="220716" y="1994590"/>
+            <a:ext cx="1368447" cy="445962"/>
+          </a:xfrm>
+          <a:prstGeom prst="line">
+            <a:avLst/>
+          </a:prstGeom>
+        </p:spPr>
+        <p:style>
+          <a:lnRef idx="2">
+            <a:schemeClr val="dk1"/>
+          </a:lnRef>
+          <a:fillRef idx="0">
+            <a:schemeClr val="dk1"/>
+          </a:fillRef>
+          <a:effectRef idx="1">
+            <a:schemeClr val="dk1"/>
+          </a:effectRef>
+          <a:fontRef idx="minor">
+            <a:schemeClr val="tx1"/>
+          </a:fontRef>
+        </p:style>
+      </p:cxnSp>
+      <p:cxnSp>
+        <p:nvCxnSpPr>
+          <p:cNvPr id="23" name="Straight Arrow Connector 22">
+            <a:extLst>
+              <a:ext uri="{FF2B5EF4-FFF2-40B4-BE49-F238E27FC236}">
+                <a16:creationId xmlns:a16="http://schemas.microsoft.com/office/drawing/2014/main" id="{8FF7121A-80A8-3D24-9762-772CA66CA123}"/>
+              </a:ext>
+            </a:extLst>
+          </p:cNvPr>
+          <p:cNvCxnSpPr/>
+          <p:nvPr/>
+        </p:nvCxnSpPr>
+        <p:spPr>
+          <a:xfrm>
+            <a:off x="220716" y="3429000"/>
+            <a:ext cx="2371135" cy="1092550"/>
+          </a:xfrm>
+          <a:prstGeom prst="straightConnector1">
+            <a:avLst/>
+          </a:prstGeom>
+          <a:ln>
+            <a:headEnd type="triangle"/>
+            <a:tailEnd type="triangle"/>
+          </a:ln>
+        </p:spPr>
+        <p:style>
+          <a:lnRef idx="2">
+            <a:schemeClr val="accent2"/>
+          </a:lnRef>
+          <a:fillRef idx="0">
+            <a:schemeClr val="accent2"/>
+          </a:fillRef>
+          <a:effectRef idx="1">
+            <a:schemeClr val="accent2"/>
+          </a:effectRef>
+          <a:fontRef idx="minor">
+            <a:schemeClr val="tx1"/>
+          </a:fontRef>
+        </p:style>
+      </p:cxnSp>
+      <p:cxnSp>
+        <p:nvCxnSpPr>
+          <p:cNvPr id="24" name="Straight Arrow Connector 23">
+            <a:extLst>
+              <a:ext uri="{FF2B5EF4-FFF2-40B4-BE49-F238E27FC236}">
+                <a16:creationId xmlns:a16="http://schemas.microsoft.com/office/drawing/2014/main" id="{D16B12DF-CB30-2C1A-B274-9A393D1A96BE}"/>
+              </a:ext>
+            </a:extLst>
+          </p:cNvPr>
+          <p:cNvCxnSpPr>
+            <a:cxnSpLocks/>
+          </p:cNvCxnSpPr>
+          <p:nvPr/>
+        </p:nvCxnSpPr>
+        <p:spPr>
+          <a:xfrm flipV="1">
+            <a:off x="2717972" y="4023360"/>
+            <a:ext cx="1374756" cy="447741"/>
+          </a:xfrm>
+          <a:prstGeom prst="straightConnector1">
+            <a:avLst/>
+          </a:prstGeom>
+          <a:ln>
+            <a:headEnd type="triangle"/>
+            <a:tailEnd type="triangle"/>
+          </a:ln>
+        </p:spPr>
+        <p:style>
+          <a:lnRef idx="2">
+            <a:schemeClr val="accent2"/>
+          </a:lnRef>
+          <a:fillRef idx="0">
+            <a:schemeClr val="accent2"/>
+          </a:fillRef>
+          <a:effectRef idx="1">
+            <a:schemeClr val="accent2"/>
+          </a:effectRef>
+          <a:fontRef idx="minor">
+            <a:schemeClr val="tx1"/>
+          </a:fontRef>
+        </p:style>
+      </p:cxnSp>
+      <p:cxnSp>
+        <p:nvCxnSpPr>
+          <p:cNvPr id="27" name="Straight Arrow Connector 26">
+            <a:extLst>
+              <a:ext uri="{FF2B5EF4-FFF2-40B4-BE49-F238E27FC236}">
+                <a16:creationId xmlns:a16="http://schemas.microsoft.com/office/drawing/2014/main" id="{47EF0F99-8AED-83C9-31B5-8566666DCFA5}"/>
+              </a:ext>
+            </a:extLst>
+          </p:cNvPr>
+          <p:cNvCxnSpPr>
+            <a:cxnSpLocks/>
+          </p:cNvCxnSpPr>
+          <p:nvPr/>
+        </p:nvCxnSpPr>
+        <p:spPr>
+          <a:xfrm flipV="1">
+            <a:off x="4149480" y="3025125"/>
+            <a:ext cx="0" cy="895699"/>
+          </a:xfrm>
+          <a:prstGeom prst="straightConnector1">
+            <a:avLst/>
+          </a:prstGeom>
+          <a:ln>
+            <a:headEnd type="triangle"/>
+            <a:tailEnd type="triangle"/>
+          </a:ln>
+        </p:spPr>
+        <p:style>
+          <a:lnRef idx="2">
+            <a:schemeClr val="accent2"/>
+          </a:lnRef>
+          <a:fillRef idx="0">
+            <a:schemeClr val="accent2"/>
+          </a:fillRef>
+          <a:effectRef idx="1">
+            <a:schemeClr val="accent2"/>
+          </a:effectRef>
+          <a:fontRef idx="minor">
+            <a:schemeClr val="tx1"/>
+          </a:fontRef>
+        </p:style>
+      </p:cxnSp>
+      <mc:AlternateContent xmlns:mc="http://schemas.openxmlformats.org/markup-compatibility/2006">
+        <mc:Choice xmlns:a14="http://schemas.microsoft.com/office/drawing/2010/main" Requires="a14">
+          <p:sp>
+            <p:nvSpPr>
+              <p:cNvPr id="30" name="TextBox 29">
+                <a:extLst>
+                  <a:ext uri="{FF2B5EF4-FFF2-40B4-BE49-F238E27FC236}">
+                    <a16:creationId xmlns:a16="http://schemas.microsoft.com/office/drawing/2014/main" id="{ABEC8F3C-5D2C-B5E6-D734-4E769F8B49C9}"/>
+                  </a:ext>
+                </a:extLst>
+              </p:cNvPr>
+              <p:cNvSpPr txBox="1"/>
+              <p:nvPr/>
+            </p:nvSpPr>
+            <p:spPr>
+              <a:xfrm rot="20529838">
+                <a:off x="3086036" y="4182689"/>
+                <a:ext cx="961225" cy="276999"/>
+              </a:xfrm>
+              <a:prstGeom prst="rect">
+                <a:avLst/>
+              </a:prstGeom>
+              <a:noFill/>
+            </p:spPr>
+            <p:txBody>
+              <a:bodyPr wrap="none" lIns="0" tIns="0" rIns="0" bIns="0" rtlCol="0">
+                <a:spAutoFit/>
+              </a:bodyPr>
+              <a:lstStyle/>
+              <a:p>
+                <a14:m>
+                  <m:oMathPara xmlns:m="http://schemas.openxmlformats.org/officeDocument/2006/math">
+                    <m:oMathParaPr>
+                      <m:jc m:val="centerGroup"/>
+                    </m:oMathParaPr>
+                    <m:oMath xmlns:m="http://schemas.openxmlformats.org/officeDocument/2006/math">
+                      <m:r>
+                        <a:rPr lang="fr-FR" b="0" i="1" smtClean="0">
+                          <a:latin typeface="Cambria Math" panose="02040503050406030204" pitchFamily="18" charset="0"/>
+                        </a:rPr>
+                        <m:t>𝑏</m:t>
+                      </m:r>
+                      <m:r>
+                        <a:rPr lang="fr-FR" b="0" i="1" smtClean="0">
+                          <a:latin typeface="Cambria Math" panose="02040503050406030204" pitchFamily="18" charset="0"/>
+                        </a:rPr>
+                        <m:t>=8 </m:t>
+                      </m:r>
+                      <m:r>
+                        <a:rPr lang="fr-FR" b="0" i="1" smtClean="0">
+                          <a:latin typeface="Cambria Math" panose="02040503050406030204" pitchFamily="18" charset="0"/>
+                        </a:rPr>
+                        <m:t>𝑐𝑚</m:t>
+                      </m:r>
+                    </m:oMath>
+                  </m:oMathPara>
+                </a14:m>
+                <a:endParaRPr lang="en-GB" dirty="0"/>
+              </a:p>
+            </p:txBody>
+          </p:sp>
+        </mc:Choice>
+        <mc:Fallback>
+          <p:sp>
+            <p:nvSpPr>
+              <p:cNvPr id="30" name="TextBox 29">
+                <a:extLst>
+                  <a:ext uri="{FF2B5EF4-FFF2-40B4-BE49-F238E27FC236}">
+                    <a16:creationId xmlns:a16="http://schemas.microsoft.com/office/drawing/2014/main" id="{ABEC8F3C-5D2C-B5E6-D734-4E769F8B49C9}"/>
+                  </a:ext>
+                </a:extLst>
+              </p:cNvPr>
+              <p:cNvSpPr txBox="1">
+                <a:spLocks noRot="1" noChangeAspect="1" noMove="1" noResize="1" noEditPoints="1" noAdjustHandles="1" noChangeArrowheads="1" noChangeShapeType="1" noTextEdit="1"/>
+              </p:cNvSpPr>
+              <p:nvPr/>
+            </p:nvSpPr>
+            <p:spPr>
+              <a:xfrm rot="20529838">
+                <a:off x="3086036" y="4182689"/>
+                <a:ext cx="961225" cy="276999"/>
+              </a:xfrm>
+              <a:prstGeom prst="rect">
+                <a:avLst/>
+              </a:prstGeom>
+              <a:blipFill>
+                <a:blip r:embed="rId3"/>
+                <a:stretch>
+                  <a:fillRect l="-5455" r="-2424" b="-6522"/>
+                </a:stretch>
+              </a:blipFill>
+            </p:spPr>
+            <p:txBody>
+              <a:bodyPr/>
+              <a:lstStyle/>
+              <a:p>
+                <a:r>
+                  <a:rPr lang="en-GB">
+                    <a:noFill/>
+                  </a:rPr>
+                  <a:t> </a:t>
+                </a:r>
+              </a:p>
+            </p:txBody>
+          </p:sp>
+        </mc:Fallback>
+      </mc:AlternateContent>
+      <mc:AlternateContent xmlns:mc="http://schemas.openxmlformats.org/markup-compatibility/2006">
+        <mc:Choice xmlns:a14="http://schemas.microsoft.com/office/drawing/2010/main" Requires="a14">
+          <p:sp>
+            <p:nvSpPr>
+              <p:cNvPr id="31" name="TextBox 30">
+                <a:extLst>
+                  <a:ext uri="{FF2B5EF4-FFF2-40B4-BE49-F238E27FC236}">
+                    <a16:creationId xmlns:a16="http://schemas.microsoft.com/office/drawing/2014/main" id="{EC48CA77-D243-6742-3D25-563290156031}"/>
+                  </a:ext>
+                </a:extLst>
+              </p:cNvPr>
+              <p:cNvSpPr txBox="1"/>
+              <p:nvPr/>
+            </p:nvSpPr>
+            <p:spPr>
+              <a:xfrm>
+                <a:off x="3961810" y="2728330"/>
+                <a:ext cx="963341" cy="276999"/>
+              </a:xfrm>
+              <a:prstGeom prst="rect">
+                <a:avLst/>
+              </a:prstGeom>
+              <a:noFill/>
+            </p:spPr>
+            <p:txBody>
+              <a:bodyPr wrap="none" lIns="0" tIns="0" rIns="0" bIns="0" rtlCol="0">
+                <a:spAutoFit/>
+              </a:bodyPr>
+              <a:lstStyle/>
+              <a:p>
+                <a14:m>
+                  <m:oMathPara xmlns:m="http://schemas.openxmlformats.org/officeDocument/2006/math">
+                    <m:oMathParaPr>
+                      <m:jc m:val="centerGroup"/>
+                    </m:oMathParaPr>
+                    <m:oMath xmlns:m="http://schemas.openxmlformats.org/officeDocument/2006/math">
+                      <m:r>
+                        <a:rPr lang="fr-FR" b="0" i="1" smtClean="0">
+                          <a:latin typeface="Cambria Math" panose="02040503050406030204" pitchFamily="18" charset="0"/>
+                        </a:rPr>
+                        <m:t>h</m:t>
+                      </m:r>
+                      <m:r>
+                        <a:rPr lang="fr-FR" b="0" i="1" smtClean="0">
+                          <a:latin typeface="Cambria Math" panose="02040503050406030204" pitchFamily="18" charset="0"/>
+                        </a:rPr>
+                        <m:t>=4 </m:t>
+                      </m:r>
+                      <m:r>
+                        <a:rPr lang="fr-FR" b="0" i="1" smtClean="0">
+                          <a:latin typeface="Cambria Math" panose="02040503050406030204" pitchFamily="18" charset="0"/>
+                        </a:rPr>
+                        <m:t>𝑐𝑚</m:t>
+                      </m:r>
+                    </m:oMath>
+                  </m:oMathPara>
+                </a14:m>
+                <a:endParaRPr lang="en-GB" dirty="0"/>
+              </a:p>
+            </p:txBody>
+          </p:sp>
+        </mc:Choice>
+        <mc:Fallback>
+          <p:sp>
+            <p:nvSpPr>
+              <p:cNvPr id="31" name="TextBox 30">
+                <a:extLst>
+                  <a:ext uri="{FF2B5EF4-FFF2-40B4-BE49-F238E27FC236}">
+                    <a16:creationId xmlns:a16="http://schemas.microsoft.com/office/drawing/2014/main" id="{EC48CA77-D243-6742-3D25-563290156031}"/>
+                  </a:ext>
+                </a:extLst>
+              </p:cNvPr>
+              <p:cNvSpPr txBox="1">
+                <a:spLocks noRot="1" noChangeAspect="1" noMove="1" noResize="1" noEditPoints="1" noAdjustHandles="1" noChangeArrowheads="1" noChangeShapeType="1" noTextEdit="1"/>
+              </p:cNvSpPr>
+              <p:nvPr/>
+            </p:nvSpPr>
+            <p:spPr>
+              <a:xfrm>
+                <a:off x="3961810" y="2728330"/>
+                <a:ext cx="963341" cy="276999"/>
+              </a:xfrm>
+              <a:prstGeom prst="rect">
+                <a:avLst/>
+              </a:prstGeom>
+              <a:blipFill>
+                <a:blip r:embed="rId4"/>
+                <a:stretch>
+                  <a:fillRect l="-6329" r="-3165" b="-8889"/>
+                </a:stretch>
+              </a:blipFill>
+            </p:spPr>
+            <p:txBody>
+              <a:bodyPr/>
+              <a:lstStyle/>
+              <a:p>
+                <a:r>
+                  <a:rPr lang="en-GB">
+                    <a:noFill/>
+                  </a:rPr>
+                  <a:t> </a:t>
+                </a:r>
+              </a:p>
+            </p:txBody>
+          </p:sp>
+        </mc:Fallback>
+      </mc:AlternateContent>
+      <mc:AlternateContent xmlns:mc="http://schemas.openxmlformats.org/markup-compatibility/2006">
+        <mc:Choice xmlns:a14="http://schemas.microsoft.com/office/drawing/2010/main" Requires="a14">
+          <p:sp>
+            <p:nvSpPr>
+              <p:cNvPr id="33" name="TextBox 32">
+                <a:extLst>
+                  <a:ext uri="{FF2B5EF4-FFF2-40B4-BE49-F238E27FC236}">
+                    <a16:creationId xmlns:a16="http://schemas.microsoft.com/office/drawing/2014/main" id="{F9088A17-6F0F-45B8-F534-74405D3A0CF2}"/>
+                  </a:ext>
+                </a:extLst>
+              </p:cNvPr>
+              <p:cNvSpPr txBox="1"/>
+              <p:nvPr/>
+            </p:nvSpPr>
+            <p:spPr>
+              <a:xfrm rot="1456734">
+                <a:off x="766691" y="3969714"/>
+                <a:ext cx="1087542" cy="276999"/>
+              </a:xfrm>
+              <a:prstGeom prst="rect">
+                <a:avLst/>
+              </a:prstGeom>
+              <a:noFill/>
+            </p:spPr>
+            <p:txBody>
+              <a:bodyPr wrap="none" lIns="0" tIns="0" rIns="0" bIns="0" rtlCol="0">
+                <a:spAutoFit/>
+              </a:bodyPr>
+              <a:lstStyle/>
+              <a:p>
+                <a14:m>
+                  <m:oMathPara xmlns:m="http://schemas.openxmlformats.org/officeDocument/2006/math">
+                    <m:oMathParaPr>
+                      <m:jc m:val="centerGroup"/>
+                    </m:oMathParaPr>
+                    <m:oMath xmlns:m="http://schemas.openxmlformats.org/officeDocument/2006/math">
+                      <m:r>
+                        <a:rPr lang="fr-FR" b="0" i="1" smtClean="0">
+                          <a:latin typeface="Cambria Math" panose="02040503050406030204" pitchFamily="18" charset="0"/>
+                        </a:rPr>
+                        <m:t>𝐿</m:t>
+                      </m:r>
+                      <m:r>
+                        <a:rPr lang="fr-FR" b="0" i="1" smtClean="0">
+                          <a:latin typeface="Cambria Math" panose="02040503050406030204" pitchFamily="18" charset="0"/>
+                        </a:rPr>
+                        <m:t>=24 </m:t>
+                      </m:r>
+                      <m:r>
+                        <a:rPr lang="fr-FR" b="0" i="1" smtClean="0">
+                          <a:latin typeface="Cambria Math" panose="02040503050406030204" pitchFamily="18" charset="0"/>
+                        </a:rPr>
+                        <m:t>𝑐𝑚</m:t>
+                      </m:r>
+                    </m:oMath>
+                  </m:oMathPara>
+                </a14:m>
+                <a:endParaRPr lang="en-GB" dirty="0"/>
+              </a:p>
+            </p:txBody>
+          </p:sp>
+        </mc:Choice>
+        <mc:Fallback>
+          <p:sp>
+            <p:nvSpPr>
+              <p:cNvPr id="33" name="TextBox 32">
+                <a:extLst>
+                  <a:ext uri="{FF2B5EF4-FFF2-40B4-BE49-F238E27FC236}">
+                    <a16:creationId xmlns:a16="http://schemas.microsoft.com/office/drawing/2014/main" id="{F9088A17-6F0F-45B8-F534-74405D3A0CF2}"/>
+                  </a:ext>
+                </a:extLst>
+              </p:cNvPr>
+              <p:cNvSpPr txBox="1">
+                <a:spLocks noRot="1" noChangeAspect="1" noMove="1" noResize="1" noEditPoints="1" noAdjustHandles="1" noChangeArrowheads="1" noChangeShapeType="1" noTextEdit="1"/>
+              </p:cNvSpPr>
+              <p:nvPr/>
+            </p:nvSpPr>
+            <p:spPr>
+              <a:xfrm rot="1456734">
+                <a:off x="766691" y="3969714"/>
+                <a:ext cx="1087542" cy="276999"/>
+              </a:xfrm>
+              <a:prstGeom prst="rect">
+                <a:avLst/>
+              </a:prstGeom>
+              <a:blipFill>
+                <a:blip r:embed="rId5"/>
+                <a:stretch>
+                  <a:fillRect l="-4945" t="-862" b="-862"/>
+                </a:stretch>
+              </a:blipFill>
+            </p:spPr>
+            <p:txBody>
+              <a:bodyPr/>
+              <a:lstStyle/>
+              <a:p>
+                <a:r>
+                  <a:rPr lang="en-GB">
+                    <a:noFill/>
+                  </a:rPr>
+                  <a:t> </a:t>
+                </a:r>
+              </a:p>
+            </p:txBody>
+          </p:sp>
+        </mc:Fallback>
+      </mc:AlternateContent>
+      <mc:AlternateContent xmlns:mc="http://schemas.openxmlformats.org/markup-compatibility/2006">
+        <mc:Choice xmlns:a14="http://schemas.microsoft.com/office/drawing/2010/main" Requires="a14">
+          <p:sp>
+            <p:nvSpPr>
+              <p:cNvPr id="34" name="TextBox 33">
+                <a:extLst>
+                  <a:ext uri="{FF2B5EF4-FFF2-40B4-BE49-F238E27FC236}">
+                    <a16:creationId xmlns:a16="http://schemas.microsoft.com/office/drawing/2014/main" id="{57438053-5A5F-77E2-7330-A1032FBBA535}"/>
+                  </a:ext>
+                </a:extLst>
+              </p:cNvPr>
+              <p:cNvSpPr txBox="1"/>
+              <p:nvPr/>
+            </p:nvSpPr>
+            <p:spPr>
+              <a:xfrm>
+                <a:off x="996531" y="2251336"/>
+                <a:ext cx="1311385" cy="553998"/>
+              </a:xfrm>
+              <a:prstGeom prst="rect">
+                <a:avLst/>
+              </a:prstGeom>
+              <a:noFill/>
+            </p:spPr>
+            <p:txBody>
+              <a:bodyPr wrap="none" lIns="0" tIns="0" rIns="0" bIns="0" rtlCol="0">
+                <a:spAutoFit/>
+              </a:bodyPr>
+              <a:lstStyle/>
+              <a:p>
+                <a:pPr/>
+                <a14:m>
+                  <m:oMathPara xmlns:m="http://schemas.openxmlformats.org/officeDocument/2006/math">
+                    <m:oMathParaPr>
+                      <m:jc m:val="left"/>
+                    </m:oMathParaPr>
+                    <m:oMath xmlns:m="http://schemas.openxmlformats.org/officeDocument/2006/math">
+                      <m:r>
+                        <a:rPr lang="fr-FR" b="0" i="1" smtClean="0">
+                          <a:latin typeface="Cambria Math" panose="02040503050406030204" pitchFamily="18" charset="0"/>
+                        </a:rPr>
+                        <m:t>𝐸</m:t>
+                      </m:r>
+                      <m:r>
+                        <a:rPr lang="fr-FR" b="0" i="1" smtClean="0">
+                          <a:latin typeface="Cambria Math" panose="02040503050406030204" pitchFamily="18" charset="0"/>
+                        </a:rPr>
+                        <m:t>=20 </m:t>
+                      </m:r>
+                      <m:r>
+                        <a:rPr lang="fr-FR" b="0" i="1" smtClean="0">
+                          <a:latin typeface="Cambria Math" panose="02040503050406030204" pitchFamily="18" charset="0"/>
+                        </a:rPr>
+                        <m:t>𝑀𝑃𝑎</m:t>
+                      </m:r>
+                    </m:oMath>
+                  </m:oMathPara>
+                </a14:m>
+                <a:endParaRPr lang="fr-FR" b="0" dirty="0"/>
+              </a:p>
+              <a:p>
+                <a:pPr/>
+                <a14:m>
+                  <m:oMathPara xmlns:m="http://schemas.openxmlformats.org/officeDocument/2006/math">
+                    <m:oMathParaPr>
+                      <m:jc m:val="left"/>
+                    </m:oMathParaPr>
+                    <m:oMath xmlns:m="http://schemas.openxmlformats.org/officeDocument/2006/math">
+                      <m:r>
+                        <a:rPr lang="en-GB" i="1" smtClean="0">
+                          <a:latin typeface="Cambria Math" panose="02040503050406030204" pitchFamily="18" charset="0"/>
+                        </a:rPr>
+                        <m:t>𝜈</m:t>
+                      </m:r>
+                      <m:r>
+                        <a:rPr lang="fr-FR" b="0" i="1" smtClean="0">
+                          <a:latin typeface="Cambria Math" panose="02040503050406030204" pitchFamily="18" charset="0"/>
+                        </a:rPr>
+                        <m:t>=0.4</m:t>
+                      </m:r>
+                    </m:oMath>
+                  </m:oMathPara>
+                </a14:m>
+                <a:endParaRPr lang="en-GB" dirty="0"/>
+              </a:p>
+            </p:txBody>
+          </p:sp>
+        </mc:Choice>
+        <mc:Fallback>
+          <p:sp>
+            <p:nvSpPr>
+              <p:cNvPr id="34" name="TextBox 33">
+                <a:extLst>
+                  <a:ext uri="{FF2B5EF4-FFF2-40B4-BE49-F238E27FC236}">
+                    <a16:creationId xmlns:a16="http://schemas.microsoft.com/office/drawing/2014/main" id="{57438053-5A5F-77E2-7330-A1032FBBA535}"/>
+                  </a:ext>
+                </a:extLst>
+              </p:cNvPr>
+              <p:cNvSpPr txBox="1">
+                <a:spLocks noRot="1" noChangeAspect="1" noMove="1" noResize="1" noEditPoints="1" noAdjustHandles="1" noChangeArrowheads="1" noChangeShapeType="1" noTextEdit="1"/>
+              </p:cNvSpPr>
+              <p:nvPr/>
+            </p:nvSpPr>
+            <p:spPr>
+              <a:xfrm>
+                <a:off x="996531" y="2251336"/>
+                <a:ext cx="1311385" cy="553998"/>
+              </a:xfrm>
+              <a:prstGeom prst="rect">
+                <a:avLst/>
+              </a:prstGeom>
+              <a:blipFill>
+                <a:blip r:embed="rId6"/>
+                <a:stretch>
+                  <a:fillRect l="-6019" b="-3297"/>
+                </a:stretch>
+              </a:blipFill>
+            </p:spPr>
+            <p:txBody>
+              <a:bodyPr/>
+              <a:lstStyle/>
+              <a:p>
+                <a:r>
+                  <a:rPr lang="en-GB">
+                    <a:noFill/>
+                  </a:rPr>
+                  <a:t> </a:t>
+                </a:r>
+              </a:p>
+            </p:txBody>
+          </p:sp>
+        </mc:Fallback>
+      </mc:AlternateContent>
+      <mc:AlternateContent xmlns:mc="http://schemas.openxmlformats.org/markup-compatibility/2006">
+        <mc:Choice xmlns:a14="http://schemas.microsoft.com/office/drawing/2010/main" Requires="a14">
+          <p:sp>
+            <p:nvSpPr>
+              <p:cNvPr id="35" name="TextBox 34">
+                <a:extLst>
+                  <a:ext uri="{FF2B5EF4-FFF2-40B4-BE49-F238E27FC236}">
+                    <a16:creationId xmlns:a16="http://schemas.microsoft.com/office/drawing/2014/main" id="{BBCF9757-BD7F-825E-BBF5-A47B9F61CC5A}"/>
+                  </a:ext>
+                </a:extLst>
+              </p:cNvPr>
+              <p:cNvSpPr txBox="1"/>
+              <p:nvPr/>
+            </p:nvSpPr>
+            <p:spPr>
+              <a:xfrm>
+                <a:off x="4975599" y="1726528"/>
+                <a:ext cx="7216402" cy="4250907"/>
+              </a:xfrm>
+              <a:prstGeom prst="rect">
+                <a:avLst/>
+              </a:prstGeom>
+              <a:noFill/>
+            </p:spPr>
+            <p:txBody>
+              <a:bodyPr wrap="square" rtlCol="0">
+                <a:spAutoFit/>
+              </a:bodyPr>
+              <a:lstStyle/>
+              <a:p>
+                <a:pPr algn="just"/>
+                <a:r>
+                  <a:rPr lang="fr-FR" noProof="0" dirty="0">
+                    <a:latin typeface="Times New Roman" panose="02020603050405020304" pitchFamily="18" charset="0"/>
+                    <a:cs typeface="Times New Roman" panose="02020603050405020304" pitchFamily="18" charset="0"/>
+                  </a:rPr>
+                  <a:t>On applique une force </a:t>
+                </a:r>
+                <a14:m>
+                  <m:oMath xmlns:m="http://schemas.openxmlformats.org/officeDocument/2006/math">
+                    <m:r>
+                      <a:rPr lang="fr-FR" b="0" i="1" noProof="0" smtClean="0">
+                        <a:latin typeface="Cambria Math" panose="02040503050406030204" pitchFamily="18" charset="0"/>
+                        <a:cs typeface="Times New Roman" panose="02020603050405020304" pitchFamily="18" charset="0"/>
+                      </a:rPr>
+                      <m:t>𝐹</m:t>
+                    </m:r>
+                    <m:r>
+                      <a:rPr lang="fr-FR" b="0" i="1" noProof="0" smtClean="0">
+                        <a:latin typeface="Cambria Math" panose="02040503050406030204" pitchFamily="18" charset="0"/>
+                        <a:cs typeface="Times New Roman" panose="02020603050405020304" pitchFamily="18" charset="0"/>
+                      </a:rPr>
+                      <m:t>=−30 </m:t>
+                    </m:r>
+                    <m:r>
+                      <a:rPr lang="fr-FR" b="0" i="1" noProof="0" smtClean="0">
+                        <a:latin typeface="Cambria Math" panose="02040503050406030204" pitchFamily="18" charset="0"/>
+                        <a:cs typeface="Times New Roman" panose="02020603050405020304" pitchFamily="18" charset="0"/>
+                      </a:rPr>
+                      <m:t>𝑁</m:t>
+                    </m:r>
+                  </m:oMath>
+                </a14:m>
+                <a:r>
+                  <a:rPr lang="fr-FR" noProof="0" dirty="0">
+                    <a:latin typeface="Times New Roman" panose="02020603050405020304" pitchFamily="18" charset="0"/>
+                    <a:cs typeface="Times New Roman" panose="02020603050405020304" pitchFamily="18" charset="0"/>
+                  </a:rPr>
+                  <a:t>, on encastre l’autre section de la poutre et on définit un matériau proche de la résine qui sera utilisé pour la vérification de solution. Pour ce problème</a:t>
+                </a:r>
+                <a:r>
+                  <a:rPr lang="fr-FR" dirty="0">
+                    <a:latin typeface="Times New Roman" panose="02020603050405020304" pitchFamily="18" charset="0"/>
+                    <a:cs typeface="Times New Roman" panose="02020603050405020304" pitchFamily="18" charset="0"/>
+                  </a:rPr>
+                  <a:t>, nous avons une solution analytique bien connue du calcul structurel tel que la flèche maximale est donnée par :</a:t>
+                </a:r>
+              </a:p>
+              <a:p>
+                <a:pPr algn="just"/>
+                <a14:m>
+                  <m:oMathPara xmlns:m="http://schemas.openxmlformats.org/officeDocument/2006/math">
+                    <m:oMathParaPr>
+                      <m:jc m:val="centerGroup"/>
+                    </m:oMathParaPr>
+                    <m:oMath xmlns:m="http://schemas.openxmlformats.org/officeDocument/2006/math">
+                      <m:sSub>
+                        <m:sSubPr>
+                          <m:ctrlPr>
+                            <a:rPr lang="fr-FR" b="0" i="1" smtClean="0">
+                              <a:latin typeface="Cambria Math" panose="02040503050406030204" pitchFamily="18" charset="0"/>
+                              <a:cs typeface="Times New Roman" panose="02020603050405020304" pitchFamily="18" charset="0"/>
+                            </a:rPr>
+                          </m:ctrlPr>
+                        </m:sSubPr>
+                        <m:e>
+                          <m:r>
+                            <a:rPr lang="fr-FR" b="0" i="1" smtClean="0">
+                              <a:latin typeface="Cambria Math" panose="02040503050406030204" pitchFamily="18" charset="0"/>
+                              <a:cs typeface="Times New Roman" panose="02020603050405020304" pitchFamily="18" charset="0"/>
+                            </a:rPr>
+                            <m:t>𝑦</m:t>
+                          </m:r>
+                        </m:e>
+                        <m:sub>
+                          <m:r>
+                            <a:rPr lang="fr-FR" b="0" i="1" smtClean="0">
+                              <a:latin typeface="Cambria Math" panose="02040503050406030204" pitchFamily="18" charset="0"/>
+                              <a:cs typeface="Times New Roman" panose="02020603050405020304" pitchFamily="18" charset="0"/>
+                            </a:rPr>
+                            <m:t>𝑚𝑎𝑥</m:t>
+                          </m:r>
+                        </m:sub>
+                      </m:sSub>
+                      <m:r>
+                        <a:rPr lang="fr-FR" b="0" i="1" smtClean="0">
+                          <a:latin typeface="Cambria Math" panose="02040503050406030204" pitchFamily="18" charset="0"/>
+                          <a:cs typeface="Times New Roman" panose="02020603050405020304" pitchFamily="18" charset="0"/>
+                        </a:rPr>
+                        <m:t>=</m:t>
+                      </m:r>
+                      <m:f>
+                        <m:fPr>
+                          <m:ctrlPr>
+                            <a:rPr lang="fr-FR" b="0" i="1" smtClean="0">
+                              <a:latin typeface="Cambria Math" panose="02040503050406030204" pitchFamily="18" charset="0"/>
+                              <a:cs typeface="Times New Roman" panose="02020603050405020304" pitchFamily="18" charset="0"/>
+                            </a:rPr>
+                          </m:ctrlPr>
+                        </m:fPr>
+                        <m:num>
+                          <m:r>
+                            <a:rPr lang="fr-FR" b="0" i="1" smtClean="0">
+                              <a:latin typeface="Cambria Math" panose="02040503050406030204" pitchFamily="18" charset="0"/>
+                              <a:cs typeface="Times New Roman" panose="02020603050405020304" pitchFamily="18" charset="0"/>
+                            </a:rPr>
+                            <m:t>𝐹</m:t>
+                          </m:r>
+                          <m:sSup>
+                            <m:sSupPr>
+                              <m:ctrlPr>
+                                <a:rPr lang="fr-FR" b="0" i="1" smtClean="0">
+                                  <a:latin typeface="Cambria Math" panose="02040503050406030204" pitchFamily="18" charset="0"/>
+                                  <a:cs typeface="Times New Roman" panose="02020603050405020304" pitchFamily="18" charset="0"/>
+                                </a:rPr>
+                              </m:ctrlPr>
+                            </m:sSupPr>
+                            <m:e>
+                              <m:r>
+                                <a:rPr lang="fr-FR" b="0" i="1" smtClean="0">
+                                  <a:latin typeface="Cambria Math" panose="02040503050406030204" pitchFamily="18" charset="0"/>
+                                  <a:cs typeface="Times New Roman" panose="02020603050405020304" pitchFamily="18" charset="0"/>
+                                </a:rPr>
+                                <m:t>𝐿</m:t>
+                              </m:r>
+                            </m:e>
+                            <m:sup>
+                              <m:r>
+                                <a:rPr lang="fr-FR" b="0" i="1" smtClean="0">
+                                  <a:latin typeface="Cambria Math" panose="02040503050406030204" pitchFamily="18" charset="0"/>
+                                  <a:cs typeface="Times New Roman" panose="02020603050405020304" pitchFamily="18" charset="0"/>
+                                </a:rPr>
+                                <m:t>3</m:t>
+                              </m:r>
+                            </m:sup>
+                          </m:sSup>
+                        </m:num>
+                        <m:den>
+                          <m:r>
+                            <a:rPr lang="fr-FR" b="0" i="1" smtClean="0">
+                              <a:latin typeface="Cambria Math" panose="02040503050406030204" pitchFamily="18" charset="0"/>
+                              <a:cs typeface="Times New Roman" panose="02020603050405020304" pitchFamily="18" charset="0"/>
+                            </a:rPr>
+                            <m:t>3</m:t>
+                          </m:r>
+                          <m:r>
+                            <a:rPr lang="fr-FR" b="0" i="1" smtClean="0">
+                              <a:latin typeface="Cambria Math" panose="02040503050406030204" pitchFamily="18" charset="0"/>
+                              <a:cs typeface="Times New Roman" panose="02020603050405020304" pitchFamily="18" charset="0"/>
+                            </a:rPr>
+                            <m:t>𝐸𝐼</m:t>
+                          </m:r>
+                        </m:den>
+                      </m:f>
+                    </m:oMath>
+                  </m:oMathPara>
+                </a14:m>
+                <a:endParaRPr lang="fr-FR" noProof="0" dirty="0">
+                  <a:latin typeface="Times New Roman" panose="02020603050405020304" pitchFamily="18" charset="0"/>
+                  <a:cs typeface="Times New Roman" panose="02020603050405020304" pitchFamily="18" charset="0"/>
+                </a:endParaRPr>
+              </a:p>
+              <a:p>
+                <a:pPr algn="just"/>
+                <a:endParaRPr lang="fr-FR" noProof="0" dirty="0">
+                  <a:latin typeface="Times New Roman" panose="02020603050405020304" pitchFamily="18" charset="0"/>
+                  <a:cs typeface="Times New Roman" panose="02020603050405020304" pitchFamily="18" charset="0"/>
+                </a:endParaRPr>
+              </a:p>
+              <a:p>
+                <a:pPr algn="just"/>
+                <a:r>
+                  <a:rPr lang="fr-FR" noProof="0" dirty="0">
+                    <a:latin typeface="Times New Roman" panose="02020603050405020304" pitchFamily="18" charset="0"/>
+                    <a:cs typeface="Times New Roman" panose="02020603050405020304" pitchFamily="18" charset="0"/>
+                  </a:rPr>
+                  <a:t>Plus généralement, pour </a:t>
+                </a:r>
+                <a14:m>
+                  <m:oMath xmlns:m="http://schemas.openxmlformats.org/officeDocument/2006/math">
+                    <m:r>
+                      <a:rPr lang="fr-FR" b="0" i="1" noProof="0" smtClean="0">
+                        <a:latin typeface="Cambria Math" panose="02040503050406030204" pitchFamily="18" charset="0"/>
+                        <a:cs typeface="Times New Roman" panose="02020603050405020304" pitchFamily="18" charset="0"/>
+                      </a:rPr>
+                      <m:t>𝑥</m:t>
+                    </m:r>
+                    <m:r>
+                      <a:rPr lang="fr-FR" b="0" i="1" noProof="0" smtClean="0">
+                        <a:latin typeface="Cambria Math" panose="02040503050406030204" pitchFamily="18" charset="0"/>
+                        <a:ea typeface="Cambria Math" panose="02040503050406030204" pitchFamily="18" charset="0"/>
+                        <a:cs typeface="Times New Roman" panose="02020603050405020304" pitchFamily="18" charset="0"/>
+                      </a:rPr>
+                      <m:t>∈[0;</m:t>
+                    </m:r>
+                    <m:r>
+                      <a:rPr lang="fr-FR" b="0" i="1" noProof="0" smtClean="0">
+                        <a:latin typeface="Cambria Math" panose="02040503050406030204" pitchFamily="18" charset="0"/>
+                        <a:ea typeface="Cambria Math" panose="02040503050406030204" pitchFamily="18" charset="0"/>
+                        <a:cs typeface="Times New Roman" panose="02020603050405020304" pitchFamily="18" charset="0"/>
+                      </a:rPr>
+                      <m:t>𝐿</m:t>
+                    </m:r>
+                    <m:r>
+                      <a:rPr lang="fr-FR" b="0" i="1" noProof="0" smtClean="0">
+                        <a:latin typeface="Cambria Math" panose="02040503050406030204" pitchFamily="18" charset="0"/>
+                        <a:ea typeface="Cambria Math" panose="02040503050406030204" pitchFamily="18" charset="0"/>
+                        <a:cs typeface="Times New Roman" panose="02020603050405020304" pitchFamily="18" charset="0"/>
+                      </a:rPr>
+                      <m:t>]</m:t>
+                    </m:r>
+                  </m:oMath>
+                </a14:m>
+                <a:r>
+                  <a:rPr lang="fr-FR" noProof="0" dirty="0">
+                    <a:latin typeface="Times New Roman" panose="02020603050405020304" pitchFamily="18" charset="0"/>
+                    <a:cs typeface="Times New Roman" panose="02020603050405020304" pitchFamily="18" charset="0"/>
+                  </a:rPr>
+                  <a:t>, nous avons la flèche </a:t>
+                </a:r>
+                <a14:m>
+                  <m:oMath xmlns:m="http://schemas.openxmlformats.org/officeDocument/2006/math">
+                    <m:r>
+                      <a:rPr lang="fr-FR" b="0" i="1" noProof="0" smtClean="0">
+                        <a:latin typeface="Cambria Math" panose="02040503050406030204" pitchFamily="18" charset="0"/>
+                        <a:cs typeface="Times New Roman" panose="02020603050405020304" pitchFamily="18" charset="0"/>
+                      </a:rPr>
+                      <m:t>𝑦</m:t>
+                    </m:r>
+                    <m:r>
+                      <a:rPr lang="fr-FR" b="0" i="1" noProof="0" smtClean="0">
+                        <a:latin typeface="Cambria Math" panose="02040503050406030204" pitchFamily="18" charset="0"/>
+                        <a:cs typeface="Times New Roman" panose="02020603050405020304" pitchFamily="18" charset="0"/>
+                      </a:rPr>
+                      <m:t>(</m:t>
+                    </m:r>
+                    <m:r>
+                      <a:rPr lang="fr-FR" b="0" i="1" noProof="0" smtClean="0">
+                        <a:latin typeface="Cambria Math" panose="02040503050406030204" pitchFamily="18" charset="0"/>
+                        <a:cs typeface="Times New Roman" panose="02020603050405020304" pitchFamily="18" charset="0"/>
+                      </a:rPr>
+                      <m:t>𝑥</m:t>
+                    </m:r>
+                    <m:r>
+                      <a:rPr lang="fr-FR" b="0" i="1" noProof="0" smtClean="0">
+                        <a:latin typeface="Cambria Math" panose="02040503050406030204" pitchFamily="18" charset="0"/>
+                        <a:cs typeface="Times New Roman" panose="02020603050405020304" pitchFamily="18" charset="0"/>
+                      </a:rPr>
+                      <m:t>)</m:t>
+                    </m:r>
+                  </m:oMath>
+                </a14:m>
+                <a:r>
+                  <a:rPr lang="fr-FR" noProof="0" dirty="0">
+                    <a:latin typeface="Times New Roman" panose="02020603050405020304" pitchFamily="18" charset="0"/>
+                    <a:cs typeface="Times New Roman" panose="02020603050405020304" pitchFamily="18" charset="0"/>
+                  </a:rPr>
+                  <a:t> tel que : </a:t>
+                </a:r>
+              </a:p>
+              <a:p>
+                <a:pPr algn="just"/>
+                <a:endParaRPr lang="fr-FR" dirty="0">
+                  <a:latin typeface="Times New Roman" panose="02020603050405020304" pitchFamily="18" charset="0"/>
+                  <a:cs typeface="Times New Roman" panose="02020603050405020304" pitchFamily="18" charset="0"/>
+                </a:endParaRPr>
+              </a:p>
+              <a:p>
+                <a:pPr algn="just"/>
+                <a14:m>
+                  <m:oMathPara xmlns:m="http://schemas.openxmlformats.org/officeDocument/2006/math">
+                    <m:oMathParaPr>
+                      <m:jc m:val="centerGroup"/>
+                    </m:oMathParaPr>
+                    <m:oMath xmlns:m="http://schemas.openxmlformats.org/officeDocument/2006/math">
+                      <m:r>
+                        <a:rPr lang="fr-FR" b="0" i="1" noProof="0" smtClean="0">
+                          <a:latin typeface="Cambria Math" panose="02040503050406030204" pitchFamily="18" charset="0"/>
+                          <a:cs typeface="Times New Roman" panose="02020603050405020304" pitchFamily="18" charset="0"/>
+                        </a:rPr>
+                        <m:t>𝑦</m:t>
+                      </m:r>
+                      <m:d>
+                        <m:dPr>
+                          <m:ctrlPr>
+                            <a:rPr lang="fr-FR" b="0" i="1" noProof="0" smtClean="0">
+                              <a:latin typeface="Cambria Math" panose="02040503050406030204" pitchFamily="18" charset="0"/>
+                              <a:cs typeface="Times New Roman" panose="02020603050405020304" pitchFamily="18" charset="0"/>
+                            </a:rPr>
+                          </m:ctrlPr>
+                        </m:dPr>
+                        <m:e>
+                          <m:r>
+                            <a:rPr lang="fr-FR" b="0" i="1" noProof="0" smtClean="0">
+                              <a:latin typeface="Cambria Math" panose="02040503050406030204" pitchFamily="18" charset="0"/>
+                              <a:cs typeface="Times New Roman" panose="02020603050405020304" pitchFamily="18" charset="0"/>
+                            </a:rPr>
+                            <m:t>𝑥</m:t>
+                          </m:r>
+                        </m:e>
+                      </m:d>
+                      <m:r>
+                        <a:rPr lang="fr-FR" b="0" i="1" noProof="0" smtClean="0">
+                          <a:latin typeface="Cambria Math" panose="02040503050406030204" pitchFamily="18" charset="0"/>
+                          <a:cs typeface="Times New Roman" panose="02020603050405020304" pitchFamily="18" charset="0"/>
+                        </a:rPr>
+                        <m:t>=</m:t>
+                      </m:r>
+                      <m:f>
+                        <m:fPr>
+                          <m:ctrlPr>
+                            <a:rPr lang="fr-FR" i="1">
+                              <a:latin typeface="Cambria Math" panose="02040503050406030204" pitchFamily="18" charset="0"/>
+                              <a:cs typeface="Times New Roman" panose="02020603050405020304" pitchFamily="18" charset="0"/>
+                            </a:rPr>
+                          </m:ctrlPr>
+                        </m:fPr>
+                        <m:num>
+                          <m:r>
+                            <a:rPr lang="fr-FR" i="1">
+                              <a:latin typeface="Cambria Math" panose="02040503050406030204" pitchFamily="18" charset="0"/>
+                              <a:cs typeface="Times New Roman" panose="02020603050405020304" pitchFamily="18" charset="0"/>
+                            </a:rPr>
+                            <m:t>𝐹</m:t>
+                          </m:r>
+                          <m:sSup>
+                            <m:sSupPr>
+                              <m:ctrlPr>
+                                <a:rPr lang="fr-FR" b="0" i="1" smtClean="0">
+                                  <a:latin typeface="Cambria Math" panose="02040503050406030204" pitchFamily="18" charset="0"/>
+                                  <a:cs typeface="Times New Roman" panose="02020603050405020304" pitchFamily="18" charset="0"/>
+                                </a:rPr>
+                              </m:ctrlPr>
+                            </m:sSupPr>
+                            <m:e>
+                              <m:r>
+                                <a:rPr lang="fr-FR" b="0" i="1" smtClean="0">
+                                  <a:latin typeface="Cambria Math" panose="02040503050406030204" pitchFamily="18" charset="0"/>
+                                  <a:cs typeface="Times New Roman" panose="02020603050405020304" pitchFamily="18" charset="0"/>
+                                </a:rPr>
+                                <m:t>𝑥</m:t>
+                              </m:r>
+                            </m:e>
+                            <m:sup>
+                              <m:r>
+                                <a:rPr lang="fr-FR" b="0" i="1" smtClean="0">
+                                  <a:latin typeface="Cambria Math" panose="02040503050406030204" pitchFamily="18" charset="0"/>
+                                  <a:cs typeface="Times New Roman" panose="02020603050405020304" pitchFamily="18" charset="0"/>
+                                </a:rPr>
+                                <m:t>2</m:t>
+                              </m:r>
+                            </m:sup>
+                          </m:sSup>
+                        </m:num>
+                        <m:den>
+                          <m:r>
+                            <a:rPr lang="fr-FR" i="1">
+                              <a:latin typeface="Cambria Math" panose="02040503050406030204" pitchFamily="18" charset="0"/>
+                              <a:cs typeface="Times New Roman" panose="02020603050405020304" pitchFamily="18" charset="0"/>
+                            </a:rPr>
+                            <m:t>3</m:t>
+                          </m:r>
+                          <m:r>
+                            <a:rPr lang="fr-FR" i="1">
+                              <a:latin typeface="Cambria Math" panose="02040503050406030204" pitchFamily="18" charset="0"/>
+                              <a:cs typeface="Times New Roman" panose="02020603050405020304" pitchFamily="18" charset="0"/>
+                            </a:rPr>
+                            <m:t>𝐸𝐼</m:t>
+                          </m:r>
+                        </m:den>
+                      </m:f>
+                      <m:d>
+                        <m:dPr>
+                          <m:begChr m:val="["/>
+                          <m:endChr m:val="]"/>
+                          <m:ctrlPr>
+                            <a:rPr lang="fr-FR" i="1" smtClean="0">
+                              <a:latin typeface="Cambria Math" panose="02040503050406030204" pitchFamily="18" charset="0"/>
+                              <a:cs typeface="Times New Roman" panose="02020603050405020304" pitchFamily="18" charset="0"/>
+                            </a:rPr>
+                          </m:ctrlPr>
+                        </m:dPr>
+                        <m:e>
+                          <m:r>
+                            <a:rPr lang="fr-FR" b="0" i="1" smtClean="0">
+                              <a:latin typeface="Cambria Math" panose="02040503050406030204" pitchFamily="18" charset="0"/>
+                              <a:cs typeface="Times New Roman" panose="02020603050405020304" pitchFamily="18" charset="0"/>
+                            </a:rPr>
+                            <m:t>3</m:t>
+                          </m:r>
+                          <m:r>
+                            <a:rPr lang="fr-FR" b="0" i="1" smtClean="0">
+                              <a:latin typeface="Cambria Math" panose="02040503050406030204" pitchFamily="18" charset="0"/>
+                              <a:cs typeface="Times New Roman" panose="02020603050405020304" pitchFamily="18" charset="0"/>
+                            </a:rPr>
+                            <m:t>𝐿</m:t>
+                          </m:r>
+                          <m:r>
+                            <a:rPr lang="fr-FR" b="0" i="1" smtClean="0">
+                              <a:latin typeface="Cambria Math" panose="02040503050406030204" pitchFamily="18" charset="0"/>
+                              <a:cs typeface="Times New Roman" panose="02020603050405020304" pitchFamily="18" charset="0"/>
+                            </a:rPr>
+                            <m:t>−</m:t>
+                          </m:r>
+                          <m:r>
+                            <a:rPr lang="fr-FR" b="0" i="1" smtClean="0">
+                              <a:latin typeface="Cambria Math" panose="02040503050406030204" pitchFamily="18" charset="0"/>
+                              <a:cs typeface="Times New Roman" panose="02020603050405020304" pitchFamily="18" charset="0"/>
+                            </a:rPr>
+                            <m:t>𝑥</m:t>
+                          </m:r>
+                        </m:e>
+                      </m:d>
+                    </m:oMath>
+                  </m:oMathPara>
+                </a14:m>
+                <a:endParaRPr lang="fr-FR" noProof="0" dirty="0">
+                  <a:latin typeface="Times New Roman" panose="02020603050405020304" pitchFamily="18" charset="0"/>
+                  <a:cs typeface="Times New Roman" panose="02020603050405020304" pitchFamily="18" charset="0"/>
+                </a:endParaRPr>
+              </a:p>
+              <a:p>
+                <a:pPr algn="just"/>
+                <a:endParaRPr lang="fr-FR" dirty="0">
+                  <a:latin typeface="Times New Roman" panose="02020603050405020304" pitchFamily="18" charset="0"/>
+                  <a:cs typeface="Times New Roman" panose="02020603050405020304" pitchFamily="18" charset="0"/>
+                </a:endParaRPr>
+              </a:p>
+              <a:p>
+                <a:pPr algn="just"/>
+                <a:r>
+                  <a:rPr lang="fr-FR" dirty="0">
+                    <a:latin typeface="Times New Roman" panose="02020603050405020304" pitchFamily="18" charset="0"/>
+                    <a:cs typeface="Times New Roman" panose="02020603050405020304" pitchFamily="18" charset="0"/>
+                  </a:rPr>
+                  <a:t>Nous allons donc comparer la solution obtenue avec Ansys afin de calculer l’erreur de discrétisation </a:t>
+                </a:r>
+                <a14:m>
+                  <m:oMath xmlns:m="http://schemas.openxmlformats.org/officeDocument/2006/math">
+                    <m:sSub>
+                      <m:sSubPr>
+                        <m:ctrlPr>
+                          <a:rPr lang="fr-FR" b="0" i="1" smtClean="0">
+                            <a:latin typeface="Cambria Math" panose="02040503050406030204" pitchFamily="18" charset="0"/>
+                            <a:ea typeface="Cambria Math" panose="02040503050406030204" pitchFamily="18" charset="0"/>
+                            <a:cs typeface="Times New Roman" panose="02020603050405020304" pitchFamily="18" charset="0"/>
+                          </a:rPr>
+                        </m:ctrlPr>
+                      </m:sSubPr>
+                      <m:e>
+                        <m:r>
+                          <a:rPr lang="fr-FR" i="1" smtClean="0">
+                            <a:latin typeface="Cambria Math" panose="02040503050406030204" pitchFamily="18" charset="0"/>
+                            <a:ea typeface="Cambria Math" panose="02040503050406030204" pitchFamily="18" charset="0"/>
+                            <a:cs typeface="Times New Roman" panose="02020603050405020304" pitchFamily="18" charset="0"/>
+                          </a:rPr>
+                          <m:t>𝜀</m:t>
+                        </m:r>
+                      </m:e>
+                      <m:sub>
+                        <m:r>
+                          <a:rPr lang="fr-FR" b="0" i="1" smtClean="0">
+                            <a:latin typeface="Cambria Math" panose="02040503050406030204" pitchFamily="18" charset="0"/>
+                            <a:ea typeface="Cambria Math" panose="02040503050406030204" pitchFamily="18" charset="0"/>
+                            <a:cs typeface="Times New Roman" panose="02020603050405020304" pitchFamily="18" charset="0"/>
+                          </a:rPr>
+                          <m:t>h</m:t>
+                        </m:r>
+                      </m:sub>
+                    </m:sSub>
+                  </m:oMath>
+                </a14:m>
+                <a:r>
+                  <a:rPr lang="fr-FR" dirty="0">
+                    <a:latin typeface="Times New Roman" panose="02020603050405020304" pitchFamily="18" charset="0"/>
+                    <a:cs typeface="Times New Roman" panose="02020603050405020304" pitchFamily="18" charset="0"/>
+                  </a:rPr>
+                  <a:t> pour plusieurs maillages. </a:t>
+                </a:r>
+              </a:p>
+            </p:txBody>
+          </p:sp>
+        </mc:Choice>
+        <mc:Fallback>
+          <p:sp>
+            <p:nvSpPr>
+              <p:cNvPr id="35" name="TextBox 34">
+                <a:extLst>
+                  <a:ext uri="{FF2B5EF4-FFF2-40B4-BE49-F238E27FC236}">
+                    <a16:creationId xmlns:a16="http://schemas.microsoft.com/office/drawing/2014/main" id="{BBCF9757-BD7F-825E-BBF5-A47B9F61CC5A}"/>
+                  </a:ext>
+                </a:extLst>
+              </p:cNvPr>
+              <p:cNvSpPr txBox="1">
+                <a:spLocks noRot="1" noChangeAspect="1" noMove="1" noResize="1" noEditPoints="1" noAdjustHandles="1" noChangeArrowheads="1" noChangeShapeType="1" noTextEdit="1"/>
+              </p:cNvSpPr>
+              <p:nvPr/>
+            </p:nvSpPr>
+            <p:spPr>
+              <a:xfrm>
+                <a:off x="4975599" y="1726528"/>
+                <a:ext cx="7216402" cy="4250907"/>
+              </a:xfrm>
+              <a:prstGeom prst="rect">
+                <a:avLst/>
+              </a:prstGeom>
+              <a:blipFill>
+                <a:blip r:embed="rId7"/>
+                <a:stretch>
+                  <a:fillRect l="-676" t="-716" r="-760" b="-1289"/>
+                </a:stretch>
+              </a:blipFill>
+            </p:spPr>
+            <p:txBody>
+              <a:bodyPr/>
+              <a:lstStyle/>
+              <a:p>
+                <a:r>
+                  <a:rPr lang="en-GB">
+                    <a:noFill/>
+                  </a:rPr>
+                  <a:t> </a:t>
+                </a:r>
+              </a:p>
+            </p:txBody>
+          </p:sp>
+        </mc:Fallback>
+      </mc:AlternateContent>
+      <mc:AlternateContent xmlns:mc="http://schemas.openxmlformats.org/markup-compatibility/2006">
+        <mc:Choice xmlns:a14="http://schemas.microsoft.com/office/drawing/2010/main" Requires="a14">
+          <p:sp>
+            <p:nvSpPr>
+              <p:cNvPr id="37" name="TextBox 36">
+                <a:extLst>
+                  <a:ext uri="{FF2B5EF4-FFF2-40B4-BE49-F238E27FC236}">
+                    <a16:creationId xmlns:a16="http://schemas.microsoft.com/office/drawing/2014/main" id="{8228AAD3-C604-5297-887F-FD4EA2C65FCD}"/>
+                  </a:ext>
+                </a:extLst>
+              </p:cNvPr>
+              <p:cNvSpPr txBox="1"/>
+              <p:nvPr/>
+            </p:nvSpPr>
+            <p:spPr>
+              <a:xfrm>
+                <a:off x="1" y="4736978"/>
+                <a:ext cx="4149480" cy="1754326"/>
+              </a:xfrm>
+              <a:prstGeom prst="rect">
+                <a:avLst/>
+              </a:prstGeom>
+              <a:noFill/>
+            </p:spPr>
+            <p:txBody>
+              <a:bodyPr wrap="square" rtlCol="0">
+                <a:spAutoFit/>
+              </a:bodyPr>
+              <a:lstStyle/>
+              <a:p>
+                <a:pPr algn="just"/>
+                <a:r>
+                  <a:rPr lang="fr-FR" noProof="0" dirty="0">
+                    <a:latin typeface="Times New Roman" panose="02020603050405020304" pitchFamily="18" charset="0"/>
+                    <a:cs typeface="Times New Roman" panose="02020603050405020304" pitchFamily="18" charset="0"/>
+                  </a:rPr>
+                  <a:t>Soit </a:t>
+                </a:r>
+                <a14:m>
+                  <m:oMath xmlns:m="http://schemas.openxmlformats.org/officeDocument/2006/math">
+                    <m:r>
+                      <a:rPr lang="fr-FR" b="0" i="1" smtClean="0">
+                        <a:latin typeface="Cambria Math" panose="02040503050406030204" pitchFamily="18" charset="0"/>
+                        <a:cs typeface="Times New Roman" panose="02020603050405020304" pitchFamily="18" charset="0"/>
+                      </a:rPr>
+                      <m:t>𝐼</m:t>
+                    </m:r>
+                    <m:r>
+                      <a:rPr lang="fr-FR" b="0" i="1" smtClean="0">
+                        <a:latin typeface="Cambria Math" panose="02040503050406030204" pitchFamily="18" charset="0"/>
+                        <a:cs typeface="Times New Roman" panose="02020603050405020304" pitchFamily="18" charset="0"/>
+                      </a:rPr>
+                      <m:t> </m:t>
+                    </m:r>
+                  </m:oMath>
+                </a14:m>
+                <a:r>
+                  <a:rPr lang="fr-FR" noProof="0" dirty="0">
+                    <a:latin typeface="Times New Roman" panose="02020603050405020304" pitchFamily="18" charset="0"/>
+                    <a:cs typeface="Times New Roman" panose="02020603050405020304" pitchFamily="18" charset="0"/>
+                  </a:rPr>
+                  <a:t>le moment quadratique, qui pour une section rectangulaire est calculé à l’aide de la formule suivante : </a:t>
+                </a:r>
+              </a:p>
+              <a:p>
+                <a:pPr algn="just"/>
+                <a:endParaRPr lang="fr-FR" dirty="0">
+                  <a:latin typeface="Times New Roman" panose="02020603050405020304" pitchFamily="18" charset="0"/>
+                  <a:cs typeface="Times New Roman" panose="02020603050405020304" pitchFamily="18" charset="0"/>
+                </a:endParaRPr>
+              </a:p>
+              <a:p>
+                <a:pPr algn="just"/>
+                <a14:m>
+                  <m:oMathPara xmlns:m="http://schemas.openxmlformats.org/officeDocument/2006/math">
+                    <m:oMathParaPr>
+                      <m:jc m:val="centerGroup"/>
+                    </m:oMathParaPr>
+                    <m:oMath xmlns:m="http://schemas.openxmlformats.org/officeDocument/2006/math">
+                      <m:r>
+                        <a:rPr lang="fr-FR" b="0" i="1" smtClean="0">
+                          <a:latin typeface="Cambria Math" panose="02040503050406030204" pitchFamily="18" charset="0"/>
+                          <a:cs typeface="Times New Roman" panose="02020603050405020304" pitchFamily="18" charset="0"/>
+                        </a:rPr>
+                        <m:t>𝐼</m:t>
+                      </m:r>
+                      <m:r>
+                        <a:rPr lang="fr-FR" b="0" i="1" smtClean="0">
+                          <a:latin typeface="Cambria Math" panose="02040503050406030204" pitchFamily="18" charset="0"/>
+                          <a:cs typeface="Times New Roman" panose="02020603050405020304" pitchFamily="18" charset="0"/>
+                        </a:rPr>
+                        <m:t>=</m:t>
+                      </m:r>
+                      <m:f>
+                        <m:fPr>
+                          <m:ctrlPr>
+                            <a:rPr lang="fr-FR" b="0" i="1" smtClean="0">
+                              <a:latin typeface="Cambria Math" panose="02040503050406030204" pitchFamily="18" charset="0"/>
+                              <a:cs typeface="Times New Roman" panose="02020603050405020304" pitchFamily="18" charset="0"/>
+                            </a:rPr>
+                          </m:ctrlPr>
+                        </m:fPr>
+                        <m:num>
+                          <m:r>
+                            <a:rPr lang="fr-FR" b="0" i="1" smtClean="0">
+                              <a:latin typeface="Cambria Math" panose="02040503050406030204" pitchFamily="18" charset="0"/>
+                              <a:cs typeface="Times New Roman" panose="02020603050405020304" pitchFamily="18" charset="0"/>
+                            </a:rPr>
+                            <m:t>𝑏</m:t>
+                          </m:r>
+                          <m:sSup>
+                            <m:sSupPr>
+                              <m:ctrlPr>
+                                <a:rPr lang="fr-FR" b="0" i="1" smtClean="0">
+                                  <a:latin typeface="Cambria Math" panose="02040503050406030204" pitchFamily="18" charset="0"/>
+                                  <a:cs typeface="Times New Roman" panose="02020603050405020304" pitchFamily="18" charset="0"/>
+                                </a:rPr>
+                              </m:ctrlPr>
+                            </m:sSupPr>
+                            <m:e>
+                              <m:r>
+                                <a:rPr lang="fr-FR" b="0" i="1" smtClean="0">
+                                  <a:latin typeface="Cambria Math" panose="02040503050406030204" pitchFamily="18" charset="0"/>
+                                  <a:cs typeface="Times New Roman" panose="02020603050405020304" pitchFamily="18" charset="0"/>
+                                </a:rPr>
+                                <m:t>h</m:t>
+                              </m:r>
+                            </m:e>
+                            <m:sup>
+                              <m:r>
+                                <a:rPr lang="fr-FR" b="0" i="1" smtClean="0">
+                                  <a:latin typeface="Cambria Math" panose="02040503050406030204" pitchFamily="18" charset="0"/>
+                                  <a:cs typeface="Times New Roman" panose="02020603050405020304" pitchFamily="18" charset="0"/>
+                                </a:rPr>
+                                <m:t>3</m:t>
+                              </m:r>
+                            </m:sup>
+                          </m:sSup>
+                        </m:num>
+                        <m:den>
+                          <m:r>
+                            <a:rPr lang="fr-FR" b="0" i="1" smtClean="0">
+                              <a:latin typeface="Cambria Math" panose="02040503050406030204" pitchFamily="18" charset="0"/>
+                              <a:cs typeface="Times New Roman" panose="02020603050405020304" pitchFamily="18" charset="0"/>
+                            </a:rPr>
+                            <m:t>12</m:t>
+                          </m:r>
+                        </m:den>
+                      </m:f>
+                      <m:r>
+                        <a:rPr lang="fr-FR" b="0" i="1" smtClean="0">
+                          <a:latin typeface="Cambria Math" panose="02040503050406030204" pitchFamily="18" charset="0"/>
+                          <a:cs typeface="Times New Roman" panose="02020603050405020304" pitchFamily="18" charset="0"/>
+                        </a:rPr>
+                        <m:t>=4.2667×</m:t>
+                      </m:r>
+                      <m:sSup>
+                        <m:sSupPr>
+                          <m:ctrlPr>
+                            <a:rPr lang="fr-FR" b="0" i="1" smtClean="0">
+                              <a:latin typeface="Cambria Math" panose="02040503050406030204" pitchFamily="18" charset="0"/>
+                              <a:cs typeface="Times New Roman" panose="02020603050405020304" pitchFamily="18" charset="0"/>
+                            </a:rPr>
+                          </m:ctrlPr>
+                        </m:sSupPr>
+                        <m:e>
+                          <m:r>
+                            <a:rPr lang="fr-FR" b="0" i="1" smtClean="0">
+                              <a:latin typeface="Cambria Math" panose="02040503050406030204" pitchFamily="18" charset="0"/>
+                              <a:cs typeface="Times New Roman" panose="02020603050405020304" pitchFamily="18" charset="0"/>
+                            </a:rPr>
+                            <m:t>10</m:t>
+                          </m:r>
+                        </m:e>
+                        <m:sup>
+                          <m:r>
+                            <a:rPr lang="fr-FR" b="0" i="1" smtClean="0">
+                              <a:latin typeface="Cambria Math" panose="02040503050406030204" pitchFamily="18" charset="0"/>
+                              <a:cs typeface="Times New Roman" panose="02020603050405020304" pitchFamily="18" charset="0"/>
+                            </a:rPr>
+                            <m:t>−7</m:t>
+                          </m:r>
+                        </m:sup>
+                      </m:sSup>
+                      <m:sSup>
+                        <m:sSupPr>
+                          <m:ctrlPr>
+                            <a:rPr lang="fr-FR" b="0" i="1" smtClean="0">
+                              <a:latin typeface="Cambria Math" panose="02040503050406030204" pitchFamily="18" charset="0"/>
+                              <a:cs typeface="Times New Roman" panose="02020603050405020304" pitchFamily="18" charset="0"/>
+                            </a:rPr>
+                          </m:ctrlPr>
+                        </m:sSupPr>
+                        <m:e>
+                          <m:r>
+                            <a:rPr lang="fr-FR" b="0" i="1" smtClean="0">
+                              <a:latin typeface="Cambria Math" panose="02040503050406030204" pitchFamily="18" charset="0"/>
+                              <a:cs typeface="Times New Roman" panose="02020603050405020304" pitchFamily="18" charset="0"/>
+                            </a:rPr>
+                            <m:t>𝑚</m:t>
+                          </m:r>
+                        </m:e>
+                        <m:sup>
+                          <m:r>
+                            <a:rPr lang="fr-FR" b="0" i="1" smtClean="0">
+                              <a:latin typeface="Cambria Math" panose="02040503050406030204" pitchFamily="18" charset="0"/>
+                              <a:cs typeface="Times New Roman" panose="02020603050405020304" pitchFamily="18" charset="0"/>
+                            </a:rPr>
+                            <m:t>4</m:t>
+                          </m:r>
+                        </m:sup>
+                      </m:sSup>
+                    </m:oMath>
+                  </m:oMathPara>
+                </a14:m>
+                <a:endParaRPr lang="fr-FR" noProof="0" dirty="0">
+                  <a:latin typeface="Times New Roman" panose="02020603050405020304" pitchFamily="18" charset="0"/>
+                  <a:cs typeface="Times New Roman" panose="02020603050405020304" pitchFamily="18" charset="0"/>
+                </a:endParaRPr>
+              </a:p>
+            </p:txBody>
+          </p:sp>
+        </mc:Choice>
+        <mc:Fallback>
+          <p:sp>
+            <p:nvSpPr>
+              <p:cNvPr id="37" name="TextBox 36">
+                <a:extLst>
+                  <a:ext uri="{FF2B5EF4-FFF2-40B4-BE49-F238E27FC236}">
+                    <a16:creationId xmlns:a16="http://schemas.microsoft.com/office/drawing/2014/main" id="{8228AAD3-C604-5297-887F-FD4EA2C65FCD}"/>
+                  </a:ext>
+                </a:extLst>
+              </p:cNvPr>
+              <p:cNvSpPr txBox="1">
+                <a:spLocks noRot="1" noChangeAspect="1" noMove="1" noResize="1" noEditPoints="1" noAdjustHandles="1" noChangeArrowheads="1" noChangeShapeType="1" noTextEdit="1"/>
+              </p:cNvSpPr>
+              <p:nvPr/>
+            </p:nvSpPr>
+            <p:spPr>
+              <a:xfrm>
+                <a:off x="1" y="4736978"/>
+                <a:ext cx="4149480" cy="1754326"/>
+              </a:xfrm>
+              <a:prstGeom prst="rect">
+                <a:avLst/>
+              </a:prstGeom>
+              <a:blipFill>
+                <a:blip r:embed="rId8"/>
+                <a:stretch>
+                  <a:fillRect l="-1175" t="-1736" r="-1175"/>
+                </a:stretch>
+              </a:blipFill>
+            </p:spPr>
+            <p:txBody>
+              <a:bodyPr/>
+              <a:lstStyle/>
+              <a:p>
+                <a:r>
+                  <a:rPr lang="en-GB">
+                    <a:noFill/>
+                  </a:rPr>
+                  <a:t> </a:t>
+                </a:r>
+              </a:p>
+            </p:txBody>
+          </p:sp>
+        </mc:Fallback>
+      </mc:AlternateContent>
+      <p:grpSp>
+        <p:nvGrpSpPr>
+          <p:cNvPr id="48" name="Group 47">
+            <a:extLst>
+              <a:ext uri="{FF2B5EF4-FFF2-40B4-BE49-F238E27FC236}">
+                <a16:creationId xmlns:a16="http://schemas.microsoft.com/office/drawing/2014/main" id="{373738C1-F8F4-0DF7-7C92-E9FA80748F7C}"/>
+              </a:ext>
+            </a:extLst>
+          </p:cNvPr>
+          <p:cNvGrpSpPr/>
+          <p:nvPr/>
+        </p:nvGrpSpPr>
+        <p:grpSpPr>
+          <a:xfrm rot="4244367">
+            <a:off x="587523" y="1525897"/>
+            <a:ext cx="199697" cy="1123906"/>
+            <a:chOff x="1061106" y="4512704"/>
+            <a:chExt cx="199697" cy="1123906"/>
+          </a:xfrm>
+        </p:grpSpPr>
+        <p:cxnSp>
+          <p:nvCxnSpPr>
+            <p:cNvPr id="38" name="Straight Connector 37">
+              <a:extLst>
+                <a:ext uri="{FF2B5EF4-FFF2-40B4-BE49-F238E27FC236}">
+                  <a16:creationId xmlns:a16="http://schemas.microsoft.com/office/drawing/2014/main" id="{A7636B28-15D7-0DD9-67A0-F82A247F8224}"/>
+                </a:ext>
+              </a:extLst>
+            </p:cNvPr>
+            <p:cNvCxnSpPr/>
+            <p:nvPr/>
+          </p:nvCxnSpPr>
+          <p:spPr>
+            <a:xfrm>
+              <a:off x="1260803" y="4512704"/>
+              <a:ext cx="0" cy="920706"/>
+            </a:xfrm>
+            <a:prstGeom prst="line">
+              <a:avLst/>
+            </a:prstGeom>
+            <a:ln w="38100">
+              <a:solidFill>
+                <a:srgbClr val="BAE2F4"/>
+              </a:solidFill>
+            </a:ln>
+          </p:spPr>
+          <p:style>
+            <a:lnRef idx="2">
+              <a:schemeClr val="accent1"/>
+            </a:lnRef>
+            <a:fillRef idx="0">
+              <a:schemeClr val="accent1"/>
+            </a:fillRef>
+            <a:effectRef idx="1">
+              <a:schemeClr val="accent1"/>
+            </a:effectRef>
+            <a:fontRef idx="minor">
+              <a:schemeClr val="tx1"/>
+            </a:fontRef>
+          </p:style>
+        </p:cxnSp>
+        <p:cxnSp>
+          <p:nvCxnSpPr>
+            <p:cNvPr id="40" name="Straight Connector 39">
+              <a:extLst>
+                <a:ext uri="{FF2B5EF4-FFF2-40B4-BE49-F238E27FC236}">
+                  <a16:creationId xmlns:a16="http://schemas.microsoft.com/office/drawing/2014/main" id="{57E3D6AE-1205-55ED-7A2E-92C84BC319CC}"/>
+                </a:ext>
+              </a:extLst>
+            </p:cNvPr>
+            <p:cNvCxnSpPr>
+              <a:cxnSpLocks/>
+            </p:cNvCxnSpPr>
+            <p:nvPr/>
+          </p:nvCxnSpPr>
+          <p:spPr>
+            <a:xfrm flipH="1">
+              <a:off x="1061106" y="4524375"/>
+              <a:ext cx="199697" cy="197835"/>
+            </a:xfrm>
+            <a:prstGeom prst="line">
+              <a:avLst/>
+            </a:prstGeom>
+            <a:ln w="38100">
+              <a:solidFill>
+                <a:srgbClr val="BAE2F4"/>
+              </a:solidFill>
+            </a:ln>
+          </p:spPr>
+          <p:style>
+            <a:lnRef idx="2">
+              <a:schemeClr val="accent1"/>
+            </a:lnRef>
+            <a:fillRef idx="0">
+              <a:schemeClr val="accent1"/>
+            </a:fillRef>
+            <a:effectRef idx="1">
+              <a:schemeClr val="accent1"/>
+            </a:effectRef>
+            <a:fontRef idx="minor">
+              <a:schemeClr val="tx1"/>
+            </a:fontRef>
+          </p:style>
+        </p:cxnSp>
+        <p:cxnSp>
+          <p:nvCxnSpPr>
+            <p:cNvPr id="41" name="Straight Connector 40">
+              <a:extLst>
+                <a:ext uri="{FF2B5EF4-FFF2-40B4-BE49-F238E27FC236}">
+                  <a16:creationId xmlns:a16="http://schemas.microsoft.com/office/drawing/2014/main" id="{95A7D25A-E2B1-2C66-CDE7-4724DA093947}"/>
+                </a:ext>
+              </a:extLst>
+            </p:cNvPr>
+            <p:cNvCxnSpPr>
+              <a:cxnSpLocks/>
+            </p:cNvCxnSpPr>
+            <p:nvPr/>
+          </p:nvCxnSpPr>
+          <p:spPr>
+            <a:xfrm flipH="1">
+              <a:off x="1061106" y="4655004"/>
+              <a:ext cx="199697" cy="197835"/>
+            </a:xfrm>
+            <a:prstGeom prst="line">
+              <a:avLst/>
+            </a:prstGeom>
+            <a:ln w="38100">
+              <a:solidFill>
+                <a:srgbClr val="BAE2F4"/>
+              </a:solidFill>
+            </a:ln>
+          </p:spPr>
+          <p:style>
+            <a:lnRef idx="2">
+              <a:schemeClr val="accent1"/>
+            </a:lnRef>
+            <a:fillRef idx="0">
+              <a:schemeClr val="accent1"/>
+            </a:fillRef>
+            <a:effectRef idx="1">
+              <a:schemeClr val="accent1"/>
+            </a:effectRef>
+            <a:fontRef idx="minor">
+              <a:schemeClr val="tx1"/>
+            </a:fontRef>
+          </p:style>
+        </p:cxnSp>
+        <p:cxnSp>
+          <p:nvCxnSpPr>
+            <p:cNvPr id="42" name="Straight Connector 41">
+              <a:extLst>
+                <a:ext uri="{FF2B5EF4-FFF2-40B4-BE49-F238E27FC236}">
+                  <a16:creationId xmlns:a16="http://schemas.microsoft.com/office/drawing/2014/main" id="{BF955E54-6BF8-A8BB-F637-5F4E73A56D69}"/>
+                </a:ext>
+              </a:extLst>
+            </p:cNvPr>
+            <p:cNvCxnSpPr>
+              <a:cxnSpLocks/>
+            </p:cNvCxnSpPr>
+            <p:nvPr/>
+          </p:nvCxnSpPr>
+          <p:spPr>
+            <a:xfrm flipH="1">
+              <a:off x="1061106" y="4785633"/>
+              <a:ext cx="199697" cy="197835"/>
+            </a:xfrm>
+            <a:prstGeom prst="line">
+              <a:avLst/>
+            </a:prstGeom>
+            <a:ln w="38100">
+              <a:solidFill>
+                <a:srgbClr val="BAE2F4"/>
+              </a:solidFill>
+            </a:ln>
+          </p:spPr>
+          <p:style>
+            <a:lnRef idx="2">
+              <a:schemeClr val="accent1"/>
+            </a:lnRef>
+            <a:fillRef idx="0">
+              <a:schemeClr val="accent1"/>
+            </a:fillRef>
+            <a:effectRef idx="1">
+              <a:schemeClr val="accent1"/>
+            </a:effectRef>
+            <a:fontRef idx="minor">
+              <a:schemeClr val="tx1"/>
+            </a:fontRef>
+          </p:style>
+        </p:cxnSp>
+        <p:cxnSp>
+          <p:nvCxnSpPr>
+            <p:cNvPr id="43" name="Straight Connector 42">
+              <a:extLst>
+                <a:ext uri="{FF2B5EF4-FFF2-40B4-BE49-F238E27FC236}">
+                  <a16:creationId xmlns:a16="http://schemas.microsoft.com/office/drawing/2014/main" id="{382046EB-0122-CDF1-0346-22A54CC85E64}"/>
+                </a:ext>
+              </a:extLst>
+            </p:cNvPr>
+            <p:cNvCxnSpPr>
+              <a:cxnSpLocks/>
+            </p:cNvCxnSpPr>
+            <p:nvPr/>
+          </p:nvCxnSpPr>
+          <p:spPr>
+            <a:xfrm flipH="1">
+              <a:off x="1061106" y="4916262"/>
+              <a:ext cx="199697" cy="197835"/>
+            </a:xfrm>
+            <a:prstGeom prst="line">
+              <a:avLst/>
+            </a:prstGeom>
+            <a:ln w="38100">
+              <a:solidFill>
+                <a:srgbClr val="BAE2F4"/>
+              </a:solidFill>
+            </a:ln>
+          </p:spPr>
+          <p:style>
+            <a:lnRef idx="2">
+              <a:schemeClr val="accent1"/>
+            </a:lnRef>
+            <a:fillRef idx="0">
+              <a:schemeClr val="accent1"/>
+            </a:fillRef>
+            <a:effectRef idx="1">
+              <a:schemeClr val="accent1"/>
+            </a:effectRef>
+            <a:fontRef idx="minor">
+              <a:schemeClr val="tx1"/>
+            </a:fontRef>
+          </p:style>
+        </p:cxnSp>
+        <p:cxnSp>
+          <p:nvCxnSpPr>
+            <p:cNvPr id="44" name="Straight Connector 43">
+              <a:extLst>
+                <a:ext uri="{FF2B5EF4-FFF2-40B4-BE49-F238E27FC236}">
+                  <a16:creationId xmlns:a16="http://schemas.microsoft.com/office/drawing/2014/main" id="{45D4099C-324D-B1C2-3C90-3D4720BFBD69}"/>
+                </a:ext>
+              </a:extLst>
+            </p:cNvPr>
+            <p:cNvCxnSpPr>
+              <a:cxnSpLocks/>
+            </p:cNvCxnSpPr>
+            <p:nvPr/>
+          </p:nvCxnSpPr>
+          <p:spPr>
+            <a:xfrm flipH="1">
+              <a:off x="1061106" y="5046891"/>
+              <a:ext cx="199697" cy="197835"/>
+            </a:xfrm>
+            <a:prstGeom prst="line">
+              <a:avLst/>
+            </a:prstGeom>
+            <a:ln w="38100">
+              <a:solidFill>
+                <a:srgbClr val="BAE2F4"/>
+              </a:solidFill>
+            </a:ln>
+          </p:spPr>
+          <p:style>
+            <a:lnRef idx="2">
+              <a:schemeClr val="accent1"/>
+            </a:lnRef>
+            <a:fillRef idx="0">
+              <a:schemeClr val="accent1"/>
+            </a:fillRef>
+            <a:effectRef idx="1">
+              <a:schemeClr val="accent1"/>
+            </a:effectRef>
+            <a:fontRef idx="minor">
+              <a:schemeClr val="tx1"/>
+            </a:fontRef>
+          </p:style>
+        </p:cxnSp>
+        <p:cxnSp>
+          <p:nvCxnSpPr>
+            <p:cNvPr id="45" name="Straight Connector 44">
+              <a:extLst>
+                <a:ext uri="{FF2B5EF4-FFF2-40B4-BE49-F238E27FC236}">
+                  <a16:creationId xmlns:a16="http://schemas.microsoft.com/office/drawing/2014/main" id="{F9B2B4C9-C9FE-977A-C0CA-EC0EA65F6625}"/>
+                </a:ext>
+              </a:extLst>
+            </p:cNvPr>
+            <p:cNvCxnSpPr>
+              <a:cxnSpLocks/>
+            </p:cNvCxnSpPr>
+            <p:nvPr/>
+          </p:nvCxnSpPr>
+          <p:spPr>
+            <a:xfrm flipH="1">
+              <a:off x="1061106" y="5177520"/>
+              <a:ext cx="199697" cy="197835"/>
+            </a:xfrm>
+            <a:prstGeom prst="line">
+              <a:avLst/>
+            </a:prstGeom>
+            <a:ln w="38100">
+              <a:solidFill>
+                <a:srgbClr val="BAE2F4"/>
+              </a:solidFill>
+            </a:ln>
+          </p:spPr>
+          <p:style>
+            <a:lnRef idx="2">
+              <a:schemeClr val="accent1"/>
+            </a:lnRef>
+            <a:fillRef idx="0">
+              <a:schemeClr val="accent1"/>
+            </a:fillRef>
+            <a:effectRef idx="1">
+              <a:schemeClr val="accent1"/>
+            </a:effectRef>
+            <a:fontRef idx="minor">
+              <a:schemeClr val="tx1"/>
+            </a:fontRef>
+          </p:style>
+        </p:cxnSp>
+        <p:cxnSp>
+          <p:nvCxnSpPr>
+            <p:cNvPr id="46" name="Straight Connector 45">
+              <a:extLst>
+                <a:ext uri="{FF2B5EF4-FFF2-40B4-BE49-F238E27FC236}">
+                  <a16:creationId xmlns:a16="http://schemas.microsoft.com/office/drawing/2014/main" id="{08093AFB-006C-6339-7A93-ECB7A663C22A}"/>
+                </a:ext>
+              </a:extLst>
+            </p:cNvPr>
+            <p:cNvCxnSpPr>
+              <a:cxnSpLocks/>
+            </p:cNvCxnSpPr>
+            <p:nvPr/>
+          </p:nvCxnSpPr>
+          <p:spPr>
+            <a:xfrm flipH="1">
+              <a:off x="1061106" y="5438775"/>
+              <a:ext cx="199697" cy="197835"/>
+            </a:xfrm>
+            <a:prstGeom prst="line">
+              <a:avLst/>
+            </a:prstGeom>
+            <a:ln w="38100">
+              <a:solidFill>
+                <a:srgbClr val="BAE2F4"/>
+              </a:solidFill>
+            </a:ln>
+          </p:spPr>
+          <p:style>
+            <a:lnRef idx="2">
+              <a:schemeClr val="accent1"/>
+            </a:lnRef>
+            <a:fillRef idx="0">
+              <a:schemeClr val="accent1"/>
+            </a:fillRef>
+            <a:effectRef idx="1">
+              <a:schemeClr val="accent1"/>
+            </a:effectRef>
+            <a:fontRef idx="minor">
+              <a:schemeClr val="tx1"/>
+            </a:fontRef>
+          </p:style>
+        </p:cxnSp>
+        <p:cxnSp>
+          <p:nvCxnSpPr>
+            <p:cNvPr id="47" name="Straight Connector 46">
+              <a:extLst>
+                <a:ext uri="{FF2B5EF4-FFF2-40B4-BE49-F238E27FC236}">
+                  <a16:creationId xmlns:a16="http://schemas.microsoft.com/office/drawing/2014/main" id="{93982DD8-09BB-4BD6-061A-ACD51224AF63}"/>
+                </a:ext>
+              </a:extLst>
+            </p:cNvPr>
+            <p:cNvCxnSpPr>
+              <a:cxnSpLocks/>
+            </p:cNvCxnSpPr>
+            <p:nvPr/>
+          </p:nvCxnSpPr>
+          <p:spPr>
+            <a:xfrm flipH="1">
+              <a:off x="1061106" y="5308149"/>
+              <a:ext cx="199697" cy="197835"/>
+            </a:xfrm>
+            <a:prstGeom prst="line">
+              <a:avLst/>
+            </a:prstGeom>
+            <a:ln w="38100">
+              <a:solidFill>
+                <a:srgbClr val="BAE2F4"/>
+              </a:solidFill>
+            </a:ln>
+          </p:spPr>
+          <p:style>
+            <a:lnRef idx="2">
+              <a:schemeClr val="accent1"/>
+            </a:lnRef>
+            <a:fillRef idx="0">
+              <a:schemeClr val="accent1"/>
+            </a:fillRef>
+            <a:effectRef idx="1">
+              <a:schemeClr val="accent1"/>
+            </a:effectRef>
+            <a:fontRef idx="minor">
+              <a:schemeClr val="tx1"/>
+            </a:fontRef>
+          </p:style>
+        </p:cxnSp>
+      </p:grpSp>
+      <p:cxnSp>
+        <p:nvCxnSpPr>
+          <p:cNvPr id="49" name="Straight Arrow Connector 48">
+            <a:extLst>
+              <a:ext uri="{FF2B5EF4-FFF2-40B4-BE49-F238E27FC236}">
+                <a16:creationId xmlns:a16="http://schemas.microsoft.com/office/drawing/2014/main" id="{7AD041D5-1EBB-4508-AA12-9AF67DDAD96D}"/>
+              </a:ext>
+            </a:extLst>
+          </p:cNvPr>
+          <p:cNvCxnSpPr>
+            <a:cxnSpLocks/>
+          </p:cNvCxnSpPr>
+          <p:nvPr/>
+        </p:nvCxnSpPr>
+        <p:spPr>
+          <a:xfrm>
+            <a:off x="3412158" y="3511796"/>
+            <a:ext cx="0" cy="415159"/>
+          </a:xfrm>
+          <a:prstGeom prst="straightConnector1">
+            <a:avLst/>
+          </a:prstGeom>
+          <a:ln w="38100">
+            <a:solidFill>
+              <a:srgbClr val="C00000"/>
+            </a:solidFill>
+            <a:tailEnd type="triangle"/>
+          </a:ln>
+        </p:spPr>
+        <p:style>
+          <a:lnRef idx="2">
+            <a:schemeClr val="dk1"/>
+          </a:lnRef>
+          <a:fillRef idx="0">
+            <a:schemeClr val="dk1"/>
+          </a:fillRef>
+          <a:effectRef idx="1">
+            <a:schemeClr val="dk1"/>
+          </a:effectRef>
+          <a:fontRef idx="minor">
+            <a:schemeClr val="tx1"/>
+          </a:fontRef>
+        </p:style>
+      </p:cxnSp>
+    </p:spTree>
+    <p:extLst>
+      <p:ext uri="{BB962C8B-B14F-4D97-AF65-F5344CB8AC3E}">
+        <p14:creationId xmlns:p14="http://schemas.microsoft.com/office/powerpoint/2010/main" val="1301843568"/>
+      </p:ext>
+    </p:extLst>
+  </p:cSld>
+  <p:clrMapOvr>
+    <a:masterClrMapping/>
+  </p:clrMapOvr>
+</p:sld>
+</file>
+
+<file path=ppt/slides/slide7.xml><?xml version="1.0" encoding="utf-8"?>
+<p:sld xmlns:a="http://schemas.openxmlformats.org/drawingml/2006/main" xmlns:r="http://schemas.openxmlformats.org/officeDocument/2006/relationships" xmlns:p="http://schemas.openxmlformats.org/presentationml/2006/main">
+  <p:cSld>
+    <p:spTree>
+      <p:nvGrpSpPr>
+        <p:cNvPr id="1" name="">
+          <a:extLst>
+            <a:ext uri="{FF2B5EF4-FFF2-40B4-BE49-F238E27FC236}">
+              <a16:creationId xmlns:a16="http://schemas.microsoft.com/office/drawing/2014/main" id="{A2B7203E-32CE-1541-286D-B1A45F4AD7BE}"/>
+            </a:ext>
+          </a:extLst>
+        </p:cNvPr>
+        <p:cNvGrpSpPr/>
+        <p:nvPr/>
+      </p:nvGrpSpPr>
+      <p:grpSpPr>
+        <a:xfrm>
+          <a:off x="0" y="0"/>
+          <a:ext cx="0" cy="0"/>
+          <a:chOff x="0" y="0"/>
+          <a:chExt cx="0" cy="0"/>
+        </a:xfrm>
+      </p:grpSpPr>
+      <p:sp>
+        <p:nvSpPr>
+          <p:cNvPr id="36" name="Rectangle 35">
+            <a:extLst>
+              <a:ext uri="{FF2B5EF4-FFF2-40B4-BE49-F238E27FC236}">
+                <a16:creationId xmlns:a16="http://schemas.microsoft.com/office/drawing/2014/main" id="{F308AE79-9BBD-1F08-058E-BD57A732C398}"/>
+              </a:ext>
+            </a:extLst>
+          </p:cNvPr>
+          <p:cNvSpPr/>
+          <p:nvPr/>
+        </p:nvSpPr>
+        <p:spPr>
+          <a:xfrm>
+            <a:off x="1" y="-990"/>
+            <a:ext cx="6096000" cy="501017"/>
+          </a:xfrm>
+          <a:prstGeom prst="rect">
+            <a:avLst/>
+          </a:prstGeom>
+          <a:solidFill>
+            <a:srgbClr val="980000"/>
+          </a:solidFill>
+          <a:ln>
+            <a:noFill/>
+          </a:ln>
+        </p:spPr>
+        <p:style>
+          <a:lnRef idx="2">
+            <a:schemeClr val="accent1">
+              <a:shade val="15000"/>
+            </a:schemeClr>
+          </a:lnRef>
+          <a:fillRef idx="1">
+            <a:schemeClr val="accent1"/>
+          </a:fillRef>
+          <a:effectRef idx="0">
+            <a:schemeClr val="accent1"/>
+          </a:effectRef>
+          <a:fontRef idx="minor">
+            <a:schemeClr val="lt1"/>
+          </a:fontRef>
+        </p:style>
+        <p:txBody>
+          <a:bodyPr rtlCol="0" anchor="ctr"/>
+          <a:lstStyle/>
+          <a:p>
+            <a:pPr algn="ctr"/>
+            <a:endParaRPr lang="fr-FR" noProof="0" dirty="0"/>
+          </a:p>
+        </p:txBody>
+      </p:sp>
+      <p:sp>
+        <p:nvSpPr>
+          <p:cNvPr id="9" name="TextBox 8">
+            <a:extLst>
+              <a:ext uri="{FF2B5EF4-FFF2-40B4-BE49-F238E27FC236}">
+                <a16:creationId xmlns:a16="http://schemas.microsoft.com/office/drawing/2014/main" id="{221653FF-1BE3-7026-00C7-660F1505EB9B}"/>
+              </a:ext>
+            </a:extLst>
+          </p:cNvPr>
+          <p:cNvSpPr txBox="1"/>
+          <p:nvPr/>
+        </p:nvSpPr>
+        <p:spPr>
+          <a:xfrm>
+            <a:off x="0" y="-990"/>
+            <a:ext cx="5568381" cy="461665"/>
+          </a:xfrm>
+          <a:prstGeom prst="rect">
+            <a:avLst/>
+          </a:prstGeom>
+          <a:noFill/>
+        </p:spPr>
+        <p:txBody>
+          <a:bodyPr wrap="square" rtlCol="0">
+            <a:spAutoFit/>
+          </a:bodyPr>
+          <a:lstStyle/>
+          <a:p>
+            <a:pPr algn="just"/>
+            <a:r>
+              <a:rPr lang="fr-FR" sz="2400" b="1" noProof="0" dirty="0">
+                <a:solidFill>
+                  <a:schemeClr val="bg1"/>
+                </a:solidFill>
+                <a:latin typeface="Times New Roman" panose="02020603050405020304" pitchFamily="18" charset="0"/>
+                <a:cs typeface="Times New Roman" panose="02020603050405020304" pitchFamily="18" charset="0"/>
+              </a:rPr>
+              <a:t>VERIFICATION DE CODE</a:t>
+            </a:r>
+          </a:p>
+        </p:txBody>
+      </p:sp>
+      <p:sp>
+        <p:nvSpPr>
+          <p:cNvPr id="39" name="Rectangle 38">
+            <a:extLst>
+              <a:ext uri="{FF2B5EF4-FFF2-40B4-BE49-F238E27FC236}">
+                <a16:creationId xmlns:a16="http://schemas.microsoft.com/office/drawing/2014/main" id="{5990D748-283D-DC4E-9640-B1D209971165}"/>
+              </a:ext>
+            </a:extLst>
+          </p:cNvPr>
+          <p:cNvSpPr/>
+          <p:nvPr/>
+        </p:nvSpPr>
+        <p:spPr>
+          <a:xfrm>
+            <a:off x="6096000" y="0"/>
+            <a:ext cx="6096000" cy="501017"/>
+          </a:xfrm>
+          <a:prstGeom prst="rect">
+            <a:avLst/>
+          </a:prstGeom>
+          <a:solidFill>
+            <a:srgbClr val="D9D9D9"/>
+          </a:solidFill>
+          <a:ln>
+            <a:noFill/>
+          </a:ln>
+        </p:spPr>
+        <p:style>
+          <a:lnRef idx="2">
+            <a:schemeClr val="accent1">
+              <a:shade val="15000"/>
+            </a:schemeClr>
+          </a:lnRef>
+          <a:fillRef idx="1">
+            <a:schemeClr val="accent1"/>
+          </a:fillRef>
+          <a:effectRef idx="0">
+            <a:schemeClr val="accent1"/>
+          </a:effectRef>
+          <a:fontRef idx="minor">
+            <a:schemeClr val="lt1"/>
+          </a:fontRef>
+        </p:style>
+        <p:txBody>
+          <a:bodyPr rtlCol="0" anchor="ctr"/>
+          <a:lstStyle/>
+          <a:p>
+            <a:pPr algn="ctr"/>
+            <a:endParaRPr lang="fr-FR" noProof="0" dirty="0"/>
+          </a:p>
+        </p:txBody>
+      </p:sp>
+      <p:sp>
+        <p:nvSpPr>
+          <p:cNvPr id="2" name="TextBox 1">
+            <a:extLst>
+              <a:ext uri="{FF2B5EF4-FFF2-40B4-BE49-F238E27FC236}">
+                <a16:creationId xmlns:a16="http://schemas.microsoft.com/office/drawing/2014/main" id="{F7C0597E-48E4-D585-EA65-82B80AA440D2}"/>
+              </a:ext>
+            </a:extLst>
+          </p:cNvPr>
+          <p:cNvSpPr txBox="1"/>
+          <p:nvPr/>
+        </p:nvSpPr>
+        <p:spPr>
+          <a:xfrm>
+            <a:off x="11091333" y="6550222"/>
+            <a:ext cx="1100667" cy="307777"/>
+          </a:xfrm>
+          <a:prstGeom prst="rect">
+            <a:avLst/>
+          </a:prstGeom>
+          <a:noFill/>
+        </p:spPr>
+        <p:txBody>
+          <a:bodyPr wrap="square" rtlCol="0">
+            <a:spAutoFit/>
+          </a:bodyPr>
+          <a:lstStyle/>
+          <a:p>
+            <a:pPr algn="r"/>
+            <a:r>
+              <a:rPr lang="fr-FR" sz="1400" noProof="0" dirty="0">
+                <a:latin typeface="Times New Roman" panose="02020603050405020304" pitchFamily="18" charset="0"/>
+                <a:cs typeface="Times New Roman" panose="02020603050405020304" pitchFamily="18" charset="0"/>
+              </a:rPr>
+              <a:t>X/Y</a:t>
+            </a:r>
+          </a:p>
+        </p:txBody>
+      </p:sp>
+      <mc:AlternateContent xmlns:mc="http://schemas.openxmlformats.org/markup-compatibility/2006">
+        <mc:Choice xmlns:a14="http://schemas.microsoft.com/office/drawing/2010/main" Requires="a14">
+          <p:sp>
+            <p:nvSpPr>
+              <p:cNvPr id="3" name="TextBox 2">
+                <a:extLst>
+                  <a:ext uri="{FF2B5EF4-FFF2-40B4-BE49-F238E27FC236}">
+                    <a16:creationId xmlns:a16="http://schemas.microsoft.com/office/drawing/2014/main" id="{5060CDE2-EF03-66AD-B44C-6026E33F5ADC}"/>
+                  </a:ext>
+                </a:extLst>
+              </p:cNvPr>
+              <p:cNvSpPr txBox="1"/>
+              <p:nvPr/>
+            </p:nvSpPr>
+            <p:spPr>
+              <a:xfrm>
+                <a:off x="0" y="627468"/>
+                <a:ext cx="12192000" cy="369332"/>
+              </a:xfrm>
+              <a:prstGeom prst="rect">
+                <a:avLst/>
+              </a:prstGeom>
+              <a:noFill/>
+            </p:spPr>
+            <p:txBody>
+              <a:bodyPr wrap="square" rtlCol="0">
+                <a:spAutoFit/>
+              </a:bodyPr>
+              <a:lstStyle/>
+              <a:p>
+                <a:pPr algn="just"/>
+                <a:r>
+                  <a:rPr lang="fr-FR" noProof="0" dirty="0">
+                    <a:latin typeface="Times New Roman" panose="02020603050405020304" pitchFamily="18" charset="0"/>
+                    <a:cs typeface="Times New Roman" panose="02020603050405020304" pitchFamily="18" charset="0"/>
+                  </a:rPr>
+                  <a:t>Après plusieurs simulations, nous pouvons tracer l’erreur de discrétisation en fonction de </a:t>
+                </a:r>
+                <a14:m>
+                  <m:oMath xmlns:m="http://schemas.openxmlformats.org/officeDocument/2006/math">
+                    <m:r>
+                      <m:rPr>
+                        <m:sty m:val="p"/>
+                      </m:rPr>
+                      <a:rPr lang="fr-FR" b="0" i="0" noProof="0" smtClean="0">
+                        <a:latin typeface="Cambria Math" panose="02040503050406030204" pitchFamily="18" charset="0"/>
+                        <a:cs typeface="Times New Roman" panose="02020603050405020304" pitchFamily="18" charset="0"/>
+                      </a:rPr>
+                      <m:t>Δ</m:t>
+                    </m:r>
+                    <m:r>
+                      <a:rPr lang="fr-FR" b="0" i="1" noProof="0" smtClean="0">
+                        <a:latin typeface="Cambria Math" panose="02040503050406030204" pitchFamily="18" charset="0"/>
+                        <a:cs typeface="Times New Roman" panose="02020603050405020304" pitchFamily="18" charset="0"/>
+                      </a:rPr>
+                      <m:t>𝑥</m:t>
+                    </m:r>
+                  </m:oMath>
+                </a14:m>
+                <a:r>
+                  <a:rPr lang="fr-FR" noProof="0" dirty="0">
+                    <a:latin typeface="Times New Roman" panose="02020603050405020304" pitchFamily="18" charset="0"/>
+                    <a:cs typeface="Times New Roman" panose="02020603050405020304" pitchFamily="18" charset="0"/>
+                  </a:rPr>
+                  <a:t> de la manière suivante : </a:t>
+                </a:r>
+              </a:p>
+            </p:txBody>
+          </p:sp>
+        </mc:Choice>
+        <mc:Fallback>
+          <p:sp>
+            <p:nvSpPr>
+              <p:cNvPr id="3" name="TextBox 2">
+                <a:extLst>
+                  <a:ext uri="{FF2B5EF4-FFF2-40B4-BE49-F238E27FC236}">
+                    <a16:creationId xmlns:a16="http://schemas.microsoft.com/office/drawing/2014/main" id="{5060CDE2-EF03-66AD-B44C-6026E33F5ADC}"/>
+                  </a:ext>
+                </a:extLst>
+              </p:cNvPr>
+              <p:cNvSpPr txBox="1">
+                <a:spLocks noRot="1" noChangeAspect="1" noMove="1" noResize="1" noEditPoints="1" noAdjustHandles="1" noChangeArrowheads="1" noChangeShapeType="1" noTextEdit="1"/>
+              </p:cNvSpPr>
+              <p:nvPr/>
+            </p:nvSpPr>
+            <p:spPr>
+              <a:xfrm>
+                <a:off x="0" y="627468"/>
+                <a:ext cx="12192000" cy="369332"/>
+              </a:xfrm>
+              <a:prstGeom prst="rect">
+                <a:avLst/>
+              </a:prstGeom>
+              <a:blipFill>
+                <a:blip r:embed="rId2"/>
+                <a:stretch>
+                  <a:fillRect l="-400" t="-9836" b="-24590"/>
+                </a:stretch>
+              </a:blipFill>
+            </p:spPr>
+            <p:txBody>
+              <a:bodyPr/>
+              <a:lstStyle/>
+              <a:p>
+                <a:r>
+                  <a:rPr lang="en-GB">
+                    <a:noFill/>
+                  </a:rPr>
+                  <a:t> </a:t>
+                </a:r>
+              </a:p>
+            </p:txBody>
+          </p:sp>
+        </mc:Fallback>
+      </mc:AlternateContent>
+      <p:pic>
+        <p:nvPicPr>
+          <p:cNvPr id="8" name="Picture 7">
+            <a:extLst>
+              <a:ext uri="{FF2B5EF4-FFF2-40B4-BE49-F238E27FC236}">
+                <a16:creationId xmlns:a16="http://schemas.microsoft.com/office/drawing/2014/main" id="{D056D13C-594B-3A1A-64F9-C6CD44AB8024}"/>
+              </a:ext>
+            </a:extLst>
+          </p:cNvPr>
+          <p:cNvPicPr>
+            <a:picLocks noChangeAspect="1"/>
+          </p:cNvPicPr>
+          <p:nvPr/>
+        </p:nvPicPr>
+        <p:blipFill>
+          <a:blip r:embed="rId3"/>
+          <a:stretch>
+            <a:fillRect/>
+          </a:stretch>
+        </p:blipFill>
+        <p:spPr>
+          <a:xfrm>
+            <a:off x="0" y="1123251"/>
+            <a:ext cx="6096000" cy="3835902"/>
+          </a:xfrm>
+          <a:prstGeom prst="rect">
+            <a:avLst/>
+          </a:prstGeom>
+        </p:spPr>
+      </p:pic>
+      <mc:AlternateContent xmlns:mc="http://schemas.openxmlformats.org/markup-compatibility/2006">
+        <mc:Choice xmlns:a14="http://schemas.microsoft.com/office/drawing/2010/main" Requires="a14">
+          <p:sp>
+            <p:nvSpPr>
+              <p:cNvPr id="10" name="TextBox 9">
+                <a:extLst>
+                  <a:ext uri="{FF2B5EF4-FFF2-40B4-BE49-F238E27FC236}">
+                    <a16:creationId xmlns:a16="http://schemas.microsoft.com/office/drawing/2014/main" id="{CC06D459-C9F1-BABC-5C0C-4AE0062DAA5A}"/>
+                  </a:ext>
+                </a:extLst>
+              </p:cNvPr>
+              <p:cNvSpPr txBox="1"/>
+              <p:nvPr/>
+            </p:nvSpPr>
+            <p:spPr>
+              <a:xfrm>
+                <a:off x="6096000" y="1123251"/>
+                <a:ext cx="6096000" cy="2382960"/>
+              </a:xfrm>
+              <a:prstGeom prst="rect">
+                <a:avLst/>
+              </a:prstGeom>
+              <a:noFill/>
+            </p:spPr>
+            <p:txBody>
+              <a:bodyPr wrap="square" rtlCol="0">
+                <a:spAutoFit/>
+              </a:bodyPr>
+              <a:lstStyle/>
+              <a:p>
+                <a:pPr algn="just"/>
+                <a:r>
+                  <a:rPr lang="fr-FR" noProof="0" dirty="0">
+                    <a:latin typeface="Times New Roman" panose="02020603050405020304" pitchFamily="18" charset="0"/>
+                    <a:cs typeface="Times New Roman" panose="02020603050405020304" pitchFamily="18" charset="0"/>
+                  </a:rPr>
+                  <a:t>Ces 5 simulations (limitées par la licence étudiante), nous confirme l’appartenance à la zone de convergence asymptotique. </a:t>
+                </a:r>
+              </a:p>
+              <a:p>
+                <a:pPr algn="just"/>
+                <a:endParaRPr lang="fr-FR" noProof="0" dirty="0">
+                  <a:latin typeface="Times New Roman" panose="02020603050405020304" pitchFamily="18" charset="0"/>
+                  <a:cs typeface="Times New Roman" panose="02020603050405020304" pitchFamily="18" charset="0"/>
+                </a:endParaRPr>
+              </a:p>
+              <a:p>
+                <a:pPr algn="just"/>
+                <a:r>
+                  <a:rPr lang="fr-FR" dirty="0">
+                    <a:latin typeface="Times New Roman" panose="02020603050405020304" pitchFamily="18" charset="0"/>
+                    <a:cs typeface="Times New Roman" panose="02020603050405020304" pitchFamily="18" charset="0"/>
+                  </a:rPr>
+                  <a:t>Pour trouver l’ordre de convergence, nous utilisons la formule du cours suivante (en prenant les deux derniers points) : </a:t>
+                </a:r>
+                <a:endParaRPr lang="fr-FR" noProof="0" dirty="0">
+                  <a:latin typeface="Times New Roman" panose="02020603050405020304" pitchFamily="18" charset="0"/>
+                  <a:cs typeface="Times New Roman" panose="02020603050405020304" pitchFamily="18" charset="0"/>
+                </a:endParaRPr>
+              </a:p>
+              <a:p>
+                <a:pPr algn="just"/>
+                <a14:m>
+                  <m:oMathPara xmlns:m="http://schemas.openxmlformats.org/officeDocument/2006/math">
+                    <m:oMathParaPr>
+                      <m:jc m:val="centerGroup"/>
+                    </m:oMathParaPr>
+                    <m:oMath xmlns:m="http://schemas.openxmlformats.org/officeDocument/2006/math">
+                      <m:acc>
+                        <m:accPr>
+                          <m:chr m:val="̂"/>
+                          <m:ctrlPr>
+                            <a:rPr lang="fr-FR" i="1" noProof="0" smtClean="0">
+                              <a:latin typeface="Cambria Math" panose="02040503050406030204" pitchFamily="18" charset="0"/>
+                              <a:cs typeface="Times New Roman" panose="02020603050405020304" pitchFamily="18" charset="0"/>
+                            </a:rPr>
+                          </m:ctrlPr>
+                        </m:accPr>
+                        <m:e>
+                          <m:r>
+                            <a:rPr lang="fr-FR" b="0" i="1" noProof="0" smtClean="0">
+                              <a:latin typeface="Cambria Math" panose="02040503050406030204" pitchFamily="18" charset="0"/>
+                              <a:cs typeface="Times New Roman" panose="02020603050405020304" pitchFamily="18" charset="0"/>
+                            </a:rPr>
+                            <m:t>𝑝</m:t>
+                          </m:r>
+                        </m:e>
+                      </m:acc>
+                      <m:r>
+                        <a:rPr lang="fr-FR" b="0" i="1" noProof="0" smtClean="0">
+                          <a:latin typeface="Cambria Math" panose="02040503050406030204" pitchFamily="18" charset="0"/>
+                          <a:cs typeface="Times New Roman" panose="02020603050405020304" pitchFamily="18" charset="0"/>
+                        </a:rPr>
+                        <m:t>=</m:t>
+                      </m:r>
+                      <m:f>
+                        <m:fPr>
+                          <m:ctrlPr>
+                            <a:rPr lang="fr-FR" b="0" i="1" noProof="0" smtClean="0">
+                              <a:latin typeface="Cambria Math" panose="02040503050406030204" pitchFamily="18" charset="0"/>
+                              <a:cs typeface="Times New Roman" panose="02020603050405020304" pitchFamily="18" charset="0"/>
+                            </a:rPr>
+                          </m:ctrlPr>
+                        </m:fPr>
+                        <m:num>
+                          <m:func>
+                            <m:funcPr>
+                              <m:ctrlPr>
+                                <a:rPr lang="fr-FR" b="0" i="1" noProof="0" smtClean="0">
+                                  <a:latin typeface="Cambria Math" panose="02040503050406030204" pitchFamily="18" charset="0"/>
+                                  <a:cs typeface="Times New Roman" panose="02020603050405020304" pitchFamily="18" charset="0"/>
+                                </a:rPr>
+                              </m:ctrlPr>
+                            </m:funcPr>
+                            <m:fName>
+                              <m:r>
+                                <m:rPr>
+                                  <m:sty m:val="p"/>
+                                </m:rPr>
+                                <a:rPr lang="fr-FR" b="0" i="0" noProof="0" smtClean="0">
+                                  <a:latin typeface="Cambria Math" panose="02040503050406030204" pitchFamily="18" charset="0"/>
+                                  <a:cs typeface="Times New Roman" panose="02020603050405020304" pitchFamily="18" charset="0"/>
+                                </a:rPr>
+                                <m:t>ln</m:t>
+                              </m:r>
+                            </m:fName>
+                            <m:e>
+                              <m:d>
+                                <m:dPr>
+                                  <m:ctrlPr>
+                                    <a:rPr lang="fr-FR" b="0" i="1" noProof="0" smtClean="0">
+                                      <a:latin typeface="Cambria Math" panose="02040503050406030204" pitchFamily="18" charset="0"/>
+                                      <a:cs typeface="Times New Roman" panose="02020603050405020304" pitchFamily="18" charset="0"/>
+                                    </a:rPr>
+                                  </m:ctrlPr>
+                                </m:dPr>
+                                <m:e>
+                                  <m:sSub>
+                                    <m:sSubPr>
+                                      <m:ctrlPr>
+                                        <a:rPr lang="fr-FR" b="0" i="1" noProof="0" smtClean="0">
+                                          <a:latin typeface="Cambria Math" panose="02040503050406030204" pitchFamily="18" charset="0"/>
+                                          <a:cs typeface="Times New Roman" panose="02020603050405020304" pitchFamily="18" charset="0"/>
+                                        </a:rPr>
+                                      </m:ctrlPr>
+                                    </m:sSubPr>
+                                    <m:e>
+                                      <m:r>
+                                        <a:rPr lang="fr-FR" b="0" i="1" noProof="0" smtClean="0">
+                                          <a:latin typeface="Cambria Math" panose="02040503050406030204" pitchFamily="18" charset="0"/>
+                                          <a:cs typeface="Times New Roman" panose="02020603050405020304" pitchFamily="18" charset="0"/>
+                                        </a:rPr>
+                                        <m:t>𝜀</m:t>
+                                      </m:r>
+                                    </m:e>
+                                    <m:sub>
+                                      <m:sSub>
+                                        <m:sSubPr>
+                                          <m:ctrlPr>
+                                            <a:rPr lang="fr-FR" b="0" i="1" noProof="0" smtClean="0">
+                                              <a:latin typeface="Cambria Math" panose="02040503050406030204" pitchFamily="18" charset="0"/>
+                                              <a:cs typeface="Times New Roman" panose="02020603050405020304" pitchFamily="18" charset="0"/>
+                                            </a:rPr>
+                                          </m:ctrlPr>
+                                        </m:sSubPr>
+                                        <m:e>
+                                          <m:r>
+                                            <a:rPr lang="fr-FR" b="0" i="1" noProof="0" smtClean="0">
+                                              <a:latin typeface="Cambria Math" panose="02040503050406030204" pitchFamily="18" charset="0"/>
+                                              <a:cs typeface="Times New Roman" panose="02020603050405020304" pitchFamily="18" charset="0"/>
+                                            </a:rPr>
+                                            <m:t>h</m:t>
+                                          </m:r>
+                                        </m:e>
+                                        <m:sub>
+                                          <m:r>
+                                            <a:rPr lang="fr-FR" b="0" i="1" noProof="0" smtClean="0">
+                                              <a:latin typeface="Cambria Math" panose="02040503050406030204" pitchFamily="18" charset="0"/>
+                                              <a:cs typeface="Times New Roman" panose="02020603050405020304" pitchFamily="18" charset="0"/>
+                                            </a:rPr>
+                                            <m:t>1</m:t>
+                                          </m:r>
+                                        </m:sub>
+                                      </m:sSub>
+                                    </m:sub>
+                                  </m:sSub>
+                                </m:e>
+                              </m:d>
+                            </m:e>
+                          </m:func>
+                          <m:r>
+                            <a:rPr lang="fr-FR" b="0" i="1" noProof="0" smtClean="0">
+                              <a:latin typeface="Cambria Math" panose="02040503050406030204" pitchFamily="18" charset="0"/>
+                              <a:cs typeface="Times New Roman" panose="02020603050405020304" pitchFamily="18" charset="0"/>
+                            </a:rPr>
+                            <m:t>−</m:t>
+                          </m:r>
+                          <m:r>
+                            <m:rPr>
+                              <m:sty m:val="p"/>
+                            </m:rPr>
+                            <a:rPr lang="fr-FR">
+                              <a:latin typeface="Cambria Math" panose="02040503050406030204" pitchFamily="18" charset="0"/>
+                              <a:cs typeface="Times New Roman" panose="02020603050405020304" pitchFamily="18" charset="0"/>
+                            </a:rPr>
+                            <m:t>ln</m:t>
+                          </m:r>
+                          <m:r>
+                            <a:rPr lang="fr-FR" i="1">
+                              <a:latin typeface="Cambria Math" panose="02040503050406030204" pitchFamily="18" charset="0"/>
+                              <a:cs typeface="Times New Roman" panose="02020603050405020304" pitchFamily="18" charset="0"/>
+                            </a:rPr>
+                            <m:t>⁡(</m:t>
+                          </m:r>
+                          <m:sSub>
+                            <m:sSubPr>
+                              <m:ctrlPr>
+                                <a:rPr lang="fr-FR" i="1">
+                                  <a:latin typeface="Cambria Math" panose="02040503050406030204" pitchFamily="18" charset="0"/>
+                                  <a:cs typeface="Times New Roman" panose="02020603050405020304" pitchFamily="18" charset="0"/>
+                                </a:rPr>
+                              </m:ctrlPr>
+                            </m:sSubPr>
+                            <m:e>
+                              <m:r>
+                                <a:rPr lang="fr-FR" i="1">
+                                  <a:latin typeface="Cambria Math" panose="02040503050406030204" pitchFamily="18" charset="0"/>
+                                  <a:cs typeface="Times New Roman" panose="02020603050405020304" pitchFamily="18" charset="0"/>
+                                </a:rPr>
+                                <m:t>𝜀</m:t>
+                              </m:r>
+                            </m:e>
+                            <m:sub>
+                              <m:sSub>
+                                <m:sSubPr>
+                                  <m:ctrlPr>
+                                    <a:rPr lang="fr-FR" b="0" i="1" smtClean="0">
+                                      <a:latin typeface="Cambria Math" panose="02040503050406030204" pitchFamily="18" charset="0"/>
+                                      <a:cs typeface="Times New Roman" panose="02020603050405020304" pitchFamily="18" charset="0"/>
+                                    </a:rPr>
+                                  </m:ctrlPr>
+                                </m:sSubPr>
+                                <m:e>
+                                  <m:r>
+                                    <a:rPr lang="fr-FR" b="0" i="1" smtClean="0">
+                                      <a:latin typeface="Cambria Math" panose="02040503050406030204" pitchFamily="18" charset="0"/>
+                                      <a:cs typeface="Times New Roman" panose="02020603050405020304" pitchFamily="18" charset="0"/>
+                                    </a:rPr>
+                                    <m:t>h</m:t>
+                                  </m:r>
+                                </m:e>
+                                <m:sub>
+                                  <m:r>
+                                    <a:rPr lang="fr-FR" b="0" i="1" smtClean="0">
+                                      <a:latin typeface="Cambria Math" panose="02040503050406030204" pitchFamily="18" charset="0"/>
+                                      <a:cs typeface="Times New Roman" panose="02020603050405020304" pitchFamily="18" charset="0"/>
+                                    </a:rPr>
+                                    <m:t>2</m:t>
+                                  </m:r>
+                                </m:sub>
+                              </m:sSub>
+                            </m:sub>
+                          </m:sSub>
+                          <m:r>
+                            <a:rPr lang="fr-FR" i="1">
+                              <a:latin typeface="Cambria Math" panose="02040503050406030204" pitchFamily="18" charset="0"/>
+                              <a:cs typeface="Times New Roman" panose="02020603050405020304" pitchFamily="18" charset="0"/>
+                            </a:rPr>
+                            <m:t>)</m:t>
+                          </m:r>
+                        </m:num>
+                        <m:den>
+                          <m:func>
+                            <m:funcPr>
+                              <m:ctrlPr>
+                                <a:rPr lang="fr-FR" i="1">
+                                  <a:latin typeface="Cambria Math" panose="02040503050406030204" pitchFamily="18" charset="0"/>
+                                  <a:cs typeface="Times New Roman" panose="02020603050405020304" pitchFamily="18" charset="0"/>
+                                </a:rPr>
+                              </m:ctrlPr>
+                            </m:funcPr>
+                            <m:fName>
+                              <m:r>
+                                <m:rPr>
+                                  <m:sty m:val="p"/>
+                                </m:rPr>
+                                <a:rPr lang="fr-FR">
+                                  <a:latin typeface="Cambria Math" panose="02040503050406030204" pitchFamily="18" charset="0"/>
+                                  <a:cs typeface="Times New Roman" panose="02020603050405020304" pitchFamily="18" charset="0"/>
+                                </a:rPr>
+                                <m:t>ln</m:t>
+                              </m:r>
+                            </m:fName>
+                            <m:e>
+                              <m:d>
+                                <m:dPr>
+                                  <m:ctrlPr>
+                                    <a:rPr lang="fr-FR" i="1">
+                                      <a:latin typeface="Cambria Math" panose="02040503050406030204" pitchFamily="18" charset="0"/>
+                                      <a:cs typeface="Times New Roman" panose="02020603050405020304" pitchFamily="18" charset="0"/>
+                                    </a:rPr>
+                                  </m:ctrlPr>
+                                </m:dPr>
+                                <m:e>
+                                  <m:sSub>
+                                    <m:sSubPr>
+                                      <m:ctrlPr>
+                                        <a:rPr lang="fr-FR" b="0" i="1" smtClean="0">
+                                          <a:latin typeface="Cambria Math" panose="02040503050406030204" pitchFamily="18" charset="0"/>
+                                          <a:cs typeface="Times New Roman" panose="02020603050405020304" pitchFamily="18" charset="0"/>
+                                        </a:rPr>
+                                      </m:ctrlPr>
+                                    </m:sSubPr>
+                                    <m:e>
+                                      <m:r>
+                                        <a:rPr lang="fr-FR" b="0" i="1" smtClean="0">
+                                          <a:latin typeface="Cambria Math" panose="02040503050406030204" pitchFamily="18" charset="0"/>
+                                          <a:cs typeface="Times New Roman" panose="02020603050405020304" pitchFamily="18" charset="0"/>
+                                        </a:rPr>
+                                        <m:t>h</m:t>
+                                      </m:r>
+                                    </m:e>
+                                    <m:sub>
+                                      <m:r>
+                                        <a:rPr lang="fr-FR" b="0" i="1" smtClean="0">
+                                          <a:latin typeface="Cambria Math" panose="02040503050406030204" pitchFamily="18" charset="0"/>
+                                          <a:cs typeface="Times New Roman" panose="02020603050405020304" pitchFamily="18" charset="0"/>
+                                        </a:rPr>
+                                        <m:t>1</m:t>
+                                      </m:r>
+                                    </m:sub>
+                                  </m:sSub>
+                                </m:e>
+                              </m:d>
+                            </m:e>
+                          </m:func>
+                          <m:r>
+                            <a:rPr lang="fr-FR" i="1">
+                              <a:latin typeface="Cambria Math" panose="02040503050406030204" pitchFamily="18" charset="0"/>
+                              <a:cs typeface="Times New Roman" panose="02020603050405020304" pitchFamily="18" charset="0"/>
+                            </a:rPr>
+                            <m:t>−</m:t>
+                          </m:r>
+                          <m:r>
+                            <m:rPr>
+                              <m:sty m:val="p"/>
+                            </m:rPr>
+                            <a:rPr lang="fr-FR">
+                              <a:latin typeface="Cambria Math" panose="02040503050406030204" pitchFamily="18" charset="0"/>
+                              <a:cs typeface="Times New Roman" panose="02020603050405020304" pitchFamily="18" charset="0"/>
+                            </a:rPr>
+                            <m:t>ln</m:t>
+                          </m:r>
+                          <m:r>
+                            <a:rPr lang="fr-FR" i="1">
+                              <a:latin typeface="Cambria Math" panose="02040503050406030204" pitchFamily="18" charset="0"/>
+                              <a:cs typeface="Times New Roman" panose="02020603050405020304" pitchFamily="18" charset="0"/>
+                            </a:rPr>
+                            <m:t>⁡(</m:t>
+                          </m:r>
+                          <m:sSub>
+                            <m:sSubPr>
+                              <m:ctrlPr>
+                                <a:rPr lang="fr-FR" b="0" i="1" smtClean="0">
+                                  <a:latin typeface="Cambria Math" panose="02040503050406030204" pitchFamily="18" charset="0"/>
+                                  <a:cs typeface="Times New Roman" panose="02020603050405020304" pitchFamily="18" charset="0"/>
+                                </a:rPr>
+                              </m:ctrlPr>
+                            </m:sSubPr>
+                            <m:e>
+                              <m:r>
+                                <a:rPr lang="fr-FR" b="0" i="1" smtClean="0">
+                                  <a:latin typeface="Cambria Math" panose="02040503050406030204" pitchFamily="18" charset="0"/>
+                                  <a:cs typeface="Times New Roman" panose="02020603050405020304" pitchFamily="18" charset="0"/>
+                                </a:rPr>
+                                <m:t>h</m:t>
+                              </m:r>
+                            </m:e>
+                            <m:sub>
+                              <m:r>
+                                <a:rPr lang="fr-FR" b="0" i="1" smtClean="0">
+                                  <a:latin typeface="Cambria Math" panose="02040503050406030204" pitchFamily="18" charset="0"/>
+                                  <a:cs typeface="Times New Roman" panose="02020603050405020304" pitchFamily="18" charset="0"/>
+                                </a:rPr>
+                                <m:t>2</m:t>
+                              </m:r>
+                            </m:sub>
+                          </m:sSub>
+                          <m:r>
+                            <a:rPr lang="fr-FR" i="1">
+                              <a:latin typeface="Cambria Math" panose="02040503050406030204" pitchFamily="18" charset="0"/>
+                              <a:cs typeface="Times New Roman" panose="02020603050405020304" pitchFamily="18" charset="0"/>
+                            </a:rPr>
+                            <m:t>)</m:t>
+                          </m:r>
+                        </m:den>
+                      </m:f>
+                      <m:r>
+                        <a:rPr lang="fr-FR" b="0" i="1" noProof="0" smtClean="0">
+                          <a:latin typeface="Cambria Math" panose="02040503050406030204" pitchFamily="18" charset="0"/>
+                          <a:cs typeface="Times New Roman" panose="02020603050405020304" pitchFamily="18" charset="0"/>
+                        </a:rPr>
+                        <m:t>=</m:t>
+                      </m:r>
+                    </m:oMath>
+                  </m:oMathPara>
+                </a14:m>
+                <a:endParaRPr lang="fr-FR" noProof="0" dirty="0">
+                  <a:latin typeface="Times New Roman" panose="02020603050405020304" pitchFamily="18" charset="0"/>
+                  <a:cs typeface="Times New Roman" panose="02020603050405020304" pitchFamily="18" charset="0"/>
+                </a:endParaRPr>
+              </a:p>
+            </p:txBody>
+          </p:sp>
+        </mc:Choice>
+        <mc:Fallback>
+          <p:sp>
+            <p:nvSpPr>
+              <p:cNvPr id="10" name="TextBox 9">
+                <a:extLst>
+                  <a:ext uri="{FF2B5EF4-FFF2-40B4-BE49-F238E27FC236}">
+                    <a16:creationId xmlns:a16="http://schemas.microsoft.com/office/drawing/2014/main" id="{CC06D459-C9F1-BABC-5C0C-4AE0062DAA5A}"/>
+                  </a:ext>
+                </a:extLst>
+              </p:cNvPr>
+              <p:cNvSpPr txBox="1">
+                <a:spLocks noRot="1" noChangeAspect="1" noMove="1" noResize="1" noEditPoints="1" noAdjustHandles="1" noChangeArrowheads="1" noChangeShapeType="1" noTextEdit="1"/>
+              </p:cNvSpPr>
+              <p:nvPr/>
+            </p:nvSpPr>
+            <p:spPr>
+              <a:xfrm>
+                <a:off x="6096000" y="1123251"/>
+                <a:ext cx="6096000" cy="2382960"/>
+              </a:xfrm>
+              <a:prstGeom prst="rect">
+                <a:avLst/>
+              </a:prstGeom>
+              <a:blipFill>
+                <a:blip r:embed="rId4"/>
+                <a:stretch>
+                  <a:fillRect l="-800" t="-1279" r="-800"/>
                 </a:stretch>
               </a:blipFill>
             </p:spPr>
@@ -19810,7 +24508,7 @@
     </p:spTree>
     <p:extLst>
       <p:ext uri="{BB962C8B-B14F-4D97-AF65-F5344CB8AC3E}">
-        <p14:creationId xmlns:p14="http://schemas.microsoft.com/office/powerpoint/2010/main" val="1301843568"/>
+        <p14:creationId xmlns:p14="http://schemas.microsoft.com/office/powerpoint/2010/main" val="2304060261"/>
       </p:ext>
     </p:extLst>
   </p:cSld>
@@ -19820,7 +24518,7 @@
 </p:sld>
 </file>
 
-<file path=ppt/slides/slide7.xml><?xml version="1.0" encoding="utf-8"?>
+<file path=ppt/slides/slide8.xml><?xml version="1.0" encoding="utf-8"?>
 <p:sld xmlns:a="http://schemas.openxmlformats.org/drawingml/2006/main" xmlns:r="http://schemas.openxmlformats.org/officeDocument/2006/relationships" xmlns:p="http://schemas.openxmlformats.org/presentationml/2006/main">
   <p:cSld>
     <p:spTree>
@@ -21356,7 +26054,7 @@
 </p:sld>
 </file>
 
-<file path=ppt/slides/slide8.xml><?xml version="1.0" encoding="utf-8"?>
+<file path=ppt/slides/slide9.xml><?xml version="1.0" encoding="utf-8"?>
 <p:sld xmlns:a="http://schemas.openxmlformats.org/drawingml/2006/main" xmlns:r="http://schemas.openxmlformats.org/officeDocument/2006/relationships" xmlns:p="http://schemas.openxmlformats.org/presentationml/2006/main">
   <p:cSld>
     <p:spTree>
@@ -22160,1312 +26858,6 @@
 </p:sld>
 </file>
 
-<file path=ppt/slides/slide9.xml><?xml version="1.0" encoding="utf-8"?>
-<p:sld xmlns:a="http://schemas.openxmlformats.org/drawingml/2006/main" xmlns:r="http://schemas.openxmlformats.org/officeDocument/2006/relationships" xmlns:p="http://schemas.openxmlformats.org/presentationml/2006/main">
-  <p:cSld>
-    <p:spTree>
-      <p:nvGrpSpPr>
-        <p:cNvPr id="1" name="">
-          <a:extLst>
-            <a:ext uri="{FF2B5EF4-FFF2-40B4-BE49-F238E27FC236}">
-              <a16:creationId xmlns:a16="http://schemas.microsoft.com/office/drawing/2014/main" id="{63C9D886-BCFF-3A0C-DBEA-47B8CB929E34}"/>
-            </a:ext>
-          </a:extLst>
-        </p:cNvPr>
-        <p:cNvGrpSpPr/>
-        <p:nvPr/>
-      </p:nvGrpSpPr>
-      <p:grpSpPr>
-        <a:xfrm>
-          <a:off x="0" y="0"/>
-          <a:ext cx="0" cy="0"/>
-          <a:chOff x="0" y="0"/>
-          <a:chExt cx="0" cy="0"/>
-        </a:xfrm>
-      </p:grpSpPr>
-      <p:sp>
-        <p:nvSpPr>
-          <p:cNvPr id="36" name="Rectangle 35">
-            <a:extLst>
-              <a:ext uri="{FF2B5EF4-FFF2-40B4-BE49-F238E27FC236}">
-                <a16:creationId xmlns:a16="http://schemas.microsoft.com/office/drawing/2014/main" id="{131CF72C-4B7E-C04E-975B-62FB8C0507B6}"/>
-              </a:ext>
-            </a:extLst>
-          </p:cNvPr>
-          <p:cNvSpPr/>
-          <p:nvPr/>
-        </p:nvSpPr>
-        <p:spPr>
-          <a:xfrm>
-            <a:off x="1" y="-990"/>
-            <a:ext cx="6096000" cy="501017"/>
-          </a:xfrm>
-          <a:prstGeom prst="rect">
-            <a:avLst/>
-          </a:prstGeom>
-          <a:solidFill>
-            <a:srgbClr val="980000"/>
-          </a:solidFill>
-          <a:ln>
-            <a:noFill/>
-          </a:ln>
-        </p:spPr>
-        <p:style>
-          <a:lnRef idx="2">
-            <a:schemeClr val="accent1">
-              <a:shade val="15000"/>
-            </a:schemeClr>
-          </a:lnRef>
-          <a:fillRef idx="1">
-            <a:schemeClr val="accent1"/>
-          </a:fillRef>
-          <a:effectRef idx="0">
-            <a:schemeClr val="accent1"/>
-          </a:effectRef>
-          <a:fontRef idx="minor">
-            <a:schemeClr val="lt1"/>
-          </a:fontRef>
-        </p:style>
-        <p:txBody>
-          <a:bodyPr rtlCol="0" anchor="ctr"/>
-          <a:lstStyle/>
-          <a:p>
-            <a:pPr algn="ctr"/>
-            <a:endParaRPr lang="fr-FR" noProof="0" dirty="0"/>
-          </a:p>
-        </p:txBody>
-      </p:sp>
-      <p:sp>
-        <p:nvSpPr>
-          <p:cNvPr id="9" name="TextBox 8">
-            <a:extLst>
-              <a:ext uri="{FF2B5EF4-FFF2-40B4-BE49-F238E27FC236}">
-                <a16:creationId xmlns:a16="http://schemas.microsoft.com/office/drawing/2014/main" id="{8B24C6CB-AB8E-52D2-DF44-8CF1DC800AA8}"/>
-              </a:ext>
-            </a:extLst>
-          </p:cNvPr>
-          <p:cNvSpPr txBox="1"/>
-          <p:nvPr/>
-        </p:nvSpPr>
-        <p:spPr>
-          <a:xfrm>
-            <a:off x="0" y="-990"/>
-            <a:ext cx="5568381" cy="461665"/>
-          </a:xfrm>
-          <a:prstGeom prst="rect">
-            <a:avLst/>
-          </a:prstGeom>
-          <a:noFill/>
-        </p:spPr>
-        <p:txBody>
-          <a:bodyPr wrap="square" rtlCol="0">
-            <a:spAutoFit/>
-          </a:bodyPr>
-          <a:lstStyle/>
-          <a:p>
-            <a:pPr algn="just"/>
-            <a:r>
-              <a:rPr lang="fr-FR" sz="2400" b="1" noProof="0" dirty="0">
-                <a:solidFill>
-                  <a:schemeClr val="bg1"/>
-                </a:solidFill>
-                <a:latin typeface="Times New Roman" panose="02020603050405020304" pitchFamily="18" charset="0"/>
-                <a:cs typeface="Times New Roman" panose="02020603050405020304" pitchFamily="18" charset="0"/>
-              </a:rPr>
-              <a:t>VERIFICATION DE SOLUTION</a:t>
-            </a:r>
-          </a:p>
-        </p:txBody>
-      </p:sp>
-      <p:sp>
-        <p:nvSpPr>
-          <p:cNvPr id="39" name="Rectangle 38">
-            <a:extLst>
-              <a:ext uri="{FF2B5EF4-FFF2-40B4-BE49-F238E27FC236}">
-                <a16:creationId xmlns:a16="http://schemas.microsoft.com/office/drawing/2014/main" id="{0185E4D6-B5F8-4F4C-096B-0A3E7AAB09DB}"/>
-              </a:ext>
-            </a:extLst>
-          </p:cNvPr>
-          <p:cNvSpPr/>
-          <p:nvPr/>
-        </p:nvSpPr>
-        <p:spPr>
-          <a:xfrm>
-            <a:off x="6096000" y="0"/>
-            <a:ext cx="6096000" cy="501017"/>
-          </a:xfrm>
-          <a:prstGeom prst="rect">
-            <a:avLst/>
-          </a:prstGeom>
-          <a:solidFill>
-            <a:srgbClr val="D9D9D9"/>
-          </a:solidFill>
-          <a:ln>
-            <a:noFill/>
-          </a:ln>
-        </p:spPr>
-        <p:style>
-          <a:lnRef idx="2">
-            <a:schemeClr val="accent1">
-              <a:shade val="15000"/>
-            </a:schemeClr>
-          </a:lnRef>
-          <a:fillRef idx="1">
-            <a:schemeClr val="accent1"/>
-          </a:fillRef>
-          <a:effectRef idx="0">
-            <a:schemeClr val="accent1"/>
-          </a:effectRef>
-          <a:fontRef idx="minor">
-            <a:schemeClr val="lt1"/>
-          </a:fontRef>
-        </p:style>
-        <p:txBody>
-          <a:bodyPr rtlCol="0" anchor="ctr"/>
-          <a:lstStyle/>
-          <a:p>
-            <a:pPr algn="ctr"/>
-            <a:endParaRPr lang="fr-FR" noProof="0" dirty="0"/>
-          </a:p>
-        </p:txBody>
-      </p:sp>
-      <p:sp>
-        <p:nvSpPr>
-          <p:cNvPr id="2" name="TextBox 1">
-            <a:extLst>
-              <a:ext uri="{FF2B5EF4-FFF2-40B4-BE49-F238E27FC236}">
-                <a16:creationId xmlns:a16="http://schemas.microsoft.com/office/drawing/2014/main" id="{BA8C91C5-8A62-D4EF-6FB4-DB3F5EC72519}"/>
-              </a:ext>
-            </a:extLst>
-          </p:cNvPr>
-          <p:cNvSpPr txBox="1"/>
-          <p:nvPr/>
-        </p:nvSpPr>
-        <p:spPr>
-          <a:xfrm>
-            <a:off x="11091333" y="6550222"/>
-            <a:ext cx="1100667" cy="307777"/>
-          </a:xfrm>
-          <a:prstGeom prst="rect">
-            <a:avLst/>
-          </a:prstGeom>
-          <a:noFill/>
-        </p:spPr>
-        <p:txBody>
-          <a:bodyPr wrap="square" rtlCol="0">
-            <a:spAutoFit/>
-          </a:bodyPr>
-          <a:lstStyle/>
-          <a:p>
-            <a:pPr algn="r"/>
-            <a:r>
-              <a:rPr lang="fr-FR" sz="1400" noProof="0" dirty="0">
-                <a:latin typeface="Times New Roman" panose="02020603050405020304" pitchFamily="18" charset="0"/>
-                <a:cs typeface="Times New Roman" panose="02020603050405020304" pitchFamily="18" charset="0"/>
-              </a:rPr>
-              <a:t>X/Y</a:t>
-            </a:r>
-          </a:p>
-        </p:txBody>
-      </p:sp>
-      <mc:AlternateContent xmlns:mc="http://schemas.openxmlformats.org/markup-compatibility/2006" xmlns:a14="http://schemas.microsoft.com/office/drawing/2010/main">
-        <mc:Choice Requires="a14">
-          <p:sp>
-            <p:nvSpPr>
-              <p:cNvPr id="5" name="TextBox 4">
-                <a:extLst>
-                  <a:ext uri="{FF2B5EF4-FFF2-40B4-BE49-F238E27FC236}">
-                    <a16:creationId xmlns:a16="http://schemas.microsoft.com/office/drawing/2014/main" id="{4DAC8AF4-A004-7163-A739-49ECA39B9FEC}"/>
-                  </a:ext>
-                </a:extLst>
-              </p:cNvPr>
-              <p:cNvSpPr txBox="1"/>
-              <p:nvPr/>
-            </p:nvSpPr>
-            <p:spPr>
-              <a:xfrm>
-                <a:off x="0" y="627468"/>
-                <a:ext cx="12192000" cy="1180708"/>
-              </a:xfrm>
-              <a:prstGeom prst="rect">
-                <a:avLst/>
-              </a:prstGeom>
-              <a:noFill/>
-            </p:spPr>
-            <p:txBody>
-              <a:bodyPr wrap="square" rtlCol="0">
-                <a:spAutoFit/>
-              </a:bodyPr>
-              <a:lstStyle/>
-              <a:p>
-                <a:pPr algn="just"/>
-                <a:r>
-                  <a:rPr lang="fr-FR" dirty="0">
-                    <a:latin typeface="Times New Roman" panose="02020603050405020304" pitchFamily="18" charset="0"/>
-                    <a:cs typeface="Times New Roman" panose="02020603050405020304" pitchFamily="18" charset="0"/>
-                  </a:rPr>
-                  <a:t>On a : </a:t>
-                </a:r>
-              </a:p>
-              <a:p>
-                <a:pPr algn="just"/>
-                <a14:m>
-                  <m:oMathPara xmlns:m="http://schemas.openxmlformats.org/officeDocument/2006/math">
-                    <m:oMathParaPr>
-                      <m:jc m:val="centerGroup"/>
-                    </m:oMathParaPr>
-                    <m:oMath xmlns:m="http://schemas.openxmlformats.org/officeDocument/2006/math">
-                      <m:sSup>
-                        <m:sSupPr>
-                          <m:ctrlPr>
-                            <a:rPr lang="fr-FR" b="0" i="1" noProof="0" smtClean="0">
-                              <a:latin typeface="Cambria Math" panose="02040503050406030204" pitchFamily="18" charset="0"/>
-                              <a:cs typeface="Times New Roman" panose="02020603050405020304" pitchFamily="18" charset="0"/>
-                            </a:rPr>
-                          </m:ctrlPr>
-                        </m:sSupPr>
-                        <m:e>
-                          <m:acc>
-                            <m:accPr>
-                              <m:chr m:val="̂"/>
-                              <m:ctrlPr>
-                                <a:rPr lang="fr-FR" i="1" noProof="0" smtClean="0">
-                                  <a:latin typeface="Cambria Math" panose="02040503050406030204" pitchFamily="18" charset="0"/>
-                                  <a:cs typeface="Times New Roman" panose="02020603050405020304" pitchFamily="18" charset="0"/>
-                                </a:rPr>
-                              </m:ctrlPr>
-                            </m:accPr>
-                            <m:e>
-                              <m:r>
-                                <a:rPr lang="fr-FR" b="0" i="1" noProof="0" smtClean="0">
-                                  <a:latin typeface="Cambria Math" panose="02040503050406030204" pitchFamily="18" charset="0"/>
-                                  <a:cs typeface="Times New Roman" panose="02020603050405020304" pitchFamily="18" charset="0"/>
-                                </a:rPr>
-                                <m:t>𝑝</m:t>
-                              </m:r>
-                            </m:e>
-                          </m:acc>
-                        </m:e>
-                        <m:sup>
-                          <m:r>
-                            <a:rPr lang="fr-FR" b="0" i="1" noProof="0" smtClean="0">
-                              <a:latin typeface="Cambria Math" panose="02040503050406030204" pitchFamily="18" charset="0"/>
-                              <a:cs typeface="Times New Roman" panose="02020603050405020304" pitchFamily="18" charset="0"/>
-                            </a:rPr>
-                            <m:t>𝑘</m:t>
-                          </m:r>
-                          <m:r>
-                            <a:rPr lang="fr-FR" b="0" i="1" noProof="0" smtClean="0">
-                              <a:latin typeface="Cambria Math" panose="02040503050406030204" pitchFamily="18" charset="0"/>
-                              <a:cs typeface="Times New Roman" panose="02020603050405020304" pitchFamily="18" charset="0"/>
-                            </a:rPr>
-                            <m:t>+1</m:t>
-                          </m:r>
-                        </m:sup>
-                      </m:sSup>
-                      <m:r>
-                        <a:rPr lang="fr-FR" b="0" i="1" noProof="0" smtClean="0">
-                          <a:latin typeface="Cambria Math" panose="02040503050406030204" pitchFamily="18" charset="0"/>
-                          <a:cs typeface="Times New Roman" panose="02020603050405020304" pitchFamily="18" charset="0"/>
-                        </a:rPr>
-                        <m:t>=</m:t>
-                      </m:r>
-                      <m:f>
-                        <m:fPr>
-                          <m:ctrlPr>
-                            <a:rPr lang="fr-FR" b="0" i="1" noProof="0" smtClean="0">
-                              <a:latin typeface="Cambria Math" panose="02040503050406030204" pitchFamily="18" charset="0"/>
-                              <a:cs typeface="Times New Roman" panose="02020603050405020304" pitchFamily="18" charset="0"/>
-                            </a:rPr>
-                          </m:ctrlPr>
-                        </m:fPr>
-                        <m:num>
-                          <m:r>
-                            <m:rPr>
-                              <m:sty m:val="p"/>
-                            </m:rPr>
-                            <a:rPr lang="fr-FR" b="0" i="0" noProof="0" smtClean="0">
-                              <a:latin typeface="Cambria Math" panose="02040503050406030204" pitchFamily="18" charset="0"/>
-                              <a:cs typeface="Times New Roman" panose="02020603050405020304" pitchFamily="18" charset="0"/>
-                            </a:rPr>
-                            <m:t>ln</m:t>
-                          </m:r>
-                          <m:r>
-                            <a:rPr lang="fr-FR" b="0" i="1" noProof="0" smtClean="0">
-                              <a:latin typeface="Cambria Math" panose="02040503050406030204" pitchFamily="18" charset="0"/>
-                              <a:cs typeface="Times New Roman" panose="02020603050405020304" pitchFamily="18" charset="0"/>
-                            </a:rPr>
-                            <m:t>⁡</m:t>
-                          </m:r>
-                          <m:d>
-                            <m:dPr>
-                              <m:begChr m:val="["/>
-                              <m:endChr m:val="]"/>
-                              <m:ctrlPr>
-                                <a:rPr lang="fr-FR" b="0" i="1" noProof="0" smtClean="0">
-                                  <a:latin typeface="Cambria Math" panose="02040503050406030204" pitchFamily="18" charset="0"/>
-                                  <a:cs typeface="Times New Roman" panose="02020603050405020304" pitchFamily="18" charset="0"/>
-                                </a:rPr>
-                              </m:ctrlPr>
-                            </m:dPr>
-                            <m:e>
-                              <m:d>
-                                <m:dPr>
-                                  <m:ctrlPr>
-                                    <a:rPr lang="fr-FR" b="0" i="1" noProof="0" smtClean="0">
-                                      <a:latin typeface="Cambria Math" panose="02040503050406030204" pitchFamily="18" charset="0"/>
-                                      <a:cs typeface="Times New Roman" panose="02020603050405020304" pitchFamily="18" charset="0"/>
-                                    </a:rPr>
-                                  </m:ctrlPr>
-                                </m:dPr>
-                                <m:e>
-                                  <m:sSubSup>
-                                    <m:sSubSupPr>
-                                      <m:ctrlPr>
-                                        <a:rPr lang="fr-FR" b="0" i="1" noProof="0" smtClean="0">
-                                          <a:latin typeface="Cambria Math" panose="02040503050406030204" pitchFamily="18" charset="0"/>
-                                          <a:cs typeface="Times New Roman" panose="02020603050405020304" pitchFamily="18" charset="0"/>
-                                        </a:rPr>
-                                      </m:ctrlPr>
-                                    </m:sSubSupPr>
-                                    <m:e>
-                                      <m:r>
-                                        <a:rPr lang="fr-FR" b="0" i="1" noProof="0" smtClean="0">
-                                          <a:latin typeface="Cambria Math" panose="02040503050406030204" pitchFamily="18" charset="0"/>
-                                          <a:cs typeface="Times New Roman" panose="02020603050405020304" pitchFamily="18" charset="0"/>
-                                        </a:rPr>
-                                        <m:t>𝑟</m:t>
-                                      </m:r>
-                                    </m:e>
-                                    <m:sub>
-                                      <m:r>
-                                        <a:rPr lang="fr-FR" b="0" i="1" noProof="0" smtClean="0">
-                                          <a:latin typeface="Cambria Math" panose="02040503050406030204" pitchFamily="18" charset="0"/>
-                                          <a:cs typeface="Times New Roman" panose="02020603050405020304" pitchFamily="18" charset="0"/>
-                                        </a:rPr>
-                                        <m:t>12</m:t>
-                                      </m:r>
-                                    </m:sub>
-                                    <m:sup>
-                                      <m:sSup>
-                                        <m:sSupPr>
-                                          <m:ctrlPr>
-                                            <a:rPr lang="fr-FR" b="0" i="1" smtClean="0">
-                                              <a:latin typeface="Cambria Math" panose="02040503050406030204" pitchFamily="18" charset="0"/>
-                                              <a:cs typeface="Times New Roman" panose="02020603050405020304" pitchFamily="18" charset="0"/>
-                                            </a:rPr>
-                                          </m:ctrlPr>
-                                        </m:sSupPr>
-                                        <m:e>
-                                          <m:acc>
-                                            <m:accPr>
-                                              <m:chr m:val="̂"/>
-                                              <m:ctrlPr>
-                                                <a:rPr lang="fr-FR" i="1">
-                                                  <a:latin typeface="Cambria Math" panose="02040503050406030204" pitchFamily="18" charset="0"/>
-                                                  <a:cs typeface="Times New Roman" panose="02020603050405020304" pitchFamily="18" charset="0"/>
-                                                </a:rPr>
-                                              </m:ctrlPr>
-                                            </m:accPr>
-                                            <m:e>
-                                              <m:r>
-                                                <a:rPr lang="fr-FR" i="1">
-                                                  <a:latin typeface="Cambria Math" panose="02040503050406030204" pitchFamily="18" charset="0"/>
-                                                  <a:cs typeface="Times New Roman" panose="02020603050405020304" pitchFamily="18" charset="0"/>
-                                                </a:rPr>
-                                                <m:t>𝑝</m:t>
-                                              </m:r>
-                                            </m:e>
-                                          </m:acc>
-                                        </m:e>
-                                        <m:sup>
-                                          <m:r>
-                                            <a:rPr lang="fr-FR" b="0" i="1" smtClean="0">
-                                              <a:latin typeface="Cambria Math" panose="02040503050406030204" pitchFamily="18" charset="0"/>
-                                              <a:cs typeface="Times New Roman" panose="02020603050405020304" pitchFamily="18" charset="0"/>
-                                            </a:rPr>
-                                            <m:t>𝑘</m:t>
-                                          </m:r>
-                                        </m:sup>
-                                      </m:sSup>
-                                    </m:sup>
-                                  </m:sSubSup>
-                                  <m:r>
-                                    <a:rPr lang="fr-FR" b="0" i="1" noProof="0" smtClean="0">
-                                      <a:latin typeface="Cambria Math" panose="02040503050406030204" pitchFamily="18" charset="0"/>
-                                      <a:cs typeface="Times New Roman" panose="02020603050405020304" pitchFamily="18" charset="0"/>
-                                    </a:rPr>
-                                    <m:t>−1</m:t>
-                                  </m:r>
-                                </m:e>
-                              </m:d>
-                              <m:f>
-                                <m:fPr>
-                                  <m:ctrlPr>
-                                    <a:rPr lang="fr-FR" b="0" i="1" noProof="0" smtClean="0">
-                                      <a:latin typeface="Cambria Math" panose="02040503050406030204" pitchFamily="18" charset="0"/>
-                                      <a:cs typeface="Times New Roman" panose="02020603050405020304" pitchFamily="18" charset="0"/>
-                                    </a:rPr>
-                                  </m:ctrlPr>
-                                </m:fPr>
-                                <m:num>
-                                  <m:sSub>
-                                    <m:sSubPr>
-                                      <m:ctrlPr>
-                                        <a:rPr lang="fr-FR" b="0" i="1" noProof="0" smtClean="0">
-                                          <a:latin typeface="Cambria Math" panose="02040503050406030204" pitchFamily="18" charset="0"/>
-                                          <a:cs typeface="Times New Roman" panose="02020603050405020304" pitchFamily="18" charset="0"/>
-                                        </a:rPr>
-                                      </m:ctrlPr>
-                                    </m:sSubPr>
-                                    <m:e>
-                                      <m:r>
-                                        <a:rPr lang="fr-FR" b="0" i="1" noProof="0" smtClean="0">
-                                          <a:latin typeface="Cambria Math" panose="02040503050406030204" pitchFamily="18" charset="0"/>
-                                          <a:cs typeface="Times New Roman" panose="02020603050405020304" pitchFamily="18" charset="0"/>
-                                        </a:rPr>
-                                        <m:t>𝑓</m:t>
-                                      </m:r>
-                                    </m:e>
-                                    <m:sub>
-                                      <m:r>
-                                        <a:rPr lang="fr-FR" b="0" i="1" noProof="0" smtClean="0">
-                                          <a:latin typeface="Cambria Math" panose="02040503050406030204" pitchFamily="18" charset="0"/>
-                                          <a:cs typeface="Times New Roman" panose="02020603050405020304" pitchFamily="18" charset="0"/>
-                                        </a:rPr>
-                                        <m:t>3</m:t>
-                                      </m:r>
-                                    </m:sub>
-                                  </m:sSub>
-                                  <m:r>
-                                    <a:rPr lang="fr-FR" b="0" i="1" noProof="0" smtClean="0">
-                                      <a:latin typeface="Cambria Math" panose="02040503050406030204" pitchFamily="18" charset="0"/>
-                                      <a:cs typeface="Times New Roman" panose="02020603050405020304" pitchFamily="18" charset="0"/>
-                                    </a:rPr>
-                                    <m:t>−</m:t>
-                                  </m:r>
-                                  <m:sSub>
-                                    <m:sSubPr>
-                                      <m:ctrlPr>
-                                        <a:rPr lang="fr-FR" b="0" i="1" noProof="0" smtClean="0">
-                                          <a:latin typeface="Cambria Math" panose="02040503050406030204" pitchFamily="18" charset="0"/>
-                                          <a:cs typeface="Times New Roman" panose="02020603050405020304" pitchFamily="18" charset="0"/>
-                                        </a:rPr>
-                                      </m:ctrlPr>
-                                    </m:sSubPr>
-                                    <m:e>
-                                      <m:r>
-                                        <a:rPr lang="fr-FR" b="0" i="1" noProof="0" smtClean="0">
-                                          <a:latin typeface="Cambria Math" panose="02040503050406030204" pitchFamily="18" charset="0"/>
-                                          <a:cs typeface="Times New Roman" panose="02020603050405020304" pitchFamily="18" charset="0"/>
-                                        </a:rPr>
-                                        <m:t>𝑓</m:t>
-                                      </m:r>
-                                    </m:e>
-                                    <m:sub>
-                                      <m:r>
-                                        <a:rPr lang="fr-FR" b="0" i="1" noProof="0" smtClean="0">
-                                          <a:latin typeface="Cambria Math" panose="02040503050406030204" pitchFamily="18" charset="0"/>
-                                          <a:cs typeface="Times New Roman" panose="02020603050405020304" pitchFamily="18" charset="0"/>
-                                        </a:rPr>
-                                        <m:t>2</m:t>
-                                      </m:r>
-                                    </m:sub>
-                                  </m:sSub>
-                                </m:num>
-                                <m:den>
-                                  <m:sSub>
-                                    <m:sSubPr>
-                                      <m:ctrlPr>
-                                        <a:rPr lang="fr-FR" b="0" i="1" noProof="0" smtClean="0">
-                                          <a:latin typeface="Cambria Math" panose="02040503050406030204" pitchFamily="18" charset="0"/>
-                                          <a:cs typeface="Times New Roman" panose="02020603050405020304" pitchFamily="18" charset="0"/>
-                                        </a:rPr>
-                                      </m:ctrlPr>
-                                    </m:sSubPr>
-                                    <m:e>
-                                      <m:r>
-                                        <a:rPr lang="fr-FR" b="0" i="1" noProof="0" smtClean="0">
-                                          <a:latin typeface="Cambria Math" panose="02040503050406030204" pitchFamily="18" charset="0"/>
-                                          <a:cs typeface="Times New Roman" panose="02020603050405020304" pitchFamily="18" charset="0"/>
-                                        </a:rPr>
-                                        <m:t>𝑓</m:t>
-                                      </m:r>
-                                    </m:e>
-                                    <m:sub>
-                                      <m:r>
-                                        <a:rPr lang="fr-FR" b="0" i="1" noProof="0" smtClean="0">
-                                          <a:latin typeface="Cambria Math" panose="02040503050406030204" pitchFamily="18" charset="0"/>
-                                          <a:cs typeface="Times New Roman" panose="02020603050405020304" pitchFamily="18" charset="0"/>
-                                        </a:rPr>
-                                        <m:t>2</m:t>
-                                      </m:r>
-                                    </m:sub>
-                                  </m:sSub>
-                                  <m:r>
-                                    <a:rPr lang="fr-FR" b="0" i="1" noProof="0" smtClean="0">
-                                      <a:latin typeface="Cambria Math" panose="02040503050406030204" pitchFamily="18" charset="0"/>
-                                      <a:cs typeface="Times New Roman" panose="02020603050405020304" pitchFamily="18" charset="0"/>
-                                    </a:rPr>
-                                    <m:t>−</m:t>
-                                  </m:r>
-                                  <m:sSub>
-                                    <m:sSubPr>
-                                      <m:ctrlPr>
-                                        <a:rPr lang="fr-FR" b="0" i="1" noProof="0" smtClean="0">
-                                          <a:latin typeface="Cambria Math" panose="02040503050406030204" pitchFamily="18" charset="0"/>
-                                          <a:cs typeface="Times New Roman" panose="02020603050405020304" pitchFamily="18" charset="0"/>
-                                        </a:rPr>
-                                      </m:ctrlPr>
-                                    </m:sSubPr>
-                                    <m:e>
-                                      <m:r>
-                                        <a:rPr lang="fr-FR" b="0" i="1" noProof="0" smtClean="0">
-                                          <a:latin typeface="Cambria Math" panose="02040503050406030204" pitchFamily="18" charset="0"/>
-                                          <a:cs typeface="Times New Roman" panose="02020603050405020304" pitchFamily="18" charset="0"/>
-                                        </a:rPr>
-                                        <m:t>𝑓</m:t>
-                                      </m:r>
-                                    </m:e>
-                                    <m:sub>
-                                      <m:r>
-                                        <a:rPr lang="fr-FR" b="0" i="1" noProof="0" smtClean="0">
-                                          <a:latin typeface="Cambria Math" panose="02040503050406030204" pitchFamily="18" charset="0"/>
-                                          <a:cs typeface="Times New Roman" panose="02020603050405020304" pitchFamily="18" charset="0"/>
-                                        </a:rPr>
-                                        <m:t>1</m:t>
-                                      </m:r>
-                                    </m:sub>
-                                  </m:sSub>
-                                </m:den>
-                              </m:f>
-                              <m:r>
-                                <a:rPr lang="fr-FR" b="0" i="1" noProof="0" smtClean="0">
-                                  <a:latin typeface="Cambria Math" panose="02040503050406030204" pitchFamily="18" charset="0"/>
-                                  <a:cs typeface="Times New Roman" panose="02020603050405020304" pitchFamily="18" charset="0"/>
-                                </a:rPr>
-                                <m:t>+</m:t>
-                              </m:r>
-                              <m:sSubSup>
-                                <m:sSubSupPr>
-                                  <m:ctrlPr>
-                                    <a:rPr lang="fr-FR" i="1">
-                                      <a:latin typeface="Cambria Math" panose="02040503050406030204" pitchFamily="18" charset="0"/>
-                                      <a:cs typeface="Times New Roman" panose="02020603050405020304" pitchFamily="18" charset="0"/>
-                                    </a:rPr>
-                                  </m:ctrlPr>
-                                </m:sSubSupPr>
-                                <m:e>
-                                  <m:r>
-                                    <a:rPr lang="fr-FR" i="1">
-                                      <a:latin typeface="Cambria Math" panose="02040503050406030204" pitchFamily="18" charset="0"/>
-                                      <a:cs typeface="Times New Roman" panose="02020603050405020304" pitchFamily="18" charset="0"/>
-                                    </a:rPr>
-                                    <m:t>𝑟</m:t>
-                                  </m:r>
-                                </m:e>
-                                <m:sub>
-                                  <m:r>
-                                    <a:rPr lang="fr-FR" i="1">
-                                      <a:latin typeface="Cambria Math" panose="02040503050406030204" pitchFamily="18" charset="0"/>
-                                      <a:cs typeface="Times New Roman" panose="02020603050405020304" pitchFamily="18" charset="0"/>
-                                    </a:rPr>
-                                    <m:t>12</m:t>
-                                  </m:r>
-                                </m:sub>
-                                <m:sup>
-                                  <m:sSup>
-                                    <m:sSupPr>
-                                      <m:ctrlPr>
-                                        <a:rPr lang="fr-FR" i="1">
-                                          <a:latin typeface="Cambria Math" panose="02040503050406030204" pitchFamily="18" charset="0"/>
-                                          <a:cs typeface="Times New Roman" panose="02020603050405020304" pitchFamily="18" charset="0"/>
-                                        </a:rPr>
-                                      </m:ctrlPr>
-                                    </m:sSupPr>
-                                    <m:e>
-                                      <m:acc>
-                                        <m:accPr>
-                                          <m:chr m:val="̂"/>
-                                          <m:ctrlPr>
-                                            <a:rPr lang="fr-FR" i="1">
-                                              <a:latin typeface="Cambria Math" panose="02040503050406030204" pitchFamily="18" charset="0"/>
-                                              <a:cs typeface="Times New Roman" panose="02020603050405020304" pitchFamily="18" charset="0"/>
-                                            </a:rPr>
-                                          </m:ctrlPr>
-                                        </m:accPr>
-                                        <m:e>
-                                          <m:r>
-                                            <a:rPr lang="fr-FR" i="1">
-                                              <a:latin typeface="Cambria Math" panose="02040503050406030204" pitchFamily="18" charset="0"/>
-                                              <a:cs typeface="Times New Roman" panose="02020603050405020304" pitchFamily="18" charset="0"/>
-                                            </a:rPr>
-                                            <m:t>𝑝</m:t>
-                                          </m:r>
-                                        </m:e>
-                                      </m:acc>
-                                    </m:e>
-                                    <m:sup>
-                                      <m:r>
-                                        <a:rPr lang="fr-FR" i="1">
-                                          <a:latin typeface="Cambria Math" panose="02040503050406030204" pitchFamily="18" charset="0"/>
-                                          <a:cs typeface="Times New Roman" panose="02020603050405020304" pitchFamily="18" charset="0"/>
-                                        </a:rPr>
-                                        <m:t>𝑘</m:t>
-                                      </m:r>
-                                    </m:sup>
-                                  </m:sSup>
-                                </m:sup>
-                              </m:sSubSup>
-                            </m:e>
-                          </m:d>
-                        </m:num>
-                        <m:den>
-                          <m:r>
-                            <m:rPr>
-                              <m:sty m:val="p"/>
-                            </m:rPr>
-                            <a:rPr lang="fr-FR" b="0" i="0" noProof="0" smtClean="0">
-                              <a:latin typeface="Cambria Math" panose="02040503050406030204" pitchFamily="18" charset="0"/>
-                              <a:cs typeface="Times New Roman" panose="02020603050405020304" pitchFamily="18" charset="0"/>
-                            </a:rPr>
-                            <m:t>ln</m:t>
-                          </m:r>
-                          <m:r>
-                            <a:rPr lang="fr-FR" b="0" i="1" noProof="0" smtClean="0">
-                              <a:latin typeface="Cambria Math" panose="02040503050406030204" pitchFamily="18" charset="0"/>
-                              <a:cs typeface="Times New Roman" panose="02020603050405020304" pitchFamily="18" charset="0"/>
-                            </a:rPr>
-                            <m:t>⁡</m:t>
-                          </m:r>
-                          <m:d>
-                            <m:dPr>
-                              <m:ctrlPr>
-                                <a:rPr lang="fr-FR" b="0" i="1" noProof="0" smtClean="0">
-                                  <a:latin typeface="Cambria Math" panose="02040503050406030204" pitchFamily="18" charset="0"/>
-                                  <a:cs typeface="Times New Roman" panose="02020603050405020304" pitchFamily="18" charset="0"/>
-                                </a:rPr>
-                              </m:ctrlPr>
-                            </m:dPr>
-                            <m:e>
-                              <m:sSub>
-                                <m:sSubPr>
-                                  <m:ctrlPr>
-                                    <a:rPr lang="fr-FR" b="0" i="1" noProof="0" smtClean="0">
-                                      <a:latin typeface="Cambria Math" panose="02040503050406030204" pitchFamily="18" charset="0"/>
-                                      <a:cs typeface="Times New Roman" panose="02020603050405020304" pitchFamily="18" charset="0"/>
-                                    </a:rPr>
-                                  </m:ctrlPr>
-                                </m:sSubPr>
-                                <m:e>
-                                  <m:r>
-                                    <a:rPr lang="fr-FR" b="0" i="1" noProof="0" smtClean="0">
-                                      <a:latin typeface="Cambria Math" panose="02040503050406030204" pitchFamily="18" charset="0"/>
-                                      <a:cs typeface="Times New Roman" panose="02020603050405020304" pitchFamily="18" charset="0"/>
-                                    </a:rPr>
-                                    <m:t>𝑟</m:t>
-                                  </m:r>
-                                </m:e>
-                                <m:sub>
-                                  <m:r>
-                                    <a:rPr lang="fr-FR" b="0" i="1" noProof="0" smtClean="0">
-                                      <a:latin typeface="Cambria Math" panose="02040503050406030204" pitchFamily="18" charset="0"/>
-                                      <a:cs typeface="Times New Roman" panose="02020603050405020304" pitchFamily="18" charset="0"/>
-                                    </a:rPr>
-                                    <m:t>12</m:t>
-                                  </m:r>
-                                </m:sub>
-                              </m:sSub>
-                              <m:sSub>
-                                <m:sSubPr>
-                                  <m:ctrlPr>
-                                    <a:rPr lang="fr-FR" b="0" i="1" noProof="0" smtClean="0">
-                                      <a:latin typeface="Cambria Math" panose="02040503050406030204" pitchFamily="18" charset="0"/>
-                                      <a:cs typeface="Times New Roman" panose="02020603050405020304" pitchFamily="18" charset="0"/>
-                                    </a:rPr>
-                                  </m:ctrlPr>
-                                </m:sSubPr>
-                                <m:e>
-                                  <m:r>
-                                    <a:rPr lang="fr-FR" b="0" i="1" noProof="0" smtClean="0">
-                                      <a:latin typeface="Cambria Math" panose="02040503050406030204" pitchFamily="18" charset="0"/>
-                                      <a:cs typeface="Times New Roman" panose="02020603050405020304" pitchFamily="18" charset="0"/>
-                                    </a:rPr>
-                                    <m:t>𝑟</m:t>
-                                  </m:r>
-                                </m:e>
-                                <m:sub>
-                                  <m:r>
-                                    <a:rPr lang="fr-FR" b="0" i="1" noProof="0" smtClean="0">
-                                      <a:latin typeface="Cambria Math" panose="02040503050406030204" pitchFamily="18" charset="0"/>
-                                      <a:cs typeface="Times New Roman" panose="02020603050405020304" pitchFamily="18" charset="0"/>
-                                    </a:rPr>
-                                    <m:t>23</m:t>
-                                  </m:r>
-                                </m:sub>
-                              </m:sSub>
-                            </m:e>
-                          </m:d>
-                        </m:den>
-                      </m:f>
-                    </m:oMath>
-                  </m:oMathPara>
-                </a14:m>
-                <a:endParaRPr lang="fr-FR" dirty="0">
-                  <a:latin typeface="Times New Roman" panose="02020603050405020304" pitchFamily="18" charset="0"/>
-                  <a:cs typeface="Times New Roman" panose="02020603050405020304" pitchFamily="18" charset="0"/>
-                </a:endParaRPr>
-              </a:p>
-            </p:txBody>
-          </p:sp>
-        </mc:Choice>
-        <mc:Fallback xmlns="">
-          <p:sp>
-            <p:nvSpPr>
-              <p:cNvPr id="5" name="TextBox 4">
-                <a:extLst>
-                  <a:ext uri="{FF2B5EF4-FFF2-40B4-BE49-F238E27FC236}">
-                    <a16:creationId xmlns:a16="http://schemas.microsoft.com/office/drawing/2014/main" id="{4DAC8AF4-A004-7163-A739-49ECA39B9FEC}"/>
-                  </a:ext>
-                </a:extLst>
-              </p:cNvPr>
-              <p:cNvSpPr txBox="1">
-                <a:spLocks noRot="1" noChangeAspect="1" noMove="1" noResize="1" noEditPoints="1" noAdjustHandles="1" noChangeArrowheads="1" noChangeShapeType="1" noTextEdit="1"/>
-              </p:cNvSpPr>
-              <p:nvPr/>
-            </p:nvSpPr>
-            <p:spPr>
-              <a:xfrm>
-                <a:off x="0" y="627468"/>
-                <a:ext cx="12192000" cy="1180708"/>
-              </a:xfrm>
-              <a:prstGeom prst="rect">
-                <a:avLst/>
-              </a:prstGeom>
-              <a:blipFill>
-                <a:blip r:embed="rId2"/>
-                <a:stretch>
-                  <a:fillRect l="-400" t="-3093"/>
-                </a:stretch>
-              </a:blipFill>
-            </p:spPr>
-            <p:txBody>
-              <a:bodyPr/>
-              <a:lstStyle/>
-              <a:p>
-                <a:r>
-                  <a:rPr lang="en-GB">
-                    <a:noFill/>
-                  </a:rPr>
-                  <a:t> </a:t>
-                </a:r>
-              </a:p>
-            </p:txBody>
-          </p:sp>
-        </mc:Fallback>
-      </mc:AlternateContent>
-      <mc:AlternateContent xmlns:mc="http://schemas.openxmlformats.org/markup-compatibility/2006" xmlns:a14="http://schemas.microsoft.com/office/drawing/2010/main">
-        <mc:Choice Requires="a14">
-          <p:sp>
-            <p:nvSpPr>
-              <p:cNvPr id="10" name="TextBox 9">
-                <a:extLst>
-                  <a:ext uri="{FF2B5EF4-FFF2-40B4-BE49-F238E27FC236}">
-                    <a16:creationId xmlns:a16="http://schemas.microsoft.com/office/drawing/2014/main" id="{01A678EA-30F3-62CE-A9F0-10C182D4BBB2}"/>
-                  </a:ext>
-                </a:extLst>
-              </p:cNvPr>
-              <p:cNvSpPr txBox="1"/>
-              <p:nvPr/>
-            </p:nvSpPr>
-            <p:spPr>
-              <a:xfrm>
-                <a:off x="0" y="1818753"/>
-                <a:ext cx="12192000" cy="1200329"/>
-              </a:xfrm>
-              <a:prstGeom prst="rect">
-                <a:avLst/>
-              </a:prstGeom>
-              <a:noFill/>
-            </p:spPr>
-            <p:txBody>
-              <a:bodyPr wrap="square" rtlCol="0">
-                <a:spAutoFit/>
-              </a:bodyPr>
-              <a:lstStyle/>
-              <a:p>
-                <a:pPr algn="just"/>
-                <a:r>
-                  <a:rPr lang="fr-FR" noProof="0" dirty="0">
-                    <a:latin typeface="Times New Roman" panose="02020603050405020304" pitchFamily="18" charset="0"/>
-                    <a:cs typeface="Times New Roman" panose="02020603050405020304" pitchFamily="18" charset="0"/>
-                  </a:rPr>
-                  <a:t>Cette formule est utilisée pour plusieurs couples de résultats </a:t>
-                </a:r>
-                <a14:m>
-                  <m:oMath xmlns:m="http://schemas.openxmlformats.org/officeDocument/2006/math">
-                    <m:sSub>
-                      <m:sSubPr>
-                        <m:ctrlPr>
-                          <a:rPr lang="fr-FR" b="0" i="1" noProof="0" smtClean="0">
-                            <a:latin typeface="Cambria Math" panose="02040503050406030204" pitchFamily="18" charset="0"/>
-                            <a:cs typeface="Times New Roman" panose="02020603050405020304" pitchFamily="18" charset="0"/>
-                          </a:rPr>
-                        </m:ctrlPr>
-                      </m:sSubPr>
-                      <m:e>
-                        <m:r>
-                          <a:rPr lang="fr-FR" b="0" i="1" noProof="0" smtClean="0">
-                            <a:latin typeface="Cambria Math" panose="02040503050406030204" pitchFamily="18" charset="0"/>
-                            <a:cs typeface="Times New Roman" panose="02020603050405020304" pitchFamily="18" charset="0"/>
-                          </a:rPr>
-                          <m:t>𝑓</m:t>
-                        </m:r>
-                      </m:e>
-                      <m:sub>
-                        <m:r>
-                          <a:rPr lang="fr-FR" b="0" i="1" noProof="0" smtClean="0">
-                            <a:latin typeface="Cambria Math" panose="02040503050406030204" pitchFamily="18" charset="0"/>
-                            <a:cs typeface="Times New Roman" panose="02020603050405020304" pitchFamily="18" charset="0"/>
-                          </a:rPr>
-                          <m:t>𝑖</m:t>
-                        </m:r>
-                      </m:sub>
-                    </m:sSub>
-                  </m:oMath>
-                </a14:m>
-                <a:r>
-                  <a:rPr lang="fr-FR" noProof="0" dirty="0">
-                    <a:latin typeface="Times New Roman" panose="02020603050405020304" pitchFamily="18" charset="0"/>
-                    <a:cs typeface="Times New Roman" panose="02020603050405020304" pitchFamily="18" charset="0"/>
-                  </a:rPr>
-                  <a:t> afin d’être sur du résultat donné. En moyenne, après </a:t>
-                </a:r>
-                <a14:m>
-                  <m:oMath xmlns:m="http://schemas.openxmlformats.org/officeDocument/2006/math">
-                    <m:r>
-                      <a:rPr lang="fr-FR" b="0" i="1" noProof="0" smtClean="0">
-                        <a:latin typeface="Cambria Math" panose="02040503050406030204" pitchFamily="18" charset="0"/>
-                        <a:cs typeface="Times New Roman" panose="02020603050405020304" pitchFamily="18" charset="0"/>
-                      </a:rPr>
-                      <m:t>100</m:t>
-                    </m:r>
-                  </m:oMath>
-                </a14:m>
-                <a:r>
-                  <a:rPr lang="fr-FR" noProof="0" dirty="0">
-                    <a:latin typeface="Times New Roman" panose="02020603050405020304" pitchFamily="18" charset="0"/>
-                    <a:cs typeface="Times New Roman" panose="02020603050405020304" pitchFamily="18" charset="0"/>
-                  </a:rPr>
-                  <a:t> itérations, nous obtenons un ordre de convergence observé de </a:t>
-                </a:r>
-                <a14:m>
-                  <m:oMath xmlns:m="http://schemas.openxmlformats.org/officeDocument/2006/math">
-                    <m:acc>
-                      <m:accPr>
-                        <m:chr m:val="̂"/>
-                        <m:ctrlPr>
-                          <a:rPr lang="fr-FR" i="1">
-                            <a:latin typeface="Cambria Math" panose="02040503050406030204" pitchFamily="18" charset="0"/>
-                            <a:cs typeface="Times New Roman" panose="02020603050405020304" pitchFamily="18" charset="0"/>
-                          </a:rPr>
-                        </m:ctrlPr>
-                      </m:accPr>
-                      <m:e>
-                        <m:r>
-                          <a:rPr lang="fr-FR" i="1">
-                            <a:latin typeface="Cambria Math" panose="02040503050406030204" pitchFamily="18" charset="0"/>
-                            <a:cs typeface="Times New Roman" panose="02020603050405020304" pitchFamily="18" charset="0"/>
-                          </a:rPr>
-                          <m:t>𝑝</m:t>
-                        </m:r>
-                      </m:e>
-                    </m:acc>
-                    <m:r>
-                      <a:rPr lang="fr-FR" b="0" i="1" smtClean="0">
-                        <a:latin typeface="Cambria Math" panose="02040503050406030204" pitchFamily="18" charset="0"/>
-                        <a:cs typeface="Times New Roman" panose="02020603050405020304" pitchFamily="18" charset="0"/>
-                      </a:rPr>
-                      <m:t>=2.50385</m:t>
-                    </m:r>
-                  </m:oMath>
-                </a14:m>
-                <a:r>
-                  <a:rPr lang="fr-FR" noProof="0" dirty="0">
-                    <a:latin typeface="Times New Roman" panose="02020603050405020304" pitchFamily="18" charset="0"/>
-                    <a:cs typeface="Times New Roman" panose="02020603050405020304" pitchFamily="18" charset="0"/>
-                  </a:rPr>
-                  <a:t>. Dans une mesure de vérification supplémentaire, nous avons pris 2 autres nœuds du maillage pour nous assurer que ces derniers avaient le même ordre de convergence (i.e., éviter un ordre de convergence fausse localisé) et nous obtenons le même ordre de convergence. </a:t>
-                </a:r>
-              </a:p>
-            </p:txBody>
-          </p:sp>
-        </mc:Choice>
-        <mc:Fallback xmlns="">
-          <p:sp>
-            <p:nvSpPr>
-              <p:cNvPr id="10" name="TextBox 9">
-                <a:extLst>
-                  <a:ext uri="{FF2B5EF4-FFF2-40B4-BE49-F238E27FC236}">
-                    <a16:creationId xmlns:a16="http://schemas.microsoft.com/office/drawing/2014/main" id="{01A678EA-30F3-62CE-A9F0-10C182D4BBB2}"/>
-                  </a:ext>
-                </a:extLst>
-              </p:cNvPr>
-              <p:cNvSpPr txBox="1">
-                <a:spLocks noRot="1" noChangeAspect="1" noMove="1" noResize="1" noEditPoints="1" noAdjustHandles="1" noChangeArrowheads="1" noChangeShapeType="1" noTextEdit="1"/>
-              </p:cNvSpPr>
-              <p:nvPr/>
-            </p:nvSpPr>
-            <p:spPr>
-              <a:xfrm>
-                <a:off x="0" y="1818753"/>
-                <a:ext cx="12192000" cy="1200329"/>
-              </a:xfrm>
-              <a:prstGeom prst="rect">
-                <a:avLst/>
-              </a:prstGeom>
-              <a:blipFill>
-                <a:blip r:embed="rId3"/>
-                <a:stretch>
-                  <a:fillRect l="-400" t="-2538" r="-400" b="-7107"/>
-                </a:stretch>
-              </a:blipFill>
-            </p:spPr>
-            <p:txBody>
-              <a:bodyPr/>
-              <a:lstStyle/>
-              <a:p>
-                <a:r>
-                  <a:rPr lang="en-GB">
-                    <a:noFill/>
-                  </a:rPr>
-                  <a:t> </a:t>
-                </a:r>
-              </a:p>
-            </p:txBody>
-          </p:sp>
-        </mc:Fallback>
-      </mc:AlternateContent>
-      <p:pic>
-        <p:nvPicPr>
-          <p:cNvPr id="11" name="Picture 10">
-            <a:extLst>
-              <a:ext uri="{FF2B5EF4-FFF2-40B4-BE49-F238E27FC236}">
-                <a16:creationId xmlns:a16="http://schemas.microsoft.com/office/drawing/2014/main" id="{76E36435-5B32-C3F8-CDBC-02E2B5086320}"/>
-              </a:ext>
-            </a:extLst>
-          </p:cNvPr>
-          <p:cNvPicPr>
-            <a:picLocks noChangeAspect="1"/>
-          </p:cNvPicPr>
-          <p:nvPr/>
-        </p:nvPicPr>
-        <p:blipFill>
-          <a:blip r:embed="rId4"/>
-          <a:stretch>
-            <a:fillRect/>
-          </a:stretch>
-        </p:blipFill>
-        <p:spPr>
-          <a:xfrm>
-            <a:off x="302698" y="2964746"/>
-            <a:ext cx="11586604" cy="2948070"/>
-          </a:xfrm>
-          <a:prstGeom prst="rect">
-            <a:avLst/>
-          </a:prstGeom>
-        </p:spPr>
-      </p:pic>
-      <mc:AlternateContent xmlns:mc="http://schemas.openxmlformats.org/markup-compatibility/2006" xmlns:a14="http://schemas.microsoft.com/office/drawing/2010/main">
-        <mc:Choice Requires="a14">
-          <p:sp>
-            <p:nvSpPr>
-              <p:cNvPr id="12" name="TextBox 11">
-                <a:extLst>
-                  <a:ext uri="{FF2B5EF4-FFF2-40B4-BE49-F238E27FC236}">
-                    <a16:creationId xmlns:a16="http://schemas.microsoft.com/office/drawing/2014/main" id="{AFD64144-DA5F-8B73-6CEA-181D47AD5646}"/>
-                  </a:ext>
-                </a:extLst>
-              </p:cNvPr>
-              <p:cNvSpPr txBox="1"/>
-              <p:nvPr/>
-            </p:nvSpPr>
-            <p:spPr>
-              <a:xfrm>
-                <a:off x="0" y="6063424"/>
-                <a:ext cx="12192000" cy="369332"/>
-              </a:xfrm>
-              <a:prstGeom prst="rect">
-                <a:avLst/>
-              </a:prstGeom>
-              <a:noFill/>
-            </p:spPr>
-            <p:txBody>
-              <a:bodyPr wrap="square" rtlCol="0">
-                <a:spAutoFit/>
-              </a:bodyPr>
-              <a:lstStyle/>
-              <a:p>
-                <a:pPr algn="just"/>
-                <a:r>
-                  <a:rPr lang="fr-FR" noProof="0" dirty="0">
-                    <a:latin typeface="Times New Roman" panose="02020603050405020304" pitchFamily="18" charset="0"/>
-                    <a:cs typeface="Times New Roman" panose="02020603050405020304" pitchFamily="18" charset="0"/>
-                  </a:rPr>
-                  <a:t>On remarque </a:t>
-                </a:r>
-                <a:r>
-                  <a:rPr lang="fr-FR" noProof="0" dirty="0" err="1">
-                    <a:latin typeface="Times New Roman" panose="02020603050405020304" pitchFamily="18" charset="0"/>
-                    <a:cs typeface="Times New Roman" panose="02020603050405020304" pitchFamily="18" charset="0"/>
-                  </a:rPr>
-                  <a:t>qu</a:t>
-                </a:r>
-                <a:r>
-                  <a:rPr lang="fr-FR" dirty="0">
-                    <a:latin typeface="Times New Roman" panose="02020603050405020304" pitchFamily="18" charset="0"/>
-                    <a:cs typeface="Times New Roman" panose="02020603050405020304" pitchFamily="18" charset="0"/>
-                  </a:rPr>
-                  <a:t>e </a:t>
-                </a:r>
-                <a14:m>
-                  <m:oMath xmlns:m="http://schemas.openxmlformats.org/officeDocument/2006/math">
-                    <m:acc>
-                      <m:accPr>
-                        <m:chr m:val="̂"/>
-                        <m:ctrlPr>
-                          <a:rPr lang="fr-FR" i="1" smtClean="0">
-                            <a:latin typeface="Cambria Math" panose="02040503050406030204" pitchFamily="18" charset="0"/>
-                            <a:cs typeface="Times New Roman" panose="02020603050405020304" pitchFamily="18" charset="0"/>
-                          </a:rPr>
-                        </m:ctrlPr>
-                      </m:accPr>
-                      <m:e>
-                        <m:r>
-                          <a:rPr lang="fr-FR" i="1">
-                            <a:latin typeface="Cambria Math" panose="02040503050406030204" pitchFamily="18" charset="0"/>
-                            <a:cs typeface="Times New Roman" panose="02020603050405020304" pitchFamily="18" charset="0"/>
-                          </a:rPr>
-                          <m:t>𝑝</m:t>
-                        </m:r>
-                      </m:e>
-                    </m:acc>
-                  </m:oMath>
-                </a14:m>
-                <a:r>
-                  <a:rPr lang="fr-FR" dirty="0">
-                    <a:latin typeface="Times New Roman" panose="02020603050405020304" pitchFamily="18" charset="0"/>
-                    <a:cs typeface="Times New Roman" panose="02020603050405020304" pitchFamily="18" charset="0"/>
-                  </a:rPr>
-                  <a:t> est plus élevé que l’ordre de convergence théorique attendu.  </a:t>
-                </a:r>
-              </a:p>
-            </p:txBody>
-          </p:sp>
-        </mc:Choice>
-        <mc:Fallback xmlns="">
-          <p:sp>
-            <p:nvSpPr>
-              <p:cNvPr id="12" name="TextBox 11">
-                <a:extLst>
-                  <a:ext uri="{FF2B5EF4-FFF2-40B4-BE49-F238E27FC236}">
-                    <a16:creationId xmlns:a16="http://schemas.microsoft.com/office/drawing/2014/main" id="{AFD64144-DA5F-8B73-6CEA-181D47AD5646}"/>
-                  </a:ext>
-                </a:extLst>
-              </p:cNvPr>
-              <p:cNvSpPr txBox="1">
-                <a:spLocks noRot="1" noChangeAspect="1" noMove="1" noResize="1" noEditPoints="1" noAdjustHandles="1" noChangeArrowheads="1" noChangeShapeType="1" noTextEdit="1"/>
-              </p:cNvSpPr>
-              <p:nvPr/>
-            </p:nvSpPr>
-            <p:spPr>
-              <a:xfrm>
-                <a:off x="0" y="6063424"/>
-                <a:ext cx="12192000" cy="369332"/>
-              </a:xfrm>
-              <a:prstGeom prst="rect">
-                <a:avLst/>
-              </a:prstGeom>
-              <a:blipFill>
-                <a:blip r:embed="rId5"/>
-                <a:stretch>
-                  <a:fillRect l="-400" t="-10000" b="-26667"/>
-                </a:stretch>
-              </a:blipFill>
-            </p:spPr>
-            <p:txBody>
-              <a:bodyPr/>
-              <a:lstStyle/>
-              <a:p>
-                <a:r>
-                  <a:rPr lang="en-GB">
-                    <a:noFill/>
-                  </a:rPr>
-                  <a:t> </a:t>
-                </a:r>
-              </a:p>
-            </p:txBody>
-          </p:sp>
-        </mc:Fallback>
-      </mc:AlternateContent>
-      <p:sp>
-        <p:nvSpPr>
-          <p:cNvPr id="13" name="TextBox 12">
-            <a:extLst>
-              <a:ext uri="{FF2B5EF4-FFF2-40B4-BE49-F238E27FC236}">
-                <a16:creationId xmlns:a16="http://schemas.microsoft.com/office/drawing/2014/main" id="{C4557F9C-855D-3055-9D46-7013C9868120}"/>
-              </a:ext>
-            </a:extLst>
-          </p:cNvPr>
-          <p:cNvSpPr txBox="1"/>
-          <p:nvPr/>
-        </p:nvSpPr>
-        <p:spPr>
-          <a:xfrm>
-            <a:off x="302698" y="5754465"/>
-            <a:ext cx="4559249" cy="307777"/>
-          </a:xfrm>
-          <a:prstGeom prst="rect">
-            <a:avLst/>
-          </a:prstGeom>
-          <a:noFill/>
-        </p:spPr>
-        <p:txBody>
-          <a:bodyPr wrap="square" rtlCol="0">
-            <a:spAutoFit/>
-          </a:bodyPr>
-          <a:lstStyle/>
-          <a:p>
-            <a:r>
-              <a:rPr lang="fr-FR" sz="1400" b="1" noProof="0" dirty="0">
-                <a:latin typeface="Times New Roman" panose="02020603050405020304" pitchFamily="18" charset="0"/>
-                <a:cs typeface="Times New Roman" panose="02020603050405020304" pitchFamily="18" charset="0"/>
-              </a:rPr>
-              <a:t>Figure [] </a:t>
-            </a:r>
-            <a:r>
-              <a:rPr lang="fr-FR" sz="1400" noProof="0" dirty="0">
-                <a:latin typeface="Times New Roman" panose="02020603050405020304" pitchFamily="18" charset="0"/>
-                <a:cs typeface="Times New Roman" panose="02020603050405020304" pitchFamily="18" charset="0"/>
-              </a:rPr>
-              <a:t>: Code python « </a:t>
-            </a:r>
-            <a:r>
-              <a:rPr lang="fr-FR" sz="1400" i="1" noProof="0" dirty="0">
-                <a:latin typeface="Times New Roman" panose="02020603050405020304" pitchFamily="18" charset="0"/>
-                <a:cs typeface="Times New Roman" panose="02020603050405020304" pitchFamily="18" charset="0"/>
-              </a:rPr>
-              <a:t>cv_asymptotique.py </a:t>
-            </a:r>
-            <a:r>
-              <a:rPr lang="fr-FR" sz="1400" noProof="0" dirty="0">
-                <a:latin typeface="Times New Roman" panose="02020603050405020304" pitchFamily="18" charset="0"/>
-                <a:cs typeface="Times New Roman" panose="02020603050405020304" pitchFamily="18" charset="0"/>
-              </a:rPr>
-              <a:t>»</a:t>
-            </a:r>
-          </a:p>
-        </p:txBody>
-      </p:sp>
-      <p:sp>
-        <p:nvSpPr>
-          <p:cNvPr id="4" name="TextBox 3">
-            <a:extLst>
-              <a:ext uri="{FF2B5EF4-FFF2-40B4-BE49-F238E27FC236}">
-                <a16:creationId xmlns:a16="http://schemas.microsoft.com/office/drawing/2014/main" id="{75AA8A51-2A97-8D06-CECD-B9BDC2716E90}"/>
-              </a:ext>
-            </a:extLst>
-          </p:cNvPr>
-          <p:cNvSpPr txBox="1"/>
-          <p:nvPr/>
-        </p:nvSpPr>
-        <p:spPr>
-          <a:xfrm>
-            <a:off x="6722419" y="73201"/>
-            <a:ext cx="1953873" cy="338554"/>
-          </a:xfrm>
-          <a:prstGeom prst="rect">
-            <a:avLst/>
-          </a:prstGeom>
-          <a:noFill/>
-        </p:spPr>
-        <p:txBody>
-          <a:bodyPr wrap="square" rtlCol="0">
-            <a:spAutoFit/>
-          </a:bodyPr>
-          <a:lstStyle/>
-          <a:p>
-            <a:pPr algn="just"/>
-            <a:r>
-              <a:rPr lang="fr-FR" sz="1600" i="1" noProof="0" dirty="0">
-                <a:latin typeface="Times New Roman" panose="02020603050405020304" pitchFamily="18" charset="0"/>
-                <a:cs typeface="Times New Roman" panose="02020603050405020304" pitchFamily="18" charset="0"/>
-              </a:rPr>
-              <a:t>Cv_Asymptotique.py</a:t>
-            </a:r>
-          </a:p>
-        </p:txBody>
-      </p:sp>
-      <p:pic>
-        <p:nvPicPr>
-          <p:cNvPr id="6" name="Picture 2">
-            <a:extLst>
-              <a:ext uri="{FF2B5EF4-FFF2-40B4-BE49-F238E27FC236}">
-                <a16:creationId xmlns:a16="http://schemas.microsoft.com/office/drawing/2014/main" id="{538B70F3-BB9F-2E3D-160E-BF782BAAAFD2}"/>
-              </a:ext>
-            </a:extLst>
-          </p:cNvPr>
-          <p:cNvPicPr>
-            <a:picLocks noChangeAspect="1" noChangeArrowheads="1"/>
-          </p:cNvPicPr>
-          <p:nvPr/>
-        </p:nvPicPr>
-        <p:blipFill>
-          <a:blip r:embed="rId3">
-            <a:extLst>
-              <a:ext uri="{28A0092B-C50C-407E-A947-70E740481C1C}">
-                <a14:useLocalDpi xmlns:a14="http://schemas.microsoft.com/office/drawing/2010/main" val="0"/>
-              </a:ext>
-            </a:extLst>
-          </a:blip>
-          <a:srcRect/>
-          <a:stretch>
-            <a:fillRect/>
-          </a:stretch>
-        </p:blipFill>
-        <p:spPr bwMode="auto">
-          <a:xfrm>
-            <a:off x="6337740" y="77926"/>
-            <a:ext cx="384679" cy="422101"/>
-          </a:xfrm>
-          <a:prstGeom prst="rect">
-            <a:avLst/>
-          </a:prstGeom>
-          <a:noFill/>
-          <a:extLst>
-            <a:ext uri="{909E8E84-426E-40DD-AFC4-6F175D3DCCD1}">
-              <a14:hiddenFill xmlns:a14="http://schemas.microsoft.com/office/drawing/2010/main">
-                <a:solidFill>
-                  <a:srgbClr val="FFFFFF"/>
-                </a:solidFill>
-              </a14:hiddenFill>
-            </a:ext>
-          </a:extLst>
-        </p:spPr>
-      </p:pic>
-    </p:spTree>
-    <p:extLst>
-      <p:ext uri="{BB962C8B-B14F-4D97-AF65-F5344CB8AC3E}">
-        <p14:creationId xmlns:p14="http://schemas.microsoft.com/office/powerpoint/2010/main" val="1989661597"/>
-      </p:ext>
-    </p:extLst>
-  </p:cSld>
-  <p:clrMapOvr>
-    <a:masterClrMapping/>
-  </p:clrMapOvr>
-</p:sld>
-</file>
-
 <file path=ppt/theme/theme1.xml><?xml version="1.0" encoding="utf-8"?>
 <a:theme xmlns:a="http://schemas.openxmlformats.org/drawingml/2006/main" name="Office Theme">
   <a:themeElements>

--- a/03_Rapport/Rapport_Projet.pptx
+++ b/03_Rapport/Rapport_Projet.pptx
@@ -143,7 +143,7 @@
 <file path=ppt/revisionInfo.xml><?xml version="1.0" encoding="utf-8"?>
 <p1510:revInfo xmlns:a="http://schemas.openxmlformats.org/drawingml/2006/main" xmlns:r="http://schemas.openxmlformats.org/officeDocument/2006/relationships" xmlns:p1510="http://schemas.microsoft.com/office/powerpoint/2015/10/main">
   <p1510:revLst>
-    <p1510:client id="{1404D58C-429C-4D75-B5B2-E1C9B8E0DC36}" v="4880" dt="2025-04-02T21:07:27.506"/>
+    <p1510:client id="{1404D58C-429C-4D75-B5B2-E1C9B8E0DC36}" v="5147" dt="2025-04-03T20:28:57.725"/>
   </p1510:revLst>
 </p1510:revInfo>
 </file>
@@ -364,7 +364,7 @@
   <pc:docChgLst>
     <pc:chgData name="François GLEYZON" userId="a2d04f23f7faf3ef" providerId="LiveId" clId="{1404D58C-429C-4D75-B5B2-E1C9B8E0DC36}"/>
     <pc:docChg chg="undo redo custSel addSld delSld modSld sldOrd">
-      <pc:chgData name="François GLEYZON" userId="a2d04f23f7faf3ef" providerId="LiveId" clId="{1404D58C-429C-4D75-B5B2-E1C9B8E0DC36}" dt="2025-04-02T21:07:27.506" v="14416" actId="20577"/>
+      <pc:chgData name="François GLEYZON" userId="a2d04f23f7faf3ef" providerId="LiveId" clId="{1404D58C-429C-4D75-B5B2-E1C9B8E0DC36}" dt="2025-04-03T20:28:57.725" v="14782" actId="20577"/>
       <pc:docMkLst>
         <pc:docMk/>
       </pc:docMkLst>
@@ -753,14 +753,6 @@
             <ac:spMk id="5" creationId="{74B6ACAF-0EA8-BC9F-907C-CC1895AD6584}"/>
           </ac:spMkLst>
         </pc:spChg>
-        <pc:spChg chg="add del">
-          <ac:chgData name="François GLEYZON" userId="a2d04f23f7faf3ef" providerId="LiveId" clId="{1404D58C-429C-4D75-B5B2-E1C9B8E0DC36}" dt="2025-04-01T21:36:38.752" v="11462" actId="478"/>
-          <ac:spMkLst>
-            <pc:docMk/>
-            <pc:sldMk cId="3668441629" sldId="270"/>
-            <ac:spMk id="6" creationId="{73EA8C2C-962B-A4D7-CB8B-B0B479089529}"/>
-          </ac:spMkLst>
-        </pc:spChg>
         <pc:spChg chg="add mod">
           <ac:chgData name="François GLEYZON" userId="a2d04f23f7faf3ef" providerId="LiveId" clId="{1404D58C-429C-4D75-B5B2-E1C9B8E0DC36}" dt="2025-04-01T21:40:13.827" v="11867" actId="1036"/>
           <ac:spMkLst>
@@ -819,7 +811,7 @@
         </pc:picChg>
       </pc:sldChg>
       <pc:sldChg chg="addSp delSp modSp add del mod">
-        <pc:chgData name="François GLEYZON" userId="a2d04f23f7faf3ef" providerId="LiveId" clId="{1404D58C-429C-4D75-B5B2-E1C9B8E0DC36}" dt="2025-04-02T20:03:37.951" v="13865" actId="1037"/>
+        <pc:chgData name="François GLEYZON" userId="a2d04f23f7faf3ef" providerId="LiveId" clId="{1404D58C-429C-4D75-B5B2-E1C9B8E0DC36}" dt="2025-04-03T20:02:52.382" v="14685" actId="20577"/>
         <pc:sldMkLst>
           <pc:docMk/>
           <pc:sldMk cId="1301843568" sldId="271"/>
@@ -873,7 +865,7 @@
           </ac:spMkLst>
         </pc:spChg>
         <pc:spChg chg="add mod">
-          <ac:chgData name="François GLEYZON" userId="a2d04f23f7faf3ef" providerId="LiveId" clId="{1404D58C-429C-4D75-B5B2-E1C9B8E0DC36}" dt="2025-04-02T19:59:43.057" v="13366" actId="20577"/>
+          <ac:chgData name="François GLEYZON" userId="a2d04f23f7faf3ef" providerId="LiveId" clId="{1404D58C-429C-4D75-B5B2-E1C9B8E0DC36}" dt="2025-04-03T19:57:03.066" v="14651" actId="20577"/>
           <ac:spMkLst>
             <pc:docMk/>
             <pc:sldMk cId="1301843568" sldId="271"/>
@@ -889,7 +881,7 @@
           </ac:spMkLst>
         </pc:spChg>
         <pc:spChg chg="add mod">
-          <ac:chgData name="François GLEYZON" userId="a2d04f23f7faf3ef" providerId="LiveId" clId="{1404D58C-429C-4D75-B5B2-E1C9B8E0DC36}" dt="2025-04-02T20:02:53.916" v="13762" actId="20577"/>
+          <ac:chgData name="François GLEYZON" userId="a2d04f23f7faf3ef" providerId="LiveId" clId="{1404D58C-429C-4D75-B5B2-E1C9B8E0DC36}" dt="2025-04-03T20:02:52.382" v="14685" actId="20577"/>
           <ac:spMkLst>
             <pc:docMk/>
             <pc:sldMk cId="1301843568" sldId="271"/>
@@ -1884,30 +1876,6 @@
             <ac:spMk id="3" creationId="{A79F57BC-6F26-9353-4409-4041965470AE}"/>
           </ac:spMkLst>
         </pc:spChg>
-        <pc:spChg chg="del">
-          <ac:chgData name="François GLEYZON" userId="a2d04f23f7faf3ef" providerId="LiveId" clId="{1404D58C-429C-4D75-B5B2-E1C9B8E0DC36}" dt="2025-04-01T21:43:40.782" v="12409" actId="478"/>
-          <ac:spMkLst>
-            <pc:docMk/>
-            <pc:sldMk cId="3801532562" sldId="283"/>
-            <ac:spMk id="4" creationId="{1A0E44C7-B105-B7BA-F0FF-F131BA300D84}"/>
-          </ac:spMkLst>
-        </pc:spChg>
-        <pc:picChg chg="del">
-          <ac:chgData name="François GLEYZON" userId="a2d04f23f7faf3ef" providerId="LiveId" clId="{1404D58C-429C-4D75-B5B2-E1C9B8E0DC36}" dt="2025-04-01T21:43:39.463" v="12407" actId="478"/>
-          <ac:picMkLst>
-            <pc:docMk/>
-            <pc:sldMk cId="3801532562" sldId="283"/>
-            <ac:picMk id="1026" creationId="{69441BAA-0E9D-C5D1-39A8-82A4F2FB38C6}"/>
-          </ac:picMkLst>
-        </pc:picChg>
-        <pc:picChg chg="del">
-          <ac:chgData name="François GLEYZON" userId="a2d04f23f7faf3ef" providerId="LiveId" clId="{1404D58C-429C-4D75-B5B2-E1C9B8E0DC36}" dt="2025-04-01T21:43:39.815" v="12408" actId="478"/>
-          <ac:picMkLst>
-            <pc:docMk/>
-            <pc:sldMk cId="3801532562" sldId="283"/>
-            <ac:picMk id="1028" creationId="{1A5B628A-BB45-447B-A095-18F1D77B0A19}"/>
-          </ac:picMkLst>
-        </pc:picChg>
       </pc:sldChg>
       <pc:sldChg chg="modSp add mod">
         <pc:chgData name="François GLEYZON" userId="a2d04f23f7faf3ef" providerId="LiveId" clId="{1404D58C-429C-4D75-B5B2-E1C9B8E0DC36}" dt="2025-04-01T21:43:56.242" v="12441" actId="5793"/>
@@ -1933,7 +1901,7 @@
         </pc:spChg>
       </pc:sldChg>
       <pc:sldChg chg="addSp delSp modSp add mod">
-        <pc:chgData name="François GLEYZON" userId="a2d04f23f7faf3ef" providerId="LiveId" clId="{1404D58C-429C-4D75-B5B2-E1C9B8E0DC36}" dt="2025-04-02T21:07:27.506" v="14416" actId="20577"/>
+        <pc:chgData name="François GLEYZON" userId="a2d04f23f7faf3ef" providerId="LiveId" clId="{1404D58C-429C-4D75-B5B2-E1C9B8E0DC36}" dt="2025-04-03T20:28:57.725" v="14782" actId="20577"/>
         <pc:sldMkLst>
           <pc:docMk/>
           <pc:sldMk cId="2304060261" sldId="285"/>
@@ -1955,7 +1923,7 @@
           </ac:spMkLst>
         </pc:spChg>
         <pc:spChg chg="add mod">
-          <ac:chgData name="François GLEYZON" userId="a2d04f23f7faf3ef" providerId="LiveId" clId="{1404D58C-429C-4D75-B5B2-E1C9B8E0DC36}" dt="2025-04-02T21:07:27.506" v="14416" actId="20577"/>
+          <ac:chgData name="François GLEYZON" userId="a2d04f23f7faf3ef" providerId="LiveId" clId="{1404D58C-429C-4D75-B5B2-E1C9B8E0DC36}" dt="2025-04-03T20:28:57.725" v="14782" actId="20577"/>
           <ac:spMkLst>
             <pc:docMk/>
             <pc:sldMk cId="2304060261" sldId="285"/>
@@ -2018,12 +1986,44 @@
             <ac:grpSpMk id="48" creationId="{2636A78B-262C-89DB-67D7-BB8BE118E1D6}"/>
           </ac:grpSpMkLst>
         </pc:grpChg>
+        <pc:graphicFrameChg chg="add mod">
+          <ac:chgData name="François GLEYZON" userId="a2d04f23f7faf3ef" providerId="LiveId" clId="{1404D58C-429C-4D75-B5B2-E1C9B8E0DC36}" dt="2025-04-03T20:28:08.630" v="14714" actId="14100"/>
+          <ac:graphicFrameMkLst>
+            <pc:docMk/>
+            <pc:sldMk cId="2304060261" sldId="285"/>
+            <ac:graphicFrameMk id="6" creationId="{9394616A-C8AF-B45B-5EF0-5A042A0C2036}"/>
+          </ac:graphicFrameMkLst>
+        </pc:graphicFrameChg>
         <pc:picChg chg="add mod">
-          <ac:chgData name="François GLEYZON" userId="a2d04f23f7faf3ef" providerId="LiveId" clId="{1404D58C-429C-4D75-B5B2-E1C9B8E0DC36}" dt="2025-04-02T21:03:56.130" v="14009" actId="1076"/>
+          <ac:chgData name="François GLEYZON" userId="a2d04f23f7faf3ef" providerId="LiveId" clId="{1404D58C-429C-4D75-B5B2-E1C9B8E0DC36}" dt="2025-04-03T20:17:16.270" v="14705" actId="1076"/>
+          <ac:picMkLst>
+            <pc:docMk/>
+            <pc:sldMk cId="2304060261" sldId="285"/>
+            <ac:picMk id="5" creationId="{226ACF6A-9F1C-5AF5-64DD-AAA4F8690BA7}"/>
+          </ac:picMkLst>
+        </pc:picChg>
+        <pc:picChg chg="add del mod">
+          <ac:chgData name="François GLEYZON" userId="a2d04f23f7faf3ef" providerId="LiveId" clId="{1404D58C-429C-4D75-B5B2-E1C9B8E0DC36}" dt="2025-04-03T20:15:12.794" v="14695" actId="478"/>
           <ac:picMkLst>
             <pc:docMk/>
             <pc:sldMk cId="2304060261" sldId="285"/>
             <ac:picMk id="8" creationId="{D056D13C-594B-3A1A-64F9-C6CD44AB8024}"/>
+          </ac:picMkLst>
+        </pc:picChg>
+        <pc:picChg chg="add mod">
+          <ac:chgData name="François GLEYZON" userId="a2d04f23f7faf3ef" providerId="LiveId" clId="{1404D58C-429C-4D75-B5B2-E1C9B8E0DC36}" dt="2025-04-03T20:15:03.331" v="14689" actId="14100"/>
+          <ac:picMkLst>
+            <pc:docMk/>
+            <pc:sldMk cId="2304060261" sldId="285"/>
+            <ac:picMk id="1026" creationId="{B8BEE6F3-6789-03F6-A5C9-70EC0319E7C6}"/>
+          </ac:picMkLst>
+        </pc:picChg>
+        <pc:picChg chg="add del mod">
+          <ac:chgData name="François GLEYZON" userId="a2d04f23f7faf3ef" providerId="LiveId" clId="{1404D58C-429C-4D75-B5B2-E1C9B8E0DC36}" dt="2025-04-03T20:27:56.184" v="14708" actId="478"/>
+          <ac:picMkLst>
+            <pc:docMk/>
+            <pc:sldMk cId="2304060261" sldId="285"/>
+            <ac:picMk id="1028" creationId="{C6E19F88-0C85-B25D-5632-990BA65122B0}"/>
           </ac:picMkLst>
         </pc:picChg>
         <pc:cxnChg chg="del">
@@ -2065,6 +2065,515 @@
 </file>
 
 <file path=ppt/charts/chart1.xml><?xml version="1.0" encoding="utf-8"?>
+<c:chartSpace xmlns:c="http://schemas.openxmlformats.org/drawingml/2006/chart" xmlns:a="http://schemas.openxmlformats.org/drawingml/2006/main" xmlns:r="http://schemas.openxmlformats.org/officeDocument/2006/relationships" xmlns:c16r2="http://schemas.microsoft.com/office/drawing/2015/06/chart">
+  <c:date1904 val="0"/>
+  <c:lang val="en-US"/>
+  <c:roundedCorners val="0"/>
+  <mc:AlternateContent xmlns:mc="http://schemas.openxmlformats.org/markup-compatibility/2006">
+    <mc:Choice xmlns:c14="http://schemas.microsoft.com/office/drawing/2007/8/2/chart" Requires="c14">
+      <c14:style val="102"/>
+    </mc:Choice>
+    <mc:Fallback>
+      <c:style val="2"/>
+    </mc:Fallback>
+  </mc:AlternateContent>
+  <c:chart>
+    <c:title>
+      <c:tx>
+        <c:rich>
+          <a:bodyPr rot="0" spcFirstLastPara="1" vertOverflow="ellipsis" vert="horz" wrap="square" anchor="ctr" anchorCtr="1"/>
+          <a:lstStyle/>
+          <a:p>
+            <a:pPr>
+              <a:defRPr sz="1400" b="0" i="0" u="none" strike="noStrike" kern="1200" spc="0" baseline="0">
+                <a:solidFill>
+                  <a:schemeClr val="tx1">
+                    <a:lumMod val="65000"/>
+                    <a:lumOff val="35000"/>
+                  </a:schemeClr>
+                </a:solidFill>
+                <a:latin typeface="Times New Roman" panose="02020603050405020304" pitchFamily="18" charset="0"/>
+                <a:ea typeface="+mn-ea"/>
+                <a:cs typeface="Times New Roman" panose="02020603050405020304" pitchFamily="18" charset="0"/>
+              </a:defRPr>
+            </a:pPr>
+            <a:r>
+              <a:rPr lang="en-GB"/>
+              <a:t>Erreur en fonction de </a:t>
+            </a:r>
+            <a:r>
+              <a:rPr lang="el-GR"/>
+              <a:t>Δ</a:t>
+            </a:r>
+            <a:r>
+              <a:rPr lang="fr-FR"/>
+              <a:t>x</a:t>
+            </a:r>
+            <a:endParaRPr lang="en-GB"/>
+          </a:p>
+        </c:rich>
+      </c:tx>
+      <c:overlay val="0"/>
+      <c:spPr>
+        <a:noFill/>
+        <a:ln>
+          <a:noFill/>
+        </a:ln>
+        <a:effectLst/>
+      </c:spPr>
+      <c:txPr>
+        <a:bodyPr rot="0" spcFirstLastPara="1" vertOverflow="ellipsis" vert="horz" wrap="square" anchor="ctr" anchorCtr="1"/>
+        <a:lstStyle/>
+        <a:p>
+          <a:pPr>
+            <a:defRPr sz="1400" b="0" i="0" u="none" strike="noStrike" kern="1200" spc="0" baseline="0">
+              <a:solidFill>
+                <a:schemeClr val="tx1">
+                  <a:lumMod val="65000"/>
+                  <a:lumOff val="35000"/>
+                </a:schemeClr>
+              </a:solidFill>
+              <a:latin typeface="Times New Roman" panose="02020603050405020304" pitchFamily="18" charset="0"/>
+              <a:ea typeface="+mn-ea"/>
+              <a:cs typeface="Times New Roman" panose="02020603050405020304" pitchFamily="18" charset="0"/>
+            </a:defRPr>
+          </a:pPr>
+          <a:endParaRPr lang="en-GB"/>
+        </a:p>
+      </c:txPr>
+    </c:title>
+    <c:autoTitleDeleted val="0"/>
+    <c:plotArea>
+      <c:layout/>
+      <c:scatterChart>
+        <c:scatterStyle val="lineMarker"/>
+        <c:varyColors val="0"/>
+        <c:ser>
+          <c:idx val="0"/>
+          <c:order val="0"/>
+          <c:spPr>
+            <a:ln w="38100" cap="rnd">
+              <a:noFill/>
+              <a:round/>
+            </a:ln>
+            <a:effectLst/>
+          </c:spPr>
+          <c:marker>
+            <c:symbol val="circle"/>
+            <c:size val="5"/>
+            <c:spPr>
+              <a:solidFill>
+                <a:schemeClr val="accent1"/>
+              </a:solidFill>
+              <a:ln w="9525">
+                <a:solidFill>
+                  <a:schemeClr val="accent1"/>
+                </a:solidFill>
+              </a:ln>
+              <a:effectLst/>
+            </c:spPr>
+          </c:marker>
+          <c:trendline>
+            <c:spPr>
+              <a:ln w="19050" cap="rnd">
+                <a:solidFill>
+                  <a:schemeClr val="accent1"/>
+                </a:solidFill>
+                <a:prstDash val="sysDot"/>
+              </a:ln>
+              <a:effectLst/>
+            </c:spPr>
+            <c:trendlineType val="power"/>
+            <c:dispRSqr val="1"/>
+            <c:dispEq val="1"/>
+            <c:trendlineLbl>
+              <c:numFmt formatCode="General" sourceLinked="0"/>
+              <c:spPr>
+                <a:noFill/>
+                <a:ln>
+                  <a:noFill/>
+                </a:ln>
+                <a:effectLst/>
+              </c:spPr>
+              <c:txPr>
+                <a:bodyPr rot="0" spcFirstLastPara="1" vertOverflow="ellipsis" vert="horz" wrap="square" anchor="ctr" anchorCtr="1"/>
+                <a:lstStyle/>
+                <a:p>
+                  <a:pPr>
+                    <a:defRPr sz="900" b="0" i="0" u="none" strike="noStrike" kern="1200" baseline="0">
+                      <a:solidFill>
+                        <a:schemeClr val="tx1">
+                          <a:lumMod val="65000"/>
+                          <a:lumOff val="35000"/>
+                        </a:schemeClr>
+                      </a:solidFill>
+                      <a:latin typeface="Times New Roman" panose="02020603050405020304" pitchFamily="18" charset="0"/>
+                      <a:ea typeface="+mn-ea"/>
+                      <a:cs typeface="Times New Roman" panose="02020603050405020304" pitchFamily="18" charset="0"/>
+                    </a:defRPr>
+                  </a:pPr>
+                  <a:endParaRPr lang="en-US"/>
+                </a:p>
+              </c:txPr>
+            </c:trendlineLbl>
+          </c:trendline>
+          <c:xVal>
+            <c:numRef>
+              <c:f>Sheet1!$B$17:$B$21</c:f>
+              <c:numCache>
+                <c:formatCode>0.00E+00</c:formatCode>
+                <c:ptCount val="5"/>
+                <c:pt idx="0">
+                  <c:v>8.9999999999999993E-3</c:v>
+                </c:pt>
+                <c:pt idx="1">
+                  <c:v>8.0000000000000002E-3</c:v>
+                </c:pt>
+                <c:pt idx="2">
+                  <c:v>7.0000000000000001E-3</c:v>
+                </c:pt>
+                <c:pt idx="3">
+                  <c:v>6.0000000000000001E-3</c:v>
+                </c:pt>
+                <c:pt idx="4">
+                  <c:v>6.4999999999999997E-3</c:v>
+                </c:pt>
+              </c:numCache>
+            </c:numRef>
+          </c:xVal>
+          <c:yVal>
+            <c:numRef>
+              <c:f>Sheet1!$E$17:$E$21</c:f>
+              <c:numCache>
+                <c:formatCode>0.0000000E+00</c:formatCode>
+                <c:ptCount val="5"/>
+                <c:pt idx="0">
+                  <c:v>3.056250029296681E-2</c:v>
+                </c:pt>
+                <c:pt idx="1">
+                  <c:v>2.9662500292967131E-2</c:v>
+                </c:pt>
+                <c:pt idx="2">
+                  <c:v>2.8962500292966986E-2</c:v>
+                </c:pt>
+                <c:pt idx="3">
+                  <c:v>2.8262500292966841E-2</c:v>
+                </c:pt>
+                <c:pt idx="4">
+                  <c:v>2.856250029296703E-2</c:v>
+                </c:pt>
+              </c:numCache>
+            </c:numRef>
+          </c:yVal>
+          <c:smooth val="0"/>
+          <c:extLst>
+            <c:ext xmlns:c16="http://schemas.microsoft.com/office/drawing/2014/chart" uri="{C3380CC4-5D6E-409C-BE32-E72D297353CC}">
+              <c16:uniqueId val="{00000001-06D5-4863-BB48-A5AD41D09E5F}"/>
+            </c:ext>
+          </c:extLst>
+        </c:ser>
+        <c:dLbls>
+          <c:showLegendKey val="0"/>
+          <c:showVal val="0"/>
+          <c:showCatName val="0"/>
+          <c:showSerName val="0"/>
+          <c:showPercent val="0"/>
+          <c:showBubbleSize val="0"/>
+        </c:dLbls>
+        <c:axId val="843636512"/>
+        <c:axId val="843648032"/>
+      </c:scatterChart>
+      <c:valAx>
+        <c:axId val="843636512"/>
+        <c:scaling>
+          <c:orientation val="minMax"/>
+          <c:min val="4.000000000000001E-3"/>
+        </c:scaling>
+        <c:delete val="0"/>
+        <c:axPos val="b"/>
+        <c:majorGridlines>
+          <c:spPr>
+            <a:ln w="9525" cap="flat" cmpd="sng" algn="ctr">
+              <a:solidFill>
+                <a:schemeClr val="tx1">
+                  <a:lumMod val="15000"/>
+                  <a:lumOff val="85000"/>
+                </a:schemeClr>
+              </a:solidFill>
+              <a:round/>
+            </a:ln>
+            <a:effectLst/>
+          </c:spPr>
+        </c:majorGridlines>
+        <c:title>
+          <c:tx>
+            <c:rich>
+              <a:bodyPr rot="0" spcFirstLastPara="1" vertOverflow="ellipsis" vert="horz" wrap="square" anchor="ctr" anchorCtr="1"/>
+              <a:lstStyle/>
+              <a:p>
+                <a:pPr>
+                  <a:defRPr sz="1000" b="0" i="0" u="none" strike="noStrike" kern="1200" baseline="0">
+                    <a:solidFill>
+                      <a:schemeClr val="tx1">
+                        <a:lumMod val="65000"/>
+                        <a:lumOff val="35000"/>
+                      </a:schemeClr>
+                    </a:solidFill>
+                    <a:latin typeface="Times New Roman" panose="02020603050405020304" pitchFamily="18" charset="0"/>
+                    <a:ea typeface="+mn-ea"/>
+                    <a:cs typeface="Times New Roman" panose="02020603050405020304" pitchFamily="18" charset="0"/>
+                  </a:defRPr>
+                </a:pPr>
+                <a:r>
+                  <a:rPr lang="el-GR"/>
+                  <a:t>Δ</a:t>
+                </a:r>
+                <a:r>
+                  <a:rPr lang="fr-FR"/>
+                  <a:t>x</a:t>
+                </a:r>
+                <a:endParaRPr lang="en-GB"/>
+              </a:p>
+            </c:rich>
+          </c:tx>
+          <c:overlay val="0"/>
+          <c:spPr>
+            <a:noFill/>
+            <a:ln>
+              <a:noFill/>
+            </a:ln>
+            <a:effectLst/>
+          </c:spPr>
+          <c:txPr>
+            <a:bodyPr rot="0" spcFirstLastPara="1" vertOverflow="ellipsis" vert="horz" wrap="square" anchor="ctr" anchorCtr="1"/>
+            <a:lstStyle/>
+            <a:p>
+              <a:pPr>
+                <a:defRPr sz="1000" b="0" i="0" u="none" strike="noStrike" kern="1200" baseline="0">
+                  <a:solidFill>
+                    <a:schemeClr val="tx1">
+                      <a:lumMod val="65000"/>
+                      <a:lumOff val="35000"/>
+                    </a:schemeClr>
+                  </a:solidFill>
+                  <a:latin typeface="Times New Roman" panose="02020603050405020304" pitchFamily="18" charset="0"/>
+                  <a:ea typeface="+mn-ea"/>
+                  <a:cs typeface="Times New Roman" panose="02020603050405020304" pitchFamily="18" charset="0"/>
+                </a:defRPr>
+              </a:pPr>
+              <a:endParaRPr lang="en-GB"/>
+            </a:p>
+          </c:txPr>
+        </c:title>
+        <c:numFmt formatCode="0.00E+00" sourceLinked="1"/>
+        <c:majorTickMark val="none"/>
+        <c:minorTickMark val="none"/>
+        <c:tickLblPos val="nextTo"/>
+        <c:spPr>
+          <a:noFill/>
+          <a:ln w="9525" cap="flat" cmpd="sng" algn="ctr">
+            <a:solidFill>
+              <a:schemeClr val="tx1">
+                <a:lumMod val="25000"/>
+                <a:lumOff val="75000"/>
+              </a:schemeClr>
+            </a:solidFill>
+            <a:round/>
+          </a:ln>
+          <a:effectLst/>
+        </c:spPr>
+        <c:txPr>
+          <a:bodyPr rot="-60000000" spcFirstLastPara="1" vertOverflow="ellipsis" vert="horz" wrap="square" anchor="ctr" anchorCtr="1"/>
+          <a:lstStyle/>
+          <a:p>
+            <a:pPr>
+              <a:defRPr sz="900" b="0" i="0" u="none" strike="noStrike" kern="1200" baseline="0">
+                <a:solidFill>
+                  <a:schemeClr val="tx1">
+                    <a:lumMod val="65000"/>
+                    <a:lumOff val="35000"/>
+                  </a:schemeClr>
+                </a:solidFill>
+                <a:latin typeface="Times New Roman" panose="02020603050405020304" pitchFamily="18" charset="0"/>
+                <a:ea typeface="+mn-ea"/>
+                <a:cs typeface="Times New Roman" panose="02020603050405020304" pitchFamily="18" charset="0"/>
+              </a:defRPr>
+            </a:pPr>
+            <a:endParaRPr lang="en-US"/>
+          </a:p>
+        </c:txPr>
+        <c:crossAx val="843648032"/>
+        <c:crosses val="autoZero"/>
+        <c:crossBetween val="midCat"/>
+      </c:valAx>
+      <c:valAx>
+        <c:axId val="843648032"/>
+        <c:scaling>
+          <c:orientation val="minMax"/>
+        </c:scaling>
+        <c:delete val="0"/>
+        <c:axPos val="l"/>
+        <c:majorGridlines>
+          <c:spPr>
+            <a:ln w="9525" cap="flat" cmpd="sng" algn="ctr">
+              <a:solidFill>
+                <a:schemeClr val="tx1">
+                  <a:lumMod val="15000"/>
+                  <a:lumOff val="85000"/>
+                </a:schemeClr>
+              </a:solidFill>
+              <a:round/>
+            </a:ln>
+            <a:effectLst/>
+          </c:spPr>
+        </c:majorGridlines>
+        <c:title>
+          <c:tx>
+            <c:rich>
+              <a:bodyPr rot="-5400000" spcFirstLastPara="1" vertOverflow="ellipsis" vert="horz" wrap="square" anchor="ctr" anchorCtr="1"/>
+              <a:lstStyle/>
+              <a:p>
+                <a:pPr>
+                  <a:defRPr sz="1000" b="0" i="0" u="none" strike="noStrike" kern="1200" baseline="0">
+                    <a:solidFill>
+                      <a:schemeClr val="tx1">
+                        <a:lumMod val="65000"/>
+                        <a:lumOff val="35000"/>
+                      </a:schemeClr>
+                    </a:solidFill>
+                    <a:latin typeface="Times New Roman" panose="02020603050405020304" pitchFamily="18" charset="0"/>
+                    <a:ea typeface="+mn-ea"/>
+                    <a:cs typeface="Times New Roman" panose="02020603050405020304" pitchFamily="18" charset="0"/>
+                  </a:defRPr>
+                </a:pPr>
+                <a:r>
+                  <a:rPr lang="el-GR"/>
+                  <a:t>ε</a:t>
+                </a:r>
+                <a:r>
+                  <a:rPr lang="fr-FR"/>
+                  <a:t>_h</a:t>
+                </a:r>
+                <a:endParaRPr lang="en-GB"/>
+              </a:p>
+            </c:rich>
+          </c:tx>
+          <c:overlay val="0"/>
+          <c:spPr>
+            <a:noFill/>
+            <a:ln>
+              <a:noFill/>
+            </a:ln>
+            <a:effectLst/>
+          </c:spPr>
+          <c:txPr>
+            <a:bodyPr rot="-5400000" spcFirstLastPara="1" vertOverflow="ellipsis" vert="horz" wrap="square" anchor="ctr" anchorCtr="1"/>
+            <a:lstStyle/>
+            <a:p>
+              <a:pPr>
+                <a:defRPr sz="1000" b="0" i="0" u="none" strike="noStrike" kern="1200" baseline="0">
+                  <a:solidFill>
+                    <a:schemeClr val="tx1">
+                      <a:lumMod val="65000"/>
+                      <a:lumOff val="35000"/>
+                    </a:schemeClr>
+                  </a:solidFill>
+                  <a:latin typeface="Times New Roman" panose="02020603050405020304" pitchFamily="18" charset="0"/>
+                  <a:ea typeface="+mn-ea"/>
+                  <a:cs typeface="Times New Roman" panose="02020603050405020304" pitchFamily="18" charset="0"/>
+                </a:defRPr>
+              </a:pPr>
+              <a:endParaRPr lang="en-GB"/>
+            </a:p>
+          </c:txPr>
+        </c:title>
+        <c:numFmt formatCode="0.0000000E+00" sourceLinked="1"/>
+        <c:majorTickMark val="none"/>
+        <c:minorTickMark val="none"/>
+        <c:tickLblPos val="nextTo"/>
+        <c:spPr>
+          <a:noFill/>
+          <a:ln w="9525" cap="flat" cmpd="sng" algn="ctr">
+            <a:solidFill>
+              <a:schemeClr val="tx1">
+                <a:lumMod val="25000"/>
+                <a:lumOff val="75000"/>
+              </a:schemeClr>
+            </a:solidFill>
+            <a:round/>
+          </a:ln>
+          <a:effectLst/>
+        </c:spPr>
+        <c:txPr>
+          <a:bodyPr rot="-60000000" spcFirstLastPara="1" vertOverflow="ellipsis" vert="horz" wrap="square" anchor="ctr" anchorCtr="1"/>
+          <a:lstStyle/>
+          <a:p>
+            <a:pPr>
+              <a:defRPr sz="900" b="0" i="0" u="none" strike="noStrike" kern="1200" baseline="0">
+                <a:solidFill>
+                  <a:schemeClr val="tx1">
+                    <a:lumMod val="65000"/>
+                    <a:lumOff val="35000"/>
+                  </a:schemeClr>
+                </a:solidFill>
+                <a:latin typeface="Times New Roman" panose="02020603050405020304" pitchFamily="18" charset="0"/>
+                <a:ea typeface="+mn-ea"/>
+                <a:cs typeface="Times New Roman" panose="02020603050405020304" pitchFamily="18" charset="0"/>
+              </a:defRPr>
+            </a:pPr>
+            <a:endParaRPr lang="en-US"/>
+          </a:p>
+        </c:txPr>
+        <c:crossAx val="843636512"/>
+        <c:crosses val="autoZero"/>
+        <c:crossBetween val="midCat"/>
+      </c:valAx>
+      <c:spPr>
+        <a:noFill/>
+        <a:ln>
+          <a:noFill/>
+        </a:ln>
+        <a:effectLst/>
+      </c:spPr>
+    </c:plotArea>
+    <c:plotVisOnly val="1"/>
+    <c:dispBlanksAs val="gap"/>
+    <c:extLst>
+      <c:ext xmlns:c16r3="http://schemas.microsoft.com/office/drawing/2017/03/chart" uri="{56B9EC1D-385E-4148-901F-78D8002777C0}">
+        <c16r3:dataDisplayOptions16>
+          <c16r3:dispNaAsBlank val="1"/>
+        </c16r3:dataDisplayOptions16>
+      </c:ext>
+    </c:extLst>
+    <c:showDLblsOverMax val="0"/>
+  </c:chart>
+  <c:spPr>
+    <a:noFill/>
+    <a:ln>
+      <a:noFill/>
+    </a:ln>
+    <a:effectLst/>
+  </c:spPr>
+  <c:txPr>
+    <a:bodyPr/>
+    <a:lstStyle/>
+    <a:p>
+      <a:pPr>
+        <a:defRPr>
+          <a:latin typeface="Times New Roman" panose="02020603050405020304" pitchFamily="18" charset="0"/>
+          <a:cs typeface="Times New Roman" panose="02020603050405020304" pitchFamily="18" charset="0"/>
+        </a:defRPr>
+      </a:pPr>
+      <a:endParaRPr lang="en-US"/>
+    </a:p>
+  </c:txPr>
+  <c:externalData r:id="rId3">
+    <c:autoUpdate val="0"/>
+  </c:externalData>
+</c:chartSpace>
+</file>
+
+<file path=ppt/charts/chart2.xml><?xml version="1.0" encoding="utf-8"?>
 <c:chartSpace xmlns:c="http://schemas.openxmlformats.org/drawingml/2006/chart" xmlns:a="http://schemas.openxmlformats.org/drawingml/2006/main" xmlns:r="http://schemas.openxmlformats.org/officeDocument/2006/relationships" xmlns:c16r2="http://schemas.microsoft.com/office/drawing/2015/06/chart">
   <c:date1904 val="0"/>
   <c:lang val="en-US"/>
@@ -2981,7 +3490,563 @@
 </cs:colorStyle>
 </file>
 
+<file path=ppt/charts/colors2.xml><?xml version="1.0" encoding="utf-8"?>
+<cs:colorStyle xmlns:cs="http://schemas.microsoft.com/office/drawing/2012/chartStyle" xmlns:a="http://schemas.openxmlformats.org/drawingml/2006/main" meth="cycle" id="10">
+  <a:schemeClr val="accent1"/>
+  <a:schemeClr val="accent2"/>
+  <a:schemeClr val="accent3"/>
+  <a:schemeClr val="accent4"/>
+  <a:schemeClr val="accent5"/>
+  <a:schemeClr val="accent6"/>
+  <cs:variation/>
+  <cs:variation>
+    <a:lumMod val="60000"/>
+  </cs:variation>
+  <cs:variation>
+    <a:lumMod val="80000"/>
+    <a:lumOff val="20000"/>
+  </cs:variation>
+  <cs:variation>
+    <a:lumMod val="80000"/>
+  </cs:variation>
+  <cs:variation>
+    <a:lumMod val="60000"/>
+    <a:lumOff val="40000"/>
+  </cs:variation>
+  <cs:variation>
+    <a:lumMod val="50000"/>
+  </cs:variation>
+  <cs:variation>
+    <a:lumMod val="70000"/>
+    <a:lumOff val="30000"/>
+  </cs:variation>
+  <cs:variation>
+    <a:lumMod val="70000"/>
+  </cs:variation>
+  <cs:variation>
+    <a:lumMod val="50000"/>
+    <a:lumOff val="50000"/>
+  </cs:variation>
+</cs:colorStyle>
+</file>
+
 <file path=ppt/charts/style1.xml><?xml version="1.0" encoding="utf-8"?>
+<cs:chartStyle xmlns:cs="http://schemas.microsoft.com/office/drawing/2012/chartStyle" xmlns:a="http://schemas.openxmlformats.org/drawingml/2006/main" id="240">
+  <cs:axisTitle>
+    <cs:lnRef idx="0"/>
+    <cs:fillRef idx="0"/>
+    <cs:effectRef idx="0"/>
+    <cs:fontRef idx="minor">
+      <a:schemeClr val="tx1">
+        <a:lumMod val="65000"/>
+        <a:lumOff val="35000"/>
+      </a:schemeClr>
+    </cs:fontRef>
+    <cs:defRPr sz="1000" kern="1200"/>
+  </cs:axisTitle>
+  <cs:categoryAxis>
+    <cs:lnRef idx="0"/>
+    <cs:fillRef idx="0"/>
+    <cs:effectRef idx="0"/>
+    <cs:fontRef idx="minor">
+      <a:schemeClr val="tx1">
+        <a:lumMod val="65000"/>
+        <a:lumOff val="35000"/>
+      </a:schemeClr>
+    </cs:fontRef>
+    <cs:spPr>
+      <a:ln w="9525" cap="flat" cmpd="sng" algn="ctr">
+        <a:solidFill>
+          <a:schemeClr val="tx1">
+            <a:lumMod val="25000"/>
+            <a:lumOff val="75000"/>
+          </a:schemeClr>
+        </a:solidFill>
+        <a:round/>
+      </a:ln>
+    </cs:spPr>
+    <cs:defRPr sz="900" kern="1200"/>
+  </cs:categoryAxis>
+  <cs:chartArea mods="allowNoFillOverride allowNoLineOverride">
+    <cs:lnRef idx="0"/>
+    <cs:fillRef idx="0"/>
+    <cs:effectRef idx="0"/>
+    <cs:fontRef idx="minor">
+      <a:schemeClr val="tx1"/>
+    </cs:fontRef>
+    <cs:spPr>
+      <a:solidFill>
+        <a:schemeClr val="bg1"/>
+      </a:solidFill>
+      <a:ln w="9525" cap="flat" cmpd="sng" algn="ctr">
+        <a:solidFill>
+          <a:schemeClr val="tx1">
+            <a:lumMod val="15000"/>
+            <a:lumOff val="85000"/>
+          </a:schemeClr>
+        </a:solidFill>
+        <a:round/>
+      </a:ln>
+    </cs:spPr>
+    <cs:defRPr sz="1000" kern="1200"/>
+  </cs:chartArea>
+  <cs:dataLabel>
+    <cs:lnRef idx="0"/>
+    <cs:fillRef idx="0"/>
+    <cs:effectRef idx="0"/>
+    <cs:fontRef idx="minor">
+      <a:schemeClr val="tx1">
+        <a:lumMod val="75000"/>
+        <a:lumOff val="25000"/>
+      </a:schemeClr>
+    </cs:fontRef>
+    <cs:defRPr sz="900" kern="1200"/>
+  </cs:dataLabel>
+  <cs:dataLabelCallout>
+    <cs:lnRef idx="0"/>
+    <cs:fillRef idx="0"/>
+    <cs:effectRef idx="0"/>
+    <cs:fontRef idx="minor">
+      <a:schemeClr val="dk1">
+        <a:lumMod val="65000"/>
+        <a:lumOff val="35000"/>
+      </a:schemeClr>
+    </cs:fontRef>
+    <cs:spPr>
+      <a:solidFill>
+        <a:schemeClr val="lt1"/>
+      </a:solidFill>
+      <a:ln>
+        <a:solidFill>
+          <a:schemeClr val="dk1">
+            <a:lumMod val="25000"/>
+            <a:lumOff val="75000"/>
+          </a:schemeClr>
+        </a:solidFill>
+      </a:ln>
+    </cs:spPr>
+    <cs:defRPr sz="900" kern="1200"/>
+    <cs:bodyPr rot="0" spcFirstLastPara="1" vertOverflow="clip" horzOverflow="clip" vert="horz" wrap="square" lIns="36576" tIns="18288" rIns="36576" bIns="18288" anchor="ctr" anchorCtr="1">
+      <a:spAutoFit/>
+    </cs:bodyPr>
+  </cs:dataLabelCallout>
+  <cs:dataPoint>
+    <cs:lnRef idx="0"/>
+    <cs:fillRef idx="1">
+      <cs:styleClr val="auto"/>
+    </cs:fillRef>
+    <cs:effectRef idx="0"/>
+    <cs:fontRef idx="minor">
+      <a:schemeClr val="tx1"/>
+    </cs:fontRef>
+  </cs:dataPoint>
+  <cs:dataPoint3D>
+    <cs:lnRef idx="0"/>
+    <cs:fillRef idx="1">
+      <cs:styleClr val="auto"/>
+    </cs:fillRef>
+    <cs:effectRef idx="0"/>
+    <cs:fontRef idx="minor">
+      <a:schemeClr val="tx1"/>
+    </cs:fontRef>
+  </cs:dataPoint3D>
+  <cs:dataPointLine>
+    <cs:lnRef idx="0">
+      <cs:styleClr val="auto"/>
+    </cs:lnRef>
+    <cs:fillRef idx="1"/>
+    <cs:effectRef idx="0"/>
+    <cs:fontRef idx="minor">
+      <a:schemeClr val="tx1"/>
+    </cs:fontRef>
+    <cs:spPr>
+      <a:ln w="19050" cap="rnd">
+        <a:solidFill>
+          <a:schemeClr val="phClr"/>
+        </a:solidFill>
+        <a:round/>
+      </a:ln>
+    </cs:spPr>
+  </cs:dataPointLine>
+  <cs:dataPointMarker>
+    <cs:lnRef idx="0">
+      <cs:styleClr val="auto"/>
+    </cs:lnRef>
+    <cs:fillRef idx="1">
+      <cs:styleClr val="auto"/>
+    </cs:fillRef>
+    <cs:effectRef idx="0"/>
+    <cs:fontRef idx="minor">
+      <a:schemeClr val="tx1"/>
+    </cs:fontRef>
+    <cs:spPr>
+      <a:ln w="9525">
+        <a:solidFill>
+          <a:schemeClr val="phClr"/>
+        </a:solidFill>
+      </a:ln>
+    </cs:spPr>
+  </cs:dataPointMarker>
+  <cs:dataPointMarkerLayout symbol="circle" size="5"/>
+  <cs:dataPointWireframe>
+    <cs:lnRef idx="0">
+      <cs:styleClr val="auto"/>
+    </cs:lnRef>
+    <cs:fillRef idx="0"/>
+    <cs:effectRef idx="0"/>
+    <cs:fontRef idx="minor">
+      <a:schemeClr val="dk1"/>
+    </cs:fontRef>
+    <cs:spPr>
+      <a:ln w="9525" cap="rnd">
+        <a:solidFill>
+          <a:schemeClr val="phClr"/>
+        </a:solidFill>
+        <a:round/>
+      </a:ln>
+    </cs:spPr>
+  </cs:dataPointWireframe>
+  <cs:dataTable>
+    <cs:lnRef idx="0"/>
+    <cs:fillRef idx="0"/>
+    <cs:effectRef idx="0"/>
+    <cs:fontRef idx="minor">
+      <a:schemeClr val="tx1">
+        <a:lumMod val="65000"/>
+        <a:lumOff val="35000"/>
+      </a:schemeClr>
+    </cs:fontRef>
+    <cs:spPr>
+      <a:noFill/>
+      <a:ln w="9525" cap="flat" cmpd="sng" algn="ctr">
+        <a:solidFill>
+          <a:schemeClr val="tx1">
+            <a:lumMod val="15000"/>
+            <a:lumOff val="85000"/>
+          </a:schemeClr>
+        </a:solidFill>
+        <a:round/>
+      </a:ln>
+    </cs:spPr>
+    <cs:defRPr sz="900" kern="1200"/>
+  </cs:dataTable>
+  <cs:downBar>
+    <cs:lnRef idx="0"/>
+    <cs:fillRef idx="0"/>
+    <cs:effectRef idx="0"/>
+    <cs:fontRef idx="minor">
+      <a:schemeClr val="tx1"/>
+    </cs:fontRef>
+    <cs:spPr>
+      <a:solidFill>
+        <a:schemeClr val="dk1">
+          <a:lumMod val="75000"/>
+          <a:lumOff val="25000"/>
+        </a:schemeClr>
+      </a:solidFill>
+      <a:ln w="9525" cap="flat" cmpd="sng" algn="ctr">
+        <a:solidFill>
+          <a:schemeClr val="tx1">
+            <a:lumMod val="65000"/>
+            <a:lumOff val="35000"/>
+          </a:schemeClr>
+        </a:solidFill>
+        <a:round/>
+      </a:ln>
+    </cs:spPr>
+  </cs:downBar>
+  <cs:dropLine>
+    <cs:lnRef idx="0"/>
+    <cs:fillRef idx="0"/>
+    <cs:effectRef idx="0"/>
+    <cs:fontRef idx="minor">
+      <a:schemeClr val="tx1"/>
+    </cs:fontRef>
+    <cs:spPr>
+      <a:ln w="9525" cap="flat" cmpd="sng" algn="ctr">
+        <a:solidFill>
+          <a:schemeClr val="tx1">
+            <a:lumMod val="35000"/>
+            <a:lumOff val="65000"/>
+          </a:schemeClr>
+        </a:solidFill>
+        <a:round/>
+      </a:ln>
+    </cs:spPr>
+  </cs:dropLine>
+  <cs:errorBar>
+    <cs:lnRef idx="0"/>
+    <cs:fillRef idx="0"/>
+    <cs:effectRef idx="0"/>
+    <cs:fontRef idx="minor">
+      <a:schemeClr val="tx1"/>
+    </cs:fontRef>
+    <cs:spPr>
+      <a:ln w="9525" cap="flat" cmpd="sng" algn="ctr">
+        <a:solidFill>
+          <a:schemeClr val="tx1">
+            <a:lumMod val="65000"/>
+            <a:lumOff val="35000"/>
+          </a:schemeClr>
+        </a:solidFill>
+        <a:round/>
+      </a:ln>
+    </cs:spPr>
+  </cs:errorBar>
+  <cs:floor>
+    <cs:lnRef idx="0"/>
+    <cs:fillRef idx="0"/>
+    <cs:effectRef idx="0"/>
+    <cs:fontRef idx="minor">
+      <a:schemeClr val="tx1"/>
+    </cs:fontRef>
+    <cs:spPr>
+      <a:noFill/>
+      <a:ln>
+        <a:noFill/>
+      </a:ln>
+    </cs:spPr>
+  </cs:floor>
+  <cs:gridlineMajor>
+    <cs:lnRef idx="0"/>
+    <cs:fillRef idx="0"/>
+    <cs:effectRef idx="0"/>
+    <cs:fontRef idx="minor">
+      <a:schemeClr val="tx1"/>
+    </cs:fontRef>
+    <cs:spPr>
+      <a:ln w="9525" cap="flat" cmpd="sng" algn="ctr">
+        <a:solidFill>
+          <a:schemeClr val="tx1">
+            <a:lumMod val="15000"/>
+            <a:lumOff val="85000"/>
+          </a:schemeClr>
+        </a:solidFill>
+        <a:round/>
+      </a:ln>
+    </cs:spPr>
+  </cs:gridlineMajor>
+  <cs:gridlineMinor>
+    <cs:lnRef idx="0"/>
+    <cs:fillRef idx="0"/>
+    <cs:effectRef idx="0"/>
+    <cs:fontRef idx="minor">
+      <a:schemeClr val="tx1"/>
+    </cs:fontRef>
+    <cs:spPr>
+      <a:ln w="9525" cap="flat" cmpd="sng" algn="ctr">
+        <a:solidFill>
+          <a:schemeClr val="tx1">
+            <a:lumMod val="5000"/>
+            <a:lumOff val="95000"/>
+          </a:schemeClr>
+        </a:solidFill>
+        <a:round/>
+      </a:ln>
+    </cs:spPr>
+  </cs:gridlineMinor>
+  <cs:hiLoLine>
+    <cs:lnRef idx="0"/>
+    <cs:fillRef idx="0"/>
+    <cs:effectRef idx="0"/>
+    <cs:fontRef idx="minor">
+      <a:schemeClr val="tx1"/>
+    </cs:fontRef>
+    <cs:spPr>
+      <a:ln w="9525" cap="flat" cmpd="sng" algn="ctr">
+        <a:solidFill>
+          <a:schemeClr val="tx1">
+            <a:lumMod val="50000"/>
+            <a:lumOff val="50000"/>
+          </a:schemeClr>
+        </a:solidFill>
+        <a:round/>
+      </a:ln>
+    </cs:spPr>
+  </cs:hiLoLine>
+  <cs:leaderLine>
+    <cs:lnRef idx="0"/>
+    <cs:fillRef idx="0"/>
+    <cs:effectRef idx="0"/>
+    <cs:fontRef idx="minor">
+      <a:schemeClr val="tx1"/>
+    </cs:fontRef>
+    <cs:spPr>
+      <a:ln w="9525" cap="flat" cmpd="sng" algn="ctr">
+        <a:solidFill>
+          <a:schemeClr val="tx1">
+            <a:lumMod val="35000"/>
+            <a:lumOff val="65000"/>
+          </a:schemeClr>
+        </a:solidFill>
+        <a:round/>
+      </a:ln>
+    </cs:spPr>
+  </cs:leaderLine>
+  <cs:legend>
+    <cs:lnRef idx="0"/>
+    <cs:fillRef idx="0"/>
+    <cs:effectRef idx="0"/>
+    <cs:fontRef idx="minor">
+      <a:schemeClr val="tx1">
+        <a:lumMod val="65000"/>
+        <a:lumOff val="35000"/>
+      </a:schemeClr>
+    </cs:fontRef>
+    <cs:defRPr sz="900" kern="1200"/>
+  </cs:legend>
+  <cs:plotArea mods="allowNoFillOverride allowNoLineOverride">
+    <cs:lnRef idx="0"/>
+    <cs:fillRef idx="0"/>
+    <cs:effectRef idx="0"/>
+    <cs:fontRef idx="minor">
+      <a:schemeClr val="tx1"/>
+    </cs:fontRef>
+  </cs:plotArea>
+  <cs:plotArea3D mods="allowNoFillOverride allowNoLineOverride">
+    <cs:lnRef idx="0"/>
+    <cs:fillRef idx="0"/>
+    <cs:effectRef idx="0"/>
+    <cs:fontRef idx="minor">
+      <a:schemeClr val="tx1"/>
+    </cs:fontRef>
+  </cs:plotArea3D>
+  <cs:seriesAxis>
+    <cs:lnRef idx="0"/>
+    <cs:fillRef idx="0"/>
+    <cs:effectRef idx="0"/>
+    <cs:fontRef idx="minor">
+      <a:schemeClr val="tx1">
+        <a:lumMod val="65000"/>
+        <a:lumOff val="35000"/>
+      </a:schemeClr>
+    </cs:fontRef>
+    <cs:defRPr sz="900" kern="1200"/>
+  </cs:seriesAxis>
+  <cs:seriesLine>
+    <cs:lnRef idx="0"/>
+    <cs:fillRef idx="0"/>
+    <cs:effectRef idx="0"/>
+    <cs:fontRef idx="minor">
+      <a:schemeClr val="tx1"/>
+    </cs:fontRef>
+    <cs:spPr>
+      <a:ln w="9525" cap="flat" cmpd="sng" algn="ctr">
+        <a:solidFill>
+          <a:schemeClr val="tx1">
+            <a:lumMod val="35000"/>
+            <a:lumOff val="65000"/>
+          </a:schemeClr>
+        </a:solidFill>
+        <a:round/>
+      </a:ln>
+    </cs:spPr>
+  </cs:seriesLine>
+  <cs:title>
+    <cs:lnRef idx="0"/>
+    <cs:fillRef idx="0"/>
+    <cs:effectRef idx="0"/>
+    <cs:fontRef idx="minor">
+      <a:schemeClr val="tx1">
+        <a:lumMod val="65000"/>
+        <a:lumOff val="35000"/>
+      </a:schemeClr>
+    </cs:fontRef>
+    <cs:defRPr sz="1400" b="0" kern="1200" spc="0" baseline="0"/>
+  </cs:title>
+  <cs:trendline>
+    <cs:lnRef idx="0">
+      <cs:styleClr val="auto"/>
+    </cs:lnRef>
+    <cs:fillRef idx="0"/>
+    <cs:effectRef idx="0"/>
+    <cs:fontRef idx="minor">
+      <a:schemeClr val="tx1"/>
+    </cs:fontRef>
+    <cs:spPr>
+      <a:ln w="19050" cap="rnd">
+        <a:solidFill>
+          <a:schemeClr val="phClr"/>
+        </a:solidFill>
+        <a:prstDash val="sysDot"/>
+      </a:ln>
+    </cs:spPr>
+  </cs:trendline>
+  <cs:trendlineLabel>
+    <cs:lnRef idx="0"/>
+    <cs:fillRef idx="0"/>
+    <cs:effectRef idx="0"/>
+    <cs:fontRef idx="minor">
+      <a:schemeClr val="tx1">
+        <a:lumMod val="65000"/>
+        <a:lumOff val="35000"/>
+      </a:schemeClr>
+    </cs:fontRef>
+    <cs:defRPr sz="900" kern="1200"/>
+  </cs:trendlineLabel>
+  <cs:upBar>
+    <cs:lnRef idx="0"/>
+    <cs:fillRef idx="0"/>
+    <cs:effectRef idx="0"/>
+    <cs:fontRef idx="minor">
+      <a:schemeClr val="tx1"/>
+    </cs:fontRef>
+    <cs:spPr>
+      <a:solidFill>
+        <a:schemeClr val="lt1"/>
+      </a:solidFill>
+      <a:ln w="9525" cap="flat" cmpd="sng" algn="ctr">
+        <a:solidFill>
+          <a:schemeClr val="tx1">
+            <a:lumMod val="65000"/>
+            <a:lumOff val="35000"/>
+          </a:schemeClr>
+        </a:solidFill>
+        <a:round/>
+      </a:ln>
+    </cs:spPr>
+  </cs:upBar>
+  <cs:valueAxis>
+    <cs:lnRef idx="0"/>
+    <cs:fillRef idx="0"/>
+    <cs:effectRef idx="0"/>
+    <cs:fontRef idx="minor">
+      <a:schemeClr val="tx1">
+        <a:lumMod val="65000"/>
+        <a:lumOff val="35000"/>
+      </a:schemeClr>
+    </cs:fontRef>
+    <cs:spPr>
+      <a:ln w="9525" cap="flat" cmpd="sng" algn="ctr">
+        <a:solidFill>
+          <a:schemeClr val="tx1">
+            <a:lumMod val="25000"/>
+            <a:lumOff val="75000"/>
+          </a:schemeClr>
+        </a:solidFill>
+        <a:round/>
+      </a:ln>
+    </cs:spPr>
+    <cs:defRPr sz="900" kern="1200"/>
+  </cs:valueAxis>
+  <cs:wall>
+    <cs:lnRef idx="0"/>
+    <cs:fillRef idx="0"/>
+    <cs:effectRef idx="0"/>
+    <cs:fontRef idx="minor">
+      <a:schemeClr val="tx1"/>
+    </cs:fontRef>
+    <cs:spPr>
+      <a:noFill/>
+      <a:ln>
+        <a:noFill/>
+      </a:ln>
+    </cs:spPr>
+  </cs:wall>
+</cs:chartStyle>
+</file>
+
+<file path=ppt/charts/style2.xml><?xml version="1.0" encoding="utf-8"?>
 <cs:chartStyle xmlns:cs="http://schemas.microsoft.com/office/drawing/2012/chartStyle" xmlns:a="http://schemas.openxmlformats.org/drawingml/2006/main" id="240">
   <cs:axisTitle>
     <cs:lnRef idx="0"/>
@@ -3579,7 +4644,7 @@
           <a:p>
             <a:fld id="{536D1BE0-9163-4941-8556-7FE0B29195A4}" type="datetimeFigureOut">
               <a:rPr lang="en-GB" smtClean="0"/>
-              <a:t>02/04/2025</a:t>
+              <a:t>03/04/2025</a:t>
             </a:fld>
             <a:endParaRPr lang="en-GB"/>
           </a:p>
@@ -4188,7 +5253,7 @@
           <a:p>
             <a:fld id="{CEFDEF93-0E3A-4A89-BC16-F38BAE82060D}" type="datetimeFigureOut">
               <a:rPr lang="en-GB" smtClean="0"/>
-              <a:t>02/04/2025</a:t>
+              <a:t>03/04/2025</a:t>
             </a:fld>
             <a:endParaRPr lang="en-GB"/>
           </a:p>
@@ -4388,7 +5453,7 @@
           <a:p>
             <a:fld id="{CEFDEF93-0E3A-4A89-BC16-F38BAE82060D}" type="datetimeFigureOut">
               <a:rPr lang="en-GB" smtClean="0"/>
-              <a:t>02/04/2025</a:t>
+              <a:t>03/04/2025</a:t>
             </a:fld>
             <a:endParaRPr lang="en-GB"/>
           </a:p>
@@ -4598,7 +5663,7 @@
           <a:p>
             <a:fld id="{CEFDEF93-0E3A-4A89-BC16-F38BAE82060D}" type="datetimeFigureOut">
               <a:rPr lang="en-GB" smtClean="0"/>
-              <a:t>02/04/2025</a:t>
+              <a:t>03/04/2025</a:t>
             </a:fld>
             <a:endParaRPr lang="en-GB"/>
           </a:p>
@@ -4798,7 +5863,7 @@
           <a:p>
             <a:fld id="{CEFDEF93-0E3A-4A89-BC16-F38BAE82060D}" type="datetimeFigureOut">
               <a:rPr lang="en-GB" smtClean="0"/>
-              <a:t>02/04/2025</a:t>
+              <a:t>03/04/2025</a:t>
             </a:fld>
             <a:endParaRPr lang="en-GB"/>
           </a:p>
@@ -5074,7 +6139,7 @@
           <a:p>
             <a:fld id="{CEFDEF93-0E3A-4A89-BC16-F38BAE82060D}" type="datetimeFigureOut">
               <a:rPr lang="en-GB" smtClean="0"/>
-              <a:t>02/04/2025</a:t>
+              <a:t>03/04/2025</a:t>
             </a:fld>
             <a:endParaRPr lang="en-GB"/>
           </a:p>
@@ -5342,7 +6407,7 @@
           <a:p>
             <a:fld id="{CEFDEF93-0E3A-4A89-BC16-F38BAE82060D}" type="datetimeFigureOut">
               <a:rPr lang="en-GB" smtClean="0"/>
-              <a:t>02/04/2025</a:t>
+              <a:t>03/04/2025</a:t>
             </a:fld>
             <a:endParaRPr lang="en-GB"/>
           </a:p>
@@ -5757,7 +6822,7 @@
           <a:p>
             <a:fld id="{CEFDEF93-0E3A-4A89-BC16-F38BAE82060D}" type="datetimeFigureOut">
               <a:rPr lang="en-GB" smtClean="0"/>
-              <a:t>02/04/2025</a:t>
+              <a:t>03/04/2025</a:t>
             </a:fld>
             <a:endParaRPr lang="en-GB"/>
           </a:p>
@@ -5899,7 +6964,7 @@
           <a:p>
             <a:fld id="{CEFDEF93-0E3A-4A89-BC16-F38BAE82060D}" type="datetimeFigureOut">
               <a:rPr lang="en-GB" smtClean="0"/>
-              <a:t>02/04/2025</a:t>
+              <a:t>03/04/2025</a:t>
             </a:fld>
             <a:endParaRPr lang="en-GB"/>
           </a:p>
@@ -6012,7 +7077,7 @@
           <a:p>
             <a:fld id="{CEFDEF93-0E3A-4A89-BC16-F38BAE82060D}" type="datetimeFigureOut">
               <a:rPr lang="en-GB" smtClean="0"/>
-              <a:t>02/04/2025</a:t>
+              <a:t>03/04/2025</a:t>
             </a:fld>
             <a:endParaRPr lang="en-GB"/>
           </a:p>
@@ -6325,7 +7390,7 @@
           <a:p>
             <a:fld id="{CEFDEF93-0E3A-4A89-BC16-F38BAE82060D}" type="datetimeFigureOut">
               <a:rPr lang="en-GB" smtClean="0"/>
-              <a:t>02/04/2025</a:t>
+              <a:t>03/04/2025</a:t>
             </a:fld>
             <a:endParaRPr lang="en-GB"/>
           </a:p>
@@ -6614,7 +7679,7 @@
           <a:p>
             <a:fld id="{CEFDEF93-0E3A-4A89-BC16-F38BAE82060D}" type="datetimeFigureOut">
               <a:rPr lang="en-GB" smtClean="0"/>
-              <a:t>02/04/2025</a:t>
+              <a:t>03/04/2025</a:t>
             </a:fld>
             <a:endParaRPr lang="en-GB"/>
           </a:p>
@@ -6857,7 +7922,7 @@
           <a:p>
             <a:fld id="{CEFDEF93-0E3A-4A89-BC16-F38BAE82060D}" type="datetimeFigureOut">
               <a:rPr lang="en-GB" smtClean="0"/>
-              <a:t>02/04/2025</a:t>
+              <a:t>03/04/2025</a:t>
             </a:fld>
             <a:endParaRPr lang="en-GB"/>
           </a:p>
@@ -21384,8 +22449,8 @@
           </a:p>
         </p:txBody>
       </p:sp>
-      <mc:AlternateContent xmlns:mc="http://schemas.openxmlformats.org/markup-compatibility/2006">
-        <mc:Choice xmlns:a14="http://schemas.microsoft.com/office/drawing/2010/main" Requires="a14">
+      <mc:AlternateContent xmlns:mc="http://schemas.openxmlformats.org/markup-compatibility/2006" xmlns:a14="http://schemas.microsoft.com/office/drawing/2010/main">
+        <mc:Choice Requires="a14">
           <p:sp>
             <p:nvSpPr>
               <p:cNvPr id="3" name="TextBox 2">
@@ -21444,7 +22509,7 @@
             </p:txBody>
           </p:sp>
         </mc:Choice>
-        <mc:Fallback>
+        <mc:Fallback xmlns="">
           <p:sp>
             <p:nvSpPr>
               <p:cNvPr id="3" name="TextBox 2">
@@ -21949,8 +23014,8 @@
           </a:fontRef>
         </p:style>
       </p:cxnSp>
-      <mc:AlternateContent xmlns:mc="http://schemas.openxmlformats.org/markup-compatibility/2006">
-        <mc:Choice xmlns:a14="http://schemas.microsoft.com/office/drawing/2010/main" Requires="a14">
+      <mc:AlternateContent xmlns:mc="http://schemas.openxmlformats.org/markup-compatibility/2006" xmlns:a14="http://schemas.microsoft.com/office/drawing/2010/main">
+        <mc:Choice Requires="a14">
           <p:sp>
             <p:nvSpPr>
               <p:cNvPr id="30" name="TextBox 29">
@@ -21979,6 +23044,7 @@
               </a:bodyPr>
               <a:lstStyle/>
               <a:p>
+                <a:pPr/>
                 <a14:m>
                   <m:oMathPara xmlns:m="http://schemas.openxmlformats.org/officeDocument/2006/math">
                     <m:oMathParaPr>
@@ -22011,7 +23077,7 @@
             </p:txBody>
           </p:sp>
         </mc:Choice>
-        <mc:Fallback>
+        <mc:Fallback xmlns="">
           <p:sp>
             <p:nvSpPr>
               <p:cNvPr id="30" name="TextBox 29">
@@ -22056,8 +23122,8 @@
           </p:sp>
         </mc:Fallback>
       </mc:AlternateContent>
-      <mc:AlternateContent xmlns:mc="http://schemas.openxmlformats.org/markup-compatibility/2006">
-        <mc:Choice xmlns:a14="http://schemas.microsoft.com/office/drawing/2010/main" Requires="a14">
+      <mc:AlternateContent xmlns:mc="http://schemas.openxmlformats.org/markup-compatibility/2006" xmlns:a14="http://schemas.microsoft.com/office/drawing/2010/main">
+        <mc:Choice Requires="a14">
           <p:sp>
             <p:nvSpPr>
               <p:cNvPr id="31" name="TextBox 30">
@@ -22086,6 +23152,7 @@
               </a:bodyPr>
               <a:lstStyle/>
               <a:p>
+                <a:pPr/>
                 <a14:m>
                   <m:oMathPara xmlns:m="http://schemas.openxmlformats.org/officeDocument/2006/math">
                     <m:oMathParaPr>
@@ -22118,7 +23185,7 @@
             </p:txBody>
           </p:sp>
         </mc:Choice>
-        <mc:Fallback>
+        <mc:Fallback xmlns="">
           <p:sp>
             <p:nvSpPr>
               <p:cNvPr id="31" name="TextBox 30">
@@ -22179,8 +23246,8 @@
             </p:nvSpPr>
             <p:spPr>
               <a:xfrm rot="1456734">
-                <a:off x="766691" y="3969714"/>
-                <a:ext cx="1087542" cy="276999"/>
+                <a:off x="702571" y="3969714"/>
+                <a:ext cx="1215782" cy="276999"/>
               </a:xfrm>
               <a:prstGeom prst="rect">
                 <a:avLst/>
@@ -22193,6 +23260,7 @@
               </a:bodyPr>
               <a:lstStyle/>
               <a:p>
+                <a:pPr/>
                 <a14:m>
                   <m:oMathPara xmlns:m="http://schemas.openxmlformats.org/officeDocument/2006/math">
                     <m:oMathParaPr>
@@ -22209,7 +23277,7 @@
                         <a:rPr lang="fr-FR" b="0" i="1" smtClean="0">
                           <a:latin typeface="Cambria Math" panose="02040503050406030204" pitchFamily="18" charset="0"/>
                         </a:rPr>
-                        <m:t>=24 </m:t>
+                        <m:t>=160 </m:t>
                       </m:r>
                       <m:r>
                         <a:rPr lang="fr-FR" b="0" i="1" smtClean="0">
@@ -22242,8 +23310,8 @@
             </p:nvSpPr>
             <p:spPr>
               <a:xfrm rot="1456734">
-                <a:off x="766691" y="3969714"/>
-                <a:ext cx="1087542" cy="276999"/>
+                <a:off x="702571" y="3969714"/>
+                <a:ext cx="1215782" cy="276999"/>
               </a:xfrm>
               <a:prstGeom prst="rect">
                 <a:avLst/>
@@ -22251,7 +23319,7 @@
               <a:blipFill>
                 <a:blip r:embed="rId5"/>
                 <a:stretch>
-                  <a:fillRect l="-4945" t="-862" b="-862"/>
+                  <a:fillRect l="-3960" t="-806" b="-806"/>
                 </a:stretch>
               </a:blipFill>
             </p:spPr>
@@ -22270,8 +23338,8 @@
           </p:sp>
         </mc:Fallback>
       </mc:AlternateContent>
-      <mc:AlternateContent xmlns:mc="http://schemas.openxmlformats.org/markup-compatibility/2006">
-        <mc:Choice xmlns:a14="http://schemas.microsoft.com/office/drawing/2010/main" Requires="a14">
+      <mc:AlternateContent xmlns:mc="http://schemas.openxmlformats.org/markup-compatibility/2006" xmlns:a14="http://schemas.microsoft.com/office/drawing/2010/main">
+        <mc:Choice Requires="a14">
           <p:sp>
             <p:nvSpPr>
               <p:cNvPr id="34" name="TextBox 33">
@@ -22358,7 +23426,7 @@
             </p:txBody>
           </p:sp>
         </mc:Choice>
-        <mc:Fallback>
+        <mc:Fallback xmlns="">
           <p:sp>
             <p:nvSpPr>
               <p:cNvPr id="34" name="TextBox 33">
@@ -22420,7 +23488,7 @@
             <p:spPr>
               <a:xfrm>
                 <a:off x="4975599" y="1726528"/>
-                <a:ext cx="7216402" cy="4250907"/>
+                <a:ext cx="7216402" cy="4804905"/>
               </a:xfrm>
               <a:prstGeom prst="rect">
                 <a:avLst/>
@@ -22692,9 +23760,6 @@
                   </a:rPr>
                   <a:t> tel que : </a:t>
                 </a:r>
-              </a:p>
-              <a:p>
-                <a:pPr algn="just"/>
                 <a:endParaRPr lang="fr-FR" dirty="0">
                   <a:latin typeface="Times New Roman" panose="02020603050405020304" pitchFamily="18" charset="0"/>
                   <a:cs typeface="Times New Roman" panose="02020603050405020304" pitchFamily="18" charset="0"/>
@@ -22849,13 +23914,6 @@
                     </m:oMath>
                   </m:oMathPara>
                 </a14:m>
-                <a:endParaRPr lang="fr-FR" noProof="0" dirty="0">
-                  <a:latin typeface="Times New Roman" panose="02020603050405020304" pitchFamily="18" charset="0"/>
-                  <a:cs typeface="Times New Roman" panose="02020603050405020304" pitchFamily="18" charset="0"/>
-                </a:endParaRPr>
-              </a:p>
-              <a:p>
-                <a:pPr algn="just"/>
                 <a:endParaRPr lang="fr-FR" dirty="0">
                   <a:latin typeface="Times New Roman" panose="02020603050405020304" pitchFamily="18" charset="0"/>
                   <a:cs typeface="Times New Roman" panose="02020603050405020304" pitchFamily="18" charset="0"/>
@@ -22913,6 +23971,66 @@
                   <a:t> pour plusieurs maillages. </a:t>
                 </a:r>
               </a:p>
+              <a:p>
+                <a:pPr algn="just"/>
+                <a:endParaRPr lang="fr-FR" dirty="0">
+                  <a:latin typeface="Times New Roman" panose="02020603050405020304" pitchFamily="18" charset="0"/>
+                  <a:cs typeface="Times New Roman" panose="02020603050405020304" pitchFamily="18" charset="0"/>
+                </a:endParaRPr>
+              </a:p>
+              <a:p>
+                <a:pPr algn="just"/>
+                <a:r>
+                  <a:rPr lang="fr-FR" b="1" dirty="0">
+                    <a:latin typeface="Times New Roman" panose="02020603050405020304" pitchFamily="18" charset="0"/>
+                    <a:cs typeface="Times New Roman" panose="02020603050405020304" pitchFamily="18" charset="0"/>
+                  </a:rPr>
+                  <a:t>Remarque</a:t>
+                </a:r>
+                <a:r>
+                  <a:rPr lang="fr-FR" dirty="0">
+                    <a:latin typeface="Times New Roman" panose="02020603050405020304" pitchFamily="18" charset="0"/>
+                    <a:cs typeface="Times New Roman" panose="02020603050405020304" pitchFamily="18" charset="0"/>
+                  </a:rPr>
+                  <a:t> : Seul </a:t>
+                </a:r>
+                <a14:m>
+                  <m:oMath xmlns:m="http://schemas.openxmlformats.org/officeDocument/2006/math">
+                    <m:r>
+                      <a:rPr lang="fr-FR" b="0" i="1" smtClean="0">
+                        <a:latin typeface="Cambria Math" panose="02040503050406030204" pitchFamily="18" charset="0"/>
+                        <a:cs typeface="Times New Roman" panose="02020603050405020304" pitchFamily="18" charset="0"/>
+                      </a:rPr>
+                      <m:t>𝐿</m:t>
+                    </m:r>
+                  </m:oMath>
+                </a14:m>
+                <a:r>
+                  <a:rPr lang="fr-FR" dirty="0">
+                    <a:latin typeface="Times New Roman" panose="02020603050405020304" pitchFamily="18" charset="0"/>
+                    <a:cs typeface="Times New Roman" panose="02020603050405020304" pitchFamily="18" charset="0"/>
+                  </a:rPr>
+                  <a:t> n’est pas de la taille de l’orthèse étant donné que pour la théorie des poutres, il faut que </a:t>
+                </a:r>
+                <a14:m>
+                  <m:oMath xmlns:m="http://schemas.openxmlformats.org/officeDocument/2006/math">
+                    <m:r>
+                      <a:rPr lang="fr-FR" i="1">
+                        <a:latin typeface="Cambria Math" panose="02040503050406030204" pitchFamily="18" charset="0"/>
+                        <a:cs typeface="Times New Roman" panose="02020603050405020304" pitchFamily="18" charset="0"/>
+                      </a:rPr>
+                      <m:t>𝐿</m:t>
+                    </m:r>
+                  </m:oMath>
+                </a14:m>
+                <a:r>
+                  <a:rPr lang="fr-FR" dirty="0">
+                    <a:latin typeface="Times New Roman" panose="02020603050405020304" pitchFamily="18" charset="0"/>
+                    <a:cs typeface="Times New Roman" panose="02020603050405020304" pitchFamily="18" charset="0"/>
+                  </a:rPr>
+                  <a:t> soit de dimension beaucoup plus grande que les deux autres (environ un facteur 20).</a:t>
+                </a:r>
+              </a:p>
             </p:txBody>
           </p:sp>
         </mc:Choice>
@@ -22934,7 +24052,7 @@
             <p:spPr>
               <a:xfrm>
                 <a:off x="4975599" y="1726528"/>
-                <a:ext cx="7216402" cy="4250907"/>
+                <a:ext cx="7216402" cy="4804905"/>
               </a:xfrm>
               <a:prstGeom prst="rect">
                 <a:avLst/>
@@ -22942,7 +24060,7 @@
               <a:blipFill>
                 <a:blip r:embed="rId7"/>
                 <a:stretch>
-                  <a:fillRect l="-676" t="-716" r="-760" b="-1289"/>
+                  <a:fillRect l="-676" t="-635" r="-760" b="-1142"/>
                 </a:stretch>
               </a:blipFill>
             </p:spPr>
@@ -22961,8 +24079,8 @@
           </p:sp>
         </mc:Fallback>
       </mc:AlternateContent>
-      <mc:AlternateContent xmlns:mc="http://schemas.openxmlformats.org/markup-compatibility/2006">
-        <mc:Choice xmlns:a14="http://schemas.microsoft.com/office/drawing/2010/main" Requires="a14">
+      <mc:AlternateContent xmlns:mc="http://schemas.openxmlformats.org/markup-compatibility/2006" xmlns:a14="http://schemas.microsoft.com/office/drawing/2010/main">
+        <mc:Choice Requires="a14">
           <p:sp>
             <p:nvSpPr>
               <p:cNvPr id="37" name="TextBox 36">
@@ -23184,7 +24302,7 @@
             </p:txBody>
           </p:sp>
         </mc:Choice>
-        <mc:Fallback>
+        <mc:Fallback xmlns="">
           <p:sp>
             <p:nvSpPr>
               <p:cNvPr id="37" name="TextBox 36">
@@ -23900,8 +25018,8 @@
           </a:p>
         </p:txBody>
       </p:sp>
-      <mc:AlternateContent xmlns:mc="http://schemas.openxmlformats.org/markup-compatibility/2006">
-        <mc:Choice xmlns:a14="http://schemas.microsoft.com/office/drawing/2010/main" Requires="a14">
+      <mc:AlternateContent xmlns:mc="http://schemas.openxmlformats.org/markup-compatibility/2006" xmlns:a14="http://schemas.microsoft.com/office/drawing/2010/main">
+        <mc:Choice Requires="a14">
           <p:sp>
             <p:nvSpPr>
               <p:cNvPr id="3" name="TextBox 2">
@@ -23970,7 +25088,7 @@
             </p:txBody>
           </p:sp>
         </mc:Choice>
-        <mc:Fallback>
+        <mc:Fallback xmlns="">
           <p:sp>
             <p:nvSpPr>
               <p:cNvPr id="3" name="TextBox 2">
@@ -24015,36 +25133,6 @@
           </p:sp>
         </mc:Fallback>
       </mc:AlternateContent>
-      <p:pic>
-        <p:nvPicPr>
-          <p:cNvPr id="8" name="Picture 7">
-            <a:extLst>
-              <a:ext uri="{FF2B5EF4-FFF2-40B4-BE49-F238E27FC236}">
-                <a16:creationId xmlns:a16="http://schemas.microsoft.com/office/drawing/2014/main" id="{D056D13C-594B-3A1A-64F9-C6CD44AB8024}"/>
-              </a:ext>
-            </a:extLst>
-          </p:cNvPr>
-          <p:cNvPicPr>
-            <a:picLocks noChangeAspect="1"/>
-          </p:cNvPicPr>
-          <p:nvPr/>
-        </p:nvPicPr>
-        <p:blipFill>
-          <a:blip r:embed="rId3"/>
-          <a:stretch>
-            <a:fillRect/>
-          </a:stretch>
-        </p:blipFill>
-        <p:spPr>
-          <a:xfrm>
-            <a:off x="0" y="1123251"/>
-            <a:ext cx="6096000" cy="3835902"/>
-          </a:xfrm>
-          <a:prstGeom prst="rect">
-            <a:avLst/>
-          </a:prstGeom>
-        </p:spPr>
-      </p:pic>
       <mc:AlternateContent xmlns:mc="http://schemas.openxmlformats.org/markup-compatibility/2006">
         <mc:Choice xmlns:a14="http://schemas.microsoft.com/office/drawing/2010/main" Requires="a14">
           <p:sp>
@@ -24061,8 +25149,8 @@
             </p:nvSpPr>
             <p:spPr>
               <a:xfrm>
-                <a:off x="6096000" y="1123251"/>
-                <a:ext cx="6096000" cy="2382960"/>
+                <a:off x="4862086" y="1123251"/>
+                <a:ext cx="7329914" cy="2936958"/>
               </a:xfrm>
               <a:prstGeom prst="rect">
                 <a:avLst/>
@@ -24081,7 +25169,21 @@
                     <a:latin typeface="Times New Roman" panose="02020603050405020304" pitchFamily="18" charset="0"/>
                     <a:cs typeface="Times New Roman" panose="02020603050405020304" pitchFamily="18" charset="0"/>
                   </a:rPr>
-                  <a:t>Ces 5 simulations (limitées par la licence étudiante), nous confirme l’appartenance à la zone de convergence asymptotique. </a:t>
+                  <a:t>Ces 5 simulations (limitées par la licence étudiante), nous confirme l’appartenance à la zone de convergence asymptotique. Nous imposons des </a:t>
+                </a:r>
+                <a:r>
+                  <a:rPr lang="fr-FR" b="1" noProof="0" dirty="0">
+                    <a:latin typeface="Times New Roman" panose="02020603050405020304" pitchFamily="18" charset="0"/>
+                    <a:cs typeface="Times New Roman" panose="02020603050405020304" pitchFamily="18" charset="0"/>
+                  </a:rPr>
+                  <a:t>éléments d’ordre 1</a:t>
+                </a:r>
+                <a:r>
+                  <a:rPr lang="fr-FR" noProof="0" dirty="0">
+                    <a:latin typeface="Times New Roman" panose="02020603050405020304" pitchFamily="18" charset="0"/>
+                    <a:cs typeface="Times New Roman" panose="02020603050405020304" pitchFamily="18" charset="0"/>
+                  </a:rPr>
+                  <a:t> pour le maillage.</a:t>
                 </a:r>
               </a:p>
               <a:p>
@@ -24449,9 +25551,30 @@
                         </a:rPr>
                         <m:t>=</m:t>
                       </m:r>
+                      <m:r>
+                        <a:rPr lang="fr-FR" b="0" i="1" noProof="0" smtClean="0">
+                          <a:latin typeface="Cambria Math" panose="02040503050406030204" pitchFamily="18" charset="0"/>
+                          <a:cs typeface="Times New Roman" panose="02020603050405020304" pitchFamily="18" charset="0"/>
+                        </a:rPr>
+                        <m:t>0.159</m:t>
+                      </m:r>
                     </m:oMath>
                   </m:oMathPara>
                 </a14:m>
+                <a:endParaRPr lang="fr-FR" noProof="0" dirty="0">
+                  <a:latin typeface="Times New Roman" panose="02020603050405020304" pitchFamily="18" charset="0"/>
+                  <a:cs typeface="Times New Roman" panose="02020603050405020304" pitchFamily="18" charset="0"/>
+                </a:endParaRPr>
+              </a:p>
+              <a:p>
+                <a:pPr algn="just"/>
+                <a:endParaRPr lang="fr-FR" dirty="0">
+                  <a:latin typeface="Times New Roman" panose="02020603050405020304" pitchFamily="18" charset="0"/>
+                  <a:cs typeface="Times New Roman" panose="02020603050405020304" pitchFamily="18" charset="0"/>
+                </a:endParaRPr>
+              </a:p>
+              <a:p>
+                <a:pPr algn="just"/>
                 <a:endParaRPr lang="fr-FR" noProof="0" dirty="0">
                   <a:latin typeface="Times New Roman" panose="02020603050405020304" pitchFamily="18" charset="0"/>
                   <a:cs typeface="Times New Roman" panose="02020603050405020304" pitchFamily="18" charset="0"/>
@@ -24477,16 +25600,16 @@
             </p:nvSpPr>
             <p:spPr>
               <a:xfrm>
-                <a:off x="6096000" y="1123251"/>
-                <a:ext cx="6096000" cy="2382960"/>
+                <a:off x="4862086" y="1123251"/>
+                <a:ext cx="7329914" cy="2936958"/>
               </a:xfrm>
               <a:prstGeom prst="rect">
                 <a:avLst/>
               </a:prstGeom>
               <a:blipFill>
-                <a:blip r:embed="rId4"/>
+                <a:blip r:embed="rId3"/>
                 <a:stretch>
-                  <a:fillRect l="-800" t="-1279" r="-800"/>
+                  <a:fillRect l="-749" t="-1037" r="-666"/>
                 </a:stretch>
               </a:blipFill>
             </p:spPr>
@@ -24505,6 +25628,71 @@
           </p:sp>
         </mc:Fallback>
       </mc:AlternateContent>
+      <p:pic>
+        <p:nvPicPr>
+          <p:cNvPr id="5" name="Picture 4">
+            <a:extLst>
+              <a:ext uri="{FF2B5EF4-FFF2-40B4-BE49-F238E27FC236}">
+                <a16:creationId xmlns:a16="http://schemas.microsoft.com/office/drawing/2014/main" id="{226ACF6A-9F1C-5AF5-64DD-AAA4F8690BA7}"/>
+              </a:ext>
+            </a:extLst>
+          </p:cNvPr>
+          <p:cNvPicPr>
+            <a:picLocks noChangeAspect="1"/>
+          </p:cNvPicPr>
+          <p:nvPr/>
+        </p:nvPicPr>
+        <p:blipFill>
+          <a:blip r:embed="rId4"/>
+          <a:stretch>
+            <a:fillRect/>
+          </a:stretch>
+        </p:blipFill>
+        <p:spPr>
+          <a:xfrm>
+            <a:off x="195491" y="4330870"/>
+            <a:ext cx="4590919" cy="2412638"/>
+          </a:xfrm>
+          <a:prstGeom prst="rect">
+            <a:avLst/>
+          </a:prstGeom>
+          <a:ln w="38100">
+            <a:solidFill>
+              <a:schemeClr val="tx1"/>
+            </a:solidFill>
+          </a:ln>
+        </p:spPr>
+      </p:pic>
+      <p:graphicFrame>
+        <p:nvGraphicFramePr>
+          <p:cNvPr id="6" name="Chart 5">
+            <a:extLst>
+              <a:ext uri="{FF2B5EF4-FFF2-40B4-BE49-F238E27FC236}">
+                <a16:creationId xmlns:a16="http://schemas.microsoft.com/office/drawing/2014/main" id="{9394616A-C8AF-B45B-5EF0-5A042A0C2036}"/>
+              </a:ext>
+            </a:extLst>
+          </p:cNvPr>
+          <p:cNvGraphicFramePr>
+            <a:graphicFrameLocks/>
+          </p:cNvGraphicFramePr>
+          <p:nvPr>
+            <p:extLst>
+              <p:ext uri="{D42A27DB-BD31-4B8C-83A1-F6EECF244321}">
+                <p14:modId xmlns:p14="http://schemas.microsoft.com/office/powerpoint/2010/main" val="3612979892"/>
+              </p:ext>
+            </p:extLst>
+          </p:nvPr>
+        </p:nvGraphicFramePr>
+        <p:xfrm>
+          <a:off x="0" y="996799"/>
+          <a:ext cx="4824248" cy="3240971"/>
+        </p:xfrm>
+        <a:graphic>
+          <a:graphicData uri="http://schemas.openxmlformats.org/drawingml/2006/chart">
+            <c:chart xmlns:c="http://schemas.openxmlformats.org/drawingml/2006/chart" xmlns:r="http://schemas.openxmlformats.org/officeDocument/2006/relationships" r:id="rId5"/>
+          </a:graphicData>
+        </a:graphic>
+      </p:graphicFrame>
     </p:spTree>
     <p:extLst>
       <p:ext uri="{BB962C8B-B14F-4D97-AF65-F5344CB8AC3E}">

--- a/03_Rapport/Rapport_Projet.pptx
+++ b/03_Rapport/Rapport_Projet.pptx
@@ -5,7 +5,7 @@
     <p:sldMasterId id="2147483648" r:id="rId1"/>
   </p:sldMasterIdLst>
   <p:notesMasterIdLst>
-    <p:notesMasterId r:id="rId22"/>
+    <p:notesMasterId r:id="rId23"/>
   </p:notesMasterIdLst>
   <p:sldIdLst>
     <p:sldId id="256" r:id="rId2"/>
@@ -24,10 +24,11 @@
     <p:sldId id="280" r:id="rId15"/>
     <p:sldId id="282" r:id="rId16"/>
     <p:sldId id="279" r:id="rId17"/>
-    <p:sldId id="283" r:id="rId18"/>
-    <p:sldId id="284" r:id="rId19"/>
-    <p:sldId id="275" r:id="rId20"/>
-    <p:sldId id="268" r:id="rId21"/>
+    <p:sldId id="286" r:id="rId18"/>
+    <p:sldId id="283" r:id="rId19"/>
+    <p:sldId id="284" r:id="rId20"/>
+    <p:sldId id="275" r:id="rId21"/>
+    <p:sldId id="268" r:id="rId22"/>
   </p:sldIdLst>
   <p:sldSz cx="12192000" cy="6858000"/>
   <p:notesSz cx="6858000" cy="9144000"/>
@@ -150,217 +151,6 @@
 
 <file path=ppt/changesInfos/changesInfo1.xml><?xml version="1.0" encoding="utf-8"?>
 <pc:chgInfo xmlns:a="http://schemas.openxmlformats.org/drawingml/2006/main" xmlns:r="http://schemas.openxmlformats.org/officeDocument/2006/relationships" xmlns:ac="http://schemas.microsoft.com/office/drawing/2013/main/command" xmlns:pc="http://schemas.microsoft.com/office/powerpoint/2013/main/command">
-  <pc:docChgLst>
-    <pc:chgData name="François GLEYZON" userId="a2d04f23f7faf3ef" providerId="LiveId" clId="{8625411A-B743-4065-8137-36E899DC5753}"/>
-    <pc:docChg chg="undo custSel addSld delSld modSld">
-      <pc:chgData name="François GLEYZON" userId="a2d04f23f7faf3ef" providerId="LiveId" clId="{8625411A-B743-4065-8137-36E899DC5753}" dt="2025-02-15T18:58:39.562" v="10910" actId="108"/>
-      <pc:docMkLst>
-        <pc:docMk/>
-      </pc:docMkLst>
-      <pc:sldChg chg="addSp delSp modSp mod">
-        <pc:chgData name="François GLEYZON" userId="a2d04f23f7faf3ef" providerId="LiveId" clId="{8625411A-B743-4065-8137-36E899DC5753}" dt="2025-02-14T00:29:59.019" v="10862" actId="790"/>
-        <pc:sldMkLst>
-          <pc:docMk/>
-          <pc:sldMk cId="2801290844" sldId="256"/>
-        </pc:sldMkLst>
-        <pc:spChg chg="add mod">
-          <ac:chgData name="François GLEYZON" userId="a2d04f23f7faf3ef" providerId="LiveId" clId="{8625411A-B743-4065-8137-36E899DC5753}" dt="2025-02-14T00:29:59.019" v="10862" actId="790"/>
-          <ac:spMkLst>
-            <pc:docMk/>
-            <pc:sldMk cId="2801290844" sldId="256"/>
-            <ac:spMk id="2" creationId="{1C671FC3-1B2C-746A-F6A8-77FA9A8DC743}"/>
-          </ac:spMkLst>
-        </pc:spChg>
-        <pc:spChg chg="add mod">
-          <ac:chgData name="François GLEYZON" userId="a2d04f23f7faf3ef" providerId="LiveId" clId="{8625411A-B743-4065-8137-36E899DC5753}" dt="2025-02-14T00:29:59.019" v="10862" actId="790"/>
-          <ac:spMkLst>
-            <pc:docMk/>
-            <pc:sldMk cId="2801290844" sldId="256"/>
-            <ac:spMk id="3" creationId="{568554F7-B174-79F4-DC46-68D2FF64134D}"/>
-          </ac:spMkLst>
-        </pc:spChg>
-        <pc:spChg chg="add mod">
-          <ac:chgData name="François GLEYZON" userId="a2d04f23f7faf3ef" providerId="LiveId" clId="{8625411A-B743-4065-8137-36E899DC5753}" dt="2025-02-14T00:29:59.019" v="10862" actId="790"/>
-          <ac:spMkLst>
-            <pc:docMk/>
-            <pc:sldMk cId="2801290844" sldId="256"/>
-            <ac:spMk id="4" creationId="{95E7F9AA-F423-8939-0562-C60D980C1651}"/>
-          </ac:spMkLst>
-        </pc:spChg>
-        <pc:spChg chg="add mod">
-          <ac:chgData name="François GLEYZON" userId="a2d04f23f7faf3ef" providerId="LiveId" clId="{8625411A-B743-4065-8137-36E899DC5753}" dt="2025-02-14T00:29:59.019" v="10862" actId="790"/>
-          <ac:spMkLst>
-            <pc:docMk/>
-            <pc:sldMk cId="2801290844" sldId="256"/>
-            <ac:spMk id="5" creationId="{CCB64622-7D99-EF9C-E64A-6B7A68B130E7}"/>
-          </ac:spMkLst>
-        </pc:spChg>
-        <pc:spChg chg="add mod">
-          <ac:chgData name="François GLEYZON" userId="a2d04f23f7faf3ef" providerId="LiveId" clId="{8625411A-B743-4065-8137-36E899DC5753}" dt="2025-02-14T00:29:59.019" v="10862" actId="790"/>
-          <ac:spMkLst>
-            <pc:docMk/>
-            <pc:sldMk cId="2801290844" sldId="256"/>
-            <ac:spMk id="6" creationId="{57048EEB-143A-0EB0-AB6E-49FD65A632CE}"/>
-          </ac:spMkLst>
-        </pc:spChg>
-        <pc:spChg chg="add mod">
-          <ac:chgData name="François GLEYZON" userId="a2d04f23f7faf3ef" providerId="LiveId" clId="{8625411A-B743-4065-8137-36E899DC5753}" dt="2025-02-14T00:29:59.019" v="10862" actId="790"/>
-          <ac:spMkLst>
-            <pc:docMk/>
-            <pc:sldMk cId="2801290844" sldId="256"/>
-            <ac:spMk id="7" creationId="{230C37D5-1433-52B7-0A78-180B08205F17}"/>
-          </ac:spMkLst>
-        </pc:spChg>
-        <pc:spChg chg="add mod">
-          <ac:chgData name="François GLEYZON" userId="a2d04f23f7faf3ef" providerId="LiveId" clId="{8625411A-B743-4065-8137-36E899DC5753}" dt="2025-02-14T00:29:59.019" v="10862" actId="790"/>
-          <ac:spMkLst>
-            <pc:docMk/>
-            <pc:sldMk cId="2801290844" sldId="256"/>
-            <ac:spMk id="8" creationId="{C9F42401-7236-E1BF-C86A-2AA6084B3FAA}"/>
-          </ac:spMkLst>
-        </pc:spChg>
-        <pc:spChg chg="add mod">
-          <ac:chgData name="François GLEYZON" userId="a2d04f23f7faf3ef" providerId="LiveId" clId="{8625411A-B743-4065-8137-36E899DC5753}" dt="2025-02-14T00:29:59.019" v="10862" actId="790"/>
-          <ac:spMkLst>
-            <pc:docMk/>
-            <pc:sldMk cId="2801290844" sldId="256"/>
-            <ac:spMk id="9" creationId="{D5471492-F85C-788A-940F-DC5DE2D8F51E}"/>
-          </ac:spMkLst>
-        </pc:spChg>
-        <pc:spChg chg="add mod">
-          <ac:chgData name="François GLEYZON" userId="a2d04f23f7faf3ef" providerId="LiveId" clId="{8625411A-B743-4065-8137-36E899DC5753}" dt="2025-02-14T00:29:59.019" v="10862" actId="790"/>
-          <ac:spMkLst>
-            <pc:docMk/>
-            <pc:sldMk cId="2801290844" sldId="256"/>
-            <ac:spMk id="11" creationId="{ADA3B4ED-F9F9-8357-018A-C931A9829ED9}"/>
-          </ac:spMkLst>
-        </pc:spChg>
-        <pc:spChg chg="add mod">
-          <ac:chgData name="François GLEYZON" userId="a2d04f23f7faf3ef" providerId="LiveId" clId="{8625411A-B743-4065-8137-36E899DC5753}" dt="2025-02-14T00:29:59.019" v="10862" actId="790"/>
-          <ac:spMkLst>
-            <pc:docMk/>
-            <pc:sldMk cId="2801290844" sldId="256"/>
-            <ac:spMk id="13" creationId="{2A150A6C-B8B3-44CE-8884-B81C5AD95D13}"/>
-          </ac:spMkLst>
-        </pc:spChg>
-      </pc:sldChg>
-      <pc:sldChg chg="addSp delSp modSp mod">
-        <pc:chgData name="François GLEYZON" userId="a2d04f23f7faf3ef" providerId="LiveId" clId="{8625411A-B743-4065-8137-36E899DC5753}" dt="2025-02-14T00:29:59.019" v="10862" actId="790"/>
-        <pc:sldMkLst>
-          <pc:docMk/>
-          <pc:sldMk cId="2487955664" sldId="257"/>
-        </pc:sldMkLst>
-      </pc:sldChg>
-      <pc:sldChg chg="addSp delSp modSp mod">
-        <pc:chgData name="François GLEYZON" userId="a2d04f23f7faf3ef" providerId="LiveId" clId="{8625411A-B743-4065-8137-36E899DC5753}" dt="2025-02-14T00:29:59.019" v="10862" actId="790"/>
-        <pc:sldMkLst>
-          <pc:docMk/>
-          <pc:sldMk cId="3497435959" sldId="258"/>
-        </pc:sldMkLst>
-      </pc:sldChg>
-      <pc:sldChg chg="addSp modSp mod">
-        <pc:chgData name="François GLEYZON" userId="a2d04f23f7faf3ef" providerId="LiveId" clId="{8625411A-B743-4065-8137-36E899DC5753}" dt="2025-02-14T00:29:59.019" v="10862" actId="790"/>
-        <pc:sldMkLst>
-          <pc:docMk/>
-          <pc:sldMk cId="415248" sldId="259"/>
-        </pc:sldMkLst>
-      </pc:sldChg>
-      <pc:sldChg chg="addSp delSp modSp mod">
-        <pc:chgData name="François GLEYZON" userId="a2d04f23f7faf3ef" providerId="LiveId" clId="{8625411A-B743-4065-8137-36E899DC5753}" dt="2025-02-14T00:29:59.019" v="10862" actId="790"/>
-        <pc:sldMkLst>
-          <pc:docMk/>
-          <pc:sldMk cId="1063259523" sldId="260"/>
-        </pc:sldMkLst>
-      </pc:sldChg>
-      <pc:sldChg chg="addSp delSp modSp mod">
-        <pc:chgData name="François GLEYZON" userId="a2d04f23f7faf3ef" providerId="LiveId" clId="{8625411A-B743-4065-8137-36E899DC5753}" dt="2025-02-14T00:29:59.019" v="10862" actId="790"/>
-        <pc:sldMkLst>
-          <pc:docMk/>
-          <pc:sldMk cId="1452944335" sldId="261"/>
-        </pc:sldMkLst>
-      </pc:sldChg>
-      <pc:sldChg chg="del">
-        <pc:chgData name="François GLEYZON" userId="a2d04f23f7faf3ef" providerId="LiveId" clId="{8625411A-B743-4065-8137-36E899DC5753}" dt="2025-02-05T20:27:22.032" v="3304" actId="2696"/>
-        <pc:sldMkLst>
-          <pc:docMk/>
-          <pc:sldMk cId="3272513737" sldId="262"/>
-        </pc:sldMkLst>
-      </pc:sldChg>
-      <pc:sldChg chg="addSp delSp modSp mod">
-        <pc:chgData name="François GLEYZON" userId="a2d04f23f7faf3ef" providerId="LiveId" clId="{8625411A-B743-4065-8137-36E899DC5753}" dt="2025-02-14T00:36:09.326" v="10909" actId="20577"/>
-        <pc:sldMkLst>
-          <pc:docMk/>
-          <pc:sldMk cId="2174773392" sldId="263"/>
-        </pc:sldMkLst>
-      </pc:sldChg>
-      <pc:sldChg chg="addSp modSp mod">
-        <pc:chgData name="François GLEYZON" userId="a2d04f23f7faf3ef" providerId="LiveId" clId="{8625411A-B743-4065-8137-36E899DC5753}" dt="2025-02-15T18:58:39.562" v="10910" actId="108"/>
-        <pc:sldMkLst>
-          <pc:docMk/>
-          <pc:sldMk cId="508563345" sldId="264"/>
-        </pc:sldMkLst>
-      </pc:sldChg>
-      <pc:sldChg chg="addSp delSp modSp mod">
-        <pc:chgData name="François GLEYZON" userId="a2d04f23f7faf3ef" providerId="LiveId" clId="{8625411A-B743-4065-8137-36E899DC5753}" dt="2025-02-14T00:29:59.019" v="10862" actId="790"/>
-        <pc:sldMkLst>
-          <pc:docMk/>
-          <pc:sldMk cId="1966793551" sldId="265"/>
-        </pc:sldMkLst>
-        <pc:spChg chg="add mod">
-          <ac:chgData name="François GLEYZON" userId="a2d04f23f7faf3ef" providerId="LiveId" clId="{8625411A-B743-4065-8137-36E899DC5753}" dt="2025-02-14T00:29:59.019" v="10862" actId="790"/>
-          <ac:spMkLst>
-            <pc:docMk/>
-            <pc:sldMk cId="1966793551" sldId="265"/>
-            <ac:spMk id="9" creationId="{6E9846D3-47A3-2AE6-6383-AB77CC5B517E}"/>
-          </ac:spMkLst>
-        </pc:spChg>
-        <pc:spChg chg="add mod ord">
-          <ac:chgData name="François GLEYZON" userId="a2d04f23f7faf3ef" providerId="LiveId" clId="{8625411A-B743-4065-8137-36E899DC5753}" dt="2025-02-14T00:29:59.019" v="10862" actId="790"/>
-          <ac:spMkLst>
-            <pc:docMk/>
-            <pc:sldMk cId="1966793551" sldId="265"/>
-            <ac:spMk id="36" creationId="{2C2B60A1-0B89-3546-D8C8-0D44097F35C2}"/>
-          </ac:spMkLst>
-        </pc:spChg>
-        <pc:spChg chg="add mod">
-          <ac:chgData name="François GLEYZON" userId="a2d04f23f7faf3ef" providerId="LiveId" clId="{8625411A-B743-4065-8137-36E899DC5753}" dt="2025-02-04T18:51:49.469" v="1905" actId="207"/>
-          <ac:spMkLst>
-            <pc:docMk/>
-            <pc:sldMk cId="1966793551" sldId="265"/>
-            <ac:spMk id="39" creationId="{AECA565B-75E5-1F68-434E-112D93E38360}"/>
-          </ac:spMkLst>
-        </pc:spChg>
-      </pc:sldChg>
-      <pc:sldChg chg="new del">
-        <pc:chgData name="François GLEYZON" userId="a2d04f23f7faf3ef" providerId="LiveId" clId="{8625411A-B743-4065-8137-36E899DC5753}" dt="2025-02-04T19:00:36.481" v="2380" actId="680"/>
-        <pc:sldMkLst>
-          <pc:docMk/>
-          <pc:sldMk cId="340820215" sldId="266"/>
-        </pc:sldMkLst>
-      </pc:sldChg>
-      <pc:sldChg chg="new del">
-        <pc:chgData name="François GLEYZON" userId="a2d04f23f7faf3ef" providerId="LiveId" clId="{8625411A-B743-4065-8137-36E899DC5753}" dt="2025-02-04T18:37:03.903" v="1162" actId="680"/>
-        <pc:sldMkLst>
-          <pc:docMk/>
-          <pc:sldMk cId="856272587" sldId="266"/>
-        </pc:sldMkLst>
-      </pc:sldChg>
-      <pc:sldChg chg="addSp delSp modSp add mod">
-        <pc:chgData name="François GLEYZON" userId="a2d04f23f7faf3ef" providerId="LiveId" clId="{8625411A-B743-4065-8137-36E899DC5753}" dt="2025-02-14T00:33:54.989" v="10892" actId="20577"/>
-        <pc:sldMkLst>
-          <pc:docMk/>
-          <pc:sldMk cId="3013734229" sldId="266"/>
-        </pc:sldMkLst>
-      </pc:sldChg>
-      <pc:sldChg chg="addSp modSp add del mod">
-        <pc:chgData name="François GLEYZON" userId="a2d04f23f7faf3ef" providerId="LiveId" clId="{8625411A-B743-4065-8137-36E899DC5753}" dt="2025-02-06T23:27:25.798" v="5234" actId="2696"/>
-        <pc:sldMkLst>
-          <pc:docMk/>
-          <pc:sldMk cId="2780066755" sldId="267"/>
-        </pc:sldMkLst>
-      </pc:sldChg>
-    </pc:docChg>
-  </pc:docChgLst>
   <pc:docChgLst>
     <pc:chgData name="François GLEYZON" userId="a2d04f23f7faf3ef" providerId="LiveId" clId="{1404D58C-429C-4D75-B5B2-E1C9B8E0DC36}"/>
     <pc:docChg chg="undo redo custSel addSld delSld modSld sldOrd">
@@ -2058,6 +1848,217 @@
             <ac:cxnSpMk id="49" creationId="{DA0B6933-F94A-9E6D-CFE1-5BA5AF18CDAC}"/>
           </ac:cxnSpMkLst>
         </pc:cxnChg>
+      </pc:sldChg>
+    </pc:docChg>
+  </pc:docChgLst>
+  <pc:docChgLst>
+    <pc:chgData name="François GLEYZON" userId="a2d04f23f7faf3ef" providerId="LiveId" clId="{8625411A-B743-4065-8137-36E899DC5753}"/>
+    <pc:docChg chg="undo custSel addSld delSld modSld">
+      <pc:chgData name="François GLEYZON" userId="a2d04f23f7faf3ef" providerId="LiveId" clId="{8625411A-B743-4065-8137-36E899DC5753}" dt="2025-02-15T18:58:39.562" v="10910" actId="108"/>
+      <pc:docMkLst>
+        <pc:docMk/>
+      </pc:docMkLst>
+      <pc:sldChg chg="addSp delSp modSp mod">
+        <pc:chgData name="François GLEYZON" userId="a2d04f23f7faf3ef" providerId="LiveId" clId="{8625411A-B743-4065-8137-36E899DC5753}" dt="2025-02-14T00:29:59.019" v="10862" actId="790"/>
+        <pc:sldMkLst>
+          <pc:docMk/>
+          <pc:sldMk cId="2801290844" sldId="256"/>
+        </pc:sldMkLst>
+        <pc:spChg chg="add mod">
+          <ac:chgData name="François GLEYZON" userId="a2d04f23f7faf3ef" providerId="LiveId" clId="{8625411A-B743-4065-8137-36E899DC5753}" dt="2025-02-14T00:29:59.019" v="10862" actId="790"/>
+          <ac:spMkLst>
+            <pc:docMk/>
+            <pc:sldMk cId="2801290844" sldId="256"/>
+            <ac:spMk id="2" creationId="{1C671FC3-1B2C-746A-F6A8-77FA9A8DC743}"/>
+          </ac:spMkLst>
+        </pc:spChg>
+        <pc:spChg chg="add mod">
+          <ac:chgData name="François GLEYZON" userId="a2d04f23f7faf3ef" providerId="LiveId" clId="{8625411A-B743-4065-8137-36E899DC5753}" dt="2025-02-14T00:29:59.019" v="10862" actId="790"/>
+          <ac:spMkLst>
+            <pc:docMk/>
+            <pc:sldMk cId="2801290844" sldId="256"/>
+            <ac:spMk id="3" creationId="{568554F7-B174-79F4-DC46-68D2FF64134D}"/>
+          </ac:spMkLst>
+        </pc:spChg>
+        <pc:spChg chg="add mod">
+          <ac:chgData name="François GLEYZON" userId="a2d04f23f7faf3ef" providerId="LiveId" clId="{8625411A-B743-4065-8137-36E899DC5753}" dt="2025-02-14T00:29:59.019" v="10862" actId="790"/>
+          <ac:spMkLst>
+            <pc:docMk/>
+            <pc:sldMk cId="2801290844" sldId="256"/>
+            <ac:spMk id="4" creationId="{95E7F9AA-F423-8939-0562-C60D980C1651}"/>
+          </ac:spMkLst>
+        </pc:spChg>
+        <pc:spChg chg="add mod">
+          <ac:chgData name="François GLEYZON" userId="a2d04f23f7faf3ef" providerId="LiveId" clId="{8625411A-B743-4065-8137-36E899DC5753}" dt="2025-02-14T00:29:59.019" v="10862" actId="790"/>
+          <ac:spMkLst>
+            <pc:docMk/>
+            <pc:sldMk cId="2801290844" sldId="256"/>
+            <ac:spMk id="5" creationId="{CCB64622-7D99-EF9C-E64A-6B7A68B130E7}"/>
+          </ac:spMkLst>
+        </pc:spChg>
+        <pc:spChg chg="add mod">
+          <ac:chgData name="François GLEYZON" userId="a2d04f23f7faf3ef" providerId="LiveId" clId="{8625411A-B743-4065-8137-36E899DC5753}" dt="2025-02-14T00:29:59.019" v="10862" actId="790"/>
+          <ac:spMkLst>
+            <pc:docMk/>
+            <pc:sldMk cId="2801290844" sldId="256"/>
+            <ac:spMk id="6" creationId="{57048EEB-143A-0EB0-AB6E-49FD65A632CE}"/>
+          </ac:spMkLst>
+        </pc:spChg>
+        <pc:spChg chg="add mod">
+          <ac:chgData name="François GLEYZON" userId="a2d04f23f7faf3ef" providerId="LiveId" clId="{8625411A-B743-4065-8137-36E899DC5753}" dt="2025-02-14T00:29:59.019" v="10862" actId="790"/>
+          <ac:spMkLst>
+            <pc:docMk/>
+            <pc:sldMk cId="2801290844" sldId="256"/>
+            <ac:spMk id="7" creationId="{230C37D5-1433-52B7-0A78-180B08205F17}"/>
+          </ac:spMkLst>
+        </pc:spChg>
+        <pc:spChg chg="add mod">
+          <ac:chgData name="François GLEYZON" userId="a2d04f23f7faf3ef" providerId="LiveId" clId="{8625411A-B743-4065-8137-36E899DC5753}" dt="2025-02-14T00:29:59.019" v="10862" actId="790"/>
+          <ac:spMkLst>
+            <pc:docMk/>
+            <pc:sldMk cId="2801290844" sldId="256"/>
+            <ac:spMk id="8" creationId="{C9F42401-7236-E1BF-C86A-2AA6084B3FAA}"/>
+          </ac:spMkLst>
+        </pc:spChg>
+        <pc:spChg chg="add mod">
+          <ac:chgData name="François GLEYZON" userId="a2d04f23f7faf3ef" providerId="LiveId" clId="{8625411A-B743-4065-8137-36E899DC5753}" dt="2025-02-14T00:29:59.019" v="10862" actId="790"/>
+          <ac:spMkLst>
+            <pc:docMk/>
+            <pc:sldMk cId="2801290844" sldId="256"/>
+            <ac:spMk id="9" creationId="{D5471492-F85C-788A-940F-DC5DE2D8F51E}"/>
+          </ac:spMkLst>
+        </pc:spChg>
+        <pc:spChg chg="add mod">
+          <ac:chgData name="François GLEYZON" userId="a2d04f23f7faf3ef" providerId="LiveId" clId="{8625411A-B743-4065-8137-36E899DC5753}" dt="2025-02-14T00:29:59.019" v="10862" actId="790"/>
+          <ac:spMkLst>
+            <pc:docMk/>
+            <pc:sldMk cId="2801290844" sldId="256"/>
+            <ac:spMk id="11" creationId="{ADA3B4ED-F9F9-8357-018A-C931A9829ED9}"/>
+          </ac:spMkLst>
+        </pc:spChg>
+        <pc:spChg chg="add mod">
+          <ac:chgData name="François GLEYZON" userId="a2d04f23f7faf3ef" providerId="LiveId" clId="{8625411A-B743-4065-8137-36E899DC5753}" dt="2025-02-14T00:29:59.019" v="10862" actId="790"/>
+          <ac:spMkLst>
+            <pc:docMk/>
+            <pc:sldMk cId="2801290844" sldId="256"/>
+            <ac:spMk id="13" creationId="{2A150A6C-B8B3-44CE-8884-B81C5AD95D13}"/>
+          </ac:spMkLst>
+        </pc:spChg>
+      </pc:sldChg>
+      <pc:sldChg chg="addSp delSp modSp mod">
+        <pc:chgData name="François GLEYZON" userId="a2d04f23f7faf3ef" providerId="LiveId" clId="{8625411A-B743-4065-8137-36E899DC5753}" dt="2025-02-14T00:29:59.019" v="10862" actId="790"/>
+        <pc:sldMkLst>
+          <pc:docMk/>
+          <pc:sldMk cId="2487955664" sldId="257"/>
+        </pc:sldMkLst>
+      </pc:sldChg>
+      <pc:sldChg chg="addSp delSp modSp mod">
+        <pc:chgData name="François GLEYZON" userId="a2d04f23f7faf3ef" providerId="LiveId" clId="{8625411A-B743-4065-8137-36E899DC5753}" dt="2025-02-14T00:29:59.019" v="10862" actId="790"/>
+        <pc:sldMkLst>
+          <pc:docMk/>
+          <pc:sldMk cId="3497435959" sldId="258"/>
+        </pc:sldMkLst>
+      </pc:sldChg>
+      <pc:sldChg chg="addSp modSp mod">
+        <pc:chgData name="François GLEYZON" userId="a2d04f23f7faf3ef" providerId="LiveId" clId="{8625411A-B743-4065-8137-36E899DC5753}" dt="2025-02-14T00:29:59.019" v="10862" actId="790"/>
+        <pc:sldMkLst>
+          <pc:docMk/>
+          <pc:sldMk cId="415248" sldId="259"/>
+        </pc:sldMkLst>
+      </pc:sldChg>
+      <pc:sldChg chg="addSp delSp modSp mod">
+        <pc:chgData name="François GLEYZON" userId="a2d04f23f7faf3ef" providerId="LiveId" clId="{8625411A-B743-4065-8137-36E899DC5753}" dt="2025-02-14T00:29:59.019" v="10862" actId="790"/>
+        <pc:sldMkLst>
+          <pc:docMk/>
+          <pc:sldMk cId="1063259523" sldId="260"/>
+        </pc:sldMkLst>
+      </pc:sldChg>
+      <pc:sldChg chg="addSp delSp modSp mod">
+        <pc:chgData name="François GLEYZON" userId="a2d04f23f7faf3ef" providerId="LiveId" clId="{8625411A-B743-4065-8137-36E899DC5753}" dt="2025-02-14T00:29:59.019" v="10862" actId="790"/>
+        <pc:sldMkLst>
+          <pc:docMk/>
+          <pc:sldMk cId="1452944335" sldId="261"/>
+        </pc:sldMkLst>
+      </pc:sldChg>
+      <pc:sldChg chg="del">
+        <pc:chgData name="François GLEYZON" userId="a2d04f23f7faf3ef" providerId="LiveId" clId="{8625411A-B743-4065-8137-36E899DC5753}" dt="2025-02-05T20:27:22.032" v="3304" actId="2696"/>
+        <pc:sldMkLst>
+          <pc:docMk/>
+          <pc:sldMk cId="3272513737" sldId="262"/>
+        </pc:sldMkLst>
+      </pc:sldChg>
+      <pc:sldChg chg="addSp delSp modSp mod">
+        <pc:chgData name="François GLEYZON" userId="a2d04f23f7faf3ef" providerId="LiveId" clId="{8625411A-B743-4065-8137-36E899DC5753}" dt="2025-02-14T00:36:09.326" v="10909" actId="20577"/>
+        <pc:sldMkLst>
+          <pc:docMk/>
+          <pc:sldMk cId="2174773392" sldId="263"/>
+        </pc:sldMkLst>
+      </pc:sldChg>
+      <pc:sldChg chg="addSp modSp mod">
+        <pc:chgData name="François GLEYZON" userId="a2d04f23f7faf3ef" providerId="LiveId" clId="{8625411A-B743-4065-8137-36E899DC5753}" dt="2025-02-15T18:58:39.562" v="10910" actId="108"/>
+        <pc:sldMkLst>
+          <pc:docMk/>
+          <pc:sldMk cId="508563345" sldId="264"/>
+        </pc:sldMkLst>
+      </pc:sldChg>
+      <pc:sldChg chg="addSp delSp modSp mod">
+        <pc:chgData name="François GLEYZON" userId="a2d04f23f7faf3ef" providerId="LiveId" clId="{8625411A-B743-4065-8137-36E899DC5753}" dt="2025-02-14T00:29:59.019" v="10862" actId="790"/>
+        <pc:sldMkLst>
+          <pc:docMk/>
+          <pc:sldMk cId="1966793551" sldId="265"/>
+        </pc:sldMkLst>
+        <pc:spChg chg="add mod">
+          <ac:chgData name="François GLEYZON" userId="a2d04f23f7faf3ef" providerId="LiveId" clId="{8625411A-B743-4065-8137-36E899DC5753}" dt="2025-02-14T00:29:59.019" v="10862" actId="790"/>
+          <ac:spMkLst>
+            <pc:docMk/>
+            <pc:sldMk cId="1966793551" sldId="265"/>
+            <ac:spMk id="9" creationId="{6E9846D3-47A3-2AE6-6383-AB77CC5B517E}"/>
+          </ac:spMkLst>
+        </pc:spChg>
+        <pc:spChg chg="add mod ord">
+          <ac:chgData name="François GLEYZON" userId="a2d04f23f7faf3ef" providerId="LiveId" clId="{8625411A-B743-4065-8137-36E899DC5753}" dt="2025-02-14T00:29:59.019" v="10862" actId="790"/>
+          <ac:spMkLst>
+            <pc:docMk/>
+            <pc:sldMk cId="1966793551" sldId="265"/>
+            <ac:spMk id="36" creationId="{2C2B60A1-0B89-3546-D8C8-0D44097F35C2}"/>
+          </ac:spMkLst>
+        </pc:spChg>
+        <pc:spChg chg="add mod">
+          <ac:chgData name="François GLEYZON" userId="a2d04f23f7faf3ef" providerId="LiveId" clId="{8625411A-B743-4065-8137-36E899DC5753}" dt="2025-02-04T18:51:49.469" v="1905" actId="207"/>
+          <ac:spMkLst>
+            <pc:docMk/>
+            <pc:sldMk cId="1966793551" sldId="265"/>
+            <ac:spMk id="39" creationId="{AECA565B-75E5-1F68-434E-112D93E38360}"/>
+          </ac:spMkLst>
+        </pc:spChg>
+      </pc:sldChg>
+      <pc:sldChg chg="new del">
+        <pc:chgData name="François GLEYZON" userId="a2d04f23f7faf3ef" providerId="LiveId" clId="{8625411A-B743-4065-8137-36E899DC5753}" dt="2025-02-04T19:00:36.481" v="2380" actId="680"/>
+        <pc:sldMkLst>
+          <pc:docMk/>
+          <pc:sldMk cId="340820215" sldId="266"/>
+        </pc:sldMkLst>
+      </pc:sldChg>
+      <pc:sldChg chg="new del">
+        <pc:chgData name="François GLEYZON" userId="a2d04f23f7faf3ef" providerId="LiveId" clId="{8625411A-B743-4065-8137-36E899DC5753}" dt="2025-02-04T18:37:03.903" v="1162" actId="680"/>
+        <pc:sldMkLst>
+          <pc:docMk/>
+          <pc:sldMk cId="856272587" sldId="266"/>
+        </pc:sldMkLst>
+      </pc:sldChg>
+      <pc:sldChg chg="addSp delSp modSp add mod">
+        <pc:chgData name="François GLEYZON" userId="a2d04f23f7faf3ef" providerId="LiveId" clId="{8625411A-B743-4065-8137-36E899DC5753}" dt="2025-02-14T00:33:54.989" v="10892" actId="20577"/>
+        <pc:sldMkLst>
+          <pc:docMk/>
+          <pc:sldMk cId="3013734229" sldId="266"/>
+        </pc:sldMkLst>
+      </pc:sldChg>
+      <pc:sldChg chg="addSp modSp add del mod">
+        <pc:chgData name="François GLEYZON" userId="a2d04f23f7faf3ef" providerId="LiveId" clId="{8625411A-B743-4065-8137-36E899DC5753}" dt="2025-02-06T23:27:25.798" v="5234" actId="2696"/>
+        <pc:sldMkLst>
+          <pc:docMk/>
+          <pc:sldMk cId="2780066755" sldId="267"/>
+        </pc:sldMkLst>
       </pc:sldChg>
     </pc:docChg>
   </pc:docChgLst>
@@ -15213,6 +15214,2437 @@
             <p:spPr>
               <a:xfrm>
                 <a:off x="0" y="627468"/>
+                <a:ext cx="12192000" cy="6071983"/>
+              </a:xfrm>
+              <a:prstGeom prst="rect">
+                <a:avLst/>
+              </a:prstGeom>
+              <a:noFill/>
+            </p:spPr>
+            <p:txBody>
+              <a:bodyPr wrap="square" rtlCol="0">
+                <a:spAutoFit/>
+              </a:bodyPr>
+              <a:lstStyle/>
+              <a:p>
+                <a:pPr algn="just"/>
+                <a:r>
+                  <a:rPr lang="fr-FR" noProof="0" dirty="0">
+                    <a:latin typeface="Times New Roman" panose="02020603050405020304" pitchFamily="18" charset="0"/>
+                    <a:cs typeface="Times New Roman" panose="02020603050405020304" pitchFamily="18" charset="0"/>
+                  </a:rPr>
+                  <a:t>Pour finir, nous souhaitons comparer les résultats de la méthode de Monte Carlo avec ceux de la méthode des moments afin d’évaluer la précision de la dernière. Pour ce faire, nous allons reprendre l’équation vue en cours, tel que :</a:t>
+                </a:r>
+              </a:p>
+              <a:p>
+                <a:pPr algn="just"/>
+                <a14:m>
+                  <m:oMathPara xmlns:m="http://schemas.openxmlformats.org/officeDocument/2006/math">
+                    <m:oMathParaPr>
+                      <m:jc m:val="centerGroup"/>
+                    </m:oMathParaPr>
+                    <m:oMath xmlns:m="http://schemas.openxmlformats.org/officeDocument/2006/math">
+                      <m:sSubSup>
+                        <m:sSubSupPr>
+                          <m:ctrlPr>
+                            <a:rPr lang="fr-FR" b="0" i="1" noProof="0" smtClean="0">
+                              <a:latin typeface="Cambria Math" panose="02040503050406030204" pitchFamily="18" charset="0"/>
+                              <a:cs typeface="Times New Roman" panose="02020603050405020304" pitchFamily="18" charset="0"/>
+                            </a:rPr>
+                          </m:ctrlPr>
+                        </m:sSubSupPr>
+                        <m:e>
+                          <m:r>
+                            <a:rPr lang="fr-FR" b="0" i="1" noProof="0" smtClean="0">
+                              <a:latin typeface="Cambria Math" panose="02040503050406030204" pitchFamily="18" charset="0"/>
+                              <a:cs typeface="Times New Roman" panose="02020603050405020304" pitchFamily="18" charset="0"/>
+                            </a:rPr>
+                            <m:t>𝑢</m:t>
+                          </m:r>
+                        </m:e>
+                        <m:sub>
+                          <m:r>
+                            <a:rPr lang="fr-FR" b="0" i="1" noProof="0" smtClean="0">
+                              <a:latin typeface="Cambria Math" panose="02040503050406030204" pitchFamily="18" charset="0"/>
+                              <a:cs typeface="Times New Roman" panose="02020603050405020304" pitchFamily="18" charset="0"/>
+                            </a:rPr>
+                            <m:t>𝑖𝑛𝑝𝑢𝑡</m:t>
+                          </m:r>
+                        </m:sub>
+                        <m:sup>
+                          <m:r>
+                            <a:rPr lang="fr-FR" b="0" i="1" noProof="0" smtClean="0">
+                              <a:latin typeface="Cambria Math" panose="02040503050406030204" pitchFamily="18" charset="0"/>
+                              <a:cs typeface="Times New Roman" panose="02020603050405020304" pitchFamily="18" charset="0"/>
+                            </a:rPr>
+                            <m:t>2</m:t>
+                          </m:r>
+                        </m:sup>
+                      </m:sSubSup>
+                      <m:r>
+                        <a:rPr lang="fr-FR" b="0" i="1" noProof="0" smtClean="0">
+                          <a:latin typeface="Cambria Math" panose="02040503050406030204" pitchFamily="18" charset="0"/>
+                          <a:cs typeface="Times New Roman" panose="02020603050405020304" pitchFamily="18" charset="0"/>
+                        </a:rPr>
+                        <m:t>=</m:t>
+                      </m:r>
+                      <m:sSup>
+                        <m:sSupPr>
+                          <m:ctrlPr>
+                            <a:rPr lang="fr-FR" b="0" i="1" noProof="0" smtClean="0">
+                              <a:latin typeface="Cambria Math" panose="02040503050406030204" pitchFamily="18" charset="0"/>
+                              <a:cs typeface="Times New Roman" panose="02020603050405020304" pitchFamily="18" charset="0"/>
+                            </a:rPr>
+                          </m:ctrlPr>
+                        </m:sSupPr>
+                        <m:e>
+                          <m:d>
+                            <m:dPr>
+                              <m:begChr m:val="["/>
+                              <m:endChr m:val="]"/>
+                              <m:ctrlPr>
+                                <a:rPr lang="fr-FR" b="0" i="1" noProof="0" smtClean="0">
+                                  <a:latin typeface="Cambria Math" panose="02040503050406030204" pitchFamily="18" charset="0"/>
+                                  <a:cs typeface="Times New Roman" panose="02020603050405020304" pitchFamily="18" charset="0"/>
+                                </a:rPr>
+                              </m:ctrlPr>
+                            </m:dPr>
+                            <m:e>
+                              <m:f>
+                                <m:fPr>
+                                  <m:ctrlPr>
+                                    <a:rPr lang="fr-FR" b="0" i="1" noProof="0" smtClean="0">
+                                      <a:latin typeface="Cambria Math" panose="02040503050406030204" pitchFamily="18" charset="0"/>
+                                      <a:cs typeface="Times New Roman" panose="02020603050405020304" pitchFamily="18" charset="0"/>
+                                    </a:rPr>
+                                  </m:ctrlPr>
+                                </m:fPr>
+                                <m:num>
+                                  <m:r>
+                                    <a:rPr lang="fr-FR" b="0" i="1" noProof="0" smtClean="0">
+                                      <a:latin typeface="Cambria Math" panose="02040503050406030204" pitchFamily="18" charset="0"/>
+                                    </a:rPr>
+                                    <m:t>𝜕</m:t>
+                                  </m:r>
+                                  <m:r>
+                                    <a:rPr lang="fr-FR" b="0" i="1" noProof="0" smtClean="0">
+                                      <a:latin typeface="Cambria Math" panose="02040503050406030204" pitchFamily="18" charset="0"/>
+                                    </a:rPr>
+                                    <m:t> </m:t>
+                                  </m:r>
+                                  <m:sSub>
+                                    <m:sSubPr>
+                                      <m:ctrlPr>
+                                        <a:rPr lang="fr-FR" b="0" i="1" noProof="0" smtClean="0">
+                                          <a:latin typeface="Cambria Math" panose="02040503050406030204" pitchFamily="18" charset="0"/>
+                                        </a:rPr>
+                                      </m:ctrlPr>
+                                    </m:sSubPr>
+                                    <m:e>
+                                      <m:r>
+                                        <a:rPr lang="fr-FR" b="0" i="1" noProof="0" smtClean="0">
+                                          <a:latin typeface="Cambria Math" panose="02040503050406030204" pitchFamily="18" charset="0"/>
+                                        </a:rPr>
+                                        <m:t>𝑢</m:t>
+                                      </m:r>
+                                    </m:e>
+                                    <m:sub>
+                                      <m:r>
+                                        <a:rPr lang="fr-FR" b="0" i="1" noProof="0" smtClean="0">
+                                          <a:latin typeface="Cambria Math" panose="02040503050406030204" pitchFamily="18" charset="0"/>
+                                        </a:rPr>
+                                        <m:t>𝑚𝑎𝑥</m:t>
+                                      </m:r>
+                                    </m:sub>
+                                  </m:sSub>
+                                </m:num>
+                                <m:den>
+                                  <m:r>
+                                    <a:rPr lang="fr-FR" i="1">
+                                      <a:latin typeface="Cambria Math" panose="02040503050406030204" pitchFamily="18" charset="0"/>
+                                    </a:rPr>
+                                    <m:t>𝜕</m:t>
+                                  </m:r>
+                                  <m:r>
+                                    <a:rPr lang="fr-FR" b="0" i="1" smtClean="0">
+                                      <a:latin typeface="Cambria Math" panose="02040503050406030204" pitchFamily="18" charset="0"/>
+                                    </a:rPr>
+                                    <m:t>𝐸</m:t>
+                                  </m:r>
+                                </m:den>
+                              </m:f>
+                              <m:sSub>
+                                <m:sSubPr>
+                                  <m:ctrlPr>
+                                    <a:rPr lang="fr-FR" b="0" i="1" noProof="0" smtClean="0">
+                                      <a:latin typeface="Cambria Math" panose="02040503050406030204" pitchFamily="18" charset="0"/>
+                                      <a:cs typeface="Times New Roman" panose="02020603050405020304" pitchFamily="18" charset="0"/>
+                                    </a:rPr>
+                                  </m:ctrlPr>
+                                </m:sSubPr>
+                                <m:e>
+                                  <m:d>
+                                    <m:dPr>
+                                      <m:begChr m:val=""/>
+                                      <m:endChr m:val="|"/>
+                                      <m:ctrlPr>
+                                        <a:rPr lang="fr-FR" b="0" i="1" noProof="0" smtClean="0">
+                                          <a:latin typeface="Cambria Math" panose="02040503050406030204" pitchFamily="18" charset="0"/>
+                                          <a:cs typeface="Times New Roman" panose="02020603050405020304" pitchFamily="18" charset="0"/>
+                                        </a:rPr>
+                                      </m:ctrlPr>
+                                    </m:dPr>
+                                    <m:e>
+                                      <m:r>
+                                        <a:rPr lang="en-GB">
+                                          <a:latin typeface="Cambria Math" panose="02040503050406030204" pitchFamily="18" charset="0"/>
+                                        </a:rPr>
+                                        <m:t>​</m:t>
+                                      </m:r>
+                                    </m:e>
+                                  </m:d>
+                                </m:e>
+                                <m:sub>
+                                  <m:sSub>
+                                    <m:sSubPr>
+                                      <m:ctrlPr>
+                                        <a:rPr lang="fr-FR" b="0" i="1" noProof="0" smtClean="0">
+                                          <a:latin typeface="Cambria Math" panose="02040503050406030204" pitchFamily="18" charset="0"/>
+                                          <a:cs typeface="Times New Roman" panose="02020603050405020304" pitchFamily="18" charset="0"/>
+                                        </a:rPr>
+                                      </m:ctrlPr>
+                                    </m:sSubPr>
+                                    <m:e>
+                                      <m:r>
+                                        <a:rPr lang="fr-FR" b="0" i="1" noProof="0" smtClean="0">
+                                          <a:latin typeface="Cambria Math" panose="02040503050406030204" pitchFamily="18" charset="0"/>
+                                          <a:cs typeface="Times New Roman" panose="02020603050405020304" pitchFamily="18" charset="0"/>
+                                        </a:rPr>
+                                        <m:t>𝐸</m:t>
+                                      </m:r>
+                                    </m:e>
+                                    <m:sub>
+                                      <m:r>
+                                        <a:rPr lang="fr-FR" b="0" i="1" noProof="0" smtClean="0">
+                                          <a:latin typeface="Cambria Math" panose="02040503050406030204" pitchFamily="18" charset="0"/>
+                                          <a:cs typeface="Times New Roman" panose="02020603050405020304" pitchFamily="18" charset="0"/>
+                                        </a:rPr>
+                                        <m:t>𝑚𝑜𝑦</m:t>
+                                      </m:r>
+                                    </m:sub>
+                                  </m:sSub>
+                                </m:sub>
+                              </m:sSub>
+                              <m:sSub>
+                                <m:sSubPr>
+                                  <m:ctrlPr>
+                                    <a:rPr lang="fr-FR" b="0" i="1" noProof="0" smtClean="0">
+                                      <a:latin typeface="Cambria Math" panose="02040503050406030204" pitchFamily="18" charset="0"/>
+                                      <a:cs typeface="Times New Roman" panose="02020603050405020304" pitchFamily="18" charset="0"/>
+                                    </a:rPr>
+                                  </m:ctrlPr>
+                                </m:sSubPr>
+                                <m:e>
+                                  <m:r>
+                                    <a:rPr lang="fr-FR" b="0" i="1" noProof="0" smtClean="0">
+                                      <a:latin typeface="Cambria Math" panose="02040503050406030204" pitchFamily="18" charset="0"/>
+                                      <a:cs typeface="Times New Roman" panose="02020603050405020304" pitchFamily="18" charset="0"/>
+                                    </a:rPr>
+                                    <m:t>𝑢</m:t>
+                                  </m:r>
+                                </m:e>
+                                <m:sub>
+                                  <m:r>
+                                    <a:rPr lang="fr-FR" b="0" i="1" noProof="0" smtClean="0">
+                                      <a:latin typeface="Cambria Math" panose="02040503050406030204" pitchFamily="18" charset="0"/>
+                                      <a:cs typeface="Times New Roman" panose="02020603050405020304" pitchFamily="18" charset="0"/>
+                                    </a:rPr>
+                                    <m:t>𝐸</m:t>
+                                  </m:r>
+                                </m:sub>
+                              </m:sSub>
+                            </m:e>
+                          </m:d>
+                        </m:e>
+                        <m:sup>
+                          <m:r>
+                            <a:rPr lang="fr-FR" b="0" i="1" noProof="0" smtClean="0">
+                              <a:latin typeface="Cambria Math" panose="02040503050406030204" pitchFamily="18" charset="0"/>
+                              <a:cs typeface="Times New Roman" panose="02020603050405020304" pitchFamily="18" charset="0"/>
+                            </a:rPr>
+                            <m:t>2</m:t>
+                          </m:r>
+                        </m:sup>
+                      </m:sSup>
+                      <m:r>
+                        <a:rPr lang="fr-FR" b="0" i="1" noProof="0" smtClean="0">
+                          <a:latin typeface="Cambria Math" panose="02040503050406030204" pitchFamily="18" charset="0"/>
+                          <a:cs typeface="Times New Roman" panose="02020603050405020304" pitchFamily="18" charset="0"/>
+                        </a:rPr>
+                        <m:t>+</m:t>
+                      </m:r>
+                      <m:sSup>
+                        <m:sSupPr>
+                          <m:ctrlPr>
+                            <a:rPr lang="fr-FR" i="1">
+                              <a:latin typeface="Cambria Math" panose="02040503050406030204" pitchFamily="18" charset="0"/>
+                              <a:cs typeface="Times New Roman" panose="02020603050405020304" pitchFamily="18" charset="0"/>
+                            </a:rPr>
+                          </m:ctrlPr>
+                        </m:sSupPr>
+                        <m:e>
+                          <m:d>
+                            <m:dPr>
+                              <m:begChr m:val="["/>
+                              <m:endChr m:val="]"/>
+                              <m:ctrlPr>
+                                <a:rPr lang="fr-FR" i="1">
+                                  <a:latin typeface="Cambria Math" panose="02040503050406030204" pitchFamily="18" charset="0"/>
+                                  <a:cs typeface="Times New Roman" panose="02020603050405020304" pitchFamily="18" charset="0"/>
+                                </a:rPr>
+                              </m:ctrlPr>
+                            </m:dPr>
+                            <m:e>
+                              <m:f>
+                                <m:fPr>
+                                  <m:ctrlPr>
+                                    <a:rPr lang="fr-FR" i="1" smtClean="0">
+                                      <a:latin typeface="Cambria Math" panose="02040503050406030204" pitchFamily="18" charset="0"/>
+                                      <a:cs typeface="Times New Roman" panose="02020603050405020304" pitchFamily="18" charset="0"/>
+                                    </a:rPr>
+                                  </m:ctrlPr>
+                                </m:fPr>
+                                <m:num>
+                                  <m:r>
+                                    <a:rPr lang="fr-FR" i="1">
+                                      <a:latin typeface="Cambria Math" panose="02040503050406030204" pitchFamily="18" charset="0"/>
+                                    </a:rPr>
+                                    <m:t>𝜕</m:t>
+                                  </m:r>
+                                  <m:r>
+                                    <a:rPr lang="fr-FR" i="1">
+                                      <a:latin typeface="Cambria Math" panose="02040503050406030204" pitchFamily="18" charset="0"/>
+                                    </a:rPr>
+                                    <m:t> </m:t>
+                                  </m:r>
+                                  <m:sSub>
+                                    <m:sSubPr>
+                                      <m:ctrlPr>
+                                        <a:rPr lang="fr-FR" i="1">
+                                          <a:latin typeface="Cambria Math" panose="02040503050406030204" pitchFamily="18" charset="0"/>
+                                        </a:rPr>
+                                      </m:ctrlPr>
+                                    </m:sSubPr>
+                                    <m:e>
+                                      <m:r>
+                                        <a:rPr lang="fr-FR" i="1">
+                                          <a:latin typeface="Cambria Math" panose="02040503050406030204" pitchFamily="18" charset="0"/>
+                                        </a:rPr>
+                                        <m:t>𝑢</m:t>
+                                      </m:r>
+                                    </m:e>
+                                    <m:sub>
+                                      <m:r>
+                                        <a:rPr lang="fr-FR" i="1">
+                                          <a:latin typeface="Cambria Math" panose="02040503050406030204" pitchFamily="18" charset="0"/>
+                                        </a:rPr>
+                                        <m:t>𝑚𝑎𝑥</m:t>
+                                      </m:r>
+                                    </m:sub>
+                                  </m:sSub>
+                                </m:num>
+                                <m:den>
+                                  <m:r>
+                                    <a:rPr lang="fr-FR" i="1">
+                                      <a:latin typeface="Cambria Math" panose="02040503050406030204" pitchFamily="18" charset="0"/>
+                                    </a:rPr>
+                                    <m:t>𝜕</m:t>
+                                  </m:r>
+                                  <m:r>
+                                    <a:rPr lang="fr-FR" b="0" i="1" smtClean="0">
+                                      <a:latin typeface="Cambria Math" panose="02040503050406030204" pitchFamily="18" charset="0"/>
+                                    </a:rPr>
+                                    <m:t>𝜈</m:t>
+                                  </m:r>
+                                </m:den>
+                              </m:f>
+                              <m:sSub>
+                                <m:sSubPr>
+                                  <m:ctrlPr>
+                                    <a:rPr lang="fr-FR" i="1">
+                                      <a:latin typeface="Cambria Math" panose="02040503050406030204" pitchFamily="18" charset="0"/>
+                                      <a:cs typeface="Times New Roman" panose="02020603050405020304" pitchFamily="18" charset="0"/>
+                                    </a:rPr>
+                                  </m:ctrlPr>
+                                </m:sSubPr>
+                                <m:e>
+                                  <m:d>
+                                    <m:dPr>
+                                      <m:begChr m:val=""/>
+                                      <m:endChr m:val="|"/>
+                                      <m:ctrlPr>
+                                        <a:rPr lang="fr-FR" i="1">
+                                          <a:latin typeface="Cambria Math" panose="02040503050406030204" pitchFamily="18" charset="0"/>
+                                          <a:cs typeface="Times New Roman" panose="02020603050405020304" pitchFamily="18" charset="0"/>
+                                        </a:rPr>
+                                      </m:ctrlPr>
+                                    </m:dPr>
+                                    <m:e>
+                                      <m:r>
+                                        <a:rPr lang="en-GB">
+                                          <a:latin typeface="Cambria Math" panose="02040503050406030204" pitchFamily="18" charset="0"/>
+                                        </a:rPr>
+                                        <m:t>​</m:t>
+                                      </m:r>
+                                    </m:e>
+                                  </m:d>
+                                </m:e>
+                                <m:sub>
+                                  <m:sSub>
+                                    <m:sSubPr>
+                                      <m:ctrlPr>
+                                        <a:rPr lang="fr-FR" i="1">
+                                          <a:latin typeface="Cambria Math" panose="02040503050406030204" pitchFamily="18" charset="0"/>
+                                          <a:cs typeface="Times New Roman" panose="02020603050405020304" pitchFamily="18" charset="0"/>
+                                        </a:rPr>
+                                      </m:ctrlPr>
+                                    </m:sSubPr>
+                                    <m:e>
+                                      <m:r>
+                                        <a:rPr lang="fr-FR" i="1" smtClean="0">
+                                          <a:latin typeface="Cambria Math" panose="02040503050406030204" pitchFamily="18" charset="0"/>
+                                        </a:rPr>
+                                        <m:t>𝜈</m:t>
+                                      </m:r>
+                                    </m:e>
+                                    <m:sub>
+                                      <m:r>
+                                        <a:rPr lang="fr-FR" i="1">
+                                          <a:latin typeface="Cambria Math" panose="02040503050406030204" pitchFamily="18" charset="0"/>
+                                          <a:cs typeface="Times New Roman" panose="02020603050405020304" pitchFamily="18" charset="0"/>
+                                        </a:rPr>
+                                        <m:t>𝑚𝑜𝑦</m:t>
+                                      </m:r>
+                                    </m:sub>
+                                  </m:sSub>
+                                </m:sub>
+                              </m:sSub>
+                              <m:sSub>
+                                <m:sSubPr>
+                                  <m:ctrlPr>
+                                    <a:rPr lang="fr-FR" i="1">
+                                      <a:latin typeface="Cambria Math" panose="02040503050406030204" pitchFamily="18" charset="0"/>
+                                      <a:cs typeface="Times New Roman" panose="02020603050405020304" pitchFamily="18" charset="0"/>
+                                    </a:rPr>
+                                  </m:ctrlPr>
+                                </m:sSubPr>
+                                <m:e>
+                                  <m:r>
+                                    <a:rPr lang="fr-FR" i="1">
+                                      <a:latin typeface="Cambria Math" panose="02040503050406030204" pitchFamily="18" charset="0"/>
+                                      <a:cs typeface="Times New Roman" panose="02020603050405020304" pitchFamily="18" charset="0"/>
+                                    </a:rPr>
+                                    <m:t>𝑢</m:t>
+                                  </m:r>
+                                </m:e>
+                                <m:sub>
+                                  <m:r>
+                                    <a:rPr lang="fr-FR" i="1" smtClean="0">
+                                      <a:latin typeface="Cambria Math" panose="02040503050406030204" pitchFamily="18" charset="0"/>
+                                    </a:rPr>
+                                    <m:t>𝜈</m:t>
+                                  </m:r>
+                                </m:sub>
+                              </m:sSub>
+                            </m:e>
+                          </m:d>
+                        </m:e>
+                        <m:sup>
+                          <m:r>
+                            <a:rPr lang="fr-FR" i="1">
+                              <a:latin typeface="Cambria Math" panose="02040503050406030204" pitchFamily="18" charset="0"/>
+                              <a:cs typeface="Times New Roman" panose="02020603050405020304" pitchFamily="18" charset="0"/>
+                            </a:rPr>
+                            <m:t>2</m:t>
+                          </m:r>
+                        </m:sup>
+                      </m:sSup>
+                    </m:oMath>
+                  </m:oMathPara>
+                </a14:m>
+                <a:endParaRPr lang="fr-FR" noProof="0" dirty="0">
+                  <a:latin typeface="Times New Roman" panose="02020603050405020304" pitchFamily="18" charset="0"/>
+                  <a:cs typeface="Times New Roman" panose="02020603050405020304" pitchFamily="18" charset="0"/>
+                </a:endParaRPr>
+              </a:p>
+              <a:p>
+                <a:pPr algn="just"/>
+                <a:r>
+                  <a:rPr lang="fr-FR" dirty="0">
+                    <a:latin typeface="Times New Roman" panose="02020603050405020304" pitchFamily="18" charset="0"/>
+                    <a:cs typeface="Times New Roman" panose="02020603050405020304" pitchFamily="18" charset="0"/>
+                  </a:rPr>
+                  <a:t>Pour estimer les termes </a:t>
+                </a:r>
+                <a14:m>
+                  <m:oMath xmlns:m="http://schemas.openxmlformats.org/officeDocument/2006/math">
+                    <m:f>
+                      <m:fPr>
+                        <m:ctrlPr>
+                          <a:rPr lang="fr-FR" b="0" i="1" noProof="0" smtClean="0">
+                            <a:latin typeface="Cambria Math" panose="02040503050406030204" pitchFamily="18" charset="0"/>
+                            <a:cs typeface="Times New Roman" panose="02020603050405020304" pitchFamily="18" charset="0"/>
+                          </a:rPr>
+                        </m:ctrlPr>
+                      </m:fPr>
+                      <m:num>
+                        <m:r>
+                          <a:rPr lang="fr-FR" b="0" i="1" noProof="0" smtClean="0">
+                            <a:latin typeface="Cambria Math" panose="02040503050406030204" pitchFamily="18" charset="0"/>
+                          </a:rPr>
+                          <m:t>𝜕</m:t>
+                        </m:r>
+                        <m:r>
+                          <a:rPr lang="fr-FR" b="0" i="1" noProof="0" smtClean="0">
+                            <a:latin typeface="Cambria Math" panose="02040503050406030204" pitchFamily="18" charset="0"/>
+                          </a:rPr>
+                          <m:t> </m:t>
+                        </m:r>
+                        <m:sSub>
+                          <m:sSubPr>
+                            <m:ctrlPr>
+                              <a:rPr lang="fr-FR" b="0" i="1" noProof="0" smtClean="0">
+                                <a:latin typeface="Cambria Math" panose="02040503050406030204" pitchFamily="18" charset="0"/>
+                              </a:rPr>
+                            </m:ctrlPr>
+                          </m:sSubPr>
+                          <m:e>
+                            <m:r>
+                              <a:rPr lang="fr-FR" b="0" i="1" noProof="0" smtClean="0">
+                                <a:latin typeface="Cambria Math" panose="02040503050406030204" pitchFamily="18" charset="0"/>
+                              </a:rPr>
+                              <m:t>𝑢</m:t>
+                            </m:r>
+                          </m:e>
+                          <m:sub>
+                            <m:r>
+                              <a:rPr lang="fr-FR" b="0" i="1" noProof="0" smtClean="0">
+                                <a:latin typeface="Cambria Math" panose="02040503050406030204" pitchFamily="18" charset="0"/>
+                              </a:rPr>
+                              <m:t>𝑚𝑎𝑥</m:t>
+                            </m:r>
+                          </m:sub>
+                        </m:sSub>
+                      </m:num>
+                      <m:den>
+                        <m:r>
+                          <a:rPr lang="fr-FR" i="1">
+                            <a:latin typeface="Cambria Math" panose="02040503050406030204" pitchFamily="18" charset="0"/>
+                          </a:rPr>
+                          <m:t>𝜕</m:t>
+                        </m:r>
+                        <m:r>
+                          <a:rPr lang="fr-FR" b="0" i="1" smtClean="0">
+                            <a:latin typeface="Cambria Math" panose="02040503050406030204" pitchFamily="18" charset="0"/>
+                          </a:rPr>
+                          <m:t>𝐸</m:t>
+                        </m:r>
+                      </m:den>
+                    </m:f>
+                    <m:sSub>
+                      <m:sSubPr>
+                        <m:ctrlPr>
+                          <a:rPr lang="fr-FR" b="0" i="1" noProof="0" smtClean="0">
+                            <a:latin typeface="Cambria Math" panose="02040503050406030204" pitchFamily="18" charset="0"/>
+                            <a:cs typeface="Times New Roman" panose="02020603050405020304" pitchFamily="18" charset="0"/>
+                          </a:rPr>
+                        </m:ctrlPr>
+                      </m:sSubPr>
+                      <m:e>
+                        <m:d>
+                          <m:dPr>
+                            <m:begChr m:val=""/>
+                            <m:endChr m:val="|"/>
+                            <m:ctrlPr>
+                              <a:rPr lang="fr-FR" b="0" i="1" noProof="0" smtClean="0">
+                                <a:latin typeface="Cambria Math" panose="02040503050406030204" pitchFamily="18" charset="0"/>
+                                <a:cs typeface="Times New Roman" panose="02020603050405020304" pitchFamily="18" charset="0"/>
+                              </a:rPr>
+                            </m:ctrlPr>
+                          </m:dPr>
+                          <m:e>
+                            <m:r>
+                              <a:rPr lang="en-GB">
+                                <a:latin typeface="Cambria Math" panose="02040503050406030204" pitchFamily="18" charset="0"/>
+                              </a:rPr>
+                              <m:t>​</m:t>
+                            </m:r>
+                          </m:e>
+                        </m:d>
+                      </m:e>
+                      <m:sub>
+                        <m:sSub>
+                          <m:sSubPr>
+                            <m:ctrlPr>
+                              <a:rPr lang="fr-FR" b="0" i="1" noProof="0" smtClean="0">
+                                <a:latin typeface="Cambria Math" panose="02040503050406030204" pitchFamily="18" charset="0"/>
+                                <a:cs typeface="Times New Roman" panose="02020603050405020304" pitchFamily="18" charset="0"/>
+                              </a:rPr>
+                            </m:ctrlPr>
+                          </m:sSubPr>
+                          <m:e>
+                            <m:r>
+                              <a:rPr lang="fr-FR" b="0" i="1" noProof="0" smtClean="0">
+                                <a:latin typeface="Cambria Math" panose="02040503050406030204" pitchFamily="18" charset="0"/>
+                                <a:cs typeface="Times New Roman" panose="02020603050405020304" pitchFamily="18" charset="0"/>
+                              </a:rPr>
+                              <m:t>𝐸</m:t>
+                            </m:r>
+                          </m:e>
+                          <m:sub>
+                            <m:r>
+                              <a:rPr lang="fr-FR" b="0" i="1" noProof="0" smtClean="0">
+                                <a:latin typeface="Cambria Math" panose="02040503050406030204" pitchFamily="18" charset="0"/>
+                                <a:cs typeface="Times New Roman" panose="02020603050405020304" pitchFamily="18" charset="0"/>
+                              </a:rPr>
+                              <m:t>𝑚𝑜𝑦</m:t>
+                            </m:r>
+                          </m:sub>
+                        </m:sSub>
+                      </m:sub>
+                    </m:sSub>
+                  </m:oMath>
+                </a14:m>
+                <a:r>
+                  <a:rPr lang="fr-FR" dirty="0">
+                    <a:latin typeface="Times New Roman" panose="02020603050405020304" pitchFamily="18" charset="0"/>
+                    <a:cs typeface="Times New Roman" panose="02020603050405020304" pitchFamily="18" charset="0"/>
+                  </a:rPr>
+                  <a:t> et </a:t>
+                </a:r>
+                <a14:m>
+                  <m:oMath xmlns:m="http://schemas.openxmlformats.org/officeDocument/2006/math">
+                    <m:f>
+                      <m:fPr>
+                        <m:ctrlPr>
+                          <a:rPr lang="fr-FR" i="1">
+                            <a:latin typeface="Cambria Math" panose="02040503050406030204" pitchFamily="18" charset="0"/>
+                            <a:cs typeface="Times New Roman" panose="02020603050405020304" pitchFamily="18" charset="0"/>
+                          </a:rPr>
+                        </m:ctrlPr>
+                      </m:fPr>
+                      <m:num>
+                        <m:r>
+                          <a:rPr lang="fr-FR" i="1">
+                            <a:latin typeface="Cambria Math" panose="02040503050406030204" pitchFamily="18" charset="0"/>
+                          </a:rPr>
+                          <m:t>𝜕</m:t>
+                        </m:r>
+                        <m:r>
+                          <a:rPr lang="fr-FR" i="1">
+                            <a:latin typeface="Cambria Math" panose="02040503050406030204" pitchFamily="18" charset="0"/>
+                          </a:rPr>
+                          <m:t> </m:t>
+                        </m:r>
+                        <m:sSub>
+                          <m:sSubPr>
+                            <m:ctrlPr>
+                              <a:rPr lang="fr-FR" i="1">
+                                <a:latin typeface="Cambria Math" panose="02040503050406030204" pitchFamily="18" charset="0"/>
+                              </a:rPr>
+                            </m:ctrlPr>
+                          </m:sSubPr>
+                          <m:e>
+                            <m:r>
+                              <a:rPr lang="fr-FR" i="1">
+                                <a:latin typeface="Cambria Math" panose="02040503050406030204" pitchFamily="18" charset="0"/>
+                              </a:rPr>
+                              <m:t>𝑢</m:t>
+                            </m:r>
+                          </m:e>
+                          <m:sub>
+                            <m:r>
+                              <a:rPr lang="fr-FR" i="1">
+                                <a:latin typeface="Cambria Math" panose="02040503050406030204" pitchFamily="18" charset="0"/>
+                              </a:rPr>
+                              <m:t>𝑚𝑎𝑥</m:t>
+                            </m:r>
+                          </m:sub>
+                        </m:sSub>
+                      </m:num>
+                      <m:den>
+                        <m:r>
+                          <a:rPr lang="fr-FR" i="1">
+                            <a:latin typeface="Cambria Math" panose="02040503050406030204" pitchFamily="18" charset="0"/>
+                          </a:rPr>
+                          <m:t>𝜕</m:t>
+                        </m:r>
+                        <m:r>
+                          <a:rPr lang="fr-FR" i="1">
+                            <a:latin typeface="Cambria Math" panose="02040503050406030204" pitchFamily="18" charset="0"/>
+                          </a:rPr>
+                          <m:t>𝑣</m:t>
+                        </m:r>
+                      </m:den>
+                    </m:f>
+                    <m:sSub>
+                      <m:sSubPr>
+                        <m:ctrlPr>
+                          <a:rPr lang="fr-FR" i="1">
+                            <a:latin typeface="Cambria Math" panose="02040503050406030204" pitchFamily="18" charset="0"/>
+                            <a:cs typeface="Times New Roman" panose="02020603050405020304" pitchFamily="18" charset="0"/>
+                          </a:rPr>
+                        </m:ctrlPr>
+                      </m:sSubPr>
+                      <m:e>
+                        <m:d>
+                          <m:dPr>
+                            <m:begChr m:val=""/>
+                            <m:endChr m:val="|"/>
+                            <m:ctrlPr>
+                              <a:rPr lang="fr-FR" i="1">
+                                <a:latin typeface="Cambria Math" panose="02040503050406030204" pitchFamily="18" charset="0"/>
+                                <a:cs typeface="Times New Roman" panose="02020603050405020304" pitchFamily="18" charset="0"/>
+                              </a:rPr>
+                            </m:ctrlPr>
+                          </m:dPr>
+                          <m:e>
+                            <m:r>
+                              <a:rPr lang="en-GB">
+                                <a:latin typeface="Cambria Math" panose="02040503050406030204" pitchFamily="18" charset="0"/>
+                              </a:rPr>
+                              <m:t>​</m:t>
+                            </m:r>
+                          </m:e>
+                        </m:d>
+                      </m:e>
+                      <m:sub>
+                        <m:sSub>
+                          <m:sSubPr>
+                            <m:ctrlPr>
+                              <a:rPr lang="fr-FR" i="1">
+                                <a:latin typeface="Cambria Math" panose="02040503050406030204" pitchFamily="18" charset="0"/>
+                                <a:cs typeface="Times New Roman" panose="02020603050405020304" pitchFamily="18" charset="0"/>
+                              </a:rPr>
+                            </m:ctrlPr>
+                          </m:sSubPr>
+                          <m:e>
+                            <m:r>
+                              <a:rPr lang="fr-FR" i="1">
+                                <a:latin typeface="Cambria Math" panose="02040503050406030204" pitchFamily="18" charset="0"/>
+                              </a:rPr>
+                              <m:t>𝜈</m:t>
+                            </m:r>
+                          </m:e>
+                          <m:sub>
+                            <m:r>
+                              <a:rPr lang="fr-FR" i="1">
+                                <a:latin typeface="Cambria Math" panose="02040503050406030204" pitchFamily="18" charset="0"/>
+                                <a:cs typeface="Times New Roman" panose="02020603050405020304" pitchFamily="18" charset="0"/>
+                              </a:rPr>
+                              <m:t>𝑚𝑜𝑦</m:t>
+                            </m:r>
+                          </m:sub>
+                        </m:sSub>
+                      </m:sub>
+                    </m:sSub>
+                  </m:oMath>
+                </a14:m>
+                <a:r>
+                  <a:rPr lang="fr-FR" dirty="0">
+                    <a:latin typeface="Times New Roman" panose="02020603050405020304" pitchFamily="18" charset="0"/>
+                    <a:cs typeface="Times New Roman" panose="02020603050405020304" pitchFamily="18" charset="0"/>
+                  </a:rPr>
+                  <a:t>, nous pouvons utiliser la méthode des différences finies tel que : </a:t>
+                </a:r>
+              </a:p>
+              <a:p>
+                <a:pPr algn="ctr"/>
+                <a14:m>
+                  <m:oMath xmlns:m="http://schemas.openxmlformats.org/officeDocument/2006/math">
+                    <m:f>
+                      <m:fPr>
+                        <m:ctrlPr>
+                          <a:rPr lang="fr-FR" i="1">
+                            <a:latin typeface="Cambria Math" panose="02040503050406030204" pitchFamily="18" charset="0"/>
+                            <a:cs typeface="Times New Roman" panose="02020603050405020304" pitchFamily="18" charset="0"/>
+                          </a:rPr>
+                        </m:ctrlPr>
+                      </m:fPr>
+                      <m:num>
+                        <m:r>
+                          <a:rPr lang="fr-FR" i="1">
+                            <a:latin typeface="Cambria Math" panose="02040503050406030204" pitchFamily="18" charset="0"/>
+                          </a:rPr>
+                          <m:t>𝜕</m:t>
+                        </m:r>
+                        <m:r>
+                          <a:rPr lang="fr-FR" i="1">
+                            <a:latin typeface="Cambria Math" panose="02040503050406030204" pitchFamily="18" charset="0"/>
+                          </a:rPr>
+                          <m:t> </m:t>
+                        </m:r>
+                        <m:sSub>
+                          <m:sSubPr>
+                            <m:ctrlPr>
+                              <a:rPr lang="fr-FR" i="1">
+                                <a:latin typeface="Cambria Math" panose="02040503050406030204" pitchFamily="18" charset="0"/>
+                              </a:rPr>
+                            </m:ctrlPr>
+                          </m:sSubPr>
+                          <m:e>
+                            <m:r>
+                              <a:rPr lang="fr-FR" i="1">
+                                <a:latin typeface="Cambria Math" panose="02040503050406030204" pitchFamily="18" charset="0"/>
+                              </a:rPr>
+                              <m:t>𝑢</m:t>
+                            </m:r>
+                          </m:e>
+                          <m:sub>
+                            <m:r>
+                              <a:rPr lang="fr-FR" i="1">
+                                <a:latin typeface="Cambria Math" panose="02040503050406030204" pitchFamily="18" charset="0"/>
+                              </a:rPr>
+                              <m:t>𝑚𝑎𝑥</m:t>
+                            </m:r>
+                          </m:sub>
+                        </m:sSub>
+                      </m:num>
+                      <m:den>
+                        <m:r>
+                          <a:rPr lang="fr-FR" i="1">
+                            <a:latin typeface="Cambria Math" panose="02040503050406030204" pitchFamily="18" charset="0"/>
+                          </a:rPr>
+                          <m:t>𝜕</m:t>
+                        </m:r>
+                        <m:r>
+                          <a:rPr lang="fr-FR" i="1">
+                            <a:latin typeface="Cambria Math" panose="02040503050406030204" pitchFamily="18" charset="0"/>
+                          </a:rPr>
+                          <m:t>𝐸</m:t>
+                        </m:r>
+                      </m:den>
+                    </m:f>
+                    <m:sSub>
+                      <m:sSubPr>
+                        <m:ctrlPr>
+                          <a:rPr lang="fr-FR" i="1">
+                            <a:latin typeface="Cambria Math" panose="02040503050406030204" pitchFamily="18" charset="0"/>
+                            <a:cs typeface="Times New Roman" panose="02020603050405020304" pitchFamily="18" charset="0"/>
+                          </a:rPr>
+                        </m:ctrlPr>
+                      </m:sSubPr>
+                      <m:e>
+                        <m:d>
+                          <m:dPr>
+                            <m:begChr m:val=""/>
+                            <m:endChr m:val="|"/>
+                            <m:ctrlPr>
+                              <a:rPr lang="fr-FR" i="1">
+                                <a:latin typeface="Cambria Math" panose="02040503050406030204" pitchFamily="18" charset="0"/>
+                                <a:cs typeface="Times New Roman" panose="02020603050405020304" pitchFamily="18" charset="0"/>
+                              </a:rPr>
+                            </m:ctrlPr>
+                          </m:dPr>
+                          <m:e>
+                            <m:r>
+                              <a:rPr lang="en-GB">
+                                <a:latin typeface="Cambria Math" panose="02040503050406030204" pitchFamily="18" charset="0"/>
+                              </a:rPr>
+                              <m:t>​</m:t>
+                            </m:r>
+                          </m:e>
+                        </m:d>
+                      </m:e>
+                      <m:sub>
+                        <m:sSub>
+                          <m:sSubPr>
+                            <m:ctrlPr>
+                              <a:rPr lang="fr-FR" i="1">
+                                <a:latin typeface="Cambria Math" panose="02040503050406030204" pitchFamily="18" charset="0"/>
+                                <a:cs typeface="Times New Roman" panose="02020603050405020304" pitchFamily="18" charset="0"/>
+                              </a:rPr>
+                            </m:ctrlPr>
+                          </m:sSubPr>
+                          <m:e>
+                            <m:r>
+                              <a:rPr lang="fr-FR" i="1">
+                                <a:latin typeface="Cambria Math" panose="02040503050406030204" pitchFamily="18" charset="0"/>
+                                <a:cs typeface="Times New Roman" panose="02020603050405020304" pitchFamily="18" charset="0"/>
+                              </a:rPr>
+                              <m:t>𝐸</m:t>
+                            </m:r>
+                          </m:e>
+                          <m:sub>
+                            <m:r>
+                              <a:rPr lang="fr-FR" i="1">
+                                <a:latin typeface="Cambria Math" panose="02040503050406030204" pitchFamily="18" charset="0"/>
+                                <a:cs typeface="Times New Roman" panose="02020603050405020304" pitchFamily="18" charset="0"/>
+                              </a:rPr>
+                              <m:t>𝑚𝑜𝑦</m:t>
+                            </m:r>
+                          </m:sub>
+                        </m:sSub>
+                      </m:sub>
+                    </m:sSub>
+                    <m:r>
+                      <a:rPr lang="fr-FR" b="0" i="1" smtClean="0">
+                        <a:latin typeface="Cambria Math" panose="02040503050406030204" pitchFamily="18" charset="0"/>
+                        <a:cs typeface="Times New Roman" panose="02020603050405020304" pitchFamily="18" charset="0"/>
+                      </a:rPr>
+                      <m:t>≈</m:t>
+                    </m:r>
+                    <m:f>
+                      <m:fPr>
+                        <m:ctrlPr>
+                          <a:rPr lang="fr-FR" b="0" i="1" smtClean="0">
+                            <a:latin typeface="Cambria Math" panose="02040503050406030204" pitchFamily="18" charset="0"/>
+                            <a:cs typeface="Times New Roman" panose="02020603050405020304" pitchFamily="18" charset="0"/>
+                          </a:rPr>
+                        </m:ctrlPr>
+                      </m:fPr>
+                      <m:num>
+                        <m:sSub>
+                          <m:sSubPr>
+                            <m:ctrlPr>
+                              <a:rPr lang="fr-FR" b="0" i="1" smtClean="0">
+                                <a:latin typeface="Cambria Math" panose="02040503050406030204" pitchFamily="18" charset="0"/>
+                                <a:cs typeface="Times New Roman" panose="02020603050405020304" pitchFamily="18" charset="0"/>
+                              </a:rPr>
+                            </m:ctrlPr>
+                          </m:sSubPr>
+                          <m:e>
+                            <m:r>
+                              <a:rPr lang="fr-FR" b="0" i="1" smtClean="0">
+                                <a:latin typeface="Cambria Math" panose="02040503050406030204" pitchFamily="18" charset="0"/>
+                                <a:cs typeface="Times New Roman" panose="02020603050405020304" pitchFamily="18" charset="0"/>
+                              </a:rPr>
+                              <m:t>𝑢</m:t>
+                            </m:r>
+                          </m:e>
+                          <m:sub>
+                            <m:r>
+                              <a:rPr lang="fr-FR" b="0" i="1" smtClean="0">
+                                <a:latin typeface="Cambria Math" panose="02040503050406030204" pitchFamily="18" charset="0"/>
+                                <a:cs typeface="Times New Roman" panose="02020603050405020304" pitchFamily="18" charset="0"/>
+                              </a:rPr>
+                              <m:t>𝑚𝑎𝑥</m:t>
+                            </m:r>
+                          </m:sub>
+                        </m:sSub>
+                        <m:d>
+                          <m:dPr>
+                            <m:ctrlPr>
+                              <a:rPr lang="fr-FR" b="0" i="1" smtClean="0">
+                                <a:latin typeface="Cambria Math" panose="02040503050406030204" pitchFamily="18" charset="0"/>
+                                <a:cs typeface="Times New Roman" panose="02020603050405020304" pitchFamily="18" charset="0"/>
+                              </a:rPr>
+                            </m:ctrlPr>
+                          </m:dPr>
+                          <m:e>
+                            <m:sSub>
+                              <m:sSubPr>
+                                <m:ctrlPr>
+                                  <a:rPr lang="fr-FR" b="0" i="1" smtClean="0">
+                                    <a:latin typeface="Cambria Math" panose="02040503050406030204" pitchFamily="18" charset="0"/>
+                                    <a:cs typeface="Times New Roman" panose="02020603050405020304" pitchFamily="18" charset="0"/>
+                                  </a:rPr>
+                                </m:ctrlPr>
+                              </m:sSubPr>
+                              <m:e>
+                                <m:r>
+                                  <a:rPr lang="fr-FR" b="0" i="1" smtClean="0">
+                                    <a:latin typeface="Cambria Math" panose="02040503050406030204" pitchFamily="18" charset="0"/>
+                                    <a:cs typeface="Times New Roman" panose="02020603050405020304" pitchFamily="18" charset="0"/>
+                                  </a:rPr>
+                                  <m:t>𝐸</m:t>
+                                </m:r>
+                              </m:e>
+                              <m:sub>
+                                <m:r>
+                                  <a:rPr lang="fr-FR" b="0" i="1" smtClean="0">
+                                    <a:latin typeface="Cambria Math" panose="02040503050406030204" pitchFamily="18" charset="0"/>
+                                    <a:cs typeface="Times New Roman" panose="02020603050405020304" pitchFamily="18" charset="0"/>
+                                  </a:rPr>
+                                  <m:t>+</m:t>
+                                </m:r>
+                              </m:sub>
+                            </m:sSub>
+                          </m:e>
+                        </m:d>
+                        <m:r>
+                          <a:rPr lang="fr-FR" b="0" i="1" smtClean="0">
+                            <a:latin typeface="Cambria Math" panose="02040503050406030204" pitchFamily="18" charset="0"/>
+                            <a:cs typeface="Times New Roman" panose="02020603050405020304" pitchFamily="18" charset="0"/>
+                          </a:rPr>
+                          <m:t>−</m:t>
+                        </m:r>
+                        <m:sSub>
+                          <m:sSubPr>
+                            <m:ctrlPr>
+                              <a:rPr lang="fr-FR" i="1">
+                                <a:latin typeface="Cambria Math" panose="02040503050406030204" pitchFamily="18" charset="0"/>
+                                <a:cs typeface="Times New Roman" panose="02020603050405020304" pitchFamily="18" charset="0"/>
+                              </a:rPr>
+                            </m:ctrlPr>
+                          </m:sSubPr>
+                          <m:e>
+                            <m:r>
+                              <a:rPr lang="fr-FR" i="1">
+                                <a:latin typeface="Cambria Math" panose="02040503050406030204" pitchFamily="18" charset="0"/>
+                                <a:cs typeface="Times New Roman" panose="02020603050405020304" pitchFamily="18" charset="0"/>
+                              </a:rPr>
+                              <m:t>𝑢</m:t>
+                            </m:r>
+                          </m:e>
+                          <m:sub>
+                            <m:r>
+                              <a:rPr lang="fr-FR" i="1">
+                                <a:latin typeface="Cambria Math" panose="02040503050406030204" pitchFamily="18" charset="0"/>
+                                <a:cs typeface="Times New Roman" panose="02020603050405020304" pitchFamily="18" charset="0"/>
+                              </a:rPr>
+                              <m:t>𝑚𝑎𝑥</m:t>
+                            </m:r>
+                          </m:sub>
+                        </m:sSub>
+                        <m:d>
+                          <m:dPr>
+                            <m:ctrlPr>
+                              <a:rPr lang="fr-FR" i="1">
+                                <a:latin typeface="Cambria Math" panose="02040503050406030204" pitchFamily="18" charset="0"/>
+                                <a:cs typeface="Times New Roman" panose="02020603050405020304" pitchFamily="18" charset="0"/>
+                              </a:rPr>
+                            </m:ctrlPr>
+                          </m:dPr>
+                          <m:e>
+                            <m:sSub>
+                              <m:sSubPr>
+                                <m:ctrlPr>
+                                  <a:rPr lang="fr-FR" i="1">
+                                    <a:latin typeface="Cambria Math" panose="02040503050406030204" pitchFamily="18" charset="0"/>
+                                    <a:cs typeface="Times New Roman" panose="02020603050405020304" pitchFamily="18" charset="0"/>
+                                  </a:rPr>
+                                </m:ctrlPr>
+                              </m:sSubPr>
+                              <m:e>
+                                <m:r>
+                                  <a:rPr lang="fr-FR" i="1">
+                                    <a:latin typeface="Cambria Math" panose="02040503050406030204" pitchFamily="18" charset="0"/>
+                                    <a:cs typeface="Times New Roman" panose="02020603050405020304" pitchFamily="18" charset="0"/>
+                                  </a:rPr>
+                                  <m:t>𝐸</m:t>
+                                </m:r>
+                              </m:e>
+                              <m:sub>
+                                <m:r>
+                                  <a:rPr lang="fr-FR" b="0" i="1" smtClean="0">
+                                    <a:latin typeface="Cambria Math" panose="02040503050406030204" pitchFamily="18" charset="0"/>
+                                    <a:cs typeface="Times New Roman" panose="02020603050405020304" pitchFamily="18" charset="0"/>
+                                  </a:rPr>
+                                  <m:t>−</m:t>
+                                </m:r>
+                              </m:sub>
+                            </m:sSub>
+                          </m:e>
+                        </m:d>
+                      </m:num>
+                      <m:den>
+                        <m:sSub>
+                          <m:sSubPr>
+                            <m:ctrlPr>
+                              <a:rPr lang="fr-FR" i="1">
+                                <a:latin typeface="Cambria Math" panose="02040503050406030204" pitchFamily="18" charset="0"/>
+                                <a:cs typeface="Times New Roman" panose="02020603050405020304" pitchFamily="18" charset="0"/>
+                              </a:rPr>
+                            </m:ctrlPr>
+                          </m:sSubPr>
+                          <m:e>
+                            <m:r>
+                              <a:rPr lang="fr-FR" i="1">
+                                <a:latin typeface="Cambria Math" panose="02040503050406030204" pitchFamily="18" charset="0"/>
+                                <a:cs typeface="Times New Roman" panose="02020603050405020304" pitchFamily="18" charset="0"/>
+                              </a:rPr>
+                              <m:t>𝐸</m:t>
+                            </m:r>
+                          </m:e>
+                          <m:sub>
+                            <m:r>
+                              <a:rPr lang="fr-FR" b="0" i="1" smtClean="0">
+                                <a:latin typeface="Cambria Math" panose="02040503050406030204" pitchFamily="18" charset="0"/>
+                                <a:cs typeface="Times New Roman" panose="02020603050405020304" pitchFamily="18" charset="0"/>
+                              </a:rPr>
+                              <m:t>+</m:t>
+                            </m:r>
+                          </m:sub>
+                        </m:sSub>
+                        <m:r>
+                          <a:rPr lang="fr-FR" b="0" i="1" smtClean="0">
+                            <a:latin typeface="Cambria Math" panose="02040503050406030204" pitchFamily="18" charset="0"/>
+                            <a:cs typeface="Times New Roman" panose="02020603050405020304" pitchFamily="18" charset="0"/>
+                          </a:rPr>
+                          <m:t>− </m:t>
+                        </m:r>
+                        <m:sSub>
+                          <m:sSubPr>
+                            <m:ctrlPr>
+                              <a:rPr lang="fr-FR" i="1">
+                                <a:latin typeface="Cambria Math" panose="02040503050406030204" pitchFamily="18" charset="0"/>
+                                <a:cs typeface="Times New Roman" panose="02020603050405020304" pitchFamily="18" charset="0"/>
+                              </a:rPr>
+                            </m:ctrlPr>
+                          </m:sSubPr>
+                          <m:e>
+                            <m:r>
+                              <a:rPr lang="fr-FR" i="1">
+                                <a:latin typeface="Cambria Math" panose="02040503050406030204" pitchFamily="18" charset="0"/>
+                                <a:cs typeface="Times New Roman" panose="02020603050405020304" pitchFamily="18" charset="0"/>
+                              </a:rPr>
+                              <m:t>𝐸</m:t>
+                            </m:r>
+                          </m:e>
+                          <m:sub>
+                            <m:r>
+                              <a:rPr lang="fr-FR" i="1">
+                                <a:latin typeface="Cambria Math" panose="02040503050406030204" pitchFamily="18" charset="0"/>
+                                <a:cs typeface="Times New Roman" panose="02020603050405020304" pitchFamily="18" charset="0"/>
+                              </a:rPr>
+                              <m:t>−</m:t>
+                            </m:r>
+                          </m:sub>
+                        </m:sSub>
+                      </m:den>
+                    </m:f>
+                  </m:oMath>
+                </a14:m>
+                <a:r>
+                  <a:rPr lang="fr-FR" dirty="0">
+                    <a:latin typeface="Times New Roman" panose="02020603050405020304" pitchFamily="18" charset="0"/>
+                    <a:cs typeface="Times New Roman" panose="02020603050405020304" pitchFamily="18" charset="0"/>
+                  </a:rPr>
+                  <a:t>	et 	</a:t>
+                </a:r>
+                <a14:m>
+                  <m:oMath xmlns:m="http://schemas.openxmlformats.org/officeDocument/2006/math">
+                    <m:f>
+                      <m:fPr>
+                        <m:ctrlPr>
+                          <a:rPr lang="fr-FR" i="1">
+                            <a:latin typeface="Cambria Math" panose="02040503050406030204" pitchFamily="18" charset="0"/>
+                            <a:cs typeface="Times New Roman" panose="02020603050405020304" pitchFamily="18" charset="0"/>
+                          </a:rPr>
+                        </m:ctrlPr>
+                      </m:fPr>
+                      <m:num>
+                        <m:r>
+                          <a:rPr lang="fr-FR" i="1">
+                            <a:latin typeface="Cambria Math" panose="02040503050406030204" pitchFamily="18" charset="0"/>
+                          </a:rPr>
+                          <m:t>𝜕</m:t>
+                        </m:r>
+                        <m:r>
+                          <a:rPr lang="fr-FR" i="1">
+                            <a:latin typeface="Cambria Math" panose="02040503050406030204" pitchFamily="18" charset="0"/>
+                          </a:rPr>
+                          <m:t> </m:t>
+                        </m:r>
+                        <m:sSub>
+                          <m:sSubPr>
+                            <m:ctrlPr>
+                              <a:rPr lang="fr-FR" i="1">
+                                <a:latin typeface="Cambria Math" panose="02040503050406030204" pitchFamily="18" charset="0"/>
+                              </a:rPr>
+                            </m:ctrlPr>
+                          </m:sSubPr>
+                          <m:e>
+                            <m:r>
+                              <a:rPr lang="fr-FR" i="1">
+                                <a:latin typeface="Cambria Math" panose="02040503050406030204" pitchFamily="18" charset="0"/>
+                              </a:rPr>
+                              <m:t>𝑢</m:t>
+                            </m:r>
+                          </m:e>
+                          <m:sub>
+                            <m:r>
+                              <a:rPr lang="fr-FR" i="1">
+                                <a:latin typeface="Cambria Math" panose="02040503050406030204" pitchFamily="18" charset="0"/>
+                              </a:rPr>
+                              <m:t>𝑚𝑎𝑥</m:t>
+                            </m:r>
+                          </m:sub>
+                        </m:sSub>
+                      </m:num>
+                      <m:den>
+                        <m:r>
+                          <a:rPr lang="fr-FR" i="1">
+                            <a:latin typeface="Cambria Math" panose="02040503050406030204" pitchFamily="18" charset="0"/>
+                          </a:rPr>
+                          <m:t>𝜕</m:t>
+                        </m:r>
+                        <m:r>
+                          <a:rPr lang="fr-FR" b="0" i="1" smtClean="0">
+                            <a:latin typeface="Cambria Math" panose="02040503050406030204" pitchFamily="18" charset="0"/>
+                          </a:rPr>
+                          <m:t>𝜈</m:t>
+                        </m:r>
+                      </m:den>
+                    </m:f>
+                    <m:sSub>
+                      <m:sSubPr>
+                        <m:ctrlPr>
+                          <a:rPr lang="fr-FR" i="1">
+                            <a:latin typeface="Cambria Math" panose="02040503050406030204" pitchFamily="18" charset="0"/>
+                            <a:cs typeface="Times New Roman" panose="02020603050405020304" pitchFamily="18" charset="0"/>
+                          </a:rPr>
+                        </m:ctrlPr>
+                      </m:sSubPr>
+                      <m:e>
+                        <m:d>
+                          <m:dPr>
+                            <m:begChr m:val=""/>
+                            <m:endChr m:val="|"/>
+                            <m:ctrlPr>
+                              <a:rPr lang="fr-FR" i="1">
+                                <a:latin typeface="Cambria Math" panose="02040503050406030204" pitchFamily="18" charset="0"/>
+                                <a:cs typeface="Times New Roman" panose="02020603050405020304" pitchFamily="18" charset="0"/>
+                              </a:rPr>
+                            </m:ctrlPr>
+                          </m:dPr>
+                          <m:e>
+                            <m:r>
+                              <a:rPr lang="en-GB">
+                                <a:latin typeface="Cambria Math" panose="02040503050406030204" pitchFamily="18" charset="0"/>
+                              </a:rPr>
+                              <m:t>​</m:t>
+                            </m:r>
+                          </m:e>
+                        </m:d>
+                      </m:e>
+                      <m:sub>
+                        <m:sSub>
+                          <m:sSubPr>
+                            <m:ctrlPr>
+                              <a:rPr lang="fr-FR" b="0" i="1" smtClean="0">
+                                <a:latin typeface="Cambria Math" panose="02040503050406030204" pitchFamily="18" charset="0"/>
+                                <a:cs typeface="Times New Roman" panose="02020603050405020304" pitchFamily="18" charset="0"/>
+                              </a:rPr>
+                            </m:ctrlPr>
+                          </m:sSubPr>
+                          <m:e>
+                            <m:r>
+                              <a:rPr lang="fr-FR" b="0" i="1" smtClean="0">
+                                <a:latin typeface="Cambria Math" panose="02040503050406030204" pitchFamily="18" charset="0"/>
+                                <a:cs typeface="Times New Roman" panose="02020603050405020304" pitchFamily="18" charset="0"/>
+                              </a:rPr>
+                              <m:t>𝜈</m:t>
+                            </m:r>
+                          </m:e>
+                          <m:sub>
+                            <m:r>
+                              <a:rPr lang="fr-FR" b="0" i="1" smtClean="0">
+                                <a:latin typeface="Cambria Math" panose="02040503050406030204" pitchFamily="18" charset="0"/>
+                                <a:cs typeface="Times New Roman" panose="02020603050405020304" pitchFamily="18" charset="0"/>
+                              </a:rPr>
+                              <m:t>𝑚𝑜𝑦</m:t>
+                            </m:r>
+                          </m:sub>
+                        </m:sSub>
+                      </m:sub>
+                    </m:sSub>
+                    <m:r>
+                      <a:rPr lang="fr-FR" i="1">
+                        <a:latin typeface="Cambria Math" panose="02040503050406030204" pitchFamily="18" charset="0"/>
+                        <a:cs typeface="Times New Roman" panose="02020603050405020304" pitchFamily="18" charset="0"/>
+                      </a:rPr>
+                      <m:t>≈</m:t>
+                    </m:r>
+                    <m:f>
+                      <m:fPr>
+                        <m:ctrlPr>
+                          <a:rPr lang="fr-FR" i="1">
+                            <a:latin typeface="Cambria Math" panose="02040503050406030204" pitchFamily="18" charset="0"/>
+                            <a:cs typeface="Times New Roman" panose="02020603050405020304" pitchFamily="18" charset="0"/>
+                          </a:rPr>
+                        </m:ctrlPr>
+                      </m:fPr>
+                      <m:num>
+                        <m:sSub>
+                          <m:sSubPr>
+                            <m:ctrlPr>
+                              <a:rPr lang="fr-FR" i="1">
+                                <a:latin typeface="Cambria Math" panose="02040503050406030204" pitchFamily="18" charset="0"/>
+                                <a:cs typeface="Times New Roman" panose="02020603050405020304" pitchFamily="18" charset="0"/>
+                              </a:rPr>
+                            </m:ctrlPr>
+                          </m:sSubPr>
+                          <m:e>
+                            <m:r>
+                              <a:rPr lang="fr-FR" i="1">
+                                <a:latin typeface="Cambria Math" panose="02040503050406030204" pitchFamily="18" charset="0"/>
+                                <a:cs typeface="Times New Roman" panose="02020603050405020304" pitchFamily="18" charset="0"/>
+                              </a:rPr>
+                              <m:t>𝑢</m:t>
+                            </m:r>
+                          </m:e>
+                          <m:sub>
+                            <m:r>
+                              <a:rPr lang="fr-FR" i="1">
+                                <a:latin typeface="Cambria Math" panose="02040503050406030204" pitchFamily="18" charset="0"/>
+                                <a:cs typeface="Times New Roman" panose="02020603050405020304" pitchFamily="18" charset="0"/>
+                              </a:rPr>
+                              <m:t>𝑚𝑎𝑥</m:t>
+                            </m:r>
+                          </m:sub>
+                        </m:sSub>
+                        <m:d>
+                          <m:dPr>
+                            <m:ctrlPr>
+                              <a:rPr lang="fr-FR" i="1">
+                                <a:latin typeface="Cambria Math" panose="02040503050406030204" pitchFamily="18" charset="0"/>
+                                <a:cs typeface="Times New Roman" panose="02020603050405020304" pitchFamily="18" charset="0"/>
+                              </a:rPr>
+                            </m:ctrlPr>
+                          </m:dPr>
+                          <m:e>
+                            <m:sSub>
+                              <m:sSubPr>
+                                <m:ctrlPr>
+                                  <a:rPr lang="fr-FR" b="0" i="1" smtClean="0">
+                                    <a:latin typeface="Cambria Math" panose="02040503050406030204" pitchFamily="18" charset="0"/>
+                                    <a:cs typeface="Times New Roman" panose="02020603050405020304" pitchFamily="18" charset="0"/>
+                                  </a:rPr>
+                                </m:ctrlPr>
+                              </m:sSubPr>
+                              <m:e>
+                                <m:r>
+                                  <a:rPr lang="fr-FR" b="0" i="1" smtClean="0">
+                                    <a:latin typeface="Cambria Math" panose="02040503050406030204" pitchFamily="18" charset="0"/>
+                                    <a:cs typeface="Times New Roman" panose="02020603050405020304" pitchFamily="18" charset="0"/>
+                                  </a:rPr>
+                                  <m:t>𝜈</m:t>
+                                </m:r>
+                              </m:e>
+                              <m:sub>
+                                <m:r>
+                                  <a:rPr lang="fr-FR" b="0" i="1" smtClean="0">
+                                    <a:latin typeface="Cambria Math" panose="02040503050406030204" pitchFamily="18" charset="0"/>
+                                    <a:cs typeface="Times New Roman" panose="02020603050405020304" pitchFamily="18" charset="0"/>
+                                  </a:rPr>
+                                  <m:t>+</m:t>
+                                </m:r>
+                              </m:sub>
+                            </m:sSub>
+                          </m:e>
+                        </m:d>
+                        <m:r>
+                          <a:rPr lang="fr-FR" i="1">
+                            <a:latin typeface="Cambria Math" panose="02040503050406030204" pitchFamily="18" charset="0"/>
+                            <a:cs typeface="Times New Roman" panose="02020603050405020304" pitchFamily="18" charset="0"/>
+                          </a:rPr>
+                          <m:t>−</m:t>
+                        </m:r>
+                        <m:sSub>
+                          <m:sSubPr>
+                            <m:ctrlPr>
+                              <a:rPr lang="fr-FR" i="1">
+                                <a:latin typeface="Cambria Math" panose="02040503050406030204" pitchFamily="18" charset="0"/>
+                                <a:cs typeface="Times New Roman" panose="02020603050405020304" pitchFamily="18" charset="0"/>
+                              </a:rPr>
+                            </m:ctrlPr>
+                          </m:sSubPr>
+                          <m:e>
+                            <m:r>
+                              <a:rPr lang="fr-FR" i="1">
+                                <a:latin typeface="Cambria Math" panose="02040503050406030204" pitchFamily="18" charset="0"/>
+                                <a:cs typeface="Times New Roman" panose="02020603050405020304" pitchFamily="18" charset="0"/>
+                              </a:rPr>
+                              <m:t>𝑢</m:t>
+                            </m:r>
+                          </m:e>
+                          <m:sub>
+                            <m:r>
+                              <a:rPr lang="fr-FR" i="1">
+                                <a:latin typeface="Cambria Math" panose="02040503050406030204" pitchFamily="18" charset="0"/>
+                                <a:cs typeface="Times New Roman" panose="02020603050405020304" pitchFamily="18" charset="0"/>
+                              </a:rPr>
+                              <m:t>𝑚𝑎𝑥</m:t>
+                            </m:r>
+                          </m:sub>
+                        </m:sSub>
+                        <m:d>
+                          <m:dPr>
+                            <m:ctrlPr>
+                              <a:rPr lang="fr-FR" i="1">
+                                <a:latin typeface="Cambria Math" panose="02040503050406030204" pitchFamily="18" charset="0"/>
+                                <a:cs typeface="Times New Roman" panose="02020603050405020304" pitchFamily="18" charset="0"/>
+                              </a:rPr>
+                            </m:ctrlPr>
+                          </m:dPr>
+                          <m:e>
+                            <m:sSub>
+                              <m:sSubPr>
+                                <m:ctrlPr>
+                                  <a:rPr lang="fr-FR" i="1">
+                                    <a:latin typeface="Cambria Math" panose="02040503050406030204" pitchFamily="18" charset="0"/>
+                                    <a:cs typeface="Times New Roman" panose="02020603050405020304" pitchFamily="18" charset="0"/>
+                                  </a:rPr>
+                                </m:ctrlPr>
+                              </m:sSubPr>
+                              <m:e>
+                                <m:r>
+                                  <a:rPr lang="fr-FR" i="1">
+                                    <a:latin typeface="Cambria Math" panose="02040503050406030204" pitchFamily="18" charset="0"/>
+                                    <a:cs typeface="Times New Roman" panose="02020603050405020304" pitchFamily="18" charset="0"/>
+                                  </a:rPr>
+                                  <m:t>𝜈</m:t>
+                                </m:r>
+                              </m:e>
+                              <m:sub>
+                                <m:r>
+                                  <a:rPr lang="fr-FR" b="0" i="1" smtClean="0">
+                                    <a:latin typeface="Cambria Math" panose="02040503050406030204" pitchFamily="18" charset="0"/>
+                                    <a:cs typeface="Times New Roman" panose="02020603050405020304" pitchFamily="18" charset="0"/>
+                                  </a:rPr>
+                                  <m:t>−</m:t>
+                                </m:r>
+                              </m:sub>
+                            </m:sSub>
+                          </m:e>
+                        </m:d>
+                      </m:num>
+                      <m:den>
+                        <m:sSub>
+                          <m:sSubPr>
+                            <m:ctrlPr>
+                              <a:rPr lang="fr-FR" i="1">
+                                <a:latin typeface="Cambria Math" panose="02040503050406030204" pitchFamily="18" charset="0"/>
+                                <a:cs typeface="Times New Roman" panose="02020603050405020304" pitchFamily="18" charset="0"/>
+                              </a:rPr>
+                            </m:ctrlPr>
+                          </m:sSubPr>
+                          <m:e>
+                            <m:r>
+                              <a:rPr lang="fr-FR" i="1">
+                                <a:latin typeface="Cambria Math" panose="02040503050406030204" pitchFamily="18" charset="0"/>
+                                <a:cs typeface="Times New Roman" panose="02020603050405020304" pitchFamily="18" charset="0"/>
+                              </a:rPr>
+                              <m:t>𝜈</m:t>
+                            </m:r>
+                          </m:e>
+                          <m:sub>
+                            <m:r>
+                              <a:rPr lang="fr-FR" i="1">
+                                <a:latin typeface="Cambria Math" panose="02040503050406030204" pitchFamily="18" charset="0"/>
+                                <a:cs typeface="Times New Roman" panose="02020603050405020304" pitchFamily="18" charset="0"/>
+                              </a:rPr>
+                              <m:t>+</m:t>
+                            </m:r>
+                          </m:sub>
+                        </m:sSub>
+                        <m:r>
+                          <a:rPr lang="fr-FR" i="1">
+                            <a:latin typeface="Cambria Math" panose="02040503050406030204" pitchFamily="18" charset="0"/>
+                            <a:cs typeface="Times New Roman" panose="02020603050405020304" pitchFamily="18" charset="0"/>
+                          </a:rPr>
+                          <m:t>−</m:t>
+                        </m:r>
+                        <m:r>
+                          <a:rPr lang="fr-FR" b="0" i="1" smtClean="0">
+                            <a:latin typeface="Cambria Math" panose="02040503050406030204" pitchFamily="18" charset="0"/>
+                            <a:cs typeface="Times New Roman" panose="02020603050405020304" pitchFamily="18" charset="0"/>
+                          </a:rPr>
+                          <m:t> </m:t>
+                        </m:r>
+                        <m:sSub>
+                          <m:sSubPr>
+                            <m:ctrlPr>
+                              <a:rPr lang="fr-FR" i="1">
+                                <a:latin typeface="Cambria Math" panose="02040503050406030204" pitchFamily="18" charset="0"/>
+                                <a:cs typeface="Times New Roman" panose="02020603050405020304" pitchFamily="18" charset="0"/>
+                              </a:rPr>
+                            </m:ctrlPr>
+                          </m:sSubPr>
+                          <m:e>
+                            <m:r>
+                              <a:rPr lang="fr-FR" b="0" i="1" smtClean="0">
+                                <a:latin typeface="Cambria Math" panose="02040503050406030204" pitchFamily="18" charset="0"/>
+                                <a:cs typeface="Times New Roman" panose="02020603050405020304" pitchFamily="18" charset="0"/>
+                              </a:rPr>
+                              <m:t>𝜈</m:t>
+                            </m:r>
+                          </m:e>
+                          <m:sub>
+                            <m:r>
+                              <a:rPr lang="fr-FR" i="1">
+                                <a:latin typeface="Cambria Math" panose="02040503050406030204" pitchFamily="18" charset="0"/>
+                                <a:cs typeface="Times New Roman" panose="02020603050405020304" pitchFamily="18" charset="0"/>
+                              </a:rPr>
+                              <m:t>−</m:t>
+                            </m:r>
+                          </m:sub>
+                        </m:sSub>
+                      </m:den>
+                    </m:f>
+                  </m:oMath>
+                </a14:m>
+                <a:endParaRPr lang="fr-FR" dirty="0">
+                  <a:latin typeface="Times New Roman" panose="02020603050405020304" pitchFamily="18" charset="0"/>
+                  <a:cs typeface="Times New Roman" panose="02020603050405020304" pitchFamily="18" charset="0"/>
+                </a:endParaRPr>
+              </a:p>
+              <a:p>
+                <a:pPr algn="just"/>
+                <a:endParaRPr lang="fr-FR" noProof="0" dirty="0">
+                  <a:latin typeface="Times New Roman" panose="02020603050405020304" pitchFamily="18" charset="0"/>
+                  <a:cs typeface="Times New Roman" panose="02020603050405020304" pitchFamily="18" charset="0"/>
+                </a:endParaRPr>
+              </a:p>
+              <a:p>
+                <a:pPr algn="just"/>
+                <a:r>
+                  <a:rPr lang="fr-FR" dirty="0">
+                    <a:latin typeface="Times New Roman" panose="02020603050405020304" pitchFamily="18" charset="0"/>
+                    <a:cs typeface="Times New Roman" panose="02020603050405020304" pitchFamily="18" charset="0"/>
+                  </a:rPr>
+                  <a:t>Cela nous amène donc à réaliser un total de 4 simulations. Ces quatre simulations étant faites pour les couples : </a:t>
+                </a:r>
+              </a:p>
+              <a:p>
+                <a:pPr algn="just"/>
+                <a14:m>
+                  <m:oMathPara xmlns:m="http://schemas.openxmlformats.org/officeDocument/2006/math">
+                    <m:oMathParaPr>
+                      <m:jc m:val="centerGroup"/>
+                    </m:oMathParaPr>
+                    <m:oMath xmlns:m="http://schemas.openxmlformats.org/officeDocument/2006/math">
+                      <m:sSub>
+                        <m:sSubPr>
+                          <m:ctrlPr>
+                            <a:rPr lang="fr-FR" b="0" i="1" smtClean="0">
+                              <a:latin typeface="Cambria Math" panose="02040503050406030204" pitchFamily="18" charset="0"/>
+                              <a:cs typeface="Times New Roman" panose="02020603050405020304" pitchFamily="18" charset="0"/>
+                            </a:rPr>
+                          </m:ctrlPr>
+                        </m:sSubPr>
+                        <m:e>
+                          <m:r>
+                            <a:rPr lang="fr-FR" b="0" i="1" smtClean="0">
+                              <a:latin typeface="Cambria Math" panose="02040503050406030204" pitchFamily="18" charset="0"/>
+                              <a:cs typeface="Times New Roman" panose="02020603050405020304" pitchFamily="18" charset="0"/>
+                            </a:rPr>
+                            <m:t>𝑢</m:t>
+                          </m:r>
+                        </m:e>
+                        <m:sub>
+                          <m:r>
+                            <a:rPr lang="fr-FR" b="0" i="1" smtClean="0">
+                              <a:latin typeface="Cambria Math" panose="02040503050406030204" pitchFamily="18" charset="0"/>
+                              <a:cs typeface="Times New Roman" panose="02020603050405020304" pitchFamily="18" charset="0"/>
+                            </a:rPr>
+                            <m:t>𝑚𝑎𝑥</m:t>
+                          </m:r>
+                        </m:sub>
+                      </m:sSub>
+                      <m:d>
+                        <m:dPr>
+                          <m:ctrlPr>
+                            <a:rPr lang="fr-FR" b="0" i="1" smtClean="0">
+                              <a:latin typeface="Cambria Math" panose="02040503050406030204" pitchFamily="18" charset="0"/>
+                              <a:cs typeface="Times New Roman" panose="02020603050405020304" pitchFamily="18" charset="0"/>
+                            </a:rPr>
+                          </m:ctrlPr>
+                        </m:dPr>
+                        <m:e>
+                          <m:sSub>
+                            <m:sSubPr>
+                              <m:ctrlPr>
+                                <a:rPr lang="fr-FR" i="1">
+                                  <a:latin typeface="Cambria Math" panose="02040503050406030204" pitchFamily="18" charset="0"/>
+                                </a:rPr>
+                              </m:ctrlPr>
+                            </m:sSubPr>
+                            <m:e>
+                              <m:r>
+                                <a:rPr lang="fr-FR" i="1">
+                                  <a:latin typeface="Cambria Math" panose="02040503050406030204" pitchFamily="18" charset="0"/>
+                                </a:rPr>
+                                <m:t>𝐸</m:t>
+                              </m:r>
+                            </m:e>
+                            <m:sub>
+                              <m:r>
+                                <a:rPr lang="fr-FR" b="0" i="1" smtClean="0">
+                                  <a:latin typeface="Cambria Math" panose="02040503050406030204" pitchFamily="18" charset="0"/>
+                                </a:rPr>
+                                <m:t>+</m:t>
+                              </m:r>
+                            </m:sub>
+                          </m:sSub>
+                          <m:r>
+                            <a:rPr lang="fr-FR" b="0" i="1" smtClean="0">
+                              <a:latin typeface="Cambria Math" panose="02040503050406030204" pitchFamily="18" charset="0"/>
+                            </a:rPr>
+                            <m:t>,</m:t>
+                          </m:r>
+                          <m:sSub>
+                            <m:sSubPr>
+                              <m:ctrlPr>
+                                <a:rPr lang="fr-FR" b="0" i="1" smtClean="0">
+                                  <a:latin typeface="Cambria Math" panose="02040503050406030204" pitchFamily="18" charset="0"/>
+                                </a:rPr>
+                              </m:ctrlPr>
+                            </m:sSubPr>
+                            <m:e>
+                              <m:r>
+                                <a:rPr lang="fr-FR" b="0" i="1" smtClean="0">
+                                  <a:latin typeface="Cambria Math" panose="02040503050406030204" pitchFamily="18" charset="0"/>
+                                </a:rPr>
+                                <m:t>𝜇</m:t>
+                              </m:r>
+                            </m:e>
+                            <m:sub>
+                              <m:r>
+                                <a:rPr lang="fr-FR" b="0" i="1" smtClean="0">
+                                  <a:latin typeface="Cambria Math" panose="02040503050406030204" pitchFamily="18" charset="0"/>
+                                </a:rPr>
+                                <m:t>𝜈</m:t>
+                              </m:r>
+                            </m:sub>
+                          </m:sSub>
+                        </m:e>
+                      </m:d>
+                    </m:oMath>
+                  </m:oMathPara>
+                </a14:m>
+                <a:endParaRPr lang="fr-FR" b="0" dirty="0">
+                  <a:latin typeface="Times New Roman" panose="02020603050405020304" pitchFamily="18" charset="0"/>
+                </a:endParaRPr>
+              </a:p>
+              <a:p>
+                <a:pPr algn="just"/>
+                <a14:m>
+                  <m:oMathPara xmlns:m="http://schemas.openxmlformats.org/officeDocument/2006/math">
+                    <m:oMathParaPr>
+                      <m:jc m:val="centerGroup"/>
+                    </m:oMathParaPr>
+                    <m:oMath xmlns:m="http://schemas.openxmlformats.org/officeDocument/2006/math">
+                      <m:sSub>
+                        <m:sSubPr>
+                          <m:ctrlPr>
+                            <a:rPr lang="fr-FR" b="0" i="1" smtClean="0">
+                              <a:latin typeface="Cambria Math" panose="02040503050406030204" pitchFamily="18" charset="0"/>
+                              <a:cs typeface="Times New Roman" panose="02020603050405020304" pitchFamily="18" charset="0"/>
+                            </a:rPr>
+                          </m:ctrlPr>
+                        </m:sSubPr>
+                        <m:e>
+                          <m:r>
+                            <a:rPr lang="fr-FR" b="0" i="1" smtClean="0">
+                              <a:latin typeface="Cambria Math" panose="02040503050406030204" pitchFamily="18" charset="0"/>
+                              <a:cs typeface="Times New Roman" panose="02020603050405020304" pitchFamily="18" charset="0"/>
+                            </a:rPr>
+                            <m:t>𝑢</m:t>
+                          </m:r>
+                        </m:e>
+                        <m:sub>
+                          <m:r>
+                            <a:rPr lang="fr-FR" b="0" i="1" smtClean="0">
+                              <a:latin typeface="Cambria Math" panose="02040503050406030204" pitchFamily="18" charset="0"/>
+                              <a:cs typeface="Times New Roman" panose="02020603050405020304" pitchFamily="18" charset="0"/>
+                            </a:rPr>
+                            <m:t>𝑚𝑎𝑥</m:t>
+                          </m:r>
+                        </m:sub>
+                      </m:sSub>
+                      <m:r>
+                        <a:rPr lang="fr-FR" b="0" i="1" smtClean="0">
+                          <a:latin typeface="Cambria Math" panose="02040503050406030204" pitchFamily="18" charset="0"/>
+                          <a:cs typeface="Times New Roman" panose="02020603050405020304" pitchFamily="18" charset="0"/>
+                        </a:rPr>
+                        <m:t>(</m:t>
+                      </m:r>
+                      <m:sSub>
+                        <m:sSubPr>
+                          <m:ctrlPr>
+                            <a:rPr lang="fr-FR" i="1">
+                              <a:latin typeface="Cambria Math" panose="02040503050406030204" pitchFamily="18" charset="0"/>
+                            </a:rPr>
+                          </m:ctrlPr>
+                        </m:sSubPr>
+                        <m:e>
+                          <m:r>
+                            <a:rPr lang="fr-FR" i="1">
+                              <a:latin typeface="Cambria Math" panose="02040503050406030204" pitchFamily="18" charset="0"/>
+                            </a:rPr>
+                            <m:t>𝐸</m:t>
+                          </m:r>
+                        </m:e>
+                        <m:sub>
+                          <m:r>
+                            <a:rPr lang="fr-FR" b="0" i="1" smtClean="0">
+                              <a:latin typeface="Cambria Math" panose="02040503050406030204" pitchFamily="18" charset="0"/>
+                            </a:rPr>
+                            <m:t>−</m:t>
+                          </m:r>
+                        </m:sub>
+                      </m:sSub>
+                      <m:r>
+                        <a:rPr lang="fr-FR" b="0" i="1" smtClean="0">
+                          <a:latin typeface="Cambria Math" panose="02040503050406030204" pitchFamily="18" charset="0"/>
+                        </a:rPr>
+                        <m:t>,</m:t>
+                      </m:r>
+                      <m:sSub>
+                        <m:sSubPr>
+                          <m:ctrlPr>
+                            <a:rPr lang="fr-FR" b="0" i="1" smtClean="0">
+                              <a:latin typeface="Cambria Math" panose="02040503050406030204" pitchFamily="18" charset="0"/>
+                            </a:rPr>
+                          </m:ctrlPr>
+                        </m:sSubPr>
+                        <m:e>
+                          <m:r>
+                            <a:rPr lang="fr-FR" b="0" i="1" smtClean="0">
+                              <a:latin typeface="Cambria Math" panose="02040503050406030204" pitchFamily="18" charset="0"/>
+                            </a:rPr>
+                            <m:t>𝜇</m:t>
+                          </m:r>
+                        </m:e>
+                        <m:sub>
+                          <m:r>
+                            <a:rPr lang="fr-FR" b="0" i="1" smtClean="0">
+                              <a:latin typeface="Cambria Math" panose="02040503050406030204" pitchFamily="18" charset="0"/>
+                            </a:rPr>
+                            <m:t>𝜈</m:t>
+                          </m:r>
+                        </m:sub>
+                      </m:sSub>
+                      <m:r>
+                        <a:rPr lang="fr-FR" b="0" i="1" smtClean="0">
+                          <a:latin typeface="Cambria Math" panose="02040503050406030204" pitchFamily="18" charset="0"/>
+                        </a:rPr>
+                        <m:t>)</m:t>
+                      </m:r>
+                    </m:oMath>
+                  </m:oMathPara>
+                </a14:m>
+                <a:endParaRPr lang="fr-FR" dirty="0">
+                  <a:latin typeface="Times New Roman" panose="02020603050405020304" pitchFamily="18" charset="0"/>
+                  <a:cs typeface="Times New Roman" panose="02020603050405020304" pitchFamily="18" charset="0"/>
+                </a:endParaRPr>
+              </a:p>
+              <a:p>
+                <a:pPr algn="just"/>
+                <a14:m>
+                  <m:oMathPara xmlns:m="http://schemas.openxmlformats.org/officeDocument/2006/math">
+                    <m:oMathParaPr>
+                      <m:jc m:val="centerGroup"/>
+                    </m:oMathParaPr>
+                    <m:oMath xmlns:m="http://schemas.openxmlformats.org/officeDocument/2006/math">
+                      <m:sSub>
+                        <m:sSubPr>
+                          <m:ctrlPr>
+                            <a:rPr lang="fr-FR" b="0" i="1" smtClean="0">
+                              <a:latin typeface="Cambria Math" panose="02040503050406030204" pitchFamily="18" charset="0"/>
+                              <a:cs typeface="Times New Roman" panose="02020603050405020304" pitchFamily="18" charset="0"/>
+                            </a:rPr>
+                          </m:ctrlPr>
+                        </m:sSubPr>
+                        <m:e>
+                          <m:r>
+                            <a:rPr lang="fr-FR" b="0" i="1" smtClean="0">
+                              <a:latin typeface="Cambria Math" panose="02040503050406030204" pitchFamily="18" charset="0"/>
+                              <a:cs typeface="Times New Roman" panose="02020603050405020304" pitchFamily="18" charset="0"/>
+                            </a:rPr>
+                            <m:t>𝑢</m:t>
+                          </m:r>
+                        </m:e>
+                        <m:sub>
+                          <m:r>
+                            <a:rPr lang="fr-FR" b="0" i="1" smtClean="0">
+                              <a:latin typeface="Cambria Math" panose="02040503050406030204" pitchFamily="18" charset="0"/>
+                              <a:cs typeface="Times New Roman" panose="02020603050405020304" pitchFamily="18" charset="0"/>
+                            </a:rPr>
+                            <m:t>𝑚𝑎𝑥</m:t>
+                          </m:r>
+                        </m:sub>
+                      </m:sSub>
+                      <m:r>
+                        <a:rPr lang="fr-FR" b="0" i="1" smtClean="0">
+                          <a:latin typeface="Cambria Math" panose="02040503050406030204" pitchFamily="18" charset="0"/>
+                          <a:cs typeface="Times New Roman" panose="02020603050405020304" pitchFamily="18" charset="0"/>
+                        </a:rPr>
+                        <m:t>(</m:t>
+                      </m:r>
+                      <m:sSub>
+                        <m:sSubPr>
+                          <m:ctrlPr>
+                            <a:rPr lang="fr-FR" i="1">
+                              <a:latin typeface="Cambria Math" panose="02040503050406030204" pitchFamily="18" charset="0"/>
+                            </a:rPr>
+                          </m:ctrlPr>
+                        </m:sSubPr>
+                        <m:e>
+                          <m:r>
+                            <a:rPr lang="fr-FR" i="1">
+                              <a:latin typeface="Cambria Math" panose="02040503050406030204" pitchFamily="18" charset="0"/>
+                            </a:rPr>
+                            <m:t>𝜇</m:t>
+                          </m:r>
+                        </m:e>
+                        <m:sub>
+                          <m:r>
+                            <a:rPr lang="fr-FR" b="0" i="1" smtClean="0">
+                              <a:latin typeface="Cambria Math" panose="02040503050406030204" pitchFamily="18" charset="0"/>
+                            </a:rPr>
+                            <m:t>𝐸</m:t>
+                          </m:r>
+                        </m:sub>
+                      </m:sSub>
+                      <m:r>
+                        <a:rPr lang="fr-FR" b="0" i="1" smtClean="0">
+                          <a:latin typeface="Cambria Math" panose="02040503050406030204" pitchFamily="18" charset="0"/>
+                        </a:rPr>
+                        <m:t>,</m:t>
+                      </m:r>
+                      <m:sSub>
+                        <m:sSubPr>
+                          <m:ctrlPr>
+                            <a:rPr lang="fr-FR" i="1">
+                              <a:latin typeface="Cambria Math" panose="02040503050406030204" pitchFamily="18" charset="0"/>
+                            </a:rPr>
+                          </m:ctrlPr>
+                        </m:sSubPr>
+                        <m:e>
+                          <m:r>
+                            <a:rPr lang="fr-FR" b="0" i="1" smtClean="0">
+                              <a:latin typeface="Cambria Math" panose="02040503050406030204" pitchFamily="18" charset="0"/>
+                            </a:rPr>
+                            <m:t>𝜈</m:t>
+                          </m:r>
+                        </m:e>
+                        <m:sub>
+                          <m:r>
+                            <a:rPr lang="fr-FR" i="1">
+                              <a:latin typeface="Cambria Math" panose="02040503050406030204" pitchFamily="18" charset="0"/>
+                            </a:rPr>
+                            <m:t>+</m:t>
+                          </m:r>
+                        </m:sub>
+                      </m:sSub>
+                      <m:r>
+                        <a:rPr lang="fr-FR" b="0" i="1" smtClean="0">
+                          <a:latin typeface="Cambria Math" panose="02040503050406030204" pitchFamily="18" charset="0"/>
+                        </a:rPr>
+                        <m:t>)</m:t>
+                      </m:r>
+                    </m:oMath>
+                  </m:oMathPara>
+                </a14:m>
+                <a:endParaRPr lang="fr-FR" dirty="0">
+                  <a:latin typeface="Times New Roman" panose="02020603050405020304" pitchFamily="18" charset="0"/>
+                  <a:cs typeface="Times New Roman" panose="02020603050405020304" pitchFamily="18" charset="0"/>
+                </a:endParaRPr>
+              </a:p>
+              <a:p>
+                <a:pPr algn="just"/>
+                <a14:m>
+                  <m:oMathPara xmlns:m="http://schemas.openxmlformats.org/officeDocument/2006/math">
+                    <m:oMathParaPr>
+                      <m:jc m:val="centerGroup"/>
+                    </m:oMathParaPr>
+                    <m:oMath xmlns:m="http://schemas.openxmlformats.org/officeDocument/2006/math">
+                      <m:sSub>
+                        <m:sSubPr>
+                          <m:ctrlPr>
+                            <a:rPr lang="fr-FR" b="0" i="1" smtClean="0">
+                              <a:latin typeface="Cambria Math" panose="02040503050406030204" pitchFamily="18" charset="0"/>
+                              <a:cs typeface="Times New Roman" panose="02020603050405020304" pitchFamily="18" charset="0"/>
+                            </a:rPr>
+                          </m:ctrlPr>
+                        </m:sSubPr>
+                        <m:e>
+                          <m:r>
+                            <a:rPr lang="fr-FR" b="0" i="1" smtClean="0">
+                              <a:latin typeface="Cambria Math" panose="02040503050406030204" pitchFamily="18" charset="0"/>
+                              <a:cs typeface="Times New Roman" panose="02020603050405020304" pitchFamily="18" charset="0"/>
+                            </a:rPr>
+                            <m:t>𝑢</m:t>
+                          </m:r>
+                        </m:e>
+                        <m:sub>
+                          <m:r>
+                            <a:rPr lang="fr-FR" b="0" i="1" smtClean="0">
+                              <a:latin typeface="Cambria Math" panose="02040503050406030204" pitchFamily="18" charset="0"/>
+                              <a:cs typeface="Times New Roman" panose="02020603050405020304" pitchFamily="18" charset="0"/>
+                            </a:rPr>
+                            <m:t>𝑚𝑎𝑥</m:t>
+                          </m:r>
+                        </m:sub>
+                      </m:sSub>
+                      <m:r>
+                        <a:rPr lang="fr-FR" b="0" i="1" smtClean="0">
+                          <a:latin typeface="Cambria Math" panose="02040503050406030204" pitchFamily="18" charset="0"/>
+                          <a:cs typeface="Times New Roman" panose="02020603050405020304" pitchFamily="18" charset="0"/>
+                        </a:rPr>
+                        <m:t>(</m:t>
+                      </m:r>
+                      <m:sSub>
+                        <m:sSubPr>
+                          <m:ctrlPr>
+                            <a:rPr lang="fr-FR" i="1">
+                              <a:latin typeface="Cambria Math" panose="02040503050406030204" pitchFamily="18" charset="0"/>
+                            </a:rPr>
+                          </m:ctrlPr>
+                        </m:sSubPr>
+                        <m:e>
+                          <m:r>
+                            <a:rPr lang="fr-FR" i="1">
+                              <a:latin typeface="Cambria Math" panose="02040503050406030204" pitchFamily="18" charset="0"/>
+                            </a:rPr>
+                            <m:t>𝜇</m:t>
+                          </m:r>
+                        </m:e>
+                        <m:sub>
+                          <m:r>
+                            <a:rPr lang="fr-FR" i="1">
+                              <a:latin typeface="Cambria Math" panose="02040503050406030204" pitchFamily="18" charset="0"/>
+                            </a:rPr>
+                            <m:t>𝐸</m:t>
+                          </m:r>
+                        </m:sub>
+                      </m:sSub>
+                      <m:r>
+                        <a:rPr lang="fr-FR" i="1">
+                          <a:latin typeface="Cambria Math" panose="02040503050406030204" pitchFamily="18" charset="0"/>
+                        </a:rPr>
+                        <m:t>,</m:t>
+                      </m:r>
+                      <m:sSub>
+                        <m:sSubPr>
+                          <m:ctrlPr>
+                            <a:rPr lang="fr-FR" i="1">
+                              <a:latin typeface="Cambria Math" panose="02040503050406030204" pitchFamily="18" charset="0"/>
+                            </a:rPr>
+                          </m:ctrlPr>
+                        </m:sSubPr>
+                        <m:e>
+                          <m:r>
+                            <a:rPr lang="fr-FR" i="1">
+                              <a:latin typeface="Cambria Math" panose="02040503050406030204" pitchFamily="18" charset="0"/>
+                            </a:rPr>
+                            <m:t>𝜈</m:t>
+                          </m:r>
+                        </m:e>
+                        <m:sub>
+                          <m:r>
+                            <a:rPr lang="fr-FR" b="0" i="1" smtClean="0">
+                              <a:latin typeface="Cambria Math" panose="02040503050406030204" pitchFamily="18" charset="0"/>
+                            </a:rPr>
+                            <m:t>−</m:t>
+                          </m:r>
+                        </m:sub>
+                      </m:sSub>
+                      <m:r>
+                        <a:rPr lang="fr-FR" b="0" i="1" smtClean="0">
+                          <a:latin typeface="Cambria Math" panose="02040503050406030204" pitchFamily="18" charset="0"/>
+                        </a:rPr>
+                        <m:t>)</m:t>
+                      </m:r>
+                    </m:oMath>
+                  </m:oMathPara>
+                </a14:m>
+                <a:endParaRPr lang="fr-FR" dirty="0">
+                  <a:latin typeface="Times New Roman" panose="02020603050405020304" pitchFamily="18" charset="0"/>
+                  <a:cs typeface="Times New Roman" panose="02020603050405020304" pitchFamily="18" charset="0"/>
+                </a:endParaRPr>
+              </a:p>
+              <a:p>
+                <a:pPr algn="just"/>
+                <a:endParaRPr lang="fr-FR" noProof="0" dirty="0">
+                  <a:latin typeface="Times New Roman" panose="02020603050405020304" pitchFamily="18" charset="0"/>
+                  <a:cs typeface="Times New Roman" panose="02020603050405020304" pitchFamily="18" charset="0"/>
+                </a:endParaRPr>
+              </a:p>
+              <a:p>
+                <a:pPr algn="just"/>
+                <a:r>
+                  <a:rPr lang="fr-FR" dirty="0">
+                    <a:latin typeface="Times New Roman" panose="02020603050405020304" pitchFamily="18" charset="0"/>
+                    <a:cs typeface="Times New Roman" panose="02020603050405020304" pitchFamily="18" charset="0"/>
+                  </a:rPr>
+                  <a:t>Cette méthode nous permet d’obtenir </a:t>
+                </a:r>
+                <a14:m>
+                  <m:oMath xmlns:m="http://schemas.openxmlformats.org/officeDocument/2006/math">
+                    <m:sSub>
+                      <m:sSubPr>
+                        <m:ctrlPr>
+                          <a:rPr lang="fr-FR" b="0" i="1" smtClean="0">
+                            <a:latin typeface="Cambria Math" panose="02040503050406030204" pitchFamily="18" charset="0"/>
+                            <a:cs typeface="Times New Roman" panose="02020603050405020304" pitchFamily="18" charset="0"/>
+                          </a:rPr>
+                        </m:ctrlPr>
+                      </m:sSubPr>
+                      <m:e>
+                        <m:r>
+                          <a:rPr lang="fr-FR" b="0" i="1" smtClean="0">
+                            <a:latin typeface="Cambria Math" panose="02040503050406030204" pitchFamily="18" charset="0"/>
+                            <a:cs typeface="Times New Roman" panose="02020603050405020304" pitchFamily="18" charset="0"/>
+                          </a:rPr>
+                          <m:t>𝑢</m:t>
+                        </m:r>
+                      </m:e>
+                      <m:sub>
+                        <m:r>
+                          <a:rPr lang="fr-FR" b="0" i="1" smtClean="0">
+                            <a:latin typeface="Cambria Math" panose="02040503050406030204" pitchFamily="18" charset="0"/>
+                            <a:cs typeface="Times New Roman" panose="02020603050405020304" pitchFamily="18" charset="0"/>
+                          </a:rPr>
+                          <m:t>𝑖𝑛𝑝𝑢𝑡</m:t>
+                        </m:r>
+                      </m:sub>
+                    </m:sSub>
+                    <m:r>
+                      <a:rPr lang="fr-FR" b="0" i="1" smtClean="0">
+                        <a:latin typeface="Cambria Math" panose="02040503050406030204" pitchFamily="18" charset="0"/>
+                        <a:cs typeface="Times New Roman" panose="02020603050405020304" pitchFamily="18" charset="0"/>
+                      </a:rPr>
+                      <m:t>=</m:t>
+                    </m:r>
+                  </m:oMath>
+                </a14:m>
+                <a:endParaRPr lang="fr-FR" noProof="0" dirty="0">
+                  <a:latin typeface="Times New Roman" panose="02020603050405020304" pitchFamily="18" charset="0"/>
+                  <a:cs typeface="Times New Roman" panose="02020603050405020304" pitchFamily="18" charset="0"/>
+                </a:endParaRPr>
+              </a:p>
+              <a:p>
+                <a:pPr algn="just"/>
+                <a:endParaRPr lang="fr-FR" dirty="0">
+                  <a:latin typeface="Times New Roman" panose="02020603050405020304" pitchFamily="18" charset="0"/>
+                  <a:cs typeface="Times New Roman" panose="02020603050405020304" pitchFamily="18" charset="0"/>
+                </a:endParaRPr>
+              </a:p>
+              <a:p>
+                <a:pPr algn="just"/>
+                <a:endParaRPr lang="fr-FR" noProof="0" dirty="0">
+                  <a:latin typeface="Times New Roman" panose="02020603050405020304" pitchFamily="18" charset="0"/>
+                  <a:cs typeface="Times New Roman" panose="02020603050405020304" pitchFamily="18" charset="0"/>
+                </a:endParaRPr>
+              </a:p>
+              <a:p>
+                <a:pPr algn="just"/>
+                <a:endParaRPr lang="fr-FR" dirty="0">
+                  <a:latin typeface="Times New Roman" panose="02020603050405020304" pitchFamily="18" charset="0"/>
+                  <a:cs typeface="Times New Roman" panose="02020603050405020304" pitchFamily="18" charset="0"/>
+                </a:endParaRPr>
+              </a:p>
+              <a:p>
+                <a:pPr algn="just"/>
+                <a:endParaRPr lang="fr-FR" noProof="0" dirty="0">
+                  <a:latin typeface="Times New Roman" panose="02020603050405020304" pitchFamily="18" charset="0"/>
+                  <a:cs typeface="Times New Roman" panose="02020603050405020304" pitchFamily="18" charset="0"/>
+                </a:endParaRPr>
+              </a:p>
+              <a:p>
+                <a:pPr algn="just"/>
+                <a:endParaRPr lang="fr-FR" dirty="0">
+                  <a:latin typeface="Times New Roman" panose="02020603050405020304" pitchFamily="18" charset="0"/>
+                  <a:cs typeface="Times New Roman" panose="02020603050405020304" pitchFamily="18" charset="0"/>
+                </a:endParaRPr>
+              </a:p>
+              <a:p>
+                <a:pPr algn="just"/>
+                <a:r>
+                  <a:rPr lang="fr-FR" dirty="0">
+                    <a:latin typeface="Times New Roman" panose="02020603050405020304" pitchFamily="18" charset="0"/>
+                    <a:cs typeface="Times New Roman" panose="02020603050405020304" pitchFamily="18" charset="0"/>
+                  </a:rPr>
+                  <a:t>NB : Les </a:t>
+                </a:r>
+                <a14:m>
+                  <m:oMath xmlns:m="http://schemas.openxmlformats.org/officeDocument/2006/math">
+                    <m:sSub>
+                      <m:sSubPr>
+                        <m:ctrlPr>
+                          <a:rPr lang="fr-FR" b="0" i="1" smtClean="0">
+                            <a:latin typeface="Cambria Math" panose="02040503050406030204" pitchFamily="18" charset="0"/>
+                            <a:cs typeface="Times New Roman" panose="02020603050405020304" pitchFamily="18" charset="0"/>
+                          </a:rPr>
+                        </m:ctrlPr>
+                      </m:sSubPr>
+                      <m:e>
+                        <m:r>
+                          <a:rPr lang="fr-FR" b="0" i="1" smtClean="0">
+                            <a:latin typeface="Cambria Math" panose="02040503050406030204" pitchFamily="18" charset="0"/>
+                            <a:cs typeface="Times New Roman" panose="02020603050405020304" pitchFamily="18" charset="0"/>
+                          </a:rPr>
+                          <m:t>𝑥</m:t>
+                        </m:r>
+                      </m:e>
+                      <m:sub>
+                        <m:r>
+                          <a:rPr lang="fr-FR" b="0" i="1" smtClean="0">
+                            <a:latin typeface="Cambria Math" panose="02040503050406030204" pitchFamily="18" charset="0"/>
+                            <a:cs typeface="Times New Roman" panose="02020603050405020304" pitchFamily="18" charset="0"/>
+                          </a:rPr>
+                          <m:t>+</m:t>
+                        </m:r>
+                      </m:sub>
+                    </m:sSub>
+                  </m:oMath>
+                </a14:m>
+                <a:r>
+                  <a:rPr lang="fr-FR" noProof="0" dirty="0">
+                    <a:latin typeface="Times New Roman" panose="02020603050405020304" pitchFamily="18" charset="0"/>
+                    <a:cs typeface="Times New Roman" panose="02020603050405020304" pitchFamily="18" charset="0"/>
+                  </a:rPr>
+                  <a:t> et </a:t>
+                </a:r>
+                <a14:m>
+                  <m:oMath xmlns:m="http://schemas.openxmlformats.org/officeDocument/2006/math">
+                    <m:sSub>
+                      <m:sSubPr>
+                        <m:ctrlPr>
+                          <a:rPr lang="fr-FR" b="0" i="1" noProof="0" smtClean="0">
+                            <a:latin typeface="Cambria Math" panose="02040503050406030204" pitchFamily="18" charset="0"/>
+                            <a:cs typeface="Times New Roman" panose="02020603050405020304" pitchFamily="18" charset="0"/>
+                          </a:rPr>
+                        </m:ctrlPr>
+                      </m:sSubPr>
+                      <m:e>
+                        <m:r>
+                          <a:rPr lang="fr-FR" b="0" i="1" noProof="0" smtClean="0">
+                            <a:latin typeface="Cambria Math" panose="02040503050406030204" pitchFamily="18" charset="0"/>
+                            <a:cs typeface="Times New Roman" panose="02020603050405020304" pitchFamily="18" charset="0"/>
+                          </a:rPr>
+                          <m:t>𝑥</m:t>
+                        </m:r>
+                      </m:e>
+                      <m:sub>
+                        <m:r>
+                          <a:rPr lang="fr-FR" b="0" i="1" noProof="0" smtClean="0">
+                            <a:latin typeface="Cambria Math" panose="02040503050406030204" pitchFamily="18" charset="0"/>
+                            <a:cs typeface="Times New Roman" panose="02020603050405020304" pitchFamily="18" charset="0"/>
+                          </a:rPr>
+                          <m:t>−</m:t>
+                        </m:r>
+                      </m:sub>
+                    </m:sSub>
+                  </m:oMath>
+                </a14:m>
+                <a:r>
+                  <a:rPr lang="fr-FR" noProof="0" dirty="0">
+                    <a:latin typeface="Times New Roman" panose="02020603050405020304" pitchFamily="18" charset="0"/>
+                    <a:cs typeface="Times New Roman" panose="02020603050405020304" pitchFamily="18" charset="0"/>
+                  </a:rPr>
+                  <a:t> ont été pris à </a:t>
+                </a:r>
+                <a14:m>
+                  <m:oMath xmlns:m="http://schemas.openxmlformats.org/officeDocument/2006/math">
+                    <m:r>
+                      <a:rPr lang="fr-FR" b="0" i="1" noProof="0" smtClean="0">
+                        <a:latin typeface="Cambria Math" panose="02040503050406030204" pitchFamily="18" charset="0"/>
+                        <a:cs typeface="Times New Roman" panose="02020603050405020304" pitchFamily="18" charset="0"/>
+                      </a:rPr>
+                      <m:t>±2%</m:t>
+                    </m:r>
+                  </m:oMath>
+                </a14:m>
+                <a:r>
+                  <a:rPr lang="fr-FR" b="0" noProof="0" dirty="0">
+                    <a:latin typeface="Times New Roman" panose="02020603050405020304" pitchFamily="18" charset="0"/>
+                    <a:cs typeface="Times New Roman" panose="02020603050405020304" pitchFamily="18" charset="0"/>
+                  </a:rPr>
+                  <a:t> de la valeur moyenne. </a:t>
+                </a:r>
+              </a:p>
+            </p:txBody>
+          </p:sp>
+        </mc:Choice>
+        <mc:Fallback xmlns="">
+          <p:sp>
+            <p:nvSpPr>
+              <p:cNvPr id="3" name="TextBox 2">
+                <a:extLst>
+                  <a:ext uri="{FF2B5EF4-FFF2-40B4-BE49-F238E27FC236}">
+                    <a16:creationId xmlns:a16="http://schemas.microsoft.com/office/drawing/2014/main" id="{A79F57BC-6F26-9353-4409-4041965470AE}"/>
+                  </a:ext>
+                </a:extLst>
+              </p:cNvPr>
+              <p:cNvSpPr txBox="1">
+                <a:spLocks noRot="1" noChangeAspect="1" noMove="1" noResize="1" noEditPoints="1" noAdjustHandles="1" noChangeArrowheads="1" noChangeShapeType="1" noTextEdit="1"/>
+              </p:cNvSpPr>
+              <p:nvPr/>
+            </p:nvSpPr>
+            <p:spPr>
+              <a:xfrm>
+                <a:off x="0" y="627468"/>
+                <a:ext cx="12192000" cy="6071983"/>
+              </a:xfrm>
+              <a:prstGeom prst="rect">
+                <a:avLst/>
+              </a:prstGeom>
+              <a:blipFill>
+                <a:blip r:embed="rId2"/>
+                <a:stretch>
+                  <a:fillRect l="-400" t="-602" r="-400" b="-703"/>
+                </a:stretch>
+              </a:blipFill>
+            </p:spPr>
+            <p:txBody>
+              <a:bodyPr/>
+              <a:lstStyle/>
+              <a:p>
+                <a:r>
+                  <a:rPr lang="fr-FR">
+                    <a:noFill/>
+                  </a:rPr>
+                  <a:t> </a:t>
+                </a:r>
+              </a:p>
+            </p:txBody>
+          </p:sp>
+        </mc:Fallback>
+      </mc:AlternateContent>
+    </p:spTree>
+    <p:extLst>
+      <p:ext uri="{BB962C8B-B14F-4D97-AF65-F5344CB8AC3E}">
+        <p14:creationId xmlns:p14="http://schemas.microsoft.com/office/powerpoint/2010/main" val="1952223921"/>
+      </p:ext>
+    </p:extLst>
+  </p:cSld>
+  <p:clrMapOvr>
+    <a:masterClrMapping/>
+  </p:clrMapOvr>
+</p:sld>
+</file>
+
+<file path=ppt/slides/slide18.xml><?xml version="1.0" encoding="utf-8"?>
+<p:sld xmlns:a="http://schemas.openxmlformats.org/drawingml/2006/main" xmlns:r="http://schemas.openxmlformats.org/officeDocument/2006/relationships" xmlns:p="http://schemas.openxmlformats.org/presentationml/2006/main">
+  <p:cSld>
+    <p:spTree>
+      <p:nvGrpSpPr>
+        <p:cNvPr id="1" name="">
+          <a:extLst>
+            <a:ext uri="{FF2B5EF4-FFF2-40B4-BE49-F238E27FC236}">
+              <a16:creationId xmlns:a16="http://schemas.microsoft.com/office/drawing/2014/main" id="{70E5B81D-C3E4-5862-F9CE-C6D375102F25}"/>
+            </a:ext>
+          </a:extLst>
+        </p:cNvPr>
+        <p:cNvGrpSpPr/>
+        <p:nvPr/>
+      </p:nvGrpSpPr>
+      <p:grpSpPr>
+        <a:xfrm>
+          <a:off x="0" y="0"/>
+          <a:ext cx="0" cy="0"/>
+          <a:chOff x="0" y="0"/>
+          <a:chExt cx="0" cy="0"/>
+        </a:xfrm>
+      </p:grpSpPr>
+      <p:sp>
+        <p:nvSpPr>
+          <p:cNvPr id="36" name="Rectangle 35">
+            <a:extLst>
+              <a:ext uri="{FF2B5EF4-FFF2-40B4-BE49-F238E27FC236}">
+                <a16:creationId xmlns:a16="http://schemas.microsoft.com/office/drawing/2014/main" id="{BA234654-3725-8986-A81F-38EB337E9163}"/>
+              </a:ext>
+            </a:extLst>
+          </p:cNvPr>
+          <p:cNvSpPr/>
+          <p:nvPr/>
+        </p:nvSpPr>
+        <p:spPr>
+          <a:xfrm>
+            <a:off x="1" y="-990"/>
+            <a:ext cx="6096000" cy="501017"/>
+          </a:xfrm>
+          <a:prstGeom prst="rect">
+            <a:avLst/>
+          </a:prstGeom>
+          <a:solidFill>
+            <a:srgbClr val="980000"/>
+          </a:solidFill>
+          <a:ln>
+            <a:noFill/>
+          </a:ln>
+        </p:spPr>
+        <p:style>
+          <a:lnRef idx="2">
+            <a:schemeClr val="accent1">
+              <a:shade val="15000"/>
+            </a:schemeClr>
+          </a:lnRef>
+          <a:fillRef idx="1">
+            <a:schemeClr val="accent1"/>
+          </a:fillRef>
+          <a:effectRef idx="0">
+            <a:schemeClr val="accent1"/>
+          </a:effectRef>
+          <a:fontRef idx="minor">
+            <a:schemeClr val="lt1"/>
+          </a:fontRef>
+        </p:style>
+        <p:txBody>
+          <a:bodyPr rtlCol="0" anchor="ctr"/>
+          <a:lstStyle/>
+          <a:p>
+            <a:pPr algn="ctr"/>
+            <a:endParaRPr lang="fr-FR" noProof="0" dirty="0"/>
+          </a:p>
+        </p:txBody>
+      </p:sp>
+      <p:sp>
+        <p:nvSpPr>
+          <p:cNvPr id="9" name="TextBox 8">
+            <a:extLst>
+              <a:ext uri="{FF2B5EF4-FFF2-40B4-BE49-F238E27FC236}">
+                <a16:creationId xmlns:a16="http://schemas.microsoft.com/office/drawing/2014/main" id="{18D35A31-59DA-453E-4757-93D9D80370D1}"/>
+              </a:ext>
+            </a:extLst>
+          </p:cNvPr>
+          <p:cNvSpPr txBox="1"/>
+          <p:nvPr/>
+        </p:nvSpPr>
+        <p:spPr>
+          <a:xfrm>
+            <a:off x="0" y="-990"/>
+            <a:ext cx="5568381" cy="461665"/>
+          </a:xfrm>
+          <a:prstGeom prst="rect">
+            <a:avLst/>
+          </a:prstGeom>
+          <a:noFill/>
+        </p:spPr>
+        <p:txBody>
+          <a:bodyPr wrap="square" rtlCol="0">
+            <a:spAutoFit/>
+          </a:bodyPr>
+          <a:lstStyle/>
+          <a:p>
+            <a:pPr algn="just"/>
+            <a:r>
+              <a:rPr lang="fr-FR" sz="2400" b="1" noProof="0" dirty="0">
+                <a:solidFill>
+                  <a:schemeClr val="bg1"/>
+                </a:solidFill>
+                <a:latin typeface="Times New Roman" panose="02020603050405020304" pitchFamily="18" charset="0"/>
+                <a:cs typeface="Times New Roman" panose="02020603050405020304" pitchFamily="18" charset="0"/>
+              </a:rPr>
+              <a:t>PROPAGATION DES INCERTITUDES</a:t>
+            </a:r>
+          </a:p>
+        </p:txBody>
+      </p:sp>
+      <p:sp>
+        <p:nvSpPr>
+          <p:cNvPr id="39" name="Rectangle 38">
+            <a:extLst>
+              <a:ext uri="{FF2B5EF4-FFF2-40B4-BE49-F238E27FC236}">
+                <a16:creationId xmlns:a16="http://schemas.microsoft.com/office/drawing/2014/main" id="{2E0966CD-DB1B-4D7D-6448-C1E03BC83A73}"/>
+              </a:ext>
+            </a:extLst>
+          </p:cNvPr>
+          <p:cNvSpPr/>
+          <p:nvPr/>
+        </p:nvSpPr>
+        <p:spPr>
+          <a:xfrm>
+            <a:off x="6096000" y="0"/>
+            <a:ext cx="6096000" cy="501017"/>
+          </a:xfrm>
+          <a:prstGeom prst="rect">
+            <a:avLst/>
+          </a:prstGeom>
+          <a:solidFill>
+            <a:srgbClr val="D9D9D9"/>
+          </a:solidFill>
+          <a:ln>
+            <a:noFill/>
+          </a:ln>
+        </p:spPr>
+        <p:style>
+          <a:lnRef idx="2">
+            <a:schemeClr val="accent1">
+              <a:shade val="15000"/>
+            </a:schemeClr>
+          </a:lnRef>
+          <a:fillRef idx="1">
+            <a:schemeClr val="accent1"/>
+          </a:fillRef>
+          <a:effectRef idx="0">
+            <a:schemeClr val="accent1"/>
+          </a:effectRef>
+          <a:fontRef idx="minor">
+            <a:schemeClr val="lt1"/>
+          </a:fontRef>
+        </p:style>
+        <p:txBody>
+          <a:bodyPr rtlCol="0" anchor="ctr"/>
+          <a:lstStyle/>
+          <a:p>
+            <a:pPr algn="ctr"/>
+            <a:endParaRPr lang="fr-FR" noProof="0" dirty="0"/>
+          </a:p>
+        </p:txBody>
+      </p:sp>
+      <p:sp>
+        <p:nvSpPr>
+          <p:cNvPr id="2" name="TextBox 1">
+            <a:extLst>
+              <a:ext uri="{FF2B5EF4-FFF2-40B4-BE49-F238E27FC236}">
+                <a16:creationId xmlns:a16="http://schemas.microsoft.com/office/drawing/2014/main" id="{5A7E1F65-5D6D-A65C-DFFD-2F745E6F36A0}"/>
+              </a:ext>
+            </a:extLst>
+          </p:cNvPr>
+          <p:cNvSpPr txBox="1"/>
+          <p:nvPr/>
+        </p:nvSpPr>
+        <p:spPr>
+          <a:xfrm>
+            <a:off x="11091333" y="6550222"/>
+            <a:ext cx="1100667" cy="307777"/>
+          </a:xfrm>
+          <a:prstGeom prst="rect">
+            <a:avLst/>
+          </a:prstGeom>
+          <a:noFill/>
+        </p:spPr>
+        <p:txBody>
+          <a:bodyPr wrap="square" rtlCol="0">
+            <a:spAutoFit/>
+          </a:bodyPr>
+          <a:lstStyle/>
+          <a:p>
+            <a:pPr algn="r"/>
+            <a:r>
+              <a:rPr lang="fr-FR" sz="1400" noProof="0" dirty="0">
+                <a:latin typeface="Times New Roman" panose="02020603050405020304" pitchFamily="18" charset="0"/>
+                <a:cs typeface="Times New Roman" panose="02020603050405020304" pitchFamily="18" charset="0"/>
+              </a:rPr>
+              <a:t>X/Y</a:t>
+            </a:r>
+          </a:p>
+        </p:txBody>
+      </p:sp>
+      <mc:AlternateContent xmlns:mc="http://schemas.openxmlformats.org/markup-compatibility/2006" xmlns:a14="http://schemas.microsoft.com/office/drawing/2010/main">
+        <mc:Choice Requires="a14">
+          <p:sp>
+            <p:nvSpPr>
+              <p:cNvPr id="3" name="TextBox 2">
+                <a:extLst>
+                  <a:ext uri="{FF2B5EF4-FFF2-40B4-BE49-F238E27FC236}">
+                    <a16:creationId xmlns:a16="http://schemas.microsoft.com/office/drawing/2014/main" id="{A79F57BC-6F26-9353-4409-4041965470AE}"/>
+                  </a:ext>
+                </a:extLst>
+              </p:cNvPr>
+              <p:cNvSpPr txBox="1"/>
+              <p:nvPr/>
+            </p:nvSpPr>
+            <p:spPr>
+              <a:xfrm>
+                <a:off x="0" y="627468"/>
                 <a:ext cx="12192000" cy="1594411"/>
               </a:xfrm>
               <a:prstGeom prst="rect">
@@ -15758,7 +18190,7 @@
 </p:sld>
 </file>
 
-<file path=ppt/slides/slide18.xml><?xml version="1.0" encoding="utf-8"?>
+<file path=ppt/slides/slide19.xml><?xml version="1.0" encoding="utf-8"?>
 <p:sld xmlns:a="http://schemas.openxmlformats.org/drawingml/2006/main" xmlns:r="http://schemas.openxmlformats.org/officeDocument/2006/relationships" xmlns:p="http://schemas.openxmlformats.org/presentationml/2006/main">
   <p:cSld>
     <p:spTree>
@@ -16009,435 +18441,6 @@
     <p:extLst>
       <p:ext uri="{BB962C8B-B14F-4D97-AF65-F5344CB8AC3E}">
         <p14:creationId xmlns:p14="http://schemas.microsoft.com/office/powerpoint/2010/main" val="3396844726"/>
-      </p:ext>
-    </p:extLst>
-  </p:cSld>
-  <p:clrMapOvr>
-    <a:masterClrMapping/>
-  </p:clrMapOvr>
-</p:sld>
-</file>
-
-<file path=ppt/slides/slide19.xml><?xml version="1.0" encoding="utf-8"?>
-<p:sld xmlns:a="http://schemas.openxmlformats.org/drawingml/2006/main" xmlns:r="http://schemas.openxmlformats.org/officeDocument/2006/relationships" xmlns:p="http://schemas.openxmlformats.org/presentationml/2006/main">
-  <p:cSld>
-    <p:spTree>
-      <p:nvGrpSpPr>
-        <p:cNvPr id="1" name="">
-          <a:extLst>
-            <a:ext uri="{FF2B5EF4-FFF2-40B4-BE49-F238E27FC236}">
-              <a16:creationId xmlns:a16="http://schemas.microsoft.com/office/drawing/2014/main" id="{4F1CD39F-1AA1-CA3E-121A-DAC967D4790E}"/>
-            </a:ext>
-          </a:extLst>
-        </p:cNvPr>
-        <p:cNvGrpSpPr/>
-        <p:nvPr/>
-      </p:nvGrpSpPr>
-      <p:grpSpPr>
-        <a:xfrm>
-          <a:off x="0" y="0"/>
-          <a:ext cx="0" cy="0"/>
-          <a:chOff x="0" y="0"/>
-          <a:chExt cx="0" cy="0"/>
-        </a:xfrm>
-      </p:grpSpPr>
-      <p:sp>
-        <p:nvSpPr>
-          <p:cNvPr id="36" name="Rectangle 35">
-            <a:extLst>
-              <a:ext uri="{FF2B5EF4-FFF2-40B4-BE49-F238E27FC236}">
-                <a16:creationId xmlns:a16="http://schemas.microsoft.com/office/drawing/2014/main" id="{7AE948C0-E759-6464-6FE4-89E821AF7840}"/>
-              </a:ext>
-            </a:extLst>
-          </p:cNvPr>
-          <p:cNvSpPr/>
-          <p:nvPr/>
-        </p:nvSpPr>
-        <p:spPr>
-          <a:xfrm>
-            <a:off x="1" y="-990"/>
-            <a:ext cx="6096000" cy="501017"/>
-          </a:xfrm>
-          <a:prstGeom prst="rect">
-            <a:avLst/>
-          </a:prstGeom>
-          <a:solidFill>
-            <a:srgbClr val="980000"/>
-          </a:solidFill>
-          <a:ln>
-            <a:noFill/>
-          </a:ln>
-        </p:spPr>
-        <p:style>
-          <a:lnRef idx="2">
-            <a:schemeClr val="accent1">
-              <a:shade val="15000"/>
-            </a:schemeClr>
-          </a:lnRef>
-          <a:fillRef idx="1">
-            <a:schemeClr val="accent1"/>
-          </a:fillRef>
-          <a:effectRef idx="0">
-            <a:schemeClr val="accent1"/>
-          </a:effectRef>
-          <a:fontRef idx="minor">
-            <a:schemeClr val="lt1"/>
-          </a:fontRef>
-        </p:style>
-        <p:txBody>
-          <a:bodyPr rtlCol="0" anchor="ctr"/>
-          <a:lstStyle/>
-          <a:p>
-            <a:pPr algn="ctr"/>
-            <a:endParaRPr lang="fr-FR" noProof="0" dirty="0"/>
-          </a:p>
-        </p:txBody>
-      </p:sp>
-      <p:sp>
-        <p:nvSpPr>
-          <p:cNvPr id="9" name="TextBox 8">
-            <a:extLst>
-              <a:ext uri="{FF2B5EF4-FFF2-40B4-BE49-F238E27FC236}">
-                <a16:creationId xmlns:a16="http://schemas.microsoft.com/office/drawing/2014/main" id="{A1BFB0DE-CCDE-5E15-B93D-0C46D50CF46E}"/>
-              </a:ext>
-            </a:extLst>
-          </p:cNvPr>
-          <p:cNvSpPr txBox="1"/>
-          <p:nvPr/>
-        </p:nvSpPr>
-        <p:spPr>
-          <a:xfrm>
-            <a:off x="0" y="-990"/>
-            <a:ext cx="5568381" cy="461665"/>
-          </a:xfrm>
-          <a:prstGeom prst="rect">
-            <a:avLst/>
-          </a:prstGeom>
-          <a:noFill/>
-        </p:spPr>
-        <p:txBody>
-          <a:bodyPr wrap="square" rtlCol="0">
-            <a:spAutoFit/>
-          </a:bodyPr>
-          <a:lstStyle/>
-          <a:p>
-            <a:pPr algn="just"/>
-            <a:r>
-              <a:rPr lang="fr-FR" sz="2400" b="1" noProof="0" dirty="0">
-                <a:solidFill>
-                  <a:schemeClr val="bg1"/>
-                </a:solidFill>
-                <a:latin typeface="Times New Roman" panose="02020603050405020304" pitchFamily="18" charset="0"/>
-                <a:cs typeface="Times New Roman" panose="02020603050405020304" pitchFamily="18" charset="0"/>
-              </a:rPr>
-              <a:t>REFERENCES</a:t>
-            </a:r>
-          </a:p>
-        </p:txBody>
-      </p:sp>
-      <p:sp>
-        <p:nvSpPr>
-          <p:cNvPr id="39" name="Rectangle 38">
-            <a:extLst>
-              <a:ext uri="{FF2B5EF4-FFF2-40B4-BE49-F238E27FC236}">
-                <a16:creationId xmlns:a16="http://schemas.microsoft.com/office/drawing/2014/main" id="{AE6F7881-5CAD-BF53-F5ED-913A8168C526}"/>
-              </a:ext>
-            </a:extLst>
-          </p:cNvPr>
-          <p:cNvSpPr/>
-          <p:nvPr/>
-        </p:nvSpPr>
-        <p:spPr>
-          <a:xfrm>
-            <a:off x="6096000" y="0"/>
-            <a:ext cx="6096000" cy="501017"/>
-          </a:xfrm>
-          <a:prstGeom prst="rect">
-            <a:avLst/>
-          </a:prstGeom>
-          <a:solidFill>
-            <a:srgbClr val="D9D9D9"/>
-          </a:solidFill>
-          <a:ln>
-            <a:noFill/>
-          </a:ln>
-        </p:spPr>
-        <p:style>
-          <a:lnRef idx="2">
-            <a:schemeClr val="accent1">
-              <a:shade val="15000"/>
-            </a:schemeClr>
-          </a:lnRef>
-          <a:fillRef idx="1">
-            <a:schemeClr val="accent1"/>
-          </a:fillRef>
-          <a:effectRef idx="0">
-            <a:schemeClr val="accent1"/>
-          </a:effectRef>
-          <a:fontRef idx="minor">
-            <a:schemeClr val="lt1"/>
-          </a:fontRef>
-        </p:style>
-        <p:txBody>
-          <a:bodyPr rtlCol="0" anchor="ctr"/>
-          <a:lstStyle/>
-          <a:p>
-            <a:pPr algn="ctr"/>
-            <a:endParaRPr lang="fr-FR" noProof="0" dirty="0"/>
-          </a:p>
-        </p:txBody>
-      </p:sp>
-      <p:sp>
-        <p:nvSpPr>
-          <p:cNvPr id="2" name="TextBox 1">
-            <a:extLst>
-              <a:ext uri="{FF2B5EF4-FFF2-40B4-BE49-F238E27FC236}">
-                <a16:creationId xmlns:a16="http://schemas.microsoft.com/office/drawing/2014/main" id="{0919D1C6-D732-AE82-8C89-94E702263F7C}"/>
-              </a:ext>
-            </a:extLst>
-          </p:cNvPr>
-          <p:cNvSpPr txBox="1"/>
-          <p:nvPr/>
-        </p:nvSpPr>
-        <p:spPr>
-          <a:xfrm>
-            <a:off x="11091333" y="6550222"/>
-            <a:ext cx="1100667" cy="307777"/>
-          </a:xfrm>
-          <a:prstGeom prst="rect">
-            <a:avLst/>
-          </a:prstGeom>
-          <a:noFill/>
-        </p:spPr>
-        <p:txBody>
-          <a:bodyPr wrap="square" rtlCol="0">
-            <a:spAutoFit/>
-          </a:bodyPr>
-          <a:lstStyle/>
-          <a:p>
-            <a:pPr algn="r"/>
-            <a:r>
-              <a:rPr lang="fr-FR" sz="1400" noProof="0" dirty="0">
-                <a:latin typeface="Times New Roman" panose="02020603050405020304" pitchFamily="18" charset="0"/>
-                <a:cs typeface="Times New Roman" panose="02020603050405020304" pitchFamily="18" charset="0"/>
-              </a:rPr>
-              <a:t>X/Y</a:t>
-            </a:r>
-          </a:p>
-        </p:txBody>
-      </p:sp>
-      <p:sp>
-        <p:nvSpPr>
-          <p:cNvPr id="5" name="TextBox 4">
-            <a:extLst>
-              <a:ext uri="{FF2B5EF4-FFF2-40B4-BE49-F238E27FC236}">
-                <a16:creationId xmlns:a16="http://schemas.microsoft.com/office/drawing/2014/main" id="{FAC551E2-7AD3-5FEF-E2DE-209EDBFB2695}"/>
-              </a:ext>
-            </a:extLst>
-          </p:cNvPr>
-          <p:cNvSpPr txBox="1"/>
-          <p:nvPr/>
-        </p:nvSpPr>
-        <p:spPr>
-          <a:xfrm>
-            <a:off x="0" y="627468"/>
-            <a:ext cx="12192000" cy="2062103"/>
-          </a:xfrm>
-          <a:prstGeom prst="rect">
-            <a:avLst/>
-          </a:prstGeom>
-          <a:noFill/>
-        </p:spPr>
-        <p:txBody>
-          <a:bodyPr wrap="square" rtlCol="0">
-            <a:spAutoFit/>
-          </a:bodyPr>
-          <a:lstStyle/>
-          <a:p>
-            <a:r>
-              <a:rPr lang="en-GB" sz="1600" dirty="0">
-                <a:latin typeface="Times New Roman" panose="02020603050405020304" pitchFamily="18" charset="0"/>
-                <a:cs typeface="Times New Roman" panose="02020603050405020304" pitchFamily="18" charset="0"/>
-              </a:rPr>
-              <a:t>Ansys. (2020, </a:t>
-            </a:r>
-            <a:r>
-              <a:rPr lang="en-GB" sz="1600" dirty="0" err="1">
-                <a:latin typeface="Times New Roman" panose="02020603050405020304" pitchFamily="18" charset="0"/>
-                <a:cs typeface="Times New Roman" panose="02020603050405020304" pitchFamily="18" charset="0"/>
-              </a:rPr>
-              <a:t>octobre</a:t>
-            </a:r>
-            <a:r>
-              <a:rPr lang="en-GB" sz="1600" dirty="0">
-                <a:latin typeface="Times New Roman" panose="02020603050405020304" pitchFamily="18" charset="0"/>
-                <a:cs typeface="Times New Roman" panose="02020603050405020304" pitchFamily="18" charset="0"/>
-              </a:rPr>
-              <a:t>). </a:t>
-            </a:r>
-            <a:r>
-              <a:rPr lang="en-GB" sz="1600" i="1" dirty="0">
-                <a:latin typeface="Times New Roman" panose="02020603050405020304" pitchFamily="18" charset="0"/>
-                <a:cs typeface="Times New Roman" panose="02020603050405020304" pitchFamily="18" charset="0"/>
-              </a:rPr>
-              <a:t>Lesson 3: Large deformations governing equations</a:t>
-            </a:r>
-            <a:r>
-              <a:rPr lang="en-GB" sz="1600" dirty="0">
-                <a:latin typeface="Times New Roman" panose="02020603050405020304" pitchFamily="18" charset="0"/>
-                <a:cs typeface="Times New Roman" panose="02020603050405020304" pitchFamily="18" charset="0"/>
-              </a:rPr>
-              <a:t> [PDF]. Ansys Innovation Space. </a:t>
-            </a:r>
-            <a:r>
-              <a:rPr lang="en-GB" sz="1600" dirty="0">
-                <a:latin typeface="Times New Roman" panose="02020603050405020304" pitchFamily="18" charset="0"/>
-                <a:cs typeface="Times New Roman" panose="02020603050405020304" pitchFamily="18" charset="0"/>
-                <a:hlinkClick r:id="rId2"/>
-              </a:rPr>
-              <a:t>https://innovationspace.ansys.com/courses/wp-content/uploads/2020/10/Lesson3_LargeDeformationsGoverningEquations.pdf</a:t>
-            </a:r>
-            <a:endParaRPr lang="en-GB" sz="1600" dirty="0">
-              <a:latin typeface="Times New Roman" panose="02020603050405020304" pitchFamily="18" charset="0"/>
-              <a:cs typeface="Times New Roman" panose="02020603050405020304" pitchFamily="18" charset="0"/>
-            </a:endParaRPr>
-          </a:p>
-          <a:p>
-            <a:endParaRPr lang="en-GB" sz="1600" dirty="0">
-              <a:latin typeface="Times New Roman" panose="02020603050405020304" pitchFamily="18" charset="0"/>
-              <a:cs typeface="Times New Roman" panose="02020603050405020304" pitchFamily="18" charset="0"/>
-            </a:endParaRPr>
-          </a:p>
-          <a:p>
-            <a:r>
-              <a:rPr lang="fr-FR" sz="1600" dirty="0" err="1">
-                <a:latin typeface="Times New Roman" panose="02020603050405020304" pitchFamily="18" charset="0"/>
-                <a:cs typeface="Times New Roman" panose="02020603050405020304" pitchFamily="18" charset="0"/>
-              </a:rPr>
-              <a:t>Labed</a:t>
-            </a:r>
-            <a:r>
-              <a:rPr lang="fr-FR" sz="1600" dirty="0">
-                <a:latin typeface="Times New Roman" panose="02020603050405020304" pitchFamily="18" charset="0"/>
-                <a:cs typeface="Times New Roman" panose="02020603050405020304" pitchFamily="18" charset="0"/>
-              </a:rPr>
-              <a:t>, N. &amp; </a:t>
-            </a:r>
-            <a:r>
-              <a:rPr lang="fr-FR" sz="1600" dirty="0" err="1">
-                <a:latin typeface="Times New Roman" panose="02020603050405020304" pitchFamily="18" charset="0"/>
-                <a:cs typeface="Times New Roman" panose="02020603050405020304" pitchFamily="18" charset="0"/>
-              </a:rPr>
-              <a:t>Peyraut</a:t>
-            </a:r>
-            <a:r>
-              <a:rPr lang="fr-FR" sz="1600" dirty="0">
-                <a:latin typeface="Times New Roman" panose="02020603050405020304" pitchFamily="18" charset="0"/>
-                <a:cs typeface="Times New Roman" panose="02020603050405020304" pitchFamily="18" charset="0"/>
-              </a:rPr>
-              <a:t>, F. (n.d.). </a:t>
-            </a:r>
-            <a:r>
-              <a:rPr lang="fr-FR" sz="1600" i="1" dirty="0">
-                <a:latin typeface="Times New Roman" panose="02020603050405020304" pitchFamily="18" charset="0"/>
-                <a:cs typeface="Times New Roman" panose="02020603050405020304" pitchFamily="18" charset="0"/>
-              </a:rPr>
-              <a:t>TE41 Mécanique des milieux continus</a:t>
-            </a:r>
-            <a:r>
-              <a:rPr lang="fr-FR" sz="1600" dirty="0">
-                <a:latin typeface="Times New Roman" panose="02020603050405020304" pitchFamily="18" charset="0"/>
-                <a:cs typeface="Times New Roman" panose="02020603050405020304" pitchFamily="18" charset="0"/>
-              </a:rPr>
-              <a:t> [Cours]. Université de Technologie de Belfort-Montbéliard (UTBM).</a:t>
-            </a:r>
-            <a:endParaRPr lang="en-GB" sz="1600" dirty="0">
-              <a:latin typeface="Times New Roman" panose="02020603050405020304" pitchFamily="18" charset="0"/>
-              <a:cs typeface="Times New Roman" panose="02020603050405020304" pitchFamily="18" charset="0"/>
-            </a:endParaRPr>
-          </a:p>
-          <a:p>
-            <a:endParaRPr lang="en-GB" sz="1600" dirty="0">
-              <a:latin typeface="Times New Roman" panose="02020603050405020304" pitchFamily="18" charset="0"/>
-              <a:cs typeface="Times New Roman" panose="02020603050405020304" pitchFamily="18" charset="0"/>
-            </a:endParaRPr>
-          </a:p>
-          <a:p>
-            <a:r>
-              <a:rPr lang="fr-FR" sz="1600" dirty="0">
-                <a:latin typeface="Times New Roman" panose="02020603050405020304" pitchFamily="18" charset="0"/>
-                <a:cs typeface="Times New Roman" panose="02020603050405020304" pitchFamily="18" charset="0"/>
-              </a:rPr>
-              <a:t>Chamoret, D. (n.d.). </a:t>
-            </a:r>
-            <a:r>
-              <a:rPr lang="fr-FR" sz="1600" i="1" dirty="0">
-                <a:latin typeface="Times New Roman" panose="02020603050405020304" pitchFamily="18" charset="0"/>
-                <a:cs typeface="Times New Roman" panose="02020603050405020304" pitchFamily="18" charset="0"/>
-              </a:rPr>
-              <a:t>MN44 Introduction to multi-</a:t>
-            </a:r>
-            <a:r>
-              <a:rPr lang="fr-FR" sz="1600" i="1" dirty="0" err="1">
-                <a:latin typeface="Times New Roman" panose="02020603050405020304" pitchFamily="18" charset="0"/>
-                <a:cs typeface="Times New Roman" panose="02020603050405020304" pitchFamily="18" charset="0"/>
-              </a:rPr>
-              <a:t>physics</a:t>
-            </a:r>
-            <a:r>
-              <a:rPr lang="fr-FR" sz="1600" i="1" dirty="0">
-                <a:latin typeface="Times New Roman" panose="02020603050405020304" pitchFamily="18" charset="0"/>
-                <a:cs typeface="Times New Roman" panose="02020603050405020304" pitchFamily="18" charset="0"/>
-              </a:rPr>
-              <a:t> simulation</a:t>
-            </a:r>
-            <a:r>
-              <a:rPr lang="fr-FR" sz="1600" dirty="0">
-                <a:latin typeface="Times New Roman" panose="02020603050405020304" pitchFamily="18" charset="0"/>
-                <a:cs typeface="Times New Roman" panose="02020603050405020304" pitchFamily="18" charset="0"/>
-              </a:rPr>
-              <a:t> [Cours]. Université de Technologie de Belfort-Montbéliard (UTBM).</a:t>
-            </a:r>
-          </a:p>
-          <a:p>
-            <a:endParaRPr lang="fr-FR" sz="1600" dirty="0">
-              <a:latin typeface="Times New Roman" panose="02020603050405020304" pitchFamily="18" charset="0"/>
-              <a:cs typeface="Times New Roman" panose="02020603050405020304" pitchFamily="18" charset="0"/>
-            </a:endParaRPr>
-          </a:p>
-          <a:p>
-            <a:r>
-              <a:rPr lang="fr-FR" sz="1600" dirty="0">
-                <a:latin typeface="Times New Roman" panose="02020603050405020304" pitchFamily="18" charset="0"/>
-                <a:cs typeface="Times New Roman" panose="02020603050405020304" pitchFamily="18" charset="0"/>
-              </a:rPr>
-              <a:t>Trépanier, J-Y. (n.d). </a:t>
-            </a:r>
-            <a:r>
-              <a:rPr lang="fr-FR" sz="1600" i="1" dirty="0">
-                <a:latin typeface="Times New Roman" panose="02020603050405020304" pitchFamily="18" charset="0"/>
-                <a:cs typeface="Times New Roman" panose="02020603050405020304" pitchFamily="18" charset="0"/>
-              </a:rPr>
-              <a:t>MEC8211 Vérification et validation en modélisation numérique </a:t>
-            </a:r>
-            <a:r>
-              <a:rPr lang="fr-FR" sz="1600" dirty="0">
-                <a:latin typeface="Times New Roman" panose="02020603050405020304" pitchFamily="18" charset="0"/>
-                <a:cs typeface="Times New Roman" panose="02020603050405020304" pitchFamily="18" charset="0"/>
-              </a:rPr>
-              <a:t>[Cours]. Polytechnique Montréal (PM). </a:t>
-            </a:r>
-            <a:endParaRPr lang="en-GB" sz="1600" dirty="0">
-              <a:latin typeface="Times New Roman" panose="02020603050405020304" pitchFamily="18" charset="0"/>
-              <a:cs typeface="Times New Roman" panose="02020603050405020304" pitchFamily="18" charset="0"/>
-            </a:endParaRPr>
-          </a:p>
-        </p:txBody>
-      </p:sp>
-    </p:spTree>
-    <p:extLst>
-      <p:ext uri="{BB962C8B-B14F-4D97-AF65-F5344CB8AC3E}">
-        <p14:creationId xmlns:p14="http://schemas.microsoft.com/office/powerpoint/2010/main" val="3135963873"/>
       </p:ext>
     </p:extLst>
   </p:cSld>
@@ -17756,6 +19759,435 @@
 </file>
 
 <file path=ppt/slides/slide20.xml><?xml version="1.0" encoding="utf-8"?>
+<p:sld xmlns:a="http://schemas.openxmlformats.org/drawingml/2006/main" xmlns:r="http://schemas.openxmlformats.org/officeDocument/2006/relationships" xmlns:p="http://schemas.openxmlformats.org/presentationml/2006/main">
+  <p:cSld>
+    <p:spTree>
+      <p:nvGrpSpPr>
+        <p:cNvPr id="1" name="">
+          <a:extLst>
+            <a:ext uri="{FF2B5EF4-FFF2-40B4-BE49-F238E27FC236}">
+              <a16:creationId xmlns:a16="http://schemas.microsoft.com/office/drawing/2014/main" id="{4F1CD39F-1AA1-CA3E-121A-DAC967D4790E}"/>
+            </a:ext>
+          </a:extLst>
+        </p:cNvPr>
+        <p:cNvGrpSpPr/>
+        <p:nvPr/>
+      </p:nvGrpSpPr>
+      <p:grpSpPr>
+        <a:xfrm>
+          <a:off x="0" y="0"/>
+          <a:ext cx="0" cy="0"/>
+          <a:chOff x="0" y="0"/>
+          <a:chExt cx="0" cy="0"/>
+        </a:xfrm>
+      </p:grpSpPr>
+      <p:sp>
+        <p:nvSpPr>
+          <p:cNvPr id="36" name="Rectangle 35">
+            <a:extLst>
+              <a:ext uri="{FF2B5EF4-FFF2-40B4-BE49-F238E27FC236}">
+                <a16:creationId xmlns:a16="http://schemas.microsoft.com/office/drawing/2014/main" id="{7AE948C0-E759-6464-6FE4-89E821AF7840}"/>
+              </a:ext>
+            </a:extLst>
+          </p:cNvPr>
+          <p:cNvSpPr/>
+          <p:nvPr/>
+        </p:nvSpPr>
+        <p:spPr>
+          <a:xfrm>
+            <a:off x="1" y="-990"/>
+            <a:ext cx="6096000" cy="501017"/>
+          </a:xfrm>
+          <a:prstGeom prst="rect">
+            <a:avLst/>
+          </a:prstGeom>
+          <a:solidFill>
+            <a:srgbClr val="980000"/>
+          </a:solidFill>
+          <a:ln>
+            <a:noFill/>
+          </a:ln>
+        </p:spPr>
+        <p:style>
+          <a:lnRef idx="2">
+            <a:schemeClr val="accent1">
+              <a:shade val="15000"/>
+            </a:schemeClr>
+          </a:lnRef>
+          <a:fillRef idx="1">
+            <a:schemeClr val="accent1"/>
+          </a:fillRef>
+          <a:effectRef idx="0">
+            <a:schemeClr val="accent1"/>
+          </a:effectRef>
+          <a:fontRef idx="minor">
+            <a:schemeClr val="lt1"/>
+          </a:fontRef>
+        </p:style>
+        <p:txBody>
+          <a:bodyPr rtlCol="0" anchor="ctr"/>
+          <a:lstStyle/>
+          <a:p>
+            <a:pPr algn="ctr"/>
+            <a:endParaRPr lang="fr-FR" noProof="0" dirty="0"/>
+          </a:p>
+        </p:txBody>
+      </p:sp>
+      <p:sp>
+        <p:nvSpPr>
+          <p:cNvPr id="9" name="TextBox 8">
+            <a:extLst>
+              <a:ext uri="{FF2B5EF4-FFF2-40B4-BE49-F238E27FC236}">
+                <a16:creationId xmlns:a16="http://schemas.microsoft.com/office/drawing/2014/main" id="{A1BFB0DE-CCDE-5E15-B93D-0C46D50CF46E}"/>
+              </a:ext>
+            </a:extLst>
+          </p:cNvPr>
+          <p:cNvSpPr txBox="1"/>
+          <p:nvPr/>
+        </p:nvSpPr>
+        <p:spPr>
+          <a:xfrm>
+            <a:off x="0" y="-990"/>
+            <a:ext cx="5568381" cy="461665"/>
+          </a:xfrm>
+          <a:prstGeom prst="rect">
+            <a:avLst/>
+          </a:prstGeom>
+          <a:noFill/>
+        </p:spPr>
+        <p:txBody>
+          <a:bodyPr wrap="square" rtlCol="0">
+            <a:spAutoFit/>
+          </a:bodyPr>
+          <a:lstStyle/>
+          <a:p>
+            <a:pPr algn="just"/>
+            <a:r>
+              <a:rPr lang="fr-FR" sz="2400" b="1" noProof="0" dirty="0">
+                <a:solidFill>
+                  <a:schemeClr val="bg1"/>
+                </a:solidFill>
+                <a:latin typeface="Times New Roman" panose="02020603050405020304" pitchFamily="18" charset="0"/>
+                <a:cs typeface="Times New Roman" panose="02020603050405020304" pitchFamily="18" charset="0"/>
+              </a:rPr>
+              <a:t>REFERENCES</a:t>
+            </a:r>
+          </a:p>
+        </p:txBody>
+      </p:sp>
+      <p:sp>
+        <p:nvSpPr>
+          <p:cNvPr id="39" name="Rectangle 38">
+            <a:extLst>
+              <a:ext uri="{FF2B5EF4-FFF2-40B4-BE49-F238E27FC236}">
+                <a16:creationId xmlns:a16="http://schemas.microsoft.com/office/drawing/2014/main" id="{AE6F7881-5CAD-BF53-F5ED-913A8168C526}"/>
+              </a:ext>
+            </a:extLst>
+          </p:cNvPr>
+          <p:cNvSpPr/>
+          <p:nvPr/>
+        </p:nvSpPr>
+        <p:spPr>
+          <a:xfrm>
+            <a:off x="6096000" y="0"/>
+            <a:ext cx="6096000" cy="501017"/>
+          </a:xfrm>
+          <a:prstGeom prst="rect">
+            <a:avLst/>
+          </a:prstGeom>
+          <a:solidFill>
+            <a:srgbClr val="D9D9D9"/>
+          </a:solidFill>
+          <a:ln>
+            <a:noFill/>
+          </a:ln>
+        </p:spPr>
+        <p:style>
+          <a:lnRef idx="2">
+            <a:schemeClr val="accent1">
+              <a:shade val="15000"/>
+            </a:schemeClr>
+          </a:lnRef>
+          <a:fillRef idx="1">
+            <a:schemeClr val="accent1"/>
+          </a:fillRef>
+          <a:effectRef idx="0">
+            <a:schemeClr val="accent1"/>
+          </a:effectRef>
+          <a:fontRef idx="minor">
+            <a:schemeClr val="lt1"/>
+          </a:fontRef>
+        </p:style>
+        <p:txBody>
+          <a:bodyPr rtlCol="0" anchor="ctr"/>
+          <a:lstStyle/>
+          <a:p>
+            <a:pPr algn="ctr"/>
+            <a:endParaRPr lang="fr-FR" noProof="0" dirty="0"/>
+          </a:p>
+        </p:txBody>
+      </p:sp>
+      <p:sp>
+        <p:nvSpPr>
+          <p:cNvPr id="2" name="TextBox 1">
+            <a:extLst>
+              <a:ext uri="{FF2B5EF4-FFF2-40B4-BE49-F238E27FC236}">
+                <a16:creationId xmlns:a16="http://schemas.microsoft.com/office/drawing/2014/main" id="{0919D1C6-D732-AE82-8C89-94E702263F7C}"/>
+              </a:ext>
+            </a:extLst>
+          </p:cNvPr>
+          <p:cNvSpPr txBox="1"/>
+          <p:nvPr/>
+        </p:nvSpPr>
+        <p:spPr>
+          <a:xfrm>
+            <a:off x="11091333" y="6550222"/>
+            <a:ext cx="1100667" cy="307777"/>
+          </a:xfrm>
+          <a:prstGeom prst="rect">
+            <a:avLst/>
+          </a:prstGeom>
+          <a:noFill/>
+        </p:spPr>
+        <p:txBody>
+          <a:bodyPr wrap="square" rtlCol="0">
+            <a:spAutoFit/>
+          </a:bodyPr>
+          <a:lstStyle/>
+          <a:p>
+            <a:pPr algn="r"/>
+            <a:r>
+              <a:rPr lang="fr-FR" sz="1400" noProof="0" dirty="0">
+                <a:latin typeface="Times New Roman" panose="02020603050405020304" pitchFamily="18" charset="0"/>
+                <a:cs typeface="Times New Roman" panose="02020603050405020304" pitchFamily="18" charset="0"/>
+              </a:rPr>
+              <a:t>X/Y</a:t>
+            </a:r>
+          </a:p>
+        </p:txBody>
+      </p:sp>
+      <p:sp>
+        <p:nvSpPr>
+          <p:cNvPr id="5" name="TextBox 4">
+            <a:extLst>
+              <a:ext uri="{FF2B5EF4-FFF2-40B4-BE49-F238E27FC236}">
+                <a16:creationId xmlns:a16="http://schemas.microsoft.com/office/drawing/2014/main" id="{FAC551E2-7AD3-5FEF-E2DE-209EDBFB2695}"/>
+              </a:ext>
+            </a:extLst>
+          </p:cNvPr>
+          <p:cNvSpPr txBox="1"/>
+          <p:nvPr/>
+        </p:nvSpPr>
+        <p:spPr>
+          <a:xfrm>
+            <a:off x="0" y="627468"/>
+            <a:ext cx="12192000" cy="2062103"/>
+          </a:xfrm>
+          <a:prstGeom prst="rect">
+            <a:avLst/>
+          </a:prstGeom>
+          <a:noFill/>
+        </p:spPr>
+        <p:txBody>
+          <a:bodyPr wrap="square" rtlCol="0">
+            <a:spAutoFit/>
+          </a:bodyPr>
+          <a:lstStyle/>
+          <a:p>
+            <a:r>
+              <a:rPr lang="en-GB" sz="1600" dirty="0">
+                <a:latin typeface="Times New Roman" panose="02020603050405020304" pitchFamily="18" charset="0"/>
+                <a:cs typeface="Times New Roman" panose="02020603050405020304" pitchFamily="18" charset="0"/>
+              </a:rPr>
+              <a:t>Ansys. (2020, </a:t>
+            </a:r>
+            <a:r>
+              <a:rPr lang="en-GB" sz="1600" dirty="0" err="1">
+                <a:latin typeface="Times New Roman" panose="02020603050405020304" pitchFamily="18" charset="0"/>
+                <a:cs typeface="Times New Roman" panose="02020603050405020304" pitchFamily="18" charset="0"/>
+              </a:rPr>
+              <a:t>octobre</a:t>
+            </a:r>
+            <a:r>
+              <a:rPr lang="en-GB" sz="1600" dirty="0">
+                <a:latin typeface="Times New Roman" panose="02020603050405020304" pitchFamily="18" charset="0"/>
+                <a:cs typeface="Times New Roman" panose="02020603050405020304" pitchFamily="18" charset="0"/>
+              </a:rPr>
+              <a:t>). </a:t>
+            </a:r>
+            <a:r>
+              <a:rPr lang="en-GB" sz="1600" i="1" dirty="0">
+                <a:latin typeface="Times New Roman" panose="02020603050405020304" pitchFamily="18" charset="0"/>
+                <a:cs typeface="Times New Roman" panose="02020603050405020304" pitchFamily="18" charset="0"/>
+              </a:rPr>
+              <a:t>Lesson 3: Large deformations governing equations</a:t>
+            </a:r>
+            <a:r>
+              <a:rPr lang="en-GB" sz="1600" dirty="0">
+                <a:latin typeface="Times New Roman" panose="02020603050405020304" pitchFamily="18" charset="0"/>
+                <a:cs typeface="Times New Roman" panose="02020603050405020304" pitchFamily="18" charset="0"/>
+              </a:rPr>
+              <a:t> [PDF]. Ansys Innovation Space. </a:t>
+            </a:r>
+            <a:r>
+              <a:rPr lang="en-GB" sz="1600" dirty="0">
+                <a:latin typeface="Times New Roman" panose="02020603050405020304" pitchFamily="18" charset="0"/>
+                <a:cs typeface="Times New Roman" panose="02020603050405020304" pitchFamily="18" charset="0"/>
+                <a:hlinkClick r:id="rId2"/>
+              </a:rPr>
+              <a:t>https://innovationspace.ansys.com/courses/wp-content/uploads/2020/10/Lesson3_LargeDeformationsGoverningEquations.pdf</a:t>
+            </a:r>
+            <a:endParaRPr lang="en-GB" sz="1600" dirty="0">
+              <a:latin typeface="Times New Roman" panose="02020603050405020304" pitchFamily="18" charset="0"/>
+              <a:cs typeface="Times New Roman" panose="02020603050405020304" pitchFamily="18" charset="0"/>
+            </a:endParaRPr>
+          </a:p>
+          <a:p>
+            <a:endParaRPr lang="en-GB" sz="1600" dirty="0">
+              <a:latin typeface="Times New Roman" panose="02020603050405020304" pitchFamily="18" charset="0"/>
+              <a:cs typeface="Times New Roman" panose="02020603050405020304" pitchFamily="18" charset="0"/>
+            </a:endParaRPr>
+          </a:p>
+          <a:p>
+            <a:r>
+              <a:rPr lang="fr-FR" sz="1600" dirty="0" err="1">
+                <a:latin typeface="Times New Roman" panose="02020603050405020304" pitchFamily="18" charset="0"/>
+                <a:cs typeface="Times New Roman" panose="02020603050405020304" pitchFamily="18" charset="0"/>
+              </a:rPr>
+              <a:t>Labed</a:t>
+            </a:r>
+            <a:r>
+              <a:rPr lang="fr-FR" sz="1600" dirty="0">
+                <a:latin typeface="Times New Roman" panose="02020603050405020304" pitchFamily="18" charset="0"/>
+                <a:cs typeface="Times New Roman" panose="02020603050405020304" pitchFamily="18" charset="0"/>
+              </a:rPr>
+              <a:t>, N. &amp; </a:t>
+            </a:r>
+            <a:r>
+              <a:rPr lang="fr-FR" sz="1600" dirty="0" err="1">
+                <a:latin typeface="Times New Roman" panose="02020603050405020304" pitchFamily="18" charset="0"/>
+                <a:cs typeface="Times New Roman" panose="02020603050405020304" pitchFamily="18" charset="0"/>
+              </a:rPr>
+              <a:t>Peyraut</a:t>
+            </a:r>
+            <a:r>
+              <a:rPr lang="fr-FR" sz="1600" dirty="0">
+                <a:latin typeface="Times New Roman" panose="02020603050405020304" pitchFamily="18" charset="0"/>
+                <a:cs typeface="Times New Roman" panose="02020603050405020304" pitchFamily="18" charset="0"/>
+              </a:rPr>
+              <a:t>, F. (n.d.). </a:t>
+            </a:r>
+            <a:r>
+              <a:rPr lang="fr-FR" sz="1600" i="1" dirty="0">
+                <a:latin typeface="Times New Roman" panose="02020603050405020304" pitchFamily="18" charset="0"/>
+                <a:cs typeface="Times New Roman" panose="02020603050405020304" pitchFamily="18" charset="0"/>
+              </a:rPr>
+              <a:t>TE41 Mécanique des milieux continus</a:t>
+            </a:r>
+            <a:r>
+              <a:rPr lang="fr-FR" sz="1600" dirty="0">
+                <a:latin typeface="Times New Roman" panose="02020603050405020304" pitchFamily="18" charset="0"/>
+                <a:cs typeface="Times New Roman" panose="02020603050405020304" pitchFamily="18" charset="0"/>
+              </a:rPr>
+              <a:t> [Cours]. Université de Technologie de Belfort-Montbéliard (UTBM).</a:t>
+            </a:r>
+            <a:endParaRPr lang="en-GB" sz="1600" dirty="0">
+              <a:latin typeface="Times New Roman" panose="02020603050405020304" pitchFamily="18" charset="0"/>
+              <a:cs typeface="Times New Roman" panose="02020603050405020304" pitchFamily="18" charset="0"/>
+            </a:endParaRPr>
+          </a:p>
+          <a:p>
+            <a:endParaRPr lang="en-GB" sz="1600" dirty="0">
+              <a:latin typeface="Times New Roman" panose="02020603050405020304" pitchFamily="18" charset="0"/>
+              <a:cs typeface="Times New Roman" panose="02020603050405020304" pitchFamily="18" charset="0"/>
+            </a:endParaRPr>
+          </a:p>
+          <a:p>
+            <a:r>
+              <a:rPr lang="fr-FR" sz="1600" dirty="0">
+                <a:latin typeface="Times New Roman" panose="02020603050405020304" pitchFamily="18" charset="0"/>
+                <a:cs typeface="Times New Roman" panose="02020603050405020304" pitchFamily="18" charset="0"/>
+              </a:rPr>
+              <a:t>Chamoret, D. (n.d.). </a:t>
+            </a:r>
+            <a:r>
+              <a:rPr lang="fr-FR" sz="1600" i="1" dirty="0">
+                <a:latin typeface="Times New Roman" panose="02020603050405020304" pitchFamily="18" charset="0"/>
+                <a:cs typeface="Times New Roman" panose="02020603050405020304" pitchFamily="18" charset="0"/>
+              </a:rPr>
+              <a:t>MN44 Introduction to multi-</a:t>
+            </a:r>
+            <a:r>
+              <a:rPr lang="fr-FR" sz="1600" i="1" dirty="0" err="1">
+                <a:latin typeface="Times New Roman" panose="02020603050405020304" pitchFamily="18" charset="0"/>
+                <a:cs typeface="Times New Roman" panose="02020603050405020304" pitchFamily="18" charset="0"/>
+              </a:rPr>
+              <a:t>physics</a:t>
+            </a:r>
+            <a:r>
+              <a:rPr lang="fr-FR" sz="1600" i="1" dirty="0">
+                <a:latin typeface="Times New Roman" panose="02020603050405020304" pitchFamily="18" charset="0"/>
+                <a:cs typeface="Times New Roman" panose="02020603050405020304" pitchFamily="18" charset="0"/>
+              </a:rPr>
+              <a:t> simulation</a:t>
+            </a:r>
+            <a:r>
+              <a:rPr lang="fr-FR" sz="1600" dirty="0">
+                <a:latin typeface="Times New Roman" panose="02020603050405020304" pitchFamily="18" charset="0"/>
+                <a:cs typeface="Times New Roman" panose="02020603050405020304" pitchFamily="18" charset="0"/>
+              </a:rPr>
+              <a:t> [Cours]. Université de Technologie de Belfort-Montbéliard (UTBM).</a:t>
+            </a:r>
+          </a:p>
+          <a:p>
+            <a:endParaRPr lang="fr-FR" sz="1600" dirty="0">
+              <a:latin typeface="Times New Roman" panose="02020603050405020304" pitchFamily="18" charset="0"/>
+              <a:cs typeface="Times New Roman" panose="02020603050405020304" pitchFamily="18" charset="0"/>
+            </a:endParaRPr>
+          </a:p>
+          <a:p>
+            <a:r>
+              <a:rPr lang="fr-FR" sz="1600" dirty="0">
+                <a:latin typeface="Times New Roman" panose="02020603050405020304" pitchFamily="18" charset="0"/>
+                <a:cs typeface="Times New Roman" panose="02020603050405020304" pitchFamily="18" charset="0"/>
+              </a:rPr>
+              <a:t>Trépanier, J-Y. (n.d). </a:t>
+            </a:r>
+            <a:r>
+              <a:rPr lang="fr-FR" sz="1600" i="1" dirty="0">
+                <a:latin typeface="Times New Roman" panose="02020603050405020304" pitchFamily="18" charset="0"/>
+                <a:cs typeface="Times New Roman" panose="02020603050405020304" pitchFamily="18" charset="0"/>
+              </a:rPr>
+              <a:t>MEC8211 Vérification et validation en modélisation numérique </a:t>
+            </a:r>
+            <a:r>
+              <a:rPr lang="fr-FR" sz="1600" dirty="0">
+                <a:latin typeface="Times New Roman" panose="02020603050405020304" pitchFamily="18" charset="0"/>
+                <a:cs typeface="Times New Roman" panose="02020603050405020304" pitchFamily="18" charset="0"/>
+              </a:rPr>
+              <a:t>[Cours]. Polytechnique Montréal (PM). </a:t>
+            </a:r>
+            <a:endParaRPr lang="en-GB" sz="1600" dirty="0">
+              <a:latin typeface="Times New Roman" panose="02020603050405020304" pitchFamily="18" charset="0"/>
+              <a:cs typeface="Times New Roman" panose="02020603050405020304" pitchFamily="18" charset="0"/>
+            </a:endParaRPr>
+          </a:p>
+        </p:txBody>
+      </p:sp>
+    </p:spTree>
+    <p:extLst>
+      <p:ext uri="{BB962C8B-B14F-4D97-AF65-F5344CB8AC3E}">
+        <p14:creationId xmlns:p14="http://schemas.microsoft.com/office/powerpoint/2010/main" val="3135963873"/>
+      </p:ext>
+    </p:extLst>
+  </p:cSld>
+  <p:clrMapOvr>
+    <a:masterClrMapping/>
+  </p:clrMapOvr>
+</p:sld>
+</file>
+
+<file path=ppt/slides/slide21.xml><?xml version="1.0" encoding="utf-8"?>
 <p:sld xmlns:a="http://schemas.openxmlformats.org/drawingml/2006/main" xmlns:r="http://schemas.openxmlformats.org/officeDocument/2006/relationships" xmlns:p="http://schemas.openxmlformats.org/presentationml/2006/main">
   <p:cSld>
     <p:spTree>
@@ -23230,8 +25662,8 @@
           </p:sp>
         </mc:Fallback>
       </mc:AlternateContent>
-      <mc:AlternateContent xmlns:mc="http://schemas.openxmlformats.org/markup-compatibility/2006">
-        <mc:Choice xmlns:a14="http://schemas.microsoft.com/office/drawing/2010/main" Requires="a14">
+      <mc:AlternateContent xmlns:mc="http://schemas.openxmlformats.org/markup-compatibility/2006" xmlns:a14="http://schemas.microsoft.com/office/drawing/2010/main">
+        <mc:Choice Requires="a14">
           <p:sp>
             <p:nvSpPr>
               <p:cNvPr id="33" name="TextBox 32">
@@ -23293,7 +25725,7 @@
             </p:txBody>
           </p:sp>
         </mc:Choice>
-        <mc:Fallback>
+        <mc:Fallback xmlns="">
           <p:sp>
             <p:nvSpPr>
               <p:cNvPr id="33" name="TextBox 32">
@@ -23471,8 +25903,8 @@
           </p:sp>
         </mc:Fallback>
       </mc:AlternateContent>
-      <mc:AlternateContent xmlns:mc="http://schemas.openxmlformats.org/markup-compatibility/2006">
-        <mc:Choice xmlns:a14="http://schemas.microsoft.com/office/drawing/2010/main" Requires="a14">
+      <mc:AlternateContent xmlns:mc="http://schemas.openxmlformats.org/markup-compatibility/2006" xmlns:a14="http://schemas.microsoft.com/office/drawing/2010/main">
+        <mc:Choice Requires="a14">
           <p:sp>
             <p:nvSpPr>
               <p:cNvPr id="35" name="TextBox 34">
@@ -24034,7 +26466,7 @@
             </p:txBody>
           </p:sp>
         </mc:Choice>
-        <mc:Fallback>
+        <mc:Fallback xmlns="">
           <p:sp>
             <p:nvSpPr>
               <p:cNvPr id="35" name="TextBox 34">
@@ -25133,8 +27565,8 @@
           </p:sp>
         </mc:Fallback>
       </mc:AlternateContent>
-      <mc:AlternateContent xmlns:mc="http://schemas.openxmlformats.org/markup-compatibility/2006">
-        <mc:Choice xmlns:a14="http://schemas.microsoft.com/office/drawing/2010/main" Requires="a14">
+      <mc:AlternateContent xmlns:mc="http://schemas.openxmlformats.org/markup-compatibility/2006" xmlns:a14="http://schemas.microsoft.com/office/drawing/2010/main">
+        <mc:Choice Requires="a14">
           <p:sp>
             <p:nvSpPr>
               <p:cNvPr id="10" name="TextBox 9">
@@ -25549,14 +27981,7 @@
                           <a:latin typeface="Cambria Math" panose="02040503050406030204" pitchFamily="18" charset="0"/>
                           <a:cs typeface="Times New Roman" panose="02020603050405020304" pitchFamily="18" charset="0"/>
                         </a:rPr>
-                        <m:t>=</m:t>
-                      </m:r>
-                      <m:r>
-                        <a:rPr lang="fr-FR" b="0" i="1" noProof="0" smtClean="0">
-                          <a:latin typeface="Cambria Math" panose="02040503050406030204" pitchFamily="18" charset="0"/>
-                          <a:cs typeface="Times New Roman" panose="02020603050405020304" pitchFamily="18" charset="0"/>
-                        </a:rPr>
-                        <m:t>0.159</m:t>
+                        <m:t>=0.159</m:t>
                       </m:r>
                     </m:oMath>
                   </m:oMathPara>
@@ -25583,7 +28008,7 @@
             </p:txBody>
           </p:sp>
         </mc:Choice>
-        <mc:Fallback>
+        <mc:Fallback xmlns="">
           <p:sp>
             <p:nvSpPr>
               <p:cNvPr id="10" name="TextBox 9">

--- a/03_Rapport/Rapport_Projet.pptx
+++ b/03_Rapport/Rapport_Projet.pptx
@@ -5,7 +5,7 @@
     <p:sldMasterId id="2147483648" r:id="rId1"/>
   </p:sldMasterIdLst>
   <p:notesMasterIdLst>
-    <p:notesMasterId r:id="rId23"/>
+    <p:notesMasterId r:id="rId24"/>
   </p:notesMasterIdLst>
   <p:sldIdLst>
     <p:sldId id="256" r:id="rId2"/>
@@ -24,11 +24,12 @@
     <p:sldId id="280" r:id="rId15"/>
     <p:sldId id="282" r:id="rId16"/>
     <p:sldId id="279" r:id="rId17"/>
-    <p:sldId id="286" r:id="rId18"/>
-    <p:sldId id="283" r:id="rId19"/>
-    <p:sldId id="284" r:id="rId20"/>
-    <p:sldId id="275" r:id="rId21"/>
-    <p:sldId id="268" r:id="rId22"/>
+    <p:sldId id="287" r:id="rId18"/>
+    <p:sldId id="286" r:id="rId19"/>
+    <p:sldId id="283" r:id="rId20"/>
+    <p:sldId id="284" r:id="rId21"/>
+    <p:sldId id="275" r:id="rId22"/>
+    <p:sldId id="268" r:id="rId23"/>
   </p:sldIdLst>
   <p:sldSz cx="12192000" cy="6858000"/>
   <p:notesSz cx="6858000" cy="9144000"/>
@@ -144,7 +145,7 @@
 <file path=ppt/revisionInfo.xml><?xml version="1.0" encoding="utf-8"?>
 <p1510:revInfo xmlns:a="http://schemas.openxmlformats.org/drawingml/2006/main" xmlns:r="http://schemas.openxmlformats.org/officeDocument/2006/relationships" xmlns:p1510="http://schemas.microsoft.com/office/powerpoint/2015/10/main">
   <p1510:revLst>
-    <p1510:client id="{1404D58C-429C-4D75-B5B2-E1C9B8E0DC36}" v="5147" dt="2025-04-03T20:28:57.725"/>
+    <p1510:client id="{1404D58C-429C-4D75-B5B2-E1C9B8E0DC36}" v="5665" dt="2025-04-04T00:23:54.492"/>
   </p1510:revLst>
 </p1510:revInfo>
 </file>
@@ -152,9 +153,220 @@
 <file path=ppt/changesInfos/changesInfo1.xml><?xml version="1.0" encoding="utf-8"?>
 <pc:chgInfo xmlns:a="http://schemas.openxmlformats.org/drawingml/2006/main" xmlns:r="http://schemas.openxmlformats.org/officeDocument/2006/relationships" xmlns:ac="http://schemas.microsoft.com/office/drawing/2013/main/command" xmlns:pc="http://schemas.microsoft.com/office/powerpoint/2013/main/command">
   <pc:docChgLst>
+    <pc:chgData name="François GLEYZON" userId="a2d04f23f7faf3ef" providerId="LiveId" clId="{8625411A-B743-4065-8137-36E899DC5753}"/>
+    <pc:docChg chg="undo custSel addSld delSld modSld">
+      <pc:chgData name="François GLEYZON" userId="a2d04f23f7faf3ef" providerId="LiveId" clId="{8625411A-B743-4065-8137-36E899DC5753}" dt="2025-02-15T18:58:39.562" v="10910" actId="108"/>
+      <pc:docMkLst>
+        <pc:docMk/>
+      </pc:docMkLst>
+      <pc:sldChg chg="addSp delSp modSp mod">
+        <pc:chgData name="François GLEYZON" userId="a2d04f23f7faf3ef" providerId="LiveId" clId="{8625411A-B743-4065-8137-36E899DC5753}" dt="2025-02-14T00:29:59.019" v="10862" actId="790"/>
+        <pc:sldMkLst>
+          <pc:docMk/>
+          <pc:sldMk cId="2801290844" sldId="256"/>
+        </pc:sldMkLst>
+        <pc:spChg chg="add mod">
+          <ac:chgData name="François GLEYZON" userId="a2d04f23f7faf3ef" providerId="LiveId" clId="{8625411A-B743-4065-8137-36E899DC5753}" dt="2025-02-14T00:29:59.019" v="10862" actId="790"/>
+          <ac:spMkLst>
+            <pc:docMk/>
+            <pc:sldMk cId="2801290844" sldId="256"/>
+            <ac:spMk id="2" creationId="{1C671FC3-1B2C-746A-F6A8-77FA9A8DC743}"/>
+          </ac:spMkLst>
+        </pc:spChg>
+        <pc:spChg chg="add mod">
+          <ac:chgData name="François GLEYZON" userId="a2d04f23f7faf3ef" providerId="LiveId" clId="{8625411A-B743-4065-8137-36E899DC5753}" dt="2025-02-14T00:29:59.019" v="10862" actId="790"/>
+          <ac:spMkLst>
+            <pc:docMk/>
+            <pc:sldMk cId="2801290844" sldId="256"/>
+            <ac:spMk id="3" creationId="{568554F7-B174-79F4-DC46-68D2FF64134D}"/>
+          </ac:spMkLst>
+        </pc:spChg>
+        <pc:spChg chg="add mod">
+          <ac:chgData name="François GLEYZON" userId="a2d04f23f7faf3ef" providerId="LiveId" clId="{8625411A-B743-4065-8137-36E899DC5753}" dt="2025-02-14T00:29:59.019" v="10862" actId="790"/>
+          <ac:spMkLst>
+            <pc:docMk/>
+            <pc:sldMk cId="2801290844" sldId="256"/>
+            <ac:spMk id="4" creationId="{95E7F9AA-F423-8939-0562-C60D980C1651}"/>
+          </ac:spMkLst>
+        </pc:spChg>
+        <pc:spChg chg="add mod">
+          <ac:chgData name="François GLEYZON" userId="a2d04f23f7faf3ef" providerId="LiveId" clId="{8625411A-B743-4065-8137-36E899DC5753}" dt="2025-02-14T00:29:59.019" v="10862" actId="790"/>
+          <ac:spMkLst>
+            <pc:docMk/>
+            <pc:sldMk cId="2801290844" sldId="256"/>
+            <ac:spMk id="5" creationId="{CCB64622-7D99-EF9C-E64A-6B7A68B130E7}"/>
+          </ac:spMkLst>
+        </pc:spChg>
+        <pc:spChg chg="add mod">
+          <ac:chgData name="François GLEYZON" userId="a2d04f23f7faf3ef" providerId="LiveId" clId="{8625411A-B743-4065-8137-36E899DC5753}" dt="2025-02-14T00:29:59.019" v="10862" actId="790"/>
+          <ac:spMkLst>
+            <pc:docMk/>
+            <pc:sldMk cId="2801290844" sldId="256"/>
+            <ac:spMk id="6" creationId="{57048EEB-143A-0EB0-AB6E-49FD65A632CE}"/>
+          </ac:spMkLst>
+        </pc:spChg>
+        <pc:spChg chg="add mod">
+          <ac:chgData name="François GLEYZON" userId="a2d04f23f7faf3ef" providerId="LiveId" clId="{8625411A-B743-4065-8137-36E899DC5753}" dt="2025-02-14T00:29:59.019" v="10862" actId="790"/>
+          <ac:spMkLst>
+            <pc:docMk/>
+            <pc:sldMk cId="2801290844" sldId="256"/>
+            <ac:spMk id="7" creationId="{230C37D5-1433-52B7-0A78-180B08205F17}"/>
+          </ac:spMkLst>
+        </pc:spChg>
+        <pc:spChg chg="add mod">
+          <ac:chgData name="François GLEYZON" userId="a2d04f23f7faf3ef" providerId="LiveId" clId="{8625411A-B743-4065-8137-36E899DC5753}" dt="2025-02-14T00:29:59.019" v="10862" actId="790"/>
+          <ac:spMkLst>
+            <pc:docMk/>
+            <pc:sldMk cId="2801290844" sldId="256"/>
+            <ac:spMk id="8" creationId="{C9F42401-7236-E1BF-C86A-2AA6084B3FAA}"/>
+          </ac:spMkLst>
+        </pc:spChg>
+        <pc:spChg chg="add mod">
+          <ac:chgData name="François GLEYZON" userId="a2d04f23f7faf3ef" providerId="LiveId" clId="{8625411A-B743-4065-8137-36E899DC5753}" dt="2025-02-14T00:29:59.019" v="10862" actId="790"/>
+          <ac:spMkLst>
+            <pc:docMk/>
+            <pc:sldMk cId="2801290844" sldId="256"/>
+            <ac:spMk id="9" creationId="{D5471492-F85C-788A-940F-DC5DE2D8F51E}"/>
+          </ac:spMkLst>
+        </pc:spChg>
+        <pc:spChg chg="add mod">
+          <ac:chgData name="François GLEYZON" userId="a2d04f23f7faf3ef" providerId="LiveId" clId="{8625411A-B743-4065-8137-36E899DC5753}" dt="2025-02-14T00:29:59.019" v="10862" actId="790"/>
+          <ac:spMkLst>
+            <pc:docMk/>
+            <pc:sldMk cId="2801290844" sldId="256"/>
+            <ac:spMk id="11" creationId="{ADA3B4ED-F9F9-8357-018A-C931A9829ED9}"/>
+          </ac:spMkLst>
+        </pc:spChg>
+        <pc:spChg chg="add mod">
+          <ac:chgData name="François GLEYZON" userId="a2d04f23f7faf3ef" providerId="LiveId" clId="{8625411A-B743-4065-8137-36E899DC5753}" dt="2025-02-14T00:29:59.019" v="10862" actId="790"/>
+          <ac:spMkLst>
+            <pc:docMk/>
+            <pc:sldMk cId="2801290844" sldId="256"/>
+            <ac:spMk id="13" creationId="{2A150A6C-B8B3-44CE-8884-B81C5AD95D13}"/>
+          </ac:spMkLst>
+        </pc:spChg>
+      </pc:sldChg>
+      <pc:sldChg chg="addSp delSp modSp mod">
+        <pc:chgData name="François GLEYZON" userId="a2d04f23f7faf3ef" providerId="LiveId" clId="{8625411A-B743-4065-8137-36E899DC5753}" dt="2025-02-14T00:29:59.019" v="10862" actId="790"/>
+        <pc:sldMkLst>
+          <pc:docMk/>
+          <pc:sldMk cId="2487955664" sldId="257"/>
+        </pc:sldMkLst>
+      </pc:sldChg>
+      <pc:sldChg chg="addSp delSp modSp mod">
+        <pc:chgData name="François GLEYZON" userId="a2d04f23f7faf3ef" providerId="LiveId" clId="{8625411A-B743-4065-8137-36E899DC5753}" dt="2025-02-14T00:29:59.019" v="10862" actId="790"/>
+        <pc:sldMkLst>
+          <pc:docMk/>
+          <pc:sldMk cId="3497435959" sldId="258"/>
+        </pc:sldMkLst>
+      </pc:sldChg>
+      <pc:sldChg chg="addSp modSp mod">
+        <pc:chgData name="François GLEYZON" userId="a2d04f23f7faf3ef" providerId="LiveId" clId="{8625411A-B743-4065-8137-36E899DC5753}" dt="2025-02-14T00:29:59.019" v="10862" actId="790"/>
+        <pc:sldMkLst>
+          <pc:docMk/>
+          <pc:sldMk cId="415248" sldId="259"/>
+        </pc:sldMkLst>
+      </pc:sldChg>
+      <pc:sldChg chg="addSp delSp modSp mod">
+        <pc:chgData name="François GLEYZON" userId="a2d04f23f7faf3ef" providerId="LiveId" clId="{8625411A-B743-4065-8137-36E899DC5753}" dt="2025-02-14T00:29:59.019" v="10862" actId="790"/>
+        <pc:sldMkLst>
+          <pc:docMk/>
+          <pc:sldMk cId="1063259523" sldId="260"/>
+        </pc:sldMkLst>
+      </pc:sldChg>
+      <pc:sldChg chg="addSp delSp modSp mod">
+        <pc:chgData name="François GLEYZON" userId="a2d04f23f7faf3ef" providerId="LiveId" clId="{8625411A-B743-4065-8137-36E899DC5753}" dt="2025-02-14T00:29:59.019" v="10862" actId="790"/>
+        <pc:sldMkLst>
+          <pc:docMk/>
+          <pc:sldMk cId="1452944335" sldId="261"/>
+        </pc:sldMkLst>
+      </pc:sldChg>
+      <pc:sldChg chg="del">
+        <pc:chgData name="François GLEYZON" userId="a2d04f23f7faf3ef" providerId="LiveId" clId="{8625411A-B743-4065-8137-36E899DC5753}" dt="2025-02-05T20:27:22.032" v="3304" actId="2696"/>
+        <pc:sldMkLst>
+          <pc:docMk/>
+          <pc:sldMk cId="3272513737" sldId="262"/>
+        </pc:sldMkLst>
+      </pc:sldChg>
+      <pc:sldChg chg="addSp delSp modSp mod">
+        <pc:chgData name="François GLEYZON" userId="a2d04f23f7faf3ef" providerId="LiveId" clId="{8625411A-B743-4065-8137-36E899DC5753}" dt="2025-02-14T00:36:09.326" v="10909" actId="20577"/>
+        <pc:sldMkLst>
+          <pc:docMk/>
+          <pc:sldMk cId="2174773392" sldId="263"/>
+        </pc:sldMkLst>
+      </pc:sldChg>
+      <pc:sldChg chg="addSp modSp mod">
+        <pc:chgData name="François GLEYZON" userId="a2d04f23f7faf3ef" providerId="LiveId" clId="{8625411A-B743-4065-8137-36E899DC5753}" dt="2025-02-15T18:58:39.562" v="10910" actId="108"/>
+        <pc:sldMkLst>
+          <pc:docMk/>
+          <pc:sldMk cId="508563345" sldId="264"/>
+        </pc:sldMkLst>
+      </pc:sldChg>
+      <pc:sldChg chg="addSp delSp modSp mod">
+        <pc:chgData name="François GLEYZON" userId="a2d04f23f7faf3ef" providerId="LiveId" clId="{8625411A-B743-4065-8137-36E899DC5753}" dt="2025-02-14T00:29:59.019" v="10862" actId="790"/>
+        <pc:sldMkLst>
+          <pc:docMk/>
+          <pc:sldMk cId="1966793551" sldId="265"/>
+        </pc:sldMkLst>
+        <pc:spChg chg="add mod">
+          <ac:chgData name="François GLEYZON" userId="a2d04f23f7faf3ef" providerId="LiveId" clId="{8625411A-B743-4065-8137-36E899DC5753}" dt="2025-02-14T00:29:59.019" v="10862" actId="790"/>
+          <ac:spMkLst>
+            <pc:docMk/>
+            <pc:sldMk cId="1966793551" sldId="265"/>
+            <ac:spMk id="9" creationId="{6E9846D3-47A3-2AE6-6383-AB77CC5B517E}"/>
+          </ac:spMkLst>
+        </pc:spChg>
+        <pc:spChg chg="add mod ord">
+          <ac:chgData name="François GLEYZON" userId="a2d04f23f7faf3ef" providerId="LiveId" clId="{8625411A-B743-4065-8137-36E899DC5753}" dt="2025-02-14T00:29:59.019" v="10862" actId="790"/>
+          <ac:spMkLst>
+            <pc:docMk/>
+            <pc:sldMk cId="1966793551" sldId="265"/>
+            <ac:spMk id="36" creationId="{2C2B60A1-0B89-3546-D8C8-0D44097F35C2}"/>
+          </ac:spMkLst>
+        </pc:spChg>
+        <pc:spChg chg="add mod">
+          <ac:chgData name="François GLEYZON" userId="a2d04f23f7faf3ef" providerId="LiveId" clId="{8625411A-B743-4065-8137-36E899DC5753}" dt="2025-02-04T18:51:49.469" v="1905" actId="207"/>
+          <ac:spMkLst>
+            <pc:docMk/>
+            <pc:sldMk cId="1966793551" sldId="265"/>
+            <ac:spMk id="39" creationId="{AECA565B-75E5-1F68-434E-112D93E38360}"/>
+          </ac:spMkLst>
+        </pc:spChg>
+      </pc:sldChg>
+      <pc:sldChg chg="new del">
+        <pc:chgData name="François GLEYZON" userId="a2d04f23f7faf3ef" providerId="LiveId" clId="{8625411A-B743-4065-8137-36E899DC5753}" dt="2025-02-04T19:00:36.481" v="2380" actId="680"/>
+        <pc:sldMkLst>
+          <pc:docMk/>
+          <pc:sldMk cId="340820215" sldId="266"/>
+        </pc:sldMkLst>
+      </pc:sldChg>
+      <pc:sldChg chg="new del">
+        <pc:chgData name="François GLEYZON" userId="a2d04f23f7faf3ef" providerId="LiveId" clId="{8625411A-B743-4065-8137-36E899DC5753}" dt="2025-02-04T18:37:03.903" v="1162" actId="680"/>
+        <pc:sldMkLst>
+          <pc:docMk/>
+          <pc:sldMk cId="856272587" sldId="266"/>
+        </pc:sldMkLst>
+      </pc:sldChg>
+      <pc:sldChg chg="addSp delSp modSp add mod">
+        <pc:chgData name="François GLEYZON" userId="a2d04f23f7faf3ef" providerId="LiveId" clId="{8625411A-B743-4065-8137-36E899DC5753}" dt="2025-02-14T00:33:54.989" v="10892" actId="20577"/>
+        <pc:sldMkLst>
+          <pc:docMk/>
+          <pc:sldMk cId="3013734229" sldId="266"/>
+        </pc:sldMkLst>
+      </pc:sldChg>
+      <pc:sldChg chg="addSp modSp add del mod">
+        <pc:chgData name="François GLEYZON" userId="a2d04f23f7faf3ef" providerId="LiveId" clId="{8625411A-B743-4065-8137-36E899DC5753}" dt="2025-02-06T23:27:25.798" v="5234" actId="2696"/>
+        <pc:sldMkLst>
+          <pc:docMk/>
+          <pc:sldMk cId="2780066755" sldId="267"/>
+        </pc:sldMkLst>
+      </pc:sldChg>
+    </pc:docChg>
+  </pc:docChgLst>
+  <pc:docChgLst>
     <pc:chgData name="François GLEYZON" userId="a2d04f23f7faf3ef" providerId="LiveId" clId="{1404D58C-429C-4D75-B5B2-E1C9B8E0DC36}"/>
     <pc:docChg chg="undo redo custSel addSld delSld modSld sldOrd">
-      <pc:chgData name="François GLEYZON" userId="a2d04f23f7faf3ef" providerId="LiveId" clId="{1404D58C-429C-4D75-B5B2-E1C9B8E0DC36}" dt="2025-04-03T20:28:57.725" v="14782" actId="20577"/>
+      <pc:chgData name="François GLEYZON" userId="a2d04f23f7faf3ef" providerId="LiveId" clId="{1404D58C-429C-4D75-B5B2-E1C9B8E0DC36}" dt="2025-04-04T00:23:54.492" v="15945" actId="20577"/>
       <pc:docMkLst>
         <pc:docMk/>
       </pc:docMkLst>
@@ -644,14 +856,6 @@
             <pc:docMk/>
             <pc:sldMk cId="1301843568" sldId="271"/>
             <ac:spMk id="31" creationId="{EC48CA77-D243-6742-3D25-563290156031}"/>
-          </ac:spMkLst>
-        </pc:spChg>
-        <pc:spChg chg="add del mod">
-          <ac:chgData name="François GLEYZON" userId="a2d04f23f7faf3ef" providerId="LiveId" clId="{1404D58C-429C-4D75-B5B2-E1C9B8E0DC36}" dt="2025-04-02T19:53:32.145" v="12880" actId="478"/>
-          <ac:spMkLst>
-            <pc:docMk/>
-            <pc:sldMk cId="1301843568" sldId="271"/>
-            <ac:spMk id="32" creationId="{1D4C34E6-F14D-F176-A6A7-96AFB71A7E8C}"/>
           </ac:spMkLst>
         </pc:spChg>
         <pc:spChg chg="add mod">
@@ -1472,8 +1676,8 @@
           </ac:spMkLst>
         </pc:spChg>
       </pc:sldChg>
-      <pc:sldChg chg="addSp modSp add del mod">
-        <pc:chgData name="François GLEYZON" userId="a2d04f23f7faf3ef" providerId="LiveId" clId="{1404D58C-429C-4D75-B5B2-E1C9B8E0DC36}" dt="2025-04-01T21:45:20.637" v="12543"/>
+      <pc:sldChg chg="addSp delSp modSp add del mod">
+        <pc:chgData name="François GLEYZON" userId="a2d04f23f7faf3ef" providerId="LiveId" clId="{1404D58C-429C-4D75-B5B2-E1C9B8E0DC36}" dt="2025-04-03T22:59:57.719" v="14920" actId="20577"/>
         <pc:sldMkLst>
           <pc:docMk/>
           <pc:sldMk cId="963883029" sldId="279"/>
@@ -1487,7 +1691,7 @@
           </ac:spMkLst>
         </pc:spChg>
         <pc:spChg chg="add mod">
-          <ac:chgData name="François GLEYZON" userId="a2d04f23f7faf3ef" providerId="LiveId" clId="{1404D58C-429C-4D75-B5B2-E1C9B8E0DC36}" dt="2025-04-01T21:45:20.637" v="12543"/>
+          <ac:chgData name="François GLEYZON" userId="a2d04f23f7faf3ef" providerId="LiveId" clId="{1404D58C-429C-4D75-B5B2-E1C9B8E0DC36}" dt="2025-04-03T22:59:57.719" v="14920" actId="20577"/>
           <ac:spMkLst>
             <pc:docMk/>
             <pc:sldMk cId="963883029" sldId="279"/>
@@ -1495,15 +1699,31 @@
           </ac:spMkLst>
         </pc:spChg>
         <pc:picChg chg="add mod">
-          <ac:chgData name="François GLEYZON" userId="a2d04f23f7faf3ef" providerId="LiveId" clId="{1404D58C-429C-4D75-B5B2-E1C9B8E0DC36}" dt="2025-03-30T11:28:26.609" v="10669" actId="1076"/>
+          <ac:chgData name="François GLEYZON" userId="a2d04f23f7faf3ef" providerId="LiveId" clId="{1404D58C-429C-4D75-B5B2-E1C9B8E0DC36}" dt="2025-04-03T22:54:33.089" v="14797" actId="1076"/>
+          <ac:picMkLst>
+            <pc:docMk/>
+            <pc:sldMk cId="963883029" sldId="279"/>
+            <ac:picMk id="6" creationId="{7C80191D-7014-3FCA-DF87-3E30F7BBED53}"/>
+          </ac:picMkLst>
+        </pc:picChg>
+        <pc:picChg chg="add mod">
+          <ac:chgData name="François GLEYZON" userId="a2d04f23f7faf3ef" providerId="LiveId" clId="{1404D58C-429C-4D75-B5B2-E1C9B8E0DC36}" dt="2025-04-03T22:54:21.024" v="14795" actId="1076"/>
+          <ac:picMkLst>
+            <pc:docMk/>
+            <pc:sldMk cId="963883029" sldId="279"/>
+            <ac:picMk id="8" creationId="{CCD1CBA6-6015-7324-0B41-0F31685973E5}"/>
+          </ac:picMkLst>
+        </pc:picChg>
+        <pc:picChg chg="add del mod">
+          <ac:chgData name="François GLEYZON" userId="a2d04f23f7faf3ef" providerId="LiveId" clId="{1404D58C-429C-4D75-B5B2-E1C9B8E0DC36}" dt="2025-04-03T22:54:18.129" v="14794" actId="478"/>
           <ac:picMkLst>
             <pc:docMk/>
             <pc:sldMk cId="963883029" sldId="279"/>
             <ac:picMk id="1026" creationId="{6C16ABBD-690A-5D2D-DEE7-6BEA283DD965}"/>
           </ac:picMkLst>
         </pc:picChg>
-        <pc:picChg chg="add mod">
-          <ac:chgData name="François GLEYZON" userId="a2d04f23f7faf3ef" providerId="LiveId" clId="{1404D58C-429C-4D75-B5B2-E1C9B8E0DC36}" dt="2025-03-30T11:28:30.097" v="10670" actId="1076"/>
+        <pc:picChg chg="add del mod">
+          <ac:chgData name="François GLEYZON" userId="a2d04f23f7faf3ef" providerId="LiveId" clId="{1404D58C-429C-4D75-B5B2-E1C9B8E0DC36}" dt="2025-04-03T22:54:23.465" v="14796" actId="478"/>
           <ac:picMkLst>
             <pc:docMk/>
             <pc:sldMk cId="963883029" sldId="279"/>
@@ -1704,14 +1924,6 @@
             <ac:spMk id="3" creationId="{5060CDE2-EF03-66AD-B44C-6026E33F5ADC}"/>
           </ac:spMkLst>
         </pc:spChg>
-        <pc:spChg chg="add">
-          <ac:chgData name="François GLEYZON" userId="a2d04f23f7faf3ef" providerId="LiveId" clId="{1404D58C-429C-4D75-B5B2-E1C9B8E0DC36}" dt="2025-04-02T21:03:42.976" v="14004"/>
-          <ac:spMkLst>
-            <pc:docMk/>
-            <pc:sldMk cId="2304060261" sldId="285"/>
-            <ac:spMk id="4" creationId="{24B1DD51-7780-32D9-4C37-29435C98BC78}"/>
-          </ac:spMkLst>
-        </pc:spChg>
         <pc:spChg chg="add mod">
           <ac:chgData name="François GLEYZON" userId="a2d04f23f7faf3ef" providerId="LiveId" clId="{1404D58C-429C-4D75-B5B2-E1C9B8E0DC36}" dt="2025-04-03T20:28:57.725" v="14782" actId="20577"/>
           <ac:spMkLst>
@@ -1720,62 +1932,6 @@
             <ac:spMk id="10" creationId="{CC06D459-C9F1-BABC-5C0C-4AE0062DAA5A}"/>
           </ac:spMkLst>
         </pc:spChg>
-        <pc:spChg chg="del">
-          <ac:chgData name="François GLEYZON" userId="a2d04f23f7faf3ef" providerId="LiveId" clId="{1404D58C-429C-4D75-B5B2-E1C9B8E0DC36}" dt="2025-04-02T21:03:41.057" v="14002" actId="478"/>
-          <ac:spMkLst>
-            <pc:docMk/>
-            <pc:sldMk cId="2304060261" sldId="285"/>
-            <ac:spMk id="30" creationId="{87CD6C2B-55AD-68FD-884C-6E31155398D9}"/>
-          </ac:spMkLst>
-        </pc:spChg>
-        <pc:spChg chg="del">
-          <ac:chgData name="François GLEYZON" userId="a2d04f23f7faf3ef" providerId="LiveId" clId="{1404D58C-429C-4D75-B5B2-E1C9B8E0DC36}" dt="2025-04-02T21:03:41.057" v="14002" actId="478"/>
-          <ac:spMkLst>
-            <pc:docMk/>
-            <pc:sldMk cId="2304060261" sldId="285"/>
-            <ac:spMk id="31" creationId="{C0CF259C-EBBC-EA83-869B-6173D71DB827}"/>
-          </ac:spMkLst>
-        </pc:spChg>
-        <pc:spChg chg="del">
-          <ac:chgData name="François GLEYZON" userId="a2d04f23f7faf3ef" providerId="LiveId" clId="{1404D58C-429C-4D75-B5B2-E1C9B8E0DC36}" dt="2025-04-02T21:03:41.057" v="14002" actId="478"/>
-          <ac:spMkLst>
-            <pc:docMk/>
-            <pc:sldMk cId="2304060261" sldId="285"/>
-            <ac:spMk id="33" creationId="{AEC03FCD-E530-1263-D443-B35324D6313C}"/>
-          </ac:spMkLst>
-        </pc:spChg>
-        <pc:spChg chg="del">
-          <ac:chgData name="François GLEYZON" userId="a2d04f23f7faf3ef" providerId="LiveId" clId="{1404D58C-429C-4D75-B5B2-E1C9B8E0DC36}" dt="2025-04-02T21:03:41.057" v="14002" actId="478"/>
-          <ac:spMkLst>
-            <pc:docMk/>
-            <pc:sldMk cId="2304060261" sldId="285"/>
-            <ac:spMk id="34" creationId="{A8992990-1FBC-B4B0-6065-12EEE7EE1843}"/>
-          </ac:spMkLst>
-        </pc:spChg>
-        <pc:spChg chg="del">
-          <ac:chgData name="François GLEYZON" userId="a2d04f23f7faf3ef" providerId="LiveId" clId="{1404D58C-429C-4D75-B5B2-E1C9B8E0DC36}" dt="2025-04-02T21:03:41.835" v="14003" actId="478"/>
-          <ac:spMkLst>
-            <pc:docMk/>
-            <pc:sldMk cId="2304060261" sldId="285"/>
-            <ac:spMk id="35" creationId="{FDE70FD0-528C-6F52-B748-AD9AE27BB810}"/>
-          </ac:spMkLst>
-        </pc:spChg>
-        <pc:spChg chg="del">
-          <ac:chgData name="François GLEYZON" userId="a2d04f23f7faf3ef" providerId="LiveId" clId="{1404D58C-429C-4D75-B5B2-E1C9B8E0DC36}" dt="2025-04-02T21:03:41.057" v="14002" actId="478"/>
-          <ac:spMkLst>
-            <pc:docMk/>
-            <pc:sldMk cId="2304060261" sldId="285"/>
-            <ac:spMk id="37" creationId="{7C9A947F-F539-017B-40AC-83CD5A6E5DB7}"/>
-          </ac:spMkLst>
-        </pc:spChg>
-        <pc:grpChg chg="del">
-          <ac:chgData name="François GLEYZON" userId="a2d04f23f7faf3ef" providerId="LiveId" clId="{1404D58C-429C-4D75-B5B2-E1C9B8E0DC36}" dt="2025-04-02T21:03:41.057" v="14002" actId="478"/>
-          <ac:grpSpMkLst>
-            <pc:docMk/>
-            <pc:sldMk cId="2304060261" sldId="285"/>
-            <ac:grpSpMk id="48" creationId="{2636A78B-262C-89DB-67D7-BB8BE118E1D6}"/>
-          </ac:grpSpMkLst>
-        </pc:grpChg>
         <pc:graphicFrameChg chg="add mod">
           <ac:chgData name="François GLEYZON" userId="a2d04f23f7faf3ef" providerId="LiveId" clId="{1404D58C-429C-4D75-B5B2-E1C9B8E0DC36}" dt="2025-04-03T20:28:08.630" v="14714" actId="14100"/>
           <ac:graphicFrameMkLst>
@@ -1816,249 +1972,101 @@
             <ac:picMk id="1028" creationId="{C6E19F88-0C85-B25D-5632-990BA65122B0}"/>
           </ac:picMkLst>
         </pc:picChg>
-        <pc:cxnChg chg="del">
-          <ac:chgData name="François GLEYZON" userId="a2d04f23f7faf3ef" providerId="LiveId" clId="{1404D58C-429C-4D75-B5B2-E1C9B8E0DC36}" dt="2025-04-02T21:03:41.057" v="14002" actId="478"/>
-          <ac:cxnSpMkLst>
-            <pc:docMk/>
-            <pc:sldMk cId="2304060261" sldId="285"/>
-            <ac:cxnSpMk id="7" creationId="{8E2C6F12-EF49-9D92-9068-23E13078AD9D}"/>
-          </ac:cxnSpMkLst>
-        </pc:cxnChg>
-        <pc:cxnChg chg="del">
-          <ac:chgData name="François GLEYZON" userId="a2d04f23f7faf3ef" providerId="LiveId" clId="{1404D58C-429C-4D75-B5B2-E1C9B8E0DC36}" dt="2025-04-02T21:03:41.057" v="14002" actId="478"/>
-          <ac:cxnSpMkLst>
-            <pc:docMk/>
-            <pc:sldMk cId="2304060261" sldId="285"/>
-            <ac:cxnSpMk id="21" creationId="{A5A692EF-4E9B-7582-C08E-C74C15A00376}"/>
-          </ac:cxnSpMkLst>
-        </pc:cxnChg>
-        <pc:cxnChg chg="del">
-          <ac:chgData name="François GLEYZON" userId="a2d04f23f7faf3ef" providerId="LiveId" clId="{1404D58C-429C-4D75-B5B2-E1C9B8E0DC36}" dt="2025-04-02T21:03:41.057" v="14002" actId="478"/>
-          <ac:cxnSpMkLst>
-            <pc:docMk/>
-            <pc:sldMk cId="2304060261" sldId="285"/>
-            <ac:cxnSpMk id="27" creationId="{872C4C45-6BD0-64C7-6C14-863F2213BF48}"/>
-          </ac:cxnSpMkLst>
-        </pc:cxnChg>
-        <pc:cxnChg chg="del">
-          <ac:chgData name="François GLEYZON" userId="a2d04f23f7faf3ef" providerId="LiveId" clId="{1404D58C-429C-4D75-B5B2-E1C9B8E0DC36}" dt="2025-04-02T21:03:41.057" v="14002" actId="478"/>
-          <ac:cxnSpMkLst>
-            <pc:docMk/>
-            <pc:sldMk cId="2304060261" sldId="285"/>
-            <ac:cxnSpMk id="49" creationId="{DA0B6933-F94A-9E6D-CFE1-5BA5AF18CDAC}"/>
-          </ac:cxnSpMkLst>
-        </pc:cxnChg>
       </pc:sldChg>
-    </pc:docChg>
-  </pc:docChgLst>
-  <pc:docChgLst>
-    <pc:chgData name="François GLEYZON" userId="a2d04f23f7faf3ef" providerId="LiveId" clId="{8625411A-B743-4065-8137-36E899DC5753}"/>
-    <pc:docChg chg="undo custSel addSld delSld modSld">
-      <pc:chgData name="François GLEYZON" userId="a2d04f23f7faf3ef" providerId="LiveId" clId="{8625411A-B743-4065-8137-36E899DC5753}" dt="2025-02-15T18:58:39.562" v="10910" actId="108"/>
-      <pc:docMkLst>
-        <pc:docMk/>
-      </pc:docMkLst>
-      <pc:sldChg chg="addSp delSp modSp mod">
-        <pc:chgData name="François GLEYZON" userId="a2d04f23f7faf3ef" providerId="LiveId" clId="{8625411A-B743-4065-8137-36E899DC5753}" dt="2025-02-14T00:29:59.019" v="10862" actId="790"/>
+      <pc:sldChg chg="addSp delSp modSp add mod">
+        <pc:chgData name="François GLEYZON" userId="a2d04f23f7faf3ef" providerId="LiveId" clId="{1404D58C-429C-4D75-B5B2-E1C9B8E0DC36}" dt="2025-04-04T00:23:54.492" v="15945" actId="20577"/>
         <pc:sldMkLst>
           <pc:docMk/>
-          <pc:sldMk cId="2801290844" sldId="256"/>
+          <pc:sldMk cId="1890707992" sldId="287"/>
         </pc:sldMkLst>
-        <pc:spChg chg="add mod">
-          <ac:chgData name="François GLEYZON" userId="a2d04f23f7faf3ef" providerId="LiveId" clId="{8625411A-B743-4065-8137-36E899DC5753}" dt="2025-02-14T00:29:59.019" v="10862" actId="790"/>
+        <pc:spChg chg="mod">
+          <ac:chgData name="François GLEYZON" userId="a2d04f23f7faf3ef" providerId="LiveId" clId="{1404D58C-429C-4D75-B5B2-E1C9B8E0DC36}" dt="2025-04-04T00:22:22.156" v="15744" actId="113"/>
           <ac:spMkLst>
             <pc:docMk/>
-            <pc:sldMk cId="2801290844" sldId="256"/>
-            <ac:spMk id="2" creationId="{1C671FC3-1B2C-746A-F6A8-77FA9A8DC743}"/>
+            <pc:sldMk cId="1890707992" sldId="287"/>
+            <ac:spMk id="3" creationId="{C6950B5F-F1F9-EDD4-CF9C-6647BAFC3EAC}"/>
+          </ac:spMkLst>
+        </pc:spChg>
+        <pc:spChg chg="del">
+          <ac:chgData name="François GLEYZON" userId="a2d04f23f7faf3ef" providerId="LiveId" clId="{1404D58C-429C-4D75-B5B2-E1C9B8E0DC36}" dt="2025-04-03T23:01:26.862" v="15139" actId="478"/>
+          <ac:spMkLst>
+            <pc:docMk/>
+            <pc:sldMk cId="1890707992" sldId="287"/>
+            <ac:spMk id="4" creationId="{FCF556FF-9CB4-045B-D933-809965E959B4}"/>
           </ac:spMkLst>
         </pc:spChg>
         <pc:spChg chg="add mod">
-          <ac:chgData name="François GLEYZON" userId="a2d04f23f7faf3ef" providerId="LiveId" clId="{8625411A-B743-4065-8137-36E899DC5753}" dt="2025-02-14T00:29:59.019" v="10862" actId="790"/>
+          <ac:chgData name="François GLEYZON" userId="a2d04f23f7faf3ef" providerId="LiveId" clId="{1404D58C-429C-4D75-B5B2-E1C9B8E0DC36}" dt="2025-04-04T00:16:35.447" v="15723" actId="1076"/>
           <ac:spMkLst>
             <pc:docMk/>
-            <pc:sldMk cId="2801290844" sldId="256"/>
-            <ac:spMk id="3" creationId="{568554F7-B174-79F4-DC46-68D2FF64134D}"/>
+            <pc:sldMk cId="1890707992" sldId="287"/>
+            <ac:spMk id="10" creationId="{196B7F35-4F5B-4B4C-F7FC-A843B0FE24B0}"/>
           </ac:spMkLst>
         </pc:spChg>
         <pc:spChg chg="add mod">
-          <ac:chgData name="François GLEYZON" userId="a2d04f23f7faf3ef" providerId="LiveId" clId="{8625411A-B743-4065-8137-36E899DC5753}" dt="2025-02-14T00:29:59.019" v="10862" actId="790"/>
+          <ac:chgData name="François GLEYZON" userId="a2d04f23f7faf3ef" providerId="LiveId" clId="{1404D58C-429C-4D75-B5B2-E1C9B8E0DC36}" dt="2025-04-04T00:05:31.115" v="15536" actId="14100"/>
           <ac:spMkLst>
             <pc:docMk/>
-            <pc:sldMk cId="2801290844" sldId="256"/>
-            <ac:spMk id="4" creationId="{95E7F9AA-F423-8939-0562-C60D980C1651}"/>
+            <pc:sldMk cId="1890707992" sldId="287"/>
+            <ac:spMk id="11" creationId="{42B9BEB8-3BB9-5E1C-7F75-CF331C4542B4}"/>
           </ac:spMkLst>
         </pc:spChg>
         <pc:spChg chg="add mod">
-          <ac:chgData name="François GLEYZON" userId="a2d04f23f7faf3ef" providerId="LiveId" clId="{8625411A-B743-4065-8137-36E899DC5753}" dt="2025-02-14T00:29:59.019" v="10862" actId="790"/>
+          <ac:chgData name="François GLEYZON" userId="a2d04f23f7faf3ef" providerId="LiveId" clId="{1404D58C-429C-4D75-B5B2-E1C9B8E0DC36}" dt="2025-04-04T00:12:11.664" v="15720" actId="20577"/>
           <ac:spMkLst>
             <pc:docMk/>
-            <pc:sldMk cId="2801290844" sldId="256"/>
-            <ac:spMk id="5" creationId="{CCB64622-7D99-EF9C-E64A-6B7A68B130E7}"/>
+            <pc:sldMk cId="1890707992" sldId="287"/>
+            <ac:spMk id="12" creationId="{6DE69E4E-FADB-5518-C02E-5DF64D7385B1}"/>
           </ac:spMkLst>
         </pc:spChg>
         <pc:spChg chg="add mod">
-          <ac:chgData name="François GLEYZON" userId="a2d04f23f7faf3ef" providerId="LiveId" clId="{8625411A-B743-4065-8137-36E899DC5753}" dt="2025-02-14T00:29:59.019" v="10862" actId="790"/>
+          <ac:chgData name="François GLEYZON" userId="a2d04f23f7faf3ef" providerId="LiveId" clId="{1404D58C-429C-4D75-B5B2-E1C9B8E0DC36}" dt="2025-04-04T00:17:18.028" v="15735" actId="1035"/>
           <ac:spMkLst>
             <pc:docMk/>
-            <pc:sldMk cId="2801290844" sldId="256"/>
-            <ac:spMk id="6" creationId="{57048EEB-143A-0EB0-AB6E-49FD65A632CE}"/>
+            <pc:sldMk cId="1890707992" sldId="287"/>
+            <ac:spMk id="14" creationId="{F9B00539-BB79-E654-F784-5DEF8095ABB7}"/>
           </ac:spMkLst>
         </pc:spChg>
         <pc:spChg chg="add mod">
-          <ac:chgData name="François GLEYZON" userId="a2d04f23f7faf3ef" providerId="LiveId" clId="{8625411A-B743-4065-8137-36E899DC5753}" dt="2025-02-14T00:29:59.019" v="10862" actId="790"/>
+          <ac:chgData name="François GLEYZON" userId="a2d04f23f7faf3ef" providerId="LiveId" clId="{1404D58C-429C-4D75-B5B2-E1C9B8E0DC36}" dt="2025-04-04T00:23:54.492" v="15945" actId="20577"/>
           <ac:spMkLst>
             <pc:docMk/>
-            <pc:sldMk cId="2801290844" sldId="256"/>
-            <ac:spMk id="7" creationId="{230C37D5-1433-52B7-0A78-180B08205F17}"/>
+            <pc:sldMk cId="1890707992" sldId="287"/>
+            <ac:spMk id="15" creationId="{D11F179C-F76D-D282-B0F3-B27CA93980EB}"/>
           </ac:spMkLst>
         </pc:spChg>
-        <pc:spChg chg="add mod">
-          <ac:chgData name="François GLEYZON" userId="a2d04f23f7faf3ef" providerId="LiveId" clId="{8625411A-B743-4065-8137-36E899DC5753}" dt="2025-02-14T00:29:59.019" v="10862" actId="790"/>
-          <ac:spMkLst>
+        <pc:picChg chg="del">
+          <ac:chgData name="François GLEYZON" userId="a2d04f23f7faf3ef" providerId="LiveId" clId="{1404D58C-429C-4D75-B5B2-E1C9B8E0DC36}" dt="2025-04-03T23:01:25.447" v="15138" actId="478"/>
+          <ac:picMkLst>
             <pc:docMk/>
-            <pc:sldMk cId="2801290844" sldId="256"/>
-            <ac:spMk id="8" creationId="{C9F42401-7236-E1BF-C86A-2AA6084B3FAA}"/>
-          </ac:spMkLst>
-        </pc:spChg>
-        <pc:spChg chg="add mod">
-          <ac:chgData name="François GLEYZON" userId="a2d04f23f7faf3ef" providerId="LiveId" clId="{8625411A-B743-4065-8137-36E899DC5753}" dt="2025-02-14T00:29:59.019" v="10862" actId="790"/>
-          <ac:spMkLst>
+            <pc:sldMk cId="1890707992" sldId="287"/>
+            <ac:picMk id="6" creationId="{0B1CBF28-EE99-39AA-EEAD-5AFC2EBB1966}"/>
+          </ac:picMkLst>
+        </pc:picChg>
+        <pc:picChg chg="add mod">
+          <ac:chgData name="François GLEYZON" userId="a2d04f23f7faf3ef" providerId="LiveId" clId="{1404D58C-429C-4D75-B5B2-E1C9B8E0DC36}" dt="2025-04-04T00:16:26.165" v="15721" actId="14100"/>
+          <ac:picMkLst>
             <pc:docMk/>
-            <pc:sldMk cId="2801290844" sldId="256"/>
-            <ac:spMk id="9" creationId="{D5471492-F85C-788A-940F-DC5DE2D8F51E}"/>
-          </ac:spMkLst>
-        </pc:spChg>
-        <pc:spChg chg="add mod">
-          <ac:chgData name="François GLEYZON" userId="a2d04f23f7faf3ef" providerId="LiveId" clId="{8625411A-B743-4065-8137-36E899DC5753}" dt="2025-02-14T00:29:59.019" v="10862" actId="790"/>
-          <ac:spMkLst>
+            <pc:sldMk cId="1890707992" sldId="287"/>
+            <ac:picMk id="7" creationId="{B882F556-0333-1C5D-DBD6-EE8EB6BDCECD}"/>
+          </ac:picMkLst>
+        </pc:picChg>
+        <pc:picChg chg="del">
+          <ac:chgData name="François GLEYZON" userId="a2d04f23f7faf3ef" providerId="LiveId" clId="{1404D58C-429C-4D75-B5B2-E1C9B8E0DC36}" dt="2025-04-03T23:01:24.938" v="15137" actId="478"/>
+          <ac:picMkLst>
             <pc:docMk/>
-            <pc:sldMk cId="2801290844" sldId="256"/>
-            <ac:spMk id="11" creationId="{ADA3B4ED-F9F9-8357-018A-C931A9829ED9}"/>
-          </ac:spMkLst>
-        </pc:spChg>
-        <pc:spChg chg="add mod">
-          <ac:chgData name="François GLEYZON" userId="a2d04f23f7faf3ef" providerId="LiveId" clId="{8625411A-B743-4065-8137-36E899DC5753}" dt="2025-02-14T00:29:59.019" v="10862" actId="790"/>
-          <ac:spMkLst>
+            <pc:sldMk cId="1890707992" sldId="287"/>
+            <ac:picMk id="8" creationId="{6BDBD103-464E-72D9-54DB-6C2C1AF707A8}"/>
+          </ac:picMkLst>
+        </pc:picChg>
+        <pc:picChg chg="add mod">
+          <ac:chgData name="François GLEYZON" userId="a2d04f23f7faf3ef" providerId="LiveId" clId="{1404D58C-429C-4D75-B5B2-E1C9B8E0DC36}" dt="2025-04-04T00:16:51.201" v="15727" actId="1076"/>
+          <ac:picMkLst>
             <pc:docMk/>
-            <pc:sldMk cId="2801290844" sldId="256"/>
-            <ac:spMk id="13" creationId="{2A150A6C-B8B3-44CE-8884-B81C5AD95D13}"/>
-          </ac:spMkLst>
-        </pc:spChg>
-      </pc:sldChg>
-      <pc:sldChg chg="addSp delSp modSp mod">
-        <pc:chgData name="François GLEYZON" userId="a2d04f23f7faf3ef" providerId="LiveId" clId="{8625411A-B743-4065-8137-36E899DC5753}" dt="2025-02-14T00:29:59.019" v="10862" actId="790"/>
-        <pc:sldMkLst>
-          <pc:docMk/>
-          <pc:sldMk cId="2487955664" sldId="257"/>
-        </pc:sldMkLst>
-      </pc:sldChg>
-      <pc:sldChg chg="addSp delSp modSp mod">
-        <pc:chgData name="François GLEYZON" userId="a2d04f23f7faf3ef" providerId="LiveId" clId="{8625411A-B743-4065-8137-36E899DC5753}" dt="2025-02-14T00:29:59.019" v="10862" actId="790"/>
-        <pc:sldMkLst>
-          <pc:docMk/>
-          <pc:sldMk cId="3497435959" sldId="258"/>
-        </pc:sldMkLst>
-      </pc:sldChg>
-      <pc:sldChg chg="addSp modSp mod">
-        <pc:chgData name="François GLEYZON" userId="a2d04f23f7faf3ef" providerId="LiveId" clId="{8625411A-B743-4065-8137-36E899DC5753}" dt="2025-02-14T00:29:59.019" v="10862" actId="790"/>
-        <pc:sldMkLst>
-          <pc:docMk/>
-          <pc:sldMk cId="415248" sldId="259"/>
-        </pc:sldMkLst>
-      </pc:sldChg>
-      <pc:sldChg chg="addSp delSp modSp mod">
-        <pc:chgData name="François GLEYZON" userId="a2d04f23f7faf3ef" providerId="LiveId" clId="{8625411A-B743-4065-8137-36E899DC5753}" dt="2025-02-14T00:29:59.019" v="10862" actId="790"/>
-        <pc:sldMkLst>
-          <pc:docMk/>
-          <pc:sldMk cId="1063259523" sldId="260"/>
-        </pc:sldMkLst>
-      </pc:sldChg>
-      <pc:sldChg chg="addSp delSp modSp mod">
-        <pc:chgData name="François GLEYZON" userId="a2d04f23f7faf3ef" providerId="LiveId" clId="{8625411A-B743-4065-8137-36E899DC5753}" dt="2025-02-14T00:29:59.019" v="10862" actId="790"/>
-        <pc:sldMkLst>
-          <pc:docMk/>
-          <pc:sldMk cId="1452944335" sldId="261"/>
-        </pc:sldMkLst>
-      </pc:sldChg>
-      <pc:sldChg chg="del">
-        <pc:chgData name="François GLEYZON" userId="a2d04f23f7faf3ef" providerId="LiveId" clId="{8625411A-B743-4065-8137-36E899DC5753}" dt="2025-02-05T20:27:22.032" v="3304" actId="2696"/>
-        <pc:sldMkLst>
-          <pc:docMk/>
-          <pc:sldMk cId="3272513737" sldId="262"/>
-        </pc:sldMkLst>
-      </pc:sldChg>
-      <pc:sldChg chg="addSp delSp modSp mod">
-        <pc:chgData name="François GLEYZON" userId="a2d04f23f7faf3ef" providerId="LiveId" clId="{8625411A-B743-4065-8137-36E899DC5753}" dt="2025-02-14T00:36:09.326" v="10909" actId="20577"/>
-        <pc:sldMkLst>
-          <pc:docMk/>
-          <pc:sldMk cId="2174773392" sldId="263"/>
-        </pc:sldMkLst>
-      </pc:sldChg>
-      <pc:sldChg chg="addSp modSp mod">
-        <pc:chgData name="François GLEYZON" userId="a2d04f23f7faf3ef" providerId="LiveId" clId="{8625411A-B743-4065-8137-36E899DC5753}" dt="2025-02-15T18:58:39.562" v="10910" actId="108"/>
-        <pc:sldMkLst>
-          <pc:docMk/>
-          <pc:sldMk cId="508563345" sldId="264"/>
-        </pc:sldMkLst>
-      </pc:sldChg>
-      <pc:sldChg chg="addSp delSp modSp mod">
-        <pc:chgData name="François GLEYZON" userId="a2d04f23f7faf3ef" providerId="LiveId" clId="{8625411A-B743-4065-8137-36E899DC5753}" dt="2025-02-14T00:29:59.019" v="10862" actId="790"/>
-        <pc:sldMkLst>
-          <pc:docMk/>
-          <pc:sldMk cId="1966793551" sldId="265"/>
-        </pc:sldMkLst>
-        <pc:spChg chg="add mod">
-          <ac:chgData name="François GLEYZON" userId="a2d04f23f7faf3ef" providerId="LiveId" clId="{8625411A-B743-4065-8137-36E899DC5753}" dt="2025-02-14T00:29:59.019" v="10862" actId="790"/>
-          <ac:spMkLst>
-            <pc:docMk/>
-            <pc:sldMk cId="1966793551" sldId="265"/>
-            <ac:spMk id="9" creationId="{6E9846D3-47A3-2AE6-6383-AB77CC5B517E}"/>
-          </ac:spMkLst>
-        </pc:spChg>
-        <pc:spChg chg="add mod ord">
-          <ac:chgData name="François GLEYZON" userId="a2d04f23f7faf3ef" providerId="LiveId" clId="{8625411A-B743-4065-8137-36E899DC5753}" dt="2025-02-14T00:29:59.019" v="10862" actId="790"/>
-          <ac:spMkLst>
-            <pc:docMk/>
-            <pc:sldMk cId="1966793551" sldId="265"/>
-            <ac:spMk id="36" creationId="{2C2B60A1-0B89-3546-D8C8-0D44097F35C2}"/>
-          </ac:spMkLst>
-        </pc:spChg>
-        <pc:spChg chg="add mod">
-          <ac:chgData name="François GLEYZON" userId="a2d04f23f7faf3ef" providerId="LiveId" clId="{8625411A-B743-4065-8137-36E899DC5753}" dt="2025-02-04T18:51:49.469" v="1905" actId="207"/>
-          <ac:spMkLst>
-            <pc:docMk/>
-            <pc:sldMk cId="1966793551" sldId="265"/>
-            <ac:spMk id="39" creationId="{AECA565B-75E5-1F68-434E-112D93E38360}"/>
-          </ac:spMkLst>
-        </pc:spChg>
-      </pc:sldChg>
-      <pc:sldChg chg="new del">
-        <pc:chgData name="François GLEYZON" userId="a2d04f23f7faf3ef" providerId="LiveId" clId="{8625411A-B743-4065-8137-36E899DC5753}" dt="2025-02-04T19:00:36.481" v="2380" actId="680"/>
-        <pc:sldMkLst>
-          <pc:docMk/>
-          <pc:sldMk cId="340820215" sldId="266"/>
-        </pc:sldMkLst>
-      </pc:sldChg>
-      <pc:sldChg chg="new del">
-        <pc:chgData name="François GLEYZON" userId="a2d04f23f7faf3ef" providerId="LiveId" clId="{8625411A-B743-4065-8137-36E899DC5753}" dt="2025-02-04T18:37:03.903" v="1162" actId="680"/>
-        <pc:sldMkLst>
-          <pc:docMk/>
-          <pc:sldMk cId="856272587" sldId="266"/>
-        </pc:sldMkLst>
-      </pc:sldChg>
-      <pc:sldChg chg="addSp delSp modSp add mod">
-        <pc:chgData name="François GLEYZON" userId="a2d04f23f7faf3ef" providerId="LiveId" clId="{8625411A-B743-4065-8137-36E899DC5753}" dt="2025-02-14T00:33:54.989" v="10892" actId="20577"/>
-        <pc:sldMkLst>
-          <pc:docMk/>
-          <pc:sldMk cId="3013734229" sldId="266"/>
-        </pc:sldMkLst>
-      </pc:sldChg>
-      <pc:sldChg chg="addSp modSp add del mod">
-        <pc:chgData name="François GLEYZON" userId="a2d04f23f7faf3ef" providerId="LiveId" clId="{8625411A-B743-4065-8137-36E899DC5753}" dt="2025-02-06T23:27:25.798" v="5234" actId="2696"/>
-        <pc:sldMkLst>
-          <pc:docMk/>
-          <pc:sldMk cId="2780066755" sldId="267"/>
-        </pc:sldMkLst>
+            <pc:sldMk cId="1890707992" sldId="287"/>
+            <ac:picMk id="13" creationId="{BFB3B096-5A5B-1347-0F67-D5003439F6BA}"/>
+          </ac:picMkLst>
+        </pc:picChg>
       </pc:sldChg>
     </pc:docChg>
   </pc:docChgLst>
@@ -14647,100 +14655,6 @@
           </a:p>
         </p:txBody>
       </p:sp>
-      <p:pic>
-        <p:nvPicPr>
-          <p:cNvPr id="1026" name="Picture 2" descr="Image générée">
-            <a:extLst>
-              <a:ext uri="{FF2B5EF4-FFF2-40B4-BE49-F238E27FC236}">
-                <a16:creationId xmlns:a16="http://schemas.microsoft.com/office/drawing/2014/main" id="{6C16ABBD-690A-5D2D-DEE7-6BEA283DD965}"/>
-              </a:ext>
-            </a:extLst>
-          </p:cNvPr>
-          <p:cNvPicPr>
-            <a:picLocks noChangeAspect="1" noChangeArrowheads="1"/>
-          </p:cNvPicPr>
-          <p:nvPr/>
-        </p:nvPicPr>
-        <p:blipFill>
-          <a:blip r:embed="rId2">
-            <a:extLst>
-              <a:ext uri="{28A0092B-C50C-407E-A947-70E740481C1C}">
-                <a14:useLocalDpi xmlns:a14="http://schemas.microsoft.com/office/drawing/2010/main" val="0"/>
-              </a:ext>
-            </a:extLst>
-          </a:blip>
-          <a:srcRect/>
-          <a:stretch>
-            <a:fillRect/>
-          </a:stretch>
-        </p:blipFill>
-        <p:spPr bwMode="auto">
-          <a:xfrm>
-            <a:off x="672848" y="1400250"/>
-            <a:ext cx="4857750" cy="3863306"/>
-          </a:xfrm>
-          <a:prstGeom prst="rect">
-            <a:avLst/>
-          </a:prstGeom>
-          <a:noFill/>
-          <a:extLst>
-            <a:ext uri="{909E8E84-426E-40DD-AFC4-6F175D3DCCD1}">
-              <a14:hiddenFill xmlns:a14="http://schemas.microsoft.com/office/drawing/2010/main">
-                <a:solidFill>
-                  <a:srgbClr val="FFFFFF"/>
-                </a:solidFill>
-              </a14:hiddenFill>
-            </a:ext>
-          </a:extLst>
-        </p:spPr>
-      </p:pic>
-      <p:pic>
-        <p:nvPicPr>
-          <p:cNvPr id="1028" name="Picture 4" descr="Image générée">
-            <a:extLst>
-              <a:ext uri="{FF2B5EF4-FFF2-40B4-BE49-F238E27FC236}">
-                <a16:creationId xmlns:a16="http://schemas.microsoft.com/office/drawing/2014/main" id="{4607879A-50B3-9811-6ABC-DBE88997E5D5}"/>
-              </a:ext>
-            </a:extLst>
-          </p:cNvPr>
-          <p:cNvPicPr>
-            <a:picLocks noChangeAspect="1" noChangeArrowheads="1"/>
-          </p:cNvPicPr>
-          <p:nvPr/>
-        </p:nvPicPr>
-        <p:blipFill>
-          <a:blip r:embed="rId3">
-            <a:extLst>
-              <a:ext uri="{28A0092B-C50C-407E-A947-70E740481C1C}">
-                <a14:useLocalDpi xmlns:a14="http://schemas.microsoft.com/office/drawing/2010/main" val="0"/>
-              </a:ext>
-            </a:extLst>
-          </a:blip>
-          <a:srcRect/>
-          <a:stretch>
-            <a:fillRect/>
-          </a:stretch>
-        </p:blipFill>
-        <p:spPr bwMode="auto">
-          <a:xfrm>
-            <a:off x="6661404" y="1497347"/>
-            <a:ext cx="5029452" cy="3863306"/>
-          </a:xfrm>
-          <a:prstGeom prst="rect">
-            <a:avLst/>
-          </a:prstGeom>
-          <a:noFill/>
-          <a:extLst>
-            <a:ext uri="{909E8E84-426E-40DD-AFC4-6F175D3DCCD1}">
-              <a14:hiddenFill xmlns:a14="http://schemas.microsoft.com/office/drawing/2010/main">
-                <a:solidFill>
-                  <a:srgbClr val="FFFFFF"/>
-                </a:solidFill>
-              </a14:hiddenFill>
-            </a:ext>
-          </a:extLst>
-        </p:spPr>
-      </p:pic>
       <p:sp>
         <p:nvSpPr>
           <p:cNvPr id="3" name="TextBox 2">
@@ -14819,8 +14733,8 @@
           </a:p>
         </p:txBody>
       </p:sp>
-      <mc:AlternateContent xmlns:mc="http://schemas.openxmlformats.org/markup-compatibility/2006" xmlns:a14="http://schemas.microsoft.com/office/drawing/2010/main">
-        <mc:Choice Requires="a14">
+      <mc:AlternateContent xmlns:mc="http://schemas.openxmlformats.org/markup-compatibility/2006">
+        <mc:Choice xmlns:a14="http://schemas.microsoft.com/office/drawing/2010/main" Requires="a14">
           <p:sp>
             <p:nvSpPr>
               <p:cNvPr id="4" name="TextBox 3">
@@ -14876,17 +14790,21 @@
                     <a:latin typeface="Times New Roman" panose="02020603050405020304" pitchFamily="18" charset="0"/>
                     <a:cs typeface="Times New Roman" panose="02020603050405020304" pitchFamily="18" charset="0"/>
                   </a:rPr>
-                  <a:t>, étant donné que la p-box est très fine. </a:t>
+                  <a:t>, étant donné que la p-box est très fine. Nous pouvons maintenant </a:t>
+                </a:r>
+                <a:r>
+                  <a:rPr lang="fr-FR" dirty="0" err="1">
+                    <a:latin typeface="Times New Roman" panose="02020603050405020304" pitchFamily="18" charset="0"/>
+                    <a:cs typeface="Times New Roman" panose="02020603050405020304" pitchFamily="18" charset="0"/>
+                  </a:rPr>
+                  <a:t>intepréter</a:t>
                 </a:r>
                 <a:r>
                   <a:rPr lang="fr-FR" dirty="0">
-                    <a:highlight>
-                      <a:srgbClr val="FFFF00"/>
-                    </a:highlight>
                     <a:latin typeface="Times New Roman" panose="02020603050405020304" pitchFamily="18" charset="0"/>
                     <a:cs typeface="Times New Roman" panose="02020603050405020304" pitchFamily="18" charset="0"/>
                   </a:rPr>
-                  <a:t>FAIRE QUELQUES INTERPRETATION/LECTURE GRAPHIQUE + calcul de </a:t>
+                  <a:t> les résultats à l’aide de ces graphiques. Enfin nous déterminerons </a:t>
                 </a:r>
                 <a14:m>
                   <m:oMath xmlns:m="http://schemas.openxmlformats.org/officeDocument/2006/math">
@@ -14918,6 +14836,13 @@
                         </m:r>
                       </m:sub>
                     </m:sSub>
+                    <m:r>
+                      <a:rPr lang="fr-FR" b="0" i="0" noProof="0" smtClean="0">
+                        <a:latin typeface="Cambria Math" panose="02040503050406030204" pitchFamily="18" charset="0"/>
+                        <a:cs typeface="Times New Roman" panose="02020603050405020304" pitchFamily="18" charset="0"/>
+                      </a:rPr>
+                      <m:t>.</m:t>
+                    </m:r>
                   </m:oMath>
                 </a14:m>
                 <a:endParaRPr lang="fr-FR" noProof="0" dirty="0">
@@ -14931,7 +14856,7 @@
             </p:txBody>
           </p:sp>
         </mc:Choice>
-        <mc:Fallback xmlns="">
+        <mc:Fallback>
           <p:sp>
             <p:nvSpPr>
               <p:cNvPr id="4" name="TextBox 3">
@@ -14955,9 +14880,1397 @@
                 <a:avLst/>
               </a:prstGeom>
               <a:blipFill>
+                <a:blip r:embed="rId2"/>
+                <a:stretch>
+                  <a:fillRect l="-400" t="-3226" r="-400" b="-7097"/>
+                </a:stretch>
+              </a:blipFill>
+            </p:spPr>
+            <p:txBody>
+              <a:bodyPr/>
+              <a:lstStyle/>
+              <a:p>
+                <a:r>
+                  <a:rPr lang="en-GB">
+                    <a:noFill/>
+                  </a:rPr>
+                  <a:t> </a:t>
+                </a:r>
+              </a:p>
+            </p:txBody>
+          </p:sp>
+        </mc:Fallback>
+      </mc:AlternateContent>
+      <p:pic>
+        <p:nvPicPr>
+          <p:cNvPr id="6" name="Picture 5" descr="A graph with a line&#10;&#10;AI-generated content may be incorrect.">
+            <a:extLst>
+              <a:ext uri="{FF2B5EF4-FFF2-40B4-BE49-F238E27FC236}">
+                <a16:creationId xmlns:a16="http://schemas.microsoft.com/office/drawing/2014/main" id="{7C80191D-7014-3FCA-DF87-3E30F7BBED53}"/>
+              </a:ext>
+            </a:extLst>
+          </p:cNvPr>
+          <p:cNvPicPr>
+            <a:picLocks noChangeAspect="1"/>
+          </p:cNvPicPr>
+          <p:nvPr/>
+        </p:nvPicPr>
+        <p:blipFill>
+          <a:blip r:embed="rId3">
+            <a:extLst>
+              <a:ext uri="{28A0092B-C50C-407E-A947-70E740481C1C}">
+                <a14:useLocalDpi xmlns:a14="http://schemas.microsoft.com/office/drawing/2010/main" val="0"/>
+              </a:ext>
+            </a:extLst>
+          </a:blip>
+          <a:stretch>
+            <a:fillRect/>
+          </a:stretch>
+        </p:blipFill>
+        <p:spPr>
+          <a:xfrm>
+            <a:off x="6324958" y="1321883"/>
+            <a:ext cx="5316708" cy="3987531"/>
+          </a:xfrm>
+          <a:prstGeom prst="rect">
+            <a:avLst/>
+          </a:prstGeom>
+        </p:spPr>
+      </p:pic>
+      <p:pic>
+        <p:nvPicPr>
+          <p:cNvPr id="8" name="Picture 7" descr="A graph with a green line&#10;&#10;AI-generated content may be incorrect.">
+            <a:extLst>
+              <a:ext uri="{FF2B5EF4-FFF2-40B4-BE49-F238E27FC236}">
+                <a16:creationId xmlns:a16="http://schemas.microsoft.com/office/drawing/2014/main" id="{CCD1CBA6-6015-7324-0B41-0F31685973E5}"/>
+              </a:ext>
+            </a:extLst>
+          </p:cNvPr>
+          <p:cNvPicPr>
+            <a:picLocks noChangeAspect="1"/>
+          </p:cNvPicPr>
+          <p:nvPr/>
+        </p:nvPicPr>
+        <p:blipFill>
+          <a:blip r:embed="rId4">
+            <a:extLst>
+              <a:ext uri="{28A0092B-C50C-407E-A947-70E740481C1C}">
+                <a14:useLocalDpi xmlns:a14="http://schemas.microsoft.com/office/drawing/2010/main" val="0"/>
+              </a:ext>
+            </a:extLst>
+          </a:blip>
+          <a:stretch>
+            <a:fillRect/>
+          </a:stretch>
+        </p:blipFill>
+        <p:spPr>
+          <a:xfrm>
+            <a:off x="384592" y="1321883"/>
+            <a:ext cx="5316708" cy="3987531"/>
+          </a:xfrm>
+          <a:prstGeom prst="rect">
+            <a:avLst/>
+          </a:prstGeom>
+        </p:spPr>
+      </p:pic>
+    </p:spTree>
+    <p:extLst>
+      <p:ext uri="{BB962C8B-B14F-4D97-AF65-F5344CB8AC3E}">
+        <p14:creationId xmlns:p14="http://schemas.microsoft.com/office/powerpoint/2010/main" val="963883029"/>
+      </p:ext>
+    </p:extLst>
+  </p:cSld>
+  <p:clrMapOvr>
+    <a:masterClrMapping/>
+  </p:clrMapOvr>
+</p:sld>
+</file>
+
+<file path=ppt/slides/slide17.xml><?xml version="1.0" encoding="utf-8"?>
+<p:sld xmlns:a="http://schemas.openxmlformats.org/drawingml/2006/main" xmlns:r="http://schemas.openxmlformats.org/officeDocument/2006/relationships" xmlns:p="http://schemas.openxmlformats.org/presentationml/2006/main">
+  <p:cSld>
+    <p:spTree>
+      <p:nvGrpSpPr>
+        <p:cNvPr id="1" name="">
+          <a:extLst>
+            <a:ext uri="{FF2B5EF4-FFF2-40B4-BE49-F238E27FC236}">
+              <a16:creationId xmlns:a16="http://schemas.microsoft.com/office/drawing/2014/main" id="{2CF017AE-0F54-52FB-78DC-907C1A0B77A3}"/>
+            </a:ext>
+          </a:extLst>
+        </p:cNvPr>
+        <p:cNvGrpSpPr/>
+        <p:nvPr/>
+      </p:nvGrpSpPr>
+      <p:grpSpPr>
+        <a:xfrm>
+          <a:off x="0" y="0"/>
+          <a:ext cx="0" cy="0"/>
+          <a:chOff x="0" y="0"/>
+          <a:chExt cx="0" cy="0"/>
+        </a:xfrm>
+      </p:grpSpPr>
+      <p:sp>
+        <p:nvSpPr>
+          <p:cNvPr id="36" name="Rectangle 35">
+            <a:extLst>
+              <a:ext uri="{FF2B5EF4-FFF2-40B4-BE49-F238E27FC236}">
+                <a16:creationId xmlns:a16="http://schemas.microsoft.com/office/drawing/2014/main" id="{23138245-3391-B858-43FD-A0126EE2AA85}"/>
+              </a:ext>
+            </a:extLst>
+          </p:cNvPr>
+          <p:cNvSpPr/>
+          <p:nvPr/>
+        </p:nvSpPr>
+        <p:spPr>
+          <a:xfrm>
+            <a:off x="1" y="-990"/>
+            <a:ext cx="6096000" cy="501017"/>
+          </a:xfrm>
+          <a:prstGeom prst="rect">
+            <a:avLst/>
+          </a:prstGeom>
+          <a:solidFill>
+            <a:srgbClr val="980000"/>
+          </a:solidFill>
+          <a:ln>
+            <a:noFill/>
+          </a:ln>
+        </p:spPr>
+        <p:style>
+          <a:lnRef idx="2">
+            <a:schemeClr val="accent1">
+              <a:shade val="15000"/>
+            </a:schemeClr>
+          </a:lnRef>
+          <a:fillRef idx="1">
+            <a:schemeClr val="accent1"/>
+          </a:fillRef>
+          <a:effectRef idx="0">
+            <a:schemeClr val="accent1"/>
+          </a:effectRef>
+          <a:fontRef idx="minor">
+            <a:schemeClr val="lt1"/>
+          </a:fontRef>
+        </p:style>
+        <p:txBody>
+          <a:bodyPr rtlCol="0" anchor="ctr"/>
+          <a:lstStyle/>
+          <a:p>
+            <a:pPr algn="ctr"/>
+            <a:endParaRPr lang="fr-FR" noProof="0" dirty="0"/>
+          </a:p>
+        </p:txBody>
+      </p:sp>
+      <p:sp>
+        <p:nvSpPr>
+          <p:cNvPr id="9" name="TextBox 8">
+            <a:extLst>
+              <a:ext uri="{FF2B5EF4-FFF2-40B4-BE49-F238E27FC236}">
+                <a16:creationId xmlns:a16="http://schemas.microsoft.com/office/drawing/2014/main" id="{53D68E27-B4F3-A8D5-2D95-BC46517B42E1}"/>
+              </a:ext>
+            </a:extLst>
+          </p:cNvPr>
+          <p:cNvSpPr txBox="1"/>
+          <p:nvPr/>
+        </p:nvSpPr>
+        <p:spPr>
+          <a:xfrm>
+            <a:off x="0" y="-990"/>
+            <a:ext cx="5568381" cy="461665"/>
+          </a:xfrm>
+          <a:prstGeom prst="rect">
+            <a:avLst/>
+          </a:prstGeom>
+          <a:noFill/>
+        </p:spPr>
+        <p:txBody>
+          <a:bodyPr wrap="square" rtlCol="0">
+            <a:spAutoFit/>
+          </a:bodyPr>
+          <a:lstStyle/>
+          <a:p>
+            <a:pPr algn="just"/>
+            <a:r>
+              <a:rPr lang="fr-FR" sz="2400" b="1" noProof="0" dirty="0">
+                <a:solidFill>
+                  <a:schemeClr val="bg1"/>
+                </a:solidFill>
+                <a:latin typeface="Times New Roman" panose="02020603050405020304" pitchFamily="18" charset="0"/>
+                <a:cs typeface="Times New Roman" panose="02020603050405020304" pitchFamily="18" charset="0"/>
+              </a:rPr>
+              <a:t>PROPAGATION DES INCERTITUDES</a:t>
+            </a:r>
+          </a:p>
+        </p:txBody>
+      </p:sp>
+      <p:sp>
+        <p:nvSpPr>
+          <p:cNvPr id="39" name="Rectangle 38">
+            <a:extLst>
+              <a:ext uri="{FF2B5EF4-FFF2-40B4-BE49-F238E27FC236}">
+                <a16:creationId xmlns:a16="http://schemas.microsoft.com/office/drawing/2014/main" id="{AC1EB1AD-2947-40AE-44D3-DAC69D0F47AC}"/>
+              </a:ext>
+            </a:extLst>
+          </p:cNvPr>
+          <p:cNvSpPr/>
+          <p:nvPr/>
+        </p:nvSpPr>
+        <p:spPr>
+          <a:xfrm>
+            <a:off x="6096000" y="0"/>
+            <a:ext cx="6096000" cy="501017"/>
+          </a:xfrm>
+          <a:prstGeom prst="rect">
+            <a:avLst/>
+          </a:prstGeom>
+          <a:solidFill>
+            <a:srgbClr val="D9D9D9"/>
+          </a:solidFill>
+          <a:ln>
+            <a:noFill/>
+          </a:ln>
+        </p:spPr>
+        <p:style>
+          <a:lnRef idx="2">
+            <a:schemeClr val="accent1">
+              <a:shade val="15000"/>
+            </a:schemeClr>
+          </a:lnRef>
+          <a:fillRef idx="1">
+            <a:schemeClr val="accent1"/>
+          </a:fillRef>
+          <a:effectRef idx="0">
+            <a:schemeClr val="accent1"/>
+          </a:effectRef>
+          <a:fontRef idx="minor">
+            <a:schemeClr val="lt1"/>
+          </a:fontRef>
+        </p:style>
+        <p:txBody>
+          <a:bodyPr rtlCol="0" anchor="ctr"/>
+          <a:lstStyle/>
+          <a:p>
+            <a:pPr algn="ctr"/>
+            <a:endParaRPr lang="fr-FR" noProof="0" dirty="0"/>
+          </a:p>
+        </p:txBody>
+      </p:sp>
+      <p:sp>
+        <p:nvSpPr>
+          <p:cNvPr id="2" name="TextBox 1">
+            <a:extLst>
+              <a:ext uri="{FF2B5EF4-FFF2-40B4-BE49-F238E27FC236}">
+                <a16:creationId xmlns:a16="http://schemas.microsoft.com/office/drawing/2014/main" id="{E8B1031F-2455-9D20-3FF8-40C60065D447}"/>
+              </a:ext>
+            </a:extLst>
+          </p:cNvPr>
+          <p:cNvSpPr txBox="1"/>
+          <p:nvPr/>
+        </p:nvSpPr>
+        <p:spPr>
+          <a:xfrm>
+            <a:off x="11091333" y="6550222"/>
+            <a:ext cx="1100667" cy="307777"/>
+          </a:xfrm>
+          <a:prstGeom prst="rect">
+            <a:avLst/>
+          </a:prstGeom>
+          <a:noFill/>
+        </p:spPr>
+        <p:txBody>
+          <a:bodyPr wrap="square" rtlCol="0">
+            <a:spAutoFit/>
+          </a:bodyPr>
+          <a:lstStyle/>
+          <a:p>
+            <a:pPr algn="r"/>
+            <a:r>
+              <a:rPr lang="fr-FR" sz="1400" noProof="0" dirty="0">
+                <a:latin typeface="Times New Roman" panose="02020603050405020304" pitchFamily="18" charset="0"/>
+                <a:cs typeface="Times New Roman" panose="02020603050405020304" pitchFamily="18" charset="0"/>
+              </a:rPr>
+              <a:t>X/Y</a:t>
+            </a:r>
+          </a:p>
+        </p:txBody>
+      </p:sp>
+      <mc:AlternateContent xmlns:mc="http://schemas.openxmlformats.org/markup-compatibility/2006">
+        <mc:Choice xmlns:a14="http://schemas.microsoft.com/office/drawing/2010/main" Requires="a14">
+          <p:sp>
+            <p:nvSpPr>
+              <p:cNvPr id="3" name="TextBox 2">
+                <a:extLst>
+                  <a:ext uri="{FF2B5EF4-FFF2-40B4-BE49-F238E27FC236}">
+                    <a16:creationId xmlns:a16="http://schemas.microsoft.com/office/drawing/2014/main" id="{C6950B5F-F1F9-EDD4-CF9C-6647BAFC3EAC}"/>
+                  </a:ext>
+                </a:extLst>
+              </p:cNvPr>
+              <p:cNvSpPr txBox="1"/>
+              <p:nvPr/>
+            </p:nvSpPr>
+            <p:spPr>
+              <a:xfrm>
+                <a:off x="0" y="627468"/>
+                <a:ext cx="12192000" cy="3416320"/>
+              </a:xfrm>
+              <a:prstGeom prst="rect">
+                <a:avLst/>
+              </a:prstGeom>
+              <a:noFill/>
+            </p:spPr>
+            <p:txBody>
+              <a:bodyPr wrap="square" rtlCol="0">
+                <a:spAutoFit/>
+              </a:bodyPr>
+              <a:lstStyle/>
+              <a:p>
+                <a:pPr algn="just"/>
+                <a:r>
+                  <a:rPr lang="fr-FR" noProof="0" dirty="0">
+                    <a:latin typeface="Times New Roman" panose="02020603050405020304" pitchFamily="18" charset="0"/>
+                    <a:cs typeface="Times New Roman" panose="02020603050405020304" pitchFamily="18" charset="0"/>
+                  </a:rPr>
+                  <a:t>Nous pouvons commencer par calculer les valeurs de SRQ pour les </a:t>
+                </a:r>
+                <a:r>
+                  <a:rPr lang="fr-FR" noProof="0" dirty="0" err="1">
+                    <a:latin typeface="Times New Roman" panose="02020603050405020304" pitchFamily="18" charset="0"/>
+                    <a:cs typeface="Times New Roman" panose="02020603050405020304" pitchFamily="18" charset="0"/>
+                  </a:rPr>
+                  <a:t>CFDs</a:t>
+                </a:r>
+                <a:r>
+                  <a:rPr lang="fr-FR" noProof="0" dirty="0">
+                    <a:latin typeface="Times New Roman" panose="02020603050405020304" pitchFamily="18" charset="0"/>
+                    <a:cs typeface="Times New Roman" panose="02020603050405020304" pitchFamily="18" charset="0"/>
+                  </a:rPr>
+                  <a:t> min et max à </a:t>
+                </a:r>
+                <a14:m>
+                  <m:oMath xmlns:m="http://schemas.openxmlformats.org/officeDocument/2006/math">
+                    <m:r>
+                      <a:rPr lang="fr-FR" b="0" i="1" noProof="0" smtClean="0">
+                        <a:latin typeface="Cambria Math" panose="02040503050406030204" pitchFamily="18" charset="0"/>
+                        <a:cs typeface="Times New Roman" panose="02020603050405020304" pitchFamily="18" charset="0"/>
+                      </a:rPr>
+                      <m:t>50 %</m:t>
+                    </m:r>
+                  </m:oMath>
+                </a14:m>
+                <a:r>
+                  <a:rPr lang="fr-FR" noProof="0" dirty="0">
+                    <a:latin typeface="Times New Roman" panose="02020603050405020304" pitchFamily="18" charset="0"/>
+                    <a:cs typeface="Times New Roman" panose="02020603050405020304" pitchFamily="18" charset="0"/>
+                  </a:rPr>
+                  <a:t> et à </a:t>
+                </a:r>
+                <a14:m>
+                  <m:oMath xmlns:m="http://schemas.openxmlformats.org/officeDocument/2006/math">
+                    <m:r>
+                      <a:rPr lang="fr-FR" i="1">
+                        <a:latin typeface="Cambria Math" panose="02040503050406030204" pitchFamily="18" charset="0"/>
+                        <a:cs typeface="Times New Roman" panose="02020603050405020304" pitchFamily="18" charset="0"/>
+                      </a:rPr>
+                      <m:t>50 %</m:t>
+                    </m:r>
+                    <m:r>
+                      <a:rPr lang="fr-FR" b="0" i="1" smtClean="0">
+                        <a:latin typeface="Cambria Math" panose="02040503050406030204" pitchFamily="18" charset="0"/>
+                        <a:cs typeface="Times New Roman" panose="02020603050405020304" pitchFamily="18" charset="0"/>
+                      </a:rPr>
+                      <m:t> </m:t>
+                    </m:r>
+                    <m:r>
+                      <a:rPr lang="fr-FR" b="0" i="1" smtClean="0">
+                        <a:latin typeface="Cambria Math" panose="02040503050406030204" pitchFamily="18" charset="0"/>
+                        <a:ea typeface="Cambria Math" panose="02040503050406030204" pitchFamily="18" charset="0"/>
+                        <a:cs typeface="Times New Roman" panose="02020603050405020304" pitchFamily="18" charset="0"/>
+                      </a:rPr>
+                      <m:t>±47.7 %</m:t>
+                    </m:r>
+                  </m:oMath>
+                </a14:m>
+                <a:r>
+                  <a:rPr lang="fr-FR" noProof="0" dirty="0">
+                    <a:latin typeface="Times New Roman" panose="02020603050405020304" pitchFamily="18" charset="0"/>
+                    <a:cs typeface="Times New Roman" panose="02020603050405020304" pitchFamily="18" charset="0"/>
+                  </a:rPr>
+                  <a:t> afin de trouver une incertitude pour </a:t>
+                </a:r>
+                <a14:m>
+                  <m:oMath xmlns:m="http://schemas.openxmlformats.org/officeDocument/2006/math">
+                    <m:r>
+                      <a:rPr lang="fr-FR" b="0" i="1" noProof="0" smtClean="0">
+                        <a:latin typeface="Cambria Math" panose="02040503050406030204" pitchFamily="18" charset="0"/>
+                        <a:cs typeface="Times New Roman" panose="02020603050405020304" pitchFamily="18" charset="0"/>
+                      </a:rPr>
+                      <m:t>𝑘</m:t>
+                    </m:r>
+                    <m:r>
+                      <a:rPr lang="fr-FR" b="0" i="1" noProof="0" smtClean="0">
+                        <a:latin typeface="Cambria Math" panose="02040503050406030204" pitchFamily="18" charset="0"/>
+                        <a:cs typeface="Times New Roman" panose="02020603050405020304" pitchFamily="18" charset="0"/>
+                      </a:rPr>
+                      <m:t>=2</m:t>
+                    </m:r>
+                  </m:oMath>
+                </a14:m>
+                <a:r>
+                  <a:rPr lang="fr-FR" noProof="0" dirty="0">
+                    <a:latin typeface="Times New Roman" panose="02020603050405020304" pitchFamily="18" charset="0"/>
+                    <a:cs typeface="Times New Roman" panose="02020603050405020304" pitchFamily="18" charset="0"/>
+                  </a:rPr>
+                  <a:t>. Nous trouvons que :  </a:t>
+                </a:r>
+              </a:p>
+              <a:p>
+                <a:pPr algn="just"/>
+                <a:endParaRPr lang="fr-FR" noProof="0" dirty="0">
+                  <a:latin typeface="Times New Roman" panose="02020603050405020304" pitchFamily="18" charset="0"/>
+                  <a:cs typeface="Times New Roman" panose="02020603050405020304" pitchFamily="18" charset="0"/>
+                </a:endParaRPr>
+              </a:p>
+              <a:p>
+                <a:pPr algn="just"/>
+                <a:r>
+                  <a:rPr lang="fr-FR" b="1" noProof="0" dirty="0">
+                    <a:latin typeface="Times New Roman" panose="02020603050405020304" pitchFamily="18" charset="0"/>
+                    <a:cs typeface="Times New Roman" panose="02020603050405020304" pitchFamily="18" charset="0"/>
+                  </a:rPr>
+                  <a:t>CDF la plus à gauche (ν = 0.45907335) :</a:t>
+                </a:r>
+              </a:p>
+              <a:p>
+                <a:pPr algn="just"/>
+                <a:r>
+                  <a:rPr lang="fr-FR" noProof="0" dirty="0">
+                    <a:latin typeface="Times New Roman" panose="02020603050405020304" pitchFamily="18" charset="0"/>
+                    <a:cs typeface="Times New Roman" panose="02020603050405020304" pitchFamily="18" charset="0"/>
+                  </a:rPr>
+                  <a:t>  SRQ à 2% = 0.035338</a:t>
+                </a:r>
+              </a:p>
+              <a:p>
+                <a:pPr algn="just"/>
+                <a:r>
+                  <a:rPr lang="fr-FR" noProof="0" dirty="0">
+                    <a:latin typeface="Times New Roman" panose="02020603050405020304" pitchFamily="18" charset="0"/>
+                    <a:cs typeface="Times New Roman" panose="02020603050405020304" pitchFamily="18" charset="0"/>
+                  </a:rPr>
+                  <a:t>  SRQ à 50% = 0.046234</a:t>
+                </a:r>
+              </a:p>
+              <a:p>
+                <a:pPr algn="just"/>
+                <a:r>
+                  <a:rPr lang="fr-FR" noProof="0" dirty="0">
+                    <a:latin typeface="Times New Roman" panose="02020603050405020304" pitchFamily="18" charset="0"/>
+                    <a:cs typeface="Times New Roman" panose="02020603050405020304" pitchFamily="18" charset="0"/>
+                  </a:rPr>
+                  <a:t>  SRQ à 97% = 0.069574</a:t>
+                </a:r>
+              </a:p>
+              <a:p>
+                <a:pPr algn="just"/>
+                <a:endParaRPr lang="fr-FR" b="1" noProof="0" dirty="0">
+                  <a:latin typeface="Times New Roman" panose="02020603050405020304" pitchFamily="18" charset="0"/>
+                  <a:cs typeface="Times New Roman" panose="02020603050405020304" pitchFamily="18" charset="0"/>
+                </a:endParaRPr>
+              </a:p>
+              <a:p>
+                <a:pPr algn="just"/>
+                <a:r>
+                  <a:rPr lang="fr-FR" b="1" noProof="0" dirty="0">
+                    <a:latin typeface="Times New Roman" panose="02020603050405020304" pitchFamily="18" charset="0"/>
+                    <a:cs typeface="Times New Roman" panose="02020603050405020304" pitchFamily="18" charset="0"/>
+                  </a:rPr>
+                  <a:t>CDF la plus à droite (ν = 0.30586094) :</a:t>
+                </a:r>
+              </a:p>
+              <a:p>
+                <a:pPr algn="just"/>
+                <a:r>
+                  <a:rPr lang="fr-FR" noProof="0" dirty="0">
+                    <a:latin typeface="Times New Roman" panose="02020603050405020304" pitchFamily="18" charset="0"/>
+                    <a:cs typeface="Times New Roman" panose="02020603050405020304" pitchFamily="18" charset="0"/>
+                  </a:rPr>
+                  <a:t>  SRQ à 2% = 0.035539</a:t>
+                </a:r>
+              </a:p>
+              <a:p>
+                <a:pPr algn="just"/>
+                <a:r>
+                  <a:rPr lang="fr-FR" noProof="0" dirty="0">
+                    <a:latin typeface="Times New Roman" panose="02020603050405020304" pitchFamily="18" charset="0"/>
+                    <a:cs typeface="Times New Roman" panose="02020603050405020304" pitchFamily="18" charset="0"/>
+                  </a:rPr>
+                  <a:t>  SRQ à 50% = 0.046496</a:t>
+                </a:r>
+              </a:p>
+              <a:p>
+                <a:pPr algn="just"/>
+                <a:r>
+                  <a:rPr lang="fr-FR" noProof="0" dirty="0">
+                    <a:latin typeface="Times New Roman" panose="02020603050405020304" pitchFamily="18" charset="0"/>
+                    <a:cs typeface="Times New Roman" panose="02020603050405020304" pitchFamily="18" charset="0"/>
+                  </a:rPr>
+                  <a:t>  SRQ à 97% = 0.069969</a:t>
+                </a:r>
+              </a:p>
+            </p:txBody>
+          </p:sp>
+        </mc:Choice>
+        <mc:Fallback>
+          <p:sp>
+            <p:nvSpPr>
+              <p:cNvPr id="3" name="TextBox 2">
+                <a:extLst>
+                  <a:ext uri="{FF2B5EF4-FFF2-40B4-BE49-F238E27FC236}">
+                    <a16:creationId xmlns:a16="http://schemas.microsoft.com/office/drawing/2014/main" id="{C6950B5F-F1F9-EDD4-CF9C-6647BAFC3EAC}"/>
+                  </a:ext>
+                </a:extLst>
+              </p:cNvPr>
+              <p:cNvSpPr txBox="1">
+                <a:spLocks noRot="1" noChangeAspect="1" noMove="1" noResize="1" noEditPoints="1" noAdjustHandles="1" noChangeArrowheads="1" noChangeShapeType="1" noTextEdit="1"/>
+              </p:cNvSpPr>
+              <p:nvPr/>
+            </p:nvSpPr>
+            <p:spPr>
+              <a:xfrm>
+                <a:off x="0" y="627468"/>
+                <a:ext cx="12192000" cy="3416320"/>
+              </a:xfrm>
+              <a:prstGeom prst="rect">
+                <a:avLst/>
+              </a:prstGeom>
+              <a:blipFill>
+                <a:blip r:embed="rId2"/>
+                <a:stretch>
+                  <a:fillRect l="-400" t="-1071" r="-400" b="-1964"/>
+                </a:stretch>
+              </a:blipFill>
+            </p:spPr>
+            <p:txBody>
+              <a:bodyPr/>
+              <a:lstStyle/>
+              <a:p>
+                <a:r>
+                  <a:rPr lang="en-GB">
+                    <a:noFill/>
+                  </a:rPr>
+                  <a:t> </a:t>
+                </a:r>
+              </a:p>
+            </p:txBody>
+          </p:sp>
+        </mc:Fallback>
+      </mc:AlternateContent>
+      <p:pic>
+        <p:nvPicPr>
+          <p:cNvPr id="7" name="Picture 6">
+            <a:extLst>
+              <a:ext uri="{FF2B5EF4-FFF2-40B4-BE49-F238E27FC236}">
+                <a16:creationId xmlns:a16="http://schemas.microsoft.com/office/drawing/2014/main" id="{B882F556-0333-1C5D-DBD6-EE8EB6BDCECD}"/>
+              </a:ext>
+            </a:extLst>
+          </p:cNvPr>
+          <p:cNvPicPr>
+            <a:picLocks noChangeAspect="1"/>
+          </p:cNvPicPr>
+          <p:nvPr/>
+        </p:nvPicPr>
+        <p:blipFill>
+          <a:blip r:embed="rId3"/>
+          <a:stretch>
+            <a:fillRect/>
+          </a:stretch>
+        </p:blipFill>
+        <p:spPr>
+          <a:xfrm>
+            <a:off x="1" y="4478938"/>
+            <a:ext cx="5772150" cy="2379062"/>
+          </a:xfrm>
+          <a:prstGeom prst="rect">
+            <a:avLst/>
+          </a:prstGeom>
+        </p:spPr>
+      </p:pic>
+      <mc:AlternateContent xmlns:mc="http://schemas.openxmlformats.org/markup-compatibility/2006">
+        <mc:Choice xmlns:a14="http://schemas.microsoft.com/office/drawing/2010/main" Requires="a14">
+          <p:sp>
+            <p:nvSpPr>
+              <p:cNvPr id="10" name="TextBox 9">
+                <a:extLst>
+                  <a:ext uri="{FF2B5EF4-FFF2-40B4-BE49-F238E27FC236}">
+                    <a16:creationId xmlns:a16="http://schemas.microsoft.com/office/drawing/2014/main" id="{196B7F35-4F5B-4B4C-F7FC-A843B0FE24B0}"/>
+                  </a:ext>
+                </a:extLst>
+              </p:cNvPr>
+              <p:cNvSpPr txBox="1"/>
+              <p:nvPr/>
+            </p:nvSpPr>
+            <p:spPr>
+              <a:xfrm>
+                <a:off x="5772151" y="4652806"/>
+                <a:ext cx="6419850" cy="2031325"/>
+              </a:xfrm>
+              <a:prstGeom prst="rect">
+                <a:avLst/>
+              </a:prstGeom>
+              <a:noFill/>
+            </p:spPr>
+            <p:txBody>
+              <a:bodyPr wrap="square" rtlCol="0">
+                <a:spAutoFit/>
+              </a:bodyPr>
+              <a:lstStyle/>
+              <a:p>
+                <a:pPr algn="just"/>
+                <a:r>
+                  <a:rPr lang="fr-FR" noProof="0" dirty="0">
+                    <a:latin typeface="Times New Roman" panose="02020603050405020304" pitchFamily="18" charset="0"/>
+                    <a:cs typeface="Times New Roman" panose="02020603050405020304" pitchFamily="18" charset="0"/>
+                  </a:rPr>
+                  <a:t>A l’aide des résultats de la </a:t>
+                </a:r>
+                <a:r>
+                  <a:rPr lang="fr-FR" dirty="0">
+                    <a:latin typeface="Times New Roman" panose="02020603050405020304" pitchFamily="18" charset="0"/>
+                    <a:cs typeface="Times New Roman" panose="02020603050405020304" pitchFamily="18" charset="0"/>
+                  </a:rPr>
+                  <a:t>m</a:t>
+                </a:r>
+                <a:r>
+                  <a:rPr lang="fr-FR" noProof="0" dirty="0" err="1">
+                    <a:latin typeface="Times New Roman" panose="02020603050405020304" pitchFamily="18" charset="0"/>
+                    <a:cs typeface="Times New Roman" panose="02020603050405020304" pitchFamily="18" charset="0"/>
+                  </a:rPr>
+                  <a:t>éthod</a:t>
+                </a:r>
+                <a:r>
+                  <a:rPr lang="fr-FR" dirty="0">
+                    <a:latin typeface="Times New Roman" panose="02020603050405020304" pitchFamily="18" charset="0"/>
+                    <a:cs typeface="Times New Roman" panose="02020603050405020304" pitchFamily="18" charset="0"/>
+                  </a:rPr>
+                  <a:t>e de Monte Carlo, nous pouvons aussi conduire une analyse de sensibilité globale en représentant la SRQ en fonction des variables d’entrée. </a:t>
+                </a:r>
+              </a:p>
+              <a:p>
+                <a:pPr algn="just"/>
+                <a:endParaRPr lang="fr-FR" dirty="0">
+                  <a:latin typeface="Times New Roman" panose="02020603050405020304" pitchFamily="18" charset="0"/>
+                  <a:cs typeface="Times New Roman" panose="02020603050405020304" pitchFamily="18" charset="0"/>
+                </a:endParaRPr>
+              </a:p>
+              <a:p>
+                <a:pPr algn="just"/>
+                <a:r>
+                  <a:rPr lang="fr-FR" dirty="0">
+                    <a:latin typeface="Times New Roman" panose="02020603050405020304" pitchFamily="18" charset="0"/>
+                    <a:cs typeface="Times New Roman" panose="02020603050405020304" pitchFamily="18" charset="0"/>
+                  </a:rPr>
+                  <a:t>Le coefficient de corrélation </a:t>
+                </a:r>
+                <a14:m>
+                  <m:oMath xmlns:m="http://schemas.openxmlformats.org/officeDocument/2006/math">
+                    <m:sSup>
+                      <m:sSupPr>
+                        <m:ctrlPr>
+                          <a:rPr lang="fr-FR" b="0" i="1" smtClean="0">
+                            <a:latin typeface="Cambria Math" panose="02040503050406030204" pitchFamily="18" charset="0"/>
+                            <a:cs typeface="Times New Roman" panose="02020603050405020304" pitchFamily="18" charset="0"/>
+                          </a:rPr>
+                        </m:ctrlPr>
+                      </m:sSupPr>
+                      <m:e>
+                        <m:r>
+                          <a:rPr lang="fr-FR" b="0" i="1" smtClean="0">
+                            <a:latin typeface="Cambria Math" panose="02040503050406030204" pitchFamily="18" charset="0"/>
+                            <a:cs typeface="Times New Roman" panose="02020603050405020304" pitchFamily="18" charset="0"/>
+                          </a:rPr>
+                          <m:t>𝑅</m:t>
+                        </m:r>
+                      </m:e>
+                      <m:sup>
+                        <m:r>
+                          <a:rPr lang="fr-FR" b="0" i="1" smtClean="0">
+                            <a:latin typeface="Cambria Math" panose="02040503050406030204" pitchFamily="18" charset="0"/>
+                            <a:cs typeface="Times New Roman" panose="02020603050405020304" pitchFamily="18" charset="0"/>
+                          </a:rPr>
+                          <m:t>2</m:t>
+                        </m:r>
+                      </m:sup>
+                    </m:sSup>
+                  </m:oMath>
+                </a14:m>
+                <a:r>
+                  <a:rPr lang="fr-FR" noProof="0" dirty="0">
+                    <a:latin typeface="Times New Roman" panose="02020603050405020304" pitchFamily="18" charset="0"/>
+                    <a:cs typeface="Times New Roman" panose="02020603050405020304" pitchFamily="18" charset="0"/>
+                  </a:rPr>
+                  <a:t> permet de montrer que les deux données d’entrées influences bien la SRQ, mais principalement le module de Young (qui à le </a:t>
+                </a:r>
+                <a14:m>
+                  <m:oMath xmlns:m="http://schemas.openxmlformats.org/officeDocument/2006/math">
+                    <m:sSup>
+                      <m:sSupPr>
+                        <m:ctrlPr>
+                          <a:rPr lang="fr-FR" i="1">
+                            <a:latin typeface="Cambria Math" panose="02040503050406030204" pitchFamily="18" charset="0"/>
+                            <a:cs typeface="Times New Roman" panose="02020603050405020304" pitchFamily="18" charset="0"/>
+                          </a:rPr>
+                        </m:ctrlPr>
+                      </m:sSupPr>
+                      <m:e>
+                        <m:r>
+                          <a:rPr lang="fr-FR" i="1">
+                            <a:latin typeface="Cambria Math" panose="02040503050406030204" pitchFamily="18" charset="0"/>
+                            <a:cs typeface="Times New Roman" panose="02020603050405020304" pitchFamily="18" charset="0"/>
+                          </a:rPr>
+                          <m:t>𝑅</m:t>
+                        </m:r>
+                      </m:e>
+                      <m:sup>
+                        <m:r>
+                          <a:rPr lang="fr-FR" i="1">
+                            <a:latin typeface="Cambria Math" panose="02040503050406030204" pitchFamily="18" charset="0"/>
+                            <a:cs typeface="Times New Roman" panose="02020603050405020304" pitchFamily="18" charset="0"/>
+                          </a:rPr>
+                          <m:t>2</m:t>
+                        </m:r>
+                      </m:sup>
+                    </m:sSup>
+                  </m:oMath>
+                </a14:m>
+                <a:r>
+                  <a:rPr lang="fr-FR" dirty="0">
+                    <a:latin typeface="Times New Roman" panose="02020603050405020304" pitchFamily="18" charset="0"/>
+                    <a:cs typeface="Times New Roman" panose="02020603050405020304" pitchFamily="18" charset="0"/>
+                  </a:rPr>
+                  <a:t> le plus grand). </a:t>
+                </a:r>
+                <a:endParaRPr lang="fr-FR" noProof="0" dirty="0">
+                  <a:latin typeface="Times New Roman" panose="02020603050405020304" pitchFamily="18" charset="0"/>
+                  <a:cs typeface="Times New Roman" panose="02020603050405020304" pitchFamily="18" charset="0"/>
+                </a:endParaRPr>
+              </a:p>
+            </p:txBody>
+          </p:sp>
+        </mc:Choice>
+        <mc:Fallback>
+          <p:sp>
+            <p:nvSpPr>
+              <p:cNvPr id="10" name="TextBox 9">
+                <a:extLst>
+                  <a:ext uri="{FF2B5EF4-FFF2-40B4-BE49-F238E27FC236}">
+                    <a16:creationId xmlns:a16="http://schemas.microsoft.com/office/drawing/2014/main" id="{196B7F35-4F5B-4B4C-F7FC-A843B0FE24B0}"/>
+                  </a:ext>
+                </a:extLst>
+              </p:cNvPr>
+              <p:cNvSpPr txBox="1">
+                <a:spLocks noRot="1" noChangeAspect="1" noMove="1" noResize="1" noEditPoints="1" noAdjustHandles="1" noChangeArrowheads="1" noChangeShapeType="1" noTextEdit="1"/>
+              </p:cNvSpPr>
+              <p:nvPr/>
+            </p:nvSpPr>
+            <p:spPr>
+              <a:xfrm>
+                <a:off x="5772151" y="4652806"/>
+                <a:ext cx="6419850" cy="2031325"/>
+              </a:xfrm>
+              <a:prstGeom prst="rect">
+                <a:avLst/>
+              </a:prstGeom>
+              <a:blipFill>
                 <a:blip r:embed="rId4"/>
                 <a:stretch>
-                  <a:fillRect l="-400" t="-3226" r="-900" b="-7097"/>
+                  <a:fillRect l="-855" t="-1502" r="-760" b="-3904"/>
+                </a:stretch>
+              </a:blipFill>
+            </p:spPr>
+            <p:txBody>
+              <a:bodyPr/>
+              <a:lstStyle/>
+              <a:p>
+                <a:r>
+                  <a:rPr lang="en-GB">
+                    <a:noFill/>
+                  </a:rPr>
+                  <a:t> </a:t>
+                </a:r>
+              </a:p>
+            </p:txBody>
+          </p:sp>
+        </mc:Fallback>
+      </mc:AlternateContent>
+      <p:sp>
+        <p:nvSpPr>
+          <p:cNvPr id="11" name="Right Brace 10">
+            <a:extLst>
+              <a:ext uri="{FF2B5EF4-FFF2-40B4-BE49-F238E27FC236}">
+                <a16:creationId xmlns:a16="http://schemas.microsoft.com/office/drawing/2014/main" id="{42B9BEB8-3BB9-5E1C-7F75-CF331C4542B4}"/>
+              </a:ext>
+            </a:extLst>
+          </p:cNvPr>
+          <p:cNvSpPr/>
+          <p:nvPr/>
+        </p:nvSpPr>
+        <p:spPr>
+          <a:xfrm>
+            <a:off x="4067503" y="1532408"/>
+            <a:ext cx="94594" cy="2575660"/>
+          </a:xfrm>
+          <a:prstGeom prst="rightBrace">
+            <a:avLst>
+              <a:gd name="adj1" fmla="val 117978"/>
+              <a:gd name="adj2" fmla="val 50000"/>
+            </a:avLst>
+          </a:prstGeom>
+          <a:ln>
+            <a:solidFill>
+              <a:srgbClr val="980000"/>
+            </a:solidFill>
+          </a:ln>
+        </p:spPr>
+        <p:style>
+          <a:lnRef idx="2">
+            <a:schemeClr val="accent1"/>
+          </a:lnRef>
+          <a:fillRef idx="0">
+            <a:schemeClr val="accent1"/>
+          </a:fillRef>
+          <a:effectRef idx="1">
+            <a:schemeClr val="accent1"/>
+          </a:effectRef>
+          <a:fontRef idx="minor">
+            <a:schemeClr val="tx1"/>
+          </a:fontRef>
+        </p:style>
+        <p:txBody>
+          <a:bodyPr rtlCol="0" anchor="ctr"/>
+          <a:lstStyle/>
+          <a:p>
+            <a:pPr algn="ctr"/>
+            <a:endParaRPr lang="en-GB"/>
+          </a:p>
+        </p:txBody>
+      </p:sp>
+      <mc:AlternateContent xmlns:mc="http://schemas.openxmlformats.org/markup-compatibility/2006">
+        <mc:Choice xmlns:a14="http://schemas.microsoft.com/office/drawing/2010/main" Requires="a14">
+          <p:sp>
+            <p:nvSpPr>
+              <p:cNvPr id="12" name="TextBox 11">
+                <a:extLst>
+                  <a:ext uri="{FF2B5EF4-FFF2-40B4-BE49-F238E27FC236}">
+                    <a16:creationId xmlns:a16="http://schemas.microsoft.com/office/drawing/2014/main" id="{6DE69E4E-FADB-5518-C02E-5DF64D7385B1}"/>
+                  </a:ext>
+                </a:extLst>
+              </p:cNvPr>
+              <p:cNvSpPr txBox="1"/>
+              <p:nvPr/>
+            </p:nvSpPr>
+            <p:spPr>
+              <a:xfrm>
+                <a:off x="4239390" y="1439348"/>
+                <a:ext cx="7876409" cy="1520160"/>
+              </a:xfrm>
+              <a:prstGeom prst="rect">
+                <a:avLst/>
+              </a:prstGeom>
+              <a:noFill/>
+            </p:spPr>
+            <p:txBody>
+              <a:bodyPr wrap="square" rtlCol="0">
+                <a:spAutoFit/>
+              </a:bodyPr>
+              <a:lstStyle/>
+              <a:p>
+                <a:pPr marL="285750" indent="-285750" algn="just">
+                  <a:buFont typeface="Wingdings" panose="05000000000000000000" pitchFamily="2" charset="2"/>
+                  <a:buChar char="§"/>
+                </a:pPr>
+                <a:r>
+                  <a:rPr lang="fr-FR" noProof="0" dirty="0">
+                    <a:latin typeface="Times New Roman" panose="02020603050405020304" pitchFamily="18" charset="0"/>
+                    <a:cs typeface="Times New Roman" panose="02020603050405020304" pitchFamily="18" charset="0"/>
+                  </a:rPr>
+                  <a:t>Nous pouvons dire que la moyenne de la SRQ se situe dans une fourchette de SRQ de </a:t>
+                </a:r>
+                <a14:m>
+                  <m:oMath xmlns:m="http://schemas.openxmlformats.org/officeDocument/2006/math">
+                    <m:d>
+                      <m:dPr>
+                        <m:begChr m:val="["/>
+                        <m:endChr m:val="]"/>
+                        <m:ctrlPr>
+                          <a:rPr lang="fr-FR" i="1" noProof="0" smtClean="0">
+                            <a:latin typeface="Cambria Math" panose="02040503050406030204" pitchFamily="18" charset="0"/>
+                            <a:cs typeface="Times New Roman" panose="02020603050405020304" pitchFamily="18" charset="0"/>
+                          </a:rPr>
+                        </m:ctrlPr>
+                      </m:dPr>
+                      <m:e>
+                        <m:r>
+                          <m:rPr>
+                            <m:nor/>
+                          </m:rPr>
+                          <a:rPr lang="fr-FR" dirty="0">
+                            <a:latin typeface="Times New Roman" panose="02020603050405020304" pitchFamily="18" charset="0"/>
+                            <a:cs typeface="Times New Roman" panose="02020603050405020304" pitchFamily="18" charset="0"/>
+                          </a:rPr>
+                          <m:t>0.046234</m:t>
+                        </m:r>
+                        <m:r>
+                          <a:rPr lang="fr-FR" b="0" i="1" dirty="0" smtClean="0">
+                            <a:latin typeface="Cambria Math" panose="02040503050406030204" pitchFamily="18" charset="0"/>
+                            <a:cs typeface="Times New Roman" panose="02020603050405020304" pitchFamily="18" charset="0"/>
+                          </a:rPr>
+                          <m:t> ;</m:t>
+                        </m:r>
+                        <m:r>
+                          <m:rPr>
+                            <m:nor/>
+                          </m:rPr>
+                          <a:rPr lang="fr-FR" dirty="0">
+                            <a:latin typeface="Times New Roman" panose="02020603050405020304" pitchFamily="18" charset="0"/>
+                            <a:cs typeface="Times New Roman" panose="02020603050405020304" pitchFamily="18" charset="0"/>
+                          </a:rPr>
+                          <m:t>= 0.046496</m:t>
+                        </m:r>
+                      </m:e>
+                    </m:d>
+                    <m:r>
+                      <a:rPr lang="fr-FR" b="0" i="1" noProof="0" smtClean="0">
+                        <a:latin typeface="Cambria Math" panose="02040503050406030204" pitchFamily="18" charset="0"/>
+                        <a:cs typeface="Times New Roman" panose="02020603050405020304" pitchFamily="18" charset="0"/>
+                      </a:rPr>
+                      <m:t> </m:t>
+                    </m:r>
+                    <m:r>
+                      <a:rPr lang="fr-FR" b="0" i="1" noProof="0" smtClean="0">
+                        <a:latin typeface="Cambria Math" panose="02040503050406030204" pitchFamily="18" charset="0"/>
+                        <a:cs typeface="Times New Roman" panose="02020603050405020304" pitchFamily="18" charset="0"/>
+                      </a:rPr>
+                      <m:t>𝑚𝑚</m:t>
+                    </m:r>
+                  </m:oMath>
+                </a14:m>
+                <a:r>
+                  <a:rPr lang="fr-FR" noProof="0" dirty="0">
+                    <a:latin typeface="Times New Roman" panose="02020603050405020304" pitchFamily="18" charset="0"/>
+                    <a:cs typeface="Times New Roman" panose="02020603050405020304" pitchFamily="18" charset="0"/>
+                  </a:rPr>
+                  <a:t>. </a:t>
+                </a:r>
+              </a:p>
+              <a:p>
+                <a:pPr marL="285750" indent="-285750" algn="just">
+                  <a:buFont typeface="Wingdings" panose="05000000000000000000" pitchFamily="2" charset="2"/>
+                  <a:buChar char="§"/>
+                </a:pPr>
+                <a:r>
+                  <a:rPr lang="fr-FR" dirty="0">
+                    <a:latin typeface="Times New Roman" panose="02020603050405020304" pitchFamily="18" charset="0"/>
+                    <a:cs typeface="Times New Roman" panose="02020603050405020304" pitchFamily="18" charset="0"/>
+                  </a:rPr>
+                  <a:t>La CDF min donne un </a:t>
+                </a:r>
+                <a14:m>
+                  <m:oMath xmlns:m="http://schemas.openxmlformats.org/officeDocument/2006/math">
+                    <m:sSub>
+                      <m:sSubPr>
+                        <m:ctrlPr>
+                          <a:rPr lang="fr-FR" b="0" i="1" noProof="0" smtClean="0">
+                            <a:latin typeface="Cambria Math" panose="02040503050406030204" pitchFamily="18" charset="0"/>
+                            <a:cs typeface="Times New Roman" panose="02020603050405020304" pitchFamily="18" charset="0"/>
+                          </a:rPr>
+                        </m:ctrlPr>
+                      </m:sSubPr>
+                      <m:e>
+                        <m:r>
+                          <a:rPr lang="fr-FR" b="0" i="1" noProof="0" smtClean="0">
+                            <a:latin typeface="Cambria Math" panose="02040503050406030204" pitchFamily="18" charset="0"/>
+                            <a:cs typeface="Times New Roman" panose="02020603050405020304" pitchFamily="18" charset="0"/>
+                          </a:rPr>
+                          <m:t>𝑢</m:t>
+                        </m:r>
+                      </m:e>
+                      <m:sub>
+                        <m:r>
+                          <a:rPr lang="fr-FR" b="0" i="1" noProof="0" smtClean="0">
+                            <a:latin typeface="Cambria Math" panose="02040503050406030204" pitchFamily="18" charset="0"/>
+                            <a:cs typeface="Times New Roman" panose="02020603050405020304" pitchFamily="18" charset="0"/>
+                          </a:rPr>
+                          <m:t>𝑖𝑛𝑝𝑢𝑡</m:t>
+                        </m:r>
+                      </m:sub>
+                    </m:sSub>
+                    <m:r>
+                      <a:rPr lang="fr-FR">
+                        <a:latin typeface="Cambria Math" panose="02040503050406030204" pitchFamily="18" charset="0"/>
+                        <a:cs typeface="Times New Roman" panose="02020603050405020304" pitchFamily="18" charset="0"/>
+                      </a:rPr>
+                      <m:t>=0.030018</m:t>
+                    </m:r>
+                    <m:r>
+                      <a:rPr lang="fr-FR" b="0" i="0" smtClean="0">
+                        <a:latin typeface="Cambria Math" panose="02040503050406030204" pitchFamily="18" charset="0"/>
+                        <a:cs typeface="Times New Roman" panose="02020603050405020304" pitchFamily="18" charset="0"/>
+                      </a:rPr>
+                      <m:t> </m:t>
+                    </m:r>
+                    <m:r>
+                      <m:rPr>
+                        <m:sty m:val="p"/>
+                      </m:rPr>
+                      <a:rPr lang="fr-FR" b="0" i="0" smtClean="0">
+                        <a:latin typeface="Cambria Math" panose="02040503050406030204" pitchFamily="18" charset="0"/>
+                        <a:cs typeface="Times New Roman" panose="02020603050405020304" pitchFamily="18" charset="0"/>
+                      </a:rPr>
+                      <m:t>mm</m:t>
+                    </m:r>
+                  </m:oMath>
+                </a14:m>
+                <a:r>
+                  <a:rPr lang="fr-FR" noProof="0" dirty="0">
+                    <a:latin typeface="Times New Roman" panose="02020603050405020304" pitchFamily="18" charset="0"/>
+                    <a:cs typeface="Times New Roman" panose="02020603050405020304" pitchFamily="18" charset="0"/>
+                  </a:rPr>
+                  <a:t> et la CDF max donne un </a:t>
+                </a:r>
+                <a14:m>
+                  <m:oMath xmlns:m="http://schemas.openxmlformats.org/officeDocument/2006/math">
+                    <m:sSub>
+                      <m:sSubPr>
+                        <m:ctrlPr>
+                          <a:rPr lang="fr-FR" i="1">
+                            <a:latin typeface="Cambria Math" panose="02040503050406030204" pitchFamily="18" charset="0"/>
+                            <a:cs typeface="Times New Roman" panose="02020603050405020304" pitchFamily="18" charset="0"/>
+                          </a:rPr>
+                        </m:ctrlPr>
+                      </m:sSubPr>
+                      <m:e>
+                        <m:r>
+                          <a:rPr lang="fr-FR" i="1">
+                            <a:latin typeface="Cambria Math" panose="02040503050406030204" pitchFamily="18" charset="0"/>
+                            <a:cs typeface="Times New Roman" panose="02020603050405020304" pitchFamily="18" charset="0"/>
+                          </a:rPr>
+                          <m:t>𝑢</m:t>
+                        </m:r>
+                      </m:e>
+                      <m:sub>
+                        <m:r>
+                          <a:rPr lang="fr-FR" i="1">
+                            <a:latin typeface="Cambria Math" panose="02040503050406030204" pitchFamily="18" charset="0"/>
+                            <a:cs typeface="Times New Roman" panose="02020603050405020304" pitchFamily="18" charset="0"/>
+                          </a:rPr>
+                          <m:t>𝑖𝑛𝑝𝑢𝑡</m:t>
+                        </m:r>
+                      </m:sub>
+                    </m:sSub>
+                    <m:r>
+                      <a:rPr lang="fr-FR">
+                        <a:latin typeface="Cambria Math" panose="02040503050406030204" pitchFamily="18" charset="0"/>
+                        <a:cs typeface="Times New Roman" panose="02020603050405020304" pitchFamily="18" charset="0"/>
+                      </a:rPr>
+                      <m:t>=</m:t>
+                    </m:r>
+                    <m:r>
+                      <a:rPr lang="fr-FR" i="1">
+                        <a:latin typeface="Cambria Math" panose="02040503050406030204" pitchFamily="18" charset="0"/>
+                        <a:cs typeface="Times New Roman" panose="02020603050405020304" pitchFamily="18" charset="0"/>
+                      </a:rPr>
+                      <m:t>0.030190</m:t>
+                    </m:r>
+                    <m:r>
+                      <a:rPr lang="fr-FR" b="0" i="0" smtClean="0">
+                        <a:latin typeface="Cambria Math" panose="02040503050406030204" pitchFamily="18" charset="0"/>
+                        <a:cs typeface="Times New Roman" panose="02020603050405020304" pitchFamily="18" charset="0"/>
+                      </a:rPr>
+                      <m:t> </m:t>
+                    </m:r>
+                    <m:r>
+                      <m:rPr>
+                        <m:sty m:val="p"/>
+                      </m:rPr>
+                      <a:rPr lang="fr-FR">
+                        <a:latin typeface="Cambria Math" panose="02040503050406030204" pitchFamily="18" charset="0"/>
+                        <a:cs typeface="Times New Roman" panose="02020603050405020304" pitchFamily="18" charset="0"/>
+                      </a:rPr>
+                      <m:t>mm</m:t>
+                    </m:r>
+                  </m:oMath>
+                </a14:m>
+                <a:r>
+                  <a:rPr lang="fr-FR" dirty="0">
+                    <a:latin typeface="Times New Roman" panose="02020603050405020304" pitchFamily="18" charset="0"/>
+                    <a:cs typeface="Times New Roman" panose="02020603050405020304" pitchFamily="18" charset="0"/>
+                  </a:rPr>
+                  <a:t>.  </a:t>
+                </a:r>
+                <a:endParaRPr lang="fr-FR" noProof="0" dirty="0">
+                  <a:latin typeface="Times New Roman" panose="02020603050405020304" pitchFamily="18" charset="0"/>
+                  <a:cs typeface="Times New Roman" panose="02020603050405020304" pitchFamily="18" charset="0"/>
+                </a:endParaRPr>
+              </a:p>
+              <a:p>
+                <a:pPr marL="285750" indent="-285750" algn="just">
+                  <a:buFont typeface="Wingdings" panose="05000000000000000000" pitchFamily="2" charset="2"/>
+                  <a:buChar char="§"/>
+                </a:pPr>
+                <a:endParaRPr lang="fr-FR" noProof="0" dirty="0">
+                  <a:latin typeface="Times New Roman" panose="02020603050405020304" pitchFamily="18" charset="0"/>
+                  <a:cs typeface="Times New Roman" panose="02020603050405020304" pitchFamily="18" charset="0"/>
+                </a:endParaRPr>
+              </a:p>
+            </p:txBody>
+          </p:sp>
+        </mc:Choice>
+        <mc:Fallback>
+          <p:sp>
+            <p:nvSpPr>
+              <p:cNvPr id="12" name="TextBox 11">
+                <a:extLst>
+                  <a:ext uri="{FF2B5EF4-FFF2-40B4-BE49-F238E27FC236}">
+                    <a16:creationId xmlns:a16="http://schemas.microsoft.com/office/drawing/2014/main" id="{6DE69E4E-FADB-5518-C02E-5DF64D7385B1}"/>
+                  </a:ext>
+                </a:extLst>
+              </p:cNvPr>
+              <p:cNvSpPr txBox="1">
+                <a:spLocks noRot="1" noChangeAspect="1" noMove="1" noResize="1" noEditPoints="1" noAdjustHandles="1" noChangeArrowheads="1" noChangeShapeType="1" noTextEdit="1"/>
+              </p:cNvSpPr>
+              <p:nvPr/>
+            </p:nvSpPr>
+            <p:spPr>
+              <a:xfrm>
+                <a:off x="4239390" y="1439348"/>
+                <a:ext cx="7876409" cy="1520160"/>
+              </a:xfrm>
+              <a:prstGeom prst="rect">
+                <a:avLst/>
+              </a:prstGeom>
+              <a:blipFill>
+                <a:blip r:embed="rId5"/>
+                <a:stretch>
+                  <a:fillRect l="-464" t="-2008" r="-697"/>
+                </a:stretch>
+              </a:blipFill>
+            </p:spPr>
+            <p:txBody>
+              <a:bodyPr/>
+              <a:lstStyle/>
+              <a:p>
+                <a:r>
+                  <a:rPr lang="en-GB">
+                    <a:noFill/>
+                  </a:rPr>
+                  <a:t> </a:t>
+                </a:r>
+              </a:p>
+            </p:txBody>
+          </p:sp>
+        </mc:Fallback>
+      </mc:AlternateContent>
+      <p:pic>
+        <p:nvPicPr>
+          <p:cNvPr id="13" name="Picture 12">
+            <a:extLst>
+              <a:ext uri="{FF2B5EF4-FFF2-40B4-BE49-F238E27FC236}">
+                <a16:creationId xmlns:a16="http://schemas.microsoft.com/office/drawing/2014/main" id="{BFB3B096-5A5B-1347-0F67-D5003439F6BA}"/>
+              </a:ext>
+            </a:extLst>
+          </p:cNvPr>
+          <p:cNvPicPr>
+            <a:picLocks noChangeAspect="1"/>
+          </p:cNvPicPr>
+          <p:nvPr/>
+        </p:nvPicPr>
+        <p:blipFill>
+          <a:blip r:embed="rId6"/>
+          <a:stretch>
+            <a:fillRect/>
+          </a:stretch>
+        </p:blipFill>
+        <p:spPr>
+          <a:xfrm>
+            <a:off x="4596194" y="2687143"/>
+            <a:ext cx="3581400" cy="1643325"/>
+          </a:xfrm>
+          <a:prstGeom prst="rect">
+            <a:avLst/>
+          </a:prstGeom>
+        </p:spPr>
+      </p:pic>
+      <p:sp>
+        <p:nvSpPr>
+          <p:cNvPr id="14" name="Right Brace 13">
+            <a:extLst>
+              <a:ext uri="{FF2B5EF4-FFF2-40B4-BE49-F238E27FC236}">
+                <a16:creationId xmlns:a16="http://schemas.microsoft.com/office/drawing/2014/main" id="{F9B00539-BB79-E654-F784-5DEF8095ABB7}"/>
+              </a:ext>
+            </a:extLst>
+          </p:cNvPr>
+          <p:cNvSpPr/>
+          <p:nvPr/>
+        </p:nvSpPr>
+        <p:spPr>
+          <a:xfrm>
+            <a:off x="8254887" y="2699956"/>
+            <a:ext cx="94594" cy="1587217"/>
+          </a:xfrm>
+          <a:prstGeom prst="rightBrace">
+            <a:avLst>
+              <a:gd name="adj1" fmla="val 117978"/>
+              <a:gd name="adj2" fmla="val 50000"/>
+            </a:avLst>
+          </a:prstGeom>
+          <a:ln>
+            <a:solidFill>
+              <a:srgbClr val="980000"/>
+            </a:solidFill>
+          </a:ln>
+        </p:spPr>
+        <p:style>
+          <a:lnRef idx="2">
+            <a:schemeClr val="accent1"/>
+          </a:lnRef>
+          <a:fillRef idx="0">
+            <a:schemeClr val="accent1"/>
+          </a:fillRef>
+          <a:effectRef idx="1">
+            <a:schemeClr val="accent1"/>
+          </a:effectRef>
+          <a:fontRef idx="minor">
+            <a:schemeClr val="tx1"/>
+          </a:fontRef>
+        </p:style>
+        <p:txBody>
+          <a:bodyPr rtlCol="0" anchor="ctr"/>
+          <a:lstStyle/>
+          <a:p>
+            <a:pPr algn="ctr"/>
+            <a:endParaRPr lang="en-GB"/>
+          </a:p>
+        </p:txBody>
+      </p:sp>
+      <mc:AlternateContent xmlns:mc="http://schemas.openxmlformats.org/markup-compatibility/2006">
+        <mc:Choice xmlns:a14="http://schemas.microsoft.com/office/drawing/2010/main" Requires="a14">
+          <p:sp>
+            <p:nvSpPr>
+              <p:cNvPr id="15" name="TextBox 14">
+                <a:extLst>
+                  <a:ext uri="{FF2B5EF4-FFF2-40B4-BE49-F238E27FC236}">
+                    <a16:creationId xmlns:a16="http://schemas.microsoft.com/office/drawing/2014/main" id="{D11F179C-F76D-D282-B0F3-B27CA93980EB}"/>
+                  </a:ext>
+                </a:extLst>
+              </p:cNvPr>
+              <p:cNvSpPr txBox="1"/>
+              <p:nvPr/>
+            </p:nvSpPr>
+            <p:spPr>
+              <a:xfrm>
+                <a:off x="8458874" y="2658116"/>
+                <a:ext cx="3733126" cy="1477328"/>
+              </a:xfrm>
+              <a:prstGeom prst="rect">
+                <a:avLst/>
+              </a:prstGeom>
+              <a:noFill/>
+            </p:spPr>
+            <p:txBody>
+              <a:bodyPr wrap="square" rtlCol="0">
+                <a:spAutoFit/>
+              </a:bodyPr>
+              <a:lstStyle/>
+              <a:p>
+                <a:pPr algn="just"/>
+                <a:r>
+                  <a:rPr lang="fr-FR" b="1" noProof="0" dirty="0">
+                    <a:latin typeface="Times New Roman" panose="02020603050405020304" pitchFamily="18" charset="0"/>
+                    <a:cs typeface="Times New Roman" panose="02020603050405020304" pitchFamily="18" charset="0"/>
+                  </a:rPr>
+                  <a:t>Remarque</a:t>
+                </a:r>
+                <a:r>
+                  <a:rPr lang="fr-FR" noProof="0" dirty="0">
+                    <a:latin typeface="Times New Roman" panose="02020603050405020304" pitchFamily="18" charset="0"/>
+                    <a:cs typeface="Times New Roman" panose="02020603050405020304" pitchFamily="18" charset="0"/>
+                  </a:rPr>
+                  <a:t> : On ne peut utiliser ces formules car elle donne une incertitude pour1 écart type. De plus, elles donnent </a:t>
+                </a:r>
+                <a14:m>
+                  <m:oMath xmlns:m="http://schemas.openxmlformats.org/officeDocument/2006/math">
+                    <m:r>
+                      <a:rPr lang="fr-FR" b="0" i="1" noProof="0" smtClean="0">
+                        <a:latin typeface="Cambria Math" panose="02040503050406030204" pitchFamily="18" charset="0"/>
+                        <a:cs typeface="Times New Roman" panose="02020603050405020304" pitchFamily="18" charset="0"/>
+                      </a:rPr>
+                      <m:t>𝑛</m:t>
+                    </m:r>
+                    <m:r>
+                      <a:rPr lang="fr-FR" b="0" i="1" noProof="0" smtClean="0">
+                        <a:latin typeface="Cambria Math" panose="02040503050406030204" pitchFamily="18" charset="0"/>
+                        <a:cs typeface="Times New Roman" panose="02020603050405020304" pitchFamily="18" charset="0"/>
+                      </a:rPr>
+                      <m:t>=5</m:t>
+                    </m:r>
+                  </m:oMath>
+                </a14:m>
+                <a:r>
+                  <a:rPr lang="fr-FR" noProof="0" dirty="0">
+                    <a:latin typeface="Times New Roman" panose="02020603050405020304" pitchFamily="18" charset="0"/>
+                    <a:cs typeface="Times New Roman" panose="02020603050405020304" pitchFamily="18" charset="0"/>
+                  </a:rPr>
+                  <a:t> résultats étant donné que nous avons 5 </a:t>
+                </a:r>
+                <a:r>
+                  <a:rPr lang="fr-FR" noProof="0" dirty="0" err="1">
+                    <a:latin typeface="Times New Roman" panose="02020603050405020304" pitchFamily="18" charset="0"/>
+                    <a:cs typeface="Times New Roman" panose="02020603050405020304" pitchFamily="18" charset="0"/>
+                  </a:rPr>
+                  <a:t>CDFs</a:t>
+                </a:r>
+                <a:r>
+                  <a:rPr lang="fr-FR" noProof="0">
+                    <a:latin typeface="Times New Roman" panose="02020603050405020304" pitchFamily="18" charset="0"/>
+                    <a:cs typeface="Times New Roman" panose="02020603050405020304" pitchFamily="18" charset="0"/>
+                  </a:rPr>
+                  <a:t>.  </a:t>
+                </a:r>
+                <a:endParaRPr lang="fr-FR" noProof="0" dirty="0">
+                  <a:latin typeface="Times New Roman" panose="02020603050405020304" pitchFamily="18" charset="0"/>
+                  <a:cs typeface="Times New Roman" panose="02020603050405020304" pitchFamily="18" charset="0"/>
+                </a:endParaRPr>
+              </a:p>
+            </p:txBody>
+          </p:sp>
+        </mc:Choice>
+        <mc:Fallback>
+          <p:sp>
+            <p:nvSpPr>
+              <p:cNvPr id="15" name="TextBox 14">
+                <a:extLst>
+                  <a:ext uri="{FF2B5EF4-FFF2-40B4-BE49-F238E27FC236}">
+                    <a16:creationId xmlns:a16="http://schemas.microsoft.com/office/drawing/2014/main" id="{D11F179C-F76D-D282-B0F3-B27CA93980EB}"/>
+                  </a:ext>
+                </a:extLst>
+              </p:cNvPr>
+              <p:cNvSpPr txBox="1">
+                <a:spLocks noRot="1" noChangeAspect="1" noMove="1" noResize="1" noEditPoints="1" noAdjustHandles="1" noChangeArrowheads="1" noChangeShapeType="1" noTextEdit="1"/>
+              </p:cNvSpPr>
+              <p:nvPr/>
+            </p:nvSpPr>
+            <p:spPr>
+              <a:xfrm>
+                <a:off x="8458874" y="2658116"/>
+                <a:ext cx="3733126" cy="1477328"/>
+              </a:xfrm>
+              <a:prstGeom prst="rect">
+                <a:avLst/>
+              </a:prstGeom>
+              <a:blipFill>
+                <a:blip r:embed="rId7"/>
+                <a:stretch>
+                  <a:fillRect l="-1471" t="-2066" r="-1307" b="-5785"/>
                 </a:stretch>
               </a:blipFill>
             </p:spPr>
@@ -14979,7 +16292,7 @@
     </p:spTree>
     <p:extLst>
       <p:ext uri="{BB962C8B-B14F-4D97-AF65-F5344CB8AC3E}">
-        <p14:creationId xmlns:p14="http://schemas.microsoft.com/office/powerpoint/2010/main" val="963883029"/>
+        <p14:creationId xmlns:p14="http://schemas.microsoft.com/office/powerpoint/2010/main" val="1890707992"/>
       </p:ext>
     </p:extLst>
   </p:cSld>
@@ -14989,7 +16302,7 @@
 </p:sld>
 </file>
 
-<file path=ppt/slides/slide17.xml><?xml version="1.0" encoding="utf-8"?>
+<file path=ppt/slides/slide18.xml><?xml version="1.0" encoding="utf-8"?>
 <p:sld xmlns:a="http://schemas.openxmlformats.org/drawingml/2006/main" xmlns:r="http://schemas.openxmlformats.org/officeDocument/2006/relationships" xmlns:p="http://schemas.openxmlformats.org/presentationml/2006/main">
   <p:cSld>
     <p:spTree>
@@ -17420,7 +18733,7 @@
 </p:sld>
 </file>
 
-<file path=ppt/slides/slide18.xml><?xml version="1.0" encoding="utf-8"?>
+<file path=ppt/slides/slide19.xml><?xml version="1.0" encoding="utf-8"?>
 <p:sld xmlns:a="http://schemas.openxmlformats.org/drawingml/2006/main" xmlns:r="http://schemas.openxmlformats.org/officeDocument/2006/relationships" xmlns:p="http://schemas.openxmlformats.org/presentationml/2006/main">
   <p:cSld>
     <p:spTree>
@@ -18181,266 +19494,6 @@
     <p:extLst>
       <p:ext uri="{BB962C8B-B14F-4D97-AF65-F5344CB8AC3E}">
         <p14:creationId xmlns:p14="http://schemas.microsoft.com/office/powerpoint/2010/main" val="3801532562"/>
-      </p:ext>
-    </p:extLst>
-  </p:cSld>
-  <p:clrMapOvr>
-    <a:masterClrMapping/>
-  </p:clrMapOvr>
-</p:sld>
-</file>
-
-<file path=ppt/slides/slide19.xml><?xml version="1.0" encoding="utf-8"?>
-<p:sld xmlns:a="http://schemas.openxmlformats.org/drawingml/2006/main" xmlns:r="http://schemas.openxmlformats.org/officeDocument/2006/relationships" xmlns:p="http://schemas.openxmlformats.org/presentationml/2006/main">
-  <p:cSld>
-    <p:spTree>
-      <p:nvGrpSpPr>
-        <p:cNvPr id="1" name="">
-          <a:extLst>
-            <a:ext uri="{FF2B5EF4-FFF2-40B4-BE49-F238E27FC236}">
-              <a16:creationId xmlns:a16="http://schemas.microsoft.com/office/drawing/2014/main" id="{C3A9C781-F0F1-453F-0A7F-BA04A8FFEF08}"/>
-            </a:ext>
-          </a:extLst>
-        </p:cNvPr>
-        <p:cNvGrpSpPr/>
-        <p:nvPr/>
-      </p:nvGrpSpPr>
-      <p:grpSpPr>
-        <a:xfrm>
-          <a:off x="0" y="0"/>
-          <a:ext cx="0" cy="0"/>
-          <a:chOff x="0" y="0"/>
-          <a:chExt cx="0" cy="0"/>
-        </a:xfrm>
-      </p:grpSpPr>
-      <p:sp>
-        <p:nvSpPr>
-          <p:cNvPr id="36" name="Rectangle 35">
-            <a:extLst>
-              <a:ext uri="{FF2B5EF4-FFF2-40B4-BE49-F238E27FC236}">
-                <a16:creationId xmlns:a16="http://schemas.microsoft.com/office/drawing/2014/main" id="{FA0ACC53-37B5-6A35-3460-B2B817B331B2}"/>
-              </a:ext>
-            </a:extLst>
-          </p:cNvPr>
-          <p:cNvSpPr/>
-          <p:nvPr/>
-        </p:nvSpPr>
-        <p:spPr>
-          <a:xfrm>
-            <a:off x="1" y="-990"/>
-            <a:ext cx="6096000" cy="501017"/>
-          </a:xfrm>
-          <a:prstGeom prst="rect">
-            <a:avLst/>
-          </a:prstGeom>
-          <a:solidFill>
-            <a:srgbClr val="980000"/>
-          </a:solidFill>
-          <a:ln>
-            <a:noFill/>
-          </a:ln>
-        </p:spPr>
-        <p:style>
-          <a:lnRef idx="2">
-            <a:schemeClr val="accent1">
-              <a:shade val="15000"/>
-            </a:schemeClr>
-          </a:lnRef>
-          <a:fillRef idx="1">
-            <a:schemeClr val="accent1"/>
-          </a:fillRef>
-          <a:effectRef idx="0">
-            <a:schemeClr val="accent1"/>
-          </a:effectRef>
-          <a:fontRef idx="minor">
-            <a:schemeClr val="lt1"/>
-          </a:fontRef>
-        </p:style>
-        <p:txBody>
-          <a:bodyPr rtlCol="0" anchor="ctr"/>
-          <a:lstStyle/>
-          <a:p>
-            <a:pPr algn="ctr"/>
-            <a:endParaRPr lang="fr-FR" noProof="0" dirty="0"/>
-          </a:p>
-        </p:txBody>
-      </p:sp>
-      <p:sp>
-        <p:nvSpPr>
-          <p:cNvPr id="9" name="TextBox 8">
-            <a:extLst>
-              <a:ext uri="{FF2B5EF4-FFF2-40B4-BE49-F238E27FC236}">
-                <a16:creationId xmlns:a16="http://schemas.microsoft.com/office/drawing/2014/main" id="{D73209F5-87A3-2C49-5168-5D6BA697A08B}"/>
-              </a:ext>
-            </a:extLst>
-          </p:cNvPr>
-          <p:cNvSpPr txBox="1"/>
-          <p:nvPr/>
-        </p:nvSpPr>
-        <p:spPr>
-          <a:xfrm>
-            <a:off x="0" y="-990"/>
-            <a:ext cx="5568381" cy="461665"/>
-          </a:xfrm>
-          <a:prstGeom prst="rect">
-            <a:avLst/>
-          </a:prstGeom>
-          <a:noFill/>
-        </p:spPr>
-        <p:txBody>
-          <a:bodyPr wrap="square" rtlCol="0">
-            <a:spAutoFit/>
-          </a:bodyPr>
-          <a:lstStyle/>
-          <a:p>
-            <a:pPr algn="just"/>
-            <a:r>
-              <a:rPr lang="fr-FR" sz="2400" b="1" noProof="0" dirty="0">
-                <a:solidFill>
-                  <a:schemeClr val="bg1"/>
-                </a:solidFill>
-                <a:latin typeface="Times New Roman" panose="02020603050405020304" pitchFamily="18" charset="0"/>
-                <a:cs typeface="Times New Roman" panose="02020603050405020304" pitchFamily="18" charset="0"/>
-              </a:rPr>
-              <a:t>CONCLUSION</a:t>
-            </a:r>
-          </a:p>
-        </p:txBody>
-      </p:sp>
-      <p:sp>
-        <p:nvSpPr>
-          <p:cNvPr id="39" name="Rectangle 38">
-            <a:extLst>
-              <a:ext uri="{FF2B5EF4-FFF2-40B4-BE49-F238E27FC236}">
-                <a16:creationId xmlns:a16="http://schemas.microsoft.com/office/drawing/2014/main" id="{9B4CE358-A05E-BF53-FE4B-423637CD1EBA}"/>
-              </a:ext>
-            </a:extLst>
-          </p:cNvPr>
-          <p:cNvSpPr/>
-          <p:nvPr/>
-        </p:nvSpPr>
-        <p:spPr>
-          <a:xfrm>
-            <a:off x="6096000" y="0"/>
-            <a:ext cx="6096000" cy="501017"/>
-          </a:xfrm>
-          <a:prstGeom prst="rect">
-            <a:avLst/>
-          </a:prstGeom>
-          <a:solidFill>
-            <a:srgbClr val="D9D9D9"/>
-          </a:solidFill>
-          <a:ln>
-            <a:noFill/>
-          </a:ln>
-        </p:spPr>
-        <p:style>
-          <a:lnRef idx="2">
-            <a:schemeClr val="accent1">
-              <a:shade val="15000"/>
-            </a:schemeClr>
-          </a:lnRef>
-          <a:fillRef idx="1">
-            <a:schemeClr val="accent1"/>
-          </a:fillRef>
-          <a:effectRef idx="0">
-            <a:schemeClr val="accent1"/>
-          </a:effectRef>
-          <a:fontRef idx="minor">
-            <a:schemeClr val="lt1"/>
-          </a:fontRef>
-        </p:style>
-        <p:txBody>
-          <a:bodyPr rtlCol="0" anchor="ctr"/>
-          <a:lstStyle/>
-          <a:p>
-            <a:pPr algn="ctr"/>
-            <a:endParaRPr lang="fr-FR" noProof="0" dirty="0"/>
-          </a:p>
-        </p:txBody>
-      </p:sp>
-      <p:sp>
-        <p:nvSpPr>
-          <p:cNvPr id="2" name="TextBox 1">
-            <a:extLst>
-              <a:ext uri="{FF2B5EF4-FFF2-40B4-BE49-F238E27FC236}">
-                <a16:creationId xmlns:a16="http://schemas.microsoft.com/office/drawing/2014/main" id="{C5D0EED7-B87A-CF2B-6229-6C3F2AE7D52C}"/>
-              </a:ext>
-            </a:extLst>
-          </p:cNvPr>
-          <p:cNvSpPr txBox="1"/>
-          <p:nvPr/>
-        </p:nvSpPr>
-        <p:spPr>
-          <a:xfrm>
-            <a:off x="11091333" y="6550222"/>
-            <a:ext cx="1100667" cy="307777"/>
-          </a:xfrm>
-          <a:prstGeom prst="rect">
-            <a:avLst/>
-          </a:prstGeom>
-          <a:noFill/>
-        </p:spPr>
-        <p:txBody>
-          <a:bodyPr wrap="square" rtlCol="0">
-            <a:spAutoFit/>
-          </a:bodyPr>
-          <a:lstStyle/>
-          <a:p>
-            <a:pPr algn="r"/>
-            <a:r>
-              <a:rPr lang="fr-FR" sz="1400" noProof="0" dirty="0">
-                <a:latin typeface="Times New Roman" panose="02020603050405020304" pitchFamily="18" charset="0"/>
-                <a:cs typeface="Times New Roman" panose="02020603050405020304" pitchFamily="18" charset="0"/>
-              </a:rPr>
-              <a:t>X/Y</a:t>
-            </a:r>
-          </a:p>
-        </p:txBody>
-      </p:sp>
-      <p:sp>
-        <p:nvSpPr>
-          <p:cNvPr id="3" name="TextBox 2">
-            <a:extLst>
-              <a:ext uri="{FF2B5EF4-FFF2-40B4-BE49-F238E27FC236}">
-                <a16:creationId xmlns:a16="http://schemas.microsoft.com/office/drawing/2014/main" id="{56A37E44-57BE-AE1E-725A-2DBAD43C84C9}"/>
-              </a:ext>
-            </a:extLst>
-          </p:cNvPr>
-          <p:cNvSpPr txBox="1"/>
-          <p:nvPr/>
-        </p:nvSpPr>
-        <p:spPr>
-          <a:xfrm>
-            <a:off x="0" y="627468"/>
-            <a:ext cx="12192000" cy="369332"/>
-          </a:xfrm>
-          <a:prstGeom prst="rect">
-            <a:avLst/>
-          </a:prstGeom>
-          <a:noFill/>
-        </p:spPr>
-        <p:txBody>
-          <a:bodyPr wrap="square" rtlCol="0">
-            <a:spAutoFit/>
-          </a:bodyPr>
-          <a:lstStyle/>
-          <a:p>
-            <a:pPr algn="just"/>
-            <a:r>
-              <a:rPr lang="fr-FR" noProof="0" dirty="0">
-                <a:latin typeface="Times New Roman" panose="02020603050405020304" pitchFamily="18" charset="0"/>
-                <a:cs typeface="Times New Roman" panose="02020603050405020304" pitchFamily="18" charset="0"/>
-              </a:rPr>
-              <a:t>Pour conclure, …</a:t>
-            </a:r>
-          </a:p>
-        </p:txBody>
-      </p:sp>
-    </p:spTree>
-    <p:extLst>
-      <p:ext uri="{BB962C8B-B14F-4D97-AF65-F5344CB8AC3E}">
-        <p14:creationId xmlns:p14="http://schemas.microsoft.com/office/powerpoint/2010/main" val="3396844726"/>
       </p:ext>
     </p:extLst>
   </p:cSld>
@@ -19766,6 +20819,266 @@
         <p:cNvPr id="1" name="">
           <a:extLst>
             <a:ext uri="{FF2B5EF4-FFF2-40B4-BE49-F238E27FC236}">
+              <a16:creationId xmlns:a16="http://schemas.microsoft.com/office/drawing/2014/main" id="{C3A9C781-F0F1-453F-0A7F-BA04A8FFEF08}"/>
+            </a:ext>
+          </a:extLst>
+        </p:cNvPr>
+        <p:cNvGrpSpPr/>
+        <p:nvPr/>
+      </p:nvGrpSpPr>
+      <p:grpSpPr>
+        <a:xfrm>
+          <a:off x="0" y="0"/>
+          <a:ext cx="0" cy="0"/>
+          <a:chOff x="0" y="0"/>
+          <a:chExt cx="0" cy="0"/>
+        </a:xfrm>
+      </p:grpSpPr>
+      <p:sp>
+        <p:nvSpPr>
+          <p:cNvPr id="36" name="Rectangle 35">
+            <a:extLst>
+              <a:ext uri="{FF2B5EF4-FFF2-40B4-BE49-F238E27FC236}">
+                <a16:creationId xmlns:a16="http://schemas.microsoft.com/office/drawing/2014/main" id="{FA0ACC53-37B5-6A35-3460-B2B817B331B2}"/>
+              </a:ext>
+            </a:extLst>
+          </p:cNvPr>
+          <p:cNvSpPr/>
+          <p:nvPr/>
+        </p:nvSpPr>
+        <p:spPr>
+          <a:xfrm>
+            <a:off x="1" y="-990"/>
+            <a:ext cx="6096000" cy="501017"/>
+          </a:xfrm>
+          <a:prstGeom prst="rect">
+            <a:avLst/>
+          </a:prstGeom>
+          <a:solidFill>
+            <a:srgbClr val="980000"/>
+          </a:solidFill>
+          <a:ln>
+            <a:noFill/>
+          </a:ln>
+        </p:spPr>
+        <p:style>
+          <a:lnRef idx="2">
+            <a:schemeClr val="accent1">
+              <a:shade val="15000"/>
+            </a:schemeClr>
+          </a:lnRef>
+          <a:fillRef idx="1">
+            <a:schemeClr val="accent1"/>
+          </a:fillRef>
+          <a:effectRef idx="0">
+            <a:schemeClr val="accent1"/>
+          </a:effectRef>
+          <a:fontRef idx="minor">
+            <a:schemeClr val="lt1"/>
+          </a:fontRef>
+        </p:style>
+        <p:txBody>
+          <a:bodyPr rtlCol="0" anchor="ctr"/>
+          <a:lstStyle/>
+          <a:p>
+            <a:pPr algn="ctr"/>
+            <a:endParaRPr lang="fr-FR" noProof="0" dirty="0"/>
+          </a:p>
+        </p:txBody>
+      </p:sp>
+      <p:sp>
+        <p:nvSpPr>
+          <p:cNvPr id="9" name="TextBox 8">
+            <a:extLst>
+              <a:ext uri="{FF2B5EF4-FFF2-40B4-BE49-F238E27FC236}">
+                <a16:creationId xmlns:a16="http://schemas.microsoft.com/office/drawing/2014/main" id="{D73209F5-87A3-2C49-5168-5D6BA697A08B}"/>
+              </a:ext>
+            </a:extLst>
+          </p:cNvPr>
+          <p:cNvSpPr txBox="1"/>
+          <p:nvPr/>
+        </p:nvSpPr>
+        <p:spPr>
+          <a:xfrm>
+            <a:off x="0" y="-990"/>
+            <a:ext cx="5568381" cy="461665"/>
+          </a:xfrm>
+          <a:prstGeom prst="rect">
+            <a:avLst/>
+          </a:prstGeom>
+          <a:noFill/>
+        </p:spPr>
+        <p:txBody>
+          <a:bodyPr wrap="square" rtlCol="0">
+            <a:spAutoFit/>
+          </a:bodyPr>
+          <a:lstStyle/>
+          <a:p>
+            <a:pPr algn="just"/>
+            <a:r>
+              <a:rPr lang="fr-FR" sz="2400" b="1" noProof="0" dirty="0">
+                <a:solidFill>
+                  <a:schemeClr val="bg1"/>
+                </a:solidFill>
+                <a:latin typeface="Times New Roman" panose="02020603050405020304" pitchFamily="18" charset="0"/>
+                <a:cs typeface="Times New Roman" panose="02020603050405020304" pitchFamily="18" charset="0"/>
+              </a:rPr>
+              <a:t>CONCLUSION</a:t>
+            </a:r>
+          </a:p>
+        </p:txBody>
+      </p:sp>
+      <p:sp>
+        <p:nvSpPr>
+          <p:cNvPr id="39" name="Rectangle 38">
+            <a:extLst>
+              <a:ext uri="{FF2B5EF4-FFF2-40B4-BE49-F238E27FC236}">
+                <a16:creationId xmlns:a16="http://schemas.microsoft.com/office/drawing/2014/main" id="{9B4CE358-A05E-BF53-FE4B-423637CD1EBA}"/>
+              </a:ext>
+            </a:extLst>
+          </p:cNvPr>
+          <p:cNvSpPr/>
+          <p:nvPr/>
+        </p:nvSpPr>
+        <p:spPr>
+          <a:xfrm>
+            <a:off x="6096000" y="0"/>
+            <a:ext cx="6096000" cy="501017"/>
+          </a:xfrm>
+          <a:prstGeom prst="rect">
+            <a:avLst/>
+          </a:prstGeom>
+          <a:solidFill>
+            <a:srgbClr val="D9D9D9"/>
+          </a:solidFill>
+          <a:ln>
+            <a:noFill/>
+          </a:ln>
+        </p:spPr>
+        <p:style>
+          <a:lnRef idx="2">
+            <a:schemeClr val="accent1">
+              <a:shade val="15000"/>
+            </a:schemeClr>
+          </a:lnRef>
+          <a:fillRef idx="1">
+            <a:schemeClr val="accent1"/>
+          </a:fillRef>
+          <a:effectRef idx="0">
+            <a:schemeClr val="accent1"/>
+          </a:effectRef>
+          <a:fontRef idx="minor">
+            <a:schemeClr val="lt1"/>
+          </a:fontRef>
+        </p:style>
+        <p:txBody>
+          <a:bodyPr rtlCol="0" anchor="ctr"/>
+          <a:lstStyle/>
+          <a:p>
+            <a:pPr algn="ctr"/>
+            <a:endParaRPr lang="fr-FR" noProof="0" dirty="0"/>
+          </a:p>
+        </p:txBody>
+      </p:sp>
+      <p:sp>
+        <p:nvSpPr>
+          <p:cNvPr id="2" name="TextBox 1">
+            <a:extLst>
+              <a:ext uri="{FF2B5EF4-FFF2-40B4-BE49-F238E27FC236}">
+                <a16:creationId xmlns:a16="http://schemas.microsoft.com/office/drawing/2014/main" id="{C5D0EED7-B87A-CF2B-6229-6C3F2AE7D52C}"/>
+              </a:ext>
+            </a:extLst>
+          </p:cNvPr>
+          <p:cNvSpPr txBox="1"/>
+          <p:nvPr/>
+        </p:nvSpPr>
+        <p:spPr>
+          <a:xfrm>
+            <a:off x="11091333" y="6550222"/>
+            <a:ext cx="1100667" cy="307777"/>
+          </a:xfrm>
+          <a:prstGeom prst="rect">
+            <a:avLst/>
+          </a:prstGeom>
+          <a:noFill/>
+        </p:spPr>
+        <p:txBody>
+          <a:bodyPr wrap="square" rtlCol="0">
+            <a:spAutoFit/>
+          </a:bodyPr>
+          <a:lstStyle/>
+          <a:p>
+            <a:pPr algn="r"/>
+            <a:r>
+              <a:rPr lang="fr-FR" sz="1400" noProof="0" dirty="0">
+                <a:latin typeface="Times New Roman" panose="02020603050405020304" pitchFamily="18" charset="0"/>
+                <a:cs typeface="Times New Roman" panose="02020603050405020304" pitchFamily="18" charset="0"/>
+              </a:rPr>
+              <a:t>X/Y</a:t>
+            </a:r>
+          </a:p>
+        </p:txBody>
+      </p:sp>
+      <p:sp>
+        <p:nvSpPr>
+          <p:cNvPr id="3" name="TextBox 2">
+            <a:extLst>
+              <a:ext uri="{FF2B5EF4-FFF2-40B4-BE49-F238E27FC236}">
+                <a16:creationId xmlns:a16="http://schemas.microsoft.com/office/drawing/2014/main" id="{56A37E44-57BE-AE1E-725A-2DBAD43C84C9}"/>
+              </a:ext>
+            </a:extLst>
+          </p:cNvPr>
+          <p:cNvSpPr txBox="1"/>
+          <p:nvPr/>
+        </p:nvSpPr>
+        <p:spPr>
+          <a:xfrm>
+            <a:off x="0" y="627468"/>
+            <a:ext cx="12192000" cy="369332"/>
+          </a:xfrm>
+          <a:prstGeom prst="rect">
+            <a:avLst/>
+          </a:prstGeom>
+          <a:noFill/>
+        </p:spPr>
+        <p:txBody>
+          <a:bodyPr wrap="square" rtlCol="0">
+            <a:spAutoFit/>
+          </a:bodyPr>
+          <a:lstStyle/>
+          <a:p>
+            <a:pPr algn="just"/>
+            <a:r>
+              <a:rPr lang="fr-FR" noProof="0" dirty="0">
+                <a:latin typeface="Times New Roman" panose="02020603050405020304" pitchFamily="18" charset="0"/>
+                <a:cs typeface="Times New Roman" panose="02020603050405020304" pitchFamily="18" charset="0"/>
+              </a:rPr>
+              <a:t>Pour conclure, …</a:t>
+            </a:r>
+          </a:p>
+        </p:txBody>
+      </p:sp>
+    </p:spTree>
+    <p:extLst>
+      <p:ext uri="{BB962C8B-B14F-4D97-AF65-F5344CB8AC3E}">
+        <p14:creationId xmlns:p14="http://schemas.microsoft.com/office/powerpoint/2010/main" val="3396844726"/>
+      </p:ext>
+    </p:extLst>
+  </p:cSld>
+  <p:clrMapOvr>
+    <a:masterClrMapping/>
+  </p:clrMapOvr>
+</p:sld>
+</file>
+
+<file path=ppt/slides/slide21.xml><?xml version="1.0" encoding="utf-8"?>
+<p:sld xmlns:a="http://schemas.openxmlformats.org/drawingml/2006/main" xmlns:r="http://schemas.openxmlformats.org/officeDocument/2006/relationships" xmlns:p="http://schemas.openxmlformats.org/presentationml/2006/main">
+  <p:cSld>
+    <p:spTree>
+      <p:nvGrpSpPr>
+        <p:cNvPr id="1" name="">
+          <a:extLst>
+            <a:ext uri="{FF2B5EF4-FFF2-40B4-BE49-F238E27FC236}">
               <a16:creationId xmlns:a16="http://schemas.microsoft.com/office/drawing/2014/main" id="{4F1CD39F-1AA1-CA3E-121A-DAC967D4790E}"/>
             </a:ext>
           </a:extLst>
@@ -20187,7 +21500,7 @@
 </p:sld>
 </file>
 
-<file path=ppt/slides/slide21.xml><?xml version="1.0" encoding="utf-8"?>
+<file path=ppt/slides/slide22.xml><?xml version="1.0" encoding="utf-8"?>
 <p:sld xmlns:a="http://schemas.openxmlformats.org/drawingml/2006/main" xmlns:r="http://schemas.openxmlformats.org/officeDocument/2006/relationships" xmlns:p="http://schemas.openxmlformats.org/presentationml/2006/main">
   <p:cSld>
     <p:spTree>

--- a/03_Rapport/Rapport_Projet.pptx
+++ b/03_Rapport/Rapport_Projet.pptx
@@ -5,7 +5,7 @@
     <p:sldMasterId id="2147483648" r:id="rId1"/>
   </p:sldMasterIdLst>
   <p:notesMasterIdLst>
-    <p:notesMasterId r:id="rId24"/>
+    <p:notesMasterId r:id="rId23"/>
   </p:notesMasterIdLst>
   <p:sldIdLst>
     <p:sldId id="256" r:id="rId2"/>
@@ -26,10 +26,9 @@
     <p:sldId id="279" r:id="rId17"/>
     <p:sldId id="287" r:id="rId18"/>
     <p:sldId id="286" r:id="rId19"/>
-    <p:sldId id="283" r:id="rId20"/>
-    <p:sldId id="284" r:id="rId21"/>
-    <p:sldId id="275" r:id="rId22"/>
-    <p:sldId id="268" r:id="rId23"/>
+    <p:sldId id="284" r:id="rId20"/>
+    <p:sldId id="275" r:id="rId21"/>
+    <p:sldId id="268" r:id="rId22"/>
   </p:sldIdLst>
   <p:sldSz cx="12192000" cy="6858000"/>
   <p:notesSz cx="6858000" cy="9144000"/>
@@ -145,7 +144,7 @@
 <file path=ppt/revisionInfo.xml><?xml version="1.0" encoding="utf-8"?>
 <p1510:revInfo xmlns:a="http://schemas.openxmlformats.org/drawingml/2006/main" xmlns:r="http://schemas.openxmlformats.org/officeDocument/2006/relationships" xmlns:p1510="http://schemas.microsoft.com/office/powerpoint/2015/10/main">
   <p1510:revLst>
-    <p1510:client id="{1404D58C-429C-4D75-B5B2-E1C9B8E0DC36}" v="5665" dt="2025-04-04T00:23:54.492"/>
+    <p1510:client id="{1404D58C-429C-4D75-B5B2-E1C9B8E0DC36}" v="5865" dt="2025-04-04T14:28:42.419"/>
   </p1510:revLst>
 </p1510:revInfo>
 </file>
@@ -366,7 +365,7 @@
   <pc:docChgLst>
     <pc:chgData name="François GLEYZON" userId="a2d04f23f7faf3ef" providerId="LiveId" clId="{1404D58C-429C-4D75-B5B2-E1C9B8E0DC36}"/>
     <pc:docChg chg="undo redo custSel addSld delSld modSld sldOrd">
-      <pc:chgData name="François GLEYZON" userId="a2d04f23f7faf3ef" providerId="LiveId" clId="{1404D58C-429C-4D75-B5B2-E1C9B8E0DC36}" dt="2025-04-04T00:23:54.492" v="15945" actId="20577"/>
+      <pc:chgData name="François GLEYZON" userId="a2d04f23f7faf3ef" providerId="LiveId" clId="{1404D58C-429C-4D75-B5B2-E1C9B8E0DC36}" dt="2025-04-04T14:28:53.458" v="16696" actId="14100"/>
       <pc:docMkLst>
         <pc:docMk/>
       </pc:docMkLst>
@@ -1646,13 +1645,13 @@
         </pc:picChg>
       </pc:sldChg>
       <pc:sldChg chg="addSp delSp modSp add del mod">
-        <pc:chgData name="François GLEYZON" userId="a2d04f23f7faf3ef" providerId="LiveId" clId="{1404D58C-429C-4D75-B5B2-E1C9B8E0DC36}" dt="2025-03-29T20:48:04.585" v="9302" actId="2696"/>
+        <pc:chgData name="François GLEYZON" userId="a2d04f23f7faf3ef" providerId="LiveId" clId="{1404D58C-429C-4D75-B5B2-E1C9B8E0DC36}" dt="2025-04-04T14:28:53.458" v="16696" actId="14100"/>
         <pc:sldMkLst>
           <pc:docMk/>
           <pc:sldMk cId="3353157011" sldId="278"/>
         </pc:sldMkLst>
         <pc:spChg chg="add mod">
-          <ac:chgData name="François GLEYZON" userId="a2d04f23f7faf3ef" providerId="LiveId" clId="{1404D58C-429C-4D75-B5B2-E1C9B8E0DC36}" dt="2025-03-16T18:20:16.267" v="6837" actId="207"/>
+          <ac:chgData name="François GLEYZON" userId="a2d04f23f7faf3ef" providerId="LiveId" clId="{1404D58C-429C-4D75-B5B2-E1C9B8E0DC36}" dt="2025-04-04T14:28:53.458" v="16696" actId="14100"/>
           <ac:spMkLst>
             <pc:docMk/>
             <pc:sldMk cId="3353157011" sldId="278"/>
@@ -1668,7 +1667,7 @@
           </ac:spMkLst>
         </pc:spChg>
         <pc:spChg chg="mod">
-          <ac:chgData name="François GLEYZON" userId="a2d04f23f7faf3ef" providerId="LiveId" clId="{1404D58C-429C-4D75-B5B2-E1C9B8E0DC36}" dt="2025-03-18T00:13:16.107" v="7136" actId="13926"/>
+          <ac:chgData name="François GLEYZON" userId="a2d04f23f7faf3ef" providerId="LiveId" clId="{1404D58C-429C-4D75-B5B2-E1C9B8E0DC36}" dt="2025-04-04T14:28:42.418" v="16694" actId="20577"/>
           <ac:spMkLst>
             <pc:docMk/>
             <pc:sldMk cId="3353157011" sldId="278"/>
@@ -1677,7 +1676,7 @@
         </pc:spChg>
       </pc:sldChg>
       <pc:sldChg chg="addSp delSp modSp add del mod">
-        <pc:chgData name="François GLEYZON" userId="a2d04f23f7faf3ef" providerId="LiveId" clId="{1404D58C-429C-4D75-B5B2-E1C9B8E0DC36}" dt="2025-04-03T22:59:57.719" v="14920" actId="20577"/>
+        <pc:chgData name="François GLEYZON" userId="a2d04f23f7faf3ef" providerId="LiveId" clId="{1404D58C-429C-4D75-B5B2-E1C9B8E0DC36}" dt="2025-04-04T14:24:58.521" v="16674" actId="313"/>
         <pc:sldMkLst>
           <pc:docMk/>
           <pc:sldMk cId="963883029" sldId="279"/>
@@ -1691,7 +1690,7 @@
           </ac:spMkLst>
         </pc:spChg>
         <pc:spChg chg="add mod">
-          <ac:chgData name="François GLEYZON" userId="a2d04f23f7faf3ef" providerId="LiveId" clId="{1404D58C-429C-4D75-B5B2-E1C9B8E0DC36}" dt="2025-04-03T22:59:57.719" v="14920" actId="20577"/>
+          <ac:chgData name="François GLEYZON" userId="a2d04f23f7faf3ef" providerId="LiveId" clId="{1404D58C-429C-4D75-B5B2-E1C9B8E0DC36}" dt="2025-04-04T14:24:58.521" v="16674" actId="313"/>
           <ac:spMkLst>
             <pc:docMk/>
             <pc:sldMk cId="963883029" sldId="279"/>
@@ -1732,7 +1731,7 @@
         </pc:picChg>
       </pc:sldChg>
       <pc:sldChg chg="addSp delSp modSp add del mod">
-        <pc:chgData name="François GLEYZON" userId="a2d04f23f7faf3ef" providerId="LiveId" clId="{1404D58C-429C-4D75-B5B2-E1C9B8E0DC36}" dt="2025-03-29T21:18:41.600" v="9561" actId="20577"/>
+        <pc:chgData name="François GLEYZON" userId="a2d04f23f7faf3ef" providerId="LiveId" clId="{1404D58C-429C-4D75-B5B2-E1C9B8E0DC36}" dt="2025-04-04T14:24:51.662" v="16673" actId="1076"/>
         <pc:sldMkLst>
           <pc:docMk/>
           <pc:sldMk cId="956691911" sldId="280"/>
@@ -1743,6 +1742,22 @@
             <pc:docMk/>
             <pc:sldMk cId="956691911" sldId="280"/>
             <ac:spMk id="3" creationId="{49E817FD-6192-C972-9162-7F57B3CE3D00}"/>
+          </ac:spMkLst>
+        </pc:spChg>
+        <pc:spChg chg="add mod">
+          <ac:chgData name="François GLEYZON" userId="a2d04f23f7faf3ef" providerId="LiveId" clId="{1404D58C-429C-4D75-B5B2-E1C9B8E0DC36}" dt="2025-04-04T14:24:51.662" v="16673" actId="1076"/>
+          <ac:spMkLst>
+            <pc:docMk/>
+            <pc:sldMk cId="956691911" sldId="280"/>
+            <ac:spMk id="7" creationId="{90CB846E-B85D-108F-C544-7EAF89D777F3}"/>
+          </ac:spMkLst>
+        </pc:spChg>
+        <pc:spChg chg="add mod">
+          <ac:chgData name="François GLEYZON" userId="a2d04f23f7faf3ef" providerId="LiveId" clId="{1404D58C-429C-4D75-B5B2-E1C9B8E0DC36}" dt="2025-04-04T14:24:51.662" v="16673" actId="1076"/>
+          <ac:spMkLst>
+            <pc:docMk/>
+            <pc:sldMk cId="956691911" sldId="280"/>
+            <ac:spMk id="10" creationId="{60794846-4EC4-FCFC-D835-485C913281B1}"/>
           </ac:spMkLst>
         </pc:spChg>
         <pc:spChg chg="add mod">
@@ -1783,6 +1798,14 @@
             <pc:docMk/>
             <pc:sldMk cId="956691911" sldId="280"/>
             <ac:cxnSpMk id="6" creationId="{A76F7CCA-9E72-73D7-0599-D5CA1D8459BC}"/>
+          </ac:cxnSpMkLst>
+        </pc:cxnChg>
+        <pc:cxnChg chg="add mod">
+          <ac:chgData name="François GLEYZON" userId="a2d04f23f7faf3ef" providerId="LiveId" clId="{1404D58C-429C-4D75-B5B2-E1C9B8E0DC36}" dt="2025-04-04T14:24:51.662" v="16673" actId="1076"/>
+          <ac:cxnSpMkLst>
+            <pc:docMk/>
+            <pc:sldMk cId="956691911" sldId="280"/>
+            <ac:cxnSpMk id="11" creationId="{494275ED-047B-4942-C552-634510A3758F}"/>
           </ac:cxnSpMkLst>
         </pc:cxnChg>
         <pc:cxnChg chg="add mod">
@@ -1872,20 +1895,12 @@
           </ac:picMkLst>
         </pc:picChg>
       </pc:sldChg>
-      <pc:sldChg chg="delSp modSp add mod">
-        <pc:chgData name="François GLEYZON" userId="a2d04f23f7faf3ef" providerId="LiveId" clId="{1404D58C-429C-4D75-B5B2-E1C9B8E0DC36}" dt="2025-04-01T21:47:44.623" v="12713" actId="20577"/>
+      <pc:sldChg chg="delSp modSp add del mod">
+        <pc:chgData name="François GLEYZON" userId="a2d04f23f7faf3ef" providerId="LiveId" clId="{1404D58C-429C-4D75-B5B2-E1C9B8E0DC36}" dt="2025-04-04T14:25:11.229" v="16675" actId="2696"/>
         <pc:sldMkLst>
           <pc:docMk/>
           <pc:sldMk cId="3801532562" sldId="283"/>
         </pc:sldMkLst>
-        <pc:spChg chg="mod">
-          <ac:chgData name="François GLEYZON" userId="a2d04f23f7faf3ef" providerId="LiveId" clId="{1404D58C-429C-4D75-B5B2-E1C9B8E0DC36}" dt="2025-04-01T21:47:44.623" v="12713" actId="20577"/>
-          <ac:spMkLst>
-            <pc:docMk/>
-            <pc:sldMk cId="3801532562" sldId="283"/>
-            <ac:spMk id="3" creationId="{A79F57BC-6F26-9353-4409-4041965470AE}"/>
-          </ac:spMkLst>
-        </pc:spChg>
       </pc:sldChg>
       <pc:sldChg chg="modSp add mod">
         <pc:chgData name="François GLEYZON" userId="a2d04f23f7faf3ef" providerId="LiveId" clId="{1404D58C-429C-4D75-B5B2-E1C9B8E0DC36}" dt="2025-04-01T21:43:56.242" v="12441" actId="5793"/>
@@ -1973,14 +1988,53 @@
           </ac:picMkLst>
         </pc:picChg>
       </pc:sldChg>
+      <pc:sldChg chg="addSp modSp mod">
+        <pc:chgData name="François GLEYZON" userId="a2d04f23f7faf3ef" providerId="LiveId" clId="{1404D58C-429C-4D75-B5B2-E1C9B8E0DC36}" dt="2025-04-04T14:23:43.675" v="16671" actId="404"/>
+        <pc:sldMkLst>
+          <pc:docMk/>
+          <pc:sldMk cId="1952223921" sldId="286"/>
+        </pc:sldMkLst>
+        <pc:spChg chg="mod">
+          <ac:chgData name="François GLEYZON" userId="a2d04f23f7faf3ef" providerId="LiveId" clId="{1404D58C-429C-4D75-B5B2-E1C9B8E0DC36}" dt="2025-04-04T14:23:43.675" v="16671" actId="404"/>
+          <ac:spMkLst>
+            <pc:docMk/>
+            <pc:sldMk cId="1952223921" sldId="286"/>
+            <ac:spMk id="3" creationId="{A79F57BC-6F26-9353-4409-4041965470AE}"/>
+          </ac:spMkLst>
+        </pc:spChg>
+        <pc:spChg chg="add mod">
+          <ac:chgData name="François GLEYZON" userId="a2d04f23f7faf3ef" providerId="LiveId" clId="{1404D58C-429C-4D75-B5B2-E1C9B8E0DC36}" dt="2025-04-04T14:10:50.950" v="16076" actId="208"/>
+          <ac:spMkLst>
+            <pc:docMk/>
+            <pc:sldMk cId="1952223921" sldId="286"/>
+            <ac:spMk id="4" creationId="{4A865920-B03F-5D01-ACF4-2401D703D733}"/>
+          </ac:spMkLst>
+        </pc:spChg>
+        <pc:spChg chg="add mod">
+          <ac:chgData name="François GLEYZON" userId="a2d04f23f7faf3ef" providerId="LiveId" clId="{1404D58C-429C-4D75-B5B2-E1C9B8E0DC36}" dt="2025-04-04T14:12:01.126" v="16098" actId="1076"/>
+          <ac:spMkLst>
+            <pc:docMk/>
+            <pc:sldMk cId="1952223921" sldId="286"/>
+            <ac:spMk id="6" creationId="{96D32A23-F475-7E10-1F15-541EC1D9BCB2}"/>
+          </ac:spMkLst>
+        </pc:spChg>
+        <pc:spChg chg="add mod">
+          <ac:chgData name="François GLEYZON" userId="a2d04f23f7faf3ef" providerId="LiveId" clId="{1404D58C-429C-4D75-B5B2-E1C9B8E0DC36}" dt="2025-04-04T14:13:01.196" v="16121" actId="1076"/>
+          <ac:spMkLst>
+            <pc:docMk/>
+            <pc:sldMk cId="1952223921" sldId="286"/>
+            <ac:spMk id="8" creationId="{193996A5-6307-3F22-ED8C-EF756E950575}"/>
+          </ac:spMkLst>
+        </pc:spChg>
+      </pc:sldChg>
       <pc:sldChg chg="addSp delSp modSp add mod">
-        <pc:chgData name="François GLEYZON" userId="a2d04f23f7faf3ef" providerId="LiveId" clId="{1404D58C-429C-4D75-B5B2-E1C9B8E0DC36}" dt="2025-04-04T00:23:54.492" v="15945" actId="20577"/>
+        <pc:chgData name="François GLEYZON" userId="a2d04f23f7faf3ef" providerId="LiveId" clId="{1404D58C-429C-4D75-B5B2-E1C9B8E0DC36}" dt="2025-04-04T14:21:59.899" v="16285" actId="14100"/>
         <pc:sldMkLst>
           <pc:docMk/>
           <pc:sldMk cId="1890707992" sldId="287"/>
         </pc:sldMkLst>
         <pc:spChg chg="mod">
-          <ac:chgData name="François GLEYZON" userId="a2d04f23f7faf3ef